--- a/Description/JazzGuestsUpload.pptx
+++ b/Description/JazzGuestsUpload.pptx
@@ -264,7 +264,7 @@
           <a:p>
             <a:fld id="{DDCE6D58-9B57-4731-A47B-3CD41B48F0A9}" type="datetimeFigureOut">
               <a:rPr lang="de-CH" smtClean="0"/>
-              <a:t>05.01.2024</a:t>
+              <a:t>09.01.2024</a:t>
             </a:fld>
             <a:endParaRPr lang="de-CH"/>
           </a:p>
@@ -434,7 +434,7 @@
           <a:p>
             <a:fld id="{DDCE6D58-9B57-4731-A47B-3CD41B48F0A9}" type="datetimeFigureOut">
               <a:rPr lang="de-CH" smtClean="0"/>
-              <a:t>05.01.2024</a:t>
+              <a:t>09.01.2024</a:t>
             </a:fld>
             <a:endParaRPr lang="de-CH"/>
           </a:p>
@@ -614,7 +614,7 @@
           <a:p>
             <a:fld id="{DDCE6D58-9B57-4731-A47B-3CD41B48F0A9}" type="datetimeFigureOut">
               <a:rPr lang="de-CH" smtClean="0"/>
-              <a:t>05.01.2024</a:t>
+              <a:t>09.01.2024</a:t>
             </a:fld>
             <a:endParaRPr lang="de-CH"/>
           </a:p>
@@ -784,7 +784,7 @@
           <a:p>
             <a:fld id="{DDCE6D58-9B57-4731-A47B-3CD41B48F0A9}" type="datetimeFigureOut">
               <a:rPr lang="de-CH" smtClean="0"/>
-              <a:t>05.01.2024</a:t>
+              <a:t>09.01.2024</a:t>
             </a:fld>
             <a:endParaRPr lang="de-CH"/>
           </a:p>
@@ -1030,7 +1030,7 @@
           <a:p>
             <a:fld id="{DDCE6D58-9B57-4731-A47B-3CD41B48F0A9}" type="datetimeFigureOut">
               <a:rPr lang="de-CH" smtClean="0"/>
-              <a:t>05.01.2024</a:t>
+              <a:t>09.01.2024</a:t>
             </a:fld>
             <a:endParaRPr lang="de-CH"/>
           </a:p>
@@ -1262,7 +1262,7 @@
           <a:p>
             <a:fld id="{DDCE6D58-9B57-4731-A47B-3CD41B48F0A9}" type="datetimeFigureOut">
               <a:rPr lang="de-CH" smtClean="0"/>
-              <a:t>05.01.2024</a:t>
+              <a:t>09.01.2024</a:t>
             </a:fld>
             <a:endParaRPr lang="de-CH"/>
           </a:p>
@@ -1629,7 +1629,7 @@
           <a:p>
             <a:fld id="{DDCE6D58-9B57-4731-A47B-3CD41B48F0A9}" type="datetimeFigureOut">
               <a:rPr lang="de-CH" smtClean="0"/>
-              <a:t>05.01.2024</a:t>
+              <a:t>09.01.2024</a:t>
             </a:fld>
             <a:endParaRPr lang="de-CH"/>
           </a:p>
@@ -1747,7 +1747,7 @@
           <a:p>
             <a:fld id="{DDCE6D58-9B57-4731-A47B-3CD41B48F0A9}" type="datetimeFigureOut">
               <a:rPr lang="de-CH" smtClean="0"/>
-              <a:t>05.01.2024</a:t>
+              <a:t>09.01.2024</a:t>
             </a:fld>
             <a:endParaRPr lang="de-CH"/>
           </a:p>
@@ -1842,7 +1842,7 @@
           <a:p>
             <a:fld id="{DDCE6D58-9B57-4731-A47B-3CD41B48F0A9}" type="datetimeFigureOut">
               <a:rPr lang="de-CH" smtClean="0"/>
-              <a:t>05.01.2024</a:t>
+              <a:t>09.01.2024</a:t>
             </a:fld>
             <a:endParaRPr lang="de-CH"/>
           </a:p>
@@ -2119,7 +2119,7 @@
           <a:p>
             <a:fld id="{DDCE6D58-9B57-4731-A47B-3CD41B48F0A9}" type="datetimeFigureOut">
               <a:rPr lang="de-CH" smtClean="0"/>
-              <a:t>05.01.2024</a:t>
+              <a:t>09.01.2024</a:t>
             </a:fld>
             <a:endParaRPr lang="de-CH"/>
           </a:p>
@@ -2372,7 +2372,7 @@
           <a:p>
             <a:fld id="{DDCE6D58-9B57-4731-A47B-3CD41B48F0A9}" type="datetimeFigureOut">
               <a:rPr lang="de-CH" smtClean="0"/>
-              <a:t>05.01.2024</a:t>
+              <a:t>09.01.2024</a:t>
             </a:fld>
             <a:endParaRPr lang="de-CH"/>
           </a:p>
@@ -2585,7 +2585,7 @@
           <a:p>
             <a:fld id="{DDCE6D58-9B57-4731-A47B-3CD41B48F0A9}" type="datetimeFigureOut">
               <a:rPr lang="de-CH" smtClean="0"/>
-              <a:t>05.01.2024</a:t>
+              <a:t>09.01.2024</a:t>
             </a:fld>
             <a:endParaRPr lang="de-CH"/>
           </a:p>
@@ -3019,7 +3019,7 @@
         </p:blipFill>
         <p:spPr bwMode="auto">
           <a:xfrm>
-            <a:off x="2627595" y="616633"/>
+            <a:off x="2604435" y="552938"/>
             <a:ext cx="766129" cy="766129"/>
           </a:xfrm>
           <a:prstGeom prst="rect">
@@ -3066,7 +3066,7 @@
         </p:blipFill>
         <p:spPr bwMode="auto">
           <a:xfrm>
-            <a:off x="2870048" y="1336632"/>
+            <a:off x="2783974" y="1611531"/>
             <a:ext cx="1812174" cy="1812174"/>
           </a:xfrm>
           <a:prstGeom prst="rect">
@@ -3113,7 +3113,7 @@
         </p:blipFill>
         <p:spPr bwMode="auto">
           <a:xfrm>
-            <a:off x="3575453" y="499174"/>
+            <a:off x="3770566" y="491708"/>
             <a:ext cx="1582177" cy="883588"/>
           </a:xfrm>
           <a:prstGeom prst="rect">
@@ -3153,7 +3153,7 @@
         </p:blipFill>
         <p:spPr>
           <a:xfrm>
-            <a:off x="5454623" y="1480886"/>
+            <a:off x="5713488" y="1477368"/>
             <a:ext cx="2724471" cy="1040144"/>
           </a:xfrm>
           <a:prstGeom prst="rect">
@@ -3679,7 +3679,7 @@
         </p:nvSpPr>
         <p:spPr>
           <a:xfrm>
-            <a:off x="2468042" y="296737"/>
+            <a:off x="2420229" y="213339"/>
             <a:ext cx="1085233" cy="307777"/>
           </a:xfrm>
           <a:prstGeom prst="rect">
@@ -3717,7 +3717,7 @@
         </p:nvSpPr>
         <p:spPr>
           <a:xfrm>
-            <a:off x="3776135" y="250487"/>
+            <a:off x="3975772" y="222246"/>
             <a:ext cx="1372560" cy="307777"/>
           </a:xfrm>
           <a:prstGeom prst="rect">
@@ -3736,7 +3736,7 @@
                 <a:latin typeface="Arial" panose="020B0604020202020204" pitchFamily="34" charset="0"/>
                 <a:cs typeface="Arial" panose="020B0604020202020204" pitchFamily="34" charset="0"/>
               </a:rPr>
-              <a:t>Kamerabild</a:t>
+              <a:t>Kamerakopie</a:t>
             </a:r>
           </a:p>
         </p:txBody>
@@ -3755,8 +3755,8 @@
         </p:nvSpPr>
         <p:spPr>
           <a:xfrm>
-            <a:off x="3342756" y="1555205"/>
-            <a:ext cx="1372560" cy="307777"/>
+            <a:off x="3376241" y="1773671"/>
+            <a:ext cx="889879" cy="307777"/>
           </a:xfrm>
           <a:prstGeom prst="rect">
             <a:avLst/>
@@ -3793,7 +3793,7 @@
         </p:nvSpPr>
         <p:spPr>
           <a:xfrm>
-            <a:off x="5515967" y="1070622"/>
+            <a:off x="5818507" y="1067519"/>
             <a:ext cx="1372560" cy="307777"/>
           </a:xfrm>
           <a:prstGeom prst="rect">
@@ -3907,7 +3907,7 @@
         </p:nvSpPr>
         <p:spPr>
           <a:xfrm>
-            <a:off x="3472962" y="2475865"/>
+            <a:off x="3279060" y="3244800"/>
             <a:ext cx="556074" cy="646331"/>
           </a:xfrm>
           <a:prstGeom prst="rect">
@@ -4041,6 +4041,88 @@
                 <a:cs typeface="Arial" panose="020B0604020202020204" pitchFamily="34" charset="0"/>
               </a:rPr>
               <a:t>4</a:t>
+            </a:r>
+          </a:p>
+        </p:txBody>
+      </p:sp>
+      <p:sp>
+        <p:nvSpPr>
+          <p:cNvPr id="2" name="Textfeld 1">
+            <a:extLst>
+              <a:ext uri="{FF2B5EF4-FFF2-40B4-BE49-F238E27FC236}">
+                <a16:creationId xmlns:a16="http://schemas.microsoft.com/office/drawing/2014/main" id="{F9DC1F21-6F5A-C914-23A9-53DD0B48E602}"/>
+              </a:ext>
+            </a:extLst>
+          </p:cNvPr>
+          <p:cNvSpPr txBox="1"/>
+          <p:nvPr/>
+        </p:nvSpPr>
+        <p:spPr>
+          <a:xfrm>
+            <a:off x="3441622" y="607266"/>
+            <a:ext cx="441010" cy="646331"/>
+          </a:xfrm>
+          <a:prstGeom prst="rect">
+            <a:avLst/>
+          </a:prstGeom>
+          <a:noFill/>
+        </p:spPr>
+        <p:txBody>
+          <a:bodyPr wrap="square" rtlCol="0">
+            <a:spAutoFit/>
+          </a:bodyPr>
+          <a:lstStyle/>
+          <a:p>
+            <a:r>
+              <a:rPr lang="de-CH" sz="3600" b="1" dirty="0">
+                <a:solidFill>
+                  <a:srgbClr val="FF0000"/>
+                </a:solidFill>
+                <a:latin typeface="Arial" panose="020B0604020202020204" pitchFamily="34" charset="0"/>
+                <a:cs typeface="Arial" panose="020B0604020202020204" pitchFamily="34" charset="0"/>
+              </a:rPr>
+              <a:t>+</a:t>
+            </a:r>
+          </a:p>
+        </p:txBody>
+      </p:sp>
+      <p:sp>
+        <p:nvSpPr>
+          <p:cNvPr id="3" name="Textfeld 2">
+            <a:extLst>
+              <a:ext uri="{FF2B5EF4-FFF2-40B4-BE49-F238E27FC236}">
+                <a16:creationId xmlns:a16="http://schemas.microsoft.com/office/drawing/2014/main" id="{11C6EAF5-8A1A-3F21-82FC-0BDDE0401B06}"/>
+              </a:ext>
+            </a:extLst>
+          </p:cNvPr>
+          <p:cNvSpPr txBox="1"/>
+          <p:nvPr/>
+        </p:nvSpPr>
+        <p:spPr>
+          <a:xfrm>
+            <a:off x="3255705" y="1274594"/>
+            <a:ext cx="1372560" cy="523220"/>
+          </a:xfrm>
+          <a:prstGeom prst="rect">
+            <a:avLst/>
+          </a:prstGeom>
+          <a:noFill/>
+        </p:spPr>
+        <p:txBody>
+          <a:bodyPr wrap="square" rtlCol="0">
+            <a:spAutoFit/>
+          </a:bodyPr>
+          <a:lstStyle/>
+          <a:p>
+            <a:r>
+              <a:rPr lang="de-CH" sz="2800" b="1" i="1" dirty="0">
+                <a:solidFill>
+                  <a:srgbClr val="FF0000"/>
+                </a:solidFill>
+                <a:latin typeface="Arial" panose="020B0604020202020204" pitchFamily="34" charset="0"/>
+                <a:cs typeface="Arial" panose="020B0604020202020204" pitchFamily="34" charset="0"/>
+              </a:rPr>
+              <a:t>oder</a:t>
             </a:r>
           </a:p>
         </p:txBody>

--- a/Description/JazzGuestsUpload.pptx
+++ b/Description/JazzGuestsUpload.pptx
@@ -7267,8 +7267,8 @@
         </p:nvSpPr>
         <p:spPr>
           <a:xfrm>
-            <a:off x="2572356" y="4229757"/>
-            <a:ext cx="735983" cy="292247"/>
+            <a:off x="203357" y="3344171"/>
+            <a:ext cx="3166948" cy="292247"/>
           </a:xfrm>
           <a:prstGeom prst="rect">
             <a:avLst/>
@@ -7309,7 +7309,7 @@
                 <a:latin typeface="Arial" panose="020B0604020202020204" pitchFamily="34" charset="0"/>
                 <a:cs typeface="Arial" panose="020B0604020202020204" pitchFamily="34" charset="0"/>
               </a:rPr>
-              <a:t>Senden</a:t>
+              <a:t>Weiter</a:t>
             </a:r>
           </a:p>
         </p:txBody>
@@ -7436,6 +7436,36 @@
           </a:p>
         </p:txBody>
       </p:sp>
+      <p:pic>
+        <p:nvPicPr>
+          <p:cNvPr id="31" name="Grafik 30">
+            <a:extLst>
+              <a:ext uri="{FF2B5EF4-FFF2-40B4-BE49-F238E27FC236}">
+                <a16:creationId xmlns:a16="http://schemas.microsoft.com/office/drawing/2014/main" id="{0DFB1128-83C3-1FD0-1537-3645051ED72C}"/>
+              </a:ext>
+            </a:extLst>
+          </p:cNvPr>
+          <p:cNvPicPr>
+            <a:picLocks noChangeAspect="1"/>
+          </p:cNvPicPr>
+          <p:nvPr/>
+        </p:nvPicPr>
+        <p:blipFill>
+          <a:blip r:embed="rId6"/>
+          <a:stretch>
+            <a:fillRect/>
+          </a:stretch>
+        </p:blipFill>
+        <p:spPr>
+          <a:xfrm>
+            <a:off x="1226418" y="3733949"/>
+            <a:ext cx="899396" cy="855192"/>
+          </a:xfrm>
+          <a:prstGeom prst="rect">
+            <a:avLst/>
+          </a:prstGeom>
+        </p:spPr>
+      </p:pic>
     </p:spTree>
     <p:extLst>
       <p:ext uri="{BB962C8B-B14F-4D97-AF65-F5344CB8AC3E}">
@@ -7876,11 +7906,19 @@
           <a:p>
             <a:r>
               <a:rPr lang="de-CH" sz="1100" b="1" dirty="0" err="1"/>
-              <a:t>id_div_upload_image</a:t>
+              <a:t>id_div</a:t>
             </a:r>
             <a:r>
               <a:rPr lang="de-CH" sz="1100" b="1" dirty="0"/>
-              <a:t>  </a:t>
+              <a:t>_ </a:t>
+            </a:r>
+            <a:r>
+              <a:rPr lang="de-CH" sz="1100" b="1" dirty="0" err="1"/>
+              <a:t>upload_container_part_two</a:t>
+            </a:r>
+            <a:r>
+              <a:rPr lang="de-CH" sz="1100" b="1" dirty="0"/>
+              <a:t> </a:t>
             </a:r>
             <a:r>
               <a:rPr lang="de-CH" sz="1100" b="1" dirty="0" err="1"/>
@@ -8741,7 +8779,7 @@
         <p:spPr>
           <a:xfrm>
             <a:off x="3288338" y="424696"/>
-            <a:ext cx="6270441" cy="1316905"/>
+            <a:ext cx="6270441" cy="3628830"/>
           </a:xfrm>
           <a:prstGeom prst="rect">
             <a:avLst/>
@@ -8793,6 +8831,110 @@
         <p:spPr>
           <a:xfrm>
             <a:off x="3284240" y="381585"/>
+            <a:ext cx="4333461" cy="261610"/>
+          </a:xfrm>
+          <a:prstGeom prst="rect">
+            <a:avLst/>
+          </a:prstGeom>
+          <a:noFill/>
+        </p:spPr>
+        <p:txBody>
+          <a:bodyPr wrap="square" rtlCol="0">
+            <a:spAutoFit/>
+          </a:bodyPr>
+          <a:lstStyle/>
+          <a:p>
+            <a:r>
+              <a:rPr lang="de-CH" sz="1100" b="1" dirty="0" err="1"/>
+              <a:t>id_div_upload_container_part_two</a:t>
+            </a:r>
+            <a:r>
+              <a:rPr lang="de-CH" sz="1100" b="1" dirty="0"/>
+              <a:t>  </a:t>
+            </a:r>
+            <a:r>
+              <a:rPr lang="de-CH" sz="1100" b="1" dirty="0" err="1"/>
+              <a:t>clear</a:t>
+            </a:r>
+            <a:r>
+              <a:rPr lang="de-CH" sz="1100" b="1" dirty="0"/>
+              <a:t> </a:t>
+            </a:r>
+            <a:r>
+              <a:rPr lang="de-CH" sz="1100" b="1" dirty="0" err="1"/>
+              <a:t>both</a:t>
+            </a:r>
+            <a:endParaRPr lang="de-CH" b="1" dirty="0"/>
+          </a:p>
+        </p:txBody>
+      </p:sp>
+      <p:sp>
+        <p:nvSpPr>
+          <p:cNvPr id="4" name="Rechteck 3">
+            <a:extLst>
+              <a:ext uri="{FF2B5EF4-FFF2-40B4-BE49-F238E27FC236}">
+                <a16:creationId xmlns:a16="http://schemas.microsoft.com/office/drawing/2014/main" id="{EA390380-79EC-61A2-A911-26C338F61D97}"/>
+              </a:ext>
+            </a:extLst>
+          </p:cNvPr>
+          <p:cNvSpPr/>
+          <p:nvPr/>
+        </p:nvSpPr>
+        <p:spPr>
+          <a:xfrm>
+            <a:off x="3373179" y="643194"/>
+            <a:ext cx="6053625" cy="2873003"/>
+          </a:xfrm>
+          <a:prstGeom prst="rect">
+            <a:avLst/>
+          </a:prstGeom>
+          <a:noFill/>
+          <a:ln w="19050">
+            <a:solidFill>
+              <a:schemeClr val="tx1"/>
+            </a:solidFill>
+          </a:ln>
+        </p:spPr>
+        <p:style>
+          <a:lnRef idx="2">
+            <a:schemeClr val="accent1">
+              <a:shade val="50000"/>
+            </a:schemeClr>
+          </a:lnRef>
+          <a:fillRef idx="1">
+            <a:schemeClr val="accent1"/>
+          </a:fillRef>
+          <a:effectRef idx="0">
+            <a:schemeClr val="accent1"/>
+          </a:effectRef>
+          <a:fontRef idx="minor">
+            <a:schemeClr val="lt1"/>
+          </a:fontRef>
+        </p:style>
+        <p:txBody>
+          <a:bodyPr rtlCol="0" anchor="ctr"/>
+          <a:lstStyle/>
+          <a:p>
+            <a:pPr algn="ctr"/>
+            <a:endParaRPr lang="de-CH" dirty="0"/>
+          </a:p>
+        </p:txBody>
+      </p:sp>
+      <p:sp>
+        <p:nvSpPr>
+          <p:cNvPr id="5" name="Textfeld 4">
+            <a:extLst>
+              <a:ext uri="{FF2B5EF4-FFF2-40B4-BE49-F238E27FC236}">
+                <a16:creationId xmlns:a16="http://schemas.microsoft.com/office/drawing/2014/main" id="{7E883965-7BB7-0CF8-E8A3-88A1678985B5}"/>
+              </a:ext>
+            </a:extLst>
+          </p:cNvPr>
+          <p:cNvSpPr txBox="1"/>
+          <p:nvPr/>
+        </p:nvSpPr>
+        <p:spPr>
+          <a:xfrm>
+            <a:off x="3373179" y="673646"/>
             <a:ext cx="4333461" cy="261610"/>
           </a:xfrm>
           <a:prstGeom prst="rect">

--- a/Description/JazzGuestsUpload.pptx
+++ b/Description/JazzGuestsUpload.pptx
@@ -8778,8 +8778,8 @@
         </p:nvSpPr>
         <p:spPr>
           <a:xfrm>
-            <a:off x="3288338" y="424696"/>
-            <a:ext cx="6270441" cy="3628830"/>
+            <a:off x="2816998" y="594378"/>
+            <a:ext cx="6270441" cy="5259667"/>
           </a:xfrm>
           <a:prstGeom prst="rect">
             <a:avLst/>
@@ -8830,7 +8830,7 @@
         </p:nvSpPr>
         <p:spPr>
           <a:xfrm>
-            <a:off x="3284240" y="381585"/>
+            <a:off x="2812900" y="551268"/>
             <a:ext cx="4333461" cy="261610"/>
           </a:xfrm>
           <a:prstGeom prst="rect">
@@ -8882,7 +8882,7 @@
         </p:nvSpPr>
         <p:spPr>
           <a:xfrm>
-            <a:off x="3373179" y="643194"/>
+            <a:off x="2901839" y="812877"/>
             <a:ext cx="6053625" cy="2873003"/>
           </a:xfrm>
           <a:prstGeom prst="rect">
@@ -8934,7 +8934,7 @@
         </p:nvSpPr>
         <p:spPr>
           <a:xfrm>
-            <a:off x="3373179" y="673646"/>
+            <a:off x="2901839" y="843329"/>
             <a:ext cx="4333461" cy="261610"/>
           </a:xfrm>
           <a:prstGeom prst="rect">
@@ -8950,7 +8950,7 @@
           <a:p>
             <a:r>
               <a:rPr lang="de-CH" sz="1100" b="1" dirty="0" err="1"/>
-              <a:t>id_div_upload_image</a:t>
+              <a:t>id_div_upload_input_file_image</a:t>
             </a:r>
             <a:r>
               <a:rPr lang="de-CH" sz="1100" b="1" dirty="0"/>
@@ -8967,6 +8967,909 @@
             <a:r>
               <a:rPr lang="de-CH" sz="1100" b="1" dirty="0" err="1"/>
               <a:t>both</a:t>
+            </a:r>
+            <a:endParaRPr lang="de-CH" b="1" dirty="0"/>
+          </a:p>
+        </p:txBody>
+      </p:sp>
+      <p:sp>
+        <p:nvSpPr>
+          <p:cNvPr id="10" name="Rechteck 9">
+            <a:extLst>
+              <a:ext uri="{FF2B5EF4-FFF2-40B4-BE49-F238E27FC236}">
+                <a16:creationId xmlns:a16="http://schemas.microsoft.com/office/drawing/2014/main" id="{7ABFDC11-97B6-7F0F-F539-5CDA3359270D}"/>
+              </a:ext>
+            </a:extLst>
+          </p:cNvPr>
+          <p:cNvSpPr/>
+          <p:nvPr/>
+        </p:nvSpPr>
+        <p:spPr>
+          <a:xfrm>
+            <a:off x="6162960" y="1564617"/>
+            <a:ext cx="1667596" cy="160628"/>
+          </a:xfrm>
+          <a:prstGeom prst="rect">
+            <a:avLst/>
+          </a:prstGeom>
+          <a:solidFill>
+            <a:schemeClr val="bg1"/>
+          </a:solidFill>
+          <a:ln>
+            <a:solidFill>
+              <a:schemeClr val="tx1"/>
+            </a:solidFill>
+          </a:ln>
+        </p:spPr>
+        <p:style>
+          <a:lnRef idx="2">
+            <a:schemeClr val="accent1">
+              <a:shade val="50000"/>
+            </a:schemeClr>
+          </a:lnRef>
+          <a:fillRef idx="1">
+            <a:schemeClr val="accent1"/>
+          </a:fillRef>
+          <a:effectRef idx="0">
+            <a:schemeClr val="accent1"/>
+          </a:effectRef>
+          <a:fontRef idx="minor">
+            <a:schemeClr val="lt1"/>
+          </a:fontRef>
+        </p:style>
+        <p:txBody>
+          <a:bodyPr rtlCol="0" anchor="ctr"/>
+          <a:lstStyle/>
+          <a:p>
+            <a:r>
+              <a:rPr lang="de-CH" sz="800" i="1" dirty="0">
+                <a:solidFill>
+                  <a:schemeClr val="tx1"/>
+                </a:solidFill>
+                <a:latin typeface="Arial" panose="020B0604020202020204" pitchFamily="34" charset="0"/>
+                <a:cs typeface="Arial" panose="020B0604020202020204" pitchFamily="34" charset="0"/>
+              </a:rPr>
+              <a:t>Name des ausgewählte Bildes </a:t>
+            </a:r>
+          </a:p>
+        </p:txBody>
+      </p:sp>
+      <p:sp>
+        <p:nvSpPr>
+          <p:cNvPr id="11" name="Rechteck 10">
+            <a:extLst>
+              <a:ext uri="{FF2B5EF4-FFF2-40B4-BE49-F238E27FC236}">
+                <a16:creationId xmlns:a16="http://schemas.microsoft.com/office/drawing/2014/main" id="{5AAFC9D4-407C-AF52-4731-99593116D2BD}"/>
+              </a:ext>
+            </a:extLst>
+          </p:cNvPr>
+          <p:cNvSpPr/>
+          <p:nvPr/>
+        </p:nvSpPr>
+        <p:spPr>
+          <a:xfrm>
+            <a:off x="6637472" y="1193430"/>
+            <a:ext cx="1017778" cy="237002"/>
+          </a:xfrm>
+          <a:prstGeom prst="rect">
+            <a:avLst/>
+          </a:prstGeom>
+          <a:noFill/>
+          <a:ln>
+            <a:solidFill>
+              <a:schemeClr val="tx1"/>
+            </a:solidFill>
+          </a:ln>
+        </p:spPr>
+        <p:style>
+          <a:lnRef idx="2">
+            <a:schemeClr val="accent1">
+              <a:shade val="50000"/>
+            </a:schemeClr>
+          </a:lnRef>
+          <a:fillRef idx="1">
+            <a:schemeClr val="accent1"/>
+          </a:fillRef>
+          <a:effectRef idx="0">
+            <a:schemeClr val="accent1"/>
+          </a:effectRef>
+          <a:fontRef idx="minor">
+            <a:schemeClr val="lt1"/>
+          </a:fontRef>
+        </p:style>
+        <p:txBody>
+          <a:bodyPr rtlCol="0" anchor="ctr"/>
+          <a:lstStyle/>
+          <a:p>
+            <a:pPr algn="ctr"/>
+            <a:r>
+              <a:rPr lang="de-CH" sz="1200" dirty="0">
+                <a:solidFill>
+                  <a:schemeClr val="tx1"/>
+                </a:solidFill>
+                <a:latin typeface="Arial" panose="020B0604020202020204" pitchFamily="34" charset="0"/>
+                <a:cs typeface="Arial" panose="020B0604020202020204" pitchFamily="34" charset="0"/>
+              </a:rPr>
+              <a:t>Bild wählen</a:t>
+            </a:r>
+          </a:p>
+        </p:txBody>
+      </p:sp>
+      <p:pic>
+        <p:nvPicPr>
+          <p:cNvPr id="13" name="Grafik 12">
+            <a:extLst>
+              <a:ext uri="{FF2B5EF4-FFF2-40B4-BE49-F238E27FC236}">
+                <a16:creationId xmlns:a16="http://schemas.microsoft.com/office/drawing/2014/main" id="{BDCB5C60-2F7E-C5A1-F4B8-5C6F182FDE01}"/>
+              </a:ext>
+            </a:extLst>
+          </p:cNvPr>
+          <p:cNvPicPr>
+            <a:picLocks noChangeAspect="1"/>
+          </p:cNvPicPr>
+          <p:nvPr/>
+        </p:nvPicPr>
+        <p:blipFill>
+          <a:blip r:embed="rId2"/>
+          <a:stretch>
+            <a:fillRect/>
+          </a:stretch>
+        </p:blipFill>
+        <p:spPr>
+          <a:xfrm>
+            <a:off x="4931828" y="2191020"/>
+            <a:ext cx="1193813" cy="1033191"/>
+          </a:xfrm>
+          <a:prstGeom prst="rect">
+            <a:avLst/>
+          </a:prstGeom>
+        </p:spPr>
+      </p:pic>
+      <p:sp>
+        <p:nvSpPr>
+          <p:cNvPr id="14" name="Rechteck 13">
+            <a:extLst>
+              <a:ext uri="{FF2B5EF4-FFF2-40B4-BE49-F238E27FC236}">
+                <a16:creationId xmlns:a16="http://schemas.microsoft.com/office/drawing/2014/main" id="{3CD631C4-8007-8A7F-0B29-6AF35EBF7396}"/>
+              </a:ext>
+            </a:extLst>
+          </p:cNvPr>
+          <p:cNvSpPr/>
+          <p:nvPr/>
+        </p:nvSpPr>
+        <p:spPr>
+          <a:xfrm>
+            <a:off x="6848731" y="4769713"/>
+            <a:ext cx="1017778" cy="292247"/>
+          </a:xfrm>
+          <a:prstGeom prst="rect">
+            <a:avLst/>
+          </a:prstGeom>
+          <a:noFill/>
+          <a:ln>
+            <a:solidFill>
+              <a:schemeClr val="tx1"/>
+            </a:solidFill>
+          </a:ln>
+        </p:spPr>
+        <p:style>
+          <a:lnRef idx="2">
+            <a:schemeClr val="accent1">
+              <a:shade val="50000"/>
+            </a:schemeClr>
+          </a:lnRef>
+          <a:fillRef idx="1">
+            <a:schemeClr val="accent1"/>
+          </a:fillRef>
+          <a:effectRef idx="0">
+            <a:schemeClr val="accent1"/>
+          </a:effectRef>
+          <a:fontRef idx="minor">
+            <a:schemeClr val="lt1"/>
+          </a:fontRef>
+        </p:style>
+        <p:txBody>
+          <a:bodyPr rtlCol="0" anchor="ctr"/>
+          <a:lstStyle/>
+          <a:p>
+            <a:pPr algn="ctr"/>
+            <a:r>
+              <a:rPr lang="de-CH" sz="1200" dirty="0">
+                <a:solidFill>
+                  <a:schemeClr val="tx1"/>
+                </a:solidFill>
+                <a:latin typeface="Arial" panose="020B0604020202020204" pitchFamily="34" charset="0"/>
+                <a:cs typeface="Arial" panose="020B0604020202020204" pitchFamily="34" charset="0"/>
+              </a:rPr>
+              <a:t>Weiter</a:t>
+            </a:r>
+          </a:p>
+        </p:txBody>
+      </p:sp>
+      <p:sp>
+        <p:nvSpPr>
+          <p:cNvPr id="15" name="Rechteck 14">
+            <a:extLst>
+              <a:ext uri="{FF2B5EF4-FFF2-40B4-BE49-F238E27FC236}">
+                <a16:creationId xmlns:a16="http://schemas.microsoft.com/office/drawing/2014/main" id="{365D8E90-275B-E6A9-14F1-4C233EF7F4A2}"/>
+              </a:ext>
+            </a:extLst>
+          </p:cNvPr>
+          <p:cNvSpPr/>
+          <p:nvPr/>
+        </p:nvSpPr>
+        <p:spPr>
+          <a:xfrm>
+            <a:off x="3469223" y="4778347"/>
+            <a:ext cx="970802" cy="235704"/>
+          </a:xfrm>
+          <a:prstGeom prst="rect">
+            <a:avLst/>
+          </a:prstGeom>
+          <a:noFill/>
+          <a:ln>
+            <a:solidFill>
+              <a:schemeClr val="tx1"/>
+            </a:solidFill>
+          </a:ln>
+        </p:spPr>
+        <p:style>
+          <a:lnRef idx="2">
+            <a:schemeClr val="accent1">
+              <a:shade val="50000"/>
+            </a:schemeClr>
+          </a:lnRef>
+          <a:fillRef idx="1">
+            <a:schemeClr val="accent1"/>
+          </a:fillRef>
+          <a:effectRef idx="0">
+            <a:schemeClr val="accent1"/>
+          </a:effectRef>
+          <a:fontRef idx="minor">
+            <a:schemeClr val="lt1"/>
+          </a:fontRef>
+        </p:style>
+        <p:txBody>
+          <a:bodyPr rtlCol="0" anchor="ctr"/>
+          <a:lstStyle/>
+          <a:p>
+            <a:pPr algn="ctr"/>
+            <a:r>
+              <a:rPr lang="de-CH" sz="1200" dirty="0">
+                <a:solidFill>
+                  <a:schemeClr val="tx1"/>
+                </a:solidFill>
+                <a:latin typeface="Arial" panose="020B0604020202020204" pitchFamily="34" charset="0"/>
+                <a:cs typeface="Arial" panose="020B0604020202020204" pitchFamily="34" charset="0"/>
+              </a:rPr>
+              <a:t>Zurück</a:t>
+            </a:r>
+          </a:p>
+        </p:txBody>
+      </p:sp>
+      <p:sp>
+        <p:nvSpPr>
+          <p:cNvPr id="16" name="Rechteck 15">
+            <a:extLst>
+              <a:ext uri="{FF2B5EF4-FFF2-40B4-BE49-F238E27FC236}">
+                <a16:creationId xmlns:a16="http://schemas.microsoft.com/office/drawing/2014/main" id="{1693A018-574C-E3DC-115E-AC63C201C051}"/>
+              </a:ext>
+            </a:extLst>
+          </p:cNvPr>
+          <p:cNvSpPr/>
+          <p:nvPr/>
+        </p:nvSpPr>
+        <p:spPr>
+          <a:xfrm>
+            <a:off x="2963073" y="1148050"/>
+            <a:ext cx="5731496" cy="289123"/>
+          </a:xfrm>
+          <a:prstGeom prst="rect">
+            <a:avLst/>
+          </a:prstGeom>
+          <a:noFill/>
+          <a:ln w="12700">
+            <a:solidFill>
+              <a:schemeClr val="tx1"/>
+            </a:solidFill>
+          </a:ln>
+        </p:spPr>
+        <p:style>
+          <a:lnRef idx="2">
+            <a:schemeClr val="accent1">
+              <a:shade val="50000"/>
+            </a:schemeClr>
+          </a:lnRef>
+          <a:fillRef idx="1">
+            <a:schemeClr val="accent1"/>
+          </a:fillRef>
+          <a:effectRef idx="0">
+            <a:schemeClr val="accent1"/>
+          </a:effectRef>
+          <a:fontRef idx="minor">
+            <a:schemeClr val="lt1"/>
+          </a:fontRef>
+        </p:style>
+        <p:txBody>
+          <a:bodyPr rtlCol="0" anchor="ctr"/>
+          <a:lstStyle/>
+          <a:p>
+            <a:pPr algn="ctr"/>
+            <a:endParaRPr lang="de-CH" dirty="0"/>
+          </a:p>
+        </p:txBody>
+      </p:sp>
+      <p:sp>
+        <p:nvSpPr>
+          <p:cNvPr id="17" name="Textfeld 16">
+            <a:extLst>
+              <a:ext uri="{FF2B5EF4-FFF2-40B4-BE49-F238E27FC236}">
+                <a16:creationId xmlns:a16="http://schemas.microsoft.com/office/drawing/2014/main" id="{D9E40867-B285-FD4F-1910-15A5F9DD4714}"/>
+              </a:ext>
+            </a:extLst>
+          </p:cNvPr>
+          <p:cNvSpPr txBox="1"/>
+          <p:nvPr/>
+        </p:nvSpPr>
+        <p:spPr>
+          <a:xfrm>
+            <a:off x="2963073" y="1148050"/>
+            <a:ext cx="5131324" cy="261610"/>
+          </a:xfrm>
+          <a:prstGeom prst="rect">
+            <a:avLst/>
+          </a:prstGeom>
+          <a:noFill/>
+        </p:spPr>
+        <p:txBody>
+          <a:bodyPr wrap="square" rtlCol="0">
+            <a:spAutoFit/>
+          </a:bodyPr>
+          <a:lstStyle/>
+          <a:p>
+            <a:r>
+              <a:rPr lang="de-CH" sz="1100" b="1" dirty="0" err="1"/>
+              <a:t>id_div_guestbook_fileupload</a:t>
+            </a:r>
+            <a:r>
+              <a:rPr lang="de-CH" sz="1100" b="1" dirty="0"/>
+              <a:t> </a:t>
+            </a:r>
+            <a:r>
+              <a:rPr lang="de-CH" sz="1100" b="1" dirty="0" err="1"/>
+              <a:t>clear</a:t>
+            </a:r>
+            <a:r>
+              <a:rPr lang="de-CH" sz="1100" b="1" dirty="0"/>
+              <a:t> </a:t>
+            </a:r>
+            <a:r>
+              <a:rPr lang="de-CH" sz="1100" b="1" dirty="0" err="1"/>
+              <a:t>both</a:t>
+            </a:r>
+            <a:endParaRPr lang="de-CH" b="1" dirty="0"/>
+          </a:p>
+        </p:txBody>
+      </p:sp>
+      <p:sp>
+        <p:nvSpPr>
+          <p:cNvPr id="18" name="Rechteck 17">
+            <a:extLst>
+              <a:ext uri="{FF2B5EF4-FFF2-40B4-BE49-F238E27FC236}">
+                <a16:creationId xmlns:a16="http://schemas.microsoft.com/office/drawing/2014/main" id="{4178727E-5D46-D413-5F8F-0030E58D28EE}"/>
+              </a:ext>
+            </a:extLst>
+          </p:cNvPr>
+          <p:cNvSpPr/>
+          <p:nvPr/>
+        </p:nvSpPr>
+        <p:spPr>
+          <a:xfrm>
+            <a:off x="2963073" y="1502679"/>
+            <a:ext cx="5731496" cy="289123"/>
+          </a:xfrm>
+          <a:prstGeom prst="rect">
+            <a:avLst/>
+          </a:prstGeom>
+          <a:noFill/>
+          <a:ln w="12700">
+            <a:solidFill>
+              <a:schemeClr val="tx1"/>
+            </a:solidFill>
+          </a:ln>
+        </p:spPr>
+        <p:style>
+          <a:lnRef idx="2">
+            <a:schemeClr val="accent1">
+              <a:shade val="50000"/>
+            </a:schemeClr>
+          </a:lnRef>
+          <a:fillRef idx="1">
+            <a:schemeClr val="accent1"/>
+          </a:fillRef>
+          <a:effectRef idx="0">
+            <a:schemeClr val="accent1"/>
+          </a:effectRef>
+          <a:fontRef idx="minor">
+            <a:schemeClr val="lt1"/>
+          </a:fontRef>
+        </p:style>
+        <p:txBody>
+          <a:bodyPr rtlCol="0" anchor="ctr"/>
+          <a:lstStyle/>
+          <a:p>
+            <a:pPr algn="ctr"/>
+            <a:endParaRPr lang="de-CH" dirty="0"/>
+          </a:p>
+        </p:txBody>
+      </p:sp>
+      <p:sp>
+        <p:nvSpPr>
+          <p:cNvPr id="19" name="Textfeld 18">
+            <a:extLst>
+              <a:ext uri="{FF2B5EF4-FFF2-40B4-BE49-F238E27FC236}">
+                <a16:creationId xmlns:a16="http://schemas.microsoft.com/office/drawing/2014/main" id="{2F72101C-B6E1-6A6A-6935-B22A2A584CB4}"/>
+              </a:ext>
+            </a:extLst>
+          </p:cNvPr>
+          <p:cNvSpPr txBox="1"/>
+          <p:nvPr/>
+        </p:nvSpPr>
+        <p:spPr>
+          <a:xfrm>
+            <a:off x="2963073" y="1502679"/>
+            <a:ext cx="5131324" cy="261610"/>
+          </a:xfrm>
+          <a:prstGeom prst="rect">
+            <a:avLst/>
+          </a:prstGeom>
+          <a:noFill/>
+        </p:spPr>
+        <p:txBody>
+          <a:bodyPr wrap="square" rtlCol="0">
+            <a:spAutoFit/>
+          </a:bodyPr>
+          <a:lstStyle/>
+          <a:p>
+            <a:r>
+              <a:rPr lang="de-CH" sz="1100" b="1" dirty="0" err="1"/>
+              <a:t>id_div_guestbook_file_name</a:t>
+            </a:r>
+            <a:r>
+              <a:rPr lang="de-CH" sz="1100" b="1" dirty="0"/>
+              <a:t>  </a:t>
+            </a:r>
+            <a:r>
+              <a:rPr lang="de-CH" sz="1100" b="1" dirty="0" err="1"/>
+              <a:t>clear</a:t>
+            </a:r>
+            <a:r>
+              <a:rPr lang="de-CH" sz="1100" b="1" dirty="0"/>
+              <a:t> </a:t>
+            </a:r>
+            <a:r>
+              <a:rPr lang="de-CH" sz="1100" b="1" dirty="0" err="1"/>
+              <a:t>both</a:t>
+            </a:r>
+            <a:endParaRPr lang="de-CH" b="1" dirty="0"/>
+          </a:p>
+        </p:txBody>
+      </p:sp>
+      <p:sp>
+        <p:nvSpPr>
+          <p:cNvPr id="20" name="Rechteck 19">
+            <a:extLst>
+              <a:ext uri="{FF2B5EF4-FFF2-40B4-BE49-F238E27FC236}">
+                <a16:creationId xmlns:a16="http://schemas.microsoft.com/office/drawing/2014/main" id="{41C105D4-5C3D-4BD9-FBF8-6E34CF38BE8C}"/>
+              </a:ext>
+            </a:extLst>
+          </p:cNvPr>
+          <p:cNvSpPr/>
+          <p:nvPr/>
+        </p:nvSpPr>
+        <p:spPr>
+          <a:xfrm>
+            <a:off x="2963073" y="1857308"/>
+            <a:ext cx="5731496" cy="1569731"/>
+          </a:xfrm>
+          <a:prstGeom prst="rect">
+            <a:avLst/>
+          </a:prstGeom>
+          <a:noFill/>
+          <a:ln w="12700">
+            <a:solidFill>
+              <a:schemeClr val="tx1"/>
+            </a:solidFill>
+          </a:ln>
+        </p:spPr>
+        <p:style>
+          <a:lnRef idx="2">
+            <a:schemeClr val="accent1">
+              <a:shade val="50000"/>
+            </a:schemeClr>
+          </a:lnRef>
+          <a:fillRef idx="1">
+            <a:schemeClr val="accent1"/>
+          </a:fillRef>
+          <a:effectRef idx="0">
+            <a:schemeClr val="accent1"/>
+          </a:effectRef>
+          <a:fontRef idx="minor">
+            <a:schemeClr val="lt1"/>
+          </a:fontRef>
+        </p:style>
+        <p:txBody>
+          <a:bodyPr rtlCol="0" anchor="ctr"/>
+          <a:lstStyle/>
+          <a:p>
+            <a:pPr algn="ctr"/>
+            <a:endParaRPr lang="de-CH" dirty="0"/>
+          </a:p>
+        </p:txBody>
+      </p:sp>
+      <p:sp>
+        <p:nvSpPr>
+          <p:cNvPr id="21" name="Textfeld 20">
+            <a:extLst>
+              <a:ext uri="{FF2B5EF4-FFF2-40B4-BE49-F238E27FC236}">
+                <a16:creationId xmlns:a16="http://schemas.microsoft.com/office/drawing/2014/main" id="{444FAB40-CB53-B536-616A-157F8229F94A}"/>
+              </a:ext>
+            </a:extLst>
+          </p:cNvPr>
+          <p:cNvSpPr txBox="1"/>
+          <p:nvPr/>
+        </p:nvSpPr>
+        <p:spPr>
+          <a:xfrm>
+            <a:off x="2963073" y="1833346"/>
+            <a:ext cx="5131324" cy="261610"/>
+          </a:xfrm>
+          <a:prstGeom prst="rect">
+            <a:avLst/>
+          </a:prstGeom>
+          <a:noFill/>
+        </p:spPr>
+        <p:txBody>
+          <a:bodyPr wrap="square" rtlCol="0">
+            <a:spAutoFit/>
+          </a:bodyPr>
+          <a:lstStyle/>
+          <a:p>
+            <a:r>
+              <a:rPr lang="de-CH" sz="1100" b="1" dirty="0" err="1"/>
+              <a:t>id_div_image_container</a:t>
+            </a:r>
+            <a:r>
+              <a:rPr lang="de-CH" sz="1100" b="1" dirty="0"/>
+              <a:t> </a:t>
+            </a:r>
+            <a:r>
+              <a:rPr lang="de-CH" sz="1100" b="1" dirty="0" err="1"/>
+              <a:t>clear</a:t>
+            </a:r>
+            <a:r>
+              <a:rPr lang="de-CH" sz="1100" b="1" dirty="0"/>
+              <a:t> </a:t>
+            </a:r>
+            <a:r>
+              <a:rPr lang="de-CH" sz="1100" b="1" dirty="0" err="1"/>
+              <a:t>both</a:t>
+            </a:r>
+            <a:endParaRPr lang="de-CH" b="1" dirty="0"/>
+          </a:p>
+        </p:txBody>
+      </p:sp>
+      <p:sp>
+        <p:nvSpPr>
+          <p:cNvPr id="22" name="Rechteck 21">
+            <a:extLst>
+              <a:ext uri="{FF2B5EF4-FFF2-40B4-BE49-F238E27FC236}">
+                <a16:creationId xmlns:a16="http://schemas.microsoft.com/office/drawing/2014/main" id="{FA07AF40-E0B0-1928-3F89-05B882454A53}"/>
+              </a:ext>
+            </a:extLst>
+          </p:cNvPr>
+          <p:cNvSpPr/>
+          <p:nvPr/>
+        </p:nvSpPr>
+        <p:spPr>
+          <a:xfrm>
+            <a:off x="2901838" y="4256487"/>
+            <a:ext cx="6053625" cy="1107533"/>
+          </a:xfrm>
+          <a:prstGeom prst="rect">
+            <a:avLst/>
+          </a:prstGeom>
+          <a:noFill/>
+          <a:ln w="19050">
+            <a:solidFill>
+              <a:schemeClr val="tx1"/>
+            </a:solidFill>
+          </a:ln>
+        </p:spPr>
+        <p:style>
+          <a:lnRef idx="2">
+            <a:schemeClr val="accent1">
+              <a:shade val="50000"/>
+            </a:schemeClr>
+          </a:lnRef>
+          <a:fillRef idx="1">
+            <a:schemeClr val="accent1"/>
+          </a:fillRef>
+          <a:effectRef idx="0">
+            <a:schemeClr val="accent1"/>
+          </a:effectRef>
+          <a:fontRef idx="minor">
+            <a:schemeClr val="lt1"/>
+          </a:fontRef>
+        </p:style>
+        <p:txBody>
+          <a:bodyPr rtlCol="0" anchor="ctr"/>
+          <a:lstStyle/>
+          <a:p>
+            <a:pPr algn="ctr"/>
+            <a:endParaRPr lang="de-CH" dirty="0"/>
+          </a:p>
+        </p:txBody>
+      </p:sp>
+      <p:sp>
+        <p:nvSpPr>
+          <p:cNvPr id="23" name="Textfeld 22">
+            <a:extLst>
+              <a:ext uri="{FF2B5EF4-FFF2-40B4-BE49-F238E27FC236}">
+                <a16:creationId xmlns:a16="http://schemas.microsoft.com/office/drawing/2014/main" id="{0BE30790-841D-B658-02B1-DDEDCBBCE0CE}"/>
+              </a:ext>
+            </a:extLst>
+          </p:cNvPr>
+          <p:cNvSpPr txBox="1"/>
+          <p:nvPr/>
+        </p:nvSpPr>
+        <p:spPr>
+          <a:xfrm>
+            <a:off x="2901838" y="4258489"/>
+            <a:ext cx="4333461" cy="261610"/>
+          </a:xfrm>
+          <a:prstGeom prst="rect">
+            <a:avLst/>
+          </a:prstGeom>
+          <a:noFill/>
+        </p:spPr>
+        <p:txBody>
+          <a:bodyPr wrap="square" rtlCol="0">
+            <a:spAutoFit/>
+          </a:bodyPr>
+          <a:lstStyle/>
+          <a:p>
+            <a:r>
+              <a:rPr lang="de-CH" sz="1100" b="1" dirty="0" err="1"/>
+              <a:t>id_div_upload_button_back_forward</a:t>
+            </a:r>
+            <a:r>
+              <a:rPr lang="de-CH" sz="1100" b="1" dirty="0"/>
+              <a:t>  </a:t>
+            </a:r>
+            <a:r>
+              <a:rPr lang="de-CH" sz="1100" b="1" dirty="0" err="1"/>
+              <a:t>clear</a:t>
+            </a:r>
+            <a:r>
+              <a:rPr lang="de-CH" sz="1100" b="1" dirty="0"/>
+              <a:t> </a:t>
+            </a:r>
+            <a:r>
+              <a:rPr lang="de-CH" sz="1100" b="1" dirty="0" err="1"/>
+              <a:t>both</a:t>
+            </a:r>
+            <a:endParaRPr lang="de-CH" b="1" dirty="0"/>
+          </a:p>
+        </p:txBody>
+      </p:sp>
+      <p:sp>
+        <p:nvSpPr>
+          <p:cNvPr id="24" name="Rechteck 23">
+            <a:extLst>
+              <a:ext uri="{FF2B5EF4-FFF2-40B4-BE49-F238E27FC236}">
+                <a16:creationId xmlns:a16="http://schemas.microsoft.com/office/drawing/2014/main" id="{1D5D3503-73A8-A1E9-2DE6-6CE8C2873751}"/>
+              </a:ext>
+            </a:extLst>
+          </p:cNvPr>
+          <p:cNvSpPr/>
+          <p:nvPr/>
+        </p:nvSpPr>
+        <p:spPr>
+          <a:xfrm>
+            <a:off x="2963074" y="4498290"/>
+            <a:ext cx="2796704" cy="595754"/>
+          </a:xfrm>
+          <a:prstGeom prst="rect">
+            <a:avLst/>
+          </a:prstGeom>
+          <a:noFill/>
+          <a:ln w="19050">
+            <a:solidFill>
+              <a:schemeClr val="tx1"/>
+            </a:solidFill>
+          </a:ln>
+        </p:spPr>
+        <p:style>
+          <a:lnRef idx="2">
+            <a:schemeClr val="accent1">
+              <a:shade val="50000"/>
+            </a:schemeClr>
+          </a:lnRef>
+          <a:fillRef idx="1">
+            <a:schemeClr val="accent1"/>
+          </a:fillRef>
+          <a:effectRef idx="0">
+            <a:schemeClr val="accent1"/>
+          </a:effectRef>
+          <a:fontRef idx="minor">
+            <a:schemeClr val="lt1"/>
+          </a:fontRef>
+        </p:style>
+        <p:txBody>
+          <a:bodyPr rtlCol="0" anchor="ctr"/>
+          <a:lstStyle/>
+          <a:p>
+            <a:pPr algn="ctr"/>
+            <a:endParaRPr lang="de-CH" dirty="0"/>
+          </a:p>
+        </p:txBody>
+      </p:sp>
+      <p:sp>
+        <p:nvSpPr>
+          <p:cNvPr id="25" name="Textfeld 24">
+            <a:extLst>
+              <a:ext uri="{FF2B5EF4-FFF2-40B4-BE49-F238E27FC236}">
+                <a16:creationId xmlns:a16="http://schemas.microsoft.com/office/drawing/2014/main" id="{781F1392-A57C-EF21-43B3-B5A797C205C3}"/>
+              </a:ext>
+            </a:extLst>
+          </p:cNvPr>
+          <p:cNvSpPr txBox="1"/>
+          <p:nvPr/>
+        </p:nvSpPr>
+        <p:spPr>
+          <a:xfrm>
+            <a:off x="2963073" y="4512639"/>
+            <a:ext cx="2796703" cy="261610"/>
+          </a:xfrm>
+          <a:prstGeom prst="rect">
+            <a:avLst/>
+          </a:prstGeom>
+          <a:noFill/>
+        </p:spPr>
+        <p:txBody>
+          <a:bodyPr wrap="square" rtlCol="0">
+            <a:spAutoFit/>
+          </a:bodyPr>
+          <a:lstStyle/>
+          <a:p>
+            <a:r>
+              <a:rPr lang="de-CH" sz="1100" b="1" dirty="0" err="1"/>
+              <a:t>id_upload_button_back_two</a:t>
+            </a:r>
+            <a:r>
+              <a:rPr lang="de-CH" sz="1100" b="1" dirty="0"/>
+              <a:t> </a:t>
+            </a:r>
+            <a:r>
+              <a:rPr lang="de-CH" sz="1100" b="1" dirty="0" err="1"/>
+              <a:t>float</a:t>
+            </a:r>
+            <a:r>
+              <a:rPr lang="de-CH" sz="1100" b="1" dirty="0"/>
+              <a:t> </a:t>
+            </a:r>
+            <a:r>
+              <a:rPr lang="de-CH" sz="1100" b="1" dirty="0" err="1"/>
+              <a:t>left</a:t>
+            </a:r>
+            <a:endParaRPr lang="de-CH" b="1" dirty="0"/>
+          </a:p>
+        </p:txBody>
+      </p:sp>
+      <p:sp>
+        <p:nvSpPr>
+          <p:cNvPr id="26" name="Rechteck 25">
+            <a:extLst>
+              <a:ext uri="{FF2B5EF4-FFF2-40B4-BE49-F238E27FC236}">
+                <a16:creationId xmlns:a16="http://schemas.microsoft.com/office/drawing/2014/main" id="{A70998FB-6CA3-4326-C34F-BB0EEA264EC5}"/>
+              </a:ext>
+            </a:extLst>
+          </p:cNvPr>
+          <p:cNvSpPr/>
+          <p:nvPr/>
+        </p:nvSpPr>
+        <p:spPr>
+          <a:xfrm>
+            <a:off x="5836947" y="4494953"/>
+            <a:ext cx="2857622" cy="595754"/>
+          </a:xfrm>
+          <a:prstGeom prst="rect">
+            <a:avLst/>
+          </a:prstGeom>
+          <a:noFill/>
+          <a:ln w="19050">
+            <a:solidFill>
+              <a:schemeClr val="tx1"/>
+            </a:solidFill>
+          </a:ln>
+        </p:spPr>
+        <p:style>
+          <a:lnRef idx="2">
+            <a:schemeClr val="accent1">
+              <a:shade val="50000"/>
+            </a:schemeClr>
+          </a:lnRef>
+          <a:fillRef idx="1">
+            <a:schemeClr val="accent1"/>
+          </a:fillRef>
+          <a:effectRef idx="0">
+            <a:schemeClr val="accent1"/>
+          </a:effectRef>
+          <a:fontRef idx="minor">
+            <a:schemeClr val="lt1"/>
+          </a:fontRef>
+        </p:style>
+        <p:txBody>
+          <a:bodyPr rtlCol="0" anchor="ctr"/>
+          <a:lstStyle/>
+          <a:p>
+            <a:pPr algn="ctr"/>
+            <a:endParaRPr lang="de-CH" dirty="0"/>
+          </a:p>
+        </p:txBody>
+      </p:sp>
+      <p:sp>
+        <p:nvSpPr>
+          <p:cNvPr id="27" name="Textfeld 26">
+            <a:extLst>
+              <a:ext uri="{FF2B5EF4-FFF2-40B4-BE49-F238E27FC236}">
+                <a16:creationId xmlns:a16="http://schemas.microsoft.com/office/drawing/2014/main" id="{EC46F527-DD0F-06A3-9051-988C6D640B99}"/>
+              </a:ext>
+            </a:extLst>
+          </p:cNvPr>
+          <p:cNvSpPr txBox="1"/>
+          <p:nvPr/>
+        </p:nvSpPr>
+        <p:spPr>
+          <a:xfrm>
+            <a:off x="5759776" y="4509195"/>
+            <a:ext cx="3250492" cy="261610"/>
+          </a:xfrm>
+          <a:prstGeom prst="rect">
+            <a:avLst/>
+          </a:prstGeom>
+          <a:noFill/>
+        </p:spPr>
+        <p:txBody>
+          <a:bodyPr wrap="square" rtlCol="0">
+            <a:spAutoFit/>
+          </a:bodyPr>
+          <a:lstStyle/>
+          <a:p>
+            <a:r>
+              <a:rPr lang="de-CH" sz="1100" b="1"/>
+              <a:t>id_</a:t>
+            </a:r>
+            <a:r>
+              <a:rPr lang="de-CH" sz="1100" b="1" dirty="0" err="1"/>
+              <a:t>upload_button_forward_two</a:t>
+            </a:r>
+            <a:r>
+              <a:rPr lang="de-CH" sz="1100" b="1" dirty="0"/>
+              <a:t>  </a:t>
+            </a:r>
+            <a:r>
+              <a:rPr lang="de-CH" sz="1100" b="1" dirty="0" err="1"/>
+              <a:t>float</a:t>
+            </a:r>
+            <a:r>
+              <a:rPr lang="de-CH" sz="1100" b="1" dirty="0"/>
+              <a:t> </a:t>
+            </a:r>
+            <a:r>
+              <a:rPr lang="de-CH" sz="1100" b="1" dirty="0" err="1"/>
+              <a:t>right</a:t>
             </a:r>
             <a:endParaRPr lang="de-CH" b="1" dirty="0"/>
           </a:p>

--- a/Description/JazzGuestsUpload.pptx
+++ b/Description/JazzGuestsUpload.pptx
@@ -264,7 +264,7 @@
           <a:p>
             <a:fld id="{DDCE6D58-9B57-4731-A47B-3CD41B48F0A9}" type="datetimeFigureOut">
               <a:rPr lang="de-CH" smtClean="0"/>
-              <a:t>09.01.2024</a:t>
+              <a:t>10.01.2024</a:t>
             </a:fld>
             <a:endParaRPr lang="de-CH"/>
           </a:p>
@@ -434,7 +434,7 @@
           <a:p>
             <a:fld id="{DDCE6D58-9B57-4731-A47B-3CD41B48F0A9}" type="datetimeFigureOut">
               <a:rPr lang="de-CH" smtClean="0"/>
-              <a:t>09.01.2024</a:t>
+              <a:t>10.01.2024</a:t>
             </a:fld>
             <a:endParaRPr lang="de-CH"/>
           </a:p>
@@ -614,7 +614,7 @@
           <a:p>
             <a:fld id="{DDCE6D58-9B57-4731-A47B-3CD41B48F0A9}" type="datetimeFigureOut">
               <a:rPr lang="de-CH" smtClean="0"/>
-              <a:t>09.01.2024</a:t>
+              <a:t>10.01.2024</a:t>
             </a:fld>
             <a:endParaRPr lang="de-CH"/>
           </a:p>
@@ -784,7 +784,7 @@
           <a:p>
             <a:fld id="{DDCE6D58-9B57-4731-A47B-3CD41B48F0A9}" type="datetimeFigureOut">
               <a:rPr lang="de-CH" smtClean="0"/>
-              <a:t>09.01.2024</a:t>
+              <a:t>10.01.2024</a:t>
             </a:fld>
             <a:endParaRPr lang="de-CH"/>
           </a:p>
@@ -1030,7 +1030,7 @@
           <a:p>
             <a:fld id="{DDCE6D58-9B57-4731-A47B-3CD41B48F0A9}" type="datetimeFigureOut">
               <a:rPr lang="de-CH" smtClean="0"/>
-              <a:t>09.01.2024</a:t>
+              <a:t>10.01.2024</a:t>
             </a:fld>
             <a:endParaRPr lang="de-CH"/>
           </a:p>
@@ -1262,7 +1262,7 @@
           <a:p>
             <a:fld id="{DDCE6D58-9B57-4731-A47B-3CD41B48F0A9}" type="datetimeFigureOut">
               <a:rPr lang="de-CH" smtClean="0"/>
-              <a:t>09.01.2024</a:t>
+              <a:t>10.01.2024</a:t>
             </a:fld>
             <a:endParaRPr lang="de-CH"/>
           </a:p>
@@ -1629,7 +1629,7 @@
           <a:p>
             <a:fld id="{DDCE6D58-9B57-4731-A47B-3CD41B48F0A9}" type="datetimeFigureOut">
               <a:rPr lang="de-CH" smtClean="0"/>
-              <a:t>09.01.2024</a:t>
+              <a:t>10.01.2024</a:t>
             </a:fld>
             <a:endParaRPr lang="de-CH"/>
           </a:p>
@@ -1747,7 +1747,7 @@
           <a:p>
             <a:fld id="{DDCE6D58-9B57-4731-A47B-3CD41B48F0A9}" type="datetimeFigureOut">
               <a:rPr lang="de-CH" smtClean="0"/>
-              <a:t>09.01.2024</a:t>
+              <a:t>10.01.2024</a:t>
             </a:fld>
             <a:endParaRPr lang="de-CH"/>
           </a:p>
@@ -1842,7 +1842,7 @@
           <a:p>
             <a:fld id="{DDCE6D58-9B57-4731-A47B-3CD41B48F0A9}" type="datetimeFigureOut">
               <a:rPr lang="de-CH" smtClean="0"/>
-              <a:t>09.01.2024</a:t>
+              <a:t>10.01.2024</a:t>
             </a:fld>
             <a:endParaRPr lang="de-CH"/>
           </a:p>
@@ -2119,7 +2119,7 @@
           <a:p>
             <a:fld id="{DDCE6D58-9B57-4731-A47B-3CD41B48F0A9}" type="datetimeFigureOut">
               <a:rPr lang="de-CH" smtClean="0"/>
-              <a:t>09.01.2024</a:t>
+              <a:t>10.01.2024</a:t>
             </a:fld>
             <a:endParaRPr lang="de-CH"/>
           </a:p>
@@ -2372,7 +2372,7 @@
           <a:p>
             <a:fld id="{DDCE6D58-9B57-4731-A47B-3CD41B48F0A9}" type="datetimeFigureOut">
               <a:rPr lang="de-CH" smtClean="0"/>
-              <a:t>09.01.2024</a:t>
+              <a:t>10.01.2024</a:t>
             </a:fld>
             <a:endParaRPr lang="de-CH"/>
           </a:p>
@@ -2585,7 +2585,7 @@
           <a:p>
             <a:fld id="{DDCE6D58-9B57-4731-A47B-3CD41B48F0A9}" type="datetimeFigureOut">
               <a:rPr lang="de-CH" smtClean="0"/>
-              <a:t>09.01.2024</a:t>
+              <a:t>10.01.2024</a:t>
             </a:fld>
             <a:endParaRPr lang="de-CH"/>
           </a:p>
@@ -9641,11 +9641,15 @@
           <a:p>
             <a:r>
               <a:rPr lang="de-CH" sz="1100" b="1" dirty="0" err="1"/>
-              <a:t>id_div_upload_button_back_forward</a:t>
-            </a:r>
-            <a:r>
-              <a:rPr lang="de-CH" sz="1100" b="1" dirty="0"/>
-              <a:t>  </a:t>
+              <a:t>id_div_upload_button_back_forward_</a:t>
+            </a:r>
+            <a:r>
+              <a:rPr lang="de-CH" sz="1100" b="1" err="1"/>
+              <a:t>part</a:t>
+            </a:r>
+            <a:r>
+              <a:rPr lang="de-CH" sz="1100" b="1"/>
+              <a:t>_two  </a:t>
             </a:r>
             <a:r>
               <a:rPr lang="de-CH" sz="1100" b="1" dirty="0" err="1"/>

--- a/Description/JazzGuestsUpload.pptx
+++ b/Description/JazzGuestsUpload.pptx
@@ -8883,7 +8883,7 @@
         <p:spPr>
           <a:xfrm>
             <a:off x="2901839" y="812877"/>
-            <a:ext cx="6053625" cy="2873003"/>
+            <a:ext cx="6053625" cy="3358837"/>
           </a:xfrm>
           <a:prstGeom prst="rect">
             <a:avLst/>
@@ -8935,7 +8935,7 @@
         <p:spPr>
           <a:xfrm>
             <a:off x="2901839" y="843329"/>
-            <a:ext cx="4333461" cy="261610"/>
+            <a:ext cx="5131324" cy="261610"/>
           </a:xfrm>
           <a:prstGeom prst="rect">
             <a:avLst/>
@@ -8968,6 +8968,22 @@
               <a:rPr lang="de-CH" sz="1100" b="1" dirty="0" err="1"/>
               <a:t>both</a:t>
             </a:r>
+            <a:r>
+              <a:rPr lang="de-CH" sz="1100" b="1" dirty="0"/>
+              <a:t>  Container </a:t>
+            </a:r>
+            <a:r>
+              <a:rPr lang="de-CH" sz="1100" b="1" dirty="0" err="1"/>
+              <a:t>for</a:t>
+            </a:r>
+            <a:r>
+              <a:rPr lang="de-CH" sz="1100" b="1" dirty="0"/>
+              <a:t> </a:t>
+            </a:r>
+            <a:r>
+              <a:rPr lang="de-CH" sz="1100" b="1" dirty="0" err="1"/>
+              <a:t>JazzUploadImage</a:t>
+            </a:r>
             <a:endParaRPr lang="de-CH" b="1" dirty="0"/>
           </a:p>
         </p:txBody>
@@ -8986,7 +9002,7 @@
         </p:nvSpPr>
         <p:spPr>
           <a:xfrm>
-            <a:off x="6162960" y="1564617"/>
+            <a:off x="6162960" y="2148646"/>
             <a:ext cx="1667596" cy="160628"/>
           </a:xfrm>
           <a:prstGeom prst="rect">
@@ -9048,7 +9064,7 @@
         </p:nvSpPr>
         <p:spPr>
           <a:xfrm>
-            <a:off x="6637472" y="1193430"/>
+            <a:off x="9333537" y="1193430"/>
             <a:ext cx="1017778" cy="237002"/>
           </a:xfrm>
           <a:prstGeom prst="rect">
@@ -9117,7 +9133,7 @@
         </p:blipFill>
         <p:spPr>
           <a:xfrm>
-            <a:off x="4931828" y="2191020"/>
+            <a:off x="4931828" y="2822619"/>
             <a:ext cx="1193813" cy="1033191"/>
           </a:xfrm>
           <a:prstGeom prst="rect">
@@ -9261,8 +9277,8 @@
         </p:nvSpPr>
         <p:spPr>
           <a:xfrm>
-            <a:off x="2963073" y="1148050"/>
-            <a:ext cx="5731496" cy="289123"/>
+            <a:off x="2963073" y="1148049"/>
+            <a:ext cx="5731496" cy="858665"/>
           </a:xfrm>
           <a:prstGeom prst="rect">
             <a:avLst/>
@@ -9313,8 +9329,8 @@
         </p:nvSpPr>
         <p:spPr>
           <a:xfrm>
-            <a:off x="2963073" y="1148050"/>
-            <a:ext cx="5131324" cy="261610"/>
+            <a:off x="2901838" y="1124779"/>
+            <a:ext cx="2183962" cy="261610"/>
           </a:xfrm>
           <a:prstGeom prst="rect">
             <a:avLst/>
@@ -9331,22 +9347,6 @@
               <a:rPr lang="de-CH" sz="1100" b="1" dirty="0" err="1"/>
               <a:t>id_div_guestbook_fileupload</a:t>
             </a:r>
-            <a:r>
-              <a:rPr lang="de-CH" sz="1100" b="1" dirty="0"/>
-              <a:t> </a:t>
-            </a:r>
-            <a:r>
-              <a:rPr lang="de-CH" sz="1100" b="1" dirty="0" err="1"/>
-              <a:t>clear</a:t>
-            </a:r>
-            <a:r>
-              <a:rPr lang="de-CH" sz="1100" b="1" dirty="0"/>
-              <a:t> </a:t>
-            </a:r>
-            <a:r>
-              <a:rPr lang="de-CH" sz="1100" b="1" dirty="0" err="1"/>
-              <a:t>both</a:t>
-            </a:r>
             <a:endParaRPr lang="de-CH" b="1" dirty="0"/>
           </a:p>
         </p:txBody>
@@ -9365,7 +9365,7 @@
         </p:nvSpPr>
         <p:spPr>
           <a:xfrm>
-            <a:off x="2963073" y="1502679"/>
+            <a:off x="2963073" y="2086708"/>
             <a:ext cx="5731496" cy="289123"/>
           </a:xfrm>
           <a:prstGeom prst="rect">
@@ -9417,7 +9417,7 @@
         </p:nvSpPr>
         <p:spPr>
           <a:xfrm>
-            <a:off x="2963073" y="1502679"/>
+            <a:off x="2963073" y="2086708"/>
             <a:ext cx="5131324" cy="261610"/>
           </a:xfrm>
           <a:prstGeom prst="rect">
@@ -9469,7 +9469,7 @@
         </p:nvSpPr>
         <p:spPr>
           <a:xfrm>
-            <a:off x="2963073" y="1857308"/>
+            <a:off x="2963073" y="2488907"/>
             <a:ext cx="5731496" cy="1569731"/>
           </a:xfrm>
           <a:prstGeom prst="rect">
@@ -9521,7 +9521,7 @@
         </p:nvSpPr>
         <p:spPr>
           <a:xfrm>
-            <a:off x="2963073" y="1833346"/>
+            <a:off x="2963073" y="2464945"/>
             <a:ext cx="5131324" cy="261610"/>
           </a:xfrm>
           <a:prstGeom prst="rect">
@@ -9641,15 +9641,11 @@
           <a:p>
             <a:r>
               <a:rPr lang="de-CH" sz="1100" b="1" dirty="0" err="1"/>
-              <a:t>id_div_upload_button_back_forward_</a:t>
-            </a:r>
-            <a:r>
-              <a:rPr lang="de-CH" sz="1100" b="1" err="1"/>
-              <a:t>part</a:t>
-            </a:r>
-            <a:r>
-              <a:rPr lang="de-CH" sz="1100" b="1"/>
-              <a:t>_two  </a:t>
+              <a:t>id_div_upload_button_back_forward_part_two</a:t>
+            </a:r>
+            <a:r>
+              <a:rPr lang="de-CH" sz="1100" b="1" dirty="0"/>
+              <a:t>  </a:t>
             </a:r>
             <a:r>
               <a:rPr lang="de-CH" sz="1100" b="1" dirty="0" err="1"/>
@@ -9874,6 +9870,102 @@
             <a:r>
               <a:rPr lang="de-CH" sz="1100" b="1" dirty="0" err="1"/>
               <a:t>right</a:t>
+            </a:r>
+            <a:endParaRPr lang="de-CH" b="1" dirty="0"/>
+          </a:p>
+        </p:txBody>
+      </p:sp>
+      <p:sp>
+        <p:nvSpPr>
+          <p:cNvPr id="6" name="Rechteck 5">
+            <a:extLst>
+              <a:ext uri="{FF2B5EF4-FFF2-40B4-BE49-F238E27FC236}">
+                <a16:creationId xmlns:a16="http://schemas.microsoft.com/office/drawing/2014/main" id="{03721909-769B-393D-4D73-648E7CEF1FEB}"/>
+              </a:ext>
+            </a:extLst>
+          </p:cNvPr>
+          <p:cNvSpPr/>
+          <p:nvPr/>
+        </p:nvSpPr>
+        <p:spPr>
+          <a:xfrm>
+            <a:off x="3086122" y="1383966"/>
+            <a:ext cx="5731496" cy="337596"/>
+          </a:xfrm>
+          <a:prstGeom prst="rect">
+            <a:avLst/>
+          </a:prstGeom>
+          <a:noFill/>
+          <a:ln w="12700">
+            <a:solidFill>
+              <a:schemeClr val="tx1"/>
+            </a:solidFill>
+          </a:ln>
+        </p:spPr>
+        <p:style>
+          <a:lnRef idx="2">
+            <a:schemeClr val="accent1">
+              <a:shade val="50000"/>
+            </a:schemeClr>
+          </a:lnRef>
+          <a:fillRef idx="1">
+            <a:schemeClr val="accent1"/>
+          </a:fillRef>
+          <a:effectRef idx="0">
+            <a:schemeClr val="accent1"/>
+          </a:effectRef>
+          <a:fontRef idx="minor">
+            <a:schemeClr val="lt1"/>
+          </a:fontRef>
+        </p:style>
+        <p:txBody>
+          <a:bodyPr rtlCol="0" anchor="ctr"/>
+          <a:lstStyle/>
+          <a:p>
+            <a:pPr algn="ctr"/>
+            <a:endParaRPr lang="de-CH" dirty="0"/>
+          </a:p>
+        </p:txBody>
+      </p:sp>
+      <p:sp>
+        <p:nvSpPr>
+          <p:cNvPr id="7" name="Textfeld 6">
+            <a:extLst>
+              <a:ext uri="{FF2B5EF4-FFF2-40B4-BE49-F238E27FC236}">
+                <a16:creationId xmlns:a16="http://schemas.microsoft.com/office/drawing/2014/main" id="{F2B64833-79AD-2F30-6A1E-D03FEEABB726}"/>
+              </a:ext>
+            </a:extLst>
+          </p:cNvPr>
+          <p:cNvSpPr txBox="1"/>
+          <p:nvPr/>
+        </p:nvSpPr>
+        <p:spPr>
+          <a:xfrm>
+            <a:off x="3086122" y="1429425"/>
+            <a:ext cx="2183962" cy="261610"/>
+          </a:xfrm>
+          <a:prstGeom prst="rect">
+            <a:avLst/>
+          </a:prstGeom>
+          <a:noFill/>
+        </p:spPr>
+        <p:txBody>
+          <a:bodyPr wrap="square" rtlCol="0">
+            <a:spAutoFit/>
+          </a:bodyPr>
+          <a:lstStyle/>
+          <a:p>
+            <a:r>
+              <a:rPr lang="de-CH" sz="1100" b="1"/>
+              <a:t>id_</a:t>
+            </a:r>
+            <a:r>
+              <a:rPr lang="de-CH" sz="1100" b="1" dirty="0" err="1"/>
+              <a:t>guestbook_fileupload</a:t>
+            </a:r>
+            <a:r>
+              <a:rPr lang="de-CH" sz="1100" b="1" dirty="0"/>
+              <a:t> </a:t>
             </a:r>
             <a:endParaRPr lang="de-CH" b="1" dirty="0"/>
           </a:p>

--- a/Description/JazzGuestsUpload.pptx
+++ b/Description/JazzGuestsUpload.pptx
@@ -7,15 +7,16 @@
   <p:sldIdLst>
     <p:sldId id="270" r:id="rId2"/>
     <p:sldId id="268" r:id="rId3"/>
-    <p:sldId id="265" r:id="rId4"/>
-    <p:sldId id="267" r:id="rId5"/>
-    <p:sldId id="269" r:id="rId6"/>
-    <p:sldId id="271" r:id="rId7"/>
-    <p:sldId id="272" r:id="rId8"/>
-    <p:sldId id="263" r:id="rId9"/>
-    <p:sldId id="262" r:id="rId10"/>
-    <p:sldId id="264" r:id="rId11"/>
-    <p:sldId id="266" r:id="rId12"/>
+    <p:sldId id="273" r:id="rId4"/>
+    <p:sldId id="265" r:id="rId5"/>
+    <p:sldId id="267" r:id="rId6"/>
+    <p:sldId id="269" r:id="rId7"/>
+    <p:sldId id="271" r:id="rId8"/>
+    <p:sldId id="272" r:id="rId9"/>
+    <p:sldId id="263" r:id="rId10"/>
+    <p:sldId id="262" r:id="rId11"/>
+    <p:sldId id="264" r:id="rId12"/>
+    <p:sldId id="266" r:id="rId13"/>
   </p:sldIdLst>
   <p:sldSz cx="12192000" cy="6858000"/>
   <p:notesSz cx="6661150" cy="9866313"/>
@@ -4159,6 +4160,1255 @@
       </p:grpSpPr>
       <p:sp>
         <p:nvSpPr>
+          <p:cNvPr id="37" name="Rechteck 36">
+            <a:extLst>
+              <a:ext uri="{FF2B5EF4-FFF2-40B4-BE49-F238E27FC236}">
+                <a16:creationId xmlns:a16="http://schemas.microsoft.com/office/drawing/2014/main" id="{66159739-0224-8070-249D-799960436EA0}"/>
+              </a:ext>
+            </a:extLst>
+          </p:cNvPr>
+          <p:cNvSpPr/>
+          <p:nvPr/>
+        </p:nvSpPr>
+        <p:spPr>
+          <a:xfrm>
+            <a:off x="4068690" y="397349"/>
+            <a:ext cx="3339167" cy="6227893"/>
+          </a:xfrm>
+          <a:prstGeom prst="rect">
+            <a:avLst/>
+          </a:prstGeom>
+          <a:solidFill>
+            <a:srgbClr val="DFE0E1"/>
+          </a:solidFill>
+          <a:ln>
+            <a:solidFill>
+              <a:srgbClr val="C8C8C8"/>
+            </a:solidFill>
+          </a:ln>
+        </p:spPr>
+        <p:style>
+          <a:lnRef idx="2">
+            <a:schemeClr val="accent1">
+              <a:shade val="50000"/>
+            </a:schemeClr>
+          </a:lnRef>
+          <a:fillRef idx="1">
+            <a:schemeClr val="accent1"/>
+          </a:fillRef>
+          <a:effectRef idx="0">
+            <a:schemeClr val="accent1"/>
+          </a:effectRef>
+          <a:fontRef idx="minor">
+            <a:schemeClr val="lt1"/>
+          </a:fontRef>
+        </p:style>
+        <p:txBody>
+          <a:bodyPr rtlCol="0" anchor="ctr"/>
+          <a:lstStyle/>
+          <a:p>
+            <a:pPr algn="ctr"/>
+            <a:endParaRPr lang="de-CH" sz="1600" dirty="0">
+              <a:solidFill>
+                <a:schemeClr val="tx1"/>
+              </a:solidFill>
+              <a:latin typeface="Arial" panose="020B0604020202020204" pitchFamily="34" charset="0"/>
+              <a:cs typeface="Arial" panose="020B0604020202020204" pitchFamily="34" charset="0"/>
+            </a:endParaRPr>
+          </a:p>
+        </p:txBody>
+      </p:sp>
+      <p:sp>
+        <p:nvSpPr>
+          <p:cNvPr id="38" name="Rechteck 37">
+            <a:extLst>
+              <a:ext uri="{FF2B5EF4-FFF2-40B4-BE49-F238E27FC236}">
+                <a16:creationId xmlns:a16="http://schemas.microsoft.com/office/drawing/2014/main" id="{540AE164-332A-09D3-4E06-29A94954EC84}"/>
+              </a:ext>
+            </a:extLst>
+          </p:cNvPr>
+          <p:cNvSpPr/>
+          <p:nvPr/>
+        </p:nvSpPr>
+        <p:spPr>
+          <a:xfrm>
+            <a:off x="4068687" y="302550"/>
+            <a:ext cx="3339167" cy="769028"/>
+          </a:xfrm>
+          <a:prstGeom prst="rect">
+            <a:avLst/>
+          </a:prstGeom>
+          <a:solidFill>
+            <a:schemeClr val="tx1"/>
+          </a:solidFill>
+          <a:ln>
+            <a:solidFill>
+              <a:schemeClr val="tx1"/>
+            </a:solidFill>
+          </a:ln>
+        </p:spPr>
+        <p:style>
+          <a:lnRef idx="2">
+            <a:schemeClr val="accent1">
+              <a:shade val="50000"/>
+            </a:schemeClr>
+          </a:lnRef>
+          <a:fillRef idx="1">
+            <a:schemeClr val="accent1"/>
+          </a:fillRef>
+          <a:effectRef idx="0">
+            <a:schemeClr val="accent1"/>
+          </a:effectRef>
+          <a:fontRef idx="minor">
+            <a:schemeClr val="lt1"/>
+          </a:fontRef>
+        </p:style>
+        <p:txBody>
+          <a:bodyPr rtlCol="0" anchor="ctr"/>
+          <a:lstStyle/>
+          <a:p>
+            <a:pPr algn="ctr"/>
+            <a:r>
+              <a:rPr lang="de-CH" sz="1600" b="1" dirty="0">
+                <a:solidFill>
+                  <a:srgbClr val="FF000A"/>
+                </a:solidFill>
+                <a:latin typeface="Arial" panose="020B0604020202020204" pitchFamily="34" charset="0"/>
+                <a:cs typeface="Arial" panose="020B0604020202020204" pitchFamily="34" charset="0"/>
+              </a:rPr>
+              <a:t>          </a:t>
+            </a:r>
+          </a:p>
+          <a:p>
+            <a:pPr algn="ctr"/>
+            <a:r>
+              <a:rPr lang="de-CH" sz="1400" b="1" dirty="0">
+                <a:solidFill>
+                  <a:srgbClr val="FF000A"/>
+                </a:solidFill>
+                <a:latin typeface="Arial" panose="020B0604020202020204" pitchFamily="34" charset="0"/>
+                <a:cs typeface="Arial" panose="020B0604020202020204" pitchFamily="34" charset="0"/>
+              </a:rPr>
+              <a:t>Gästebuch-Bild hochladen </a:t>
+            </a:r>
+          </a:p>
+        </p:txBody>
+      </p:sp>
+      <p:pic>
+        <p:nvPicPr>
+          <p:cNvPr id="36" name="Grafik 35">
+            <a:extLst>
+              <a:ext uri="{FF2B5EF4-FFF2-40B4-BE49-F238E27FC236}">
+                <a16:creationId xmlns:a16="http://schemas.microsoft.com/office/drawing/2014/main" id="{21E292FE-3E49-C106-DE88-0409A3F4E81B}"/>
+              </a:ext>
+            </a:extLst>
+          </p:cNvPr>
+          <p:cNvPicPr>
+            <a:picLocks noChangeAspect="1"/>
+          </p:cNvPicPr>
+          <p:nvPr/>
+        </p:nvPicPr>
+        <p:blipFill>
+          <a:blip r:embed="rId2"/>
+          <a:stretch>
+            <a:fillRect/>
+          </a:stretch>
+        </p:blipFill>
+        <p:spPr>
+          <a:xfrm>
+            <a:off x="4509701" y="399209"/>
+            <a:ext cx="2457143" cy="238095"/>
+          </a:xfrm>
+          <a:prstGeom prst="rect">
+            <a:avLst/>
+          </a:prstGeom>
+        </p:spPr>
+      </p:pic>
+      <p:sp>
+        <p:nvSpPr>
+          <p:cNvPr id="39" name="Rechteck 38">
+            <a:extLst>
+              <a:ext uri="{FF2B5EF4-FFF2-40B4-BE49-F238E27FC236}">
+                <a16:creationId xmlns:a16="http://schemas.microsoft.com/office/drawing/2014/main" id="{24EA8C2D-6863-2978-0C07-93F36FB5B62F}"/>
+              </a:ext>
+            </a:extLst>
+          </p:cNvPr>
+          <p:cNvSpPr/>
+          <p:nvPr/>
+        </p:nvSpPr>
+        <p:spPr>
+          <a:xfrm>
+            <a:off x="4746568" y="1137899"/>
+            <a:ext cx="2579516" cy="301629"/>
+          </a:xfrm>
+          <a:prstGeom prst="rect">
+            <a:avLst/>
+          </a:prstGeom>
+          <a:solidFill>
+            <a:schemeClr val="bg1"/>
+          </a:solidFill>
+          <a:ln>
+            <a:solidFill>
+              <a:schemeClr val="tx1"/>
+            </a:solidFill>
+          </a:ln>
+        </p:spPr>
+        <p:style>
+          <a:lnRef idx="2">
+            <a:schemeClr val="accent1">
+              <a:shade val="50000"/>
+            </a:schemeClr>
+          </a:lnRef>
+          <a:fillRef idx="1">
+            <a:schemeClr val="accent1"/>
+          </a:fillRef>
+          <a:effectRef idx="0">
+            <a:schemeClr val="accent1"/>
+          </a:effectRef>
+          <a:fontRef idx="minor">
+            <a:schemeClr val="lt1"/>
+          </a:fontRef>
+        </p:style>
+        <p:txBody>
+          <a:bodyPr rtlCol="0" anchor="ctr"/>
+          <a:lstStyle/>
+          <a:p>
+            <a:r>
+              <a:rPr lang="de-CH" sz="1200" i="1" dirty="0">
+                <a:solidFill>
+                  <a:schemeClr val="tx1"/>
+                </a:solidFill>
+                <a:latin typeface="Arial" panose="020B0604020202020204" pitchFamily="34" charset="0"/>
+                <a:cs typeface="Arial" panose="020B0604020202020204" pitchFamily="34" charset="0"/>
+              </a:rPr>
+              <a:t>Name(n) eingeben …</a:t>
+            </a:r>
+          </a:p>
+        </p:txBody>
+      </p:sp>
+      <p:sp>
+        <p:nvSpPr>
+          <p:cNvPr id="40" name="Textfeld 39">
+            <a:extLst>
+              <a:ext uri="{FF2B5EF4-FFF2-40B4-BE49-F238E27FC236}">
+                <a16:creationId xmlns:a16="http://schemas.microsoft.com/office/drawing/2014/main" id="{75EF25B3-2D78-8470-3EA7-1561C4A2751C}"/>
+              </a:ext>
+            </a:extLst>
+          </p:cNvPr>
+          <p:cNvSpPr txBox="1"/>
+          <p:nvPr/>
+        </p:nvSpPr>
+        <p:spPr>
+          <a:xfrm>
+            <a:off x="4068093" y="1134825"/>
+            <a:ext cx="678475" cy="307777"/>
+          </a:xfrm>
+          <a:prstGeom prst="rect">
+            <a:avLst/>
+          </a:prstGeom>
+          <a:noFill/>
+        </p:spPr>
+        <p:txBody>
+          <a:bodyPr wrap="square" rtlCol="0">
+            <a:spAutoFit/>
+          </a:bodyPr>
+          <a:lstStyle/>
+          <a:p>
+            <a:r>
+              <a:rPr lang="de-CH" sz="1400" b="1" dirty="0">
+                <a:latin typeface="Arial" panose="020B0604020202020204" pitchFamily="34" charset="0"/>
+                <a:cs typeface="Arial" panose="020B0604020202020204" pitchFamily="34" charset="0"/>
+              </a:rPr>
+              <a:t>Name</a:t>
+            </a:r>
+          </a:p>
+        </p:txBody>
+      </p:sp>
+      <p:sp>
+        <p:nvSpPr>
+          <p:cNvPr id="41" name="Rechteck 40">
+            <a:extLst>
+              <a:ext uri="{FF2B5EF4-FFF2-40B4-BE49-F238E27FC236}">
+                <a16:creationId xmlns:a16="http://schemas.microsoft.com/office/drawing/2014/main" id="{93DC624D-691E-C2CE-2509-44EB5AA4FEC2}"/>
+              </a:ext>
+            </a:extLst>
+          </p:cNvPr>
+          <p:cNvSpPr/>
+          <p:nvPr/>
+        </p:nvSpPr>
+        <p:spPr>
+          <a:xfrm>
+            <a:off x="4747162" y="1494738"/>
+            <a:ext cx="2579516" cy="301629"/>
+          </a:xfrm>
+          <a:prstGeom prst="rect">
+            <a:avLst/>
+          </a:prstGeom>
+          <a:solidFill>
+            <a:schemeClr val="bg1"/>
+          </a:solidFill>
+          <a:ln>
+            <a:solidFill>
+              <a:schemeClr val="tx1"/>
+            </a:solidFill>
+          </a:ln>
+        </p:spPr>
+        <p:style>
+          <a:lnRef idx="2">
+            <a:schemeClr val="accent1">
+              <a:shade val="50000"/>
+            </a:schemeClr>
+          </a:lnRef>
+          <a:fillRef idx="1">
+            <a:schemeClr val="accent1"/>
+          </a:fillRef>
+          <a:effectRef idx="0">
+            <a:schemeClr val="accent1"/>
+          </a:effectRef>
+          <a:fontRef idx="minor">
+            <a:schemeClr val="lt1"/>
+          </a:fontRef>
+        </p:style>
+        <p:txBody>
+          <a:bodyPr rtlCol="0" anchor="ctr"/>
+          <a:lstStyle/>
+          <a:p>
+            <a:r>
+              <a:rPr lang="de-CH" sz="1200" i="1" dirty="0">
+                <a:solidFill>
+                  <a:schemeClr val="tx1"/>
+                </a:solidFill>
+                <a:latin typeface="Arial" panose="020B0604020202020204" pitchFamily="34" charset="0"/>
+                <a:cs typeface="Arial" panose="020B0604020202020204" pitchFamily="34" charset="0"/>
+              </a:rPr>
+              <a:t>E-Mail Adresse eingeben …</a:t>
+            </a:r>
+          </a:p>
+        </p:txBody>
+      </p:sp>
+      <p:sp>
+        <p:nvSpPr>
+          <p:cNvPr id="42" name="Textfeld 41">
+            <a:extLst>
+              <a:ext uri="{FF2B5EF4-FFF2-40B4-BE49-F238E27FC236}">
+                <a16:creationId xmlns:a16="http://schemas.microsoft.com/office/drawing/2014/main" id="{998E33D5-6A69-0D61-6009-1663816340AA}"/>
+              </a:ext>
+            </a:extLst>
+          </p:cNvPr>
+          <p:cNvSpPr txBox="1"/>
+          <p:nvPr/>
+        </p:nvSpPr>
+        <p:spPr>
+          <a:xfrm>
+            <a:off x="4068687" y="1491664"/>
+            <a:ext cx="789260" cy="307777"/>
+          </a:xfrm>
+          <a:prstGeom prst="rect">
+            <a:avLst/>
+          </a:prstGeom>
+          <a:noFill/>
+        </p:spPr>
+        <p:txBody>
+          <a:bodyPr wrap="square" rtlCol="0">
+            <a:spAutoFit/>
+          </a:bodyPr>
+          <a:lstStyle/>
+          <a:p>
+            <a:r>
+              <a:rPr lang="de-CH" sz="1400" b="1" dirty="0">
+                <a:latin typeface="Arial" panose="020B0604020202020204" pitchFamily="34" charset="0"/>
+                <a:cs typeface="Arial" panose="020B0604020202020204" pitchFamily="34" charset="0"/>
+              </a:rPr>
+              <a:t>E-Mail</a:t>
+            </a:r>
+          </a:p>
+        </p:txBody>
+      </p:sp>
+      <p:sp>
+        <p:nvSpPr>
+          <p:cNvPr id="43" name="Rechteck 42">
+            <a:extLst>
+              <a:ext uri="{FF2B5EF4-FFF2-40B4-BE49-F238E27FC236}">
+                <a16:creationId xmlns:a16="http://schemas.microsoft.com/office/drawing/2014/main" id="{93FB0C75-490B-A826-AF13-2664BAC76100}"/>
+              </a:ext>
+            </a:extLst>
+          </p:cNvPr>
+          <p:cNvSpPr/>
+          <p:nvPr/>
+        </p:nvSpPr>
+        <p:spPr>
+          <a:xfrm>
+            <a:off x="4159135" y="1862689"/>
+            <a:ext cx="3166949" cy="255249"/>
+          </a:xfrm>
+          <a:prstGeom prst="rect">
+            <a:avLst/>
+          </a:prstGeom>
+          <a:noFill/>
+          <a:ln>
+            <a:solidFill>
+              <a:schemeClr val="tx1"/>
+            </a:solidFill>
+          </a:ln>
+        </p:spPr>
+        <p:style>
+          <a:lnRef idx="2">
+            <a:schemeClr val="accent1">
+              <a:shade val="50000"/>
+            </a:schemeClr>
+          </a:lnRef>
+          <a:fillRef idx="1">
+            <a:schemeClr val="accent1"/>
+          </a:fillRef>
+          <a:effectRef idx="0">
+            <a:schemeClr val="accent1"/>
+          </a:effectRef>
+          <a:fontRef idx="minor">
+            <a:schemeClr val="lt1"/>
+          </a:fontRef>
+        </p:style>
+        <p:txBody>
+          <a:bodyPr rtlCol="0" anchor="ctr"/>
+          <a:lstStyle/>
+          <a:p>
+            <a:pPr algn="ctr"/>
+            <a:r>
+              <a:rPr lang="de-CH" sz="1200" dirty="0">
+                <a:solidFill>
+                  <a:schemeClr val="tx1"/>
+                </a:solidFill>
+                <a:latin typeface="Arial" panose="020B0604020202020204" pitchFamily="34" charset="0"/>
+                <a:cs typeface="Arial" panose="020B0604020202020204" pitchFamily="34" charset="0"/>
+              </a:rPr>
+              <a:t>Code verlangen</a:t>
+            </a:r>
+          </a:p>
+        </p:txBody>
+      </p:sp>
+      <p:sp>
+        <p:nvSpPr>
+          <p:cNvPr id="44" name="Rechteck 43">
+            <a:extLst>
+              <a:ext uri="{FF2B5EF4-FFF2-40B4-BE49-F238E27FC236}">
+                <a16:creationId xmlns:a16="http://schemas.microsoft.com/office/drawing/2014/main" id="{C8441DBC-F492-30F3-7DDE-F36160AED254}"/>
+              </a:ext>
+            </a:extLst>
+          </p:cNvPr>
+          <p:cNvSpPr/>
+          <p:nvPr/>
+        </p:nvSpPr>
+        <p:spPr>
+          <a:xfrm>
+            <a:off x="4746568" y="2180076"/>
+            <a:ext cx="1769191" cy="301629"/>
+          </a:xfrm>
+          <a:prstGeom prst="rect">
+            <a:avLst/>
+          </a:prstGeom>
+          <a:solidFill>
+            <a:schemeClr val="bg1"/>
+          </a:solidFill>
+          <a:ln>
+            <a:solidFill>
+              <a:schemeClr val="tx1"/>
+            </a:solidFill>
+          </a:ln>
+        </p:spPr>
+        <p:style>
+          <a:lnRef idx="2">
+            <a:schemeClr val="accent1">
+              <a:shade val="50000"/>
+            </a:schemeClr>
+          </a:lnRef>
+          <a:fillRef idx="1">
+            <a:schemeClr val="accent1"/>
+          </a:fillRef>
+          <a:effectRef idx="0">
+            <a:schemeClr val="accent1"/>
+          </a:effectRef>
+          <a:fontRef idx="minor">
+            <a:schemeClr val="lt1"/>
+          </a:fontRef>
+        </p:style>
+        <p:txBody>
+          <a:bodyPr rtlCol="0" anchor="ctr"/>
+          <a:lstStyle/>
+          <a:p>
+            <a:r>
+              <a:rPr lang="de-CH" sz="1200" i="1" dirty="0">
+                <a:solidFill>
+                  <a:schemeClr val="tx1"/>
+                </a:solidFill>
+                <a:latin typeface="Arial" panose="020B0604020202020204" pitchFamily="34" charset="0"/>
+                <a:cs typeface="Arial" panose="020B0604020202020204" pitchFamily="34" charset="0"/>
+              </a:rPr>
+              <a:t>Code eingeben …</a:t>
+            </a:r>
+          </a:p>
+        </p:txBody>
+      </p:sp>
+      <p:sp>
+        <p:nvSpPr>
+          <p:cNvPr id="45" name="Textfeld 44">
+            <a:extLst>
+              <a:ext uri="{FF2B5EF4-FFF2-40B4-BE49-F238E27FC236}">
+                <a16:creationId xmlns:a16="http://schemas.microsoft.com/office/drawing/2014/main" id="{0DCE8159-FBC2-2E7D-5FB1-05913886AF27}"/>
+              </a:ext>
+            </a:extLst>
+          </p:cNvPr>
+          <p:cNvSpPr txBox="1"/>
+          <p:nvPr/>
+        </p:nvSpPr>
+        <p:spPr>
+          <a:xfrm>
+            <a:off x="4068093" y="2177002"/>
+            <a:ext cx="678475" cy="307777"/>
+          </a:xfrm>
+          <a:prstGeom prst="rect">
+            <a:avLst/>
+          </a:prstGeom>
+          <a:noFill/>
+        </p:spPr>
+        <p:txBody>
+          <a:bodyPr wrap="square" rtlCol="0">
+            <a:spAutoFit/>
+          </a:bodyPr>
+          <a:lstStyle/>
+          <a:p>
+            <a:r>
+              <a:rPr lang="de-CH" sz="1400" b="1" dirty="0">
+                <a:latin typeface="Arial" panose="020B0604020202020204" pitchFamily="34" charset="0"/>
+                <a:cs typeface="Arial" panose="020B0604020202020204" pitchFamily="34" charset="0"/>
+              </a:rPr>
+              <a:t>Code</a:t>
+            </a:r>
+          </a:p>
+        </p:txBody>
+      </p:sp>
+      <p:sp>
+        <p:nvSpPr>
+          <p:cNvPr id="46" name="Textfeld 45">
+            <a:extLst>
+              <a:ext uri="{FF2B5EF4-FFF2-40B4-BE49-F238E27FC236}">
+                <a16:creationId xmlns:a16="http://schemas.microsoft.com/office/drawing/2014/main" id="{1B202BDF-133D-92D1-2CE0-BCFCF0172A02}"/>
+              </a:ext>
+            </a:extLst>
+          </p:cNvPr>
+          <p:cNvSpPr txBox="1"/>
+          <p:nvPr/>
+        </p:nvSpPr>
+        <p:spPr>
+          <a:xfrm>
+            <a:off x="4068093" y="2601444"/>
+            <a:ext cx="596564" cy="307777"/>
+          </a:xfrm>
+          <a:prstGeom prst="rect">
+            <a:avLst/>
+          </a:prstGeom>
+          <a:noFill/>
+        </p:spPr>
+        <p:txBody>
+          <a:bodyPr wrap="square" rtlCol="0">
+            <a:spAutoFit/>
+          </a:bodyPr>
+          <a:lstStyle/>
+          <a:p>
+            <a:r>
+              <a:rPr lang="de-CH" sz="1400" b="1" dirty="0">
+                <a:latin typeface="Arial" panose="020B0604020202020204" pitchFamily="34" charset="0"/>
+                <a:cs typeface="Arial" panose="020B0604020202020204" pitchFamily="34" charset="0"/>
+              </a:rPr>
+              <a:t>IMG</a:t>
+            </a:r>
+          </a:p>
+        </p:txBody>
+      </p:sp>
+      <p:sp>
+        <p:nvSpPr>
+          <p:cNvPr id="47" name="Rechteck 46">
+            <a:extLst>
+              <a:ext uri="{FF2B5EF4-FFF2-40B4-BE49-F238E27FC236}">
+                <a16:creationId xmlns:a16="http://schemas.microsoft.com/office/drawing/2014/main" id="{B202347B-92E2-DE4D-0B60-C5EF3B02FD93}"/>
+              </a:ext>
+            </a:extLst>
+          </p:cNvPr>
+          <p:cNvSpPr/>
+          <p:nvPr/>
+        </p:nvSpPr>
+        <p:spPr>
+          <a:xfrm>
+            <a:off x="4626572" y="2597957"/>
+            <a:ext cx="1889187" cy="301629"/>
+          </a:xfrm>
+          <a:prstGeom prst="rect">
+            <a:avLst/>
+          </a:prstGeom>
+          <a:solidFill>
+            <a:schemeClr val="bg1"/>
+          </a:solidFill>
+          <a:ln>
+            <a:solidFill>
+              <a:schemeClr val="tx1"/>
+            </a:solidFill>
+          </a:ln>
+        </p:spPr>
+        <p:style>
+          <a:lnRef idx="2">
+            <a:schemeClr val="accent1">
+              <a:shade val="50000"/>
+            </a:schemeClr>
+          </a:lnRef>
+          <a:fillRef idx="1">
+            <a:schemeClr val="accent1"/>
+          </a:fillRef>
+          <a:effectRef idx="0">
+            <a:schemeClr val="accent1"/>
+          </a:effectRef>
+          <a:fontRef idx="minor">
+            <a:schemeClr val="lt1"/>
+          </a:fontRef>
+        </p:style>
+        <p:txBody>
+          <a:bodyPr rtlCol="0" anchor="ctr"/>
+          <a:lstStyle/>
+          <a:p>
+            <a:r>
+              <a:rPr lang="de-CH" sz="1200" i="1" dirty="0">
+                <a:solidFill>
+                  <a:schemeClr val="tx1"/>
+                </a:solidFill>
+                <a:latin typeface="Arial" panose="020B0604020202020204" pitchFamily="34" charset="0"/>
+                <a:cs typeface="Arial" panose="020B0604020202020204" pitchFamily="34" charset="0"/>
+              </a:rPr>
+              <a:t>Pfad zeigen nach Upload</a:t>
+            </a:r>
+          </a:p>
+        </p:txBody>
+      </p:sp>
+      <p:sp>
+        <p:nvSpPr>
+          <p:cNvPr id="48" name="Rechteck 47">
+            <a:extLst>
+              <a:ext uri="{FF2B5EF4-FFF2-40B4-BE49-F238E27FC236}">
+                <a16:creationId xmlns:a16="http://schemas.microsoft.com/office/drawing/2014/main" id="{889E301C-EC31-1561-5F03-2B26DD44D794}"/>
+              </a:ext>
+            </a:extLst>
+          </p:cNvPr>
+          <p:cNvSpPr/>
+          <p:nvPr/>
+        </p:nvSpPr>
+        <p:spPr>
+          <a:xfrm>
+            <a:off x="6590101" y="2602649"/>
+            <a:ext cx="735983" cy="292247"/>
+          </a:xfrm>
+          <a:prstGeom prst="rect">
+            <a:avLst/>
+          </a:prstGeom>
+          <a:noFill/>
+          <a:ln>
+            <a:solidFill>
+              <a:schemeClr val="tx1"/>
+            </a:solidFill>
+          </a:ln>
+        </p:spPr>
+        <p:style>
+          <a:lnRef idx="2">
+            <a:schemeClr val="accent1">
+              <a:shade val="50000"/>
+            </a:schemeClr>
+          </a:lnRef>
+          <a:fillRef idx="1">
+            <a:schemeClr val="accent1"/>
+          </a:fillRef>
+          <a:effectRef idx="0">
+            <a:schemeClr val="accent1"/>
+          </a:effectRef>
+          <a:fontRef idx="minor">
+            <a:schemeClr val="lt1"/>
+          </a:fontRef>
+        </p:style>
+        <p:txBody>
+          <a:bodyPr rtlCol="0" anchor="ctr"/>
+          <a:lstStyle/>
+          <a:p>
+            <a:pPr algn="ctr"/>
+            <a:r>
+              <a:rPr lang="de-CH" sz="1200" dirty="0">
+                <a:solidFill>
+                  <a:schemeClr val="tx1"/>
+                </a:solidFill>
+                <a:latin typeface="Arial" panose="020B0604020202020204" pitchFamily="34" charset="0"/>
+                <a:cs typeface="Arial" panose="020B0604020202020204" pitchFamily="34" charset="0"/>
+              </a:rPr>
+              <a:t>Upload</a:t>
+            </a:r>
+          </a:p>
+        </p:txBody>
+      </p:sp>
+      <p:pic>
+        <p:nvPicPr>
+          <p:cNvPr id="50" name="Grafik 49">
+            <a:extLst>
+              <a:ext uri="{FF2B5EF4-FFF2-40B4-BE49-F238E27FC236}">
+                <a16:creationId xmlns:a16="http://schemas.microsoft.com/office/drawing/2014/main" id="{4677A2E2-4F32-6B23-EA53-C5316753CD64}"/>
+              </a:ext>
+            </a:extLst>
+          </p:cNvPr>
+          <p:cNvPicPr>
+            <a:picLocks noChangeAspect="1"/>
+          </p:cNvPicPr>
+          <p:nvPr/>
+        </p:nvPicPr>
+        <p:blipFill>
+          <a:blip r:embed="rId3"/>
+          <a:stretch>
+            <a:fillRect/>
+          </a:stretch>
+        </p:blipFill>
+        <p:spPr>
+          <a:xfrm>
+            <a:off x="4626572" y="3094872"/>
+            <a:ext cx="2254775" cy="1951405"/>
+          </a:xfrm>
+          <a:prstGeom prst="rect">
+            <a:avLst/>
+          </a:prstGeom>
+        </p:spPr>
+      </p:pic>
+      <p:sp>
+        <p:nvSpPr>
+          <p:cNvPr id="51" name="Rechteck 50">
+            <a:extLst>
+              <a:ext uri="{FF2B5EF4-FFF2-40B4-BE49-F238E27FC236}">
+                <a16:creationId xmlns:a16="http://schemas.microsoft.com/office/drawing/2014/main" id="{76F654AF-8D3E-5AB9-9627-123FE53C2E2C}"/>
+              </a:ext>
+            </a:extLst>
+          </p:cNvPr>
+          <p:cNvSpPr/>
+          <p:nvPr/>
+        </p:nvSpPr>
+        <p:spPr>
+          <a:xfrm>
+            <a:off x="4347557" y="3094871"/>
+            <a:ext cx="2851266" cy="1951405"/>
+          </a:xfrm>
+          <a:prstGeom prst="rect">
+            <a:avLst/>
+          </a:prstGeom>
+          <a:noFill/>
+          <a:ln>
+            <a:solidFill>
+              <a:schemeClr val="tx1"/>
+            </a:solidFill>
+            <a:prstDash val="dash"/>
+          </a:ln>
+        </p:spPr>
+        <p:style>
+          <a:lnRef idx="2">
+            <a:schemeClr val="accent1">
+              <a:shade val="50000"/>
+            </a:schemeClr>
+          </a:lnRef>
+          <a:fillRef idx="1">
+            <a:schemeClr val="accent1"/>
+          </a:fillRef>
+          <a:effectRef idx="0">
+            <a:schemeClr val="accent1"/>
+          </a:effectRef>
+          <a:fontRef idx="minor">
+            <a:schemeClr val="lt1"/>
+          </a:fontRef>
+        </p:style>
+        <p:txBody>
+          <a:bodyPr rtlCol="0" anchor="ctr"/>
+          <a:lstStyle/>
+          <a:p>
+            <a:pPr algn="ctr"/>
+            <a:endParaRPr lang="de-CH" sz="1200" dirty="0">
+              <a:solidFill>
+                <a:schemeClr val="tx1"/>
+              </a:solidFill>
+              <a:latin typeface="Arial" panose="020B0604020202020204" pitchFamily="34" charset="0"/>
+              <a:cs typeface="Arial" panose="020B0604020202020204" pitchFamily="34" charset="0"/>
+            </a:endParaRPr>
+          </a:p>
+        </p:txBody>
+      </p:sp>
+      <p:sp>
+        <p:nvSpPr>
+          <p:cNvPr id="52" name="Rechteck 51">
+            <a:extLst>
+              <a:ext uri="{FF2B5EF4-FFF2-40B4-BE49-F238E27FC236}">
+                <a16:creationId xmlns:a16="http://schemas.microsoft.com/office/drawing/2014/main" id="{A789776A-0466-F259-6C51-07561FA96CDD}"/>
+              </a:ext>
+            </a:extLst>
+          </p:cNvPr>
+          <p:cNvSpPr/>
+          <p:nvPr/>
+        </p:nvSpPr>
+        <p:spPr>
+          <a:xfrm>
+            <a:off x="4746568" y="5095436"/>
+            <a:ext cx="2579516" cy="301629"/>
+          </a:xfrm>
+          <a:prstGeom prst="rect">
+            <a:avLst/>
+          </a:prstGeom>
+          <a:solidFill>
+            <a:schemeClr val="bg1"/>
+          </a:solidFill>
+          <a:ln>
+            <a:solidFill>
+              <a:schemeClr val="tx1"/>
+            </a:solidFill>
+          </a:ln>
+        </p:spPr>
+        <p:style>
+          <a:lnRef idx="2">
+            <a:schemeClr val="accent1">
+              <a:shade val="50000"/>
+            </a:schemeClr>
+          </a:lnRef>
+          <a:fillRef idx="1">
+            <a:schemeClr val="accent1"/>
+          </a:fillRef>
+          <a:effectRef idx="0">
+            <a:schemeClr val="accent1"/>
+          </a:effectRef>
+          <a:fontRef idx="minor">
+            <a:schemeClr val="lt1"/>
+          </a:fontRef>
+        </p:style>
+        <p:txBody>
+          <a:bodyPr rtlCol="0" anchor="ctr"/>
+          <a:lstStyle/>
+          <a:p>
+            <a:r>
+              <a:rPr lang="de-CH" sz="1200" i="1" dirty="0">
+                <a:solidFill>
+                  <a:schemeClr val="tx1"/>
+                </a:solidFill>
+                <a:latin typeface="Arial" panose="020B0604020202020204" pitchFamily="34" charset="0"/>
+                <a:cs typeface="Arial" panose="020B0604020202020204" pitchFamily="34" charset="0"/>
+              </a:rPr>
+              <a:t>Kurzer Bild-Text (Header) eingeben </a:t>
+            </a:r>
+          </a:p>
+        </p:txBody>
+      </p:sp>
+      <p:sp>
+        <p:nvSpPr>
+          <p:cNvPr id="53" name="Textfeld 52">
+            <a:extLst>
+              <a:ext uri="{FF2B5EF4-FFF2-40B4-BE49-F238E27FC236}">
+                <a16:creationId xmlns:a16="http://schemas.microsoft.com/office/drawing/2014/main" id="{868990A3-7704-7727-9F3F-8160B861378F}"/>
+              </a:ext>
+            </a:extLst>
+          </p:cNvPr>
+          <p:cNvSpPr txBox="1"/>
+          <p:nvPr/>
+        </p:nvSpPr>
+        <p:spPr>
+          <a:xfrm>
+            <a:off x="4068093" y="5092362"/>
+            <a:ext cx="789854" cy="307777"/>
+          </a:xfrm>
+          <a:prstGeom prst="rect">
+            <a:avLst/>
+          </a:prstGeom>
+          <a:noFill/>
+        </p:spPr>
+        <p:txBody>
+          <a:bodyPr wrap="square" rtlCol="0">
+            <a:spAutoFit/>
+          </a:bodyPr>
+          <a:lstStyle/>
+          <a:p>
+            <a:r>
+              <a:rPr lang="de-CH" sz="1400" b="1" dirty="0">
+                <a:latin typeface="Arial" panose="020B0604020202020204" pitchFamily="34" charset="0"/>
+                <a:cs typeface="Arial" panose="020B0604020202020204" pitchFamily="34" charset="0"/>
+              </a:rPr>
+              <a:t>Text</a:t>
+            </a:r>
+          </a:p>
+        </p:txBody>
+      </p:sp>
+      <p:sp>
+        <p:nvSpPr>
+          <p:cNvPr id="54" name="Rechteck 53">
+            <a:extLst>
+              <a:ext uri="{FF2B5EF4-FFF2-40B4-BE49-F238E27FC236}">
+                <a16:creationId xmlns:a16="http://schemas.microsoft.com/office/drawing/2014/main" id="{E6EE40C9-65CE-B8ED-6093-89C20ECC5DF2}"/>
+              </a:ext>
+            </a:extLst>
+          </p:cNvPr>
+          <p:cNvSpPr/>
+          <p:nvPr/>
+        </p:nvSpPr>
+        <p:spPr>
+          <a:xfrm>
+            <a:off x="4159136" y="5491865"/>
+            <a:ext cx="3166948" cy="215495"/>
+          </a:xfrm>
+          <a:prstGeom prst="rect">
+            <a:avLst/>
+          </a:prstGeom>
+          <a:noFill/>
+          <a:ln>
+            <a:solidFill>
+              <a:schemeClr val="tx1"/>
+            </a:solidFill>
+          </a:ln>
+        </p:spPr>
+        <p:style>
+          <a:lnRef idx="2">
+            <a:schemeClr val="accent1">
+              <a:shade val="50000"/>
+            </a:schemeClr>
+          </a:lnRef>
+          <a:fillRef idx="1">
+            <a:schemeClr val="accent1"/>
+          </a:fillRef>
+          <a:effectRef idx="0">
+            <a:schemeClr val="accent1"/>
+          </a:effectRef>
+          <a:fontRef idx="minor">
+            <a:schemeClr val="lt1"/>
+          </a:fontRef>
+        </p:style>
+        <p:txBody>
+          <a:bodyPr rtlCol="0" anchor="ctr"/>
+          <a:lstStyle/>
+          <a:p>
+            <a:r>
+              <a:rPr lang="de-CH" sz="1200" dirty="0">
+                <a:solidFill>
+                  <a:schemeClr val="tx1"/>
+                </a:solidFill>
+                <a:latin typeface="Arial" panose="020B0604020202020204" pitchFamily="34" charset="0"/>
+                <a:cs typeface="Arial" panose="020B0604020202020204" pitchFamily="34" charset="0"/>
+              </a:rPr>
+              <a:t>Konzert wählen (optional)</a:t>
+            </a:r>
+          </a:p>
+        </p:txBody>
+      </p:sp>
+      <p:pic>
+        <p:nvPicPr>
+          <p:cNvPr id="55" name="Grafik 54">
+            <a:extLst>
+              <a:ext uri="{FF2B5EF4-FFF2-40B4-BE49-F238E27FC236}">
+                <a16:creationId xmlns:a16="http://schemas.microsoft.com/office/drawing/2014/main" id="{AC2217DF-1918-013A-A9C5-4051DA715EA7}"/>
+              </a:ext>
+            </a:extLst>
+          </p:cNvPr>
+          <p:cNvPicPr>
+            <a:picLocks noChangeAspect="1"/>
+          </p:cNvPicPr>
+          <p:nvPr/>
+        </p:nvPicPr>
+        <p:blipFill>
+          <a:blip r:embed="rId4"/>
+          <a:stretch>
+            <a:fillRect/>
+          </a:stretch>
+        </p:blipFill>
+        <p:spPr>
+          <a:xfrm>
+            <a:off x="6943230" y="5549932"/>
+            <a:ext cx="321154" cy="157428"/>
+          </a:xfrm>
+          <a:prstGeom prst="rect">
+            <a:avLst/>
+          </a:prstGeom>
+        </p:spPr>
+      </p:pic>
+      <p:sp>
+        <p:nvSpPr>
+          <p:cNvPr id="56" name="Textfeld 55">
+            <a:extLst>
+              <a:ext uri="{FF2B5EF4-FFF2-40B4-BE49-F238E27FC236}">
+                <a16:creationId xmlns:a16="http://schemas.microsoft.com/office/drawing/2014/main" id="{F98E6FF7-4C2B-61B8-A3DA-503AB4581CF6}"/>
+              </a:ext>
+            </a:extLst>
+          </p:cNvPr>
+          <p:cNvSpPr txBox="1"/>
+          <p:nvPr/>
+        </p:nvSpPr>
+        <p:spPr>
+          <a:xfrm>
+            <a:off x="4077364" y="5707360"/>
+            <a:ext cx="1342536" cy="246221"/>
+          </a:xfrm>
+          <a:prstGeom prst="rect">
+            <a:avLst/>
+          </a:prstGeom>
+          <a:noFill/>
+        </p:spPr>
+        <p:txBody>
+          <a:bodyPr wrap="square" rtlCol="0">
+            <a:spAutoFit/>
+          </a:bodyPr>
+          <a:lstStyle/>
+          <a:p>
+            <a:r>
+              <a:rPr lang="de-CH" sz="1000" b="1" dirty="0">
+                <a:latin typeface="Arial" panose="020B0604020202020204" pitchFamily="34" charset="0"/>
+                <a:cs typeface="Arial" panose="020B0604020202020204" pitchFamily="34" charset="0"/>
+              </a:rPr>
+              <a:t>Bemerkung</a:t>
+            </a:r>
+          </a:p>
+        </p:txBody>
+      </p:sp>
+      <p:sp>
+        <p:nvSpPr>
+          <p:cNvPr id="57" name="Rechteck 56">
+            <a:extLst>
+              <a:ext uri="{FF2B5EF4-FFF2-40B4-BE49-F238E27FC236}">
+                <a16:creationId xmlns:a16="http://schemas.microsoft.com/office/drawing/2014/main" id="{173E94BB-B836-480F-CDBE-3967FB045AC2}"/>
+              </a:ext>
+            </a:extLst>
+          </p:cNvPr>
+          <p:cNvSpPr/>
+          <p:nvPr/>
+        </p:nvSpPr>
+        <p:spPr>
+          <a:xfrm>
+            <a:off x="4130142" y="5922855"/>
+            <a:ext cx="3166948" cy="301629"/>
+          </a:xfrm>
+          <a:prstGeom prst="rect">
+            <a:avLst/>
+          </a:prstGeom>
+          <a:solidFill>
+            <a:schemeClr val="bg1"/>
+          </a:solidFill>
+          <a:ln>
+            <a:solidFill>
+              <a:schemeClr val="tx1"/>
+            </a:solidFill>
+          </a:ln>
+        </p:spPr>
+        <p:style>
+          <a:lnRef idx="2">
+            <a:schemeClr val="accent1">
+              <a:shade val="50000"/>
+            </a:schemeClr>
+          </a:lnRef>
+          <a:fillRef idx="1">
+            <a:schemeClr val="accent1"/>
+          </a:fillRef>
+          <a:effectRef idx="0">
+            <a:schemeClr val="accent1"/>
+          </a:effectRef>
+          <a:fontRef idx="minor">
+            <a:schemeClr val="lt1"/>
+          </a:fontRef>
+        </p:style>
+        <p:txBody>
+          <a:bodyPr rtlCol="0" anchor="ctr"/>
+          <a:lstStyle/>
+          <a:p>
+            <a:r>
+              <a:rPr lang="de-CH" sz="1200" i="1" dirty="0">
+                <a:solidFill>
+                  <a:schemeClr val="tx1"/>
+                </a:solidFill>
+                <a:latin typeface="Arial" panose="020B0604020202020204" pitchFamily="34" charset="0"/>
+                <a:cs typeface="Arial" panose="020B0604020202020204" pitchFamily="34" charset="0"/>
+              </a:rPr>
+              <a:t>Bemerkung eingeben ….</a:t>
+            </a:r>
+          </a:p>
+        </p:txBody>
+      </p:sp>
+      <p:sp>
+        <p:nvSpPr>
+          <p:cNvPr id="58" name="Rechteck 57">
+            <a:extLst>
+              <a:ext uri="{FF2B5EF4-FFF2-40B4-BE49-F238E27FC236}">
+                <a16:creationId xmlns:a16="http://schemas.microsoft.com/office/drawing/2014/main" id="{C785EC60-4998-70C0-A815-2730FA149737}"/>
+              </a:ext>
+            </a:extLst>
+          </p:cNvPr>
+          <p:cNvSpPr/>
+          <p:nvPr/>
+        </p:nvSpPr>
+        <p:spPr>
+          <a:xfrm>
+            <a:off x="5160683" y="6284514"/>
+            <a:ext cx="1225014" cy="292247"/>
+          </a:xfrm>
+          <a:prstGeom prst="rect">
+            <a:avLst/>
+          </a:prstGeom>
+          <a:noFill/>
+          <a:ln>
+            <a:solidFill>
+              <a:schemeClr val="tx1"/>
+            </a:solidFill>
+          </a:ln>
+        </p:spPr>
+        <p:style>
+          <a:lnRef idx="2">
+            <a:schemeClr val="accent1">
+              <a:shade val="50000"/>
+            </a:schemeClr>
+          </a:lnRef>
+          <a:fillRef idx="1">
+            <a:schemeClr val="accent1"/>
+          </a:fillRef>
+          <a:effectRef idx="0">
+            <a:schemeClr val="accent1"/>
+          </a:effectRef>
+          <a:fontRef idx="minor">
+            <a:schemeClr val="lt1"/>
+          </a:fontRef>
+        </p:style>
+        <p:txBody>
+          <a:bodyPr rtlCol="0" anchor="ctr"/>
+          <a:lstStyle/>
+          <a:p>
+            <a:pPr algn="ctr"/>
+            <a:r>
+              <a:rPr lang="de-CH" sz="1200" b="1" dirty="0">
+                <a:solidFill>
+                  <a:schemeClr val="tx1"/>
+                </a:solidFill>
+                <a:latin typeface="Arial" panose="020B0604020202020204" pitchFamily="34" charset="0"/>
+                <a:cs typeface="Arial" panose="020B0604020202020204" pitchFamily="34" charset="0"/>
+              </a:rPr>
+              <a:t>Senden</a:t>
+            </a:r>
+          </a:p>
+        </p:txBody>
+      </p:sp>
+      <p:pic>
+        <p:nvPicPr>
+          <p:cNvPr id="60" name="Grafik 59">
+            <a:extLst>
+              <a:ext uri="{FF2B5EF4-FFF2-40B4-BE49-F238E27FC236}">
+                <a16:creationId xmlns:a16="http://schemas.microsoft.com/office/drawing/2014/main" id="{61002AC6-078B-0A7A-6ADD-DFDAC83315CD}"/>
+              </a:ext>
+            </a:extLst>
+          </p:cNvPr>
+          <p:cNvPicPr>
+            <a:picLocks noChangeAspect="1"/>
+          </p:cNvPicPr>
+          <p:nvPr/>
+        </p:nvPicPr>
+        <p:blipFill>
+          <a:blip r:embed="rId5"/>
+          <a:stretch>
+            <a:fillRect/>
+          </a:stretch>
+        </p:blipFill>
+        <p:spPr>
+          <a:xfrm>
+            <a:off x="6943230" y="532289"/>
+            <a:ext cx="331444" cy="256116"/>
+          </a:xfrm>
+          <a:prstGeom prst="rect">
+            <a:avLst/>
+          </a:prstGeom>
+        </p:spPr>
+      </p:pic>
+      <p:sp>
+        <p:nvSpPr>
+          <p:cNvPr id="61" name="Rechteck 60">
+            <a:extLst>
+              <a:ext uri="{FF2B5EF4-FFF2-40B4-BE49-F238E27FC236}">
+                <a16:creationId xmlns:a16="http://schemas.microsoft.com/office/drawing/2014/main" id="{BF396F8D-2C31-2485-0E53-6E1A0E712A21}"/>
+              </a:ext>
+            </a:extLst>
+          </p:cNvPr>
+          <p:cNvSpPr/>
+          <p:nvPr/>
+        </p:nvSpPr>
+        <p:spPr>
+          <a:xfrm>
+            <a:off x="6563630" y="2187902"/>
+            <a:ext cx="735983" cy="292247"/>
+          </a:xfrm>
+          <a:prstGeom prst="rect">
+            <a:avLst/>
+          </a:prstGeom>
+          <a:noFill/>
+          <a:ln>
+            <a:solidFill>
+              <a:schemeClr val="tx1"/>
+            </a:solidFill>
+          </a:ln>
+        </p:spPr>
+        <p:style>
+          <a:lnRef idx="2">
+            <a:schemeClr val="accent1">
+              <a:shade val="50000"/>
+            </a:schemeClr>
+          </a:lnRef>
+          <a:fillRef idx="1">
+            <a:schemeClr val="accent1"/>
+          </a:fillRef>
+          <a:effectRef idx="0">
+            <a:schemeClr val="accent1"/>
+          </a:effectRef>
+          <a:fontRef idx="minor">
+            <a:schemeClr val="lt1"/>
+          </a:fontRef>
+        </p:style>
+        <p:txBody>
+          <a:bodyPr rtlCol="0" anchor="ctr"/>
+          <a:lstStyle/>
+          <a:p>
+            <a:pPr algn="ctr"/>
+            <a:r>
+              <a:rPr lang="de-CH" sz="1200" dirty="0">
+                <a:solidFill>
+                  <a:schemeClr val="tx1"/>
+                </a:solidFill>
+                <a:latin typeface="Arial" panose="020B0604020202020204" pitchFamily="34" charset="0"/>
+                <a:cs typeface="Arial" panose="020B0604020202020204" pitchFamily="34" charset="0"/>
+              </a:rPr>
+              <a:t>Senden</a:t>
+            </a:r>
+          </a:p>
+        </p:txBody>
+      </p:sp>
+    </p:spTree>
+    <p:extLst>
+      <p:ext uri="{BB962C8B-B14F-4D97-AF65-F5344CB8AC3E}">
+        <p14:creationId xmlns:p14="http://schemas.microsoft.com/office/powerpoint/2010/main" val="3356822967"/>
+      </p:ext>
+    </p:extLst>
+  </p:cSld>
+  <p:clrMapOvr>
+    <a:masterClrMapping/>
+  </p:clrMapOvr>
+</p:sld>
+</file>
+
+<file path=ppt/slides/slide11.xml><?xml version="1.0" encoding="utf-8"?>
+<p:sld xmlns:a="http://schemas.openxmlformats.org/drawingml/2006/main" xmlns:r="http://schemas.openxmlformats.org/officeDocument/2006/relationships" xmlns:p="http://schemas.openxmlformats.org/presentationml/2006/main">
+  <p:cSld>
+    <p:spTree>
+      <p:nvGrpSpPr>
+        <p:cNvPr id="1" name=""/>
+        <p:cNvGrpSpPr/>
+        <p:nvPr/>
+      </p:nvGrpSpPr>
+      <p:grpSpPr>
+        <a:xfrm>
+          <a:off x="0" y="0"/>
+          <a:ext cx="0" cy="0"/>
+          <a:chOff x="0" y="0"/>
+          <a:chExt cx="0" cy="0"/>
+        </a:xfrm>
+      </p:grpSpPr>
+      <p:sp>
+        <p:nvSpPr>
           <p:cNvPr id="2" name="Rechteck 1">
             <a:extLst>
               <a:ext uri="{FF2B5EF4-FFF2-40B4-BE49-F238E27FC236}">
@@ -5308,7 +6558,7 @@
 </p:sld>
 </file>
 
-<file path=ppt/slides/slide11.xml><?xml version="1.0" encoding="utf-8"?>
+<file path=ppt/slides/slide12.xml><?xml version="1.0" encoding="utf-8"?>
 <p:sld xmlns:a="http://schemas.openxmlformats.org/drawingml/2006/main" xmlns:r="http://schemas.openxmlformats.org/officeDocument/2006/relationships" xmlns:p="http://schemas.openxmlformats.org/presentationml/2006/main">
   <p:cSld>
     <p:spTree>
@@ -7501,7 +8751,7 @@
           <p:cNvPr id="2" name="Rechteck 1">
             <a:extLst>
               <a:ext uri="{FF2B5EF4-FFF2-40B4-BE49-F238E27FC236}">
-                <a16:creationId xmlns:a16="http://schemas.microsoft.com/office/drawing/2014/main" id="{CFC70F4C-8A54-54D4-6FB3-C1D490799592}"/>
+                <a16:creationId xmlns:a16="http://schemas.microsoft.com/office/drawing/2014/main" id="{2F5DA06B-16D8-C461-0116-5C0C27936C10}"/>
               </a:ext>
             </a:extLst>
           </p:cNvPr>
@@ -7510,14 +8760,14 @@
         </p:nvSpPr>
         <p:spPr>
           <a:xfrm>
-            <a:off x="3044858" y="126380"/>
-            <a:ext cx="6542202" cy="6594088"/>
+            <a:off x="4548387" y="641513"/>
+            <a:ext cx="3153311" cy="395436"/>
           </a:xfrm>
           <a:prstGeom prst="rect">
             <a:avLst/>
           </a:prstGeom>
           <a:noFill/>
-          <a:ln w="38100">
+          <a:ln w="19050">
             <a:solidFill>
               <a:schemeClr val="tx1"/>
             </a:solidFill>
@@ -7544,76 +8794,65 @@
           <a:lstStyle/>
           <a:p>
             <a:pPr algn="ctr"/>
-            <a:endParaRPr lang="de-CH"/>
-          </a:p>
-        </p:txBody>
-      </p:sp>
-      <p:sp>
-        <p:nvSpPr>
-          <p:cNvPr id="3" name="Textfeld 2">
-            <a:extLst>
-              <a:ext uri="{FF2B5EF4-FFF2-40B4-BE49-F238E27FC236}">
-                <a16:creationId xmlns:a16="http://schemas.microsoft.com/office/drawing/2014/main" id="{DDE7CD2C-2DEA-FF6E-3D04-75EC15D4B3FB}"/>
-              </a:ext>
-            </a:extLst>
-          </p:cNvPr>
-          <p:cNvSpPr txBox="1"/>
-          <p:nvPr/>
-        </p:nvSpPr>
-        <p:spPr>
-          <a:xfrm>
-            <a:off x="3044858" y="151900"/>
-            <a:ext cx="4333461" cy="261610"/>
-          </a:xfrm>
-          <a:prstGeom prst="rect">
-            <a:avLst/>
-          </a:prstGeom>
-          <a:noFill/>
-        </p:spPr>
-        <p:txBody>
-          <a:bodyPr wrap="square" rtlCol="0">
-            <a:spAutoFit/>
-          </a:bodyPr>
-          <a:lstStyle/>
-          <a:p>
-            <a:r>
-              <a:rPr lang="de-CH" sz="1100" b="1" dirty="0" err="1"/>
-              <a:t>id_upload_page</a:t>
-            </a:r>
-            <a:r>
-              <a:rPr lang="de-CH" sz="1100" b="1" dirty="0"/>
-              <a:t> </a:t>
-            </a:r>
-            <a:r>
-              <a:rPr lang="de-CH" sz="1100" b="1" dirty="0" err="1"/>
-              <a:t>cl_upload_page</a:t>
-            </a:r>
-            <a:r>
-              <a:rPr lang="de-CH" sz="1100" b="1" dirty="0"/>
-              <a:t>  </a:t>
-            </a:r>
-            <a:r>
-              <a:rPr lang="de-CH" sz="1100" b="1" dirty="0" err="1"/>
-              <a:t>clear</a:t>
-            </a:r>
-            <a:r>
-              <a:rPr lang="de-CH" sz="1100" b="1" dirty="0"/>
-              <a:t> </a:t>
-            </a:r>
-            <a:r>
-              <a:rPr lang="de-CH" sz="1100" b="1" dirty="0" err="1"/>
-              <a:t>both</a:t>
-            </a:r>
-            <a:endParaRPr lang="de-CH" b="1" dirty="0"/>
-          </a:p>
-        </p:txBody>
-      </p:sp>
-      <p:sp>
-        <p:nvSpPr>
-          <p:cNvPr id="6" name="Rechteck 5">
-            <a:extLst>
-              <a:ext uri="{FF2B5EF4-FFF2-40B4-BE49-F238E27FC236}">
-                <a16:creationId xmlns:a16="http://schemas.microsoft.com/office/drawing/2014/main" id="{B30FFEFB-1DF9-B7E7-5E3A-8EE047456944}"/>
+            <a:r>
+              <a:rPr lang="de-CH" sz="1000" b="1" dirty="0">
+                <a:solidFill>
+                  <a:schemeClr val="tx1"/>
+                </a:solidFill>
+                <a:latin typeface="Arial" panose="020B0604020202020204" pitchFamily="34" charset="0"/>
+                <a:cs typeface="Arial" panose="020B0604020202020204" pitchFamily="34" charset="0"/>
+              </a:rPr>
+              <a:t>Create </a:t>
+            </a:r>
+            <a:r>
+              <a:rPr lang="de-CH" sz="1000" b="1" dirty="0" err="1">
+                <a:solidFill>
+                  <a:schemeClr val="tx1"/>
+                </a:solidFill>
+                <a:latin typeface="Arial" panose="020B0604020202020204" pitchFamily="34" charset="0"/>
+                <a:cs typeface="Arial" panose="020B0604020202020204" pitchFamily="34" charset="0"/>
+              </a:rPr>
+              <a:t>JazzUploadImage</a:t>
+            </a:r>
+            <a:r>
+              <a:rPr lang="de-CH" sz="1000" b="1" dirty="0">
+                <a:solidFill>
+                  <a:schemeClr val="tx1"/>
+                </a:solidFill>
+                <a:latin typeface="Arial" panose="020B0604020202020204" pitchFamily="34" charset="0"/>
+                <a:cs typeface="Arial" panose="020B0604020202020204" pitchFamily="34" charset="0"/>
+              </a:rPr>
+              <a:t>(</a:t>
+            </a:r>
+            <a:r>
+              <a:rPr lang="de-CH" sz="1000" b="1" dirty="0" err="1">
+                <a:solidFill>
+                  <a:schemeClr val="tx1"/>
+                </a:solidFill>
+                <a:latin typeface="Arial" panose="020B0604020202020204" pitchFamily="34" charset="0"/>
+                <a:cs typeface="Arial" panose="020B0604020202020204" pitchFamily="34" charset="0"/>
+              </a:rPr>
+              <a:t>input_data</a:t>
+            </a:r>
+            <a:r>
+              <a:rPr lang="de-CH" sz="1000" b="1" dirty="0">
+                <a:solidFill>
+                  <a:schemeClr val="tx1"/>
+                </a:solidFill>
+                <a:latin typeface="Arial" panose="020B0604020202020204" pitchFamily="34" charset="0"/>
+                <a:cs typeface="Arial" panose="020B0604020202020204" pitchFamily="34" charset="0"/>
+              </a:rPr>
+              <a:t>)</a:t>
+            </a:r>
+          </a:p>
+        </p:txBody>
+      </p:sp>
+      <p:sp>
+        <p:nvSpPr>
+          <p:cNvPr id="3" name="Rechteck 2">
+            <a:extLst>
+              <a:ext uri="{FF2B5EF4-FFF2-40B4-BE49-F238E27FC236}">
+                <a16:creationId xmlns:a16="http://schemas.microsoft.com/office/drawing/2014/main" id="{32222D44-1D56-0565-5909-BA0C9654F06E}"/>
               </a:ext>
             </a:extLst>
           </p:cNvPr>
@@ -7622,8 +8861,8 @@
         </p:nvSpPr>
         <p:spPr>
           <a:xfrm>
-            <a:off x="3161692" y="410294"/>
-            <a:ext cx="6274539" cy="261611"/>
+            <a:off x="2577422" y="1339096"/>
+            <a:ext cx="3153311" cy="725374"/>
           </a:xfrm>
           <a:prstGeom prst="rect">
             <a:avLst/>
@@ -7656,76 +8895,178 @@
           <a:lstStyle/>
           <a:p>
             <a:pPr algn="ctr"/>
-            <a:endParaRPr lang="de-CH" dirty="0"/>
-          </a:p>
-        </p:txBody>
-      </p:sp>
-      <p:sp>
-        <p:nvSpPr>
-          <p:cNvPr id="7" name="Textfeld 6">
-            <a:extLst>
-              <a:ext uri="{FF2B5EF4-FFF2-40B4-BE49-F238E27FC236}">
-                <a16:creationId xmlns:a16="http://schemas.microsoft.com/office/drawing/2014/main" id="{EBC18D37-5AE2-8187-21FF-6E2DBD80BFF6}"/>
-              </a:ext>
-            </a:extLst>
-          </p:cNvPr>
-          <p:cNvSpPr txBox="1"/>
-          <p:nvPr/>
-        </p:nvSpPr>
-        <p:spPr>
-          <a:xfrm>
-            <a:off x="3150898" y="387106"/>
-            <a:ext cx="4333461" cy="261610"/>
-          </a:xfrm>
-          <a:prstGeom prst="rect">
-            <a:avLst/>
-          </a:prstGeom>
-          <a:noFill/>
-        </p:spPr>
-        <p:txBody>
-          <a:bodyPr wrap="square" rtlCol="0">
-            <a:spAutoFit/>
-          </a:bodyPr>
-          <a:lstStyle/>
-          <a:p>
-            <a:r>
-              <a:rPr lang="de-CH" sz="1100" b="1" dirty="0" err="1"/>
-              <a:t>id_upload_logo</a:t>
-            </a:r>
-            <a:r>
-              <a:rPr lang="de-CH" sz="1100" b="1" dirty="0"/>
+            <a:r>
+              <a:rPr lang="de-CH" sz="1000" b="1" dirty="0" err="1">
+                <a:solidFill>
+                  <a:schemeClr val="tx1"/>
+                </a:solidFill>
+                <a:latin typeface="Arial" panose="020B0604020202020204" pitchFamily="34" charset="0"/>
+                <a:cs typeface="Arial" panose="020B0604020202020204" pitchFamily="34" charset="0"/>
+              </a:rPr>
+              <a:t>Init</a:t>
+            </a:r>
+            <a:r>
+              <a:rPr lang="de-CH" sz="1000" b="1" dirty="0">
+                <a:solidFill>
+                  <a:schemeClr val="tx1"/>
+                </a:solidFill>
+                <a:latin typeface="Arial" panose="020B0604020202020204" pitchFamily="34" charset="0"/>
+                <a:cs typeface="Arial" panose="020B0604020202020204" pitchFamily="34" charset="0"/>
+              </a:rPr>
+              <a:t>()</a:t>
+            </a:r>
+          </a:p>
+          <a:p>
+            <a:pPr algn="ctr"/>
+            <a:r>
+              <a:rPr lang="de-CH" sz="1000" b="1" dirty="0">
+                <a:solidFill>
+                  <a:schemeClr val="tx1"/>
+                </a:solidFill>
+                <a:latin typeface="Arial" panose="020B0604020202020204" pitchFamily="34" charset="0"/>
+                <a:cs typeface="Arial" panose="020B0604020202020204" pitchFamily="34" charset="0"/>
+              </a:rPr>
+              <a:t>Fill </a:t>
+            </a:r>
+            <a:r>
+              <a:rPr lang="de-CH" sz="1000" b="1" dirty="0" err="1">
+                <a:solidFill>
+                  <a:schemeClr val="tx1"/>
+                </a:solidFill>
+                <a:latin typeface="Arial" panose="020B0604020202020204" pitchFamily="34" charset="0"/>
+                <a:cs typeface="Arial" panose="020B0604020202020204" pitchFamily="34" charset="0"/>
+              </a:rPr>
+              <a:t>container</a:t>
+            </a:r>
+            <a:r>
+              <a:rPr lang="de-CH" sz="1000" b="1" dirty="0">
+                <a:solidFill>
+                  <a:schemeClr val="tx1"/>
+                </a:solidFill>
+                <a:latin typeface="Arial" panose="020B0604020202020204" pitchFamily="34" charset="0"/>
+                <a:cs typeface="Arial" panose="020B0604020202020204" pitchFamily="34" charset="0"/>
+              </a:rPr>
               <a:t> </a:t>
             </a:r>
-            <a:r>
-              <a:rPr lang="de-CH" sz="1100" b="1" dirty="0" err="1"/>
-              <a:t>cl_upload_logo</a:t>
-            </a:r>
-            <a:r>
-              <a:rPr lang="de-CH" sz="1100" b="1" dirty="0"/>
-              <a:t>  </a:t>
-            </a:r>
-            <a:r>
-              <a:rPr lang="de-CH" sz="1100" b="1" dirty="0" err="1"/>
-              <a:t>clear</a:t>
-            </a:r>
-            <a:r>
-              <a:rPr lang="de-CH" sz="1100" b="1" dirty="0"/>
+          </a:p>
+          <a:p>
+            <a:pPr algn="ctr"/>
+            <a:r>
+              <a:rPr lang="de-CH" sz="1000" b="1" dirty="0">
+                <a:solidFill>
+                  <a:schemeClr val="tx1"/>
+                </a:solidFill>
+                <a:latin typeface="Arial" panose="020B0604020202020204" pitchFamily="34" charset="0"/>
+                <a:cs typeface="Arial" panose="020B0604020202020204" pitchFamily="34" charset="0"/>
+              </a:rPr>
+              <a:t>Add </a:t>
+            </a:r>
+            <a:r>
+              <a:rPr lang="de-CH" sz="1000" b="1" dirty="0" err="1">
+                <a:solidFill>
+                  <a:schemeClr val="tx1"/>
+                </a:solidFill>
+                <a:latin typeface="Arial" panose="020B0604020202020204" pitchFamily="34" charset="0"/>
+                <a:cs typeface="Arial" panose="020B0604020202020204" pitchFamily="34" charset="0"/>
+              </a:rPr>
+              <a:t>event</a:t>
+            </a:r>
+            <a:r>
+              <a:rPr lang="de-CH" sz="1000" b="1" dirty="0">
+                <a:solidFill>
+                  <a:schemeClr val="tx1"/>
+                </a:solidFill>
+                <a:latin typeface="Arial" panose="020B0604020202020204" pitchFamily="34" charset="0"/>
+                <a:cs typeface="Arial" panose="020B0604020202020204" pitchFamily="34" charset="0"/>
+              </a:rPr>
               <a:t> </a:t>
             </a:r>
             <a:r>
-              <a:rPr lang="de-CH" sz="1100" b="1" dirty="0" err="1"/>
-              <a:t>both</a:t>
-            </a:r>
-            <a:endParaRPr lang="de-CH" b="1" dirty="0"/>
-          </a:p>
-        </p:txBody>
-      </p:sp>
-      <p:sp>
-        <p:nvSpPr>
-          <p:cNvPr id="8" name="Rechteck 7">
-            <a:extLst>
-              <a:ext uri="{FF2B5EF4-FFF2-40B4-BE49-F238E27FC236}">
-                <a16:creationId xmlns:a16="http://schemas.microsoft.com/office/drawing/2014/main" id="{FA32747F-1AFB-3C61-FA24-EA355F19EFFD}"/>
+              <a:rPr lang="de-CH" sz="1000" b="1" dirty="0" err="1">
+                <a:solidFill>
+                  <a:schemeClr val="tx1"/>
+                </a:solidFill>
+                <a:latin typeface="Arial" panose="020B0604020202020204" pitchFamily="34" charset="0"/>
+                <a:cs typeface="Arial" panose="020B0604020202020204" pitchFamily="34" charset="0"/>
+              </a:rPr>
+              <a:t>listener</a:t>
+            </a:r>
+            <a:r>
+              <a:rPr lang="de-CH" sz="1000" b="1" dirty="0">
+                <a:solidFill>
+                  <a:schemeClr val="tx1"/>
+                </a:solidFill>
+                <a:latin typeface="Arial" panose="020B0604020202020204" pitchFamily="34" charset="0"/>
+                <a:cs typeface="Arial" panose="020B0604020202020204" pitchFamily="34" charset="0"/>
+              </a:rPr>
+              <a:t> </a:t>
+            </a:r>
+            <a:r>
+              <a:rPr lang="de-CH" sz="1000" b="1" dirty="0" err="1">
+                <a:solidFill>
+                  <a:schemeClr val="tx1"/>
+                </a:solidFill>
+                <a:latin typeface="Arial" panose="020B0604020202020204" pitchFamily="34" charset="0"/>
+                <a:cs typeface="Arial" panose="020B0604020202020204" pitchFamily="34" charset="0"/>
+              </a:rPr>
+              <a:t>for</a:t>
+            </a:r>
+            <a:r>
+              <a:rPr lang="de-CH" sz="1000" b="1" dirty="0">
+                <a:solidFill>
+                  <a:schemeClr val="tx1"/>
+                </a:solidFill>
+                <a:latin typeface="Arial" panose="020B0604020202020204" pitchFamily="34" charset="0"/>
+                <a:cs typeface="Arial" panose="020B0604020202020204" pitchFamily="34" charset="0"/>
+              </a:rPr>
+              <a:t> </a:t>
+            </a:r>
+            <a:r>
+              <a:rPr lang="de-CH" sz="1000" b="1" dirty="0" err="1">
+                <a:solidFill>
+                  <a:schemeClr val="tx1"/>
+                </a:solidFill>
+                <a:latin typeface="Arial" panose="020B0604020202020204" pitchFamily="34" charset="0"/>
+                <a:cs typeface="Arial" panose="020B0604020202020204" pitchFamily="34" charset="0"/>
+              </a:rPr>
+              <a:t>image</a:t>
+            </a:r>
+            <a:r>
+              <a:rPr lang="de-CH" sz="1000" b="1" dirty="0">
+                <a:solidFill>
+                  <a:schemeClr val="tx1"/>
+                </a:solidFill>
+                <a:latin typeface="Arial" panose="020B0604020202020204" pitchFamily="34" charset="0"/>
+                <a:cs typeface="Arial" panose="020B0604020202020204" pitchFamily="34" charset="0"/>
+              </a:rPr>
+              <a:t> </a:t>
+            </a:r>
+            <a:r>
+              <a:rPr lang="de-CH" sz="1000" b="1" dirty="0" err="1">
+                <a:solidFill>
+                  <a:schemeClr val="tx1"/>
+                </a:solidFill>
+                <a:latin typeface="Arial" panose="020B0604020202020204" pitchFamily="34" charset="0"/>
+                <a:cs typeface="Arial" panose="020B0604020202020204" pitchFamily="34" charset="0"/>
+              </a:rPr>
+              <a:t>selection</a:t>
+            </a:r>
+            <a:endParaRPr lang="de-CH" sz="1000" b="1" dirty="0">
+              <a:solidFill>
+                <a:schemeClr val="tx1"/>
+              </a:solidFill>
+              <a:latin typeface="Arial" panose="020B0604020202020204" pitchFamily="34" charset="0"/>
+              <a:cs typeface="Arial" panose="020B0604020202020204" pitchFamily="34" charset="0"/>
+            </a:endParaRPr>
+          </a:p>
+        </p:txBody>
+      </p:sp>
+      <p:sp>
+        <p:nvSpPr>
+          <p:cNvPr id="4" name="Rechteck 3">
+            <a:extLst>
+              <a:ext uri="{FF2B5EF4-FFF2-40B4-BE49-F238E27FC236}">
+                <a16:creationId xmlns:a16="http://schemas.microsoft.com/office/drawing/2014/main" id="{26834050-61F6-B3F0-B288-8AC7FC2E8960}"/>
               </a:ext>
             </a:extLst>
           </p:cNvPr>
@@ -7734,8 +9075,8 @@
         </p:nvSpPr>
         <p:spPr>
           <a:xfrm>
-            <a:off x="3165790" y="820623"/>
-            <a:ext cx="6270441" cy="1093018"/>
+            <a:off x="5933364" y="1329670"/>
+            <a:ext cx="3153311" cy="734800"/>
           </a:xfrm>
           <a:prstGeom prst="rect">
             <a:avLst/>
@@ -7768,282 +9109,43 @@
           <a:lstStyle/>
           <a:p>
             <a:pPr algn="ctr"/>
-            <a:endParaRPr lang="de-CH" dirty="0"/>
-          </a:p>
-        </p:txBody>
-      </p:sp>
-      <p:sp>
-        <p:nvSpPr>
-          <p:cNvPr id="9" name="Textfeld 8">
-            <a:extLst>
-              <a:ext uri="{FF2B5EF4-FFF2-40B4-BE49-F238E27FC236}">
-                <a16:creationId xmlns:a16="http://schemas.microsoft.com/office/drawing/2014/main" id="{848FD5D0-631D-0036-76B3-7B8495254FAD}"/>
-              </a:ext>
-            </a:extLst>
-          </p:cNvPr>
-          <p:cNvSpPr txBox="1"/>
-          <p:nvPr/>
-        </p:nvSpPr>
-        <p:spPr>
-          <a:xfrm>
-            <a:off x="3161692" y="777511"/>
-            <a:ext cx="4333461" cy="261610"/>
-          </a:xfrm>
-          <a:prstGeom prst="rect">
-            <a:avLst/>
-          </a:prstGeom>
-          <a:noFill/>
-        </p:spPr>
-        <p:txBody>
-          <a:bodyPr wrap="square" rtlCol="0">
-            <a:spAutoFit/>
-          </a:bodyPr>
-          <a:lstStyle/>
-          <a:p>
-            <a:r>
-              <a:rPr lang="de-CH" sz="1100" b="1" dirty="0" err="1"/>
-              <a:t>id_div_upload_names_email_code</a:t>
-            </a:r>
-            <a:r>
-              <a:rPr lang="de-CH" sz="1100" b="1" dirty="0"/>
-              <a:t>  </a:t>
-            </a:r>
-            <a:r>
-              <a:rPr lang="de-CH" sz="1100" b="1" dirty="0" err="1"/>
-              <a:t>clear</a:t>
-            </a:r>
-            <a:r>
-              <a:rPr lang="de-CH" sz="1100" b="1" dirty="0"/>
-              <a:t> </a:t>
-            </a:r>
-            <a:r>
-              <a:rPr lang="de-CH" sz="1100" b="1" dirty="0" err="1"/>
-              <a:t>both</a:t>
-            </a:r>
-            <a:endParaRPr lang="de-CH" b="1" dirty="0"/>
-          </a:p>
-        </p:txBody>
-      </p:sp>
-      <p:sp>
-        <p:nvSpPr>
-          <p:cNvPr id="10" name="Rechteck 9">
-            <a:extLst>
-              <a:ext uri="{FF2B5EF4-FFF2-40B4-BE49-F238E27FC236}">
-                <a16:creationId xmlns:a16="http://schemas.microsoft.com/office/drawing/2014/main" id="{C43FB2A5-DF78-2583-BCFF-2553725879A1}"/>
-              </a:ext>
-            </a:extLst>
-          </p:cNvPr>
-          <p:cNvSpPr/>
-          <p:nvPr/>
-        </p:nvSpPr>
-        <p:spPr>
-          <a:xfrm>
-            <a:off x="3165790" y="2112094"/>
-            <a:ext cx="6270441" cy="1316905"/>
-          </a:xfrm>
-          <a:prstGeom prst="rect">
-            <a:avLst/>
-          </a:prstGeom>
-          <a:noFill/>
-          <a:ln w="19050">
-            <a:solidFill>
-              <a:schemeClr val="tx1"/>
-            </a:solidFill>
-          </a:ln>
-        </p:spPr>
-        <p:style>
-          <a:lnRef idx="2">
-            <a:schemeClr val="accent1">
-              <a:shade val="50000"/>
-            </a:schemeClr>
-          </a:lnRef>
-          <a:fillRef idx="1">
-            <a:schemeClr val="accent1"/>
-          </a:fillRef>
-          <a:effectRef idx="0">
-            <a:schemeClr val="accent1"/>
-          </a:effectRef>
-          <a:fontRef idx="minor">
-            <a:schemeClr val="lt1"/>
-          </a:fontRef>
-        </p:style>
-        <p:txBody>
-          <a:bodyPr rtlCol="0" anchor="ctr"/>
-          <a:lstStyle/>
+            <a:r>
+              <a:rPr lang="de-CH" sz="1000" b="1" dirty="0" err="1">
+                <a:solidFill>
+                  <a:schemeClr val="tx1"/>
+                </a:solidFill>
+                <a:latin typeface="Arial" panose="020B0604020202020204" pitchFamily="34" charset="0"/>
+                <a:cs typeface="Arial" panose="020B0604020202020204" pitchFamily="34" charset="0"/>
+              </a:rPr>
+              <a:t>userSelectedFiles</a:t>
+            </a:r>
+            <a:r>
+              <a:rPr lang="de-CH" sz="1000" b="1" dirty="0">
+                <a:solidFill>
+                  <a:schemeClr val="tx1"/>
+                </a:solidFill>
+                <a:latin typeface="Arial" panose="020B0604020202020204" pitchFamily="34" charset="0"/>
+                <a:cs typeface="Arial" panose="020B0604020202020204" pitchFamily="34" charset="0"/>
+              </a:rPr>
+              <a:t>()</a:t>
+            </a:r>
+          </a:p>
           <a:p>
             <a:pPr algn="ctr"/>
-            <a:endParaRPr lang="de-CH" dirty="0"/>
-          </a:p>
-        </p:txBody>
-      </p:sp>
-      <p:sp>
-        <p:nvSpPr>
-          <p:cNvPr id="11" name="Textfeld 10">
-            <a:extLst>
-              <a:ext uri="{FF2B5EF4-FFF2-40B4-BE49-F238E27FC236}">
-                <a16:creationId xmlns:a16="http://schemas.microsoft.com/office/drawing/2014/main" id="{854B5052-5A1F-D353-3012-B9FA0BFC705D}"/>
-              </a:ext>
-            </a:extLst>
-          </p:cNvPr>
-          <p:cNvSpPr txBox="1"/>
-          <p:nvPr/>
-        </p:nvSpPr>
-        <p:spPr>
-          <a:xfrm>
-            <a:off x="3161692" y="2068983"/>
-            <a:ext cx="4333461" cy="261610"/>
-          </a:xfrm>
-          <a:prstGeom prst="rect">
-            <a:avLst/>
-          </a:prstGeom>
-          <a:noFill/>
-        </p:spPr>
-        <p:txBody>
-          <a:bodyPr wrap="square" rtlCol="0">
-            <a:spAutoFit/>
-          </a:bodyPr>
-          <a:lstStyle/>
-          <a:p>
-            <a:r>
-              <a:rPr lang="de-CH" sz="1100" b="1" dirty="0" err="1"/>
-              <a:t>id_div</a:t>
-            </a:r>
-            <a:r>
-              <a:rPr lang="de-CH" sz="1100" b="1" dirty="0"/>
-              <a:t>_ </a:t>
-            </a:r>
-            <a:r>
-              <a:rPr lang="de-CH" sz="1100" b="1" dirty="0" err="1"/>
-              <a:t>upload_container_part_two</a:t>
-            </a:r>
-            <a:r>
-              <a:rPr lang="de-CH" sz="1100" b="1" dirty="0"/>
-              <a:t> </a:t>
-            </a:r>
-            <a:r>
-              <a:rPr lang="de-CH" sz="1100" b="1" dirty="0" err="1"/>
-              <a:t>clear</a:t>
-            </a:r>
-            <a:r>
-              <a:rPr lang="de-CH" sz="1100" b="1" dirty="0"/>
-              <a:t> </a:t>
-            </a:r>
-            <a:r>
-              <a:rPr lang="de-CH" sz="1100" b="1" dirty="0" err="1"/>
-              <a:t>both</a:t>
-            </a:r>
-            <a:endParaRPr lang="de-CH" b="1" dirty="0"/>
-          </a:p>
-        </p:txBody>
-      </p:sp>
-      <p:sp>
-        <p:nvSpPr>
-          <p:cNvPr id="12" name="Rechteck 11">
-            <a:extLst>
-              <a:ext uri="{FF2B5EF4-FFF2-40B4-BE49-F238E27FC236}">
-                <a16:creationId xmlns:a16="http://schemas.microsoft.com/office/drawing/2014/main" id="{F812E337-6338-858D-C216-325FB1C47EBD}"/>
-              </a:ext>
-            </a:extLst>
-          </p:cNvPr>
-          <p:cNvSpPr/>
-          <p:nvPr/>
-        </p:nvSpPr>
-        <p:spPr>
-          <a:xfrm>
-            <a:off x="3150898" y="3627455"/>
-            <a:ext cx="6270441" cy="1472247"/>
-          </a:xfrm>
-          <a:prstGeom prst="rect">
-            <a:avLst/>
-          </a:prstGeom>
-          <a:noFill/>
-          <a:ln w="19050">
-            <a:solidFill>
-              <a:schemeClr val="tx1"/>
-            </a:solidFill>
-          </a:ln>
-        </p:spPr>
-        <p:style>
-          <a:lnRef idx="2">
-            <a:schemeClr val="accent1">
-              <a:shade val="50000"/>
-            </a:schemeClr>
-          </a:lnRef>
-          <a:fillRef idx="1">
-            <a:schemeClr val="accent1"/>
-          </a:fillRef>
-          <a:effectRef idx="0">
-            <a:schemeClr val="accent1"/>
-          </a:effectRef>
-          <a:fontRef idx="minor">
-            <a:schemeClr val="lt1"/>
-          </a:fontRef>
-        </p:style>
-        <p:txBody>
-          <a:bodyPr rtlCol="0" anchor="ctr"/>
-          <a:lstStyle/>
-          <a:p>
-            <a:pPr algn="ctr"/>
-            <a:endParaRPr lang="de-CH" dirty="0"/>
-          </a:p>
-        </p:txBody>
-      </p:sp>
-      <p:sp>
-        <p:nvSpPr>
-          <p:cNvPr id="13" name="Textfeld 12">
-            <a:extLst>
-              <a:ext uri="{FF2B5EF4-FFF2-40B4-BE49-F238E27FC236}">
-                <a16:creationId xmlns:a16="http://schemas.microsoft.com/office/drawing/2014/main" id="{41B0D15B-B854-06BF-68F4-617F6D434025}"/>
-              </a:ext>
-            </a:extLst>
-          </p:cNvPr>
-          <p:cNvSpPr txBox="1"/>
-          <p:nvPr/>
-        </p:nvSpPr>
-        <p:spPr>
-          <a:xfrm>
-            <a:off x="3146800" y="3584344"/>
-            <a:ext cx="4333461" cy="261610"/>
-          </a:xfrm>
-          <a:prstGeom prst="rect">
-            <a:avLst/>
-          </a:prstGeom>
-          <a:noFill/>
-        </p:spPr>
-        <p:txBody>
-          <a:bodyPr wrap="square" rtlCol="0">
-            <a:spAutoFit/>
-          </a:bodyPr>
-          <a:lstStyle/>
-          <a:p>
-            <a:r>
-              <a:rPr lang="de-CH" sz="1100" b="1" dirty="0" err="1"/>
-              <a:t>id_div_upload_texts</a:t>
-            </a:r>
-            <a:r>
-              <a:rPr lang="de-CH" sz="1100" b="1" dirty="0"/>
-              <a:t>  </a:t>
-            </a:r>
-            <a:r>
-              <a:rPr lang="de-CH" sz="1100" b="1" dirty="0" err="1"/>
-              <a:t>clear</a:t>
-            </a:r>
-            <a:r>
-              <a:rPr lang="de-CH" sz="1100" b="1" dirty="0"/>
-              <a:t> </a:t>
-            </a:r>
-            <a:r>
-              <a:rPr lang="de-CH" sz="1100" b="1" dirty="0" err="1"/>
-              <a:t>both</a:t>
-            </a:r>
-            <a:endParaRPr lang="de-CH" b="1" dirty="0"/>
+            <a:endParaRPr lang="de-CH" sz="1000" b="1" dirty="0">
+              <a:solidFill>
+                <a:schemeClr val="tx1"/>
+              </a:solidFill>
+              <a:latin typeface="Arial" panose="020B0604020202020204" pitchFamily="34" charset="0"/>
+              <a:cs typeface="Arial" panose="020B0604020202020204" pitchFamily="34" charset="0"/>
+            </a:endParaRPr>
           </a:p>
         </p:txBody>
       </p:sp>
     </p:spTree>
     <p:extLst>
       <p:ext uri="{BB962C8B-B14F-4D97-AF65-F5344CB8AC3E}">
-        <p14:creationId xmlns:p14="http://schemas.microsoft.com/office/powerpoint/2010/main" val="2402299156"/>
+        <p14:creationId xmlns:p14="http://schemas.microsoft.com/office/powerpoint/2010/main" val="1772821583"/>
       </p:ext>
     </p:extLst>
   </p:cSld>
@@ -8075,7 +9177,7 @@
           <p:cNvPr id="2" name="Rechteck 1">
             <a:extLst>
               <a:ext uri="{FF2B5EF4-FFF2-40B4-BE49-F238E27FC236}">
-                <a16:creationId xmlns:a16="http://schemas.microsoft.com/office/drawing/2014/main" id="{3001897E-7992-3E4A-E7FA-60E3952A648C}"/>
+                <a16:creationId xmlns:a16="http://schemas.microsoft.com/office/drawing/2014/main" id="{CFC70F4C-8A54-54D4-6FB3-C1D490799592}"/>
               </a:ext>
             </a:extLst>
           </p:cNvPr>
@@ -8084,14 +9186,14 @@
         </p:nvSpPr>
         <p:spPr>
           <a:xfrm>
-            <a:off x="2960779" y="471831"/>
-            <a:ext cx="6270441" cy="3921060"/>
+            <a:off x="3044858" y="126380"/>
+            <a:ext cx="6542202" cy="6594088"/>
           </a:xfrm>
           <a:prstGeom prst="rect">
             <a:avLst/>
           </a:prstGeom>
           <a:noFill/>
-          <a:ln w="19050">
+          <a:ln w="38100">
             <a:solidFill>
               <a:schemeClr val="tx1"/>
             </a:solidFill>
@@ -8118,7 +9220,7 @@
           <a:lstStyle/>
           <a:p>
             <a:pPr algn="ctr"/>
-            <a:endParaRPr lang="de-CH" dirty="0"/>
+            <a:endParaRPr lang="de-CH"/>
           </a:p>
         </p:txBody>
       </p:sp>
@@ -8127,7 +9229,7 @@
           <p:cNvPr id="3" name="Textfeld 2">
             <a:extLst>
               <a:ext uri="{FF2B5EF4-FFF2-40B4-BE49-F238E27FC236}">
-                <a16:creationId xmlns:a16="http://schemas.microsoft.com/office/drawing/2014/main" id="{590984F8-CDBD-6C1D-7214-CFF139EBFFF8}"/>
+                <a16:creationId xmlns:a16="http://schemas.microsoft.com/office/drawing/2014/main" id="{DDE7CD2C-2DEA-FF6E-3D04-75EC15D4B3FB}"/>
               </a:ext>
             </a:extLst>
           </p:cNvPr>
@@ -8136,7 +9238,7 @@
         </p:nvSpPr>
         <p:spPr>
           <a:xfrm>
-            <a:off x="2956681" y="428719"/>
+            <a:off x="3044858" y="151900"/>
             <a:ext cx="4333461" cy="261610"/>
           </a:xfrm>
           <a:prstGeom prst="rect">
@@ -8152,7 +9254,15 @@
           <a:p>
             <a:r>
               <a:rPr lang="de-CH" sz="1100" b="1" dirty="0" err="1"/>
-              <a:t>id_div_upload_names_email_code</a:t>
+              <a:t>id_upload_page</a:t>
+            </a:r>
+            <a:r>
+              <a:rPr lang="de-CH" sz="1100" b="1" dirty="0"/>
+              <a:t> </a:t>
+            </a:r>
+            <a:r>
+              <a:rPr lang="de-CH" sz="1100" b="1" dirty="0" err="1"/>
+              <a:t>cl_upload_page</a:t>
             </a:r>
             <a:r>
               <a:rPr lang="de-CH" sz="1100" b="1" dirty="0"/>
@@ -8176,10 +9286,10 @@
       </p:sp>
       <p:sp>
         <p:nvSpPr>
-          <p:cNvPr id="4" name="Rechteck 3">
-            <a:extLst>
-              <a:ext uri="{FF2B5EF4-FFF2-40B4-BE49-F238E27FC236}">
-                <a16:creationId xmlns:a16="http://schemas.microsoft.com/office/drawing/2014/main" id="{01832BB6-764A-E5E7-A539-299606073FB4}"/>
+          <p:cNvPr id="6" name="Rechteck 5">
+            <a:extLst>
+              <a:ext uri="{FF2B5EF4-FFF2-40B4-BE49-F238E27FC236}">
+                <a16:creationId xmlns:a16="http://schemas.microsoft.com/office/drawing/2014/main" id="{B30FFEFB-1DF9-B7E7-5E3A-8EE047456944}"/>
               </a:ext>
             </a:extLst>
           </p:cNvPr>
@@ -8188,14 +9298,14 @@
         </p:nvSpPr>
         <p:spPr>
           <a:xfrm>
-            <a:off x="3147827" y="847130"/>
-            <a:ext cx="5731496" cy="289123"/>
+            <a:off x="3161692" y="410294"/>
+            <a:ext cx="6274539" cy="261611"/>
           </a:xfrm>
           <a:prstGeom prst="rect">
             <a:avLst/>
           </a:prstGeom>
           <a:noFill/>
-          <a:ln w="12700">
+          <a:ln w="19050">
             <a:solidFill>
               <a:schemeClr val="tx1"/>
             </a:solidFill>
@@ -8228,10 +9338,10 @@
       </p:sp>
       <p:sp>
         <p:nvSpPr>
-          <p:cNvPr id="5" name="Textfeld 4">
-            <a:extLst>
-              <a:ext uri="{FF2B5EF4-FFF2-40B4-BE49-F238E27FC236}">
-                <a16:creationId xmlns:a16="http://schemas.microsoft.com/office/drawing/2014/main" id="{5E54B971-BCB9-5327-694E-F28795E2FBF0}"/>
+          <p:cNvPr id="7" name="Textfeld 6">
+            <a:extLst>
+              <a:ext uri="{FF2B5EF4-FFF2-40B4-BE49-F238E27FC236}">
+                <a16:creationId xmlns:a16="http://schemas.microsoft.com/office/drawing/2014/main" id="{EBC18D37-5AE2-8187-21FF-6E2DBD80BFF6}"/>
               </a:ext>
             </a:extLst>
           </p:cNvPr>
@@ -8240,8 +9350,8 @@
         </p:nvSpPr>
         <p:spPr>
           <a:xfrm>
-            <a:off x="3147827" y="847130"/>
-            <a:ext cx="5131324" cy="261610"/>
+            <a:off x="3150898" y="387106"/>
+            <a:ext cx="4333461" cy="261610"/>
           </a:xfrm>
           <a:prstGeom prst="rect">
             <a:avLst/>
@@ -8256,15 +9366,7 @@
           <a:p>
             <a:r>
               <a:rPr lang="de-CH" sz="1100" b="1" dirty="0" err="1"/>
-              <a:t>id</a:t>
-            </a:r>
-            <a:r>
-              <a:rPr lang="de-CH" sz="1100" b="1" dirty="0"/>
-              <a:t>_... </a:t>
-            </a:r>
-            <a:r>
-              <a:rPr lang="de-CH" sz="1100" b="1" dirty="0" err="1"/>
-              <a:t>cl_div_upload_names</a:t>
+              <a:t>id_upload_logo</a:t>
             </a:r>
             <a:r>
               <a:rPr lang="de-CH" sz="1100" b="1" dirty="0"/>
@@ -8272,6 +9374,14 @@
             </a:r>
             <a:r>
               <a:rPr lang="de-CH" sz="1100" b="1" dirty="0" err="1"/>
+              <a:t>cl_upload_logo</a:t>
+            </a:r>
+            <a:r>
+              <a:rPr lang="de-CH" sz="1100" b="1" dirty="0"/>
+              <a:t>  </a:t>
+            </a:r>
+            <a:r>
+              <a:rPr lang="de-CH" sz="1100" b="1" dirty="0" err="1"/>
               <a:t>clear</a:t>
             </a:r>
             <a:r>
@@ -8288,10 +9398,10 @@
       </p:sp>
       <p:sp>
         <p:nvSpPr>
-          <p:cNvPr id="6" name="Rechteck 5">
-            <a:extLst>
-              <a:ext uri="{FF2B5EF4-FFF2-40B4-BE49-F238E27FC236}">
-                <a16:creationId xmlns:a16="http://schemas.microsoft.com/office/drawing/2014/main" id="{1E8138A0-ECEF-7745-D921-908EC521CC43}"/>
+          <p:cNvPr id="8" name="Rechteck 7">
+            <a:extLst>
+              <a:ext uri="{FF2B5EF4-FFF2-40B4-BE49-F238E27FC236}">
+                <a16:creationId xmlns:a16="http://schemas.microsoft.com/office/drawing/2014/main" id="{FA32747F-1AFB-3C61-FA24-EA355F19EFFD}"/>
               </a:ext>
             </a:extLst>
           </p:cNvPr>
@@ -8300,14 +9410,14 @@
         </p:nvSpPr>
         <p:spPr>
           <a:xfrm>
-            <a:off x="3119547" y="1252482"/>
-            <a:ext cx="5731496" cy="289123"/>
+            <a:off x="3165790" y="820623"/>
+            <a:ext cx="6270441" cy="1093018"/>
           </a:xfrm>
           <a:prstGeom prst="rect">
             <a:avLst/>
           </a:prstGeom>
           <a:noFill/>
-          <a:ln w="12700">
+          <a:ln w="19050">
             <a:solidFill>
               <a:schemeClr val="tx1"/>
             </a:solidFill>
@@ -8340,10 +9450,10 @@
       </p:sp>
       <p:sp>
         <p:nvSpPr>
-          <p:cNvPr id="7" name="Textfeld 6">
-            <a:extLst>
-              <a:ext uri="{FF2B5EF4-FFF2-40B4-BE49-F238E27FC236}">
-                <a16:creationId xmlns:a16="http://schemas.microsoft.com/office/drawing/2014/main" id="{A1701110-66AD-A5A4-EEE2-266E5D63F5F5}"/>
+          <p:cNvPr id="9" name="Textfeld 8">
+            <a:extLst>
+              <a:ext uri="{FF2B5EF4-FFF2-40B4-BE49-F238E27FC236}">
+                <a16:creationId xmlns:a16="http://schemas.microsoft.com/office/drawing/2014/main" id="{848FD5D0-631D-0036-76B3-7B8495254FAD}"/>
               </a:ext>
             </a:extLst>
           </p:cNvPr>
@@ -8352,8 +9462,8 @@
         </p:nvSpPr>
         <p:spPr>
           <a:xfrm>
-            <a:off x="3119547" y="1252482"/>
-            <a:ext cx="5131324" cy="261610"/>
+            <a:off x="3161692" y="777511"/>
+            <a:ext cx="4333461" cy="261610"/>
           </a:xfrm>
           <a:prstGeom prst="rect">
             <a:avLst/>
@@ -8368,15 +9478,15 @@
           <a:p>
             <a:r>
               <a:rPr lang="de-CH" sz="1100" b="1" dirty="0" err="1"/>
-              <a:t>id</a:t>
+              <a:t>id_div_upload_names_email_code</a:t>
             </a:r>
             <a:r>
               <a:rPr lang="de-CH" sz="1100" b="1" dirty="0"/>
-              <a:t>_... </a:t>
+              <a:t>  </a:t>
             </a:r>
             <a:r>
               <a:rPr lang="de-CH" sz="1100" b="1" dirty="0" err="1"/>
-              <a:t>cl_div_upload_email</a:t>
+              <a:t>clear</a:t>
             </a:r>
             <a:r>
               <a:rPr lang="de-CH" sz="1100" b="1" dirty="0"/>
@@ -8384,14 +9494,6 @@
             </a:r>
             <a:r>
               <a:rPr lang="de-CH" sz="1100" b="1" dirty="0" err="1"/>
-              <a:t>clear</a:t>
-            </a:r>
-            <a:r>
-              <a:rPr lang="de-CH" sz="1100" b="1" dirty="0"/>
-              <a:t> </a:t>
-            </a:r>
-            <a:r>
-              <a:rPr lang="de-CH" sz="1100" b="1" dirty="0" err="1"/>
               <a:t>both</a:t>
             </a:r>
             <a:endParaRPr lang="de-CH" b="1" dirty="0"/>
@@ -8400,10 +9502,10 @@
       </p:sp>
       <p:sp>
         <p:nvSpPr>
-          <p:cNvPr id="8" name="Rechteck 7">
-            <a:extLst>
-              <a:ext uri="{FF2B5EF4-FFF2-40B4-BE49-F238E27FC236}">
-                <a16:creationId xmlns:a16="http://schemas.microsoft.com/office/drawing/2014/main" id="{58946E20-27E2-E3D9-51AC-DE199E15928D}"/>
+          <p:cNvPr id="10" name="Rechteck 9">
+            <a:extLst>
+              <a:ext uri="{FF2B5EF4-FFF2-40B4-BE49-F238E27FC236}">
+                <a16:creationId xmlns:a16="http://schemas.microsoft.com/office/drawing/2014/main" id="{C43FB2A5-DF78-2583-BCFF-2553725879A1}"/>
               </a:ext>
             </a:extLst>
           </p:cNvPr>
@@ -8412,14 +9514,14 @@
         </p:nvSpPr>
         <p:spPr>
           <a:xfrm>
-            <a:off x="3147827" y="1638981"/>
-            <a:ext cx="5731496" cy="289123"/>
+            <a:off x="3165790" y="2112094"/>
+            <a:ext cx="6270441" cy="1316905"/>
           </a:xfrm>
           <a:prstGeom prst="rect">
             <a:avLst/>
           </a:prstGeom>
           <a:noFill/>
-          <a:ln w="12700">
+          <a:ln w="19050">
             <a:solidFill>
               <a:schemeClr val="tx1"/>
             </a:solidFill>
@@ -8452,10 +9554,10 @@
       </p:sp>
       <p:sp>
         <p:nvSpPr>
-          <p:cNvPr id="9" name="Textfeld 8">
-            <a:extLst>
-              <a:ext uri="{FF2B5EF4-FFF2-40B4-BE49-F238E27FC236}">
-                <a16:creationId xmlns:a16="http://schemas.microsoft.com/office/drawing/2014/main" id="{0673B199-0F78-3CE9-A6C4-2E4B72BF0008}"/>
+          <p:cNvPr id="11" name="Textfeld 10">
+            <a:extLst>
+              <a:ext uri="{FF2B5EF4-FFF2-40B4-BE49-F238E27FC236}">
+                <a16:creationId xmlns:a16="http://schemas.microsoft.com/office/drawing/2014/main" id="{854B5052-5A1F-D353-3012-B9FA0BFC705D}"/>
               </a:ext>
             </a:extLst>
           </p:cNvPr>
@@ -8464,8 +9566,8 @@
         </p:nvSpPr>
         <p:spPr>
           <a:xfrm>
-            <a:off x="3147827" y="1638981"/>
-            <a:ext cx="5131324" cy="261610"/>
+            <a:off x="3161692" y="2068983"/>
+            <a:ext cx="4333461" cy="261610"/>
           </a:xfrm>
           <a:prstGeom prst="rect">
             <a:avLst/>
@@ -8480,15 +9582,15 @@
           <a:p>
             <a:r>
               <a:rPr lang="de-CH" sz="1100" b="1" dirty="0" err="1"/>
-              <a:t>id</a:t>
+              <a:t>id_div</a:t>
             </a:r>
             <a:r>
               <a:rPr lang="de-CH" sz="1100" b="1" dirty="0"/>
-              <a:t>_... </a:t>
+              <a:t>_ </a:t>
             </a:r>
             <a:r>
               <a:rPr lang="de-CH" sz="1100" b="1" dirty="0" err="1"/>
-              <a:t>cl_div_upload_button_code</a:t>
+              <a:t>upload_container_part_two</a:t>
             </a:r>
             <a:r>
               <a:rPr lang="de-CH" sz="1100" b="1" dirty="0"/>
@@ -8512,10 +9614,10 @@
       </p:sp>
       <p:sp>
         <p:nvSpPr>
-          <p:cNvPr id="10" name="Rechteck 9">
-            <a:extLst>
-              <a:ext uri="{FF2B5EF4-FFF2-40B4-BE49-F238E27FC236}">
-                <a16:creationId xmlns:a16="http://schemas.microsoft.com/office/drawing/2014/main" id="{9D153A2D-4998-4FF0-17E2-12D0267EA14B}"/>
+          <p:cNvPr id="12" name="Rechteck 11">
+            <a:extLst>
+              <a:ext uri="{FF2B5EF4-FFF2-40B4-BE49-F238E27FC236}">
+                <a16:creationId xmlns:a16="http://schemas.microsoft.com/office/drawing/2014/main" id="{F812E337-6338-858D-C216-325FB1C47EBD}"/>
               </a:ext>
             </a:extLst>
           </p:cNvPr>
@@ -8524,14 +9626,14 @@
         </p:nvSpPr>
         <p:spPr>
           <a:xfrm>
-            <a:off x="3147827" y="2044333"/>
-            <a:ext cx="5731496" cy="289123"/>
+            <a:off x="3150898" y="3627455"/>
+            <a:ext cx="6270441" cy="1472247"/>
           </a:xfrm>
           <a:prstGeom prst="rect">
             <a:avLst/>
           </a:prstGeom>
           <a:noFill/>
-          <a:ln w="12700">
+          <a:ln w="19050">
             <a:solidFill>
               <a:schemeClr val="tx1"/>
             </a:solidFill>
@@ -8564,10 +9666,10 @@
       </p:sp>
       <p:sp>
         <p:nvSpPr>
-          <p:cNvPr id="11" name="Textfeld 10">
-            <a:extLst>
-              <a:ext uri="{FF2B5EF4-FFF2-40B4-BE49-F238E27FC236}">
-                <a16:creationId xmlns:a16="http://schemas.microsoft.com/office/drawing/2014/main" id="{9CEEAB47-C5A5-81D4-9E85-FA4F767AE67C}"/>
+          <p:cNvPr id="13" name="Textfeld 12">
+            <a:extLst>
+              <a:ext uri="{FF2B5EF4-FFF2-40B4-BE49-F238E27FC236}">
+                <a16:creationId xmlns:a16="http://schemas.microsoft.com/office/drawing/2014/main" id="{41B0D15B-B854-06BF-68F4-617F6D434025}"/>
               </a:ext>
             </a:extLst>
           </p:cNvPr>
@@ -8576,8 +9678,8 @@
         </p:nvSpPr>
         <p:spPr>
           <a:xfrm>
-            <a:off x="3147827" y="2044333"/>
-            <a:ext cx="5131324" cy="261610"/>
+            <a:off x="3146800" y="3584344"/>
+            <a:ext cx="4333461" cy="261610"/>
           </a:xfrm>
           <a:prstGeom prst="rect">
             <a:avLst/>
@@ -8592,131 +9694,11 @@
           <a:p>
             <a:r>
               <a:rPr lang="de-CH" sz="1100" b="1" dirty="0" err="1"/>
-              <a:t>id</a:t>
+              <a:t>id_div_upload_texts</a:t>
             </a:r>
             <a:r>
               <a:rPr lang="de-CH" sz="1100" b="1" dirty="0"/>
-              <a:t>_... </a:t>
-            </a:r>
-            <a:r>
-              <a:rPr lang="de-CH" sz="1100" b="1" dirty="0" err="1"/>
-              <a:t>cl_div_upload_input_code</a:t>
-            </a:r>
-            <a:r>
-              <a:rPr lang="de-CH" sz="1100" b="1" dirty="0"/>
-              <a:t> </a:t>
-            </a:r>
-            <a:r>
-              <a:rPr lang="de-CH" sz="1100" b="1" dirty="0" err="1"/>
-              <a:t>clear</a:t>
-            </a:r>
-            <a:r>
-              <a:rPr lang="de-CH" sz="1100" b="1" dirty="0"/>
-              <a:t> </a:t>
-            </a:r>
-            <a:r>
-              <a:rPr lang="de-CH" sz="1100" b="1" dirty="0" err="1"/>
-              <a:t>both</a:t>
-            </a:r>
-            <a:endParaRPr lang="de-CH" b="1" dirty="0"/>
-          </a:p>
-        </p:txBody>
-      </p:sp>
-      <p:sp>
-        <p:nvSpPr>
-          <p:cNvPr id="12" name="Rechteck 11">
-            <a:extLst>
-              <a:ext uri="{FF2B5EF4-FFF2-40B4-BE49-F238E27FC236}">
-                <a16:creationId xmlns:a16="http://schemas.microsoft.com/office/drawing/2014/main" id="{ED26A0E7-DC9D-1D35-4715-28492EEE8003}"/>
-              </a:ext>
-            </a:extLst>
-          </p:cNvPr>
-          <p:cNvSpPr/>
-          <p:nvPr/>
-        </p:nvSpPr>
-        <p:spPr>
-          <a:xfrm>
-            <a:off x="3157255" y="2430832"/>
-            <a:ext cx="5731496" cy="289123"/>
-          </a:xfrm>
-          <a:prstGeom prst="rect">
-            <a:avLst/>
-          </a:prstGeom>
-          <a:noFill/>
-          <a:ln w="12700">
-            <a:solidFill>
-              <a:schemeClr val="tx1"/>
-            </a:solidFill>
-          </a:ln>
-        </p:spPr>
-        <p:style>
-          <a:lnRef idx="2">
-            <a:schemeClr val="accent1">
-              <a:shade val="50000"/>
-            </a:schemeClr>
-          </a:lnRef>
-          <a:fillRef idx="1">
-            <a:schemeClr val="accent1"/>
-          </a:fillRef>
-          <a:effectRef idx="0">
-            <a:schemeClr val="accent1"/>
-          </a:effectRef>
-          <a:fontRef idx="minor">
-            <a:schemeClr val="lt1"/>
-          </a:fontRef>
-        </p:style>
-        <p:txBody>
-          <a:bodyPr rtlCol="0" anchor="ctr"/>
-          <a:lstStyle/>
-          <a:p>
-            <a:pPr algn="ctr"/>
-            <a:endParaRPr lang="de-CH" dirty="0"/>
-          </a:p>
-        </p:txBody>
-      </p:sp>
-      <p:sp>
-        <p:nvSpPr>
-          <p:cNvPr id="13" name="Textfeld 12">
-            <a:extLst>
-              <a:ext uri="{FF2B5EF4-FFF2-40B4-BE49-F238E27FC236}">
-                <a16:creationId xmlns:a16="http://schemas.microsoft.com/office/drawing/2014/main" id="{84CDFD25-3336-9C9F-63E1-C167955077DD}"/>
-              </a:ext>
-            </a:extLst>
-          </p:cNvPr>
-          <p:cNvSpPr txBox="1"/>
-          <p:nvPr/>
-        </p:nvSpPr>
-        <p:spPr>
-          <a:xfrm>
-            <a:off x="3157255" y="2430832"/>
-            <a:ext cx="5131324" cy="261610"/>
-          </a:xfrm>
-          <a:prstGeom prst="rect">
-            <a:avLst/>
-          </a:prstGeom>
-          <a:noFill/>
-        </p:spPr>
-        <p:txBody>
-          <a:bodyPr wrap="square" rtlCol="0">
-            <a:spAutoFit/>
-          </a:bodyPr>
-          <a:lstStyle/>
-          <a:p>
-            <a:r>
-              <a:rPr lang="de-CH" sz="1100" b="1" dirty="0" err="1"/>
-              <a:t>id</a:t>
-            </a:r>
-            <a:r>
-              <a:rPr lang="de-CH" sz="1100" b="1" dirty="0"/>
-              <a:t>_... </a:t>
-            </a:r>
-            <a:r>
-              <a:rPr lang="de-CH" sz="1100" b="1" dirty="0" err="1"/>
-              <a:t>cl_div_upload_button_send</a:t>
-            </a:r>
-            <a:r>
-              <a:rPr lang="de-CH" sz="1100" b="1" dirty="0"/>
-              <a:t> </a:t>
+              <a:t>  </a:t>
             </a:r>
             <a:r>
               <a:rPr lang="de-CH" sz="1100" b="1" dirty="0" err="1"/>
@@ -8737,7 +9719,7 @@
     </p:spTree>
     <p:extLst>
       <p:ext uri="{BB962C8B-B14F-4D97-AF65-F5344CB8AC3E}">
-        <p14:creationId xmlns:p14="http://schemas.microsoft.com/office/powerpoint/2010/main" val="929584414"/>
+        <p14:creationId xmlns:p14="http://schemas.microsoft.com/office/powerpoint/2010/main" val="2402299156"/>
       </p:ext>
     </p:extLst>
   </p:cSld>
@@ -8769,7 +9751,7 @@
           <p:cNvPr id="2" name="Rechteck 1">
             <a:extLst>
               <a:ext uri="{FF2B5EF4-FFF2-40B4-BE49-F238E27FC236}">
-                <a16:creationId xmlns:a16="http://schemas.microsoft.com/office/drawing/2014/main" id="{ED053598-7337-6B25-2388-2333A65EE6CA}"/>
+                <a16:creationId xmlns:a16="http://schemas.microsoft.com/office/drawing/2014/main" id="{3001897E-7992-3E4A-E7FA-60E3952A648C}"/>
               </a:ext>
             </a:extLst>
           </p:cNvPr>
@@ -8778,8 +9760,8 @@
         </p:nvSpPr>
         <p:spPr>
           <a:xfrm>
-            <a:off x="2816998" y="594378"/>
-            <a:ext cx="6270441" cy="5259667"/>
+            <a:off x="2960779" y="471831"/>
+            <a:ext cx="6270441" cy="3921060"/>
           </a:xfrm>
           <a:prstGeom prst="rect">
             <a:avLst/>
@@ -8821,7 +9803,7 @@
           <p:cNvPr id="3" name="Textfeld 2">
             <a:extLst>
               <a:ext uri="{FF2B5EF4-FFF2-40B4-BE49-F238E27FC236}">
-                <a16:creationId xmlns:a16="http://schemas.microsoft.com/office/drawing/2014/main" id="{4AEBB782-2694-CAD1-89A3-0F71AA988255}"/>
+                <a16:creationId xmlns:a16="http://schemas.microsoft.com/office/drawing/2014/main" id="{590984F8-CDBD-6C1D-7214-CFF139EBFFF8}"/>
               </a:ext>
             </a:extLst>
           </p:cNvPr>
@@ -8830,7 +9812,7 @@
         </p:nvSpPr>
         <p:spPr>
           <a:xfrm>
-            <a:off x="2812900" y="551268"/>
+            <a:off x="2956681" y="428719"/>
             <a:ext cx="4333461" cy="261610"/>
           </a:xfrm>
           <a:prstGeom prst="rect">
@@ -8846,7 +9828,7 @@
           <a:p>
             <a:r>
               <a:rPr lang="de-CH" sz="1100" b="1" dirty="0" err="1"/>
-              <a:t>id_div_upload_container_part_two</a:t>
+              <a:t>id_div_upload_names_email_code</a:t>
             </a:r>
             <a:r>
               <a:rPr lang="de-CH" sz="1100" b="1" dirty="0"/>
@@ -8873,7 +9855,7 @@
           <p:cNvPr id="4" name="Rechteck 3">
             <a:extLst>
               <a:ext uri="{FF2B5EF4-FFF2-40B4-BE49-F238E27FC236}">
-                <a16:creationId xmlns:a16="http://schemas.microsoft.com/office/drawing/2014/main" id="{EA390380-79EC-61A2-A911-26C338F61D97}"/>
+                <a16:creationId xmlns:a16="http://schemas.microsoft.com/office/drawing/2014/main" id="{01832BB6-764A-E5E7-A539-299606073FB4}"/>
               </a:ext>
             </a:extLst>
           </p:cNvPr>
@@ -8882,14 +9864,14 @@
         </p:nvSpPr>
         <p:spPr>
           <a:xfrm>
-            <a:off x="2901839" y="812877"/>
-            <a:ext cx="6053625" cy="3358837"/>
+            <a:off x="3147827" y="847130"/>
+            <a:ext cx="5731496" cy="289123"/>
           </a:xfrm>
           <a:prstGeom prst="rect">
             <a:avLst/>
           </a:prstGeom>
           <a:noFill/>
-          <a:ln w="19050">
+          <a:ln w="12700">
             <a:solidFill>
               <a:schemeClr val="tx1"/>
             </a:solidFill>
@@ -8925,7 +9907,7 @@
           <p:cNvPr id="5" name="Textfeld 4">
             <a:extLst>
               <a:ext uri="{FF2B5EF4-FFF2-40B4-BE49-F238E27FC236}">
-                <a16:creationId xmlns:a16="http://schemas.microsoft.com/office/drawing/2014/main" id="{7E883965-7BB7-0CF8-E8A3-88A1678985B5}"/>
+                <a16:creationId xmlns:a16="http://schemas.microsoft.com/office/drawing/2014/main" id="{5E54B971-BCB9-5327-694E-F28795E2FBF0}"/>
               </a:ext>
             </a:extLst>
           </p:cNvPr>
@@ -8934,7 +9916,7 @@
         </p:nvSpPr>
         <p:spPr>
           <a:xfrm>
-            <a:off x="2901839" y="843329"/>
+            <a:off x="3147827" y="847130"/>
             <a:ext cx="5131324" cy="261610"/>
           </a:xfrm>
           <a:prstGeom prst="rect">
@@ -8950,11 +9932,19 @@
           <a:p>
             <a:r>
               <a:rPr lang="de-CH" sz="1100" b="1" dirty="0" err="1"/>
-              <a:t>id_div_upload_input_file_image</a:t>
+              <a:t>id</a:t>
             </a:r>
             <a:r>
               <a:rPr lang="de-CH" sz="1100" b="1" dirty="0"/>
-              <a:t>  </a:t>
+              <a:t>_... </a:t>
+            </a:r>
+            <a:r>
+              <a:rPr lang="de-CH" sz="1100" b="1" dirty="0" err="1"/>
+              <a:t>cl_div_upload_names</a:t>
+            </a:r>
+            <a:r>
+              <a:rPr lang="de-CH" sz="1100" b="1" dirty="0"/>
+              <a:t> </a:t>
             </a:r>
             <a:r>
               <a:rPr lang="de-CH" sz="1100" b="1" dirty="0" err="1"/>
@@ -8968,32 +9958,16 @@
               <a:rPr lang="de-CH" sz="1100" b="1" dirty="0" err="1"/>
               <a:t>both</a:t>
             </a:r>
-            <a:r>
-              <a:rPr lang="de-CH" sz="1100" b="1" dirty="0"/>
-              <a:t>  Container </a:t>
-            </a:r>
-            <a:r>
-              <a:rPr lang="de-CH" sz="1100" b="1" dirty="0" err="1"/>
-              <a:t>for</a:t>
-            </a:r>
-            <a:r>
-              <a:rPr lang="de-CH" sz="1100" b="1" dirty="0"/>
-              <a:t> </a:t>
-            </a:r>
-            <a:r>
-              <a:rPr lang="de-CH" sz="1100" b="1" dirty="0" err="1"/>
-              <a:t>JazzUploadImage</a:t>
-            </a:r>
             <a:endParaRPr lang="de-CH" b="1" dirty="0"/>
           </a:p>
         </p:txBody>
       </p:sp>
       <p:sp>
         <p:nvSpPr>
-          <p:cNvPr id="10" name="Rechteck 9">
-            <a:extLst>
-              <a:ext uri="{FF2B5EF4-FFF2-40B4-BE49-F238E27FC236}">
-                <a16:creationId xmlns:a16="http://schemas.microsoft.com/office/drawing/2014/main" id="{7ABFDC11-97B6-7F0F-F539-5CDA3359270D}"/>
+          <p:cNvPr id="6" name="Rechteck 5">
+            <a:extLst>
+              <a:ext uri="{FF2B5EF4-FFF2-40B4-BE49-F238E27FC236}">
+                <a16:creationId xmlns:a16="http://schemas.microsoft.com/office/drawing/2014/main" id="{1E8138A0-ECEF-7745-D921-908EC521CC43}"/>
               </a:ext>
             </a:extLst>
           </p:cNvPr>
@@ -9002,16 +9976,14 @@
         </p:nvSpPr>
         <p:spPr>
           <a:xfrm>
-            <a:off x="6162960" y="2148646"/>
-            <a:ext cx="1667596" cy="160628"/>
-          </a:xfrm>
-          <a:prstGeom prst="rect">
-            <a:avLst/>
-          </a:prstGeom>
-          <a:solidFill>
-            <a:schemeClr val="bg1"/>
-          </a:solidFill>
-          <a:ln>
+            <a:off x="3119547" y="1252482"/>
+            <a:ext cx="5731496" cy="289123"/>
+          </a:xfrm>
+          <a:prstGeom prst="rect">
+            <a:avLst/>
+          </a:prstGeom>
+          <a:noFill/>
+          <a:ln w="12700">
             <a:solidFill>
               <a:schemeClr val="tx1"/>
             </a:solidFill>
@@ -9037,25 +10009,77 @@
           <a:bodyPr rtlCol="0" anchor="ctr"/>
           <a:lstStyle/>
           <a:p>
-            <a:r>
-              <a:rPr lang="de-CH" sz="800" i="1" dirty="0">
-                <a:solidFill>
-                  <a:schemeClr val="tx1"/>
-                </a:solidFill>
-                <a:latin typeface="Arial" panose="020B0604020202020204" pitchFamily="34" charset="0"/>
-                <a:cs typeface="Arial" panose="020B0604020202020204" pitchFamily="34" charset="0"/>
-              </a:rPr>
-              <a:t>Name des ausgewählte Bildes </a:t>
-            </a:r>
-          </a:p>
-        </p:txBody>
-      </p:sp>
-      <p:sp>
-        <p:nvSpPr>
-          <p:cNvPr id="11" name="Rechteck 10">
-            <a:extLst>
-              <a:ext uri="{FF2B5EF4-FFF2-40B4-BE49-F238E27FC236}">
-                <a16:creationId xmlns:a16="http://schemas.microsoft.com/office/drawing/2014/main" id="{5AAFC9D4-407C-AF52-4731-99593116D2BD}"/>
+            <a:pPr algn="ctr"/>
+            <a:endParaRPr lang="de-CH" dirty="0"/>
+          </a:p>
+        </p:txBody>
+      </p:sp>
+      <p:sp>
+        <p:nvSpPr>
+          <p:cNvPr id="7" name="Textfeld 6">
+            <a:extLst>
+              <a:ext uri="{FF2B5EF4-FFF2-40B4-BE49-F238E27FC236}">
+                <a16:creationId xmlns:a16="http://schemas.microsoft.com/office/drawing/2014/main" id="{A1701110-66AD-A5A4-EEE2-266E5D63F5F5}"/>
+              </a:ext>
+            </a:extLst>
+          </p:cNvPr>
+          <p:cNvSpPr txBox="1"/>
+          <p:nvPr/>
+        </p:nvSpPr>
+        <p:spPr>
+          <a:xfrm>
+            <a:off x="3119547" y="1252482"/>
+            <a:ext cx="5131324" cy="261610"/>
+          </a:xfrm>
+          <a:prstGeom prst="rect">
+            <a:avLst/>
+          </a:prstGeom>
+          <a:noFill/>
+        </p:spPr>
+        <p:txBody>
+          <a:bodyPr wrap="square" rtlCol="0">
+            <a:spAutoFit/>
+          </a:bodyPr>
+          <a:lstStyle/>
+          <a:p>
+            <a:r>
+              <a:rPr lang="de-CH" sz="1100" b="1" dirty="0" err="1"/>
+              <a:t>id</a:t>
+            </a:r>
+            <a:r>
+              <a:rPr lang="de-CH" sz="1100" b="1" dirty="0"/>
+              <a:t>_... </a:t>
+            </a:r>
+            <a:r>
+              <a:rPr lang="de-CH" sz="1100" b="1" dirty="0" err="1"/>
+              <a:t>cl_div_upload_email</a:t>
+            </a:r>
+            <a:r>
+              <a:rPr lang="de-CH" sz="1100" b="1" dirty="0"/>
+              <a:t> </a:t>
+            </a:r>
+            <a:r>
+              <a:rPr lang="de-CH" sz="1100" b="1" dirty="0" err="1"/>
+              <a:t>clear</a:t>
+            </a:r>
+            <a:r>
+              <a:rPr lang="de-CH" sz="1100" b="1" dirty="0"/>
+              <a:t> </a:t>
+            </a:r>
+            <a:r>
+              <a:rPr lang="de-CH" sz="1100" b="1" dirty="0" err="1"/>
+              <a:t>both</a:t>
+            </a:r>
+            <a:endParaRPr lang="de-CH" b="1" dirty="0"/>
+          </a:p>
+        </p:txBody>
+      </p:sp>
+      <p:sp>
+        <p:nvSpPr>
+          <p:cNvPr id="8" name="Rechteck 7">
+            <a:extLst>
+              <a:ext uri="{FF2B5EF4-FFF2-40B4-BE49-F238E27FC236}">
+                <a16:creationId xmlns:a16="http://schemas.microsoft.com/office/drawing/2014/main" id="{58946E20-27E2-E3D9-51AC-DE199E15928D}"/>
               </a:ext>
             </a:extLst>
           </p:cNvPr>
@@ -9064,14 +10088,14 @@
         </p:nvSpPr>
         <p:spPr>
           <a:xfrm>
-            <a:off x="9333537" y="1193430"/>
-            <a:ext cx="1017778" cy="237002"/>
+            <a:off x="3147827" y="1638981"/>
+            <a:ext cx="5731496" cy="289123"/>
           </a:xfrm>
           <a:prstGeom prst="rect">
             <a:avLst/>
           </a:prstGeom>
           <a:noFill/>
-          <a:ln>
+          <a:ln w="12700">
             <a:solidFill>
               <a:schemeClr val="tx1"/>
             </a:solidFill>
@@ -9098,55 +10122,76 @@
           <a:lstStyle/>
           <a:p>
             <a:pPr algn="ctr"/>
-            <a:r>
-              <a:rPr lang="de-CH" sz="1200" dirty="0">
-                <a:solidFill>
-                  <a:schemeClr val="tx1"/>
-                </a:solidFill>
-                <a:latin typeface="Arial" panose="020B0604020202020204" pitchFamily="34" charset="0"/>
-                <a:cs typeface="Arial" panose="020B0604020202020204" pitchFamily="34" charset="0"/>
-              </a:rPr>
-              <a:t>Bild wählen</a:t>
-            </a:r>
-          </a:p>
-        </p:txBody>
-      </p:sp>
-      <p:pic>
-        <p:nvPicPr>
-          <p:cNvPr id="13" name="Grafik 12">
-            <a:extLst>
-              <a:ext uri="{FF2B5EF4-FFF2-40B4-BE49-F238E27FC236}">
-                <a16:creationId xmlns:a16="http://schemas.microsoft.com/office/drawing/2014/main" id="{BDCB5C60-2F7E-C5A1-F4B8-5C6F182FDE01}"/>
-              </a:ext>
-            </a:extLst>
-          </p:cNvPr>
-          <p:cNvPicPr>
-            <a:picLocks noChangeAspect="1"/>
-          </p:cNvPicPr>
-          <p:nvPr/>
-        </p:nvPicPr>
-        <p:blipFill>
-          <a:blip r:embed="rId2"/>
-          <a:stretch>
-            <a:fillRect/>
-          </a:stretch>
-        </p:blipFill>
-        <p:spPr>
-          <a:xfrm>
-            <a:off x="4931828" y="2822619"/>
-            <a:ext cx="1193813" cy="1033191"/>
-          </a:xfrm>
-          <a:prstGeom prst="rect">
-            <a:avLst/>
-          </a:prstGeom>
-        </p:spPr>
-      </p:pic>
-      <p:sp>
-        <p:nvSpPr>
-          <p:cNvPr id="14" name="Rechteck 13">
-            <a:extLst>
-              <a:ext uri="{FF2B5EF4-FFF2-40B4-BE49-F238E27FC236}">
-                <a16:creationId xmlns:a16="http://schemas.microsoft.com/office/drawing/2014/main" id="{3CD631C4-8007-8A7F-0B29-6AF35EBF7396}"/>
+            <a:endParaRPr lang="de-CH" dirty="0"/>
+          </a:p>
+        </p:txBody>
+      </p:sp>
+      <p:sp>
+        <p:nvSpPr>
+          <p:cNvPr id="9" name="Textfeld 8">
+            <a:extLst>
+              <a:ext uri="{FF2B5EF4-FFF2-40B4-BE49-F238E27FC236}">
+                <a16:creationId xmlns:a16="http://schemas.microsoft.com/office/drawing/2014/main" id="{0673B199-0F78-3CE9-A6C4-2E4B72BF0008}"/>
+              </a:ext>
+            </a:extLst>
+          </p:cNvPr>
+          <p:cNvSpPr txBox="1"/>
+          <p:nvPr/>
+        </p:nvSpPr>
+        <p:spPr>
+          <a:xfrm>
+            <a:off x="3147827" y="1638981"/>
+            <a:ext cx="5131324" cy="261610"/>
+          </a:xfrm>
+          <a:prstGeom prst="rect">
+            <a:avLst/>
+          </a:prstGeom>
+          <a:noFill/>
+        </p:spPr>
+        <p:txBody>
+          <a:bodyPr wrap="square" rtlCol="0">
+            <a:spAutoFit/>
+          </a:bodyPr>
+          <a:lstStyle/>
+          <a:p>
+            <a:r>
+              <a:rPr lang="de-CH" sz="1100" b="1" dirty="0" err="1"/>
+              <a:t>id</a:t>
+            </a:r>
+            <a:r>
+              <a:rPr lang="de-CH" sz="1100" b="1" dirty="0"/>
+              <a:t>_... </a:t>
+            </a:r>
+            <a:r>
+              <a:rPr lang="de-CH" sz="1100" b="1" dirty="0" err="1"/>
+              <a:t>cl_div_upload_button_code</a:t>
+            </a:r>
+            <a:r>
+              <a:rPr lang="de-CH" sz="1100" b="1" dirty="0"/>
+              <a:t> </a:t>
+            </a:r>
+            <a:r>
+              <a:rPr lang="de-CH" sz="1100" b="1" dirty="0" err="1"/>
+              <a:t>clear</a:t>
+            </a:r>
+            <a:r>
+              <a:rPr lang="de-CH" sz="1100" b="1" dirty="0"/>
+              <a:t> </a:t>
+            </a:r>
+            <a:r>
+              <a:rPr lang="de-CH" sz="1100" b="1" dirty="0" err="1"/>
+              <a:t>both</a:t>
+            </a:r>
+            <a:endParaRPr lang="de-CH" b="1" dirty="0"/>
+          </a:p>
+        </p:txBody>
+      </p:sp>
+      <p:sp>
+        <p:nvSpPr>
+          <p:cNvPr id="10" name="Rechteck 9">
+            <a:extLst>
+              <a:ext uri="{FF2B5EF4-FFF2-40B4-BE49-F238E27FC236}">
+                <a16:creationId xmlns:a16="http://schemas.microsoft.com/office/drawing/2014/main" id="{9D153A2D-4998-4FF0-17E2-12D0267EA14B}"/>
               </a:ext>
             </a:extLst>
           </p:cNvPr>
@@ -9155,14 +10200,14 @@
         </p:nvSpPr>
         <p:spPr>
           <a:xfrm>
-            <a:off x="6848731" y="4769713"/>
-            <a:ext cx="1017778" cy="292247"/>
+            <a:off x="3147827" y="2044333"/>
+            <a:ext cx="5731496" cy="289123"/>
           </a:xfrm>
           <a:prstGeom prst="rect">
             <a:avLst/>
           </a:prstGeom>
           <a:noFill/>
-          <a:ln>
+          <a:ln w="12700">
             <a:solidFill>
               <a:schemeClr val="tx1"/>
             </a:solidFill>
@@ -9189,25 +10234,76 @@
           <a:lstStyle/>
           <a:p>
             <a:pPr algn="ctr"/>
-            <a:r>
-              <a:rPr lang="de-CH" sz="1200" dirty="0">
-                <a:solidFill>
-                  <a:schemeClr val="tx1"/>
-                </a:solidFill>
-                <a:latin typeface="Arial" panose="020B0604020202020204" pitchFamily="34" charset="0"/>
-                <a:cs typeface="Arial" panose="020B0604020202020204" pitchFamily="34" charset="0"/>
-              </a:rPr>
-              <a:t>Weiter</a:t>
-            </a:r>
-          </a:p>
-        </p:txBody>
-      </p:sp>
-      <p:sp>
-        <p:nvSpPr>
-          <p:cNvPr id="15" name="Rechteck 14">
-            <a:extLst>
-              <a:ext uri="{FF2B5EF4-FFF2-40B4-BE49-F238E27FC236}">
-                <a16:creationId xmlns:a16="http://schemas.microsoft.com/office/drawing/2014/main" id="{365D8E90-275B-E6A9-14F1-4C233EF7F4A2}"/>
+            <a:endParaRPr lang="de-CH" dirty="0"/>
+          </a:p>
+        </p:txBody>
+      </p:sp>
+      <p:sp>
+        <p:nvSpPr>
+          <p:cNvPr id="11" name="Textfeld 10">
+            <a:extLst>
+              <a:ext uri="{FF2B5EF4-FFF2-40B4-BE49-F238E27FC236}">
+                <a16:creationId xmlns:a16="http://schemas.microsoft.com/office/drawing/2014/main" id="{9CEEAB47-C5A5-81D4-9E85-FA4F767AE67C}"/>
+              </a:ext>
+            </a:extLst>
+          </p:cNvPr>
+          <p:cNvSpPr txBox="1"/>
+          <p:nvPr/>
+        </p:nvSpPr>
+        <p:spPr>
+          <a:xfrm>
+            <a:off x="3147827" y="2044333"/>
+            <a:ext cx="5131324" cy="261610"/>
+          </a:xfrm>
+          <a:prstGeom prst="rect">
+            <a:avLst/>
+          </a:prstGeom>
+          <a:noFill/>
+        </p:spPr>
+        <p:txBody>
+          <a:bodyPr wrap="square" rtlCol="0">
+            <a:spAutoFit/>
+          </a:bodyPr>
+          <a:lstStyle/>
+          <a:p>
+            <a:r>
+              <a:rPr lang="de-CH" sz="1100" b="1" dirty="0" err="1"/>
+              <a:t>id</a:t>
+            </a:r>
+            <a:r>
+              <a:rPr lang="de-CH" sz="1100" b="1" dirty="0"/>
+              <a:t>_... </a:t>
+            </a:r>
+            <a:r>
+              <a:rPr lang="de-CH" sz="1100" b="1" dirty="0" err="1"/>
+              <a:t>cl_div_upload_input_code</a:t>
+            </a:r>
+            <a:r>
+              <a:rPr lang="de-CH" sz="1100" b="1" dirty="0"/>
+              <a:t> </a:t>
+            </a:r>
+            <a:r>
+              <a:rPr lang="de-CH" sz="1100" b="1" dirty="0" err="1"/>
+              <a:t>clear</a:t>
+            </a:r>
+            <a:r>
+              <a:rPr lang="de-CH" sz="1100" b="1" dirty="0"/>
+              <a:t> </a:t>
+            </a:r>
+            <a:r>
+              <a:rPr lang="de-CH" sz="1100" b="1" dirty="0" err="1"/>
+              <a:t>both</a:t>
+            </a:r>
+            <a:endParaRPr lang="de-CH" b="1" dirty="0"/>
+          </a:p>
+        </p:txBody>
+      </p:sp>
+      <p:sp>
+        <p:nvSpPr>
+          <p:cNvPr id="12" name="Rechteck 11">
+            <a:extLst>
+              <a:ext uri="{FF2B5EF4-FFF2-40B4-BE49-F238E27FC236}">
+                <a16:creationId xmlns:a16="http://schemas.microsoft.com/office/drawing/2014/main" id="{ED26A0E7-DC9D-1D35-4715-28492EEE8003}"/>
               </a:ext>
             </a:extLst>
           </p:cNvPr>
@@ -9216,14 +10312,14 @@
         </p:nvSpPr>
         <p:spPr>
           <a:xfrm>
-            <a:off x="3469223" y="4778347"/>
-            <a:ext cx="970802" cy="235704"/>
+            <a:off x="3157255" y="2430832"/>
+            <a:ext cx="5731496" cy="289123"/>
           </a:xfrm>
           <a:prstGeom prst="rect">
             <a:avLst/>
           </a:prstGeom>
           <a:noFill/>
-          <a:ln>
+          <a:ln w="12700">
             <a:solidFill>
               <a:schemeClr val="tx1"/>
             </a:solidFill>
@@ -9250,77 +10346,16 @@
           <a:lstStyle/>
           <a:p>
             <a:pPr algn="ctr"/>
-            <a:r>
-              <a:rPr lang="de-CH" sz="1200" dirty="0">
-                <a:solidFill>
-                  <a:schemeClr val="tx1"/>
-                </a:solidFill>
-                <a:latin typeface="Arial" panose="020B0604020202020204" pitchFamily="34" charset="0"/>
-                <a:cs typeface="Arial" panose="020B0604020202020204" pitchFamily="34" charset="0"/>
-              </a:rPr>
-              <a:t>Zurück</a:t>
-            </a:r>
-          </a:p>
-        </p:txBody>
-      </p:sp>
-      <p:sp>
-        <p:nvSpPr>
-          <p:cNvPr id="16" name="Rechteck 15">
-            <a:extLst>
-              <a:ext uri="{FF2B5EF4-FFF2-40B4-BE49-F238E27FC236}">
-                <a16:creationId xmlns:a16="http://schemas.microsoft.com/office/drawing/2014/main" id="{1693A018-574C-E3DC-115E-AC63C201C051}"/>
-              </a:ext>
-            </a:extLst>
-          </p:cNvPr>
-          <p:cNvSpPr/>
-          <p:nvPr/>
-        </p:nvSpPr>
-        <p:spPr>
-          <a:xfrm>
-            <a:off x="2963073" y="1148049"/>
-            <a:ext cx="5731496" cy="858665"/>
-          </a:xfrm>
-          <a:prstGeom prst="rect">
-            <a:avLst/>
-          </a:prstGeom>
-          <a:noFill/>
-          <a:ln w="12700">
-            <a:solidFill>
-              <a:schemeClr val="tx1"/>
-            </a:solidFill>
-          </a:ln>
-        </p:spPr>
-        <p:style>
-          <a:lnRef idx="2">
-            <a:schemeClr val="accent1">
-              <a:shade val="50000"/>
-            </a:schemeClr>
-          </a:lnRef>
-          <a:fillRef idx="1">
-            <a:schemeClr val="accent1"/>
-          </a:fillRef>
-          <a:effectRef idx="0">
-            <a:schemeClr val="accent1"/>
-          </a:effectRef>
-          <a:fontRef idx="minor">
-            <a:schemeClr val="lt1"/>
-          </a:fontRef>
-        </p:style>
-        <p:txBody>
-          <a:bodyPr rtlCol="0" anchor="ctr"/>
-          <a:lstStyle/>
-          <a:p>
-            <a:pPr algn="ctr"/>
             <a:endParaRPr lang="de-CH" dirty="0"/>
           </a:p>
         </p:txBody>
       </p:sp>
       <p:sp>
         <p:nvSpPr>
-          <p:cNvPr id="17" name="Textfeld 16">
-            <a:extLst>
-              <a:ext uri="{FF2B5EF4-FFF2-40B4-BE49-F238E27FC236}">
-                <a16:creationId xmlns:a16="http://schemas.microsoft.com/office/drawing/2014/main" id="{D9E40867-B285-FD4F-1910-15A5F9DD4714}"/>
+          <p:cNvPr id="13" name="Textfeld 12">
+            <a:extLst>
+              <a:ext uri="{FF2B5EF4-FFF2-40B4-BE49-F238E27FC236}">
+                <a16:creationId xmlns:a16="http://schemas.microsoft.com/office/drawing/2014/main" id="{84CDFD25-3336-9C9F-63E1-C167955077DD}"/>
               </a:ext>
             </a:extLst>
           </p:cNvPr>
@@ -9329,8 +10364,8 @@
         </p:nvSpPr>
         <p:spPr>
           <a:xfrm>
-            <a:off x="2901838" y="1124779"/>
-            <a:ext cx="2183962" cy="261610"/>
+            <a:off x="3157255" y="2430832"/>
+            <a:ext cx="5131324" cy="261610"/>
           </a:xfrm>
           <a:prstGeom prst="rect">
             <a:avLst/>
@@ -9345,99 +10380,19 @@
           <a:p>
             <a:r>
               <a:rPr lang="de-CH" sz="1100" b="1" dirty="0" err="1"/>
-              <a:t>id_div_guestbook_fileupload</a:t>
-            </a:r>
-            <a:endParaRPr lang="de-CH" b="1" dirty="0"/>
-          </a:p>
-        </p:txBody>
-      </p:sp>
-      <p:sp>
-        <p:nvSpPr>
-          <p:cNvPr id="18" name="Rechteck 17">
-            <a:extLst>
-              <a:ext uri="{FF2B5EF4-FFF2-40B4-BE49-F238E27FC236}">
-                <a16:creationId xmlns:a16="http://schemas.microsoft.com/office/drawing/2014/main" id="{4178727E-5D46-D413-5F8F-0030E58D28EE}"/>
-              </a:ext>
-            </a:extLst>
-          </p:cNvPr>
-          <p:cNvSpPr/>
-          <p:nvPr/>
-        </p:nvSpPr>
-        <p:spPr>
-          <a:xfrm>
-            <a:off x="2963073" y="2086708"/>
-            <a:ext cx="5731496" cy="289123"/>
-          </a:xfrm>
-          <a:prstGeom prst="rect">
-            <a:avLst/>
-          </a:prstGeom>
-          <a:noFill/>
-          <a:ln w="12700">
-            <a:solidFill>
-              <a:schemeClr val="tx1"/>
-            </a:solidFill>
-          </a:ln>
-        </p:spPr>
-        <p:style>
-          <a:lnRef idx="2">
-            <a:schemeClr val="accent1">
-              <a:shade val="50000"/>
-            </a:schemeClr>
-          </a:lnRef>
-          <a:fillRef idx="1">
-            <a:schemeClr val="accent1"/>
-          </a:fillRef>
-          <a:effectRef idx="0">
-            <a:schemeClr val="accent1"/>
-          </a:effectRef>
-          <a:fontRef idx="minor">
-            <a:schemeClr val="lt1"/>
-          </a:fontRef>
-        </p:style>
-        <p:txBody>
-          <a:bodyPr rtlCol="0" anchor="ctr"/>
-          <a:lstStyle/>
-          <a:p>
-            <a:pPr algn="ctr"/>
-            <a:endParaRPr lang="de-CH" dirty="0"/>
-          </a:p>
-        </p:txBody>
-      </p:sp>
-      <p:sp>
-        <p:nvSpPr>
-          <p:cNvPr id="19" name="Textfeld 18">
-            <a:extLst>
-              <a:ext uri="{FF2B5EF4-FFF2-40B4-BE49-F238E27FC236}">
-                <a16:creationId xmlns:a16="http://schemas.microsoft.com/office/drawing/2014/main" id="{2F72101C-B6E1-6A6A-6935-B22A2A584CB4}"/>
-              </a:ext>
-            </a:extLst>
-          </p:cNvPr>
-          <p:cNvSpPr txBox="1"/>
-          <p:nvPr/>
-        </p:nvSpPr>
-        <p:spPr>
-          <a:xfrm>
-            <a:off x="2963073" y="2086708"/>
-            <a:ext cx="5131324" cy="261610"/>
-          </a:xfrm>
-          <a:prstGeom prst="rect">
-            <a:avLst/>
-          </a:prstGeom>
-          <a:noFill/>
-        </p:spPr>
-        <p:txBody>
-          <a:bodyPr wrap="square" rtlCol="0">
-            <a:spAutoFit/>
-          </a:bodyPr>
-          <a:lstStyle/>
-          <a:p>
+              <a:t>id</a:t>
+            </a:r>
+            <a:r>
+              <a:rPr lang="de-CH" sz="1100" b="1" dirty="0"/>
+              <a:t>_... </a:t>
+            </a:r>
             <a:r>
               <a:rPr lang="de-CH" sz="1100" b="1" dirty="0" err="1"/>
-              <a:t>id_div_guestbook_file_name</a:t>
+              <a:t>cl_div_upload_button_send</a:t>
             </a:r>
             <a:r>
               <a:rPr lang="de-CH" sz="1100" b="1" dirty="0"/>
-              <a:t>  </a:t>
+              <a:t> </a:t>
             </a:r>
             <a:r>
               <a:rPr lang="de-CH" sz="1100" b="1" dirty="0" err="1"/>
@@ -9450,522 +10405,6 @@
             <a:r>
               <a:rPr lang="de-CH" sz="1100" b="1" dirty="0" err="1"/>
               <a:t>both</a:t>
-            </a:r>
-            <a:endParaRPr lang="de-CH" b="1" dirty="0"/>
-          </a:p>
-        </p:txBody>
-      </p:sp>
-      <p:sp>
-        <p:nvSpPr>
-          <p:cNvPr id="20" name="Rechteck 19">
-            <a:extLst>
-              <a:ext uri="{FF2B5EF4-FFF2-40B4-BE49-F238E27FC236}">
-                <a16:creationId xmlns:a16="http://schemas.microsoft.com/office/drawing/2014/main" id="{41C105D4-5C3D-4BD9-FBF8-6E34CF38BE8C}"/>
-              </a:ext>
-            </a:extLst>
-          </p:cNvPr>
-          <p:cNvSpPr/>
-          <p:nvPr/>
-        </p:nvSpPr>
-        <p:spPr>
-          <a:xfrm>
-            <a:off x="2963073" y="2488907"/>
-            <a:ext cx="5731496" cy="1569731"/>
-          </a:xfrm>
-          <a:prstGeom prst="rect">
-            <a:avLst/>
-          </a:prstGeom>
-          <a:noFill/>
-          <a:ln w="12700">
-            <a:solidFill>
-              <a:schemeClr val="tx1"/>
-            </a:solidFill>
-          </a:ln>
-        </p:spPr>
-        <p:style>
-          <a:lnRef idx="2">
-            <a:schemeClr val="accent1">
-              <a:shade val="50000"/>
-            </a:schemeClr>
-          </a:lnRef>
-          <a:fillRef idx="1">
-            <a:schemeClr val="accent1"/>
-          </a:fillRef>
-          <a:effectRef idx="0">
-            <a:schemeClr val="accent1"/>
-          </a:effectRef>
-          <a:fontRef idx="minor">
-            <a:schemeClr val="lt1"/>
-          </a:fontRef>
-        </p:style>
-        <p:txBody>
-          <a:bodyPr rtlCol="0" anchor="ctr"/>
-          <a:lstStyle/>
-          <a:p>
-            <a:pPr algn="ctr"/>
-            <a:endParaRPr lang="de-CH" dirty="0"/>
-          </a:p>
-        </p:txBody>
-      </p:sp>
-      <p:sp>
-        <p:nvSpPr>
-          <p:cNvPr id="21" name="Textfeld 20">
-            <a:extLst>
-              <a:ext uri="{FF2B5EF4-FFF2-40B4-BE49-F238E27FC236}">
-                <a16:creationId xmlns:a16="http://schemas.microsoft.com/office/drawing/2014/main" id="{444FAB40-CB53-B536-616A-157F8229F94A}"/>
-              </a:ext>
-            </a:extLst>
-          </p:cNvPr>
-          <p:cNvSpPr txBox="1"/>
-          <p:nvPr/>
-        </p:nvSpPr>
-        <p:spPr>
-          <a:xfrm>
-            <a:off x="2963073" y="2464945"/>
-            <a:ext cx="5131324" cy="261610"/>
-          </a:xfrm>
-          <a:prstGeom prst="rect">
-            <a:avLst/>
-          </a:prstGeom>
-          <a:noFill/>
-        </p:spPr>
-        <p:txBody>
-          <a:bodyPr wrap="square" rtlCol="0">
-            <a:spAutoFit/>
-          </a:bodyPr>
-          <a:lstStyle/>
-          <a:p>
-            <a:r>
-              <a:rPr lang="de-CH" sz="1100" b="1" dirty="0" err="1"/>
-              <a:t>id_div_image_container</a:t>
-            </a:r>
-            <a:r>
-              <a:rPr lang="de-CH" sz="1100" b="1" dirty="0"/>
-              <a:t> </a:t>
-            </a:r>
-            <a:r>
-              <a:rPr lang="de-CH" sz="1100" b="1" dirty="0" err="1"/>
-              <a:t>clear</a:t>
-            </a:r>
-            <a:r>
-              <a:rPr lang="de-CH" sz="1100" b="1" dirty="0"/>
-              <a:t> </a:t>
-            </a:r>
-            <a:r>
-              <a:rPr lang="de-CH" sz="1100" b="1" dirty="0" err="1"/>
-              <a:t>both</a:t>
-            </a:r>
-            <a:endParaRPr lang="de-CH" b="1" dirty="0"/>
-          </a:p>
-        </p:txBody>
-      </p:sp>
-      <p:sp>
-        <p:nvSpPr>
-          <p:cNvPr id="22" name="Rechteck 21">
-            <a:extLst>
-              <a:ext uri="{FF2B5EF4-FFF2-40B4-BE49-F238E27FC236}">
-                <a16:creationId xmlns:a16="http://schemas.microsoft.com/office/drawing/2014/main" id="{FA07AF40-E0B0-1928-3F89-05B882454A53}"/>
-              </a:ext>
-            </a:extLst>
-          </p:cNvPr>
-          <p:cNvSpPr/>
-          <p:nvPr/>
-        </p:nvSpPr>
-        <p:spPr>
-          <a:xfrm>
-            <a:off x="2901838" y="4256487"/>
-            <a:ext cx="6053625" cy="1107533"/>
-          </a:xfrm>
-          <a:prstGeom prst="rect">
-            <a:avLst/>
-          </a:prstGeom>
-          <a:noFill/>
-          <a:ln w="19050">
-            <a:solidFill>
-              <a:schemeClr val="tx1"/>
-            </a:solidFill>
-          </a:ln>
-        </p:spPr>
-        <p:style>
-          <a:lnRef idx="2">
-            <a:schemeClr val="accent1">
-              <a:shade val="50000"/>
-            </a:schemeClr>
-          </a:lnRef>
-          <a:fillRef idx="1">
-            <a:schemeClr val="accent1"/>
-          </a:fillRef>
-          <a:effectRef idx="0">
-            <a:schemeClr val="accent1"/>
-          </a:effectRef>
-          <a:fontRef idx="minor">
-            <a:schemeClr val="lt1"/>
-          </a:fontRef>
-        </p:style>
-        <p:txBody>
-          <a:bodyPr rtlCol="0" anchor="ctr"/>
-          <a:lstStyle/>
-          <a:p>
-            <a:pPr algn="ctr"/>
-            <a:endParaRPr lang="de-CH" dirty="0"/>
-          </a:p>
-        </p:txBody>
-      </p:sp>
-      <p:sp>
-        <p:nvSpPr>
-          <p:cNvPr id="23" name="Textfeld 22">
-            <a:extLst>
-              <a:ext uri="{FF2B5EF4-FFF2-40B4-BE49-F238E27FC236}">
-                <a16:creationId xmlns:a16="http://schemas.microsoft.com/office/drawing/2014/main" id="{0BE30790-841D-B658-02B1-DDEDCBBCE0CE}"/>
-              </a:ext>
-            </a:extLst>
-          </p:cNvPr>
-          <p:cNvSpPr txBox="1"/>
-          <p:nvPr/>
-        </p:nvSpPr>
-        <p:spPr>
-          <a:xfrm>
-            <a:off x="2901838" y="4258489"/>
-            <a:ext cx="4333461" cy="261610"/>
-          </a:xfrm>
-          <a:prstGeom prst="rect">
-            <a:avLst/>
-          </a:prstGeom>
-          <a:noFill/>
-        </p:spPr>
-        <p:txBody>
-          <a:bodyPr wrap="square" rtlCol="0">
-            <a:spAutoFit/>
-          </a:bodyPr>
-          <a:lstStyle/>
-          <a:p>
-            <a:r>
-              <a:rPr lang="de-CH" sz="1100" b="1" dirty="0" err="1"/>
-              <a:t>id_div_upload_button_back_forward_part_two</a:t>
-            </a:r>
-            <a:r>
-              <a:rPr lang="de-CH" sz="1100" b="1" dirty="0"/>
-              <a:t>  </a:t>
-            </a:r>
-            <a:r>
-              <a:rPr lang="de-CH" sz="1100" b="1" dirty="0" err="1"/>
-              <a:t>clear</a:t>
-            </a:r>
-            <a:r>
-              <a:rPr lang="de-CH" sz="1100" b="1" dirty="0"/>
-              <a:t> </a:t>
-            </a:r>
-            <a:r>
-              <a:rPr lang="de-CH" sz="1100" b="1" dirty="0" err="1"/>
-              <a:t>both</a:t>
-            </a:r>
-            <a:endParaRPr lang="de-CH" b="1" dirty="0"/>
-          </a:p>
-        </p:txBody>
-      </p:sp>
-      <p:sp>
-        <p:nvSpPr>
-          <p:cNvPr id="24" name="Rechteck 23">
-            <a:extLst>
-              <a:ext uri="{FF2B5EF4-FFF2-40B4-BE49-F238E27FC236}">
-                <a16:creationId xmlns:a16="http://schemas.microsoft.com/office/drawing/2014/main" id="{1D5D3503-73A8-A1E9-2DE6-6CE8C2873751}"/>
-              </a:ext>
-            </a:extLst>
-          </p:cNvPr>
-          <p:cNvSpPr/>
-          <p:nvPr/>
-        </p:nvSpPr>
-        <p:spPr>
-          <a:xfrm>
-            <a:off x="2963074" y="4498290"/>
-            <a:ext cx="2796704" cy="595754"/>
-          </a:xfrm>
-          <a:prstGeom prst="rect">
-            <a:avLst/>
-          </a:prstGeom>
-          <a:noFill/>
-          <a:ln w="19050">
-            <a:solidFill>
-              <a:schemeClr val="tx1"/>
-            </a:solidFill>
-          </a:ln>
-        </p:spPr>
-        <p:style>
-          <a:lnRef idx="2">
-            <a:schemeClr val="accent1">
-              <a:shade val="50000"/>
-            </a:schemeClr>
-          </a:lnRef>
-          <a:fillRef idx="1">
-            <a:schemeClr val="accent1"/>
-          </a:fillRef>
-          <a:effectRef idx="0">
-            <a:schemeClr val="accent1"/>
-          </a:effectRef>
-          <a:fontRef idx="minor">
-            <a:schemeClr val="lt1"/>
-          </a:fontRef>
-        </p:style>
-        <p:txBody>
-          <a:bodyPr rtlCol="0" anchor="ctr"/>
-          <a:lstStyle/>
-          <a:p>
-            <a:pPr algn="ctr"/>
-            <a:endParaRPr lang="de-CH" dirty="0"/>
-          </a:p>
-        </p:txBody>
-      </p:sp>
-      <p:sp>
-        <p:nvSpPr>
-          <p:cNvPr id="25" name="Textfeld 24">
-            <a:extLst>
-              <a:ext uri="{FF2B5EF4-FFF2-40B4-BE49-F238E27FC236}">
-                <a16:creationId xmlns:a16="http://schemas.microsoft.com/office/drawing/2014/main" id="{781F1392-A57C-EF21-43B3-B5A797C205C3}"/>
-              </a:ext>
-            </a:extLst>
-          </p:cNvPr>
-          <p:cNvSpPr txBox="1"/>
-          <p:nvPr/>
-        </p:nvSpPr>
-        <p:spPr>
-          <a:xfrm>
-            <a:off x="2963073" y="4512639"/>
-            <a:ext cx="2796703" cy="261610"/>
-          </a:xfrm>
-          <a:prstGeom prst="rect">
-            <a:avLst/>
-          </a:prstGeom>
-          <a:noFill/>
-        </p:spPr>
-        <p:txBody>
-          <a:bodyPr wrap="square" rtlCol="0">
-            <a:spAutoFit/>
-          </a:bodyPr>
-          <a:lstStyle/>
-          <a:p>
-            <a:r>
-              <a:rPr lang="de-CH" sz="1100" b="1" dirty="0" err="1"/>
-              <a:t>id_upload_button_back_two</a:t>
-            </a:r>
-            <a:r>
-              <a:rPr lang="de-CH" sz="1100" b="1" dirty="0"/>
-              <a:t> </a:t>
-            </a:r>
-            <a:r>
-              <a:rPr lang="de-CH" sz="1100" b="1" dirty="0" err="1"/>
-              <a:t>float</a:t>
-            </a:r>
-            <a:r>
-              <a:rPr lang="de-CH" sz="1100" b="1" dirty="0"/>
-              <a:t> </a:t>
-            </a:r>
-            <a:r>
-              <a:rPr lang="de-CH" sz="1100" b="1" dirty="0" err="1"/>
-              <a:t>left</a:t>
-            </a:r>
-            <a:endParaRPr lang="de-CH" b="1" dirty="0"/>
-          </a:p>
-        </p:txBody>
-      </p:sp>
-      <p:sp>
-        <p:nvSpPr>
-          <p:cNvPr id="26" name="Rechteck 25">
-            <a:extLst>
-              <a:ext uri="{FF2B5EF4-FFF2-40B4-BE49-F238E27FC236}">
-                <a16:creationId xmlns:a16="http://schemas.microsoft.com/office/drawing/2014/main" id="{A70998FB-6CA3-4326-C34F-BB0EEA264EC5}"/>
-              </a:ext>
-            </a:extLst>
-          </p:cNvPr>
-          <p:cNvSpPr/>
-          <p:nvPr/>
-        </p:nvSpPr>
-        <p:spPr>
-          <a:xfrm>
-            <a:off x="5836947" y="4494953"/>
-            <a:ext cx="2857622" cy="595754"/>
-          </a:xfrm>
-          <a:prstGeom prst="rect">
-            <a:avLst/>
-          </a:prstGeom>
-          <a:noFill/>
-          <a:ln w="19050">
-            <a:solidFill>
-              <a:schemeClr val="tx1"/>
-            </a:solidFill>
-          </a:ln>
-        </p:spPr>
-        <p:style>
-          <a:lnRef idx="2">
-            <a:schemeClr val="accent1">
-              <a:shade val="50000"/>
-            </a:schemeClr>
-          </a:lnRef>
-          <a:fillRef idx="1">
-            <a:schemeClr val="accent1"/>
-          </a:fillRef>
-          <a:effectRef idx="0">
-            <a:schemeClr val="accent1"/>
-          </a:effectRef>
-          <a:fontRef idx="minor">
-            <a:schemeClr val="lt1"/>
-          </a:fontRef>
-        </p:style>
-        <p:txBody>
-          <a:bodyPr rtlCol="0" anchor="ctr"/>
-          <a:lstStyle/>
-          <a:p>
-            <a:pPr algn="ctr"/>
-            <a:endParaRPr lang="de-CH" dirty="0"/>
-          </a:p>
-        </p:txBody>
-      </p:sp>
-      <p:sp>
-        <p:nvSpPr>
-          <p:cNvPr id="27" name="Textfeld 26">
-            <a:extLst>
-              <a:ext uri="{FF2B5EF4-FFF2-40B4-BE49-F238E27FC236}">
-                <a16:creationId xmlns:a16="http://schemas.microsoft.com/office/drawing/2014/main" id="{EC46F527-DD0F-06A3-9051-988C6D640B99}"/>
-              </a:ext>
-            </a:extLst>
-          </p:cNvPr>
-          <p:cNvSpPr txBox="1"/>
-          <p:nvPr/>
-        </p:nvSpPr>
-        <p:spPr>
-          <a:xfrm>
-            <a:off x="5759776" y="4509195"/>
-            <a:ext cx="3250492" cy="261610"/>
-          </a:xfrm>
-          <a:prstGeom prst="rect">
-            <a:avLst/>
-          </a:prstGeom>
-          <a:noFill/>
-        </p:spPr>
-        <p:txBody>
-          <a:bodyPr wrap="square" rtlCol="0">
-            <a:spAutoFit/>
-          </a:bodyPr>
-          <a:lstStyle/>
-          <a:p>
-            <a:r>
-              <a:rPr lang="de-CH" sz="1100" b="1"/>
-              <a:t>id_</a:t>
-            </a:r>
-            <a:r>
-              <a:rPr lang="de-CH" sz="1100" b="1" dirty="0" err="1"/>
-              <a:t>upload_button_forward_two</a:t>
-            </a:r>
-            <a:r>
-              <a:rPr lang="de-CH" sz="1100" b="1" dirty="0"/>
-              <a:t>  </a:t>
-            </a:r>
-            <a:r>
-              <a:rPr lang="de-CH" sz="1100" b="1" dirty="0" err="1"/>
-              <a:t>float</a:t>
-            </a:r>
-            <a:r>
-              <a:rPr lang="de-CH" sz="1100" b="1" dirty="0"/>
-              <a:t> </a:t>
-            </a:r>
-            <a:r>
-              <a:rPr lang="de-CH" sz="1100" b="1" dirty="0" err="1"/>
-              <a:t>right</a:t>
-            </a:r>
-            <a:endParaRPr lang="de-CH" b="1" dirty="0"/>
-          </a:p>
-        </p:txBody>
-      </p:sp>
-      <p:sp>
-        <p:nvSpPr>
-          <p:cNvPr id="6" name="Rechteck 5">
-            <a:extLst>
-              <a:ext uri="{FF2B5EF4-FFF2-40B4-BE49-F238E27FC236}">
-                <a16:creationId xmlns:a16="http://schemas.microsoft.com/office/drawing/2014/main" id="{03721909-769B-393D-4D73-648E7CEF1FEB}"/>
-              </a:ext>
-            </a:extLst>
-          </p:cNvPr>
-          <p:cNvSpPr/>
-          <p:nvPr/>
-        </p:nvSpPr>
-        <p:spPr>
-          <a:xfrm>
-            <a:off x="3086122" y="1383966"/>
-            <a:ext cx="5731496" cy="337596"/>
-          </a:xfrm>
-          <a:prstGeom prst="rect">
-            <a:avLst/>
-          </a:prstGeom>
-          <a:noFill/>
-          <a:ln w="12700">
-            <a:solidFill>
-              <a:schemeClr val="tx1"/>
-            </a:solidFill>
-          </a:ln>
-        </p:spPr>
-        <p:style>
-          <a:lnRef idx="2">
-            <a:schemeClr val="accent1">
-              <a:shade val="50000"/>
-            </a:schemeClr>
-          </a:lnRef>
-          <a:fillRef idx="1">
-            <a:schemeClr val="accent1"/>
-          </a:fillRef>
-          <a:effectRef idx="0">
-            <a:schemeClr val="accent1"/>
-          </a:effectRef>
-          <a:fontRef idx="minor">
-            <a:schemeClr val="lt1"/>
-          </a:fontRef>
-        </p:style>
-        <p:txBody>
-          <a:bodyPr rtlCol="0" anchor="ctr"/>
-          <a:lstStyle/>
-          <a:p>
-            <a:pPr algn="ctr"/>
-            <a:endParaRPr lang="de-CH" dirty="0"/>
-          </a:p>
-        </p:txBody>
-      </p:sp>
-      <p:sp>
-        <p:nvSpPr>
-          <p:cNvPr id="7" name="Textfeld 6">
-            <a:extLst>
-              <a:ext uri="{FF2B5EF4-FFF2-40B4-BE49-F238E27FC236}">
-                <a16:creationId xmlns:a16="http://schemas.microsoft.com/office/drawing/2014/main" id="{F2B64833-79AD-2F30-6A1E-D03FEEABB726}"/>
-              </a:ext>
-            </a:extLst>
-          </p:cNvPr>
-          <p:cNvSpPr txBox="1"/>
-          <p:nvPr/>
-        </p:nvSpPr>
-        <p:spPr>
-          <a:xfrm>
-            <a:off x="3086122" y="1429425"/>
-            <a:ext cx="2183962" cy="261610"/>
-          </a:xfrm>
-          <a:prstGeom prst="rect">
-            <a:avLst/>
-          </a:prstGeom>
-          <a:noFill/>
-        </p:spPr>
-        <p:txBody>
-          <a:bodyPr wrap="square" rtlCol="0">
-            <a:spAutoFit/>
-          </a:bodyPr>
-          <a:lstStyle/>
-          <a:p>
-            <a:r>
-              <a:rPr lang="de-CH" sz="1100" b="1"/>
-              <a:t>id_</a:t>
-            </a:r>
-            <a:r>
-              <a:rPr lang="de-CH" sz="1100" b="1" dirty="0" err="1"/>
-              <a:t>guestbook_fileupload</a:t>
-            </a:r>
-            <a:r>
-              <a:rPr lang="de-CH" sz="1100" b="1" dirty="0"/>
-              <a:t> </a:t>
             </a:r>
             <a:endParaRPr lang="de-CH" b="1" dirty="0"/>
           </a:p>
@@ -9974,7 +10413,7 @@
     </p:spTree>
     <p:extLst>
       <p:ext uri="{BB962C8B-B14F-4D97-AF65-F5344CB8AC3E}">
-        <p14:creationId xmlns:p14="http://schemas.microsoft.com/office/powerpoint/2010/main" val="79913948"/>
+        <p14:creationId xmlns:p14="http://schemas.microsoft.com/office/powerpoint/2010/main" val="929584414"/>
       </p:ext>
     </p:extLst>
   </p:cSld>
@@ -10006,6 +10445,1243 @@
           <p:cNvPr id="2" name="Rechteck 1">
             <a:extLst>
               <a:ext uri="{FF2B5EF4-FFF2-40B4-BE49-F238E27FC236}">
+                <a16:creationId xmlns:a16="http://schemas.microsoft.com/office/drawing/2014/main" id="{ED053598-7337-6B25-2388-2333A65EE6CA}"/>
+              </a:ext>
+            </a:extLst>
+          </p:cNvPr>
+          <p:cNvSpPr/>
+          <p:nvPr/>
+        </p:nvSpPr>
+        <p:spPr>
+          <a:xfrm>
+            <a:off x="2816998" y="594378"/>
+            <a:ext cx="6270441" cy="5259667"/>
+          </a:xfrm>
+          <a:prstGeom prst="rect">
+            <a:avLst/>
+          </a:prstGeom>
+          <a:noFill/>
+          <a:ln w="19050">
+            <a:solidFill>
+              <a:schemeClr val="tx1"/>
+            </a:solidFill>
+          </a:ln>
+        </p:spPr>
+        <p:style>
+          <a:lnRef idx="2">
+            <a:schemeClr val="accent1">
+              <a:shade val="50000"/>
+            </a:schemeClr>
+          </a:lnRef>
+          <a:fillRef idx="1">
+            <a:schemeClr val="accent1"/>
+          </a:fillRef>
+          <a:effectRef idx="0">
+            <a:schemeClr val="accent1"/>
+          </a:effectRef>
+          <a:fontRef idx="minor">
+            <a:schemeClr val="lt1"/>
+          </a:fontRef>
+        </p:style>
+        <p:txBody>
+          <a:bodyPr rtlCol="0" anchor="ctr"/>
+          <a:lstStyle/>
+          <a:p>
+            <a:pPr algn="ctr"/>
+            <a:endParaRPr lang="de-CH" dirty="0"/>
+          </a:p>
+        </p:txBody>
+      </p:sp>
+      <p:sp>
+        <p:nvSpPr>
+          <p:cNvPr id="3" name="Textfeld 2">
+            <a:extLst>
+              <a:ext uri="{FF2B5EF4-FFF2-40B4-BE49-F238E27FC236}">
+                <a16:creationId xmlns:a16="http://schemas.microsoft.com/office/drawing/2014/main" id="{4AEBB782-2694-CAD1-89A3-0F71AA988255}"/>
+              </a:ext>
+            </a:extLst>
+          </p:cNvPr>
+          <p:cNvSpPr txBox="1"/>
+          <p:nvPr/>
+        </p:nvSpPr>
+        <p:spPr>
+          <a:xfrm>
+            <a:off x="2812900" y="551268"/>
+            <a:ext cx="4333461" cy="261610"/>
+          </a:xfrm>
+          <a:prstGeom prst="rect">
+            <a:avLst/>
+          </a:prstGeom>
+          <a:noFill/>
+        </p:spPr>
+        <p:txBody>
+          <a:bodyPr wrap="square" rtlCol="0">
+            <a:spAutoFit/>
+          </a:bodyPr>
+          <a:lstStyle/>
+          <a:p>
+            <a:r>
+              <a:rPr lang="de-CH" sz="1100" b="1" dirty="0" err="1"/>
+              <a:t>id_div_upload_container_part_two</a:t>
+            </a:r>
+            <a:r>
+              <a:rPr lang="de-CH" sz="1100" b="1" dirty="0"/>
+              <a:t>  </a:t>
+            </a:r>
+            <a:r>
+              <a:rPr lang="de-CH" sz="1100" b="1" dirty="0" err="1"/>
+              <a:t>clear</a:t>
+            </a:r>
+            <a:r>
+              <a:rPr lang="de-CH" sz="1100" b="1" dirty="0"/>
+              <a:t> </a:t>
+            </a:r>
+            <a:r>
+              <a:rPr lang="de-CH" sz="1100" b="1" dirty="0" err="1"/>
+              <a:t>both</a:t>
+            </a:r>
+            <a:endParaRPr lang="de-CH" b="1" dirty="0"/>
+          </a:p>
+        </p:txBody>
+      </p:sp>
+      <p:sp>
+        <p:nvSpPr>
+          <p:cNvPr id="4" name="Rechteck 3">
+            <a:extLst>
+              <a:ext uri="{FF2B5EF4-FFF2-40B4-BE49-F238E27FC236}">
+                <a16:creationId xmlns:a16="http://schemas.microsoft.com/office/drawing/2014/main" id="{EA390380-79EC-61A2-A911-26C338F61D97}"/>
+              </a:ext>
+            </a:extLst>
+          </p:cNvPr>
+          <p:cNvSpPr/>
+          <p:nvPr/>
+        </p:nvSpPr>
+        <p:spPr>
+          <a:xfrm>
+            <a:off x="2901839" y="812877"/>
+            <a:ext cx="6053625" cy="3358837"/>
+          </a:xfrm>
+          <a:prstGeom prst="rect">
+            <a:avLst/>
+          </a:prstGeom>
+          <a:noFill/>
+          <a:ln w="19050">
+            <a:solidFill>
+              <a:schemeClr val="tx1"/>
+            </a:solidFill>
+          </a:ln>
+        </p:spPr>
+        <p:style>
+          <a:lnRef idx="2">
+            <a:schemeClr val="accent1">
+              <a:shade val="50000"/>
+            </a:schemeClr>
+          </a:lnRef>
+          <a:fillRef idx="1">
+            <a:schemeClr val="accent1"/>
+          </a:fillRef>
+          <a:effectRef idx="0">
+            <a:schemeClr val="accent1"/>
+          </a:effectRef>
+          <a:fontRef idx="minor">
+            <a:schemeClr val="lt1"/>
+          </a:fontRef>
+        </p:style>
+        <p:txBody>
+          <a:bodyPr rtlCol="0" anchor="ctr"/>
+          <a:lstStyle/>
+          <a:p>
+            <a:pPr algn="ctr"/>
+            <a:endParaRPr lang="de-CH" dirty="0"/>
+          </a:p>
+        </p:txBody>
+      </p:sp>
+      <p:sp>
+        <p:nvSpPr>
+          <p:cNvPr id="5" name="Textfeld 4">
+            <a:extLst>
+              <a:ext uri="{FF2B5EF4-FFF2-40B4-BE49-F238E27FC236}">
+                <a16:creationId xmlns:a16="http://schemas.microsoft.com/office/drawing/2014/main" id="{7E883965-7BB7-0CF8-E8A3-88A1678985B5}"/>
+              </a:ext>
+            </a:extLst>
+          </p:cNvPr>
+          <p:cNvSpPr txBox="1"/>
+          <p:nvPr/>
+        </p:nvSpPr>
+        <p:spPr>
+          <a:xfrm>
+            <a:off x="2901839" y="843329"/>
+            <a:ext cx="5131324" cy="261610"/>
+          </a:xfrm>
+          <a:prstGeom prst="rect">
+            <a:avLst/>
+          </a:prstGeom>
+          <a:noFill/>
+        </p:spPr>
+        <p:txBody>
+          <a:bodyPr wrap="square" rtlCol="0">
+            <a:spAutoFit/>
+          </a:bodyPr>
+          <a:lstStyle/>
+          <a:p>
+            <a:r>
+              <a:rPr lang="de-CH" sz="1100" b="1" dirty="0" err="1"/>
+              <a:t>id_div_upload_input_file_image</a:t>
+            </a:r>
+            <a:r>
+              <a:rPr lang="de-CH" sz="1100" b="1" dirty="0"/>
+              <a:t>  </a:t>
+            </a:r>
+            <a:r>
+              <a:rPr lang="de-CH" sz="1100" b="1" dirty="0" err="1"/>
+              <a:t>clear</a:t>
+            </a:r>
+            <a:r>
+              <a:rPr lang="de-CH" sz="1100" b="1" dirty="0"/>
+              <a:t> </a:t>
+            </a:r>
+            <a:r>
+              <a:rPr lang="de-CH" sz="1100" b="1" dirty="0" err="1"/>
+              <a:t>both</a:t>
+            </a:r>
+            <a:r>
+              <a:rPr lang="de-CH" sz="1100" b="1" dirty="0"/>
+              <a:t>  Container </a:t>
+            </a:r>
+            <a:r>
+              <a:rPr lang="de-CH" sz="1100" b="1" dirty="0" err="1"/>
+              <a:t>for</a:t>
+            </a:r>
+            <a:r>
+              <a:rPr lang="de-CH" sz="1100" b="1" dirty="0"/>
+              <a:t> </a:t>
+            </a:r>
+            <a:r>
+              <a:rPr lang="de-CH" sz="1100" b="1" dirty="0" err="1"/>
+              <a:t>JazzUploadImage</a:t>
+            </a:r>
+            <a:endParaRPr lang="de-CH" b="1" dirty="0"/>
+          </a:p>
+        </p:txBody>
+      </p:sp>
+      <p:sp>
+        <p:nvSpPr>
+          <p:cNvPr id="10" name="Rechteck 9">
+            <a:extLst>
+              <a:ext uri="{FF2B5EF4-FFF2-40B4-BE49-F238E27FC236}">
+                <a16:creationId xmlns:a16="http://schemas.microsoft.com/office/drawing/2014/main" id="{7ABFDC11-97B6-7F0F-F539-5CDA3359270D}"/>
+              </a:ext>
+            </a:extLst>
+          </p:cNvPr>
+          <p:cNvSpPr/>
+          <p:nvPr/>
+        </p:nvSpPr>
+        <p:spPr>
+          <a:xfrm>
+            <a:off x="6162960" y="2148646"/>
+            <a:ext cx="1667596" cy="160628"/>
+          </a:xfrm>
+          <a:prstGeom prst="rect">
+            <a:avLst/>
+          </a:prstGeom>
+          <a:solidFill>
+            <a:schemeClr val="bg1"/>
+          </a:solidFill>
+          <a:ln>
+            <a:solidFill>
+              <a:schemeClr val="tx1"/>
+            </a:solidFill>
+          </a:ln>
+        </p:spPr>
+        <p:style>
+          <a:lnRef idx="2">
+            <a:schemeClr val="accent1">
+              <a:shade val="50000"/>
+            </a:schemeClr>
+          </a:lnRef>
+          <a:fillRef idx="1">
+            <a:schemeClr val="accent1"/>
+          </a:fillRef>
+          <a:effectRef idx="0">
+            <a:schemeClr val="accent1"/>
+          </a:effectRef>
+          <a:fontRef idx="minor">
+            <a:schemeClr val="lt1"/>
+          </a:fontRef>
+        </p:style>
+        <p:txBody>
+          <a:bodyPr rtlCol="0" anchor="ctr"/>
+          <a:lstStyle/>
+          <a:p>
+            <a:r>
+              <a:rPr lang="de-CH" sz="800" i="1" dirty="0">
+                <a:solidFill>
+                  <a:schemeClr val="tx1"/>
+                </a:solidFill>
+                <a:latin typeface="Arial" panose="020B0604020202020204" pitchFamily="34" charset="0"/>
+                <a:cs typeface="Arial" panose="020B0604020202020204" pitchFamily="34" charset="0"/>
+              </a:rPr>
+              <a:t>Name des ausgewählte Bildes </a:t>
+            </a:r>
+          </a:p>
+        </p:txBody>
+      </p:sp>
+      <p:sp>
+        <p:nvSpPr>
+          <p:cNvPr id="11" name="Rechteck 10">
+            <a:extLst>
+              <a:ext uri="{FF2B5EF4-FFF2-40B4-BE49-F238E27FC236}">
+                <a16:creationId xmlns:a16="http://schemas.microsoft.com/office/drawing/2014/main" id="{5AAFC9D4-407C-AF52-4731-99593116D2BD}"/>
+              </a:ext>
+            </a:extLst>
+          </p:cNvPr>
+          <p:cNvSpPr/>
+          <p:nvPr/>
+        </p:nvSpPr>
+        <p:spPr>
+          <a:xfrm>
+            <a:off x="9333537" y="1193430"/>
+            <a:ext cx="1017778" cy="237002"/>
+          </a:xfrm>
+          <a:prstGeom prst="rect">
+            <a:avLst/>
+          </a:prstGeom>
+          <a:noFill/>
+          <a:ln>
+            <a:solidFill>
+              <a:schemeClr val="tx1"/>
+            </a:solidFill>
+          </a:ln>
+        </p:spPr>
+        <p:style>
+          <a:lnRef idx="2">
+            <a:schemeClr val="accent1">
+              <a:shade val="50000"/>
+            </a:schemeClr>
+          </a:lnRef>
+          <a:fillRef idx="1">
+            <a:schemeClr val="accent1"/>
+          </a:fillRef>
+          <a:effectRef idx="0">
+            <a:schemeClr val="accent1"/>
+          </a:effectRef>
+          <a:fontRef idx="minor">
+            <a:schemeClr val="lt1"/>
+          </a:fontRef>
+        </p:style>
+        <p:txBody>
+          <a:bodyPr rtlCol="0" anchor="ctr"/>
+          <a:lstStyle/>
+          <a:p>
+            <a:pPr algn="ctr"/>
+            <a:r>
+              <a:rPr lang="de-CH" sz="1200" dirty="0">
+                <a:solidFill>
+                  <a:schemeClr val="tx1"/>
+                </a:solidFill>
+                <a:latin typeface="Arial" panose="020B0604020202020204" pitchFamily="34" charset="0"/>
+                <a:cs typeface="Arial" panose="020B0604020202020204" pitchFamily="34" charset="0"/>
+              </a:rPr>
+              <a:t>Bild wählen</a:t>
+            </a:r>
+          </a:p>
+        </p:txBody>
+      </p:sp>
+      <p:pic>
+        <p:nvPicPr>
+          <p:cNvPr id="13" name="Grafik 12">
+            <a:extLst>
+              <a:ext uri="{FF2B5EF4-FFF2-40B4-BE49-F238E27FC236}">
+                <a16:creationId xmlns:a16="http://schemas.microsoft.com/office/drawing/2014/main" id="{BDCB5C60-2F7E-C5A1-F4B8-5C6F182FDE01}"/>
+              </a:ext>
+            </a:extLst>
+          </p:cNvPr>
+          <p:cNvPicPr>
+            <a:picLocks noChangeAspect="1"/>
+          </p:cNvPicPr>
+          <p:nvPr/>
+        </p:nvPicPr>
+        <p:blipFill>
+          <a:blip r:embed="rId2"/>
+          <a:stretch>
+            <a:fillRect/>
+          </a:stretch>
+        </p:blipFill>
+        <p:spPr>
+          <a:xfrm>
+            <a:off x="4931828" y="2822619"/>
+            <a:ext cx="1193813" cy="1033191"/>
+          </a:xfrm>
+          <a:prstGeom prst="rect">
+            <a:avLst/>
+          </a:prstGeom>
+        </p:spPr>
+      </p:pic>
+      <p:sp>
+        <p:nvSpPr>
+          <p:cNvPr id="14" name="Rechteck 13">
+            <a:extLst>
+              <a:ext uri="{FF2B5EF4-FFF2-40B4-BE49-F238E27FC236}">
+                <a16:creationId xmlns:a16="http://schemas.microsoft.com/office/drawing/2014/main" id="{3CD631C4-8007-8A7F-0B29-6AF35EBF7396}"/>
+              </a:ext>
+            </a:extLst>
+          </p:cNvPr>
+          <p:cNvSpPr/>
+          <p:nvPr/>
+        </p:nvSpPr>
+        <p:spPr>
+          <a:xfrm>
+            <a:off x="6848731" y="4769713"/>
+            <a:ext cx="1017778" cy="292247"/>
+          </a:xfrm>
+          <a:prstGeom prst="rect">
+            <a:avLst/>
+          </a:prstGeom>
+          <a:noFill/>
+          <a:ln>
+            <a:solidFill>
+              <a:schemeClr val="tx1"/>
+            </a:solidFill>
+          </a:ln>
+        </p:spPr>
+        <p:style>
+          <a:lnRef idx="2">
+            <a:schemeClr val="accent1">
+              <a:shade val="50000"/>
+            </a:schemeClr>
+          </a:lnRef>
+          <a:fillRef idx="1">
+            <a:schemeClr val="accent1"/>
+          </a:fillRef>
+          <a:effectRef idx="0">
+            <a:schemeClr val="accent1"/>
+          </a:effectRef>
+          <a:fontRef idx="minor">
+            <a:schemeClr val="lt1"/>
+          </a:fontRef>
+        </p:style>
+        <p:txBody>
+          <a:bodyPr rtlCol="0" anchor="ctr"/>
+          <a:lstStyle/>
+          <a:p>
+            <a:pPr algn="ctr"/>
+            <a:r>
+              <a:rPr lang="de-CH" sz="1200" dirty="0">
+                <a:solidFill>
+                  <a:schemeClr val="tx1"/>
+                </a:solidFill>
+                <a:latin typeface="Arial" panose="020B0604020202020204" pitchFamily="34" charset="0"/>
+                <a:cs typeface="Arial" panose="020B0604020202020204" pitchFamily="34" charset="0"/>
+              </a:rPr>
+              <a:t>Weiter</a:t>
+            </a:r>
+          </a:p>
+        </p:txBody>
+      </p:sp>
+      <p:sp>
+        <p:nvSpPr>
+          <p:cNvPr id="15" name="Rechteck 14">
+            <a:extLst>
+              <a:ext uri="{FF2B5EF4-FFF2-40B4-BE49-F238E27FC236}">
+                <a16:creationId xmlns:a16="http://schemas.microsoft.com/office/drawing/2014/main" id="{365D8E90-275B-E6A9-14F1-4C233EF7F4A2}"/>
+              </a:ext>
+            </a:extLst>
+          </p:cNvPr>
+          <p:cNvSpPr/>
+          <p:nvPr/>
+        </p:nvSpPr>
+        <p:spPr>
+          <a:xfrm>
+            <a:off x="3469223" y="4778347"/>
+            <a:ext cx="970802" cy="235704"/>
+          </a:xfrm>
+          <a:prstGeom prst="rect">
+            <a:avLst/>
+          </a:prstGeom>
+          <a:noFill/>
+          <a:ln>
+            <a:solidFill>
+              <a:schemeClr val="tx1"/>
+            </a:solidFill>
+          </a:ln>
+        </p:spPr>
+        <p:style>
+          <a:lnRef idx="2">
+            <a:schemeClr val="accent1">
+              <a:shade val="50000"/>
+            </a:schemeClr>
+          </a:lnRef>
+          <a:fillRef idx="1">
+            <a:schemeClr val="accent1"/>
+          </a:fillRef>
+          <a:effectRef idx="0">
+            <a:schemeClr val="accent1"/>
+          </a:effectRef>
+          <a:fontRef idx="minor">
+            <a:schemeClr val="lt1"/>
+          </a:fontRef>
+        </p:style>
+        <p:txBody>
+          <a:bodyPr rtlCol="0" anchor="ctr"/>
+          <a:lstStyle/>
+          <a:p>
+            <a:pPr algn="ctr"/>
+            <a:r>
+              <a:rPr lang="de-CH" sz="1200" dirty="0">
+                <a:solidFill>
+                  <a:schemeClr val="tx1"/>
+                </a:solidFill>
+                <a:latin typeface="Arial" panose="020B0604020202020204" pitchFamily="34" charset="0"/>
+                <a:cs typeface="Arial" panose="020B0604020202020204" pitchFamily="34" charset="0"/>
+              </a:rPr>
+              <a:t>Zurück</a:t>
+            </a:r>
+          </a:p>
+        </p:txBody>
+      </p:sp>
+      <p:sp>
+        <p:nvSpPr>
+          <p:cNvPr id="16" name="Rechteck 15">
+            <a:extLst>
+              <a:ext uri="{FF2B5EF4-FFF2-40B4-BE49-F238E27FC236}">
+                <a16:creationId xmlns:a16="http://schemas.microsoft.com/office/drawing/2014/main" id="{1693A018-574C-E3DC-115E-AC63C201C051}"/>
+              </a:ext>
+            </a:extLst>
+          </p:cNvPr>
+          <p:cNvSpPr/>
+          <p:nvPr/>
+        </p:nvSpPr>
+        <p:spPr>
+          <a:xfrm>
+            <a:off x="2963073" y="1148049"/>
+            <a:ext cx="5731496" cy="858665"/>
+          </a:xfrm>
+          <a:prstGeom prst="rect">
+            <a:avLst/>
+          </a:prstGeom>
+          <a:noFill/>
+          <a:ln w="12700">
+            <a:solidFill>
+              <a:schemeClr val="tx1"/>
+            </a:solidFill>
+          </a:ln>
+        </p:spPr>
+        <p:style>
+          <a:lnRef idx="2">
+            <a:schemeClr val="accent1">
+              <a:shade val="50000"/>
+            </a:schemeClr>
+          </a:lnRef>
+          <a:fillRef idx="1">
+            <a:schemeClr val="accent1"/>
+          </a:fillRef>
+          <a:effectRef idx="0">
+            <a:schemeClr val="accent1"/>
+          </a:effectRef>
+          <a:fontRef idx="minor">
+            <a:schemeClr val="lt1"/>
+          </a:fontRef>
+        </p:style>
+        <p:txBody>
+          <a:bodyPr rtlCol="0" anchor="ctr"/>
+          <a:lstStyle/>
+          <a:p>
+            <a:pPr algn="ctr"/>
+            <a:endParaRPr lang="de-CH" dirty="0"/>
+          </a:p>
+        </p:txBody>
+      </p:sp>
+      <p:sp>
+        <p:nvSpPr>
+          <p:cNvPr id="17" name="Textfeld 16">
+            <a:extLst>
+              <a:ext uri="{FF2B5EF4-FFF2-40B4-BE49-F238E27FC236}">
+                <a16:creationId xmlns:a16="http://schemas.microsoft.com/office/drawing/2014/main" id="{D9E40867-B285-FD4F-1910-15A5F9DD4714}"/>
+              </a:ext>
+            </a:extLst>
+          </p:cNvPr>
+          <p:cNvSpPr txBox="1"/>
+          <p:nvPr/>
+        </p:nvSpPr>
+        <p:spPr>
+          <a:xfrm>
+            <a:off x="2901838" y="1124779"/>
+            <a:ext cx="2183962" cy="261610"/>
+          </a:xfrm>
+          <a:prstGeom prst="rect">
+            <a:avLst/>
+          </a:prstGeom>
+          <a:noFill/>
+        </p:spPr>
+        <p:txBody>
+          <a:bodyPr wrap="square" rtlCol="0">
+            <a:spAutoFit/>
+          </a:bodyPr>
+          <a:lstStyle/>
+          <a:p>
+            <a:r>
+              <a:rPr lang="de-CH" sz="1100" b="1" dirty="0" err="1"/>
+              <a:t>id_div_guestbook_fileupload</a:t>
+            </a:r>
+            <a:endParaRPr lang="de-CH" b="1" dirty="0"/>
+          </a:p>
+        </p:txBody>
+      </p:sp>
+      <p:sp>
+        <p:nvSpPr>
+          <p:cNvPr id="18" name="Rechteck 17">
+            <a:extLst>
+              <a:ext uri="{FF2B5EF4-FFF2-40B4-BE49-F238E27FC236}">
+                <a16:creationId xmlns:a16="http://schemas.microsoft.com/office/drawing/2014/main" id="{4178727E-5D46-D413-5F8F-0030E58D28EE}"/>
+              </a:ext>
+            </a:extLst>
+          </p:cNvPr>
+          <p:cNvSpPr/>
+          <p:nvPr/>
+        </p:nvSpPr>
+        <p:spPr>
+          <a:xfrm>
+            <a:off x="2963073" y="2086708"/>
+            <a:ext cx="5731496" cy="289123"/>
+          </a:xfrm>
+          <a:prstGeom prst="rect">
+            <a:avLst/>
+          </a:prstGeom>
+          <a:noFill/>
+          <a:ln w="12700">
+            <a:solidFill>
+              <a:schemeClr val="tx1"/>
+            </a:solidFill>
+          </a:ln>
+        </p:spPr>
+        <p:style>
+          <a:lnRef idx="2">
+            <a:schemeClr val="accent1">
+              <a:shade val="50000"/>
+            </a:schemeClr>
+          </a:lnRef>
+          <a:fillRef idx="1">
+            <a:schemeClr val="accent1"/>
+          </a:fillRef>
+          <a:effectRef idx="0">
+            <a:schemeClr val="accent1"/>
+          </a:effectRef>
+          <a:fontRef idx="minor">
+            <a:schemeClr val="lt1"/>
+          </a:fontRef>
+        </p:style>
+        <p:txBody>
+          <a:bodyPr rtlCol="0" anchor="ctr"/>
+          <a:lstStyle/>
+          <a:p>
+            <a:pPr algn="ctr"/>
+            <a:endParaRPr lang="de-CH" dirty="0"/>
+          </a:p>
+        </p:txBody>
+      </p:sp>
+      <p:sp>
+        <p:nvSpPr>
+          <p:cNvPr id="19" name="Textfeld 18">
+            <a:extLst>
+              <a:ext uri="{FF2B5EF4-FFF2-40B4-BE49-F238E27FC236}">
+                <a16:creationId xmlns:a16="http://schemas.microsoft.com/office/drawing/2014/main" id="{2F72101C-B6E1-6A6A-6935-B22A2A584CB4}"/>
+              </a:ext>
+            </a:extLst>
+          </p:cNvPr>
+          <p:cNvSpPr txBox="1"/>
+          <p:nvPr/>
+        </p:nvSpPr>
+        <p:spPr>
+          <a:xfrm>
+            <a:off x="2963073" y="2086708"/>
+            <a:ext cx="5131324" cy="261610"/>
+          </a:xfrm>
+          <a:prstGeom prst="rect">
+            <a:avLst/>
+          </a:prstGeom>
+          <a:noFill/>
+        </p:spPr>
+        <p:txBody>
+          <a:bodyPr wrap="square" rtlCol="0">
+            <a:spAutoFit/>
+          </a:bodyPr>
+          <a:lstStyle/>
+          <a:p>
+            <a:r>
+              <a:rPr lang="de-CH" sz="1100" b="1" dirty="0" err="1"/>
+              <a:t>id_div_guestbook_file_name</a:t>
+            </a:r>
+            <a:r>
+              <a:rPr lang="de-CH" sz="1100" b="1" dirty="0"/>
+              <a:t>  </a:t>
+            </a:r>
+            <a:r>
+              <a:rPr lang="de-CH" sz="1100" b="1" dirty="0" err="1"/>
+              <a:t>clear</a:t>
+            </a:r>
+            <a:r>
+              <a:rPr lang="de-CH" sz="1100" b="1" dirty="0"/>
+              <a:t> </a:t>
+            </a:r>
+            <a:r>
+              <a:rPr lang="de-CH" sz="1100" b="1" dirty="0" err="1"/>
+              <a:t>both</a:t>
+            </a:r>
+            <a:endParaRPr lang="de-CH" b="1" dirty="0"/>
+          </a:p>
+        </p:txBody>
+      </p:sp>
+      <p:sp>
+        <p:nvSpPr>
+          <p:cNvPr id="20" name="Rechteck 19">
+            <a:extLst>
+              <a:ext uri="{FF2B5EF4-FFF2-40B4-BE49-F238E27FC236}">
+                <a16:creationId xmlns:a16="http://schemas.microsoft.com/office/drawing/2014/main" id="{41C105D4-5C3D-4BD9-FBF8-6E34CF38BE8C}"/>
+              </a:ext>
+            </a:extLst>
+          </p:cNvPr>
+          <p:cNvSpPr/>
+          <p:nvPr/>
+        </p:nvSpPr>
+        <p:spPr>
+          <a:xfrm>
+            <a:off x="2963073" y="2488907"/>
+            <a:ext cx="5731496" cy="1569731"/>
+          </a:xfrm>
+          <a:prstGeom prst="rect">
+            <a:avLst/>
+          </a:prstGeom>
+          <a:noFill/>
+          <a:ln w="12700">
+            <a:solidFill>
+              <a:schemeClr val="tx1"/>
+            </a:solidFill>
+          </a:ln>
+        </p:spPr>
+        <p:style>
+          <a:lnRef idx="2">
+            <a:schemeClr val="accent1">
+              <a:shade val="50000"/>
+            </a:schemeClr>
+          </a:lnRef>
+          <a:fillRef idx="1">
+            <a:schemeClr val="accent1"/>
+          </a:fillRef>
+          <a:effectRef idx="0">
+            <a:schemeClr val="accent1"/>
+          </a:effectRef>
+          <a:fontRef idx="minor">
+            <a:schemeClr val="lt1"/>
+          </a:fontRef>
+        </p:style>
+        <p:txBody>
+          <a:bodyPr rtlCol="0" anchor="ctr"/>
+          <a:lstStyle/>
+          <a:p>
+            <a:pPr algn="ctr"/>
+            <a:endParaRPr lang="de-CH" dirty="0"/>
+          </a:p>
+        </p:txBody>
+      </p:sp>
+      <p:sp>
+        <p:nvSpPr>
+          <p:cNvPr id="21" name="Textfeld 20">
+            <a:extLst>
+              <a:ext uri="{FF2B5EF4-FFF2-40B4-BE49-F238E27FC236}">
+                <a16:creationId xmlns:a16="http://schemas.microsoft.com/office/drawing/2014/main" id="{444FAB40-CB53-B536-616A-157F8229F94A}"/>
+              </a:ext>
+            </a:extLst>
+          </p:cNvPr>
+          <p:cNvSpPr txBox="1"/>
+          <p:nvPr/>
+        </p:nvSpPr>
+        <p:spPr>
+          <a:xfrm>
+            <a:off x="2963073" y="2464945"/>
+            <a:ext cx="5131324" cy="261610"/>
+          </a:xfrm>
+          <a:prstGeom prst="rect">
+            <a:avLst/>
+          </a:prstGeom>
+          <a:noFill/>
+        </p:spPr>
+        <p:txBody>
+          <a:bodyPr wrap="square" rtlCol="0">
+            <a:spAutoFit/>
+          </a:bodyPr>
+          <a:lstStyle/>
+          <a:p>
+            <a:r>
+              <a:rPr lang="de-CH" sz="1100" b="1" dirty="0" err="1"/>
+              <a:t>id_div_image_container</a:t>
+            </a:r>
+            <a:r>
+              <a:rPr lang="de-CH" sz="1100" b="1" dirty="0"/>
+              <a:t> </a:t>
+            </a:r>
+            <a:r>
+              <a:rPr lang="de-CH" sz="1100" b="1" dirty="0" err="1"/>
+              <a:t>clear</a:t>
+            </a:r>
+            <a:r>
+              <a:rPr lang="de-CH" sz="1100" b="1" dirty="0"/>
+              <a:t> </a:t>
+            </a:r>
+            <a:r>
+              <a:rPr lang="de-CH" sz="1100" b="1" dirty="0" err="1"/>
+              <a:t>both</a:t>
+            </a:r>
+            <a:endParaRPr lang="de-CH" b="1" dirty="0"/>
+          </a:p>
+        </p:txBody>
+      </p:sp>
+      <p:sp>
+        <p:nvSpPr>
+          <p:cNvPr id="22" name="Rechteck 21">
+            <a:extLst>
+              <a:ext uri="{FF2B5EF4-FFF2-40B4-BE49-F238E27FC236}">
+                <a16:creationId xmlns:a16="http://schemas.microsoft.com/office/drawing/2014/main" id="{FA07AF40-E0B0-1928-3F89-05B882454A53}"/>
+              </a:ext>
+            </a:extLst>
+          </p:cNvPr>
+          <p:cNvSpPr/>
+          <p:nvPr/>
+        </p:nvSpPr>
+        <p:spPr>
+          <a:xfrm>
+            <a:off x="2901838" y="4256487"/>
+            <a:ext cx="6053625" cy="1107533"/>
+          </a:xfrm>
+          <a:prstGeom prst="rect">
+            <a:avLst/>
+          </a:prstGeom>
+          <a:noFill/>
+          <a:ln w="19050">
+            <a:solidFill>
+              <a:schemeClr val="tx1"/>
+            </a:solidFill>
+          </a:ln>
+        </p:spPr>
+        <p:style>
+          <a:lnRef idx="2">
+            <a:schemeClr val="accent1">
+              <a:shade val="50000"/>
+            </a:schemeClr>
+          </a:lnRef>
+          <a:fillRef idx="1">
+            <a:schemeClr val="accent1"/>
+          </a:fillRef>
+          <a:effectRef idx="0">
+            <a:schemeClr val="accent1"/>
+          </a:effectRef>
+          <a:fontRef idx="minor">
+            <a:schemeClr val="lt1"/>
+          </a:fontRef>
+        </p:style>
+        <p:txBody>
+          <a:bodyPr rtlCol="0" anchor="ctr"/>
+          <a:lstStyle/>
+          <a:p>
+            <a:pPr algn="ctr"/>
+            <a:endParaRPr lang="de-CH" dirty="0"/>
+          </a:p>
+        </p:txBody>
+      </p:sp>
+      <p:sp>
+        <p:nvSpPr>
+          <p:cNvPr id="23" name="Textfeld 22">
+            <a:extLst>
+              <a:ext uri="{FF2B5EF4-FFF2-40B4-BE49-F238E27FC236}">
+                <a16:creationId xmlns:a16="http://schemas.microsoft.com/office/drawing/2014/main" id="{0BE30790-841D-B658-02B1-DDEDCBBCE0CE}"/>
+              </a:ext>
+            </a:extLst>
+          </p:cNvPr>
+          <p:cNvSpPr txBox="1"/>
+          <p:nvPr/>
+        </p:nvSpPr>
+        <p:spPr>
+          <a:xfrm>
+            <a:off x="2901838" y="4258489"/>
+            <a:ext cx="4333461" cy="261610"/>
+          </a:xfrm>
+          <a:prstGeom prst="rect">
+            <a:avLst/>
+          </a:prstGeom>
+          <a:noFill/>
+        </p:spPr>
+        <p:txBody>
+          <a:bodyPr wrap="square" rtlCol="0">
+            <a:spAutoFit/>
+          </a:bodyPr>
+          <a:lstStyle/>
+          <a:p>
+            <a:r>
+              <a:rPr lang="de-CH" sz="1100" b="1" dirty="0" err="1"/>
+              <a:t>id_div_upload_button_back_forward_part_two</a:t>
+            </a:r>
+            <a:r>
+              <a:rPr lang="de-CH" sz="1100" b="1" dirty="0"/>
+              <a:t>  </a:t>
+            </a:r>
+            <a:r>
+              <a:rPr lang="de-CH" sz="1100" b="1" dirty="0" err="1"/>
+              <a:t>clear</a:t>
+            </a:r>
+            <a:r>
+              <a:rPr lang="de-CH" sz="1100" b="1" dirty="0"/>
+              <a:t> </a:t>
+            </a:r>
+            <a:r>
+              <a:rPr lang="de-CH" sz="1100" b="1" dirty="0" err="1"/>
+              <a:t>both</a:t>
+            </a:r>
+            <a:endParaRPr lang="de-CH" b="1" dirty="0"/>
+          </a:p>
+        </p:txBody>
+      </p:sp>
+      <p:sp>
+        <p:nvSpPr>
+          <p:cNvPr id="24" name="Rechteck 23">
+            <a:extLst>
+              <a:ext uri="{FF2B5EF4-FFF2-40B4-BE49-F238E27FC236}">
+                <a16:creationId xmlns:a16="http://schemas.microsoft.com/office/drawing/2014/main" id="{1D5D3503-73A8-A1E9-2DE6-6CE8C2873751}"/>
+              </a:ext>
+            </a:extLst>
+          </p:cNvPr>
+          <p:cNvSpPr/>
+          <p:nvPr/>
+        </p:nvSpPr>
+        <p:spPr>
+          <a:xfrm>
+            <a:off x="2963074" y="4498290"/>
+            <a:ext cx="2796704" cy="595754"/>
+          </a:xfrm>
+          <a:prstGeom prst="rect">
+            <a:avLst/>
+          </a:prstGeom>
+          <a:noFill/>
+          <a:ln w="19050">
+            <a:solidFill>
+              <a:schemeClr val="tx1"/>
+            </a:solidFill>
+          </a:ln>
+        </p:spPr>
+        <p:style>
+          <a:lnRef idx="2">
+            <a:schemeClr val="accent1">
+              <a:shade val="50000"/>
+            </a:schemeClr>
+          </a:lnRef>
+          <a:fillRef idx="1">
+            <a:schemeClr val="accent1"/>
+          </a:fillRef>
+          <a:effectRef idx="0">
+            <a:schemeClr val="accent1"/>
+          </a:effectRef>
+          <a:fontRef idx="minor">
+            <a:schemeClr val="lt1"/>
+          </a:fontRef>
+        </p:style>
+        <p:txBody>
+          <a:bodyPr rtlCol="0" anchor="ctr"/>
+          <a:lstStyle/>
+          <a:p>
+            <a:pPr algn="ctr"/>
+            <a:endParaRPr lang="de-CH" dirty="0"/>
+          </a:p>
+        </p:txBody>
+      </p:sp>
+      <p:sp>
+        <p:nvSpPr>
+          <p:cNvPr id="25" name="Textfeld 24">
+            <a:extLst>
+              <a:ext uri="{FF2B5EF4-FFF2-40B4-BE49-F238E27FC236}">
+                <a16:creationId xmlns:a16="http://schemas.microsoft.com/office/drawing/2014/main" id="{781F1392-A57C-EF21-43B3-B5A797C205C3}"/>
+              </a:ext>
+            </a:extLst>
+          </p:cNvPr>
+          <p:cNvSpPr txBox="1"/>
+          <p:nvPr/>
+        </p:nvSpPr>
+        <p:spPr>
+          <a:xfrm>
+            <a:off x="2963073" y="4512639"/>
+            <a:ext cx="2796703" cy="261610"/>
+          </a:xfrm>
+          <a:prstGeom prst="rect">
+            <a:avLst/>
+          </a:prstGeom>
+          <a:noFill/>
+        </p:spPr>
+        <p:txBody>
+          <a:bodyPr wrap="square" rtlCol="0">
+            <a:spAutoFit/>
+          </a:bodyPr>
+          <a:lstStyle/>
+          <a:p>
+            <a:r>
+              <a:rPr lang="de-CH" sz="1100" b="1" dirty="0" err="1"/>
+              <a:t>id_upload_button_back_two</a:t>
+            </a:r>
+            <a:r>
+              <a:rPr lang="de-CH" sz="1100" b="1" dirty="0"/>
+              <a:t> </a:t>
+            </a:r>
+            <a:r>
+              <a:rPr lang="de-CH" sz="1100" b="1" dirty="0" err="1"/>
+              <a:t>float</a:t>
+            </a:r>
+            <a:r>
+              <a:rPr lang="de-CH" sz="1100" b="1" dirty="0"/>
+              <a:t> </a:t>
+            </a:r>
+            <a:r>
+              <a:rPr lang="de-CH" sz="1100" b="1" dirty="0" err="1"/>
+              <a:t>left</a:t>
+            </a:r>
+            <a:endParaRPr lang="de-CH" b="1" dirty="0"/>
+          </a:p>
+        </p:txBody>
+      </p:sp>
+      <p:sp>
+        <p:nvSpPr>
+          <p:cNvPr id="26" name="Rechteck 25">
+            <a:extLst>
+              <a:ext uri="{FF2B5EF4-FFF2-40B4-BE49-F238E27FC236}">
+                <a16:creationId xmlns:a16="http://schemas.microsoft.com/office/drawing/2014/main" id="{A70998FB-6CA3-4326-C34F-BB0EEA264EC5}"/>
+              </a:ext>
+            </a:extLst>
+          </p:cNvPr>
+          <p:cNvSpPr/>
+          <p:nvPr/>
+        </p:nvSpPr>
+        <p:spPr>
+          <a:xfrm>
+            <a:off x="5836947" y="4494953"/>
+            <a:ext cx="2857622" cy="595754"/>
+          </a:xfrm>
+          <a:prstGeom prst="rect">
+            <a:avLst/>
+          </a:prstGeom>
+          <a:noFill/>
+          <a:ln w="19050">
+            <a:solidFill>
+              <a:schemeClr val="tx1"/>
+            </a:solidFill>
+          </a:ln>
+        </p:spPr>
+        <p:style>
+          <a:lnRef idx="2">
+            <a:schemeClr val="accent1">
+              <a:shade val="50000"/>
+            </a:schemeClr>
+          </a:lnRef>
+          <a:fillRef idx="1">
+            <a:schemeClr val="accent1"/>
+          </a:fillRef>
+          <a:effectRef idx="0">
+            <a:schemeClr val="accent1"/>
+          </a:effectRef>
+          <a:fontRef idx="minor">
+            <a:schemeClr val="lt1"/>
+          </a:fontRef>
+        </p:style>
+        <p:txBody>
+          <a:bodyPr rtlCol="0" anchor="ctr"/>
+          <a:lstStyle/>
+          <a:p>
+            <a:pPr algn="ctr"/>
+            <a:endParaRPr lang="de-CH" dirty="0"/>
+          </a:p>
+        </p:txBody>
+      </p:sp>
+      <p:sp>
+        <p:nvSpPr>
+          <p:cNvPr id="27" name="Textfeld 26">
+            <a:extLst>
+              <a:ext uri="{FF2B5EF4-FFF2-40B4-BE49-F238E27FC236}">
+                <a16:creationId xmlns:a16="http://schemas.microsoft.com/office/drawing/2014/main" id="{EC46F527-DD0F-06A3-9051-988C6D640B99}"/>
+              </a:ext>
+            </a:extLst>
+          </p:cNvPr>
+          <p:cNvSpPr txBox="1"/>
+          <p:nvPr/>
+        </p:nvSpPr>
+        <p:spPr>
+          <a:xfrm>
+            <a:off x="5759776" y="4509195"/>
+            <a:ext cx="3250492" cy="261610"/>
+          </a:xfrm>
+          <a:prstGeom prst="rect">
+            <a:avLst/>
+          </a:prstGeom>
+          <a:noFill/>
+        </p:spPr>
+        <p:txBody>
+          <a:bodyPr wrap="square" rtlCol="0">
+            <a:spAutoFit/>
+          </a:bodyPr>
+          <a:lstStyle/>
+          <a:p>
+            <a:r>
+              <a:rPr lang="de-CH" sz="1100" b="1"/>
+              <a:t>id_</a:t>
+            </a:r>
+            <a:r>
+              <a:rPr lang="de-CH" sz="1100" b="1" dirty="0" err="1"/>
+              <a:t>upload_button_forward_two</a:t>
+            </a:r>
+            <a:r>
+              <a:rPr lang="de-CH" sz="1100" b="1" dirty="0"/>
+              <a:t>  </a:t>
+            </a:r>
+            <a:r>
+              <a:rPr lang="de-CH" sz="1100" b="1" dirty="0" err="1"/>
+              <a:t>float</a:t>
+            </a:r>
+            <a:r>
+              <a:rPr lang="de-CH" sz="1100" b="1" dirty="0"/>
+              <a:t> </a:t>
+            </a:r>
+            <a:r>
+              <a:rPr lang="de-CH" sz="1100" b="1" dirty="0" err="1"/>
+              <a:t>right</a:t>
+            </a:r>
+            <a:endParaRPr lang="de-CH" b="1" dirty="0"/>
+          </a:p>
+        </p:txBody>
+      </p:sp>
+      <p:sp>
+        <p:nvSpPr>
+          <p:cNvPr id="6" name="Rechteck 5">
+            <a:extLst>
+              <a:ext uri="{FF2B5EF4-FFF2-40B4-BE49-F238E27FC236}">
+                <a16:creationId xmlns:a16="http://schemas.microsoft.com/office/drawing/2014/main" id="{03721909-769B-393D-4D73-648E7CEF1FEB}"/>
+              </a:ext>
+            </a:extLst>
+          </p:cNvPr>
+          <p:cNvSpPr/>
+          <p:nvPr/>
+        </p:nvSpPr>
+        <p:spPr>
+          <a:xfrm>
+            <a:off x="3086122" y="1383966"/>
+            <a:ext cx="5731496" cy="337596"/>
+          </a:xfrm>
+          <a:prstGeom prst="rect">
+            <a:avLst/>
+          </a:prstGeom>
+          <a:noFill/>
+          <a:ln w="12700">
+            <a:solidFill>
+              <a:schemeClr val="tx1"/>
+            </a:solidFill>
+          </a:ln>
+        </p:spPr>
+        <p:style>
+          <a:lnRef idx="2">
+            <a:schemeClr val="accent1">
+              <a:shade val="50000"/>
+            </a:schemeClr>
+          </a:lnRef>
+          <a:fillRef idx="1">
+            <a:schemeClr val="accent1"/>
+          </a:fillRef>
+          <a:effectRef idx="0">
+            <a:schemeClr val="accent1"/>
+          </a:effectRef>
+          <a:fontRef idx="minor">
+            <a:schemeClr val="lt1"/>
+          </a:fontRef>
+        </p:style>
+        <p:txBody>
+          <a:bodyPr rtlCol="0" anchor="ctr"/>
+          <a:lstStyle/>
+          <a:p>
+            <a:pPr algn="ctr"/>
+            <a:endParaRPr lang="de-CH" dirty="0"/>
+          </a:p>
+        </p:txBody>
+      </p:sp>
+      <p:sp>
+        <p:nvSpPr>
+          <p:cNvPr id="7" name="Textfeld 6">
+            <a:extLst>
+              <a:ext uri="{FF2B5EF4-FFF2-40B4-BE49-F238E27FC236}">
+                <a16:creationId xmlns:a16="http://schemas.microsoft.com/office/drawing/2014/main" id="{F2B64833-79AD-2F30-6A1E-D03FEEABB726}"/>
+              </a:ext>
+            </a:extLst>
+          </p:cNvPr>
+          <p:cNvSpPr txBox="1"/>
+          <p:nvPr/>
+        </p:nvSpPr>
+        <p:spPr>
+          <a:xfrm>
+            <a:off x="3086122" y="1429425"/>
+            <a:ext cx="2183962" cy="261610"/>
+          </a:xfrm>
+          <a:prstGeom prst="rect">
+            <a:avLst/>
+          </a:prstGeom>
+          <a:noFill/>
+        </p:spPr>
+        <p:txBody>
+          <a:bodyPr wrap="square" rtlCol="0">
+            <a:spAutoFit/>
+          </a:bodyPr>
+          <a:lstStyle/>
+          <a:p>
+            <a:r>
+              <a:rPr lang="de-CH" sz="1100" b="1"/>
+              <a:t>id_</a:t>
+            </a:r>
+            <a:r>
+              <a:rPr lang="de-CH" sz="1100" b="1" dirty="0" err="1"/>
+              <a:t>guestbook_fileupload</a:t>
+            </a:r>
+            <a:r>
+              <a:rPr lang="de-CH" sz="1100" b="1" dirty="0"/>
+              <a:t> </a:t>
+            </a:r>
+            <a:endParaRPr lang="de-CH" b="1" dirty="0"/>
+          </a:p>
+        </p:txBody>
+      </p:sp>
+    </p:spTree>
+    <p:extLst>
+      <p:ext uri="{BB962C8B-B14F-4D97-AF65-F5344CB8AC3E}">
+        <p14:creationId xmlns:p14="http://schemas.microsoft.com/office/powerpoint/2010/main" val="79913948"/>
+      </p:ext>
+    </p:extLst>
+  </p:cSld>
+  <p:clrMapOvr>
+    <a:masterClrMapping/>
+  </p:clrMapOvr>
+</p:sld>
+</file>
+
+<file path=ppt/slides/slide7.xml><?xml version="1.0" encoding="utf-8"?>
+<p:sld xmlns:a="http://schemas.openxmlformats.org/drawingml/2006/main" xmlns:r="http://schemas.openxmlformats.org/officeDocument/2006/relationships" xmlns:p="http://schemas.openxmlformats.org/presentationml/2006/main">
+  <p:cSld>
+    <p:spTree>
+      <p:nvGrpSpPr>
+        <p:cNvPr id="1" name=""/>
+        <p:cNvGrpSpPr/>
+        <p:nvPr/>
+      </p:nvGrpSpPr>
+      <p:grpSpPr>
+        <a:xfrm>
+          <a:off x="0" y="0"/>
+          <a:ext cx="0" cy="0"/>
+          <a:chOff x="0" y="0"/>
+          <a:chExt cx="0" cy="0"/>
+        </a:xfrm>
+      </p:grpSpPr>
+      <p:sp>
+        <p:nvSpPr>
+          <p:cNvPr id="2" name="Rechteck 1">
+            <a:extLst>
+              <a:ext uri="{FF2B5EF4-FFF2-40B4-BE49-F238E27FC236}">
                 <a16:creationId xmlns:a16="http://schemas.microsoft.com/office/drawing/2014/main" id="{2E4C3752-A813-EE6E-F3EA-FFB11D438E8F}"/>
               </a:ext>
             </a:extLst>
@@ -10118,7 +11794,7 @@
 </p:sld>
 </file>
 
-<file path=ppt/slides/slide7.xml><?xml version="1.0" encoding="utf-8"?>
+<file path=ppt/slides/slide8.xml><?xml version="1.0" encoding="utf-8"?>
 <p:sld xmlns:a="http://schemas.openxmlformats.org/drawingml/2006/main" xmlns:r="http://schemas.openxmlformats.org/officeDocument/2006/relationships" xmlns:p="http://schemas.openxmlformats.org/presentationml/2006/main">
   <p:cSld>
     <p:spTree>
@@ -10148,7 +11824,7 @@
 </p:sld>
 </file>
 
-<file path=ppt/slides/slide8.xml><?xml version="1.0" encoding="utf-8"?>
+<file path=ppt/slides/slide9.xml><?xml version="1.0" encoding="utf-8"?>
 <p:sld xmlns:a="http://schemas.openxmlformats.org/drawingml/2006/main" xmlns:r="http://schemas.openxmlformats.org/officeDocument/2006/relationships" xmlns:p="http://schemas.openxmlformats.org/presentationml/2006/main">
   <p:cSld>
     <p:spTree>
@@ -13306,1255 +14982,6 @@
     <p:extLst>
       <p:ext uri="{BB962C8B-B14F-4D97-AF65-F5344CB8AC3E}">
         <p14:creationId xmlns:p14="http://schemas.microsoft.com/office/powerpoint/2010/main" val="477222488"/>
-      </p:ext>
-    </p:extLst>
-  </p:cSld>
-  <p:clrMapOvr>
-    <a:masterClrMapping/>
-  </p:clrMapOvr>
-</p:sld>
-</file>
-
-<file path=ppt/slides/slide9.xml><?xml version="1.0" encoding="utf-8"?>
-<p:sld xmlns:a="http://schemas.openxmlformats.org/drawingml/2006/main" xmlns:r="http://schemas.openxmlformats.org/officeDocument/2006/relationships" xmlns:p="http://schemas.openxmlformats.org/presentationml/2006/main">
-  <p:cSld>
-    <p:spTree>
-      <p:nvGrpSpPr>
-        <p:cNvPr id="1" name=""/>
-        <p:cNvGrpSpPr/>
-        <p:nvPr/>
-      </p:nvGrpSpPr>
-      <p:grpSpPr>
-        <a:xfrm>
-          <a:off x="0" y="0"/>
-          <a:ext cx="0" cy="0"/>
-          <a:chOff x="0" y="0"/>
-          <a:chExt cx="0" cy="0"/>
-        </a:xfrm>
-      </p:grpSpPr>
-      <p:sp>
-        <p:nvSpPr>
-          <p:cNvPr id="37" name="Rechteck 36">
-            <a:extLst>
-              <a:ext uri="{FF2B5EF4-FFF2-40B4-BE49-F238E27FC236}">
-                <a16:creationId xmlns:a16="http://schemas.microsoft.com/office/drawing/2014/main" id="{66159739-0224-8070-249D-799960436EA0}"/>
-              </a:ext>
-            </a:extLst>
-          </p:cNvPr>
-          <p:cNvSpPr/>
-          <p:nvPr/>
-        </p:nvSpPr>
-        <p:spPr>
-          <a:xfrm>
-            <a:off x="4068690" y="397349"/>
-            <a:ext cx="3339167" cy="6227893"/>
-          </a:xfrm>
-          <a:prstGeom prst="rect">
-            <a:avLst/>
-          </a:prstGeom>
-          <a:solidFill>
-            <a:srgbClr val="DFE0E1"/>
-          </a:solidFill>
-          <a:ln>
-            <a:solidFill>
-              <a:srgbClr val="C8C8C8"/>
-            </a:solidFill>
-          </a:ln>
-        </p:spPr>
-        <p:style>
-          <a:lnRef idx="2">
-            <a:schemeClr val="accent1">
-              <a:shade val="50000"/>
-            </a:schemeClr>
-          </a:lnRef>
-          <a:fillRef idx="1">
-            <a:schemeClr val="accent1"/>
-          </a:fillRef>
-          <a:effectRef idx="0">
-            <a:schemeClr val="accent1"/>
-          </a:effectRef>
-          <a:fontRef idx="minor">
-            <a:schemeClr val="lt1"/>
-          </a:fontRef>
-        </p:style>
-        <p:txBody>
-          <a:bodyPr rtlCol="0" anchor="ctr"/>
-          <a:lstStyle/>
-          <a:p>
-            <a:pPr algn="ctr"/>
-            <a:endParaRPr lang="de-CH" sz="1600" dirty="0">
-              <a:solidFill>
-                <a:schemeClr val="tx1"/>
-              </a:solidFill>
-              <a:latin typeface="Arial" panose="020B0604020202020204" pitchFamily="34" charset="0"/>
-              <a:cs typeface="Arial" panose="020B0604020202020204" pitchFamily="34" charset="0"/>
-            </a:endParaRPr>
-          </a:p>
-        </p:txBody>
-      </p:sp>
-      <p:sp>
-        <p:nvSpPr>
-          <p:cNvPr id="38" name="Rechteck 37">
-            <a:extLst>
-              <a:ext uri="{FF2B5EF4-FFF2-40B4-BE49-F238E27FC236}">
-                <a16:creationId xmlns:a16="http://schemas.microsoft.com/office/drawing/2014/main" id="{540AE164-332A-09D3-4E06-29A94954EC84}"/>
-              </a:ext>
-            </a:extLst>
-          </p:cNvPr>
-          <p:cNvSpPr/>
-          <p:nvPr/>
-        </p:nvSpPr>
-        <p:spPr>
-          <a:xfrm>
-            <a:off x="4068687" y="302550"/>
-            <a:ext cx="3339167" cy="769028"/>
-          </a:xfrm>
-          <a:prstGeom prst="rect">
-            <a:avLst/>
-          </a:prstGeom>
-          <a:solidFill>
-            <a:schemeClr val="tx1"/>
-          </a:solidFill>
-          <a:ln>
-            <a:solidFill>
-              <a:schemeClr val="tx1"/>
-            </a:solidFill>
-          </a:ln>
-        </p:spPr>
-        <p:style>
-          <a:lnRef idx="2">
-            <a:schemeClr val="accent1">
-              <a:shade val="50000"/>
-            </a:schemeClr>
-          </a:lnRef>
-          <a:fillRef idx="1">
-            <a:schemeClr val="accent1"/>
-          </a:fillRef>
-          <a:effectRef idx="0">
-            <a:schemeClr val="accent1"/>
-          </a:effectRef>
-          <a:fontRef idx="minor">
-            <a:schemeClr val="lt1"/>
-          </a:fontRef>
-        </p:style>
-        <p:txBody>
-          <a:bodyPr rtlCol="0" anchor="ctr"/>
-          <a:lstStyle/>
-          <a:p>
-            <a:pPr algn="ctr"/>
-            <a:r>
-              <a:rPr lang="de-CH" sz="1600" b="1" dirty="0">
-                <a:solidFill>
-                  <a:srgbClr val="FF000A"/>
-                </a:solidFill>
-                <a:latin typeface="Arial" panose="020B0604020202020204" pitchFamily="34" charset="0"/>
-                <a:cs typeface="Arial" panose="020B0604020202020204" pitchFamily="34" charset="0"/>
-              </a:rPr>
-              <a:t>          </a:t>
-            </a:r>
-          </a:p>
-          <a:p>
-            <a:pPr algn="ctr"/>
-            <a:r>
-              <a:rPr lang="de-CH" sz="1400" b="1" dirty="0">
-                <a:solidFill>
-                  <a:srgbClr val="FF000A"/>
-                </a:solidFill>
-                <a:latin typeface="Arial" panose="020B0604020202020204" pitchFamily="34" charset="0"/>
-                <a:cs typeface="Arial" panose="020B0604020202020204" pitchFamily="34" charset="0"/>
-              </a:rPr>
-              <a:t>Gästebuch-Bild hochladen </a:t>
-            </a:r>
-          </a:p>
-        </p:txBody>
-      </p:sp>
-      <p:pic>
-        <p:nvPicPr>
-          <p:cNvPr id="36" name="Grafik 35">
-            <a:extLst>
-              <a:ext uri="{FF2B5EF4-FFF2-40B4-BE49-F238E27FC236}">
-                <a16:creationId xmlns:a16="http://schemas.microsoft.com/office/drawing/2014/main" id="{21E292FE-3E49-C106-DE88-0409A3F4E81B}"/>
-              </a:ext>
-            </a:extLst>
-          </p:cNvPr>
-          <p:cNvPicPr>
-            <a:picLocks noChangeAspect="1"/>
-          </p:cNvPicPr>
-          <p:nvPr/>
-        </p:nvPicPr>
-        <p:blipFill>
-          <a:blip r:embed="rId2"/>
-          <a:stretch>
-            <a:fillRect/>
-          </a:stretch>
-        </p:blipFill>
-        <p:spPr>
-          <a:xfrm>
-            <a:off x="4509701" y="399209"/>
-            <a:ext cx="2457143" cy="238095"/>
-          </a:xfrm>
-          <a:prstGeom prst="rect">
-            <a:avLst/>
-          </a:prstGeom>
-        </p:spPr>
-      </p:pic>
-      <p:sp>
-        <p:nvSpPr>
-          <p:cNvPr id="39" name="Rechteck 38">
-            <a:extLst>
-              <a:ext uri="{FF2B5EF4-FFF2-40B4-BE49-F238E27FC236}">
-                <a16:creationId xmlns:a16="http://schemas.microsoft.com/office/drawing/2014/main" id="{24EA8C2D-6863-2978-0C07-93F36FB5B62F}"/>
-              </a:ext>
-            </a:extLst>
-          </p:cNvPr>
-          <p:cNvSpPr/>
-          <p:nvPr/>
-        </p:nvSpPr>
-        <p:spPr>
-          <a:xfrm>
-            <a:off x="4746568" y="1137899"/>
-            <a:ext cx="2579516" cy="301629"/>
-          </a:xfrm>
-          <a:prstGeom prst="rect">
-            <a:avLst/>
-          </a:prstGeom>
-          <a:solidFill>
-            <a:schemeClr val="bg1"/>
-          </a:solidFill>
-          <a:ln>
-            <a:solidFill>
-              <a:schemeClr val="tx1"/>
-            </a:solidFill>
-          </a:ln>
-        </p:spPr>
-        <p:style>
-          <a:lnRef idx="2">
-            <a:schemeClr val="accent1">
-              <a:shade val="50000"/>
-            </a:schemeClr>
-          </a:lnRef>
-          <a:fillRef idx="1">
-            <a:schemeClr val="accent1"/>
-          </a:fillRef>
-          <a:effectRef idx="0">
-            <a:schemeClr val="accent1"/>
-          </a:effectRef>
-          <a:fontRef idx="minor">
-            <a:schemeClr val="lt1"/>
-          </a:fontRef>
-        </p:style>
-        <p:txBody>
-          <a:bodyPr rtlCol="0" anchor="ctr"/>
-          <a:lstStyle/>
-          <a:p>
-            <a:r>
-              <a:rPr lang="de-CH" sz="1200" i="1" dirty="0">
-                <a:solidFill>
-                  <a:schemeClr val="tx1"/>
-                </a:solidFill>
-                <a:latin typeface="Arial" panose="020B0604020202020204" pitchFamily="34" charset="0"/>
-                <a:cs typeface="Arial" panose="020B0604020202020204" pitchFamily="34" charset="0"/>
-              </a:rPr>
-              <a:t>Name(n) eingeben …</a:t>
-            </a:r>
-          </a:p>
-        </p:txBody>
-      </p:sp>
-      <p:sp>
-        <p:nvSpPr>
-          <p:cNvPr id="40" name="Textfeld 39">
-            <a:extLst>
-              <a:ext uri="{FF2B5EF4-FFF2-40B4-BE49-F238E27FC236}">
-                <a16:creationId xmlns:a16="http://schemas.microsoft.com/office/drawing/2014/main" id="{75EF25B3-2D78-8470-3EA7-1561C4A2751C}"/>
-              </a:ext>
-            </a:extLst>
-          </p:cNvPr>
-          <p:cNvSpPr txBox="1"/>
-          <p:nvPr/>
-        </p:nvSpPr>
-        <p:spPr>
-          <a:xfrm>
-            <a:off x="4068093" y="1134825"/>
-            <a:ext cx="678475" cy="307777"/>
-          </a:xfrm>
-          <a:prstGeom prst="rect">
-            <a:avLst/>
-          </a:prstGeom>
-          <a:noFill/>
-        </p:spPr>
-        <p:txBody>
-          <a:bodyPr wrap="square" rtlCol="0">
-            <a:spAutoFit/>
-          </a:bodyPr>
-          <a:lstStyle/>
-          <a:p>
-            <a:r>
-              <a:rPr lang="de-CH" sz="1400" b="1" dirty="0">
-                <a:latin typeface="Arial" panose="020B0604020202020204" pitchFamily="34" charset="0"/>
-                <a:cs typeface="Arial" panose="020B0604020202020204" pitchFamily="34" charset="0"/>
-              </a:rPr>
-              <a:t>Name</a:t>
-            </a:r>
-          </a:p>
-        </p:txBody>
-      </p:sp>
-      <p:sp>
-        <p:nvSpPr>
-          <p:cNvPr id="41" name="Rechteck 40">
-            <a:extLst>
-              <a:ext uri="{FF2B5EF4-FFF2-40B4-BE49-F238E27FC236}">
-                <a16:creationId xmlns:a16="http://schemas.microsoft.com/office/drawing/2014/main" id="{93DC624D-691E-C2CE-2509-44EB5AA4FEC2}"/>
-              </a:ext>
-            </a:extLst>
-          </p:cNvPr>
-          <p:cNvSpPr/>
-          <p:nvPr/>
-        </p:nvSpPr>
-        <p:spPr>
-          <a:xfrm>
-            <a:off x="4747162" y="1494738"/>
-            <a:ext cx="2579516" cy="301629"/>
-          </a:xfrm>
-          <a:prstGeom prst="rect">
-            <a:avLst/>
-          </a:prstGeom>
-          <a:solidFill>
-            <a:schemeClr val="bg1"/>
-          </a:solidFill>
-          <a:ln>
-            <a:solidFill>
-              <a:schemeClr val="tx1"/>
-            </a:solidFill>
-          </a:ln>
-        </p:spPr>
-        <p:style>
-          <a:lnRef idx="2">
-            <a:schemeClr val="accent1">
-              <a:shade val="50000"/>
-            </a:schemeClr>
-          </a:lnRef>
-          <a:fillRef idx="1">
-            <a:schemeClr val="accent1"/>
-          </a:fillRef>
-          <a:effectRef idx="0">
-            <a:schemeClr val="accent1"/>
-          </a:effectRef>
-          <a:fontRef idx="minor">
-            <a:schemeClr val="lt1"/>
-          </a:fontRef>
-        </p:style>
-        <p:txBody>
-          <a:bodyPr rtlCol="0" anchor="ctr"/>
-          <a:lstStyle/>
-          <a:p>
-            <a:r>
-              <a:rPr lang="de-CH" sz="1200" i="1" dirty="0">
-                <a:solidFill>
-                  <a:schemeClr val="tx1"/>
-                </a:solidFill>
-                <a:latin typeface="Arial" panose="020B0604020202020204" pitchFamily="34" charset="0"/>
-                <a:cs typeface="Arial" panose="020B0604020202020204" pitchFamily="34" charset="0"/>
-              </a:rPr>
-              <a:t>E-Mail Adresse eingeben …</a:t>
-            </a:r>
-          </a:p>
-        </p:txBody>
-      </p:sp>
-      <p:sp>
-        <p:nvSpPr>
-          <p:cNvPr id="42" name="Textfeld 41">
-            <a:extLst>
-              <a:ext uri="{FF2B5EF4-FFF2-40B4-BE49-F238E27FC236}">
-                <a16:creationId xmlns:a16="http://schemas.microsoft.com/office/drawing/2014/main" id="{998E33D5-6A69-0D61-6009-1663816340AA}"/>
-              </a:ext>
-            </a:extLst>
-          </p:cNvPr>
-          <p:cNvSpPr txBox="1"/>
-          <p:nvPr/>
-        </p:nvSpPr>
-        <p:spPr>
-          <a:xfrm>
-            <a:off x="4068687" y="1491664"/>
-            <a:ext cx="789260" cy="307777"/>
-          </a:xfrm>
-          <a:prstGeom prst="rect">
-            <a:avLst/>
-          </a:prstGeom>
-          <a:noFill/>
-        </p:spPr>
-        <p:txBody>
-          <a:bodyPr wrap="square" rtlCol="0">
-            <a:spAutoFit/>
-          </a:bodyPr>
-          <a:lstStyle/>
-          <a:p>
-            <a:r>
-              <a:rPr lang="de-CH" sz="1400" b="1" dirty="0">
-                <a:latin typeface="Arial" panose="020B0604020202020204" pitchFamily="34" charset="0"/>
-                <a:cs typeface="Arial" panose="020B0604020202020204" pitchFamily="34" charset="0"/>
-              </a:rPr>
-              <a:t>E-Mail</a:t>
-            </a:r>
-          </a:p>
-        </p:txBody>
-      </p:sp>
-      <p:sp>
-        <p:nvSpPr>
-          <p:cNvPr id="43" name="Rechteck 42">
-            <a:extLst>
-              <a:ext uri="{FF2B5EF4-FFF2-40B4-BE49-F238E27FC236}">
-                <a16:creationId xmlns:a16="http://schemas.microsoft.com/office/drawing/2014/main" id="{93FB0C75-490B-A826-AF13-2664BAC76100}"/>
-              </a:ext>
-            </a:extLst>
-          </p:cNvPr>
-          <p:cNvSpPr/>
-          <p:nvPr/>
-        </p:nvSpPr>
-        <p:spPr>
-          <a:xfrm>
-            <a:off x="4159135" y="1862689"/>
-            <a:ext cx="3166949" cy="255249"/>
-          </a:xfrm>
-          <a:prstGeom prst="rect">
-            <a:avLst/>
-          </a:prstGeom>
-          <a:noFill/>
-          <a:ln>
-            <a:solidFill>
-              <a:schemeClr val="tx1"/>
-            </a:solidFill>
-          </a:ln>
-        </p:spPr>
-        <p:style>
-          <a:lnRef idx="2">
-            <a:schemeClr val="accent1">
-              <a:shade val="50000"/>
-            </a:schemeClr>
-          </a:lnRef>
-          <a:fillRef idx="1">
-            <a:schemeClr val="accent1"/>
-          </a:fillRef>
-          <a:effectRef idx="0">
-            <a:schemeClr val="accent1"/>
-          </a:effectRef>
-          <a:fontRef idx="minor">
-            <a:schemeClr val="lt1"/>
-          </a:fontRef>
-        </p:style>
-        <p:txBody>
-          <a:bodyPr rtlCol="0" anchor="ctr"/>
-          <a:lstStyle/>
-          <a:p>
-            <a:pPr algn="ctr"/>
-            <a:r>
-              <a:rPr lang="de-CH" sz="1200" dirty="0">
-                <a:solidFill>
-                  <a:schemeClr val="tx1"/>
-                </a:solidFill>
-                <a:latin typeface="Arial" panose="020B0604020202020204" pitchFamily="34" charset="0"/>
-                <a:cs typeface="Arial" panose="020B0604020202020204" pitchFamily="34" charset="0"/>
-              </a:rPr>
-              <a:t>Code verlangen</a:t>
-            </a:r>
-          </a:p>
-        </p:txBody>
-      </p:sp>
-      <p:sp>
-        <p:nvSpPr>
-          <p:cNvPr id="44" name="Rechteck 43">
-            <a:extLst>
-              <a:ext uri="{FF2B5EF4-FFF2-40B4-BE49-F238E27FC236}">
-                <a16:creationId xmlns:a16="http://schemas.microsoft.com/office/drawing/2014/main" id="{C8441DBC-F492-30F3-7DDE-F36160AED254}"/>
-              </a:ext>
-            </a:extLst>
-          </p:cNvPr>
-          <p:cNvSpPr/>
-          <p:nvPr/>
-        </p:nvSpPr>
-        <p:spPr>
-          <a:xfrm>
-            <a:off x="4746568" y="2180076"/>
-            <a:ext cx="1769191" cy="301629"/>
-          </a:xfrm>
-          <a:prstGeom prst="rect">
-            <a:avLst/>
-          </a:prstGeom>
-          <a:solidFill>
-            <a:schemeClr val="bg1"/>
-          </a:solidFill>
-          <a:ln>
-            <a:solidFill>
-              <a:schemeClr val="tx1"/>
-            </a:solidFill>
-          </a:ln>
-        </p:spPr>
-        <p:style>
-          <a:lnRef idx="2">
-            <a:schemeClr val="accent1">
-              <a:shade val="50000"/>
-            </a:schemeClr>
-          </a:lnRef>
-          <a:fillRef idx="1">
-            <a:schemeClr val="accent1"/>
-          </a:fillRef>
-          <a:effectRef idx="0">
-            <a:schemeClr val="accent1"/>
-          </a:effectRef>
-          <a:fontRef idx="minor">
-            <a:schemeClr val="lt1"/>
-          </a:fontRef>
-        </p:style>
-        <p:txBody>
-          <a:bodyPr rtlCol="0" anchor="ctr"/>
-          <a:lstStyle/>
-          <a:p>
-            <a:r>
-              <a:rPr lang="de-CH" sz="1200" i="1" dirty="0">
-                <a:solidFill>
-                  <a:schemeClr val="tx1"/>
-                </a:solidFill>
-                <a:latin typeface="Arial" panose="020B0604020202020204" pitchFamily="34" charset="0"/>
-                <a:cs typeface="Arial" panose="020B0604020202020204" pitchFamily="34" charset="0"/>
-              </a:rPr>
-              <a:t>Code eingeben …</a:t>
-            </a:r>
-          </a:p>
-        </p:txBody>
-      </p:sp>
-      <p:sp>
-        <p:nvSpPr>
-          <p:cNvPr id="45" name="Textfeld 44">
-            <a:extLst>
-              <a:ext uri="{FF2B5EF4-FFF2-40B4-BE49-F238E27FC236}">
-                <a16:creationId xmlns:a16="http://schemas.microsoft.com/office/drawing/2014/main" id="{0DCE8159-FBC2-2E7D-5FB1-05913886AF27}"/>
-              </a:ext>
-            </a:extLst>
-          </p:cNvPr>
-          <p:cNvSpPr txBox="1"/>
-          <p:nvPr/>
-        </p:nvSpPr>
-        <p:spPr>
-          <a:xfrm>
-            <a:off x="4068093" y="2177002"/>
-            <a:ext cx="678475" cy="307777"/>
-          </a:xfrm>
-          <a:prstGeom prst="rect">
-            <a:avLst/>
-          </a:prstGeom>
-          <a:noFill/>
-        </p:spPr>
-        <p:txBody>
-          <a:bodyPr wrap="square" rtlCol="0">
-            <a:spAutoFit/>
-          </a:bodyPr>
-          <a:lstStyle/>
-          <a:p>
-            <a:r>
-              <a:rPr lang="de-CH" sz="1400" b="1" dirty="0">
-                <a:latin typeface="Arial" panose="020B0604020202020204" pitchFamily="34" charset="0"/>
-                <a:cs typeface="Arial" panose="020B0604020202020204" pitchFamily="34" charset="0"/>
-              </a:rPr>
-              <a:t>Code</a:t>
-            </a:r>
-          </a:p>
-        </p:txBody>
-      </p:sp>
-      <p:sp>
-        <p:nvSpPr>
-          <p:cNvPr id="46" name="Textfeld 45">
-            <a:extLst>
-              <a:ext uri="{FF2B5EF4-FFF2-40B4-BE49-F238E27FC236}">
-                <a16:creationId xmlns:a16="http://schemas.microsoft.com/office/drawing/2014/main" id="{1B202BDF-133D-92D1-2CE0-BCFCF0172A02}"/>
-              </a:ext>
-            </a:extLst>
-          </p:cNvPr>
-          <p:cNvSpPr txBox="1"/>
-          <p:nvPr/>
-        </p:nvSpPr>
-        <p:spPr>
-          <a:xfrm>
-            <a:off x="4068093" y="2601444"/>
-            <a:ext cx="596564" cy="307777"/>
-          </a:xfrm>
-          <a:prstGeom prst="rect">
-            <a:avLst/>
-          </a:prstGeom>
-          <a:noFill/>
-        </p:spPr>
-        <p:txBody>
-          <a:bodyPr wrap="square" rtlCol="0">
-            <a:spAutoFit/>
-          </a:bodyPr>
-          <a:lstStyle/>
-          <a:p>
-            <a:r>
-              <a:rPr lang="de-CH" sz="1400" b="1" dirty="0">
-                <a:latin typeface="Arial" panose="020B0604020202020204" pitchFamily="34" charset="0"/>
-                <a:cs typeface="Arial" panose="020B0604020202020204" pitchFamily="34" charset="0"/>
-              </a:rPr>
-              <a:t>IMG</a:t>
-            </a:r>
-          </a:p>
-        </p:txBody>
-      </p:sp>
-      <p:sp>
-        <p:nvSpPr>
-          <p:cNvPr id="47" name="Rechteck 46">
-            <a:extLst>
-              <a:ext uri="{FF2B5EF4-FFF2-40B4-BE49-F238E27FC236}">
-                <a16:creationId xmlns:a16="http://schemas.microsoft.com/office/drawing/2014/main" id="{B202347B-92E2-DE4D-0B60-C5EF3B02FD93}"/>
-              </a:ext>
-            </a:extLst>
-          </p:cNvPr>
-          <p:cNvSpPr/>
-          <p:nvPr/>
-        </p:nvSpPr>
-        <p:spPr>
-          <a:xfrm>
-            <a:off x="4626572" y="2597957"/>
-            <a:ext cx="1889187" cy="301629"/>
-          </a:xfrm>
-          <a:prstGeom prst="rect">
-            <a:avLst/>
-          </a:prstGeom>
-          <a:solidFill>
-            <a:schemeClr val="bg1"/>
-          </a:solidFill>
-          <a:ln>
-            <a:solidFill>
-              <a:schemeClr val="tx1"/>
-            </a:solidFill>
-          </a:ln>
-        </p:spPr>
-        <p:style>
-          <a:lnRef idx="2">
-            <a:schemeClr val="accent1">
-              <a:shade val="50000"/>
-            </a:schemeClr>
-          </a:lnRef>
-          <a:fillRef idx="1">
-            <a:schemeClr val="accent1"/>
-          </a:fillRef>
-          <a:effectRef idx="0">
-            <a:schemeClr val="accent1"/>
-          </a:effectRef>
-          <a:fontRef idx="minor">
-            <a:schemeClr val="lt1"/>
-          </a:fontRef>
-        </p:style>
-        <p:txBody>
-          <a:bodyPr rtlCol="0" anchor="ctr"/>
-          <a:lstStyle/>
-          <a:p>
-            <a:r>
-              <a:rPr lang="de-CH" sz="1200" i="1" dirty="0">
-                <a:solidFill>
-                  <a:schemeClr val="tx1"/>
-                </a:solidFill>
-                <a:latin typeface="Arial" panose="020B0604020202020204" pitchFamily="34" charset="0"/>
-                <a:cs typeface="Arial" panose="020B0604020202020204" pitchFamily="34" charset="0"/>
-              </a:rPr>
-              <a:t>Pfad zeigen nach Upload</a:t>
-            </a:r>
-          </a:p>
-        </p:txBody>
-      </p:sp>
-      <p:sp>
-        <p:nvSpPr>
-          <p:cNvPr id="48" name="Rechteck 47">
-            <a:extLst>
-              <a:ext uri="{FF2B5EF4-FFF2-40B4-BE49-F238E27FC236}">
-                <a16:creationId xmlns:a16="http://schemas.microsoft.com/office/drawing/2014/main" id="{889E301C-EC31-1561-5F03-2B26DD44D794}"/>
-              </a:ext>
-            </a:extLst>
-          </p:cNvPr>
-          <p:cNvSpPr/>
-          <p:nvPr/>
-        </p:nvSpPr>
-        <p:spPr>
-          <a:xfrm>
-            <a:off x="6590101" y="2602649"/>
-            <a:ext cx="735983" cy="292247"/>
-          </a:xfrm>
-          <a:prstGeom prst="rect">
-            <a:avLst/>
-          </a:prstGeom>
-          <a:noFill/>
-          <a:ln>
-            <a:solidFill>
-              <a:schemeClr val="tx1"/>
-            </a:solidFill>
-          </a:ln>
-        </p:spPr>
-        <p:style>
-          <a:lnRef idx="2">
-            <a:schemeClr val="accent1">
-              <a:shade val="50000"/>
-            </a:schemeClr>
-          </a:lnRef>
-          <a:fillRef idx="1">
-            <a:schemeClr val="accent1"/>
-          </a:fillRef>
-          <a:effectRef idx="0">
-            <a:schemeClr val="accent1"/>
-          </a:effectRef>
-          <a:fontRef idx="minor">
-            <a:schemeClr val="lt1"/>
-          </a:fontRef>
-        </p:style>
-        <p:txBody>
-          <a:bodyPr rtlCol="0" anchor="ctr"/>
-          <a:lstStyle/>
-          <a:p>
-            <a:pPr algn="ctr"/>
-            <a:r>
-              <a:rPr lang="de-CH" sz="1200" dirty="0">
-                <a:solidFill>
-                  <a:schemeClr val="tx1"/>
-                </a:solidFill>
-                <a:latin typeface="Arial" panose="020B0604020202020204" pitchFamily="34" charset="0"/>
-                <a:cs typeface="Arial" panose="020B0604020202020204" pitchFamily="34" charset="0"/>
-              </a:rPr>
-              <a:t>Upload</a:t>
-            </a:r>
-          </a:p>
-        </p:txBody>
-      </p:sp>
-      <p:pic>
-        <p:nvPicPr>
-          <p:cNvPr id="50" name="Grafik 49">
-            <a:extLst>
-              <a:ext uri="{FF2B5EF4-FFF2-40B4-BE49-F238E27FC236}">
-                <a16:creationId xmlns:a16="http://schemas.microsoft.com/office/drawing/2014/main" id="{4677A2E2-4F32-6B23-EA53-C5316753CD64}"/>
-              </a:ext>
-            </a:extLst>
-          </p:cNvPr>
-          <p:cNvPicPr>
-            <a:picLocks noChangeAspect="1"/>
-          </p:cNvPicPr>
-          <p:nvPr/>
-        </p:nvPicPr>
-        <p:blipFill>
-          <a:blip r:embed="rId3"/>
-          <a:stretch>
-            <a:fillRect/>
-          </a:stretch>
-        </p:blipFill>
-        <p:spPr>
-          <a:xfrm>
-            <a:off x="4626572" y="3094872"/>
-            <a:ext cx="2254775" cy="1951405"/>
-          </a:xfrm>
-          <a:prstGeom prst="rect">
-            <a:avLst/>
-          </a:prstGeom>
-        </p:spPr>
-      </p:pic>
-      <p:sp>
-        <p:nvSpPr>
-          <p:cNvPr id="51" name="Rechteck 50">
-            <a:extLst>
-              <a:ext uri="{FF2B5EF4-FFF2-40B4-BE49-F238E27FC236}">
-                <a16:creationId xmlns:a16="http://schemas.microsoft.com/office/drawing/2014/main" id="{76F654AF-8D3E-5AB9-9627-123FE53C2E2C}"/>
-              </a:ext>
-            </a:extLst>
-          </p:cNvPr>
-          <p:cNvSpPr/>
-          <p:nvPr/>
-        </p:nvSpPr>
-        <p:spPr>
-          <a:xfrm>
-            <a:off x="4347557" y="3094871"/>
-            <a:ext cx="2851266" cy="1951405"/>
-          </a:xfrm>
-          <a:prstGeom prst="rect">
-            <a:avLst/>
-          </a:prstGeom>
-          <a:noFill/>
-          <a:ln>
-            <a:solidFill>
-              <a:schemeClr val="tx1"/>
-            </a:solidFill>
-            <a:prstDash val="dash"/>
-          </a:ln>
-        </p:spPr>
-        <p:style>
-          <a:lnRef idx="2">
-            <a:schemeClr val="accent1">
-              <a:shade val="50000"/>
-            </a:schemeClr>
-          </a:lnRef>
-          <a:fillRef idx="1">
-            <a:schemeClr val="accent1"/>
-          </a:fillRef>
-          <a:effectRef idx="0">
-            <a:schemeClr val="accent1"/>
-          </a:effectRef>
-          <a:fontRef idx="minor">
-            <a:schemeClr val="lt1"/>
-          </a:fontRef>
-        </p:style>
-        <p:txBody>
-          <a:bodyPr rtlCol="0" anchor="ctr"/>
-          <a:lstStyle/>
-          <a:p>
-            <a:pPr algn="ctr"/>
-            <a:endParaRPr lang="de-CH" sz="1200" dirty="0">
-              <a:solidFill>
-                <a:schemeClr val="tx1"/>
-              </a:solidFill>
-              <a:latin typeface="Arial" panose="020B0604020202020204" pitchFamily="34" charset="0"/>
-              <a:cs typeface="Arial" panose="020B0604020202020204" pitchFamily="34" charset="0"/>
-            </a:endParaRPr>
-          </a:p>
-        </p:txBody>
-      </p:sp>
-      <p:sp>
-        <p:nvSpPr>
-          <p:cNvPr id="52" name="Rechteck 51">
-            <a:extLst>
-              <a:ext uri="{FF2B5EF4-FFF2-40B4-BE49-F238E27FC236}">
-                <a16:creationId xmlns:a16="http://schemas.microsoft.com/office/drawing/2014/main" id="{A789776A-0466-F259-6C51-07561FA96CDD}"/>
-              </a:ext>
-            </a:extLst>
-          </p:cNvPr>
-          <p:cNvSpPr/>
-          <p:nvPr/>
-        </p:nvSpPr>
-        <p:spPr>
-          <a:xfrm>
-            <a:off x="4746568" y="5095436"/>
-            <a:ext cx="2579516" cy="301629"/>
-          </a:xfrm>
-          <a:prstGeom prst="rect">
-            <a:avLst/>
-          </a:prstGeom>
-          <a:solidFill>
-            <a:schemeClr val="bg1"/>
-          </a:solidFill>
-          <a:ln>
-            <a:solidFill>
-              <a:schemeClr val="tx1"/>
-            </a:solidFill>
-          </a:ln>
-        </p:spPr>
-        <p:style>
-          <a:lnRef idx="2">
-            <a:schemeClr val="accent1">
-              <a:shade val="50000"/>
-            </a:schemeClr>
-          </a:lnRef>
-          <a:fillRef idx="1">
-            <a:schemeClr val="accent1"/>
-          </a:fillRef>
-          <a:effectRef idx="0">
-            <a:schemeClr val="accent1"/>
-          </a:effectRef>
-          <a:fontRef idx="minor">
-            <a:schemeClr val="lt1"/>
-          </a:fontRef>
-        </p:style>
-        <p:txBody>
-          <a:bodyPr rtlCol="0" anchor="ctr"/>
-          <a:lstStyle/>
-          <a:p>
-            <a:r>
-              <a:rPr lang="de-CH" sz="1200" i="1" dirty="0">
-                <a:solidFill>
-                  <a:schemeClr val="tx1"/>
-                </a:solidFill>
-                <a:latin typeface="Arial" panose="020B0604020202020204" pitchFamily="34" charset="0"/>
-                <a:cs typeface="Arial" panose="020B0604020202020204" pitchFamily="34" charset="0"/>
-              </a:rPr>
-              <a:t>Kurzer Bild-Text (Header) eingeben </a:t>
-            </a:r>
-          </a:p>
-        </p:txBody>
-      </p:sp>
-      <p:sp>
-        <p:nvSpPr>
-          <p:cNvPr id="53" name="Textfeld 52">
-            <a:extLst>
-              <a:ext uri="{FF2B5EF4-FFF2-40B4-BE49-F238E27FC236}">
-                <a16:creationId xmlns:a16="http://schemas.microsoft.com/office/drawing/2014/main" id="{868990A3-7704-7727-9F3F-8160B861378F}"/>
-              </a:ext>
-            </a:extLst>
-          </p:cNvPr>
-          <p:cNvSpPr txBox="1"/>
-          <p:nvPr/>
-        </p:nvSpPr>
-        <p:spPr>
-          <a:xfrm>
-            <a:off x="4068093" y="5092362"/>
-            <a:ext cx="789854" cy="307777"/>
-          </a:xfrm>
-          <a:prstGeom prst="rect">
-            <a:avLst/>
-          </a:prstGeom>
-          <a:noFill/>
-        </p:spPr>
-        <p:txBody>
-          <a:bodyPr wrap="square" rtlCol="0">
-            <a:spAutoFit/>
-          </a:bodyPr>
-          <a:lstStyle/>
-          <a:p>
-            <a:r>
-              <a:rPr lang="de-CH" sz="1400" b="1" dirty="0">
-                <a:latin typeface="Arial" panose="020B0604020202020204" pitchFamily="34" charset="0"/>
-                <a:cs typeface="Arial" panose="020B0604020202020204" pitchFamily="34" charset="0"/>
-              </a:rPr>
-              <a:t>Text</a:t>
-            </a:r>
-          </a:p>
-        </p:txBody>
-      </p:sp>
-      <p:sp>
-        <p:nvSpPr>
-          <p:cNvPr id="54" name="Rechteck 53">
-            <a:extLst>
-              <a:ext uri="{FF2B5EF4-FFF2-40B4-BE49-F238E27FC236}">
-                <a16:creationId xmlns:a16="http://schemas.microsoft.com/office/drawing/2014/main" id="{E6EE40C9-65CE-B8ED-6093-89C20ECC5DF2}"/>
-              </a:ext>
-            </a:extLst>
-          </p:cNvPr>
-          <p:cNvSpPr/>
-          <p:nvPr/>
-        </p:nvSpPr>
-        <p:spPr>
-          <a:xfrm>
-            <a:off x="4159136" y="5491865"/>
-            <a:ext cx="3166948" cy="215495"/>
-          </a:xfrm>
-          <a:prstGeom prst="rect">
-            <a:avLst/>
-          </a:prstGeom>
-          <a:noFill/>
-          <a:ln>
-            <a:solidFill>
-              <a:schemeClr val="tx1"/>
-            </a:solidFill>
-          </a:ln>
-        </p:spPr>
-        <p:style>
-          <a:lnRef idx="2">
-            <a:schemeClr val="accent1">
-              <a:shade val="50000"/>
-            </a:schemeClr>
-          </a:lnRef>
-          <a:fillRef idx="1">
-            <a:schemeClr val="accent1"/>
-          </a:fillRef>
-          <a:effectRef idx="0">
-            <a:schemeClr val="accent1"/>
-          </a:effectRef>
-          <a:fontRef idx="minor">
-            <a:schemeClr val="lt1"/>
-          </a:fontRef>
-        </p:style>
-        <p:txBody>
-          <a:bodyPr rtlCol="0" anchor="ctr"/>
-          <a:lstStyle/>
-          <a:p>
-            <a:r>
-              <a:rPr lang="de-CH" sz="1200" dirty="0">
-                <a:solidFill>
-                  <a:schemeClr val="tx1"/>
-                </a:solidFill>
-                <a:latin typeface="Arial" panose="020B0604020202020204" pitchFamily="34" charset="0"/>
-                <a:cs typeface="Arial" panose="020B0604020202020204" pitchFamily="34" charset="0"/>
-              </a:rPr>
-              <a:t>Konzert wählen (optional)</a:t>
-            </a:r>
-          </a:p>
-        </p:txBody>
-      </p:sp>
-      <p:pic>
-        <p:nvPicPr>
-          <p:cNvPr id="55" name="Grafik 54">
-            <a:extLst>
-              <a:ext uri="{FF2B5EF4-FFF2-40B4-BE49-F238E27FC236}">
-                <a16:creationId xmlns:a16="http://schemas.microsoft.com/office/drawing/2014/main" id="{AC2217DF-1918-013A-A9C5-4051DA715EA7}"/>
-              </a:ext>
-            </a:extLst>
-          </p:cNvPr>
-          <p:cNvPicPr>
-            <a:picLocks noChangeAspect="1"/>
-          </p:cNvPicPr>
-          <p:nvPr/>
-        </p:nvPicPr>
-        <p:blipFill>
-          <a:blip r:embed="rId4"/>
-          <a:stretch>
-            <a:fillRect/>
-          </a:stretch>
-        </p:blipFill>
-        <p:spPr>
-          <a:xfrm>
-            <a:off x="6943230" y="5549932"/>
-            <a:ext cx="321154" cy="157428"/>
-          </a:xfrm>
-          <a:prstGeom prst="rect">
-            <a:avLst/>
-          </a:prstGeom>
-        </p:spPr>
-      </p:pic>
-      <p:sp>
-        <p:nvSpPr>
-          <p:cNvPr id="56" name="Textfeld 55">
-            <a:extLst>
-              <a:ext uri="{FF2B5EF4-FFF2-40B4-BE49-F238E27FC236}">
-                <a16:creationId xmlns:a16="http://schemas.microsoft.com/office/drawing/2014/main" id="{F98E6FF7-4C2B-61B8-A3DA-503AB4581CF6}"/>
-              </a:ext>
-            </a:extLst>
-          </p:cNvPr>
-          <p:cNvSpPr txBox="1"/>
-          <p:nvPr/>
-        </p:nvSpPr>
-        <p:spPr>
-          <a:xfrm>
-            <a:off x="4077364" y="5707360"/>
-            <a:ext cx="1342536" cy="246221"/>
-          </a:xfrm>
-          <a:prstGeom prst="rect">
-            <a:avLst/>
-          </a:prstGeom>
-          <a:noFill/>
-        </p:spPr>
-        <p:txBody>
-          <a:bodyPr wrap="square" rtlCol="0">
-            <a:spAutoFit/>
-          </a:bodyPr>
-          <a:lstStyle/>
-          <a:p>
-            <a:r>
-              <a:rPr lang="de-CH" sz="1000" b="1" dirty="0">
-                <a:latin typeface="Arial" panose="020B0604020202020204" pitchFamily="34" charset="0"/>
-                <a:cs typeface="Arial" panose="020B0604020202020204" pitchFamily="34" charset="0"/>
-              </a:rPr>
-              <a:t>Bemerkung</a:t>
-            </a:r>
-          </a:p>
-        </p:txBody>
-      </p:sp>
-      <p:sp>
-        <p:nvSpPr>
-          <p:cNvPr id="57" name="Rechteck 56">
-            <a:extLst>
-              <a:ext uri="{FF2B5EF4-FFF2-40B4-BE49-F238E27FC236}">
-                <a16:creationId xmlns:a16="http://schemas.microsoft.com/office/drawing/2014/main" id="{173E94BB-B836-480F-CDBE-3967FB045AC2}"/>
-              </a:ext>
-            </a:extLst>
-          </p:cNvPr>
-          <p:cNvSpPr/>
-          <p:nvPr/>
-        </p:nvSpPr>
-        <p:spPr>
-          <a:xfrm>
-            <a:off x="4130142" y="5922855"/>
-            <a:ext cx="3166948" cy="301629"/>
-          </a:xfrm>
-          <a:prstGeom prst="rect">
-            <a:avLst/>
-          </a:prstGeom>
-          <a:solidFill>
-            <a:schemeClr val="bg1"/>
-          </a:solidFill>
-          <a:ln>
-            <a:solidFill>
-              <a:schemeClr val="tx1"/>
-            </a:solidFill>
-          </a:ln>
-        </p:spPr>
-        <p:style>
-          <a:lnRef idx="2">
-            <a:schemeClr val="accent1">
-              <a:shade val="50000"/>
-            </a:schemeClr>
-          </a:lnRef>
-          <a:fillRef idx="1">
-            <a:schemeClr val="accent1"/>
-          </a:fillRef>
-          <a:effectRef idx="0">
-            <a:schemeClr val="accent1"/>
-          </a:effectRef>
-          <a:fontRef idx="minor">
-            <a:schemeClr val="lt1"/>
-          </a:fontRef>
-        </p:style>
-        <p:txBody>
-          <a:bodyPr rtlCol="0" anchor="ctr"/>
-          <a:lstStyle/>
-          <a:p>
-            <a:r>
-              <a:rPr lang="de-CH" sz="1200" i="1" dirty="0">
-                <a:solidFill>
-                  <a:schemeClr val="tx1"/>
-                </a:solidFill>
-                <a:latin typeface="Arial" panose="020B0604020202020204" pitchFamily="34" charset="0"/>
-                <a:cs typeface="Arial" panose="020B0604020202020204" pitchFamily="34" charset="0"/>
-              </a:rPr>
-              <a:t>Bemerkung eingeben ….</a:t>
-            </a:r>
-          </a:p>
-        </p:txBody>
-      </p:sp>
-      <p:sp>
-        <p:nvSpPr>
-          <p:cNvPr id="58" name="Rechteck 57">
-            <a:extLst>
-              <a:ext uri="{FF2B5EF4-FFF2-40B4-BE49-F238E27FC236}">
-                <a16:creationId xmlns:a16="http://schemas.microsoft.com/office/drawing/2014/main" id="{C785EC60-4998-70C0-A815-2730FA149737}"/>
-              </a:ext>
-            </a:extLst>
-          </p:cNvPr>
-          <p:cNvSpPr/>
-          <p:nvPr/>
-        </p:nvSpPr>
-        <p:spPr>
-          <a:xfrm>
-            <a:off x="5160683" y="6284514"/>
-            <a:ext cx="1225014" cy="292247"/>
-          </a:xfrm>
-          <a:prstGeom prst="rect">
-            <a:avLst/>
-          </a:prstGeom>
-          <a:noFill/>
-          <a:ln>
-            <a:solidFill>
-              <a:schemeClr val="tx1"/>
-            </a:solidFill>
-          </a:ln>
-        </p:spPr>
-        <p:style>
-          <a:lnRef idx="2">
-            <a:schemeClr val="accent1">
-              <a:shade val="50000"/>
-            </a:schemeClr>
-          </a:lnRef>
-          <a:fillRef idx="1">
-            <a:schemeClr val="accent1"/>
-          </a:fillRef>
-          <a:effectRef idx="0">
-            <a:schemeClr val="accent1"/>
-          </a:effectRef>
-          <a:fontRef idx="minor">
-            <a:schemeClr val="lt1"/>
-          </a:fontRef>
-        </p:style>
-        <p:txBody>
-          <a:bodyPr rtlCol="0" anchor="ctr"/>
-          <a:lstStyle/>
-          <a:p>
-            <a:pPr algn="ctr"/>
-            <a:r>
-              <a:rPr lang="de-CH" sz="1200" b="1" dirty="0">
-                <a:solidFill>
-                  <a:schemeClr val="tx1"/>
-                </a:solidFill>
-                <a:latin typeface="Arial" panose="020B0604020202020204" pitchFamily="34" charset="0"/>
-                <a:cs typeface="Arial" panose="020B0604020202020204" pitchFamily="34" charset="0"/>
-              </a:rPr>
-              <a:t>Senden</a:t>
-            </a:r>
-          </a:p>
-        </p:txBody>
-      </p:sp>
-      <p:pic>
-        <p:nvPicPr>
-          <p:cNvPr id="60" name="Grafik 59">
-            <a:extLst>
-              <a:ext uri="{FF2B5EF4-FFF2-40B4-BE49-F238E27FC236}">
-                <a16:creationId xmlns:a16="http://schemas.microsoft.com/office/drawing/2014/main" id="{61002AC6-078B-0A7A-6ADD-DFDAC83315CD}"/>
-              </a:ext>
-            </a:extLst>
-          </p:cNvPr>
-          <p:cNvPicPr>
-            <a:picLocks noChangeAspect="1"/>
-          </p:cNvPicPr>
-          <p:nvPr/>
-        </p:nvPicPr>
-        <p:blipFill>
-          <a:blip r:embed="rId5"/>
-          <a:stretch>
-            <a:fillRect/>
-          </a:stretch>
-        </p:blipFill>
-        <p:spPr>
-          <a:xfrm>
-            <a:off x="6943230" y="532289"/>
-            <a:ext cx="331444" cy="256116"/>
-          </a:xfrm>
-          <a:prstGeom prst="rect">
-            <a:avLst/>
-          </a:prstGeom>
-        </p:spPr>
-      </p:pic>
-      <p:sp>
-        <p:nvSpPr>
-          <p:cNvPr id="61" name="Rechteck 60">
-            <a:extLst>
-              <a:ext uri="{FF2B5EF4-FFF2-40B4-BE49-F238E27FC236}">
-                <a16:creationId xmlns:a16="http://schemas.microsoft.com/office/drawing/2014/main" id="{BF396F8D-2C31-2485-0E53-6E1A0E712A21}"/>
-              </a:ext>
-            </a:extLst>
-          </p:cNvPr>
-          <p:cNvSpPr/>
-          <p:nvPr/>
-        </p:nvSpPr>
-        <p:spPr>
-          <a:xfrm>
-            <a:off x="6563630" y="2187902"/>
-            <a:ext cx="735983" cy="292247"/>
-          </a:xfrm>
-          <a:prstGeom prst="rect">
-            <a:avLst/>
-          </a:prstGeom>
-          <a:noFill/>
-          <a:ln>
-            <a:solidFill>
-              <a:schemeClr val="tx1"/>
-            </a:solidFill>
-          </a:ln>
-        </p:spPr>
-        <p:style>
-          <a:lnRef idx="2">
-            <a:schemeClr val="accent1">
-              <a:shade val="50000"/>
-            </a:schemeClr>
-          </a:lnRef>
-          <a:fillRef idx="1">
-            <a:schemeClr val="accent1"/>
-          </a:fillRef>
-          <a:effectRef idx="0">
-            <a:schemeClr val="accent1"/>
-          </a:effectRef>
-          <a:fontRef idx="minor">
-            <a:schemeClr val="lt1"/>
-          </a:fontRef>
-        </p:style>
-        <p:txBody>
-          <a:bodyPr rtlCol="0" anchor="ctr"/>
-          <a:lstStyle/>
-          <a:p>
-            <a:pPr algn="ctr"/>
-            <a:r>
-              <a:rPr lang="de-CH" sz="1200" dirty="0">
-                <a:solidFill>
-                  <a:schemeClr val="tx1"/>
-                </a:solidFill>
-                <a:latin typeface="Arial" panose="020B0604020202020204" pitchFamily="34" charset="0"/>
-                <a:cs typeface="Arial" panose="020B0604020202020204" pitchFamily="34" charset="0"/>
-              </a:rPr>
-              <a:t>Senden</a:t>
-            </a:r>
-          </a:p>
-        </p:txBody>
-      </p:sp>
-    </p:spTree>
-    <p:extLst>
-      <p:ext uri="{BB962C8B-B14F-4D97-AF65-F5344CB8AC3E}">
-        <p14:creationId xmlns:p14="http://schemas.microsoft.com/office/powerpoint/2010/main" val="3356822967"/>
       </p:ext>
     </p:extLst>
   </p:cSld>

--- a/Description/JazzGuestsUpload.pptx
+++ b/Description/JazzGuestsUpload.pptx
@@ -265,7 +265,7 @@
           <a:p>
             <a:fld id="{DDCE6D58-9B57-4731-A47B-3CD41B48F0A9}" type="datetimeFigureOut">
               <a:rPr lang="de-CH" smtClean="0"/>
-              <a:t>10.01.2024</a:t>
+              <a:t>11.01.2024</a:t>
             </a:fld>
             <a:endParaRPr lang="de-CH"/>
           </a:p>
@@ -435,7 +435,7 @@
           <a:p>
             <a:fld id="{DDCE6D58-9B57-4731-A47B-3CD41B48F0A9}" type="datetimeFigureOut">
               <a:rPr lang="de-CH" smtClean="0"/>
-              <a:t>10.01.2024</a:t>
+              <a:t>11.01.2024</a:t>
             </a:fld>
             <a:endParaRPr lang="de-CH"/>
           </a:p>
@@ -615,7 +615,7 @@
           <a:p>
             <a:fld id="{DDCE6D58-9B57-4731-A47B-3CD41B48F0A9}" type="datetimeFigureOut">
               <a:rPr lang="de-CH" smtClean="0"/>
-              <a:t>10.01.2024</a:t>
+              <a:t>11.01.2024</a:t>
             </a:fld>
             <a:endParaRPr lang="de-CH"/>
           </a:p>
@@ -785,7 +785,7 @@
           <a:p>
             <a:fld id="{DDCE6D58-9B57-4731-A47B-3CD41B48F0A9}" type="datetimeFigureOut">
               <a:rPr lang="de-CH" smtClean="0"/>
-              <a:t>10.01.2024</a:t>
+              <a:t>11.01.2024</a:t>
             </a:fld>
             <a:endParaRPr lang="de-CH"/>
           </a:p>
@@ -1031,7 +1031,7 @@
           <a:p>
             <a:fld id="{DDCE6D58-9B57-4731-A47B-3CD41B48F0A9}" type="datetimeFigureOut">
               <a:rPr lang="de-CH" smtClean="0"/>
-              <a:t>10.01.2024</a:t>
+              <a:t>11.01.2024</a:t>
             </a:fld>
             <a:endParaRPr lang="de-CH"/>
           </a:p>
@@ -1263,7 +1263,7 @@
           <a:p>
             <a:fld id="{DDCE6D58-9B57-4731-A47B-3CD41B48F0A9}" type="datetimeFigureOut">
               <a:rPr lang="de-CH" smtClean="0"/>
-              <a:t>10.01.2024</a:t>
+              <a:t>11.01.2024</a:t>
             </a:fld>
             <a:endParaRPr lang="de-CH"/>
           </a:p>
@@ -1630,7 +1630,7 @@
           <a:p>
             <a:fld id="{DDCE6D58-9B57-4731-A47B-3CD41B48F0A9}" type="datetimeFigureOut">
               <a:rPr lang="de-CH" smtClean="0"/>
-              <a:t>10.01.2024</a:t>
+              <a:t>11.01.2024</a:t>
             </a:fld>
             <a:endParaRPr lang="de-CH"/>
           </a:p>
@@ -1748,7 +1748,7 @@
           <a:p>
             <a:fld id="{DDCE6D58-9B57-4731-A47B-3CD41B48F0A9}" type="datetimeFigureOut">
               <a:rPr lang="de-CH" smtClean="0"/>
-              <a:t>10.01.2024</a:t>
+              <a:t>11.01.2024</a:t>
             </a:fld>
             <a:endParaRPr lang="de-CH"/>
           </a:p>
@@ -1843,7 +1843,7 @@
           <a:p>
             <a:fld id="{DDCE6D58-9B57-4731-A47B-3CD41B48F0A9}" type="datetimeFigureOut">
               <a:rPr lang="de-CH" smtClean="0"/>
-              <a:t>10.01.2024</a:t>
+              <a:t>11.01.2024</a:t>
             </a:fld>
             <a:endParaRPr lang="de-CH"/>
           </a:p>
@@ -2120,7 +2120,7 @@
           <a:p>
             <a:fld id="{DDCE6D58-9B57-4731-A47B-3CD41B48F0A9}" type="datetimeFigureOut">
               <a:rPr lang="de-CH" smtClean="0"/>
-              <a:t>10.01.2024</a:t>
+              <a:t>11.01.2024</a:t>
             </a:fld>
             <a:endParaRPr lang="de-CH"/>
           </a:p>
@@ -2373,7 +2373,7 @@
           <a:p>
             <a:fld id="{DDCE6D58-9B57-4731-A47B-3CD41B48F0A9}" type="datetimeFigureOut">
               <a:rPr lang="de-CH" smtClean="0"/>
-              <a:t>10.01.2024</a:t>
+              <a:t>11.01.2024</a:t>
             </a:fld>
             <a:endParaRPr lang="de-CH"/>
           </a:p>
@@ -2586,7 +2586,7 @@
           <a:p>
             <a:fld id="{DDCE6D58-9B57-4731-A47B-3CD41B48F0A9}" type="datetimeFigureOut">
               <a:rPr lang="de-CH" smtClean="0"/>
-              <a:t>10.01.2024</a:t>
+              <a:t>11.01.2024</a:t>
             </a:fld>
             <a:endParaRPr lang="de-CH"/>
           </a:p>
@@ -8498,7 +8498,7 @@
                 <a:latin typeface="Arial" panose="020B0604020202020204" pitchFamily="34" charset="0"/>
                 <a:cs typeface="Arial" panose="020B0604020202020204" pitchFamily="34" charset="0"/>
               </a:rPr>
-              <a:t>Senden</a:t>
+              <a:t>Speichern</a:t>
             </a:r>
           </a:p>
         </p:txBody>
@@ -11691,8 +11691,8 @@
         </p:nvSpPr>
         <p:spPr>
           <a:xfrm>
-            <a:off x="3047203" y="365781"/>
-            <a:ext cx="6270441" cy="1472247"/>
+            <a:off x="5177660" y="365780"/>
+            <a:ext cx="6270441" cy="5714509"/>
           </a:xfrm>
           <a:prstGeom prst="rect">
             <a:avLst/>
@@ -11743,7 +11743,7 @@
         </p:nvSpPr>
         <p:spPr>
           <a:xfrm>
-            <a:off x="3043105" y="322670"/>
+            <a:off x="5173562" y="322670"/>
             <a:ext cx="4333461" cy="261610"/>
           </a:xfrm>
           <a:prstGeom prst="rect">
@@ -11776,6 +11776,1686 @@
             <a:r>
               <a:rPr lang="de-CH" sz="1100" b="1" dirty="0" err="1"/>
               <a:t>both</a:t>
+            </a:r>
+            <a:endParaRPr lang="de-CH" b="1" dirty="0"/>
+          </a:p>
+        </p:txBody>
+      </p:sp>
+      <p:sp>
+        <p:nvSpPr>
+          <p:cNvPr id="4" name="Rechteck 3">
+            <a:extLst>
+              <a:ext uri="{FF2B5EF4-FFF2-40B4-BE49-F238E27FC236}">
+                <a16:creationId xmlns:a16="http://schemas.microsoft.com/office/drawing/2014/main" id="{B65B393F-0C5E-C739-7A63-FF0973A253A2}"/>
+              </a:ext>
+            </a:extLst>
+          </p:cNvPr>
+          <p:cNvSpPr/>
+          <p:nvPr/>
+        </p:nvSpPr>
+        <p:spPr>
+          <a:xfrm>
+            <a:off x="559131" y="1059816"/>
+            <a:ext cx="3339167" cy="3631364"/>
+          </a:xfrm>
+          <a:prstGeom prst="rect">
+            <a:avLst/>
+          </a:prstGeom>
+          <a:solidFill>
+            <a:srgbClr val="DFE0E1"/>
+          </a:solidFill>
+          <a:ln>
+            <a:solidFill>
+              <a:srgbClr val="C8C8C8"/>
+            </a:solidFill>
+          </a:ln>
+        </p:spPr>
+        <p:style>
+          <a:lnRef idx="2">
+            <a:schemeClr val="accent1">
+              <a:shade val="50000"/>
+            </a:schemeClr>
+          </a:lnRef>
+          <a:fillRef idx="1">
+            <a:schemeClr val="accent1"/>
+          </a:fillRef>
+          <a:effectRef idx="0">
+            <a:schemeClr val="accent1"/>
+          </a:effectRef>
+          <a:fontRef idx="minor">
+            <a:schemeClr val="lt1"/>
+          </a:fontRef>
+        </p:style>
+        <p:txBody>
+          <a:bodyPr rtlCol="0" anchor="ctr"/>
+          <a:lstStyle/>
+          <a:p>
+            <a:pPr algn="ctr"/>
+            <a:endParaRPr lang="de-CH" sz="1600" dirty="0">
+              <a:solidFill>
+                <a:schemeClr val="tx1"/>
+              </a:solidFill>
+              <a:latin typeface="Arial" panose="020B0604020202020204" pitchFamily="34" charset="0"/>
+              <a:cs typeface="Arial" panose="020B0604020202020204" pitchFamily="34" charset="0"/>
+            </a:endParaRPr>
+          </a:p>
+        </p:txBody>
+      </p:sp>
+      <p:sp>
+        <p:nvSpPr>
+          <p:cNvPr id="5" name="Rechteck 4">
+            <a:extLst>
+              <a:ext uri="{FF2B5EF4-FFF2-40B4-BE49-F238E27FC236}">
+                <a16:creationId xmlns:a16="http://schemas.microsoft.com/office/drawing/2014/main" id="{77951B7C-80A8-F662-8CF8-BD8802E73606}"/>
+              </a:ext>
+            </a:extLst>
+          </p:cNvPr>
+          <p:cNvSpPr/>
+          <p:nvPr/>
+        </p:nvSpPr>
+        <p:spPr>
+          <a:xfrm>
+            <a:off x="559128" y="965018"/>
+            <a:ext cx="3339167" cy="769028"/>
+          </a:xfrm>
+          <a:prstGeom prst="rect">
+            <a:avLst/>
+          </a:prstGeom>
+          <a:solidFill>
+            <a:schemeClr val="tx1"/>
+          </a:solidFill>
+          <a:ln>
+            <a:solidFill>
+              <a:schemeClr val="tx1"/>
+            </a:solidFill>
+          </a:ln>
+        </p:spPr>
+        <p:style>
+          <a:lnRef idx="2">
+            <a:schemeClr val="accent1">
+              <a:shade val="50000"/>
+            </a:schemeClr>
+          </a:lnRef>
+          <a:fillRef idx="1">
+            <a:schemeClr val="accent1"/>
+          </a:fillRef>
+          <a:effectRef idx="0">
+            <a:schemeClr val="accent1"/>
+          </a:effectRef>
+          <a:fontRef idx="minor">
+            <a:schemeClr val="lt1"/>
+          </a:fontRef>
+        </p:style>
+        <p:txBody>
+          <a:bodyPr rtlCol="0" anchor="ctr"/>
+          <a:lstStyle/>
+          <a:p>
+            <a:pPr algn="ctr"/>
+            <a:r>
+              <a:rPr lang="de-CH" sz="1600" b="1" dirty="0">
+                <a:solidFill>
+                  <a:srgbClr val="FF000A"/>
+                </a:solidFill>
+                <a:latin typeface="Arial" panose="020B0604020202020204" pitchFamily="34" charset="0"/>
+                <a:cs typeface="Arial" panose="020B0604020202020204" pitchFamily="34" charset="0"/>
+              </a:rPr>
+              <a:t>          </a:t>
+            </a:r>
+          </a:p>
+          <a:p>
+            <a:pPr algn="ctr"/>
+            <a:r>
+              <a:rPr lang="de-CH" sz="1400" b="1" dirty="0">
+                <a:solidFill>
+                  <a:srgbClr val="FF000A"/>
+                </a:solidFill>
+                <a:latin typeface="Arial" panose="020B0604020202020204" pitchFamily="34" charset="0"/>
+                <a:cs typeface="Arial" panose="020B0604020202020204" pitchFamily="34" charset="0"/>
+              </a:rPr>
+              <a:t>Gästebuch-Bild hochladen </a:t>
+            </a:r>
+          </a:p>
+        </p:txBody>
+      </p:sp>
+      <p:pic>
+        <p:nvPicPr>
+          <p:cNvPr id="6" name="Grafik 5">
+            <a:extLst>
+              <a:ext uri="{FF2B5EF4-FFF2-40B4-BE49-F238E27FC236}">
+                <a16:creationId xmlns:a16="http://schemas.microsoft.com/office/drawing/2014/main" id="{E9DAAE8E-9DFC-4287-D7AF-68FD44701BCC}"/>
+              </a:ext>
+            </a:extLst>
+          </p:cNvPr>
+          <p:cNvPicPr>
+            <a:picLocks noChangeAspect="1"/>
+          </p:cNvPicPr>
+          <p:nvPr/>
+        </p:nvPicPr>
+        <p:blipFill>
+          <a:blip r:embed="rId2"/>
+          <a:stretch>
+            <a:fillRect/>
+          </a:stretch>
+        </p:blipFill>
+        <p:spPr>
+          <a:xfrm>
+            <a:off x="1000142" y="1061677"/>
+            <a:ext cx="2457143" cy="238095"/>
+          </a:xfrm>
+          <a:prstGeom prst="rect">
+            <a:avLst/>
+          </a:prstGeom>
+        </p:spPr>
+      </p:pic>
+      <p:pic>
+        <p:nvPicPr>
+          <p:cNvPr id="7" name="Grafik 6">
+            <a:extLst>
+              <a:ext uri="{FF2B5EF4-FFF2-40B4-BE49-F238E27FC236}">
+                <a16:creationId xmlns:a16="http://schemas.microsoft.com/office/drawing/2014/main" id="{5EF492F4-DED9-A486-D785-C2A789247332}"/>
+              </a:ext>
+            </a:extLst>
+          </p:cNvPr>
+          <p:cNvPicPr>
+            <a:picLocks noChangeAspect="1"/>
+          </p:cNvPicPr>
+          <p:nvPr/>
+        </p:nvPicPr>
+        <p:blipFill>
+          <a:blip r:embed="rId3"/>
+          <a:stretch>
+            <a:fillRect/>
+          </a:stretch>
+        </p:blipFill>
+        <p:spPr>
+          <a:xfrm>
+            <a:off x="3433671" y="1194757"/>
+            <a:ext cx="331444" cy="256116"/>
+          </a:xfrm>
+          <a:prstGeom prst="rect">
+            <a:avLst/>
+          </a:prstGeom>
+        </p:spPr>
+      </p:pic>
+      <p:sp>
+        <p:nvSpPr>
+          <p:cNvPr id="8" name="Rechteck 7">
+            <a:extLst>
+              <a:ext uri="{FF2B5EF4-FFF2-40B4-BE49-F238E27FC236}">
+                <a16:creationId xmlns:a16="http://schemas.microsoft.com/office/drawing/2014/main" id="{69592781-58CB-D26A-97E3-B2B20BCD2747}"/>
+              </a:ext>
+            </a:extLst>
+          </p:cNvPr>
+          <p:cNvSpPr/>
+          <p:nvPr/>
+        </p:nvSpPr>
+        <p:spPr>
+          <a:xfrm>
+            <a:off x="1095532" y="1856527"/>
+            <a:ext cx="2234253" cy="186462"/>
+          </a:xfrm>
+          <a:prstGeom prst="rect">
+            <a:avLst/>
+          </a:prstGeom>
+          <a:noFill/>
+          <a:ln>
+            <a:solidFill>
+              <a:schemeClr val="tx1"/>
+            </a:solidFill>
+          </a:ln>
+        </p:spPr>
+        <p:style>
+          <a:lnRef idx="2">
+            <a:schemeClr val="accent1">
+              <a:shade val="50000"/>
+            </a:schemeClr>
+          </a:lnRef>
+          <a:fillRef idx="1">
+            <a:schemeClr val="accent1"/>
+          </a:fillRef>
+          <a:effectRef idx="0">
+            <a:schemeClr val="accent1"/>
+          </a:effectRef>
+          <a:fontRef idx="minor">
+            <a:schemeClr val="lt1"/>
+          </a:fontRef>
+        </p:style>
+        <p:txBody>
+          <a:bodyPr rtlCol="0" anchor="ctr"/>
+          <a:lstStyle/>
+          <a:p>
+            <a:r>
+              <a:rPr lang="de-CH" sz="1200" dirty="0">
+                <a:solidFill>
+                  <a:schemeClr val="tx1"/>
+                </a:solidFill>
+                <a:latin typeface="Arial" panose="020B0604020202020204" pitchFamily="34" charset="0"/>
+                <a:cs typeface="Arial" panose="020B0604020202020204" pitchFamily="34" charset="0"/>
+              </a:rPr>
+              <a:t>Konzert wählen (optional)</a:t>
+            </a:r>
+          </a:p>
+        </p:txBody>
+      </p:sp>
+      <p:pic>
+        <p:nvPicPr>
+          <p:cNvPr id="9" name="Grafik 8">
+            <a:extLst>
+              <a:ext uri="{FF2B5EF4-FFF2-40B4-BE49-F238E27FC236}">
+                <a16:creationId xmlns:a16="http://schemas.microsoft.com/office/drawing/2014/main" id="{A1FD60B4-3AAB-3B86-6C08-F2B53C18BDFD}"/>
+              </a:ext>
+            </a:extLst>
+          </p:cNvPr>
+          <p:cNvPicPr>
+            <a:picLocks noChangeAspect="1"/>
+          </p:cNvPicPr>
+          <p:nvPr/>
+        </p:nvPicPr>
+        <p:blipFill>
+          <a:blip r:embed="rId4"/>
+          <a:stretch>
+            <a:fillRect/>
+          </a:stretch>
+        </p:blipFill>
+        <p:spPr>
+          <a:xfrm>
+            <a:off x="2943168" y="1887332"/>
+            <a:ext cx="321154" cy="157428"/>
+          </a:xfrm>
+          <a:prstGeom prst="rect">
+            <a:avLst/>
+          </a:prstGeom>
+        </p:spPr>
+      </p:pic>
+      <p:sp>
+        <p:nvSpPr>
+          <p:cNvPr id="10" name="Textfeld 9">
+            <a:extLst>
+              <a:ext uri="{FF2B5EF4-FFF2-40B4-BE49-F238E27FC236}">
+                <a16:creationId xmlns:a16="http://schemas.microsoft.com/office/drawing/2014/main" id="{A2D6EE09-DCDA-2FD4-62F3-F95C2129FDFC}"/>
+              </a:ext>
+            </a:extLst>
+          </p:cNvPr>
+          <p:cNvSpPr txBox="1"/>
+          <p:nvPr/>
+        </p:nvSpPr>
+        <p:spPr>
+          <a:xfrm>
+            <a:off x="614763" y="2033077"/>
+            <a:ext cx="1619029" cy="276999"/>
+          </a:xfrm>
+          <a:prstGeom prst="rect">
+            <a:avLst/>
+          </a:prstGeom>
+          <a:noFill/>
+        </p:spPr>
+        <p:txBody>
+          <a:bodyPr wrap="square" rtlCol="0">
+            <a:spAutoFit/>
+          </a:bodyPr>
+          <a:lstStyle/>
+          <a:p>
+            <a:r>
+              <a:rPr lang="de-CH" sz="1200" dirty="0">
+                <a:latin typeface="Arial" panose="020B0604020202020204" pitchFamily="34" charset="0"/>
+                <a:cs typeface="Arial" panose="020B0604020202020204" pitchFamily="34" charset="0"/>
+              </a:rPr>
+              <a:t>Titel</a:t>
+            </a:r>
+          </a:p>
+        </p:txBody>
+      </p:sp>
+      <p:sp>
+        <p:nvSpPr>
+          <p:cNvPr id="11" name="Rechteck 10">
+            <a:extLst>
+              <a:ext uri="{FF2B5EF4-FFF2-40B4-BE49-F238E27FC236}">
+                <a16:creationId xmlns:a16="http://schemas.microsoft.com/office/drawing/2014/main" id="{D2ACEC97-978D-BA7B-68C9-1D7DF9AB85D3}"/>
+              </a:ext>
+            </a:extLst>
+          </p:cNvPr>
+          <p:cNvSpPr/>
+          <p:nvPr/>
+        </p:nvSpPr>
+        <p:spPr>
+          <a:xfrm>
+            <a:off x="680121" y="2299655"/>
+            <a:ext cx="3084994" cy="228869"/>
+          </a:xfrm>
+          <a:prstGeom prst="rect">
+            <a:avLst/>
+          </a:prstGeom>
+          <a:solidFill>
+            <a:schemeClr val="bg1"/>
+          </a:solidFill>
+          <a:ln>
+            <a:solidFill>
+              <a:schemeClr val="tx1"/>
+            </a:solidFill>
+          </a:ln>
+        </p:spPr>
+        <p:style>
+          <a:lnRef idx="2">
+            <a:schemeClr val="accent1">
+              <a:shade val="50000"/>
+            </a:schemeClr>
+          </a:lnRef>
+          <a:fillRef idx="1">
+            <a:schemeClr val="accent1"/>
+          </a:fillRef>
+          <a:effectRef idx="0">
+            <a:schemeClr val="accent1"/>
+          </a:effectRef>
+          <a:fontRef idx="minor">
+            <a:schemeClr val="lt1"/>
+          </a:fontRef>
+        </p:style>
+        <p:txBody>
+          <a:bodyPr rtlCol="0" anchor="ctr"/>
+          <a:lstStyle/>
+          <a:p>
+            <a:r>
+              <a:rPr lang="de-CH" sz="800" i="1" dirty="0">
+                <a:solidFill>
+                  <a:schemeClr val="tx1"/>
+                </a:solidFill>
+                <a:latin typeface="Arial" panose="020B0604020202020204" pitchFamily="34" charset="0"/>
+                <a:cs typeface="Arial" panose="020B0604020202020204" pitchFamily="34" charset="0"/>
+              </a:rPr>
+              <a:t>Kurzer Bildtext</a:t>
+            </a:r>
+          </a:p>
+        </p:txBody>
+      </p:sp>
+      <p:sp>
+        <p:nvSpPr>
+          <p:cNvPr id="12" name="Textfeld 11">
+            <a:extLst>
+              <a:ext uri="{FF2B5EF4-FFF2-40B4-BE49-F238E27FC236}">
+                <a16:creationId xmlns:a16="http://schemas.microsoft.com/office/drawing/2014/main" id="{5811EF84-24D0-0316-8262-A73847379E37}"/>
+              </a:ext>
+            </a:extLst>
+          </p:cNvPr>
+          <p:cNvSpPr txBox="1"/>
+          <p:nvPr/>
+        </p:nvSpPr>
+        <p:spPr>
+          <a:xfrm>
+            <a:off x="592527" y="2526752"/>
+            <a:ext cx="1619029" cy="276999"/>
+          </a:xfrm>
+          <a:prstGeom prst="rect">
+            <a:avLst/>
+          </a:prstGeom>
+          <a:noFill/>
+        </p:spPr>
+        <p:txBody>
+          <a:bodyPr wrap="square" rtlCol="0">
+            <a:spAutoFit/>
+          </a:bodyPr>
+          <a:lstStyle/>
+          <a:p>
+            <a:r>
+              <a:rPr lang="de-CH" sz="1200" dirty="0">
+                <a:latin typeface="Arial" panose="020B0604020202020204" pitchFamily="34" charset="0"/>
+                <a:cs typeface="Arial" panose="020B0604020202020204" pitchFamily="34" charset="0"/>
+              </a:rPr>
+              <a:t>Text (optional)</a:t>
+            </a:r>
+          </a:p>
+        </p:txBody>
+      </p:sp>
+      <p:sp>
+        <p:nvSpPr>
+          <p:cNvPr id="13" name="Rechteck 12">
+            <a:extLst>
+              <a:ext uri="{FF2B5EF4-FFF2-40B4-BE49-F238E27FC236}">
+                <a16:creationId xmlns:a16="http://schemas.microsoft.com/office/drawing/2014/main" id="{AE2A1CEE-72A1-1BDC-0228-D7623381F22D}"/>
+              </a:ext>
+            </a:extLst>
+          </p:cNvPr>
+          <p:cNvSpPr/>
+          <p:nvPr/>
+        </p:nvSpPr>
+        <p:spPr>
+          <a:xfrm>
+            <a:off x="680121" y="2783419"/>
+            <a:ext cx="3084994" cy="455491"/>
+          </a:xfrm>
+          <a:prstGeom prst="rect">
+            <a:avLst/>
+          </a:prstGeom>
+          <a:solidFill>
+            <a:schemeClr val="bg1"/>
+          </a:solidFill>
+          <a:ln>
+            <a:solidFill>
+              <a:schemeClr val="tx1"/>
+            </a:solidFill>
+          </a:ln>
+        </p:spPr>
+        <p:style>
+          <a:lnRef idx="2">
+            <a:schemeClr val="accent1">
+              <a:shade val="50000"/>
+            </a:schemeClr>
+          </a:lnRef>
+          <a:fillRef idx="1">
+            <a:schemeClr val="accent1"/>
+          </a:fillRef>
+          <a:effectRef idx="0">
+            <a:schemeClr val="accent1"/>
+          </a:effectRef>
+          <a:fontRef idx="minor">
+            <a:schemeClr val="lt1"/>
+          </a:fontRef>
+        </p:style>
+        <p:txBody>
+          <a:bodyPr rtlCol="0" anchor="ctr"/>
+          <a:lstStyle/>
+          <a:p>
+            <a:r>
+              <a:rPr lang="de-CH" sz="800" i="1" dirty="0">
+                <a:solidFill>
+                  <a:schemeClr val="tx1"/>
+                </a:solidFill>
+                <a:latin typeface="Arial" panose="020B0604020202020204" pitchFamily="34" charset="0"/>
+                <a:cs typeface="Arial" panose="020B0604020202020204" pitchFamily="34" charset="0"/>
+              </a:rPr>
+              <a:t>Freier Text</a:t>
+            </a:r>
+          </a:p>
+          <a:p>
+            <a:endParaRPr lang="de-CH" sz="1200" i="1" dirty="0">
+              <a:solidFill>
+                <a:schemeClr val="tx1"/>
+              </a:solidFill>
+              <a:latin typeface="Arial" panose="020B0604020202020204" pitchFamily="34" charset="0"/>
+              <a:cs typeface="Arial" panose="020B0604020202020204" pitchFamily="34" charset="0"/>
+            </a:endParaRPr>
+          </a:p>
+        </p:txBody>
+      </p:sp>
+      <p:sp>
+        <p:nvSpPr>
+          <p:cNvPr id="14" name="Textfeld 13">
+            <a:extLst>
+              <a:ext uri="{FF2B5EF4-FFF2-40B4-BE49-F238E27FC236}">
+                <a16:creationId xmlns:a16="http://schemas.microsoft.com/office/drawing/2014/main" id="{8F01A745-C776-C204-233A-479DFFD04E6B}"/>
+              </a:ext>
+            </a:extLst>
+          </p:cNvPr>
+          <p:cNvSpPr txBox="1"/>
+          <p:nvPr/>
+        </p:nvSpPr>
+        <p:spPr>
+          <a:xfrm>
+            <a:off x="603701" y="3306732"/>
+            <a:ext cx="2660621" cy="276999"/>
+          </a:xfrm>
+          <a:prstGeom prst="rect">
+            <a:avLst/>
+          </a:prstGeom>
+          <a:noFill/>
+        </p:spPr>
+        <p:txBody>
+          <a:bodyPr wrap="square" rtlCol="0">
+            <a:spAutoFit/>
+          </a:bodyPr>
+          <a:lstStyle/>
+          <a:p>
+            <a:r>
+              <a:rPr lang="de-CH" sz="1200" dirty="0">
+                <a:latin typeface="Arial" panose="020B0604020202020204" pitchFamily="34" charset="0"/>
+                <a:cs typeface="Arial" panose="020B0604020202020204" pitchFamily="34" charset="0"/>
+              </a:rPr>
+              <a:t>Bemerkung (optional)</a:t>
+            </a:r>
+          </a:p>
+        </p:txBody>
+      </p:sp>
+      <p:sp>
+        <p:nvSpPr>
+          <p:cNvPr id="15" name="Rechteck 14">
+            <a:extLst>
+              <a:ext uri="{FF2B5EF4-FFF2-40B4-BE49-F238E27FC236}">
+                <a16:creationId xmlns:a16="http://schemas.microsoft.com/office/drawing/2014/main" id="{88A234D2-64C9-BBEE-73C2-7BA7246E893F}"/>
+              </a:ext>
+            </a:extLst>
+          </p:cNvPr>
+          <p:cNvSpPr/>
+          <p:nvPr/>
+        </p:nvSpPr>
+        <p:spPr>
+          <a:xfrm>
+            <a:off x="691295" y="3563399"/>
+            <a:ext cx="3084994" cy="455491"/>
+          </a:xfrm>
+          <a:prstGeom prst="rect">
+            <a:avLst/>
+          </a:prstGeom>
+          <a:solidFill>
+            <a:schemeClr val="bg1"/>
+          </a:solidFill>
+          <a:ln>
+            <a:solidFill>
+              <a:schemeClr val="tx1"/>
+            </a:solidFill>
+          </a:ln>
+        </p:spPr>
+        <p:style>
+          <a:lnRef idx="2">
+            <a:schemeClr val="accent1">
+              <a:shade val="50000"/>
+            </a:schemeClr>
+          </a:lnRef>
+          <a:fillRef idx="1">
+            <a:schemeClr val="accent1"/>
+          </a:fillRef>
+          <a:effectRef idx="0">
+            <a:schemeClr val="accent1"/>
+          </a:effectRef>
+          <a:fontRef idx="minor">
+            <a:schemeClr val="lt1"/>
+          </a:fontRef>
+        </p:style>
+        <p:txBody>
+          <a:bodyPr rtlCol="0" anchor="ctr"/>
+          <a:lstStyle/>
+          <a:p>
+            <a:r>
+              <a:rPr lang="de-CH" sz="800" i="1" dirty="0">
+                <a:solidFill>
+                  <a:schemeClr val="tx1"/>
+                </a:solidFill>
+                <a:latin typeface="Arial" panose="020B0604020202020204" pitchFamily="34" charset="0"/>
+                <a:cs typeface="Arial" panose="020B0604020202020204" pitchFamily="34" charset="0"/>
+              </a:rPr>
+              <a:t>Freier Text</a:t>
+            </a:r>
+          </a:p>
+          <a:p>
+            <a:endParaRPr lang="de-CH" sz="1200" i="1" dirty="0">
+              <a:solidFill>
+                <a:schemeClr val="tx1"/>
+              </a:solidFill>
+              <a:latin typeface="Arial" panose="020B0604020202020204" pitchFamily="34" charset="0"/>
+              <a:cs typeface="Arial" panose="020B0604020202020204" pitchFamily="34" charset="0"/>
+            </a:endParaRPr>
+          </a:p>
+        </p:txBody>
+      </p:sp>
+      <p:sp>
+        <p:nvSpPr>
+          <p:cNvPr id="16" name="Rechteck 15">
+            <a:extLst>
+              <a:ext uri="{FF2B5EF4-FFF2-40B4-BE49-F238E27FC236}">
+                <a16:creationId xmlns:a16="http://schemas.microsoft.com/office/drawing/2014/main" id="{B1B7A835-CFF5-2ED8-1743-704F3779AB81}"/>
+              </a:ext>
+            </a:extLst>
+          </p:cNvPr>
+          <p:cNvSpPr/>
+          <p:nvPr/>
+        </p:nvSpPr>
+        <p:spPr>
+          <a:xfrm>
+            <a:off x="2654753" y="4286721"/>
+            <a:ext cx="1017778" cy="292247"/>
+          </a:xfrm>
+          <a:prstGeom prst="rect">
+            <a:avLst/>
+          </a:prstGeom>
+          <a:noFill/>
+          <a:ln>
+            <a:solidFill>
+              <a:schemeClr val="tx1"/>
+            </a:solidFill>
+          </a:ln>
+        </p:spPr>
+        <p:style>
+          <a:lnRef idx="2">
+            <a:schemeClr val="accent1">
+              <a:shade val="50000"/>
+            </a:schemeClr>
+          </a:lnRef>
+          <a:fillRef idx="1">
+            <a:schemeClr val="accent1"/>
+          </a:fillRef>
+          <a:effectRef idx="0">
+            <a:schemeClr val="accent1"/>
+          </a:effectRef>
+          <a:fontRef idx="minor">
+            <a:schemeClr val="lt1"/>
+          </a:fontRef>
+        </p:style>
+        <p:txBody>
+          <a:bodyPr rtlCol="0" anchor="ctr"/>
+          <a:lstStyle/>
+          <a:p>
+            <a:pPr algn="ctr"/>
+            <a:r>
+              <a:rPr lang="de-CH" sz="1200" dirty="0">
+                <a:solidFill>
+                  <a:schemeClr val="tx1"/>
+                </a:solidFill>
+                <a:latin typeface="Arial" panose="020B0604020202020204" pitchFamily="34" charset="0"/>
+                <a:cs typeface="Arial" panose="020B0604020202020204" pitchFamily="34" charset="0"/>
+              </a:rPr>
+              <a:t>Senden</a:t>
+            </a:r>
+          </a:p>
+        </p:txBody>
+      </p:sp>
+      <p:sp>
+        <p:nvSpPr>
+          <p:cNvPr id="17" name="Rechteck 16">
+            <a:extLst>
+              <a:ext uri="{FF2B5EF4-FFF2-40B4-BE49-F238E27FC236}">
+                <a16:creationId xmlns:a16="http://schemas.microsoft.com/office/drawing/2014/main" id="{5F707348-1F3B-4216-94A3-86CC5C5D512F}"/>
+              </a:ext>
+            </a:extLst>
+          </p:cNvPr>
+          <p:cNvSpPr/>
+          <p:nvPr/>
+        </p:nvSpPr>
+        <p:spPr>
+          <a:xfrm>
+            <a:off x="696315" y="4260647"/>
+            <a:ext cx="1017778" cy="292247"/>
+          </a:xfrm>
+          <a:prstGeom prst="rect">
+            <a:avLst/>
+          </a:prstGeom>
+          <a:noFill/>
+          <a:ln>
+            <a:solidFill>
+              <a:schemeClr val="tx1"/>
+            </a:solidFill>
+          </a:ln>
+        </p:spPr>
+        <p:style>
+          <a:lnRef idx="2">
+            <a:schemeClr val="accent1">
+              <a:shade val="50000"/>
+            </a:schemeClr>
+          </a:lnRef>
+          <a:fillRef idx="1">
+            <a:schemeClr val="accent1"/>
+          </a:fillRef>
+          <a:effectRef idx="0">
+            <a:schemeClr val="accent1"/>
+          </a:effectRef>
+          <a:fontRef idx="minor">
+            <a:schemeClr val="lt1"/>
+          </a:fontRef>
+        </p:style>
+        <p:txBody>
+          <a:bodyPr rtlCol="0" anchor="ctr"/>
+          <a:lstStyle/>
+          <a:p>
+            <a:pPr algn="ctr"/>
+            <a:r>
+              <a:rPr lang="de-CH" sz="1200" dirty="0">
+                <a:solidFill>
+                  <a:schemeClr val="tx1"/>
+                </a:solidFill>
+                <a:latin typeface="Arial" panose="020B0604020202020204" pitchFamily="34" charset="0"/>
+                <a:cs typeface="Arial" panose="020B0604020202020204" pitchFamily="34" charset="0"/>
+              </a:rPr>
+              <a:t>Zurück</a:t>
+            </a:r>
+          </a:p>
+        </p:txBody>
+      </p:sp>
+      <p:sp>
+        <p:nvSpPr>
+          <p:cNvPr id="18" name="Rechteck 17">
+            <a:extLst>
+              <a:ext uri="{FF2B5EF4-FFF2-40B4-BE49-F238E27FC236}">
+                <a16:creationId xmlns:a16="http://schemas.microsoft.com/office/drawing/2014/main" id="{6D71D7E3-CD9C-BEAB-2E8D-75B80B4FA43B}"/>
+              </a:ext>
+            </a:extLst>
+          </p:cNvPr>
+          <p:cNvSpPr/>
+          <p:nvPr/>
+        </p:nvSpPr>
+        <p:spPr>
+          <a:xfrm>
+            <a:off x="5306797" y="593526"/>
+            <a:ext cx="6061930" cy="371492"/>
+          </a:xfrm>
+          <a:prstGeom prst="rect">
+            <a:avLst/>
+          </a:prstGeom>
+          <a:noFill/>
+          <a:ln w="19050">
+            <a:solidFill>
+              <a:schemeClr val="tx1"/>
+            </a:solidFill>
+          </a:ln>
+        </p:spPr>
+        <p:style>
+          <a:lnRef idx="2">
+            <a:schemeClr val="accent1">
+              <a:shade val="50000"/>
+            </a:schemeClr>
+          </a:lnRef>
+          <a:fillRef idx="1">
+            <a:schemeClr val="accent1"/>
+          </a:fillRef>
+          <a:effectRef idx="0">
+            <a:schemeClr val="accent1"/>
+          </a:effectRef>
+          <a:fontRef idx="minor">
+            <a:schemeClr val="lt1"/>
+          </a:fontRef>
+        </p:style>
+        <p:txBody>
+          <a:bodyPr rtlCol="0" anchor="ctr"/>
+          <a:lstStyle/>
+          <a:p>
+            <a:pPr algn="ctr"/>
+            <a:endParaRPr lang="de-CH" dirty="0"/>
+          </a:p>
+        </p:txBody>
+      </p:sp>
+      <p:sp>
+        <p:nvSpPr>
+          <p:cNvPr id="19" name="Textfeld 18">
+            <a:extLst>
+              <a:ext uri="{FF2B5EF4-FFF2-40B4-BE49-F238E27FC236}">
+                <a16:creationId xmlns:a16="http://schemas.microsoft.com/office/drawing/2014/main" id="{210A3859-6957-8621-ED98-E43BFE138262}"/>
+              </a:ext>
+            </a:extLst>
+          </p:cNvPr>
+          <p:cNvSpPr txBox="1"/>
+          <p:nvPr/>
+        </p:nvSpPr>
+        <p:spPr>
+          <a:xfrm>
+            <a:off x="5306797" y="564433"/>
+            <a:ext cx="4333461" cy="261610"/>
+          </a:xfrm>
+          <a:prstGeom prst="rect">
+            <a:avLst/>
+          </a:prstGeom>
+          <a:noFill/>
+        </p:spPr>
+        <p:txBody>
+          <a:bodyPr wrap="square" rtlCol="0">
+            <a:spAutoFit/>
+          </a:bodyPr>
+          <a:lstStyle/>
+          <a:p>
+            <a:r>
+              <a:rPr lang="de-CH" sz="1100" b="1" dirty="0" err="1"/>
+              <a:t>id_div_upload_texts_concert</a:t>
+            </a:r>
+            <a:r>
+              <a:rPr lang="de-CH" sz="1100" b="1" dirty="0"/>
+              <a:t>  </a:t>
+            </a:r>
+            <a:r>
+              <a:rPr lang="de-CH" sz="1100" b="1" dirty="0" err="1"/>
+              <a:t>clear</a:t>
+            </a:r>
+            <a:r>
+              <a:rPr lang="de-CH" sz="1100" b="1" dirty="0"/>
+              <a:t> </a:t>
+            </a:r>
+            <a:r>
+              <a:rPr lang="de-CH" sz="1100" b="1" dirty="0" err="1"/>
+              <a:t>both</a:t>
+            </a:r>
+            <a:endParaRPr lang="de-CH" b="1" dirty="0"/>
+          </a:p>
+        </p:txBody>
+      </p:sp>
+      <p:sp>
+        <p:nvSpPr>
+          <p:cNvPr id="20" name="Rechteck 19">
+            <a:extLst>
+              <a:ext uri="{FF2B5EF4-FFF2-40B4-BE49-F238E27FC236}">
+                <a16:creationId xmlns:a16="http://schemas.microsoft.com/office/drawing/2014/main" id="{5041AF2E-0255-71C7-39DF-C818CFC9C8EB}"/>
+              </a:ext>
+            </a:extLst>
+          </p:cNvPr>
+          <p:cNvSpPr/>
+          <p:nvPr/>
+        </p:nvSpPr>
+        <p:spPr>
+          <a:xfrm>
+            <a:off x="5297370" y="1059816"/>
+            <a:ext cx="6061930" cy="371492"/>
+          </a:xfrm>
+          <a:prstGeom prst="rect">
+            <a:avLst/>
+          </a:prstGeom>
+          <a:noFill/>
+          <a:ln w="19050">
+            <a:solidFill>
+              <a:schemeClr val="tx1"/>
+            </a:solidFill>
+          </a:ln>
+        </p:spPr>
+        <p:style>
+          <a:lnRef idx="2">
+            <a:schemeClr val="accent1">
+              <a:shade val="50000"/>
+            </a:schemeClr>
+          </a:lnRef>
+          <a:fillRef idx="1">
+            <a:schemeClr val="accent1"/>
+          </a:fillRef>
+          <a:effectRef idx="0">
+            <a:schemeClr val="accent1"/>
+          </a:effectRef>
+          <a:fontRef idx="minor">
+            <a:schemeClr val="lt1"/>
+          </a:fontRef>
+        </p:style>
+        <p:txBody>
+          <a:bodyPr rtlCol="0" anchor="ctr"/>
+          <a:lstStyle/>
+          <a:p>
+            <a:pPr algn="ctr"/>
+            <a:endParaRPr lang="de-CH" dirty="0"/>
+          </a:p>
+        </p:txBody>
+      </p:sp>
+      <p:sp>
+        <p:nvSpPr>
+          <p:cNvPr id="21" name="Textfeld 20">
+            <a:extLst>
+              <a:ext uri="{FF2B5EF4-FFF2-40B4-BE49-F238E27FC236}">
+                <a16:creationId xmlns:a16="http://schemas.microsoft.com/office/drawing/2014/main" id="{DF321D47-89A3-66D9-A5DB-AF913F191183}"/>
+              </a:ext>
+            </a:extLst>
+          </p:cNvPr>
+          <p:cNvSpPr txBox="1"/>
+          <p:nvPr/>
+        </p:nvSpPr>
+        <p:spPr>
+          <a:xfrm>
+            <a:off x="5297370" y="1030723"/>
+            <a:ext cx="4333461" cy="261610"/>
+          </a:xfrm>
+          <a:prstGeom prst="rect">
+            <a:avLst/>
+          </a:prstGeom>
+          <a:noFill/>
+        </p:spPr>
+        <p:txBody>
+          <a:bodyPr wrap="square" rtlCol="0">
+            <a:spAutoFit/>
+          </a:bodyPr>
+          <a:lstStyle/>
+          <a:p>
+            <a:r>
+              <a:rPr lang="de-CH" sz="1100" b="1" dirty="0" err="1"/>
+              <a:t>id_div_upload_texts_title</a:t>
+            </a:r>
+            <a:r>
+              <a:rPr lang="de-CH" sz="1100" b="1" dirty="0"/>
+              <a:t>  </a:t>
+            </a:r>
+            <a:r>
+              <a:rPr lang="de-CH" sz="1100" b="1" dirty="0" err="1"/>
+              <a:t>clear</a:t>
+            </a:r>
+            <a:r>
+              <a:rPr lang="de-CH" sz="1100" b="1" dirty="0"/>
+              <a:t> </a:t>
+            </a:r>
+            <a:r>
+              <a:rPr lang="de-CH" sz="1100" b="1" dirty="0" err="1"/>
+              <a:t>both</a:t>
+            </a:r>
+            <a:endParaRPr lang="de-CH" b="1" dirty="0"/>
+          </a:p>
+        </p:txBody>
+      </p:sp>
+      <p:sp>
+        <p:nvSpPr>
+          <p:cNvPr id="22" name="Rechteck 21">
+            <a:extLst>
+              <a:ext uri="{FF2B5EF4-FFF2-40B4-BE49-F238E27FC236}">
+                <a16:creationId xmlns:a16="http://schemas.microsoft.com/office/drawing/2014/main" id="{586B35F0-9482-CE05-BC71-AC22BA0AEA94}"/>
+              </a:ext>
+            </a:extLst>
+          </p:cNvPr>
+          <p:cNvSpPr/>
+          <p:nvPr/>
+        </p:nvSpPr>
+        <p:spPr>
+          <a:xfrm>
+            <a:off x="5306797" y="1548300"/>
+            <a:ext cx="6061930" cy="371492"/>
+          </a:xfrm>
+          <a:prstGeom prst="rect">
+            <a:avLst/>
+          </a:prstGeom>
+          <a:noFill/>
+          <a:ln w="19050">
+            <a:solidFill>
+              <a:schemeClr val="tx1"/>
+            </a:solidFill>
+          </a:ln>
+        </p:spPr>
+        <p:style>
+          <a:lnRef idx="2">
+            <a:schemeClr val="accent1">
+              <a:shade val="50000"/>
+            </a:schemeClr>
+          </a:lnRef>
+          <a:fillRef idx="1">
+            <a:schemeClr val="accent1"/>
+          </a:fillRef>
+          <a:effectRef idx="0">
+            <a:schemeClr val="accent1"/>
+          </a:effectRef>
+          <a:fontRef idx="minor">
+            <a:schemeClr val="lt1"/>
+          </a:fontRef>
+        </p:style>
+        <p:txBody>
+          <a:bodyPr rtlCol="0" anchor="ctr"/>
+          <a:lstStyle/>
+          <a:p>
+            <a:pPr algn="ctr"/>
+            <a:endParaRPr lang="de-CH" dirty="0"/>
+          </a:p>
+        </p:txBody>
+      </p:sp>
+      <p:sp>
+        <p:nvSpPr>
+          <p:cNvPr id="23" name="Textfeld 22">
+            <a:extLst>
+              <a:ext uri="{FF2B5EF4-FFF2-40B4-BE49-F238E27FC236}">
+                <a16:creationId xmlns:a16="http://schemas.microsoft.com/office/drawing/2014/main" id="{96897E7C-EAB6-62CF-3690-67A18F362BB1}"/>
+              </a:ext>
+            </a:extLst>
+          </p:cNvPr>
+          <p:cNvSpPr txBox="1"/>
+          <p:nvPr/>
+        </p:nvSpPr>
+        <p:spPr>
+          <a:xfrm>
+            <a:off x="5306797" y="1519207"/>
+            <a:ext cx="4333461" cy="261610"/>
+          </a:xfrm>
+          <a:prstGeom prst="rect">
+            <a:avLst/>
+          </a:prstGeom>
+          <a:noFill/>
+        </p:spPr>
+        <p:txBody>
+          <a:bodyPr wrap="square" rtlCol="0">
+            <a:spAutoFit/>
+          </a:bodyPr>
+          <a:lstStyle/>
+          <a:p>
+            <a:r>
+              <a:rPr lang="de-CH" sz="1100" b="1" dirty="0" err="1"/>
+              <a:t>id_div_upload_texts_title</a:t>
+            </a:r>
+            <a:r>
+              <a:rPr lang="de-CH" sz="1100" b="1" dirty="0"/>
+              <a:t>  </a:t>
+            </a:r>
+            <a:r>
+              <a:rPr lang="de-CH" sz="1100" b="1" dirty="0" err="1"/>
+              <a:t>clear</a:t>
+            </a:r>
+            <a:r>
+              <a:rPr lang="de-CH" sz="1100" b="1" dirty="0"/>
+              <a:t> </a:t>
+            </a:r>
+            <a:r>
+              <a:rPr lang="de-CH" sz="1100" b="1" dirty="0" err="1"/>
+              <a:t>both</a:t>
+            </a:r>
+            <a:endParaRPr lang="de-CH" b="1" dirty="0"/>
+          </a:p>
+        </p:txBody>
+      </p:sp>
+      <p:sp>
+        <p:nvSpPr>
+          <p:cNvPr id="24" name="Rechteck 23">
+            <a:extLst>
+              <a:ext uri="{FF2B5EF4-FFF2-40B4-BE49-F238E27FC236}">
+                <a16:creationId xmlns:a16="http://schemas.microsoft.com/office/drawing/2014/main" id="{454138E2-763C-6B8E-C2CF-500F9FD89633}"/>
+              </a:ext>
+            </a:extLst>
+          </p:cNvPr>
+          <p:cNvSpPr/>
+          <p:nvPr/>
+        </p:nvSpPr>
+        <p:spPr>
+          <a:xfrm>
+            <a:off x="5306797" y="2033077"/>
+            <a:ext cx="6061930" cy="371492"/>
+          </a:xfrm>
+          <a:prstGeom prst="rect">
+            <a:avLst/>
+          </a:prstGeom>
+          <a:noFill/>
+          <a:ln w="19050">
+            <a:solidFill>
+              <a:schemeClr val="tx1"/>
+            </a:solidFill>
+          </a:ln>
+        </p:spPr>
+        <p:style>
+          <a:lnRef idx="2">
+            <a:schemeClr val="accent1">
+              <a:shade val="50000"/>
+            </a:schemeClr>
+          </a:lnRef>
+          <a:fillRef idx="1">
+            <a:schemeClr val="accent1"/>
+          </a:fillRef>
+          <a:effectRef idx="0">
+            <a:schemeClr val="accent1"/>
+          </a:effectRef>
+          <a:fontRef idx="minor">
+            <a:schemeClr val="lt1"/>
+          </a:fontRef>
+        </p:style>
+        <p:txBody>
+          <a:bodyPr rtlCol="0" anchor="ctr"/>
+          <a:lstStyle/>
+          <a:p>
+            <a:pPr algn="ctr"/>
+            <a:endParaRPr lang="de-CH" dirty="0"/>
+          </a:p>
+        </p:txBody>
+      </p:sp>
+      <p:sp>
+        <p:nvSpPr>
+          <p:cNvPr id="25" name="Textfeld 24">
+            <a:extLst>
+              <a:ext uri="{FF2B5EF4-FFF2-40B4-BE49-F238E27FC236}">
+                <a16:creationId xmlns:a16="http://schemas.microsoft.com/office/drawing/2014/main" id="{F3FEF7F8-0BC0-B51A-B91C-60F814F833C0}"/>
+              </a:ext>
+            </a:extLst>
+          </p:cNvPr>
+          <p:cNvSpPr txBox="1"/>
+          <p:nvPr/>
+        </p:nvSpPr>
+        <p:spPr>
+          <a:xfrm>
+            <a:off x="5306797" y="2003984"/>
+            <a:ext cx="4333461" cy="261610"/>
+          </a:xfrm>
+          <a:prstGeom prst="rect">
+            <a:avLst/>
+          </a:prstGeom>
+          <a:noFill/>
+        </p:spPr>
+        <p:txBody>
+          <a:bodyPr wrap="square" rtlCol="0">
+            <a:spAutoFit/>
+          </a:bodyPr>
+          <a:lstStyle/>
+          <a:p>
+            <a:r>
+              <a:rPr lang="de-CH" sz="1100" b="1" dirty="0" err="1"/>
+              <a:t>id_div_upload_texts_text</a:t>
+            </a:r>
+            <a:r>
+              <a:rPr lang="de-CH" sz="1100" b="1" dirty="0"/>
+              <a:t>  </a:t>
+            </a:r>
+            <a:r>
+              <a:rPr lang="de-CH" sz="1100" b="1" dirty="0" err="1"/>
+              <a:t>clear</a:t>
+            </a:r>
+            <a:r>
+              <a:rPr lang="de-CH" sz="1100" b="1" dirty="0"/>
+              <a:t> </a:t>
+            </a:r>
+            <a:r>
+              <a:rPr lang="de-CH" sz="1100" b="1" dirty="0" err="1"/>
+              <a:t>both</a:t>
+            </a:r>
+            <a:endParaRPr lang="de-CH" b="1" dirty="0"/>
+          </a:p>
+        </p:txBody>
+      </p:sp>
+      <p:sp>
+        <p:nvSpPr>
+          <p:cNvPr id="26" name="Rechteck 25">
+            <a:extLst>
+              <a:ext uri="{FF2B5EF4-FFF2-40B4-BE49-F238E27FC236}">
+                <a16:creationId xmlns:a16="http://schemas.microsoft.com/office/drawing/2014/main" id="{B0C7EE5C-C307-3EF1-CE09-ED9BB5F755A4}"/>
+              </a:ext>
+            </a:extLst>
+          </p:cNvPr>
+          <p:cNvSpPr/>
+          <p:nvPr/>
+        </p:nvSpPr>
+        <p:spPr>
+          <a:xfrm>
+            <a:off x="5297370" y="2503074"/>
+            <a:ext cx="6061930" cy="371492"/>
+          </a:xfrm>
+          <a:prstGeom prst="rect">
+            <a:avLst/>
+          </a:prstGeom>
+          <a:noFill/>
+          <a:ln w="19050">
+            <a:solidFill>
+              <a:schemeClr val="tx1"/>
+            </a:solidFill>
+          </a:ln>
+        </p:spPr>
+        <p:style>
+          <a:lnRef idx="2">
+            <a:schemeClr val="accent1">
+              <a:shade val="50000"/>
+            </a:schemeClr>
+          </a:lnRef>
+          <a:fillRef idx="1">
+            <a:schemeClr val="accent1"/>
+          </a:fillRef>
+          <a:effectRef idx="0">
+            <a:schemeClr val="accent1"/>
+          </a:effectRef>
+          <a:fontRef idx="minor">
+            <a:schemeClr val="lt1"/>
+          </a:fontRef>
+        </p:style>
+        <p:txBody>
+          <a:bodyPr rtlCol="0" anchor="ctr"/>
+          <a:lstStyle/>
+          <a:p>
+            <a:pPr algn="ctr"/>
+            <a:endParaRPr lang="de-CH" dirty="0"/>
+          </a:p>
+        </p:txBody>
+      </p:sp>
+      <p:sp>
+        <p:nvSpPr>
+          <p:cNvPr id="27" name="Textfeld 26">
+            <a:extLst>
+              <a:ext uri="{FF2B5EF4-FFF2-40B4-BE49-F238E27FC236}">
+                <a16:creationId xmlns:a16="http://schemas.microsoft.com/office/drawing/2014/main" id="{28EC7B1A-DCC5-CFC1-81A3-0EEFE7BE1D6E}"/>
+              </a:ext>
+            </a:extLst>
+          </p:cNvPr>
+          <p:cNvSpPr txBox="1"/>
+          <p:nvPr/>
+        </p:nvSpPr>
+        <p:spPr>
+          <a:xfrm>
+            <a:off x="5297370" y="2473981"/>
+            <a:ext cx="4333461" cy="261610"/>
+          </a:xfrm>
+          <a:prstGeom prst="rect">
+            <a:avLst/>
+          </a:prstGeom>
+          <a:noFill/>
+        </p:spPr>
+        <p:txBody>
+          <a:bodyPr wrap="square" rtlCol="0">
+            <a:spAutoFit/>
+          </a:bodyPr>
+          <a:lstStyle/>
+          <a:p>
+            <a:r>
+              <a:rPr lang="de-CH" sz="1100" b="1" dirty="0" err="1"/>
+              <a:t>id_div_upload_texts_remark</a:t>
+            </a:r>
+            <a:r>
+              <a:rPr lang="de-CH" sz="1100" b="1" dirty="0"/>
+              <a:t>  </a:t>
+            </a:r>
+            <a:r>
+              <a:rPr lang="de-CH" sz="1100" b="1" dirty="0" err="1"/>
+              <a:t>clear</a:t>
+            </a:r>
+            <a:r>
+              <a:rPr lang="de-CH" sz="1100" b="1" dirty="0"/>
+              <a:t> </a:t>
+            </a:r>
+            <a:r>
+              <a:rPr lang="de-CH" sz="1100" b="1" dirty="0" err="1"/>
+              <a:t>both</a:t>
+            </a:r>
+            <a:endParaRPr lang="de-CH" b="1" dirty="0"/>
+          </a:p>
+        </p:txBody>
+      </p:sp>
+      <p:sp>
+        <p:nvSpPr>
+          <p:cNvPr id="28" name="Rechteck 27">
+            <a:extLst>
+              <a:ext uri="{FF2B5EF4-FFF2-40B4-BE49-F238E27FC236}">
+                <a16:creationId xmlns:a16="http://schemas.microsoft.com/office/drawing/2014/main" id="{43F6024A-78B0-AF18-65A9-B81AD95AF3E4}"/>
+              </a:ext>
+            </a:extLst>
+          </p:cNvPr>
+          <p:cNvSpPr/>
+          <p:nvPr/>
+        </p:nvSpPr>
+        <p:spPr>
+          <a:xfrm>
+            <a:off x="9243139" y="3893019"/>
+            <a:ext cx="1017778" cy="292247"/>
+          </a:xfrm>
+          <a:prstGeom prst="rect">
+            <a:avLst/>
+          </a:prstGeom>
+          <a:noFill/>
+          <a:ln>
+            <a:solidFill>
+              <a:schemeClr val="tx1"/>
+            </a:solidFill>
+          </a:ln>
+        </p:spPr>
+        <p:style>
+          <a:lnRef idx="2">
+            <a:schemeClr val="accent1">
+              <a:shade val="50000"/>
+            </a:schemeClr>
+          </a:lnRef>
+          <a:fillRef idx="1">
+            <a:schemeClr val="accent1"/>
+          </a:fillRef>
+          <a:effectRef idx="0">
+            <a:schemeClr val="accent1"/>
+          </a:effectRef>
+          <a:fontRef idx="minor">
+            <a:schemeClr val="lt1"/>
+          </a:fontRef>
+        </p:style>
+        <p:txBody>
+          <a:bodyPr rtlCol="0" anchor="ctr"/>
+          <a:lstStyle/>
+          <a:p>
+            <a:pPr algn="ctr"/>
+            <a:r>
+              <a:rPr lang="de-CH" sz="1200" dirty="0">
+                <a:solidFill>
+                  <a:schemeClr val="tx1"/>
+                </a:solidFill>
+                <a:latin typeface="Arial" panose="020B0604020202020204" pitchFamily="34" charset="0"/>
+                <a:cs typeface="Arial" panose="020B0604020202020204" pitchFamily="34" charset="0"/>
+              </a:rPr>
+              <a:t>Speichern</a:t>
+            </a:r>
+          </a:p>
+        </p:txBody>
+      </p:sp>
+      <p:sp>
+        <p:nvSpPr>
+          <p:cNvPr id="29" name="Rechteck 28">
+            <a:extLst>
+              <a:ext uri="{FF2B5EF4-FFF2-40B4-BE49-F238E27FC236}">
+                <a16:creationId xmlns:a16="http://schemas.microsoft.com/office/drawing/2014/main" id="{0AECAB47-1F35-3484-E89E-3D14ABB33336}"/>
+              </a:ext>
+            </a:extLst>
+          </p:cNvPr>
+          <p:cNvSpPr/>
+          <p:nvPr/>
+        </p:nvSpPr>
+        <p:spPr>
+          <a:xfrm>
+            <a:off x="5863631" y="3901653"/>
+            <a:ext cx="970802" cy="235704"/>
+          </a:xfrm>
+          <a:prstGeom prst="rect">
+            <a:avLst/>
+          </a:prstGeom>
+          <a:noFill/>
+          <a:ln>
+            <a:solidFill>
+              <a:schemeClr val="tx1"/>
+            </a:solidFill>
+          </a:ln>
+        </p:spPr>
+        <p:style>
+          <a:lnRef idx="2">
+            <a:schemeClr val="accent1">
+              <a:shade val="50000"/>
+            </a:schemeClr>
+          </a:lnRef>
+          <a:fillRef idx="1">
+            <a:schemeClr val="accent1"/>
+          </a:fillRef>
+          <a:effectRef idx="0">
+            <a:schemeClr val="accent1"/>
+          </a:effectRef>
+          <a:fontRef idx="minor">
+            <a:schemeClr val="lt1"/>
+          </a:fontRef>
+        </p:style>
+        <p:txBody>
+          <a:bodyPr rtlCol="0" anchor="ctr"/>
+          <a:lstStyle/>
+          <a:p>
+            <a:pPr algn="ctr"/>
+            <a:r>
+              <a:rPr lang="de-CH" sz="1200" dirty="0">
+                <a:solidFill>
+                  <a:schemeClr val="tx1"/>
+                </a:solidFill>
+                <a:latin typeface="Arial" panose="020B0604020202020204" pitchFamily="34" charset="0"/>
+                <a:cs typeface="Arial" panose="020B0604020202020204" pitchFamily="34" charset="0"/>
+              </a:rPr>
+              <a:t>Zurück</a:t>
+            </a:r>
+          </a:p>
+        </p:txBody>
+      </p:sp>
+      <p:sp>
+        <p:nvSpPr>
+          <p:cNvPr id="30" name="Rechteck 29">
+            <a:extLst>
+              <a:ext uri="{FF2B5EF4-FFF2-40B4-BE49-F238E27FC236}">
+                <a16:creationId xmlns:a16="http://schemas.microsoft.com/office/drawing/2014/main" id="{2A395DD9-83BF-6F2B-D2D3-F12B3C586FF7}"/>
+              </a:ext>
+            </a:extLst>
+          </p:cNvPr>
+          <p:cNvSpPr/>
+          <p:nvPr/>
+        </p:nvSpPr>
+        <p:spPr>
+          <a:xfrm>
+            <a:off x="5296246" y="3379793"/>
+            <a:ext cx="6053625" cy="1107533"/>
+          </a:xfrm>
+          <a:prstGeom prst="rect">
+            <a:avLst/>
+          </a:prstGeom>
+          <a:noFill/>
+          <a:ln w="19050">
+            <a:solidFill>
+              <a:schemeClr val="tx1"/>
+            </a:solidFill>
+          </a:ln>
+        </p:spPr>
+        <p:style>
+          <a:lnRef idx="2">
+            <a:schemeClr val="accent1">
+              <a:shade val="50000"/>
+            </a:schemeClr>
+          </a:lnRef>
+          <a:fillRef idx="1">
+            <a:schemeClr val="accent1"/>
+          </a:fillRef>
+          <a:effectRef idx="0">
+            <a:schemeClr val="accent1"/>
+          </a:effectRef>
+          <a:fontRef idx="minor">
+            <a:schemeClr val="lt1"/>
+          </a:fontRef>
+        </p:style>
+        <p:txBody>
+          <a:bodyPr rtlCol="0" anchor="ctr"/>
+          <a:lstStyle/>
+          <a:p>
+            <a:pPr algn="ctr"/>
+            <a:endParaRPr lang="de-CH" dirty="0"/>
+          </a:p>
+        </p:txBody>
+      </p:sp>
+      <p:sp>
+        <p:nvSpPr>
+          <p:cNvPr id="31" name="Textfeld 30">
+            <a:extLst>
+              <a:ext uri="{FF2B5EF4-FFF2-40B4-BE49-F238E27FC236}">
+                <a16:creationId xmlns:a16="http://schemas.microsoft.com/office/drawing/2014/main" id="{CBA28A34-8066-14ED-AE54-92F905C9651E}"/>
+              </a:ext>
+            </a:extLst>
+          </p:cNvPr>
+          <p:cNvSpPr txBox="1"/>
+          <p:nvPr/>
+        </p:nvSpPr>
+        <p:spPr>
+          <a:xfrm>
+            <a:off x="5296246" y="3381795"/>
+            <a:ext cx="4333461" cy="261610"/>
+          </a:xfrm>
+          <a:prstGeom prst="rect">
+            <a:avLst/>
+          </a:prstGeom>
+          <a:noFill/>
+        </p:spPr>
+        <p:txBody>
+          <a:bodyPr wrap="square" rtlCol="0">
+            <a:spAutoFit/>
+          </a:bodyPr>
+          <a:lstStyle/>
+          <a:p>
+            <a:r>
+              <a:rPr lang="de-CH" sz="1100" b="1" dirty="0" err="1"/>
+              <a:t>id_div_upload_button_back_forward_part_three</a:t>
+            </a:r>
+            <a:r>
+              <a:rPr lang="de-CH" sz="1100" b="1" dirty="0"/>
+              <a:t>  </a:t>
+            </a:r>
+            <a:r>
+              <a:rPr lang="de-CH" sz="1100" b="1" dirty="0" err="1"/>
+              <a:t>clear</a:t>
+            </a:r>
+            <a:r>
+              <a:rPr lang="de-CH" sz="1100" b="1" dirty="0"/>
+              <a:t> </a:t>
+            </a:r>
+            <a:r>
+              <a:rPr lang="de-CH" sz="1100" b="1" dirty="0" err="1"/>
+              <a:t>both</a:t>
+            </a:r>
+            <a:endParaRPr lang="de-CH" b="1" dirty="0"/>
+          </a:p>
+        </p:txBody>
+      </p:sp>
+      <p:sp>
+        <p:nvSpPr>
+          <p:cNvPr id="32" name="Rechteck 31">
+            <a:extLst>
+              <a:ext uri="{FF2B5EF4-FFF2-40B4-BE49-F238E27FC236}">
+                <a16:creationId xmlns:a16="http://schemas.microsoft.com/office/drawing/2014/main" id="{2F70890F-E793-7314-47F4-A4622D8255FC}"/>
+              </a:ext>
+            </a:extLst>
+          </p:cNvPr>
+          <p:cNvSpPr/>
+          <p:nvPr/>
+        </p:nvSpPr>
+        <p:spPr>
+          <a:xfrm>
+            <a:off x="5357482" y="3621596"/>
+            <a:ext cx="2796704" cy="595754"/>
+          </a:xfrm>
+          <a:prstGeom prst="rect">
+            <a:avLst/>
+          </a:prstGeom>
+          <a:noFill/>
+          <a:ln w="19050">
+            <a:solidFill>
+              <a:schemeClr val="tx1"/>
+            </a:solidFill>
+          </a:ln>
+        </p:spPr>
+        <p:style>
+          <a:lnRef idx="2">
+            <a:schemeClr val="accent1">
+              <a:shade val="50000"/>
+            </a:schemeClr>
+          </a:lnRef>
+          <a:fillRef idx="1">
+            <a:schemeClr val="accent1"/>
+          </a:fillRef>
+          <a:effectRef idx="0">
+            <a:schemeClr val="accent1"/>
+          </a:effectRef>
+          <a:fontRef idx="minor">
+            <a:schemeClr val="lt1"/>
+          </a:fontRef>
+        </p:style>
+        <p:txBody>
+          <a:bodyPr rtlCol="0" anchor="ctr"/>
+          <a:lstStyle/>
+          <a:p>
+            <a:pPr algn="ctr"/>
+            <a:endParaRPr lang="de-CH" dirty="0"/>
+          </a:p>
+        </p:txBody>
+      </p:sp>
+      <p:sp>
+        <p:nvSpPr>
+          <p:cNvPr id="33" name="Textfeld 32">
+            <a:extLst>
+              <a:ext uri="{FF2B5EF4-FFF2-40B4-BE49-F238E27FC236}">
+                <a16:creationId xmlns:a16="http://schemas.microsoft.com/office/drawing/2014/main" id="{F30CB162-9376-A5D4-D947-E871E9E59412}"/>
+              </a:ext>
+            </a:extLst>
+          </p:cNvPr>
+          <p:cNvSpPr txBox="1"/>
+          <p:nvPr/>
+        </p:nvSpPr>
+        <p:spPr>
+          <a:xfrm>
+            <a:off x="5357481" y="3635945"/>
+            <a:ext cx="2796703" cy="261610"/>
+          </a:xfrm>
+          <a:prstGeom prst="rect">
+            <a:avLst/>
+          </a:prstGeom>
+          <a:noFill/>
+        </p:spPr>
+        <p:txBody>
+          <a:bodyPr wrap="square" rtlCol="0">
+            <a:spAutoFit/>
+          </a:bodyPr>
+          <a:lstStyle/>
+          <a:p>
+            <a:r>
+              <a:rPr lang="de-CH" sz="1100" b="1" dirty="0" err="1"/>
+              <a:t>id_upload_button_back_three</a:t>
+            </a:r>
+            <a:r>
+              <a:rPr lang="de-CH" sz="1100" b="1" dirty="0"/>
+              <a:t> </a:t>
+            </a:r>
+            <a:r>
+              <a:rPr lang="de-CH" sz="1100" b="1" dirty="0" err="1"/>
+              <a:t>float</a:t>
+            </a:r>
+            <a:r>
+              <a:rPr lang="de-CH" sz="1100" b="1" dirty="0"/>
+              <a:t> </a:t>
+            </a:r>
+            <a:r>
+              <a:rPr lang="de-CH" sz="1100" b="1" dirty="0" err="1"/>
+              <a:t>left</a:t>
+            </a:r>
+            <a:endParaRPr lang="de-CH" b="1" dirty="0"/>
+          </a:p>
+        </p:txBody>
+      </p:sp>
+      <p:sp>
+        <p:nvSpPr>
+          <p:cNvPr id="34" name="Rechteck 33">
+            <a:extLst>
+              <a:ext uri="{FF2B5EF4-FFF2-40B4-BE49-F238E27FC236}">
+                <a16:creationId xmlns:a16="http://schemas.microsoft.com/office/drawing/2014/main" id="{D786F036-FE8B-F7EC-CE67-872CC3740E0D}"/>
+              </a:ext>
+            </a:extLst>
+          </p:cNvPr>
+          <p:cNvSpPr/>
+          <p:nvPr/>
+        </p:nvSpPr>
+        <p:spPr>
+          <a:xfrm>
+            <a:off x="8231355" y="3618259"/>
+            <a:ext cx="2857622" cy="595754"/>
+          </a:xfrm>
+          <a:prstGeom prst="rect">
+            <a:avLst/>
+          </a:prstGeom>
+          <a:noFill/>
+          <a:ln w="19050">
+            <a:solidFill>
+              <a:schemeClr val="tx1"/>
+            </a:solidFill>
+          </a:ln>
+        </p:spPr>
+        <p:style>
+          <a:lnRef idx="2">
+            <a:schemeClr val="accent1">
+              <a:shade val="50000"/>
+            </a:schemeClr>
+          </a:lnRef>
+          <a:fillRef idx="1">
+            <a:schemeClr val="accent1"/>
+          </a:fillRef>
+          <a:effectRef idx="0">
+            <a:schemeClr val="accent1"/>
+          </a:effectRef>
+          <a:fontRef idx="minor">
+            <a:schemeClr val="lt1"/>
+          </a:fontRef>
+        </p:style>
+        <p:txBody>
+          <a:bodyPr rtlCol="0" anchor="ctr"/>
+          <a:lstStyle/>
+          <a:p>
+            <a:pPr algn="ctr"/>
+            <a:endParaRPr lang="de-CH" dirty="0"/>
+          </a:p>
+        </p:txBody>
+      </p:sp>
+      <p:sp>
+        <p:nvSpPr>
+          <p:cNvPr id="35" name="Textfeld 34">
+            <a:extLst>
+              <a:ext uri="{FF2B5EF4-FFF2-40B4-BE49-F238E27FC236}">
+                <a16:creationId xmlns:a16="http://schemas.microsoft.com/office/drawing/2014/main" id="{EC5640ED-4F24-6DC1-1F64-A3B0AA9F0BA1}"/>
+              </a:ext>
+            </a:extLst>
+          </p:cNvPr>
+          <p:cNvSpPr txBox="1"/>
+          <p:nvPr/>
+        </p:nvSpPr>
+        <p:spPr>
+          <a:xfrm>
+            <a:off x="8154184" y="3632501"/>
+            <a:ext cx="3250492" cy="261610"/>
+          </a:xfrm>
+          <a:prstGeom prst="rect">
+            <a:avLst/>
+          </a:prstGeom>
+          <a:noFill/>
+        </p:spPr>
+        <p:txBody>
+          <a:bodyPr wrap="square" rtlCol="0">
+            <a:spAutoFit/>
+          </a:bodyPr>
+          <a:lstStyle/>
+          <a:p>
+            <a:r>
+              <a:rPr lang="de-CH" sz="1100" b="1" dirty="0" err="1"/>
+              <a:t>id_upload_button_forward_three</a:t>
+            </a:r>
+            <a:r>
+              <a:rPr lang="de-CH" sz="1100" b="1" dirty="0"/>
+              <a:t>  </a:t>
+            </a:r>
+            <a:r>
+              <a:rPr lang="de-CH" sz="1100" b="1" dirty="0" err="1"/>
+              <a:t>float</a:t>
+            </a:r>
+            <a:r>
+              <a:rPr lang="de-CH" sz="1100" b="1" dirty="0"/>
+              <a:t> </a:t>
+            </a:r>
+            <a:r>
+              <a:rPr lang="de-CH" sz="1100" b="1" dirty="0" err="1"/>
+              <a:t>right</a:t>
             </a:r>
             <a:endParaRPr lang="de-CH" b="1" dirty="0"/>
           </a:p>

--- a/Description/JazzGuestsUpload.pptx
+++ b/Description/JazzGuestsUpload.pptx
@@ -12,11 +12,12 @@
     <p:sldId id="267" r:id="rId6"/>
     <p:sldId id="269" r:id="rId7"/>
     <p:sldId id="271" r:id="rId8"/>
-    <p:sldId id="272" r:id="rId9"/>
-    <p:sldId id="263" r:id="rId10"/>
-    <p:sldId id="262" r:id="rId11"/>
-    <p:sldId id="264" r:id="rId12"/>
-    <p:sldId id="266" r:id="rId13"/>
+    <p:sldId id="274" r:id="rId9"/>
+    <p:sldId id="272" r:id="rId10"/>
+    <p:sldId id="263" r:id="rId11"/>
+    <p:sldId id="262" r:id="rId12"/>
+    <p:sldId id="264" r:id="rId13"/>
+    <p:sldId id="266" r:id="rId14"/>
   </p:sldIdLst>
   <p:sldSz cx="12192000" cy="6858000"/>
   <p:notesSz cx="6661150" cy="9866313"/>
@@ -265,7 +266,7 @@
           <a:p>
             <a:fld id="{DDCE6D58-9B57-4731-A47B-3CD41B48F0A9}" type="datetimeFigureOut">
               <a:rPr lang="de-CH" smtClean="0"/>
-              <a:t>11.01.2024</a:t>
+              <a:t>13.01.2024</a:t>
             </a:fld>
             <a:endParaRPr lang="de-CH"/>
           </a:p>
@@ -435,7 +436,7 @@
           <a:p>
             <a:fld id="{DDCE6D58-9B57-4731-A47B-3CD41B48F0A9}" type="datetimeFigureOut">
               <a:rPr lang="de-CH" smtClean="0"/>
-              <a:t>11.01.2024</a:t>
+              <a:t>13.01.2024</a:t>
             </a:fld>
             <a:endParaRPr lang="de-CH"/>
           </a:p>
@@ -615,7 +616,7 @@
           <a:p>
             <a:fld id="{DDCE6D58-9B57-4731-A47B-3CD41B48F0A9}" type="datetimeFigureOut">
               <a:rPr lang="de-CH" smtClean="0"/>
-              <a:t>11.01.2024</a:t>
+              <a:t>13.01.2024</a:t>
             </a:fld>
             <a:endParaRPr lang="de-CH"/>
           </a:p>
@@ -785,7 +786,7 @@
           <a:p>
             <a:fld id="{DDCE6D58-9B57-4731-A47B-3CD41B48F0A9}" type="datetimeFigureOut">
               <a:rPr lang="de-CH" smtClean="0"/>
-              <a:t>11.01.2024</a:t>
+              <a:t>13.01.2024</a:t>
             </a:fld>
             <a:endParaRPr lang="de-CH"/>
           </a:p>
@@ -1031,7 +1032,7 @@
           <a:p>
             <a:fld id="{DDCE6D58-9B57-4731-A47B-3CD41B48F0A9}" type="datetimeFigureOut">
               <a:rPr lang="de-CH" smtClean="0"/>
-              <a:t>11.01.2024</a:t>
+              <a:t>13.01.2024</a:t>
             </a:fld>
             <a:endParaRPr lang="de-CH"/>
           </a:p>
@@ -1263,7 +1264,7 @@
           <a:p>
             <a:fld id="{DDCE6D58-9B57-4731-A47B-3CD41B48F0A9}" type="datetimeFigureOut">
               <a:rPr lang="de-CH" smtClean="0"/>
-              <a:t>11.01.2024</a:t>
+              <a:t>13.01.2024</a:t>
             </a:fld>
             <a:endParaRPr lang="de-CH"/>
           </a:p>
@@ -1630,7 +1631,7 @@
           <a:p>
             <a:fld id="{DDCE6D58-9B57-4731-A47B-3CD41B48F0A9}" type="datetimeFigureOut">
               <a:rPr lang="de-CH" smtClean="0"/>
-              <a:t>11.01.2024</a:t>
+              <a:t>13.01.2024</a:t>
             </a:fld>
             <a:endParaRPr lang="de-CH"/>
           </a:p>
@@ -1748,7 +1749,7 @@
           <a:p>
             <a:fld id="{DDCE6D58-9B57-4731-A47B-3CD41B48F0A9}" type="datetimeFigureOut">
               <a:rPr lang="de-CH" smtClean="0"/>
-              <a:t>11.01.2024</a:t>
+              <a:t>13.01.2024</a:t>
             </a:fld>
             <a:endParaRPr lang="de-CH"/>
           </a:p>
@@ -1843,7 +1844,7 @@
           <a:p>
             <a:fld id="{DDCE6D58-9B57-4731-A47B-3CD41B48F0A9}" type="datetimeFigureOut">
               <a:rPr lang="de-CH" smtClean="0"/>
-              <a:t>11.01.2024</a:t>
+              <a:t>13.01.2024</a:t>
             </a:fld>
             <a:endParaRPr lang="de-CH"/>
           </a:p>
@@ -2120,7 +2121,7 @@
           <a:p>
             <a:fld id="{DDCE6D58-9B57-4731-A47B-3CD41B48F0A9}" type="datetimeFigureOut">
               <a:rPr lang="de-CH" smtClean="0"/>
-              <a:t>11.01.2024</a:t>
+              <a:t>13.01.2024</a:t>
             </a:fld>
             <a:endParaRPr lang="de-CH"/>
           </a:p>
@@ -2373,7 +2374,7 @@
           <a:p>
             <a:fld id="{DDCE6D58-9B57-4731-A47B-3CD41B48F0A9}" type="datetimeFigureOut">
               <a:rPr lang="de-CH" smtClean="0"/>
-              <a:t>11.01.2024</a:t>
+              <a:t>13.01.2024</a:t>
             </a:fld>
             <a:endParaRPr lang="de-CH"/>
           </a:p>
@@ -2586,7 +2587,7 @@
           <a:p>
             <a:fld id="{DDCE6D58-9B57-4731-A47B-3CD41B48F0A9}" type="datetimeFigureOut">
               <a:rPr lang="de-CH" smtClean="0"/>
-              <a:t>11.01.2024</a:t>
+              <a:t>13.01.2024</a:t>
             </a:fld>
             <a:endParaRPr lang="de-CH"/>
           </a:p>
@@ -4158,12 +4159,183 @@
           <a:chExt cx="0" cy="0"/>
         </a:xfrm>
       </p:grpSpPr>
-      <p:sp>
-        <p:nvSpPr>
-          <p:cNvPr id="37" name="Rechteck 36">
-            <a:extLst>
-              <a:ext uri="{FF2B5EF4-FFF2-40B4-BE49-F238E27FC236}">
-                <a16:creationId xmlns:a16="http://schemas.microsoft.com/office/drawing/2014/main" id="{66159739-0224-8070-249D-799960436EA0}"/>
+      <p:pic>
+        <p:nvPicPr>
+          <p:cNvPr id="1026" name="Picture 2" descr="Drawing - Free art icons">
+            <a:extLst>
+              <a:ext uri="{FF2B5EF4-FFF2-40B4-BE49-F238E27FC236}">
+                <a16:creationId xmlns:a16="http://schemas.microsoft.com/office/drawing/2014/main" id="{A0C9D1DB-3B58-B2EA-6328-96AC5357D2F0}"/>
+              </a:ext>
+            </a:extLst>
+          </p:cNvPr>
+          <p:cNvPicPr>
+            <a:picLocks noChangeAspect="1" noChangeArrowheads="1"/>
+          </p:cNvPicPr>
+          <p:nvPr/>
+        </p:nvPicPr>
+        <p:blipFill>
+          <a:blip r:embed="rId2">
+            <a:extLst>
+              <a:ext uri="{28A0092B-C50C-407E-A947-70E740481C1C}">
+                <a14:useLocalDpi xmlns:a14="http://schemas.microsoft.com/office/drawing/2010/main" val="0"/>
+              </a:ext>
+            </a:extLst>
+          </a:blip>
+          <a:srcRect/>
+          <a:stretch>
+            <a:fillRect/>
+          </a:stretch>
+        </p:blipFill>
+        <p:spPr bwMode="auto">
+          <a:xfrm>
+            <a:off x="440576" y="425666"/>
+            <a:ext cx="766129" cy="766129"/>
+          </a:xfrm>
+          <a:prstGeom prst="rect">
+            <a:avLst/>
+          </a:prstGeom>
+          <a:noFill/>
+          <a:extLst>
+            <a:ext uri="{909E8E84-426E-40DD-AFC4-6F175D3DCCD1}">
+              <a14:hiddenFill xmlns:a14="http://schemas.microsoft.com/office/drawing/2010/main">
+                <a:solidFill>
+                  <a:srgbClr val="FFFFFF"/>
+                </a:solidFill>
+              </a14:hiddenFill>
+            </a:ext>
+          </a:extLst>
+        </p:spPr>
+      </p:pic>
+      <p:pic>
+        <p:nvPicPr>
+          <p:cNvPr id="1028" name="Picture 4" descr="Couple, friend, happy, mobile, selfie, take, taking icon - Download on  Iconfinder">
+            <a:extLst>
+              <a:ext uri="{FF2B5EF4-FFF2-40B4-BE49-F238E27FC236}">
+                <a16:creationId xmlns:a16="http://schemas.microsoft.com/office/drawing/2014/main" id="{DAC1540E-A133-0888-79A5-D2C20FAE2713}"/>
+              </a:ext>
+            </a:extLst>
+          </p:cNvPr>
+          <p:cNvPicPr>
+            <a:picLocks noChangeAspect="1" noChangeArrowheads="1"/>
+          </p:cNvPicPr>
+          <p:nvPr/>
+        </p:nvPicPr>
+        <p:blipFill>
+          <a:blip r:embed="rId3">
+            <a:extLst>
+              <a:ext uri="{28A0092B-C50C-407E-A947-70E740481C1C}">
+                <a14:useLocalDpi xmlns:a14="http://schemas.microsoft.com/office/drawing/2010/main" val="0"/>
+              </a:ext>
+            </a:extLst>
+          </a:blip>
+          <a:srcRect/>
+          <a:stretch>
+            <a:fillRect/>
+          </a:stretch>
+        </p:blipFill>
+        <p:spPr bwMode="auto">
+          <a:xfrm>
+            <a:off x="683029" y="1145665"/>
+            <a:ext cx="1812174" cy="1812174"/>
+          </a:xfrm>
+          <a:prstGeom prst="rect">
+            <a:avLst/>
+          </a:prstGeom>
+          <a:noFill/>
+          <a:extLst>
+            <a:ext uri="{909E8E84-426E-40DD-AFC4-6F175D3DCCD1}">
+              <a14:hiddenFill xmlns:a14="http://schemas.microsoft.com/office/drawing/2010/main">
+                <a:solidFill>
+                  <a:srgbClr val="FFFFFF"/>
+                </a:solidFill>
+              </a14:hiddenFill>
+            </a:ext>
+          </a:extLst>
+        </p:spPr>
+      </p:pic>
+      <p:pic>
+        <p:nvPicPr>
+          <p:cNvPr id="1030" name="Picture 6" descr="Mobile Device Tips: How to Scan Documents with a Smartphone">
+            <a:extLst>
+              <a:ext uri="{FF2B5EF4-FFF2-40B4-BE49-F238E27FC236}">
+                <a16:creationId xmlns:a16="http://schemas.microsoft.com/office/drawing/2014/main" id="{BFDC550D-18AC-8BA9-7F98-B51B2F429BF4}"/>
+              </a:ext>
+            </a:extLst>
+          </p:cNvPr>
+          <p:cNvPicPr>
+            <a:picLocks noChangeAspect="1" noChangeArrowheads="1"/>
+          </p:cNvPicPr>
+          <p:nvPr/>
+        </p:nvPicPr>
+        <p:blipFill>
+          <a:blip r:embed="rId4">
+            <a:extLst>
+              <a:ext uri="{28A0092B-C50C-407E-A947-70E740481C1C}">
+                <a14:useLocalDpi xmlns:a14="http://schemas.microsoft.com/office/drawing/2010/main" val="0"/>
+              </a:ext>
+            </a:extLst>
+          </a:blip>
+          <a:srcRect/>
+          <a:stretch>
+            <a:fillRect/>
+          </a:stretch>
+        </p:blipFill>
+        <p:spPr bwMode="auto">
+          <a:xfrm>
+            <a:off x="1388434" y="308207"/>
+            <a:ext cx="1582177" cy="883588"/>
+          </a:xfrm>
+          <a:prstGeom prst="rect">
+            <a:avLst/>
+          </a:prstGeom>
+          <a:noFill/>
+          <a:extLst>
+            <a:ext uri="{909E8E84-426E-40DD-AFC4-6F175D3DCCD1}">
+              <a14:hiddenFill xmlns:a14="http://schemas.microsoft.com/office/drawing/2010/main">
+                <a:solidFill>
+                  <a:srgbClr val="FFFFFF"/>
+                </a:solidFill>
+              </a14:hiddenFill>
+            </a:ext>
+          </a:extLst>
+        </p:spPr>
+      </p:pic>
+      <p:pic>
+        <p:nvPicPr>
+          <p:cNvPr id="7" name="Grafik 6">
+            <a:extLst>
+              <a:ext uri="{FF2B5EF4-FFF2-40B4-BE49-F238E27FC236}">
+                <a16:creationId xmlns:a16="http://schemas.microsoft.com/office/drawing/2014/main" id="{D9E1CB20-5FB7-364A-DEF0-AA250D7C6A0E}"/>
+              </a:ext>
+            </a:extLst>
+          </p:cNvPr>
+          <p:cNvPicPr>
+            <a:picLocks noChangeAspect="1"/>
+          </p:cNvPicPr>
+          <p:nvPr/>
+        </p:nvPicPr>
+        <p:blipFill>
+          <a:blip r:embed="rId5"/>
+          <a:stretch>
+            <a:fillRect/>
+          </a:stretch>
+        </p:blipFill>
+        <p:spPr>
+          <a:xfrm>
+            <a:off x="3267604" y="1289919"/>
+            <a:ext cx="2724471" cy="1040144"/>
+          </a:xfrm>
+          <a:prstGeom prst="rect">
+            <a:avLst/>
+          </a:prstGeom>
+        </p:spPr>
+      </p:pic>
+      <p:sp>
+        <p:nvSpPr>
+          <p:cNvPr id="8" name="Rechteck 7">
+            <a:extLst>
+              <a:ext uri="{FF2B5EF4-FFF2-40B4-BE49-F238E27FC236}">
+                <a16:creationId xmlns:a16="http://schemas.microsoft.com/office/drawing/2014/main" id="{852B453D-008C-86E8-276F-28E356D57FE6}"/>
               </a:ext>
             </a:extLst>
           </p:cNvPr>
@@ -4172,8 +4344,8 @@
         </p:nvSpPr>
         <p:spPr>
           <a:xfrm>
-            <a:off x="4068690" y="397349"/>
-            <a:ext cx="3339167" cy="6227893"/>
+            <a:off x="6505131" y="626838"/>
+            <a:ext cx="3339167" cy="1995885"/>
           </a:xfrm>
           <a:prstGeom prst="rect">
             <a:avLst/>
@@ -4220,10 +4392,10 @@
       </p:sp>
       <p:sp>
         <p:nvSpPr>
-          <p:cNvPr id="38" name="Rechteck 37">
-            <a:extLst>
-              <a:ext uri="{FF2B5EF4-FFF2-40B4-BE49-F238E27FC236}">
-                <a16:creationId xmlns:a16="http://schemas.microsoft.com/office/drawing/2014/main" id="{540AE164-332A-09D3-4E06-29A94954EC84}"/>
+          <p:cNvPr id="9" name="Rechteck 8">
+            <a:extLst>
+              <a:ext uri="{FF2B5EF4-FFF2-40B4-BE49-F238E27FC236}">
+                <a16:creationId xmlns:a16="http://schemas.microsoft.com/office/drawing/2014/main" id="{A2B50460-DB7E-B2AE-E2C2-7F3614F2A96E}"/>
               </a:ext>
             </a:extLst>
           </p:cNvPr>
@@ -4232,7 +4404,7 @@
         </p:nvSpPr>
         <p:spPr>
           <a:xfrm>
-            <a:off x="4068687" y="302550"/>
+            <a:off x="6505128" y="532039"/>
             <a:ext cx="3339167" cy="769028"/>
           </a:xfrm>
           <a:prstGeom prst="rect">
@@ -4296,10 +4468,10 @@
       </p:sp>
       <p:pic>
         <p:nvPicPr>
-          <p:cNvPr id="36" name="Grafik 35">
-            <a:extLst>
-              <a:ext uri="{FF2B5EF4-FFF2-40B4-BE49-F238E27FC236}">
-                <a16:creationId xmlns:a16="http://schemas.microsoft.com/office/drawing/2014/main" id="{21E292FE-3E49-C106-DE88-0409A3F4E81B}"/>
+          <p:cNvPr id="10" name="Grafik 9">
+            <a:extLst>
+              <a:ext uri="{FF2B5EF4-FFF2-40B4-BE49-F238E27FC236}">
+                <a16:creationId xmlns:a16="http://schemas.microsoft.com/office/drawing/2014/main" id="{7B97B44F-258D-0760-70D4-571DA45DBBC0}"/>
               </a:ext>
             </a:extLst>
           </p:cNvPr>
@@ -4309,14 +4481,14 @@
           <p:nvPr/>
         </p:nvPicPr>
         <p:blipFill>
-          <a:blip r:embed="rId2"/>
+          <a:blip r:embed="rId6"/>
           <a:stretch>
             <a:fillRect/>
           </a:stretch>
         </p:blipFill>
         <p:spPr>
           <a:xfrm>
-            <a:off x="4509701" y="399209"/>
+            <a:off x="6946142" y="628698"/>
             <a:ext cx="2457143" cy="238095"/>
           </a:xfrm>
           <a:prstGeom prst="rect">
@@ -4326,10 +4498,10 @@
       </p:pic>
       <p:sp>
         <p:nvSpPr>
-          <p:cNvPr id="39" name="Rechteck 38">
-            <a:extLst>
-              <a:ext uri="{FF2B5EF4-FFF2-40B4-BE49-F238E27FC236}">
-                <a16:creationId xmlns:a16="http://schemas.microsoft.com/office/drawing/2014/main" id="{24EA8C2D-6863-2978-0C07-93F36FB5B62F}"/>
+          <p:cNvPr id="11" name="Rechteck 10">
+            <a:extLst>
+              <a:ext uri="{FF2B5EF4-FFF2-40B4-BE49-F238E27FC236}">
+                <a16:creationId xmlns:a16="http://schemas.microsoft.com/office/drawing/2014/main" id="{259031CB-A577-4868-F9F4-53FB13677387}"/>
               </a:ext>
             </a:extLst>
           </p:cNvPr>
@@ -4338,7 +4510,7 @@
         </p:nvSpPr>
         <p:spPr>
           <a:xfrm>
-            <a:off x="4746568" y="1137899"/>
+            <a:off x="7183009" y="1367388"/>
             <a:ext cx="2579516" cy="301629"/>
           </a:xfrm>
           <a:prstGeom prst="rect">
@@ -4388,10 +4560,10 @@
       </p:sp>
       <p:sp>
         <p:nvSpPr>
-          <p:cNvPr id="40" name="Textfeld 39">
-            <a:extLst>
-              <a:ext uri="{FF2B5EF4-FFF2-40B4-BE49-F238E27FC236}">
-                <a16:creationId xmlns:a16="http://schemas.microsoft.com/office/drawing/2014/main" id="{75EF25B3-2D78-8470-3EA7-1561C4A2751C}"/>
+          <p:cNvPr id="12" name="Textfeld 11">
+            <a:extLst>
+              <a:ext uri="{FF2B5EF4-FFF2-40B4-BE49-F238E27FC236}">
+                <a16:creationId xmlns:a16="http://schemas.microsoft.com/office/drawing/2014/main" id="{09A29106-2290-236C-D642-115C0A57C203}"/>
               </a:ext>
             </a:extLst>
           </p:cNvPr>
@@ -4400,7 +4572,7 @@
         </p:nvSpPr>
         <p:spPr>
           <a:xfrm>
-            <a:off x="4068093" y="1134825"/>
+            <a:off x="6504534" y="1364314"/>
             <a:ext cx="678475" cy="307777"/>
           </a:xfrm>
           <a:prstGeom prst="rect">
@@ -4426,10 +4598,10 @@
       </p:sp>
       <p:sp>
         <p:nvSpPr>
-          <p:cNvPr id="41" name="Rechteck 40">
-            <a:extLst>
-              <a:ext uri="{FF2B5EF4-FFF2-40B4-BE49-F238E27FC236}">
-                <a16:creationId xmlns:a16="http://schemas.microsoft.com/office/drawing/2014/main" id="{93DC624D-691E-C2CE-2509-44EB5AA4FEC2}"/>
+          <p:cNvPr id="13" name="Rechteck 12">
+            <a:extLst>
+              <a:ext uri="{FF2B5EF4-FFF2-40B4-BE49-F238E27FC236}">
+                <a16:creationId xmlns:a16="http://schemas.microsoft.com/office/drawing/2014/main" id="{EA909D5D-F5B0-DEFF-E525-84E8AB313E10}"/>
               </a:ext>
             </a:extLst>
           </p:cNvPr>
@@ -4438,7 +4610,7 @@
         </p:nvSpPr>
         <p:spPr>
           <a:xfrm>
-            <a:off x="4747162" y="1494738"/>
+            <a:off x="7183603" y="1724227"/>
             <a:ext cx="2579516" cy="301629"/>
           </a:xfrm>
           <a:prstGeom prst="rect">
@@ -4488,10 +4660,10 @@
       </p:sp>
       <p:sp>
         <p:nvSpPr>
-          <p:cNvPr id="42" name="Textfeld 41">
-            <a:extLst>
-              <a:ext uri="{FF2B5EF4-FFF2-40B4-BE49-F238E27FC236}">
-                <a16:creationId xmlns:a16="http://schemas.microsoft.com/office/drawing/2014/main" id="{998E33D5-6A69-0D61-6009-1663816340AA}"/>
+          <p:cNvPr id="14" name="Textfeld 13">
+            <a:extLst>
+              <a:ext uri="{FF2B5EF4-FFF2-40B4-BE49-F238E27FC236}">
+                <a16:creationId xmlns:a16="http://schemas.microsoft.com/office/drawing/2014/main" id="{D94CE715-2AF5-8624-E2BE-C506DF769226}"/>
               </a:ext>
             </a:extLst>
           </p:cNvPr>
@@ -4500,7 +4672,7 @@
         </p:nvSpPr>
         <p:spPr>
           <a:xfrm>
-            <a:off x="4068687" y="1491664"/>
+            <a:off x="6505128" y="1721153"/>
             <a:ext cx="789260" cy="307777"/>
           </a:xfrm>
           <a:prstGeom prst="rect">
@@ -4526,10 +4698,10 @@
       </p:sp>
       <p:sp>
         <p:nvSpPr>
-          <p:cNvPr id="43" name="Rechteck 42">
-            <a:extLst>
-              <a:ext uri="{FF2B5EF4-FFF2-40B4-BE49-F238E27FC236}">
-                <a16:creationId xmlns:a16="http://schemas.microsoft.com/office/drawing/2014/main" id="{93FB0C75-490B-A826-AF13-2664BAC76100}"/>
+          <p:cNvPr id="15" name="Rechteck 14">
+            <a:extLst>
+              <a:ext uri="{FF2B5EF4-FFF2-40B4-BE49-F238E27FC236}">
+                <a16:creationId xmlns:a16="http://schemas.microsoft.com/office/drawing/2014/main" id="{AA650850-BA67-7DC0-184B-E5443A7A02B2}"/>
               </a:ext>
             </a:extLst>
           </p:cNvPr>
@@ -4538,7 +4710,7 @@
         </p:nvSpPr>
         <p:spPr>
           <a:xfrm>
-            <a:off x="4159135" y="1862689"/>
+            <a:off x="6595576" y="2092178"/>
             <a:ext cx="3166949" cy="255249"/>
           </a:xfrm>
           <a:prstGeom prst="rect">
@@ -4585,12 +4757,89 @@
           </a:p>
         </p:txBody>
       </p:sp>
-      <p:sp>
-        <p:nvSpPr>
-          <p:cNvPr id="44" name="Rechteck 43">
-            <a:extLst>
-              <a:ext uri="{FF2B5EF4-FFF2-40B4-BE49-F238E27FC236}">
-                <a16:creationId xmlns:a16="http://schemas.microsoft.com/office/drawing/2014/main" id="{C8441DBC-F492-30F3-7DDE-F36160AED254}"/>
+      <p:pic>
+        <p:nvPicPr>
+          <p:cNvPr id="16" name="Grafik 15">
+            <a:extLst>
+              <a:ext uri="{FF2B5EF4-FFF2-40B4-BE49-F238E27FC236}">
+                <a16:creationId xmlns:a16="http://schemas.microsoft.com/office/drawing/2014/main" id="{7CAEF55A-88BB-2030-45C9-E017CA58C7D3}"/>
+              </a:ext>
+            </a:extLst>
+          </p:cNvPr>
+          <p:cNvPicPr>
+            <a:picLocks noChangeAspect="1"/>
+          </p:cNvPicPr>
+          <p:nvPr/>
+        </p:nvPicPr>
+        <p:blipFill>
+          <a:blip r:embed="rId7"/>
+          <a:stretch>
+            <a:fillRect/>
+          </a:stretch>
+        </p:blipFill>
+        <p:spPr>
+          <a:xfrm>
+            <a:off x="9379671" y="761778"/>
+            <a:ext cx="331444" cy="256116"/>
+          </a:xfrm>
+          <a:prstGeom prst="rect">
+            <a:avLst/>
+          </a:prstGeom>
+        </p:spPr>
+      </p:pic>
+      <p:pic>
+        <p:nvPicPr>
+          <p:cNvPr id="1032" name="Picture 8" descr="eMail Widget 2: E-Mails im iPhone-Widget lesen">
+            <a:extLst>
+              <a:ext uri="{FF2B5EF4-FFF2-40B4-BE49-F238E27FC236}">
+                <a16:creationId xmlns:a16="http://schemas.microsoft.com/office/drawing/2014/main" id="{6ADE284A-8168-5C4F-D530-F4336DAFDCBE}"/>
+              </a:ext>
+            </a:extLst>
+          </p:cNvPr>
+          <p:cNvPicPr>
+            <a:picLocks noChangeAspect="1" noChangeArrowheads="1"/>
+          </p:cNvPicPr>
+          <p:nvPr/>
+        </p:nvPicPr>
+        <p:blipFill>
+          <a:blip r:embed="rId8">
+            <a:extLst>
+              <a:ext uri="{28A0092B-C50C-407E-A947-70E740481C1C}">
+                <a14:useLocalDpi xmlns:a14="http://schemas.microsoft.com/office/drawing/2010/main" val="0"/>
+              </a:ext>
+            </a:extLst>
+          </a:blip>
+          <a:srcRect/>
+          <a:stretch>
+            <a:fillRect/>
+          </a:stretch>
+        </p:blipFill>
+        <p:spPr bwMode="auto">
+          <a:xfrm>
+            <a:off x="10574855" y="1481761"/>
+            <a:ext cx="718991" cy="718991"/>
+          </a:xfrm>
+          <a:prstGeom prst="rect">
+            <a:avLst/>
+          </a:prstGeom>
+          <a:noFill/>
+          <a:extLst>
+            <a:ext uri="{909E8E84-426E-40DD-AFC4-6F175D3DCCD1}">
+              <a14:hiddenFill xmlns:a14="http://schemas.microsoft.com/office/drawing/2010/main">
+                <a:solidFill>
+                  <a:srgbClr val="FFFFFF"/>
+                </a:solidFill>
+              </a14:hiddenFill>
+            </a:ext>
+          </a:extLst>
+        </p:spPr>
+      </p:pic>
+      <p:sp>
+        <p:nvSpPr>
+          <p:cNvPr id="17" name="Rechteck 16">
+            <a:extLst>
+              <a:ext uri="{FF2B5EF4-FFF2-40B4-BE49-F238E27FC236}">
+                <a16:creationId xmlns:a16="http://schemas.microsoft.com/office/drawing/2014/main" id="{97C98CE6-9B54-00BB-BA79-EA05E7626104}"/>
               </a:ext>
             </a:extLst>
           </p:cNvPr>
@@ -4599,8 +4848,174 @@
         </p:nvSpPr>
         <p:spPr>
           <a:xfrm>
-            <a:off x="4746568" y="2180076"/>
-            <a:ext cx="1769191" cy="301629"/>
+            <a:off x="112912" y="3844092"/>
+            <a:ext cx="3339167" cy="2300627"/>
+          </a:xfrm>
+          <a:prstGeom prst="rect">
+            <a:avLst/>
+          </a:prstGeom>
+          <a:solidFill>
+            <a:srgbClr val="DFE0E1"/>
+          </a:solidFill>
+          <a:ln>
+            <a:solidFill>
+              <a:srgbClr val="C8C8C8"/>
+            </a:solidFill>
+          </a:ln>
+        </p:spPr>
+        <p:style>
+          <a:lnRef idx="2">
+            <a:schemeClr val="accent1">
+              <a:shade val="50000"/>
+            </a:schemeClr>
+          </a:lnRef>
+          <a:fillRef idx="1">
+            <a:schemeClr val="accent1"/>
+          </a:fillRef>
+          <a:effectRef idx="0">
+            <a:schemeClr val="accent1"/>
+          </a:effectRef>
+          <a:fontRef idx="minor">
+            <a:schemeClr val="lt1"/>
+          </a:fontRef>
+        </p:style>
+        <p:txBody>
+          <a:bodyPr rtlCol="0" anchor="ctr"/>
+          <a:lstStyle/>
+          <a:p>
+            <a:pPr algn="ctr"/>
+            <a:endParaRPr lang="de-CH" sz="1600" dirty="0">
+              <a:solidFill>
+                <a:schemeClr val="tx1"/>
+              </a:solidFill>
+              <a:latin typeface="Arial" panose="020B0604020202020204" pitchFamily="34" charset="0"/>
+              <a:cs typeface="Arial" panose="020B0604020202020204" pitchFamily="34" charset="0"/>
+            </a:endParaRPr>
+          </a:p>
+        </p:txBody>
+      </p:sp>
+      <p:sp>
+        <p:nvSpPr>
+          <p:cNvPr id="18" name="Rechteck 17">
+            <a:extLst>
+              <a:ext uri="{FF2B5EF4-FFF2-40B4-BE49-F238E27FC236}">
+                <a16:creationId xmlns:a16="http://schemas.microsoft.com/office/drawing/2014/main" id="{0322122E-CCC7-F8A9-CF9D-A9D70809BE17}"/>
+              </a:ext>
+            </a:extLst>
+          </p:cNvPr>
+          <p:cNvSpPr/>
+          <p:nvPr/>
+        </p:nvSpPr>
+        <p:spPr>
+          <a:xfrm>
+            <a:off x="112909" y="3749294"/>
+            <a:ext cx="3339167" cy="769028"/>
+          </a:xfrm>
+          <a:prstGeom prst="rect">
+            <a:avLst/>
+          </a:prstGeom>
+          <a:solidFill>
+            <a:schemeClr val="tx1"/>
+          </a:solidFill>
+          <a:ln>
+            <a:solidFill>
+              <a:schemeClr val="tx1"/>
+            </a:solidFill>
+          </a:ln>
+        </p:spPr>
+        <p:style>
+          <a:lnRef idx="2">
+            <a:schemeClr val="accent1">
+              <a:shade val="50000"/>
+            </a:schemeClr>
+          </a:lnRef>
+          <a:fillRef idx="1">
+            <a:schemeClr val="accent1"/>
+          </a:fillRef>
+          <a:effectRef idx="0">
+            <a:schemeClr val="accent1"/>
+          </a:effectRef>
+          <a:fontRef idx="minor">
+            <a:schemeClr val="lt1"/>
+          </a:fontRef>
+        </p:style>
+        <p:txBody>
+          <a:bodyPr rtlCol="0" anchor="ctr"/>
+          <a:lstStyle/>
+          <a:p>
+            <a:pPr algn="ctr"/>
+            <a:r>
+              <a:rPr lang="de-CH" sz="1600" b="1" dirty="0">
+                <a:solidFill>
+                  <a:srgbClr val="FF000A"/>
+                </a:solidFill>
+                <a:latin typeface="Arial" panose="020B0604020202020204" pitchFamily="34" charset="0"/>
+                <a:cs typeface="Arial" panose="020B0604020202020204" pitchFamily="34" charset="0"/>
+              </a:rPr>
+              <a:t>          </a:t>
+            </a:r>
+          </a:p>
+          <a:p>
+            <a:pPr algn="ctr"/>
+            <a:r>
+              <a:rPr lang="de-CH" sz="1400" b="1" dirty="0">
+                <a:solidFill>
+                  <a:srgbClr val="FF000A"/>
+                </a:solidFill>
+                <a:latin typeface="Arial" panose="020B0604020202020204" pitchFamily="34" charset="0"/>
+                <a:cs typeface="Arial" panose="020B0604020202020204" pitchFamily="34" charset="0"/>
+              </a:rPr>
+              <a:t>Gästebuch-Bild hochladen </a:t>
+            </a:r>
+          </a:p>
+        </p:txBody>
+      </p:sp>
+      <p:pic>
+        <p:nvPicPr>
+          <p:cNvPr id="19" name="Grafik 18">
+            <a:extLst>
+              <a:ext uri="{FF2B5EF4-FFF2-40B4-BE49-F238E27FC236}">
+                <a16:creationId xmlns:a16="http://schemas.microsoft.com/office/drawing/2014/main" id="{CD519E71-873F-4AC4-5DE2-4BC55C36F396}"/>
+              </a:ext>
+            </a:extLst>
+          </p:cNvPr>
+          <p:cNvPicPr>
+            <a:picLocks noChangeAspect="1"/>
+          </p:cNvPicPr>
+          <p:nvPr/>
+        </p:nvPicPr>
+        <p:blipFill>
+          <a:blip r:embed="rId6"/>
+          <a:stretch>
+            <a:fillRect/>
+          </a:stretch>
+        </p:blipFill>
+        <p:spPr>
+          <a:xfrm>
+            <a:off x="553923" y="3845953"/>
+            <a:ext cx="2457143" cy="238095"/>
+          </a:xfrm>
+          <a:prstGeom prst="rect">
+            <a:avLst/>
+          </a:prstGeom>
+        </p:spPr>
+      </p:pic>
+      <p:sp>
+        <p:nvSpPr>
+          <p:cNvPr id="20" name="Rechteck 19">
+            <a:extLst>
+              <a:ext uri="{FF2B5EF4-FFF2-40B4-BE49-F238E27FC236}">
+                <a16:creationId xmlns:a16="http://schemas.microsoft.com/office/drawing/2014/main" id="{0F6302A2-C48F-96C5-0B07-5D7209181786}"/>
+              </a:ext>
+            </a:extLst>
+          </p:cNvPr>
+          <p:cNvSpPr/>
+          <p:nvPr/>
+        </p:nvSpPr>
+        <p:spPr>
+          <a:xfrm>
+            <a:off x="790790" y="4584643"/>
+            <a:ext cx="2579516" cy="301629"/>
           </a:xfrm>
           <a:prstGeom prst="rect">
             <a:avLst/>
@@ -4642,17 +5057,17 @@
                 <a:latin typeface="Arial" panose="020B0604020202020204" pitchFamily="34" charset="0"/>
                 <a:cs typeface="Arial" panose="020B0604020202020204" pitchFamily="34" charset="0"/>
               </a:rPr>
-              <a:t>Code eingeben …</a:t>
-            </a:r>
-          </a:p>
-        </p:txBody>
-      </p:sp>
-      <p:sp>
-        <p:nvSpPr>
-          <p:cNvPr id="45" name="Textfeld 44">
-            <a:extLst>
-              <a:ext uri="{FF2B5EF4-FFF2-40B4-BE49-F238E27FC236}">
-                <a16:creationId xmlns:a16="http://schemas.microsoft.com/office/drawing/2014/main" id="{0DCE8159-FBC2-2E7D-5FB1-05913886AF27}"/>
+              <a:t>Name(n) eingeben …</a:t>
+            </a:r>
+          </a:p>
+        </p:txBody>
+      </p:sp>
+      <p:sp>
+        <p:nvSpPr>
+          <p:cNvPr id="21" name="Textfeld 20">
+            <a:extLst>
+              <a:ext uri="{FF2B5EF4-FFF2-40B4-BE49-F238E27FC236}">
+                <a16:creationId xmlns:a16="http://schemas.microsoft.com/office/drawing/2014/main" id="{09204F3D-ECE8-D3D7-69D5-FE21EB972122}"/>
               </a:ext>
             </a:extLst>
           </p:cNvPr>
@@ -4661,7 +5076,7 @@
         </p:nvSpPr>
         <p:spPr>
           <a:xfrm>
-            <a:off x="4068093" y="2177002"/>
+            <a:off x="112315" y="4581569"/>
             <a:ext cx="678475" cy="307777"/>
           </a:xfrm>
           <a:prstGeom prst="rect">
@@ -4680,55 +5095,17 @@
                 <a:latin typeface="Arial" panose="020B0604020202020204" pitchFamily="34" charset="0"/>
                 <a:cs typeface="Arial" panose="020B0604020202020204" pitchFamily="34" charset="0"/>
               </a:rPr>
-              <a:t>Code</a:t>
-            </a:r>
-          </a:p>
-        </p:txBody>
-      </p:sp>
-      <p:sp>
-        <p:nvSpPr>
-          <p:cNvPr id="46" name="Textfeld 45">
-            <a:extLst>
-              <a:ext uri="{FF2B5EF4-FFF2-40B4-BE49-F238E27FC236}">
-                <a16:creationId xmlns:a16="http://schemas.microsoft.com/office/drawing/2014/main" id="{1B202BDF-133D-92D1-2CE0-BCFCF0172A02}"/>
-              </a:ext>
-            </a:extLst>
-          </p:cNvPr>
-          <p:cNvSpPr txBox="1"/>
-          <p:nvPr/>
-        </p:nvSpPr>
-        <p:spPr>
-          <a:xfrm>
-            <a:off x="4068093" y="2601444"/>
-            <a:ext cx="596564" cy="307777"/>
-          </a:xfrm>
-          <a:prstGeom prst="rect">
-            <a:avLst/>
-          </a:prstGeom>
-          <a:noFill/>
-        </p:spPr>
-        <p:txBody>
-          <a:bodyPr wrap="square" rtlCol="0">
-            <a:spAutoFit/>
-          </a:bodyPr>
-          <a:lstStyle/>
-          <a:p>
-            <a:r>
-              <a:rPr lang="de-CH" sz="1400" b="1" dirty="0">
-                <a:latin typeface="Arial" panose="020B0604020202020204" pitchFamily="34" charset="0"/>
-                <a:cs typeface="Arial" panose="020B0604020202020204" pitchFamily="34" charset="0"/>
-              </a:rPr>
-              <a:t>IMG</a:t>
-            </a:r>
-          </a:p>
-        </p:txBody>
-      </p:sp>
-      <p:sp>
-        <p:nvSpPr>
-          <p:cNvPr id="47" name="Rechteck 46">
-            <a:extLst>
-              <a:ext uri="{FF2B5EF4-FFF2-40B4-BE49-F238E27FC236}">
-                <a16:creationId xmlns:a16="http://schemas.microsoft.com/office/drawing/2014/main" id="{B202347B-92E2-DE4D-0B60-C5EF3B02FD93}"/>
+              <a:t>Name</a:t>
+            </a:r>
+          </a:p>
+        </p:txBody>
+      </p:sp>
+      <p:sp>
+        <p:nvSpPr>
+          <p:cNvPr id="22" name="Rechteck 21">
+            <a:extLst>
+              <a:ext uri="{FF2B5EF4-FFF2-40B4-BE49-F238E27FC236}">
+                <a16:creationId xmlns:a16="http://schemas.microsoft.com/office/drawing/2014/main" id="{286D9678-2698-FA91-A3F7-38844B98F1AF}"/>
               </a:ext>
             </a:extLst>
           </p:cNvPr>
@@ -4737,8 +5114,8 @@
         </p:nvSpPr>
         <p:spPr>
           <a:xfrm>
-            <a:off x="4626572" y="2597957"/>
-            <a:ext cx="1889187" cy="301629"/>
+            <a:off x="791384" y="4941482"/>
+            <a:ext cx="2579516" cy="301629"/>
           </a:xfrm>
           <a:prstGeom prst="rect">
             <a:avLst/>
@@ -4780,17 +5157,55 @@
                 <a:latin typeface="Arial" panose="020B0604020202020204" pitchFamily="34" charset="0"/>
                 <a:cs typeface="Arial" panose="020B0604020202020204" pitchFamily="34" charset="0"/>
               </a:rPr>
-              <a:t>Pfad zeigen nach Upload</a:t>
-            </a:r>
-          </a:p>
-        </p:txBody>
-      </p:sp>
-      <p:sp>
-        <p:nvSpPr>
-          <p:cNvPr id="48" name="Rechteck 47">
-            <a:extLst>
-              <a:ext uri="{FF2B5EF4-FFF2-40B4-BE49-F238E27FC236}">
-                <a16:creationId xmlns:a16="http://schemas.microsoft.com/office/drawing/2014/main" id="{889E301C-EC31-1561-5F03-2B26DD44D794}"/>
+              <a:t>E-Mail Adresse eingeben …</a:t>
+            </a:r>
+          </a:p>
+        </p:txBody>
+      </p:sp>
+      <p:sp>
+        <p:nvSpPr>
+          <p:cNvPr id="23" name="Textfeld 22">
+            <a:extLst>
+              <a:ext uri="{FF2B5EF4-FFF2-40B4-BE49-F238E27FC236}">
+                <a16:creationId xmlns:a16="http://schemas.microsoft.com/office/drawing/2014/main" id="{B0DE4E18-B664-00E6-E1D4-88C99B4C7E21}"/>
+              </a:ext>
+            </a:extLst>
+          </p:cNvPr>
+          <p:cNvSpPr txBox="1"/>
+          <p:nvPr/>
+        </p:nvSpPr>
+        <p:spPr>
+          <a:xfrm>
+            <a:off x="112909" y="4938408"/>
+            <a:ext cx="789260" cy="307777"/>
+          </a:xfrm>
+          <a:prstGeom prst="rect">
+            <a:avLst/>
+          </a:prstGeom>
+          <a:noFill/>
+        </p:spPr>
+        <p:txBody>
+          <a:bodyPr wrap="square" rtlCol="0">
+            <a:spAutoFit/>
+          </a:bodyPr>
+          <a:lstStyle/>
+          <a:p>
+            <a:r>
+              <a:rPr lang="de-CH" sz="1400" b="1" dirty="0">
+                <a:latin typeface="Arial" panose="020B0604020202020204" pitchFamily="34" charset="0"/>
+                <a:cs typeface="Arial" panose="020B0604020202020204" pitchFamily="34" charset="0"/>
+              </a:rPr>
+              <a:t>E-Mail</a:t>
+            </a:r>
+          </a:p>
+        </p:txBody>
+      </p:sp>
+      <p:sp>
+        <p:nvSpPr>
+          <p:cNvPr id="24" name="Rechteck 23">
+            <a:extLst>
+              <a:ext uri="{FF2B5EF4-FFF2-40B4-BE49-F238E27FC236}">
+                <a16:creationId xmlns:a16="http://schemas.microsoft.com/office/drawing/2014/main" id="{3AEAF418-1F9B-E2AE-887B-F1F0B851CF5C}"/>
               </a:ext>
             </a:extLst>
           </p:cNvPr>
@@ -4799,8 +5214,8 @@
         </p:nvSpPr>
         <p:spPr>
           <a:xfrm>
-            <a:off x="6590101" y="2602649"/>
-            <a:ext cx="735983" cy="292247"/>
+            <a:off x="203357" y="5309433"/>
+            <a:ext cx="3166949" cy="255249"/>
           </a:xfrm>
           <a:prstGeom prst="rect">
             <a:avLst/>
@@ -4841,17 +5256,17 @@
                 <a:latin typeface="Arial" panose="020B0604020202020204" pitchFamily="34" charset="0"/>
                 <a:cs typeface="Arial" panose="020B0604020202020204" pitchFamily="34" charset="0"/>
               </a:rPr>
-              <a:t>Upload</a:t>
+              <a:t>Code verlangen</a:t>
             </a:r>
           </a:p>
         </p:txBody>
       </p:sp>
       <p:pic>
         <p:nvPicPr>
-          <p:cNvPr id="50" name="Grafik 49">
-            <a:extLst>
-              <a:ext uri="{FF2B5EF4-FFF2-40B4-BE49-F238E27FC236}">
-                <a16:creationId xmlns:a16="http://schemas.microsoft.com/office/drawing/2014/main" id="{4677A2E2-4F32-6B23-EA53-C5316753CD64}"/>
+          <p:cNvPr id="25" name="Grafik 24">
+            <a:extLst>
+              <a:ext uri="{FF2B5EF4-FFF2-40B4-BE49-F238E27FC236}">
+                <a16:creationId xmlns:a16="http://schemas.microsoft.com/office/drawing/2014/main" id="{E7EB6755-F68A-AA2C-A43C-73345BC2C8DC}"/>
               </a:ext>
             </a:extLst>
           </p:cNvPr>
@@ -4861,15 +5276,15 @@
           <p:nvPr/>
         </p:nvPicPr>
         <p:blipFill>
-          <a:blip r:embed="rId3"/>
+          <a:blip r:embed="rId7"/>
           <a:stretch>
             <a:fillRect/>
           </a:stretch>
         </p:blipFill>
         <p:spPr>
           <a:xfrm>
-            <a:off x="4626572" y="3094872"/>
-            <a:ext cx="2254775" cy="1951405"/>
+            <a:off x="2987452" y="3979033"/>
+            <a:ext cx="331444" cy="256116"/>
           </a:xfrm>
           <a:prstGeom prst="rect">
             <a:avLst/>
@@ -4878,10 +5293,10 @@
       </p:pic>
       <p:sp>
         <p:nvSpPr>
-          <p:cNvPr id="51" name="Rechteck 50">
-            <a:extLst>
-              <a:ext uri="{FF2B5EF4-FFF2-40B4-BE49-F238E27FC236}">
-                <a16:creationId xmlns:a16="http://schemas.microsoft.com/office/drawing/2014/main" id="{76F654AF-8D3E-5AB9-9627-123FE53C2E2C}"/>
+          <p:cNvPr id="26" name="Rechteck 25">
+            <a:extLst>
+              <a:ext uri="{FF2B5EF4-FFF2-40B4-BE49-F238E27FC236}">
+                <a16:creationId xmlns:a16="http://schemas.microsoft.com/office/drawing/2014/main" id="{7896611D-3FCA-2D9C-0D58-EE47203CD0B3}"/>
               </a:ext>
             </a:extLst>
           </p:cNvPr>
@@ -4890,67 +5305,8 @@
         </p:nvSpPr>
         <p:spPr>
           <a:xfrm>
-            <a:off x="4347557" y="3094871"/>
-            <a:ext cx="2851266" cy="1951405"/>
-          </a:xfrm>
-          <a:prstGeom prst="rect">
-            <a:avLst/>
-          </a:prstGeom>
-          <a:noFill/>
-          <a:ln>
-            <a:solidFill>
-              <a:schemeClr val="tx1"/>
-            </a:solidFill>
-            <a:prstDash val="dash"/>
-          </a:ln>
-        </p:spPr>
-        <p:style>
-          <a:lnRef idx="2">
-            <a:schemeClr val="accent1">
-              <a:shade val="50000"/>
-            </a:schemeClr>
-          </a:lnRef>
-          <a:fillRef idx="1">
-            <a:schemeClr val="accent1"/>
-          </a:fillRef>
-          <a:effectRef idx="0">
-            <a:schemeClr val="accent1"/>
-          </a:effectRef>
-          <a:fontRef idx="minor">
-            <a:schemeClr val="lt1"/>
-          </a:fontRef>
-        </p:style>
-        <p:txBody>
-          <a:bodyPr rtlCol="0" anchor="ctr"/>
-          <a:lstStyle/>
-          <a:p>
-            <a:pPr algn="ctr"/>
-            <a:endParaRPr lang="de-CH" sz="1200" dirty="0">
-              <a:solidFill>
-                <a:schemeClr val="tx1"/>
-              </a:solidFill>
-              <a:latin typeface="Arial" panose="020B0604020202020204" pitchFamily="34" charset="0"/>
-              <a:cs typeface="Arial" panose="020B0604020202020204" pitchFamily="34" charset="0"/>
-            </a:endParaRPr>
-          </a:p>
-        </p:txBody>
-      </p:sp>
-      <p:sp>
-        <p:nvSpPr>
-          <p:cNvPr id="52" name="Rechteck 51">
-            <a:extLst>
-              <a:ext uri="{FF2B5EF4-FFF2-40B4-BE49-F238E27FC236}">
-                <a16:creationId xmlns:a16="http://schemas.microsoft.com/office/drawing/2014/main" id="{A789776A-0466-F259-6C51-07561FA96CDD}"/>
-              </a:ext>
-            </a:extLst>
-          </p:cNvPr>
-          <p:cNvSpPr/>
-          <p:nvPr/>
-        </p:nvSpPr>
-        <p:spPr>
-          <a:xfrm>
-            <a:off x="4746568" y="5095436"/>
-            <a:ext cx="2579516" cy="301629"/>
+            <a:off x="834727" y="5659480"/>
+            <a:ext cx="1769191" cy="301629"/>
           </a:xfrm>
           <a:prstGeom prst="rect">
             <a:avLst/>
@@ -4992,17 +5348,17 @@
                 <a:latin typeface="Arial" panose="020B0604020202020204" pitchFamily="34" charset="0"/>
                 <a:cs typeface="Arial" panose="020B0604020202020204" pitchFamily="34" charset="0"/>
               </a:rPr>
-              <a:t>Kurzer Bild-Text (Header) eingeben </a:t>
-            </a:r>
-          </a:p>
-        </p:txBody>
-      </p:sp>
-      <p:sp>
-        <p:nvSpPr>
-          <p:cNvPr id="53" name="Textfeld 52">
-            <a:extLst>
-              <a:ext uri="{FF2B5EF4-FFF2-40B4-BE49-F238E27FC236}">
-                <a16:creationId xmlns:a16="http://schemas.microsoft.com/office/drawing/2014/main" id="{868990A3-7704-7727-9F3F-8160B861378F}"/>
+              <a:t>Code eingeben …</a:t>
+            </a:r>
+          </a:p>
+        </p:txBody>
+      </p:sp>
+      <p:sp>
+        <p:nvSpPr>
+          <p:cNvPr id="27" name="Textfeld 26">
+            <a:extLst>
+              <a:ext uri="{FF2B5EF4-FFF2-40B4-BE49-F238E27FC236}">
+                <a16:creationId xmlns:a16="http://schemas.microsoft.com/office/drawing/2014/main" id="{285BFC11-536B-A9D7-E131-76A6D2B04A59}"/>
               </a:ext>
             </a:extLst>
           </p:cNvPr>
@@ -5011,8 +5367,8 @@
         </p:nvSpPr>
         <p:spPr>
           <a:xfrm>
-            <a:off x="4068093" y="5092362"/>
-            <a:ext cx="789854" cy="307777"/>
+            <a:off x="156252" y="5656406"/>
+            <a:ext cx="678475" cy="307777"/>
           </a:xfrm>
           <a:prstGeom prst="rect">
             <a:avLst/>
@@ -5030,17 +5386,17 @@
                 <a:latin typeface="Arial" panose="020B0604020202020204" pitchFamily="34" charset="0"/>
                 <a:cs typeface="Arial" panose="020B0604020202020204" pitchFamily="34" charset="0"/>
               </a:rPr>
-              <a:t>Text</a:t>
-            </a:r>
-          </a:p>
-        </p:txBody>
-      </p:sp>
-      <p:sp>
-        <p:nvSpPr>
-          <p:cNvPr id="54" name="Rechteck 53">
-            <a:extLst>
-              <a:ext uri="{FF2B5EF4-FFF2-40B4-BE49-F238E27FC236}">
-                <a16:creationId xmlns:a16="http://schemas.microsoft.com/office/drawing/2014/main" id="{E6EE40C9-65CE-B8ED-6093-89C20ECC5DF2}"/>
+              <a:t>Code</a:t>
+            </a:r>
+          </a:p>
+        </p:txBody>
+      </p:sp>
+      <p:sp>
+        <p:nvSpPr>
+          <p:cNvPr id="28" name="Rechteck 27">
+            <a:extLst>
+              <a:ext uri="{FF2B5EF4-FFF2-40B4-BE49-F238E27FC236}">
+                <a16:creationId xmlns:a16="http://schemas.microsoft.com/office/drawing/2014/main" id="{508CC12E-361B-2A71-1F27-42D54EA63471}"/>
               </a:ext>
             </a:extLst>
           </p:cNvPr>
@@ -5049,8 +5405,8 @@
         </p:nvSpPr>
         <p:spPr>
           <a:xfrm>
-            <a:off x="4159136" y="5491865"/>
-            <a:ext cx="3166948" cy="215495"/>
+            <a:off x="2651789" y="5667306"/>
+            <a:ext cx="735983" cy="292247"/>
           </a:xfrm>
           <a:prstGeom prst="rect">
             <a:avLst/>
@@ -5082,6 +5438,7 @@
           <a:bodyPr rtlCol="0" anchor="ctr"/>
           <a:lstStyle/>
           <a:p>
+            <a:pPr algn="ctr"/>
             <a:r>
               <a:rPr lang="de-CH" sz="1200" dirty="0">
                 <a:solidFill>
@@ -5090,17 +5447,153 @@
                 <a:latin typeface="Arial" panose="020B0604020202020204" pitchFamily="34" charset="0"/>
                 <a:cs typeface="Arial" panose="020B0604020202020204" pitchFamily="34" charset="0"/>
               </a:rPr>
-              <a:t>Konzert wählen (optional)</a:t>
+              <a:t>Senden</a:t>
+            </a:r>
+          </a:p>
+        </p:txBody>
+      </p:sp>
+      <p:sp>
+        <p:nvSpPr>
+          <p:cNvPr id="29" name="Rechteck 28">
+            <a:extLst>
+              <a:ext uri="{FF2B5EF4-FFF2-40B4-BE49-F238E27FC236}">
+                <a16:creationId xmlns:a16="http://schemas.microsoft.com/office/drawing/2014/main" id="{97C13174-57E2-CC0A-834C-DAF05C46F045}"/>
+              </a:ext>
+            </a:extLst>
+          </p:cNvPr>
+          <p:cNvSpPr/>
+          <p:nvPr/>
+        </p:nvSpPr>
+        <p:spPr>
+          <a:xfrm>
+            <a:off x="3849486" y="3844092"/>
+            <a:ext cx="3339167" cy="2447655"/>
+          </a:xfrm>
+          <a:prstGeom prst="rect">
+            <a:avLst/>
+          </a:prstGeom>
+          <a:solidFill>
+            <a:srgbClr val="DFE0E1"/>
+          </a:solidFill>
+          <a:ln>
+            <a:solidFill>
+              <a:srgbClr val="C8C8C8"/>
+            </a:solidFill>
+          </a:ln>
+        </p:spPr>
+        <p:style>
+          <a:lnRef idx="2">
+            <a:schemeClr val="accent1">
+              <a:shade val="50000"/>
+            </a:schemeClr>
+          </a:lnRef>
+          <a:fillRef idx="1">
+            <a:schemeClr val="accent1"/>
+          </a:fillRef>
+          <a:effectRef idx="0">
+            <a:schemeClr val="accent1"/>
+          </a:effectRef>
+          <a:fontRef idx="minor">
+            <a:schemeClr val="lt1"/>
+          </a:fontRef>
+        </p:style>
+        <p:txBody>
+          <a:bodyPr rtlCol="0" anchor="ctr"/>
+          <a:lstStyle/>
+          <a:p>
+            <a:pPr algn="ctr"/>
+            <a:endParaRPr lang="de-CH" sz="1600" dirty="0">
+              <a:solidFill>
+                <a:schemeClr val="tx1"/>
+              </a:solidFill>
+              <a:latin typeface="Arial" panose="020B0604020202020204" pitchFamily="34" charset="0"/>
+              <a:cs typeface="Arial" panose="020B0604020202020204" pitchFamily="34" charset="0"/>
+            </a:endParaRPr>
+          </a:p>
+        </p:txBody>
+      </p:sp>
+      <p:sp>
+        <p:nvSpPr>
+          <p:cNvPr id="30" name="Rechteck 29">
+            <a:extLst>
+              <a:ext uri="{FF2B5EF4-FFF2-40B4-BE49-F238E27FC236}">
+                <a16:creationId xmlns:a16="http://schemas.microsoft.com/office/drawing/2014/main" id="{551F3DD4-5C20-9CFE-0104-D97B5126131D}"/>
+              </a:ext>
+            </a:extLst>
+          </p:cNvPr>
+          <p:cNvSpPr/>
+          <p:nvPr/>
+        </p:nvSpPr>
+        <p:spPr>
+          <a:xfrm>
+            <a:off x="3849483" y="3749294"/>
+            <a:ext cx="3339167" cy="769028"/>
+          </a:xfrm>
+          <a:prstGeom prst="rect">
+            <a:avLst/>
+          </a:prstGeom>
+          <a:solidFill>
+            <a:schemeClr val="tx1"/>
+          </a:solidFill>
+          <a:ln>
+            <a:solidFill>
+              <a:schemeClr val="tx1"/>
+            </a:solidFill>
+          </a:ln>
+        </p:spPr>
+        <p:style>
+          <a:lnRef idx="2">
+            <a:schemeClr val="accent1">
+              <a:shade val="50000"/>
+            </a:schemeClr>
+          </a:lnRef>
+          <a:fillRef idx="1">
+            <a:schemeClr val="accent1"/>
+          </a:fillRef>
+          <a:effectRef idx="0">
+            <a:schemeClr val="accent1"/>
+          </a:effectRef>
+          <a:fontRef idx="minor">
+            <a:schemeClr val="lt1"/>
+          </a:fontRef>
+        </p:style>
+        <p:txBody>
+          <a:bodyPr rtlCol="0" anchor="ctr"/>
+          <a:lstStyle/>
+          <a:p>
+            <a:pPr algn="ctr"/>
+            <a:r>
+              <a:rPr lang="de-CH" sz="1600" b="1" dirty="0">
+                <a:solidFill>
+                  <a:srgbClr val="FF000A"/>
+                </a:solidFill>
+                <a:latin typeface="Arial" panose="020B0604020202020204" pitchFamily="34" charset="0"/>
+                <a:cs typeface="Arial" panose="020B0604020202020204" pitchFamily="34" charset="0"/>
+              </a:rPr>
+              <a:t>          </a:t>
+            </a:r>
+          </a:p>
+          <a:p>
+            <a:pPr algn="ctr"/>
+            <a:r>
+              <a:rPr lang="de-CH" sz="1400" b="1" dirty="0">
+                <a:solidFill>
+                  <a:srgbClr val="FF000A"/>
+                </a:solidFill>
+                <a:latin typeface="Arial" panose="020B0604020202020204" pitchFamily="34" charset="0"/>
+                <a:cs typeface="Arial" panose="020B0604020202020204" pitchFamily="34" charset="0"/>
+              </a:rPr>
+              <a:t>Gästebuch-Bild hochladen </a:t>
             </a:r>
           </a:p>
         </p:txBody>
       </p:sp>
       <p:pic>
         <p:nvPicPr>
-          <p:cNvPr id="55" name="Grafik 54">
-            <a:extLst>
-              <a:ext uri="{FF2B5EF4-FFF2-40B4-BE49-F238E27FC236}">
-                <a16:creationId xmlns:a16="http://schemas.microsoft.com/office/drawing/2014/main" id="{AC2217DF-1918-013A-A9C5-4051DA715EA7}"/>
+          <p:cNvPr id="31" name="Grafik 30">
+            <a:extLst>
+              <a:ext uri="{FF2B5EF4-FFF2-40B4-BE49-F238E27FC236}">
+                <a16:creationId xmlns:a16="http://schemas.microsoft.com/office/drawing/2014/main" id="{1D61FAAF-8B7B-0DCF-B56E-9C0F65E2F35A}"/>
               </a:ext>
             </a:extLst>
           </p:cNvPr>
@@ -5110,15 +5603,15 @@
           <p:nvPr/>
         </p:nvPicPr>
         <p:blipFill>
-          <a:blip r:embed="rId4"/>
+          <a:blip r:embed="rId6"/>
           <a:stretch>
             <a:fillRect/>
           </a:stretch>
         </p:blipFill>
         <p:spPr>
           <a:xfrm>
-            <a:off x="6943230" y="5549932"/>
-            <a:ext cx="321154" cy="157428"/>
+            <a:off x="4290497" y="3845953"/>
+            <a:ext cx="2457143" cy="238095"/>
           </a:xfrm>
           <a:prstGeom prst="rect">
             <a:avLst/>
@@ -5127,48 +5620,10 @@
       </p:pic>
       <p:sp>
         <p:nvSpPr>
-          <p:cNvPr id="56" name="Textfeld 55">
-            <a:extLst>
-              <a:ext uri="{FF2B5EF4-FFF2-40B4-BE49-F238E27FC236}">
-                <a16:creationId xmlns:a16="http://schemas.microsoft.com/office/drawing/2014/main" id="{F98E6FF7-4C2B-61B8-A3DA-503AB4581CF6}"/>
-              </a:ext>
-            </a:extLst>
-          </p:cNvPr>
-          <p:cNvSpPr txBox="1"/>
-          <p:nvPr/>
-        </p:nvSpPr>
-        <p:spPr>
-          <a:xfrm>
-            <a:off x="4077364" y="5707360"/>
-            <a:ext cx="1342536" cy="246221"/>
-          </a:xfrm>
-          <a:prstGeom prst="rect">
-            <a:avLst/>
-          </a:prstGeom>
-          <a:noFill/>
-        </p:spPr>
-        <p:txBody>
-          <a:bodyPr wrap="square" rtlCol="0">
-            <a:spAutoFit/>
-          </a:bodyPr>
-          <a:lstStyle/>
-          <a:p>
-            <a:r>
-              <a:rPr lang="de-CH" sz="1000" b="1" dirty="0">
-                <a:latin typeface="Arial" panose="020B0604020202020204" pitchFamily="34" charset="0"/>
-                <a:cs typeface="Arial" panose="020B0604020202020204" pitchFamily="34" charset="0"/>
-              </a:rPr>
-              <a:t>Bemerkung</a:t>
-            </a:r>
-          </a:p>
-        </p:txBody>
-      </p:sp>
-      <p:sp>
-        <p:nvSpPr>
-          <p:cNvPr id="57" name="Rechteck 56">
-            <a:extLst>
-              <a:ext uri="{FF2B5EF4-FFF2-40B4-BE49-F238E27FC236}">
-                <a16:creationId xmlns:a16="http://schemas.microsoft.com/office/drawing/2014/main" id="{173E94BB-B836-480F-CDBE-3967FB045AC2}"/>
+          <p:cNvPr id="32" name="Rechteck 31">
+            <a:extLst>
+              <a:ext uri="{FF2B5EF4-FFF2-40B4-BE49-F238E27FC236}">
+                <a16:creationId xmlns:a16="http://schemas.microsoft.com/office/drawing/2014/main" id="{5A90F1B4-DFCE-1F13-05C6-2768B19C5235}"/>
               </a:ext>
             </a:extLst>
           </p:cNvPr>
@@ -5177,8 +5632,8 @@
         </p:nvSpPr>
         <p:spPr>
           <a:xfrm>
-            <a:off x="4130142" y="5922855"/>
-            <a:ext cx="3166948" cy="301629"/>
+            <a:off x="4527364" y="4584643"/>
+            <a:ext cx="2579516" cy="301629"/>
           </a:xfrm>
           <a:prstGeom prst="rect">
             <a:avLst/>
@@ -5220,17 +5675,123 @@
                 <a:latin typeface="Arial" panose="020B0604020202020204" pitchFamily="34" charset="0"/>
                 <a:cs typeface="Arial" panose="020B0604020202020204" pitchFamily="34" charset="0"/>
               </a:rPr>
-              <a:t>Bemerkung eingeben ….</a:t>
-            </a:r>
-          </a:p>
-        </p:txBody>
-      </p:sp>
-      <p:sp>
-        <p:nvSpPr>
-          <p:cNvPr id="58" name="Rechteck 57">
-            <a:extLst>
-              <a:ext uri="{FF2B5EF4-FFF2-40B4-BE49-F238E27FC236}">
-                <a16:creationId xmlns:a16="http://schemas.microsoft.com/office/drawing/2014/main" id="{C785EC60-4998-70C0-A815-2730FA149737}"/>
+              <a:t>Name(n) eingeben …</a:t>
+            </a:r>
+          </a:p>
+        </p:txBody>
+      </p:sp>
+      <p:sp>
+        <p:nvSpPr>
+          <p:cNvPr id="33" name="Textfeld 32">
+            <a:extLst>
+              <a:ext uri="{FF2B5EF4-FFF2-40B4-BE49-F238E27FC236}">
+                <a16:creationId xmlns:a16="http://schemas.microsoft.com/office/drawing/2014/main" id="{9D943956-5523-65F8-EBD5-BEFB153BA415}"/>
+              </a:ext>
+            </a:extLst>
+          </p:cNvPr>
+          <p:cNvSpPr txBox="1"/>
+          <p:nvPr/>
+        </p:nvSpPr>
+        <p:spPr>
+          <a:xfrm>
+            <a:off x="3848889" y="4581569"/>
+            <a:ext cx="678475" cy="307777"/>
+          </a:xfrm>
+          <a:prstGeom prst="rect">
+            <a:avLst/>
+          </a:prstGeom>
+          <a:noFill/>
+        </p:spPr>
+        <p:txBody>
+          <a:bodyPr wrap="square" rtlCol="0">
+            <a:spAutoFit/>
+          </a:bodyPr>
+          <a:lstStyle/>
+          <a:p>
+            <a:r>
+              <a:rPr lang="de-CH" sz="1400" b="1" dirty="0">
+                <a:latin typeface="Arial" panose="020B0604020202020204" pitchFamily="34" charset="0"/>
+                <a:cs typeface="Arial" panose="020B0604020202020204" pitchFamily="34" charset="0"/>
+              </a:rPr>
+              <a:t>Name</a:t>
+            </a:r>
+          </a:p>
+        </p:txBody>
+      </p:sp>
+      <p:pic>
+        <p:nvPicPr>
+          <p:cNvPr id="37" name="Grafik 36">
+            <a:extLst>
+              <a:ext uri="{FF2B5EF4-FFF2-40B4-BE49-F238E27FC236}">
+                <a16:creationId xmlns:a16="http://schemas.microsoft.com/office/drawing/2014/main" id="{995540C7-A6CF-4078-42AD-EA31F1C91E42}"/>
+              </a:ext>
+            </a:extLst>
+          </p:cNvPr>
+          <p:cNvPicPr>
+            <a:picLocks noChangeAspect="1"/>
+          </p:cNvPicPr>
+          <p:nvPr/>
+        </p:nvPicPr>
+        <p:blipFill>
+          <a:blip r:embed="rId7"/>
+          <a:stretch>
+            <a:fillRect/>
+          </a:stretch>
+        </p:blipFill>
+        <p:spPr>
+          <a:xfrm>
+            <a:off x="6724026" y="3979033"/>
+            <a:ext cx="331444" cy="256116"/>
+          </a:xfrm>
+          <a:prstGeom prst="rect">
+            <a:avLst/>
+          </a:prstGeom>
+        </p:spPr>
+      </p:pic>
+      <p:sp>
+        <p:nvSpPr>
+          <p:cNvPr id="41" name="Textfeld 40">
+            <a:extLst>
+              <a:ext uri="{FF2B5EF4-FFF2-40B4-BE49-F238E27FC236}">
+                <a16:creationId xmlns:a16="http://schemas.microsoft.com/office/drawing/2014/main" id="{70C702E8-D0C1-321B-4DCC-16E2EC24D5AA}"/>
+              </a:ext>
+            </a:extLst>
+          </p:cNvPr>
+          <p:cNvSpPr txBox="1"/>
+          <p:nvPr/>
+        </p:nvSpPr>
+        <p:spPr>
+          <a:xfrm>
+            <a:off x="3902647" y="5772571"/>
+            <a:ext cx="596564" cy="307777"/>
+          </a:xfrm>
+          <a:prstGeom prst="rect">
+            <a:avLst/>
+          </a:prstGeom>
+          <a:noFill/>
+        </p:spPr>
+        <p:txBody>
+          <a:bodyPr wrap="square" rtlCol="0">
+            <a:spAutoFit/>
+          </a:bodyPr>
+          <a:lstStyle/>
+          <a:p>
+            <a:r>
+              <a:rPr lang="de-CH" sz="1400" b="1" dirty="0">
+                <a:latin typeface="Arial" panose="020B0604020202020204" pitchFamily="34" charset="0"/>
+                <a:cs typeface="Arial" panose="020B0604020202020204" pitchFamily="34" charset="0"/>
+              </a:rPr>
+              <a:t>IMG</a:t>
+            </a:r>
+          </a:p>
+        </p:txBody>
+      </p:sp>
+      <p:sp>
+        <p:nvSpPr>
+          <p:cNvPr id="42" name="Rechteck 41">
+            <a:extLst>
+              <a:ext uri="{FF2B5EF4-FFF2-40B4-BE49-F238E27FC236}">
+                <a16:creationId xmlns:a16="http://schemas.microsoft.com/office/drawing/2014/main" id="{04DD2826-8AA8-7C2E-EADB-AD9C9526CC43}"/>
               </a:ext>
             </a:extLst>
           </p:cNvPr>
@@ -5239,13 +5800,15 @@
         </p:nvSpPr>
         <p:spPr>
           <a:xfrm>
-            <a:off x="5160683" y="6284514"/>
-            <a:ext cx="1225014" cy="292247"/>
-          </a:xfrm>
-          <a:prstGeom prst="rect">
-            <a:avLst/>
-          </a:prstGeom>
-          <a:noFill/>
+            <a:off x="4461126" y="5769084"/>
+            <a:ext cx="1889187" cy="301629"/>
+          </a:xfrm>
+          <a:prstGeom prst="rect">
+            <a:avLst/>
+          </a:prstGeom>
+          <a:solidFill>
+            <a:schemeClr val="bg1"/>
+          </a:solidFill>
           <a:ln>
             <a:solidFill>
               <a:schemeClr val="tx1"/>
@@ -5272,56 +5835,25 @@
           <a:bodyPr rtlCol="0" anchor="ctr"/>
           <a:lstStyle/>
           <a:p>
-            <a:pPr algn="ctr"/>
-            <a:r>
-              <a:rPr lang="de-CH" sz="1200" b="1" dirty="0">
+            <a:r>
+              <a:rPr lang="de-CH" sz="1200" i="1" dirty="0">
                 <a:solidFill>
                   <a:schemeClr val="tx1"/>
                 </a:solidFill>
                 <a:latin typeface="Arial" panose="020B0604020202020204" pitchFamily="34" charset="0"/>
                 <a:cs typeface="Arial" panose="020B0604020202020204" pitchFamily="34" charset="0"/>
               </a:rPr>
-              <a:t>Senden</a:t>
-            </a:r>
-          </a:p>
-        </p:txBody>
-      </p:sp>
-      <p:pic>
-        <p:nvPicPr>
-          <p:cNvPr id="60" name="Grafik 59">
-            <a:extLst>
-              <a:ext uri="{FF2B5EF4-FFF2-40B4-BE49-F238E27FC236}">
-                <a16:creationId xmlns:a16="http://schemas.microsoft.com/office/drawing/2014/main" id="{61002AC6-078B-0A7A-6ADD-DFDAC83315CD}"/>
-              </a:ext>
-            </a:extLst>
-          </p:cNvPr>
-          <p:cNvPicPr>
-            <a:picLocks noChangeAspect="1"/>
-          </p:cNvPicPr>
-          <p:nvPr/>
-        </p:nvPicPr>
-        <p:blipFill>
-          <a:blip r:embed="rId5"/>
-          <a:stretch>
-            <a:fillRect/>
-          </a:stretch>
-        </p:blipFill>
-        <p:spPr>
-          <a:xfrm>
-            <a:off x="6943230" y="532289"/>
-            <a:ext cx="331444" cy="256116"/>
-          </a:xfrm>
-          <a:prstGeom prst="rect">
-            <a:avLst/>
-          </a:prstGeom>
-        </p:spPr>
-      </p:pic>
-      <p:sp>
-        <p:nvSpPr>
-          <p:cNvPr id="61" name="Rechteck 60">
-            <a:extLst>
-              <a:ext uri="{FF2B5EF4-FFF2-40B4-BE49-F238E27FC236}">
-                <a16:creationId xmlns:a16="http://schemas.microsoft.com/office/drawing/2014/main" id="{BF396F8D-2C31-2485-0E53-6E1A0E712A21}"/>
+              <a:t>Pfad zeigen nach Upload</a:t>
+            </a:r>
+          </a:p>
+        </p:txBody>
+      </p:sp>
+      <p:sp>
+        <p:nvSpPr>
+          <p:cNvPr id="43" name="Rechteck 42">
+            <a:extLst>
+              <a:ext uri="{FF2B5EF4-FFF2-40B4-BE49-F238E27FC236}">
+                <a16:creationId xmlns:a16="http://schemas.microsoft.com/office/drawing/2014/main" id="{53DFE4AE-3BB2-580A-F0AD-A8A05042FE78}"/>
               </a:ext>
             </a:extLst>
           </p:cNvPr>
@@ -5330,7 +5862,7 @@
         </p:nvSpPr>
         <p:spPr>
           <a:xfrm>
-            <a:off x="6563630" y="2187902"/>
+            <a:off x="6424655" y="5773776"/>
             <a:ext cx="735983" cy="292247"/>
           </a:xfrm>
           <a:prstGeom prst="rect">
@@ -5372,7 +5904,1394 @@
                 <a:latin typeface="Arial" panose="020B0604020202020204" pitchFamily="34" charset="0"/>
                 <a:cs typeface="Arial" panose="020B0604020202020204" pitchFamily="34" charset="0"/>
               </a:rPr>
-              <a:t>Senden</a:t>
+              <a:t>Upload</a:t>
+            </a:r>
+          </a:p>
+        </p:txBody>
+      </p:sp>
+      <p:sp>
+        <p:nvSpPr>
+          <p:cNvPr id="44" name="Rechteck 43">
+            <a:extLst>
+              <a:ext uri="{FF2B5EF4-FFF2-40B4-BE49-F238E27FC236}">
+                <a16:creationId xmlns:a16="http://schemas.microsoft.com/office/drawing/2014/main" id="{D2D3D0E4-F31B-7519-83B9-A87E609736CA}"/>
+              </a:ext>
+            </a:extLst>
+          </p:cNvPr>
+          <p:cNvSpPr/>
+          <p:nvPr/>
+        </p:nvSpPr>
+        <p:spPr>
+          <a:xfrm>
+            <a:off x="4519055" y="4989797"/>
+            <a:ext cx="2579516" cy="301629"/>
+          </a:xfrm>
+          <a:prstGeom prst="rect">
+            <a:avLst/>
+          </a:prstGeom>
+          <a:solidFill>
+            <a:schemeClr val="bg1"/>
+          </a:solidFill>
+          <a:ln>
+            <a:solidFill>
+              <a:schemeClr val="tx1"/>
+            </a:solidFill>
+          </a:ln>
+        </p:spPr>
+        <p:style>
+          <a:lnRef idx="2">
+            <a:schemeClr val="accent1">
+              <a:shade val="50000"/>
+            </a:schemeClr>
+          </a:lnRef>
+          <a:fillRef idx="1">
+            <a:schemeClr val="accent1"/>
+          </a:fillRef>
+          <a:effectRef idx="0">
+            <a:schemeClr val="accent1"/>
+          </a:effectRef>
+          <a:fontRef idx="minor">
+            <a:schemeClr val="lt1"/>
+          </a:fontRef>
+        </p:style>
+        <p:txBody>
+          <a:bodyPr rtlCol="0" anchor="ctr"/>
+          <a:lstStyle/>
+          <a:p>
+            <a:r>
+              <a:rPr lang="de-CH" sz="1200" i="1" dirty="0">
+                <a:solidFill>
+                  <a:schemeClr val="tx1"/>
+                </a:solidFill>
+                <a:latin typeface="Arial" panose="020B0604020202020204" pitchFamily="34" charset="0"/>
+                <a:cs typeface="Arial" panose="020B0604020202020204" pitchFamily="34" charset="0"/>
+              </a:rPr>
+              <a:t>E-Mail Adresse eingeben …</a:t>
+            </a:r>
+          </a:p>
+        </p:txBody>
+      </p:sp>
+      <p:sp>
+        <p:nvSpPr>
+          <p:cNvPr id="45" name="Textfeld 44">
+            <a:extLst>
+              <a:ext uri="{FF2B5EF4-FFF2-40B4-BE49-F238E27FC236}">
+                <a16:creationId xmlns:a16="http://schemas.microsoft.com/office/drawing/2014/main" id="{BC90BF46-8CF7-2C02-CDD3-28757B9658F3}"/>
+              </a:ext>
+            </a:extLst>
+          </p:cNvPr>
+          <p:cNvSpPr txBox="1"/>
+          <p:nvPr/>
+        </p:nvSpPr>
+        <p:spPr>
+          <a:xfrm>
+            <a:off x="3840580" y="4986723"/>
+            <a:ext cx="789260" cy="307777"/>
+          </a:xfrm>
+          <a:prstGeom prst="rect">
+            <a:avLst/>
+          </a:prstGeom>
+          <a:noFill/>
+        </p:spPr>
+        <p:txBody>
+          <a:bodyPr wrap="square" rtlCol="0">
+            <a:spAutoFit/>
+          </a:bodyPr>
+          <a:lstStyle/>
+          <a:p>
+            <a:r>
+              <a:rPr lang="de-CH" sz="1400" b="1" dirty="0">
+                <a:latin typeface="Arial" panose="020B0604020202020204" pitchFamily="34" charset="0"/>
+                <a:cs typeface="Arial" panose="020B0604020202020204" pitchFamily="34" charset="0"/>
+              </a:rPr>
+              <a:t>E-Mail</a:t>
+            </a:r>
+          </a:p>
+        </p:txBody>
+      </p:sp>
+      <p:sp>
+        <p:nvSpPr>
+          <p:cNvPr id="46" name="Rechteck 45">
+            <a:extLst>
+              <a:ext uri="{FF2B5EF4-FFF2-40B4-BE49-F238E27FC236}">
+                <a16:creationId xmlns:a16="http://schemas.microsoft.com/office/drawing/2014/main" id="{54DAEE80-9159-C86D-BA87-FB7132B51E13}"/>
+              </a:ext>
+            </a:extLst>
+          </p:cNvPr>
+          <p:cNvSpPr/>
+          <p:nvPr/>
+        </p:nvSpPr>
+        <p:spPr>
+          <a:xfrm>
+            <a:off x="3939960" y="5380703"/>
+            <a:ext cx="3166949" cy="255249"/>
+          </a:xfrm>
+          <a:prstGeom prst="rect">
+            <a:avLst/>
+          </a:prstGeom>
+          <a:noFill/>
+          <a:ln>
+            <a:solidFill>
+              <a:schemeClr val="tx1"/>
+            </a:solidFill>
+          </a:ln>
+        </p:spPr>
+        <p:style>
+          <a:lnRef idx="2">
+            <a:schemeClr val="accent1">
+              <a:shade val="50000"/>
+            </a:schemeClr>
+          </a:lnRef>
+          <a:fillRef idx="1">
+            <a:schemeClr val="accent1"/>
+          </a:fillRef>
+          <a:effectRef idx="0">
+            <a:schemeClr val="accent1"/>
+          </a:effectRef>
+          <a:fontRef idx="minor">
+            <a:schemeClr val="lt1"/>
+          </a:fontRef>
+        </p:style>
+        <p:txBody>
+          <a:bodyPr rtlCol="0" anchor="ctr"/>
+          <a:lstStyle/>
+          <a:p>
+            <a:pPr algn="ctr"/>
+            <a:r>
+              <a:rPr lang="de-CH" sz="1200" dirty="0">
+                <a:solidFill>
+                  <a:schemeClr val="tx1"/>
+                </a:solidFill>
+                <a:latin typeface="Arial" panose="020B0604020202020204" pitchFamily="34" charset="0"/>
+                <a:cs typeface="Arial" panose="020B0604020202020204" pitchFamily="34" charset="0"/>
+              </a:rPr>
+              <a:t>Code verlangen</a:t>
+            </a:r>
+          </a:p>
+        </p:txBody>
+      </p:sp>
+      <p:sp>
+        <p:nvSpPr>
+          <p:cNvPr id="47" name="Rechteck 46">
+            <a:extLst>
+              <a:ext uri="{FF2B5EF4-FFF2-40B4-BE49-F238E27FC236}">
+                <a16:creationId xmlns:a16="http://schemas.microsoft.com/office/drawing/2014/main" id="{0FD8E2B6-5852-0C27-E170-BEE59DB08D7E}"/>
+              </a:ext>
+            </a:extLst>
+          </p:cNvPr>
+          <p:cNvSpPr/>
+          <p:nvPr/>
+        </p:nvSpPr>
+        <p:spPr>
+          <a:xfrm>
+            <a:off x="8311836" y="3575875"/>
+            <a:ext cx="3339167" cy="2700860"/>
+          </a:xfrm>
+          <a:prstGeom prst="rect">
+            <a:avLst/>
+          </a:prstGeom>
+          <a:solidFill>
+            <a:srgbClr val="DFE0E1"/>
+          </a:solidFill>
+          <a:ln>
+            <a:solidFill>
+              <a:srgbClr val="C8C8C8"/>
+            </a:solidFill>
+          </a:ln>
+        </p:spPr>
+        <p:style>
+          <a:lnRef idx="2">
+            <a:schemeClr val="accent1">
+              <a:shade val="50000"/>
+            </a:schemeClr>
+          </a:lnRef>
+          <a:fillRef idx="1">
+            <a:schemeClr val="accent1"/>
+          </a:fillRef>
+          <a:effectRef idx="0">
+            <a:schemeClr val="accent1"/>
+          </a:effectRef>
+          <a:fontRef idx="minor">
+            <a:schemeClr val="lt1"/>
+          </a:fontRef>
+        </p:style>
+        <p:txBody>
+          <a:bodyPr rtlCol="0" anchor="ctr"/>
+          <a:lstStyle/>
+          <a:p>
+            <a:pPr algn="ctr"/>
+            <a:endParaRPr lang="de-CH" sz="1600" dirty="0">
+              <a:solidFill>
+                <a:schemeClr val="tx1"/>
+              </a:solidFill>
+              <a:latin typeface="Arial" panose="020B0604020202020204" pitchFamily="34" charset="0"/>
+              <a:cs typeface="Arial" panose="020B0604020202020204" pitchFamily="34" charset="0"/>
+            </a:endParaRPr>
+          </a:p>
+        </p:txBody>
+      </p:sp>
+      <p:sp>
+        <p:nvSpPr>
+          <p:cNvPr id="48" name="Rechteck 47">
+            <a:extLst>
+              <a:ext uri="{FF2B5EF4-FFF2-40B4-BE49-F238E27FC236}">
+                <a16:creationId xmlns:a16="http://schemas.microsoft.com/office/drawing/2014/main" id="{D15B7C6D-01F9-2037-A443-C43FD54DAED0}"/>
+              </a:ext>
+            </a:extLst>
+          </p:cNvPr>
+          <p:cNvSpPr/>
+          <p:nvPr/>
+        </p:nvSpPr>
+        <p:spPr>
+          <a:xfrm>
+            <a:off x="8322191" y="3460431"/>
+            <a:ext cx="3339167" cy="889930"/>
+          </a:xfrm>
+          <a:prstGeom prst="rect">
+            <a:avLst/>
+          </a:prstGeom>
+          <a:solidFill>
+            <a:schemeClr val="tx1"/>
+          </a:solidFill>
+          <a:ln>
+            <a:solidFill>
+              <a:schemeClr val="tx1"/>
+            </a:solidFill>
+          </a:ln>
+        </p:spPr>
+        <p:style>
+          <a:lnRef idx="2">
+            <a:schemeClr val="accent1">
+              <a:shade val="50000"/>
+            </a:schemeClr>
+          </a:lnRef>
+          <a:fillRef idx="1">
+            <a:schemeClr val="accent1"/>
+          </a:fillRef>
+          <a:effectRef idx="0">
+            <a:schemeClr val="accent1"/>
+          </a:effectRef>
+          <a:fontRef idx="minor">
+            <a:schemeClr val="lt1"/>
+          </a:fontRef>
+        </p:style>
+        <p:txBody>
+          <a:bodyPr rtlCol="0" anchor="ctr"/>
+          <a:lstStyle/>
+          <a:p>
+            <a:pPr algn="ctr"/>
+            <a:r>
+              <a:rPr lang="de-CH" sz="1600" b="1" dirty="0">
+                <a:solidFill>
+                  <a:srgbClr val="FF000A"/>
+                </a:solidFill>
+                <a:latin typeface="Arial" panose="020B0604020202020204" pitchFamily="34" charset="0"/>
+                <a:cs typeface="Arial" panose="020B0604020202020204" pitchFamily="34" charset="0"/>
+              </a:rPr>
+              <a:t>          </a:t>
+            </a:r>
+          </a:p>
+          <a:p>
+            <a:pPr algn="ctr"/>
+            <a:r>
+              <a:rPr lang="de-CH" sz="1400" b="1" dirty="0">
+                <a:solidFill>
+                  <a:srgbClr val="FF000A"/>
+                </a:solidFill>
+                <a:latin typeface="Arial" panose="020B0604020202020204" pitchFamily="34" charset="0"/>
+                <a:cs typeface="Arial" panose="020B0604020202020204" pitchFamily="34" charset="0"/>
+              </a:rPr>
+              <a:t>Gästebuch-Bild hochladen </a:t>
+            </a:r>
+          </a:p>
+        </p:txBody>
+      </p:sp>
+      <p:pic>
+        <p:nvPicPr>
+          <p:cNvPr id="49" name="Grafik 48">
+            <a:extLst>
+              <a:ext uri="{FF2B5EF4-FFF2-40B4-BE49-F238E27FC236}">
+                <a16:creationId xmlns:a16="http://schemas.microsoft.com/office/drawing/2014/main" id="{50843E47-6898-FD76-62BA-AF3124DDAC94}"/>
+              </a:ext>
+            </a:extLst>
+          </p:cNvPr>
+          <p:cNvPicPr>
+            <a:picLocks noChangeAspect="1"/>
+          </p:cNvPicPr>
+          <p:nvPr/>
+        </p:nvPicPr>
+        <p:blipFill>
+          <a:blip r:embed="rId6"/>
+          <a:stretch>
+            <a:fillRect/>
+          </a:stretch>
+        </p:blipFill>
+        <p:spPr>
+          <a:xfrm>
+            <a:off x="8763205" y="3557090"/>
+            <a:ext cx="2457143" cy="313184"/>
+          </a:xfrm>
+          <a:prstGeom prst="rect">
+            <a:avLst/>
+          </a:prstGeom>
+        </p:spPr>
+      </p:pic>
+      <p:pic>
+        <p:nvPicPr>
+          <p:cNvPr id="52" name="Grafik 51">
+            <a:extLst>
+              <a:ext uri="{FF2B5EF4-FFF2-40B4-BE49-F238E27FC236}">
+                <a16:creationId xmlns:a16="http://schemas.microsoft.com/office/drawing/2014/main" id="{C89CBF16-F9F8-E0C3-0F5F-C86FE0FCE19F}"/>
+              </a:ext>
+            </a:extLst>
+          </p:cNvPr>
+          <p:cNvPicPr>
+            <a:picLocks noChangeAspect="1"/>
+          </p:cNvPicPr>
+          <p:nvPr/>
+        </p:nvPicPr>
+        <p:blipFill>
+          <a:blip r:embed="rId7"/>
+          <a:stretch>
+            <a:fillRect/>
+          </a:stretch>
+        </p:blipFill>
+        <p:spPr>
+          <a:xfrm>
+            <a:off x="11196734" y="3690170"/>
+            <a:ext cx="378514" cy="336888"/>
+          </a:xfrm>
+          <a:prstGeom prst="rect">
+            <a:avLst/>
+          </a:prstGeom>
+        </p:spPr>
+      </p:pic>
+      <p:sp>
+        <p:nvSpPr>
+          <p:cNvPr id="53" name="Textfeld 52">
+            <a:extLst>
+              <a:ext uri="{FF2B5EF4-FFF2-40B4-BE49-F238E27FC236}">
+                <a16:creationId xmlns:a16="http://schemas.microsoft.com/office/drawing/2014/main" id="{A602B7C1-B67A-0A86-D765-834CDA8A8317}"/>
+              </a:ext>
+            </a:extLst>
+          </p:cNvPr>
+          <p:cNvSpPr txBox="1"/>
+          <p:nvPr/>
+        </p:nvSpPr>
+        <p:spPr>
+          <a:xfrm>
+            <a:off x="8375355" y="5591775"/>
+            <a:ext cx="596564" cy="307777"/>
+          </a:xfrm>
+          <a:prstGeom prst="rect">
+            <a:avLst/>
+          </a:prstGeom>
+          <a:noFill/>
+        </p:spPr>
+        <p:txBody>
+          <a:bodyPr wrap="square" rtlCol="0">
+            <a:spAutoFit/>
+          </a:bodyPr>
+          <a:lstStyle/>
+          <a:p>
+            <a:r>
+              <a:rPr lang="de-CH" sz="1400" b="1" dirty="0">
+                <a:latin typeface="Arial" panose="020B0604020202020204" pitchFamily="34" charset="0"/>
+                <a:cs typeface="Arial" panose="020B0604020202020204" pitchFamily="34" charset="0"/>
+              </a:rPr>
+              <a:t>IMG</a:t>
+            </a:r>
+          </a:p>
+        </p:txBody>
+      </p:sp>
+      <p:sp>
+        <p:nvSpPr>
+          <p:cNvPr id="54" name="Rechteck 53">
+            <a:extLst>
+              <a:ext uri="{FF2B5EF4-FFF2-40B4-BE49-F238E27FC236}">
+                <a16:creationId xmlns:a16="http://schemas.microsoft.com/office/drawing/2014/main" id="{C16576DF-8F0E-2DF7-AE60-3798B5185793}"/>
+              </a:ext>
+            </a:extLst>
+          </p:cNvPr>
+          <p:cNvSpPr/>
+          <p:nvPr/>
+        </p:nvSpPr>
+        <p:spPr>
+          <a:xfrm>
+            <a:off x="8933834" y="5588288"/>
+            <a:ext cx="1889187" cy="396755"/>
+          </a:xfrm>
+          <a:prstGeom prst="rect">
+            <a:avLst/>
+          </a:prstGeom>
+          <a:solidFill>
+            <a:schemeClr val="bg1"/>
+          </a:solidFill>
+          <a:ln>
+            <a:solidFill>
+              <a:schemeClr val="tx1"/>
+            </a:solidFill>
+          </a:ln>
+        </p:spPr>
+        <p:style>
+          <a:lnRef idx="2">
+            <a:schemeClr val="accent1">
+              <a:shade val="50000"/>
+            </a:schemeClr>
+          </a:lnRef>
+          <a:fillRef idx="1">
+            <a:schemeClr val="accent1"/>
+          </a:fillRef>
+          <a:effectRef idx="0">
+            <a:schemeClr val="accent1"/>
+          </a:effectRef>
+          <a:fontRef idx="minor">
+            <a:schemeClr val="lt1"/>
+          </a:fontRef>
+        </p:style>
+        <p:txBody>
+          <a:bodyPr rtlCol="0" anchor="ctr"/>
+          <a:lstStyle/>
+          <a:p>
+            <a:r>
+              <a:rPr lang="de-CH" sz="1200" i="1" dirty="0">
+                <a:solidFill>
+                  <a:schemeClr val="tx1"/>
+                </a:solidFill>
+                <a:latin typeface="Arial" panose="020B0604020202020204" pitchFamily="34" charset="0"/>
+                <a:cs typeface="Arial" panose="020B0604020202020204" pitchFamily="34" charset="0"/>
+              </a:rPr>
+              <a:t>Pfad zeigen nach Upload</a:t>
+            </a:r>
+          </a:p>
+        </p:txBody>
+      </p:sp>
+      <p:sp>
+        <p:nvSpPr>
+          <p:cNvPr id="55" name="Rechteck 54">
+            <a:extLst>
+              <a:ext uri="{FF2B5EF4-FFF2-40B4-BE49-F238E27FC236}">
+                <a16:creationId xmlns:a16="http://schemas.microsoft.com/office/drawing/2014/main" id="{3A1EE1E6-38F0-A099-BBF2-F7646671CD29}"/>
+              </a:ext>
+            </a:extLst>
+          </p:cNvPr>
+          <p:cNvSpPr/>
+          <p:nvPr/>
+        </p:nvSpPr>
+        <p:spPr>
+          <a:xfrm>
+            <a:off x="10897363" y="5592980"/>
+            <a:ext cx="735983" cy="384414"/>
+          </a:xfrm>
+          <a:prstGeom prst="rect">
+            <a:avLst/>
+          </a:prstGeom>
+          <a:noFill/>
+          <a:ln>
+            <a:solidFill>
+              <a:schemeClr val="tx1"/>
+            </a:solidFill>
+          </a:ln>
+        </p:spPr>
+        <p:style>
+          <a:lnRef idx="2">
+            <a:schemeClr val="accent1">
+              <a:shade val="50000"/>
+            </a:schemeClr>
+          </a:lnRef>
+          <a:fillRef idx="1">
+            <a:schemeClr val="accent1"/>
+          </a:fillRef>
+          <a:effectRef idx="0">
+            <a:schemeClr val="accent1"/>
+          </a:effectRef>
+          <a:fontRef idx="minor">
+            <a:schemeClr val="lt1"/>
+          </a:fontRef>
+        </p:style>
+        <p:txBody>
+          <a:bodyPr rtlCol="0" anchor="ctr"/>
+          <a:lstStyle/>
+          <a:p>
+            <a:pPr algn="ctr"/>
+            <a:r>
+              <a:rPr lang="de-CH" sz="1200" dirty="0">
+                <a:solidFill>
+                  <a:schemeClr val="tx1"/>
+                </a:solidFill>
+                <a:latin typeface="Arial" panose="020B0604020202020204" pitchFamily="34" charset="0"/>
+                <a:cs typeface="Arial" panose="020B0604020202020204" pitchFamily="34" charset="0"/>
+              </a:rPr>
+              <a:t>Upload</a:t>
+            </a:r>
+          </a:p>
+        </p:txBody>
+      </p:sp>
+      <p:sp>
+        <p:nvSpPr>
+          <p:cNvPr id="58" name="Rechteck 57">
+            <a:extLst>
+              <a:ext uri="{FF2B5EF4-FFF2-40B4-BE49-F238E27FC236}">
+                <a16:creationId xmlns:a16="http://schemas.microsoft.com/office/drawing/2014/main" id="{E2050D06-B769-25D4-4372-7EAF443FA835}"/>
+              </a:ext>
+            </a:extLst>
+          </p:cNvPr>
+          <p:cNvSpPr/>
+          <p:nvPr/>
+        </p:nvSpPr>
+        <p:spPr>
+          <a:xfrm>
+            <a:off x="8408299" y="5224953"/>
+            <a:ext cx="3166949" cy="335748"/>
+          </a:xfrm>
+          <a:prstGeom prst="rect">
+            <a:avLst/>
+          </a:prstGeom>
+          <a:noFill/>
+          <a:ln>
+            <a:solidFill>
+              <a:schemeClr val="tx1"/>
+            </a:solidFill>
+          </a:ln>
+        </p:spPr>
+        <p:style>
+          <a:lnRef idx="2">
+            <a:schemeClr val="accent1">
+              <a:shade val="50000"/>
+            </a:schemeClr>
+          </a:lnRef>
+          <a:fillRef idx="1">
+            <a:schemeClr val="accent1"/>
+          </a:fillRef>
+          <a:effectRef idx="0">
+            <a:schemeClr val="accent1"/>
+          </a:effectRef>
+          <a:fontRef idx="minor">
+            <a:schemeClr val="lt1"/>
+          </a:fontRef>
+        </p:style>
+        <p:txBody>
+          <a:bodyPr rtlCol="0" anchor="ctr"/>
+          <a:lstStyle/>
+          <a:p>
+            <a:pPr algn="ctr"/>
+            <a:r>
+              <a:rPr lang="de-CH" sz="1200" dirty="0">
+                <a:solidFill>
+                  <a:schemeClr val="tx1"/>
+                </a:solidFill>
+                <a:latin typeface="Arial" panose="020B0604020202020204" pitchFamily="34" charset="0"/>
+                <a:cs typeface="Arial" panose="020B0604020202020204" pitchFamily="34" charset="0"/>
+              </a:rPr>
+              <a:t>Code verlangen</a:t>
+            </a:r>
+          </a:p>
+        </p:txBody>
+      </p:sp>
+      <p:sp>
+        <p:nvSpPr>
+          <p:cNvPr id="1041" name="Textfeld 1040">
+            <a:extLst>
+              <a:ext uri="{FF2B5EF4-FFF2-40B4-BE49-F238E27FC236}">
+                <a16:creationId xmlns:a16="http://schemas.microsoft.com/office/drawing/2014/main" id="{342B4F2D-112F-6145-DE5D-6E84C06AF9C1}"/>
+              </a:ext>
+            </a:extLst>
+          </p:cNvPr>
+          <p:cNvSpPr txBox="1"/>
+          <p:nvPr/>
+        </p:nvSpPr>
+        <p:spPr>
+          <a:xfrm>
+            <a:off x="281023" y="105770"/>
+            <a:ext cx="1085233" cy="307777"/>
+          </a:xfrm>
+          <a:prstGeom prst="rect">
+            <a:avLst/>
+          </a:prstGeom>
+          <a:noFill/>
+        </p:spPr>
+        <p:txBody>
+          <a:bodyPr wrap="square" rtlCol="0">
+            <a:spAutoFit/>
+          </a:bodyPr>
+          <a:lstStyle/>
+          <a:p>
+            <a:r>
+              <a:rPr lang="de-CH" sz="1400" b="1" dirty="0">
+                <a:latin typeface="Arial" panose="020B0604020202020204" pitchFamily="34" charset="0"/>
+                <a:cs typeface="Arial" panose="020B0604020202020204" pitchFamily="34" charset="0"/>
+              </a:rPr>
+              <a:t>Zeichnen</a:t>
+            </a:r>
+          </a:p>
+        </p:txBody>
+      </p:sp>
+      <p:sp>
+        <p:nvSpPr>
+          <p:cNvPr id="1042" name="Textfeld 1041">
+            <a:extLst>
+              <a:ext uri="{FF2B5EF4-FFF2-40B4-BE49-F238E27FC236}">
+                <a16:creationId xmlns:a16="http://schemas.microsoft.com/office/drawing/2014/main" id="{136A48F8-DA25-759F-5881-4AB6213342E0}"/>
+              </a:ext>
+            </a:extLst>
+          </p:cNvPr>
+          <p:cNvSpPr txBox="1"/>
+          <p:nvPr/>
+        </p:nvSpPr>
+        <p:spPr>
+          <a:xfrm>
+            <a:off x="1589116" y="59520"/>
+            <a:ext cx="1372560" cy="307777"/>
+          </a:xfrm>
+          <a:prstGeom prst="rect">
+            <a:avLst/>
+          </a:prstGeom>
+          <a:noFill/>
+        </p:spPr>
+        <p:txBody>
+          <a:bodyPr wrap="square" rtlCol="0">
+            <a:spAutoFit/>
+          </a:bodyPr>
+          <a:lstStyle/>
+          <a:p>
+            <a:r>
+              <a:rPr lang="de-CH" sz="1400" b="1" dirty="0">
+                <a:latin typeface="Arial" panose="020B0604020202020204" pitchFamily="34" charset="0"/>
+                <a:cs typeface="Arial" panose="020B0604020202020204" pitchFamily="34" charset="0"/>
+              </a:rPr>
+              <a:t>Kamerabild</a:t>
+            </a:r>
+          </a:p>
+        </p:txBody>
+      </p:sp>
+      <p:sp>
+        <p:nvSpPr>
+          <p:cNvPr id="1043" name="Textfeld 1042">
+            <a:extLst>
+              <a:ext uri="{FF2B5EF4-FFF2-40B4-BE49-F238E27FC236}">
+                <a16:creationId xmlns:a16="http://schemas.microsoft.com/office/drawing/2014/main" id="{E479BF37-F472-A36D-0F8C-F1A5E9591682}"/>
+              </a:ext>
+            </a:extLst>
+          </p:cNvPr>
+          <p:cNvSpPr txBox="1"/>
+          <p:nvPr/>
+        </p:nvSpPr>
+        <p:spPr>
+          <a:xfrm>
+            <a:off x="1155737" y="1364238"/>
+            <a:ext cx="1372560" cy="307777"/>
+          </a:xfrm>
+          <a:prstGeom prst="rect">
+            <a:avLst/>
+          </a:prstGeom>
+          <a:noFill/>
+        </p:spPr>
+        <p:txBody>
+          <a:bodyPr wrap="square" rtlCol="0">
+            <a:spAutoFit/>
+          </a:bodyPr>
+          <a:lstStyle/>
+          <a:p>
+            <a:r>
+              <a:rPr lang="de-CH" sz="1400" b="1" dirty="0">
+                <a:latin typeface="Arial" panose="020B0604020202020204" pitchFamily="34" charset="0"/>
+                <a:cs typeface="Arial" panose="020B0604020202020204" pitchFamily="34" charset="0"/>
+              </a:rPr>
+              <a:t>Selfie</a:t>
+            </a:r>
+          </a:p>
+        </p:txBody>
+      </p:sp>
+      <p:sp>
+        <p:nvSpPr>
+          <p:cNvPr id="1044" name="Textfeld 1043">
+            <a:extLst>
+              <a:ext uri="{FF2B5EF4-FFF2-40B4-BE49-F238E27FC236}">
+                <a16:creationId xmlns:a16="http://schemas.microsoft.com/office/drawing/2014/main" id="{7777148A-7963-2881-0BFF-A8F9D79E0AAD}"/>
+              </a:ext>
+            </a:extLst>
+          </p:cNvPr>
+          <p:cNvSpPr txBox="1"/>
+          <p:nvPr/>
+        </p:nvSpPr>
+        <p:spPr>
+          <a:xfrm>
+            <a:off x="3328948" y="879655"/>
+            <a:ext cx="1372560" cy="307777"/>
+          </a:xfrm>
+          <a:prstGeom prst="rect">
+            <a:avLst/>
+          </a:prstGeom>
+          <a:noFill/>
+        </p:spPr>
+        <p:txBody>
+          <a:bodyPr wrap="square" rtlCol="0">
+            <a:spAutoFit/>
+          </a:bodyPr>
+          <a:lstStyle/>
+          <a:p>
+            <a:r>
+              <a:rPr lang="de-CH" sz="1400" b="1" dirty="0">
+                <a:latin typeface="Arial" panose="020B0604020202020204" pitchFamily="34" charset="0"/>
+                <a:cs typeface="Arial" panose="020B0604020202020204" pitchFamily="34" charset="0"/>
+              </a:rPr>
+              <a:t>Bild aufladen</a:t>
+            </a:r>
+          </a:p>
+        </p:txBody>
+      </p:sp>
+      <p:sp>
+        <p:nvSpPr>
+          <p:cNvPr id="1045" name="Textfeld 1044">
+            <a:extLst>
+              <a:ext uri="{FF2B5EF4-FFF2-40B4-BE49-F238E27FC236}">
+                <a16:creationId xmlns:a16="http://schemas.microsoft.com/office/drawing/2014/main" id="{D55DCDEC-C324-8998-7991-CC762E3E9B59}"/>
+              </a:ext>
+            </a:extLst>
+          </p:cNvPr>
+          <p:cNvSpPr txBox="1"/>
+          <p:nvPr/>
+        </p:nvSpPr>
+        <p:spPr>
+          <a:xfrm>
+            <a:off x="7243773" y="81833"/>
+            <a:ext cx="2008291" cy="307777"/>
+          </a:xfrm>
+          <a:prstGeom prst="rect">
+            <a:avLst/>
+          </a:prstGeom>
+          <a:noFill/>
+        </p:spPr>
+        <p:txBody>
+          <a:bodyPr wrap="square" rtlCol="0">
+            <a:spAutoFit/>
+          </a:bodyPr>
+          <a:lstStyle/>
+          <a:p>
+            <a:r>
+              <a:rPr lang="de-CH" sz="1400" b="1" dirty="0">
+                <a:latin typeface="Arial" panose="020B0604020202020204" pitchFamily="34" charset="0"/>
+                <a:cs typeface="Arial" panose="020B0604020202020204" pitchFamily="34" charset="0"/>
+              </a:rPr>
+              <a:t>Name(n) und E-Mail</a:t>
+            </a:r>
+          </a:p>
+        </p:txBody>
+      </p:sp>
+      <p:sp>
+        <p:nvSpPr>
+          <p:cNvPr id="1046" name="Rechteck 1045">
+            <a:extLst>
+              <a:ext uri="{FF2B5EF4-FFF2-40B4-BE49-F238E27FC236}">
+                <a16:creationId xmlns:a16="http://schemas.microsoft.com/office/drawing/2014/main" id="{B4F41A37-C1D4-9CBF-D68E-A790BC2BF8D9}"/>
+              </a:ext>
+            </a:extLst>
+          </p:cNvPr>
+          <p:cNvSpPr/>
+          <p:nvPr/>
+        </p:nvSpPr>
+        <p:spPr>
+          <a:xfrm>
+            <a:off x="8998804" y="4542655"/>
+            <a:ext cx="2579516" cy="301629"/>
+          </a:xfrm>
+          <a:prstGeom prst="rect">
+            <a:avLst/>
+          </a:prstGeom>
+          <a:solidFill>
+            <a:schemeClr val="bg1"/>
+          </a:solidFill>
+          <a:ln>
+            <a:solidFill>
+              <a:schemeClr val="tx1"/>
+            </a:solidFill>
+          </a:ln>
+        </p:spPr>
+        <p:style>
+          <a:lnRef idx="2">
+            <a:schemeClr val="accent1">
+              <a:shade val="50000"/>
+            </a:schemeClr>
+          </a:lnRef>
+          <a:fillRef idx="1">
+            <a:schemeClr val="accent1"/>
+          </a:fillRef>
+          <a:effectRef idx="0">
+            <a:schemeClr val="accent1"/>
+          </a:effectRef>
+          <a:fontRef idx="minor">
+            <a:schemeClr val="lt1"/>
+          </a:fontRef>
+        </p:style>
+        <p:txBody>
+          <a:bodyPr rtlCol="0" anchor="ctr"/>
+          <a:lstStyle/>
+          <a:p>
+            <a:r>
+              <a:rPr lang="de-CH" sz="1200" i="1" dirty="0">
+                <a:solidFill>
+                  <a:schemeClr val="tx1"/>
+                </a:solidFill>
+                <a:latin typeface="Arial" panose="020B0604020202020204" pitchFamily="34" charset="0"/>
+                <a:cs typeface="Arial" panose="020B0604020202020204" pitchFamily="34" charset="0"/>
+              </a:rPr>
+              <a:t>Name(n) eingeben …</a:t>
+            </a:r>
+          </a:p>
+        </p:txBody>
+      </p:sp>
+      <p:sp>
+        <p:nvSpPr>
+          <p:cNvPr id="1047" name="Textfeld 1046">
+            <a:extLst>
+              <a:ext uri="{FF2B5EF4-FFF2-40B4-BE49-F238E27FC236}">
+                <a16:creationId xmlns:a16="http://schemas.microsoft.com/office/drawing/2014/main" id="{D036505F-B1DE-C618-F4EF-0EAF4A35CFA2}"/>
+              </a:ext>
+            </a:extLst>
+          </p:cNvPr>
+          <p:cNvSpPr txBox="1"/>
+          <p:nvPr/>
+        </p:nvSpPr>
+        <p:spPr>
+          <a:xfrm>
+            <a:off x="8320329" y="4539581"/>
+            <a:ext cx="678475" cy="307777"/>
+          </a:xfrm>
+          <a:prstGeom prst="rect">
+            <a:avLst/>
+          </a:prstGeom>
+          <a:noFill/>
+        </p:spPr>
+        <p:txBody>
+          <a:bodyPr wrap="square" rtlCol="0">
+            <a:spAutoFit/>
+          </a:bodyPr>
+          <a:lstStyle/>
+          <a:p>
+            <a:r>
+              <a:rPr lang="de-CH" sz="1400" b="1" dirty="0">
+                <a:latin typeface="Arial" panose="020B0604020202020204" pitchFamily="34" charset="0"/>
+                <a:cs typeface="Arial" panose="020B0604020202020204" pitchFamily="34" charset="0"/>
+              </a:rPr>
+              <a:t>Name</a:t>
+            </a:r>
+          </a:p>
+        </p:txBody>
+      </p:sp>
+      <p:sp>
+        <p:nvSpPr>
+          <p:cNvPr id="1048" name="Rechteck 1047">
+            <a:extLst>
+              <a:ext uri="{FF2B5EF4-FFF2-40B4-BE49-F238E27FC236}">
+                <a16:creationId xmlns:a16="http://schemas.microsoft.com/office/drawing/2014/main" id="{DC9CF81C-2DB1-DC60-B999-AF5428AA443B}"/>
+              </a:ext>
+            </a:extLst>
+          </p:cNvPr>
+          <p:cNvSpPr/>
+          <p:nvPr/>
+        </p:nvSpPr>
+        <p:spPr>
+          <a:xfrm>
+            <a:off x="8999398" y="4899494"/>
+            <a:ext cx="2579516" cy="301629"/>
+          </a:xfrm>
+          <a:prstGeom prst="rect">
+            <a:avLst/>
+          </a:prstGeom>
+          <a:solidFill>
+            <a:schemeClr val="bg1"/>
+          </a:solidFill>
+          <a:ln>
+            <a:solidFill>
+              <a:schemeClr val="tx1"/>
+            </a:solidFill>
+          </a:ln>
+        </p:spPr>
+        <p:style>
+          <a:lnRef idx="2">
+            <a:schemeClr val="accent1">
+              <a:shade val="50000"/>
+            </a:schemeClr>
+          </a:lnRef>
+          <a:fillRef idx="1">
+            <a:schemeClr val="accent1"/>
+          </a:fillRef>
+          <a:effectRef idx="0">
+            <a:schemeClr val="accent1"/>
+          </a:effectRef>
+          <a:fontRef idx="minor">
+            <a:schemeClr val="lt1"/>
+          </a:fontRef>
+        </p:style>
+        <p:txBody>
+          <a:bodyPr rtlCol="0" anchor="ctr"/>
+          <a:lstStyle/>
+          <a:p>
+            <a:r>
+              <a:rPr lang="de-CH" sz="1200" i="1" dirty="0">
+                <a:solidFill>
+                  <a:schemeClr val="tx1"/>
+                </a:solidFill>
+                <a:latin typeface="Arial" panose="020B0604020202020204" pitchFamily="34" charset="0"/>
+                <a:cs typeface="Arial" panose="020B0604020202020204" pitchFamily="34" charset="0"/>
+              </a:rPr>
+              <a:t>E-Mail Adresse eingeben …</a:t>
+            </a:r>
+          </a:p>
+        </p:txBody>
+      </p:sp>
+      <p:sp>
+        <p:nvSpPr>
+          <p:cNvPr id="1049" name="Textfeld 1048">
+            <a:extLst>
+              <a:ext uri="{FF2B5EF4-FFF2-40B4-BE49-F238E27FC236}">
+                <a16:creationId xmlns:a16="http://schemas.microsoft.com/office/drawing/2014/main" id="{97EFF8C7-D268-B914-7A54-E76C647A627A}"/>
+              </a:ext>
+            </a:extLst>
+          </p:cNvPr>
+          <p:cNvSpPr txBox="1"/>
+          <p:nvPr/>
+        </p:nvSpPr>
+        <p:spPr>
+          <a:xfrm>
+            <a:off x="8320923" y="4896420"/>
+            <a:ext cx="789260" cy="307777"/>
+          </a:xfrm>
+          <a:prstGeom prst="rect">
+            <a:avLst/>
+          </a:prstGeom>
+          <a:noFill/>
+        </p:spPr>
+        <p:txBody>
+          <a:bodyPr wrap="square" rtlCol="0">
+            <a:spAutoFit/>
+          </a:bodyPr>
+          <a:lstStyle/>
+          <a:p>
+            <a:r>
+              <a:rPr lang="de-CH" sz="1400" b="1" dirty="0">
+                <a:latin typeface="Arial" panose="020B0604020202020204" pitchFamily="34" charset="0"/>
+                <a:cs typeface="Arial" panose="020B0604020202020204" pitchFamily="34" charset="0"/>
+              </a:rPr>
+              <a:t>E-Mail</a:t>
+            </a:r>
+          </a:p>
+        </p:txBody>
+      </p:sp>
+      <p:sp>
+        <p:nvSpPr>
+          <p:cNvPr id="1050" name="Textfeld 1049">
+            <a:extLst>
+              <a:ext uri="{FF2B5EF4-FFF2-40B4-BE49-F238E27FC236}">
+                <a16:creationId xmlns:a16="http://schemas.microsoft.com/office/drawing/2014/main" id="{A8CB4338-DD3E-4983-B3E5-B8F18005E55F}"/>
+              </a:ext>
+            </a:extLst>
+          </p:cNvPr>
+          <p:cNvSpPr txBox="1"/>
+          <p:nvPr/>
+        </p:nvSpPr>
+        <p:spPr>
+          <a:xfrm>
+            <a:off x="10289700" y="1094638"/>
+            <a:ext cx="2008291" cy="307777"/>
+          </a:xfrm>
+          <a:prstGeom prst="rect">
+            <a:avLst/>
+          </a:prstGeom>
+          <a:noFill/>
+        </p:spPr>
+        <p:txBody>
+          <a:bodyPr wrap="square" rtlCol="0">
+            <a:spAutoFit/>
+          </a:bodyPr>
+          <a:lstStyle/>
+          <a:p>
+            <a:r>
+              <a:rPr lang="de-CH" sz="1400" b="1" dirty="0">
+                <a:latin typeface="Arial" panose="020B0604020202020204" pitchFamily="34" charset="0"/>
+                <a:cs typeface="Arial" panose="020B0604020202020204" pitchFamily="34" charset="0"/>
+              </a:rPr>
+              <a:t>E-Mail öffnen</a:t>
+            </a:r>
+          </a:p>
+        </p:txBody>
+      </p:sp>
+      <p:sp>
+        <p:nvSpPr>
+          <p:cNvPr id="1051" name="Textfeld 1050">
+            <a:extLst>
+              <a:ext uri="{FF2B5EF4-FFF2-40B4-BE49-F238E27FC236}">
+                <a16:creationId xmlns:a16="http://schemas.microsoft.com/office/drawing/2014/main" id="{8C183003-EB90-73E1-6B66-5FFC04FCC86C}"/>
+              </a:ext>
+            </a:extLst>
+          </p:cNvPr>
+          <p:cNvSpPr txBox="1"/>
+          <p:nvPr/>
+        </p:nvSpPr>
+        <p:spPr>
+          <a:xfrm>
+            <a:off x="495489" y="3408274"/>
+            <a:ext cx="3007203" cy="307777"/>
+          </a:xfrm>
+          <a:prstGeom prst="rect">
+            <a:avLst/>
+          </a:prstGeom>
+          <a:noFill/>
+        </p:spPr>
+        <p:txBody>
+          <a:bodyPr wrap="square" rtlCol="0">
+            <a:spAutoFit/>
+          </a:bodyPr>
+          <a:lstStyle/>
+          <a:p>
+            <a:r>
+              <a:rPr lang="de-CH" sz="1400" b="1" dirty="0">
+                <a:latin typeface="Arial" panose="020B0604020202020204" pitchFamily="34" charset="0"/>
+                <a:cs typeface="Arial" panose="020B0604020202020204" pitchFamily="34" charset="0"/>
+              </a:rPr>
+              <a:t>Code verlangen und eingeben</a:t>
+            </a:r>
+          </a:p>
+        </p:txBody>
+      </p:sp>
+      <p:sp>
+        <p:nvSpPr>
+          <p:cNvPr id="1052" name="Textfeld 1051">
+            <a:extLst>
+              <a:ext uri="{FF2B5EF4-FFF2-40B4-BE49-F238E27FC236}">
+                <a16:creationId xmlns:a16="http://schemas.microsoft.com/office/drawing/2014/main" id="{67AADC91-BC37-B0D5-CBC4-A9AE20679774}"/>
+              </a:ext>
+            </a:extLst>
+          </p:cNvPr>
+          <p:cNvSpPr txBox="1"/>
+          <p:nvPr/>
+        </p:nvSpPr>
+        <p:spPr>
+          <a:xfrm>
+            <a:off x="4856728" y="3406302"/>
+            <a:ext cx="1890912" cy="307777"/>
+          </a:xfrm>
+          <a:prstGeom prst="rect">
+            <a:avLst/>
+          </a:prstGeom>
+          <a:noFill/>
+        </p:spPr>
+        <p:txBody>
+          <a:bodyPr wrap="square" rtlCol="0">
+            <a:spAutoFit/>
+          </a:bodyPr>
+          <a:lstStyle/>
+          <a:p>
+            <a:r>
+              <a:rPr lang="de-CH" sz="1400" b="1" dirty="0">
+                <a:latin typeface="Arial" panose="020B0604020202020204" pitchFamily="34" charset="0"/>
+                <a:cs typeface="Arial" panose="020B0604020202020204" pitchFamily="34" charset="0"/>
+              </a:rPr>
+              <a:t>Code eingeben</a:t>
+            </a:r>
+          </a:p>
+        </p:txBody>
+      </p:sp>
+      <p:sp>
+        <p:nvSpPr>
+          <p:cNvPr id="1053" name="Textfeld 1052">
+            <a:extLst>
+              <a:ext uri="{FF2B5EF4-FFF2-40B4-BE49-F238E27FC236}">
+                <a16:creationId xmlns:a16="http://schemas.microsoft.com/office/drawing/2014/main" id="{80F29475-5C4C-4339-98C2-5688E53E1DF0}"/>
+              </a:ext>
+            </a:extLst>
+          </p:cNvPr>
+          <p:cNvSpPr txBox="1"/>
+          <p:nvPr/>
+        </p:nvSpPr>
+        <p:spPr>
+          <a:xfrm>
+            <a:off x="8409600" y="3078878"/>
+            <a:ext cx="3118577" cy="307777"/>
+          </a:xfrm>
+          <a:prstGeom prst="rect">
+            <a:avLst/>
+          </a:prstGeom>
+          <a:noFill/>
+        </p:spPr>
+        <p:txBody>
+          <a:bodyPr wrap="square" rtlCol="0">
+            <a:spAutoFit/>
+          </a:bodyPr>
+          <a:lstStyle/>
+          <a:p>
+            <a:r>
+              <a:rPr lang="de-CH" sz="1400" b="1" dirty="0">
+                <a:latin typeface="Arial" panose="020B0604020202020204" pitchFamily="34" charset="0"/>
+                <a:cs typeface="Arial" panose="020B0604020202020204" pitchFamily="34" charset="0"/>
+              </a:rPr>
+              <a:t>Bild aufladen</a:t>
+            </a:r>
+          </a:p>
+        </p:txBody>
+      </p:sp>
+      <p:sp>
+        <p:nvSpPr>
+          <p:cNvPr id="1054" name="Textfeld 1053">
+            <a:extLst>
+              <a:ext uri="{FF2B5EF4-FFF2-40B4-BE49-F238E27FC236}">
+                <a16:creationId xmlns:a16="http://schemas.microsoft.com/office/drawing/2014/main" id="{0586D12B-F391-32A7-07CA-D2CC7BBAA08A}"/>
+              </a:ext>
+            </a:extLst>
+          </p:cNvPr>
+          <p:cNvSpPr txBox="1"/>
+          <p:nvPr/>
+        </p:nvSpPr>
+        <p:spPr>
+          <a:xfrm>
+            <a:off x="1285943" y="2284898"/>
+            <a:ext cx="556074" cy="646331"/>
+          </a:xfrm>
+          <a:prstGeom prst="rect">
+            <a:avLst/>
+          </a:prstGeom>
+          <a:noFill/>
+        </p:spPr>
+        <p:txBody>
+          <a:bodyPr wrap="square" rtlCol="0">
+            <a:spAutoFit/>
+          </a:bodyPr>
+          <a:lstStyle/>
+          <a:p>
+            <a:r>
+              <a:rPr lang="de-CH" sz="3600" b="1" dirty="0">
+                <a:latin typeface="Arial" panose="020B0604020202020204" pitchFamily="34" charset="0"/>
+                <a:cs typeface="Arial" panose="020B0604020202020204" pitchFamily="34" charset="0"/>
+              </a:rPr>
+              <a:t>1</a:t>
+            </a:r>
+          </a:p>
+        </p:txBody>
+      </p:sp>
+      <p:sp>
+        <p:nvSpPr>
+          <p:cNvPr id="1055" name="Textfeld 1054">
+            <a:extLst>
+              <a:ext uri="{FF2B5EF4-FFF2-40B4-BE49-F238E27FC236}">
+                <a16:creationId xmlns:a16="http://schemas.microsoft.com/office/drawing/2014/main" id="{3AAF4792-6D56-4D3E-64B2-B385E3827B88}"/>
+              </a:ext>
+            </a:extLst>
+          </p:cNvPr>
+          <p:cNvSpPr txBox="1"/>
+          <p:nvPr/>
+        </p:nvSpPr>
+        <p:spPr>
+          <a:xfrm>
+            <a:off x="4422306" y="2291712"/>
+            <a:ext cx="711294" cy="646331"/>
+          </a:xfrm>
+          <a:prstGeom prst="rect">
+            <a:avLst/>
+          </a:prstGeom>
+          <a:noFill/>
+        </p:spPr>
+        <p:txBody>
+          <a:bodyPr wrap="square" rtlCol="0">
+            <a:spAutoFit/>
+          </a:bodyPr>
+          <a:lstStyle/>
+          <a:p>
+            <a:r>
+              <a:rPr lang="de-CH" sz="3600" b="1" dirty="0">
+                <a:latin typeface="Arial" panose="020B0604020202020204" pitchFamily="34" charset="0"/>
+                <a:cs typeface="Arial" panose="020B0604020202020204" pitchFamily="34" charset="0"/>
+              </a:rPr>
+              <a:t>2</a:t>
+            </a:r>
+          </a:p>
+        </p:txBody>
+      </p:sp>
+      <p:sp>
+        <p:nvSpPr>
+          <p:cNvPr id="1056" name="Textfeld 1055">
+            <a:extLst>
+              <a:ext uri="{FF2B5EF4-FFF2-40B4-BE49-F238E27FC236}">
+                <a16:creationId xmlns:a16="http://schemas.microsoft.com/office/drawing/2014/main" id="{13C50AF9-1114-FA7B-B9E2-551BF6A08388}"/>
+              </a:ext>
+            </a:extLst>
+          </p:cNvPr>
+          <p:cNvSpPr txBox="1"/>
+          <p:nvPr/>
+        </p:nvSpPr>
+        <p:spPr>
+          <a:xfrm>
+            <a:off x="7916693" y="2291712"/>
+            <a:ext cx="556074" cy="646331"/>
+          </a:xfrm>
+          <a:prstGeom prst="rect">
+            <a:avLst/>
+          </a:prstGeom>
+          <a:noFill/>
+        </p:spPr>
+        <p:txBody>
+          <a:bodyPr wrap="square" rtlCol="0">
+            <a:spAutoFit/>
+          </a:bodyPr>
+          <a:lstStyle/>
+          <a:p>
+            <a:r>
+              <a:rPr lang="de-CH" sz="3600" b="1" dirty="0">
+                <a:latin typeface="Arial" panose="020B0604020202020204" pitchFamily="34" charset="0"/>
+                <a:cs typeface="Arial" panose="020B0604020202020204" pitchFamily="34" charset="0"/>
+              </a:rPr>
+              <a:t>3</a:t>
+            </a:r>
+          </a:p>
+        </p:txBody>
+      </p:sp>
+      <p:sp>
+        <p:nvSpPr>
+          <p:cNvPr id="1057" name="Textfeld 1056">
+            <a:extLst>
+              <a:ext uri="{FF2B5EF4-FFF2-40B4-BE49-F238E27FC236}">
+                <a16:creationId xmlns:a16="http://schemas.microsoft.com/office/drawing/2014/main" id="{04949F1F-7261-D132-683D-AA08F2653D31}"/>
+              </a:ext>
+            </a:extLst>
+          </p:cNvPr>
+          <p:cNvSpPr txBox="1"/>
+          <p:nvPr/>
+        </p:nvSpPr>
+        <p:spPr>
+          <a:xfrm>
+            <a:off x="10664274" y="2247997"/>
+            <a:ext cx="556074" cy="646331"/>
+          </a:xfrm>
+          <a:prstGeom prst="rect">
+            <a:avLst/>
+          </a:prstGeom>
+          <a:noFill/>
+        </p:spPr>
+        <p:txBody>
+          <a:bodyPr wrap="square" rtlCol="0">
+            <a:spAutoFit/>
+          </a:bodyPr>
+          <a:lstStyle/>
+          <a:p>
+            <a:r>
+              <a:rPr lang="de-CH" sz="3600" b="1" dirty="0">
+                <a:latin typeface="Arial" panose="020B0604020202020204" pitchFamily="34" charset="0"/>
+                <a:cs typeface="Arial" panose="020B0604020202020204" pitchFamily="34" charset="0"/>
+              </a:rPr>
+              <a:t>4</a:t>
+            </a:r>
+          </a:p>
+        </p:txBody>
+      </p:sp>
+      <p:sp>
+        <p:nvSpPr>
+          <p:cNvPr id="1058" name="Textfeld 1057">
+            <a:extLst>
+              <a:ext uri="{FF2B5EF4-FFF2-40B4-BE49-F238E27FC236}">
+                <a16:creationId xmlns:a16="http://schemas.microsoft.com/office/drawing/2014/main" id="{86B8B3DE-360C-A0EC-0200-7C2C9398A04F}"/>
+              </a:ext>
+            </a:extLst>
+          </p:cNvPr>
+          <p:cNvSpPr txBox="1"/>
+          <p:nvPr/>
+        </p:nvSpPr>
+        <p:spPr>
+          <a:xfrm>
+            <a:off x="1388434" y="6111572"/>
+            <a:ext cx="556074" cy="646331"/>
+          </a:xfrm>
+          <a:prstGeom prst="rect">
+            <a:avLst/>
+          </a:prstGeom>
+          <a:noFill/>
+        </p:spPr>
+        <p:txBody>
+          <a:bodyPr wrap="square" rtlCol="0">
+            <a:spAutoFit/>
+          </a:bodyPr>
+          <a:lstStyle/>
+          <a:p>
+            <a:r>
+              <a:rPr lang="de-CH" sz="3600" b="1" dirty="0">
+                <a:latin typeface="Arial" panose="020B0604020202020204" pitchFamily="34" charset="0"/>
+                <a:cs typeface="Arial" panose="020B0604020202020204" pitchFamily="34" charset="0"/>
+              </a:rPr>
+              <a:t>5</a:t>
+            </a:r>
+          </a:p>
+        </p:txBody>
+      </p:sp>
+      <p:sp>
+        <p:nvSpPr>
+          <p:cNvPr id="1059" name="Textfeld 1058">
+            <a:extLst>
+              <a:ext uri="{FF2B5EF4-FFF2-40B4-BE49-F238E27FC236}">
+                <a16:creationId xmlns:a16="http://schemas.microsoft.com/office/drawing/2014/main" id="{377AABCD-C62C-A086-C376-59EF42127685}"/>
+              </a:ext>
+            </a:extLst>
+          </p:cNvPr>
+          <p:cNvSpPr txBox="1"/>
+          <p:nvPr/>
+        </p:nvSpPr>
+        <p:spPr>
+          <a:xfrm>
+            <a:off x="5261048" y="6215797"/>
+            <a:ext cx="556074" cy="646331"/>
+          </a:xfrm>
+          <a:prstGeom prst="rect">
+            <a:avLst/>
+          </a:prstGeom>
+          <a:noFill/>
+        </p:spPr>
+        <p:txBody>
+          <a:bodyPr wrap="square" rtlCol="0">
+            <a:spAutoFit/>
+          </a:bodyPr>
+          <a:lstStyle/>
+          <a:p>
+            <a:r>
+              <a:rPr lang="de-CH" sz="3600" b="1" dirty="0">
+                <a:latin typeface="Arial" panose="020B0604020202020204" pitchFamily="34" charset="0"/>
+                <a:cs typeface="Arial" panose="020B0604020202020204" pitchFamily="34" charset="0"/>
+              </a:rPr>
+              <a:t>6</a:t>
+            </a:r>
+          </a:p>
+        </p:txBody>
+      </p:sp>
+      <p:sp>
+        <p:nvSpPr>
+          <p:cNvPr id="1060" name="Textfeld 1059">
+            <a:extLst>
+              <a:ext uri="{FF2B5EF4-FFF2-40B4-BE49-F238E27FC236}">
+                <a16:creationId xmlns:a16="http://schemas.microsoft.com/office/drawing/2014/main" id="{CB782207-C6EE-9E47-EDE2-B4B3E59A1316}"/>
+              </a:ext>
+            </a:extLst>
+          </p:cNvPr>
+          <p:cNvSpPr txBox="1"/>
+          <p:nvPr/>
+        </p:nvSpPr>
+        <p:spPr>
+          <a:xfrm>
+            <a:off x="9749014" y="6211669"/>
+            <a:ext cx="556074" cy="646331"/>
+          </a:xfrm>
+          <a:prstGeom prst="rect">
+            <a:avLst/>
+          </a:prstGeom>
+          <a:noFill/>
+        </p:spPr>
+        <p:txBody>
+          <a:bodyPr wrap="square" rtlCol="0">
+            <a:spAutoFit/>
+          </a:bodyPr>
+          <a:lstStyle/>
+          <a:p>
+            <a:r>
+              <a:rPr lang="de-CH" sz="3600" b="1" dirty="0">
+                <a:latin typeface="Arial" panose="020B0604020202020204" pitchFamily="34" charset="0"/>
+                <a:cs typeface="Arial" panose="020B0604020202020204" pitchFamily="34" charset="0"/>
+              </a:rPr>
+              <a:t>7</a:t>
             </a:r>
           </a:p>
         </p:txBody>
@@ -5380,7 +7299,7 @@
     </p:spTree>
     <p:extLst>
       <p:ext uri="{BB962C8B-B14F-4D97-AF65-F5344CB8AC3E}">
-        <p14:creationId xmlns:p14="http://schemas.microsoft.com/office/powerpoint/2010/main" val="3356822967"/>
+        <p14:creationId xmlns:p14="http://schemas.microsoft.com/office/powerpoint/2010/main" val="477222488"/>
       </p:ext>
     </p:extLst>
   </p:cSld>
@@ -5409,6 +7328,1255 @@
       </p:grpSpPr>
       <p:sp>
         <p:nvSpPr>
+          <p:cNvPr id="37" name="Rechteck 36">
+            <a:extLst>
+              <a:ext uri="{FF2B5EF4-FFF2-40B4-BE49-F238E27FC236}">
+                <a16:creationId xmlns:a16="http://schemas.microsoft.com/office/drawing/2014/main" id="{66159739-0224-8070-249D-799960436EA0}"/>
+              </a:ext>
+            </a:extLst>
+          </p:cNvPr>
+          <p:cNvSpPr/>
+          <p:nvPr/>
+        </p:nvSpPr>
+        <p:spPr>
+          <a:xfrm>
+            <a:off x="4068690" y="397349"/>
+            <a:ext cx="3339167" cy="6227893"/>
+          </a:xfrm>
+          <a:prstGeom prst="rect">
+            <a:avLst/>
+          </a:prstGeom>
+          <a:solidFill>
+            <a:srgbClr val="DFE0E1"/>
+          </a:solidFill>
+          <a:ln>
+            <a:solidFill>
+              <a:srgbClr val="C8C8C8"/>
+            </a:solidFill>
+          </a:ln>
+        </p:spPr>
+        <p:style>
+          <a:lnRef idx="2">
+            <a:schemeClr val="accent1">
+              <a:shade val="50000"/>
+            </a:schemeClr>
+          </a:lnRef>
+          <a:fillRef idx="1">
+            <a:schemeClr val="accent1"/>
+          </a:fillRef>
+          <a:effectRef idx="0">
+            <a:schemeClr val="accent1"/>
+          </a:effectRef>
+          <a:fontRef idx="minor">
+            <a:schemeClr val="lt1"/>
+          </a:fontRef>
+        </p:style>
+        <p:txBody>
+          <a:bodyPr rtlCol="0" anchor="ctr"/>
+          <a:lstStyle/>
+          <a:p>
+            <a:pPr algn="ctr"/>
+            <a:endParaRPr lang="de-CH" sz="1600" dirty="0">
+              <a:solidFill>
+                <a:schemeClr val="tx1"/>
+              </a:solidFill>
+              <a:latin typeface="Arial" panose="020B0604020202020204" pitchFamily="34" charset="0"/>
+              <a:cs typeface="Arial" panose="020B0604020202020204" pitchFamily="34" charset="0"/>
+            </a:endParaRPr>
+          </a:p>
+        </p:txBody>
+      </p:sp>
+      <p:sp>
+        <p:nvSpPr>
+          <p:cNvPr id="38" name="Rechteck 37">
+            <a:extLst>
+              <a:ext uri="{FF2B5EF4-FFF2-40B4-BE49-F238E27FC236}">
+                <a16:creationId xmlns:a16="http://schemas.microsoft.com/office/drawing/2014/main" id="{540AE164-332A-09D3-4E06-29A94954EC84}"/>
+              </a:ext>
+            </a:extLst>
+          </p:cNvPr>
+          <p:cNvSpPr/>
+          <p:nvPr/>
+        </p:nvSpPr>
+        <p:spPr>
+          <a:xfrm>
+            <a:off x="4068687" y="302550"/>
+            <a:ext cx="3339167" cy="769028"/>
+          </a:xfrm>
+          <a:prstGeom prst="rect">
+            <a:avLst/>
+          </a:prstGeom>
+          <a:solidFill>
+            <a:schemeClr val="tx1"/>
+          </a:solidFill>
+          <a:ln>
+            <a:solidFill>
+              <a:schemeClr val="tx1"/>
+            </a:solidFill>
+          </a:ln>
+        </p:spPr>
+        <p:style>
+          <a:lnRef idx="2">
+            <a:schemeClr val="accent1">
+              <a:shade val="50000"/>
+            </a:schemeClr>
+          </a:lnRef>
+          <a:fillRef idx="1">
+            <a:schemeClr val="accent1"/>
+          </a:fillRef>
+          <a:effectRef idx="0">
+            <a:schemeClr val="accent1"/>
+          </a:effectRef>
+          <a:fontRef idx="minor">
+            <a:schemeClr val="lt1"/>
+          </a:fontRef>
+        </p:style>
+        <p:txBody>
+          <a:bodyPr rtlCol="0" anchor="ctr"/>
+          <a:lstStyle/>
+          <a:p>
+            <a:pPr algn="ctr"/>
+            <a:r>
+              <a:rPr lang="de-CH" sz="1600" b="1" dirty="0">
+                <a:solidFill>
+                  <a:srgbClr val="FF000A"/>
+                </a:solidFill>
+                <a:latin typeface="Arial" panose="020B0604020202020204" pitchFamily="34" charset="0"/>
+                <a:cs typeface="Arial" panose="020B0604020202020204" pitchFamily="34" charset="0"/>
+              </a:rPr>
+              <a:t>          </a:t>
+            </a:r>
+          </a:p>
+          <a:p>
+            <a:pPr algn="ctr"/>
+            <a:r>
+              <a:rPr lang="de-CH" sz="1400" b="1" dirty="0">
+                <a:solidFill>
+                  <a:srgbClr val="FF000A"/>
+                </a:solidFill>
+                <a:latin typeface="Arial" panose="020B0604020202020204" pitchFamily="34" charset="0"/>
+                <a:cs typeface="Arial" panose="020B0604020202020204" pitchFamily="34" charset="0"/>
+              </a:rPr>
+              <a:t>Gästebuch-Bild hochladen </a:t>
+            </a:r>
+          </a:p>
+        </p:txBody>
+      </p:sp>
+      <p:pic>
+        <p:nvPicPr>
+          <p:cNvPr id="36" name="Grafik 35">
+            <a:extLst>
+              <a:ext uri="{FF2B5EF4-FFF2-40B4-BE49-F238E27FC236}">
+                <a16:creationId xmlns:a16="http://schemas.microsoft.com/office/drawing/2014/main" id="{21E292FE-3E49-C106-DE88-0409A3F4E81B}"/>
+              </a:ext>
+            </a:extLst>
+          </p:cNvPr>
+          <p:cNvPicPr>
+            <a:picLocks noChangeAspect="1"/>
+          </p:cNvPicPr>
+          <p:nvPr/>
+        </p:nvPicPr>
+        <p:blipFill>
+          <a:blip r:embed="rId2"/>
+          <a:stretch>
+            <a:fillRect/>
+          </a:stretch>
+        </p:blipFill>
+        <p:spPr>
+          <a:xfrm>
+            <a:off x="4509701" y="399209"/>
+            <a:ext cx="2457143" cy="238095"/>
+          </a:xfrm>
+          <a:prstGeom prst="rect">
+            <a:avLst/>
+          </a:prstGeom>
+        </p:spPr>
+      </p:pic>
+      <p:sp>
+        <p:nvSpPr>
+          <p:cNvPr id="39" name="Rechteck 38">
+            <a:extLst>
+              <a:ext uri="{FF2B5EF4-FFF2-40B4-BE49-F238E27FC236}">
+                <a16:creationId xmlns:a16="http://schemas.microsoft.com/office/drawing/2014/main" id="{24EA8C2D-6863-2978-0C07-93F36FB5B62F}"/>
+              </a:ext>
+            </a:extLst>
+          </p:cNvPr>
+          <p:cNvSpPr/>
+          <p:nvPr/>
+        </p:nvSpPr>
+        <p:spPr>
+          <a:xfrm>
+            <a:off x="4746568" y="1137899"/>
+            <a:ext cx="2579516" cy="301629"/>
+          </a:xfrm>
+          <a:prstGeom prst="rect">
+            <a:avLst/>
+          </a:prstGeom>
+          <a:solidFill>
+            <a:schemeClr val="bg1"/>
+          </a:solidFill>
+          <a:ln>
+            <a:solidFill>
+              <a:schemeClr val="tx1"/>
+            </a:solidFill>
+          </a:ln>
+        </p:spPr>
+        <p:style>
+          <a:lnRef idx="2">
+            <a:schemeClr val="accent1">
+              <a:shade val="50000"/>
+            </a:schemeClr>
+          </a:lnRef>
+          <a:fillRef idx="1">
+            <a:schemeClr val="accent1"/>
+          </a:fillRef>
+          <a:effectRef idx="0">
+            <a:schemeClr val="accent1"/>
+          </a:effectRef>
+          <a:fontRef idx="minor">
+            <a:schemeClr val="lt1"/>
+          </a:fontRef>
+        </p:style>
+        <p:txBody>
+          <a:bodyPr rtlCol="0" anchor="ctr"/>
+          <a:lstStyle/>
+          <a:p>
+            <a:r>
+              <a:rPr lang="de-CH" sz="1200" i="1" dirty="0">
+                <a:solidFill>
+                  <a:schemeClr val="tx1"/>
+                </a:solidFill>
+                <a:latin typeface="Arial" panose="020B0604020202020204" pitchFamily="34" charset="0"/>
+                <a:cs typeface="Arial" panose="020B0604020202020204" pitchFamily="34" charset="0"/>
+              </a:rPr>
+              <a:t>Name(n) eingeben …</a:t>
+            </a:r>
+          </a:p>
+        </p:txBody>
+      </p:sp>
+      <p:sp>
+        <p:nvSpPr>
+          <p:cNvPr id="40" name="Textfeld 39">
+            <a:extLst>
+              <a:ext uri="{FF2B5EF4-FFF2-40B4-BE49-F238E27FC236}">
+                <a16:creationId xmlns:a16="http://schemas.microsoft.com/office/drawing/2014/main" id="{75EF25B3-2D78-8470-3EA7-1561C4A2751C}"/>
+              </a:ext>
+            </a:extLst>
+          </p:cNvPr>
+          <p:cNvSpPr txBox="1"/>
+          <p:nvPr/>
+        </p:nvSpPr>
+        <p:spPr>
+          <a:xfrm>
+            <a:off x="4068093" y="1134825"/>
+            <a:ext cx="678475" cy="307777"/>
+          </a:xfrm>
+          <a:prstGeom prst="rect">
+            <a:avLst/>
+          </a:prstGeom>
+          <a:noFill/>
+        </p:spPr>
+        <p:txBody>
+          <a:bodyPr wrap="square" rtlCol="0">
+            <a:spAutoFit/>
+          </a:bodyPr>
+          <a:lstStyle/>
+          <a:p>
+            <a:r>
+              <a:rPr lang="de-CH" sz="1400" b="1" dirty="0">
+                <a:latin typeface="Arial" panose="020B0604020202020204" pitchFamily="34" charset="0"/>
+                <a:cs typeface="Arial" panose="020B0604020202020204" pitchFamily="34" charset="0"/>
+              </a:rPr>
+              <a:t>Name</a:t>
+            </a:r>
+          </a:p>
+        </p:txBody>
+      </p:sp>
+      <p:sp>
+        <p:nvSpPr>
+          <p:cNvPr id="41" name="Rechteck 40">
+            <a:extLst>
+              <a:ext uri="{FF2B5EF4-FFF2-40B4-BE49-F238E27FC236}">
+                <a16:creationId xmlns:a16="http://schemas.microsoft.com/office/drawing/2014/main" id="{93DC624D-691E-C2CE-2509-44EB5AA4FEC2}"/>
+              </a:ext>
+            </a:extLst>
+          </p:cNvPr>
+          <p:cNvSpPr/>
+          <p:nvPr/>
+        </p:nvSpPr>
+        <p:spPr>
+          <a:xfrm>
+            <a:off x="4747162" y="1494738"/>
+            <a:ext cx="2579516" cy="301629"/>
+          </a:xfrm>
+          <a:prstGeom prst="rect">
+            <a:avLst/>
+          </a:prstGeom>
+          <a:solidFill>
+            <a:schemeClr val="bg1"/>
+          </a:solidFill>
+          <a:ln>
+            <a:solidFill>
+              <a:schemeClr val="tx1"/>
+            </a:solidFill>
+          </a:ln>
+        </p:spPr>
+        <p:style>
+          <a:lnRef idx="2">
+            <a:schemeClr val="accent1">
+              <a:shade val="50000"/>
+            </a:schemeClr>
+          </a:lnRef>
+          <a:fillRef idx="1">
+            <a:schemeClr val="accent1"/>
+          </a:fillRef>
+          <a:effectRef idx="0">
+            <a:schemeClr val="accent1"/>
+          </a:effectRef>
+          <a:fontRef idx="minor">
+            <a:schemeClr val="lt1"/>
+          </a:fontRef>
+        </p:style>
+        <p:txBody>
+          <a:bodyPr rtlCol="0" anchor="ctr"/>
+          <a:lstStyle/>
+          <a:p>
+            <a:r>
+              <a:rPr lang="de-CH" sz="1200" i="1" dirty="0">
+                <a:solidFill>
+                  <a:schemeClr val="tx1"/>
+                </a:solidFill>
+                <a:latin typeface="Arial" panose="020B0604020202020204" pitchFamily="34" charset="0"/>
+                <a:cs typeface="Arial" panose="020B0604020202020204" pitchFamily="34" charset="0"/>
+              </a:rPr>
+              <a:t>E-Mail Adresse eingeben …</a:t>
+            </a:r>
+          </a:p>
+        </p:txBody>
+      </p:sp>
+      <p:sp>
+        <p:nvSpPr>
+          <p:cNvPr id="42" name="Textfeld 41">
+            <a:extLst>
+              <a:ext uri="{FF2B5EF4-FFF2-40B4-BE49-F238E27FC236}">
+                <a16:creationId xmlns:a16="http://schemas.microsoft.com/office/drawing/2014/main" id="{998E33D5-6A69-0D61-6009-1663816340AA}"/>
+              </a:ext>
+            </a:extLst>
+          </p:cNvPr>
+          <p:cNvSpPr txBox="1"/>
+          <p:nvPr/>
+        </p:nvSpPr>
+        <p:spPr>
+          <a:xfrm>
+            <a:off x="4068687" y="1491664"/>
+            <a:ext cx="789260" cy="307777"/>
+          </a:xfrm>
+          <a:prstGeom prst="rect">
+            <a:avLst/>
+          </a:prstGeom>
+          <a:noFill/>
+        </p:spPr>
+        <p:txBody>
+          <a:bodyPr wrap="square" rtlCol="0">
+            <a:spAutoFit/>
+          </a:bodyPr>
+          <a:lstStyle/>
+          <a:p>
+            <a:r>
+              <a:rPr lang="de-CH" sz="1400" b="1" dirty="0">
+                <a:latin typeface="Arial" panose="020B0604020202020204" pitchFamily="34" charset="0"/>
+                <a:cs typeface="Arial" panose="020B0604020202020204" pitchFamily="34" charset="0"/>
+              </a:rPr>
+              <a:t>E-Mail</a:t>
+            </a:r>
+          </a:p>
+        </p:txBody>
+      </p:sp>
+      <p:sp>
+        <p:nvSpPr>
+          <p:cNvPr id="43" name="Rechteck 42">
+            <a:extLst>
+              <a:ext uri="{FF2B5EF4-FFF2-40B4-BE49-F238E27FC236}">
+                <a16:creationId xmlns:a16="http://schemas.microsoft.com/office/drawing/2014/main" id="{93FB0C75-490B-A826-AF13-2664BAC76100}"/>
+              </a:ext>
+            </a:extLst>
+          </p:cNvPr>
+          <p:cNvSpPr/>
+          <p:nvPr/>
+        </p:nvSpPr>
+        <p:spPr>
+          <a:xfrm>
+            <a:off x="4159135" y="1862689"/>
+            <a:ext cx="3166949" cy="255249"/>
+          </a:xfrm>
+          <a:prstGeom prst="rect">
+            <a:avLst/>
+          </a:prstGeom>
+          <a:noFill/>
+          <a:ln>
+            <a:solidFill>
+              <a:schemeClr val="tx1"/>
+            </a:solidFill>
+          </a:ln>
+        </p:spPr>
+        <p:style>
+          <a:lnRef idx="2">
+            <a:schemeClr val="accent1">
+              <a:shade val="50000"/>
+            </a:schemeClr>
+          </a:lnRef>
+          <a:fillRef idx="1">
+            <a:schemeClr val="accent1"/>
+          </a:fillRef>
+          <a:effectRef idx="0">
+            <a:schemeClr val="accent1"/>
+          </a:effectRef>
+          <a:fontRef idx="minor">
+            <a:schemeClr val="lt1"/>
+          </a:fontRef>
+        </p:style>
+        <p:txBody>
+          <a:bodyPr rtlCol="0" anchor="ctr"/>
+          <a:lstStyle/>
+          <a:p>
+            <a:pPr algn="ctr"/>
+            <a:r>
+              <a:rPr lang="de-CH" sz="1200" dirty="0">
+                <a:solidFill>
+                  <a:schemeClr val="tx1"/>
+                </a:solidFill>
+                <a:latin typeface="Arial" panose="020B0604020202020204" pitchFamily="34" charset="0"/>
+                <a:cs typeface="Arial" panose="020B0604020202020204" pitchFamily="34" charset="0"/>
+              </a:rPr>
+              <a:t>Code verlangen</a:t>
+            </a:r>
+          </a:p>
+        </p:txBody>
+      </p:sp>
+      <p:sp>
+        <p:nvSpPr>
+          <p:cNvPr id="44" name="Rechteck 43">
+            <a:extLst>
+              <a:ext uri="{FF2B5EF4-FFF2-40B4-BE49-F238E27FC236}">
+                <a16:creationId xmlns:a16="http://schemas.microsoft.com/office/drawing/2014/main" id="{C8441DBC-F492-30F3-7DDE-F36160AED254}"/>
+              </a:ext>
+            </a:extLst>
+          </p:cNvPr>
+          <p:cNvSpPr/>
+          <p:nvPr/>
+        </p:nvSpPr>
+        <p:spPr>
+          <a:xfrm>
+            <a:off x="4746568" y="2180076"/>
+            <a:ext cx="1769191" cy="301629"/>
+          </a:xfrm>
+          <a:prstGeom prst="rect">
+            <a:avLst/>
+          </a:prstGeom>
+          <a:solidFill>
+            <a:schemeClr val="bg1"/>
+          </a:solidFill>
+          <a:ln>
+            <a:solidFill>
+              <a:schemeClr val="tx1"/>
+            </a:solidFill>
+          </a:ln>
+        </p:spPr>
+        <p:style>
+          <a:lnRef idx="2">
+            <a:schemeClr val="accent1">
+              <a:shade val="50000"/>
+            </a:schemeClr>
+          </a:lnRef>
+          <a:fillRef idx="1">
+            <a:schemeClr val="accent1"/>
+          </a:fillRef>
+          <a:effectRef idx="0">
+            <a:schemeClr val="accent1"/>
+          </a:effectRef>
+          <a:fontRef idx="minor">
+            <a:schemeClr val="lt1"/>
+          </a:fontRef>
+        </p:style>
+        <p:txBody>
+          <a:bodyPr rtlCol="0" anchor="ctr"/>
+          <a:lstStyle/>
+          <a:p>
+            <a:r>
+              <a:rPr lang="de-CH" sz="1200" i="1" dirty="0">
+                <a:solidFill>
+                  <a:schemeClr val="tx1"/>
+                </a:solidFill>
+                <a:latin typeface="Arial" panose="020B0604020202020204" pitchFamily="34" charset="0"/>
+                <a:cs typeface="Arial" panose="020B0604020202020204" pitchFamily="34" charset="0"/>
+              </a:rPr>
+              <a:t>Code eingeben …</a:t>
+            </a:r>
+          </a:p>
+        </p:txBody>
+      </p:sp>
+      <p:sp>
+        <p:nvSpPr>
+          <p:cNvPr id="45" name="Textfeld 44">
+            <a:extLst>
+              <a:ext uri="{FF2B5EF4-FFF2-40B4-BE49-F238E27FC236}">
+                <a16:creationId xmlns:a16="http://schemas.microsoft.com/office/drawing/2014/main" id="{0DCE8159-FBC2-2E7D-5FB1-05913886AF27}"/>
+              </a:ext>
+            </a:extLst>
+          </p:cNvPr>
+          <p:cNvSpPr txBox="1"/>
+          <p:nvPr/>
+        </p:nvSpPr>
+        <p:spPr>
+          <a:xfrm>
+            <a:off x="4068093" y="2177002"/>
+            <a:ext cx="678475" cy="307777"/>
+          </a:xfrm>
+          <a:prstGeom prst="rect">
+            <a:avLst/>
+          </a:prstGeom>
+          <a:noFill/>
+        </p:spPr>
+        <p:txBody>
+          <a:bodyPr wrap="square" rtlCol="0">
+            <a:spAutoFit/>
+          </a:bodyPr>
+          <a:lstStyle/>
+          <a:p>
+            <a:r>
+              <a:rPr lang="de-CH" sz="1400" b="1" dirty="0">
+                <a:latin typeface="Arial" panose="020B0604020202020204" pitchFamily="34" charset="0"/>
+                <a:cs typeface="Arial" panose="020B0604020202020204" pitchFamily="34" charset="0"/>
+              </a:rPr>
+              <a:t>Code</a:t>
+            </a:r>
+          </a:p>
+        </p:txBody>
+      </p:sp>
+      <p:sp>
+        <p:nvSpPr>
+          <p:cNvPr id="46" name="Textfeld 45">
+            <a:extLst>
+              <a:ext uri="{FF2B5EF4-FFF2-40B4-BE49-F238E27FC236}">
+                <a16:creationId xmlns:a16="http://schemas.microsoft.com/office/drawing/2014/main" id="{1B202BDF-133D-92D1-2CE0-BCFCF0172A02}"/>
+              </a:ext>
+            </a:extLst>
+          </p:cNvPr>
+          <p:cNvSpPr txBox="1"/>
+          <p:nvPr/>
+        </p:nvSpPr>
+        <p:spPr>
+          <a:xfrm>
+            <a:off x="4068093" y="2601444"/>
+            <a:ext cx="596564" cy="307777"/>
+          </a:xfrm>
+          <a:prstGeom prst="rect">
+            <a:avLst/>
+          </a:prstGeom>
+          <a:noFill/>
+        </p:spPr>
+        <p:txBody>
+          <a:bodyPr wrap="square" rtlCol="0">
+            <a:spAutoFit/>
+          </a:bodyPr>
+          <a:lstStyle/>
+          <a:p>
+            <a:r>
+              <a:rPr lang="de-CH" sz="1400" b="1" dirty="0">
+                <a:latin typeface="Arial" panose="020B0604020202020204" pitchFamily="34" charset="0"/>
+                <a:cs typeface="Arial" panose="020B0604020202020204" pitchFamily="34" charset="0"/>
+              </a:rPr>
+              <a:t>IMG</a:t>
+            </a:r>
+          </a:p>
+        </p:txBody>
+      </p:sp>
+      <p:sp>
+        <p:nvSpPr>
+          <p:cNvPr id="47" name="Rechteck 46">
+            <a:extLst>
+              <a:ext uri="{FF2B5EF4-FFF2-40B4-BE49-F238E27FC236}">
+                <a16:creationId xmlns:a16="http://schemas.microsoft.com/office/drawing/2014/main" id="{B202347B-92E2-DE4D-0B60-C5EF3B02FD93}"/>
+              </a:ext>
+            </a:extLst>
+          </p:cNvPr>
+          <p:cNvSpPr/>
+          <p:nvPr/>
+        </p:nvSpPr>
+        <p:spPr>
+          <a:xfrm>
+            <a:off x="4626572" y="2597957"/>
+            <a:ext cx="1889187" cy="301629"/>
+          </a:xfrm>
+          <a:prstGeom prst="rect">
+            <a:avLst/>
+          </a:prstGeom>
+          <a:solidFill>
+            <a:schemeClr val="bg1"/>
+          </a:solidFill>
+          <a:ln>
+            <a:solidFill>
+              <a:schemeClr val="tx1"/>
+            </a:solidFill>
+          </a:ln>
+        </p:spPr>
+        <p:style>
+          <a:lnRef idx="2">
+            <a:schemeClr val="accent1">
+              <a:shade val="50000"/>
+            </a:schemeClr>
+          </a:lnRef>
+          <a:fillRef idx="1">
+            <a:schemeClr val="accent1"/>
+          </a:fillRef>
+          <a:effectRef idx="0">
+            <a:schemeClr val="accent1"/>
+          </a:effectRef>
+          <a:fontRef idx="minor">
+            <a:schemeClr val="lt1"/>
+          </a:fontRef>
+        </p:style>
+        <p:txBody>
+          <a:bodyPr rtlCol="0" anchor="ctr"/>
+          <a:lstStyle/>
+          <a:p>
+            <a:r>
+              <a:rPr lang="de-CH" sz="1200" i="1" dirty="0">
+                <a:solidFill>
+                  <a:schemeClr val="tx1"/>
+                </a:solidFill>
+                <a:latin typeface="Arial" panose="020B0604020202020204" pitchFamily="34" charset="0"/>
+                <a:cs typeface="Arial" panose="020B0604020202020204" pitchFamily="34" charset="0"/>
+              </a:rPr>
+              <a:t>Pfad zeigen nach Upload</a:t>
+            </a:r>
+          </a:p>
+        </p:txBody>
+      </p:sp>
+      <p:sp>
+        <p:nvSpPr>
+          <p:cNvPr id="48" name="Rechteck 47">
+            <a:extLst>
+              <a:ext uri="{FF2B5EF4-FFF2-40B4-BE49-F238E27FC236}">
+                <a16:creationId xmlns:a16="http://schemas.microsoft.com/office/drawing/2014/main" id="{889E301C-EC31-1561-5F03-2B26DD44D794}"/>
+              </a:ext>
+            </a:extLst>
+          </p:cNvPr>
+          <p:cNvSpPr/>
+          <p:nvPr/>
+        </p:nvSpPr>
+        <p:spPr>
+          <a:xfrm>
+            <a:off x="6590101" y="2602649"/>
+            <a:ext cx="735983" cy="292247"/>
+          </a:xfrm>
+          <a:prstGeom prst="rect">
+            <a:avLst/>
+          </a:prstGeom>
+          <a:noFill/>
+          <a:ln>
+            <a:solidFill>
+              <a:schemeClr val="tx1"/>
+            </a:solidFill>
+          </a:ln>
+        </p:spPr>
+        <p:style>
+          <a:lnRef idx="2">
+            <a:schemeClr val="accent1">
+              <a:shade val="50000"/>
+            </a:schemeClr>
+          </a:lnRef>
+          <a:fillRef idx="1">
+            <a:schemeClr val="accent1"/>
+          </a:fillRef>
+          <a:effectRef idx="0">
+            <a:schemeClr val="accent1"/>
+          </a:effectRef>
+          <a:fontRef idx="minor">
+            <a:schemeClr val="lt1"/>
+          </a:fontRef>
+        </p:style>
+        <p:txBody>
+          <a:bodyPr rtlCol="0" anchor="ctr"/>
+          <a:lstStyle/>
+          <a:p>
+            <a:pPr algn="ctr"/>
+            <a:r>
+              <a:rPr lang="de-CH" sz="1200" dirty="0">
+                <a:solidFill>
+                  <a:schemeClr val="tx1"/>
+                </a:solidFill>
+                <a:latin typeface="Arial" panose="020B0604020202020204" pitchFamily="34" charset="0"/>
+                <a:cs typeface="Arial" panose="020B0604020202020204" pitchFamily="34" charset="0"/>
+              </a:rPr>
+              <a:t>Upload</a:t>
+            </a:r>
+          </a:p>
+        </p:txBody>
+      </p:sp>
+      <p:pic>
+        <p:nvPicPr>
+          <p:cNvPr id="50" name="Grafik 49">
+            <a:extLst>
+              <a:ext uri="{FF2B5EF4-FFF2-40B4-BE49-F238E27FC236}">
+                <a16:creationId xmlns:a16="http://schemas.microsoft.com/office/drawing/2014/main" id="{4677A2E2-4F32-6B23-EA53-C5316753CD64}"/>
+              </a:ext>
+            </a:extLst>
+          </p:cNvPr>
+          <p:cNvPicPr>
+            <a:picLocks noChangeAspect="1"/>
+          </p:cNvPicPr>
+          <p:nvPr/>
+        </p:nvPicPr>
+        <p:blipFill>
+          <a:blip r:embed="rId3"/>
+          <a:stretch>
+            <a:fillRect/>
+          </a:stretch>
+        </p:blipFill>
+        <p:spPr>
+          <a:xfrm>
+            <a:off x="4626572" y="3094872"/>
+            <a:ext cx="2254775" cy="1951405"/>
+          </a:xfrm>
+          <a:prstGeom prst="rect">
+            <a:avLst/>
+          </a:prstGeom>
+        </p:spPr>
+      </p:pic>
+      <p:sp>
+        <p:nvSpPr>
+          <p:cNvPr id="51" name="Rechteck 50">
+            <a:extLst>
+              <a:ext uri="{FF2B5EF4-FFF2-40B4-BE49-F238E27FC236}">
+                <a16:creationId xmlns:a16="http://schemas.microsoft.com/office/drawing/2014/main" id="{76F654AF-8D3E-5AB9-9627-123FE53C2E2C}"/>
+              </a:ext>
+            </a:extLst>
+          </p:cNvPr>
+          <p:cNvSpPr/>
+          <p:nvPr/>
+        </p:nvSpPr>
+        <p:spPr>
+          <a:xfrm>
+            <a:off x="4347557" y="3094871"/>
+            <a:ext cx="2851266" cy="1951405"/>
+          </a:xfrm>
+          <a:prstGeom prst="rect">
+            <a:avLst/>
+          </a:prstGeom>
+          <a:noFill/>
+          <a:ln>
+            <a:solidFill>
+              <a:schemeClr val="tx1"/>
+            </a:solidFill>
+            <a:prstDash val="dash"/>
+          </a:ln>
+        </p:spPr>
+        <p:style>
+          <a:lnRef idx="2">
+            <a:schemeClr val="accent1">
+              <a:shade val="50000"/>
+            </a:schemeClr>
+          </a:lnRef>
+          <a:fillRef idx="1">
+            <a:schemeClr val="accent1"/>
+          </a:fillRef>
+          <a:effectRef idx="0">
+            <a:schemeClr val="accent1"/>
+          </a:effectRef>
+          <a:fontRef idx="minor">
+            <a:schemeClr val="lt1"/>
+          </a:fontRef>
+        </p:style>
+        <p:txBody>
+          <a:bodyPr rtlCol="0" anchor="ctr"/>
+          <a:lstStyle/>
+          <a:p>
+            <a:pPr algn="ctr"/>
+            <a:endParaRPr lang="de-CH" sz="1200" dirty="0">
+              <a:solidFill>
+                <a:schemeClr val="tx1"/>
+              </a:solidFill>
+              <a:latin typeface="Arial" panose="020B0604020202020204" pitchFamily="34" charset="0"/>
+              <a:cs typeface="Arial" panose="020B0604020202020204" pitchFamily="34" charset="0"/>
+            </a:endParaRPr>
+          </a:p>
+        </p:txBody>
+      </p:sp>
+      <p:sp>
+        <p:nvSpPr>
+          <p:cNvPr id="52" name="Rechteck 51">
+            <a:extLst>
+              <a:ext uri="{FF2B5EF4-FFF2-40B4-BE49-F238E27FC236}">
+                <a16:creationId xmlns:a16="http://schemas.microsoft.com/office/drawing/2014/main" id="{A789776A-0466-F259-6C51-07561FA96CDD}"/>
+              </a:ext>
+            </a:extLst>
+          </p:cNvPr>
+          <p:cNvSpPr/>
+          <p:nvPr/>
+        </p:nvSpPr>
+        <p:spPr>
+          <a:xfrm>
+            <a:off x="4746568" y="5095436"/>
+            <a:ext cx="2579516" cy="301629"/>
+          </a:xfrm>
+          <a:prstGeom prst="rect">
+            <a:avLst/>
+          </a:prstGeom>
+          <a:solidFill>
+            <a:schemeClr val="bg1"/>
+          </a:solidFill>
+          <a:ln>
+            <a:solidFill>
+              <a:schemeClr val="tx1"/>
+            </a:solidFill>
+          </a:ln>
+        </p:spPr>
+        <p:style>
+          <a:lnRef idx="2">
+            <a:schemeClr val="accent1">
+              <a:shade val="50000"/>
+            </a:schemeClr>
+          </a:lnRef>
+          <a:fillRef idx="1">
+            <a:schemeClr val="accent1"/>
+          </a:fillRef>
+          <a:effectRef idx="0">
+            <a:schemeClr val="accent1"/>
+          </a:effectRef>
+          <a:fontRef idx="minor">
+            <a:schemeClr val="lt1"/>
+          </a:fontRef>
+        </p:style>
+        <p:txBody>
+          <a:bodyPr rtlCol="0" anchor="ctr"/>
+          <a:lstStyle/>
+          <a:p>
+            <a:r>
+              <a:rPr lang="de-CH" sz="1200" i="1" dirty="0">
+                <a:solidFill>
+                  <a:schemeClr val="tx1"/>
+                </a:solidFill>
+                <a:latin typeface="Arial" panose="020B0604020202020204" pitchFamily="34" charset="0"/>
+                <a:cs typeface="Arial" panose="020B0604020202020204" pitchFamily="34" charset="0"/>
+              </a:rPr>
+              <a:t>Kurzer Bild-Text (Header) eingeben </a:t>
+            </a:r>
+          </a:p>
+        </p:txBody>
+      </p:sp>
+      <p:sp>
+        <p:nvSpPr>
+          <p:cNvPr id="53" name="Textfeld 52">
+            <a:extLst>
+              <a:ext uri="{FF2B5EF4-FFF2-40B4-BE49-F238E27FC236}">
+                <a16:creationId xmlns:a16="http://schemas.microsoft.com/office/drawing/2014/main" id="{868990A3-7704-7727-9F3F-8160B861378F}"/>
+              </a:ext>
+            </a:extLst>
+          </p:cNvPr>
+          <p:cNvSpPr txBox="1"/>
+          <p:nvPr/>
+        </p:nvSpPr>
+        <p:spPr>
+          <a:xfrm>
+            <a:off x="4068093" y="5092362"/>
+            <a:ext cx="789854" cy="307777"/>
+          </a:xfrm>
+          <a:prstGeom prst="rect">
+            <a:avLst/>
+          </a:prstGeom>
+          <a:noFill/>
+        </p:spPr>
+        <p:txBody>
+          <a:bodyPr wrap="square" rtlCol="0">
+            <a:spAutoFit/>
+          </a:bodyPr>
+          <a:lstStyle/>
+          <a:p>
+            <a:r>
+              <a:rPr lang="de-CH" sz="1400" b="1" dirty="0">
+                <a:latin typeface="Arial" panose="020B0604020202020204" pitchFamily="34" charset="0"/>
+                <a:cs typeface="Arial" panose="020B0604020202020204" pitchFamily="34" charset="0"/>
+              </a:rPr>
+              <a:t>Text</a:t>
+            </a:r>
+          </a:p>
+        </p:txBody>
+      </p:sp>
+      <p:sp>
+        <p:nvSpPr>
+          <p:cNvPr id="54" name="Rechteck 53">
+            <a:extLst>
+              <a:ext uri="{FF2B5EF4-FFF2-40B4-BE49-F238E27FC236}">
+                <a16:creationId xmlns:a16="http://schemas.microsoft.com/office/drawing/2014/main" id="{E6EE40C9-65CE-B8ED-6093-89C20ECC5DF2}"/>
+              </a:ext>
+            </a:extLst>
+          </p:cNvPr>
+          <p:cNvSpPr/>
+          <p:nvPr/>
+        </p:nvSpPr>
+        <p:spPr>
+          <a:xfrm>
+            <a:off x="4159136" y="5491865"/>
+            <a:ext cx="3166948" cy="215495"/>
+          </a:xfrm>
+          <a:prstGeom prst="rect">
+            <a:avLst/>
+          </a:prstGeom>
+          <a:noFill/>
+          <a:ln>
+            <a:solidFill>
+              <a:schemeClr val="tx1"/>
+            </a:solidFill>
+          </a:ln>
+        </p:spPr>
+        <p:style>
+          <a:lnRef idx="2">
+            <a:schemeClr val="accent1">
+              <a:shade val="50000"/>
+            </a:schemeClr>
+          </a:lnRef>
+          <a:fillRef idx="1">
+            <a:schemeClr val="accent1"/>
+          </a:fillRef>
+          <a:effectRef idx="0">
+            <a:schemeClr val="accent1"/>
+          </a:effectRef>
+          <a:fontRef idx="minor">
+            <a:schemeClr val="lt1"/>
+          </a:fontRef>
+        </p:style>
+        <p:txBody>
+          <a:bodyPr rtlCol="0" anchor="ctr"/>
+          <a:lstStyle/>
+          <a:p>
+            <a:r>
+              <a:rPr lang="de-CH" sz="1200" dirty="0">
+                <a:solidFill>
+                  <a:schemeClr val="tx1"/>
+                </a:solidFill>
+                <a:latin typeface="Arial" panose="020B0604020202020204" pitchFamily="34" charset="0"/>
+                <a:cs typeface="Arial" panose="020B0604020202020204" pitchFamily="34" charset="0"/>
+              </a:rPr>
+              <a:t>Konzert wählen (optional)</a:t>
+            </a:r>
+          </a:p>
+        </p:txBody>
+      </p:sp>
+      <p:pic>
+        <p:nvPicPr>
+          <p:cNvPr id="55" name="Grafik 54">
+            <a:extLst>
+              <a:ext uri="{FF2B5EF4-FFF2-40B4-BE49-F238E27FC236}">
+                <a16:creationId xmlns:a16="http://schemas.microsoft.com/office/drawing/2014/main" id="{AC2217DF-1918-013A-A9C5-4051DA715EA7}"/>
+              </a:ext>
+            </a:extLst>
+          </p:cNvPr>
+          <p:cNvPicPr>
+            <a:picLocks noChangeAspect="1"/>
+          </p:cNvPicPr>
+          <p:nvPr/>
+        </p:nvPicPr>
+        <p:blipFill>
+          <a:blip r:embed="rId4"/>
+          <a:stretch>
+            <a:fillRect/>
+          </a:stretch>
+        </p:blipFill>
+        <p:spPr>
+          <a:xfrm>
+            <a:off x="6943230" y="5549932"/>
+            <a:ext cx="321154" cy="157428"/>
+          </a:xfrm>
+          <a:prstGeom prst="rect">
+            <a:avLst/>
+          </a:prstGeom>
+        </p:spPr>
+      </p:pic>
+      <p:sp>
+        <p:nvSpPr>
+          <p:cNvPr id="56" name="Textfeld 55">
+            <a:extLst>
+              <a:ext uri="{FF2B5EF4-FFF2-40B4-BE49-F238E27FC236}">
+                <a16:creationId xmlns:a16="http://schemas.microsoft.com/office/drawing/2014/main" id="{F98E6FF7-4C2B-61B8-A3DA-503AB4581CF6}"/>
+              </a:ext>
+            </a:extLst>
+          </p:cNvPr>
+          <p:cNvSpPr txBox="1"/>
+          <p:nvPr/>
+        </p:nvSpPr>
+        <p:spPr>
+          <a:xfrm>
+            <a:off x="4077364" y="5707360"/>
+            <a:ext cx="1342536" cy="246221"/>
+          </a:xfrm>
+          <a:prstGeom prst="rect">
+            <a:avLst/>
+          </a:prstGeom>
+          <a:noFill/>
+        </p:spPr>
+        <p:txBody>
+          <a:bodyPr wrap="square" rtlCol="0">
+            <a:spAutoFit/>
+          </a:bodyPr>
+          <a:lstStyle/>
+          <a:p>
+            <a:r>
+              <a:rPr lang="de-CH" sz="1000" b="1" dirty="0">
+                <a:latin typeface="Arial" panose="020B0604020202020204" pitchFamily="34" charset="0"/>
+                <a:cs typeface="Arial" panose="020B0604020202020204" pitchFamily="34" charset="0"/>
+              </a:rPr>
+              <a:t>Bemerkung</a:t>
+            </a:r>
+          </a:p>
+        </p:txBody>
+      </p:sp>
+      <p:sp>
+        <p:nvSpPr>
+          <p:cNvPr id="57" name="Rechteck 56">
+            <a:extLst>
+              <a:ext uri="{FF2B5EF4-FFF2-40B4-BE49-F238E27FC236}">
+                <a16:creationId xmlns:a16="http://schemas.microsoft.com/office/drawing/2014/main" id="{173E94BB-B836-480F-CDBE-3967FB045AC2}"/>
+              </a:ext>
+            </a:extLst>
+          </p:cNvPr>
+          <p:cNvSpPr/>
+          <p:nvPr/>
+        </p:nvSpPr>
+        <p:spPr>
+          <a:xfrm>
+            <a:off x="4130142" y="5922855"/>
+            <a:ext cx="3166948" cy="301629"/>
+          </a:xfrm>
+          <a:prstGeom prst="rect">
+            <a:avLst/>
+          </a:prstGeom>
+          <a:solidFill>
+            <a:schemeClr val="bg1"/>
+          </a:solidFill>
+          <a:ln>
+            <a:solidFill>
+              <a:schemeClr val="tx1"/>
+            </a:solidFill>
+          </a:ln>
+        </p:spPr>
+        <p:style>
+          <a:lnRef idx="2">
+            <a:schemeClr val="accent1">
+              <a:shade val="50000"/>
+            </a:schemeClr>
+          </a:lnRef>
+          <a:fillRef idx="1">
+            <a:schemeClr val="accent1"/>
+          </a:fillRef>
+          <a:effectRef idx="0">
+            <a:schemeClr val="accent1"/>
+          </a:effectRef>
+          <a:fontRef idx="minor">
+            <a:schemeClr val="lt1"/>
+          </a:fontRef>
+        </p:style>
+        <p:txBody>
+          <a:bodyPr rtlCol="0" anchor="ctr"/>
+          <a:lstStyle/>
+          <a:p>
+            <a:r>
+              <a:rPr lang="de-CH" sz="1200" i="1" dirty="0">
+                <a:solidFill>
+                  <a:schemeClr val="tx1"/>
+                </a:solidFill>
+                <a:latin typeface="Arial" panose="020B0604020202020204" pitchFamily="34" charset="0"/>
+                <a:cs typeface="Arial" panose="020B0604020202020204" pitchFamily="34" charset="0"/>
+              </a:rPr>
+              <a:t>Bemerkung eingeben ….</a:t>
+            </a:r>
+          </a:p>
+        </p:txBody>
+      </p:sp>
+      <p:sp>
+        <p:nvSpPr>
+          <p:cNvPr id="58" name="Rechteck 57">
+            <a:extLst>
+              <a:ext uri="{FF2B5EF4-FFF2-40B4-BE49-F238E27FC236}">
+                <a16:creationId xmlns:a16="http://schemas.microsoft.com/office/drawing/2014/main" id="{C785EC60-4998-70C0-A815-2730FA149737}"/>
+              </a:ext>
+            </a:extLst>
+          </p:cNvPr>
+          <p:cNvSpPr/>
+          <p:nvPr/>
+        </p:nvSpPr>
+        <p:spPr>
+          <a:xfrm>
+            <a:off x="5160683" y="6284514"/>
+            <a:ext cx="1225014" cy="292247"/>
+          </a:xfrm>
+          <a:prstGeom prst="rect">
+            <a:avLst/>
+          </a:prstGeom>
+          <a:noFill/>
+          <a:ln>
+            <a:solidFill>
+              <a:schemeClr val="tx1"/>
+            </a:solidFill>
+          </a:ln>
+        </p:spPr>
+        <p:style>
+          <a:lnRef idx="2">
+            <a:schemeClr val="accent1">
+              <a:shade val="50000"/>
+            </a:schemeClr>
+          </a:lnRef>
+          <a:fillRef idx="1">
+            <a:schemeClr val="accent1"/>
+          </a:fillRef>
+          <a:effectRef idx="0">
+            <a:schemeClr val="accent1"/>
+          </a:effectRef>
+          <a:fontRef idx="minor">
+            <a:schemeClr val="lt1"/>
+          </a:fontRef>
+        </p:style>
+        <p:txBody>
+          <a:bodyPr rtlCol="0" anchor="ctr"/>
+          <a:lstStyle/>
+          <a:p>
+            <a:pPr algn="ctr"/>
+            <a:r>
+              <a:rPr lang="de-CH" sz="1200" b="1" dirty="0">
+                <a:solidFill>
+                  <a:schemeClr val="tx1"/>
+                </a:solidFill>
+                <a:latin typeface="Arial" panose="020B0604020202020204" pitchFamily="34" charset="0"/>
+                <a:cs typeface="Arial" panose="020B0604020202020204" pitchFamily="34" charset="0"/>
+              </a:rPr>
+              <a:t>Senden</a:t>
+            </a:r>
+          </a:p>
+        </p:txBody>
+      </p:sp>
+      <p:pic>
+        <p:nvPicPr>
+          <p:cNvPr id="60" name="Grafik 59">
+            <a:extLst>
+              <a:ext uri="{FF2B5EF4-FFF2-40B4-BE49-F238E27FC236}">
+                <a16:creationId xmlns:a16="http://schemas.microsoft.com/office/drawing/2014/main" id="{61002AC6-078B-0A7A-6ADD-DFDAC83315CD}"/>
+              </a:ext>
+            </a:extLst>
+          </p:cNvPr>
+          <p:cNvPicPr>
+            <a:picLocks noChangeAspect="1"/>
+          </p:cNvPicPr>
+          <p:nvPr/>
+        </p:nvPicPr>
+        <p:blipFill>
+          <a:blip r:embed="rId5"/>
+          <a:stretch>
+            <a:fillRect/>
+          </a:stretch>
+        </p:blipFill>
+        <p:spPr>
+          <a:xfrm>
+            <a:off x="6943230" y="532289"/>
+            <a:ext cx="331444" cy="256116"/>
+          </a:xfrm>
+          <a:prstGeom prst="rect">
+            <a:avLst/>
+          </a:prstGeom>
+        </p:spPr>
+      </p:pic>
+      <p:sp>
+        <p:nvSpPr>
+          <p:cNvPr id="61" name="Rechteck 60">
+            <a:extLst>
+              <a:ext uri="{FF2B5EF4-FFF2-40B4-BE49-F238E27FC236}">
+                <a16:creationId xmlns:a16="http://schemas.microsoft.com/office/drawing/2014/main" id="{BF396F8D-2C31-2485-0E53-6E1A0E712A21}"/>
+              </a:ext>
+            </a:extLst>
+          </p:cNvPr>
+          <p:cNvSpPr/>
+          <p:nvPr/>
+        </p:nvSpPr>
+        <p:spPr>
+          <a:xfrm>
+            <a:off x="6563630" y="2187902"/>
+            <a:ext cx="735983" cy="292247"/>
+          </a:xfrm>
+          <a:prstGeom prst="rect">
+            <a:avLst/>
+          </a:prstGeom>
+          <a:noFill/>
+          <a:ln>
+            <a:solidFill>
+              <a:schemeClr val="tx1"/>
+            </a:solidFill>
+          </a:ln>
+        </p:spPr>
+        <p:style>
+          <a:lnRef idx="2">
+            <a:schemeClr val="accent1">
+              <a:shade val="50000"/>
+            </a:schemeClr>
+          </a:lnRef>
+          <a:fillRef idx="1">
+            <a:schemeClr val="accent1"/>
+          </a:fillRef>
+          <a:effectRef idx="0">
+            <a:schemeClr val="accent1"/>
+          </a:effectRef>
+          <a:fontRef idx="minor">
+            <a:schemeClr val="lt1"/>
+          </a:fontRef>
+        </p:style>
+        <p:txBody>
+          <a:bodyPr rtlCol="0" anchor="ctr"/>
+          <a:lstStyle/>
+          <a:p>
+            <a:pPr algn="ctr"/>
+            <a:r>
+              <a:rPr lang="de-CH" sz="1200" dirty="0">
+                <a:solidFill>
+                  <a:schemeClr val="tx1"/>
+                </a:solidFill>
+                <a:latin typeface="Arial" panose="020B0604020202020204" pitchFamily="34" charset="0"/>
+                <a:cs typeface="Arial" panose="020B0604020202020204" pitchFamily="34" charset="0"/>
+              </a:rPr>
+              <a:t>Senden</a:t>
+            </a:r>
+          </a:p>
+        </p:txBody>
+      </p:sp>
+    </p:spTree>
+    <p:extLst>
+      <p:ext uri="{BB962C8B-B14F-4D97-AF65-F5344CB8AC3E}">
+        <p14:creationId xmlns:p14="http://schemas.microsoft.com/office/powerpoint/2010/main" val="3356822967"/>
+      </p:ext>
+    </p:extLst>
+  </p:cSld>
+  <p:clrMapOvr>
+    <a:masterClrMapping/>
+  </p:clrMapOvr>
+</p:sld>
+</file>
+
+<file path=ppt/slides/slide12.xml><?xml version="1.0" encoding="utf-8"?>
+<p:sld xmlns:a="http://schemas.openxmlformats.org/drawingml/2006/main" xmlns:r="http://schemas.openxmlformats.org/officeDocument/2006/relationships" xmlns:p="http://schemas.openxmlformats.org/presentationml/2006/main">
+  <p:cSld>
+    <p:spTree>
+      <p:nvGrpSpPr>
+        <p:cNvPr id="1" name=""/>
+        <p:cNvGrpSpPr/>
+        <p:nvPr/>
+      </p:nvGrpSpPr>
+      <p:grpSpPr>
+        <a:xfrm>
+          <a:off x="0" y="0"/>
+          <a:ext cx="0" cy="0"/>
+          <a:chOff x="0" y="0"/>
+          <a:chExt cx="0" cy="0"/>
+        </a:xfrm>
+      </p:grpSpPr>
+      <p:sp>
+        <p:nvSpPr>
           <p:cNvPr id="2" name="Rechteck 1">
             <a:extLst>
               <a:ext uri="{FF2B5EF4-FFF2-40B4-BE49-F238E27FC236}">
@@ -6558,7 +9726,7 @@
 </p:sld>
 </file>
 
-<file path=ppt/slides/slide12.xml><?xml version="1.0" encoding="utf-8"?>
+<file path=ppt/slides/slide13.xml><?xml version="1.0" encoding="utf-8"?>
 <p:sld xmlns:a="http://schemas.openxmlformats.org/drawingml/2006/main" xmlns:r="http://schemas.openxmlformats.org/officeDocument/2006/relationships" xmlns:p="http://schemas.openxmlformats.org/presentationml/2006/main">
   <p:cSld>
     <p:spTree>
@@ -13491,10 +16659,157 @@
           <a:chExt cx="0" cy="0"/>
         </a:xfrm>
       </p:grpSpPr>
+      <p:sp>
+        <p:nvSpPr>
+          <p:cNvPr id="5" name="Rechteck 4">
+            <a:extLst>
+              <a:ext uri="{FF2B5EF4-FFF2-40B4-BE49-F238E27FC236}">
+                <a16:creationId xmlns:a16="http://schemas.microsoft.com/office/drawing/2014/main" id="{68F68AB7-2578-38B2-5F59-3F568BE3CBB5}"/>
+              </a:ext>
+            </a:extLst>
+          </p:cNvPr>
+          <p:cNvSpPr/>
+          <p:nvPr/>
+        </p:nvSpPr>
+        <p:spPr>
+          <a:xfrm>
+            <a:off x="1248757" y="886120"/>
+            <a:ext cx="4143375" cy="2771480"/>
+          </a:xfrm>
+          <a:prstGeom prst="rect">
+            <a:avLst/>
+          </a:prstGeom>
+          <a:noFill/>
+          <a:ln w="19050">
+            <a:solidFill>
+              <a:schemeClr val="tx1"/>
+            </a:solidFill>
+          </a:ln>
+        </p:spPr>
+        <p:style>
+          <a:lnRef idx="2">
+            <a:schemeClr val="accent1">
+              <a:shade val="50000"/>
+            </a:schemeClr>
+          </a:lnRef>
+          <a:fillRef idx="1">
+            <a:schemeClr val="accent1"/>
+          </a:fillRef>
+          <a:effectRef idx="0">
+            <a:schemeClr val="accent1"/>
+          </a:effectRef>
+          <a:fontRef idx="minor">
+            <a:schemeClr val="lt1"/>
+          </a:fontRef>
+        </p:style>
+        <p:txBody>
+          <a:bodyPr rtlCol="0" anchor="ctr"/>
+          <a:lstStyle/>
+          <a:p>
+            <a:pPr algn="ctr"/>
+            <a:endParaRPr lang="de-CH" dirty="0"/>
+          </a:p>
+        </p:txBody>
+      </p:sp>
+      <p:pic>
+        <p:nvPicPr>
+          <p:cNvPr id="3" name="Grafik 2">
+            <a:extLst>
+              <a:ext uri="{FF2B5EF4-FFF2-40B4-BE49-F238E27FC236}">
+                <a16:creationId xmlns:a16="http://schemas.microsoft.com/office/drawing/2014/main" id="{7C2CDF5B-13CF-8065-0AB1-30F1D5F1A4B2}"/>
+              </a:ext>
+            </a:extLst>
+          </p:cNvPr>
+          <p:cNvPicPr>
+            <a:picLocks noChangeAspect="1"/>
+          </p:cNvPicPr>
+          <p:nvPr/>
+        </p:nvPicPr>
+        <p:blipFill>
+          <a:blip r:embed="rId2">
+            <a:extLst>
+              <a:ext uri="{28A0092B-C50C-407E-A947-70E740481C1C}">
+                <a14:useLocalDpi xmlns:a14="http://schemas.microsoft.com/office/drawing/2010/main" val="0"/>
+              </a:ext>
+            </a:extLst>
+          </a:blip>
+          <a:stretch>
+            <a:fillRect/>
+          </a:stretch>
+        </p:blipFill>
+        <p:spPr>
+          <a:xfrm>
+            <a:off x="1314744" y="961975"/>
+            <a:ext cx="4019550" cy="2657475"/>
+          </a:xfrm>
+          <a:prstGeom prst="rect">
+            <a:avLst/>
+          </a:prstGeom>
+        </p:spPr>
+      </p:pic>
+      <p:sp>
+        <p:nvSpPr>
+          <p:cNvPr id="4" name="Textfeld 3">
+            <a:extLst>
+              <a:ext uri="{FF2B5EF4-FFF2-40B4-BE49-F238E27FC236}">
+                <a16:creationId xmlns:a16="http://schemas.microsoft.com/office/drawing/2014/main" id="{43EFDD6A-69A1-3F5E-D2DB-170741D2CC12}"/>
+              </a:ext>
+            </a:extLst>
+          </p:cNvPr>
+          <p:cNvSpPr txBox="1"/>
+          <p:nvPr/>
+        </p:nvSpPr>
+        <p:spPr>
+          <a:xfrm>
+            <a:off x="1571937" y="1673975"/>
+            <a:ext cx="1372560" cy="738664"/>
+          </a:xfrm>
+          <a:prstGeom prst="rect">
+            <a:avLst/>
+          </a:prstGeom>
+          <a:noFill/>
+        </p:spPr>
+        <p:txBody>
+          <a:bodyPr wrap="square" rtlCol="0">
+            <a:spAutoFit/>
+          </a:bodyPr>
+          <a:lstStyle/>
+          <a:p>
+            <a:pPr algn="ctr"/>
+            <a:r>
+              <a:rPr lang="de-CH" sz="1400" b="1" dirty="0">
+                <a:latin typeface="Arial" panose="020B0604020202020204" pitchFamily="34" charset="0"/>
+                <a:cs typeface="Arial" panose="020B0604020202020204" pitchFamily="34" charset="0"/>
+              </a:rPr>
+              <a:t>Foto wählen</a:t>
+            </a:r>
+          </a:p>
+          <a:p>
+            <a:pPr algn="ctr"/>
+            <a:r>
+              <a:rPr lang="de-CH" sz="1400" b="1" dirty="0">
+                <a:latin typeface="Arial" panose="020B0604020202020204" pitchFamily="34" charset="0"/>
+                <a:cs typeface="Arial" panose="020B0604020202020204" pitchFamily="34" charset="0"/>
+              </a:rPr>
+              <a:t>oder</a:t>
+            </a:r>
+          </a:p>
+          <a:p>
+            <a:pPr algn="ctr"/>
+            <a:r>
+              <a:rPr lang="de-CH" sz="1400" b="1" dirty="0">
+                <a:latin typeface="Arial" panose="020B0604020202020204" pitchFamily="34" charset="0"/>
+                <a:cs typeface="Arial" panose="020B0604020202020204" pitchFamily="34" charset="0"/>
+              </a:rPr>
+              <a:t>Foto machen</a:t>
+            </a:r>
+          </a:p>
+        </p:txBody>
+      </p:sp>
     </p:spTree>
     <p:extLst>
       <p:ext uri="{BB962C8B-B14F-4D97-AF65-F5344CB8AC3E}">
-        <p14:creationId xmlns:p14="http://schemas.microsoft.com/office/powerpoint/2010/main" val="2669447151"/>
+        <p14:creationId xmlns:p14="http://schemas.microsoft.com/office/powerpoint/2010/main" val="282572639"/>
       </p:ext>
     </p:extLst>
   </p:cSld>
@@ -13521,3147 +16836,10 @@
           <a:chExt cx="0" cy="0"/>
         </a:xfrm>
       </p:grpSpPr>
-      <p:pic>
-        <p:nvPicPr>
-          <p:cNvPr id="1026" name="Picture 2" descr="Drawing - Free art icons">
-            <a:extLst>
-              <a:ext uri="{FF2B5EF4-FFF2-40B4-BE49-F238E27FC236}">
-                <a16:creationId xmlns:a16="http://schemas.microsoft.com/office/drawing/2014/main" id="{A0C9D1DB-3B58-B2EA-6328-96AC5357D2F0}"/>
-              </a:ext>
-            </a:extLst>
-          </p:cNvPr>
-          <p:cNvPicPr>
-            <a:picLocks noChangeAspect="1" noChangeArrowheads="1"/>
-          </p:cNvPicPr>
-          <p:nvPr/>
-        </p:nvPicPr>
-        <p:blipFill>
-          <a:blip r:embed="rId2">
-            <a:extLst>
-              <a:ext uri="{28A0092B-C50C-407E-A947-70E740481C1C}">
-                <a14:useLocalDpi xmlns:a14="http://schemas.microsoft.com/office/drawing/2010/main" val="0"/>
-              </a:ext>
-            </a:extLst>
-          </a:blip>
-          <a:srcRect/>
-          <a:stretch>
-            <a:fillRect/>
-          </a:stretch>
-        </p:blipFill>
-        <p:spPr bwMode="auto">
-          <a:xfrm>
-            <a:off x="440576" y="425666"/>
-            <a:ext cx="766129" cy="766129"/>
-          </a:xfrm>
-          <a:prstGeom prst="rect">
-            <a:avLst/>
-          </a:prstGeom>
-          <a:noFill/>
-          <a:extLst>
-            <a:ext uri="{909E8E84-426E-40DD-AFC4-6F175D3DCCD1}">
-              <a14:hiddenFill xmlns:a14="http://schemas.microsoft.com/office/drawing/2010/main">
-                <a:solidFill>
-                  <a:srgbClr val="FFFFFF"/>
-                </a:solidFill>
-              </a14:hiddenFill>
-            </a:ext>
-          </a:extLst>
-        </p:spPr>
-      </p:pic>
-      <p:pic>
-        <p:nvPicPr>
-          <p:cNvPr id="1028" name="Picture 4" descr="Couple, friend, happy, mobile, selfie, take, taking icon - Download on  Iconfinder">
-            <a:extLst>
-              <a:ext uri="{FF2B5EF4-FFF2-40B4-BE49-F238E27FC236}">
-                <a16:creationId xmlns:a16="http://schemas.microsoft.com/office/drawing/2014/main" id="{DAC1540E-A133-0888-79A5-D2C20FAE2713}"/>
-              </a:ext>
-            </a:extLst>
-          </p:cNvPr>
-          <p:cNvPicPr>
-            <a:picLocks noChangeAspect="1" noChangeArrowheads="1"/>
-          </p:cNvPicPr>
-          <p:nvPr/>
-        </p:nvPicPr>
-        <p:blipFill>
-          <a:blip r:embed="rId3">
-            <a:extLst>
-              <a:ext uri="{28A0092B-C50C-407E-A947-70E740481C1C}">
-                <a14:useLocalDpi xmlns:a14="http://schemas.microsoft.com/office/drawing/2010/main" val="0"/>
-              </a:ext>
-            </a:extLst>
-          </a:blip>
-          <a:srcRect/>
-          <a:stretch>
-            <a:fillRect/>
-          </a:stretch>
-        </p:blipFill>
-        <p:spPr bwMode="auto">
-          <a:xfrm>
-            <a:off x="683029" y="1145665"/>
-            <a:ext cx="1812174" cy="1812174"/>
-          </a:xfrm>
-          <a:prstGeom prst="rect">
-            <a:avLst/>
-          </a:prstGeom>
-          <a:noFill/>
-          <a:extLst>
-            <a:ext uri="{909E8E84-426E-40DD-AFC4-6F175D3DCCD1}">
-              <a14:hiddenFill xmlns:a14="http://schemas.microsoft.com/office/drawing/2010/main">
-                <a:solidFill>
-                  <a:srgbClr val="FFFFFF"/>
-                </a:solidFill>
-              </a14:hiddenFill>
-            </a:ext>
-          </a:extLst>
-        </p:spPr>
-      </p:pic>
-      <p:pic>
-        <p:nvPicPr>
-          <p:cNvPr id="1030" name="Picture 6" descr="Mobile Device Tips: How to Scan Documents with a Smartphone">
-            <a:extLst>
-              <a:ext uri="{FF2B5EF4-FFF2-40B4-BE49-F238E27FC236}">
-                <a16:creationId xmlns:a16="http://schemas.microsoft.com/office/drawing/2014/main" id="{BFDC550D-18AC-8BA9-7F98-B51B2F429BF4}"/>
-              </a:ext>
-            </a:extLst>
-          </p:cNvPr>
-          <p:cNvPicPr>
-            <a:picLocks noChangeAspect="1" noChangeArrowheads="1"/>
-          </p:cNvPicPr>
-          <p:nvPr/>
-        </p:nvPicPr>
-        <p:blipFill>
-          <a:blip r:embed="rId4">
-            <a:extLst>
-              <a:ext uri="{28A0092B-C50C-407E-A947-70E740481C1C}">
-                <a14:useLocalDpi xmlns:a14="http://schemas.microsoft.com/office/drawing/2010/main" val="0"/>
-              </a:ext>
-            </a:extLst>
-          </a:blip>
-          <a:srcRect/>
-          <a:stretch>
-            <a:fillRect/>
-          </a:stretch>
-        </p:blipFill>
-        <p:spPr bwMode="auto">
-          <a:xfrm>
-            <a:off x="1388434" y="308207"/>
-            <a:ext cx="1582177" cy="883588"/>
-          </a:xfrm>
-          <a:prstGeom prst="rect">
-            <a:avLst/>
-          </a:prstGeom>
-          <a:noFill/>
-          <a:extLst>
-            <a:ext uri="{909E8E84-426E-40DD-AFC4-6F175D3DCCD1}">
-              <a14:hiddenFill xmlns:a14="http://schemas.microsoft.com/office/drawing/2010/main">
-                <a:solidFill>
-                  <a:srgbClr val="FFFFFF"/>
-                </a:solidFill>
-              </a14:hiddenFill>
-            </a:ext>
-          </a:extLst>
-        </p:spPr>
-      </p:pic>
-      <p:pic>
-        <p:nvPicPr>
-          <p:cNvPr id="7" name="Grafik 6">
-            <a:extLst>
-              <a:ext uri="{FF2B5EF4-FFF2-40B4-BE49-F238E27FC236}">
-                <a16:creationId xmlns:a16="http://schemas.microsoft.com/office/drawing/2014/main" id="{D9E1CB20-5FB7-364A-DEF0-AA250D7C6A0E}"/>
-              </a:ext>
-            </a:extLst>
-          </p:cNvPr>
-          <p:cNvPicPr>
-            <a:picLocks noChangeAspect="1"/>
-          </p:cNvPicPr>
-          <p:nvPr/>
-        </p:nvPicPr>
-        <p:blipFill>
-          <a:blip r:embed="rId5"/>
-          <a:stretch>
-            <a:fillRect/>
-          </a:stretch>
-        </p:blipFill>
-        <p:spPr>
-          <a:xfrm>
-            <a:off x="3267604" y="1289919"/>
-            <a:ext cx="2724471" cy="1040144"/>
-          </a:xfrm>
-          <a:prstGeom prst="rect">
-            <a:avLst/>
-          </a:prstGeom>
-        </p:spPr>
-      </p:pic>
-      <p:sp>
-        <p:nvSpPr>
-          <p:cNvPr id="8" name="Rechteck 7">
-            <a:extLst>
-              <a:ext uri="{FF2B5EF4-FFF2-40B4-BE49-F238E27FC236}">
-                <a16:creationId xmlns:a16="http://schemas.microsoft.com/office/drawing/2014/main" id="{852B453D-008C-86E8-276F-28E356D57FE6}"/>
-              </a:ext>
-            </a:extLst>
-          </p:cNvPr>
-          <p:cNvSpPr/>
-          <p:nvPr/>
-        </p:nvSpPr>
-        <p:spPr>
-          <a:xfrm>
-            <a:off x="6505131" y="626838"/>
-            <a:ext cx="3339167" cy="1995885"/>
-          </a:xfrm>
-          <a:prstGeom prst="rect">
-            <a:avLst/>
-          </a:prstGeom>
-          <a:solidFill>
-            <a:srgbClr val="DFE0E1"/>
-          </a:solidFill>
-          <a:ln>
-            <a:solidFill>
-              <a:srgbClr val="C8C8C8"/>
-            </a:solidFill>
-          </a:ln>
-        </p:spPr>
-        <p:style>
-          <a:lnRef idx="2">
-            <a:schemeClr val="accent1">
-              <a:shade val="50000"/>
-            </a:schemeClr>
-          </a:lnRef>
-          <a:fillRef idx="1">
-            <a:schemeClr val="accent1"/>
-          </a:fillRef>
-          <a:effectRef idx="0">
-            <a:schemeClr val="accent1"/>
-          </a:effectRef>
-          <a:fontRef idx="minor">
-            <a:schemeClr val="lt1"/>
-          </a:fontRef>
-        </p:style>
-        <p:txBody>
-          <a:bodyPr rtlCol="0" anchor="ctr"/>
-          <a:lstStyle/>
-          <a:p>
-            <a:pPr algn="ctr"/>
-            <a:endParaRPr lang="de-CH" sz="1600" dirty="0">
-              <a:solidFill>
-                <a:schemeClr val="tx1"/>
-              </a:solidFill>
-              <a:latin typeface="Arial" panose="020B0604020202020204" pitchFamily="34" charset="0"/>
-              <a:cs typeface="Arial" panose="020B0604020202020204" pitchFamily="34" charset="0"/>
-            </a:endParaRPr>
-          </a:p>
-        </p:txBody>
-      </p:sp>
-      <p:sp>
-        <p:nvSpPr>
-          <p:cNvPr id="9" name="Rechteck 8">
-            <a:extLst>
-              <a:ext uri="{FF2B5EF4-FFF2-40B4-BE49-F238E27FC236}">
-                <a16:creationId xmlns:a16="http://schemas.microsoft.com/office/drawing/2014/main" id="{A2B50460-DB7E-B2AE-E2C2-7F3614F2A96E}"/>
-              </a:ext>
-            </a:extLst>
-          </p:cNvPr>
-          <p:cNvSpPr/>
-          <p:nvPr/>
-        </p:nvSpPr>
-        <p:spPr>
-          <a:xfrm>
-            <a:off x="6505128" y="532039"/>
-            <a:ext cx="3339167" cy="769028"/>
-          </a:xfrm>
-          <a:prstGeom prst="rect">
-            <a:avLst/>
-          </a:prstGeom>
-          <a:solidFill>
-            <a:schemeClr val="tx1"/>
-          </a:solidFill>
-          <a:ln>
-            <a:solidFill>
-              <a:schemeClr val="tx1"/>
-            </a:solidFill>
-          </a:ln>
-        </p:spPr>
-        <p:style>
-          <a:lnRef idx="2">
-            <a:schemeClr val="accent1">
-              <a:shade val="50000"/>
-            </a:schemeClr>
-          </a:lnRef>
-          <a:fillRef idx="1">
-            <a:schemeClr val="accent1"/>
-          </a:fillRef>
-          <a:effectRef idx="0">
-            <a:schemeClr val="accent1"/>
-          </a:effectRef>
-          <a:fontRef idx="minor">
-            <a:schemeClr val="lt1"/>
-          </a:fontRef>
-        </p:style>
-        <p:txBody>
-          <a:bodyPr rtlCol="0" anchor="ctr"/>
-          <a:lstStyle/>
-          <a:p>
-            <a:pPr algn="ctr"/>
-            <a:r>
-              <a:rPr lang="de-CH" sz="1600" b="1" dirty="0">
-                <a:solidFill>
-                  <a:srgbClr val="FF000A"/>
-                </a:solidFill>
-                <a:latin typeface="Arial" panose="020B0604020202020204" pitchFamily="34" charset="0"/>
-                <a:cs typeface="Arial" panose="020B0604020202020204" pitchFamily="34" charset="0"/>
-              </a:rPr>
-              <a:t>          </a:t>
-            </a:r>
-          </a:p>
-          <a:p>
-            <a:pPr algn="ctr"/>
-            <a:r>
-              <a:rPr lang="de-CH" sz="1400" b="1" dirty="0">
-                <a:solidFill>
-                  <a:srgbClr val="FF000A"/>
-                </a:solidFill>
-                <a:latin typeface="Arial" panose="020B0604020202020204" pitchFamily="34" charset="0"/>
-                <a:cs typeface="Arial" panose="020B0604020202020204" pitchFamily="34" charset="0"/>
-              </a:rPr>
-              <a:t>Gästebuch-Bild hochladen </a:t>
-            </a:r>
-          </a:p>
-        </p:txBody>
-      </p:sp>
-      <p:pic>
-        <p:nvPicPr>
-          <p:cNvPr id="10" name="Grafik 9">
-            <a:extLst>
-              <a:ext uri="{FF2B5EF4-FFF2-40B4-BE49-F238E27FC236}">
-                <a16:creationId xmlns:a16="http://schemas.microsoft.com/office/drawing/2014/main" id="{7B97B44F-258D-0760-70D4-571DA45DBBC0}"/>
-              </a:ext>
-            </a:extLst>
-          </p:cNvPr>
-          <p:cNvPicPr>
-            <a:picLocks noChangeAspect="1"/>
-          </p:cNvPicPr>
-          <p:nvPr/>
-        </p:nvPicPr>
-        <p:blipFill>
-          <a:blip r:embed="rId6"/>
-          <a:stretch>
-            <a:fillRect/>
-          </a:stretch>
-        </p:blipFill>
-        <p:spPr>
-          <a:xfrm>
-            <a:off x="6946142" y="628698"/>
-            <a:ext cx="2457143" cy="238095"/>
-          </a:xfrm>
-          <a:prstGeom prst="rect">
-            <a:avLst/>
-          </a:prstGeom>
-        </p:spPr>
-      </p:pic>
-      <p:sp>
-        <p:nvSpPr>
-          <p:cNvPr id="11" name="Rechteck 10">
-            <a:extLst>
-              <a:ext uri="{FF2B5EF4-FFF2-40B4-BE49-F238E27FC236}">
-                <a16:creationId xmlns:a16="http://schemas.microsoft.com/office/drawing/2014/main" id="{259031CB-A577-4868-F9F4-53FB13677387}"/>
-              </a:ext>
-            </a:extLst>
-          </p:cNvPr>
-          <p:cNvSpPr/>
-          <p:nvPr/>
-        </p:nvSpPr>
-        <p:spPr>
-          <a:xfrm>
-            <a:off x="7183009" y="1367388"/>
-            <a:ext cx="2579516" cy="301629"/>
-          </a:xfrm>
-          <a:prstGeom prst="rect">
-            <a:avLst/>
-          </a:prstGeom>
-          <a:solidFill>
-            <a:schemeClr val="bg1"/>
-          </a:solidFill>
-          <a:ln>
-            <a:solidFill>
-              <a:schemeClr val="tx1"/>
-            </a:solidFill>
-          </a:ln>
-        </p:spPr>
-        <p:style>
-          <a:lnRef idx="2">
-            <a:schemeClr val="accent1">
-              <a:shade val="50000"/>
-            </a:schemeClr>
-          </a:lnRef>
-          <a:fillRef idx="1">
-            <a:schemeClr val="accent1"/>
-          </a:fillRef>
-          <a:effectRef idx="0">
-            <a:schemeClr val="accent1"/>
-          </a:effectRef>
-          <a:fontRef idx="minor">
-            <a:schemeClr val="lt1"/>
-          </a:fontRef>
-        </p:style>
-        <p:txBody>
-          <a:bodyPr rtlCol="0" anchor="ctr"/>
-          <a:lstStyle/>
-          <a:p>
-            <a:r>
-              <a:rPr lang="de-CH" sz="1200" i="1" dirty="0">
-                <a:solidFill>
-                  <a:schemeClr val="tx1"/>
-                </a:solidFill>
-                <a:latin typeface="Arial" panose="020B0604020202020204" pitchFamily="34" charset="0"/>
-                <a:cs typeface="Arial" panose="020B0604020202020204" pitchFamily="34" charset="0"/>
-              </a:rPr>
-              <a:t>Name(n) eingeben …</a:t>
-            </a:r>
-          </a:p>
-        </p:txBody>
-      </p:sp>
-      <p:sp>
-        <p:nvSpPr>
-          <p:cNvPr id="12" name="Textfeld 11">
-            <a:extLst>
-              <a:ext uri="{FF2B5EF4-FFF2-40B4-BE49-F238E27FC236}">
-                <a16:creationId xmlns:a16="http://schemas.microsoft.com/office/drawing/2014/main" id="{09A29106-2290-236C-D642-115C0A57C203}"/>
-              </a:ext>
-            </a:extLst>
-          </p:cNvPr>
-          <p:cNvSpPr txBox="1"/>
-          <p:nvPr/>
-        </p:nvSpPr>
-        <p:spPr>
-          <a:xfrm>
-            <a:off x="6504534" y="1364314"/>
-            <a:ext cx="678475" cy="307777"/>
-          </a:xfrm>
-          <a:prstGeom prst="rect">
-            <a:avLst/>
-          </a:prstGeom>
-          <a:noFill/>
-        </p:spPr>
-        <p:txBody>
-          <a:bodyPr wrap="square" rtlCol="0">
-            <a:spAutoFit/>
-          </a:bodyPr>
-          <a:lstStyle/>
-          <a:p>
-            <a:r>
-              <a:rPr lang="de-CH" sz="1400" b="1" dirty="0">
-                <a:latin typeface="Arial" panose="020B0604020202020204" pitchFamily="34" charset="0"/>
-                <a:cs typeface="Arial" panose="020B0604020202020204" pitchFamily="34" charset="0"/>
-              </a:rPr>
-              <a:t>Name</a:t>
-            </a:r>
-          </a:p>
-        </p:txBody>
-      </p:sp>
-      <p:sp>
-        <p:nvSpPr>
-          <p:cNvPr id="13" name="Rechteck 12">
-            <a:extLst>
-              <a:ext uri="{FF2B5EF4-FFF2-40B4-BE49-F238E27FC236}">
-                <a16:creationId xmlns:a16="http://schemas.microsoft.com/office/drawing/2014/main" id="{EA909D5D-F5B0-DEFF-E525-84E8AB313E10}"/>
-              </a:ext>
-            </a:extLst>
-          </p:cNvPr>
-          <p:cNvSpPr/>
-          <p:nvPr/>
-        </p:nvSpPr>
-        <p:spPr>
-          <a:xfrm>
-            <a:off x="7183603" y="1724227"/>
-            <a:ext cx="2579516" cy="301629"/>
-          </a:xfrm>
-          <a:prstGeom prst="rect">
-            <a:avLst/>
-          </a:prstGeom>
-          <a:solidFill>
-            <a:schemeClr val="bg1"/>
-          </a:solidFill>
-          <a:ln>
-            <a:solidFill>
-              <a:schemeClr val="tx1"/>
-            </a:solidFill>
-          </a:ln>
-        </p:spPr>
-        <p:style>
-          <a:lnRef idx="2">
-            <a:schemeClr val="accent1">
-              <a:shade val="50000"/>
-            </a:schemeClr>
-          </a:lnRef>
-          <a:fillRef idx="1">
-            <a:schemeClr val="accent1"/>
-          </a:fillRef>
-          <a:effectRef idx="0">
-            <a:schemeClr val="accent1"/>
-          </a:effectRef>
-          <a:fontRef idx="minor">
-            <a:schemeClr val="lt1"/>
-          </a:fontRef>
-        </p:style>
-        <p:txBody>
-          <a:bodyPr rtlCol="0" anchor="ctr"/>
-          <a:lstStyle/>
-          <a:p>
-            <a:r>
-              <a:rPr lang="de-CH" sz="1200" i="1" dirty="0">
-                <a:solidFill>
-                  <a:schemeClr val="tx1"/>
-                </a:solidFill>
-                <a:latin typeface="Arial" panose="020B0604020202020204" pitchFamily="34" charset="0"/>
-                <a:cs typeface="Arial" panose="020B0604020202020204" pitchFamily="34" charset="0"/>
-              </a:rPr>
-              <a:t>E-Mail Adresse eingeben …</a:t>
-            </a:r>
-          </a:p>
-        </p:txBody>
-      </p:sp>
-      <p:sp>
-        <p:nvSpPr>
-          <p:cNvPr id="14" name="Textfeld 13">
-            <a:extLst>
-              <a:ext uri="{FF2B5EF4-FFF2-40B4-BE49-F238E27FC236}">
-                <a16:creationId xmlns:a16="http://schemas.microsoft.com/office/drawing/2014/main" id="{D94CE715-2AF5-8624-E2BE-C506DF769226}"/>
-              </a:ext>
-            </a:extLst>
-          </p:cNvPr>
-          <p:cNvSpPr txBox="1"/>
-          <p:nvPr/>
-        </p:nvSpPr>
-        <p:spPr>
-          <a:xfrm>
-            <a:off x="6505128" y="1721153"/>
-            <a:ext cx="789260" cy="307777"/>
-          </a:xfrm>
-          <a:prstGeom prst="rect">
-            <a:avLst/>
-          </a:prstGeom>
-          <a:noFill/>
-        </p:spPr>
-        <p:txBody>
-          <a:bodyPr wrap="square" rtlCol="0">
-            <a:spAutoFit/>
-          </a:bodyPr>
-          <a:lstStyle/>
-          <a:p>
-            <a:r>
-              <a:rPr lang="de-CH" sz="1400" b="1" dirty="0">
-                <a:latin typeface="Arial" panose="020B0604020202020204" pitchFamily="34" charset="0"/>
-                <a:cs typeface="Arial" panose="020B0604020202020204" pitchFamily="34" charset="0"/>
-              </a:rPr>
-              <a:t>E-Mail</a:t>
-            </a:r>
-          </a:p>
-        </p:txBody>
-      </p:sp>
-      <p:sp>
-        <p:nvSpPr>
-          <p:cNvPr id="15" name="Rechteck 14">
-            <a:extLst>
-              <a:ext uri="{FF2B5EF4-FFF2-40B4-BE49-F238E27FC236}">
-                <a16:creationId xmlns:a16="http://schemas.microsoft.com/office/drawing/2014/main" id="{AA650850-BA67-7DC0-184B-E5443A7A02B2}"/>
-              </a:ext>
-            </a:extLst>
-          </p:cNvPr>
-          <p:cNvSpPr/>
-          <p:nvPr/>
-        </p:nvSpPr>
-        <p:spPr>
-          <a:xfrm>
-            <a:off x="6595576" y="2092178"/>
-            <a:ext cx="3166949" cy="255249"/>
-          </a:xfrm>
-          <a:prstGeom prst="rect">
-            <a:avLst/>
-          </a:prstGeom>
-          <a:noFill/>
-          <a:ln>
-            <a:solidFill>
-              <a:schemeClr val="tx1"/>
-            </a:solidFill>
-          </a:ln>
-        </p:spPr>
-        <p:style>
-          <a:lnRef idx="2">
-            <a:schemeClr val="accent1">
-              <a:shade val="50000"/>
-            </a:schemeClr>
-          </a:lnRef>
-          <a:fillRef idx="1">
-            <a:schemeClr val="accent1"/>
-          </a:fillRef>
-          <a:effectRef idx="0">
-            <a:schemeClr val="accent1"/>
-          </a:effectRef>
-          <a:fontRef idx="minor">
-            <a:schemeClr val="lt1"/>
-          </a:fontRef>
-        </p:style>
-        <p:txBody>
-          <a:bodyPr rtlCol="0" anchor="ctr"/>
-          <a:lstStyle/>
-          <a:p>
-            <a:pPr algn="ctr"/>
-            <a:r>
-              <a:rPr lang="de-CH" sz="1200" dirty="0">
-                <a:solidFill>
-                  <a:schemeClr val="tx1"/>
-                </a:solidFill>
-                <a:latin typeface="Arial" panose="020B0604020202020204" pitchFamily="34" charset="0"/>
-                <a:cs typeface="Arial" panose="020B0604020202020204" pitchFamily="34" charset="0"/>
-              </a:rPr>
-              <a:t>Code verlangen</a:t>
-            </a:r>
-          </a:p>
-        </p:txBody>
-      </p:sp>
-      <p:pic>
-        <p:nvPicPr>
-          <p:cNvPr id="16" name="Grafik 15">
-            <a:extLst>
-              <a:ext uri="{FF2B5EF4-FFF2-40B4-BE49-F238E27FC236}">
-                <a16:creationId xmlns:a16="http://schemas.microsoft.com/office/drawing/2014/main" id="{7CAEF55A-88BB-2030-45C9-E017CA58C7D3}"/>
-              </a:ext>
-            </a:extLst>
-          </p:cNvPr>
-          <p:cNvPicPr>
-            <a:picLocks noChangeAspect="1"/>
-          </p:cNvPicPr>
-          <p:nvPr/>
-        </p:nvPicPr>
-        <p:blipFill>
-          <a:blip r:embed="rId7"/>
-          <a:stretch>
-            <a:fillRect/>
-          </a:stretch>
-        </p:blipFill>
-        <p:spPr>
-          <a:xfrm>
-            <a:off x="9379671" y="761778"/>
-            <a:ext cx="331444" cy="256116"/>
-          </a:xfrm>
-          <a:prstGeom prst="rect">
-            <a:avLst/>
-          </a:prstGeom>
-        </p:spPr>
-      </p:pic>
-      <p:pic>
-        <p:nvPicPr>
-          <p:cNvPr id="1032" name="Picture 8" descr="eMail Widget 2: E-Mails im iPhone-Widget lesen">
-            <a:extLst>
-              <a:ext uri="{FF2B5EF4-FFF2-40B4-BE49-F238E27FC236}">
-                <a16:creationId xmlns:a16="http://schemas.microsoft.com/office/drawing/2014/main" id="{6ADE284A-8168-5C4F-D530-F4336DAFDCBE}"/>
-              </a:ext>
-            </a:extLst>
-          </p:cNvPr>
-          <p:cNvPicPr>
-            <a:picLocks noChangeAspect="1" noChangeArrowheads="1"/>
-          </p:cNvPicPr>
-          <p:nvPr/>
-        </p:nvPicPr>
-        <p:blipFill>
-          <a:blip r:embed="rId8">
-            <a:extLst>
-              <a:ext uri="{28A0092B-C50C-407E-A947-70E740481C1C}">
-                <a14:useLocalDpi xmlns:a14="http://schemas.microsoft.com/office/drawing/2010/main" val="0"/>
-              </a:ext>
-            </a:extLst>
-          </a:blip>
-          <a:srcRect/>
-          <a:stretch>
-            <a:fillRect/>
-          </a:stretch>
-        </p:blipFill>
-        <p:spPr bwMode="auto">
-          <a:xfrm>
-            <a:off x="10574855" y="1481761"/>
-            <a:ext cx="718991" cy="718991"/>
-          </a:xfrm>
-          <a:prstGeom prst="rect">
-            <a:avLst/>
-          </a:prstGeom>
-          <a:noFill/>
-          <a:extLst>
-            <a:ext uri="{909E8E84-426E-40DD-AFC4-6F175D3DCCD1}">
-              <a14:hiddenFill xmlns:a14="http://schemas.microsoft.com/office/drawing/2010/main">
-                <a:solidFill>
-                  <a:srgbClr val="FFFFFF"/>
-                </a:solidFill>
-              </a14:hiddenFill>
-            </a:ext>
-          </a:extLst>
-        </p:spPr>
-      </p:pic>
-      <p:sp>
-        <p:nvSpPr>
-          <p:cNvPr id="17" name="Rechteck 16">
-            <a:extLst>
-              <a:ext uri="{FF2B5EF4-FFF2-40B4-BE49-F238E27FC236}">
-                <a16:creationId xmlns:a16="http://schemas.microsoft.com/office/drawing/2014/main" id="{97C98CE6-9B54-00BB-BA79-EA05E7626104}"/>
-              </a:ext>
-            </a:extLst>
-          </p:cNvPr>
-          <p:cNvSpPr/>
-          <p:nvPr/>
-        </p:nvSpPr>
-        <p:spPr>
-          <a:xfrm>
-            <a:off x="112912" y="3844092"/>
-            <a:ext cx="3339167" cy="2300627"/>
-          </a:xfrm>
-          <a:prstGeom prst="rect">
-            <a:avLst/>
-          </a:prstGeom>
-          <a:solidFill>
-            <a:srgbClr val="DFE0E1"/>
-          </a:solidFill>
-          <a:ln>
-            <a:solidFill>
-              <a:srgbClr val="C8C8C8"/>
-            </a:solidFill>
-          </a:ln>
-        </p:spPr>
-        <p:style>
-          <a:lnRef idx="2">
-            <a:schemeClr val="accent1">
-              <a:shade val="50000"/>
-            </a:schemeClr>
-          </a:lnRef>
-          <a:fillRef idx="1">
-            <a:schemeClr val="accent1"/>
-          </a:fillRef>
-          <a:effectRef idx="0">
-            <a:schemeClr val="accent1"/>
-          </a:effectRef>
-          <a:fontRef idx="minor">
-            <a:schemeClr val="lt1"/>
-          </a:fontRef>
-        </p:style>
-        <p:txBody>
-          <a:bodyPr rtlCol="0" anchor="ctr"/>
-          <a:lstStyle/>
-          <a:p>
-            <a:pPr algn="ctr"/>
-            <a:endParaRPr lang="de-CH" sz="1600" dirty="0">
-              <a:solidFill>
-                <a:schemeClr val="tx1"/>
-              </a:solidFill>
-              <a:latin typeface="Arial" panose="020B0604020202020204" pitchFamily="34" charset="0"/>
-              <a:cs typeface="Arial" panose="020B0604020202020204" pitchFamily="34" charset="0"/>
-            </a:endParaRPr>
-          </a:p>
-        </p:txBody>
-      </p:sp>
-      <p:sp>
-        <p:nvSpPr>
-          <p:cNvPr id="18" name="Rechteck 17">
-            <a:extLst>
-              <a:ext uri="{FF2B5EF4-FFF2-40B4-BE49-F238E27FC236}">
-                <a16:creationId xmlns:a16="http://schemas.microsoft.com/office/drawing/2014/main" id="{0322122E-CCC7-F8A9-CF9D-A9D70809BE17}"/>
-              </a:ext>
-            </a:extLst>
-          </p:cNvPr>
-          <p:cNvSpPr/>
-          <p:nvPr/>
-        </p:nvSpPr>
-        <p:spPr>
-          <a:xfrm>
-            <a:off x="112909" y="3749294"/>
-            <a:ext cx="3339167" cy="769028"/>
-          </a:xfrm>
-          <a:prstGeom prst="rect">
-            <a:avLst/>
-          </a:prstGeom>
-          <a:solidFill>
-            <a:schemeClr val="tx1"/>
-          </a:solidFill>
-          <a:ln>
-            <a:solidFill>
-              <a:schemeClr val="tx1"/>
-            </a:solidFill>
-          </a:ln>
-        </p:spPr>
-        <p:style>
-          <a:lnRef idx="2">
-            <a:schemeClr val="accent1">
-              <a:shade val="50000"/>
-            </a:schemeClr>
-          </a:lnRef>
-          <a:fillRef idx="1">
-            <a:schemeClr val="accent1"/>
-          </a:fillRef>
-          <a:effectRef idx="0">
-            <a:schemeClr val="accent1"/>
-          </a:effectRef>
-          <a:fontRef idx="minor">
-            <a:schemeClr val="lt1"/>
-          </a:fontRef>
-        </p:style>
-        <p:txBody>
-          <a:bodyPr rtlCol="0" anchor="ctr"/>
-          <a:lstStyle/>
-          <a:p>
-            <a:pPr algn="ctr"/>
-            <a:r>
-              <a:rPr lang="de-CH" sz="1600" b="1" dirty="0">
-                <a:solidFill>
-                  <a:srgbClr val="FF000A"/>
-                </a:solidFill>
-                <a:latin typeface="Arial" panose="020B0604020202020204" pitchFamily="34" charset="0"/>
-                <a:cs typeface="Arial" panose="020B0604020202020204" pitchFamily="34" charset="0"/>
-              </a:rPr>
-              <a:t>          </a:t>
-            </a:r>
-          </a:p>
-          <a:p>
-            <a:pPr algn="ctr"/>
-            <a:r>
-              <a:rPr lang="de-CH" sz="1400" b="1" dirty="0">
-                <a:solidFill>
-                  <a:srgbClr val="FF000A"/>
-                </a:solidFill>
-                <a:latin typeface="Arial" panose="020B0604020202020204" pitchFamily="34" charset="0"/>
-                <a:cs typeface="Arial" panose="020B0604020202020204" pitchFamily="34" charset="0"/>
-              </a:rPr>
-              <a:t>Gästebuch-Bild hochladen </a:t>
-            </a:r>
-          </a:p>
-        </p:txBody>
-      </p:sp>
-      <p:pic>
-        <p:nvPicPr>
-          <p:cNvPr id="19" name="Grafik 18">
-            <a:extLst>
-              <a:ext uri="{FF2B5EF4-FFF2-40B4-BE49-F238E27FC236}">
-                <a16:creationId xmlns:a16="http://schemas.microsoft.com/office/drawing/2014/main" id="{CD519E71-873F-4AC4-5DE2-4BC55C36F396}"/>
-              </a:ext>
-            </a:extLst>
-          </p:cNvPr>
-          <p:cNvPicPr>
-            <a:picLocks noChangeAspect="1"/>
-          </p:cNvPicPr>
-          <p:nvPr/>
-        </p:nvPicPr>
-        <p:blipFill>
-          <a:blip r:embed="rId6"/>
-          <a:stretch>
-            <a:fillRect/>
-          </a:stretch>
-        </p:blipFill>
-        <p:spPr>
-          <a:xfrm>
-            <a:off x="553923" y="3845953"/>
-            <a:ext cx="2457143" cy="238095"/>
-          </a:xfrm>
-          <a:prstGeom prst="rect">
-            <a:avLst/>
-          </a:prstGeom>
-        </p:spPr>
-      </p:pic>
-      <p:sp>
-        <p:nvSpPr>
-          <p:cNvPr id="20" name="Rechteck 19">
-            <a:extLst>
-              <a:ext uri="{FF2B5EF4-FFF2-40B4-BE49-F238E27FC236}">
-                <a16:creationId xmlns:a16="http://schemas.microsoft.com/office/drawing/2014/main" id="{0F6302A2-C48F-96C5-0B07-5D7209181786}"/>
-              </a:ext>
-            </a:extLst>
-          </p:cNvPr>
-          <p:cNvSpPr/>
-          <p:nvPr/>
-        </p:nvSpPr>
-        <p:spPr>
-          <a:xfrm>
-            <a:off x="790790" y="4584643"/>
-            <a:ext cx="2579516" cy="301629"/>
-          </a:xfrm>
-          <a:prstGeom prst="rect">
-            <a:avLst/>
-          </a:prstGeom>
-          <a:solidFill>
-            <a:schemeClr val="bg1"/>
-          </a:solidFill>
-          <a:ln>
-            <a:solidFill>
-              <a:schemeClr val="tx1"/>
-            </a:solidFill>
-          </a:ln>
-        </p:spPr>
-        <p:style>
-          <a:lnRef idx="2">
-            <a:schemeClr val="accent1">
-              <a:shade val="50000"/>
-            </a:schemeClr>
-          </a:lnRef>
-          <a:fillRef idx="1">
-            <a:schemeClr val="accent1"/>
-          </a:fillRef>
-          <a:effectRef idx="0">
-            <a:schemeClr val="accent1"/>
-          </a:effectRef>
-          <a:fontRef idx="minor">
-            <a:schemeClr val="lt1"/>
-          </a:fontRef>
-        </p:style>
-        <p:txBody>
-          <a:bodyPr rtlCol="0" anchor="ctr"/>
-          <a:lstStyle/>
-          <a:p>
-            <a:r>
-              <a:rPr lang="de-CH" sz="1200" i="1" dirty="0">
-                <a:solidFill>
-                  <a:schemeClr val="tx1"/>
-                </a:solidFill>
-                <a:latin typeface="Arial" panose="020B0604020202020204" pitchFamily="34" charset="0"/>
-                <a:cs typeface="Arial" panose="020B0604020202020204" pitchFamily="34" charset="0"/>
-              </a:rPr>
-              <a:t>Name(n) eingeben …</a:t>
-            </a:r>
-          </a:p>
-        </p:txBody>
-      </p:sp>
-      <p:sp>
-        <p:nvSpPr>
-          <p:cNvPr id="21" name="Textfeld 20">
-            <a:extLst>
-              <a:ext uri="{FF2B5EF4-FFF2-40B4-BE49-F238E27FC236}">
-                <a16:creationId xmlns:a16="http://schemas.microsoft.com/office/drawing/2014/main" id="{09204F3D-ECE8-D3D7-69D5-FE21EB972122}"/>
-              </a:ext>
-            </a:extLst>
-          </p:cNvPr>
-          <p:cNvSpPr txBox="1"/>
-          <p:nvPr/>
-        </p:nvSpPr>
-        <p:spPr>
-          <a:xfrm>
-            <a:off x="112315" y="4581569"/>
-            <a:ext cx="678475" cy="307777"/>
-          </a:xfrm>
-          <a:prstGeom prst="rect">
-            <a:avLst/>
-          </a:prstGeom>
-          <a:noFill/>
-        </p:spPr>
-        <p:txBody>
-          <a:bodyPr wrap="square" rtlCol="0">
-            <a:spAutoFit/>
-          </a:bodyPr>
-          <a:lstStyle/>
-          <a:p>
-            <a:r>
-              <a:rPr lang="de-CH" sz="1400" b="1" dirty="0">
-                <a:latin typeface="Arial" panose="020B0604020202020204" pitchFamily="34" charset="0"/>
-                <a:cs typeface="Arial" panose="020B0604020202020204" pitchFamily="34" charset="0"/>
-              </a:rPr>
-              <a:t>Name</a:t>
-            </a:r>
-          </a:p>
-        </p:txBody>
-      </p:sp>
-      <p:sp>
-        <p:nvSpPr>
-          <p:cNvPr id="22" name="Rechteck 21">
-            <a:extLst>
-              <a:ext uri="{FF2B5EF4-FFF2-40B4-BE49-F238E27FC236}">
-                <a16:creationId xmlns:a16="http://schemas.microsoft.com/office/drawing/2014/main" id="{286D9678-2698-FA91-A3F7-38844B98F1AF}"/>
-              </a:ext>
-            </a:extLst>
-          </p:cNvPr>
-          <p:cNvSpPr/>
-          <p:nvPr/>
-        </p:nvSpPr>
-        <p:spPr>
-          <a:xfrm>
-            <a:off x="791384" y="4941482"/>
-            <a:ext cx="2579516" cy="301629"/>
-          </a:xfrm>
-          <a:prstGeom prst="rect">
-            <a:avLst/>
-          </a:prstGeom>
-          <a:solidFill>
-            <a:schemeClr val="bg1"/>
-          </a:solidFill>
-          <a:ln>
-            <a:solidFill>
-              <a:schemeClr val="tx1"/>
-            </a:solidFill>
-          </a:ln>
-        </p:spPr>
-        <p:style>
-          <a:lnRef idx="2">
-            <a:schemeClr val="accent1">
-              <a:shade val="50000"/>
-            </a:schemeClr>
-          </a:lnRef>
-          <a:fillRef idx="1">
-            <a:schemeClr val="accent1"/>
-          </a:fillRef>
-          <a:effectRef idx="0">
-            <a:schemeClr val="accent1"/>
-          </a:effectRef>
-          <a:fontRef idx="minor">
-            <a:schemeClr val="lt1"/>
-          </a:fontRef>
-        </p:style>
-        <p:txBody>
-          <a:bodyPr rtlCol="0" anchor="ctr"/>
-          <a:lstStyle/>
-          <a:p>
-            <a:r>
-              <a:rPr lang="de-CH" sz="1200" i="1" dirty="0">
-                <a:solidFill>
-                  <a:schemeClr val="tx1"/>
-                </a:solidFill>
-                <a:latin typeface="Arial" panose="020B0604020202020204" pitchFamily="34" charset="0"/>
-                <a:cs typeface="Arial" panose="020B0604020202020204" pitchFamily="34" charset="0"/>
-              </a:rPr>
-              <a:t>E-Mail Adresse eingeben …</a:t>
-            </a:r>
-          </a:p>
-        </p:txBody>
-      </p:sp>
-      <p:sp>
-        <p:nvSpPr>
-          <p:cNvPr id="23" name="Textfeld 22">
-            <a:extLst>
-              <a:ext uri="{FF2B5EF4-FFF2-40B4-BE49-F238E27FC236}">
-                <a16:creationId xmlns:a16="http://schemas.microsoft.com/office/drawing/2014/main" id="{B0DE4E18-B664-00E6-E1D4-88C99B4C7E21}"/>
-              </a:ext>
-            </a:extLst>
-          </p:cNvPr>
-          <p:cNvSpPr txBox="1"/>
-          <p:nvPr/>
-        </p:nvSpPr>
-        <p:spPr>
-          <a:xfrm>
-            <a:off x="112909" y="4938408"/>
-            <a:ext cx="789260" cy="307777"/>
-          </a:xfrm>
-          <a:prstGeom prst="rect">
-            <a:avLst/>
-          </a:prstGeom>
-          <a:noFill/>
-        </p:spPr>
-        <p:txBody>
-          <a:bodyPr wrap="square" rtlCol="0">
-            <a:spAutoFit/>
-          </a:bodyPr>
-          <a:lstStyle/>
-          <a:p>
-            <a:r>
-              <a:rPr lang="de-CH" sz="1400" b="1" dirty="0">
-                <a:latin typeface="Arial" panose="020B0604020202020204" pitchFamily="34" charset="0"/>
-                <a:cs typeface="Arial" panose="020B0604020202020204" pitchFamily="34" charset="0"/>
-              </a:rPr>
-              <a:t>E-Mail</a:t>
-            </a:r>
-          </a:p>
-        </p:txBody>
-      </p:sp>
-      <p:sp>
-        <p:nvSpPr>
-          <p:cNvPr id="24" name="Rechteck 23">
-            <a:extLst>
-              <a:ext uri="{FF2B5EF4-FFF2-40B4-BE49-F238E27FC236}">
-                <a16:creationId xmlns:a16="http://schemas.microsoft.com/office/drawing/2014/main" id="{3AEAF418-1F9B-E2AE-887B-F1F0B851CF5C}"/>
-              </a:ext>
-            </a:extLst>
-          </p:cNvPr>
-          <p:cNvSpPr/>
-          <p:nvPr/>
-        </p:nvSpPr>
-        <p:spPr>
-          <a:xfrm>
-            <a:off x="203357" y="5309433"/>
-            <a:ext cx="3166949" cy="255249"/>
-          </a:xfrm>
-          <a:prstGeom prst="rect">
-            <a:avLst/>
-          </a:prstGeom>
-          <a:noFill/>
-          <a:ln>
-            <a:solidFill>
-              <a:schemeClr val="tx1"/>
-            </a:solidFill>
-          </a:ln>
-        </p:spPr>
-        <p:style>
-          <a:lnRef idx="2">
-            <a:schemeClr val="accent1">
-              <a:shade val="50000"/>
-            </a:schemeClr>
-          </a:lnRef>
-          <a:fillRef idx="1">
-            <a:schemeClr val="accent1"/>
-          </a:fillRef>
-          <a:effectRef idx="0">
-            <a:schemeClr val="accent1"/>
-          </a:effectRef>
-          <a:fontRef idx="minor">
-            <a:schemeClr val="lt1"/>
-          </a:fontRef>
-        </p:style>
-        <p:txBody>
-          <a:bodyPr rtlCol="0" anchor="ctr"/>
-          <a:lstStyle/>
-          <a:p>
-            <a:pPr algn="ctr"/>
-            <a:r>
-              <a:rPr lang="de-CH" sz="1200" dirty="0">
-                <a:solidFill>
-                  <a:schemeClr val="tx1"/>
-                </a:solidFill>
-                <a:latin typeface="Arial" panose="020B0604020202020204" pitchFamily="34" charset="0"/>
-                <a:cs typeface="Arial" panose="020B0604020202020204" pitchFamily="34" charset="0"/>
-              </a:rPr>
-              <a:t>Code verlangen</a:t>
-            </a:r>
-          </a:p>
-        </p:txBody>
-      </p:sp>
-      <p:pic>
-        <p:nvPicPr>
-          <p:cNvPr id="25" name="Grafik 24">
-            <a:extLst>
-              <a:ext uri="{FF2B5EF4-FFF2-40B4-BE49-F238E27FC236}">
-                <a16:creationId xmlns:a16="http://schemas.microsoft.com/office/drawing/2014/main" id="{E7EB6755-F68A-AA2C-A43C-73345BC2C8DC}"/>
-              </a:ext>
-            </a:extLst>
-          </p:cNvPr>
-          <p:cNvPicPr>
-            <a:picLocks noChangeAspect="1"/>
-          </p:cNvPicPr>
-          <p:nvPr/>
-        </p:nvPicPr>
-        <p:blipFill>
-          <a:blip r:embed="rId7"/>
-          <a:stretch>
-            <a:fillRect/>
-          </a:stretch>
-        </p:blipFill>
-        <p:spPr>
-          <a:xfrm>
-            <a:off x="2987452" y="3979033"/>
-            <a:ext cx="331444" cy="256116"/>
-          </a:xfrm>
-          <a:prstGeom prst="rect">
-            <a:avLst/>
-          </a:prstGeom>
-        </p:spPr>
-      </p:pic>
-      <p:sp>
-        <p:nvSpPr>
-          <p:cNvPr id="26" name="Rechteck 25">
-            <a:extLst>
-              <a:ext uri="{FF2B5EF4-FFF2-40B4-BE49-F238E27FC236}">
-                <a16:creationId xmlns:a16="http://schemas.microsoft.com/office/drawing/2014/main" id="{7896611D-3FCA-2D9C-0D58-EE47203CD0B3}"/>
-              </a:ext>
-            </a:extLst>
-          </p:cNvPr>
-          <p:cNvSpPr/>
-          <p:nvPr/>
-        </p:nvSpPr>
-        <p:spPr>
-          <a:xfrm>
-            <a:off x="834727" y="5659480"/>
-            <a:ext cx="1769191" cy="301629"/>
-          </a:xfrm>
-          <a:prstGeom prst="rect">
-            <a:avLst/>
-          </a:prstGeom>
-          <a:solidFill>
-            <a:schemeClr val="bg1"/>
-          </a:solidFill>
-          <a:ln>
-            <a:solidFill>
-              <a:schemeClr val="tx1"/>
-            </a:solidFill>
-          </a:ln>
-        </p:spPr>
-        <p:style>
-          <a:lnRef idx="2">
-            <a:schemeClr val="accent1">
-              <a:shade val="50000"/>
-            </a:schemeClr>
-          </a:lnRef>
-          <a:fillRef idx="1">
-            <a:schemeClr val="accent1"/>
-          </a:fillRef>
-          <a:effectRef idx="0">
-            <a:schemeClr val="accent1"/>
-          </a:effectRef>
-          <a:fontRef idx="minor">
-            <a:schemeClr val="lt1"/>
-          </a:fontRef>
-        </p:style>
-        <p:txBody>
-          <a:bodyPr rtlCol="0" anchor="ctr"/>
-          <a:lstStyle/>
-          <a:p>
-            <a:r>
-              <a:rPr lang="de-CH" sz="1200" i="1" dirty="0">
-                <a:solidFill>
-                  <a:schemeClr val="tx1"/>
-                </a:solidFill>
-                <a:latin typeface="Arial" panose="020B0604020202020204" pitchFamily="34" charset="0"/>
-                <a:cs typeface="Arial" panose="020B0604020202020204" pitchFamily="34" charset="0"/>
-              </a:rPr>
-              <a:t>Code eingeben …</a:t>
-            </a:r>
-          </a:p>
-        </p:txBody>
-      </p:sp>
-      <p:sp>
-        <p:nvSpPr>
-          <p:cNvPr id="27" name="Textfeld 26">
-            <a:extLst>
-              <a:ext uri="{FF2B5EF4-FFF2-40B4-BE49-F238E27FC236}">
-                <a16:creationId xmlns:a16="http://schemas.microsoft.com/office/drawing/2014/main" id="{285BFC11-536B-A9D7-E131-76A6D2B04A59}"/>
-              </a:ext>
-            </a:extLst>
-          </p:cNvPr>
-          <p:cNvSpPr txBox="1"/>
-          <p:nvPr/>
-        </p:nvSpPr>
-        <p:spPr>
-          <a:xfrm>
-            <a:off x="156252" y="5656406"/>
-            <a:ext cx="678475" cy="307777"/>
-          </a:xfrm>
-          <a:prstGeom prst="rect">
-            <a:avLst/>
-          </a:prstGeom>
-          <a:noFill/>
-        </p:spPr>
-        <p:txBody>
-          <a:bodyPr wrap="square" rtlCol="0">
-            <a:spAutoFit/>
-          </a:bodyPr>
-          <a:lstStyle/>
-          <a:p>
-            <a:r>
-              <a:rPr lang="de-CH" sz="1400" b="1" dirty="0">
-                <a:latin typeface="Arial" panose="020B0604020202020204" pitchFamily="34" charset="0"/>
-                <a:cs typeface="Arial" panose="020B0604020202020204" pitchFamily="34" charset="0"/>
-              </a:rPr>
-              <a:t>Code</a:t>
-            </a:r>
-          </a:p>
-        </p:txBody>
-      </p:sp>
-      <p:sp>
-        <p:nvSpPr>
-          <p:cNvPr id="28" name="Rechteck 27">
-            <a:extLst>
-              <a:ext uri="{FF2B5EF4-FFF2-40B4-BE49-F238E27FC236}">
-                <a16:creationId xmlns:a16="http://schemas.microsoft.com/office/drawing/2014/main" id="{508CC12E-361B-2A71-1F27-42D54EA63471}"/>
-              </a:ext>
-            </a:extLst>
-          </p:cNvPr>
-          <p:cNvSpPr/>
-          <p:nvPr/>
-        </p:nvSpPr>
-        <p:spPr>
-          <a:xfrm>
-            <a:off x="2651789" y="5667306"/>
-            <a:ext cx="735983" cy="292247"/>
-          </a:xfrm>
-          <a:prstGeom prst="rect">
-            <a:avLst/>
-          </a:prstGeom>
-          <a:noFill/>
-          <a:ln>
-            <a:solidFill>
-              <a:schemeClr val="tx1"/>
-            </a:solidFill>
-          </a:ln>
-        </p:spPr>
-        <p:style>
-          <a:lnRef idx="2">
-            <a:schemeClr val="accent1">
-              <a:shade val="50000"/>
-            </a:schemeClr>
-          </a:lnRef>
-          <a:fillRef idx="1">
-            <a:schemeClr val="accent1"/>
-          </a:fillRef>
-          <a:effectRef idx="0">
-            <a:schemeClr val="accent1"/>
-          </a:effectRef>
-          <a:fontRef idx="minor">
-            <a:schemeClr val="lt1"/>
-          </a:fontRef>
-        </p:style>
-        <p:txBody>
-          <a:bodyPr rtlCol="0" anchor="ctr"/>
-          <a:lstStyle/>
-          <a:p>
-            <a:pPr algn="ctr"/>
-            <a:r>
-              <a:rPr lang="de-CH" sz="1200" dirty="0">
-                <a:solidFill>
-                  <a:schemeClr val="tx1"/>
-                </a:solidFill>
-                <a:latin typeface="Arial" panose="020B0604020202020204" pitchFamily="34" charset="0"/>
-                <a:cs typeface="Arial" panose="020B0604020202020204" pitchFamily="34" charset="0"/>
-              </a:rPr>
-              <a:t>Senden</a:t>
-            </a:r>
-          </a:p>
-        </p:txBody>
-      </p:sp>
-      <p:sp>
-        <p:nvSpPr>
-          <p:cNvPr id="29" name="Rechteck 28">
-            <a:extLst>
-              <a:ext uri="{FF2B5EF4-FFF2-40B4-BE49-F238E27FC236}">
-                <a16:creationId xmlns:a16="http://schemas.microsoft.com/office/drawing/2014/main" id="{97C13174-57E2-CC0A-834C-DAF05C46F045}"/>
-              </a:ext>
-            </a:extLst>
-          </p:cNvPr>
-          <p:cNvSpPr/>
-          <p:nvPr/>
-        </p:nvSpPr>
-        <p:spPr>
-          <a:xfrm>
-            <a:off x="3849486" y="3844092"/>
-            <a:ext cx="3339167" cy="2447655"/>
-          </a:xfrm>
-          <a:prstGeom prst="rect">
-            <a:avLst/>
-          </a:prstGeom>
-          <a:solidFill>
-            <a:srgbClr val="DFE0E1"/>
-          </a:solidFill>
-          <a:ln>
-            <a:solidFill>
-              <a:srgbClr val="C8C8C8"/>
-            </a:solidFill>
-          </a:ln>
-        </p:spPr>
-        <p:style>
-          <a:lnRef idx="2">
-            <a:schemeClr val="accent1">
-              <a:shade val="50000"/>
-            </a:schemeClr>
-          </a:lnRef>
-          <a:fillRef idx="1">
-            <a:schemeClr val="accent1"/>
-          </a:fillRef>
-          <a:effectRef idx="0">
-            <a:schemeClr val="accent1"/>
-          </a:effectRef>
-          <a:fontRef idx="minor">
-            <a:schemeClr val="lt1"/>
-          </a:fontRef>
-        </p:style>
-        <p:txBody>
-          <a:bodyPr rtlCol="0" anchor="ctr"/>
-          <a:lstStyle/>
-          <a:p>
-            <a:pPr algn="ctr"/>
-            <a:endParaRPr lang="de-CH" sz="1600" dirty="0">
-              <a:solidFill>
-                <a:schemeClr val="tx1"/>
-              </a:solidFill>
-              <a:latin typeface="Arial" panose="020B0604020202020204" pitchFamily="34" charset="0"/>
-              <a:cs typeface="Arial" panose="020B0604020202020204" pitchFamily="34" charset="0"/>
-            </a:endParaRPr>
-          </a:p>
-        </p:txBody>
-      </p:sp>
-      <p:sp>
-        <p:nvSpPr>
-          <p:cNvPr id="30" name="Rechteck 29">
-            <a:extLst>
-              <a:ext uri="{FF2B5EF4-FFF2-40B4-BE49-F238E27FC236}">
-                <a16:creationId xmlns:a16="http://schemas.microsoft.com/office/drawing/2014/main" id="{551F3DD4-5C20-9CFE-0104-D97B5126131D}"/>
-              </a:ext>
-            </a:extLst>
-          </p:cNvPr>
-          <p:cNvSpPr/>
-          <p:nvPr/>
-        </p:nvSpPr>
-        <p:spPr>
-          <a:xfrm>
-            <a:off x="3849483" y="3749294"/>
-            <a:ext cx="3339167" cy="769028"/>
-          </a:xfrm>
-          <a:prstGeom prst="rect">
-            <a:avLst/>
-          </a:prstGeom>
-          <a:solidFill>
-            <a:schemeClr val="tx1"/>
-          </a:solidFill>
-          <a:ln>
-            <a:solidFill>
-              <a:schemeClr val="tx1"/>
-            </a:solidFill>
-          </a:ln>
-        </p:spPr>
-        <p:style>
-          <a:lnRef idx="2">
-            <a:schemeClr val="accent1">
-              <a:shade val="50000"/>
-            </a:schemeClr>
-          </a:lnRef>
-          <a:fillRef idx="1">
-            <a:schemeClr val="accent1"/>
-          </a:fillRef>
-          <a:effectRef idx="0">
-            <a:schemeClr val="accent1"/>
-          </a:effectRef>
-          <a:fontRef idx="minor">
-            <a:schemeClr val="lt1"/>
-          </a:fontRef>
-        </p:style>
-        <p:txBody>
-          <a:bodyPr rtlCol="0" anchor="ctr"/>
-          <a:lstStyle/>
-          <a:p>
-            <a:pPr algn="ctr"/>
-            <a:r>
-              <a:rPr lang="de-CH" sz="1600" b="1" dirty="0">
-                <a:solidFill>
-                  <a:srgbClr val="FF000A"/>
-                </a:solidFill>
-                <a:latin typeface="Arial" panose="020B0604020202020204" pitchFamily="34" charset="0"/>
-                <a:cs typeface="Arial" panose="020B0604020202020204" pitchFamily="34" charset="0"/>
-              </a:rPr>
-              <a:t>          </a:t>
-            </a:r>
-          </a:p>
-          <a:p>
-            <a:pPr algn="ctr"/>
-            <a:r>
-              <a:rPr lang="de-CH" sz="1400" b="1" dirty="0">
-                <a:solidFill>
-                  <a:srgbClr val="FF000A"/>
-                </a:solidFill>
-                <a:latin typeface="Arial" panose="020B0604020202020204" pitchFamily="34" charset="0"/>
-                <a:cs typeface="Arial" panose="020B0604020202020204" pitchFamily="34" charset="0"/>
-              </a:rPr>
-              <a:t>Gästebuch-Bild hochladen </a:t>
-            </a:r>
-          </a:p>
-        </p:txBody>
-      </p:sp>
-      <p:pic>
-        <p:nvPicPr>
-          <p:cNvPr id="31" name="Grafik 30">
-            <a:extLst>
-              <a:ext uri="{FF2B5EF4-FFF2-40B4-BE49-F238E27FC236}">
-                <a16:creationId xmlns:a16="http://schemas.microsoft.com/office/drawing/2014/main" id="{1D61FAAF-8B7B-0DCF-B56E-9C0F65E2F35A}"/>
-              </a:ext>
-            </a:extLst>
-          </p:cNvPr>
-          <p:cNvPicPr>
-            <a:picLocks noChangeAspect="1"/>
-          </p:cNvPicPr>
-          <p:nvPr/>
-        </p:nvPicPr>
-        <p:blipFill>
-          <a:blip r:embed="rId6"/>
-          <a:stretch>
-            <a:fillRect/>
-          </a:stretch>
-        </p:blipFill>
-        <p:spPr>
-          <a:xfrm>
-            <a:off x="4290497" y="3845953"/>
-            <a:ext cx="2457143" cy="238095"/>
-          </a:xfrm>
-          <a:prstGeom prst="rect">
-            <a:avLst/>
-          </a:prstGeom>
-        </p:spPr>
-      </p:pic>
-      <p:sp>
-        <p:nvSpPr>
-          <p:cNvPr id="32" name="Rechteck 31">
-            <a:extLst>
-              <a:ext uri="{FF2B5EF4-FFF2-40B4-BE49-F238E27FC236}">
-                <a16:creationId xmlns:a16="http://schemas.microsoft.com/office/drawing/2014/main" id="{5A90F1B4-DFCE-1F13-05C6-2768B19C5235}"/>
-              </a:ext>
-            </a:extLst>
-          </p:cNvPr>
-          <p:cNvSpPr/>
-          <p:nvPr/>
-        </p:nvSpPr>
-        <p:spPr>
-          <a:xfrm>
-            <a:off x="4527364" y="4584643"/>
-            <a:ext cx="2579516" cy="301629"/>
-          </a:xfrm>
-          <a:prstGeom prst="rect">
-            <a:avLst/>
-          </a:prstGeom>
-          <a:solidFill>
-            <a:schemeClr val="bg1"/>
-          </a:solidFill>
-          <a:ln>
-            <a:solidFill>
-              <a:schemeClr val="tx1"/>
-            </a:solidFill>
-          </a:ln>
-        </p:spPr>
-        <p:style>
-          <a:lnRef idx="2">
-            <a:schemeClr val="accent1">
-              <a:shade val="50000"/>
-            </a:schemeClr>
-          </a:lnRef>
-          <a:fillRef idx="1">
-            <a:schemeClr val="accent1"/>
-          </a:fillRef>
-          <a:effectRef idx="0">
-            <a:schemeClr val="accent1"/>
-          </a:effectRef>
-          <a:fontRef idx="minor">
-            <a:schemeClr val="lt1"/>
-          </a:fontRef>
-        </p:style>
-        <p:txBody>
-          <a:bodyPr rtlCol="0" anchor="ctr"/>
-          <a:lstStyle/>
-          <a:p>
-            <a:r>
-              <a:rPr lang="de-CH" sz="1200" i="1" dirty="0">
-                <a:solidFill>
-                  <a:schemeClr val="tx1"/>
-                </a:solidFill>
-                <a:latin typeface="Arial" panose="020B0604020202020204" pitchFamily="34" charset="0"/>
-                <a:cs typeface="Arial" panose="020B0604020202020204" pitchFamily="34" charset="0"/>
-              </a:rPr>
-              <a:t>Name(n) eingeben …</a:t>
-            </a:r>
-          </a:p>
-        </p:txBody>
-      </p:sp>
-      <p:sp>
-        <p:nvSpPr>
-          <p:cNvPr id="33" name="Textfeld 32">
-            <a:extLst>
-              <a:ext uri="{FF2B5EF4-FFF2-40B4-BE49-F238E27FC236}">
-                <a16:creationId xmlns:a16="http://schemas.microsoft.com/office/drawing/2014/main" id="{9D943956-5523-65F8-EBD5-BEFB153BA415}"/>
-              </a:ext>
-            </a:extLst>
-          </p:cNvPr>
-          <p:cNvSpPr txBox="1"/>
-          <p:nvPr/>
-        </p:nvSpPr>
-        <p:spPr>
-          <a:xfrm>
-            <a:off x="3848889" y="4581569"/>
-            <a:ext cx="678475" cy="307777"/>
-          </a:xfrm>
-          <a:prstGeom prst="rect">
-            <a:avLst/>
-          </a:prstGeom>
-          <a:noFill/>
-        </p:spPr>
-        <p:txBody>
-          <a:bodyPr wrap="square" rtlCol="0">
-            <a:spAutoFit/>
-          </a:bodyPr>
-          <a:lstStyle/>
-          <a:p>
-            <a:r>
-              <a:rPr lang="de-CH" sz="1400" b="1" dirty="0">
-                <a:latin typeface="Arial" panose="020B0604020202020204" pitchFamily="34" charset="0"/>
-                <a:cs typeface="Arial" panose="020B0604020202020204" pitchFamily="34" charset="0"/>
-              </a:rPr>
-              <a:t>Name</a:t>
-            </a:r>
-          </a:p>
-        </p:txBody>
-      </p:sp>
-      <p:pic>
-        <p:nvPicPr>
-          <p:cNvPr id="37" name="Grafik 36">
-            <a:extLst>
-              <a:ext uri="{FF2B5EF4-FFF2-40B4-BE49-F238E27FC236}">
-                <a16:creationId xmlns:a16="http://schemas.microsoft.com/office/drawing/2014/main" id="{995540C7-A6CF-4078-42AD-EA31F1C91E42}"/>
-              </a:ext>
-            </a:extLst>
-          </p:cNvPr>
-          <p:cNvPicPr>
-            <a:picLocks noChangeAspect="1"/>
-          </p:cNvPicPr>
-          <p:nvPr/>
-        </p:nvPicPr>
-        <p:blipFill>
-          <a:blip r:embed="rId7"/>
-          <a:stretch>
-            <a:fillRect/>
-          </a:stretch>
-        </p:blipFill>
-        <p:spPr>
-          <a:xfrm>
-            <a:off x="6724026" y="3979033"/>
-            <a:ext cx="331444" cy="256116"/>
-          </a:xfrm>
-          <a:prstGeom prst="rect">
-            <a:avLst/>
-          </a:prstGeom>
-        </p:spPr>
-      </p:pic>
-      <p:sp>
-        <p:nvSpPr>
-          <p:cNvPr id="41" name="Textfeld 40">
-            <a:extLst>
-              <a:ext uri="{FF2B5EF4-FFF2-40B4-BE49-F238E27FC236}">
-                <a16:creationId xmlns:a16="http://schemas.microsoft.com/office/drawing/2014/main" id="{70C702E8-D0C1-321B-4DCC-16E2EC24D5AA}"/>
-              </a:ext>
-            </a:extLst>
-          </p:cNvPr>
-          <p:cNvSpPr txBox="1"/>
-          <p:nvPr/>
-        </p:nvSpPr>
-        <p:spPr>
-          <a:xfrm>
-            <a:off x="3902647" y="5772571"/>
-            <a:ext cx="596564" cy="307777"/>
-          </a:xfrm>
-          <a:prstGeom prst="rect">
-            <a:avLst/>
-          </a:prstGeom>
-          <a:noFill/>
-        </p:spPr>
-        <p:txBody>
-          <a:bodyPr wrap="square" rtlCol="0">
-            <a:spAutoFit/>
-          </a:bodyPr>
-          <a:lstStyle/>
-          <a:p>
-            <a:r>
-              <a:rPr lang="de-CH" sz="1400" b="1" dirty="0">
-                <a:latin typeface="Arial" panose="020B0604020202020204" pitchFamily="34" charset="0"/>
-                <a:cs typeface="Arial" panose="020B0604020202020204" pitchFamily="34" charset="0"/>
-              </a:rPr>
-              <a:t>IMG</a:t>
-            </a:r>
-          </a:p>
-        </p:txBody>
-      </p:sp>
-      <p:sp>
-        <p:nvSpPr>
-          <p:cNvPr id="42" name="Rechteck 41">
-            <a:extLst>
-              <a:ext uri="{FF2B5EF4-FFF2-40B4-BE49-F238E27FC236}">
-                <a16:creationId xmlns:a16="http://schemas.microsoft.com/office/drawing/2014/main" id="{04DD2826-8AA8-7C2E-EADB-AD9C9526CC43}"/>
-              </a:ext>
-            </a:extLst>
-          </p:cNvPr>
-          <p:cNvSpPr/>
-          <p:nvPr/>
-        </p:nvSpPr>
-        <p:spPr>
-          <a:xfrm>
-            <a:off x="4461126" y="5769084"/>
-            <a:ext cx="1889187" cy="301629"/>
-          </a:xfrm>
-          <a:prstGeom prst="rect">
-            <a:avLst/>
-          </a:prstGeom>
-          <a:solidFill>
-            <a:schemeClr val="bg1"/>
-          </a:solidFill>
-          <a:ln>
-            <a:solidFill>
-              <a:schemeClr val="tx1"/>
-            </a:solidFill>
-          </a:ln>
-        </p:spPr>
-        <p:style>
-          <a:lnRef idx="2">
-            <a:schemeClr val="accent1">
-              <a:shade val="50000"/>
-            </a:schemeClr>
-          </a:lnRef>
-          <a:fillRef idx="1">
-            <a:schemeClr val="accent1"/>
-          </a:fillRef>
-          <a:effectRef idx="0">
-            <a:schemeClr val="accent1"/>
-          </a:effectRef>
-          <a:fontRef idx="minor">
-            <a:schemeClr val="lt1"/>
-          </a:fontRef>
-        </p:style>
-        <p:txBody>
-          <a:bodyPr rtlCol="0" anchor="ctr"/>
-          <a:lstStyle/>
-          <a:p>
-            <a:r>
-              <a:rPr lang="de-CH" sz="1200" i="1" dirty="0">
-                <a:solidFill>
-                  <a:schemeClr val="tx1"/>
-                </a:solidFill>
-                <a:latin typeface="Arial" panose="020B0604020202020204" pitchFamily="34" charset="0"/>
-                <a:cs typeface="Arial" panose="020B0604020202020204" pitchFamily="34" charset="0"/>
-              </a:rPr>
-              <a:t>Pfad zeigen nach Upload</a:t>
-            </a:r>
-          </a:p>
-        </p:txBody>
-      </p:sp>
-      <p:sp>
-        <p:nvSpPr>
-          <p:cNvPr id="43" name="Rechteck 42">
-            <a:extLst>
-              <a:ext uri="{FF2B5EF4-FFF2-40B4-BE49-F238E27FC236}">
-                <a16:creationId xmlns:a16="http://schemas.microsoft.com/office/drawing/2014/main" id="{53DFE4AE-3BB2-580A-F0AD-A8A05042FE78}"/>
-              </a:ext>
-            </a:extLst>
-          </p:cNvPr>
-          <p:cNvSpPr/>
-          <p:nvPr/>
-        </p:nvSpPr>
-        <p:spPr>
-          <a:xfrm>
-            <a:off x="6424655" y="5773776"/>
-            <a:ext cx="735983" cy="292247"/>
-          </a:xfrm>
-          <a:prstGeom prst="rect">
-            <a:avLst/>
-          </a:prstGeom>
-          <a:noFill/>
-          <a:ln>
-            <a:solidFill>
-              <a:schemeClr val="tx1"/>
-            </a:solidFill>
-          </a:ln>
-        </p:spPr>
-        <p:style>
-          <a:lnRef idx="2">
-            <a:schemeClr val="accent1">
-              <a:shade val="50000"/>
-            </a:schemeClr>
-          </a:lnRef>
-          <a:fillRef idx="1">
-            <a:schemeClr val="accent1"/>
-          </a:fillRef>
-          <a:effectRef idx="0">
-            <a:schemeClr val="accent1"/>
-          </a:effectRef>
-          <a:fontRef idx="minor">
-            <a:schemeClr val="lt1"/>
-          </a:fontRef>
-        </p:style>
-        <p:txBody>
-          <a:bodyPr rtlCol="0" anchor="ctr"/>
-          <a:lstStyle/>
-          <a:p>
-            <a:pPr algn="ctr"/>
-            <a:r>
-              <a:rPr lang="de-CH" sz="1200" dirty="0">
-                <a:solidFill>
-                  <a:schemeClr val="tx1"/>
-                </a:solidFill>
-                <a:latin typeface="Arial" panose="020B0604020202020204" pitchFamily="34" charset="0"/>
-                <a:cs typeface="Arial" panose="020B0604020202020204" pitchFamily="34" charset="0"/>
-              </a:rPr>
-              <a:t>Upload</a:t>
-            </a:r>
-          </a:p>
-        </p:txBody>
-      </p:sp>
-      <p:sp>
-        <p:nvSpPr>
-          <p:cNvPr id="44" name="Rechteck 43">
-            <a:extLst>
-              <a:ext uri="{FF2B5EF4-FFF2-40B4-BE49-F238E27FC236}">
-                <a16:creationId xmlns:a16="http://schemas.microsoft.com/office/drawing/2014/main" id="{D2D3D0E4-F31B-7519-83B9-A87E609736CA}"/>
-              </a:ext>
-            </a:extLst>
-          </p:cNvPr>
-          <p:cNvSpPr/>
-          <p:nvPr/>
-        </p:nvSpPr>
-        <p:spPr>
-          <a:xfrm>
-            <a:off x="4519055" y="4989797"/>
-            <a:ext cx="2579516" cy="301629"/>
-          </a:xfrm>
-          <a:prstGeom prst="rect">
-            <a:avLst/>
-          </a:prstGeom>
-          <a:solidFill>
-            <a:schemeClr val="bg1"/>
-          </a:solidFill>
-          <a:ln>
-            <a:solidFill>
-              <a:schemeClr val="tx1"/>
-            </a:solidFill>
-          </a:ln>
-        </p:spPr>
-        <p:style>
-          <a:lnRef idx="2">
-            <a:schemeClr val="accent1">
-              <a:shade val="50000"/>
-            </a:schemeClr>
-          </a:lnRef>
-          <a:fillRef idx="1">
-            <a:schemeClr val="accent1"/>
-          </a:fillRef>
-          <a:effectRef idx="0">
-            <a:schemeClr val="accent1"/>
-          </a:effectRef>
-          <a:fontRef idx="minor">
-            <a:schemeClr val="lt1"/>
-          </a:fontRef>
-        </p:style>
-        <p:txBody>
-          <a:bodyPr rtlCol="0" anchor="ctr"/>
-          <a:lstStyle/>
-          <a:p>
-            <a:r>
-              <a:rPr lang="de-CH" sz="1200" i="1" dirty="0">
-                <a:solidFill>
-                  <a:schemeClr val="tx1"/>
-                </a:solidFill>
-                <a:latin typeface="Arial" panose="020B0604020202020204" pitchFamily="34" charset="0"/>
-                <a:cs typeface="Arial" panose="020B0604020202020204" pitchFamily="34" charset="0"/>
-              </a:rPr>
-              <a:t>E-Mail Adresse eingeben …</a:t>
-            </a:r>
-          </a:p>
-        </p:txBody>
-      </p:sp>
-      <p:sp>
-        <p:nvSpPr>
-          <p:cNvPr id="45" name="Textfeld 44">
-            <a:extLst>
-              <a:ext uri="{FF2B5EF4-FFF2-40B4-BE49-F238E27FC236}">
-                <a16:creationId xmlns:a16="http://schemas.microsoft.com/office/drawing/2014/main" id="{BC90BF46-8CF7-2C02-CDD3-28757B9658F3}"/>
-              </a:ext>
-            </a:extLst>
-          </p:cNvPr>
-          <p:cNvSpPr txBox="1"/>
-          <p:nvPr/>
-        </p:nvSpPr>
-        <p:spPr>
-          <a:xfrm>
-            <a:off x="3840580" y="4986723"/>
-            <a:ext cx="789260" cy="307777"/>
-          </a:xfrm>
-          <a:prstGeom prst="rect">
-            <a:avLst/>
-          </a:prstGeom>
-          <a:noFill/>
-        </p:spPr>
-        <p:txBody>
-          <a:bodyPr wrap="square" rtlCol="0">
-            <a:spAutoFit/>
-          </a:bodyPr>
-          <a:lstStyle/>
-          <a:p>
-            <a:r>
-              <a:rPr lang="de-CH" sz="1400" b="1" dirty="0">
-                <a:latin typeface="Arial" panose="020B0604020202020204" pitchFamily="34" charset="0"/>
-                <a:cs typeface="Arial" panose="020B0604020202020204" pitchFamily="34" charset="0"/>
-              </a:rPr>
-              <a:t>E-Mail</a:t>
-            </a:r>
-          </a:p>
-        </p:txBody>
-      </p:sp>
-      <p:sp>
-        <p:nvSpPr>
-          <p:cNvPr id="46" name="Rechteck 45">
-            <a:extLst>
-              <a:ext uri="{FF2B5EF4-FFF2-40B4-BE49-F238E27FC236}">
-                <a16:creationId xmlns:a16="http://schemas.microsoft.com/office/drawing/2014/main" id="{54DAEE80-9159-C86D-BA87-FB7132B51E13}"/>
-              </a:ext>
-            </a:extLst>
-          </p:cNvPr>
-          <p:cNvSpPr/>
-          <p:nvPr/>
-        </p:nvSpPr>
-        <p:spPr>
-          <a:xfrm>
-            <a:off x="3939960" y="5380703"/>
-            <a:ext cx="3166949" cy="255249"/>
-          </a:xfrm>
-          <a:prstGeom prst="rect">
-            <a:avLst/>
-          </a:prstGeom>
-          <a:noFill/>
-          <a:ln>
-            <a:solidFill>
-              <a:schemeClr val="tx1"/>
-            </a:solidFill>
-          </a:ln>
-        </p:spPr>
-        <p:style>
-          <a:lnRef idx="2">
-            <a:schemeClr val="accent1">
-              <a:shade val="50000"/>
-            </a:schemeClr>
-          </a:lnRef>
-          <a:fillRef idx="1">
-            <a:schemeClr val="accent1"/>
-          </a:fillRef>
-          <a:effectRef idx="0">
-            <a:schemeClr val="accent1"/>
-          </a:effectRef>
-          <a:fontRef idx="minor">
-            <a:schemeClr val="lt1"/>
-          </a:fontRef>
-        </p:style>
-        <p:txBody>
-          <a:bodyPr rtlCol="0" anchor="ctr"/>
-          <a:lstStyle/>
-          <a:p>
-            <a:pPr algn="ctr"/>
-            <a:r>
-              <a:rPr lang="de-CH" sz="1200" dirty="0">
-                <a:solidFill>
-                  <a:schemeClr val="tx1"/>
-                </a:solidFill>
-                <a:latin typeface="Arial" panose="020B0604020202020204" pitchFamily="34" charset="0"/>
-                <a:cs typeface="Arial" panose="020B0604020202020204" pitchFamily="34" charset="0"/>
-              </a:rPr>
-              <a:t>Code verlangen</a:t>
-            </a:r>
-          </a:p>
-        </p:txBody>
-      </p:sp>
-      <p:sp>
-        <p:nvSpPr>
-          <p:cNvPr id="47" name="Rechteck 46">
-            <a:extLst>
-              <a:ext uri="{FF2B5EF4-FFF2-40B4-BE49-F238E27FC236}">
-                <a16:creationId xmlns:a16="http://schemas.microsoft.com/office/drawing/2014/main" id="{0FD8E2B6-5852-0C27-E170-BEE59DB08D7E}"/>
-              </a:ext>
-            </a:extLst>
-          </p:cNvPr>
-          <p:cNvSpPr/>
-          <p:nvPr/>
-        </p:nvSpPr>
-        <p:spPr>
-          <a:xfrm>
-            <a:off x="8311836" y="3575875"/>
-            <a:ext cx="3339167" cy="2700860"/>
-          </a:xfrm>
-          <a:prstGeom prst="rect">
-            <a:avLst/>
-          </a:prstGeom>
-          <a:solidFill>
-            <a:srgbClr val="DFE0E1"/>
-          </a:solidFill>
-          <a:ln>
-            <a:solidFill>
-              <a:srgbClr val="C8C8C8"/>
-            </a:solidFill>
-          </a:ln>
-        </p:spPr>
-        <p:style>
-          <a:lnRef idx="2">
-            <a:schemeClr val="accent1">
-              <a:shade val="50000"/>
-            </a:schemeClr>
-          </a:lnRef>
-          <a:fillRef idx="1">
-            <a:schemeClr val="accent1"/>
-          </a:fillRef>
-          <a:effectRef idx="0">
-            <a:schemeClr val="accent1"/>
-          </a:effectRef>
-          <a:fontRef idx="minor">
-            <a:schemeClr val="lt1"/>
-          </a:fontRef>
-        </p:style>
-        <p:txBody>
-          <a:bodyPr rtlCol="0" anchor="ctr"/>
-          <a:lstStyle/>
-          <a:p>
-            <a:pPr algn="ctr"/>
-            <a:endParaRPr lang="de-CH" sz="1600" dirty="0">
-              <a:solidFill>
-                <a:schemeClr val="tx1"/>
-              </a:solidFill>
-              <a:latin typeface="Arial" panose="020B0604020202020204" pitchFamily="34" charset="0"/>
-              <a:cs typeface="Arial" panose="020B0604020202020204" pitchFamily="34" charset="0"/>
-            </a:endParaRPr>
-          </a:p>
-        </p:txBody>
-      </p:sp>
-      <p:sp>
-        <p:nvSpPr>
-          <p:cNvPr id="48" name="Rechteck 47">
-            <a:extLst>
-              <a:ext uri="{FF2B5EF4-FFF2-40B4-BE49-F238E27FC236}">
-                <a16:creationId xmlns:a16="http://schemas.microsoft.com/office/drawing/2014/main" id="{D15B7C6D-01F9-2037-A443-C43FD54DAED0}"/>
-              </a:ext>
-            </a:extLst>
-          </p:cNvPr>
-          <p:cNvSpPr/>
-          <p:nvPr/>
-        </p:nvSpPr>
-        <p:spPr>
-          <a:xfrm>
-            <a:off x="8322191" y="3460431"/>
-            <a:ext cx="3339167" cy="889930"/>
-          </a:xfrm>
-          <a:prstGeom prst="rect">
-            <a:avLst/>
-          </a:prstGeom>
-          <a:solidFill>
-            <a:schemeClr val="tx1"/>
-          </a:solidFill>
-          <a:ln>
-            <a:solidFill>
-              <a:schemeClr val="tx1"/>
-            </a:solidFill>
-          </a:ln>
-        </p:spPr>
-        <p:style>
-          <a:lnRef idx="2">
-            <a:schemeClr val="accent1">
-              <a:shade val="50000"/>
-            </a:schemeClr>
-          </a:lnRef>
-          <a:fillRef idx="1">
-            <a:schemeClr val="accent1"/>
-          </a:fillRef>
-          <a:effectRef idx="0">
-            <a:schemeClr val="accent1"/>
-          </a:effectRef>
-          <a:fontRef idx="minor">
-            <a:schemeClr val="lt1"/>
-          </a:fontRef>
-        </p:style>
-        <p:txBody>
-          <a:bodyPr rtlCol="0" anchor="ctr"/>
-          <a:lstStyle/>
-          <a:p>
-            <a:pPr algn="ctr"/>
-            <a:r>
-              <a:rPr lang="de-CH" sz="1600" b="1" dirty="0">
-                <a:solidFill>
-                  <a:srgbClr val="FF000A"/>
-                </a:solidFill>
-                <a:latin typeface="Arial" panose="020B0604020202020204" pitchFamily="34" charset="0"/>
-                <a:cs typeface="Arial" panose="020B0604020202020204" pitchFamily="34" charset="0"/>
-              </a:rPr>
-              <a:t>          </a:t>
-            </a:r>
-          </a:p>
-          <a:p>
-            <a:pPr algn="ctr"/>
-            <a:r>
-              <a:rPr lang="de-CH" sz="1400" b="1" dirty="0">
-                <a:solidFill>
-                  <a:srgbClr val="FF000A"/>
-                </a:solidFill>
-                <a:latin typeface="Arial" panose="020B0604020202020204" pitchFamily="34" charset="0"/>
-                <a:cs typeface="Arial" panose="020B0604020202020204" pitchFamily="34" charset="0"/>
-              </a:rPr>
-              <a:t>Gästebuch-Bild hochladen </a:t>
-            </a:r>
-          </a:p>
-        </p:txBody>
-      </p:sp>
-      <p:pic>
-        <p:nvPicPr>
-          <p:cNvPr id="49" name="Grafik 48">
-            <a:extLst>
-              <a:ext uri="{FF2B5EF4-FFF2-40B4-BE49-F238E27FC236}">
-                <a16:creationId xmlns:a16="http://schemas.microsoft.com/office/drawing/2014/main" id="{50843E47-6898-FD76-62BA-AF3124DDAC94}"/>
-              </a:ext>
-            </a:extLst>
-          </p:cNvPr>
-          <p:cNvPicPr>
-            <a:picLocks noChangeAspect="1"/>
-          </p:cNvPicPr>
-          <p:nvPr/>
-        </p:nvPicPr>
-        <p:blipFill>
-          <a:blip r:embed="rId6"/>
-          <a:stretch>
-            <a:fillRect/>
-          </a:stretch>
-        </p:blipFill>
-        <p:spPr>
-          <a:xfrm>
-            <a:off x="8763205" y="3557090"/>
-            <a:ext cx="2457143" cy="313184"/>
-          </a:xfrm>
-          <a:prstGeom prst="rect">
-            <a:avLst/>
-          </a:prstGeom>
-        </p:spPr>
-      </p:pic>
-      <p:pic>
-        <p:nvPicPr>
-          <p:cNvPr id="52" name="Grafik 51">
-            <a:extLst>
-              <a:ext uri="{FF2B5EF4-FFF2-40B4-BE49-F238E27FC236}">
-                <a16:creationId xmlns:a16="http://schemas.microsoft.com/office/drawing/2014/main" id="{C89CBF16-F9F8-E0C3-0F5F-C86FE0FCE19F}"/>
-              </a:ext>
-            </a:extLst>
-          </p:cNvPr>
-          <p:cNvPicPr>
-            <a:picLocks noChangeAspect="1"/>
-          </p:cNvPicPr>
-          <p:nvPr/>
-        </p:nvPicPr>
-        <p:blipFill>
-          <a:blip r:embed="rId7"/>
-          <a:stretch>
-            <a:fillRect/>
-          </a:stretch>
-        </p:blipFill>
-        <p:spPr>
-          <a:xfrm>
-            <a:off x="11196734" y="3690170"/>
-            <a:ext cx="378514" cy="336888"/>
-          </a:xfrm>
-          <a:prstGeom prst="rect">
-            <a:avLst/>
-          </a:prstGeom>
-        </p:spPr>
-      </p:pic>
-      <p:sp>
-        <p:nvSpPr>
-          <p:cNvPr id="53" name="Textfeld 52">
-            <a:extLst>
-              <a:ext uri="{FF2B5EF4-FFF2-40B4-BE49-F238E27FC236}">
-                <a16:creationId xmlns:a16="http://schemas.microsoft.com/office/drawing/2014/main" id="{A602B7C1-B67A-0A86-D765-834CDA8A8317}"/>
-              </a:ext>
-            </a:extLst>
-          </p:cNvPr>
-          <p:cNvSpPr txBox="1"/>
-          <p:nvPr/>
-        </p:nvSpPr>
-        <p:spPr>
-          <a:xfrm>
-            <a:off x="8375355" y="5591775"/>
-            <a:ext cx="596564" cy="307777"/>
-          </a:xfrm>
-          <a:prstGeom prst="rect">
-            <a:avLst/>
-          </a:prstGeom>
-          <a:noFill/>
-        </p:spPr>
-        <p:txBody>
-          <a:bodyPr wrap="square" rtlCol="0">
-            <a:spAutoFit/>
-          </a:bodyPr>
-          <a:lstStyle/>
-          <a:p>
-            <a:r>
-              <a:rPr lang="de-CH" sz="1400" b="1" dirty="0">
-                <a:latin typeface="Arial" panose="020B0604020202020204" pitchFamily="34" charset="0"/>
-                <a:cs typeface="Arial" panose="020B0604020202020204" pitchFamily="34" charset="0"/>
-              </a:rPr>
-              <a:t>IMG</a:t>
-            </a:r>
-          </a:p>
-        </p:txBody>
-      </p:sp>
-      <p:sp>
-        <p:nvSpPr>
-          <p:cNvPr id="54" name="Rechteck 53">
-            <a:extLst>
-              <a:ext uri="{FF2B5EF4-FFF2-40B4-BE49-F238E27FC236}">
-                <a16:creationId xmlns:a16="http://schemas.microsoft.com/office/drawing/2014/main" id="{C16576DF-8F0E-2DF7-AE60-3798B5185793}"/>
-              </a:ext>
-            </a:extLst>
-          </p:cNvPr>
-          <p:cNvSpPr/>
-          <p:nvPr/>
-        </p:nvSpPr>
-        <p:spPr>
-          <a:xfrm>
-            <a:off x="8933834" y="5588288"/>
-            <a:ext cx="1889187" cy="396755"/>
-          </a:xfrm>
-          <a:prstGeom prst="rect">
-            <a:avLst/>
-          </a:prstGeom>
-          <a:solidFill>
-            <a:schemeClr val="bg1"/>
-          </a:solidFill>
-          <a:ln>
-            <a:solidFill>
-              <a:schemeClr val="tx1"/>
-            </a:solidFill>
-          </a:ln>
-        </p:spPr>
-        <p:style>
-          <a:lnRef idx="2">
-            <a:schemeClr val="accent1">
-              <a:shade val="50000"/>
-            </a:schemeClr>
-          </a:lnRef>
-          <a:fillRef idx="1">
-            <a:schemeClr val="accent1"/>
-          </a:fillRef>
-          <a:effectRef idx="0">
-            <a:schemeClr val="accent1"/>
-          </a:effectRef>
-          <a:fontRef idx="minor">
-            <a:schemeClr val="lt1"/>
-          </a:fontRef>
-        </p:style>
-        <p:txBody>
-          <a:bodyPr rtlCol="0" anchor="ctr"/>
-          <a:lstStyle/>
-          <a:p>
-            <a:r>
-              <a:rPr lang="de-CH" sz="1200" i="1" dirty="0">
-                <a:solidFill>
-                  <a:schemeClr val="tx1"/>
-                </a:solidFill>
-                <a:latin typeface="Arial" panose="020B0604020202020204" pitchFamily="34" charset="0"/>
-                <a:cs typeface="Arial" panose="020B0604020202020204" pitchFamily="34" charset="0"/>
-              </a:rPr>
-              <a:t>Pfad zeigen nach Upload</a:t>
-            </a:r>
-          </a:p>
-        </p:txBody>
-      </p:sp>
-      <p:sp>
-        <p:nvSpPr>
-          <p:cNvPr id="55" name="Rechteck 54">
-            <a:extLst>
-              <a:ext uri="{FF2B5EF4-FFF2-40B4-BE49-F238E27FC236}">
-                <a16:creationId xmlns:a16="http://schemas.microsoft.com/office/drawing/2014/main" id="{3A1EE1E6-38F0-A099-BBF2-F7646671CD29}"/>
-              </a:ext>
-            </a:extLst>
-          </p:cNvPr>
-          <p:cNvSpPr/>
-          <p:nvPr/>
-        </p:nvSpPr>
-        <p:spPr>
-          <a:xfrm>
-            <a:off x="10897363" y="5592980"/>
-            <a:ext cx="735983" cy="384414"/>
-          </a:xfrm>
-          <a:prstGeom prst="rect">
-            <a:avLst/>
-          </a:prstGeom>
-          <a:noFill/>
-          <a:ln>
-            <a:solidFill>
-              <a:schemeClr val="tx1"/>
-            </a:solidFill>
-          </a:ln>
-        </p:spPr>
-        <p:style>
-          <a:lnRef idx="2">
-            <a:schemeClr val="accent1">
-              <a:shade val="50000"/>
-            </a:schemeClr>
-          </a:lnRef>
-          <a:fillRef idx="1">
-            <a:schemeClr val="accent1"/>
-          </a:fillRef>
-          <a:effectRef idx="0">
-            <a:schemeClr val="accent1"/>
-          </a:effectRef>
-          <a:fontRef idx="minor">
-            <a:schemeClr val="lt1"/>
-          </a:fontRef>
-        </p:style>
-        <p:txBody>
-          <a:bodyPr rtlCol="0" anchor="ctr"/>
-          <a:lstStyle/>
-          <a:p>
-            <a:pPr algn="ctr"/>
-            <a:r>
-              <a:rPr lang="de-CH" sz="1200" dirty="0">
-                <a:solidFill>
-                  <a:schemeClr val="tx1"/>
-                </a:solidFill>
-                <a:latin typeface="Arial" panose="020B0604020202020204" pitchFamily="34" charset="0"/>
-                <a:cs typeface="Arial" panose="020B0604020202020204" pitchFamily="34" charset="0"/>
-              </a:rPr>
-              <a:t>Upload</a:t>
-            </a:r>
-          </a:p>
-        </p:txBody>
-      </p:sp>
-      <p:sp>
-        <p:nvSpPr>
-          <p:cNvPr id="58" name="Rechteck 57">
-            <a:extLst>
-              <a:ext uri="{FF2B5EF4-FFF2-40B4-BE49-F238E27FC236}">
-                <a16:creationId xmlns:a16="http://schemas.microsoft.com/office/drawing/2014/main" id="{E2050D06-B769-25D4-4372-7EAF443FA835}"/>
-              </a:ext>
-            </a:extLst>
-          </p:cNvPr>
-          <p:cNvSpPr/>
-          <p:nvPr/>
-        </p:nvSpPr>
-        <p:spPr>
-          <a:xfrm>
-            <a:off x="8408299" y="5224953"/>
-            <a:ext cx="3166949" cy="335748"/>
-          </a:xfrm>
-          <a:prstGeom prst="rect">
-            <a:avLst/>
-          </a:prstGeom>
-          <a:noFill/>
-          <a:ln>
-            <a:solidFill>
-              <a:schemeClr val="tx1"/>
-            </a:solidFill>
-          </a:ln>
-        </p:spPr>
-        <p:style>
-          <a:lnRef idx="2">
-            <a:schemeClr val="accent1">
-              <a:shade val="50000"/>
-            </a:schemeClr>
-          </a:lnRef>
-          <a:fillRef idx="1">
-            <a:schemeClr val="accent1"/>
-          </a:fillRef>
-          <a:effectRef idx="0">
-            <a:schemeClr val="accent1"/>
-          </a:effectRef>
-          <a:fontRef idx="minor">
-            <a:schemeClr val="lt1"/>
-          </a:fontRef>
-        </p:style>
-        <p:txBody>
-          <a:bodyPr rtlCol="0" anchor="ctr"/>
-          <a:lstStyle/>
-          <a:p>
-            <a:pPr algn="ctr"/>
-            <a:r>
-              <a:rPr lang="de-CH" sz="1200" dirty="0">
-                <a:solidFill>
-                  <a:schemeClr val="tx1"/>
-                </a:solidFill>
-                <a:latin typeface="Arial" panose="020B0604020202020204" pitchFamily="34" charset="0"/>
-                <a:cs typeface="Arial" panose="020B0604020202020204" pitchFamily="34" charset="0"/>
-              </a:rPr>
-              <a:t>Code verlangen</a:t>
-            </a:r>
-          </a:p>
-        </p:txBody>
-      </p:sp>
-      <p:sp>
-        <p:nvSpPr>
-          <p:cNvPr id="1041" name="Textfeld 1040">
-            <a:extLst>
-              <a:ext uri="{FF2B5EF4-FFF2-40B4-BE49-F238E27FC236}">
-                <a16:creationId xmlns:a16="http://schemas.microsoft.com/office/drawing/2014/main" id="{342B4F2D-112F-6145-DE5D-6E84C06AF9C1}"/>
-              </a:ext>
-            </a:extLst>
-          </p:cNvPr>
-          <p:cNvSpPr txBox="1"/>
-          <p:nvPr/>
-        </p:nvSpPr>
-        <p:spPr>
-          <a:xfrm>
-            <a:off x="281023" y="105770"/>
-            <a:ext cx="1085233" cy="307777"/>
-          </a:xfrm>
-          <a:prstGeom prst="rect">
-            <a:avLst/>
-          </a:prstGeom>
-          <a:noFill/>
-        </p:spPr>
-        <p:txBody>
-          <a:bodyPr wrap="square" rtlCol="0">
-            <a:spAutoFit/>
-          </a:bodyPr>
-          <a:lstStyle/>
-          <a:p>
-            <a:r>
-              <a:rPr lang="de-CH" sz="1400" b="1" dirty="0">
-                <a:latin typeface="Arial" panose="020B0604020202020204" pitchFamily="34" charset="0"/>
-                <a:cs typeface="Arial" panose="020B0604020202020204" pitchFamily="34" charset="0"/>
-              </a:rPr>
-              <a:t>Zeichnen</a:t>
-            </a:r>
-          </a:p>
-        </p:txBody>
-      </p:sp>
-      <p:sp>
-        <p:nvSpPr>
-          <p:cNvPr id="1042" name="Textfeld 1041">
-            <a:extLst>
-              <a:ext uri="{FF2B5EF4-FFF2-40B4-BE49-F238E27FC236}">
-                <a16:creationId xmlns:a16="http://schemas.microsoft.com/office/drawing/2014/main" id="{136A48F8-DA25-759F-5881-4AB6213342E0}"/>
-              </a:ext>
-            </a:extLst>
-          </p:cNvPr>
-          <p:cNvSpPr txBox="1"/>
-          <p:nvPr/>
-        </p:nvSpPr>
-        <p:spPr>
-          <a:xfrm>
-            <a:off x="1589116" y="59520"/>
-            <a:ext cx="1372560" cy="307777"/>
-          </a:xfrm>
-          <a:prstGeom prst="rect">
-            <a:avLst/>
-          </a:prstGeom>
-          <a:noFill/>
-        </p:spPr>
-        <p:txBody>
-          <a:bodyPr wrap="square" rtlCol="0">
-            <a:spAutoFit/>
-          </a:bodyPr>
-          <a:lstStyle/>
-          <a:p>
-            <a:r>
-              <a:rPr lang="de-CH" sz="1400" b="1" dirty="0">
-                <a:latin typeface="Arial" panose="020B0604020202020204" pitchFamily="34" charset="0"/>
-                <a:cs typeface="Arial" panose="020B0604020202020204" pitchFamily="34" charset="0"/>
-              </a:rPr>
-              <a:t>Kamerabild</a:t>
-            </a:r>
-          </a:p>
-        </p:txBody>
-      </p:sp>
-      <p:sp>
-        <p:nvSpPr>
-          <p:cNvPr id="1043" name="Textfeld 1042">
-            <a:extLst>
-              <a:ext uri="{FF2B5EF4-FFF2-40B4-BE49-F238E27FC236}">
-                <a16:creationId xmlns:a16="http://schemas.microsoft.com/office/drawing/2014/main" id="{E479BF37-F472-A36D-0F8C-F1A5E9591682}"/>
-              </a:ext>
-            </a:extLst>
-          </p:cNvPr>
-          <p:cNvSpPr txBox="1"/>
-          <p:nvPr/>
-        </p:nvSpPr>
-        <p:spPr>
-          <a:xfrm>
-            <a:off x="1155737" y="1364238"/>
-            <a:ext cx="1372560" cy="307777"/>
-          </a:xfrm>
-          <a:prstGeom prst="rect">
-            <a:avLst/>
-          </a:prstGeom>
-          <a:noFill/>
-        </p:spPr>
-        <p:txBody>
-          <a:bodyPr wrap="square" rtlCol="0">
-            <a:spAutoFit/>
-          </a:bodyPr>
-          <a:lstStyle/>
-          <a:p>
-            <a:r>
-              <a:rPr lang="de-CH" sz="1400" b="1" dirty="0">
-                <a:latin typeface="Arial" panose="020B0604020202020204" pitchFamily="34" charset="0"/>
-                <a:cs typeface="Arial" panose="020B0604020202020204" pitchFamily="34" charset="0"/>
-              </a:rPr>
-              <a:t>Selfie</a:t>
-            </a:r>
-          </a:p>
-        </p:txBody>
-      </p:sp>
-      <p:sp>
-        <p:nvSpPr>
-          <p:cNvPr id="1044" name="Textfeld 1043">
-            <a:extLst>
-              <a:ext uri="{FF2B5EF4-FFF2-40B4-BE49-F238E27FC236}">
-                <a16:creationId xmlns:a16="http://schemas.microsoft.com/office/drawing/2014/main" id="{7777148A-7963-2881-0BFF-A8F9D79E0AAD}"/>
-              </a:ext>
-            </a:extLst>
-          </p:cNvPr>
-          <p:cNvSpPr txBox="1"/>
-          <p:nvPr/>
-        </p:nvSpPr>
-        <p:spPr>
-          <a:xfrm>
-            <a:off x="3328948" y="879655"/>
-            <a:ext cx="1372560" cy="307777"/>
-          </a:xfrm>
-          <a:prstGeom prst="rect">
-            <a:avLst/>
-          </a:prstGeom>
-          <a:noFill/>
-        </p:spPr>
-        <p:txBody>
-          <a:bodyPr wrap="square" rtlCol="0">
-            <a:spAutoFit/>
-          </a:bodyPr>
-          <a:lstStyle/>
-          <a:p>
-            <a:r>
-              <a:rPr lang="de-CH" sz="1400" b="1" dirty="0">
-                <a:latin typeface="Arial" panose="020B0604020202020204" pitchFamily="34" charset="0"/>
-                <a:cs typeface="Arial" panose="020B0604020202020204" pitchFamily="34" charset="0"/>
-              </a:rPr>
-              <a:t>Bild aufladen</a:t>
-            </a:r>
-          </a:p>
-        </p:txBody>
-      </p:sp>
-      <p:sp>
-        <p:nvSpPr>
-          <p:cNvPr id="1045" name="Textfeld 1044">
-            <a:extLst>
-              <a:ext uri="{FF2B5EF4-FFF2-40B4-BE49-F238E27FC236}">
-                <a16:creationId xmlns:a16="http://schemas.microsoft.com/office/drawing/2014/main" id="{D55DCDEC-C324-8998-7991-CC762E3E9B59}"/>
-              </a:ext>
-            </a:extLst>
-          </p:cNvPr>
-          <p:cNvSpPr txBox="1"/>
-          <p:nvPr/>
-        </p:nvSpPr>
-        <p:spPr>
-          <a:xfrm>
-            <a:off x="7243773" y="81833"/>
-            <a:ext cx="2008291" cy="307777"/>
-          </a:xfrm>
-          <a:prstGeom prst="rect">
-            <a:avLst/>
-          </a:prstGeom>
-          <a:noFill/>
-        </p:spPr>
-        <p:txBody>
-          <a:bodyPr wrap="square" rtlCol="0">
-            <a:spAutoFit/>
-          </a:bodyPr>
-          <a:lstStyle/>
-          <a:p>
-            <a:r>
-              <a:rPr lang="de-CH" sz="1400" b="1" dirty="0">
-                <a:latin typeface="Arial" panose="020B0604020202020204" pitchFamily="34" charset="0"/>
-                <a:cs typeface="Arial" panose="020B0604020202020204" pitchFamily="34" charset="0"/>
-              </a:rPr>
-              <a:t>Name(n) und E-Mail</a:t>
-            </a:r>
-          </a:p>
-        </p:txBody>
-      </p:sp>
-      <p:sp>
-        <p:nvSpPr>
-          <p:cNvPr id="1046" name="Rechteck 1045">
-            <a:extLst>
-              <a:ext uri="{FF2B5EF4-FFF2-40B4-BE49-F238E27FC236}">
-                <a16:creationId xmlns:a16="http://schemas.microsoft.com/office/drawing/2014/main" id="{B4F41A37-C1D4-9CBF-D68E-A790BC2BF8D9}"/>
-              </a:ext>
-            </a:extLst>
-          </p:cNvPr>
-          <p:cNvSpPr/>
-          <p:nvPr/>
-        </p:nvSpPr>
-        <p:spPr>
-          <a:xfrm>
-            <a:off x="8998804" y="4542655"/>
-            <a:ext cx="2579516" cy="301629"/>
-          </a:xfrm>
-          <a:prstGeom prst="rect">
-            <a:avLst/>
-          </a:prstGeom>
-          <a:solidFill>
-            <a:schemeClr val="bg1"/>
-          </a:solidFill>
-          <a:ln>
-            <a:solidFill>
-              <a:schemeClr val="tx1"/>
-            </a:solidFill>
-          </a:ln>
-        </p:spPr>
-        <p:style>
-          <a:lnRef idx="2">
-            <a:schemeClr val="accent1">
-              <a:shade val="50000"/>
-            </a:schemeClr>
-          </a:lnRef>
-          <a:fillRef idx="1">
-            <a:schemeClr val="accent1"/>
-          </a:fillRef>
-          <a:effectRef idx="0">
-            <a:schemeClr val="accent1"/>
-          </a:effectRef>
-          <a:fontRef idx="minor">
-            <a:schemeClr val="lt1"/>
-          </a:fontRef>
-        </p:style>
-        <p:txBody>
-          <a:bodyPr rtlCol="0" anchor="ctr"/>
-          <a:lstStyle/>
-          <a:p>
-            <a:r>
-              <a:rPr lang="de-CH" sz="1200" i="1" dirty="0">
-                <a:solidFill>
-                  <a:schemeClr val="tx1"/>
-                </a:solidFill>
-                <a:latin typeface="Arial" panose="020B0604020202020204" pitchFamily="34" charset="0"/>
-                <a:cs typeface="Arial" panose="020B0604020202020204" pitchFamily="34" charset="0"/>
-              </a:rPr>
-              <a:t>Name(n) eingeben …</a:t>
-            </a:r>
-          </a:p>
-        </p:txBody>
-      </p:sp>
-      <p:sp>
-        <p:nvSpPr>
-          <p:cNvPr id="1047" name="Textfeld 1046">
-            <a:extLst>
-              <a:ext uri="{FF2B5EF4-FFF2-40B4-BE49-F238E27FC236}">
-                <a16:creationId xmlns:a16="http://schemas.microsoft.com/office/drawing/2014/main" id="{D036505F-B1DE-C618-F4EF-0EAF4A35CFA2}"/>
-              </a:ext>
-            </a:extLst>
-          </p:cNvPr>
-          <p:cNvSpPr txBox="1"/>
-          <p:nvPr/>
-        </p:nvSpPr>
-        <p:spPr>
-          <a:xfrm>
-            <a:off x="8320329" y="4539581"/>
-            <a:ext cx="678475" cy="307777"/>
-          </a:xfrm>
-          <a:prstGeom prst="rect">
-            <a:avLst/>
-          </a:prstGeom>
-          <a:noFill/>
-        </p:spPr>
-        <p:txBody>
-          <a:bodyPr wrap="square" rtlCol="0">
-            <a:spAutoFit/>
-          </a:bodyPr>
-          <a:lstStyle/>
-          <a:p>
-            <a:r>
-              <a:rPr lang="de-CH" sz="1400" b="1" dirty="0">
-                <a:latin typeface="Arial" panose="020B0604020202020204" pitchFamily="34" charset="0"/>
-                <a:cs typeface="Arial" panose="020B0604020202020204" pitchFamily="34" charset="0"/>
-              </a:rPr>
-              <a:t>Name</a:t>
-            </a:r>
-          </a:p>
-        </p:txBody>
-      </p:sp>
-      <p:sp>
-        <p:nvSpPr>
-          <p:cNvPr id="1048" name="Rechteck 1047">
-            <a:extLst>
-              <a:ext uri="{FF2B5EF4-FFF2-40B4-BE49-F238E27FC236}">
-                <a16:creationId xmlns:a16="http://schemas.microsoft.com/office/drawing/2014/main" id="{DC9CF81C-2DB1-DC60-B999-AF5428AA443B}"/>
-              </a:ext>
-            </a:extLst>
-          </p:cNvPr>
-          <p:cNvSpPr/>
-          <p:nvPr/>
-        </p:nvSpPr>
-        <p:spPr>
-          <a:xfrm>
-            <a:off x="8999398" y="4899494"/>
-            <a:ext cx="2579516" cy="301629"/>
-          </a:xfrm>
-          <a:prstGeom prst="rect">
-            <a:avLst/>
-          </a:prstGeom>
-          <a:solidFill>
-            <a:schemeClr val="bg1"/>
-          </a:solidFill>
-          <a:ln>
-            <a:solidFill>
-              <a:schemeClr val="tx1"/>
-            </a:solidFill>
-          </a:ln>
-        </p:spPr>
-        <p:style>
-          <a:lnRef idx="2">
-            <a:schemeClr val="accent1">
-              <a:shade val="50000"/>
-            </a:schemeClr>
-          </a:lnRef>
-          <a:fillRef idx="1">
-            <a:schemeClr val="accent1"/>
-          </a:fillRef>
-          <a:effectRef idx="0">
-            <a:schemeClr val="accent1"/>
-          </a:effectRef>
-          <a:fontRef idx="minor">
-            <a:schemeClr val="lt1"/>
-          </a:fontRef>
-        </p:style>
-        <p:txBody>
-          <a:bodyPr rtlCol="0" anchor="ctr"/>
-          <a:lstStyle/>
-          <a:p>
-            <a:r>
-              <a:rPr lang="de-CH" sz="1200" i="1" dirty="0">
-                <a:solidFill>
-                  <a:schemeClr val="tx1"/>
-                </a:solidFill>
-                <a:latin typeface="Arial" panose="020B0604020202020204" pitchFamily="34" charset="0"/>
-                <a:cs typeface="Arial" panose="020B0604020202020204" pitchFamily="34" charset="0"/>
-              </a:rPr>
-              <a:t>E-Mail Adresse eingeben …</a:t>
-            </a:r>
-          </a:p>
-        </p:txBody>
-      </p:sp>
-      <p:sp>
-        <p:nvSpPr>
-          <p:cNvPr id="1049" name="Textfeld 1048">
-            <a:extLst>
-              <a:ext uri="{FF2B5EF4-FFF2-40B4-BE49-F238E27FC236}">
-                <a16:creationId xmlns:a16="http://schemas.microsoft.com/office/drawing/2014/main" id="{97EFF8C7-D268-B914-7A54-E76C647A627A}"/>
-              </a:ext>
-            </a:extLst>
-          </p:cNvPr>
-          <p:cNvSpPr txBox="1"/>
-          <p:nvPr/>
-        </p:nvSpPr>
-        <p:spPr>
-          <a:xfrm>
-            <a:off x="8320923" y="4896420"/>
-            <a:ext cx="789260" cy="307777"/>
-          </a:xfrm>
-          <a:prstGeom prst="rect">
-            <a:avLst/>
-          </a:prstGeom>
-          <a:noFill/>
-        </p:spPr>
-        <p:txBody>
-          <a:bodyPr wrap="square" rtlCol="0">
-            <a:spAutoFit/>
-          </a:bodyPr>
-          <a:lstStyle/>
-          <a:p>
-            <a:r>
-              <a:rPr lang="de-CH" sz="1400" b="1" dirty="0">
-                <a:latin typeface="Arial" panose="020B0604020202020204" pitchFamily="34" charset="0"/>
-                <a:cs typeface="Arial" panose="020B0604020202020204" pitchFamily="34" charset="0"/>
-              </a:rPr>
-              <a:t>E-Mail</a:t>
-            </a:r>
-          </a:p>
-        </p:txBody>
-      </p:sp>
-      <p:sp>
-        <p:nvSpPr>
-          <p:cNvPr id="1050" name="Textfeld 1049">
-            <a:extLst>
-              <a:ext uri="{FF2B5EF4-FFF2-40B4-BE49-F238E27FC236}">
-                <a16:creationId xmlns:a16="http://schemas.microsoft.com/office/drawing/2014/main" id="{A8CB4338-DD3E-4983-B3E5-B8F18005E55F}"/>
-              </a:ext>
-            </a:extLst>
-          </p:cNvPr>
-          <p:cNvSpPr txBox="1"/>
-          <p:nvPr/>
-        </p:nvSpPr>
-        <p:spPr>
-          <a:xfrm>
-            <a:off x="10289700" y="1094638"/>
-            <a:ext cx="2008291" cy="307777"/>
-          </a:xfrm>
-          <a:prstGeom prst="rect">
-            <a:avLst/>
-          </a:prstGeom>
-          <a:noFill/>
-        </p:spPr>
-        <p:txBody>
-          <a:bodyPr wrap="square" rtlCol="0">
-            <a:spAutoFit/>
-          </a:bodyPr>
-          <a:lstStyle/>
-          <a:p>
-            <a:r>
-              <a:rPr lang="de-CH" sz="1400" b="1" dirty="0">
-                <a:latin typeface="Arial" panose="020B0604020202020204" pitchFamily="34" charset="0"/>
-                <a:cs typeface="Arial" panose="020B0604020202020204" pitchFamily="34" charset="0"/>
-              </a:rPr>
-              <a:t>E-Mail öffnen</a:t>
-            </a:r>
-          </a:p>
-        </p:txBody>
-      </p:sp>
-      <p:sp>
-        <p:nvSpPr>
-          <p:cNvPr id="1051" name="Textfeld 1050">
-            <a:extLst>
-              <a:ext uri="{FF2B5EF4-FFF2-40B4-BE49-F238E27FC236}">
-                <a16:creationId xmlns:a16="http://schemas.microsoft.com/office/drawing/2014/main" id="{8C183003-EB90-73E1-6B66-5FFC04FCC86C}"/>
-              </a:ext>
-            </a:extLst>
-          </p:cNvPr>
-          <p:cNvSpPr txBox="1"/>
-          <p:nvPr/>
-        </p:nvSpPr>
-        <p:spPr>
-          <a:xfrm>
-            <a:off x="495489" y="3408274"/>
-            <a:ext cx="3007203" cy="307777"/>
-          </a:xfrm>
-          <a:prstGeom prst="rect">
-            <a:avLst/>
-          </a:prstGeom>
-          <a:noFill/>
-        </p:spPr>
-        <p:txBody>
-          <a:bodyPr wrap="square" rtlCol="0">
-            <a:spAutoFit/>
-          </a:bodyPr>
-          <a:lstStyle/>
-          <a:p>
-            <a:r>
-              <a:rPr lang="de-CH" sz="1400" b="1" dirty="0">
-                <a:latin typeface="Arial" panose="020B0604020202020204" pitchFamily="34" charset="0"/>
-                <a:cs typeface="Arial" panose="020B0604020202020204" pitchFamily="34" charset="0"/>
-              </a:rPr>
-              <a:t>Code verlangen und eingeben</a:t>
-            </a:r>
-          </a:p>
-        </p:txBody>
-      </p:sp>
-      <p:sp>
-        <p:nvSpPr>
-          <p:cNvPr id="1052" name="Textfeld 1051">
-            <a:extLst>
-              <a:ext uri="{FF2B5EF4-FFF2-40B4-BE49-F238E27FC236}">
-                <a16:creationId xmlns:a16="http://schemas.microsoft.com/office/drawing/2014/main" id="{67AADC91-BC37-B0D5-CBC4-A9AE20679774}"/>
-              </a:ext>
-            </a:extLst>
-          </p:cNvPr>
-          <p:cNvSpPr txBox="1"/>
-          <p:nvPr/>
-        </p:nvSpPr>
-        <p:spPr>
-          <a:xfrm>
-            <a:off x="4856728" y="3406302"/>
-            <a:ext cx="1890912" cy="307777"/>
-          </a:xfrm>
-          <a:prstGeom prst="rect">
-            <a:avLst/>
-          </a:prstGeom>
-          <a:noFill/>
-        </p:spPr>
-        <p:txBody>
-          <a:bodyPr wrap="square" rtlCol="0">
-            <a:spAutoFit/>
-          </a:bodyPr>
-          <a:lstStyle/>
-          <a:p>
-            <a:r>
-              <a:rPr lang="de-CH" sz="1400" b="1" dirty="0">
-                <a:latin typeface="Arial" panose="020B0604020202020204" pitchFamily="34" charset="0"/>
-                <a:cs typeface="Arial" panose="020B0604020202020204" pitchFamily="34" charset="0"/>
-              </a:rPr>
-              <a:t>Code eingeben</a:t>
-            </a:r>
-          </a:p>
-        </p:txBody>
-      </p:sp>
-      <p:sp>
-        <p:nvSpPr>
-          <p:cNvPr id="1053" name="Textfeld 1052">
-            <a:extLst>
-              <a:ext uri="{FF2B5EF4-FFF2-40B4-BE49-F238E27FC236}">
-                <a16:creationId xmlns:a16="http://schemas.microsoft.com/office/drawing/2014/main" id="{80F29475-5C4C-4339-98C2-5688E53E1DF0}"/>
-              </a:ext>
-            </a:extLst>
-          </p:cNvPr>
-          <p:cNvSpPr txBox="1"/>
-          <p:nvPr/>
-        </p:nvSpPr>
-        <p:spPr>
-          <a:xfrm>
-            <a:off x="8409600" y="3078878"/>
-            <a:ext cx="3118577" cy="307777"/>
-          </a:xfrm>
-          <a:prstGeom prst="rect">
-            <a:avLst/>
-          </a:prstGeom>
-          <a:noFill/>
-        </p:spPr>
-        <p:txBody>
-          <a:bodyPr wrap="square" rtlCol="0">
-            <a:spAutoFit/>
-          </a:bodyPr>
-          <a:lstStyle/>
-          <a:p>
-            <a:r>
-              <a:rPr lang="de-CH" sz="1400" b="1" dirty="0">
-                <a:latin typeface="Arial" panose="020B0604020202020204" pitchFamily="34" charset="0"/>
-                <a:cs typeface="Arial" panose="020B0604020202020204" pitchFamily="34" charset="0"/>
-              </a:rPr>
-              <a:t>Bild aufladen</a:t>
-            </a:r>
-          </a:p>
-        </p:txBody>
-      </p:sp>
-      <p:sp>
-        <p:nvSpPr>
-          <p:cNvPr id="1054" name="Textfeld 1053">
-            <a:extLst>
-              <a:ext uri="{FF2B5EF4-FFF2-40B4-BE49-F238E27FC236}">
-                <a16:creationId xmlns:a16="http://schemas.microsoft.com/office/drawing/2014/main" id="{0586D12B-F391-32A7-07CA-D2CC7BBAA08A}"/>
-              </a:ext>
-            </a:extLst>
-          </p:cNvPr>
-          <p:cNvSpPr txBox="1"/>
-          <p:nvPr/>
-        </p:nvSpPr>
-        <p:spPr>
-          <a:xfrm>
-            <a:off x="1285943" y="2284898"/>
-            <a:ext cx="556074" cy="646331"/>
-          </a:xfrm>
-          <a:prstGeom prst="rect">
-            <a:avLst/>
-          </a:prstGeom>
-          <a:noFill/>
-        </p:spPr>
-        <p:txBody>
-          <a:bodyPr wrap="square" rtlCol="0">
-            <a:spAutoFit/>
-          </a:bodyPr>
-          <a:lstStyle/>
-          <a:p>
-            <a:r>
-              <a:rPr lang="de-CH" sz="3600" b="1" dirty="0">
-                <a:latin typeface="Arial" panose="020B0604020202020204" pitchFamily="34" charset="0"/>
-                <a:cs typeface="Arial" panose="020B0604020202020204" pitchFamily="34" charset="0"/>
-              </a:rPr>
-              <a:t>1</a:t>
-            </a:r>
-          </a:p>
-        </p:txBody>
-      </p:sp>
-      <p:sp>
-        <p:nvSpPr>
-          <p:cNvPr id="1055" name="Textfeld 1054">
-            <a:extLst>
-              <a:ext uri="{FF2B5EF4-FFF2-40B4-BE49-F238E27FC236}">
-                <a16:creationId xmlns:a16="http://schemas.microsoft.com/office/drawing/2014/main" id="{3AAF4792-6D56-4D3E-64B2-B385E3827B88}"/>
-              </a:ext>
-            </a:extLst>
-          </p:cNvPr>
-          <p:cNvSpPr txBox="1"/>
-          <p:nvPr/>
-        </p:nvSpPr>
-        <p:spPr>
-          <a:xfrm>
-            <a:off x="4422306" y="2291712"/>
-            <a:ext cx="711294" cy="646331"/>
-          </a:xfrm>
-          <a:prstGeom prst="rect">
-            <a:avLst/>
-          </a:prstGeom>
-          <a:noFill/>
-        </p:spPr>
-        <p:txBody>
-          <a:bodyPr wrap="square" rtlCol="0">
-            <a:spAutoFit/>
-          </a:bodyPr>
-          <a:lstStyle/>
-          <a:p>
-            <a:r>
-              <a:rPr lang="de-CH" sz="3600" b="1" dirty="0">
-                <a:latin typeface="Arial" panose="020B0604020202020204" pitchFamily="34" charset="0"/>
-                <a:cs typeface="Arial" panose="020B0604020202020204" pitchFamily="34" charset="0"/>
-              </a:rPr>
-              <a:t>2</a:t>
-            </a:r>
-          </a:p>
-        </p:txBody>
-      </p:sp>
-      <p:sp>
-        <p:nvSpPr>
-          <p:cNvPr id="1056" name="Textfeld 1055">
-            <a:extLst>
-              <a:ext uri="{FF2B5EF4-FFF2-40B4-BE49-F238E27FC236}">
-                <a16:creationId xmlns:a16="http://schemas.microsoft.com/office/drawing/2014/main" id="{13C50AF9-1114-FA7B-B9E2-551BF6A08388}"/>
-              </a:ext>
-            </a:extLst>
-          </p:cNvPr>
-          <p:cNvSpPr txBox="1"/>
-          <p:nvPr/>
-        </p:nvSpPr>
-        <p:spPr>
-          <a:xfrm>
-            <a:off x="7916693" y="2291712"/>
-            <a:ext cx="556074" cy="646331"/>
-          </a:xfrm>
-          <a:prstGeom prst="rect">
-            <a:avLst/>
-          </a:prstGeom>
-          <a:noFill/>
-        </p:spPr>
-        <p:txBody>
-          <a:bodyPr wrap="square" rtlCol="0">
-            <a:spAutoFit/>
-          </a:bodyPr>
-          <a:lstStyle/>
-          <a:p>
-            <a:r>
-              <a:rPr lang="de-CH" sz="3600" b="1" dirty="0">
-                <a:latin typeface="Arial" panose="020B0604020202020204" pitchFamily="34" charset="0"/>
-                <a:cs typeface="Arial" panose="020B0604020202020204" pitchFamily="34" charset="0"/>
-              </a:rPr>
-              <a:t>3</a:t>
-            </a:r>
-          </a:p>
-        </p:txBody>
-      </p:sp>
-      <p:sp>
-        <p:nvSpPr>
-          <p:cNvPr id="1057" name="Textfeld 1056">
-            <a:extLst>
-              <a:ext uri="{FF2B5EF4-FFF2-40B4-BE49-F238E27FC236}">
-                <a16:creationId xmlns:a16="http://schemas.microsoft.com/office/drawing/2014/main" id="{04949F1F-7261-D132-683D-AA08F2653D31}"/>
-              </a:ext>
-            </a:extLst>
-          </p:cNvPr>
-          <p:cNvSpPr txBox="1"/>
-          <p:nvPr/>
-        </p:nvSpPr>
-        <p:spPr>
-          <a:xfrm>
-            <a:off x="10664274" y="2247997"/>
-            <a:ext cx="556074" cy="646331"/>
-          </a:xfrm>
-          <a:prstGeom prst="rect">
-            <a:avLst/>
-          </a:prstGeom>
-          <a:noFill/>
-        </p:spPr>
-        <p:txBody>
-          <a:bodyPr wrap="square" rtlCol="0">
-            <a:spAutoFit/>
-          </a:bodyPr>
-          <a:lstStyle/>
-          <a:p>
-            <a:r>
-              <a:rPr lang="de-CH" sz="3600" b="1" dirty="0">
-                <a:latin typeface="Arial" panose="020B0604020202020204" pitchFamily="34" charset="0"/>
-                <a:cs typeface="Arial" panose="020B0604020202020204" pitchFamily="34" charset="0"/>
-              </a:rPr>
-              <a:t>4</a:t>
-            </a:r>
-          </a:p>
-        </p:txBody>
-      </p:sp>
-      <p:sp>
-        <p:nvSpPr>
-          <p:cNvPr id="1058" name="Textfeld 1057">
-            <a:extLst>
-              <a:ext uri="{FF2B5EF4-FFF2-40B4-BE49-F238E27FC236}">
-                <a16:creationId xmlns:a16="http://schemas.microsoft.com/office/drawing/2014/main" id="{86B8B3DE-360C-A0EC-0200-7C2C9398A04F}"/>
-              </a:ext>
-            </a:extLst>
-          </p:cNvPr>
-          <p:cNvSpPr txBox="1"/>
-          <p:nvPr/>
-        </p:nvSpPr>
-        <p:spPr>
-          <a:xfrm>
-            <a:off x="1388434" y="6111572"/>
-            <a:ext cx="556074" cy="646331"/>
-          </a:xfrm>
-          <a:prstGeom prst="rect">
-            <a:avLst/>
-          </a:prstGeom>
-          <a:noFill/>
-        </p:spPr>
-        <p:txBody>
-          <a:bodyPr wrap="square" rtlCol="0">
-            <a:spAutoFit/>
-          </a:bodyPr>
-          <a:lstStyle/>
-          <a:p>
-            <a:r>
-              <a:rPr lang="de-CH" sz="3600" b="1" dirty="0">
-                <a:latin typeface="Arial" panose="020B0604020202020204" pitchFamily="34" charset="0"/>
-                <a:cs typeface="Arial" panose="020B0604020202020204" pitchFamily="34" charset="0"/>
-              </a:rPr>
-              <a:t>5</a:t>
-            </a:r>
-          </a:p>
-        </p:txBody>
-      </p:sp>
-      <p:sp>
-        <p:nvSpPr>
-          <p:cNvPr id="1059" name="Textfeld 1058">
-            <a:extLst>
-              <a:ext uri="{FF2B5EF4-FFF2-40B4-BE49-F238E27FC236}">
-                <a16:creationId xmlns:a16="http://schemas.microsoft.com/office/drawing/2014/main" id="{377AABCD-C62C-A086-C376-59EF42127685}"/>
-              </a:ext>
-            </a:extLst>
-          </p:cNvPr>
-          <p:cNvSpPr txBox="1"/>
-          <p:nvPr/>
-        </p:nvSpPr>
-        <p:spPr>
-          <a:xfrm>
-            <a:off x="5261048" y="6215797"/>
-            <a:ext cx="556074" cy="646331"/>
-          </a:xfrm>
-          <a:prstGeom prst="rect">
-            <a:avLst/>
-          </a:prstGeom>
-          <a:noFill/>
-        </p:spPr>
-        <p:txBody>
-          <a:bodyPr wrap="square" rtlCol="0">
-            <a:spAutoFit/>
-          </a:bodyPr>
-          <a:lstStyle/>
-          <a:p>
-            <a:r>
-              <a:rPr lang="de-CH" sz="3600" b="1" dirty="0">
-                <a:latin typeface="Arial" panose="020B0604020202020204" pitchFamily="34" charset="0"/>
-                <a:cs typeface="Arial" panose="020B0604020202020204" pitchFamily="34" charset="0"/>
-              </a:rPr>
-              <a:t>6</a:t>
-            </a:r>
-          </a:p>
-        </p:txBody>
-      </p:sp>
-      <p:sp>
-        <p:nvSpPr>
-          <p:cNvPr id="1060" name="Textfeld 1059">
-            <a:extLst>
-              <a:ext uri="{FF2B5EF4-FFF2-40B4-BE49-F238E27FC236}">
-                <a16:creationId xmlns:a16="http://schemas.microsoft.com/office/drawing/2014/main" id="{CB782207-C6EE-9E47-EDE2-B4B3E59A1316}"/>
-              </a:ext>
-            </a:extLst>
-          </p:cNvPr>
-          <p:cNvSpPr txBox="1"/>
-          <p:nvPr/>
-        </p:nvSpPr>
-        <p:spPr>
-          <a:xfrm>
-            <a:off x="9749014" y="6211669"/>
-            <a:ext cx="556074" cy="646331"/>
-          </a:xfrm>
-          <a:prstGeom prst="rect">
-            <a:avLst/>
-          </a:prstGeom>
-          <a:noFill/>
-        </p:spPr>
-        <p:txBody>
-          <a:bodyPr wrap="square" rtlCol="0">
-            <a:spAutoFit/>
-          </a:bodyPr>
-          <a:lstStyle/>
-          <a:p>
-            <a:r>
-              <a:rPr lang="de-CH" sz="3600" b="1" dirty="0">
-                <a:latin typeface="Arial" panose="020B0604020202020204" pitchFamily="34" charset="0"/>
-                <a:cs typeface="Arial" panose="020B0604020202020204" pitchFamily="34" charset="0"/>
-              </a:rPr>
-              <a:t>7</a:t>
-            </a:r>
-          </a:p>
-        </p:txBody>
-      </p:sp>
     </p:spTree>
     <p:extLst>
       <p:ext uri="{BB962C8B-B14F-4D97-AF65-F5344CB8AC3E}">
-        <p14:creationId xmlns:p14="http://schemas.microsoft.com/office/powerpoint/2010/main" val="477222488"/>
+        <p14:creationId xmlns:p14="http://schemas.microsoft.com/office/powerpoint/2010/main" val="2669447151"/>
       </p:ext>
     </p:extLst>
   </p:cSld>

--- a/Description/JazzGuestsUpload.pptx
+++ b/Description/JazzGuestsUpload.pptx
@@ -13,11 +13,12 @@
     <p:sldId id="269" r:id="rId7"/>
     <p:sldId id="271" r:id="rId8"/>
     <p:sldId id="274" r:id="rId9"/>
-    <p:sldId id="272" r:id="rId10"/>
-    <p:sldId id="263" r:id="rId11"/>
-    <p:sldId id="262" r:id="rId12"/>
-    <p:sldId id="264" r:id="rId13"/>
-    <p:sldId id="266" r:id="rId14"/>
+    <p:sldId id="275" r:id="rId10"/>
+    <p:sldId id="272" r:id="rId11"/>
+    <p:sldId id="263" r:id="rId12"/>
+    <p:sldId id="262" r:id="rId13"/>
+    <p:sldId id="264" r:id="rId14"/>
+    <p:sldId id="266" r:id="rId15"/>
   </p:sldIdLst>
   <p:sldSz cx="12192000" cy="6858000"/>
   <p:notesSz cx="6661150" cy="9866313"/>
@@ -266,7 +267,7 @@
           <a:p>
             <a:fld id="{DDCE6D58-9B57-4731-A47B-3CD41B48F0A9}" type="datetimeFigureOut">
               <a:rPr lang="de-CH" smtClean="0"/>
-              <a:t>13.01.2024</a:t>
+              <a:t>30.01.2024</a:t>
             </a:fld>
             <a:endParaRPr lang="de-CH"/>
           </a:p>
@@ -436,7 +437,7 @@
           <a:p>
             <a:fld id="{DDCE6D58-9B57-4731-A47B-3CD41B48F0A9}" type="datetimeFigureOut">
               <a:rPr lang="de-CH" smtClean="0"/>
-              <a:t>13.01.2024</a:t>
+              <a:t>30.01.2024</a:t>
             </a:fld>
             <a:endParaRPr lang="de-CH"/>
           </a:p>
@@ -616,7 +617,7 @@
           <a:p>
             <a:fld id="{DDCE6D58-9B57-4731-A47B-3CD41B48F0A9}" type="datetimeFigureOut">
               <a:rPr lang="de-CH" smtClean="0"/>
-              <a:t>13.01.2024</a:t>
+              <a:t>30.01.2024</a:t>
             </a:fld>
             <a:endParaRPr lang="de-CH"/>
           </a:p>
@@ -786,7 +787,7 @@
           <a:p>
             <a:fld id="{DDCE6D58-9B57-4731-A47B-3CD41B48F0A9}" type="datetimeFigureOut">
               <a:rPr lang="de-CH" smtClean="0"/>
-              <a:t>13.01.2024</a:t>
+              <a:t>30.01.2024</a:t>
             </a:fld>
             <a:endParaRPr lang="de-CH"/>
           </a:p>
@@ -1032,7 +1033,7 @@
           <a:p>
             <a:fld id="{DDCE6D58-9B57-4731-A47B-3CD41B48F0A9}" type="datetimeFigureOut">
               <a:rPr lang="de-CH" smtClean="0"/>
-              <a:t>13.01.2024</a:t>
+              <a:t>30.01.2024</a:t>
             </a:fld>
             <a:endParaRPr lang="de-CH"/>
           </a:p>
@@ -1264,7 +1265,7 @@
           <a:p>
             <a:fld id="{DDCE6D58-9B57-4731-A47B-3CD41B48F0A9}" type="datetimeFigureOut">
               <a:rPr lang="de-CH" smtClean="0"/>
-              <a:t>13.01.2024</a:t>
+              <a:t>30.01.2024</a:t>
             </a:fld>
             <a:endParaRPr lang="de-CH"/>
           </a:p>
@@ -1631,7 +1632,7 @@
           <a:p>
             <a:fld id="{DDCE6D58-9B57-4731-A47B-3CD41B48F0A9}" type="datetimeFigureOut">
               <a:rPr lang="de-CH" smtClean="0"/>
-              <a:t>13.01.2024</a:t>
+              <a:t>30.01.2024</a:t>
             </a:fld>
             <a:endParaRPr lang="de-CH"/>
           </a:p>
@@ -1749,7 +1750,7 @@
           <a:p>
             <a:fld id="{DDCE6D58-9B57-4731-A47B-3CD41B48F0A9}" type="datetimeFigureOut">
               <a:rPr lang="de-CH" smtClean="0"/>
-              <a:t>13.01.2024</a:t>
+              <a:t>30.01.2024</a:t>
             </a:fld>
             <a:endParaRPr lang="de-CH"/>
           </a:p>
@@ -1844,7 +1845,7 @@
           <a:p>
             <a:fld id="{DDCE6D58-9B57-4731-A47B-3CD41B48F0A9}" type="datetimeFigureOut">
               <a:rPr lang="de-CH" smtClean="0"/>
-              <a:t>13.01.2024</a:t>
+              <a:t>30.01.2024</a:t>
             </a:fld>
             <a:endParaRPr lang="de-CH"/>
           </a:p>
@@ -2121,7 +2122,7 @@
           <a:p>
             <a:fld id="{DDCE6D58-9B57-4731-A47B-3CD41B48F0A9}" type="datetimeFigureOut">
               <a:rPr lang="de-CH" smtClean="0"/>
-              <a:t>13.01.2024</a:t>
+              <a:t>30.01.2024</a:t>
             </a:fld>
             <a:endParaRPr lang="de-CH"/>
           </a:p>
@@ -2374,7 +2375,7 @@
           <a:p>
             <a:fld id="{DDCE6D58-9B57-4731-A47B-3CD41B48F0A9}" type="datetimeFigureOut">
               <a:rPr lang="de-CH" smtClean="0"/>
-              <a:t>13.01.2024</a:t>
+              <a:t>30.01.2024</a:t>
             </a:fld>
             <a:endParaRPr lang="de-CH"/>
           </a:p>
@@ -2587,7 +2588,7 @@
           <a:p>
             <a:fld id="{DDCE6D58-9B57-4731-A47B-3CD41B48F0A9}" type="datetimeFigureOut">
               <a:rPr lang="de-CH" smtClean="0"/>
-              <a:t>13.01.2024</a:t>
+              <a:t>30.01.2024</a:t>
             </a:fld>
             <a:endParaRPr lang="de-CH"/>
           </a:p>
@@ -4159,3147 +4160,10 @@
           <a:chExt cx="0" cy="0"/>
         </a:xfrm>
       </p:grpSpPr>
-      <p:pic>
-        <p:nvPicPr>
-          <p:cNvPr id="1026" name="Picture 2" descr="Drawing - Free art icons">
-            <a:extLst>
-              <a:ext uri="{FF2B5EF4-FFF2-40B4-BE49-F238E27FC236}">
-                <a16:creationId xmlns:a16="http://schemas.microsoft.com/office/drawing/2014/main" id="{A0C9D1DB-3B58-B2EA-6328-96AC5357D2F0}"/>
-              </a:ext>
-            </a:extLst>
-          </p:cNvPr>
-          <p:cNvPicPr>
-            <a:picLocks noChangeAspect="1" noChangeArrowheads="1"/>
-          </p:cNvPicPr>
-          <p:nvPr/>
-        </p:nvPicPr>
-        <p:blipFill>
-          <a:blip r:embed="rId2">
-            <a:extLst>
-              <a:ext uri="{28A0092B-C50C-407E-A947-70E740481C1C}">
-                <a14:useLocalDpi xmlns:a14="http://schemas.microsoft.com/office/drawing/2010/main" val="0"/>
-              </a:ext>
-            </a:extLst>
-          </a:blip>
-          <a:srcRect/>
-          <a:stretch>
-            <a:fillRect/>
-          </a:stretch>
-        </p:blipFill>
-        <p:spPr bwMode="auto">
-          <a:xfrm>
-            <a:off x="440576" y="425666"/>
-            <a:ext cx="766129" cy="766129"/>
-          </a:xfrm>
-          <a:prstGeom prst="rect">
-            <a:avLst/>
-          </a:prstGeom>
-          <a:noFill/>
-          <a:extLst>
-            <a:ext uri="{909E8E84-426E-40DD-AFC4-6F175D3DCCD1}">
-              <a14:hiddenFill xmlns:a14="http://schemas.microsoft.com/office/drawing/2010/main">
-                <a:solidFill>
-                  <a:srgbClr val="FFFFFF"/>
-                </a:solidFill>
-              </a14:hiddenFill>
-            </a:ext>
-          </a:extLst>
-        </p:spPr>
-      </p:pic>
-      <p:pic>
-        <p:nvPicPr>
-          <p:cNvPr id="1028" name="Picture 4" descr="Couple, friend, happy, mobile, selfie, take, taking icon - Download on  Iconfinder">
-            <a:extLst>
-              <a:ext uri="{FF2B5EF4-FFF2-40B4-BE49-F238E27FC236}">
-                <a16:creationId xmlns:a16="http://schemas.microsoft.com/office/drawing/2014/main" id="{DAC1540E-A133-0888-79A5-D2C20FAE2713}"/>
-              </a:ext>
-            </a:extLst>
-          </p:cNvPr>
-          <p:cNvPicPr>
-            <a:picLocks noChangeAspect="1" noChangeArrowheads="1"/>
-          </p:cNvPicPr>
-          <p:nvPr/>
-        </p:nvPicPr>
-        <p:blipFill>
-          <a:blip r:embed="rId3">
-            <a:extLst>
-              <a:ext uri="{28A0092B-C50C-407E-A947-70E740481C1C}">
-                <a14:useLocalDpi xmlns:a14="http://schemas.microsoft.com/office/drawing/2010/main" val="0"/>
-              </a:ext>
-            </a:extLst>
-          </a:blip>
-          <a:srcRect/>
-          <a:stretch>
-            <a:fillRect/>
-          </a:stretch>
-        </p:blipFill>
-        <p:spPr bwMode="auto">
-          <a:xfrm>
-            <a:off x="683029" y="1145665"/>
-            <a:ext cx="1812174" cy="1812174"/>
-          </a:xfrm>
-          <a:prstGeom prst="rect">
-            <a:avLst/>
-          </a:prstGeom>
-          <a:noFill/>
-          <a:extLst>
-            <a:ext uri="{909E8E84-426E-40DD-AFC4-6F175D3DCCD1}">
-              <a14:hiddenFill xmlns:a14="http://schemas.microsoft.com/office/drawing/2010/main">
-                <a:solidFill>
-                  <a:srgbClr val="FFFFFF"/>
-                </a:solidFill>
-              </a14:hiddenFill>
-            </a:ext>
-          </a:extLst>
-        </p:spPr>
-      </p:pic>
-      <p:pic>
-        <p:nvPicPr>
-          <p:cNvPr id="1030" name="Picture 6" descr="Mobile Device Tips: How to Scan Documents with a Smartphone">
-            <a:extLst>
-              <a:ext uri="{FF2B5EF4-FFF2-40B4-BE49-F238E27FC236}">
-                <a16:creationId xmlns:a16="http://schemas.microsoft.com/office/drawing/2014/main" id="{BFDC550D-18AC-8BA9-7F98-B51B2F429BF4}"/>
-              </a:ext>
-            </a:extLst>
-          </p:cNvPr>
-          <p:cNvPicPr>
-            <a:picLocks noChangeAspect="1" noChangeArrowheads="1"/>
-          </p:cNvPicPr>
-          <p:nvPr/>
-        </p:nvPicPr>
-        <p:blipFill>
-          <a:blip r:embed="rId4">
-            <a:extLst>
-              <a:ext uri="{28A0092B-C50C-407E-A947-70E740481C1C}">
-                <a14:useLocalDpi xmlns:a14="http://schemas.microsoft.com/office/drawing/2010/main" val="0"/>
-              </a:ext>
-            </a:extLst>
-          </a:blip>
-          <a:srcRect/>
-          <a:stretch>
-            <a:fillRect/>
-          </a:stretch>
-        </p:blipFill>
-        <p:spPr bwMode="auto">
-          <a:xfrm>
-            <a:off x="1388434" y="308207"/>
-            <a:ext cx="1582177" cy="883588"/>
-          </a:xfrm>
-          <a:prstGeom prst="rect">
-            <a:avLst/>
-          </a:prstGeom>
-          <a:noFill/>
-          <a:extLst>
-            <a:ext uri="{909E8E84-426E-40DD-AFC4-6F175D3DCCD1}">
-              <a14:hiddenFill xmlns:a14="http://schemas.microsoft.com/office/drawing/2010/main">
-                <a:solidFill>
-                  <a:srgbClr val="FFFFFF"/>
-                </a:solidFill>
-              </a14:hiddenFill>
-            </a:ext>
-          </a:extLst>
-        </p:spPr>
-      </p:pic>
-      <p:pic>
-        <p:nvPicPr>
-          <p:cNvPr id="7" name="Grafik 6">
-            <a:extLst>
-              <a:ext uri="{FF2B5EF4-FFF2-40B4-BE49-F238E27FC236}">
-                <a16:creationId xmlns:a16="http://schemas.microsoft.com/office/drawing/2014/main" id="{D9E1CB20-5FB7-364A-DEF0-AA250D7C6A0E}"/>
-              </a:ext>
-            </a:extLst>
-          </p:cNvPr>
-          <p:cNvPicPr>
-            <a:picLocks noChangeAspect="1"/>
-          </p:cNvPicPr>
-          <p:nvPr/>
-        </p:nvPicPr>
-        <p:blipFill>
-          <a:blip r:embed="rId5"/>
-          <a:stretch>
-            <a:fillRect/>
-          </a:stretch>
-        </p:blipFill>
-        <p:spPr>
-          <a:xfrm>
-            <a:off x="3267604" y="1289919"/>
-            <a:ext cx="2724471" cy="1040144"/>
-          </a:xfrm>
-          <a:prstGeom prst="rect">
-            <a:avLst/>
-          </a:prstGeom>
-        </p:spPr>
-      </p:pic>
-      <p:sp>
-        <p:nvSpPr>
-          <p:cNvPr id="8" name="Rechteck 7">
-            <a:extLst>
-              <a:ext uri="{FF2B5EF4-FFF2-40B4-BE49-F238E27FC236}">
-                <a16:creationId xmlns:a16="http://schemas.microsoft.com/office/drawing/2014/main" id="{852B453D-008C-86E8-276F-28E356D57FE6}"/>
-              </a:ext>
-            </a:extLst>
-          </p:cNvPr>
-          <p:cNvSpPr/>
-          <p:nvPr/>
-        </p:nvSpPr>
-        <p:spPr>
-          <a:xfrm>
-            <a:off x="6505131" y="626838"/>
-            <a:ext cx="3339167" cy="1995885"/>
-          </a:xfrm>
-          <a:prstGeom prst="rect">
-            <a:avLst/>
-          </a:prstGeom>
-          <a:solidFill>
-            <a:srgbClr val="DFE0E1"/>
-          </a:solidFill>
-          <a:ln>
-            <a:solidFill>
-              <a:srgbClr val="C8C8C8"/>
-            </a:solidFill>
-          </a:ln>
-        </p:spPr>
-        <p:style>
-          <a:lnRef idx="2">
-            <a:schemeClr val="accent1">
-              <a:shade val="50000"/>
-            </a:schemeClr>
-          </a:lnRef>
-          <a:fillRef idx="1">
-            <a:schemeClr val="accent1"/>
-          </a:fillRef>
-          <a:effectRef idx="0">
-            <a:schemeClr val="accent1"/>
-          </a:effectRef>
-          <a:fontRef idx="minor">
-            <a:schemeClr val="lt1"/>
-          </a:fontRef>
-        </p:style>
-        <p:txBody>
-          <a:bodyPr rtlCol="0" anchor="ctr"/>
-          <a:lstStyle/>
-          <a:p>
-            <a:pPr algn="ctr"/>
-            <a:endParaRPr lang="de-CH" sz="1600" dirty="0">
-              <a:solidFill>
-                <a:schemeClr val="tx1"/>
-              </a:solidFill>
-              <a:latin typeface="Arial" panose="020B0604020202020204" pitchFamily="34" charset="0"/>
-              <a:cs typeface="Arial" panose="020B0604020202020204" pitchFamily="34" charset="0"/>
-            </a:endParaRPr>
-          </a:p>
-        </p:txBody>
-      </p:sp>
-      <p:sp>
-        <p:nvSpPr>
-          <p:cNvPr id="9" name="Rechteck 8">
-            <a:extLst>
-              <a:ext uri="{FF2B5EF4-FFF2-40B4-BE49-F238E27FC236}">
-                <a16:creationId xmlns:a16="http://schemas.microsoft.com/office/drawing/2014/main" id="{A2B50460-DB7E-B2AE-E2C2-7F3614F2A96E}"/>
-              </a:ext>
-            </a:extLst>
-          </p:cNvPr>
-          <p:cNvSpPr/>
-          <p:nvPr/>
-        </p:nvSpPr>
-        <p:spPr>
-          <a:xfrm>
-            <a:off x="6505128" y="532039"/>
-            <a:ext cx="3339167" cy="769028"/>
-          </a:xfrm>
-          <a:prstGeom prst="rect">
-            <a:avLst/>
-          </a:prstGeom>
-          <a:solidFill>
-            <a:schemeClr val="tx1"/>
-          </a:solidFill>
-          <a:ln>
-            <a:solidFill>
-              <a:schemeClr val="tx1"/>
-            </a:solidFill>
-          </a:ln>
-        </p:spPr>
-        <p:style>
-          <a:lnRef idx="2">
-            <a:schemeClr val="accent1">
-              <a:shade val="50000"/>
-            </a:schemeClr>
-          </a:lnRef>
-          <a:fillRef idx="1">
-            <a:schemeClr val="accent1"/>
-          </a:fillRef>
-          <a:effectRef idx="0">
-            <a:schemeClr val="accent1"/>
-          </a:effectRef>
-          <a:fontRef idx="minor">
-            <a:schemeClr val="lt1"/>
-          </a:fontRef>
-        </p:style>
-        <p:txBody>
-          <a:bodyPr rtlCol="0" anchor="ctr"/>
-          <a:lstStyle/>
-          <a:p>
-            <a:pPr algn="ctr"/>
-            <a:r>
-              <a:rPr lang="de-CH" sz="1600" b="1" dirty="0">
-                <a:solidFill>
-                  <a:srgbClr val="FF000A"/>
-                </a:solidFill>
-                <a:latin typeface="Arial" panose="020B0604020202020204" pitchFamily="34" charset="0"/>
-                <a:cs typeface="Arial" panose="020B0604020202020204" pitchFamily="34" charset="0"/>
-              </a:rPr>
-              <a:t>          </a:t>
-            </a:r>
-          </a:p>
-          <a:p>
-            <a:pPr algn="ctr"/>
-            <a:r>
-              <a:rPr lang="de-CH" sz="1400" b="1" dirty="0">
-                <a:solidFill>
-                  <a:srgbClr val="FF000A"/>
-                </a:solidFill>
-                <a:latin typeface="Arial" panose="020B0604020202020204" pitchFamily="34" charset="0"/>
-                <a:cs typeface="Arial" panose="020B0604020202020204" pitchFamily="34" charset="0"/>
-              </a:rPr>
-              <a:t>Gästebuch-Bild hochladen </a:t>
-            </a:r>
-          </a:p>
-        </p:txBody>
-      </p:sp>
-      <p:pic>
-        <p:nvPicPr>
-          <p:cNvPr id="10" name="Grafik 9">
-            <a:extLst>
-              <a:ext uri="{FF2B5EF4-FFF2-40B4-BE49-F238E27FC236}">
-                <a16:creationId xmlns:a16="http://schemas.microsoft.com/office/drawing/2014/main" id="{7B97B44F-258D-0760-70D4-571DA45DBBC0}"/>
-              </a:ext>
-            </a:extLst>
-          </p:cNvPr>
-          <p:cNvPicPr>
-            <a:picLocks noChangeAspect="1"/>
-          </p:cNvPicPr>
-          <p:nvPr/>
-        </p:nvPicPr>
-        <p:blipFill>
-          <a:blip r:embed="rId6"/>
-          <a:stretch>
-            <a:fillRect/>
-          </a:stretch>
-        </p:blipFill>
-        <p:spPr>
-          <a:xfrm>
-            <a:off x="6946142" y="628698"/>
-            <a:ext cx="2457143" cy="238095"/>
-          </a:xfrm>
-          <a:prstGeom prst="rect">
-            <a:avLst/>
-          </a:prstGeom>
-        </p:spPr>
-      </p:pic>
-      <p:sp>
-        <p:nvSpPr>
-          <p:cNvPr id="11" name="Rechteck 10">
-            <a:extLst>
-              <a:ext uri="{FF2B5EF4-FFF2-40B4-BE49-F238E27FC236}">
-                <a16:creationId xmlns:a16="http://schemas.microsoft.com/office/drawing/2014/main" id="{259031CB-A577-4868-F9F4-53FB13677387}"/>
-              </a:ext>
-            </a:extLst>
-          </p:cNvPr>
-          <p:cNvSpPr/>
-          <p:nvPr/>
-        </p:nvSpPr>
-        <p:spPr>
-          <a:xfrm>
-            <a:off x="7183009" y="1367388"/>
-            <a:ext cx="2579516" cy="301629"/>
-          </a:xfrm>
-          <a:prstGeom prst="rect">
-            <a:avLst/>
-          </a:prstGeom>
-          <a:solidFill>
-            <a:schemeClr val="bg1"/>
-          </a:solidFill>
-          <a:ln>
-            <a:solidFill>
-              <a:schemeClr val="tx1"/>
-            </a:solidFill>
-          </a:ln>
-        </p:spPr>
-        <p:style>
-          <a:lnRef idx="2">
-            <a:schemeClr val="accent1">
-              <a:shade val="50000"/>
-            </a:schemeClr>
-          </a:lnRef>
-          <a:fillRef idx="1">
-            <a:schemeClr val="accent1"/>
-          </a:fillRef>
-          <a:effectRef idx="0">
-            <a:schemeClr val="accent1"/>
-          </a:effectRef>
-          <a:fontRef idx="minor">
-            <a:schemeClr val="lt1"/>
-          </a:fontRef>
-        </p:style>
-        <p:txBody>
-          <a:bodyPr rtlCol="0" anchor="ctr"/>
-          <a:lstStyle/>
-          <a:p>
-            <a:r>
-              <a:rPr lang="de-CH" sz="1200" i="1" dirty="0">
-                <a:solidFill>
-                  <a:schemeClr val="tx1"/>
-                </a:solidFill>
-                <a:latin typeface="Arial" panose="020B0604020202020204" pitchFamily="34" charset="0"/>
-                <a:cs typeface="Arial" panose="020B0604020202020204" pitchFamily="34" charset="0"/>
-              </a:rPr>
-              <a:t>Name(n) eingeben …</a:t>
-            </a:r>
-          </a:p>
-        </p:txBody>
-      </p:sp>
-      <p:sp>
-        <p:nvSpPr>
-          <p:cNvPr id="12" name="Textfeld 11">
-            <a:extLst>
-              <a:ext uri="{FF2B5EF4-FFF2-40B4-BE49-F238E27FC236}">
-                <a16:creationId xmlns:a16="http://schemas.microsoft.com/office/drawing/2014/main" id="{09A29106-2290-236C-D642-115C0A57C203}"/>
-              </a:ext>
-            </a:extLst>
-          </p:cNvPr>
-          <p:cNvSpPr txBox="1"/>
-          <p:nvPr/>
-        </p:nvSpPr>
-        <p:spPr>
-          <a:xfrm>
-            <a:off x="6504534" y="1364314"/>
-            <a:ext cx="678475" cy="307777"/>
-          </a:xfrm>
-          <a:prstGeom prst="rect">
-            <a:avLst/>
-          </a:prstGeom>
-          <a:noFill/>
-        </p:spPr>
-        <p:txBody>
-          <a:bodyPr wrap="square" rtlCol="0">
-            <a:spAutoFit/>
-          </a:bodyPr>
-          <a:lstStyle/>
-          <a:p>
-            <a:r>
-              <a:rPr lang="de-CH" sz="1400" b="1" dirty="0">
-                <a:latin typeface="Arial" panose="020B0604020202020204" pitchFamily="34" charset="0"/>
-                <a:cs typeface="Arial" panose="020B0604020202020204" pitchFamily="34" charset="0"/>
-              </a:rPr>
-              <a:t>Name</a:t>
-            </a:r>
-          </a:p>
-        </p:txBody>
-      </p:sp>
-      <p:sp>
-        <p:nvSpPr>
-          <p:cNvPr id="13" name="Rechteck 12">
-            <a:extLst>
-              <a:ext uri="{FF2B5EF4-FFF2-40B4-BE49-F238E27FC236}">
-                <a16:creationId xmlns:a16="http://schemas.microsoft.com/office/drawing/2014/main" id="{EA909D5D-F5B0-DEFF-E525-84E8AB313E10}"/>
-              </a:ext>
-            </a:extLst>
-          </p:cNvPr>
-          <p:cNvSpPr/>
-          <p:nvPr/>
-        </p:nvSpPr>
-        <p:spPr>
-          <a:xfrm>
-            <a:off x="7183603" y="1724227"/>
-            <a:ext cx="2579516" cy="301629"/>
-          </a:xfrm>
-          <a:prstGeom prst="rect">
-            <a:avLst/>
-          </a:prstGeom>
-          <a:solidFill>
-            <a:schemeClr val="bg1"/>
-          </a:solidFill>
-          <a:ln>
-            <a:solidFill>
-              <a:schemeClr val="tx1"/>
-            </a:solidFill>
-          </a:ln>
-        </p:spPr>
-        <p:style>
-          <a:lnRef idx="2">
-            <a:schemeClr val="accent1">
-              <a:shade val="50000"/>
-            </a:schemeClr>
-          </a:lnRef>
-          <a:fillRef idx="1">
-            <a:schemeClr val="accent1"/>
-          </a:fillRef>
-          <a:effectRef idx="0">
-            <a:schemeClr val="accent1"/>
-          </a:effectRef>
-          <a:fontRef idx="minor">
-            <a:schemeClr val="lt1"/>
-          </a:fontRef>
-        </p:style>
-        <p:txBody>
-          <a:bodyPr rtlCol="0" anchor="ctr"/>
-          <a:lstStyle/>
-          <a:p>
-            <a:r>
-              <a:rPr lang="de-CH" sz="1200" i="1" dirty="0">
-                <a:solidFill>
-                  <a:schemeClr val="tx1"/>
-                </a:solidFill>
-                <a:latin typeface="Arial" panose="020B0604020202020204" pitchFamily="34" charset="0"/>
-                <a:cs typeface="Arial" panose="020B0604020202020204" pitchFamily="34" charset="0"/>
-              </a:rPr>
-              <a:t>E-Mail Adresse eingeben …</a:t>
-            </a:r>
-          </a:p>
-        </p:txBody>
-      </p:sp>
-      <p:sp>
-        <p:nvSpPr>
-          <p:cNvPr id="14" name="Textfeld 13">
-            <a:extLst>
-              <a:ext uri="{FF2B5EF4-FFF2-40B4-BE49-F238E27FC236}">
-                <a16:creationId xmlns:a16="http://schemas.microsoft.com/office/drawing/2014/main" id="{D94CE715-2AF5-8624-E2BE-C506DF769226}"/>
-              </a:ext>
-            </a:extLst>
-          </p:cNvPr>
-          <p:cNvSpPr txBox="1"/>
-          <p:nvPr/>
-        </p:nvSpPr>
-        <p:spPr>
-          <a:xfrm>
-            <a:off x="6505128" y="1721153"/>
-            <a:ext cx="789260" cy="307777"/>
-          </a:xfrm>
-          <a:prstGeom prst="rect">
-            <a:avLst/>
-          </a:prstGeom>
-          <a:noFill/>
-        </p:spPr>
-        <p:txBody>
-          <a:bodyPr wrap="square" rtlCol="0">
-            <a:spAutoFit/>
-          </a:bodyPr>
-          <a:lstStyle/>
-          <a:p>
-            <a:r>
-              <a:rPr lang="de-CH" sz="1400" b="1" dirty="0">
-                <a:latin typeface="Arial" panose="020B0604020202020204" pitchFamily="34" charset="0"/>
-                <a:cs typeface="Arial" panose="020B0604020202020204" pitchFamily="34" charset="0"/>
-              </a:rPr>
-              <a:t>E-Mail</a:t>
-            </a:r>
-          </a:p>
-        </p:txBody>
-      </p:sp>
-      <p:sp>
-        <p:nvSpPr>
-          <p:cNvPr id="15" name="Rechteck 14">
-            <a:extLst>
-              <a:ext uri="{FF2B5EF4-FFF2-40B4-BE49-F238E27FC236}">
-                <a16:creationId xmlns:a16="http://schemas.microsoft.com/office/drawing/2014/main" id="{AA650850-BA67-7DC0-184B-E5443A7A02B2}"/>
-              </a:ext>
-            </a:extLst>
-          </p:cNvPr>
-          <p:cNvSpPr/>
-          <p:nvPr/>
-        </p:nvSpPr>
-        <p:spPr>
-          <a:xfrm>
-            <a:off x="6595576" y="2092178"/>
-            <a:ext cx="3166949" cy="255249"/>
-          </a:xfrm>
-          <a:prstGeom prst="rect">
-            <a:avLst/>
-          </a:prstGeom>
-          <a:noFill/>
-          <a:ln>
-            <a:solidFill>
-              <a:schemeClr val="tx1"/>
-            </a:solidFill>
-          </a:ln>
-        </p:spPr>
-        <p:style>
-          <a:lnRef idx="2">
-            <a:schemeClr val="accent1">
-              <a:shade val="50000"/>
-            </a:schemeClr>
-          </a:lnRef>
-          <a:fillRef idx="1">
-            <a:schemeClr val="accent1"/>
-          </a:fillRef>
-          <a:effectRef idx="0">
-            <a:schemeClr val="accent1"/>
-          </a:effectRef>
-          <a:fontRef idx="minor">
-            <a:schemeClr val="lt1"/>
-          </a:fontRef>
-        </p:style>
-        <p:txBody>
-          <a:bodyPr rtlCol="0" anchor="ctr"/>
-          <a:lstStyle/>
-          <a:p>
-            <a:pPr algn="ctr"/>
-            <a:r>
-              <a:rPr lang="de-CH" sz="1200" dirty="0">
-                <a:solidFill>
-                  <a:schemeClr val="tx1"/>
-                </a:solidFill>
-                <a:latin typeface="Arial" panose="020B0604020202020204" pitchFamily="34" charset="0"/>
-                <a:cs typeface="Arial" panose="020B0604020202020204" pitchFamily="34" charset="0"/>
-              </a:rPr>
-              <a:t>Code verlangen</a:t>
-            </a:r>
-          </a:p>
-        </p:txBody>
-      </p:sp>
-      <p:pic>
-        <p:nvPicPr>
-          <p:cNvPr id="16" name="Grafik 15">
-            <a:extLst>
-              <a:ext uri="{FF2B5EF4-FFF2-40B4-BE49-F238E27FC236}">
-                <a16:creationId xmlns:a16="http://schemas.microsoft.com/office/drawing/2014/main" id="{7CAEF55A-88BB-2030-45C9-E017CA58C7D3}"/>
-              </a:ext>
-            </a:extLst>
-          </p:cNvPr>
-          <p:cNvPicPr>
-            <a:picLocks noChangeAspect="1"/>
-          </p:cNvPicPr>
-          <p:nvPr/>
-        </p:nvPicPr>
-        <p:blipFill>
-          <a:blip r:embed="rId7"/>
-          <a:stretch>
-            <a:fillRect/>
-          </a:stretch>
-        </p:blipFill>
-        <p:spPr>
-          <a:xfrm>
-            <a:off x="9379671" y="761778"/>
-            <a:ext cx="331444" cy="256116"/>
-          </a:xfrm>
-          <a:prstGeom prst="rect">
-            <a:avLst/>
-          </a:prstGeom>
-        </p:spPr>
-      </p:pic>
-      <p:pic>
-        <p:nvPicPr>
-          <p:cNvPr id="1032" name="Picture 8" descr="eMail Widget 2: E-Mails im iPhone-Widget lesen">
-            <a:extLst>
-              <a:ext uri="{FF2B5EF4-FFF2-40B4-BE49-F238E27FC236}">
-                <a16:creationId xmlns:a16="http://schemas.microsoft.com/office/drawing/2014/main" id="{6ADE284A-8168-5C4F-D530-F4336DAFDCBE}"/>
-              </a:ext>
-            </a:extLst>
-          </p:cNvPr>
-          <p:cNvPicPr>
-            <a:picLocks noChangeAspect="1" noChangeArrowheads="1"/>
-          </p:cNvPicPr>
-          <p:nvPr/>
-        </p:nvPicPr>
-        <p:blipFill>
-          <a:blip r:embed="rId8">
-            <a:extLst>
-              <a:ext uri="{28A0092B-C50C-407E-A947-70E740481C1C}">
-                <a14:useLocalDpi xmlns:a14="http://schemas.microsoft.com/office/drawing/2010/main" val="0"/>
-              </a:ext>
-            </a:extLst>
-          </a:blip>
-          <a:srcRect/>
-          <a:stretch>
-            <a:fillRect/>
-          </a:stretch>
-        </p:blipFill>
-        <p:spPr bwMode="auto">
-          <a:xfrm>
-            <a:off x="10574855" y="1481761"/>
-            <a:ext cx="718991" cy="718991"/>
-          </a:xfrm>
-          <a:prstGeom prst="rect">
-            <a:avLst/>
-          </a:prstGeom>
-          <a:noFill/>
-          <a:extLst>
-            <a:ext uri="{909E8E84-426E-40DD-AFC4-6F175D3DCCD1}">
-              <a14:hiddenFill xmlns:a14="http://schemas.microsoft.com/office/drawing/2010/main">
-                <a:solidFill>
-                  <a:srgbClr val="FFFFFF"/>
-                </a:solidFill>
-              </a14:hiddenFill>
-            </a:ext>
-          </a:extLst>
-        </p:spPr>
-      </p:pic>
-      <p:sp>
-        <p:nvSpPr>
-          <p:cNvPr id="17" name="Rechteck 16">
-            <a:extLst>
-              <a:ext uri="{FF2B5EF4-FFF2-40B4-BE49-F238E27FC236}">
-                <a16:creationId xmlns:a16="http://schemas.microsoft.com/office/drawing/2014/main" id="{97C98CE6-9B54-00BB-BA79-EA05E7626104}"/>
-              </a:ext>
-            </a:extLst>
-          </p:cNvPr>
-          <p:cNvSpPr/>
-          <p:nvPr/>
-        </p:nvSpPr>
-        <p:spPr>
-          <a:xfrm>
-            <a:off x="112912" y="3844092"/>
-            <a:ext cx="3339167" cy="2300627"/>
-          </a:xfrm>
-          <a:prstGeom prst="rect">
-            <a:avLst/>
-          </a:prstGeom>
-          <a:solidFill>
-            <a:srgbClr val="DFE0E1"/>
-          </a:solidFill>
-          <a:ln>
-            <a:solidFill>
-              <a:srgbClr val="C8C8C8"/>
-            </a:solidFill>
-          </a:ln>
-        </p:spPr>
-        <p:style>
-          <a:lnRef idx="2">
-            <a:schemeClr val="accent1">
-              <a:shade val="50000"/>
-            </a:schemeClr>
-          </a:lnRef>
-          <a:fillRef idx="1">
-            <a:schemeClr val="accent1"/>
-          </a:fillRef>
-          <a:effectRef idx="0">
-            <a:schemeClr val="accent1"/>
-          </a:effectRef>
-          <a:fontRef idx="minor">
-            <a:schemeClr val="lt1"/>
-          </a:fontRef>
-        </p:style>
-        <p:txBody>
-          <a:bodyPr rtlCol="0" anchor="ctr"/>
-          <a:lstStyle/>
-          <a:p>
-            <a:pPr algn="ctr"/>
-            <a:endParaRPr lang="de-CH" sz="1600" dirty="0">
-              <a:solidFill>
-                <a:schemeClr val="tx1"/>
-              </a:solidFill>
-              <a:latin typeface="Arial" panose="020B0604020202020204" pitchFamily="34" charset="0"/>
-              <a:cs typeface="Arial" panose="020B0604020202020204" pitchFamily="34" charset="0"/>
-            </a:endParaRPr>
-          </a:p>
-        </p:txBody>
-      </p:sp>
-      <p:sp>
-        <p:nvSpPr>
-          <p:cNvPr id="18" name="Rechteck 17">
-            <a:extLst>
-              <a:ext uri="{FF2B5EF4-FFF2-40B4-BE49-F238E27FC236}">
-                <a16:creationId xmlns:a16="http://schemas.microsoft.com/office/drawing/2014/main" id="{0322122E-CCC7-F8A9-CF9D-A9D70809BE17}"/>
-              </a:ext>
-            </a:extLst>
-          </p:cNvPr>
-          <p:cNvSpPr/>
-          <p:nvPr/>
-        </p:nvSpPr>
-        <p:spPr>
-          <a:xfrm>
-            <a:off x="112909" y="3749294"/>
-            <a:ext cx="3339167" cy="769028"/>
-          </a:xfrm>
-          <a:prstGeom prst="rect">
-            <a:avLst/>
-          </a:prstGeom>
-          <a:solidFill>
-            <a:schemeClr val="tx1"/>
-          </a:solidFill>
-          <a:ln>
-            <a:solidFill>
-              <a:schemeClr val="tx1"/>
-            </a:solidFill>
-          </a:ln>
-        </p:spPr>
-        <p:style>
-          <a:lnRef idx="2">
-            <a:schemeClr val="accent1">
-              <a:shade val="50000"/>
-            </a:schemeClr>
-          </a:lnRef>
-          <a:fillRef idx="1">
-            <a:schemeClr val="accent1"/>
-          </a:fillRef>
-          <a:effectRef idx="0">
-            <a:schemeClr val="accent1"/>
-          </a:effectRef>
-          <a:fontRef idx="minor">
-            <a:schemeClr val="lt1"/>
-          </a:fontRef>
-        </p:style>
-        <p:txBody>
-          <a:bodyPr rtlCol="0" anchor="ctr"/>
-          <a:lstStyle/>
-          <a:p>
-            <a:pPr algn="ctr"/>
-            <a:r>
-              <a:rPr lang="de-CH" sz="1600" b="1" dirty="0">
-                <a:solidFill>
-                  <a:srgbClr val="FF000A"/>
-                </a:solidFill>
-                <a:latin typeface="Arial" panose="020B0604020202020204" pitchFamily="34" charset="0"/>
-                <a:cs typeface="Arial" panose="020B0604020202020204" pitchFamily="34" charset="0"/>
-              </a:rPr>
-              <a:t>          </a:t>
-            </a:r>
-          </a:p>
-          <a:p>
-            <a:pPr algn="ctr"/>
-            <a:r>
-              <a:rPr lang="de-CH" sz="1400" b="1" dirty="0">
-                <a:solidFill>
-                  <a:srgbClr val="FF000A"/>
-                </a:solidFill>
-                <a:latin typeface="Arial" panose="020B0604020202020204" pitchFamily="34" charset="0"/>
-                <a:cs typeface="Arial" panose="020B0604020202020204" pitchFamily="34" charset="0"/>
-              </a:rPr>
-              <a:t>Gästebuch-Bild hochladen </a:t>
-            </a:r>
-          </a:p>
-        </p:txBody>
-      </p:sp>
-      <p:pic>
-        <p:nvPicPr>
-          <p:cNvPr id="19" name="Grafik 18">
-            <a:extLst>
-              <a:ext uri="{FF2B5EF4-FFF2-40B4-BE49-F238E27FC236}">
-                <a16:creationId xmlns:a16="http://schemas.microsoft.com/office/drawing/2014/main" id="{CD519E71-873F-4AC4-5DE2-4BC55C36F396}"/>
-              </a:ext>
-            </a:extLst>
-          </p:cNvPr>
-          <p:cNvPicPr>
-            <a:picLocks noChangeAspect="1"/>
-          </p:cNvPicPr>
-          <p:nvPr/>
-        </p:nvPicPr>
-        <p:blipFill>
-          <a:blip r:embed="rId6"/>
-          <a:stretch>
-            <a:fillRect/>
-          </a:stretch>
-        </p:blipFill>
-        <p:spPr>
-          <a:xfrm>
-            <a:off x="553923" y="3845953"/>
-            <a:ext cx="2457143" cy="238095"/>
-          </a:xfrm>
-          <a:prstGeom prst="rect">
-            <a:avLst/>
-          </a:prstGeom>
-        </p:spPr>
-      </p:pic>
-      <p:sp>
-        <p:nvSpPr>
-          <p:cNvPr id="20" name="Rechteck 19">
-            <a:extLst>
-              <a:ext uri="{FF2B5EF4-FFF2-40B4-BE49-F238E27FC236}">
-                <a16:creationId xmlns:a16="http://schemas.microsoft.com/office/drawing/2014/main" id="{0F6302A2-C48F-96C5-0B07-5D7209181786}"/>
-              </a:ext>
-            </a:extLst>
-          </p:cNvPr>
-          <p:cNvSpPr/>
-          <p:nvPr/>
-        </p:nvSpPr>
-        <p:spPr>
-          <a:xfrm>
-            <a:off x="790790" y="4584643"/>
-            <a:ext cx="2579516" cy="301629"/>
-          </a:xfrm>
-          <a:prstGeom prst="rect">
-            <a:avLst/>
-          </a:prstGeom>
-          <a:solidFill>
-            <a:schemeClr val="bg1"/>
-          </a:solidFill>
-          <a:ln>
-            <a:solidFill>
-              <a:schemeClr val="tx1"/>
-            </a:solidFill>
-          </a:ln>
-        </p:spPr>
-        <p:style>
-          <a:lnRef idx="2">
-            <a:schemeClr val="accent1">
-              <a:shade val="50000"/>
-            </a:schemeClr>
-          </a:lnRef>
-          <a:fillRef idx="1">
-            <a:schemeClr val="accent1"/>
-          </a:fillRef>
-          <a:effectRef idx="0">
-            <a:schemeClr val="accent1"/>
-          </a:effectRef>
-          <a:fontRef idx="minor">
-            <a:schemeClr val="lt1"/>
-          </a:fontRef>
-        </p:style>
-        <p:txBody>
-          <a:bodyPr rtlCol="0" anchor="ctr"/>
-          <a:lstStyle/>
-          <a:p>
-            <a:r>
-              <a:rPr lang="de-CH" sz="1200" i="1" dirty="0">
-                <a:solidFill>
-                  <a:schemeClr val="tx1"/>
-                </a:solidFill>
-                <a:latin typeface="Arial" panose="020B0604020202020204" pitchFamily="34" charset="0"/>
-                <a:cs typeface="Arial" panose="020B0604020202020204" pitchFamily="34" charset="0"/>
-              </a:rPr>
-              <a:t>Name(n) eingeben …</a:t>
-            </a:r>
-          </a:p>
-        </p:txBody>
-      </p:sp>
-      <p:sp>
-        <p:nvSpPr>
-          <p:cNvPr id="21" name="Textfeld 20">
-            <a:extLst>
-              <a:ext uri="{FF2B5EF4-FFF2-40B4-BE49-F238E27FC236}">
-                <a16:creationId xmlns:a16="http://schemas.microsoft.com/office/drawing/2014/main" id="{09204F3D-ECE8-D3D7-69D5-FE21EB972122}"/>
-              </a:ext>
-            </a:extLst>
-          </p:cNvPr>
-          <p:cNvSpPr txBox="1"/>
-          <p:nvPr/>
-        </p:nvSpPr>
-        <p:spPr>
-          <a:xfrm>
-            <a:off x="112315" y="4581569"/>
-            <a:ext cx="678475" cy="307777"/>
-          </a:xfrm>
-          <a:prstGeom prst="rect">
-            <a:avLst/>
-          </a:prstGeom>
-          <a:noFill/>
-        </p:spPr>
-        <p:txBody>
-          <a:bodyPr wrap="square" rtlCol="0">
-            <a:spAutoFit/>
-          </a:bodyPr>
-          <a:lstStyle/>
-          <a:p>
-            <a:r>
-              <a:rPr lang="de-CH" sz="1400" b="1" dirty="0">
-                <a:latin typeface="Arial" panose="020B0604020202020204" pitchFamily="34" charset="0"/>
-                <a:cs typeface="Arial" panose="020B0604020202020204" pitchFamily="34" charset="0"/>
-              </a:rPr>
-              <a:t>Name</a:t>
-            </a:r>
-          </a:p>
-        </p:txBody>
-      </p:sp>
-      <p:sp>
-        <p:nvSpPr>
-          <p:cNvPr id="22" name="Rechteck 21">
-            <a:extLst>
-              <a:ext uri="{FF2B5EF4-FFF2-40B4-BE49-F238E27FC236}">
-                <a16:creationId xmlns:a16="http://schemas.microsoft.com/office/drawing/2014/main" id="{286D9678-2698-FA91-A3F7-38844B98F1AF}"/>
-              </a:ext>
-            </a:extLst>
-          </p:cNvPr>
-          <p:cNvSpPr/>
-          <p:nvPr/>
-        </p:nvSpPr>
-        <p:spPr>
-          <a:xfrm>
-            <a:off x="791384" y="4941482"/>
-            <a:ext cx="2579516" cy="301629"/>
-          </a:xfrm>
-          <a:prstGeom prst="rect">
-            <a:avLst/>
-          </a:prstGeom>
-          <a:solidFill>
-            <a:schemeClr val="bg1"/>
-          </a:solidFill>
-          <a:ln>
-            <a:solidFill>
-              <a:schemeClr val="tx1"/>
-            </a:solidFill>
-          </a:ln>
-        </p:spPr>
-        <p:style>
-          <a:lnRef idx="2">
-            <a:schemeClr val="accent1">
-              <a:shade val="50000"/>
-            </a:schemeClr>
-          </a:lnRef>
-          <a:fillRef idx="1">
-            <a:schemeClr val="accent1"/>
-          </a:fillRef>
-          <a:effectRef idx="0">
-            <a:schemeClr val="accent1"/>
-          </a:effectRef>
-          <a:fontRef idx="minor">
-            <a:schemeClr val="lt1"/>
-          </a:fontRef>
-        </p:style>
-        <p:txBody>
-          <a:bodyPr rtlCol="0" anchor="ctr"/>
-          <a:lstStyle/>
-          <a:p>
-            <a:r>
-              <a:rPr lang="de-CH" sz="1200" i="1" dirty="0">
-                <a:solidFill>
-                  <a:schemeClr val="tx1"/>
-                </a:solidFill>
-                <a:latin typeface="Arial" panose="020B0604020202020204" pitchFamily="34" charset="0"/>
-                <a:cs typeface="Arial" panose="020B0604020202020204" pitchFamily="34" charset="0"/>
-              </a:rPr>
-              <a:t>E-Mail Adresse eingeben …</a:t>
-            </a:r>
-          </a:p>
-        </p:txBody>
-      </p:sp>
-      <p:sp>
-        <p:nvSpPr>
-          <p:cNvPr id="23" name="Textfeld 22">
-            <a:extLst>
-              <a:ext uri="{FF2B5EF4-FFF2-40B4-BE49-F238E27FC236}">
-                <a16:creationId xmlns:a16="http://schemas.microsoft.com/office/drawing/2014/main" id="{B0DE4E18-B664-00E6-E1D4-88C99B4C7E21}"/>
-              </a:ext>
-            </a:extLst>
-          </p:cNvPr>
-          <p:cNvSpPr txBox="1"/>
-          <p:nvPr/>
-        </p:nvSpPr>
-        <p:spPr>
-          <a:xfrm>
-            <a:off x="112909" y="4938408"/>
-            <a:ext cx="789260" cy="307777"/>
-          </a:xfrm>
-          <a:prstGeom prst="rect">
-            <a:avLst/>
-          </a:prstGeom>
-          <a:noFill/>
-        </p:spPr>
-        <p:txBody>
-          <a:bodyPr wrap="square" rtlCol="0">
-            <a:spAutoFit/>
-          </a:bodyPr>
-          <a:lstStyle/>
-          <a:p>
-            <a:r>
-              <a:rPr lang="de-CH" sz="1400" b="1" dirty="0">
-                <a:latin typeface="Arial" panose="020B0604020202020204" pitchFamily="34" charset="0"/>
-                <a:cs typeface="Arial" panose="020B0604020202020204" pitchFamily="34" charset="0"/>
-              </a:rPr>
-              <a:t>E-Mail</a:t>
-            </a:r>
-          </a:p>
-        </p:txBody>
-      </p:sp>
-      <p:sp>
-        <p:nvSpPr>
-          <p:cNvPr id="24" name="Rechteck 23">
-            <a:extLst>
-              <a:ext uri="{FF2B5EF4-FFF2-40B4-BE49-F238E27FC236}">
-                <a16:creationId xmlns:a16="http://schemas.microsoft.com/office/drawing/2014/main" id="{3AEAF418-1F9B-E2AE-887B-F1F0B851CF5C}"/>
-              </a:ext>
-            </a:extLst>
-          </p:cNvPr>
-          <p:cNvSpPr/>
-          <p:nvPr/>
-        </p:nvSpPr>
-        <p:spPr>
-          <a:xfrm>
-            <a:off x="203357" y="5309433"/>
-            <a:ext cx="3166949" cy="255249"/>
-          </a:xfrm>
-          <a:prstGeom prst="rect">
-            <a:avLst/>
-          </a:prstGeom>
-          <a:noFill/>
-          <a:ln>
-            <a:solidFill>
-              <a:schemeClr val="tx1"/>
-            </a:solidFill>
-          </a:ln>
-        </p:spPr>
-        <p:style>
-          <a:lnRef idx="2">
-            <a:schemeClr val="accent1">
-              <a:shade val="50000"/>
-            </a:schemeClr>
-          </a:lnRef>
-          <a:fillRef idx="1">
-            <a:schemeClr val="accent1"/>
-          </a:fillRef>
-          <a:effectRef idx="0">
-            <a:schemeClr val="accent1"/>
-          </a:effectRef>
-          <a:fontRef idx="minor">
-            <a:schemeClr val="lt1"/>
-          </a:fontRef>
-        </p:style>
-        <p:txBody>
-          <a:bodyPr rtlCol="0" anchor="ctr"/>
-          <a:lstStyle/>
-          <a:p>
-            <a:pPr algn="ctr"/>
-            <a:r>
-              <a:rPr lang="de-CH" sz="1200" dirty="0">
-                <a:solidFill>
-                  <a:schemeClr val="tx1"/>
-                </a:solidFill>
-                <a:latin typeface="Arial" panose="020B0604020202020204" pitchFamily="34" charset="0"/>
-                <a:cs typeface="Arial" panose="020B0604020202020204" pitchFamily="34" charset="0"/>
-              </a:rPr>
-              <a:t>Code verlangen</a:t>
-            </a:r>
-          </a:p>
-        </p:txBody>
-      </p:sp>
-      <p:pic>
-        <p:nvPicPr>
-          <p:cNvPr id="25" name="Grafik 24">
-            <a:extLst>
-              <a:ext uri="{FF2B5EF4-FFF2-40B4-BE49-F238E27FC236}">
-                <a16:creationId xmlns:a16="http://schemas.microsoft.com/office/drawing/2014/main" id="{E7EB6755-F68A-AA2C-A43C-73345BC2C8DC}"/>
-              </a:ext>
-            </a:extLst>
-          </p:cNvPr>
-          <p:cNvPicPr>
-            <a:picLocks noChangeAspect="1"/>
-          </p:cNvPicPr>
-          <p:nvPr/>
-        </p:nvPicPr>
-        <p:blipFill>
-          <a:blip r:embed="rId7"/>
-          <a:stretch>
-            <a:fillRect/>
-          </a:stretch>
-        </p:blipFill>
-        <p:spPr>
-          <a:xfrm>
-            <a:off x="2987452" y="3979033"/>
-            <a:ext cx="331444" cy="256116"/>
-          </a:xfrm>
-          <a:prstGeom prst="rect">
-            <a:avLst/>
-          </a:prstGeom>
-        </p:spPr>
-      </p:pic>
-      <p:sp>
-        <p:nvSpPr>
-          <p:cNvPr id="26" name="Rechteck 25">
-            <a:extLst>
-              <a:ext uri="{FF2B5EF4-FFF2-40B4-BE49-F238E27FC236}">
-                <a16:creationId xmlns:a16="http://schemas.microsoft.com/office/drawing/2014/main" id="{7896611D-3FCA-2D9C-0D58-EE47203CD0B3}"/>
-              </a:ext>
-            </a:extLst>
-          </p:cNvPr>
-          <p:cNvSpPr/>
-          <p:nvPr/>
-        </p:nvSpPr>
-        <p:spPr>
-          <a:xfrm>
-            <a:off x="834727" y="5659480"/>
-            <a:ext cx="1769191" cy="301629"/>
-          </a:xfrm>
-          <a:prstGeom prst="rect">
-            <a:avLst/>
-          </a:prstGeom>
-          <a:solidFill>
-            <a:schemeClr val="bg1"/>
-          </a:solidFill>
-          <a:ln>
-            <a:solidFill>
-              <a:schemeClr val="tx1"/>
-            </a:solidFill>
-          </a:ln>
-        </p:spPr>
-        <p:style>
-          <a:lnRef idx="2">
-            <a:schemeClr val="accent1">
-              <a:shade val="50000"/>
-            </a:schemeClr>
-          </a:lnRef>
-          <a:fillRef idx="1">
-            <a:schemeClr val="accent1"/>
-          </a:fillRef>
-          <a:effectRef idx="0">
-            <a:schemeClr val="accent1"/>
-          </a:effectRef>
-          <a:fontRef idx="minor">
-            <a:schemeClr val="lt1"/>
-          </a:fontRef>
-        </p:style>
-        <p:txBody>
-          <a:bodyPr rtlCol="0" anchor="ctr"/>
-          <a:lstStyle/>
-          <a:p>
-            <a:r>
-              <a:rPr lang="de-CH" sz="1200" i="1" dirty="0">
-                <a:solidFill>
-                  <a:schemeClr val="tx1"/>
-                </a:solidFill>
-                <a:latin typeface="Arial" panose="020B0604020202020204" pitchFamily="34" charset="0"/>
-                <a:cs typeface="Arial" panose="020B0604020202020204" pitchFamily="34" charset="0"/>
-              </a:rPr>
-              <a:t>Code eingeben …</a:t>
-            </a:r>
-          </a:p>
-        </p:txBody>
-      </p:sp>
-      <p:sp>
-        <p:nvSpPr>
-          <p:cNvPr id="27" name="Textfeld 26">
-            <a:extLst>
-              <a:ext uri="{FF2B5EF4-FFF2-40B4-BE49-F238E27FC236}">
-                <a16:creationId xmlns:a16="http://schemas.microsoft.com/office/drawing/2014/main" id="{285BFC11-536B-A9D7-E131-76A6D2B04A59}"/>
-              </a:ext>
-            </a:extLst>
-          </p:cNvPr>
-          <p:cNvSpPr txBox="1"/>
-          <p:nvPr/>
-        </p:nvSpPr>
-        <p:spPr>
-          <a:xfrm>
-            <a:off x="156252" y="5656406"/>
-            <a:ext cx="678475" cy="307777"/>
-          </a:xfrm>
-          <a:prstGeom prst="rect">
-            <a:avLst/>
-          </a:prstGeom>
-          <a:noFill/>
-        </p:spPr>
-        <p:txBody>
-          <a:bodyPr wrap="square" rtlCol="0">
-            <a:spAutoFit/>
-          </a:bodyPr>
-          <a:lstStyle/>
-          <a:p>
-            <a:r>
-              <a:rPr lang="de-CH" sz="1400" b="1" dirty="0">
-                <a:latin typeface="Arial" panose="020B0604020202020204" pitchFamily="34" charset="0"/>
-                <a:cs typeface="Arial" panose="020B0604020202020204" pitchFamily="34" charset="0"/>
-              </a:rPr>
-              <a:t>Code</a:t>
-            </a:r>
-          </a:p>
-        </p:txBody>
-      </p:sp>
-      <p:sp>
-        <p:nvSpPr>
-          <p:cNvPr id="28" name="Rechteck 27">
-            <a:extLst>
-              <a:ext uri="{FF2B5EF4-FFF2-40B4-BE49-F238E27FC236}">
-                <a16:creationId xmlns:a16="http://schemas.microsoft.com/office/drawing/2014/main" id="{508CC12E-361B-2A71-1F27-42D54EA63471}"/>
-              </a:ext>
-            </a:extLst>
-          </p:cNvPr>
-          <p:cNvSpPr/>
-          <p:nvPr/>
-        </p:nvSpPr>
-        <p:spPr>
-          <a:xfrm>
-            <a:off x="2651789" y="5667306"/>
-            <a:ext cx="735983" cy="292247"/>
-          </a:xfrm>
-          <a:prstGeom prst="rect">
-            <a:avLst/>
-          </a:prstGeom>
-          <a:noFill/>
-          <a:ln>
-            <a:solidFill>
-              <a:schemeClr val="tx1"/>
-            </a:solidFill>
-          </a:ln>
-        </p:spPr>
-        <p:style>
-          <a:lnRef idx="2">
-            <a:schemeClr val="accent1">
-              <a:shade val="50000"/>
-            </a:schemeClr>
-          </a:lnRef>
-          <a:fillRef idx="1">
-            <a:schemeClr val="accent1"/>
-          </a:fillRef>
-          <a:effectRef idx="0">
-            <a:schemeClr val="accent1"/>
-          </a:effectRef>
-          <a:fontRef idx="minor">
-            <a:schemeClr val="lt1"/>
-          </a:fontRef>
-        </p:style>
-        <p:txBody>
-          <a:bodyPr rtlCol="0" anchor="ctr"/>
-          <a:lstStyle/>
-          <a:p>
-            <a:pPr algn="ctr"/>
-            <a:r>
-              <a:rPr lang="de-CH" sz="1200" dirty="0">
-                <a:solidFill>
-                  <a:schemeClr val="tx1"/>
-                </a:solidFill>
-                <a:latin typeface="Arial" panose="020B0604020202020204" pitchFamily="34" charset="0"/>
-                <a:cs typeface="Arial" panose="020B0604020202020204" pitchFamily="34" charset="0"/>
-              </a:rPr>
-              <a:t>Senden</a:t>
-            </a:r>
-          </a:p>
-        </p:txBody>
-      </p:sp>
-      <p:sp>
-        <p:nvSpPr>
-          <p:cNvPr id="29" name="Rechteck 28">
-            <a:extLst>
-              <a:ext uri="{FF2B5EF4-FFF2-40B4-BE49-F238E27FC236}">
-                <a16:creationId xmlns:a16="http://schemas.microsoft.com/office/drawing/2014/main" id="{97C13174-57E2-CC0A-834C-DAF05C46F045}"/>
-              </a:ext>
-            </a:extLst>
-          </p:cNvPr>
-          <p:cNvSpPr/>
-          <p:nvPr/>
-        </p:nvSpPr>
-        <p:spPr>
-          <a:xfrm>
-            <a:off x="3849486" y="3844092"/>
-            <a:ext cx="3339167" cy="2447655"/>
-          </a:xfrm>
-          <a:prstGeom prst="rect">
-            <a:avLst/>
-          </a:prstGeom>
-          <a:solidFill>
-            <a:srgbClr val="DFE0E1"/>
-          </a:solidFill>
-          <a:ln>
-            <a:solidFill>
-              <a:srgbClr val="C8C8C8"/>
-            </a:solidFill>
-          </a:ln>
-        </p:spPr>
-        <p:style>
-          <a:lnRef idx="2">
-            <a:schemeClr val="accent1">
-              <a:shade val="50000"/>
-            </a:schemeClr>
-          </a:lnRef>
-          <a:fillRef idx="1">
-            <a:schemeClr val="accent1"/>
-          </a:fillRef>
-          <a:effectRef idx="0">
-            <a:schemeClr val="accent1"/>
-          </a:effectRef>
-          <a:fontRef idx="minor">
-            <a:schemeClr val="lt1"/>
-          </a:fontRef>
-        </p:style>
-        <p:txBody>
-          <a:bodyPr rtlCol="0" anchor="ctr"/>
-          <a:lstStyle/>
-          <a:p>
-            <a:pPr algn="ctr"/>
-            <a:endParaRPr lang="de-CH" sz="1600" dirty="0">
-              <a:solidFill>
-                <a:schemeClr val="tx1"/>
-              </a:solidFill>
-              <a:latin typeface="Arial" panose="020B0604020202020204" pitchFamily="34" charset="0"/>
-              <a:cs typeface="Arial" panose="020B0604020202020204" pitchFamily="34" charset="0"/>
-            </a:endParaRPr>
-          </a:p>
-        </p:txBody>
-      </p:sp>
-      <p:sp>
-        <p:nvSpPr>
-          <p:cNvPr id="30" name="Rechteck 29">
-            <a:extLst>
-              <a:ext uri="{FF2B5EF4-FFF2-40B4-BE49-F238E27FC236}">
-                <a16:creationId xmlns:a16="http://schemas.microsoft.com/office/drawing/2014/main" id="{551F3DD4-5C20-9CFE-0104-D97B5126131D}"/>
-              </a:ext>
-            </a:extLst>
-          </p:cNvPr>
-          <p:cNvSpPr/>
-          <p:nvPr/>
-        </p:nvSpPr>
-        <p:spPr>
-          <a:xfrm>
-            <a:off x="3849483" y="3749294"/>
-            <a:ext cx="3339167" cy="769028"/>
-          </a:xfrm>
-          <a:prstGeom prst="rect">
-            <a:avLst/>
-          </a:prstGeom>
-          <a:solidFill>
-            <a:schemeClr val="tx1"/>
-          </a:solidFill>
-          <a:ln>
-            <a:solidFill>
-              <a:schemeClr val="tx1"/>
-            </a:solidFill>
-          </a:ln>
-        </p:spPr>
-        <p:style>
-          <a:lnRef idx="2">
-            <a:schemeClr val="accent1">
-              <a:shade val="50000"/>
-            </a:schemeClr>
-          </a:lnRef>
-          <a:fillRef idx="1">
-            <a:schemeClr val="accent1"/>
-          </a:fillRef>
-          <a:effectRef idx="0">
-            <a:schemeClr val="accent1"/>
-          </a:effectRef>
-          <a:fontRef idx="minor">
-            <a:schemeClr val="lt1"/>
-          </a:fontRef>
-        </p:style>
-        <p:txBody>
-          <a:bodyPr rtlCol="0" anchor="ctr"/>
-          <a:lstStyle/>
-          <a:p>
-            <a:pPr algn="ctr"/>
-            <a:r>
-              <a:rPr lang="de-CH" sz="1600" b="1" dirty="0">
-                <a:solidFill>
-                  <a:srgbClr val="FF000A"/>
-                </a:solidFill>
-                <a:latin typeface="Arial" panose="020B0604020202020204" pitchFamily="34" charset="0"/>
-                <a:cs typeface="Arial" panose="020B0604020202020204" pitchFamily="34" charset="0"/>
-              </a:rPr>
-              <a:t>          </a:t>
-            </a:r>
-          </a:p>
-          <a:p>
-            <a:pPr algn="ctr"/>
-            <a:r>
-              <a:rPr lang="de-CH" sz="1400" b="1" dirty="0">
-                <a:solidFill>
-                  <a:srgbClr val="FF000A"/>
-                </a:solidFill>
-                <a:latin typeface="Arial" panose="020B0604020202020204" pitchFamily="34" charset="0"/>
-                <a:cs typeface="Arial" panose="020B0604020202020204" pitchFamily="34" charset="0"/>
-              </a:rPr>
-              <a:t>Gästebuch-Bild hochladen </a:t>
-            </a:r>
-          </a:p>
-        </p:txBody>
-      </p:sp>
-      <p:pic>
-        <p:nvPicPr>
-          <p:cNvPr id="31" name="Grafik 30">
-            <a:extLst>
-              <a:ext uri="{FF2B5EF4-FFF2-40B4-BE49-F238E27FC236}">
-                <a16:creationId xmlns:a16="http://schemas.microsoft.com/office/drawing/2014/main" id="{1D61FAAF-8B7B-0DCF-B56E-9C0F65E2F35A}"/>
-              </a:ext>
-            </a:extLst>
-          </p:cNvPr>
-          <p:cNvPicPr>
-            <a:picLocks noChangeAspect="1"/>
-          </p:cNvPicPr>
-          <p:nvPr/>
-        </p:nvPicPr>
-        <p:blipFill>
-          <a:blip r:embed="rId6"/>
-          <a:stretch>
-            <a:fillRect/>
-          </a:stretch>
-        </p:blipFill>
-        <p:spPr>
-          <a:xfrm>
-            <a:off x="4290497" y="3845953"/>
-            <a:ext cx="2457143" cy="238095"/>
-          </a:xfrm>
-          <a:prstGeom prst="rect">
-            <a:avLst/>
-          </a:prstGeom>
-        </p:spPr>
-      </p:pic>
-      <p:sp>
-        <p:nvSpPr>
-          <p:cNvPr id="32" name="Rechteck 31">
-            <a:extLst>
-              <a:ext uri="{FF2B5EF4-FFF2-40B4-BE49-F238E27FC236}">
-                <a16:creationId xmlns:a16="http://schemas.microsoft.com/office/drawing/2014/main" id="{5A90F1B4-DFCE-1F13-05C6-2768B19C5235}"/>
-              </a:ext>
-            </a:extLst>
-          </p:cNvPr>
-          <p:cNvSpPr/>
-          <p:nvPr/>
-        </p:nvSpPr>
-        <p:spPr>
-          <a:xfrm>
-            <a:off x="4527364" y="4584643"/>
-            <a:ext cx="2579516" cy="301629"/>
-          </a:xfrm>
-          <a:prstGeom prst="rect">
-            <a:avLst/>
-          </a:prstGeom>
-          <a:solidFill>
-            <a:schemeClr val="bg1"/>
-          </a:solidFill>
-          <a:ln>
-            <a:solidFill>
-              <a:schemeClr val="tx1"/>
-            </a:solidFill>
-          </a:ln>
-        </p:spPr>
-        <p:style>
-          <a:lnRef idx="2">
-            <a:schemeClr val="accent1">
-              <a:shade val="50000"/>
-            </a:schemeClr>
-          </a:lnRef>
-          <a:fillRef idx="1">
-            <a:schemeClr val="accent1"/>
-          </a:fillRef>
-          <a:effectRef idx="0">
-            <a:schemeClr val="accent1"/>
-          </a:effectRef>
-          <a:fontRef idx="minor">
-            <a:schemeClr val="lt1"/>
-          </a:fontRef>
-        </p:style>
-        <p:txBody>
-          <a:bodyPr rtlCol="0" anchor="ctr"/>
-          <a:lstStyle/>
-          <a:p>
-            <a:r>
-              <a:rPr lang="de-CH" sz="1200" i="1" dirty="0">
-                <a:solidFill>
-                  <a:schemeClr val="tx1"/>
-                </a:solidFill>
-                <a:latin typeface="Arial" panose="020B0604020202020204" pitchFamily="34" charset="0"/>
-                <a:cs typeface="Arial" panose="020B0604020202020204" pitchFamily="34" charset="0"/>
-              </a:rPr>
-              <a:t>Name(n) eingeben …</a:t>
-            </a:r>
-          </a:p>
-        </p:txBody>
-      </p:sp>
-      <p:sp>
-        <p:nvSpPr>
-          <p:cNvPr id="33" name="Textfeld 32">
-            <a:extLst>
-              <a:ext uri="{FF2B5EF4-FFF2-40B4-BE49-F238E27FC236}">
-                <a16:creationId xmlns:a16="http://schemas.microsoft.com/office/drawing/2014/main" id="{9D943956-5523-65F8-EBD5-BEFB153BA415}"/>
-              </a:ext>
-            </a:extLst>
-          </p:cNvPr>
-          <p:cNvSpPr txBox="1"/>
-          <p:nvPr/>
-        </p:nvSpPr>
-        <p:spPr>
-          <a:xfrm>
-            <a:off x="3848889" y="4581569"/>
-            <a:ext cx="678475" cy="307777"/>
-          </a:xfrm>
-          <a:prstGeom prst="rect">
-            <a:avLst/>
-          </a:prstGeom>
-          <a:noFill/>
-        </p:spPr>
-        <p:txBody>
-          <a:bodyPr wrap="square" rtlCol="0">
-            <a:spAutoFit/>
-          </a:bodyPr>
-          <a:lstStyle/>
-          <a:p>
-            <a:r>
-              <a:rPr lang="de-CH" sz="1400" b="1" dirty="0">
-                <a:latin typeface="Arial" panose="020B0604020202020204" pitchFamily="34" charset="0"/>
-                <a:cs typeface="Arial" panose="020B0604020202020204" pitchFamily="34" charset="0"/>
-              </a:rPr>
-              <a:t>Name</a:t>
-            </a:r>
-          </a:p>
-        </p:txBody>
-      </p:sp>
-      <p:pic>
-        <p:nvPicPr>
-          <p:cNvPr id="37" name="Grafik 36">
-            <a:extLst>
-              <a:ext uri="{FF2B5EF4-FFF2-40B4-BE49-F238E27FC236}">
-                <a16:creationId xmlns:a16="http://schemas.microsoft.com/office/drawing/2014/main" id="{995540C7-A6CF-4078-42AD-EA31F1C91E42}"/>
-              </a:ext>
-            </a:extLst>
-          </p:cNvPr>
-          <p:cNvPicPr>
-            <a:picLocks noChangeAspect="1"/>
-          </p:cNvPicPr>
-          <p:nvPr/>
-        </p:nvPicPr>
-        <p:blipFill>
-          <a:blip r:embed="rId7"/>
-          <a:stretch>
-            <a:fillRect/>
-          </a:stretch>
-        </p:blipFill>
-        <p:spPr>
-          <a:xfrm>
-            <a:off x="6724026" y="3979033"/>
-            <a:ext cx="331444" cy="256116"/>
-          </a:xfrm>
-          <a:prstGeom prst="rect">
-            <a:avLst/>
-          </a:prstGeom>
-        </p:spPr>
-      </p:pic>
-      <p:sp>
-        <p:nvSpPr>
-          <p:cNvPr id="41" name="Textfeld 40">
-            <a:extLst>
-              <a:ext uri="{FF2B5EF4-FFF2-40B4-BE49-F238E27FC236}">
-                <a16:creationId xmlns:a16="http://schemas.microsoft.com/office/drawing/2014/main" id="{70C702E8-D0C1-321B-4DCC-16E2EC24D5AA}"/>
-              </a:ext>
-            </a:extLst>
-          </p:cNvPr>
-          <p:cNvSpPr txBox="1"/>
-          <p:nvPr/>
-        </p:nvSpPr>
-        <p:spPr>
-          <a:xfrm>
-            <a:off x="3902647" y="5772571"/>
-            <a:ext cx="596564" cy="307777"/>
-          </a:xfrm>
-          <a:prstGeom prst="rect">
-            <a:avLst/>
-          </a:prstGeom>
-          <a:noFill/>
-        </p:spPr>
-        <p:txBody>
-          <a:bodyPr wrap="square" rtlCol="0">
-            <a:spAutoFit/>
-          </a:bodyPr>
-          <a:lstStyle/>
-          <a:p>
-            <a:r>
-              <a:rPr lang="de-CH" sz="1400" b="1" dirty="0">
-                <a:latin typeface="Arial" panose="020B0604020202020204" pitchFamily="34" charset="0"/>
-                <a:cs typeface="Arial" panose="020B0604020202020204" pitchFamily="34" charset="0"/>
-              </a:rPr>
-              <a:t>IMG</a:t>
-            </a:r>
-          </a:p>
-        </p:txBody>
-      </p:sp>
-      <p:sp>
-        <p:nvSpPr>
-          <p:cNvPr id="42" name="Rechteck 41">
-            <a:extLst>
-              <a:ext uri="{FF2B5EF4-FFF2-40B4-BE49-F238E27FC236}">
-                <a16:creationId xmlns:a16="http://schemas.microsoft.com/office/drawing/2014/main" id="{04DD2826-8AA8-7C2E-EADB-AD9C9526CC43}"/>
-              </a:ext>
-            </a:extLst>
-          </p:cNvPr>
-          <p:cNvSpPr/>
-          <p:nvPr/>
-        </p:nvSpPr>
-        <p:spPr>
-          <a:xfrm>
-            <a:off x="4461126" y="5769084"/>
-            <a:ext cx="1889187" cy="301629"/>
-          </a:xfrm>
-          <a:prstGeom prst="rect">
-            <a:avLst/>
-          </a:prstGeom>
-          <a:solidFill>
-            <a:schemeClr val="bg1"/>
-          </a:solidFill>
-          <a:ln>
-            <a:solidFill>
-              <a:schemeClr val="tx1"/>
-            </a:solidFill>
-          </a:ln>
-        </p:spPr>
-        <p:style>
-          <a:lnRef idx="2">
-            <a:schemeClr val="accent1">
-              <a:shade val="50000"/>
-            </a:schemeClr>
-          </a:lnRef>
-          <a:fillRef idx="1">
-            <a:schemeClr val="accent1"/>
-          </a:fillRef>
-          <a:effectRef idx="0">
-            <a:schemeClr val="accent1"/>
-          </a:effectRef>
-          <a:fontRef idx="minor">
-            <a:schemeClr val="lt1"/>
-          </a:fontRef>
-        </p:style>
-        <p:txBody>
-          <a:bodyPr rtlCol="0" anchor="ctr"/>
-          <a:lstStyle/>
-          <a:p>
-            <a:r>
-              <a:rPr lang="de-CH" sz="1200" i="1" dirty="0">
-                <a:solidFill>
-                  <a:schemeClr val="tx1"/>
-                </a:solidFill>
-                <a:latin typeface="Arial" panose="020B0604020202020204" pitchFamily="34" charset="0"/>
-                <a:cs typeface="Arial" panose="020B0604020202020204" pitchFamily="34" charset="0"/>
-              </a:rPr>
-              <a:t>Pfad zeigen nach Upload</a:t>
-            </a:r>
-          </a:p>
-        </p:txBody>
-      </p:sp>
-      <p:sp>
-        <p:nvSpPr>
-          <p:cNvPr id="43" name="Rechteck 42">
-            <a:extLst>
-              <a:ext uri="{FF2B5EF4-FFF2-40B4-BE49-F238E27FC236}">
-                <a16:creationId xmlns:a16="http://schemas.microsoft.com/office/drawing/2014/main" id="{53DFE4AE-3BB2-580A-F0AD-A8A05042FE78}"/>
-              </a:ext>
-            </a:extLst>
-          </p:cNvPr>
-          <p:cNvSpPr/>
-          <p:nvPr/>
-        </p:nvSpPr>
-        <p:spPr>
-          <a:xfrm>
-            <a:off x="6424655" y="5773776"/>
-            <a:ext cx="735983" cy="292247"/>
-          </a:xfrm>
-          <a:prstGeom prst="rect">
-            <a:avLst/>
-          </a:prstGeom>
-          <a:noFill/>
-          <a:ln>
-            <a:solidFill>
-              <a:schemeClr val="tx1"/>
-            </a:solidFill>
-          </a:ln>
-        </p:spPr>
-        <p:style>
-          <a:lnRef idx="2">
-            <a:schemeClr val="accent1">
-              <a:shade val="50000"/>
-            </a:schemeClr>
-          </a:lnRef>
-          <a:fillRef idx="1">
-            <a:schemeClr val="accent1"/>
-          </a:fillRef>
-          <a:effectRef idx="0">
-            <a:schemeClr val="accent1"/>
-          </a:effectRef>
-          <a:fontRef idx="minor">
-            <a:schemeClr val="lt1"/>
-          </a:fontRef>
-        </p:style>
-        <p:txBody>
-          <a:bodyPr rtlCol="0" anchor="ctr"/>
-          <a:lstStyle/>
-          <a:p>
-            <a:pPr algn="ctr"/>
-            <a:r>
-              <a:rPr lang="de-CH" sz="1200" dirty="0">
-                <a:solidFill>
-                  <a:schemeClr val="tx1"/>
-                </a:solidFill>
-                <a:latin typeface="Arial" panose="020B0604020202020204" pitchFamily="34" charset="0"/>
-                <a:cs typeface="Arial" panose="020B0604020202020204" pitchFamily="34" charset="0"/>
-              </a:rPr>
-              <a:t>Upload</a:t>
-            </a:r>
-          </a:p>
-        </p:txBody>
-      </p:sp>
-      <p:sp>
-        <p:nvSpPr>
-          <p:cNvPr id="44" name="Rechteck 43">
-            <a:extLst>
-              <a:ext uri="{FF2B5EF4-FFF2-40B4-BE49-F238E27FC236}">
-                <a16:creationId xmlns:a16="http://schemas.microsoft.com/office/drawing/2014/main" id="{D2D3D0E4-F31B-7519-83B9-A87E609736CA}"/>
-              </a:ext>
-            </a:extLst>
-          </p:cNvPr>
-          <p:cNvSpPr/>
-          <p:nvPr/>
-        </p:nvSpPr>
-        <p:spPr>
-          <a:xfrm>
-            <a:off x="4519055" y="4989797"/>
-            <a:ext cx="2579516" cy="301629"/>
-          </a:xfrm>
-          <a:prstGeom prst="rect">
-            <a:avLst/>
-          </a:prstGeom>
-          <a:solidFill>
-            <a:schemeClr val="bg1"/>
-          </a:solidFill>
-          <a:ln>
-            <a:solidFill>
-              <a:schemeClr val="tx1"/>
-            </a:solidFill>
-          </a:ln>
-        </p:spPr>
-        <p:style>
-          <a:lnRef idx="2">
-            <a:schemeClr val="accent1">
-              <a:shade val="50000"/>
-            </a:schemeClr>
-          </a:lnRef>
-          <a:fillRef idx="1">
-            <a:schemeClr val="accent1"/>
-          </a:fillRef>
-          <a:effectRef idx="0">
-            <a:schemeClr val="accent1"/>
-          </a:effectRef>
-          <a:fontRef idx="minor">
-            <a:schemeClr val="lt1"/>
-          </a:fontRef>
-        </p:style>
-        <p:txBody>
-          <a:bodyPr rtlCol="0" anchor="ctr"/>
-          <a:lstStyle/>
-          <a:p>
-            <a:r>
-              <a:rPr lang="de-CH" sz="1200" i="1" dirty="0">
-                <a:solidFill>
-                  <a:schemeClr val="tx1"/>
-                </a:solidFill>
-                <a:latin typeface="Arial" panose="020B0604020202020204" pitchFamily="34" charset="0"/>
-                <a:cs typeface="Arial" panose="020B0604020202020204" pitchFamily="34" charset="0"/>
-              </a:rPr>
-              <a:t>E-Mail Adresse eingeben …</a:t>
-            </a:r>
-          </a:p>
-        </p:txBody>
-      </p:sp>
-      <p:sp>
-        <p:nvSpPr>
-          <p:cNvPr id="45" name="Textfeld 44">
-            <a:extLst>
-              <a:ext uri="{FF2B5EF4-FFF2-40B4-BE49-F238E27FC236}">
-                <a16:creationId xmlns:a16="http://schemas.microsoft.com/office/drawing/2014/main" id="{BC90BF46-8CF7-2C02-CDD3-28757B9658F3}"/>
-              </a:ext>
-            </a:extLst>
-          </p:cNvPr>
-          <p:cNvSpPr txBox="1"/>
-          <p:nvPr/>
-        </p:nvSpPr>
-        <p:spPr>
-          <a:xfrm>
-            <a:off x="3840580" y="4986723"/>
-            <a:ext cx="789260" cy="307777"/>
-          </a:xfrm>
-          <a:prstGeom prst="rect">
-            <a:avLst/>
-          </a:prstGeom>
-          <a:noFill/>
-        </p:spPr>
-        <p:txBody>
-          <a:bodyPr wrap="square" rtlCol="0">
-            <a:spAutoFit/>
-          </a:bodyPr>
-          <a:lstStyle/>
-          <a:p>
-            <a:r>
-              <a:rPr lang="de-CH" sz="1400" b="1" dirty="0">
-                <a:latin typeface="Arial" panose="020B0604020202020204" pitchFamily="34" charset="0"/>
-                <a:cs typeface="Arial" panose="020B0604020202020204" pitchFamily="34" charset="0"/>
-              </a:rPr>
-              <a:t>E-Mail</a:t>
-            </a:r>
-          </a:p>
-        </p:txBody>
-      </p:sp>
-      <p:sp>
-        <p:nvSpPr>
-          <p:cNvPr id="46" name="Rechteck 45">
-            <a:extLst>
-              <a:ext uri="{FF2B5EF4-FFF2-40B4-BE49-F238E27FC236}">
-                <a16:creationId xmlns:a16="http://schemas.microsoft.com/office/drawing/2014/main" id="{54DAEE80-9159-C86D-BA87-FB7132B51E13}"/>
-              </a:ext>
-            </a:extLst>
-          </p:cNvPr>
-          <p:cNvSpPr/>
-          <p:nvPr/>
-        </p:nvSpPr>
-        <p:spPr>
-          <a:xfrm>
-            <a:off x="3939960" y="5380703"/>
-            <a:ext cx="3166949" cy="255249"/>
-          </a:xfrm>
-          <a:prstGeom prst="rect">
-            <a:avLst/>
-          </a:prstGeom>
-          <a:noFill/>
-          <a:ln>
-            <a:solidFill>
-              <a:schemeClr val="tx1"/>
-            </a:solidFill>
-          </a:ln>
-        </p:spPr>
-        <p:style>
-          <a:lnRef idx="2">
-            <a:schemeClr val="accent1">
-              <a:shade val="50000"/>
-            </a:schemeClr>
-          </a:lnRef>
-          <a:fillRef idx="1">
-            <a:schemeClr val="accent1"/>
-          </a:fillRef>
-          <a:effectRef idx="0">
-            <a:schemeClr val="accent1"/>
-          </a:effectRef>
-          <a:fontRef idx="minor">
-            <a:schemeClr val="lt1"/>
-          </a:fontRef>
-        </p:style>
-        <p:txBody>
-          <a:bodyPr rtlCol="0" anchor="ctr"/>
-          <a:lstStyle/>
-          <a:p>
-            <a:pPr algn="ctr"/>
-            <a:r>
-              <a:rPr lang="de-CH" sz="1200" dirty="0">
-                <a:solidFill>
-                  <a:schemeClr val="tx1"/>
-                </a:solidFill>
-                <a:latin typeface="Arial" panose="020B0604020202020204" pitchFamily="34" charset="0"/>
-                <a:cs typeface="Arial" panose="020B0604020202020204" pitchFamily="34" charset="0"/>
-              </a:rPr>
-              <a:t>Code verlangen</a:t>
-            </a:r>
-          </a:p>
-        </p:txBody>
-      </p:sp>
-      <p:sp>
-        <p:nvSpPr>
-          <p:cNvPr id="47" name="Rechteck 46">
-            <a:extLst>
-              <a:ext uri="{FF2B5EF4-FFF2-40B4-BE49-F238E27FC236}">
-                <a16:creationId xmlns:a16="http://schemas.microsoft.com/office/drawing/2014/main" id="{0FD8E2B6-5852-0C27-E170-BEE59DB08D7E}"/>
-              </a:ext>
-            </a:extLst>
-          </p:cNvPr>
-          <p:cNvSpPr/>
-          <p:nvPr/>
-        </p:nvSpPr>
-        <p:spPr>
-          <a:xfrm>
-            <a:off x="8311836" y="3575875"/>
-            <a:ext cx="3339167" cy="2700860"/>
-          </a:xfrm>
-          <a:prstGeom prst="rect">
-            <a:avLst/>
-          </a:prstGeom>
-          <a:solidFill>
-            <a:srgbClr val="DFE0E1"/>
-          </a:solidFill>
-          <a:ln>
-            <a:solidFill>
-              <a:srgbClr val="C8C8C8"/>
-            </a:solidFill>
-          </a:ln>
-        </p:spPr>
-        <p:style>
-          <a:lnRef idx="2">
-            <a:schemeClr val="accent1">
-              <a:shade val="50000"/>
-            </a:schemeClr>
-          </a:lnRef>
-          <a:fillRef idx="1">
-            <a:schemeClr val="accent1"/>
-          </a:fillRef>
-          <a:effectRef idx="0">
-            <a:schemeClr val="accent1"/>
-          </a:effectRef>
-          <a:fontRef idx="minor">
-            <a:schemeClr val="lt1"/>
-          </a:fontRef>
-        </p:style>
-        <p:txBody>
-          <a:bodyPr rtlCol="0" anchor="ctr"/>
-          <a:lstStyle/>
-          <a:p>
-            <a:pPr algn="ctr"/>
-            <a:endParaRPr lang="de-CH" sz="1600" dirty="0">
-              <a:solidFill>
-                <a:schemeClr val="tx1"/>
-              </a:solidFill>
-              <a:latin typeface="Arial" panose="020B0604020202020204" pitchFamily="34" charset="0"/>
-              <a:cs typeface="Arial" panose="020B0604020202020204" pitchFamily="34" charset="0"/>
-            </a:endParaRPr>
-          </a:p>
-        </p:txBody>
-      </p:sp>
-      <p:sp>
-        <p:nvSpPr>
-          <p:cNvPr id="48" name="Rechteck 47">
-            <a:extLst>
-              <a:ext uri="{FF2B5EF4-FFF2-40B4-BE49-F238E27FC236}">
-                <a16:creationId xmlns:a16="http://schemas.microsoft.com/office/drawing/2014/main" id="{D15B7C6D-01F9-2037-A443-C43FD54DAED0}"/>
-              </a:ext>
-            </a:extLst>
-          </p:cNvPr>
-          <p:cNvSpPr/>
-          <p:nvPr/>
-        </p:nvSpPr>
-        <p:spPr>
-          <a:xfrm>
-            <a:off x="8322191" y="3460431"/>
-            <a:ext cx="3339167" cy="889930"/>
-          </a:xfrm>
-          <a:prstGeom prst="rect">
-            <a:avLst/>
-          </a:prstGeom>
-          <a:solidFill>
-            <a:schemeClr val="tx1"/>
-          </a:solidFill>
-          <a:ln>
-            <a:solidFill>
-              <a:schemeClr val="tx1"/>
-            </a:solidFill>
-          </a:ln>
-        </p:spPr>
-        <p:style>
-          <a:lnRef idx="2">
-            <a:schemeClr val="accent1">
-              <a:shade val="50000"/>
-            </a:schemeClr>
-          </a:lnRef>
-          <a:fillRef idx="1">
-            <a:schemeClr val="accent1"/>
-          </a:fillRef>
-          <a:effectRef idx="0">
-            <a:schemeClr val="accent1"/>
-          </a:effectRef>
-          <a:fontRef idx="minor">
-            <a:schemeClr val="lt1"/>
-          </a:fontRef>
-        </p:style>
-        <p:txBody>
-          <a:bodyPr rtlCol="0" anchor="ctr"/>
-          <a:lstStyle/>
-          <a:p>
-            <a:pPr algn="ctr"/>
-            <a:r>
-              <a:rPr lang="de-CH" sz="1600" b="1" dirty="0">
-                <a:solidFill>
-                  <a:srgbClr val="FF000A"/>
-                </a:solidFill>
-                <a:latin typeface="Arial" panose="020B0604020202020204" pitchFamily="34" charset="0"/>
-                <a:cs typeface="Arial" panose="020B0604020202020204" pitchFamily="34" charset="0"/>
-              </a:rPr>
-              <a:t>          </a:t>
-            </a:r>
-          </a:p>
-          <a:p>
-            <a:pPr algn="ctr"/>
-            <a:r>
-              <a:rPr lang="de-CH" sz="1400" b="1" dirty="0">
-                <a:solidFill>
-                  <a:srgbClr val="FF000A"/>
-                </a:solidFill>
-                <a:latin typeface="Arial" panose="020B0604020202020204" pitchFamily="34" charset="0"/>
-                <a:cs typeface="Arial" panose="020B0604020202020204" pitchFamily="34" charset="0"/>
-              </a:rPr>
-              <a:t>Gästebuch-Bild hochladen </a:t>
-            </a:r>
-          </a:p>
-        </p:txBody>
-      </p:sp>
-      <p:pic>
-        <p:nvPicPr>
-          <p:cNvPr id="49" name="Grafik 48">
-            <a:extLst>
-              <a:ext uri="{FF2B5EF4-FFF2-40B4-BE49-F238E27FC236}">
-                <a16:creationId xmlns:a16="http://schemas.microsoft.com/office/drawing/2014/main" id="{50843E47-6898-FD76-62BA-AF3124DDAC94}"/>
-              </a:ext>
-            </a:extLst>
-          </p:cNvPr>
-          <p:cNvPicPr>
-            <a:picLocks noChangeAspect="1"/>
-          </p:cNvPicPr>
-          <p:nvPr/>
-        </p:nvPicPr>
-        <p:blipFill>
-          <a:blip r:embed="rId6"/>
-          <a:stretch>
-            <a:fillRect/>
-          </a:stretch>
-        </p:blipFill>
-        <p:spPr>
-          <a:xfrm>
-            <a:off x="8763205" y="3557090"/>
-            <a:ext cx="2457143" cy="313184"/>
-          </a:xfrm>
-          <a:prstGeom prst="rect">
-            <a:avLst/>
-          </a:prstGeom>
-        </p:spPr>
-      </p:pic>
-      <p:pic>
-        <p:nvPicPr>
-          <p:cNvPr id="52" name="Grafik 51">
-            <a:extLst>
-              <a:ext uri="{FF2B5EF4-FFF2-40B4-BE49-F238E27FC236}">
-                <a16:creationId xmlns:a16="http://schemas.microsoft.com/office/drawing/2014/main" id="{C89CBF16-F9F8-E0C3-0F5F-C86FE0FCE19F}"/>
-              </a:ext>
-            </a:extLst>
-          </p:cNvPr>
-          <p:cNvPicPr>
-            <a:picLocks noChangeAspect="1"/>
-          </p:cNvPicPr>
-          <p:nvPr/>
-        </p:nvPicPr>
-        <p:blipFill>
-          <a:blip r:embed="rId7"/>
-          <a:stretch>
-            <a:fillRect/>
-          </a:stretch>
-        </p:blipFill>
-        <p:spPr>
-          <a:xfrm>
-            <a:off x="11196734" y="3690170"/>
-            <a:ext cx="378514" cy="336888"/>
-          </a:xfrm>
-          <a:prstGeom prst="rect">
-            <a:avLst/>
-          </a:prstGeom>
-        </p:spPr>
-      </p:pic>
-      <p:sp>
-        <p:nvSpPr>
-          <p:cNvPr id="53" name="Textfeld 52">
-            <a:extLst>
-              <a:ext uri="{FF2B5EF4-FFF2-40B4-BE49-F238E27FC236}">
-                <a16:creationId xmlns:a16="http://schemas.microsoft.com/office/drawing/2014/main" id="{A602B7C1-B67A-0A86-D765-834CDA8A8317}"/>
-              </a:ext>
-            </a:extLst>
-          </p:cNvPr>
-          <p:cNvSpPr txBox="1"/>
-          <p:nvPr/>
-        </p:nvSpPr>
-        <p:spPr>
-          <a:xfrm>
-            <a:off x="8375355" y="5591775"/>
-            <a:ext cx="596564" cy="307777"/>
-          </a:xfrm>
-          <a:prstGeom prst="rect">
-            <a:avLst/>
-          </a:prstGeom>
-          <a:noFill/>
-        </p:spPr>
-        <p:txBody>
-          <a:bodyPr wrap="square" rtlCol="0">
-            <a:spAutoFit/>
-          </a:bodyPr>
-          <a:lstStyle/>
-          <a:p>
-            <a:r>
-              <a:rPr lang="de-CH" sz="1400" b="1" dirty="0">
-                <a:latin typeface="Arial" panose="020B0604020202020204" pitchFamily="34" charset="0"/>
-                <a:cs typeface="Arial" panose="020B0604020202020204" pitchFamily="34" charset="0"/>
-              </a:rPr>
-              <a:t>IMG</a:t>
-            </a:r>
-          </a:p>
-        </p:txBody>
-      </p:sp>
-      <p:sp>
-        <p:nvSpPr>
-          <p:cNvPr id="54" name="Rechteck 53">
-            <a:extLst>
-              <a:ext uri="{FF2B5EF4-FFF2-40B4-BE49-F238E27FC236}">
-                <a16:creationId xmlns:a16="http://schemas.microsoft.com/office/drawing/2014/main" id="{C16576DF-8F0E-2DF7-AE60-3798B5185793}"/>
-              </a:ext>
-            </a:extLst>
-          </p:cNvPr>
-          <p:cNvSpPr/>
-          <p:nvPr/>
-        </p:nvSpPr>
-        <p:spPr>
-          <a:xfrm>
-            <a:off x="8933834" y="5588288"/>
-            <a:ext cx="1889187" cy="396755"/>
-          </a:xfrm>
-          <a:prstGeom prst="rect">
-            <a:avLst/>
-          </a:prstGeom>
-          <a:solidFill>
-            <a:schemeClr val="bg1"/>
-          </a:solidFill>
-          <a:ln>
-            <a:solidFill>
-              <a:schemeClr val="tx1"/>
-            </a:solidFill>
-          </a:ln>
-        </p:spPr>
-        <p:style>
-          <a:lnRef idx="2">
-            <a:schemeClr val="accent1">
-              <a:shade val="50000"/>
-            </a:schemeClr>
-          </a:lnRef>
-          <a:fillRef idx="1">
-            <a:schemeClr val="accent1"/>
-          </a:fillRef>
-          <a:effectRef idx="0">
-            <a:schemeClr val="accent1"/>
-          </a:effectRef>
-          <a:fontRef idx="minor">
-            <a:schemeClr val="lt1"/>
-          </a:fontRef>
-        </p:style>
-        <p:txBody>
-          <a:bodyPr rtlCol="0" anchor="ctr"/>
-          <a:lstStyle/>
-          <a:p>
-            <a:r>
-              <a:rPr lang="de-CH" sz="1200" i="1" dirty="0">
-                <a:solidFill>
-                  <a:schemeClr val="tx1"/>
-                </a:solidFill>
-                <a:latin typeface="Arial" panose="020B0604020202020204" pitchFamily="34" charset="0"/>
-                <a:cs typeface="Arial" panose="020B0604020202020204" pitchFamily="34" charset="0"/>
-              </a:rPr>
-              <a:t>Pfad zeigen nach Upload</a:t>
-            </a:r>
-          </a:p>
-        </p:txBody>
-      </p:sp>
-      <p:sp>
-        <p:nvSpPr>
-          <p:cNvPr id="55" name="Rechteck 54">
-            <a:extLst>
-              <a:ext uri="{FF2B5EF4-FFF2-40B4-BE49-F238E27FC236}">
-                <a16:creationId xmlns:a16="http://schemas.microsoft.com/office/drawing/2014/main" id="{3A1EE1E6-38F0-A099-BBF2-F7646671CD29}"/>
-              </a:ext>
-            </a:extLst>
-          </p:cNvPr>
-          <p:cNvSpPr/>
-          <p:nvPr/>
-        </p:nvSpPr>
-        <p:spPr>
-          <a:xfrm>
-            <a:off x="10897363" y="5592980"/>
-            <a:ext cx="735983" cy="384414"/>
-          </a:xfrm>
-          <a:prstGeom prst="rect">
-            <a:avLst/>
-          </a:prstGeom>
-          <a:noFill/>
-          <a:ln>
-            <a:solidFill>
-              <a:schemeClr val="tx1"/>
-            </a:solidFill>
-          </a:ln>
-        </p:spPr>
-        <p:style>
-          <a:lnRef idx="2">
-            <a:schemeClr val="accent1">
-              <a:shade val="50000"/>
-            </a:schemeClr>
-          </a:lnRef>
-          <a:fillRef idx="1">
-            <a:schemeClr val="accent1"/>
-          </a:fillRef>
-          <a:effectRef idx="0">
-            <a:schemeClr val="accent1"/>
-          </a:effectRef>
-          <a:fontRef idx="minor">
-            <a:schemeClr val="lt1"/>
-          </a:fontRef>
-        </p:style>
-        <p:txBody>
-          <a:bodyPr rtlCol="0" anchor="ctr"/>
-          <a:lstStyle/>
-          <a:p>
-            <a:pPr algn="ctr"/>
-            <a:r>
-              <a:rPr lang="de-CH" sz="1200" dirty="0">
-                <a:solidFill>
-                  <a:schemeClr val="tx1"/>
-                </a:solidFill>
-                <a:latin typeface="Arial" panose="020B0604020202020204" pitchFamily="34" charset="0"/>
-                <a:cs typeface="Arial" panose="020B0604020202020204" pitchFamily="34" charset="0"/>
-              </a:rPr>
-              <a:t>Upload</a:t>
-            </a:r>
-          </a:p>
-        </p:txBody>
-      </p:sp>
-      <p:sp>
-        <p:nvSpPr>
-          <p:cNvPr id="58" name="Rechteck 57">
-            <a:extLst>
-              <a:ext uri="{FF2B5EF4-FFF2-40B4-BE49-F238E27FC236}">
-                <a16:creationId xmlns:a16="http://schemas.microsoft.com/office/drawing/2014/main" id="{E2050D06-B769-25D4-4372-7EAF443FA835}"/>
-              </a:ext>
-            </a:extLst>
-          </p:cNvPr>
-          <p:cNvSpPr/>
-          <p:nvPr/>
-        </p:nvSpPr>
-        <p:spPr>
-          <a:xfrm>
-            <a:off x="8408299" y="5224953"/>
-            <a:ext cx="3166949" cy="335748"/>
-          </a:xfrm>
-          <a:prstGeom prst="rect">
-            <a:avLst/>
-          </a:prstGeom>
-          <a:noFill/>
-          <a:ln>
-            <a:solidFill>
-              <a:schemeClr val="tx1"/>
-            </a:solidFill>
-          </a:ln>
-        </p:spPr>
-        <p:style>
-          <a:lnRef idx="2">
-            <a:schemeClr val="accent1">
-              <a:shade val="50000"/>
-            </a:schemeClr>
-          </a:lnRef>
-          <a:fillRef idx="1">
-            <a:schemeClr val="accent1"/>
-          </a:fillRef>
-          <a:effectRef idx="0">
-            <a:schemeClr val="accent1"/>
-          </a:effectRef>
-          <a:fontRef idx="minor">
-            <a:schemeClr val="lt1"/>
-          </a:fontRef>
-        </p:style>
-        <p:txBody>
-          <a:bodyPr rtlCol="0" anchor="ctr"/>
-          <a:lstStyle/>
-          <a:p>
-            <a:pPr algn="ctr"/>
-            <a:r>
-              <a:rPr lang="de-CH" sz="1200" dirty="0">
-                <a:solidFill>
-                  <a:schemeClr val="tx1"/>
-                </a:solidFill>
-                <a:latin typeface="Arial" panose="020B0604020202020204" pitchFamily="34" charset="0"/>
-                <a:cs typeface="Arial" panose="020B0604020202020204" pitchFamily="34" charset="0"/>
-              </a:rPr>
-              <a:t>Code verlangen</a:t>
-            </a:r>
-          </a:p>
-        </p:txBody>
-      </p:sp>
-      <p:sp>
-        <p:nvSpPr>
-          <p:cNvPr id="1041" name="Textfeld 1040">
-            <a:extLst>
-              <a:ext uri="{FF2B5EF4-FFF2-40B4-BE49-F238E27FC236}">
-                <a16:creationId xmlns:a16="http://schemas.microsoft.com/office/drawing/2014/main" id="{342B4F2D-112F-6145-DE5D-6E84C06AF9C1}"/>
-              </a:ext>
-            </a:extLst>
-          </p:cNvPr>
-          <p:cNvSpPr txBox="1"/>
-          <p:nvPr/>
-        </p:nvSpPr>
-        <p:spPr>
-          <a:xfrm>
-            <a:off x="281023" y="105770"/>
-            <a:ext cx="1085233" cy="307777"/>
-          </a:xfrm>
-          <a:prstGeom prst="rect">
-            <a:avLst/>
-          </a:prstGeom>
-          <a:noFill/>
-        </p:spPr>
-        <p:txBody>
-          <a:bodyPr wrap="square" rtlCol="0">
-            <a:spAutoFit/>
-          </a:bodyPr>
-          <a:lstStyle/>
-          <a:p>
-            <a:r>
-              <a:rPr lang="de-CH" sz="1400" b="1" dirty="0">
-                <a:latin typeface="Arial" panose="020B0604020202020204" pitchFamily="34" charset="0"/>
-                <a:cs typeface="Arial" panose="020B0604020202020204" pitchFamily="34" charset="0"/>
-              </a:rPr>
-              <a:t>Zeichnen</a:t>
-            </a:r>
-          </a:p>
-        </p:txBody>
-      </p:sp>
-      <p:sp>
-        <p:nvSpPr>
-          <p:cNvPr id="1042" name="Textfeld 1041">
-            <a:extLst>
-              <a:ext uri="{FF2B5EF4-FFF2-40B4-BE49-F238E27FC236}">
-                <a16:creationId xmlns:a16="http://schemas.microsoft.com/office/drawing/2014/main" id="{136A48F8-DA25-759F-5881-4AB6213342E0}"/>
-              </a:ext>
-            </a:extLst>
-          </p:cNvPr>
-          <p:cNvSpPr txBox="1"/>
-          <p:nvPr/>
-        </p:nvSpPr>
-        <p:spPr>
-          <a:xfrm>
-            <a:off x="1589116" y="59520"/>
-            <a:ext cx="1372560" cy="307777"/>
-          </a:xfrm>
-          <a:prstGeom prst="rect">
-            <a:avLst/>
-          </a:prstGeom>
-          <a:noFill/>
-        </p:spPr>
-        <p:txBody>
-          <a:bodyPr wrap="square" rtlCol="0">
-            <a:spAutoFit/>
-          </a:bodyPr>
-          <a:lstStyle/>
-          <a:p>
-            <a:r>
-              <a:rPr lang="de-CH" sz="1400" b="1" dirty="0">
-                <a:latin typeface="Arial" panose="020B0604020202020204" pitchFamily="34" charset="0"/>
-                <a:cs typeface="Arial" panose="020B0604020202020204" pitchFamily="34" charset="0"/>
-              </a:rPr>
-              <a:t>Kamerabild</a:t>
-            </a:r>
-          </a:p>
-        </p:txBody>
-      </p:sp>
-      <p:sp>
-        <p:nvSpPr>
-          <p:cNvPr id="1043" name="Textfeld 1042">
-            <a:extLst>
-              <a:ext uri="{FF2B5EF4-FFF2-40B4-BE49-F238E27FC236}">
-                <a16:creationId xmlns:a16="http://schemas.microsoft.com/office/drawing/2014/main" id="{E479BF37-F472-A36D-0F8C-F1A5E9591682}"/>
-              </a:ext>
-            </a:extLst>
-          </p:cNvPr>
-          <p:cNvSpPr txBox="1"/>
-          <p:nvPr/>
-        </p:nvSpPr>
-        <p:spPr>
-          <a:xfrm>
-            <a:off x="1155737" y="1364238"/>
-            <a:ext cx="1372560" cy="307777"/>
-          </a:xfrm>
-          <a:prstGeom prst="rect">
-            <a:avLst/>
-          </a:prstGeom>
-          <a:noFill/>
-        </p:spPr>
-        <p:txBody>
-          <a:bodyPr wrap="square" rtlCol="0">
-            <a:spAutoFit/>
-          </a:bodyPr>
-          <a:lstStyle/>
-          <a:p>
-            <a:r>
-              <a:rPr lang="de-CH" sz="1400" b="1" dirty="0">
-                <a:latin typeface="Arial" panose="020B0604020202020204" pitchFamily="34" charset="0"/>
-                <a:cs typeface="Arial" panose="020B0604020202020204" pitchFamily="34" charset="0"/>
-              </a:rPr>
-              <a:t>Selfie</a:t>
-            </a:r>
-          </a:p>
-        </p:txBody>
-      </p:sp>
-      <p:sp>
-        <p:nvSpPr>
-          <p:cNvPr id="1044" name="Textfeld 1043">
-            <a:extLst>
-              <a:ext uri="{FF2B5EF4-FFF2-40B4-BE49-F238E27FC236}">
-                <a16:creationId xmlns:a16="http://schemas.microsoft.com/office/drawing/2014/main" id="{7777148A-7963-2881-0BFF-A8F9D79E0AAD}"/>
-              </a:ext>
-            </a:extLst>
-          </p:cNvPr>
-          <p:cNvSpPr txBox="1"/>
-          <p:nvPr/>
-        </p:nvSpPr>
-        <p:spPr>
-          <a:xfrm>
-            <a:off x="3328948" y="879655"/>
-            <a:ext cx="1372560" cy="307777"/>
-          </a:xfrm>
-          <a:prstGeom prst="rect">
-            <a:avLst/>
-          </a:prstGeom>
-          <a:noFill/>
-        </p:spPr>
-        <p:txBody>
-          <a:bodyPr wrap="square" rtlCol="0">
-            <a:spAutoFit/>
-          </a:bodyPr>
-          <a:lstStyle/>
-          <a:p>
-            <a:r>
-              <a:rPr lang="de-CH" sz="1400" b="1" dirty="0">
-                <a:latin typeface="Arial" panose="020B0604020202020204" pitchFamily="34" charset="0"/>
-                <a:cs typeface="Arial" panose="020B0604020202020204" pitchFamily="34" charset="0"/>
-              </a:rPr>
-              <a:t>Bild aufladen</a:t>
-            </a:r>
-          </a:p>
-        </p:txBody>
-      </p:sp>
-      <p:sp>
-        <p:nvSpPr>
-          <p:cNvPr id="1045" name="Textfeld 1044">
-            <a:extLst>
-              <a:ext uri="{FF2B5EF4-FFF2-40B4-BE49-F238E27FC236}">
-                <a16:creationId xmlns:a16="http://schemas.microsoft.com/office/drawing/2014/main" id="{D55DCDEC-C324-8998-7991-CC762E3E9B59}"/>
-              </a:ext>
-            </a:extLst>
-          </p:cNvPr>
-          <p:cNvSpPr txBox="1"/>
-          <p:nvPr/>
-        </p:nvSpPr>
-        <p:spPr>
-          <a:xfrm>
-            <a:off x="7243773" y="81833"/>
-            <a:ext cx="2008291" cy="307777"/>
-          </a:xfrm>
-          <a:prstGeom prst="rect">
-            <a:avLst/>
-          </a:prstGeom>
-          <a:noFill/>
-        </p:spPr>
-        <p:txBody>
-          <a:bodyPr wrap="square" rtlCol="0">
-            <a:spAutoFit/>
-          </a:bodyPr>
-          <a:lstStyle/>
-          <a:p>
-            <a:r>
-              <a:rPr lang="de-CH" sz="1400" b="1" dirty="0">
-                <a:latin typeface="Arial" panose="020B0604020202020204" pitchFamily="34" charset="0"/>
-                <a:cs typeface="Arial" panose="020B0604020202020204" pitchFamily="34" charset="0"/>
-              </a:rPr>
-              <a:t>Name(n) und E-Mail</a:t>
-            </a:r>
-          </a:p>
-        </p:txBody>
-      </p:sp>
-      <p:sp>
-        <p:nvSpPr>
-          <p:cNvPr id="1046" name="Rechteck 1045">
-            <a:extLst>
-              <a:ext uri="{FF2B5EF4-FFF2-40B4-BE49-F238E27FC236}">
-                <a16:creationId xmlns:a16="http://schemas.microsoft.com/office/drawing/2014/main" id="{B4F41A37-C1D4-9CBF-D68E-A790BC2BF8D9}"/>
-              </a:ext>
-            </a:extLst>
-          </p:cNvPr>
-          <p:cNvSpPr/>
-          <p:nvPr/>
-        </p:nvSpPr>
-        <p:spPr>
-          <a:xfrm>
-            <a:off x="8998804" y="4542655"/>
-            <a:ext cx="2579516" cy="301629"/>
-          </a:xfrm>
-          <a:prstGeom prst="rect">
-            <a:avLst/>
-          </a:prstGeom>
-          <a:solidFill>
-            <a:schemeClr val="bg1"/>
-          </a:solidFill>
-          <a:ln>
-            <a:solidFill>
-              <a:schemeClr val="tx1"/>
-            </a:solidFill>
-          </a:ln>
-        </p:spPr>
-        <p:style>
-          <a:lnRef idx="2">
-            <a:schemeClr val="accent1">
-              <a:shade val="50000"/>
-            </a:schemeClr>
-          </a:lnRef>
-          <a:fillRef idx="1">
-            <a:schemeClr val="accent1"/>
-          </a:fillRef>
-          <a:effectRef idx="0">
-            <a:schemeClr val="accent1"/>
-          </a:effectRef>
-          <a:fontRef idx="minor">
-            <a:schemeClr val="lt1"/>
-          </a:fontRef>
-        </p:style>
-        <p:txBody>
-          <a:bodyPr rtlCol="0" anchor="ctr"/>
-          <a:lstStyle/>
-          <a:p>
-            <a:r>
-              <a:rPr lang="de-CH" sz="1200" i="1" dirty="0">
-                <a:solidFill>
-                  <a:schemeClr val="tx1"/>
-                </a:solidFill>
-                <a:latin typeface="Arial" panose="020B0604020202020204" pitchFamily="34" charset="0"/>
-                <a:cs typeface="Arial" panose="020B0604020202020204" pitchFamily="34" charset="0"/>
-              </a:rPr>
-              <a:t>Name(n) eingeben …</a:t>
-            </a:r>
-          </a:p>
-        </p:txBody>
-      </p:sp>
-      <p:sp>
-        <p:nvSpPr>
-          <p:cNvPr id="1047" name="Textfeld 1046">
-            <a:extLst>
-              <a:ext uri="{FF2B5EF4-FFF2-40B4-BE49-F238E27FC236}">
-                <a16:creationId xmlns:a16="http://schemas.microsoft.com/office/drawing/2014/main" id="{D036505F-B1DE-C618-F4EF-0EAF4A35CFA2}"/>
-              </a:ext>
-            </a:extLst>
-          </p:cNvPr>
-          <p:cNvSpPr txBox="1"/>
-          <p:nvPr/>
-        </p:nvSpPr>
-        <p:spPr>
-          <a:xfrm>
-            <a:off x="8320329" y="4539581"/>
-            <a:ext cx="678475" cy="307777"/>
-          </a:xfrm>
-          <a:prstGeom prst="rect">
-            <a:avLst/>
-          </a:prstGeom>
-          <a:noFill/>
-        </p:spPr>
-        <p:txBody>
-          <a:bodyPr wrap="square" rtlCol="0">
-            <a:spAutoFit/>
-          </a:bodyPr>
-          <a:lstStyle/>
-          <a:p>
-            <a:r>
-              <a:rPr lang="de-CH" sz="1400" b="1" dirty="0">
-                <a:latin typeface="Arial" panose="020B0604020202020204" pitchFamily="34" charset="0"/>
-                <a:cs typeface="Arial" panose="020B0604020202020204" pitchFamily="34" charset="0"/>
-              </a:rPr>
-              <a:t>Name</a:t>
-            </a:r>
-          </a:p>
-        </p:txBody>
-      </p:sp>
-      <p:sp>
-        <p:nvSpPr>
-          <p:cNvPr id="1048" name="Rechteck 1047">
-            <a:extLst>
-              <a:ext uri="{FF2B5EF4-FFF2-40B4-BE49-F238E27FC236}">
-                <a16:creationId xmlns:a16="http://schemas.microsoft.com/office/drawing/2014/main" id="{DC9CF81C-2DB1-DC60-B999-AF5428AA443B}"/>
-              </a:ext>
-            </a:extLst>
-          </p:cNvPr>
-          <p:cNvSpPr/>
-          <p:nvPr/>
-        </p:nvSpPr>
-        <p:spPr>
-          <a:xfrm>
-            <a:off x="8999398" y="4899494"/>
-            <a:ext cx="2579516" cy="301629"/>
-          </a:xfrm>
-          <a:prstGeom prst="rect">
-            <a:avLst/>
-          </a:prstGeom>
-          <a:solidFill>
-            <a:schemeClr val="bg1"/>
-          </a:solidFill>
-          <a:ln>
-            <a:solidFill>
-              <a:schemeClr val="tx1"/>
-            </a:solidFill>
-          </a:ln>
-        </p:spPr>
-        <p:style>
-          <a:lnRef idx="2">
-            <a:schemeClr val="accent1">
-              <a:shade val="50000"/>
-            </a:schemeClr>
-          </a:lnRef>
-          <a:fillRef idx="1">
-            <a:schemeClr val="accent1"/>
-          </a:fillRef>
-          <a:effectRef idx="0">
-            <a:schemeClr val="accent1"/>
-          </a:effectRef>
-          <a:fontRef idx="minor">
-            <a:schemeClr val="lt1"/>
-          </a:fontRef>
-        </p:style>
-        <p:txBody>
-          <a:bodyPr rtlCol="0" anchor="ctr"/>
-          <a:lstStyle/>
-          <a:p>
-            <a:r>
-              <a:rPr lang="de-CH" sz="1200" i="1" dirty="0">
-                <a:solidFill>
-                  <a:schemeClr val="tx1"/>
-                </a:solidFill>
-                <a:latin typeface="Arial" panose="020B0604020202020204" pitchFamily="34" charset="0"/>
-                <a:cs typeface="Arial" panose="020B0604020202020204" pitchFamily="34" charset="0"/>
-              </a:rPr>
-              <a:t>E-Mail Adresse eingeben …</a:t>
-            </a:r>
-          </a:p>
-        </p:txBody>
-      </p:sp>
-      <p:sp>
-        <p:nvSpPr>
-          <p:cNvPr id="1049" name="Textfeld 1048">
-            <a:extLst>
-              <a:ext uri="{FF2B5EF4-FFF2-40B4-BE49-F238E27FC236}">
-                <a16:creationId xmlns:a16="http://schemas.microsoft.com/office/drawing/2014/main" id="{97EFF8C7-D268-B914-7A54-E76C647A627A}"/>
-              </a:ext>
-            </a:extLst>
-          </p:cNvPr>
-          <p:cNvSpPr txBox="1"/>
-          <p:nvPr/>
-        </p:nvSpPr>
-        <p:spPr>
-          <a:xfrm>
-            <a:off x="8320923" y="4896420"/>
-            <a:ext cx="789260" cy="307777"/>
-          </a:xfrm>
-          <a:prstGeom prst="rect">
-            <a:avLst/>
-          </a:prstGeom>
-          <a:noFill/>
-        </p:spPr>
-        <p:txBody>
-          <a:bodyPr wrap="square" rtlCol="0">
-            <a:spAutoFit/>
-          </a:bodyPr>
-          <a:lstStyle/>
-          <a:p>
-            <a:r>
-              <a:rPr lang="de-CH" sz="1400" b="1" dirty="0">
-                <a:latin typeface="Arial" panose="020B0604020202020204" pitchFamily="34" charset="0"/>
-                <a:cs typeface="Arial" panose="020B0604020202020204" pitchFamily="34" charset="0"/>
-              </a:rPr>
-              <a:t>E-Mail</a:t>
-            </a:r>
-          </a:p>
-        </p:txBody>
-      </p:sp>
-      <p:sp>
-        <p:nvSpPr>
-          <p:cNvPr id="1050" name="Textfeld 1049">
-            <a:extLst>
-              <a:ext uri="{FF2B5EF4-FFF2-40B4-BE49-F238E27FC236}">
-                <a16:creationId xmlns:a16="http://schemas.microsoft.com/office/drawing/2014/main" id="{A8CB4338-DD3E-4983-B3E5-B8F18005E55F}"/>
-              </a:ext>
-            </a:extLst>
-          </p:cNvPr>
-          <p:cNvSpPr txBox="1"/>
-          <p:nvPr/>
-        </p:nvSpPr>
-        <p:spPr>
-          <a:xfrm>
-            <a:off x="10289700" y="1094638"/>
-            <a:ext cx="2008291" cy="307777"/>
-          </a:xfrm>
-          <a:prstGeom prst="rect">
-            <a:avLst/>
-          </a:prstGeom>
-          <a:noFill/>
-        </p:spPr>
-        <p:txBody>
-          <a:bodyPr wrap="square" rtlCol="0">
-            <a:spAutoFit/>
-          </a:bodyPr>
-          <a:lstStyle/>
-          <a:p>
-            <a:r>
-              <a:rPr lang="de-CH" sz="1400" b="1" dirty="0">
-                <a:latin typeface="Arial" panose="020B0604020202020204" pitchFamily="34" charset="0"/>
-                <a:cs typeface="Arial" panose="020B0604020202020204" pitchFamily="34" charset="0"/>
-              </a:rPr>
-              <a:t>E-Mail öffnen</a:t>
-            </a:r>
-          </a:p>
-        </p:txBody>
-      </p:sp>
-      <p:sp>
-        <p:nvSpPr>
-          <p:cNvPr id="1051" name="Textfeld 1050">
-            <a:extLst>
-              <a:ext uri="{FF2B5EF4-FFF2-40B4-BE49-F238E27FC236}">
-                <a16:creationId xmlns:a16="http://schemas.microsoft.com/office/drawing/2014/main" id="{8C183003-EB90-73E1-6B66-5FFC04FCC86C}"/>
-              </a:ext>
-            </a:extLst>
-          </p:cNvPr>
-          <p:cNvSpPr txBox="1"/>
-          <p:nvPr/>
-        </p:nvSpPr>
-        <p:spPr>
-          <a:xfrm>
-            <a:off x="495489" y="3408274"/>
-            <a:ext cx="3007203" cy="307777"/>
-          </a:xfrm>
-          <a:prstGeom prst="rect">
-            <a:avLst/>
-          </a:prstGeom>
-          <a:noFill/>
-        </p:spPr>
-        <p:txBody>
-          <a:bodyPr wrap="square" rtlCol="0">
-            <a:spAutoFit/>
-          </a:bodyPr>
-          <a:lstStyle/>
-          <a:p>
-            <a:r>
-              <a:rPr lang="de-CH" sz="1400" b="1" dirty="0">
-                <a:latin typeface="Arial" panose="020B0604020202020204" pitchFamily="34" charset="0"/>
-                <a:cs typeface="Arial" panose="020B0604020202020204" pitchFamily="34" charset="0"/>
-              </a:rPr>
-              <a:t>Code verlangen und eingeben</a:t>
-            </a:r>
-          </a:p>
-        </p:txBody>
-      </p:sp>
-      <p:sp>
-        <p:nvSpPr>
-          <p:cNvPr id="1052" name="Textfeld 1051">
-            <a:extLst>
-              <a:ext uri="{FF2B5EF4-FFF2-40B4-BE49-F238E27FC236}">
-                <a16:creationId xmlns:a16="http://schemas.microsoft.com/office/drawing/2014/main" id="{67AADC91-BC37-B0D5-CBC4-A9AE20679774}"/>
-              </a:ext>
-            </a:extLst>
-          </p:cNvPr>
-          <p:cNvSpPr txBox="1"/>
-          <p:nvPr/>
-        </p:nvSpPr>
-        <p:spPr>
-          <a:xfrm>
-            <a:off x="4856728" y="3406302"/>
-            <a:ext cx="1890912" cy="307777"/>
-          </a:xfrm>
-          <a:prstGeom prst="rect">
-            <a:avLst/>
-          </a:prstGeom>
-          <a:noFill/>
-        </p:spPr>
-        <p:txBody>
-          <a:bodyPr wrap="square" rtlCol="0">
-            <a:spAutoFit/>
-          </a:bodyPr>
-          <a:lstStyle/>
-          <a:p>
-            <a:r>
-              <a:rPr lang="de-CH" sz="1400" b="1" dirty="0">
-                <a:latin typeface="Arial" panose="020B0604020202020204" pitchFamily="34" charset="0"/>
-                <a:cs typeface="Arial" panose="020B0604020202020204" pitchFamily="34" charset="0"/>
-              </a:rPr>
-              <a:t>Code eingeben</a:t>
-            </a:r>
-          </a:p>
-        </p:txBody>
-      </p:sp>
-      <p:sp>
-        <p:nvSpPr>
-          <p:cNvPr id="1053" name="Textfeld 1052">
-            <a:extLst>
-              <a:ext uri="{FF2B5EF4-FFF2-40B4-BE49-F238E27FC236}">
-                <a16:creationId xmlns:a16="http://schemas.microsoft.com/office/drawing/2014/main" id="{80F29475-5C4C-4339-98C2-5688E53E1DF0}"/>
-              </a:ext>
-            </a:extLst>
-          </p:cNvPr>
-          <p:cNvSpPr txBox="1"/>
-          <p:nvPr/>
-        </p:nvSpPr>
-        <p:spPr>
-          <a:xfrm>
-            <a:off x="8409600" y="3078878"/>
-            <a:ext cx="3118577" cy="307777"/>
-          </a:xfrm>
-          <a:prstGeom prst="rect">
-            <a:avLst/>
-          </a:prstGeom>
-          <a:noFill/>
-        </p:spPr>
-        <p:txBody>
-          <a:bodyPr wrap="square" rtlCol="0">
-            <a:spAutoFit/>
-          </a:bodyPr>
-          <a:lstStyle/>
-          <a:p>
-            <a:r>
-              <a:rPr lang="de-CH" sz="1400" b="1" dirty="0">
-                <a:latin typeface="Arial" panose="020B0604020202020204" pitchFamily="34" charset="0"/>
-                <a:cs typeface="Arial" panose="020B0604020202020204" pitchFamily="34" charset="0"/>
-              </a:rPr>
-              <a:t>Bild aufladen</a:t>
-            </a:r>
-          </a:p>
-        </p:txBody>
-      </p:sp>
-      <p:sp>
-        <p:nvSpPr>
-          <p:cNvPr id="1054" name="Textfeld 1053">
-            <a:extLst>
-              <a:ext uri="{FF2B5EF4-FFF2-40B4-BE49-F238E27FC236}">
-                <a16:creationId xmlns:a16="http://schemas.microsoft.com/office/drawing/2014/main" id="{0586D12B-F391-32A7-07CA-D2CC7BBAA08A}"/>
-              </a:ext>
-            </a:extLst>
-          </p:cNvPr>
-          <p:cNvSpPr txBox="1"/>
-          <p:nvPr/>
-        </p:nvSpPr>
-        <p:spPr>
-          <a:xfrm>
-            <a:off x="1285943" y="2284898"/>
-            <a:ext cx="556074" cy="646331"/>
-          </a:xfrm>
-          <a:prstGeom prst="rect">
-            <a:avLst/>
-          </a:prstGeom>
-          <a:noFill/>
-        </p:spPr>
-        <p:txBody>
-          <a:bodyPr wrap="square" rtlCol="0">
-            <a:spAutoFit/>
-          </a:bodyPr>
-          <a:lstStyle/>
-          <a:p>
-            <a:r>
-              <a:rPr lang="de-CH" sz="3600" b="1" dirty="0">
-                <a:latin typeface="Arial" panose="020B0604020202020204" pitchFamily="34" charset="0"/>
-                <a:cs typeface="Arial" panose="020B0604020202020204" pitchFamily="34" charset="0"/>
-              </a:rPr>
-              <a:t>1</a:t>
-            </a:r>
-          </a:p>
-        </p:txBody>
-      </p:sp>
-      <p:sp>
-        <p:nvSpPr>
-          <p:cNvPr id="1055" name="Textfeld 1054">
-            <a:extLst>
-              <a:ext uri="{FF2B5EF4-FFF2-40B4-BE49-F238E27FC236}">
-                <a16:creationId xmlns:a16="http://schemas.microsoft.com/office/drawing/2014/main" id="{3AAF4792-6D56-4D3E-64B2-B385E3827B88}"/>
-              </a:ext>
-            </a:extLst>
-          </p:cNvPr>
-          <p:cNvSpPr txBox="1"/>
-          <p:nvPr/>
-        </p:nvSpPr>
-        <p:spPr>
-          <a:xfrm>
-            <a:off x="4422306" y="2291712"/>
-            <a:ext cx="711294" cy="646331"/>
-          </a:xfrm>
-          <a:prstGeom prst="rect">
-            <a:avLst/>
-          </a:prstGeom>
-          <a:noFill/>
-        </p:spPr>
-        <p:txBody>
-          <a:bodyPr wrap="square" rtlCol="0">
-            <a:spAutoFit/>
-          </a:bodyPr>
-          <a:lstStyle/>
-          <a:p>
-            <a:r>
-              <a:rPr lang="de-CH" sz="3600" b="1" dirty="0">
-                <a:latin typeface="Arial" panose="020B0604020202020204" pitchFamily="34" charset="0"/>
-                <a:cs typeface="Arial" panose="020B0604020202020204" pitchFamily="34" charset="0"/>
-              </a:rPr>
-              <a:t>2</a:t>
-            </a:r>
-          </a:p>
-        </p:txBody>
-      </p:sp>
-      <p:sp>
-        <p:nvSpPr>
-          <p:cNvPr id="1056" name="Textfeld 1055">
-            <a:extLst>
-              <a:ext uri="{FF2B5EF4-FFF2-40B4-BE49-F238E27FC236}">
-                <a16:creationId xmlns:a16="http://schemas.microsoft.com/office/drawing/2014/main" id="{13C50AF9-1114-FA7B-B9E2-551BF6A08388}"/>
-              </a:ext>
-            </a:extLst>
-          </p:cNvPr>
-          <p:cNvSpPr txBox="1"/>
-          <p:nvPr/>
-        </p:nvSpPr>
-        <p:spPr>
-          <a:xfrm>
-            <a:off x="7916693" y="2291712"/>
-            <a:ext cx="556074" cy="646331"/>
-          </a:xfrm>
-          <a:prstGeom prst="rect">
-            <a:avLst/>
-          </a:prstGeom>
-          <a:noFill/>
-        </p:spPr>
-        <p:txBody>
-          <a:bodyPr wrap="square" rtlCol="0">
-            <a:spAutoFit/>
-          </a:bodyPr>
-          <a:lstStyle/>
-          <a:p>
-            <a:r>
-              <a:rPr lang="de-CH" sz="3600" b="1" dirty="0">
-                <a:latin typeface="Arial" panose="020B0604020202020204" pitchFamily="34" charset="0"/>
-                <a:cs typeface="Arial" panose="020B0604020202020204" pitchFamily="34" charset="0"/>
-              </a:rPr>
-              <a:t>3</a:t>
-            </a:r>
-          </a:p>
-        </p:txBody>
-      </p:sp>
-      <p:sp>
-        <p:nvSpPr>
-          <p:cNvPr id="1057" name="Textfeld 1056">
-            <a:extLst>
-              <a:ext uri="{FF2B5EF4-FFF2-40B4-BE49-F238E27FC236}">
-                <a16:creationId xmlns:a16="http://schemas.microsoft.com/office/drawing/2014/main" id="{04949F1F-7261-D132-683D-AA08F2653D31}"/>
-              </a:ext>
-            </a:extLst>
-          </p:cNvPr>
-          <p:cNvSpPr txBox="1"/>
-          <p:nvPr/>
-        </p:nvSpPr>
-        <p:spPr>
-          <a:xfrm>
-            <a:off x="10664274" y="2247997"/>
-            <a:ext cx="556074" cy="646331"/>
-          </a:xfrm>
-          <a:prstGeom prst="rect">
-            <a:avLst/>
-          </a:prstGeom>
-          <a:noFill/>
-        </p:spPr>
-        <p:txBody>
-          <a:bodyPr wrap="square" rtlCol="0">
-            <a:spAutoFit/>
-          </a:bodyPr>
-          <a:lstStyle/>
-          <a:p>
-            <a:r>
-              <a:rPr lang="de-CH" sz="3600" b="1" dirty="0">
-                <a:latin typeface="Arial" panose="020B0604020202020204" pitchFamily="34" charset="0"/>
-                <a:cs typeface="Arial" panose="020B0604020202020204" pitchFamily="34" charset="0"/>
-              </a:rPr>
-              <a:t>4</a:t>
-            </a:r>
-          </a:p>
-        </p:txBody>
-      </p:sp>
-      <p:sp>
-        <p:nvSpPr>
-          <p:cNvPr id="1058" name="Textfeld 1057">
-            <a:extLst>
-              <a:ext uri="{FF2B5EF4-FFF2-40B4-BE49-F238E27FC236}">
-                <a16:creationId xmlns:a16="http://schemas.microsoft.com/office/drawing/2014/main" id="{86B8B3DE-360C-A0EC-0200-7C2C9398A04F}"/>
-              </a:ext>
-            </a:extLst>
-          </p:cNvPr>
-          <p:cNvSpPr txBox="1"/>
-          <p:nvPr/>
-        </p:nvSpPr>
-        <p:spPr>
-          <a:xfrm>
-            <a:off x="1388434" y="6111572"/>
-            <a:ext cx="556074" cy="646331"/>
-          </a:xfrm>
-          <a:prstGeom prst="rect">
-            <a:avLst/>
-          </a:prstGeom>
-          <a:noFill/>
-        </p:spPr>
-        <p:txBody>
-          <a:bodyPr wrap="square" rtlCol="0">
-            <a:spAutoFit/>
-          </a:bodyPr>
-          <a:lstStyle/>
-          <a:p>
-            <a:r>
-              <a:rPr lang="de-CH" sz="3600" b="1" dirty="0">
-                <a:latin typeface="Arial" panose="020B0604020202020204" pitchFamily="34" charset="0"/>
-                <a:cs typeface="Arial" panose="020B0604020202020204" pitchFamily="34" charset="0"/>
-              </a:rPr>
-              <a:t>5</a:t>
-            </a:r>
-          </a:p>
-        </p:txBody>
-      </p:sp>
-      <p:sp>
-        <p:nvSpPr>
-          <p:cNvPr id="1059" name="Textfeld 1058">
-            <a:extLst>
-              <a:ext uri="{FF2B5EF4-FFF2-40B4-BE49-F238E27FC236}">
-                <a16:creationId xmlns:a16="http://schemas.microsoft.com/office/drawing/2014/main" id="{377AABCD-C62C-A086-C376-59EF42127685}"/>
-              </a:ext>
-            </a:extLst>
-          </p:cNvPr>
-          <p:cNvSpPr txBox="1"/>
-          <p:nvPr/>
-        </p:nvSpPr>
-        <p:spPr>
-          <a:xfrm>
-            <a:off x="5261048" y="6215797"/>
-            <a:ext cx="556074" cy="646331"/>
-          </a:xfrm>
-          <a:prstGeom prst="rect">
-            <a:avLst/>
-          </a:prstGeom>
-          <a:noFill/>
-        </p:spPr>
-        <p:txBody>
-          <a:bodyPr wrap="square" rtlCol="0">
-            <a:spAutoFit/>
-          </a:bodyPr>
-          <a:lstStyle/>
-          <a:p>
-            <a:r>
-              <a:rPr lang="de-CH" sz="3600" b="1" dirty="0">
-                <a:latin typeface="Arial" panose="020B0604020202020204" pitchFamily="34" charset="0"/>
-                <a:cs typeface="Arial" panose="020B0604020202020204" pitchFamily="34" charset="0"/>
-              </a:rPr>
-              <a:t>6</a:t>
-            </a:r>
-          </a:p>
-        </p:txBody>
-      </p:sp>
-      <p:sp>
-        <p:nvSpPr>
-          <p:cNvPr id="1060" name="Textfeld 1059">
-            <a:extLst>
-              <a:ext uri="{FF2B5EF4-FFF2-40B4-BE49-F238E27FC236}">
-                <a16:creationId xmlns:a16="http://schemas.microsoft.com/office/drawing/2014/main" id="{CB782207-C6EE-9E47-EDE2-B4B3E59A1316}"/>
-              </a:ext>
-            </a:extLst>
-          </p:cNvPr>
-          <p:cNvSpPr txBox="1"/>
-          <p:nvPr/>
-        </p:nvSpPr>
-        <p:spPr>
-          <a:xfrm>
-            <a:off x="9749014" y="6211669"/>
-            <a:ext cx="556074" cy="646331"/>
-          </a:xfrm>
-          <a:prstGeom prst="rect">
-            <a:avLst/>
-          </a:prstGeom>
-          <a:noFill/>
-        </p:spPr>
-        <p:txBody>
-          <a:bodyPr wrap="square" rtlCol="0">
-            <a:spAutoFit/>
-          </a:bodyPr>
-          <a:lstStyle/>
-          <a:p>
-            <a:r>
-              <a:rPr lang="de-CH" sz="3600" b="1" dirty="0">
-                <a:latin typeface="Arial" panose="020B0604020202020204" pitchFamily="34" charset="0"/>
-                <a:cs typeface="Arial" panose="020B0604020202020204" pitchFamily="34" charset="0"/>
-              </a:rPr>
-              <a:t>7</a:t>
-            </a:r>
-          </a:p>
-        </p:txBody>
-      </p:sp>
     </p:spTree>
     <p:extLst>
       <p:ext uri="{BB962C8B-B14F-4D97-AF65-F5344CB8AC3E}">
-        <p14:creationId xmlns:p14="http://schemas.microsoft.com/office/powerpoint/2010/main" val="477222488"/>
+        <p14:creationId xmlns:p14="http://schemas.microsoft.com/office/powerpoint/2010/main" val="2669447151"/>
       </p:ext>
     </p:extLst>
   </p:cSld>
@@ -7326,12 +4190,183 @@
           <a:chExt cx="0" cy="0"/>
         </a:xfrm>
       </p:grpSpPr>
-      <p:sp>
-        <p:nvSpPr>
-          <p:cNvPr id="37" name="Rechteck 36">
-            <a:extLst>
-              <a:ext uri="{FF2B5EF4-FFF2-40B4-BE49-F238E27FC236}">
-                <a16:creationId xmlns:a16="http://schemas.microsoft.com/office/drawing/2014/main" id="{66159739-0224-8070-249D-799960436EA0}"/>
+      <p:pic>
+        <p:nvPicPr>
+          <p:cNvPr id="1026" name="Picture 2" descr="Drawing - Free art icons">
+            <a:extLst>
+              <a:ext uri="{FF2B5EF4-FFF2-40B4-BE49-F238E27FC236}">
+                <a16:creationId xmlns:a16="http://schemas.microsoft.com/office/drawing/2014/main" id="{A0C9D1DB-3B58-B2EA-6328-96AC5357D2F0}"/>
+              </a:ext>
+            </a:extLst>
+          </p:cNvPr>
+          <p:cNvPicPr>
+            <a:picLocks noChangeAspect="1" noChangeArrowheads="1"/>
+          </p:cNvPicPr>
+          <p:nvPr/>
+        </p:nvPicPr>
+        <p:blipFill>
+          <a:blip r:embed="rId2">
+            <a:extLst>
+              <a:ext uri="{28A0092B-C50C-407E-A947-70E740481C1C}">
+                <a14:useLocalDpi xmlns:a14="http://schemas.microsoft.com/office/drawing/2010/main" val="0"/>
+              </a:ext>
+            </a:extLst>
+          </a:blip>
+          <a:srcRect/>
+          <a:stretch>
+            <a:fillRect/>
+          </a:stretch>
+        </p:blipFill>
+        <p:spPr bwMode="auto">
+          <a:xfrm>
+            <a:off x="440576" y="425666"/>
+            <a:ext cx="766129" cy="766129"/>
+          </a:xfrm>
+          <a:prstGeom prst="rect">
+            <a:avLst/>
+          </a:prstGeom>
+          <a:noFill/>
+          <a:extLst>
+            <a:ext uri="{909E8E84-426E-40DD-AFC4-6F175D3DCCD1}">
+              <a14:hiddenFill xmlns:a14="http://schemas.microsoft.com/office/drawing/2010/main">
+                <a:solidFill>
+                  <a:srgbClr val="FFFFFF"/>
+                </a:solidFill>
+              </a14:hiddenFill>
+            </a:ext>
+          </a:extLst>
+        </p:spPr>
+      </p:pic>
+      <p:pic>
+        <p:nvPicPr>
+          <p:cNvPr id="1028" name="Picture 4" descr="Couple, friend, happy, mobile, selfie, take, taking icon - Download on  Iconfinder">
+            <a:extLst>
+              <a:ext uri="{FF2B5EF4-FFF2-40B4-BE49-F238E27FC236}">
+                <a16:creationId xmlns:a16="http://schemas.microsoft.com/office/drawing/2014/main" id="{DAC1540E-A133-0888-79A5-D2C20FAE2713}"/>
+              </a:ext>
+            </a:extLst>
+          </p:cNvPr>
+          <p:cNvPicPr>
+            <a:picLocks noChangeAspect="1" noChangeArrowheads="1"/>
+          </p:cNvPicPr>
+          <p:nvPr/>
+        </p:nvPicPr>
+        <p:blipFill>
+          <a:blip r:embed="rId3">
+            <a:extLst>
+              <a:ext uri="{28A0092B-C50C-407E-A947-70E740481C1C}">
+                <a14:useLocalDpi xmlns:a14="http://schemas.microsoft.com/office/drawing/2010/main" val="0"/>
+              </a:ext>
+            </a:extLst>
+          </a:blip>
+          <a:srcRect/>
+          <a:stretch>
+            <a:fillRect/>
+          </a:stretch>
+        </p:blipFill>
+        <p:spPr bwMode="auto">
+          <a:xfrm>
+            <a:off x="683029" y="1145665"/>
+            <a:ext cx="1812174" cy="1812174"/>
+          </a:xfrm>
+          <a:prstGeom prst="rect">
+            <a:avLst/>
+          </a:prstGeom>
+          <a:noFill/>
+          <a:extLst>
+            <a:ext uri="{909E8E84-426E-40DD-AFC4-6F175D3DCCD1}">
+              <a14:hiddenFill xmlns:a14="http://schemas.microsoft.com/office/drawing/2010/main">
+                <a:solidFill>
+                  <a:srgbClr val="FFFFFF"/>
+                </a:solidFill>
+              </a14:hiddenFill>
+            </a:ext>
+          </a:extLst>
+        </p:spPr>
+      </p:pic>
+      <p:pic>
+        <p:nvPicPr>
+          <p:cNvPr id="1030" name="Picture 6" descr="Mobile Device Tips: How to Scan Documents with a Smartphone">
+            <a:extLst>
+              <a:ext uri="{FF2B5EF4-FFF2-40B4-BE49-F238E27FC236}">
+                <a16:creationId xmlns:a16="http://schemas.microsoft.com/office/drawing/2014/main" id="{BFDC550D-18AC-8BA9-7F98-B51B2F429BF4}"/>
+              </a:ext>
+            </a:extLst>
+          </p:cNvPr>
+          <p:cNvPicPr>
+            <a:picLocks noChangeAspect="1" noChangeArrowheads="1"/>
+          </p:cNvPicPr>
+          <p:nvPr/>
+        </p:nvPicPr>
+        <p:blipFill>
+          <a:blip r:embed="rId4">
+            <a:extLst>
+              <a:ext uri="{28A0092B-C50C-407E-A947-70E740481C1C}">
+                <a14:useLocalDpi xmlns:a14="http://schemas.microsoft.com/office/drawing/2010/main" val="0"/>
+              </a:ext>
+            </a:extLst>
+          </a:blip>
+          <a:srcRect/>
+          <a:stretch>
+            <a:fillRect/>
+          </a:stretch>
+        </p:blipFill>
+        <p:spPr bwMode="auto">
+          <a:xfrm>
+            <a:off x="1388434" y="308207"/>
+            <a:ext cx="1582177" cy="883588"/>
+          </a:xfrm>
+          <a:prstGeom prst="rect">
+            <a:avLst/>
+          </a:prstGeom>
+          <a:noFill/>
+          <a:extLst>
+            <a:ext uri="{909E8E84-426E-40DD-AFC4-6F175D3DCCD1}">
+              <a14:hiddenFill xmlns:a14="http://schemas.microsoft.com/office/drawing/2010/main">
+                <a:solidFill>
+                  <a:srgbClr val="FFFFFF"/>
+                </a:solidFill>
+              </a14:hiddenFill>
+            </a:ext>
+          </a:extLst>
+        </p:spPr>
+      </p:pic>
+      <p:pic>
+        <p:nvPicPr>
+          <p:cNvPr id="7" name="Grafik 6">
+            <a:extLst>
+              <a:ext uri="{FF2B5EF4-FFF2-40B4-BE49-F238E27FC236}">
+                <a16:creationId xmlns:a16="http://schemas.microsoft.com/office/drawing/2014/main" id="{D9E1CB20-5FB7-364A-DEF0-AA250D7C6A0E}"/>
+              </a:ext>
+            </a:extLst>
+          </p:cNvPr>
+          <p:cNvPicPr>
+            <a:picLocks noChangeAspect="1"/>
+          </p:cNvPicPr>
+          <p:nvPr/>
+        </p:nvPicPr>
+        <p:blipFill>
+          <a:blip r:embed="rId5"/>
+          <a:stretch>
+            <a:fillRect/>
+          </a:stretch>
+        </p:blipFill>
+        <p:spPr>
+          <a:xfrm>
+            <a:off x="3267604" y="1289919"/>
+            <a:ext cx="2724471" cy="1040144"/>
+          </a:xfrm>
+          <a:prstGeom prst="rect">
+            <a:avLst/>
+          </a:prstGeom>
+        </p:spPr>
+      </p:pic>
+      <p:sp>
+        <p:nvSpPr>
+          <p:cNvPr id="8" name="Rechteck 7">
+            <a:extLst>
+              <a:ext uri="{FF2B5EF4-FFF2-40B4-BE49-F238E27FC236}">
+                <a16:creationId xmlns:a16="http://schemas.microsoft.com/office/drawing/2014/main" id="{852B453D-008C-86E8-276F-28E356D57FE6}"/>
               </a:ext>
             </a:extLst>
           </p:cNvPr>
@@ -7340,8 +4375,8 @@
         </p:nvSpPr>
         <p:spPr>
           <a:xfrm>
-            <a:off x="4068690" y="397349"/>
-            <a:ext cx="3339167" cy="6227893"/>
+            <a:off x="6505131" y="626838"/>
+            <a:ext cx="3339167" cy="1995885"/>
           </a:xfrm>
           <a:prstGeom prst="rect">
             <a:avLst/>
@@ -7388,10 +4423,10 @@
       </p:sp>
       <p:sp>
         <p:nvSpPr>
-          <p:cNvPr id="38" name="Rechteck 37">
-            <a:extLst>
-              <a:ext uri="{FF2B5EF4-FFF2-40B4-BE49-F238E27FC236}">
-                <a16:creationId xmlns:a16="http://schemas.microsoft.com/office/drawing/2014/main" id="{540AE164-332A-09D3-4E06-29A94954EC84}"/>
+          <p:cNvPr id="9" name="Rechteck 8">
+            <a:extLst>
+              <a:ext uri="{FF2B5EF4-FFF2-40B4-BE49-F238E27FC236}">
+                <a16:creationId xmlns:a16="http://schemas.microsoft.com/office/drawing/2014/main" id="{A2B50460-DB7E-B2AE-E2C2-7F3614F2A96E}"/>
               </a:ext>
             </a:extLst>
           </p:cNvPr>
@@ -7400,7 +4435,7 @@
         </p:nvSpPr>
         <p:spPr>
           <a:xfrm>
-            <a:off x="4068687" y="302550"/>
+            <a:off x="6505128" y="532039"/>
             <a:ext cx="3339167" cy="769028"/>
           </a:xfrm>
           <a:prstGeom prst="rect">
@@ -7464,10 +4499,10 @@
       </p:sp>
       <p:pic>
         <p:nvPicPr>
-          <p:cNvPr id="36" name="Grafik 35">
-            <a:extLst>
-              <a:ext uri="{FF2B5EF4-FFF2-40B4-BE49-F238E27FC236}">
-                <a16:creationId xmlns:a16="http://schemas.microsoft.com/office/drawing/2014/main" id="{21E292FE-3E49-C106-DE88-0409A3F4E81B}"/>
+          <p:cNvPr id="10" name="Grafik 9">
+            <a:extLst>
+              <a:ext uri="{FF2B5EF4-FFF2-40B4-BE49-F238E27FC236}">
+                <a16:creationId xmlns:a16="http://schemas.microsoft.com/office/drawing/2014/main" id="{7B97B44F-258D-0760-70D4-571DA45DBBC0}"/>
               </a:ext>
             </a:extLst>
           </p:cNvPr>
@@ -7477,14 +4512,14 @@
           <p:nvPr/>
         </p:nvPicPr>
         <p:blipFill>
-          <a:blip r:embed="rId2"/>
+          <a:blip r:embed="rId6"/>
           <a:stretch>
             <a:fillRect/>
           </a:stretch>
         </p:blipFill>
         <p:spPr>
           <a:xfrm>
-            <a:off x="4509701" y="399209"/>
+            <a:off x="6946142" y="628698"/>
             <a:ext cx="2457143" cy="238095"/>
           </a:xfrm>
           <a:prstGeom prst="rect">
@@ -7494,10 +4529,10 @@
       </p:pic>
       <p:sp>
         <p:nvSpPr>
-          <p:cNvPr id="39" name="Rechteck 38">
-            <a:extLst>
-              <a:ext uri="{FF2B5EF4-FFF2-40B4-BE49-F238E27FC236}">
-                <a16:creationId xmlns:a16="http://schemas.microsoft.com/office/drawing/2014/main" id="{24EA8C2D-6863-2978-0C07-93F36FB5B62F}"/>
+          <p:cNvPr id="11" name="Rechteck 10">
+            <a:extLst>
+              <a:ext uri="{FF2B5EF4-FFF2-40B4-BE49-F238E27FC236}">
+                <a16:creationId xmlns:a16="http://schemas.microsoft.com/office/drawing/2014/main" id="{259031CB-A577-4868-F9F4-53FB13677387}"/>
               </a:ext>
             </a:extLst>
           </p:cNvPr>
@@ -7506,7 +4541,7 @@
         </p:nvSpPr>
         <p:spPr>
           <a:xfrm>
-            <a:off x="4746568" y="1137899"/>
+            <a:off x="7183009" y="1367388"/>
             <a:ext cx="2579516" cy="301629"/>
           </a:xfrm>
           <a:prstGeom prst="rect">
@@ -7556,10 +4591,10 @@
       </p:sp>
       <p:sp>
         <p:nvSpPr>
-          <p:cNvPr id="40" name="Textfeld 39">
-            <a:extLst>
-              <a:ext uri="{FF2B5EF4-FFF2-40B4-BE49-F238E27FC236}">
-                <a16:creationId xmlns:a16="http://schemas.microsoft.com/office/drawing/2014/main" id="{75EF25B3-2D78-8470-3EA7-1561C4A2751C}"/>
+          <p:cNvPr id="12" name="Textfeld 11">
+            <a:extLst>
+              <a:ext uri="{FF2B5EF4-FFF2-40B4-BE49-F238E27FC236}">
+                <a16:creationId xmlns:a16="http://schemas.microsoft.com/office/drawing/2014/main" id="{09A29106-2290-236C-D642-115C0A57C203}"/>
               </a:ext>
             </a:extLst>
           </p:cNvPr>
@@ -7568,7 +4603,7 @@
         </p:nvSpPr>
         <p:spPr>
           <a:xfrm>
-            <a:off x="4068093" y="1134825"/>
+            <a:off x="6504534" y="1364314"/>
             <a:ext cx="678475" cy="307777"/>
           </a:xfrm>
           <a:prstGeom prst="rect">
@@ -7594,10 +4629,10 @@
       </p:sp>
       <p:sp>
         <p:nvSpPr>
-          <p:cNvPr id="41" name="Rechteck 40">
-            <a:extLst>
-              <a:ext uri="{FF2B5EF4-FFF2-40B4-BE49-F238E27FC236}">
-                <a16:creationId xmlns:a16="http://schemas.microsoft.com/office/drawing/2014/main" id="{93DC624D-691E-C2CE-2509-44EB5AA4FEC2}"/>
+          <p:cNvPr id="13" name="Rechteck 12">
+            <a:extLst>
+              <a:ext uri="{FF2B5EF4-FFF2-40B4-BE49-F238E27FC236}">
+                <a16:creationId xmlns:a16="http://schemas.microsoft.com/office/drawing/2014/main" id="{EA909D5D-F5B0-DEFF-E525-84E8AB313E10}"/>
               </a:ext>
             </a:extLst>
           </p:cNvPr>
@@ -7606,7 +4641,7 @@
         </p:nvSpPr>
         <p:spPr>
           <a:xfrm>
-            <a:off x="4747162" y="1494738"/>
+            <a:off x="7183603" y="1724227"/>
             <a:ext cx="2579516" cy="301629"/>
           </a:xfrm>
           <a:prstGeom prst="rect">
@@ -7656,10 +4691,10 @@
       </p:sp>
       <p:sp>
         <p:nvSpPr>
-          <p:cNvPr id="42" name="Textfeld 41">
-            <a:extLst>
-              <a:ext uri="{FF2B5EF4-FFF2-40B4-BE49-F238E27FC236}">
-                <a16:creationId xmlns:a16="http://schemas.microsoft.com/office/drawing/2014/main" id="{998E33D5-6A69-0D61-6009-1663816340AA}"/>
+          <p:cNvPr id="14" name="Textfeld 13">
+            <a:extLst>
+              <a:ext uri="{FF2B5EF4-FFF2-40B4-BE49-F238E27FC236}">
+                <a16:creationId xmlns:a16="http://schemas.microsoft.com/office/drawing/2014/main" id="{D94CE715-2AF5-8624-E2BE-C506DF769226}"/>
               </a:ext>
             </a:extLst>
           </p:cNvPr>
@@ -7668,7 +4703,7 @@
         </p:nvSpPr>
         <p:spPr>
           <a:xfrm>
-            <a:off x="4068687" y="1491664"/>
+            <a:off x="6505128" y="1721153"/>
             <a:ext cx="789260" cy="307777"/>
           </a:xfrm>
           <a:prstGeom prst="rect">
@@ -7694,10 +4729,10 @@
       </p:sp>
       <p:sp>
         <p:nvSpPr>
-          <p:cNvPr id="43" name="Rechteck 42">
-            <a:extLst>
-              <a:ext uri="{FF2B5EF4-FFF2-40B4-BE49-F238E27FC236}">
-                <a16:creationId xmlns:a16="http://schemas.microsoft.com/office/drawing/2014/main" id="{93FB0C75-490B-A826-AF13-2664BAC76100}"/>
+          <p:cNvPr id="15" name="Rechteck 14">
+            <a:extLst>
+              <a:ext uri="{FF2B5EF4-FFF2-40B4-BE49-F238E27FC236}">
+                <a16:creationId xmlns:a16="http://schemas.microsoft.com/office/drawing/2014/main" id="{AA650850-BA67-7DC0-184B-E5443A7A02B2}"/>
               </a:ext>
             </a:extLst>
           </p:cNvPr>
@@ -7706,7 +4741,7 @@
         </p:nvSpPr>
         <p:spPr>
           <a:xfrm>
-            <a:off x="4159135" y="1862689"/>
+            <a:off x="6595576" y="2092178"/>
             <a:ext cx="3166949" cy="255249"/>
           </a:xfrm>
           <a:prstGeom prst="rect">
@@ -7753,12 +4788,89 @@
           </a:p>
         </p:txBody>
       </p:sp>
-      <p:sp>
-        <p:nvSpPr>
-          <p:cNvPr id="44" name="Rechteck 43">
-            <a:extLst>
-              <a:ext uri="{FF2B5EF4-FFF2-40B4-BE49-F238E27FC236}">
-                <a16:creationId xmlns:a16="http://schemas.microsoft.com/office/drawing/2014/main" id="{C8441DBC-F492-30F3-7DDE-F36160AED254}"/>
+      <p:pic>
+        <p:nvPicPr>
+          <p:cNvPr id="16" name="Grafik 15">
+            <a:extLst>
+              <a:ext uri="{FF2B5EF4-FFF2-40B4-BE49-F238E27FC236}">
+                <a16:creationId xmlns:a16="http://schemas.microsoft.com/office/drawing/2014/main" id="{7CAEF55A-88BB-2030-45C9-E017CA58C7D3}"/>
+              </a:ext>
+            </a:extLst>
+          </p:cNvPr>
+          <p:cNvPicPr>
+            <a:picLocks noChangeAspect="1"/>
+          </p:cNvPicPr>
+          <p:nvPr/>
+        </p:nvPicPr>
+        <p:blipFill>
+          <a:blip r:embed="rId7"/>
+          <a:stretch>
+            <a:fillRect/>
+          </a:stretch>
+        </p:blipFill>
+        <p:spPr>
+          <a:xfrm>
+            <a:off x="9379671" y="761778"/>
+            <a:ext cx="331444" cy="256116"/>
+          </a:xfrm>
+          <a:prstGeom prst="rect">
+            <a:avLst/>
+          </a:prstGeom>
+        </p:spPr>
+      </p:pic>
+      <p:pic>
+        <p:nvPicPr>
+          <p:cNvPr id="1032" name="Picture 8" descr="eMail Widget 2: E-Mails im iPhone-Widget lesen">
+            <a:extLst>
+              <a:ext uri="{FF2B5EF4-FFF2-40B4-BE49-F238E27FC236}">
+                <a16:creationId xmlns:a16="http://schemas.microsoft.com/office/drawing/2014/main" id="{6ADE284A-8168-5C4F-D530-F4336DAFDCBE}"/>
+              </a:ext>
+            </a:extLst>
+          </p:cNvPr>
+          <p:cNvPicPr>
+            <a:picLocks noChangeAspect="1" noChangeArrowheads="1"/>
+          </p:cNvPicPr>
+          <p:nvPr/>
+        </p:nvPicPr>
+        <p:blipFill>
+          <a:blip r:embed="rId8">
+            <a:extLst>
+              <a:ext uri="{28A0092B-C50C-407E-A947-70E740481C1C}">
+                <a14:useLocalDpi xmlns:a14="http://schemas.microsoft.com/office/drawing/2010/main" val="0"/>
+              </a:ext>
+            </a:extLst>
+          </a:blip>
+          <a:srcRect/>
+          <a:stretch>
+            <a:fillRect/>
+          </a:stretch>
+        </p:blipFill>
+        <p:spPr bwMode="auto">
+          <a:xfrm>
+            <a:off x="10574855" y="1481761"/>
+            <a:ext cx="718991" cy="718991"/>
+          </a:xfrm>
+          <a:prstGeom prst="rect">
+            <a:avLst/>
+          </a:prstGeom>
+          <a:noFill/>
+          <a:extLst>
+            <a:ext uri="{909E8E84-426E-40DD-AFC4-6F175D3DCCD1}">
+              <a14:hiddenFill xmlns:a14="http://schemas.microsoft.com/office/drawing/2010/main">
+                <a:solidFill>
+                  <a:srgbClr val="FFFFFF"/>
+                </a:solidFill>
+              </a14:hiddenFill>
+            </a:ext>
+          </a:extLst>
+        </p:spPr>
+      </p:pic>
+      <p:sp>
+        <p:nvSpPr>
+          <p:cNvPr id="17" name="Rechteck 16">
+            <a:extLst>
+              <a:ext uri="{FF2B5EF4-FFF2-40B4-BE49-F238E27FC236}">
+                <a16:creationId xmlns:a16="http://schemas.microsoft.com/office/drawing/2014/main" id="{97C98CE6-9B54-00BB-BA79-EA05E7626104}"/>
               </a:ext>
             </a:extLst>
           </p:cNvPr>
@@ -7767,8 +4879,174 @@
         </p:nvSpPr>
         <p:spPr>
           <a:xfrm>
-            <a:off x="4746568" y="2180076"/>
-            <a:ext cx="1769191" cy="301629"/>
+            <a:off x="112912" y="3844092"/>
+            <a:ext cx="3339167" cy="2300627"/>
+          </a:xfrm>
+          <a:prstGeom prst="rect">
+            <a:avLst/>
+          </a:prstGeom>
+          <a:solidFill>
+            <a:srgbClr val="DFE0E1"/>
+          </a:solidFill>
+          <a:ln>
+            <a:solidFill>
+              <a:srgbClr val="C8C8C8"/>
+            </a:solidFill>
+          </a:ln>
+        </p:spPr>
+        <p:style>
+          <a:lnRef idx="2">
+            <a:schemeClr val="accent1">
+              <a:shade val="50000"/>
+            </a:schemeClr>
+          </a:lnRef>
+          <a:fillRef idx="1">
+            <a:schemeClr val="accent1"/>
+          </a:fillRef>
+          <a:effectRef idx="0">
+            <a:schemeClr val="accent1"/>
+          </a:effectRef>
+          <a:fontRef idx="minor">
+            <a:schemeClr val="lt1"/>
+          </a:fontRef>
+        </p:style>
+        <p:txBody>
+          <a:bodyPr rtlCol="0" anchor="ctr"/>
+          <a:lstStyle/>
+          <a:p>
+            <a:pPr algn="ctr"/>
+            <a:endParaRPr lang="de-CH" sz="1600" dirty="0">
+              <a:solidFill>
+                <a:schemeClr val="tx1"/>
+              </a:solidFill>
+              <a:latin typeface="Arial" panose="020B0604020202020204" pitchFamily="34" charset="0"/>
+              <a:cs typeface="Arial" panose="020B0604020202020204" pitchFamily="34" charset="0"/>
+            </a:endParaRPr>
+          </a:p>
+        </p:txBody>
+      </p:sp>
+      <p:sp>
+        <p:nvSpPr>
+          <p:cNvPr id="18" name="Rechteck 17">
+            <a:extLst>
+              <a:ext uri="{FF2B5EF4-FFF2-40B4-BE49-F238E27FC236}">
+                <a16:creationId xmlns:a16="http://schemas.microsoft.com/office/drawing/2014/main" id="{0322122E-CCC7-F8A9-CF9D-A9D70809BE17}"/>
+              </a:ext>
+            </a:extLst>
+          </p:cNvPr>
+          <p:cNvSpPr/>
+          <p:nvPr/>
+        </p:nvSpPr>
+        <p:spPr>
+          <a:xfrm>
+            <a:off x="112909" y="3749294"/>
+            <a:ext cx="3339167" cy="769028"/>
+          </a:xfrm>
+          <a:prstGeom prst="rect">
+            <a:avLst/>
+          </a:prstGeom>
+          <a:solidFill>
+            <a:schemeClr val="tx1"/>
+          </a:solidFill>
+          <a:ln>
+            <a:solidFill>
+              <a:schemeClr val="tx1"/>
+            </a:solidFill>
+          </a:ln>
+        </p:spPr>
+        <p:style>
+          <a:lnRef idx="2">
+            <a:schemeClr val="accent1">
+              <a:shade val="50000"/>
+            </a:schemeClr>
+          </a:lnRef>
+          <a:fillRef idx="1">
+            <a:schemeClr val="accent1"/>
+          </a:fillRef>
+          <a:effectRef idx="0">
+            <a:schemeClr val="accent1"/>
+          </a:effectRef>
+          <a:fontRef idx="minor">
+            <a:schemeClr val="lt1"/>
+          </a:fontRef>
+        </p:style>
+        <p:txBody>
+          <a:bodyPr rtlCol="0" anchor="ctr"/>
+          <a:lstStyle/>
+          <a:p>
+            <a:pPr algn="ctr"/>
+            <a:r>
+              <a:rPr lang="de-CH" sz="1600" b="1" dirty="0">
+                <a:solidFill>
+                  <a:srgbClr val="FF000A"/>
+                </a:solidFill>
+                <a:latin typeface="Arial" panose="020B0604020202020204" pitchFamily="34" charset="0"/>
+                <a:cs typeface="Arial" panose="020B0604020202020204" pitchFamily="34" charset="0"/>
+              </a:rPr>
+              <a:t>          </a:t>
+            </a:r>
+          </a:p>
+          <a:p>
+            <a:pPr algn="ctr"/>
+            <a:r>
+              <a:rPr lang="de-CH" sz="1400" b="1" dirty="0">
+                <a:solidFill>
+                  <a:srgbClr val="FF000A"/>
+                </a:solidFill>
+                <a:latin typeface="Arial" panose="020B0604020202020204" pitchFamily="34" charset="0"/>
+                <a:cs typeface="Arial" panose="020B0604020202020204" pitchFamily="34" charset="0"/>
+              </a:rPr>
+              <a:t>Gästebuch-Bild hochladen </a:t>
+            </a:r>
+          </a:p>
+        </p:txBody>
+      </p:sp>
+      <p:pic>
+        <p:nvPicPr>
+          <p:cNvPr id="19" name="Grafik 18">
+            <a:extLst>
+              <a:ext uri="{FF2B5EF4-FFF2-40B4-BE49-F238E27FC236}">
+                <a16:creationId xmlns:a16="http://schemas.microsoft.com/office/drawing/2014/main" id="{CD519E71-873F-4AC4-5DE2-4BC55C36F396}"/>
+              </a:ext>
+            </a:extLst>
+          </p:cNvPr>
+          <p:cNvPicPr>
+            <a:picLocks noChangeAspect="1"/>
+          </p:cNvPicPr>
+          <p:nvPr/>
+        </p:nvPicPr>
+        <p:blipFill>
+          <a:blip r:embed="rId6"/>
+          <a:stretch>
+            <a:fillRect/>
+          </a:stretch>
+        </p:blipFill>
+        <p:spPr>
+          <a:xfrm>
+            <a:off x="553923" y="3845953"/>
+            <a:ext cx="2457143" cy="238095"/>
+          </a:xfrm>
+          <a:prstGeom prst="rect">
+            <a:avLst/>
+          </a:prstGeom>
+        </p:spPr>
+      </p:pic>
+      <p:sp>
+        <p:nvSpPr>
+          <p:cNvPr id="20" name="Rechteck 19">
+            <a:extLst>
+              <a:ext uri="{FF2B5EF4-FFF2-40B4-BE49-F238E27FC236}">
+                <a16:creationId xmlns:a16="http://schemas.microsoft.com/office/drawing/2014/main" id="{0F6302A2-C48F-96C5-0B07-5D7209181786}"/>
+              </a:ext>
+            </a:extLst>
+          </p:cNvPr>
+          <p:cNvSpPr/>
+          <p:nvPr/>
+        </p:nvSpPr>
+        <p:spPr>
+          <a:xfrm>
+            <a:off x="790790" y="4584643"/>
+            <a:ext cx="2579516" cy="301629"/>
           </a:xfrm>
           <a:prstGeom prst="rect">
             <a:avLst/>
@@ -7810,17 +5088,17 @@
                 <a:latin typeface="Arial" panose="020B0604020202020204" pitchFamily="34" charset="0"/>
                 <a:cs typeface="Arial" panose="020B0604020202020204" pitchFamily="34" charset="0"/>
               </a:rPr>
-              <a:t>Code eingeben …</a:t>
-            </a:r>
-          </a:p>
-        </p:txBody>
-      </p:sp>
-      <p:sp>
-        <p:nvSpPr>
-          <p:cNvPr id="45" name="Textfeld 44">
-            <a:extLst>
-              <a:ext uri="{FF2B5EF4-FFF2-40B4-BE49-F238E27FC236}">
-                <a16:creationId xmlns:a16="http://schemas.microsoft.com/office/drawing/2014/main" id="{0DCE8159-FBC2-2E7D-5FB1-05913886AF27}"/>
+              <a:t>Name(n) eingeben …</a:t>
+            </a:r>
+          </a:p>
+        </p:txBody>
+      </p:sp>
+      <p:sp>
+        <p:nvSpPr>
+          <p:cNvPr id="21" name="Textfeld 20">
+            <a:extLst>
+              <a:ext uri="{FF2B5EF4-FFF2-40B4-BE49-F238E27FC236}">
+                <a16:creationId xmlns:a16="http://schemas.microsoft.com/office/drawing/2014/main" id="{09204F3D-ECE8-D3D7-69D5-FE21EB972122}"/>
               </a:ext>
             </a:extLst>
           </p:cNvPr>
@@ -7829,7 +5107,7 @@
         </p:nvSpPr>
         <p:spPr>
           <a:xfrm>
-            <a:off x="4068093" y="2177002"/>
+            <a:off x="112315" y="4581569"/>
             <a:ext cx="678475" cy="307777"/>
           </a:xfrm>
           <a:prstGeom prst="rect">
@@ -7848,55 +5126,17 @@
                 <a:latin typeface="Arial" panose="020B0604020202020204" pitchFamily="34" charset="0"/>
                 <a:cs typeface="Arial" panose="020B0604020202020204" pitchFamily="34" charset="0"/>
               </a:rPr>
-              <a:t>Code</a:t>
-            </a:r>
-          </a:p>
-        </p:txBody>
-      </p:sp>
-      <p:sp>
-        <p:nvSpPr>
-          <p:cNvPr id="46" name="Textfeld 45">
-            <a:extLst>
-              <a:ext uri="{FF2B5EF4-FFF2-40B4-BE49-F238E27FC236}">
-                <a16:creationId xmlns:a16="http://schemas.microsoft.com/office/drawing/2014/main" id="{1B202BDF-133D-92D1-2CE0-BCFCF0172A02}"/>
-              </a:ext>
-            </a:extLst>
-          </p:cNvPr>
-          <p:cNvSpPr txBox="1"/>
-          <p:nvPr/>
-        </p:nvSpPr>
-        <p:spPr>
-          <a:xfrm>
-            <a:off x="4068093" y="2601444"/>
-            <a:ext cx="596564" cy="307777"/>
-          </a:xfrm>
-          <a:prstGeom prst="rect">
-            <a:avLst/>
-          </a:prstGeom>
-          <a:noFill/>
-        </p:spPr>
-        <p:txBody>
-          <a:bodyPr wrap="square" rtlCol="0">
-            <a:spAutoFit/>
-          </a:bodyPr>
-          <a:lstStyle/>
-          <a:p>
-            <a:r>
-              <a:rPr lang="de-CH" sz="1400" b="1" dirty="0">
-                <a:latin typeface="Arial" panose="020B0604020202020204" pitchFamily="34" charset="0"/>
-                <a:cs typeface="Arial" panose="020B0604020202020204" pitchFamily="34" charset="0"/>
-              </a:rPr>
-              <a:t>IMG</a:t>
-            </a:r>
-          </a:p>
-        </p:txBody>
-      </p:sp>
-      <p:sp>
-        <p:nvSpPr>
-          <p:cNvPr id="47" name="Rechteck 46">
-            <a:extLst>
-              <a:ext uri="{FF2B5EF4-FFF2-40B4-BE49-F238E27FC236}">
-                <a16:creationId xmlns:a16="http://schemas.microsoft.com/office/drawing/2014/main" id="{B202347B-92E2-DE4D-0B60-C5EF3B02FD93}"/>
+              <a:t>Name</a:t>
+            </a:r>
+          </a:p>
+        </p:txBody>
+      </p:sp>
+      <p:sp>
+        <p:nvSpPr>
+          <p:cNvPr id="22" name="Rechteck 21">
+            <a:extLst>
+              <a:ext uri="{FF2B5EF4-FFF2-40B4-BE49-F238E27FC236}">
+                <a16:creationId xmlns:a16="http://schemas.microsoft.com/office/drawing/2014/main" id="{286D9678-2698-FA91-A3F7-38844B98F1AF}"/>
               </a:ext>
             </a:extLst>
           </p:cNvPr>
@@ -7905,8 +5145,8 @@
         </p:nvSpPr>
         <p:spPr>
           <a:xfrm>
-            <a:off x="4626572" y="2597957"/>
-            <a:ext cx="1889187" cy="301629"/>
+            <a:off x="791384" y="4941482"/>
+            <a:ext cx="2579516" cy="301629"/>
           </a:xfrm>
           <a:prstGeom prst="rect">
             <a:avLst/>
@@ -7948,17 +5188,55 @@
                 <a:latin typeface="Arial" panose="020B0604020202020204" pitchFamily="34" charset="0"/>
                 <a:cs typeface="Arial" panose="020B0604020202020204" pitchFamily="34" charset="0"/>
               </a:rPr>
-              <a:t>Pfad zeigen nach Upload</a:t>
-            </a:r>
-          </a:p>
-        </p:txBody>
-      </p:sp>
-      <p:sp>
-        <p:nvSpPr>
-          <p:cNvPr id="48" name="Rechteck 47">
-            <a:extLst>
-              <a:ext uri="{FF2B5EF4-FFF2-40B4-BE49-F238E27FC236}">
-                <a16:creationId xmlns:a16="http://schemas.microsoft.com/office/drawing/2014/main" id="{889E301C-EC31-1561-5F03-2B26DD44D794}"/>
+              <a:t>E-Mail Adresse eingeben …</a:t>
+            </a:r>
+          </a:p>
+        </p:txBody>
+      </p:sp>
+      <p:sp>
+        <p:nvSpPr>
+          <p:cNvPr id="23" name="Textfeld 22">
+            <a:extLst>
+              <a:ext uri="{FF2B5EF4-FFF2-40B4-BE49-F238E27FC236}">
+                <a16:creationId xmlns:a16="http://schemas.microsoft.com/office/drawing/2014/main" id="{B0DE4E18-B664-00E6-E1D4-88C99B4C7E21}"/>
+              </a:ext>
+            </a:extLst>
+          </p:cNvPr>
+          <p:cNvSpPr txBox="1"/>
+          <p:nvPr/>
+        </p:nvSpPr>
+        <p:spPr>
+          <a:xfrm>
+            <a:off x="112909" y="4938408"/>
+            <a:ext cx="789260" cy="307777"/>
+          </a:xfrm>
+          <a:prstGeom prst="rect">
+            <a:avLst/>
+          </a:prstGeom>
+          <a:noFill/>
+        </p:spPr>
+        <p:txBody>
+          <a:bodyPr wrap="square" rtlCol="0">
+            <a:spAutoFit/>
+          </a:bodyPr>
+          <a:lstStyle/>
+          <a:p>
+            <a:r>
+              <a:rPr lang="de-CH" sz="1400" b="1" dirty="0">
+                <a:latin typeface="Arial" panose="020B0604020202020204" pitchFamily="34" charset="0"/>
+                <a:cs typeface="Arial" panose="020B0604020202020204" pitchFamily="34" charset="0"/>
+              </a:rPr>
+              <a:t>E-Mail</a:t>
+            </a:r>
+          </a:p>
+        </p:txBody>
+      </p:sp>
+      <p:sp>
+        <p:nvSpPr>
+          <p:cNvPr id="24" name="Rechteck 23">
+            <a:extLst>
+              <a:ext uri="{FF2B5EF4-FFF2-40B4-BE49-F238E27FC236}">
+                <a16:creationId xmlns:a16="http://schemas.microsoft.com/office/drawing/2014/main" id="{3AEAF418-1F9B-E2AE-887B-F1F0B851CF5C}"/>
               </a:ext>
             </a:extLst>
           </p:cNvPr>
@@ -7967,8 +5245,8 @@
         </p:nvSpPr>
         <p:spPr>
           <a:xfrm>
-            <a:off x="6590101" y="2602649"/>
-            <a:ext cx="735983" cy="292247"/>
+            <a:off x="203357" y="5309433"/>
+            <a:ext cx="3166949" cy="255249"/>
           </a:xfrm>
           <a:prstGeom prst="rect">
             <a:avLst/>
@@ -8009,17 +5287,17 @@
                 <a:latin typeface="Arial" panose="020B0604020202020204" pitchFamily="34" charset="0"/>
                 <a:cs typeface="Arial" panose="020B0604020202020204" pitchFamily="34" charset="0"/>
               </a:rPr>
-              <a:t>Upload</a:t>
+              <a:t>Code verlangen</a:t>
             </a:r>
           </a:p>
         </p:txBody>
       </p:sp>
       <p:pic>
         <p:nvPicPr>
-          <p:cNvPr id="50" name="Grafik 49">
-            <a:extLst>
-              <a:ext uri="{FF2B5EF4-FFF2-40B4-BE49-F238E27FC236}">
-                <a16:creationId xmlns:a16="http://schemas.microsoft.com/office/drawing/2014/main" id="{4677A2E2-4F32-6B23-EA53-C5316753CD64}"/>
+          <p:cNvPr id="25" name="Grafik 24">
+            <a:extLst>
+              <a:ext uri="{FF2B5EF4-FFF2-40B4-BE49-F238E27FC236}">
+                <a16:creationId xmlns:a16="http://schemas.microsoft.com/office/drawing/2014/main" id="{E7EB6755-F68A-AA2C-A43C-73345BC2C8DC}"/>
               </a:ext>
             </a:extLst>
           </p:cNvPr>
@@ -8029,15 +5307,15 @@
           <p:nvPr/>
         </p:nvPicPr>
         <p:blipFill>
-          <a:blip r:embed="rId3"/>
+          <a:blip r:embed="rId7"/>
           <a:stretch>
             <a:fillRect/>
           </a:stretch>
         </p:blipFill>
         <p:spPr>
           <a:xfrm>
-            <a:off x="4626572" y="3094872"/>
-            <a:ext cx="2254775" cy="1951405"/>
+            <a:off x="2987452" y="3979033"/>
+            <a:ext cx="331444" cy="256116"/>
           </a:xfrm>
           <a:prstGeom prst="rect">
             <a:avLst/>
@@ -8046,10 +5324,10 @@
       </p:pic>
       <p:sp>
         <p:nvSpPr>
-          <p:cNvPr id="51" name="Rechteck 50">
-            <a:extLst>
-              <a:ext uri="{FF2B5EF4-FFF2-40B4-BE49-F238E27FC236}">
-                <a16:creationId xmlns:a16="http://schemas.microsoft.com/office/drawing/2014/main" id="{76F654AF-8D3E-5AB9-9627-123FE53C2E2C}"/>
+          <p:cNvPr id="26" name="Rechteck 25">
+            <a:extLst>
+              <a:ext uri="{FF2B5EF4-FFF2-40B4-BE49-F238E27FC236}">
+                <a16:creationId xmlns:a16="http://schemas.microsoft.com/office/drawing/2014/main" id="{7896611D-3FCA-2D9C-0D58-EE47203CD0B3}"/>
               </a:ext>
             </a:extLst>
           </p:cNvPr>
@@ -8058,67 +5336,8 @@
         </p:nvSpPr>
         <p:spPr>
           <a:xfrm>
-            <a:off x="4347557" y="3094871"/>
-            <a:ext cx="2851266" cy="1951405"/>
-          </a:xfrm>
-          <a:prstGeom prst="rect">
-            <a:avLst/>
-          </a:prstGeom>
-          <a:noFill/>
-          <a:ln>
-            <a:solidFill>
-              <a:schemeClr val="tx1"/>
-            </a:solidFill>
-            <a:prstDash val="dash"/>
-          </a:ln>
-        </p:spPr>
-        <p:style>
-          <a:lnRef idx="2">
-            <a:schemeClr val="accent1">
-              <a:shade val="50000"/>
-            </a:schemeClr>
-          </a:lnRef>
-          <a:fillRef idx="1">
-            <a:schemeClr val="accent1"/>
-          </a:fillRef>
-          <a:effectRef idx="0">
-            <a:schemeClr val="accent1"/>
-          </a:effectRef>
-          <a:fontRef idx="minor">
-            <a:schemeClr val="lt1"/>
-          </a:fontRef>
-        </p:style>
-        <p:txBody>
-          <a:bodyPr rtlCol="0" anchor="ctr"/>
-          <a:lstStyle/>
-          <a:p>
-            <a:pPr algn="ctr"/>
-            <a:endParaRPr lang="de-CH" sz="1200" dirty="0">
-              <a:solidFill>
-                <a:schemeClr val="tx1"/>
-              </a:solidFill>
-              <a:latin typeface="Arial" panose="020B0604020202020204" pitchFamily="34" charset="0"/>
-              <a:cs typeface="Arial" panose="020B0604020202020204" pitchFamily="34" charset="0"/>
-            </a:endParaRPr>
-          </a:p>
-        </p:txBody>
-      </p:sp>
-      <p:sp>
-        <p:nvSpPr>
-          <p:cNvPr id="52" name="Rechteck 51">
-            <a:extLst>
-              <a:ext uri="{FF2B5EF4-FFF2-40B4-BE49-F238E27FC236}">
-                <a16:creationId xmlns:a16="http://schemas.microsoft.com/office/drawing/2014/main" id="{A789776A-0466-F259-6C51-07561FA96CDD}"/>
-              </a:ext>
-            </a:extLst>
-          </p:cNvPr>
-          <p:cNvSpPr/>
-          <p:nvPr/>
-        </p:nvSpPr>
-        <p:spPr>
-          <a:xfrm>
-            <a:off x="4746568" y="5095436"/>
-            <a:ext cx="2579516" cy="301629"/>
+            <a:off x="834727" y="5659480"/>
+            <a:ext cx="1769191" cy="301629"/>
           </a:xfrm>
           <a:prstGeom prst="rect">
             <a:avLst/>
@@ -8160,17 +5379,17 @@
                 <a:latin typeface="Arial" panose="020B0604020202020204" pitchFamily="34" charset="0"/>
                 <a:cs typeface="Arial" panose="020B0604020202020204" pitchFamily="34" charset="0"/>
               </a:rPr>
-              <a:t>Kurzer Bild-Text (Header) eingeben </a:t>
-            </a:r>
-          </a:p>
-        </p:txBody>
-      </p:sp>
-      <p:sp>
-        <p:nvSpPr>
-          <p:cNvPr id="53" name="Textfeld 52">
-            <a:extLst>
-              <a:ext uri="{FF2B5EF4-FFF2-40B4-BE49-F238E27FC236}">
-                <a16:creationId xmlns:a16="http://schemas.microsoft.com/office/drawing/2014/main" id="{868990A3-7704-7727-9F3F-8160B861378F}"/>
+              <a:t>Code eingeben …</a:t>
+            </a:r>
+          </a:p>
+        </p:txBody>
+      </p:sp>
+      <p:sp>
+        <p:nvSpPr>
+          <p:cNvPr id="27" name="Textfeld 26">
+            <a:extLst>
+              <a:ext uri="{FF2B5EF4-FFF2-40B4-BE49-F238E27FC236}">
+                <a16:creationId xmlns:a16="http://schemas.microsoft.com/office/drawing/2014/main" id="{285BFC11-536B-A9D7-E131-76A6D2B04A59}"/>
               </a:ext>
             </a:extLst>
           </p:cNvPr>
@@ -8179,8 +5398,8 @@
         </p:nvSpPr>
         <p:spPr>
           <a:xfrm>
-            <a:off x="4068093" y="5092362"/>
-            <a:ext cx="789854" cy="307777"/>
+            <a:off x="156252" y="5656406"/>
+            <a:ext cx="678475" cy="307777"/>
           </a:xfrm>
           <a:prstGeom prst="rect">
             <a:avLst/>
@@ -8198,17 +5417,17 @@
                 <a:latin typeface="Arial" panose="020B0604020202020204" pitchFamily="34" charset="0"/>
                 <a:cs typeface="Arial" panose="020B0604020202020204" pitchFamily="34" charset="0"/>
               </a:rPr>
-              <a:t>Text</a:t>
-            </a:r>
-          </a:p>
-        </p:txBody>
-      </p:sp>
-      <p:sp>
-        <p:nvSpPr>
-          <p:cNvPr id="54" name="Rechteck 53">
-            <a:extLst>
-              <a:ext uri="{FF2B5EF4-FFF2-40B4-BE49-F238E27FC236}">
-                <a16:creationId xmlns:a16="http://schemas.microsoft.com/office/drawing/2014/main" id="{E6EE40C9-65CE-B8ED-6093-89C20ECC5DF2}"/>
+              <a:t>Code</a:t>
+            </a:r>
+          </a:p>
+        </p:txBody>
+      </p:sp>
+      <p:sp>
+        <p:nvSpPr>
+          <p:cNvPr id="28" name="Rechteck 27">
+            <a:extLst>
+              <a:ext uri="{FF2B5EF4-FFF2-40B4-BE49-F238E27FC236}">
+                <a16:creationId xmlns:a16="http://schemas.microsoft.com/office/drawing/2014/main" id="{508CC12E-361B-2A71-1F27-42D54EA63471}"/>
               </a:ext>
             </a:extLst>
           </p:cNvPr>
@@ -8217,8 +5436,8 @@
         </p:nvSpPr>
         <p:spPr>
           <a:xfrm>
-            <a:off x="4159136" y="5491865"/>
-            <a:ext cx="3166948" cy="215495"/>
+            <a:off x="2651789" y="5667306"/>
+            <a:ext cx="735983" cy="292247"/>
           </a:xfrm>
           <a:prstGeom prst="rect">
             <a:avLst/>
@@ -8250,6 +5469,7 @@
           <a:bodyPr rtlCol="0" anchor="ctr"/>
           <a:lstStyle/>
           <a:p>
+            <a:pPr algn="ctr"/>
             <a:r>
               <a:rPr lang="de-CH" sz="1200" dirty="0">
                 <a:solidFill>
@@ -8258,17 +5478,153 @@
                 <a:latin typeface="Arial" panose="020B0604020202020204" pitchFamily="34" charset="0"/>
                 <a:cs typeface="Arial" panose="020B0604020202020204" pitchFamily="34" charset="0"/>
               </a:rPr>
-              <a:t>Konzert wählen (optional)</a:t>
+              <a:t>Senden</a:t>
+            </a:r>
+          </a:p>
+        </p:txBody>
+      </p:sp>
+      <p:sp>
+        <p:nvSpPr>
+          <p:cNvPr id="29" name="Rechteck 28">
+            <a:extLst>
+              <a:ext uri="{FF2B5EF4-FFF2-40B4-BE49-F238E27FC236}">
+                <a16:creationId xmlns:a16="http://schemas.microsoft.com/office/drawing/2014/main" id="{97C13174-57E2-CC0A-834C-DAF05C46F045}"/>
+              </a:ext>
+            </a:extLst>
+          </p:cNvPr>
+          <p:cNvSpPr/>
+          <p:nvPr/>
+        </p:nvSpPr>
+        <p:spPr>
+          <a:xfrm>
+            <a:off x="3849486" y="3844092"/>
+            <a:ext cx="3339167" cy="2447655"/>
+          </a:xfrm>
+          <a:prstGeom prst="rect">
+            <a:avLst/>
+          </a:prstGeom>
+          <a:solidFill>
+            <a:srgbClr val="DFE0E1"/>
+          </a:solidFill>
+          <a:ln>
+            <a:solidFill>
+              <a:srgbClr val="C8C8C8"/>
+            </a:solidFill>
+          </a:ln>
+        </p:spPr>
+        <p:style>
+          <a:lnRef idx="2">
+            <a:schemeClr val="accent1">
+              <a:shade val="50000"/>
+            </a:schemeClr>
+          </a:lnRef>
+          <a:fillRef idx="1">
+            <a:schemeClr val="accent1"/>
+          </a:fillRef>
+          <a:effectRef idx="0">
+            <a:schemeClr val="accent1"/>
+          </a:effectRef>
+          <a:fontRef idx="minor">
+            <a:schemeClr val="lt1"/>
+          </a:fontRef>
+        </p:style>
+        <p:txBody>
+          <a:bodyPr rtlCol="0" anchor="ctr"/>
+          <a:lstStyle/>
+          <a:p>
+            <a:pPr algn="ctr"/>
+            <a:endParaRPr lang="de-CH" sz="1600" dirty="0">
+              <a:solidFill>
+                <a:schemeClr val="tx1"/>
+              </a:solidFill>
+              <a:latin typeface="Arial" panose="020B0604020202020204" pitchFamily="34" charset="0"/>
+              <a:cs typeface="Arial" panose="020B0604020202020204" pitchFamily="34" charset="0"/>
+            </a:endParaRPr>
+          </a:p>
+        </p:txBody>
+      </p:sp>
+      <p:sp>
+        <p:nvSpPr>
+          <p:cNvPr id="30" name="Rechteck 29">
+            <a:extLst>
+              <a:ext uri="{FF2B5EF4-FFF2-40B4-BE49-F238E27FC236}">
+                <a16:creationId xmlns:a16="http://schemas.microsoft.com/office/drawing/2014/main" id="{551F3DD4-5C20-9CFE-0104-D97B5126131D}"/>
+              </a:ext>
+            </a:extLst>
+          </p:cNvPr>
+          <p:cNvSpPr/>
+          <p:nvPr/>
+        </p:nvSpPr>
+        <p:spPr>
+          <a:xfrm>
+            <a:off x="3849483" y="3749294"/>
+            <a:ext cx="3339167" cy="769028"/>
+          </a:xfrm>
+          <a:prstGeom prst="rect">
+            <a:avLst/>
+          </a:prstGeom>
+          <a:solidFill>
+            <a:schemeClr val="tx1"/>
+          </a:solidFill>
+          <a:ln>
+            <a:solidFill>
+              <a:schemeClr val="tx1"/>
+            </a:solidFill>
+          </a:ln>
+        </p:spPr>
+        <p:style>
+          <a:lnRef idx="2">
+            <a:schemeClr val="accent1">
+              <a:shade val="50000"/>
+            </a:schemeClr>
+          </a:lnRef>
+          <a:fillRef idx="1">
+            <a:schemeClr val="accent1"/>
+          </a:fillRef>
+          <a:effectRef idx="0">
+            <a:schemeClr val="accent1"/>
+          </a:effectRef>
+          <a:fontRef idx="minor">
+            <a:schemeClr val="lt1"/>
+          </a:fontRef>
+        </p:style>
+        <p:txBody>
+          <a:bodyPr rtlCol="0" anchor="ctr"/>
+          <a:lstStyle/>
+          <a:p>
+            <a:pPr algn="ctr"/>
+            <a:r>
+              <a:rPr lang="de-CH" sz="1600" b="1" dirty="0">
+                <a:solidFill>
+                  <a:srgbClr val="FF000A"/>
+                </a:solidFill>
+                <a:latin typeface="Arial" panose="020B0604020202020204" pitchFamily="34" charset="0"/>
+                <a:cs typeface="Arial" panose="020B0604020202020204" pitchFamily="34" charset="0"/>
+              </a:rPr>
+              <a:t>          </a:t>
+            </a:r>
+          </a:p>
+          <a:p>
+            <a:pPr algn="ctr"/>
+            <a:r>
+              <a:rPr lang="de-CH" sz="1400" b="1" dirty="0">
+                <a:solidFill>
+                  <a:srgbClr val="FF000A"/>
+                </a:solidFill>
+                <a:latin typeface="Arial" panose="020B0604020202020204" pitchFamily="34" charset="0"/>
+                <a:cs typeface="Arial" panose="020B0604020202020204" pitchFamily="34" charset="0"/>
+              </a:rPr>
+              <a:t>Gästebuch-Bild hochladen </a:t>
             </a:r>
           </a:p>
         </p:txBody>
       </p:sp>
       <p:pic>
         <p:nvPicPr>
-          <p:cNvPr id="55" name="Grafik 54">
-            <a:extLst>
-              <a:ext uri="{FF2B5EF4-FFF2-40B4-BE49-F238E27FC236}">
-                <a16:creationId xmlns:a16="http://schemas.microsoft.com/office/drawing/2014/main" id="{AC2217DF-1918-013A-A9C5-4051DA715EA7}"/>
+          <p:cNvPr id="31" name="Grafik 30">
+            <a:extLst>
+              <a:ext uri="{FF2B5EF4-FFF2-40B4-BE49-F238E27FC236}">
+                <a16:creationId xmlns:a16="http://schemas.microsoft.com/office/drawing/2014/main" id="{1D61FAAF-8B7B-0DCF-B56E-9C0F65E2F35A}"/>
               </a:ext>
             </a:extLst>
           </p:cNvPr>
@@ -8278,15 +5634,15 @@
           <p:nvPr/>
         </p:nvPicPr>
         <p:blipFill>
-          <a:blip r:embed="rId4"/>
+          <a:blip r:embed="rId6"/>
           <a:stretch>
             <a:fillRect/>
           </a:stretch>
         </p:blipFill>
         <p:spPr>
           <a:xfrm>
-            <a:off x="6943230" y="5549932"/>
-            <a:ext cx="321154" cy="157428"/>
+            <a:off x="4290497" y="3845953"/>
+            <a:ext cx="2457143" cy="238095"/>
           </a:xfrm>
           <a:prstGeom prst="rect">
             <a:avLst/>
@@ -8295,48 +5651,10 @@
       </p:pic>
       <p:sp>
         <p:nvSpPr>
-          <p:cNvPr id="56" name="Textfeld 55">
-            <a:extLst>
-              <a:ext uri="{FF2B5EF4-FFF2-40B4-BE49-F238E27FC236}">
-                <a16:creationId xmlns:a16="http://schemas.microsoft.com/office/drawing/2014/main" id="{F98E6FF7-4C2B-61B8-A3DA-503AB4581CF6}"/>
-              </a:ext>
-            </a:extLst>
-          </p:cNvPr>
-          <p:cNvSpPr txBox="1"/>
-          <p:nvPr/>
-        </p:nvSpPr>
-        <p:spPr>
-          <a:xfrm>
-            <a:off x="4077364" y="5707360"/>
-            <a:ext cx="1342536" cy="246221"/>
-          </a:xfrm>
-          <a:prstGeom prst="rect">
-            <a:avLst/>
-          </a:prstGeom>
-          <a:noFill/>
-        </p:spPr>
-        <p:txBody>
-          <a:bodyPr wrap="square" rtlCol="0">
-            <a:spAutoFit/>
-          </a:bodyPr>
-          <a:lstStyle/>
-          <a:p>
-            <a:r>
-              <a:rPr lang="de-CH" sz="1000" b="1" dirty="0">
-                <a:latin typeface="Arial" panose="020B0604020202020204" pitchFamily="34" charset="0"/>
-                <a:cs typeface="Arial" panose="020B0604020202020204" pitchFamily="34" charset="0"/>
-              </a:rPr>
-              <a:t>Bemerkung</a:t>
-            </a:r>
-          </a:p>
-        </p:txBody>
-      </p:sp>
-      <p:sp>
-        <p:nvSpPr>
-          <p:cNvPr id="57" name="Rechteck 56">
-            <a:extLst>
-              <a:ext uri="{FF2B5EF4-FFF2-40B4-BE49-F238E27FC236}">
-                <a16:creationId xmlns:a16="http://schemas.microsoft.com/office/drawing/2014/main" id="{173E94BB-B836-480F-CDBE-3967FB045AC2}"/>
+          <p:cNvPr id="32" name="Rechteck 31">
+            <a:extLst>
+              <a:ext uri="{FF2B5EF4-FFF2-40B4-BE49-F238E27FC236}">
+                <a16:creationId xmlns:a16="http://schemas.microsoft.com/office/drawing/2014/main" id="{5A90F1B4-DFCE-1F13-05C6-2768B19C5235}"/>
               </a:ext>
             </a:extLst>
           </p:cNvPr>
@@ -8345,8 +5663,8 @@
         </p:nvSpPr>
         <p:spPr>
           <a:xfrm>
-            <a:off x="4130142" y="5922855"/>
-            <a:ext cx="3166948" cy="301629"/>
+            <a:off x="4527364" y="4584643"/>
+            <a:ext cx="2579516" cy="301629"/>
           </a:xfrm>
           <a:prstGeom prst="rect">
             <a:avLst/>
@@ -8388,17 +5706,123 @@
                 <a:latin typeface="Arial" panose="020B0604020202020204" pitchFamily="34" charset="0"/>
                 <a:cs typeface="Arial" panose="020B0604020202020204" pitchFamily="34" charset="0"/>
               </a:rPr>
-              <a:t>Bemerkung eingeben ….</a:t>
-            </a:r>
-          </a:p>
-        </p:txBody>
-      </p:sp>
-      <p:sp>
-        <p:nvSpPr>
-          <p:cNvPr id="58" name="Rechteck 57">
-            <a:extLst>
-              <a:ext uri="{FF2B5EF4-FFF2-40B4-BE49-F238E27FC236}">
-                <a16:creationId xmlns:a16="http://schemas.microsoft.com/office/drawing/2014/main" id="{C785EC60-4998-70C0-A815-2730FA149737}"/>
+              <a:t>Name(n) eingeben …</a:t>
+            </a:r>
+          </a:p>
+        </p:txBody>
+      </p:sp>
+      <p:sp>
+        <p:nvSpPr>
+          <p:cNvPr id="33" name="Textfeld 32">
+            <a:extLst>
+              <a:ext uri="{FF2B5EF4-FFF2-40B4-BE49-F238E27FC236}">
+                <a16:creationId xmlns:a16="http://schemas.microsoft.com/office/drawing/2014/main" id="{9D943956-5523-65F8-EBD5-BEFB153BA415}"/>
+              </a:ext>
+            </a:extLst>
+          </p:cNvPr>
+          <p:cNvSpPr txBox="1"/>
+          <p:nvPr/>
+        </p:nvSpPr>
+        <p:spPr>
+          <a:xfrm>
+            <a:off x="3848889" y="4581569"/>
+            <a:ext cx="678475" cy="307777"/>
+          </a:xfrm>
+          <a:prstGeom prst="rect">
+            <a:avLst/>
+          </a:prstGeom>
+          <a:noFill/>
+        </p:spPr>
+        <p:txBody>
+          <a:bodyPr wrap="square" rtlCol="0">
+            <a:spAutoFit/>
+          </a:bodyPr>
+          <a:lstStyle/>
+          <a:p>
+            <a:r>
+              <a:rPr lang="de-CH" sz="1400" b="1" dirty="0">
+                <a:latin typeface="Arial" panose="020B0604020202020204" pitchFamily="34" charset="0"/>
+                <a:cs typeface="Arial" panose="020B0604020202020204" pitchFamily="34" charset="0"/>
+              </a:rPr>
+              <a:t>Name</a:t>
+            </a:r>
+          </a:p>
+        </p:txBody>
+      </p:sp>
+      <p:pic>
+        <p:nvPicPr>
+          <p:cNvPr id="37" name="Grafik 36">
+            <a:extLst>
+              <a:ext uri="{FF2B5EF4-FFF2-40B4-BE49-F238E27FC236}">
+                <a16:creationId xmlns:a16="http://schemas.microsoft.com/office/drawing/2014/main" id="{995540C7-A6CF-4078-42AD-EA31F1C91E42}"/>
+              </a:ext>
+            </a:extLst>
+          </p:cNvPr>
+          <p:cNvPicPr>
+            <a:picLocks noChangeAspect="1"/>
+          </p:cNvPicPr>
+          <p:nvPr/>
+        </p:nvPicPr>
+        <p:blipFill>
+          <a:blip r:embed="rId7"/>
+          <a:stretch>
+            <a:fillRect/>
+          </a:stretch>
+        </p:blipFill>
+        <p:spPr>
+          <a:xfrm>
+            <a:off x="6724026" y="3979033"/>
+            <a:ext cx="331444" cy="256116"/>
+          </a:xfrm>
+          <a:prstGeom prst="rect">
+            <a:avLst/>
+          </a:prstGeom>
+        </p:spPr>
+      </p:pic>
+      <p:sp>
+        <p:nvSpPr>
+          <p:cNvPr id="41" name="Textfeld 40">
+            <a:extLst>
+              <a:ext uri="{FF2B5EF4-FFF2-40B4-BE49-F238E27FC236}">
+                <a16:creationId xmlns:a16="http://schemas.microsoft.com/office/drawing/2014/main" id="{70C702E8-D0C1-321B-4DCC-16E2EC24D5AA}"/>
+              </a:ext>
+            </a:extLst>
+          </p:cNvPr>
+          <p:cNvSpPr txBox="1"/>
+          <p:nvPr/>
+        </p:nvSpPr>
+        <p:spPr>
+          <a:xfrm>
+            <a:off x="3902647" y="5772571"/>
+            <a:ext cx="596564" cy="307777"/>
+          </a:xfrm>
+          <a:prstGeom prst="rect">
+            <a:avLst/>
+          </a:prstGeom>
+          <a:noFill/>
+        </p:spPr>
+        <p:txBody>
+          <a:bodyPr wrap="square" rtlCol="0">
+            <a:spAutoFit/>
+          </a:bodyPr>
+          <a:lstStyle/>
+          <a:p>
+            <a:r>
+              <a:rPr lang="de-CH" sz="1400" b="1" dirty="0">
+                <a:latin typeface="Arial" panose="020B0604020202020204" pitchFamily="34" charset="0"/>
+                <a:cs typeface="Arial" panose="020B0604020202020204" pitchFamily="34" charset="0"/>
+              </a:rPr>
+              <a:t>IMG</a:t>
+            </a:r>
+          </a:p>
+        </p:txBody>
+      </p:sp>
+      <p:sp>
+        <p:nvSpPr>
+          <p:cNvPr id="42" name="Rechteck 41">
+            <a:extLst>
+              <a:ext uri="{FF2B5EF4-FFF2-40B4-BE49-F238E27FC236}">
+                <a16:creationId xmlns:a16="http://schemas.microsoft.com/office/drawing/2014/main" id="{04DD2826-8AA8-7C2E-EADB-AD9C9526CC43}"/>
               </a:ext>
             </a:extLst>
           </p:cNvPr>
@@ -8407,13 +5831,15 @@
         </p:nvSpPr>
         <p:spPr>
           <a:xfrm>
-            <a:off x="5160683" y="6284514"/>
-            <a:ext cx="1225014" cy="292247"/>
-          </a:xfrm>
-          <a:prstGeom prst="rect">
-            <a:avLst/>
-          </a:prstGeom>
-          <a:noFill/>
+            <a:off x="4461126" y="5769084"/>
+            <a:ext cx="1889187" cy="301629"/>
+          </a:xfrm>
+          <a:prstGeom prst="rect">
+            <a:avLst/>
+          </a:prstGeom>
+          <a:solidFill>
+            <a:schemeClr val="bg1"/>
+          </a:solidFill>
           <a:ln>
             <a:solidFill>
               <a:schemeClr val="tx1"/>
@@ -8440,56 +5866,25 @@
           <a:bodyPr rtlCol="0" anchor="ctr"/>
           <a:lstStyle/>
           <a:p>
-            <a:pPr algn="ctr"/>
-            <a:r>
-              <a:rPr lang="de-CH" sz="1200" b="1" dirty="0">
+            <a:r>
+              <a:rPr lang="de-CH" sz="1200" i="1" dirty="0">
                 <a:solidFill>
                   <a:schemeClr val="tx1"/>
                 </a:solidFill>
                 <a:latin typeface="Arial" panose="020B0604020202020204" pitchFamily="34" charset="0"/>
                 <a:cs typeface="Arial" panose="020B0604020202020204" pitchFamily="34" charset="0"/>
               </a:rPr>
-              <a:t>Senden</a:t>
-            </a:r>
-          </a:p>
-        </p:txBody>
-      </p:sp>
-      <p:pic>
-        <p:nvPicPr>
-          <p:cNvPr id="60" name="Grafik 59">
-            <a:extLst>
-              <a:ext uri="{FF2B5EF4-FFF2-40B4-BE49-F238E27FC236}">
-                <a16:creationId xmlns:a16="http://schemas.microsoft.com/office/drawing/2014/main" id="{61002AC6-078B-0A7A-6ADD-DFDAC83315CD}"/>
-              </a:ext>
-            </a:extLst>
-          </p:cNvPr>
-          <p:cNvPicPr>
-            <a:picLocks noChangeAspect="1"/>
-          </p:cNvPicPr>
-          <p:nvPr/>
-        </p:nvPicPr>
-        <p:blipFill>
-          <a:blip r:embed="rId5"/>
-          <a:stretch>
-            <a:fillRect/>
-          </a:stretch>
-        </p:blipFill>
-        <p:spPr>
-          <a:xfrm>
-            <a:off x="6943230" y="532289"/>
-            <a:ext cx="331444" cy="256116"/>
-          </a:xfrm>
-          <a:prstGeom prst="rect">
-            <a:avLst/>
-          </a:prstGeom>
-        </p:spPr>
-      </p:pic>
-      <p:sp>
-        <p:nvSpPr>
-          <p:cNvPr id="61" name="Rechteck 60">
-            <a:extLst>
-              <a:ext uri="{FF2B5EF4-FFF2-40B4-BE49-F238E27FC236}">
-                <a16:creationId xmlns:a16="http://schemas.microsoft.com/office/drawing/2014/main" id="{BF396F8D-2C31-2485-0E53-6E1A0E712A21}"/>
+              <a:t>Pfad zeigen nach Upload</a:t>
+            </a:r>
+          </a:p>
+        </p:txBody>
+      </p:sp>
+      <p:sp>
+        <p:nvSpPr>
+          <p:cNvPr id="43" name="Rechteck 42">
+            <a:extLst>
+              <a:ext uri="{FF2B5EF4-FFF2-40B4-BE49-F238E27FC236}">
+                <a16:creationId xmlns:a16="http://schemas.microsoft.com/office/drawing/2014/main" id="{53DFE4AE-3BB2-580A-F0AD-A8A05042FE78}"/>
               </a:ext>
             </a:extLst>
           </p:cNvPr>
@@ -8498,7 +5893,7 @@
         </p:nvSpPr>
         <p:spPr>
           <a:xfrm>
-            <a:off x="6563630" y="2187902"/>
+            <a:off x="6424655" y="5773776"/>
             <a:ext cx="735983" cy="292247"/>
           </a:xfrm>
           <a:prstGeom prst="rect">
@@ -8540,7 +5935,1394 @@
                 <a:latin typeface="Arial" panose="020B0604020202020204" pitchFamily="34" charset="0"/>
                 <a:cs typeface="Arial" panose="020B0604020202020204" pitchFamily="34" charset="0"/>
               </a:rPr>
-              <a:t>Senden</a:t>
+              <a:t>Upload</a:t>
+            </a:r>
+          </a:p>
+        </p:txBody>
+      </p:sp>
+      <p:sp>
+        <p:nvSpPr>
+          <p:cNvPr id="44" name="Rechteck 43">
+            <a:extLst>
+              <a:ext uri="{FF2B5EF4-FFF2-40B4-BE49-F238E27FC236}">
+                <a16:creationId xmlns:a16="http://schemas.microsoft.com/office/drawing/2014/main" id="{D2D3D0E4-F31B-7519-83B9-A87E609736CA}"/>
+              </a:ext>
+            </a:extLst>
+          </p:cNvPr>
+          <p:cNvSpPr/>
+          <p:nvPr/>
+        </p:nvSpPr>
+        <p:spPr>
+          <a:xfrm>
+            <a:off x="4519055" y="4989797"/>
+            <a:ext cx="2579516" cy="301629"/>
+          </a:xfrm>
+          <a:prstGeom prst="rect">
+            <a:avLst/>
+          </a:prstGeom>
+          <a:solidFill>
+            <a:schemeClr val="bg1"/>
+          </a:solidFill>
+          <a:ln>
+            <a:solidFill>
+              <a:schemeClr val="tx1"/>
+            </a:solidFill>
+          </a:ln>
+        </p:spPr>
+        <p:style>
+          <a:lnRef idx="2">
+            <a:schemeClr val="accent1">
+              <a:shade val="50000"/>
+            </a:schemeClr>
+          </a:lnRef>
+          <a:fillRef idx="1">
+            <a:schemeClr val="accent1"/>
+          </a:fillRef>
+          <a:effectRef idx="0">
+            <a:schemeClr val="accent1"/>
+          </a:effectRef>
+          <a:fontRef idx="minor">
+            <a:schemeClr val="lt1"/>
+          </a:fontRef>
+        </p:style>
+        <p:txBody>
+          <a:bodyPr rtlCol="0" anchor="ctr"/>
+          <a:lstStyle/>
+          <a:p>
+            <a:r>
+              <a:rPr lang="de-CH" sz="1200" i="1" dirty="0">
+                <a:solidFill>
+                  <a:schemeClr val="tx1"/>
+                </a:solidFill>
+                <a:latin typeface="Arial" panose="020B0604020202020204" pitchFamily="34" charset="0"/>
+                <a:cs typeface="Arial" panose="020B0604020202020204" pitchFamily="34" charset="0"/>
+              </a:rPr>
+              <a:t>E-Mail Adresse eingeben …</a:t>
+            </a:r>
+          </a:p>
+        </p:txBody>
+      </p:sp>
+      <p:sp>
+        <p:nvSpPr>
+          <p:cNvPr id="45" name="Textfeld 44">
+            <a:extLst>
+              <a:ext uri="{FF2B5EF4-FFF2-40B4-BE49-F238E27FC236}">
+                <a16:creationId xmlns:a16="http://schemas.microsoft.com/office/drawing/2014/main" id="{BC90BF46-8CF7-2C02-CDD3-28757B9658F3}"/>
+              </a:ext>
+            </a:extLst>
+          </p:cNvPr>
+          <p:cNvSpPr txBox="1"/>
+          <p:nvPr/>
+        </p:nvSpPr>
+        <p:spPr>
+          <a:xfrm>
+            <a:off x="3840580" y="4986723"/>
+            <a:ext cx="789260" cy="307777"/>
+          </a:xfrm>
+          <a:prstGeom prst="rect">
+            <a:avLst/>
+          </a:prstGeom>
+          <a:noFill/>
+        </p:spPr>
+        <p:txBody>
+          <a:bodyPr wrap="square" rtlCol="0">
+            <a:spAutoFit/>
+          </a:bodyPr>
+          <a:lstStyle/>
+          <a:p>
+            <a:r>
+              <a:rPr lang="de-CH" sz="1400" b="1" dirty="0">
+                <a:latin typeface="Arial" panose="020B0604020202020204" pitchFamily="34" charset="0"/>
+                <a:cs typeface="Arial" panose="020B0604020202020204" pitchFamily="34" charset="0"/>
+              </a:rPr>
+              <a:t>E-Mail</a:t>
+            </a:r>
+          </a:p>
+        </p:txBody>
+      </p:sp>
+      <p:sp>
+        <p:nvSpPr>
+          <p:cNvPr id="46" name="Rechteck 45">
+            <a:extLst>
+              <a:ext uri="{FF2B5EF4-FFF2-40B4-BE49-F238E27FC236}">
+                <a16:creationId xmlns:a16="http://schemas.microsoft.com/office/drawing/2014/main" id="{54DAEE80-9159-C86D-BA87-FB7132B51E13}"/>
+              </a:ext>
+            </a:extLst>
+          </p:cNvPr>
+          <p:cNvSpPr/>
+          <p:nvPr/>
+        </p:nvSpPr>
+        <p:spPr>
+          <a:xfrm>
+            <a:off x="3939960" y="5380703"/>
+            <a:ext cx="3166949" cy="255249"/>
+          </a:xfrm>
+          <a:prstGeom prst="rect">
+            <a:avLst/>
+          </a:prstGeom>
+          <a:noFill/>
+          <a:ln>
+            <a:solidFill>
+              <a:schemeClr val="tx1"/>
+            </a:solidFill>
+          </a:ln>
+        </p:spPr>
+        <p:style>
+          <a:lnRef idx="2">
+            <a:schemeClr val="accent1">
+              <a:shade val="50000"/>
+            </a:schemeClr>
+          </a:lnRef>
+          <a:fillRef idx="1">
+            <a:schemeClr val="accent1"/>
+          </a:fillRef>
+          <a:effectRef idx="0">
+            <a:schemeClr val="accent1"/>
+          </a:effectRef>
+          <a:fontRef idx="minor">
+            <a:schemeClr val="lt1"/>
+          </a:fontRef>
+        </p:style>
+        <p:txBody>
+          <a:bodyPr rtlCol="0" anchor="ctr"/>
+          <a:lstStyle/>
+          <a:p>
+            <a:pPr algn="ctr"/>
+            <a:r>
+              <a:rPr lang="de-CH" sz="1200" dirty="0">
+                <a:solidFill>
+                  <a:schemeClr val="tx1"/>
+                </a:solidFill>
+                <a:latin typeface="Arial" panose="020B0604020202020204" pitchFamily="34" charset="0"/>
+                <a:cs typeface="Arial" panose="020B0604020202020204" pitchFamily="34" charset="0"/>
+              </a:rPr>
+              <a:t>Code verlangen</a:t>
+            </a:r>
+          </a:p>
+        </p:txBody>
+      </p:sp>
+      <p:sp>
+        <p:nvSpPr>
+          <p:cNvPr id="47" name="Rechteck 46">
+            <a:extLst>
+              <a:ext uri="{FF2B5EF4-FFF2-40B4-BE49-F238E27FC236}">
+                <a16:creationId xmlns:a16="http://schemas.microsoft.com/office/drawing/2014/main" id="{0FD8E2B6-5852-0C27-E170-BEE59DB08D7E}"/>
+              </a:ext>
+            </a:extLst>
+          </p:cNvPr>
+          <p:cNvSpPr/>
+          <p:nvPr/>
+        </p:nvSpPr>
+        <p:spPr>
+          <a:xfrm>
+            <a:off x="8311836" y="3575875"/>
+            <a:ext cx="3339167" cy="2700860"/>
+          </a:xfrm>
+          <a:prstGeom prst="rect">
+            <a:avLst/>
+          </a:prstGeom>
+          <a:solidFill>
+            <a:srgbClr val="DFE0E1"/>
+          </a:solidFill>
+          <a:ln>
+            <a:solidFill>
+              <a:srgbClr val="C8C8C8"/>
+            </a:solidFill>
+          </a:ln>
+        </p:spPr>
+        <p:style>
+          <a:lnRef idx="2">
+            <a:schemeClr val="accent1">
+              <a:shade val="50000"/>
+            </a:schemeClr>
+          </a:lnRef>
+          <a:fillRef idx="1">
+            <a:schemeClr val="accent1"/>
+          </a:fillRef>
+          <a:effectRef idx="0">
+            <a:schemeClr val="accent1"/>
+          </a:effectRef>
+          <a:fontRef idx="minor">
+            <a:schemeClr val="lt1"/>
+          </a:fontRef>
+        </p:style>
+        <p:txBody>
+          <a:bodyPr rtlCol="0" anchor="ctr"/>
+          <a:lstStyle/>
+          <a:p>
+            <a:pPr algn="ctr"/>
+            <a:endParaRPr lang="de-CH" sz="1600" dirty="0">
+              <a:solidFill>
+                <a:schemeClr val="tx1"/>
+              </a:solidFill>
+              <a:latin typeface="Arial" panose="020B0604020202020204" pitchFamily="34" charset="0"/>
+              <a:cs typeface="Arial" panose="020B0604020202020204" pitchFamily="34" charset="0"/>
+            </a:endParaRPr>
+          </a:p>
+        </p:txBody>
+      </p:sp>
+      <p:sp>
+        <p:nvSpPr>
+          <p:cNvPr id="48" name="Rechteck 47">
+            <a:extLst>
+              <a:ext uri="{FF2B5EF4-FFF2-40B4-BE49-F238E27FC236}">
+                <a16:creationId xmlns:a16="http://schemas.microsoft.com/office/drawing/2014/main" id="{D15B7C6D-01F9-2037-A443-C43FD54DAED0}"/>
+              </a:ext>
+            </a:extLst>
+          </p:cNvPr>
+          <p:cNvSpPr/>
+          <p:nvPr/>
+        </p:nvSpPr>
+        <p:spPr>
+          <a:xfrm>
+            <a:off x="8322191" y="3460431"/>
+            <a:ext cx="3339167" cy="889930"/>
+          </a:xfrm>
+          <a:prstGeom prst="rect">
+            <a:avLst/>
+          </a:prstGeom>
+          <a:solidFill>
+            <a:schemeClr val="tx1"/>
+          </a:solidFill>
+          <a:ln>
+            <a:solidFill>
+              <a:schemeClr val="tx1"/>
+            </a:solidFill>
+          </a:ln>
+        </p:spPr>
+        <p:style>
+          <a:lnRef idx="2">
+            <a:schemeClr val="accent1">
+              <a:shade val="50000"/>
+            </a:schemeClr>
+          </a:lnRef>
+          <a:fillRef idx="1">
+            <a:schemeClr val="accent1"/>
+          </a:fillRef>
+          <a:effectRef idx="0">
+            <a:schemeClr val="accent1"/>
+          </a:effectRef>
+          <a:fontRef idx="minor">
+            <a:schemeClr val="lt1"/>
+          </a:fontRef>
+        </p:style>
+        <p:txBody>
+          <a:bodyPr rtlCol="0" anchor="ctr"/>
+          <a:lstStyle/>
+          <a:p>
+            <a:pPr algn="ctr"/>
+            <a:r>
+              <a:rPr lang="de-CH" sz="1600" b="1" dirty="0">
+                <a:solidFill>
+                  <a:srgbClr val="FF000A"/>
+                </a:solidFill>
+                <a:latin typeface="Arial" panose="020B0604020202020204" pitchFamily="34" charset="0"/>
+                <a:cs typeface="Arial" panose="020B0604020202020204" pitchFamily="34" charset="0"/>
+              </a:rPr>
+              <a:t>          </a:t>
+            </a:r>
+          </a:p>
+          <a:p>
+            <a:pPr algn="ctr"/>
+            <a:r>
+              <a:rPr lang="de-CH" sz="1400" b="1" dirty="0">
+                <a:solidFill>
+                  <a:srgbClr val="FF000A"/>
+                </a:solidFill>
+                <a:latin typeface="Arial" panose="020B0604020202020204" pitchFamily="34" charset="0"/>
+                <a:cs typeface="Arial" panose="020B0604020202020204" pitchFamily="34" charset="0"/>
+              </a:rPr>
+              <a:t>Gästebuch-Bild hochladen </a:t>
+            </a:r>
+          </a:p>
+        </p:txBody>
+      </p:sp>
+      <p:pic>
+        <p:nvPicPr>
+          <p:cNvPr id="49" name="Grafik 48">
+            <a:extLst>
+              <a:ext uri="{FF2B5EF4-FFF2-40B4-BE49-F238E27FC236}">
+                <a16:creationId xmlns:a16="http://schemas.microsoft.com/office/drawing/2014/main" id="{50843E47-6898-FD76-62BA-AF3124DDAC94}"/>
+              </a:ext>
+            </a:extLst>
+          </p:cNvPr>
+          <p:cNvPicPr>
+            <a:picLocks noChangeAspect="1"/>
+          </p:cNvPicPr>
+          <p:nvPr/>
+        </p:nvPicPr>
+        <p:blipFill>
+          <a:blip r:embed="rId6"/>
+          <a:stretch>
+            <a:fillRect/>
+          </a:stretch>
+        </p:blipFill>
+        <p:spPr>
+          <a:xfrm>
+            <a:off x="8763205" y="3557090"/>
+            <a:ext cx="2457143" cy="313184"/>
+          </a:xfrm>
+          <a:prstGeom prst="rect">
+            <a:avLst/>
+          </a:prstGeom>
+        </p:spPr>
+      </p:pic>
+      <p:pic>
+        <p:nvPicPr>
+          <p:cNvPr id="52" name="Grafik 51">
+            <a:extLst>
+              <a:ext uri="{FF2B5EF4-FFF2-40B4-BE49-F238E27FC236}">
+                <a16:creationId xmlns:a16="http://schemas.microsoft.com/office/drawing/2014/main" id="{C89CBF16-F9F8-E0C3-0F5F-C86FE0FCE19F}"/>
+              </a:ext>
+            </a:extLst>
+          </p:cNvPr>
+          <p:cNvPicPr>
+            <a:picLocks noChangeAspect="1"/>
+          </p:cNvPicPr>
+          <p:nvPr/>
+        </p:nvPicPr>
+        <p:blipFill>
+          <a:blip r:embed="rId7"/>
+          <a:stretch>
+            <a:fillRect/>
+          </a:stretch>
+        </p:blipFill>
+        <p:spPr>
+          <a:xfrm>
+            <a:off x="11196734" y="3690170"/>
+            <a:ext cx="378514" cy="336888"/>
+          </a:xfrm>
+          <a:prstGeom prst="rect">
+            <a:avLst/>
+          </a:prstGeom>
+        </p:spPr>
+      </p:pic>
+      <p:sp>
+        <p:nvSpPr>
+          <p:cNvPr id="53" name="Textfeld 52">
+            <a:extLst>
+              <a:ext uri="{FF2B5EF4-FFF2-40B4-BE49-F238E27FC236}">
+                <a16:creationId xmlns:a16="http://schemas.microsoft.com/office/drawing/2014/main" id="{A602B7C1-B67A-0A86-D765-834CDA8A8317}"/>
+              </a:ext>
+            </a:extLst>
+          </p:cNvPr>
+          <p:cNvSpPr txBox="1"/>
+          <p:nvPr/>
+        </p:nvSpPr>
+        <p:spPr>
+          <a:xfrm>
+            <a:off x="8375355" y="5591775"/>
+            <a:ext cx="596564" cy="307777"/>
+          </a:xfrm>
+          <a:prstGeom prst="rect">
+            <a:avLst/>
+          </a:prstGeom>
+          <a:noFill/>
+        </p:spPr>
+        <p:txBody>
+          <a:bodyPr wrap="square" rtlCol="0">
+            <a:spAutoFit/>
+          </a:bodyPr>
+          <a:lstStyle/>
+          <a:p>
+            <a:r>
+              <a:rPr lang="de-CH" sz="1400" b="1" dirty="0">
+                <a:latin typeface="Arial" panose="020B0604020202020204" pitchFamily="34" charset="0"/>
+                <a:cs typeface="Arial" panose="020B0604020202020204" pitchFamily="34" charset="0"/>
+              </a:rPr>
+              <a:t>IMG</a:t>
+            </a:r>
+          </a:p>
+        </p:txBody>
+      </p:sp>
+      <p:sp>
+        <p:nvSpPr>
+          <p:cNvPr id="54" name="Rechteck 53">
+            <a:extLst>
+              <a:ext uri="{FF2B5EF4-FFF2-40B4-BE49-F238E27FC236}">
+                <a16:creationId xmlns:a16="http://schemas.microsoft.com/office/drawing/2014/main" id="{C16576DF-8F0E-2DF7-AE60-3798B5185793}"/>
+              </a:ext>
+            </a:extLst>
+          </p:cNvPr>
+          <p:cNvSpPr/>
+          <p:nvPr/>
+        </p:nvSpPr>
+        <p:spPr>
+          <a:xfrm>
+            <a:off x="8933834" y="5588288"/>
+            <a:ext cx="1889187" cy="396755"/>
+          </a:xfrm>
+          <a:prstGeom prst="rect">
+            <a:avLst/>
+          </a:prstGeom>
+          <a:solidFill>
+            <a:schemeClr val="bg1"/>
+          </a:solidFill>
+          <a:ln>
+            <a:solidFill>
+              <a:schemeClr val="tx1"/>
+            </a:solidFill>
+          </a:ln>
+        </p:spPr>
+        <p:style>
+          <a:lnRef idx="2">
+            <a:schemeClr val="accent1">
+              <a:shade val="50000"/>
+            </a:schemeClr>
+          </a:lnRef>
+          <a:fillRef idx="1">
+            <a:schemeClr val="accent1"/>
+          </a:fillRef>
+          <a:effectRef idx="0">
+            <a:schemeClr val="accent1"/>
+          </a:effectRef>
+          <a:fontRef idx="minor">
+            <a:schemeClr val="lt1"/>
+          </a:fontRef>
+        </p:style>
+        <p:txBody>
+          <a:bodyPr rtlCol="0" anchor="ctr"/>
+          <a:lstStyle/>
+          <a:p>
+            <a:r>
+              <a:rPr lang="de-CH" sz="1200" i="1" dirty="0">
+                <a:solidFill>
+                  <a:schemeClr val="tx1"/>
+                </a:solidFill>
+                <a:latin typeface="Arial" panose="020B0604020202020204" pitchFamily="34" charset="0"/>
+                <a:cs typeface="Arial" panose="020B0604020202020204" pitchFamily="34" charset="0"/>
+              </a:rPr>
+              <a:t>Pfad zeigen nach Upload</a:t>
+            </a:r>
+          </a:p>
+        </p:txBody>
+      </p:sp>
+      <p:sp>
+        <p:nvSpPr>
+          <p:cNvPr id="55" name="Rechteck 54">
+            <a:extLst>
+              <a:ext uri="{FF2B5EF4-FFF2-40B4-BE49-F238E27FC236}">
+                <a16:creationId xmlns:a16="http://schemas.microsoft.com/office/drawing/2014/main" id="{3A1EE1E6-38F0-A099-BBF2-F7646671CD29}"/>
+              </a:ext>
+            </a:extLst>
+          </p:cNvPr>
+          <p:cNvSpPr/>
+          <p:nvPr/>
+        </p:nvSpPr>
+        <p:spPr>
+          <a:xfrm>
+            <a:off x="10897363" y="5592980"/>
+            <a:ext cx="735983" cy="384414"/>
+          </a:xfrm>
+          <a:prstGeom prst="rect">
+            <a:avLst/>
+          </a:prstGeom>
+          <a:noFill/>
+          <a:ln>
+            <a:solidFill>
+              <a:schemeClr val="tx1"/>
+            </a:solidFill>
+          </a:ln>
+        </p:spPr>
+        <p:style>
+          <a:lnRef idx="2">
+            <a:schemeClr val="accent1">
+              <a:shade val="50000"/>
+            </a:schemeClr>
+          </a:lnRef>
+          <a:fillRef idx="1">
+            <a:schemeClr val="accent1"/>
+          </a:fillRef>
+          <a:effectRef idx="0">
+            <a:schemeClr val="accent1"/>
+          </a:effectRef>
+          <a:fontRef idx="minor">
+            <a:schemeClr val="lt1"/>
+          </a:fontRef>
+        </p:style>
+        <p:txBody>
+          <a:bodyPr rtlCol="0" anchor="ctr"/>
+          <a:lstStyle/>
+          <a:p>
+            <a:pPr algn="ctr"/>
+            <a:r>
+              <a:rPr lang="de-CH" sz="1200" dirty="0">
+                <a:solidFill>
+                  <a:schemeClr val="tx1"/>
+                </a:solidFill>
+                <a:latin typeface="Arial" panose="020B0604020202020204" pitchFamily="34" charset="0"/>
+                <a:cs typeface="Arial" panose="020B0604020202020204" pitchFamily="34" charset="0"/>
+              </a:rPr>
+              <a:t>Upload</a:t>
+            </a:r>
+          </a:p>
+        </p:txBody>
+      </p:sp>
+      <p:sp>
+        <p:nvSpPr>
+          <p:cNvPr id="58" name="Rechteck 57">
+            <a:extLst>
+              <a:ext uri="{FF2B5EF4-FFF2-40B4-BE49-F238E27FC236}">
+                <a16:creationId xmlns:a16="http://schemas.microsoft.com/office/drawing/2014/main" id="{E2050D06-B769-25D4-4372-7EAF443FA835}"/>
+              </a:ext>
+            </a:extLst>
+          </p:cNvPr>
+          <p:cNvSpPr/>
+          <p:nvPr/>
+        </p:nvSpPr>
+        <p:spPr>
+          <a:xfrm>
+            <a:off x="8408299" y="5224953"/>
+            <a:ext cx="3166949" cy="335748"/>
+          </a:xfrm>
+          <a:prstGeom prst="rect">
+            <a:avLst/>
+          </a:prstGeom>
+          <a:noFill/>
+          <a:ln>
+            <a:solidFill>
+              <a:schemeClr val="tx1"/>
+            </a:solidFill>
+          </a:ln>
+        </p:spPr>
+        <p:style>
+          <a:lnRef idx="2">
+            <a:schemeClr val="accent1">
+              <a:shade val="50000"/>
+            </a:schemeClr>
+          </a:lnRef>
+          <a:fillRef idx="1">
+            <a:schemeClr val="accent1"/>
+          </a:fillRef>
+          <a:effectRef idx="0">
+            <a:schemeClr val="accent1"/>
+          </a:effectRef>
+          <a:fontRef idx="minor">
+            <a:schemeClr val="lt1"/>
+          </a:fontRef>
+        </p:style>
+        <p:txBody>
+          <a:bodyPr rtlCol="0" anchor="ctr"/>
+          <a:lstStyle/>
+          <a:p>
+            <a:pPr algn="ctr"/>
+            <a:r>
+              <a:rPr lang="de-CH" sz="1200" dirty="0">
+                <a:solidFill>
+                  <a:schemeClr val="tx1"/>
+                </a:solidFill>
+                <a:latin typeface="Arial" panose="020B0604020202020204" pitchFamily="34" charset="0"/>
+                <a:cs typeface="Arial" panose="020B0604020202020204" pitchFamily="34" charset="0"/>
+              </a:rPr>
+              <a:t>Code verlangen</a:t>
+            </a:r>
+          </a:p>
+        </p:txBody>
+      </p:sp>
+      <p:sp>
+        <p:nvSpPr>
+          <p:cNvPr id="1041" name="Textfeld 1040">
+            <a:extLst>
+              <a:ext uri="{FF2B5EF4-FFF2-40B4-BE49-F238E27FC236}">
+                <a16:creationId xmlns:a16="http://schemas.microsoft.com/office/drawing/2014/main" id="{342B4F2D-112F-6145-DE5D-6E84C06AF9C1}"/>
+              </a:ext>
+            </a:extLst>
+          </p:cNvPr>
+          <p:cNvSpPr txBox="1"/>
+          <p:nvPr/>
+        </p:nvSpPr>
+        <p:spPr>
+          <a:xfrm>
+            <a:off x="281023" y="105770"/>
+            <a:ext cx="1085233" cy="307777"/>
+          </a:xfrm>
+          <a:prstGeom prst="rect">
+            <a:avLst/>
+          </a:prstGeom>
+          <a:noFill/>
+        </p:spPr>
+        <p:txBody>
+          <a:bodyPr wrap="square" rtlCol="0">
+            <a:spAutoFit/>
+          </a:bodyPr>
+          <a:lstStyle/>
+          <a:p>
+            <a:r>
+              <a:rPr lang="de-CH" sz="1400" b="1" dirty="0">
+                <a:latin typeface="Arial" panose="020B0604020202020204" pitchFamily="34" charset="0"/>
+                <a:cs typeface="Arial" panose="020B0604020202020204" pitchFamily="34" charset="0"/>
+              </a:rPr>
+              <a:t>Zeichnen</a:t>
+            </a:r>
+          </a:p>
+        </p:txBody>
+      </p:sp>
+      <p:sp>
+        <p:nvSpPr>
+          <p:cNvPr id="1042" name="Textfeld 1041">
+            <a:extLst>
+              <a:ext uri="{FF2B5EF4-FFF2-40B4-BE49-F238E27FC236}">
+                <a16:creationId xmlns:a16="http://schemas.microsoft.com/office/drawing/2014/main" id="{136A48F8-DA25-759F-5881-4AB6213342E0}"/>
+              </a:ext>
+            </a:extLst>
+          </p:cNvPr>
+          <p:cNvSpPr txBox="1"/>
+          <p:nvPr/>
+        </p:nvSpPr>
+        <p:spPr>
+          <a:xfrm>
+            <a:off x="1589116" y="59520"/>
+            <a:ext cx="1372560" cy="307777"/>
+          </a:xfrm>
+          <a:prstGeom prst="rect">
+            <a:avLst/>
+          </a:prstGeom>
+          <a:noFill/>
+        </p:spPr>
+        <p:txBody>
+          <a:bodyPr wrap="square" rtlCol="0">
+            <a:spAutoFit/>
+          </a:bodyPr>
+          <a:lstStyle/>
+          <a:p>
+            <a:r>
+              <a:rPr lang="de-CH" sz="1400" b="1" dirty="0">
+                <a:latin typeface="Arial" panose="020B0604020202020204" pitchFamily="34" charset="0"/>
+                <a:cs typeface="Arial" panose="020B0604020202020204" pitchFamily="34" charset="0"/>
+              </a:rPr>
+              <a:t>Kamerabild</a:t>
+            </a:r>
+          </a:p>
+        </p:txBody>
+      </p:sp>
+      <p:sp>
+        <p:nvSpPr>
+          <p:cNvPr id="1043" name="Textfeld 1042">
+            <a:extLst>
+              <a:ext uri="{FF2B5EF4-FFF2-40B4-BE49-F238E27FC236}">
+                <a16:creationId xmlns:a16="http://schemas.microsoft.com/office/drawing/2014/main" id="{E479BF37-F472-A36D-0F8C-F1A5E9591682}"/>
+              </a:ext>
+            </a:extLst>
+          </p:cNvPr>
+          <p:cNvSpPr txBox="1"/>
+          <p:nvPr/>
+        </p:nvSpPr>
+        <p:spPr>
+          <a:xfrm>
+            <a:off x="1155737" y="1364238"/>
+            <a:ext cx="1372560" cy="307777"/>
+          </a:xfrm>
+          <a:prstGeom prst="rect">
+            <a:avLst/>
+          </a:prstGeom>
+          <a:noFill/>
+        </p:spPr>
+        <p:txBody>
+          <a:bodyPr wrap="square" rtlCol="0">
+            <a:spAutoFit/>
+          </a:bodyPr>
+          <a:lstStyle/>
+          <a:p>
+            <a:r>
+              <a:rPr lang="de-CH" sz="1400" b="1" dirty="0">
+                <a:latin typeface="Arial" panose="020B0604020202020204" pitchFamily="34" charset="0"/>
+                <a:cs typeface="Arial" panose="020B0604020202020204" pitchFamily="34" charset="0"/>
+              </a:rPr>
+              <a:t>Selfie</a:t>
+            </a:r>
+          </a:p>
+        </p:txBody>
+      </p:sp>
+      <p:sp>
+        <p:nvSpPr>
+          <p:cNvPr id="1044" name="Textfeld 1043">
+            <a:extLst>
+              <a:ext uri="{FF2B5EF4-FFF2-40B4-BE49-F238E27FC236}">
+                <a16:creationId xmlns:a16="http://schemas.microsoft.com/office/drawing/2014/main" id="{7777148A-7963-2881-0BFF-A8F9D79E0AAD}"/>
+              </a:ext>
+            </a:extLst>
+          </p:cNvPr>
+          <p:cNvSpPr txBox="1"/>
+          <p:nvPr/>
+        </p:nvSpPr>
+        <p:spPr>
+          <a:xfrm>
+            <a:off x="3328948" y="879655"/>
+            <a:ext cx="1372560" cy="307777"/>
+          </a:xfrm>
+          <a:prstGeom prst="rect">
+            <a:avLst/>
+          </a:prstGeom>
+          <a:noFill/>
+        </p:spPr>
+        <p:txBody>
+          <a:bodyPr wrap="square" rtlCol="0">
+            <a:spAutoFit/>
+          </a:bodyPr>
+          <a:lstStyle/>
+          <a:p>
+            <a:r>
+              <a:rPr lang="de-CH" sz="1400" b="1" dirty="0">
+                <a:latin typeface="Arial" panose="020B0604020202020204" pitchFamily="34" charset="0"/>
+                <a:cs typeface="Arial" panose="020B0604020202020204" pitchFamily="34" charset="0"/>
+              </a:rPr>
+              <a:t>Bild aufladen</a:t>
+            </a:r>
+          </a:p>
+        </p:txBody>
+      </p:sp>
+      <p:sp>
+        <p:nvSpPr>
+          <p:cNvPr id="1045" name="Textfeld 1044">
+            <a:extLst>
+              <a:ext uri="{FF2B5EF4-FFF2-40B4-BE49-F238E27FC236}">
+                <a16:creationId xmlns:a16="http://schemas.microsoft.com/office/drawing/2014/main" id="{D55DCDEC-C324-8998-7991-CC762E3E9B59}"/>
+              </a:ext>
+            </a:extLst>
+          </p:cNvPr>
+          <p:cNvSpPr txBox="1"/>
+          <p:nvPr/>
+        </p:nvSpPr>
+        <p:spPr>
+          <a:xfrm>
+            <a:off x="7243773" y="81833"/>
+            <a:ext cx="2008291" cy="307777"/>
+          </a:xfrm>
+          <a:prstGeom prst="rect">
+            <a:avLst/>
+          </a:prstGeom>
+          <a:noFill/>
+        </p:spPr>
+        <p:txBody>
+          <a:bodyPr wrap="square" rtlCol="0">
+            <a:spAutoFit/>
+          </a:bodyPr>
+          <a:lstStyle/>
+          <a:p>
+            <a:r>
+              <a:rPr lang="de-CH" sz="1400" b="1" dirty="0">
+                <a:latin typeface="Arial" panose="020B0604020202020204" pitchFamily="34" charset="0"/>
+                <a:cs typeface="Arial" panose="020B0604020202020204" pitchFamily="34" charset="0"/>
+              </a:rPr>
+              <a:t>Name(n) und E-Mail</a:t>
+            </a:r>
+          </a:p>
+        </p:txBody>
+      </p:sp>
+      <p:sp>
+        <p:nvSpPr>
+          <p:cNvPr id="1046" name="Rechteck 1045">
+            <a:extLst>
+              <a:ext uri="{FF2B5EF4-FFF2-40B4-BE49-F238E27FC236}">
+                <a16:creationId xmlns:a16="http://schemas.microsoft.com/office/drawing/2014/main" id="{B4F41A37-C1D4-9CBF-D68E-A790BC2BF8D9}"/>
+              </a:ext>
+            </a:extLst>
+          </p:cNvPr>
+          <p:cNvSpPr/>
+          <p:nvPr/>
+        </p:nvSpPr>
+        <p:spPr>
+          <a:xfrm>
+            <a:off x="8998804" y="4542655"/>
+            <a:ext cx="2579516" cy="301629"/>
+          </a:xfrm>
+          <a:prstGeom prst="rect">
+            <a:avLst/>
+          </a:prstGeom>
+          <a:solidFill>
+            <a:schemeClr val="bg1"/>
+          </a:solidFill>
+          <a:ln>
+            <a:solidFill>
+              <a:schemeClr val="tx1"/>
+            </a:solidFill>
+          </a:ln>
+        </p:spPr>
+        <p:style>
+          <a:lnRef idx="2">
+            <a:schemeClr val="accent1">
+              <a:shade val="50000"/>
+            </a:schemeClr>
+          </a:lnRef>
+          <a:fillRef idx="1">
+            <a:schemeClr val="accent1"/>
+          </a:fillRef>
+          <a:effectRef idx="0">
+            <a:schemeClr val="accent1"/>
+          </a:effectRef>
+          <a:fontRef idx="minor">
+            <a:schemeClr val="lt1"/>
+          </a:fontRef>
+        </p:style>
+        <p:txBody>
+          <a:bodyPr rtlCol="0" anchor="ctr"/>
+          <a:lstStyle/>
+          <a:p>
+            <a:r>
+              <a:rPr lang="de-CH" sz="1200" i="1" dirty="0">
+                <a:solidFill>
+                  <a:schemeClr val="tx1"/>
+                </a:solidFill>
+                <a:latin typeface="Arial" panose="020B0604020202020204" pitchFamily="34" charset="0"/>
+                <a:cs typeface="Arial" panose="020B0604020202020204" pitchFamily="34" charset="0"/>
+              </a:rPr>
+              <a:t>Name(n) eingeben …</a:t>
+            </a:r>
+          </a:p>
+        </p:txBody>
+      </p:sp>
+      <p:sp>
+        <p:nvSpPr>
+          <p:cNvPr id="1047" name="Textfeld 1046">
+            <a:extLst>
+              <a:ext uri="{FF2B5EF4-FFF2-40B4-BE49-F238E27FC236}">
+                <a16:creationId xmlns:a16="http://schemas.microsoft.com/office/drawing/2014/main" id="{D036505F-B1DE-C618-F4EF-0EAF4A35CFA2}"/>
+              </a:ext>
+            </a:extLst>
+          </p:cNvPr>
+          <p:cNvSpPr txBox="1"/>
+          <p:nvPr/>
+        </p:nvSpPr>
+        <p:spPr>
+          <a:xfrm>
+            <a:off x="8320329" y="4539581"/>
+            <a:ext cx="678475" cy="307777"/>
+          </a:xfrm>
+          <a:prstGeom prst="rect">
+            <a:avLst/>
+          </a:prstGeom>
+          <a:noFill/>
+        </p:spPr>
+        <p:txBody>
+          <a:bodyPr wrap="square" rtlCol="0">
+            <a:spAutoFit/>
+          </a:bodyPr>
+          <a:lstStyle/>
+          <a:p>
+            <a:r>
+              <a:rPr lang="de-CH" sz="1400" b="1" dirty="0">
+                <a:latin typeface="Arial" panose="020B0604020202020204" pitchFamily="34" charset="0"/>
+                <a:cs typeface="Arial" panose="020B0604020202020204" pitchFamily="34" charset="0"/>
+              </a:rPr>
+              <a:t>Name</a:t>
+            </a:r>
+          </a:p>
+        </p:txBody>
+      </p:sp>
+      <p:sp>
+        <p:nvSpPr>
+          <p:cNvPr id="1048" name="Rechteck 1047">
+            <a:extLst>
+              <a:ext uri="{FF2B5EF4-FFF2-40B4-BE49-F238E27FC236}">
+                <a16:creationId xmlns:a16="http://schemas.microsoft.com/office/drawing/2014/main" id="{DC9CF81C-2DB1-DC60-B999-AF5428AA443B}"/>
+              </a:ext>
+            </a:extLst>
+          </p:cNvPr>
+          <p:cNvSpPr/>
+          <p:nvPr/>
+        </p:nvSpPr>
+        <p:spPr>
+          <a:xfrm>
+            <a:off x="8999398" y="4899494"/>
+            <a:ext cx="2579516" cy="301629"/>
+          </a:xfrm>
+          <a:prstGeom prst="rect">
+            <a:avLst/>
+          </a:prstGeom>
+          <a:solidFill>
+            <a:schemeClr val="bg1"/>
+          </a:solidFill>
+          <a:ln>
+            <a:solidFill>
+              <a:schemeClr val="tx1"/>
+            </a:solidFill>
+          </a:ln>
+        </p:spPr>
+        <p:style>
+          <a:lnRef idx="2">
+            <a:schemeClr val="accent1">
+              <a:shade val="50000"/>
+            </a:schemeClr>
+          </a:lnRef>
+          <a:fillRef idx="1">
+            <a:schemeClr val="accent1"/>
+          </a:fillRef>
+          <a:effectRef idx="0">
+            <a:schemeClr val="accent1"/>
+          </a:effectRef>
+          <a:fontRef idx="minor">
+            <a:schemeClr val="lt1"/>
+          </a:fontRef>
+        </p:style>
+        <p:txBody>
+          <a:bodyPr rtlCol="0" anchor="ctr"/>
+          <a:lstStyle/>
+          <a:p>
+            <a:r>
+              <a:rPr lang="de-CH" sz="1200" i="1" dirty="0">
+                <a:solidFill>
+                  <a:schemeClr val="tx1"/>
+                </a:solidFill>
+                <a:latin typeface="Arial" panose="020B0604020202020204" pitchFamily="34" charset="0"/>
+                <a:cs typeface="Arial" panose="020B0604020202020204" pitchFamily="34" charset="0"/>
+              </a:rPr>
+              <a:t>E-Mail Adresse eingeben …</a:t>
+            </a:r>
+          </a:p>
+        </p:txBody>
+      </p:sp>
+      <p:sp>
+        <p:nvSpPr>
+          <p:cNvPr id="1049" name="Textfeld 1048">
+            <a:extLst>
+              <a:ext uri="{FF2B5EF4-FFF2-40B4-BE49-F238E27FC236}">
+                <a16:creationId xmlns:a16="http://schemas.microsoft.com/office/drawing/2014/main" id="{97EFF8C7-D268-B914-7A54-E76C647A627A}"/>
+              </a:ext>
+            </a:extLst>
+          </p:cNvPr>
+          <p:cNvSpPr txBox="1"/>
+          <p:nvPr/>
+        </p:nvSpPr>
+        <p:spPr>
+          <a:xfrm>
+            <a:off x="8320923" y="4896420"/>
+            <a:ext cx="789260" cy="307777"/>
+          </a:xfrm>
+          <a:prstGeom prst="rect">
+            <a:avLst/>
+          </a:prstGeom>
+          <a:noFill/>
+        </p:spPr>
+        <p:txBody>
+          <a:bodyPr wrap="square" rtlCol="0">
+            <a:spAutoFit/>
+          </a:bodyPr>
+          <a:lstStyle/>
+          <a:p>
+            <a:r>
+              <a:rPr lang="de-CH" sz="1400" b="1" dirty="0">
+                <a:latin typeface="Arial" panose="020B0604020202020204" pitchFamily="34" charset="0"/>
+                <a:cs typeface="Arial" panose="020B0604020202020204" pitchFamily="34" charset="0"/>
+              </a:rPr>
+              <a:t>E-Mail</a:t>
+            </a:r>
+          </a:p>
+        </p:txBody>
+      </p:sp>
+      <p:sp>
+        <p:nvSpPr>
+          <p:cNvPr id="1050" name="Textfeld 1049">
+            <a:extLst>
+              <a:ext uri="{FF2B5EF4-FFF2-40B4-BE49-F238E27FC236}">
+                <a16:creationId xmlns:a16="http://schemas.microsoft.com/office/drawing/2014/main" id="{A8CB4338-DD3E-4983-B3E5-B8F18005E55F}"/>
+              </a:ext>
+            </a:extLst>
+          </p:cNvPr>
+          <p:cNvSpPr txBox="1"/>
+          <p:nvPr/>
+        </p:nvSpPr>
+        <p:spPr>
+          <a:xfrm>
+            <a:off x="10289700" y="1094638"/>
+            <a:ext cx="2008291" cy="307777"/>
+          </a:xfrm>
+          <a:prstGeom prst="rect">
+            <a:avLst/>
+          </a:prstGeom>
+          <a:noFill/>
+        </p:spPr>
+        <p:txBody>
+          <a:bodyPr wrap="square" rtlCol="0">
+            <a:spAutoFit/>
+          </a:bodyPr>
+          <a:lstStyle/>
+          <a:p>
+            <a:r>
+              <a:rPr lang="de-CH" sz="1400" b="1" dirty="0">
+                <a:latin typeface="Arial" panose="020B0604020202020204" pitchFamily="34" charset="0"/>
+                <a:cs typeface="Arial" panose="020B0604020202020204" pitchFamily="34" charset="0"/>
+              </a:rPr>
+              <a:t>E-Mail öffnen</a:t>
+            </a:r>
+          </a:p>
+        </p:txBody>
+      </p:sp>
+      <p:sp>
+        <p:nvSpPr>
+          <p:cNvPr id="1051" name="Textfeld 1050">
+            <a:extLst>
+              <a:ext uri="{FF2B5EF4-FFF2-40B4-BE49-F238E27FC236}">
+                <a16:creationId xmlns:a16="http://schemas.microsoft.com/office/drawing/2014/main" id="{8C183003-EB90-73E1-6B66-5FFC04FCC86C}"/>
+              </a:ext>
+            </a:extLst>
+          </p:cNvPr>
+          <p:cNvSpPr txBox="1"/>
+          <p:nvPr/>
+        </p:nvSpPr>
+        <p:spPr>
+          <a:xfrm>
+            <a:off x="495489" y="3408274"/>
+            <a:ext cx="3007203" cy="307777"/>
+          </a:xfrm>
+          <a:prstGeom prst="rect">
+            <a:avLst/>
+          </a:prstGeom>
+          <a:noFill/>
+        </p:spPr>
+        <p:txBody>
+          <a:bodyPr wrap="square" rtlCol="0">
+            <a:spAutoFit/>
+          </a:bodyPr>
+          <a:lstStyle/>
+          <a:p>
+            <a:r>
+              <a:rPr lang="de-CH" sz="1400" b="1" dirty="0">
+                <a:latin typeface="Arial" panose="020B0604020202020204" pitchFamily="34" charset="0"/>
+                <a:cs typeface="Arial" panose="020B0604020202020204" pitchFamily="34" charset="0"/>
+              </a:rPr>
+              <a:t>Code verlangen und eingeben</a:t>
+            </a:r>
+          </a:p>
+        </p:txBody>
+      </p:sp>
+      <p:sp>
+        <p:nvSpPr>
+          <p:cNvPr id="1052" name="Textfeld 1051">
+            <a:extLst>
+              <a:ext uri="{FF2B5EF4-FFF2-40B4-BE49-F238E27FC236}">
+                <a16:creationId xmlns:a16="http://schemas.microsoft.com/office/drawing/2014/main" id="{67AADC91-BC37-B0D5-CBC4-A9AE20679774}"/>
+              </a:ext>
+            </a:extLst>
+          </p:cNvPr>
+          <p:cNvSpPr txBox="1"/>
+          <p:nvPr/>
+        </p:nvSpPr>
+        <p:spPr>
+          <a:xfrm>
+            <a:off x="4856728" y="3406302"/>
+            <a:ext cx="1890912" cy="307777"/>
+          </a:xfrm>
+          <a:prstGeom prst="rect">
+            <a:avLst/>
+          </a:prstGeom>
+          <a:noFill/>
+        </p:spPr>
+        <p:txBody>
+          <a:bodyPr wrap="square" rtlCol="0">
+            <a:spAutoFit/>
+          </a:bodyPr>
+          <a:lstStyle/>
+          <a:p>
+            <a:r>
+              <a:rPr lang="de-CH" sz="1400" b="1" dirty="0">
+                <a:latin typeface="Arial" panose="020B0604020202020204" pitchFamily="34" charset="0"/>
+                <a:cs typeface="Arial" panose="020B0604020202020204" pitchFamily="34" charset="0"/>
+              </a:rPr>
+              <a:t>Code eingeben</a:t>
+            </a:r>
+          </a:p>
+        </p:txBody>
+      </p:sp>
+      <p:sp>
+        <p:nvSpPr>
+          <p:cNvPr id="1053" name="Textfeld 1052">
+            <a:extLst>
+              <a:ext uri="{FF2B5EF4-FFF2-40B4-BE49-F238E27FC236}">
+                <a16:creationId xmlns:a16="http://schemas.microsoft.com/office/drawing/2014/main" id="{80F29475-5C4C-4339-98C2-5688E53E1DF0}"/>
+              </a:ext>
+            </a:extLst>
+          </p:cNvPr>
+          <p:cNvSpPr txBox="1"/>
+          <p:nvPr/>
+        </p:nvSpPr>
+        <p:spPr>
+          <a:xfrm>
+            <a:off x="8409600" y="3078878"/>
+            <a:ext cx="3118577" cy="307777"/>
+          </a:xfrm>
+          <a:prstGeom prst="rect">
+            <a:avLst/>
+          </a:prstGeom>
+          <a:noFill/>
+        </p:spPr>
+        <p:txBody>
+          <a:bodyPr wrap="square" rtlCol="0">
+            <a:spAutoFit/>
+          </a:bodyPr>
+          <a:lstStyle/>
+          <a:p>
+            <a:r>
+              <a:rPr lang="de-CH" sz="1400" b="1" dirty="0">
+                <a:latin typeface="Arial" panose="020B0604020202020204" pitchFamily="34" charset="0"/>
+                <a:cs typeface="Arial" panose="020B0604020202020204" pitchFamily="34" charset="0"/>
+              </a:rPr>
+              <a:t>Bild aufladen</a:t>
+            </a:r>
+          </a:p>
+        </p:txBody>
+      </p:sp>
+      <p:sp>
+        <p:nvSpPr>
+          <p:cNvPr id="1054" name="Textfeld 1053">
+            <a:extLst>
+              <a:ext uri="{FF2B5EF4-FFF2-40B4-BE49-F238E27FC236}">
+                <a16:creationId xmlns:a16="http://schemas.microsoft.com/office/drawing/2014/main" id="{0586D12B-F391-32A7-07CA-D2CC7BBAA08A}"/>
+              </a:ext>
+            </a:extLst>
+          </p:cNvPr>
+          <p:cNvSpPr txBox="1"/>
+          <p:nvPr/>
+        </p:nvSpPr>
+        <p:spPr>
+          <a:xfrm>
+            <a:off x="1285943" y="2284898"/>
+            <a:ext cx="556074" cy="646331"/>
+          </a:xfrm>
+          <a:prstGeom prst="rect">
+            <a:avLst/>
+          </a:prstGeom>
+          <a:noFill/>
+        </p:spPr>
+        <p:txBody>
+          <a:bodyPr wrap="square" rtlCol="0">
+            <a:spAutoFit/>
+          </a:bodyPr>
+          <a:lstStyle/>
+          <a:p>
+            <a:r>
+              <a:rPr lang="de-CH" sz="3600" b="1" dirty="0">
+                <a:latin typeface="Arial" panose="020B0604020202020204" pitchFamily="34" charset="0"/>
+                <a:cs typeface="Arial" panose="020B0604020202020204" pitchFamily="34" charset="0"/>
+              </a:rPr>
+              <a:t>1</a:t>
+            </a:r>
+          </a:p>
+        </p:txBody>
+      </p:sp>
+      <p:sp>
+        <p:nvSpPr>
+          <p:cNvPr id="1055" name="Textfeld 1054">
+            <a:extLst>
+              <a:ext uri="{FF2B5EF4-FFF2-40B4-BE49-F238E27FC236}">
+                <a16:creationId xmlns:a16="http://schemas.microsoft.com/office/drawing/2014/main" id="{3AAF4792-6D56-4D3E-64B2-B385E3827B88}"/>
+              </a:ext>
+            </a:extLst>
+          </p:cNvPr>
+          <p:cNvSpPr txBox="1"/>
+          <p:nvPr/>
+        </p:nvSpPr>
+        <p:spPr>
+          <a:xfrm>
+            <a:off x="4422306" y="2291712"/>
+            <a:ext cx="711294" cy="646331"/>
+          </a:xfrm>
+          <a:prstGeom prst="rect">
+            <a:avLst/>
+          </a:prstGeom>
+          <a:noFill/>
+        </p:spPr>
+        <p:txBody>
+          <a:bodyPr wrap="square" rtlCol="0">
+            <a:spAutoFit/>
+          </a:bodyPr>
+          <a:lstStyle/>
+          <a:p>
+            <a:r>
+              <a:rPr lang="de-CH" sz="3600" b="1" dirty="0">
+                <a:latin typeface="Arial" panose="020B0604020202020204" pitchFamily="34" charset="0"/>
+                <a:cs typeface="Arial" panose="020B0604020202020204" pitchFamily="34" charset="0"/>
+              </a:rPr>
+              <a:t>2</a:t>
+            </a:r>
+          </a:p>
+        </p:txBody>
+      </p:sp>
+      <p:sp>
+        <p:nvSpPr>
+          <p:cNvPr id="1056" name="Textfeld 1055">
+            <a:extLst>
+              <a:ext uri="{FF2B5EF4-FFF2-40B4-BE49-F238E27FC236}">
+                <a16:creationId xmlns:a16="http://schemas.microsoft.com/office/drawing/2014/main" id="{13C50AF9-1114-FA7B-B9E2-551BF6A08388}"/>
+              </a:ext>
+            </a:extLst>
+          </p:cNvPr>
+          <p:cNvSpPr txBox="1"/>
+          <p:nvPr/>
+        </p:nvSpPr>
+        <p:spPr>
+          <a:xfrm>
+            <a:off x="7916693" y="2291712"/>
+            <a:ext cx="556074" cy="646331"/>
+          </a:xfrm>
+          <a:prstGeom prst="rect">
+            <a:avLst/>
+          </a:prstGeom>
+          <a:noFill/>
+        </p:spPr>
+        <p:txBody>
+          <a:bodyPr wrap="square" rtlCol="0">
+            <a:spAutoFit/>
+          </a:bodyPr>
+          <a:lstStyle/>
+          <a:p>
+            <a:r>
+              <a:rPr lang="de-CH" sz="3600" b="1" dirty="0">
+                <a:latin typeface="Arial" panose="020B0604020202020204" pitchFamily="34" charset="0"/>
+                <a:cs typeface="Arial" panose="020B0604020202020204" pitchFamily="34" charset="0"/>
+              </a:rPr>
+              <a:t>3</a:t>
+            </a:r>
+          </a:p>
+        </p:txBody>
+      </p:sp>
+      <p:sp>
+        <p:nvSpPr>
+          <p:cNvPr id="1057" name="Textfeld 1056">
+            <a:extLst>
+              <a:ext uri="{FF2B5EF4-FFF2-40B4-BE49-F238E27FC236}">
+                <a16:creationId xmlns:a16="http://schemas.microsoft.com/office/drawing/2014/main" id="{04949F1F-7261-D132-683D-AA08F2653D31}"/>
+              </a:ext>
+            </a:extLst>
+          </p:cNvPr>
+          <p:cNvSpPr txBox="1"/>
+          <p:nvPr/>
+        </p:nvSpPr>
+        <p:spPr>
+          <a:xfrm>
+            <a:off x="10664274" y="2247997"/>
+            <a:ext cx="556074" cy="646331"/>
+          </a:xfrm>
+          <a:prstGeom prst="rect">
+            <a:avLst/>
+          </a:prstGeom>
+          <a:noFill/>
+        </p:spPr>
+        <p:txBody>
+          <a:bodyPr wrap="square" rtlCol="0">
+            <a:spAutoFit/>
+          </a:bodyPr>
+          <a:lstStyle/>
+          <a:p>
+            <a:r>
+              <a:rPr lang="de-CH" sz="3600" b="1" dirty="0">
+                <a:latin typeface="Arial" panose="020B0604020202020204" pitchFamily="34" charset="0"/>
+                <a:cs typeface="Arial" panose="020B0604020202020204" pitchFamily="34" charset="0"/>
+              </a:rPr>
+              <a:t>4</a:t>
+            </a:r>
+          </a:p>
+        </p:txBody>
+      </p:sp>
+      <p:sp>
+        <p:nvSpPr>
+          <p:cNvPr id="1058" name="Textfeld 1057">
+            <a:extLst>
+              <a:ext uri="{FF2B5EF4-FFF2-40B4-BE49-F238E27FC236}">
+                <a16:creationId xmlns:a16="http://schemas.microsoft.com/office/drawing/2014/main" id="{86B8B3DE-360C-A0EC-0200-7C2C9398A04F}"/>
+              </a:ext>
+            </a:extLst>
+          </p:cNvPr>
+          <p:cNvSpPr txBox="1"/>
+          <p:nvPr/>
+        </p:nvSpPr>
+        <p:spPr>
+          <a:xfrm>
+            <a:off x="1388434" y="6111572"/>
+            <a:ext cx="556074" cy="646331"/>
+          </a:xfrm>
+          <a:prstGeom prst="rect">
+            <a:avLst/>
+          </a:prstGeom>
+          <a:noFill/>
+        </p:spPr>
+        <p:txBody>
+          <a:bodyPr wrap="square" rtlCol="0">
+            <a:spAutoFit/>
+          </a:bodyPr>
+          <a:lstStyle/>
+          <a:p>
+            <a:r>
+              <a:rPr lang="de-CH" sz="3600" b="1" dirty="0">
+                <a:latin typeface="Arial" panose="020B0604020202020204" pitchFamily="34" charset="0"/>
+                <a:cs typeface="Arial" panose="020B0604020202020204" pitchFamily="34" charset="0"/>
+              </a:rPr>
+              <a:t>5</a:t>
+            </a:r>
+          </a:p>
+        </p:txBody>
+      </p:sp>
+      <p:sp>
+        <p:nvSpPr>
+          <p:cNvPr id="1059" name="Textfeld 1058">
+            <a:extLst>
+              <a:ext uri="{FF2B5EF4-FFF2-40B4-BE49-F238E27FC236}">
+                <a16:creationId xmlns:a16="http://schemas.microsoft.com/office/drawing/2014/main" id="{377AABCD-C62C-A086-C376-59EF42127685}"/>
+              </a:ext>
+            </a:extLst>
+          </p:cNvPr>
+          <p:cNvSpPr txBox="1"/>
+          <p:nvPr/>
+        </p:nvSpPr>
+        <p:spPr>
+          <a:xfrm>
+            <a:off x="5261048" y="6215797"/>
+            <a:ext cx="556074" cy="646331"/>
+          </a:xfrm>
+          <a:prstGeom prst="rect">
+            <a:avLst/>
+          </a:prstGeom>
+          <a:noFill/>
+        </p:spPr>
+        <p:txBody>
+          <a:bodyPr wrap="square" rtlCol="0">
+            <a:spAutoFit/>
+          </a:bodyPr>
+          <a:lstStyle/>
+          <a:p>
+            <a:r>
+              <a:rPr lang="de-CH" sz="3600" b="1" dirty="0">
+                <a:latin typeface="Arial" panose="020B0604020202020204" pitchFamily="34" charset="0"/>
+                <a:cs typeface="Arial" panose="020B0604020202020204" pitchFamily="34" charset="0"/>
+              </a:rPr>
+              <a:t>6</a:t>
+            </a:r>
+          </a:p>
+        </p:txBody>
+      </p:sp>
+      <p:sp>
+        <p:nvSpPr>
+          <p:cNvPr id="1060" name="Textfeld 1059">
+            <a:extLst>
+              <a:ext uri="{FF2B5EF4-FFF2-40B4-BE49-F238E27FC236}">
+                <a16:creationId xmlns:a16="http://schemas.microsoft.com/office/drawing/2014/main" id="{CB782207-C6EE-9E47-EDE2-B4B3E59A1316}"/>
+              </a:ext>
+            </a:extLst>
+          </p:cNvPr>
+          <p:cNvSpPr txBox="1"/>
+          <p:nvPr/>
+        </p:nvSpPr>
+        <p:spPr>
+          <a:xfrm>
+            <a:off x="9749014" y="6211669"/>
+            <a:ext cx="556074" cy="646331"/>
+          </a:xfrm>
+          <a:prstGeom prst="rect">
+            <a:avLst/>
+          </a:prstGeom>
+          <a:noFill/>
+        </p:spPr>
+        <p:txBody>
+          <a:bodyPr wrap="square" rtlCol="0">
+            <a:spAutoFit/>
+          </a:bodyPr>
+          <a:lstStyle/>
+          <a:p>
+            <a:r>
+              <a:rPr lang="de-CH" sz="3600" b="1" dirty="0">
+                <a:latin typeface="Arial" panose="020B0604020202020204" pitchFamily="34" charset="0"/>
+                <a:cs typeface="Arial" panose="020B0604020202020204" pitchFamily="34" charset="0"/>
+              </a:rPr>
+              <a:t>7</a:t>
             </a:r>
           </a:p>
         </p:txBody>
@@ -8548,7 +7330,7 @@
     </p:spTree>
     <p:extLst>
       <p:ext uri="{BB962C8B-B14F-4D97-AF65-F5344CB8AC3E}">
-        <p14:creationId xmlns:p14="http://schemas.microsoft.com/office/powerpoint/2010/main" val="3356822967"/>
+        <p14:creationId xmlns:p14="http://schemas.microsoft.com/office/powerpoint/2010/main" val="477222488"/>
       </p:ext>
     </p:extLst>
   </p:cSld>
@@ -8577,6 +7359,1255 @@
       </p:grpSpPr>
       <p:sp>
         <p:nvSpPr>
+          <p:cNvPr id="37" name="Rechteck 36">
+            <a:extLst>
+              <a:ext uri="{FF2B5EF4-FFF2-40B4-BE49-F238E27FC236}">
+                <a16:creationId xmlns:a16="http://schemas.microsoft.com/office/drawing/2014/main" id="{66159739-0224-8070-249D-799960436EA0}"/>
+              </a:ext>
+            </a:extLst>
+          </p:cNvPr>
+          <p:cNvSpPr/>
+          <p:nvPr/>
+        </p:nvSpPr>
+        <p:spPr>
+          <a:xfrm>
+            <a:off x="4068690" y="397349"/>
+            <a:ext cx="3339167" cy="6227893"/>
+          </a:xfrm>
+          <a:prstGeom prst="rect">
+            <a:avLst/>
+          </a:prstGeom>
+          <a:solidFill>
+            <a:srgbClr val="DFE0E1"/>
+          </a:solidFill>
+          <a:ln>
+            <a:solidFill>
+              <a:srgbClr val="C8C8C8"/>
+            </a:solidFill>
+          </a:ln>
+        </p:spPr>
+        <p:style>
+          <a:lnRef idx="2">
+            <a:schemeClr val="accent1">
+              <a:shade val="50000"/>
+            </a:schemeClr>
+          </a:lnRef>
+          <a:fillRef idx="1">
+            <a:schemeClr val="accent1"/>
+          </a:fillRef>
+          <a:effectRef idx="0">
+            <a:schemeClr val="accent1"/>
+          </a:effectRef>
+          <a:fontRef idx="minor">
+            <a:schemeClr val="lt1"/>
+          </a:fontRef>
+        </p:style>
+        <p:txBody>
+          <a:bodyPr rtlCol="0" anchor="ctr"/>
+          <a:lstStyle/>
+          <a:p>
+            <a:pPr algn="ctr"/>
+            <a:endParaRPr lang="de-CH" sz="1600" dirty="0">
+              <a:solidFill>
+                <a:schemeClr val="tx1"/>
+              </a:solidFill>
+              <a:latin typeface="Arial" panose="020B0604020202020204" pitchFamily="34" charset="0"/>
+              <a:cs typeface="Arial" panose="020B0604020202020204" pitchFamily="34" charset="0"/>
+            </a:endParaRPr>
+          </a:p>
+        </p:txBody>
+      </p:sp>
+      <p:sp>
+        <p:nvSpPr>
+          <p:cNvPr id="38" name="Rechteck 37">
+            <a:extLst>
+              <a:ext uri="{FF2B5EF4-FFF2-40B4-BE49-F238E27FC236}">
+                <a16:creationId xmlns:a16="http://schemas.microsoft.com/office/drawing/2014/main" id="{540AE164-332A-09D3-4E06-29A94954EC84}"/>
+              </a:ext>
+            </a:extLst>
+          </p:cNvPr>
+          <p:cNvSpPr/>
+          <p:nvPr/>
+        </p:nvSpPr>
+        <p:spPr>
+          <a:xfrm>
+            <a:off x="4068687" y="302550"/>
+            <a:ext cx="3339167" cy="769028"/>
+          </a:xfrm>
+          <a:prstGeom prst="rect">
+            <a:avLst/>
+          </a:prstGeom>
+          <a:solidFill>
+            <a:schemeClr val="tx1"/>
+          </a:solidFill>
+          <a:ln>
+            <a:solidFill>
+              <a:schemeClr val="tx1"/>
+            </a:solidFill>
+          </a:ln>
+        </p:spPr>
+        <p:style>
+          <a:lnRef idx="2">
+            <a:schemeClr val="accent1">
+              <a:shade val="50000"/>
+            </a:schemeClr>
+          </a:lnRef>
+          <a:fillRef idx="1">
+            <a:schemeClr val="accent1"/>
+          </a:fillRef>
+          <a:effectRef idx="0">
+            <a:schemeClr val="accent1"/>
+          </a:effectRef>
+          <a:fontRef idx="minor">
+            <a:schemeClr val="lt1"/>
+          </a:fontRef>
+        </p:style>
+        <p:txBody>
+          <a:bodyPr rtlCol="0" anchor="ctr"/>
+          <a:lstStyle/>
+          <a:p>
+            <a:pPr algn="ctr"/>
+            <a:r>
+              <a:rPr lang="de-CH" sz="1600" b="1" dirty="0">
+                <a:solidFill>
+                  <a:srgbClr val="FF000A"/>
+                </a:solidFill>
+                <a:latin typeface="Arial" panose="020B0604020202020204" pitchFamily="34" charset="0"/>
+                <a:cs typeface="Arial" panose="020B0604020202020204" pitchFamily="34" charset="0"/>
+              </a:rPr>
+              <a:t>          </a:t>
+            </a:r>
+          </a:p>
+          <a:p>
+            <a:pPr algn="ctr"/>
+            <a:r>
+              <a:rPr lang="de-CH" sz="1400" b="1" dirty="0">
+                <a:solidFill>
+                  <a:srgbClr val="FF000A"/>
+                </a:solidFill>
+                <a:latin typeface="Arial" panose="020B0604020202020204" pitchFamily="34" charset="0"/>
+                <a:cs typeface="Arial" panose="020B0604020202020204" pitchFamily="34" charset="0"/>
+              </a:rPr>
+              <a:t>Gästebuch-Bild hochladen </a:t>
+            </a:r>
+          </a:p>
+        </p:txBody>
+      </p:sp>
+      <p:pic>
+        <p:nvPicPr>
+          <p:cNvPr id="36" name="Grafik 35">
+            <a:extLst>
+              <a:ext uri="{FF2B5EF4-FFF2-40B4-BE49-F238E27FC236}">
+                <a16:creationId xmlns:a16="http://schemas.microsoft.com/office/drawing/2014/main" id="{21E292FE-3E49-C106-DE88-0409A3F4E81B}"/>
+              </a:ext>
+            </a:extLst>
+          </p:cNvPr>
+          <p:cNvPicPr>
+            <a:picLocks noChangeAspect="1"/>
+          </p:cNvPicPr>
+          <p:nvPr/>
+        </p:nvPicPr>
+        <p:blipFill>
+          <a:blip r:embed="rId2"/>
+          <a:stretch>
+            <a:fillRect/>
+          </a:stretch>
+        </p:blipFill>
+        <p:spPr>
+          <a:xfrm>
+            <a:off x="4509701" y="399209"/>
+            <a:ext cx="2457143" cy="238095"/>
+          </a:xfrm>
+          <a:prstGeom prst="rect">
+            <a:avLst/>
+          </a:prstGeom>
+        </p:spPr>
+      </p:pic>
+      <p:sp>
+        <p:nvSpPr>
+          <p:cNvPr id="39" name="Rechteck 38">
+            <a:extLst>
+              <a:ext uri="{FF2B5EF4-FFF2-40B4-BE49-F238E27FC236}">
+                <a16:creationId xmlns:a16="http://schemas.microsoft.com/office/drawing/2014/main" id="{24EA8C2D-6863-2978-0C07-93F36FB5B62F}"/>
+              </a:ext>
+            </a:extLst>
+          </p:cNvPr>
+          <p:cNvSpPr/>
+          <p:nvPr/>
+        </p:nvSpPr>
+        <p:spPr>
+          <a:xfrm>
+            <a:off x="4746568" y="1137899"/>
+            <a:ext cx="2579516" cy="301629"/>
+          </a:xfrm>
+          <a:prstGeom prst="rect">
+            <a:avLst/>
+          </a:prstGeom>
+          <a:solidFill>
+            <a:schemeClr val="bg1"/>
+          </a:solidFill>
+          <a:ln>
+            <a:solidFill>
+              <a:schemeClr val="tx1"/>
+            </a:solidFill>
+          </a:ln>
+        </p:spPr>
+        <p:style>
+          <a:lnRef idx="2">
+            <a:schemeClr val="accent1">
+              <a:shade val="50000"/>
+            </a:schemeClr>
+          </a:lnRef>
+          <a:fillRef idx="1">
+            <a:schemeClr val="accent1"/>
+          </a:fillRef>
+          <a:effectRef idx="0">
+            <a:schemeClr val="accent1"/>
+          </a:effectRef>
+          <a:fontRef idx="minor">
+            <a:schemeClr val="lt1"/>
+          </a:fontRef>
+        </p:style>
+        <p:txBody>
+          <a:bodyPr rtlCol="0" anchor="ctr"/>
+          <a:lstStyle/>
+          <a:p>
+            <a:r>
+              <a:rPr lang="de-CH" sz="1200" i="1" dirty="0">
+                <a:solidFill>
+                  <a:schemeClr val="tx1"/>
+                </a:solidFill>
+                <a:latin typeface="Arial" panose="020B0604020202020204" pitchFamily="34" charset="0"/>
+                <a:cs typeface="Arial" panose="020B0604020202020204" pitchFamily="34" charset="0"/>
+              </a:rPr>
+              <a:t>Name(n) eingeben …</a:t>
+            </a:r>
+          </a:p>
+        </p:txBody>
+      </p:sp>
+      <p:sp>
+        <p:nvSpPr>
+          <p:cNvPr id="40" name="Textfeld 39">
+            <a:extLst>
+              <a:ext uri="{FF2B5EF4-FFF2-40B4-BE49-F238E27FC236}">
+                <a16:creationId xmlns:a16="http://schemas.microsoft.com/office/drawing/2014/main" id="{75EF25B3-2D78-8470-3EA7-1561C4A2751C}"/>
+              </a:ext>
+            </a:extLst>
+          </p:cNvPr>
+          <p:cNvSpPr txBox="1"/>
+          <p:nvPr/>
+        </p:nvSpPr>
+        <p:spPr>
+          <a:xfrm>
+            <a:off x="4068093" y="1134825"/>
+            <a:ext cx="678475" cy="307777"/>
+          </a:xfrm>
+          <a:prstGeom prst="rect">
+            <a:avLst/>
+          </a:prstGeom>
+          <a:noFill/>
+        </p:spPr>
+        <p:txBody>
+          <a:bodyPr wrap="square" rtlCol="0">
+            <a:spAutoFit/>
+          </a:bodyPr>
+          <a:lstStyle/>
+          <a:p>
+            <a:r>
+              <a:rPr lang="de-CH" sz="1400" b="1" dirty="0">
+                <a:latin typeface="Arial" panose="020B0604020202020204" pitchFamily="34" charset="0"/>
+                <a:cs typeface="Arial" panose="020B0604020202020204" pitchFamily="34" charset="0"/>
+              </a:rPr>
+              <a:t>Name</a:t>
+            </a:r>
+          </a:p>
+        </p:txBody>
+      </p:sp>
+      <p:sp>
+        <p:nvSpPr>
+          <p:cNvPr id="41" name="Rechteck 40">
+            <a:extLst>
+              <a:ext uri="{FF2B5EF4-FFF2-40B4-BE49-F238E27FC236}">
+                <a16:creationId xmlns:a16="http://schemas.microsoft.com/office/drawing/2014/main" id="{93DC624D-691E-C2CE-2509-44EB5AA4FEC2}"/>
+              </a:ext>
+            </a:extLst>
+          </p:cNvPr>
+          <p:cNvSpPr/>
+          <p:nvPr/>
+        </p:nvSpPr>
+        <p:spPr>
+          <a:xfrm>
+            <a:off x="4747162" y="1494738"/>
+            <a:ext cx="2579516" cy="301629"/>
+          </a:xfrm>
+          <a:prstGeom prst="rect">
+            <a:avLst/>
+          </a:prstGeom>
+          <a:solidFill>
+            <a:schemeClr val="bg1"/>
+          </a:solidFill>
+          <a:ln>
+            <a:solidFill>
+              <a:schemeClr val="tx1"/>
+            </a:solidFill>
+          </a:ln>
+        </p:spPr>
+        <p:style>
+          <a:lnRef idx="2">
+            <a:schemeClr val="accent1">
+              <a:shade val="50000"/>
+            </a:schemeClr>
+          </a:lnRef>
+          <a:fillRef idx="1">
+            <a:schemeClr val="accent1"/>
+          </a:fillRef>
+          <a:effectRef idx="0">
+            <a:schemeClr val="accent1"/>
+          </a:effectRef>
+          <a:fontRef idx="minor">
+            <a:schemeClr val="lt1"/>
+          </a:fontRef>
+        </p:style>
+        <p:txBody>
+          <a:bodyPr rtlCol="0" anchor="ctr"/>
+          <a:lstStyle/>
+          <a:p>
+            <a:r>
+              <a:rPr lang="de-CH" sz="1200" i="1" dirty="0">
+                <a:solidFill>
+                  <a:schemeClr val="tx1"/>
+                </a:solidFill>
+                <a:latin typeface="Arial" panose="020B0604020202020204" pitchFamily="34" charset="0"/>
+                <a:cs typeface="Arial" panose="020B0604020202020204" pitchFamily="34" charset="0"/>
+              </a:rPr>
+              <a:t>E-Mail Adresse eingeben …</a:t>
+            </a:r>
+          </a:p>
+        </p:txBody>
+      </p:sp>
+      <p:sp>
+        <p:nvSpPr>
+          <p:cNvPr id="42" name="Textfeld 41">
+            <a:extLst>
+              <a:ext uri="{FF2B5EF4-FFF2-40B4-BE49-F238E27FC236}">
+                <a16:creationId xmlns:a16="http://schemas.microsoft.com/office/drawing/2014/main" id="{998E33D5-6A69-0D61-6009-1663816340AA}"/>
+              </a:ext>
+            </a:extLst>
+          </p:cNvPr>
+          <p:cNvSpPr txBox="1"/>
+          <p:nvPr/>
+        </p:nvSpPr>
+        <p:spPr>
+          <a:xfrm>
+            <a:off x="4068687" y="1491664"/>
+            <a:ext cx="789260" cy="307777"/>
+          </a:xfrm>
+          <a:prstGeom prst="rect">
+            <a:avLst/>
+          </a:prstGeom>
+          <a:noFill/>
+        </p:spPr>
+        <p:txBody>
+          <a:bodyPr wrap="square" rtlCol="0">
+            <a:spAutoFit/>
+          </a:bodyPr>
+          <a:lstStyle/>
+          <a:p>
+            <a:r>
+              <a:rPr lang="de-CH" sz="1400" b="1" dirty="0">
+                <a:latin typeface="Arial" panose="020B0604020202020204" pitchFamily="34" charset="0"/>
+                <a:cs typeface="Arial" panose="020B0604020202020204" pitchFamily="34" charset="0"/>
+              </a:rPr>
+              <a:t>E-Mail</a:t>
+            </a:r>
+          </a:p>
+        </p:txBody>
+      </p:sp>
+      <p:sp>
+        <p:nvSpPr>
+          <p:cNvPr id="43" name="Rechteck 42">
+            <a:extLst>
+              <a:ext uri="{FF2B5EF4-FFF2-40B4-BE49-F238E27FC236}">
+                <a16:creationId xmlns:a16="http://schemas.microsoft.com/office/drawing/2014/main" id="{93FB0C75-490B-A826-AF13-2664BAC76100}"/>
+              </a:ext>
+            </a:extLst>
+          </p:cNvPr>
+          <p:cNvSpPr/>
+          <p:nvPr/>
+        </p:nvSpPr>
+        <p:spPr>
+          <a:xfrm>
+            <a:off x="4159135" y="1862689"/>
+            <a:ext cx="3166949" cy="255249"/>
+          </a:xfrm>
+          <a:prstGeom prst="rect">
+            <a:avLst/>
+          </a:prstGeom>
+          <a:noFill/>
+          <a:ln>
+            <a:solidFill>
+              <a:schemeClr val="tx1"/>
+            </a:solidFill>
+          </a:ln>
+        </p:spPr>
+        <p:style>
+          <a:lnRef idx="2">
+            <a:schemeClr val="accent1">
+              <a:shade val="50000"/>
+            </a:schemeClr>
+          </a:lnRef>
+          <a:fillRef idx="1">
+            <a:schemeClr val="accent1"/>
+          </a:fillRef>
+          <a:effectRef idx="0">
+            <a:schemeClr val="accent1"/>
+          </a:effectRef>
+          <a:fontRef idx="minor">
+            <a:schemeClr val="lt1"/>
+          </a:fontRef>
+        </p:style>
+        <p:txBody>
+          <a:bodyPr rtlCol="0" anchor="ctr"/>
+          <a:lstStyle/>
+          <a:p>
+            <a:pPr algn="ctr"/>
+            <a:r>
+              <a:rPr lang="de-CH" sz="1200" dirty="0">
+                <a:solidFill>
+                  <a:schemeClr val="tx1"/>
+                </a:solidFill>
+                <a:latin typeface="Arial" panose="020B0604020202020204" pitchFamily="34" charset="0"/>
+                <a:cs typeface="Arial" panose="020B0604020202020204" pitchFamily="34" charset="0"/>
+              </a:rPr>
+              <a:t>Code verlangen</a:t>
+            </a:r>
+          </a:p>
+        </p:txBody>
+      </p:sp>
+      <p:sp>
+        <p:nvSpPr>
+          <p:cNvPr id="44" name="Rechteck 43">
+            <a:extLst>
+              <a:ext uri="{FF2B5EF4-FFF2-40B4-BE49-F238E27FC236}">
+                <a16:creationId xmlns:a16="http://schemas.microsoft.com/office/drawing/2014/main" id="{C8441DBC-F492-30F3-7DDE-F36160AED254}"/>
+              </a:ext>
+            </a:extLst>
+          </p:cNvPr>
+          <p:cNvSpPr/>
+          <p:nvPr/>
+        </p:nvSpPr>
+        <p:spPr>
+          <a:xfrm>
+            <a:off x="4746568" y="2180076"/>
+            <a:ext cx="1769191" cy="301629"/>
+          </a:xfrm>
+          <a:prstGeom prst="rect">
+            <a:avLst/>
+          </a:prstGeom>
+          <a:solidFill>
+            <a:schemeClr val="bg1"/>
+          </a:solidFill>
+          <a:ln>
+            <a:solidFill>
+              <a:schemeClr val="tx1"/>
+            </a:solidFill>
+          </a:ln>
+        </p:spPr>
+        <p:style>
+          <a:lnRef idx="2">
+            <a:schemeClr val="accent1">
+              <a:shade val="50000"/>
+            </a:schemeClr>
+          </a:lnRef>
+          <a:fillRef idx="1">
+            <a:schemeClr val="accent1"/>
+          </a:fillRef>
+          <a:effectRef idx="0">
+            <a:schemeClr val="accent1"/>
+          </a:effectRef>
+          <a:fontRef idx="minor">
+            <a:schemeClr val="lt1"/>
+          </a:fontRef>
+        </p:style>
+        <p:txBody>
+          <a:bodyPr rtlCol="0" anchor="ctr"/>
+          <a:lstStyle/>
+          <a:p>
+            <a:r>
+              <a:rPr lang="de-CH" sz="1200" i="1" dirty="0">
+                <a:solidFill>
+                  <a:schemeClr val="tx1"/>
+                </a:solidFill>
+                <a:latin typeface="Arial" panose="020B0604020202020204" pitchFamily="34" charset="0"/>
+                <a:cs typeface="Arial" panose="020B0604020202020204" pitchFamily="34" charset="0"/>
+              </a:rPr>
+              <a:t>Code eingeben …</a:t>
+            </a:r>
+          </a:p>
+        </p:txBody>
+      </p:sp>
+      <p:sp>
+        <p:nvSpPr>
+          <p:cNvPr id="45" name="Textfeld 44">
+            <a:extLst>
+              <a:ext uri="{FF2B5EF4-FFF2-40B4-BE49-F238E27FC236}">
+                <a16:creationId xmlns:a16="http://schemas.microsoft.com/office/drawing/2014/main" id="{0DCE8159-FBC2-2E7D-5FB1-05913886AF27}"/>
+              </a:ext>
+            </a:extLst>
+          </p:cNvPr>
+          <p:cNvSpPr txBox="1"/>
+          <p:nvPr/>
+        </p:nvSpPr>
+        <p:spPr>
+          <a:xfrm>
+            <a:off x="4068093" y="2177002"/>
+            <a:ext cx="678475" cy="307777"/>
+          </a:xfrm>
+          <a:prstGeom prst="rect">
+            <a:avLst/>
+          </a:prstGeom>
+          <a:noFill/>
+        </p:spPr>
+        <p:txBody>
+          <a:bodyPr wrap="square" rtlCol="0">
+            <a:spAutoFit/>
+          </a:bodyPr>
+          <a:lstStyle/>
+          <a:p>
+            <a:r>
+              <a:rPr lang="de-CH" sz="1400" b="1" dirty="0">
+                <a:latin typeface="Arial" panose="020B0604020202020204" pitchFamily="34" charset="0"/>
+                <a:cs typeface="Arial" panose="020B0604020202020204" pitchFamily="34" charset="0"/>
+              </a:rPr>
+              <a:t>Code</a:t>
+            </a:r>
+          </a:p>
+        </p:txBody>
+      </p:sp>
+      <p:sp>
+        <p:nvSpPr>
+          <p:cNvPr id="46" name="Textfeld 45">
+            <a:extLst>
+              <a:ext uri="{FF2B5EF4-FFF2-40B4-BE49-F238E27FC236}">
+                <a16:creationId xmlns:a16="http://schemas.microsoft.com/office/drawing/2014/main" id="{1B202BDF-133D-92D1-2CE0-BCFCF0172A02}"/>
+              </a:ext>
+            </a:extLst>
+          </p:cNvPr>
+          <p:cNvSpPr txBox="1"/>
+          <p:nvPr/>
+        </p:nvSpPr>
+        <p:spPr>
+          <a:xfrm>
+            <a:off x="4068093" y="2601444"/>
+            <a:ext cx="596564" cy="307777"/>
+          </a:xfrm>
+          <a:prstGeom prst="rect">
+            <a:avLst/>
+          </a:prstGeom>
+          <a:noFill/>
+        </p:spPr>
+        <p:txBody>
+          <a:bodyPr wrap="square" rtlCol="0">
+            <a:spAutoFit/>
+          </a:bodyPr>
+          <a:lstStyle/>
+          <a:p>
+            <a:r>
+              <a:rPr lang="de-CH" sz="1400" b="1" dirty="0">
+                <a:latin typeface="Arial" panose="020B0604020202020204" pitchFamily="34" charset="0"/>
+                <a:cs typeface="Arial" panose="020B0604020202020204" pitchFamily="34" charset="0"/>
+              </a:rPr>
+              <a:t>IMG</a:t>
+            </a:r>
+          </a:p>
+        </p:txBody>
+      </p:sp>
+      <p:sp>
+        <p:nvSpPr>
+          <p:cNvPr id="47" name="Rechteck 46">
+            <a:extLst>
+              <a:ext uri="{FF2B5EF4-FFF2-40B4-BE49-F238E27FC236}">
+                <a16:creationId xmlns:a16="http://schemas.microsoft.com/office/drawing/2014/main" id="{B202347B-92E2-DE4D-0B60-C5EF3B02FD93}"/>
+              </a:ext>
+            </a:extLst>
+          </p:cNvPr>
+          <p:cNvSpPr/>
+          <p:nvPr/>
+        </p:nvSpPr>
+        <p:spPr>
+          <a:xfrm>
+            <a:off x="4626572" y="2597957"/>
+            <a:ext cx="1889187" cy="301629"/>
+          </a:xfrm>
+          <a:prstGeom prst="rect">
+            <a:avLst/>
+          </a:prstGeom>
+          <a:solidFill>
+            <a:schemeClr val="bg1"/>
+          </a:solidFill>
+          <a:ln>
+            <a:solidFill>
+              <a:schemeClr val="tx1"/>
+            </a:solidFill>
+          </a:ln>
+        </p:spPr>
+        <p:style>
+          <a:lnRef idx="2">
+            <a:schemeClr val="accent1">
+              <a:shade val="50000"/>
+            </a:schemeClr>
+          </a:lnRef>
+          <a:fillRef idx="1">
+            <a:schemeClr val="accent1"/>
+          </a:fillRef>
+          <a:effectRef idx="0">
+            <a:schemeClr val="accent1"/>
+          </a:effectRef>
+          <a:fontRef idx="minor">
+            <a:schemeClr val="lt1"/>
+          </a:fontRef>
+        </p:style>
+        <p:txBody>
+          <a:bodyPr rtlCol="0" anchor="ctr"/>
+          <a:lstStyle/>
+          <a:p>
+            <a:r>
+              <a:rPr lang="de-CH" sz="1200" i="1" dirty="0">
+                <a:solidFill>
+                  <a:schemeClr val="tx1"/>
+                </a:solidFill>
+                <a:latin typeface="Arial" panose="020B0604020202020204" pitchFamily="34" charset="0"/>
+                <a:cs typeface="Arial" panose="020B0604020202020204" pitchFamily="34" charset="0"/>
+              </a:rPr>
+              <a:t>Pfad zeigen nach Upload</a:t>
+            </a:r>
+          </a:p>
+        </p:txBody>
+      </p:sp>
+      <p:sp>
+        <p:nvSpPr>
+          <p:cNvPr id="48" name="Rechteck 47">
+            <a:extLst>
+              <a:ext uri="{FF2B5EF4-FFF2-40B4-BE49-F238E27FC236}">
+                <a16:creationId xmlns:a16="http://schemas.microsoft.com/office/drawing/2014/main" id="{889E301C-EC31-1561-5F03-2B26DD44D794}"/>
+              </a:ext>
+            </a:extLst>
+          </p:cNvPr>
+          <p:cNvSpPr/>
+          <p:nvPr/>
+        </p:nvSpPr>
+        <p:spPr>
+          <a:xfrm>
+            <a:off x="6590101" y="2602649"/>
+            <a:ext cx="735983" cy="292247"/>
+          </a:xfrm>
+          <a:prstGeom prst="rect">
+            <a:avLst/>
+          </a:prstGeom>
+          <a:noFill/>
+          <a:ln>
+            <a:solidFill>
+              <a:schemeClr val="tx1"/>
+            </a:solidFill>
+          </a:ln>
+        </p:spPr>
+        <p:style>
+          <a:lnRef idx="2">
+            <a:schemeClr val="accent1">
+              <a:shade val="50000"/>
+            </a:schemeClr>
+          </a:lnRef>
+          <a:fillRef idx="1">
+            <a:schemeClr val="accent1"/>
+          </a:fillRef>
+          <a:effectRef idx="0">
+            <a:schemeClr val="accent1"/>
+          </a:effectRef>
+          <a:fontRef idx="minor">
+            <a:schemeClr val="lt1"/>
+          </a:fontRef>
+        </p:style>
+        <p:txBody>
+          <a:bodyPr rtlCol="0" anchor="ctr"/>
+          <a:lstStyle/>
+          <a:p>
+            <a:pPr algn="ctr"/>
+            <a:r>
+              <a:rPr lang="de-CH" sz="1200" dirty="0">
+                <a:solidFill>
+                  <a:schemeClr val="tx1"/>
+                </a:solidFill>
+                <a:latin typeface="Arial" panose="020B0604020202020204" pitchFamily="34" charset="0"/>
+                <a:cs typeface="Arial" panose="020B0604020202020204" pitchFamily="34" charset="0"/>
+              </a:rPr>
+              <a:t>Upload</a:t>
+            </a:r>
+          </a:p>
+        </p:txBody>
+      </p:sp>
+      <p:pic>
+        <p:nvPicPr>
+          <p:cNvPr id="50" name="Grafik 49">
+            <a:extLst>
+              <a:ext uri="{FF2B5EF4-FFF2-40B4-BE49-F238E27FC236}">
+                <a16:creationId xmlns:a16="http://schemas.microsoft.com/office/drawing/2014/main" id="{4677A2E2-4F32-6B23-EA53-C5316753CD64}"/>
+              </a:ext>
+            </a:extLst>
+          </p:cNvPr>
+          <p:cNvPicPr>
+            <a:picLocks noChangeAspect="1"/>
+          </p:cNvPicPr>
+          <p:nvPr/>
+        </p:nvPicPr>
+        <p:blipFill>
+          <a:blip r:embed="rId3"/>
+          <a:stretch>
+            <a:fillRect/>
+          </a:stretch>
+        </p:blipFill>
+        <p:spPr>
+          <a:xfrm>
+            <a:off x="4626572" y="3094872"/>
+            <a:ext cx="2254775" cy="1951405"/>
+          </a:xfrm>
+          <a:prstGeom prst="rect">
+            <a:avLst/>
+          </a:prstGeom>
+        </p:spPr>
+      </p:pic>
+      <p:sp>
+        <p:nvSpPr>
+          <p:cNvPr id="51" name="Rechteck 50">
+            <a:extLst>
+              <a:ext uri="{FF2B5EF4-FFF2-40B4-BE49-F238E27FC236}">
+                <a16:creationId xmlns:a16="http://schemas.microsoft.com/office/drawing/2014/main" id="{76F654AF-8D3E-5AB9-9627-123FE53C2E2C}"/>
+              </a:ext>
+            </a:extLst>
+          </p:cNvPr>
+          <p:cNvSpPr/>
+          <p:nvPr/>
+        </p:nvSpPr>
+        <p:spPr>
+          <a:xfrm>
+            <a:off x="4347557" y="3094871"/>
+            <a:ext cx="2851266" cy="1951405"/>
+          </a:xfrm>
+          <a:prstGeom prst="rect">
+            <a:avLst/>
+          </a:prstGeom>
+          <a:noFill/>
+          <a:ln>
+            <a:solidFill>
+              <a:schemeClr val="tx1"/>
+            </a:solidFill>
+            <a:prstDash val="dash"/>
+          </a:ln>
+        </p:spPr>
+        <p:style>
+          <a:lnRef idx="2">
+            <a:schemeClr val="accent1">
+              <a:shade val="50000"/>
+            </a:schemeClr>
+          </a:lnRef>
+          <a:fillRef idx="1">
+            <a:schemeClr val="accent1"/>
+          </a:fillRef>
+          <a:effectRef idx="0">
+            <a:schemeClr val="accent1"/>
+          </a:effectRef>
+          <a:fontRef idx="minor">
+            <a:schemeClr val="lt1"/>
+          </a:fontRef>
+        </p:style>
+        <p:txBody>
+          <a:bodyPr rtlCol="0" anchor="ctr"/>
+          <a:lstStyle/>
+          <a:p>
+            <a:pPr algn="ctr"/>
+            <a:endParaRPr lang="de-CH" sz="1200" dirty="0">
+              <a:solidFill>
+                <a:schemeClr val="tx1"/>
+              </a:solidFill>
+              <a:latin typeface="Arial" panose="020B0604020202020204" pitchFamily="34" charset="0"/>
+              <a:cs typeface="Arial" panose="020B0604020202020204" pitchFamily="34" charset="0"/>
+            </a:endParaRPr>
+          </a:p>
+        </p:txBody>
+      </p:sp>
+      <p:sp>
+        <p:nvSpPr>
+          <p:cNvPr id="52" name="Rechteck 51">
+            <a:extLst>
+              <a:ext uri="{FF2B5EF4-FFF2-40B4-BE49-F238E27FC236}">
+                <a16:creationId xmlns:a16="http://schemas.microsoft.com/office/drawing/2014/main" id="{A789776A-0466-F259-6C51-07561FA96CDD}"/>
+              </a:ext>
+            </a:extLst>
+          </p:cNvPr>
+          <p:cNvSpPr/>
+          <p:nvPr/>
+        </p:nvSpPr>
+        <p:spPr>
+          <a:xfrm>
+            <a:off x="4746568" y="5095436"/>
+            <a:ext cx="2579516" cy="301629"/>
+          </a:xfrm>
+          <a:prstGeom prst="rect">
+            <a:avLst/>
+          </a:prstGeom>
+          <a:solidFill>
+            <a:schemeClr val="bg1"/>
+          </a:solidFill>
+          <a:ln>
+            <a:solidFill>
+              <a:schemeClr val="tx1"/>
+            </a:solidFill>
+          </a:ln>
+        </p:spPr>
+        <p:style>
+          <a:lnRef idx="2">
+            <a:schemeClr val="accent1">
+              <a:shade val="50000"/>
+            </a:schemeClr>
+          </a:lnRef>
+          <a:fillRef idx="1">
+            <a:schemeClr val="accent1"/>
+          </a:fillRef>
+          <a:effectRef idx="0">
+            <a:schemeClr val="accent1"/>
+          </a:effectRef>
+          <a:fontRef idx="minor">
+            <a:schemeClr val="lt1"/>
+          </a:fontRef>
+        </p:style>
+        <p:txBody>
+          <a:bodyPr rtlCol="0" anchor="ctr"/>
+          <a:lstStyle/>
+          <a:p>
+            <a:r>
+              <a:rPr lang="de-CH" sz="1200" i="1" dirty="0">
+                <a:solidFill>
+                  <a:schemeClr val="tx1"/>
+                </a:solidFill>
+                <a:latin typeface="Arial" panose="020B0604020202020204" pitchFamily="34" charset="0"/>
+                <a:cs typeface="Arial" panose="020B0604020202020204" pitchFamily="34" charset="0"/>
+              </a:rPr>
+              <a:t>Kurzer Bild-Text (Header) eingeben </a:t>
+            </a:r>
+          </a:p>
+        </p:txBody>
+      </p:sp>
+      <p:sp>
+        <p:nvSpPr>
+          <p:cNvPr id="53" name="Textfeld 52">
+            <a:extLst>
+              <a:ext uri="{FF2B5EF4-FFF2-40B4-BE49-F238E27FC236}">
+                <a16:creationId xmlns:a16="http://schemas.microsoft.com/office/drawing/2014/main" id="{868990A3-7704-7727-9F3F-8160B861378F}"/>
+              </a:ext>
+            </a:extLst>
+          </p:cNvPr>
+          <p:cNvSpPr txBox="1"/>
+          <p:nvPr/>
+        </p:nvSpPr>
+        <p:spPr>
+          <a:xfrm>
+            <a:off x="4068093" y="5092362"/>
+            <a:ext cx="789854" cy="307777"/>
+          </a:xfrm>
+          <a:prstGeom prst="rect">
+            <a:avLst/>
+          </a:prstGeom>
+          <a:noFill/>
+        </p:spPr>
+        <p:txBody>
+          <a:bodyPr wrap="square" rtlCol="0">
+            <a:spAutoFit/>
+          </a:bodyPr>
+          <a:lstStyle/>
+          <a:p>
+            <a:r>
+              <a:rPr lang="de-CH" sz="1400" b="1" dirty="0">
+                <a:latin typeface="Arial" panose="020B0604020202020204" pitchFamily="34" charset="0"/>
+                <a:cs typeface="Arial" panose="020B0604020202020204" pitchFamily="34" charset="0"/>
+              </a:rPr>
+              <a:t>Text</a:t>
+            </a:r>
+          </a:p>
+        </p:txBody>
+      </p:sp>
+      <p:sp>
+        <p:nvSpPr>
+          <p:cNvPr id="54" name="Rechteck 53">
+            <a:extLst>
+              <a:ext uri="{FF2B5EF4-FFF2-40B4-BE49-F238E27FC236}">
+                <a16:creationId xmlns:a16="http://schemas.microsoft.com/office/drawing/2014/main" id="{E6EE40C9-65CE-B8ED-6093-89C20ECC5DF2}"/>
+              </a:ext>
+            </a:extLst>
+          </p:cNvPr>
+          <p:cNvSpPr/>
+          <p:nvPr/>
+        </p:nvSpPr>
+        <p:spPr>
+          <a:xfrm>
+            <a:off x="4159136" y="5491865"/>
+            <a:ext cx="3166948" cy="215495"/>
+          </a:xfrm>
+          <a:prstGeom prst="rect">
+            <a:avLst/>
+          </a:prstGeom>
+          <a:noFill/>
+          <a:ln>
+            <a:solidFill>
+              <a:schemeClr val="tx1"/>
+            </a:solidFill>
+          </a:ln>
+        </p:spPr>
+        <p:style>
+          <a:lnRef idx="2">
+            <a:schemeClr val="accent1">
+              <a:shade val="50000"/>
+            </a:schemeClr>
+          </a:lnRef>
+          <a:fillRef idx="1">
+            <a:schemeClr val="accent1"/>
+          </a:fillRef>
+          <a:effectRef idx="0">
+            <a:schemeClr val="accent1"/>
+          </a:effectRef>
+          <a:fontRef idx="minor">
+            <a:schemeClr val="lt1"/>
+          </a:fontRef>
+        </p:style>
+        <p:txBody>
+          <a:bodyPr rtlCol="0" anchor="ctr"/>
+          <a:lstStyle/>
+          <a:p>
+            <a:r>
+              <a:rPr lang="de-CH" sz="1200" dirty="0">
+                <a:solidFill>
+                  <a:schemeClr val="tx1"/>
+                </a:solidFill>
+                <a:latin typeface="Arial" panose="020B0604020202020204" pitchFamily="34" charset="0"/>
+                <a:cs typeface="Arial" panose="020B0604020202020204" pitchFamily="34" charset="0"/>
+              </a:rPr>
+              <a:t>Konzert wählen (optional)</a:t>
+            </a:r>
+          </a:p>
+        </p:txBody>
+      </p:sp>
+      <p:pic>
+        <p:nvPicPr>
+          <p:cNvPr id="55" name="Grafik 54">
+            <a:extLst>
+              <a:ext uri="{FF2B5EF4-FFF2-40B4-BE49-F238E27FC236}">
+                <a16:creationId xmlns:a16="http://schemas.microsoft.com/office/drawing/2014/main" id="{AC2217DF-1918-013A-A9C5-4051DA715EA7}"/>
+              </a:ext>
+            </a:extLst>
+          </p:cNvPr>
+          <p:cNvPicPr>
+            <a:picLocks noChangeAspect="1"/>
+          </p:cNvPicPr>
+          <p:nvPr/>
+        </p:nvPicPr>
+        <p:blipFill>
+          <a:blip r:embed="rId4"/>
+          <a:stretch>
+            <a:fillRect/>
+          </a:stretch>
+        </p:blipFill>
+        <p:spPr>
+          <a:xfrm>
+            <a:off x="6943230" y="5549932"/>
+            <a:ext cx="321154" cy="157428"/>
+          </a:xfrm>
+          <a:prstGeom prst="rect">
+            <a:avLst/>
+          </a:prstGeom>
+        </p:spPr>
+      </p:pic>
+      <p:sp>
+        <p:nvSpPr>
+          <p:cNvPr id="56" name="Textfeld 55">
+            <a:extLst>
+              <a:ext uri="{FF2B5EF4-FFF2-40B4-BE49-F238E27FC236}">
+                <a16:creationId xmlns:a16="http://schemas.microsoft.com/office/drawing/2014/main" id="{F98E6FF7-4C2B-61B8-A3DA-503AB4581CF6}"/>
+              </a:ext>
+            </a:extLst>
+          </p:cNvPr>
+          <p:cNvSpPr txBox="1"/>
+          <p:nvPr/>
+        </p:nvSpPr>
+        <p:spPr>
+          <a:xfrm>
+            <a:off x="4077364" y="5707360"/>
+            <a:ext cx="1342536" cy="246221"/>
+          </a:xfrm>
+          <a:prstGeom prst="rect">
+            <a:avLst/>
+          </a:prstGeom>
+          <a:noFill/>
+        </p:spPr>
+        <p:txBody>
+          <a:bodyPr wrap="square" rtlCol="0">
+            <a:spAutoFit/>
+          </a:bodyPr>
+          <a:lstStyle/>
+          <a:p>
+            <a:r>
+              <a:rPr lang="de-CH" sz="1000" b="1" dirty="0">
+                <a:latin typeface="Arial" panose="020B0604020202020204" pitchFamily="34" charset="0"/>
+                <a:cs typeface="Arial" panose="020B0604020202020204" pitchFamily="34" charset="0"/>
+              </a:rPr>
+              <a:t>Bemerkung</a:t>
+            </a:r>
+          </a:p>
+        </p:txBody>
+      </p:sp>
+      <p:sp>
+        <p:nvSpPr>
+          <p:cNvPr id="57" name="Rechteck 56">
+            <a:extLst>
+              <a:ext uri="{FF2B5EF4-FFF2-40B4-BE49-F238E27FC236}">
+                <a16:creationId xmlns:a16="http://schemas.microsoft.com/office/drawing/2014/main" id="{173E94BB-B836-480F-CDBE-3967FB045AC2}"/>
+              </a:ext>
+            </a:extLst>
+          </p:cNvPr>
+          <p:cNvSpPr/>
+          <p:nvPr/>
+        </p:nvSpPr>
+        <p:spPr>
+          <a:xfrm>
+            <a:off x="4130142" y="5922855"/>
+            <a:ext cx="3166948" cy="301629"/>
+          </a:xfrm>
+          <a:prstGeom prst="rect">
+            <a:avLst/>
+          </a:prstGeom>
+          <a:solidFill>
+            <a:schemeClr val="bg1"/>
+          </a:solidFill>
+          <a:ln>
+            <a:solidFill>
+              <a:schemeClr val="tx1"/>
+            </a:solidFill>
+          </a:ln>
+        </p:spPr>
+        <p:style>
+          <a:lnRef idx="2">
+            <a:schemeClr val="accent1">
+              <a:shade val="50000"/>
+            </a:schemeClr>
+          </a:lnRef>
+          <a:fillRef idx="1">
+            <a:schemeClr val="accent1"/>
+          </a:fillRef>
+          <a:effectRef idx="0">
+            <a:schemeClr val="accent1"/>
+          </a:effectRef>
+          <a:fontRef idx="minor">
+            <a:schemeClr val="lt1"/>
+          </a:fontRef>
+        </p:style>
+        <p:txBody>
+          <a:bodyPr rtlCol="0" anchor="ctr"/>
+          <a:lstStyle/>
+          <a:p>
+            <a:r>
+              <a:rPr lang="de-CH" sz="1200" i="1" dirty="0">
+                <a:solidFill>
+                  <a:schemeClr val="tx1"/>
+                </a:solidFill>
+                <a:latin typeface="Arial" panose="020B0604020202020204" pitchFamily="34" charset="0"/>
+                <a:cs typeface="Arial" panose="020B0604020202020204" pitchFamily="34" charset="0"/>
+              </a:rPr>
+              <a:t>Bemerkung eingeben ….</a:t>
+            </a:r>
+          </a:p>
+        </p:txBody>
+      </p:sp>
+      <p:sp>
+        <p:nvSpPr>
+          <p:cNvPr id="58" name="Rechteck 57">
+            <a:extLst>
+              <a:ext uri="{FF2B5EF4-FFF2-40B4-BE49-F238E27FC236}">
+                <a16:creationId xmlns:a16="http://schemas.microsoft.com/office/drawing/2014/main" id="{C785EC60-4998-70C0-A815-2730FA149737}"/>
+              </a:ext>
+            </a:extLst>
+          </p:cNvPr>
+          <p:cNvSpPr/>
+          <p:nvPr/>
+        </p:nvSpPr>
+        <p:spPr>
+          <a:xfrm>
+            <a:off x="5160683" y="6284514"/>
+            <a:ext cx="1225014" cy="292247"/>
+          </a:xfrm>
+          <a:prstGeom prst="rect">
+            <a:avLst/>
+          </a:prstGeom>
+          <a:noFill/>
+          <a:ln>
+            <a:solidFill>
+              <a:schemeClr val="tx1"/>
+            </a:solidFill>
+          </a:ln>
+        </p:spPr>
+        <p:style>
+          <a:lnRef idx="2">
+            <a:schemeClr val="accent1">
+              <a:shade val="50000"/>
+            </a:schemeClr>
+          </a:lnRef>
+          <a:fillRef idx="1">
+            <a:schemeClr val="accent1"/>
+          </a:fillRef>
+          <a:effectRef idx="0">
+            <a:schemeClr val="accent1"/>
+          </a:effectRef>
+          <a:fontRef idx="minor">
+            <a:schemeClr val="lt1"/>
+          </a:fontRef>
+        </p:style>
+        <p:txBody>
+          <a:bodyPr rtlCol="0" anchor="ctr"/>
+          <a:lstStyle/>
+          <a:p>
+            <a:pPr algn="ctr"/>
+            <a:r>
+              <a:rPr lang="de-CH" sz="1200" b="1" dirty="0">
+                <a:solidFill>
+                  <a:schemeClr val="tx1"/>
+                </a:solidFill>
+                <a:latin typeface="Arial" panose="020B0604020202020204" pitchFamily="34" charset="0"/>
+                <a:cs typeface="Arial" panose="020B0604020202020204" pitchFamily="34" charset="0"/>
+              </a:rPr>
+              <a:t>Senden</a:t>
+            </a:r>
+          </a:p>
+        </p:txBody>
+      </p:sp>
+      <p:pic>
+        <p:nvPicPr>
+          <p:cNvPr id="60" name="Grafik 59">
+            <a:extLst>
+              <a:ext uri="{FF2B5EF4-FFF2-40B4-BE49-F238E27FC236}">
+                <a16:creationId xmlns:a16="http://schemas.microsoft.com/office/drawing/2014/main" id="{61002AC6-078B-0A7A-6ADD-DFDAC83315CD}"/>
+              </a:ext>
+            </a:extLst>
+          </p:cNvPr>
+          <p:cNvPicPr>
+            <a:picLocks noChangeAspect="1"/>
+          </p:cNvPicPr>
+          <p:nvPr/>
+        </p:nvPicPr>
+        <p:blipFill>
+          <a:blip r:embed="rId5"/>
+          <a:stretch>
+            <a:fillRect/>
+          </a:stretch>
+        </p:blipFill>
+        <p:spPr>
+          <a:xfrm>
+            <a:off x="6943230" y="532289"/>
+            <a:ext cx="331444" cy="256116"/>
+          </a:xfrm>
+          <a:prstGeom prst="rect">
+            <a:avLst/>
+          </a:prstGeom>
+        </p:spPr>
+      </p:pic>
+      <p:sp>
+        <p:nvSpPr>
+          <p:cNvPr id="61" name="Rechteck 60">
+            <a:extLst>
+              <a:ext uri="{FF2B5EF4-FFF2-40B4-BE49-F238E27FC236}">
+                <a16:creationId xmlns:a16="http://schemas.microsoft.com/office/drawing/2014/main" id="{BF396F8D-2C31-2485-0E53-6E1A0E712A21}"/>
+              </a:ext>
+            </a:extLst>
+          </p:cNvPr>
+          <p:cNvSpPr/>
+          <p:nvPr/>
+        </p:nvSpPr>
+        <p:spPr>
+          <a:xfrm>
+            <a:off x="6563630" y="2187902"/>
+            <a:ext cx="735983" cy="292247"/>
+          </a:xfrm>
+          <a:prstGeom prst="rect">
+            <a:avLst/>
+          </a:prstGeom>
+          <a:noFill/>
+          <a:ln>
+            <a:solidFill>
+              <a:schemeClr val="tx1"/>
+            </a:solidFill>
+          </a:ln>
+        </p:spPr>
+        <p:style>
+          <a:lnRef idx="2">
+            <a:schemeClr val="accent1">
+              <a:shade val="50000"/>
+            </a:schemeClr>
+          </a:lnRef>
+          <a:fillRef idx="1">
+            <a:schemeClr val="accent1"/>
+          </a:fillRef>
+          <a:effectRef idx="0">
+            <a:schemeClr val="accent1"/>
+          </a:effectRef>
+          <a:fontRef idx="minor">
+            <a:schemeClr val="lt1"/>
+          </a:fontRef>
+        </p:style>
+        <p:txBody>
+          <a:bodyPr rtlCol="0" anchor="ctr"/>
+          <a:lstStyle/>
+          <a:p>
+            <a:pPr algn="ctr"/>
+            <a:r>
+              <a:rPr lang="de-CH" sz="1200" dirty="0">
+                <a:solidFill>
+                  <a:schemeClr val="tx1"/>
+                </a:solidFill>
+                <a:latin typeface="Arial" panose="020B0604020202020204" pitchFamily="34" charset="0"/>
+                <a:cs typeface="Arial" panose="020B0604020202020204" pitchFamily="34" charset="0"/>
+              </a:rPr>
+              <a:t>Senden</a:t>
+            </a:r>
+          </a:p>
+        </p:txBody>
+      </p:sp>
+    </p:spTree>
+    <p:extLst>
+      <p:ext uri="{BB962C8B-B14F-4D97-AF65-F5344CB8AC3E}">
+        <p14:creationId xmlns:p14="http://schemas.microsoft.com/office/powerpoint/2010/main" val="3356822967"/>
+      </p:ext>
+    </p:extLst>
+  </p:cSld>
+  <p:clrMapOvr>
+    <a:masterClrMapping/>
+  </p:clrMapOvr>
+</p:sld>
+</file>
+
+<file path=ppt/slides/slide13.xml><?xml version="1.0" encoding="utf-8"?>
+<p:sld xmlns:a="http://schemas.openxmlformats.org/drawingml/2006/main" xmlns:r="http://schemas.openxmlformats.org/officeDocument/2006/relationships" xmlns:p="http://schemas.openxmlformats.org/presentationml/2006/main">
+  <p:cSld>
+    <p:spTree>
+      <p:nvGrpSpPr>
+        <p:cNvPr id="1" name=""/>
+        <p:cNvGrpSpPr/>
+        <p:nvPr/>
+      </p:nvGrpSpPr>
+      <p:grpSpPr>
+        <a:xfrm>
+          <a:off x="0" y="0"/>
+          <a:ext cx="0" cy="0"/>
+          <a:chOff x="0" y="0"/>
+          <a:chExt cx="0" cy="0"/>
+        </a:xfrm>
+      </p:grpSpPr>
+      <p:sp>
+        <p:nvSpPr>
           <p:cNvPr id="2" name="Rechteck 1">
             <a:extLst>
               <a:ext uri="{FF2B5EF4-FFF2-40B4-BE49-F238E27FC236}">
@@ -9726,7 +9757,7 @@
 </p:sld>
 </file>
 
-<file path=ppt/slides/slide13.xml><?xml version="1.0" encoding="utf-8"?>
+<file path=ppt/slides/slide14.xml><?xml version="1.0" encoding="utf-8"?>
 <p:sld xmlns:a="http://schemas.openxmlformats.org/drawingml/2006/main" xmlns:r="http://schemas.openxmlformats.org/officeDocument/2006/relationships" xmlns:p="http://schemas.openxmlformats.org/presentationml/2006/main">
   <p:cSld>
     <p:spTree>
@@ -16836,10 +16867,1150 @@
           <a:chExt cx="0" cy="0"/>
         </a:xfrm>
       </p:grpSpPr>
+      <p:sp>
+        <p:nvSpPr>
+          <p:cNvPr id="20" name="Rechteck 19">
+            <a:extLst>
+              <a:ext uri="{FF2B5EF4-FFF2-40B4-BE49-F238E27FC236}">
+                <a16:creationId xmlns:a16="http://schemas.microsoft.com/office/drawing/2014/main" id="{4E2F7DAB-F0B0-7688-55E7-25211693D6E7}"/>
+              </a:ext>
+            </a:extLst>
+          </p:cNvPr>
+          <p:cNvSpPr/>
+          <p:nvPr/>
+        </p:nvSpPr>
+        <p:spPr>
+          <a:xfrm>
+            <a:off x="1203964" y="4293135"/>
+            <a:ext cx="1710626" cy="857143"/>
+          </a:xfrm>
+          <a:prstGeom prst="rect">
+            <a:avLst/>
+          </a:prstGeom>
+          <a:solidFill>
+            <a:schemeClr val="tx1"/>
+          </a:solidFill>
+          <a:ln>
+            <a:noFill/>
+          </a:ln>
+        </p:spPr>
+        <p:style>
+          <a:lnRef idx="2">
+            <a:schemeClr val="accent1">
+              <a:shade val="15000"/>
+            </a:schemeClr>
+          </a:lnRef>
+          <a:fillRef idx="1">
+            <a:schemeClr val="accent1"/>
+          </a:fillRef>
+          <a:effectRef idx="0">
+            <a:schemeClr val="accent1"/>
+          </a:effectRef>
+          <a:fontRef idx="minor">
+            <a:schemeClr val="lt1"/>
+          </a:fontRef>
+        </p:style>
+        <p:txBody>
+          <a:bodyPr rtlCol="0" anchor="ctr"/>
+          <a:lstStyle/>
+          <a:p>
+            <a:pPr algn="ctr"/>
+            <a:endParaRPr lang="de-CH"/>
+          </a:p>
+        </p:txBody>
+      </p:sp>
+      <p:sp>
+        <p:nvSpPr>
+          <p:cNvPr id="13" name="Rechteck 12">
+            <a:extLst>
+              <a:ext uri="{FF2B5EF4-FFF2-40B4-BE49-F238E27FC236}">
+                <a16:creationId xmlns:a16="http://schemas.microsoft.com/office/drawing/2014/main" id="{BB31CA2C-9F87-C21F-D05C-41DD4F796D71}"/>
+              </a:ext>
+            </a:extLst>
+          </p:cNvPr>
+          <p:cNvSpPr/>
+          <p:nvPr/>
+        </p:nvSpPr>
+        <p:spPr>
+          <a:xfrm>
+            <a:off x="1203964" y="3278982"/>
+            <a:ext cx="1710626" cy="857143"/>
+          </a:xfrm>
+          <a:prstGeom prst="rect">
+            <a:avLst/>
+          </a:prstGeom>
+          <a:solidFill>
+            <a:schemeClr val="tx1"/>
+          </a:solidFill>
+          <a:ln>
+            <a:noFill/>
+          </a:ln>
+        </p:spPr>
+        <p:style>
+          <a:lnRef idx="2">
+            <a:schemeClr val="accent1">
+              <a:shade val="15000"/>
+            </a:schemeClr>
+          </a:lnRef>
+          <a:fillRef idx="1">
+            <a:schemeClr val="accent1"/>
+          </a:fillRef>
+          <a:effectRef idx="0">
+            <a:schemeClr val="accent1"/>
+          </a:effectRef>
+          <a:fontRef idx="minor">
+            <a:schemeClr val="lt1"/>
+          </a:fontRef>
+        </p:style>
+        <p:txBody>
+          <a:bodyPr rtlCol="0" anchor="ctr"/>
+          <a:lstStyle/>
+          <a:p>
+            <a:pPr algn="ctr"/>
+            <a:endParaRPr lang="de-CH"/>
+          </a:p>
+        </p:txBody>
+      </p:sp>
+      <p:sp>
+        <p:nvSpPr>
+          <p:cNvPr id="4" name="Rechteck 3">
+            <a:extLst>
+              <a:ext uri="{FF2B5EF4-FFF2-40B4-BE49-F238E27FC236}">
+                <a16:creationId xmlns:a16="http://schemas.microsoft.com/office/drawing/2014/main" id="{24A3B85A-B121-28C9-7A9E-D6BF81E3AB61}"/>
+              </a:ext>
+            </a:extLst>
+          </p:cNvPr>
+          <p:cNvSpPr/>
+          <p:nvPr/>
+        </p:nvSpPr>
+        <p:spPr>
+          <a:xfrm>
+            <a:off x="1176815" y="1076595"/>
+            <a:ext cx="1749128" cy="857143"/>
+          </a:xfrm>
+          <a:prstGeom prst="rect">
+            <a:avLst/>
+          </a:prstGeom>
+          <a:solidFill>
+            <a:schemeClr val="tx1"/>
+          </a:solidFill>
+          <a:ln>
+            <a:noFill/>
+          </a:ln>
+        </p:spPr>
+        <p:style>
+          <a:lnRef idx="2">
+            <a:schemeClr val="accent1">
+              <a:shade val="15000"/>
+            </a:schemeClr>
+          </a:lnRef>
+          <a:fillRef idx="1">
+            <a:schemeClr val="accent1"/>
+          </a:fillRef>
+          <a:effectRef idx="0">
+            <a:schemeClr val="accent1"/>
+          </a:effectRef>
+          <a:fontRef idx="minor">
+            <a:schemeClr val="lt1"/>
+          </a:fontRef>
+        </p:style>
+        <p:txBody>
+          <a:bodyPr rtlCol="0" anchor="ctr"/>
+          <a:lstStyle/>
+          <a:p>
+            <a:pPr algn="ctr"/>
+            <a:endParaRPr lang="de-CH"/>
+          </a:p>
+        </p:txBody>
+      </p:sp>
+      <p:pic>
+        <p:nvPicPr>
+          <p:cNvPr id="3" name="Grafik 2">
+            <a:extLst>
+              <a:ext uri="{FF2B5EF4-FFF2-40B4-BE49-F238E27FC236}">
+                <a16:creationId xmlns:a16="http://schemas.microsoft.com/office/drawing/2014/main" id="{32FFF2D8-B226-D063-5989-DF187056269A}"/>
+              </a:ext>
+            </a:extLst>
+          </p:cNvPr>
+          <p:cNvPicPr>
+            <a:picLocks noChangeAspect="1"/>
+          </p:cNvPicPr>
+          <p:nvPr/>
+        </p:nvPicPr>
+        <p:blipFill>
+          <a:blip r:embed="rId2">
+            <a:extLst>
+              <a:ext uri="{28A0092B-C50C-407E-A947-70E740481C1C}">
+                <a14:useLocalDpi xmlns:a14="http://schemas.microsoft.com/office/drawing/2010/main" val="0"/>
+              </a:ext>
+            </a:extLst>
+          </a:blip>
+          <a:stretch>
+            <a:fillRect/>
+          </a:stretch>
+        </p:blipFill>
+        <p:spPr>
+          <a:xfrm>
+            <a:off x="2020314" y="1114235"/>
+            <a:ext cx="868735" cy="781862"/>
+          </a:xfrm>
+          <a:prstGeom prst="rect">
+            <a:avLst/>
+          </a:prstGeom>
+        </p:spPr>
+      </p:pic>
+      <p:sp>
+        <p:nvSpPr>
+          <p:cNvPr id="5" name="Textfeld 4">
+            <a:extLst>
+              <a:ext uri="{FF2B5EF4-FFF2-40B4-BE49-F238E27FC236}">
+                <a16:creationId xmlns:a16="http://schemas.microsoft.com/office/drawing/2014/main" id="{CC6FEEF1-DB87-A54E-B5D5-D0B233610A37}"/>
+              </a:ext>
+            </a:extLst>
+          </p:cNvPr>
+          <p:cNvSpPr txBox="1"/>
+          <p:nvPr/>
+        </p:nvSpPr>
+        <p:spPr>
+          <a:xfrm>
+            <a:off x="1171519" y="1186085"/>
+            <a:ext cx="868735" cy="646331"/>
+          </a:xfrm>
+          <a:prstGeom prst="rect">
+            <a:avLst/>
+          </a:prstGeom>
+          <a:noFill/>
+        </p:spPr>
+        <p:txBody>
+          <a:bodyPr wrap="square" rtlCol="0">
+            <a:spAutoFit/>
+          </a:bodyPr>
+          <a:lstStyle/>
+          <a:p>
+            <a:pPr algn="ctr"/>
+            <a:r>
+              <a:rPr lang="de-CH" b="1" dirty="0">
+                <a:solidFill>
+                  <a:schemeClr val="bg1">
+                    <a:lumMod val="95000"/>
+                  </a:schemeClr>
+                </a:solidFill>
+                <a:latin typeface="Arial" panose="020B0604020202020204" pitchFamily="34" charset="0"/>
+                <a:cs typeface="Arial" panose="020B0604020202020204" pitchFamily="34" charset="0"/>
+              </a:rPr>
+              <a:t>Zu-</a:t>
+            </a:r>
+          </a:p>
+          <a:p>
+            <a:pPr algn="ctr"/>
+            <a:r>
+              <a:rPr lang="de-CH" b="1" dirty="0">
+                <a:solidFill>
+                  <a:schemeClr val="bg1">
+                    <a:lumMod val="95000"/>
+                  </a:schemeClr>
+                </a:solidFill>
+                <a:latin typeface="Arial" panose="020B0604020202020204" pitchFamily="34" charset="0"/>
+                <a:cs typeface="Arial" panose="020B0604020202020204" pitchFamily="34" charset="0"/>
+              </a:rPr>
+              <a:t>fügen</a:t>
+            </a:r>
+          </a:p>
+        </p:txBody>
+      </p:sp>
+      <p:sp>
+        <p:nvSpPr>
+          <p:cNvPr id="6" name="Rechteck 5">
+            <a:extLst>
+              <a:ext uri="{FF2B5EF4-FFF2-40B4-BE49-F238E27FC236}">
+                <a16:creationId xmlns:a16="http://schemas.microsoft.com/office/drawing/2014/main" id="{FAC87A4C-0F74-3D02-F608-8F4AFC1415CB}"/>
+              </a:ext>
+            </a:extLst>
+          </p:cNvPr>
+          <p:cNvSpPr/>
+          <p:nvPr/>
+        </p:nvSpPr>
+        <p:spPr>
+          <a:xfrm>
+            <a:off x="1203964" y="2152530"/>
+            <a:ext cx="1710626" cy="857143"/>
+          </a:xfrm>
+          <a:prstGeom prst="rect">
+            <a:avLst/>
+          </a:prstGeom>
+          <a:solidFill>
+            <a:schemeClr val="tx1"/>
+          </a:solidFill>
+          <a:ln>
+            <a:noFill/>
+          </a:ln>
+        </p:spPr>
+        <p:style>
+          <a:lnRef idx="2">
+            <a:schemeClr val="accent1">
+              <a:shade val="15000"/>
+            </a:schemeClr>
+          </a:lnRef>
+          <a:fillRef idx="1">
+            <a:schemeClr val="accent1"/>
+          </a:fillRef>
+          <a:effectRef idx="0">
+            <a:schemeClr val="accent1"/>
+          </a:effectRef>
+          <a:fontRef idx="minor">
+            <a:schemeClr val="lt1"/>
+          </a:fontRef>
+        </p:style>
+        <p:txBody>
+          <a:bodyPr rtlCol="0" anchor="ctr"/>
+          <a:lstStyle/>
+          <a:p>
+            <a:pPr algn="ctr"/>
+            <a:endParaRPr lang="de-CH"/>
+          </a:p>
+        </p:txBody>
+      </p:sp>
+      <p:sp>
+        <p:nvSpPr>
+          <p:cNvPr id="8" name="Textfeld 7">
+            <a:extLst>
+              <a:ext uri="{FF2B5EF4-FFF2-40B4-BE49-F238E27FC236}">
+                <a16:creationId xmlns:a16="http://schemas.microsoft.com/office/drawing/2014/main" id="{A9E86D03-5EE5-0E65-B0D7-B29CB63F1812}"/>
+              </a:ext>
+            </a:extLst>
+          </p:cNvPr>
+          <p:cNvSpPr txBox="1"/>
+          <p:nvPr/>
+        </p:nvSpPr>
+        <p:spPr>
+          <a:xfrm>
+            <a:off x="1203964" y="2396435"/>
+            <a:ext cx="1354975" cy="369332"/>
+          </a:xfrm>
+          <a:prstGeom prst="rect">
+            <a:avLst/>
+          </a:prstGeom>
+          <a:noFill/>
+        </p:spPr>
+        <p:txBody>
+          <a:bodyPr wrap="square" rtlCol="0">
+            <a:spAutoFit/>
+          </a:bodyPr>
+          <a:lstStyle/>
+          <a:p>
+            <a:r>
+              <a:rPr lang="de-CH" b="1" dirty="0">
+                <a:solidFill>
+                  <a:schemeClr val="bg1">
+                    <a:lumMod val="95000"/>
+                  </a:schemeClr>
+                </a:solidFill>
+                <a:latin typeface="Arial" panose="020B0604020202020204" pitchFamily="34" charset="0"/>
+                <a:cs typeface="Arial" panose="020B0604020202020204" pitchFamily="34" charset="0"/>
+              </a:rPr>
+              <a:t>Admin</a:t>
+            </a:r>
+          </a:p>
+        </p:txBody>
+      </p:sp>
+      <p:pic>
+        <p:nvPicPr>
+          <p:cNvPr id="10" name="Grafik 9">
+            <a:extLst>
+              <a:ext uri="{FF2B5EF4-FFF2-40B4-BE49-F238E27FC236}">
+                <a16:creationId xmlns:a16="http://schemas.microsoft.com/office/drawing/2014/main" id="{664F52A8-0EAD-15EC-CDC6-BA5706D8578E}"/>
+              </a:ext>
+            </a:extLst>
+          </p:cNvPr>
+          <p:cNvPicPr>
+            <a:picLocks noChangeAspect="1"/>
+          </p:cNvPicPr>
+          <p:nvPr/>
+        </p:nvPicPr>
+        <p:blipFill>
+          <a:blip r:embed="rId3"/>
+          <a:stretch>
+            <a:fillRect/>
+          </a:stretch>
+        </p:blipFill>
+        <p:spPr>
+          <a:xfrm>
+            <a:off x="2086004" y="2152530"/>
+            <a:ext cx="817232" cy="857143"/>
+          </a:xfrm>
+          <a:prstGeom prst="rect">
+            <a:avLst/>
+          </a:prstGeom>
+        </p:spPr>
+      </p:pic>
+      <p:pic>
+        <p:nvPicPr>
+          <p:cNvPr id="12" name="Grafik 11">
+            <a:extLst>
+              <a:ext uri="{FF2B5EF4-FFF2-40B4-BE49-F238E27FC236}">
+                <a16:creationId xmlns:a16="http://schemas.microsoft.com/office/drawing/2014/main" id="{FBD8E1DB-6264-54B9-F04B-C41943192846}"/>
+              </a:ext>
+            </a:extLst>
+          </p:cNvPr>
+          <p:cNvPicPr>
+            <a:picLocks noChangeAspect="1"/>
+          </p:cNvPicPr>
+          <p:nvPr/>
+        </p:nvPicPr>
+        <p:blipFill>
+          <a:blip r:embed="rId4">
+            <a:extLst>
+              <a:ext uri="{28A0092B-C50C-407E-A947-70E740481C1C}">
+                <a14:useLocalDpi xmlns:a14="http://schemas.microsoft.com/office/drawing/2010/main" val="0"/>
+              </a:ext>
+            </a:extLst>
+          </a:blip>
+          <a:stretch>
+            <a:fillRect/>
+          </a:stretch>
+        </p:blipFill>
+        <p:spPr>
+          <a:xfrm>
+            <a:off x="2144684" y="3341716"/>
+            <a:ext cx="685923" cy="731519"/>
+          </a:xfrm>
+          <a:prstGeom prst="rect">
+            <a:avLst/>
+          </a:prstGeom>
+        </p:spPr>
+      </p:pic>
+      <p:sp>
+        <p:nvSpPr>
+          <p:cNvPr id="14" name="Textfeld 13">
+            <a:extLst>
+              <a:ext uri="{FF2B5EF4-FFF2-40B4-BE49-F238E27FC236}">
+                <a16:creationId xmlns:a16="http://schemas.microsoft.com/office/drawing/2014/main" id="{35A63809-7DC8-FE03-C2A7-D0139D2E91E6}"/>
+              </a:ext>
+            </a:extLst>
+          </p:cNvPr>
+          <p:cNvSpPr txBox="1"/>
+          <p:nvPr/>
+        </p:nvSpPr>
+        <p:spPr>
+          <a:xfrm>
+            <a:off x="1272711" y="3498457"/>
+            <a:ext cx="1354975" cy="369332"/>
+          </a:xfrm>
+          <a:prstGeom prst="rect">
+            <a:avLst/>
+          </a:prstGeom>
+          <a:noFill/>
+        </p:spPr>
+        <p:txBody>
+          <a:bodyPr wrap="square" rtlCol="0">
+            <a:spAutoFit/>
+          </a:bodyPr>
+          <a:lstStyle/>
+          <a:p>
+            <a:r>
+              <a:rPr lang="de-CH" b="1" dirty="0">
+                <a:solidFill>
+                  <a:schemeClr val="bg1">
+                    <a:lumMod val="95000"/>
+                  </a:schemeClr>
+                </a:solidFill>
+                <a:latin typeface="Arial" panose="020B0604020202020204" pitchFamily="34" charset="0"/>
+                <a:cs typeface="Arial" panose="020B0604020202020204" pitchFamily="34" charset="0"/>
+              </a:rPr>
+              <a:t>Zufall</a:t>
+            </a:r>
+          </a:p>
+        </p:txBody>
+      </p:sp>
+      <p:pic>
+        <p:nvPicPr>
+          <p:cNvPr id="16" name="Grafik 15">
+            <a:extLst>
+              <a:ext uri="{FF2B5EF4-FFF2-40B4-BE49-F238E27FC236}">
+                <a16:creationId xmlns:a16="http://schemas.microsoft.com/office/drawing/2014/main" id="{4AAF2F9E-CB53-2ED4-41D7-678C149916A9}"/>
+              </a:ext>
+            </a:extLst>
+          </p:cNvPr>
+          <p:cNvPicPr>
+            <a:picLocks noChangeAspect="1"/>
+          </p:cNvPicPr>
+          <p:nvPr/>
+        </p:nvPicPr>
+        <p:blipFill>
+          <a:blip r:embed="rId5">
+            <a:extLst>
+              <a:ext uri="{28A0092B-C50C-407E-A947-70E740481C1C}">
+                <a14:useLocalDpi xmlns:a14="http://schemas.microsoft.com/office/drawing/2010/main" val="0"/>
+              </a:ext>
+            </a:extLst>
+          </a:blip>
+          <a:stretch>
+            <a:fillRect/>
+          </a:stretch>
+        </p:blipFill>
+        <p:spPr>
+          <a:xfrm>
+            <a:off x="2132817" y="4391271"/>
+            <a:ext cx="696409" cy="710338"/>
+          </a:xfrm>
+          <a:prstGeom prst="rect">
+            <a:avLst/>
+          </a:prstGeom>
+        </p:spPr>
+      </p:pic>
+      <p:sp>
+        <p:nvSpPr>
+          <p:cNvPr id="17" name="Textfeld 16">
+            <a:extLst>
+              <a:ext uri="{FF2B5EF4-FFF2-40B4-BE49-F238E27FC236}">
+                <a16:creationId xmlns:a16="http://schemas.microsoft.com/office/drawing/2014/main" id="{C49A97F9-7024-3579-3C7D-1667B811A597}"/>
+              </a:ext>
+            </a:extLst>
+          </p:cNvPr>
+          <p:cNvSpPr txBox="1"/>
+          <p:nvPr/>
+        </p:nvSpPr>
+        <p:spPr>
+          <a:xfrm>
+            <a:off x="1176815" y="4391271"/>
+            <a:ext cx="956002" cy="646331"/>
+          </a:xfrm>
+          <a:prstGeom prst="rect">
+            <a:avLst/>
+          </a:prstGeom>
+          <a:noFill/>
+        </p:spPr>
+        <p:txBody>
+          <a:bodyPr wrap="square" rtlCol="0">
+            <a:spAutoFit/>
+          </a:bodyPr>
+          <a:lstStyle/>
+          <a:p>
+            <a:pPr algn="ctr"/>
+            <a:r>
+              <a:rPr lang="de-CH" b="1" dirty="0">
+                <a:solidFill>
+                  <a:schemeClr val="bg1">
+                    <a:lumMod val="95000"/>
+                  </a:schemeClr>
+                </a:solidFill>
+                <a:latin typeface="Arial" panose="020B0604020202020204" pitchFamily="34" charset="0"/>
+                <a:cs typeface="Arial" panose="020B0604020202020204" pitchFamily="34" charset="0"/>
+              </a:rPr>
+              <a:t>Voll-</a:t>
+            </a:r>
+          </a:p>
+          <a:p>
+            <a:pPr algn="ctr"/>
+            <a:r>
+              <a:rPr lang="de-CH" b="1" dirty="0" err="1">
+                <a:solidFill>
+                  <a:schemeClr val="bg1">
+                    <a:lumMod val="95000"/>
+                  </a:schemeClr>
+                </a:solidFill>
+                <a:latin typeface="Arial" panose="020B0604020202020204" pitchFamily="34" charset="0"/>
+                <a:cs typeface="Arial" panose="020B0604020202020204" pitchFamily="34" charset="0"/>
+              </a:rPr>
+              <a:t>bild</a:t>
+            </a:r>
+            <a:endParaRPr lang="de-CH" b="1" dirty="0">
+              <a:solidFill>
+                <a:schemeClr val="bg1">
+                  <a:lumMod val="95000"/>
+                </a:schemeClr>
+              </a:solidFill>
+              <a:latin typeface="Arial" panose="020B0604020202020204" pitchFamily="34" charset="0"/>
+              <a:cs typeface="Arial" panose="020B0604020202020204" pitchFamily="34" charset="0"/>
+            </a:endParaRPr>
+          </a:p>
+        </p:txBody>
+      </p:sp>
+      <p:sp>
+        <p:nvSpPr>
+          <p:cNvPr id="18" name="Rechteck 17">
+            <a:extLst>
+              <a:ext uri="{FF2B5EF4-FFF2-40B4-BE49-F238E27FC236}">
+                <a16:creationId xmlns:a16="http://schemas.microsoft.com/office/drawing/2014/main" id="{7B57F245-E4F4-BB35-EF2C-153BAA43060F}"/>
+              </a:ext>
+            </a:extLst>
+          </p:cNvPr>
+          <p:cNvSpPr/>
+          <p:nvPr/>
+        </p:nvSpPr>
+        <p:spPr>
+          <a:xfrm>
+            <a:off x="4850011" y="1076595"/>
+            <a:ext cx="924163" cy="857143"/>
+          </a:xfrm>
+          <a:prstGeom prst="rect">
+            <a:avLst/>
+          </a:prstGeom>
+          <a:solidFill>
+            <a:schemeClr val="tx1"/>
+          </a:solidFill>
+          <a:ln>
+            <a:noFill/>
+          </a:ln>
+        </p:spPr>
+        <p:style>
+          <a:lnRef idx="2">
+            <a:schemeClr val="accent1">
+              <a:shade val="15000"/>
+            </a:schemeClr>
+          </a:lnRef>
+          <a:fillRef idx="1">
+            <a:schemeClr val="accent1"/>
+          </a:fillRef>
+          <a:effectRef idx="0">
+            <a:schemeClr val="accent1"/>
+          </a:effectRef>
+          <a:fontRef idx="minor">
+            <a:schemeClr val="lt1"/>
+          </a:fontRef>
+        </p:style>
+        <p:txBody>
+          <a:bodyPr rtlCol="0" anchor="ctr"/>
+          <a:lstStyle/>
+          <a:p>
+            <a:pPr algn="ctr"/>
+            <a:endParaRPr lang="de-CH"/>
+          </a:p>
+        </p:txBody>
+      </p:sp>
+      <p:pic>
+        <p:nvPicPr>
+          <p:cNvPr id="19" name="Grafik 18">
+            <a:extLst>
+              <a:ext uri="{FF2B5EF4-FFF2-40B4-BE49-F238E27FC236}">
+                <a16:creationId xmlns:a16="http://schemas.microsoft.com/office/drawing/2014/main" id="{B43E90A5-75EA-A672-D692-8C05A142D789}"/>
+              </a:ext>
+            </a:extLst>
+          </p:cNvPr>
+          <p:cNvPicPr>
+            <a:picLocks noChangeAspect="1"/>
+          </p:cNvPicPr>
+          <p:nvPr/>
+        </p:nvPicPr>
+        <p:blipFill>
+          <a:blip r:embed="rId2">
+            <a:extLst>
+              <a:ext uri="{28A0092B-C50C-407E-A947-70E740481C1C}">
+                <a14:useLocalDpi xmlns:a14="http://schemas.microsoft.com/office/drawing/2010/main" val="0"/>
+              </a:ext>
+            </a:extLst>
+          </a:blip>
+          <a:stretch>
+            <a:fillRect/>
+          </a:stretch>
+        </p:blipFill>
+        <p:spPr>
+          <a:xfrm>
+            <a:off x="4868546" y="1114235"/>
+            <a:ext cx="868735" cy="781862"/>
+          </a:xfrm>
+          <a:prstGeom prst="rect">
+            <a:avLst/>
+          </a:prstGeom>
+        </p:spPr>
+      </p:pic>
+      <p:sp>
+        <p:nvSpPr>
+          <p:cNvPr id="23" name="Rechteck 22">
+            <a:extLst>
+              <a:ext uri="{FF2B5EF4-FFF2-40B4-BE49-F238E27FC236}">
+                <a16:creationId xmlns:a16="http://schemas.microsoft.com/office/drawing/2014/main" id="{4B153EE1-3C14-1C12-A10E-396E1E09501E}"/>
+              </a:ext>
+            </a:extLst>
+          </p:cNvPr>
+          <p:cNvSpPr/>
+          <p:nvPr/>
+        </p:nvSpPr>
+        <p:spPr>
+          <a:xfrm>
+            <a:off x="4831853" y="2140174"/>
+            <a:ext cx="903820" cy="857143"/>
+          </a:xfrm>
+          <a:prstGeom prst="rect">
+            <a:avLst/>
+          </a:prstGeom>
+          <a:solidFill>
+            <a:schemeClr val="tx1"/>
+          </a:solidFill>
+          <a:ln>
+            <a:noFill/>
+          </a:ln>
+        </p:spPr>
+        <p:style>
+          <a:lnRef idx="2">
+            <a:schemeClr val="accent1">
+              <a:shade val="15000"/>
+            </a:schemeClr>
+          </a:lnRef>
+          <a:fillRef idx="1">
+            <a:schemeClr val="accent1"/>
+          </a:fillRef>
+          <a:effectRef idx="0">
+            <a:schemeClr val="accent1"/>
+          </a:effectRef>
+          <a:fontRef idx="minor">
+            <a:schemeClr val="lt1"/>
+          </a:fontRef>
+        </p:style>
+        <p:txBody>
+          <a:bodyPr rtlCol="0" anchor="ctr"/>
+          <a:lstStyle/>
+          <a:p>
+            <a:pPr algn="ctr"/>
+            <a:endParaRPr lang="de-CH"/>
+          </a:p>
+        </p:txBody>
+      </p:sp>
+      <p:pic>
+        <p:nvPicPr>
+          <p:cNvPr id="25" name="Grafik 24">
+            <a:extLst>
+              <a:ext uri="{FF2B5EF4-FFF2-40B4-BE49-F238E27FC236}">
+                <a16:creationId xmlns:a16="http://schemas.microsoft.com/office/drawing/2014/main" id="{C70C458C-ACD6-0272-C4E6-BA1759107C93}"/>
+              </a:ext>
+            </a:extLst>
+          </p:cNvPr>
+          <p:cNvPicPr>
+            <a:picLocks noChangeAspect="1"/>
+          </p:cNvPicPr>
+          <p:nvPr/>
+        </p:nvPicPr>
+        <p:blipFill>
+          <a:blip r:embed="rId3"/>
+          <a:stretch>
+            <a:fillRect/>
+          </a:stretch>
+        </p:blipFill>
+        <p:spPr>
+          <a:xfrm>
+            <a:off x="4907087" y="2140174"/>
+            <a:ext cx="817232" cy="857143"/>
+          </a:xfrm>
+          <a:prstGeom prst="rect">
+            <a:avLst/>
+          </a:prstGeom>
+        </p:spPr>
+      </p:pic>
+      <p:sp>
+        <p:nvSpPr>
+          <p:cNvPr id="26" name="Rechteck 25">
+            <a:extLst>
+              <a:ext uri="{FF2B5EF4-FFF2-40B4-BE49-F238E27FC236}">
+                <a16:creationId xmlns:a16="http://schemas.microsoft.com/office/drawing/2014/main" id="{9136DEC8-5CD9-2B7A-073C-D69B9F530CE4}"/>
+              </a:ext>
+            </a:extLst>
+          </p:cNvPr>
+          <p:cNvSpPr/>
+          <p:nvPr/>
+        </p:nvSpPr>
+        <p:spPr>
+          <a:xfrm>
+            <a:off x="4831853" y="3271877"/>
+            <a:ext cx="903820" cy="857143"/>
+          </a:xfrm>
+          <a:prstGeom prst="rect">
+            <a:avLst/>
+          </a:prstGeom>
+          <a:solidFill>
+            <a:schemeClr val="tx1"/>
+          </a:solidFill>
+          <a:ln>
+            <a:noFill/>
+          </a:ln>
+        </p:spPr>
+        <p:style>
+          <a:lnRef idx="2">
+            <a:schemeClr val="accent1">
+              <a:shade val="15000"/>
+            </a:schemeClr>
+          </a:lnRef>
+          <a:fillRef idx="1">
+            <a:schemeClr val="accent1"/>
+          </a:fillRef>
+          <a:effectRef idx="0">
+            <a:schemeClr val="accent1"/>
+          </a:effectRef>
+          <a:fontRef idx="minor">
+            <a:schemeClr val="lt1"/>
+          </a:fontRef>
+        </p:style>
+        <p:txBody>
+          <a:bodyPr rtlCol="0" anchor="ctr"/>
+          <a:lstStyle/>
+          <a:p>
+            <a:pPr algn="ctr"/>
+            <a:endParaRPr lang="de-CH"/>
+          </a:p>
+        </p:txBody>
+      </p:sp>
+      <p:pic>
+        <p:nvPicPr>
+          <p:cNvPr id="27" name="Grafik 26">
+            <a:extLst>
+              <a:ext uri="{FF2B5EF4-FFF2-40B4-BE49-F238E27FC236}">
+                <a16:creationId xmlns:a16="http://schemas.microsoft.com/office/drawing/2014/main" id="{3681D14C-2255-FBAA-E324-CFA81A190A89}"/>
+              </a:ext>
+            </a:extLst>
+          </p:cNvPr>
+          <p:cNvPicPr>
+            <a:picLocks noChangeAspect="1"/>
+          </p:cNvPicPr>
+          <p:nvPr/>
+        </p:nvPicPr>
+        <p:blipFill>
+          <a:blip r:embed="rId4">
+            <a:extLst>
+              <a:ext uri="{28A0092B-C50C-407E-A947-70E740481C1C}">
+                <a14:useLocalDpi xmlns:a14="http://schemas.microsoft.com/office/drawing/2010/main" val="0"/>
+              </a:ext>
+            </a:extLst>
+          </a:blip>
+          <a:stretch>
+            <a:fillRect/>
+          </a:stretch>
+        </p:blipFill>
+        <p:spPr>
+          <a:xfrm>
+            <a:off x="4965767" y="3334611"/>
+            <a:ext cx="685923" cy="731519"/>
+          </a:xfrm>
+          <a:prstGeom prst="rect">
+            <a:avLst/>
+          </a:prstGeom>
+        </p:spPr>
+      </p:pic>
+      <p:sp>
+        <p:nvSpPr>
+          <p:cNvPr id="29" name="Rechteck 28">
+            <a:extLst>
+              <a:ext uri="{FF2B5EF4-FFF2-40B4-BE49-F238E27FC236}">
+                <a16:creationId xmlns:a16="http://schemas.microsoft.com/office/drawing/2014/main" id="{F3586F31-B6DE-C2CE-E778-3A00781126AF}"/>
+              </a:ext>
+            </a:extLst>
+          </p:cNvPr>
+          <p:cNvSpPr/>
+          <p:nvPr/>
+        </p:nvSpPr>
+        <p:spPr>
+          <a:xfrm>
+            <a:off x="4833234" y="4305444"/>
+            <a:ext cx="903820" cy="857143"/>
+          </a:xfrm>
+          <a:prstGeom prst="rect">
+            <a:avLst/>
+          </a:prstGeom>
+          <a:solidFill>
+            <a:schemeClr val="tx1"/>
+          </a:solidFill>
+          <a:ln>
+            <a:noFill/>
+          </a:ln>
+        </p:spPr>
+        <p:style>
+          <a:lnRef idx="2">
+            <a:schemeClr val="accent1">
+              <a:shade val="15000"/>
+            </a:schemeClr>
+          </a:lnRef>
+          <a:fillRef idx="1">
+            <a:schemeClr val="accent1"/>
+          </a:fillRef>
+          <a:effectRef idx="0">
+            <a:schemeClr val="accent1"/>
+          </a:effectRef>
+          <a:fontRef idx="minor">
+            <a:schemeClr val="lt1"/>
+          </a:fontRef>
+        </p:style>
+        <p:txBody>
+          <a:bodyPr rtlCol="0" anchor="ctr"/>
+          <a:lstStyle/>
+          <a:p>
+            <a:pPr algn="ctr"/>
+            <a:endParaRPr lang="de-CH"/>
+          </a:p>
+        </p:txBody>
+      </p:sp>
+      <p:pic>
+        <p:nvPicPr>
+          <p:cNvPr id="30" name="Grafik 29">
+            <a:extLst>
+              <a:ext uri="{FF2B5EF4-FFF2-40B4-BE49-F238E27FC236}">
+                <a16:creationId xmlns:a16="http://schemas.microsoft.com/office/drawing/2014/main" id="{9FF572F3-B015-C8B5-3112-AE26175D1760}"/>
+              </a:ext>
+            </a:extLst>
+          </p:cNvPr>
+          <p:cNvPicPr>
+            <a:picLocks noChangeAspect="1"/>
+          </p:cNvPicPr>
+          <p:nvPr/>
+        </p:nvPicPr>
+        <p:blipFill>
+          <a:blip r:embed="rId5">
+            <a:extLst>
+              <a:ext uri="{28A0092B-C50C-407E-A947-70E740481C1C}">
+                <a14:useLocalDpi xmlns:a14="http://schemas.microsoft.com/office/drawing/2010/main" val="0"/>
+              </a:ext>
+            </a:extLst>
+          </a:blip>
+          <a:stretch>
+            <a:fillRect/>
+          </a:stretch>
+        </p:blipFill>
+        <p:spPr>
+          <a:xfrm>
+            <a:off x="4955281" y="4403580"/>
+            <a:ext cx="696409" cy="710338"/>
+          </a:xfrm>
+          <a:prstGeom prst="rect">
+            <a:avLst/>
+          </a:prstGeom>
+        </p:spPr>
+      </p:pic>
+      <p:sp>
+        <p:nvSpPr>
+          <p:cNvPr id="32" name="Rechteck 31">
+            <a:extLst>
+              <a:ext uri="{FF2B5EF4-FFF2-40B4-BE49-F238E27FC236}">
+                <a16:creationId xmlns:a16="http://schemas.microsoft.com/office/drawing/2014/main" id="{0440E707-091F-0253-DD42-E0A9E5A705C9}"/>
+              </a:ext>
+            </a:extLst>
+          </p:cNvPr>
+          <p:cNvSpPr/>
+          <p:nvPr/>
+        </p:nvSpPr>
+        <p:spPr>
+          <a:xfrm>
+            <a:off x="4831853" y="5367453"/>
+            <a:ext cx="903820" cy="857143"/>
+          </a:xfrm>
+          <a:prstGeom prst="rect">
+            <a:avLst/>
+          </a:prstGeom>
+          <a:solidFill>
+            <a:schemeClr val="tx1"/>
+          </a:solidFill>
+          <a:ln>
+            <a:noFill/>
+          </a:ln>
+        </p:spPr>
+        <p:style>
+          <a:lnRef idx="2">
+            <a:schemeClr val="accent1">
+              <a:shade val="15000"/>
+            </a:schemeClr>
+          </a:lnRef>
+          <a:fillRef idx="1">
+            <a:schemeClr val="accent1"/>
+          </a:fillRef>
+          <a:effectRef idx="0">
+            <a:schemeClr val="accent1"/>
+          </a:effectRef>
+          <a:fontRef idx="minor">
+            <a:schemeClr val="lt1"/>
+          </a:fontRef>
+        </p:style>
+        <p:txBody>
+          <a:bodyPr rtlCol="0" anchor="ctr"/>
+          <a:lstStyle/>
+          <a:p>
+            <a:pPr algn="ctr"/>
+            <a:endParaRPr lang="de-CH"/>
+          </a:p>
+        </p:txBody>
+      </p:sp>
+      <p:pic>
+        <p:nvPicPr>
+          <p:cNvPr id="34" name="Grafik 33">
+            <a:extLst>
+              <a:ext uri="{FF2B5EF4-FFF2-40B4-BE49-F238E27FC236}">
+                <a16:creationId xmlns:a16="http://schemas.microsoft.com/office/drawing/2014/main" id="{6617D6D2-E870-C845-C2FC-E3D4CE338223}"/>
+              </a:ext>
+            </a:extLst>
+          </p:cNvPr>
+          <p:cNvPicPr>
+            <a:picLocks noChangeAspect="1"/>
+          </p:cNvPicPr>
+          <p:nvPr/>
+        </p:nvPicPr>
+        <p:blipFill>
+          <a:blip r:embed="rId6">
+            <a:extLst>
+              <a:ext uri="{28A0092B-C50C-407E-A947-70E740481C1C}">
+                <a14:useLocalDpi xmlns:a14="http://schemas.microsoft.com/office/drawing/2010/main" val="0"/>
+              </a:ext>
+            </a:extLst>
+          </a:blip>
+          <a:stretch>
+            <a:fillRect/>
+          </a:stretch>
+        </p:blipFill>
+        <p:spPr>
+          <a:xfrm>
+            <a:off x="4918213" y="5453094"/>
+            <a:ext cx="762066" cy="685859"/>
+          </a:xfrm>
+          <a:prstGeom prst="rect">
+            <a:avLst/>
+          </a:prstGeom>
+        </p:spPr>
+      </p:pic>
+      <p:sp>
+        <p:nvSpPr>
+          <p:cNvPr id="35" name="Rechteck 34">
+            <a:extLst>
+              <a:ext uri="{FF2B5EF4-FFF2-40B4-BE49-F238E27FC236}">
+                <a16:creationId xmlns:a16="http://schemas.microsoft.com/office/drawing/2014/main" id="{134984DC-7A2B-2D7F-2234-63721C49023A}"/>
+              </a:ext>
+            </a:extLst>
+          </p:cNvPr>
+          <p:cNvSpPr/>
+          <p:nvPr/>
+        </p:nvSpPr>
+        <p:spPr>
+          <a:xfrm>
+            <a:off x="1203964" y="5333057"/>
+            <a:ext cx="1710626" cy="857143"/>
+          </a:xfrm>
+          <a:prstGeom prst="rect">
+            <a:avLst/>
+          </a:prstGeom>
+          <a:solidFill>
+            <a:schemeClr val="tx1"/>
+          </a:solidFill>
+          <a:ln>
+            <a:noFill/>
+          </a:ln>
+        </p:spPr>
+        <p:style>
+          <a:lnRef idx="2">
+            <a:schemeClr val="accent1">
+              <a:shade val="15000"/>
+            </a:schemeClr>
+          </a:lnRef>
+          <a:fillRef idx="1">
+            <a:schemeClr val="accent1"/>
+          </a:fillRef>
+          <a:effectRef idx="0">
+            <a:schemeClr val="accent1"/>
+          </a:effectRef>
+          <a:fontRef idx="minor">
+            <a:schemeClr val="lt1"/>
+          </a:fontRef>
+        </p:style>
+        <p:txBody>
+          <a:bodyPr rtlCol="0" anchor="ctr"/>
+          <a:lstStyle/>
+          <a:p>
+            <a:pPr algn="ctr"/>
+            <a:endParaRPr lang="de-CH"/>
+          </a:p>
+        </p:txBody>
+      </p:sp>
+      <p:pic>
+        <p:nvPicPr>
+          <p:cNvPr id="36" name="Grafik 35">
+            <a:extLst>
+              <a:ext uri="{FF2B5EF4-FFF2-40B4-BE49-F238E27FC236}">
+                <a16:creationId xmlns:a16="http://schemas.microsoft.com/office/drawing/2014/main" id="{D65D2C1C-1BCA-B59D-744B-78E71D7EC676}"/>
+              </a:ext>
+            </a:extLst>
+          </p:cNvPr>
+          <p:cNvPicPr>
+            <a:picLocks noChangeAspect="1"/>
+          </p:cNvPicPr>
+          <p:nvPr/>
+        </p:nvPicPr>
+        <p:blipFill>
+          <a:blip r:embed="rId6">
+            <a:extLst>
+              <a:ext uri="{28A0092B-C50C-407E-A947-70E740481C1C}">
+                <a14:useLocalDpi xmlns:a14="http://schemas.microsoft.com/office/drawing/2010/main" val="0"/>
+              </a:ext>
+            </a:extLst>
+          </a:blip>
+          <a:stretch>
+            <a:fillRect/>
+          </a:stretch>
+        </p:blipFill>
+        <p:spPr>
+          <a:xfrm>
+            <a:off x="2097130" y="5418698"/>
+            <a:ext cx="762066" cy="685859"/>
+          </a:xfrm>
+          <a:prstGeom prst="rect">
+            <a:avLst/>
+          </a:prstGeom>
+        </p:spPr>
+      </p:pic>
+      <p:sp>
+        <p:nvSpPr>
+          <p:cNvPr id="37" name="Textfeld 36">
+            <a:extLst>
+              <a:ext uri="{FF2B5EF4-FFF2-40B4-BE49-F238E27FC236}">
+                <a16:creationId xmlns:a16="http://schemas.microsoft.com/office/drawing/2014/main" id="{6EB4D105-F7FD-78BC-98AD-AAAF3C8208E5}"/>
+              </a:ext>
+            </a:extLst>
+          </p:cNvPr>
+          <p:cNvSpPr txBox="1"/>
+          <p:nvPr/>
+        </p:nvSpPr>
+        <p:spPr>
+          <a:xfrm>
+            <a:off x="1192397" y="5438461"/>
+            <a:ext cx="956002" cy="646331"/>
+          </a:xfrm>
+          <a:prstGeom prst="rect">
+            <a:avLst/>
+          </a:prstGeom>
+          <a:noFill/>
+        </p:spPr>
+        <p:txBody>
+          <a:bodyPr wrap="square" rtlCol="0">
+            <a:spAutoFit/>
+          </a:bodyPr>
+          <a:lstStyle/>
+          <a:p>
+            <a:pPr algn="ctr"/>
+            <a:r>
+              <a:rPr lang="de-CH" b="1" dirty="0">
+                <a:solidFill>
+                  <a:schemeClr val="bg1">
+                    <a:lumMod val="95000"/>
+                  </a:schemeClr>
+                </a:solidFill>
+                <a:latin typeface="Arial" panose="020B0604020202020204" pitchFamily="34" charset="0"/>
+                <a:cs typeface="Arial" panose="020B0604020202020204" pitchFamily="34" charset="0"/>
+              </a:rPr>
+              <a:t>Kein</a:t>
+            </a:r>
+          </a:p>
+          <a:p>
+            <a:pPr algn="ctr"/>
+            <a:r>
+              <a:rPr lang="de-CH" b="1" dirty="0">
+                <a:solidFill>
+                  <a:schemeClr val="bg1">
+                    <a:lumMod val="95000"/>
+                  </a:schemeClr>
+                </a:solidFill>
+                <a:latin typeface="Arial" panose="020B0604020202020204" pitchFamily="34" charset="0"/>
+                <a:cs typeface="Arial" panose="020B0604020202020204" pitchFamily="34" charset="0"/>
+              </a:rPr>
+              <a:t>Bild</a:t>
+            </a:r>
+          </a:p>
+        </p:txBody>
+      </p:sp>
     </p:spTree>
     <p:extLst>
       <p:ext uri="{BB962C8B-B14F-4D97-AF65-F5344CB8AC3E}">
-        <p14:creationId xmlns:p14="http://schemas.microsoft.com/office/powerpoint/2010/main" val="2669447151"/>
+        <p14:creationId xmlns:p14="http://schemas.microsoft.com/office/powerpoint/2010/main" val="2772364048"/>
       </p:ext>
     </p:extLst>
   </p:cSld>

--- a/Description/JazzGuestsUpload.pptx
+++ b/Description/JazzGuestsUpload.pptx
@@ -14,11 +14,12 @@
     <p:sldId id="271" r:id="rId8"/>
     <p:sldId id="274" r:id="rId9"/>
     <p:sldId id="275" r:id="rId10"/>
-    <p:sldId id="272" r:id="rId11"/>
-    <p:sldId id="263" r:id="rId12"/>
-    <p:sldId id="262" r:id="rId13"/>
-    <p:sldId id="264" r:id="rId14"/>
-    <p:sldId id="266" r:id="rId15"/>
+    <p:sldId id="276" r:id="rId11"/>
+    <p:sldId id="272" r:id="rId12"/>
+    <p:sldId id="263" r:id="rId13"/>
+    <p:sldId id="262" r:id="rId14"/>
+    <p:sldId id="264" r:id="rId15"/>
+    <p:sldId id="266" r:id="rId16"/>
   </p:sldIdLst>
   <p:sldSz cx="12192000" cy="6858000"/>
   <p:notesSz cx="6661150" cy="9866313"/>
@@ -267,7 +268,7 @@
           <a:p>
             <a:fld id="{DDCE6D58-9B57-4731-A47B-3CD41B48F0A9}" type="datetimeFigureOut">
               <a:rPr lang="de-CH" smtClean="0"/>
-              <a:t>30.01.2024</a:t>
+              <a:t>31.01.2024</a:t>
             </a:fld>
             <a:endParaRPr lang="de-CH"/>
           </a:p>
@@ -437,7 +438,7 @@
           <a:p>
             <a:fld id="{DDCE6D58-9B57-4731-A47B-3CD41B48F0A9}" type="datetimeFigureOut">
               <a:rPr lang="de-CH" smtClean="0"/>
-              <a:t>30.01.2024</a:t>
+              <a:t>31.01.2024</a:t>
             </a:fld>
             <a:endParaRPr lang="de-CH"/>
           </a:p>
@@ -617,7 +618,7 @@
           <a:p>
             <a:fld id="{DDCE6D58-9B57-4731-A47B-3CD41B48F0A9}" type="datetimeFigureOut">
               <a:rPr lang="de-CH" smtClean="0"/>
-              <a:t>30.01.2024</a:t>
+              <a:t>31.01.2024</a:t>
             </a:fld>
             <a:endParaRPr lang="de-CH"/>
           </a:p>
@@ -787,7 +788,7 @@
           <a:p>
             <a:fld id="{DDCE6D58-9B57-4731-A47B-3CD41B48F0A9}" type="datetimeFigureOut">
               <a:rPr lang="de-CH" smtClean="0"/>
-              <a:t>30.01.2024</a:t>
+              <a:t>31.01.2024</a:t>
             </a:fld>
             <a:endParaRPr lang="de-CH"/>
           </a:p>
@@ -1033,7 +1034,7 @@
           <a:p>
             <a:fld id="{DDCE6D58-9B57-4731-A47B-3CD41B48F0A9}" type="datetimeFigureOut">
               <a:rPr lang="de-CH" smtClean="0"/>
-              <a:t>30.01.2024</a:t>
+              <a:t>31.01.2024</a:t>
             </a:fld>
             <a:endParaRPr lang="de-CH"/>
           </a:p>
@@ -1265,7 +1266,7 @@
           <a:p>
             <a:fld id="{DDCE6D58-9B57-4731-A47B-3CD41B48F0A9}" type="datetimeFigureOut">
               <a:rPr lang="de-CH" smtClean="0"/>
-              <a:t>30.01.2024</a:t>
+              <a:t>31.01.2024</a:t>
             </a:fld>
             <a:endParaRPr lang="de-CH"/>
           </a:p>
@@ -1632,7 +1633,7 @@
           <a:p>
             <a:fld id="{DDCE6D58-9B57-4731-A47B-3CD41B48F0A9}" type="datetimeFigureOut">
               <a:rPr lang="de-CH" smtClean="0"/>
-              <a:t>30.01.2024</a:t>
+              <a:t>31.01.2024</a:t>
             </a:fld>
             <a:endParaRPr lang="de-CH"/>
           </a:p>
@@ -1750,7 +1751,7 @@
           <a:p>
             <a:fld id="{DDCE6D58-9B57-4731-A47B-3CD41B48F0A9}" type="datetimeFigureOut">
               <a:rPr lang="de-CH" smtClean="0"/>
-              <a:t>30.01.2024</a:t>
+              <a:t>31.01.2024</a:t>
             </a:fld>
             <a:endParaRPr lang="de-CH"/>
           </a:p>
@@ -1845,7 +1846,7 @@
           <a:p>
             <a:fld id="{DDCE6D58-9B57-4731-A47B-3CD41B48F0A9}" type="datetimeFigureOut">
               <a:rPr lang="de-CH" smtClean="0"/>
-              <a:t>30.01.2024</a:t>
+              <a:t>31.01.2024</a:t>
             </a:fld>
             <a:endParaRPr lang="de-CH"/>
           </a:p>
@@ -2122,7 +2123,7 @@
           <a:p>
             <a:fld id="{DDCE6D58-9B57-4731-A47B-3CD41B48F0A9}" type="datetimeFigureOut">
               <a:rPr lang="de-CH" smtClean="0"/>
-              <a:t>30.01.2024</a:t>
+              <a:t>31.01.2024</a:t>
             </a:fld>
             <a:endParaRPr lang="de-CH"/>
           </a:p>
@@ -2375,7 +2376,7 @@
           <a:p>
             <a:fld id="{DDCE6D58-9B57-4731-A47B-3CD41B48F0A9}" type="datetimeFigureOut">
               <a:rPr lang="de-CH" smtClean="0"/>
-              <a:t>30.01.2024</a:t>
+              <a:t>31.01.2024</a:t>
             </a:fld>
             <a:endParaRPr lang="de-CH"/>
           </a:p>
@@ -2588,7 +2589,7 @@
           <a:p>
             <a:fld id="{DDCE6D58-9B57-4731-A47B-3CD41B48F0A9}" type="datetimeFigureOut">
               <a:rPr lang="de-CH" smtClean="0"/>
-              <a:t>30.01.2024</a:t>
+              <a:t>31.01.2024</a:t>
             </a:fld>
             <a:endParaRPr lang="de-CH"/>
           </a:p>
@@ -4163,7 +4164,7 @@
     </p:spTree>
     <p:extLst>
       <p:ext uri="{BB962C8B-B14F-4D97-AF65-F5344CB8AC3E}">
-        <p14:creationId xmlns:p14="http://schemas.microsoft.com/office/powerpoint/2010/main" val="2669447151"/>
+        <p14:creationId xmlns:p14="http://schemas.microsoft.com/office/powerpoint/2010/main" val="2074703725"/>
       </p:ext>
     </p:extLst>
   </p:cSld>
@@ -4190,3147 +4191,10 @@
           <a:chExt cx="0" cy="0"/>
         </a:xfrm>
       </p:grpSpPr>
-      <p:pic>
-        <p:nvPicPr>
-          <p:cNvPr id="1026" name="Picture 2" descr="Drawing - Free art icons">
-            <a:extLst>
-              <a:ext uri="{FF2B5EF4-FFF2-40B4-BE49-F238E27FC236}">
-                <a16:creationId xmlns:a16="http://schemas.microsoft.com/office/drawing/2014/main" id="{A0C9D1DB-3B58-B2EA-6328-96AC5357D2F0}"/>
-              </a:ext>
-            </a:extLst>
-          </p:cNvPr>
-          <p:cNvPicPr>
-            <a:picLocks noChangeAspect="1" noChangeArrowheads="1"/>
-          </p:cNvPicPr>
-          <p:nvPr/>
-        </p:nvPicPr>
-        <p:blipFill>
-          <a:blip r:embed="rId2">
-            <a:extLst>
-              <a:ext uri="{28A0092B-C50C-407E-A947-70E740481C1C}">
-                <a14:useLocalDpi xmlns:a14="http://schemas.microsoft.com/office/drawing/2010/main" val="0"/>
-              </a:ext>
-            </a:extLst>
-          </a:blip>
-          <a:srcRect/>
-          <a:stretch>
-            <a:fillRect/>
-          </a:stretch>
-        </p:blipFill>
-        <p:spPr bwMode="auto">
-          <a:xfrm>
-            <a:off x="440576" y="425666"/>
-            <a:ext cx="766129" cy="766129"/>
-          </a:xfrm>
-          <a:prstGeom prst="rect">
-            <a:avLst/>
-          </a:prstGeom>
-          <a:noFill/>
-          <a:extLst>
-            <a:ext uri="{909E8E84-426E-40DD-AFC4-6F175D3DCCD1}">
-              <a14:hiddenFill xmlns:a14="http://schemas.microsoft.com/office/drawing/2010/main">
-                <a:solidFill>
-                  <a:srgbClr val="FFFFFF"/>
-                </a:solidFill>
-              </a14:hiddenFill>
-            </a:ext>
-          </a:extLst>
-        </p:spPr>
-      </p:pic>
-      <p:pic>
-        <p:nvPicPr>
-          <p:cNvPr id="1028" name="Picture 4" descr="Couple, friend, happy, mobile, selfie, take, taking icon - Download on  Iconfinder">
-            <a:extLst>
-              <a:ext uri="{FF2B5EF4-FFF2-40B4-BE49-F238E27FC236}">
-                <a16:creationId xmlns:a16="http://schemas.microsoft.com/office/drawing/2014/main" id="{DAC1540E-A133-0888-79A5-D2C20FAE2713}"/>
-              </a:ext>
-            </a:extLst>
-          </p:cNvPr>
-          <p:cNvPicPr>
-            <a:picLocks noChangeAspect="1" noChangeArrowheads="1"/>
-          </p:cNvPicPr>
-          <p:nvPr/>
-        </p:nvPicPr>
-        <p:blipFill>
-          <a:blip r:embed="rId3">
-            <a:extLst>
-              <a:ext uri="{28A0092B-C50C-407E-A947-70E740481C1C}">
-                <a14:useLocalDpi xmlns:a14="http://schemas.microsoft.com/office/drawing/2010/main" val="0"/>
-              </a:ext>
-            </a:extLst>
-          </a:blip>
-          <a:srcRect/>
-          <a:stretch>
-            <a:fillRect/>
-          </a:stretch>
-        </p:blipFill>
-        <p:spPr bwMode="auto">
-          <a:xfrm>
-            <a:off x="683029" y="1145665"/>
-            <a:ext cx="1812174" cy="1812174"/>
-          </a:xfrm>
-          <a:prstGeom prst="rect">
-            <a:avLst/>
-          </a:prstGeom>
-          <a:noFill/>
-          <a:extLst>
-            <a:ext uri="{909E8E84-426E-40DD-AFC4-6F175D3DCCD1}">
-              <a14:hiddenFill xmlns:a14="http://schemas.microsoft.com/office/drawing/2010/main">
-                <a:solidFill>
-                  <a:srgbClr val="FFFFFF"/>
-                </a:solidFill>
-              </a14:hiddenFill>
-            </a:ext>
-          </a:extLst>
-        </p:spPr>
-      </p:pic>
-      <p:pic>
-        <p:nvPicPr>
-          <p:cNvPr id="1030" name="Picture 6" descr="Mobile Device Tips: How to Scan Documents with a Smartphone">
-            <a:extLst>
-              <a:ext uri="{FF2B5EF4-FFF2-40B4-BE49-F238E27FC236}">
-                <a16:creationId xmlns:a16="http://schemas.microsoft.com/office/drawing/2014/main" id="{BFDC550D-18AC-8BA9-7F98-B51B2F429BF4}"/>
-              </a:ext>
-            </a:extLst>
-          </p:cNvPr>
-          <p:cNvPicPr>
-            <a:picLocks noChangeAspect="1" noChangeArrowheads="1"/>
-          </p:cNvPicPr>
-          <p:nvPr/>
-        </p:nvPicPr>
-        <p:blipFill>
-          <a:blip r:embed="rId4">
-            <a:extLst>
-              <a:ext uri="{28A0092B-C50C-407E-A947-70E740481C1C}">
-                <a14:useLocalDpi xmlns:a14="http://schemas.microsoft.com/office/drawing/2010/main" val="0"/>
-              </a:ext>
-            </a:extLst>
-          </a:blip>
-          <a:srcRect/>
-          <a:stretch>
-            <a:fillRect/>
-          </a:stretch>
-        </p:blipFill>
-        <p:spPr bwMode="auto">
-          <a:xfrm>
-            <a:off x="1388434" y="308207"/>
-            <a:ext cx="1582177" cy="883588"/>
-          </a:xfrm>
-          <a:prstGeom prst="rect">
-            <a:avLst/>
-          </a:prstGeom>
-          <a:noFill/>
-          <a:extLst>
-            <a:ext uri="{909E8E84-426E-40DD-AFC4-6F175D3DCCD1}">
-              <a14:hiddenFill xmlns:a14="http://schemas.microsoft.com/office/drawing/2010/main">
-                <a:solidFill>
-                  <a:srgbClr val="FFFFFF"/>
-                </a:solidFill>
-              </a14:hiddenFill>
-            </a:ext>
-          </a:extLst>
-        </p:spPr>
-      </p:pic>
-      <p:pic>
-        <p:nvPicPr>
-          <p:cNvPr id="7" name="Grafik 6">
-            <a:extLst>
-              <a:ext uri="{FF2B5EF4-FFF2-40B4-BE49-F238E27FC236}">
-                <a16:creationId xmlns:a16="http://schemas.microsoft.com/office/drawing/2014/main" id="{D9E1CB20-5FB7-364A-DEF0-AA250D7C6A0E}"/>
-              </a:ext>
-            </a:extLst>
-          </p:cNvPr>
-          <p:cNvPicPr>
-            <a:picLocks noChangeAspect="1"/>
-          </p:cNvPicPr>
-          <p:nvPr/>
-        </p:nvPicPr>
-        <p:blipFill>
-          <a:blip r:embed="rId5"/>
-          <a:stretch>
-            <a:fillRect/>
-          </a:stretch>
-        </p:blipFill>
-        <p:spPr>
-          <a:xfrm>
-            <a:off x="3267604" y="1289919"/>
-            <a:ext cx="2724471" cy="1040144"/>
-          </a:xfrm>
-          <a:prstGeom prst="rect">
-            <a:avLst/>
-          </a:prstGeom>
-        </p:spPr>
-      </p:pic>
-      <p:sp>
-        <p:nvSpPr>
-          <p:cNvPr id="8" name="Rechteck 7">
-            <a:extLst>
-              <a:ext uri="{FF2B5EF4-FFF2-40B4-BE49-F238E27FC236}">
-                <a16:creationId xmlns:a16="http://schemas.microsoft.com/office/drawing/2014/main" id="{852B453D-008C-86E8-276F-28E356D57FE6}"/>
-              </a:ext>
-            </a:extLst>
-          </p:cNvPr>
-          <p:cNvSpPr/>
-          <p:nvPr/>
-        </p:nvSpPr>
-        <p:spPr>
-          <a:xfrm>
-            <a:off x="6505131" y="626838"/>
-            <a:ext cx="3339167" cy="1995885"/>
-          </a:xfrm>
-          <a:prstGeom prst="rect">
-            <a:avLst/>
-          </a:prstGeom>
-          <a:solidFill>
-            <a:srgbClr val="DFE0E1"/>
-          </a:solidFill>
-          <a:ln>
-            <a:solidFill>
-              <a:srgbClr val="C8C8C8"/>
-            </a:solidFill>
-          </a:ln>
-        </p:spPr>
-        <p:style>
-          <a:lnRef idx="2">
-            <a:schemeClr val="accent1">
-              <a:shade val="50000"/>
-            </a:schemeClr>
-          </a:lnRef>
-          <a:fillRef idx="1">
-            <a:schemeClr val="accent1"/>
-          </a:fillRef>
-          <a:effectRef idx="0">
-            <a:schemeClr val="accent1"/>
-          </a:effectRef>
-          <a:fontRef idx="minor">
-            <a:schemeClr val="lt1"/>
-          </a:fontRef>
-        </p:style>
-        <p:txBody>
-          <a:bodyPr rtlCol="0" anchor="ctr"/>
-          <a:lstStyle/>
-          <a:p>
-            <a:pPr algn="ctr"/>
-            <a:endParaRPr lang="de-CH" sz="1600" dirty="0">
-              <a:solidFill>
-                <a:schemeClr val="tx1"/>
-              </a:solidFill>
-              <a:latin typeface="Arial" panose="020B0604020202020204" pitchFamily="34" charset="0"/>
-              <a:cs typeface="Arial" panose="020B0604020202020204" pitchFamily="34" charset="0"/>
-            </a:endParaRPr>
-          </a:p>
-        </p:txBody>
-      </p:sp>
-      <p:sp>
-        <p:nvSpPr>
-          <p:cNvPr id="9" name="Rechteck 8">
-            <a:extLst>
-              <a:ext uri="{FF2B5EF4-FFF2-40B4-BE49-F238E27FC236}">
-                <a16:creationId xmlns:a16="http://schemas.microsoft.com/office/drawing/2014/main" id="{A2B50460-DB7E-B2AE-E2C2-7F3614F2A96E}"/>
-              </a:ext>
-            </a:extLst>
-          </p:cNvPr>
-          <p:cNvSpPr/>
-          <p:nvPr/>
-        </p:nvSpPr>
-        <p:spPr>
-          <a:xfrm>
-            <a:off x="6505128" y="532039"/>
-            <a:ext cx="3339167" cy="769028"/>
-          </a:xfrm>
-          <a:prstGeom prst="rect">
-            <a:avLst/>
-          </a:prstGeom>
-          <a:solidFill>
-            <a:schemeClr val="tx1"/>
-          </a:solidFill>
-          <a:ln>
-            <a:solidFill>
-              <a:schemeClr val="tx1"/>
-            </a:solidFill>
-          </a:ln>
-        </p:spPr>
-        <p:style>
-          <a:lnRef idx="2">
-            <a:schemeClr val="accent1">
-              <a:shade val="50000"/>
-            </a:schemeClr>
-          </a:lnRef>
-          <a:fillRef idx="1">
-            <a:schemeClr val="accent1"/>
-          </a:fillRef>
-          <a:effectRef idx="0">
-            <a:schemeClr val="accent1"/>
-          </a:effectRef>
-          <a:fontRef idx="minor">
-            <a:schemeClr val="lt1"/>
-          </a:fontRef>
-        </p:style>
-        <p:txBody>
-          <a:bodyPr rtlCol="0" anchor="ctr"/>
-          <a:lstStyle/>
-          <a:p>
-            <a:pPr algn="ctr"/>
-            <a:r>
-              <a:rPr lang="de-CH" sz="1600" b="1" dirty="0">
-                <a:solidFill>
-                  <a:srgbClr val="FF000A"/>
-                </a:solidFill>
-                <a:latin typeface="Arial" panose="020B0604020202020204" pitchFamily="34" charset="0"/>
-                <a:cs typeface="Arial" panose="020B0604020202020204" pitchFamily="34" charset="0"/>
-              </a:rPr>
-              <a:t>          </a:t>
-            </a:r>
-          </a:p>
-          <a:p>
-            <a:pPr algn="ctr"/>
-            <a:r>
-              <a:rPr lang="de-CH" sz="1400" b="1" dirty="0">
-                <a:solidFill>
-                  <a:srgbClr val="FF000A"/>
-                </a:solidFill>
-                <a:latin typeface="Arial" panose="020B0604020202020204" pitchFamily="34" charset="0"/>
-                <a:cs typeface="Arial" panose="020B0604020202020204" pitchFamily="34" charset="0"/>
-              </a:rPr>
-              <a:t>Gästebuch-Bild hochladen </a:t>
-            </a:r>
-          </a:p>
-        </p:txBody>
-      </p:sp>
-      <p:pic>
-        <p:nvPicPr>
-          <p:cNvPr id="10" name="Grafik 9">
-            <a:extLst>
-              <a:ext uri="{FF2B5EF4-FFF2-40B4-BE49-F238E27FC236}">
-                <a16:creationId xmlns:a16="http://schemas.microsoft.com/office/drawing/2014/main" id="{7B97B44F-258D-0760-70D4-571DA45DBBC0}"/>
-              </a:ext>
-            </a:extLst>
-          </p:cNvPr>
-          <p:cNvPicPr>
-            <a:picLocks noChangeAspect="1"/>
-          </p:cNvPicPr>
-          <p:nvPr/>
-        </p:nvPicPr>
-        <p:blipFill>
-          <a:blip r:embed="rId6"/>
-          <a:stretch>
-            <a:fillRect/>
-          </a:stretch>
-        </p:blipFill>
-        <p:spPr>
-          <a:xfrm>
-            <a:off x="6946142" y="628698"/>
-            <a:ext cx="2457143" cy="238095"/>
-          </a:xfrm>
-          <a:prstGeom prst="rect">
-            <a:avLst/>
-          </a:prstGeom>
-        </p:spPr>
-      </p:pic>
-      <p:sp>
-        <p:nvSpPr>
-          <p:cNvPr id="11" name="Rechteck 10">
-            <a:extLst>
-              <a:ext uri="{FF2B5EF4-FFF2-40B4-BE49-F238E27FC236}">
-                <a16:creationId xmlns:a16="http://schemas.microsoft.com/office/drawing/2014/main" id="{259031CB-A577-4868-F9F4-53FB13677387}"/>
-              </a:ext>
-            </a:extLst>
-          </p:cNvPr>
-          <p:cNvSpPr/>
-          <p:nvPr/>
-        </p:nvSpPr>
-        <p:spPr>
-          <a:xfrm>
-            <a:off x="7183009" y="1367388"/>
-            <a:ext cx="2579516" cy="301629"/>
-          </a:xfrm>
-          <a:prstGeom prst="rect">
-            <a:avLst/>
-          </a:prstGeom>
-          <a:solidFill>
-            <a:schemeClr val="bg1"/>
-          </a:solidFill>
-          <a:ln>
-            <a:solidFill>
-              <a:schemeClr val="tx1"/>
-            </a:solidFill>
-          </a:ln>
-        </p:spPr>
-        <p:style>
-          <a:lnRef idx="2">
-            <a:schemeClr val="accent1">
-              <a:shade val="50000"/>
-            </a:schemeClr>
-          </a:lnRef>
-          <a:fillRef idx="1">
-            <a:schemeClr val="accent1"/>
-          </a:fillRef>
-          <a:effectRef idx="0">
-            <a:schemeClr val="accent1"/>
-          </a:effectRef>
-          <a:fontRef idx="minor">
-            <a:schemeClr val="lt1"/>
-          </a:fontRef>
-        </p:style>
-        <p:txBody>
-          <a:bodyPr rtlCol="0" anchor="ctr"/>
-          <a:lstStyle/>
-          <a:p>
-            <a:r>
-              <a:rPr lang="de-CH" sz="1200" i="1" dirty="0">
-                <a:solidFill>
-                  <a:schemeClr val="tx1"/>
-                </a:solidFill>
-                <a:latin typeface="Arial" panose="020B0604020202020204" pitchFamily="34" charset="0"/>
-                <a:cs typeface="Arial" panose="020B0604020202020204" pitchFamily="34" charset="0"/>
-              </a:rPr>
-              <a:t>Name(n) eingeben …</a:t>
-            </a:r>
-          </a:p>
-        </p:txBody>
-      </p:sp>
-      <p:sp>
-        <p:nvSpPr>
-          <p:cNvPr id="12" name="Textfeld 11">
-            <a:extLst>
-              <a:ext uri="{FF2B5EF4-FFF2-40B4-BE49-F238E27FC236}">
-                <a16:creationId xmlns:a16="http://schemas.microsoft.com/office/drawing/2014/main" id="{09A29106-2290-236C-D642-115C0A57C203}"/>
-              </a:ext>
-            </a:extLst>
-          </p:cNvPr>
-          <p:cNvSpPr txBox="1"/>
-          <p:nvPr/>
-        </p:nvSpPr>
-        <p:spPr>
-          <a:xfrm>
-            <a:off x="6504534" y="1364314"/>
-            <a:ext cx="678475" cy="307777"/>
-          </a:xfrm>
-          <a:prstGeom prst="rect">
-            <a:avLst/>
-          </a:prstGeom>
-          <a:noFill/>
-        </p:spPr>
-        <p:txBody>
-          <a:bodyPr wrap="square" rtlCol="0">
-            <a:spAutoFit/>
-          </a:bodyPr>
-          <a:lstStyle/>
-          <a:p>
-            <a:r>
-              <a:rPr lang="de-CH" sz="1400" b="1" dirty="0">
-                <a:latin typeface="Arial" panose="020B0604020202020204" pitchFamily="34" charset="0"/>
-                <a:cs typeface="Arial" panose="020B0604020202020204" pitchFamily="34" charset="0"/>
-              </a:rPr>
-              <a:t>Name</a:t>
-            </a:r>
-          </a:p>
-        </p:txBody>
-      </p:sp>
-      <p:sp>
-        <p:nvSpPr>
-          <p:cNvPr id="13" name="Rechteck 12">
-            <a:extLst>
-              <a:ext uri="{FF2B5EF4-FFF2-40B4-BE49-F238E27FC236}">
-                <a16:creationId xmlns:a16="http://schemas.microsoft.com/office/drawing/2014/main" id="{EA909D5D-F5B0-DEFF-E525-84E8AB313E10}"/>
-              </a:ext>
-            </a:extLst>
-          </p:cNvPr>
-          <p:cNvSpPr/>
-          <p:nvPr/>
-        </p:nvSpPr>
-        <p:spPr>
-          <a:xfrm>
-            <a:off x="7183603" y="1724227"/>
-            <a:ext cx="2579516" cy="301629"/>
-          </a:xfrm>
-          <a:prstGeom prst="rect">
-            <a:avLst/>
-          </a:prstGeom>
-          <a:solidFill>
-            <a:schemeClr val="bg1"/>
-          </a:solidFill>
-          <a:ln>
-            <a:solidFill>
-              <a:schemeClr val="tx1"/>
-            </a:solidFill>
-          </a:ln>
-        </p:spPr>
-        <p:style>
-          <a:lnRef idx="2">
-            <a:schemeClr val="accent1">
-              <a:shade val="50000"/>
-            </a:schemeClr>
-          </a:lnRef>
-          <a:fillRef idx="1">
-            <a:schemeClr val="accent1"/>
-          </a:fillRef>
-          <a:effectRef idx="0">
-            <a:schemeClr val="accent1"/>
-          </a:effectRef>
-          <a:fontRef idx="minor">
-            <a:schemeClr val="lt1"/>
-          </a:fontRef>
-        </p:style>
-        <p:txBody>
-          <a:bodyPr rtlCol="0" anchor="ctr"/>
-          <a:lstStyle/>
-          <a:p>
-            <a:r>
-              <a:rPr lang="de-CH" sz="1200" i="1" dirty="0">
-                <a:solidFill>
-                  <a:schemeClr val="tx1"/>
-                </a:solidFill>
-                <a:latin typeface="Arial" panose="020B0604020202020204" pitchFamily="34" charset="0"/>
-                <a:cs typeface="Arial" panose="020B0604020202020204" pitchFamily="34" charset="0"/>
-              </a:rPr>
-              <a:t>E-Mail Adresse eingeben …</a:t>
-            </a:r>
-          </a:p>
-        </p:txBody>
-      </p:sp>
-      <p:sp>
-        <p:nvSpPr>
-          <p:cNvPr id="14" name="Textfeld 13">
-            <a:extLst>
-              <a:ext uri="{FF2B5EF4-FFF2-40B4-BE49-F238E27FC236}">
-                <a16:creationId xmlns:a16="http://schemas.microsoft.com/office/drawing/2014/main" id="{D94CE715-2AF5-8624-E2BE-C506DF769226}"/>
-              </a:ext>
-            </a:extLst>
-          </p:cNvPr>
-          <p:cNvSpPr txBox="1"/>
-          <p:nvPr/>
-        </p:nvSpPr>
-        <p:spPr>
-          <a:xfrm>
-            <a:off x="6505128" y="1721153"/>
-            <a:ext cx="789260" cy="307777"/>
-          </a:xfrm>
-          <a:prstGeom prst="rect">
-            <a:avLst/>
-          </a:prstGeom>
-          <a:noFill/>
-        </p:spPr>
-        <p:txBody>
-          <a:bodyPr wrap="square" rtlCol="0">
-            <a:spAutoFit/>
-          </a:bodyPr>
-          <a:lstStyle/>
-          <a:p>
-            <a:r>
-              <a:rPr lang="de-CH" sz="1400" b="1" dirty="0">
-                <a:latin typeface="Arial" panose="020B0604020202020204" pitchFamily="34" charset="0"/>
-                <a:cs typeface="Arial" panose="020B0604020202020204" pitchFamily="34" charset="0"/>
-              </a:rPr>
-              <a:t>E-Mail</a:t>
-            </a:r>
-          </a:p>
-        </p:txBody>
-      </p:sp>
-      <p:sp>
-        <p:nvSpPr>
-          <p:cNvPr id="15" name="Rechteck 14">
-            <a:extLst>
-              <a:ext uri="{FF2B5EF4-FFF2-40B4-BE49-F238E27FC236}">
-                <a16:creationId xmlns:a16="http://schemas.microsoft.com/office/drawing/2014/main" id="{AA650850-BA67-7DC0-184B-E5443A7A02B2}"/>
-              </a:ext>
-            </a:extLst>
-          </p:cNvPr>
-          <p:cNvSpPr/>
-          <p:nvPr/>
-        </p:nvSpPr>
-        <p:spPr>
-          <a:xfrm>
-            <a:off x="6595576" y="2092178"/>
-            <a:ext cx="3166949" cy="255249"/>
-          </a:xfrm>
-          <a:prstGeom prst="rect">
-            <a:avLst/>
-          </a:prstGeom>
-          <a:noFill/>
-          <a:ln>
-            <a:solidFill>
-              <a:schemeClr val="tx1"/>
-            </a:solidFill>
-          </a:ln>
-        </p:spPr>
-        <p:style>
-          <a:lnRef idx="2">
-            <a:schemeClr val="accent1">
-              <a:shade val="50000"/>
-            </a:schemeClr>
-          </a:lnRef>
-          <a:fillRef idx="1">
-            <a:schemeClr val="accent1"/>
-          </a:fillRef>
-          <a:effectRef idx="0">
-            <a:schemeClr val="accent1"/>
-          </a:effectRef>
-          <a:fontRef idx="minor">
-            <a:schemeClr val="lt1"/>
-          </a:fontRef>
-        </p:style>
-        <p:txBody>
-          <a:bodyPr rtlCol="0" anchor="ctr"/>
-          <a:lstStyle/>
-          <a:p>
-            <a:pPr algn="ctr"/>
-            <a:r>
-              <a:rPr lang="de-CH" sz="1200" dirty="0">
-                <a:solidFill>
-                  <a:schemeClr val="tx1"/>
-                </a:solidFill>
-                <a:latin typeface="Arial" panose="020B0604020202020204" pitchFamily="34" charset="0"/>
-                <a:cs typeface="Arial" panose="020B0604020202020204" pitchFamily="34" charset="0"/>
-              </a:rPr>
-              <a:t>Code verlangen</a:t>
-            </a:r>
-          </a:p>
-        </p:txBody>
-      </p:sp>
-      <p:pic>
-        <p:nvPicPr>
-          <p:cNvPr id="16" name="Grafik 15">
-            <a:extLst>
-              <a:ext uri="{FF2B5EF4-FFF2-40B4-BE49-F238E27FC236}">
-                <a16:creationId xmlns:a16="http://schemas.microsoft.com/office/drawing/2014/main" id="{7CAEF55A-88BB-2030-45C9-E017CA58C7D3}"/>
-              </a:ext>
-            </a:extLst>
-          </p:cNvPr>
-          <p:cNvPicPr>
-            <a:picLocks noChangeAspect="1"/>
-          </p:cNvPicPr>
-          <p:nvPr/>
-        </p:nvPicPr>
-        <p:blipFill>
-          <a:blip r:embed="rId7"/>
-          <a:stretch>
-            <a:fillRect/>
-          </a:stretch>
-        </p:blipFill>
-        <p:spPr>
-          <a:xfrm>
-            <a:off x="9379671" y="761778"/>
-            <a:ext cx="331444" cy="256116"/>
-          </a:xfrm>
-          <a:prstGeom prst="rect">
-            <a:avLst/>
-          </a:prstGeom>
-        </p:spPr>
-      </p:pic>
-      <p:pic>
-        <p:nvPicPr>
-          <p:cNvPr id="1032" name="Picture 8" descr="eMail Widget 2: E-Mails im iPhone-Widget lesen">
-            <a:extLst>
-              <a:ext uri="{FF2B5EF4-FFF2-40B4-BE49-F238E27FC236}">
-                <a16:creationId xmlns:a16="http://schemas.microsoft.com/office/drawing/2014/main" id="{6ADE284A-8168-5C4F-D530-F4336DAFDCBE}"/>
-              </a:ext>
-            </a:extLst>
-          </p:cNvPr>
-          <p:cNvPicPr>
-            <a:picLocks noChangeAspect="1" noChangeArrowheads="1"/>
-          </p:cNvPicPr>
-          <p:nvPr/>
-        </p:nvPicPr>
-        <p:blipFill>
-          <a:blip r:embed="rId8">
-            <a:extLst>
-              <a:ext uri="{28A0092B-C50C-407E-A947-70E740481C1C}">
-                <a14:useLocalDpi xmlns:a14="http://schemas.microsoft.com/office/drawing/2010/main" val="0"/>
-              </a:ext>
-            </a:extLst>
-          </a:blip>
-          <a:srcRect/>
-          <a:stretch>
-            <a:fillRect/>
-          </a:stretch>
-        </p:blipFill>
-        <p:spPr bwMode="auto">
-          <a:xfrm>
-            <a:off x="10574855" y="1481761"/>
-            <a:ext cx="718991" cy="718991"/>
-          </a:xfrm>
-          <a:prstGeom prst="rect">
-            <a:avLst/>
-          </a:prstGeom>
-          <a:noFill/>
-          <a:extLst>
-            <a:ext uri="{909E8E84-426E-40DD-AFC4-6F175D3DCCD1}">
-              <a14:hiddenFill xmlns:a14="http://schemas.microsoft.com/office/drawing/2010/main">
-                <a:solidFill>
-                  <a:srgbClr val="FFFFFF"/>
-                </a:solidFill>
-              </a14:hiddenFill>
-            </a:ext>
-          </a:extLst>
-        </p:spPr>
-      </p:pic>
-      <p:sp>
-        <p:nvSpPr>
-          <p:cNvPr id="17" name="Rechteck 16">
-            <a:extLst>
-              <a:ext uri="{FF2B5EF4-FFF2-40B4-BE49-F238E27FC236}">
-                <a16:creationId xmlns:a16="http://schemas.microsoft.com/office/drawing/2014/main" id="{97C98CE6-9B54-00BB-BA79-EA05E7626104}"/>
-              </a:ext>
-            </a:extLst>
-          </p:cNvPr>
-          <p:cNvSpPr/>
-          <p:nvPr/>
-        </p:nvSpPr>
-        <p:spPr>
-          <a:xfrm>
-            <a:off x="112912" y="3844092"/>
-            <a:ext cx="3339167" cy="2300627"/>
-          </a:xfrm>
-          <a:prstGeom prst="rect">
-            <a:avLst/>
-          </a:prstGeom>
-          <a:solidFill>
-            <a:srgbClr val="DFE0E1"/>
-          </a:solidFill>
-          <a:ln>
-            <a:solidFill>
-              <a:srgbClr val="C8C8C8"/>
-            </a:solidFill>
-          </a:ln>
-        </p:spPr>
-        <p:style>
-          <a:lnRef idx="2">
-            <a:schemeClr val="accent1">
-              <a:shade val="50000"/>
-            </a:schemeClr>
-          </a:lnRef>
-          <a:fillRef idx="1">
-            <a:schemeClr val="accent1"/>
-          </a:fillRef>
-          <a:effectRef idx="0">
-            <a:schemeClr val="accent1"/>
-          </a:effectRef>
-          <a:fontRef idx="minor">
-            <a:schemeClr val="lt1"/>
-          </a:fontRef>
-        </p:style>
-        <p:txBody>
-          <a:bodyPr rtlCol="0" anchor="ctr"/>
-          <a:lstStyle/>
-          <a:p>
-            <a:pPr algn="ctr"/>
-            <a:endParaRPr lang="de-CH" sz="1600" dirty="0">
-              <a:solidFill>
-                <a:schemeClr val="tx1"/>
-              </a:solidFill>
-              <a:latin typeface="Arial" panose="020B0604020202020204" pitchFamily="34" charset="0"/>
-              <a:cs typeface="Arial" panose="020B0604020202020204" pitchFamily="34" charset="0"/>
-            </a:endParaRPr>
-          </a:p>
-        </p:txBody>
-      </p:sp>
-      <p:sp>
-        <p:nvSpPr>
-          <p:cNvPr id="18" name="Rechteck 17">
-            <a:extLst>
-              <a:ext uri="{FF2B5EF4-FFF2-40B4-BE49-F238E27FC236}">
-                <a16:creationId xmlns:a16="http://schemas.microsoft.com/office/drawing/2014/main" id="{0322122E-CCC7-F8A9-CF9D-A9D70809BE17}"/>
-              </a:ext>
-            </a:extLst>
-          </p:cNvPr>
-          <p:cNvSpPr/>
-          <p:nvPr/>
-        </p:nvSpPr>
-        <p:spPr>
-          <a:xfrm>
-            <a:off x="112909" y="3749294"/>
-            <a:ext cx="3339167" cy="769028"/>
-          </a:xfrm>
-          <a:prstGeom prst="rect">
-            <a:avLst/>
-          </a:prstGeom>
-          <a:solidFill>
-            <a:schemeClr val="tx1"/>
-          </a:solidFill>
-          <a:ln>
-            <a:solidFill>
-              <a:schemeClr val="tx1"/>
-            </a:solidFill>
-          </a:ln>
-        </p:spPr>
-        <p:style>
-          <a:lnRef idx="2">
-            <a:schemeClr val="accent1">
-              <a:shade val="50000"/>
-            </a:schemeClr>
-          </a:lnRef>
-          <a:fillRef idx="1">
-            <a:schemeClr val="accent1"/>
-          </a:fillRef>
-          <a:effectRef idx="0">
-            <a:schemeClr val="accent1"/>
-          </a:effectRef>
-          <a:fontRef idx="minor">
-            <a:schemeClr val="lt1"/>
-          </a:fontRef>
-        </p:style>
-        <p:txBody>
-          <a:bodyPr rtlCol="0" anchor="ctr"/>
-          <a:lstStyle/>
-          <a:p>
-            <a:pPr algn="ctr"/>
-            <a:r>
-              <a:rPr lang="de-CH" sz="1600" b="1" dirty="0">
-                <a:solidFill>
-                  <a:srgbClr val="FF000A"/>
-                </a:solidFill>
-                <a:latin typeface="Arial" panose="020B0604020202020204" pitchFamily="34" charset="0"/>
-                <a:cs typeface="Arial" panose="020B0604020202020204" pitchFamily="34" charset="0"/>
-              </a:rPr>
-              <a:t>          </a:t>
-            </a:r>
-          </a:p>
-          <a:p>
-            <a:pPr algn="ctr"/>
-            <a:r>
-              <a:rPr lang="de-CH" sz="1400" b="1" dirty="0">
-                <a:solidFill>
-                  <a:srgbClr val="FF000A"/>
-                </a:solidFill>
-                <a:latin typeface="Arial" panose="020B0604020202020204" pitchFamily="34" charset="0"/>
-                <a:cs typeface="Arial" panose="020B0604020202020204" pitchFamily="34" charset="0"/>
-              </a:rPr>
-              <a:t>Gästebuch-Bild hochladen </a:t>
-            </a:r>
-          </a:p>
-        </p:txBody>
-      </p:sp>
-      <p:pic>
-        <p:nvPicPr>
-          <p:cNvPr id="19" name="Grafik 18">
-            <a:extLst>
-              <a:ext uri="{FF2B5EF4-FFF2-40B4-BE49-F238E27FC236}">
-                <a16:creationId xmlns:a16="http://schemas.microsoft.com/office/drawing/2014/main" id="{CD519E71-873F-4AC4-5DE2-4BC55C36F396}"/>
-              </a:ext>
-            </a:extLst>
-          </p:cNvPr>
-          <p:cNvPicPr>
-            <a:picLocks noChangeAspect="1"/>
-          </p:cNvPicPr>
-          <p:nvPr/>
-        </p:nvPicPr>
-        <p:blipFill>
-          <a:blip r:embed="rId6"/>
-          <a:stretch>
-            <a:fillRect/>
-          </a:stretch>
-        </p:blipFill>
-        <p:spPr>
-          <a:xfrm>
-            <a:off x="553923" y="3845953"/>
-            <a:ext cx="2457143" cy="238095"/>
-          </a:xfrm>
-          <a:prstGeom prst="rect">
-            <a:avLst/>
-          </a:prstGeom>
-        </p:spPr>
-      </p:pic>
-      <p:sp>
-        <p:nvSpPr>
-          <p:cNvPr id="20" name="Rechteck 19">
-            <a:extLst>
-              <a:ext uri="{FF2B5EF4-FFF2-40B4-BE49-F238E27FC236}">
-                <a16:creationId xmlns:a16="http://schemas.microsoft.com/office/drawing/2014/main" id="{0F6302A2-C48F-96C5-0B07-5D7209181786}"/>
-              </a:ext>
-            </a:extLst>
-          </p:cNvPr>
-          <p:cNvSpPr/>
-          <p:nvPr/>
-        </p:nvSpPr>
-        <p:spPr>
-          <a:xfrm>
-            <a:off x="790790" y="4584643"/>
-            <a:ext cx="2579516" cy="301629"/>
-          </a:xfrm>
-          <a:prstGeom prst="rect">
-            <a:avLst/>
-          </a:prstGeom>
-          <a:solidFill>
-            <a:schemeClr val="bg1"/>
-          </a:solidFill>
-          <a:ln>
-            <a:solidFill>
-              <a:schemeClr val="tx1"/>
-            </a:solidFill>
-          </a:ln>
-        </p:spPr>
-        <p:style>
-          <a:lnRef idx="2">
-            <a:schemeClr val="accent1">
-              <a:shade val="50000"/>
-            </a:schemeClr>
-          </a:lnRef>
-          <a:fillRef idx="1">
-            <a:schemeClr val="accent1"/>
-          </a:fillRef>
-          <a:effectRef idx="0">
-            <a:schemeClr val="accent1"/>
-          </a:effectRef>
-          <a:fontRef idx="minor">
-            <a:schemeClr val="lt1"/>
-          </a:fontRef>
-        </p:style>
-        <p:txBody>
-          <a:bodyPr rtlCol="0" anchor="ctr"/>
-          <a:lstStyle/>
-          <a:p>
-            <a:r>
-              <a:rPr lang="de-CH" sz="1200" i="1" dirty="0">
-                <a:solidFill>
-                  <a:schemeClr val="tx1"/>
-                </a:solidFill>
-                <a:latin typeface="Arial" panose="020B0604020202020204" pitchFamily="34" charset="0"/>
-                <a:cs typeface="Arial" panose="020B0604020202020204" pitchFamily="34" charset="0"/>
-              </a:rPr>
-              <a:t>Name(n) eingeben …</a:t>
-            </a:r>
-          </a:p>
-        </p:txBody>
-      </p:sp>
-      <p:sp>
-        <p:nvSpPr>
-          <p:cNvPr id="21" name="Textfeld 20">
-            <a:extLst>
-              <a:ext uri="{FF2B5EF4-FFF2-40B4-BE49-F238E27FC236}">
-                <a16:creationId xmlns:a16="http://schemas.microsoft.com/office/drawing/2014/main" id="{09204F3D-ECE8-D3D7-69D5-FE21EB972122}"/>
-              </a:ext>
-            </a:extLst>
-          </p:cNvPr>
-          <p:cNvSpPr txBox="1"/>
-          <p:nvPr/>
-        </p:nvSpPr>
-        <p:spPr>
-          <a:xfrm>
-            <a:off x="112315" y="4581569"/>
-            <a:ext cx="678475" cy="307777"/>
-          </a:xfrm>
-          <a:prstGeom prst="rect">
-            <a:avLst/>
-          </a:prstGeom>
-          <a:noFill/>
-        </p:spPr>
-        <p:txBody>
-          <a:bodyPr wrap="square" rtlCol="0">
-            <a:spAutoFit/>
-          </a:bodyPr>
-          <a:lstStyle/>
-          <a:p>
-            <a:r>
-              <a:rPr lang="de-CH" sz="1400" b="1" dirty="0">
-                <a:latin typeface="Arial" panose="020B0604020202020204" pitchFamily="34" charset="0"/>
-                <a:cs typeface="Arial" panose="020B0604020202020204" pitchFamily="34" charset="0"/>
-              </a:rPr>
-              <a:t>Name</a:t>
-            </a:r>
-          </a:p>
-        </p:txBody>
-      </p:sp>
-      <p:sp>
-        <p:nvSpPr>
-          <p:cNvPr id="22" name="Rechteck 21">
-            <a:extLst>
-              <a:ext uri="{FF2B5EF4-FFF2-40B4-BE49-F238E27FC236}">
-                <a16:creationId xmlns:a16="http://schemas.microsoft.com/office/drawing/2014/main" id="{286D9678-2698-FA91-A3F7-38844B98F1AF}"/>
-              </a:ext>
-            </a:extLst>
-          </p:cNvPr>
-          <p:cNvSpPr/>
-          <p:nvPr/>
-        </p:nvSpPr>
-        <p:spPr>
-          <a:xfrm>
-            <a:off x="791384" y="4941482"/>
-            <a:ext cx="2579516" cy="301629"/>
-          </a:xfrm>
-          <a:prstGeom prst="rect">
-            <a:avLst/>
-          </a:prstGeom>
-          <a:solidFill>
-            <a:schemeClr val="bg1"/>
-          </a:solidFill>
-          <a:ln>
-            <a:solidFill>
-              <a:schemeClr val="tx1"/>
-            </a:solidFill>
-          </a:ln>
-        </p:spPr>
-        <p:style>
-          <a:lnRef idx="2">
-            <a:schemeClr val="accent1">
-              <a:shade val="50000"/>
-            </a:schemeClr>
-          </a:lnRef>
-          <a:fillRef idx="1">
-            <a:schemeClr val="accent1"/>
-          </a:fillRef>
-          <a:effectRef idx="0">
-            <a:schemeClr val="accent1"/>
-          </a:effectRef>
-          <a:fontRef idx="minor">
-            <a:schemeClr val="lt1"/>
-          </a:fontRef>
-        </p:style>
-        <p:txBody>
-          <a:bodyPr rtlCol="0" anchor="ctr"/>
-          <a:lstStyle/>
-          <a:p>
-            <a:r>
-              <a:rPr lang="de-CH" sz="1200" i="1" dirty="0">
-                <a:solidFill>
-                  <a:schemeClr val="tx1"/>
-                </a:solidFill>
-                <a:latin typeface="Arial" panose="020B0604020202020204" pitchFamily="34" charset="0"/>
-                <a:cs typeface="Arial" panose="020B0604020202020204" pitchFamily="34" charset="0"/>
-              </a:rPr>
-              <a:t>E-Mail Adresse eingeben …</a:t>
-            </a:r>
-          </a:p>
-        </p:txBody>
-      </p:sp>
-      <p:sp>
-        <p:nvSpPr>
-          <p:cNvPr id="23" name="Textfeld 22">
-            <a:extLst>
-              <a:ext uri="{FF2B5EF4-FFF2-40B4-BE49-F238E27FC236}">
-                <a16:creationId xmlns:a16="http://schemas.microsoft.com/office/drawing/2014/main" id="{B0DE4E18-B664-00E6-E1D4-88C99B4C7E21}"/>
-              </a:ext>
-            </a:extLst>
-          </p:cNvPr>
-          <p:cNvSpPr txBox="1"/>
-          <p:nvPr/>
-        </p:nvSpPr>
-        <p:spPr>
-          <a:xfrm>
-            <a:off x="112909" y="4938408"/>
-            <a:ext cx="789260" cy="307777"/>
-          </a:xfrm>
-          <a:prstGeom prst="rect">
-            <a:avLst/>
-          </a:prstGeom>
-          <a:noFill/>
-        </p:spPr>
-        <p:txBody>
-          <a:bodyPr wrap="square" rtlCol="0">
-            <a:spAutoFit/>
-          </a:bodyPr>
-          <a:lstStyle/>
-          <a:p>
-            <a:r>
-              <a:rPr lang="de-CH" sz="1400" b="1" dirty="0">
-                <a:latin typeface="Arial" panose="020B0604020202020204" pitchFamily="34" charset="0"/>
-                <a:cs typeface="Arial" panose="020B0604020202020204" pitchFamily="34" charset="0"/>
-              </a:rPr>
-              <a:t>E-Mail</a:t>
-            </a:r>
-          </a:p>
-        </p:txBody>
-      </p:sp>
-      <p:sp>
-        <p:nvSpPr>
-          <p:cNvPr id="24" name="Rechteck 23">
-            <a:extLst>
-              <a:ext uri="{FF2B5EF4-FFF2-40B4-BE49-F238E27FC236}">
-                <a16:creationId xmlns:a16="http://schemas.microsoft.com/office/drawing/2014/main" id="{3AEAF418-1F9B-E2AE-887B-F1F0B851CF5C}"/>
-              </a:ext>
-            </a:extLst>
-          </p:cNvPr>
-          <p:cNvSpPr/>
-          <p:nvPr/>
-        </p:nvSpPr>
-        <p:spPr>
-          <a:xfrm>
-            <a:off x="203357" y="5309433"/>
-            <a:ext cx="3166949" cy="255249"/>
-          </a:xfrm>
-          <a:prstGeom prst="rect">
-            <a:avLst/>
-          </a:prstGeom>
-          <a:noFill/>
-          <a:ln>
-            <a:solidFill>
-              <a:schemeClr val="tx1"/>
-            </a:solidFill>
-          </a:ln>
-        </p:spPr>
-        <p:style>
-          <a:lnRef idx="2">
-            <a:schemeClr val="accent1">
-              <a:shade val="50000"/>
-            </a:schemeClr>
-          </a:lnRef>
-          <a:fillRef idx="1">
-            <a:schemeClr val="accent1"/>
-          </a:fillRef>
-          <a:effectRef idx="0">
-            <a:schemeClr val="accent1"/>
-          </a:effectRef>
-          <a:fontRef idx="minor">
-            <a:schemeClr val="lt1"/>
-          </a:fontRef>
-        </p:style>
-        <p:txBody>
-          <a:bodyPr rtlCol="0" anchor="ctr"/>
-          <a:lstStyle/>
-          <a:p>
-            <a:pPr algn="ctr"/>
-            <a:r>
-              <a:rPr lang="de-CH" sz="1200" dirty="0">
-                <a:solidFill>
-                  <a:schemeClr val="tx1"/>
-                </a:solidFill>
-                <a:latin typeface="Arial" panose="020B0604020202020204" pitchFamily="34" charset="0"/>
-                <a:cs typeface="Arial" panose="020B0604020202020204" pitchFamily="34" charset="0"/>
-              </a:rPr>
-              <a:t>Code verlangen</a:t>
-            </a:r>
-          </a:p>
-        </p:txBody>
-      </p:sp>
-      <p:pic>
-        <p:nvPicPr>
-          <p:cNvPr id="25" name="Grafik 24">
-            <a:extLst>
-              <a:ext uri="{FF2B5EF4-FFF2-40B4-BE49-F238E27FC236}">
-                <a16:creationId xmlns:a16="http://schemas.microsoft.com/office/drawing/2014/main" id="{E7EB6755-F68A-AA2C-A43C-73345BC2C8DC}"/>
-              </a:ext>
-            </a:extLst>
-          </p:cNvPr>
-          <p:cNvPicPr>
-            <a:picLocks noChangeAspect="1"/>
-          </p:cNvPicPr>
-          <p:nvPr/>
-        </p:nvPicPr>
-        <p:blipFill>
-          <a:blip r:embed="rId7"/>
-          <a:stretch>
-            <a:fillRect/>
-          </a:stretch>
-        </p:blipFill>
-        <p:spPr>
-          <a:xfrm>
-            <a:off x="2987452" y="3979033"/>
-            <a:ext cx="331444" cy="256116"/>
-          </a:xfrm>
-          <a:prstGeom prst="rect">
-            <a:avLst/>
-          </a:prstGeom>
-        </p:spPr>
-      </p:pic>
-      <p:sp>
-        <p:nvSpPr>
-          <p:cNvPr id="26" name="Rechteck 25">
-            <a:extLst>
-              <a:ext uri="{FF2B5EF4-FFF2-40B4-BE49-F238E27FC236}">
-                <a16:creationId xmlns:a16="http://schemas.microsoft.com/office/drawing/2014/main" id="{7896611D-3FCA-2D9C-0D58-EE47203CD0B3}"/>
-              </a:ext>
-            </a:extLst>
-          </p:cNvPr>
-          <p:cNvSpPr/>
-          <p:nvPr/>
-        </p:nvSpPr>
-        <p:spPr>
-          <a:xfrm>
-            <a:off x="834727" y="5659480"/>
-            <a:ext cx="1769191" cy="301629"/>
-          </a:xfrm>
-          <a:prstGeom prst="rect">
-            <a:avLst/>
-          </a:prstGeom>
-          <a:solidFill>
-            <a:schemeClr val="bg1"/>
-          </a:solidFill>
-          <a:ln>
-            <a:solidFill>
-              <a:schemeClr val="tx1"/>
-            </a:solidFill>
-          </a:ln>
-        </p:spPr>
-        <p:style>
-          <a:lnRef idx="2">
-            <a:schemeClr val="accent1">
-              <a:shade val="50000"/>
-            </a:schemeClr>
-          </a:lnRef>
-          <a:fillRef idx="1">
-            <a:schemeClr val="accent1"/>
-          </a:fillRef>
-          <a:effectRef idx="0">
-            <a:schemeClr val="accent1"/>
-          </a:effectRef>
-          <a:fontRef idx="minor">
-            <a:schemeClr val="lt1"/>
-          </a:fontRef>
-        </p:style>
-        <p:txBody>
-          <a:bodyPr rtlCol="0" anchor="ctr"/>
-          <a:lstStyle/>
-          <a:p>
-            <a:r>
-              <a:rPr lang="de-CH" sz="1200" i="1" dirty="0">
-                <a:solidFill>
-                  <a:schemeClr val="tx1"/>
-                </a:solidFill>
-                <a:latin typeface="Arial" panose="020B0604020202020204" pitchFamily="34" charset="0"/>
-                <a:cs typeface="Arial" panose="020B0604020202020204" pitchFamily="34" charset="0"/>
-              </a:rPr>
-              <a:t>Code eingeben …</a:t>
-            </a:r>
-          </a:p>
-        </p:txBody>
-      </p:sp>
-      <p:sp>
-        <p:nvSpPr>
-          <p:cNvPr id="27" name="Textfeld 26">
-            <a:extLst>
-              <a:ext uri="{FF2B5EF4-FFF2-40B4-BE49-F238E27FC236}">
-                <a16:creationId xmlns:a16="http://schemas.microsoft.com/office/drawing/2014/main" id="{285BFC11-536B-A9D7-E131-76A6D2B04A59}"/>
-              </a:ext>
-            </a:extLst>
-          </p:cNvPr>
-          <p:cNvSpPr txBox="1"/>
-          <p:nvPr/>
-        </p:nvSpPr>
-        <p:spPr>
-          <a:xfrm>
-            <a:off x="156252" y="5656406"/>
-            <a:ext cx="678475" cy="307777"/>
-          </a:xfrm>
-          <a:prstGeom prst="rect">
-            <a:avLst/>
-          </a:prstGeom>
-          <a:noFill/>
-        </p:spPr>
-        <p:txBody>
-          <a:bodyPr wrap="square" rtlCol="0">
-            <a:spAutoFit/>
-          </a:bodyPr>
-          <a:lstStyle/>
-          <a:p>
-            <a:r>
-              <a:rPr lang="de-CH" sz="1400" b="1" dirty="0">
-                <a:latin typeface="Arial" panose="020B0604020202020204" pitchFamily="34" charset="0"/>
-                <a:cs typeface="Arial" panose="020B0604020202020204" pitchFamily="34" charset="0"/>
-              </a:rPr>
-              <a:t>Code</a:t>
-            </a:r>
-          </a:p>
-        </p:txBody>
-      </p:sp>
-      <p:sp>
-        <p:nvSpPr>
-          <p:cNvPr id="28" name="Rechteck 27">
-            <a:extLst>
-              <a:ext uri="{FF2B5EF4-FFF2-40B4-BE49-F238E27FC236}">
-                <a16:creationId xmlns:a16="http://schemas.microsoft.com/office/drawing/2014/main" id="{508CC12E-361B-2A71-1F27-42D54EA63471}"/>
-              </a:ext>
-            </a:extLst>
-          </p:cNvPr>
-          <p:cNvSpPr/>
-          <p:nvPr/>
-        </p:nvSpPr>
-        <p:spPr>
-          <a:xfrm>
-            <a:off x="2651789" y="5667306"/>
-            <a:ext cx="735983" cy="292247"/>
-          </a:xfrm>
-          <a:prstGeom prst="rect">
-            <a:avLst/>
-          </a:prstGeom>
-          <a:noFill/>
-          <a:ln>
-            <a:solidFill>
-              <a:schemeClr val="tx1"/>
-            </a:solidFill>
-          </a:ln>
-        </p:spPr>
-        <p:style>
-          <a:lnRef idx="2">
-            <a:schemeClr val="accent1">
-              <a:shade val="50000"/>
-            </a:schemeClr>
-          </a:lnRef>
-          <a:fillRef idx="1">
-            <a:schemeClr val="accent1"/>
-          </a:fillRef>
-          <a:effectRef idx="0">
-            <a:schemeClr val="accent1"/>
-          </a:effectRef>
-          <a:fontRef idx="minor">
-            <a:schemeClr val="lt1"/>
-          </a:fontRef>
-        </p:style>
-        <p:txBody>
-          <a:bodyPr rtlCol="0" anchor="ctr"/>
-          <a:lstStyle/>
-          <a:p>
-            <a:pPr algn="ctr"/>
-            <a:r>
-              <a:rPr lang="de-CH" sz="1200" dirty="0">
-                <a:solidFill>
-                  <a:schemeClr val="tx1"/>
-                </a:solidFill>
-                <a:latin typeface="Arial" panose="020B0604020202020204" pitchFamily="34" charset="0"/>
-                <a:cs typeface="Arial" panose="020B0604020202020204" pitchFamily="34" charset="0"/>
-              </a:rPr>
-              <a:t>Senden</a:t>
-            </a:r>
-          </a:p>
-        </p:txBody>
-      </p:sp>
-      <p:sp>
-        <p:nvSpPr>
-          <p:cNvPr id="29" name="Rechteck 28">
-            <a:extLst>
-              <a:ext uri="{FF2B5EF4-FFF2-40B4-BE49-F238E27FC236}">
-                <a16:creationId xmlns:a16="http://schemas.microsoft.com/office/drawing/2014/main" id="{97C13174-57E2-CC0A-834C-DAF05C46F045}"/>
-              </a:ext>
-            </a:extLst>
-          </p:cNvPr>
-          <p:cNvSpPr/>
-          <p:nvPr/>
-        </p:nvSpPr>
-        <p:spPr>
-          <a:xfrm>
-            <a:off x="3849486" y="3844092"/>
-            <a:ext cx="3339167" cy="2447655"/>
-          </a:xfrm>
-          <a:prstGeom prst="rect">
-            <a:avLst/>
-          </a:prstGeom>
-          <a:solidFill>
-            <a:srgbClr val="DFE0E1"/>
-          </a:solidFill>
-          <a:ln>
-            <a:solidFill>
-              <a:srgbClr val="C8C8C8"/>
-            </a:solidFill>
-          </a:ln>
-        </p:spPr>
-        <p:style>
-          <a:lnRef idx="2">
-            <a:schemeClr val="accent1">
-              <a:shade val="50000"/>
-            </a:schemeClr>
-          </a:lnRef>
-          <a:fillRef idx="1">
-            <a:schemeClr val="accent1"/>
-          </a:fillRef>
-          <a:effectRef idx="0">
-            <a:schemeClr val="accent1"/>
-          </a:effectRef>
-          <a:fontRef idx="minor">
-            <a:schemeClr val="lt1"/>
-          </a:fontRef>
-        </p:style>
-        <p:txBody>
-          <a:bodyPr rtlCol="0" anchor="ctr"/>
-          <a:lstStyle/>
-          <a:p>
-            <a:pPr algn="ctr"/>
-            <a:endParaRPr lang="de-CH" sz="1600" dirty="0">
-              <a:solidFill>
-                <a:schemeClr val="tx1"/>
-              </a:solidFill>
-              <a:latin typeface="Arial" panose="020B0604020202020204" pitchFamily="34" charset="0"/>
-              <a:cs typeface="Arial" panose="020B0604020202020204" pitchFamily="34" charset="0"/>
-            </a:endParaRPr>
-          </a:p>
-        </p:txBody>
-      </p:sp>
-      <p:sp>
-        <p:nvSpPr>
-          <p:cNvPr id="30" name="Rechteck 29">
-            <a:extLst>
-              <a:ext uri="{FF2B5EF4-FFF2-40B4-BE49-F238E27FC236}">
-                <a16:creationId xmlns:a16="http://schemas.microsoft.com/office/drawing/2014/main" id="{551F3DD4-5C20-9CFE-0104-D97B5126131D}"/>
-              </a:ext>
-            </a:extLst>
-          </p:cNvPr>
-          <p:cNvSpPr/>
-          <p:nvPr/>
-        </p:nvSpPr>
-        <p:spPr>
-          <a:xfrm>
-            <a:off x="3849483" y="3749294"/>
-            <a:ext cx="3339167" cy="769028"/>
-          </a:xfrm>
-          <a:prstGeom prst="rect">
-            <a:avLst/>
-          </a:prstGeom>
-          <a:solidFill>
-            <a:schemeClr val="tx1"/>
-          </a:solidFill>
-          <a:ln>
-            <a:solidFill>
-              <a:schemeClr val="tx1"/>
-            </a:solidFill>
-          </a:ln>
-        </p:spPr>
-        <p:style>
-          <a:lnRef idx="2">
-            <a:schemeClr val="accent1">
-              <a:shade val="50000"/>
-            </a:schemeClr>
-          </a:lnRef>
-          <a:fillRef idx="1">
-            <a:schemeClr val="accent1"/>
-          </a:fillRef>
-          <a:effectRef idx="0">
-            <a:schemeClr val="accent1"/>
-          </a:effectRef>
-          <a:fontRef idx="minor">
-            <a:schemeClr val="lt1"/>
-          </a:fontRef>
-        </p:style>
-        <p:txBody>
-          <a:bodyPr rtlCol="0" anchor="ctr"/>
-          <a:lstStyle/>
-          <a:p>
-            <a:pPr algn="ctr"/>
-            <a:r>
-              <a:rPr lang="de-CH" sz="1600" b="1" dirty="0">
-                <a:solidFill>
-                  <a:srgbClr val="FF000A"/>
-                </a:solidFill>
-                <a:latin typeface="Arial" panose="020B0604020202020204" pitchFamily="34" charset="0"/>
-                <a:cs typeface="Arial" panose="020B0604020202020204" pitchFamily="34" charset="0"/>
-              </a:rPr>
-              <a:t>          </a:t>
-            </a:r>
-          </a:p>
-          <a:p>
-            <a:pPr algn="ctr"/>
-            <a:r>
-              <a:rPr lang="de-CH" sz="1400" b="1" dirty="0">
-                <a:solidFill>
-                  <a:srgbClr val="FF000A"/>
-                </a:solidFill>
-                <a:latin typeface="Arial" panose="020B0604020202020204" pitchFamily="34" charset="0"/>
-                <a:cs typeface="Arial" panose="020B0604020202020204" pitchFamily="34" charset="0"/>
-              </a:rPr>
-              <a:t>Gästebuch-Bild hochladen </a:t>
-            </a:r>
-          </a:p>
-        </p:txBody>
-      </p:sp>
-      <p:pic>
-        <p:nvPicPr>
-          <p:cNvPr id="31" name="Grafik 30">
-            <a:extLst>
-              <a:ext uri="{FF2B5EF4-FFF2-40B4-BE49-F238E27FC236}">
-                <a16:creationId xmlns:a16="http://schemas.microsoft.com/office/drawing/2014/main" id="{1D61FAAF-8B7B-0DCF-B56E-9C0F65E2F35A}"/>
-              </a:ext>
-            </a:extLst>
-          </p:cNvPr>
-          <p:cNvPicPr>
-            <a:picLocks noChangeAspect="1"/>
-          </p:cNvPicPr>
-          <p:nvPr/>
-        </p:nvPicPr>
-        <p:blipFill>
-          <a:blip r:embed="rId6"/>
-          <a:stretch>
-            <a:fillRect/>
-          </a:stretch>
-        </p:blipFill>
-        <p:spPr>
-          <a:xfrm>
-            <a:off x="4290497" y="3845953"/>
-            <a:ext cx="2457143" cy="238095"/>
-          </a:xfrm>
-          <a:prstGeom prst="rect">
-            <a:avLst/>
-          </a:prstGeom>
-        </p:spPr>
-      </p:pic>
-      <p:sp>
-        <p:nvSpPr>
-          <p:cNvPr id="32" name="Rechteck 31">
-            <a:extLst>
-              <a:ext uri="{FF2B5EF4-FFF2-40B4-BE49-F238E27FC236}">
-                <a16:creationId xmlns:a16="http://schemas.microsoft.com/office/drawing/2014/main" id="{5A90F1B4-DFCE-1F13-05C6-2768B19C5235}"/>
-              </a:ext>
-            </a:extLst>
-          </p:cNvPr>
-          <p:cNvSpPr/>
-          <p:nvPr/>
-        </p:nvSpPr>
-        <p:spPr>
-          <a:xfrm>
-            <a:off x="4527364" y="4584643"/>
-            <a:ext cx="2579516" cy="301629"/>
-          </a:xfrm>
-          <a:prstGeom prst="rect">
-            <a:avLst/>
-          </a:prstGeom>
-          <a:solidFill>
-            <a:schemeClr val="bg1"/>
-          </a:solidFill>
-          <a:ln>
-            <a:solidFill>
-              <a:schemeClr val="tx1"/>
-            </a:solidFill>
-          </a:ln>
-        </p:spPr>
-        <p:style>
-          <a:lnRef idx="2">
-            <a:schemeClr val="accent1">
-              <a:shade val="50000"/>
-            </a:schemeClr>
-          </a:lnRef>
-          <a:fillRef idx="1">
-            <a:schemeClr val="accent1"/>
-          </a:fillRef>
-          <a:effectRef idx="0">
-            <a:schemeClr val="accent1"/>
-          </a:effectRef>
-          <a:fontRef idx="minor">
-            <a:schemeClr val="lt1"/>
-          </a:fontRef>
-        </p:style>
-        <p:txBody>
-          <a:bodyPr rtlCol="0" anchor="ctr"/>
-          <a:lstStyle/>
-          <a:p>
-            <a:r>
-              <a:rPr lang="de-CH" sz="1200" i="1" dirty="0">
-                <a:solidFill>
-                  <a:schemeClr val="tx1"/>
-                </a:solidFill>
-                <a:latin typeface="Arial" panose="020B0604020202020204" pitchFamily="34" charset="0"/>
-                <a:cs typeface="Arial" panose="020B0604020202020204" pitchFamily="34" charset="0"/>
-              </a:rPr>
-              <a:t>Name(n) eingeben …</a:t>
-            </a:r>
-          </a:p>
-        </p:txBody>
-      </p:sp>
-      <p:sp>
-        <p:nvSpPr>
-          <p:cNvPr id="33" name="Textfeld 32">
-            <a:extLst>
-              <a:ext uri="{FF2B5EF4-FFF2-40B4-BE49-F238E27FC236}">
-                <a16:creationId xmlns:a16="http://schemas.microsoft.com/office/drawing/2014/main" id="{9D943956-5523-65F8-EBD5-BEFB153BA415}"/>
-              </a:ext>
-            </a:extLst>
-          </p:cNvPr>
-          <p:cNvSpPr txBox="1"/>
-          <p:nvPr/>
-        </p:nvSpPr>
-        <p:spPr>
-          <a:xfrm>
-            <a:off x="3848889" y="4581569"/>
-            <a:ext cx="678475" cy="307777"/>
-          </a:xfrm>
-          <a:prstGeom prst="rect">
-            <a:avLst/>
-          </a:prstGeom>
-          <a:noFill/>
-        </p:spPr>
-        <p:txBody>
-          <a:bodyPr wrap="square" rtlCol="0">
-            <a:spAutoFit/>
-          </a:bodyPr>
-          <a:lstStyle/>
-          <a:p>
-            <a:r>
-              <a:rPr lang="de-CH" sz="1400" b="1" dirty="0">
-                <a:latin typeface="Arial" panose="020B0604020202020204" pitchFamily="34" charset="0"/>
-                <a:cs typeface="Arial" panose="020B0604020202020204" pitchFamily="34" charset="0"/>
-              </a:rPr>
-              <a:t>Name</a:t>
-            </a:r>
-          </a:p>
-        </p:txBody>
-      </p:sp>
-      <p:pic>
-        <p:nvPicPr>
-          <p:cNvPr id="37" name="Grafik 36">
-            <a:extLst>
-              <a:ext uri="{FF2B5EF4-FFF2-40B4-BE49-F238E27FC236}">
-                <a16:creationId xmlns:a16="http://schemas.microsoft.com/office/drawing/2014/main" id="{995540C7-A6CF-4078-42AD-EA31F1C91E42}"/>
-              </a:ext>
-            </a:extLst>
-          </p:cNvPr>
-          <p:cNvPicPr>
-            <a:picLocks noChangeAspect="1"/>
-          </p:cNvPicPr>
-          <p:nvPr/>
-        </p:nvPicPr>
-        <p:blipFill>
-          <a:blip r:embed="rId7"/>
-          <a:stretch>
-            <a:fillRect/>
-          </a:stretch>
-        </p:blipFill>
-        <p:spPr>
-          <a:xfrm>
-            <a:off x="6724026" y="3979033"/>
-            <a:ext cx="331444" cy="256116"/>
-          </a:xfrm>
-          <a:prstGeom prst="rect">
-            <a:avLst/>
-          </a:prstGeom>
-        </p:spPr>
-      </p:pic>
-      <p:sp>
-        <p:nvSpPr>
-          <p:cNvPr id="41" name="Textfeld 40">
-            <a:extLst>
-              <a:ext uri="{FF2B5EF4-FFF2-40B4-BE49-F238E27FC236}">
-                <a16:creationId xmlns:a16="http://schemas.microsoft.com/office/drawing/2014/main" id="{70C702E8-D0C1-321B-4DCC-16E2EC24D5AA}"/>
-              </a:ext>
-            </a:extLst>
-          </p:cNvPr>
-          <p:cNvSpPr txBox="1"/>
-          <p:nvPr/>
-        </p:nvSpPr>
-        <p:spPr>
-          <a:xfrm>
-            <a:off x="3902647" y="5772571"/>
-            <a:ext cx="596564" cy="307777"/>
-          </a:xfrm>
-          <a:prstGeom prst="rect">
-            <a:avLst/>
-          </a:prstGeom>
-          <a:noFill/>
-        </p:spPr>
-        <p:txBody>
-          <a:bodyPr wrap="square" rtlCol="0">
-            <a:spAutoFit/>
-          </a:bodyPr>
-          <a:lstStyle/>
-          <a:p>
-            <a:r>
-              <a:rPr lang="de-CH" sz="1400" b="1" dirty="0">
-                <a:latin typeface="Arial" panose="020B0604020202020204" pitchFamily="34" charset="0"/>
-                <a:cs typeface="Arial" panose="020B0604020202020204" pitchFamily="34" charset="0"/>
-              </a:rPr>
-              <a:t>IMG</a:t>
-            </a:r>
-          </a:p>
-        </p:txBody>
-      </p:sp>
-      <p:sp>
-        <p:nvSpPr>
-          <p:cNvPr id="42" name="Rechteck 41">
-            <a:extLst>
-              <a:ext uri="{FF2B5EF4-FFF2-40B4-BE49-F238E27FC236}">
-                <a16:creationId xmlns:a16="http://schemas.microsoft.com/office/drawing/2014/main" id="{04DD2826-8AA8-7C2E-EADB-AD9C9526CC43}"/>
-              </a:ext>
-            </a:extLst>
-          </p:cNvPr>
-          <p:cNvSpPr/>
-          <p:nvPr/>
-        </p:nvSpPr>
-        <p:spPr>
-          <a:xfrm>
-            <a:off x="4461126" y="5769084"/>
-            <a:ext cx="1889187" cy="301629"/>
-          </a:xfrm>
-          <a:prstGeom prst="rect">
-            <a:avLst/>
-          </a:prstGeom>
-          <a:solidFill>
-            <a:schemeClr val="bg1"/>
-          </a:solidFill>
-          <a:ln>
-            <a:solidFill>
-              <a:schemeClr val="tx1"/>
-            </a:solidFill>
-          </a:ln>
-        </p:spPr>
-        <p:style>
-          <a:lnRef idx="2">
-            <a:schemeClr val="accent1">
-              <a:shade val="50000"/>
-            </a:schemeClr>
-          </a:lnRef>
-          <a:fillRef idx="1">
-            <a:schemeClr val="accent1"/>
-          </a:fillRef>
-          <a:effectRef idx="0">
-            <a:schemeClr val="accent1"/>
-          </a:effectRef>
-          <a:fontRef idx="minor">
-            <a:schemeClr val="lt1"/>
-          </a:fontRef>
-        </p:style>
-        <p:txBody>
-          <a:bodyPr rtlCol="0" anchor="ctr"/>
-          <a:lstStyle/>
-          <a:p>
-            <a:r>
-              <a:rPr lang="de-CH" sz="1200" i="1" dirty="0">
-                <a:solidFill>
-                  <a:schemeClr val="tx1"/>
-                </a:solidFill>
-                <a:latin typeface="Arial" panose="020B0604020202020204" pitchFamily="34" charset="0"/>
-                <a:cs typeface="Arial" panose="020B0604020202020204" pitchFamily="34" charset="0"/>
-              </a:rPr>
-              <a:t>Pfad zeigen nach Upload</a:t>
-            </a:r>
-          </a:p>
-        </p:txBody>
-      </p:sp>
-      <p:sp>
-        <p:nvSpPr>
-          <p:cNvPr id="43" name="Rechteck 42">
-            <a:extLst>
-              <a:ext uri="{FF2B5EF4-FFF2-40B4-BE49-F238E27FC236}">
-                <a16:creationId xmlns:a16="http://schemas.microsoft.com/office/drawing/2014/main" id="{53DFE4AE-3BB2-580A-F0AD-A8A05042FE78}"/>
-              </a:ext>
-            </a:extLst>
-          </p:cNvPr>
-          <p:cNvSpPr/>
-          <p:nvPr/>
-        </p:nvSpPr>
-        <p:spPr>
-          <a:xfrm>
-            <a:off x="6424655" y="5773776"/>
-            <a:ext cx="735983" cy="292247"/>
-          </a:xfrm>
-          <a:prstGeom prst="rect">
-            <a:avLst/>
-          </a:prstGeom>
-          <a:noFill/>
-          <a:ln>
-            <a:solidFill>
-              <a:schemeClr val="tx1"/>
-            </a:solidFill>
-          </a:ln>
-        </p:spPr>
-        <p:style>
-          <a:lnRef idx="2">
-            <a:schemeClr val="accent1">
-              <a:shade val="50000"/>
-            </a:schemeClr>
-          </a:lnRef>
-          <a:fillRef idx="1">
-            <a:schemeClr val="accent1"/>
-          </a:fillRef>
-          <a:effectRef idx="0">
-            <a:schemeClr val="accent1"/>
-          </a:effectRef>
-          <a:fontRef idx="minor">
-            <a:schemeClr val="lt1"/>
-          </a:fontRef>
-        </p:style>
-        <p:txBody>
-          <a:bodyPr rtlCol="0" anchor="ctr"/>
-          <a:lstStyle/>
-          <a:p>
-            <a:pPr algn="ctr"/>
-            <a:r>
-              <a:rPr lang="de-CH" sz="1200" dirty="0">
-                <a:solidFill>
-                  <a:schemeClr val="tx1"/>
-                </a:solidFill>
-                <a:latin typeface="Arial" panose="020B0604020202020204" pitchFamily="34" charset="0"/>
-                <a:cs typeface="Arial" panose="020B0604020202020204" pitchFamily="34" charset="0"/>
-              </a:rPr>
-              <a:t>Upload</a:t>
-            </a:r>
-          </a:p>
-        </p:txBody>
-      </p:sp>
-      <p:sp>
-        <p:nvSpPr>
-          <p:cNvPr id="44" name="Rechteck 43">
-            <a:extLst>
-              <a:ext uri="{FF2B5EF4-FFF2-40B4-BE49-F238E27FC236}">
-                <a16:creationId xmlns:a16="http://schemas.microsoft.com/office/drawing/2014/main" id="{D2D3D0E4-F31B-7519-83B9-A87E609736CA}"/>
-              </a:ext>
-            </a:extLst>
-          </p:cNvPr>
-          <p:cNvSpPr/>
-          <p:nvPr/>
-        </p:nvSpPr>
-        <p:spPr>
-          <a:xfrm>
-            <a:off x="4519055" y="4989797"/>
-            <a:ext cx="2579516" cy="301629"/>
-          </a:xfrm>
-          <a:prstGeom prst="rect">
-            <a:avLst/>
-          </a:prstGeom>
-          <a:solidFill>
-            <a:schemeClr val="bg1"/>
-          </a:solidFill>
-          <a:ln>
-            <a:solidFill>
-              <a:schemeClr val="tx1"/>
-            </a:solidFill>
-          </a:ln>
-        </p:spPr>
-        <p:style>
-          <a:lnRef idx="2">
-            <a:schemeClr val="accent1">
-              <a:shade val="50000"/>
-            </a:schemeClr>
-          </a:lnRef>
-          <a:fillRef idx="1">
-            <a:schemeClr val="accent1"/>
-          </a:fillRef>
-          <a:effectRef idx="0">
-            <a:schemeClr val="accent1"/>
-          </a:effectRef>
-          <a:fontRef idx="minor">
-            <a:schemeClr val="lt1"/>
-          </a:fontRef>
-        </p:style>
-        <p:txBody>
-          <a:bodyPr rtlCol="0" anchor="ctr"/>
-          <a:lstStyle/>
-          <a:p>
-            <a:r>
-              <a:rPr lang="de-CH" sz="1200" i="1" dirty="0">
-                <a:solidFill>
-                  <a:schemeClr val="tx1"/>
-                </a:solidFill>
-                <a:latin typeface="Arial" panose="020B0604020202020204" pitchFamily="34" charset="0"/>
-                <a:cs typeface="Arial" panose="020B0604020202020204" pitchFamily="34" charset="0"/>
-              </a:rPr>
-              <a:t>E-Mail Adresse eingeben …</a:t>
-            </a:r>
-          </a:p>
-        </p:txBody>
-      </p:sp>
-      <p:sp>
-        <p:nvSpPr>
-          <p:cNvPr id="45" name="Textfeld 44">
-            <a:extLst>
-              <a:ext uri="{FF2B5EF4-FFF2-40B4-BE49-F238E27FC236}">
-                <a16:creationId xmlns:a16="http://schemas.microsoft.com/office/drawing/2014/main" id="{BC90BF46-8CF7-2C02-CDD3-28757B9658F3}"/>
-              </a:ext>
-            </a:extLst>
-          </p:cNvPr>
-          <p:cNvSpPr txBox="1"/>
-          <p:nvPr/>
-        </p:nvSpPr>
-        <p:spPr>
-          <a:xfrm>
-            <a:off x="3840580" y="4986723"/>
-            <a:ext cx="789260" cy="307777"/>
-          </a:xfrm>
-          <a:prstGeom prst="rect">
-            <a:avLst/>
-          </a:prstGeom>
-          <a:noFill/>
-        </p:spPr>
-        <p:txBody>
-          <a:bodyPr wrap="square" rtlCol="0">
-            <a:spAutoFit/>
-          </a:bodyPr>
-          <a:lstStyle/>
-          <a:p>
-            <a:r>
-              <a:rPr lang="de-CH" sz="1400" b="1" dirty="0">
-                <a:latin typeface="Arial" panose="020B0604020202020204" pitchFamily="34" charset="0"/>
-                <a:cs typeface="Arial" panose="020B0604020202020204" pitchFamily="34" charset="0"/>
-              </a:rPr>
-              <a:t>E-Mail</a:t>
-            </a:r>
-          </a:p>
-        </p:txBody>
-      </p:sp>
-      <p:sp>
-        <p:nvSpPr>
-          <p:cNvPr id="46" name="Rechteck 45">
-            <a:extLst>
-              <a:ext uri="{FF2B5EF4-FFF2-40B4-BE49-F238E27FC236}">
-                <a16:creationId xmlns:a16="http://schemas.microsoft.com/office/drawing/2014/main" id="{54DAEE80-9159-C86D-BA87-FB7132B51E13}"/>
-              </a:ext>
-            </a:extLst>
-          </p:cNvPr>
-          <p:cNvSpPr/>
-          <p:nvPr/>
-        </p:nvSpPr>
-        <p:spPr>
-          <a:xfrm>
-            <a:off x="3939960" y="5380703"/>
-            <a:ext cx="3166949" cy="255249"/>
-          </a:xfrm>
-          <a:prstGeom prst="rect">
-            <a:avLst/>
-          </a:prstGeom>
-          <a:noFill/>
-          <a:ln>
-            <a:solidFill>
-              <a:schemeClr val="tx1"/>
-            </a:solidFill>
-          </a:ln>
-        </p:spPr>
-        <p:style>
-          <a:lnRef idx="2">
-            <a:schemeClr val="accent1">
-              <a:shade val="50000"/>
-            </a:schemeClr>
-          </a:lnRef>
-          <a:fillRef idx="1">
-            <a:schemeClr val="accent1"/>
-          </a:fillRef>
-          <a:effectRef idx="0">
-            <a:schemeClr val="accent1"/>
-          </a:effectRef>
-          <a:fontRef idx="minor">
-            <a:schemeClr val="lt1"/>
-          </a:fontRef>
-        </p:style>
-        <p:txBody>
-          <a:bodyPr rtlCol="0" anchor="ctr"/>
-          <a:lstStyle/>
-          <a:p>
-            <a:pPr algn="ctr"/>
-            <a:r>
-              <a:rPr lang="de-CH" sz="1200" dirty="0">
-                <a:solidFill>
-                  <a:schemeClr val="tx1"/>
-                </a:solidFill>
-                <a:latin typeface="Arial" panose="020B0604020202020204" pitchFamily="34" charset="0"/>
-                <a:cs typeface="Arial" panose="020B0604020202020204" pitchFamily="34" charset="0"/>
-              </a:rPr>
-              <a:t>Code verlangen</a:t>
-            </a:r>
-          </a:p>
-        </p:txBody>
-      </p:sp>
-      <p:sp>
-        <p:nvSpPr>
-          <p:cNvPr id="47" name="Rechteck 46">
-            <a:extLst>
-              <a:ext uri="{FF2B5EF4-FFF2-40B4-BE49-F238E27FC236}">
-                <a16:creationId xmlns:a16="http://schemas.microsoft.com/office/drawing/2014/main" id="{0FD8E2B6-5852-0C27-E170-BEE59DB08D7E}"/>
-              </a:ext>
-            </a:extLst>
-          </p:cNvPr>
-          <p:cNvSpPr/>
-          <p:nvPr/>
-        </p:nvSpPr>
-        <p:spPr>
-          <a:xfrm>
-            <a:off x="8311836" y="3575875"/>
-            <a:ext cx="3339167" cy="2700860"/>
-          </a:xfrm>
-          <a:prstGeom prst="rect">
-            <a:avLst/>
-          </a:prstGeom>
-          <a:solidFill>
-            <a:srgbClr val="DFE0E1"/>
-          </a:solidFill>
-          <a:ln>
-            <a:solidFill>
-              <a:srgbClr val="C8C8C8"/>
-            </a:solidFill>
-          </a:ln>
-        </p:spPr>
-        <p:style>
-          <a:lnRef idx="2">
-            <a:schemeClr val="accent1">
-              <a:shade val="50000"/>
-            </a:schemeClr>
-          </a:lnRef>
-          <a:fillRef idx="1">
-            <a:schemeClr val="accent1"/>
-          </a:fillRef>
-          <a:effectRef idx="0">
-            <a:schemeClr val="accent1"/>
-          </a:effectRef>
-          <a:fontRef idx="minor">
-            <a:schemeClr val="lt1"/>
-          </a:fontRef>
-        </p:style>
-        <p:txBody>
-          <a:bodyPr rtlCol="0" anchor="ctr"/>
-          <a:lstStyle/>
-          <a:p>
-            <a:pPr algn="ctr"/>
-            <a:endParaRPr lang="de-CH" sz="1600" dirty="0">
-              <a:solidFill>
-                <a:schemeClr val="tx1"/>
-              </a:solidFill>
-              <a:latin typeface="Arial" panose="020B0604020202020204" pitchFamily="34" charset="0"/>
-              <a:cs typeface="Arial" panose="020B0604020202020204" pitchFamily="34" charset="0"/>
-            </a:endParaRPr>
-          </a:p>
-        </p:txBody>
-      </p:sp>
-      <p:sp>
-        <p:nvSpPr>
-          <p:cNvPr id="48" name="Rechteck 47">
-            <a:extLst>
-              <a:ext uri="{FF2B5EF4-FFF2-40B4-BE49-F238E27FC236}">
-                <a16:creationId xmlns:a16="http://schemas.microsoft.com/office/drawing/2014/main" id="{D15B7C6D-01F9-2037-A443-C43FD54DAED0}"/>
-              </a:ext>
-            </a:extLst>
-          </p:cNvPr>
-          <p:cNvSpPr/>
-          <p:nvPr/>
-        </p:nvSpPr>
-        <p:spPr>
-          <a:xfrm>
-            <a:off x="8322191" y="3460431"/>
-            <a:ext cx="3339167" cy="889930"/>
-          </a:xfrm>
-          <a:prstGeom prst="rect">
-            <a:avLst/>
-          </a:prstGeom>
-          <a:solidFill>
-            <a:schemeClr val="tx1"/>
-          </a:solidFill>
-          <a:ln>
-            <a:solidFill>
-              <a:schemeClr val="tx1"/>
-            </a:solidFill>
-          </a:ln>
-        </p:spPr>
-        <p:style>
-          <a:lnRef idx="2">
-            <a:schemeClr val="accent1">
-              <a:shade val="50000"/>
-            </a:schemeClr>
-          </a:lnRef>
-          <a:fillRef idx="1">
-            <a:schemeClr val="accent1"/>
-          </a:fillRef>
-          <a:effectRef idx="0">
-            <a:schemeClr val="accent1"/>
-          </a:effectRef>
-          <a:fontRef idx="minor">
-            <a:schemeClr val="lt1"/>
-          </a:fontRef>
-        </p:style>
-        <p:txBody>
-          <a:bodyPr rtlCol="0" anchor="ctr"/>
-          <a:lstStyle/>
-          <a:p>
-            <a:pPr algn="ctr"/>
-            <a:r>
-              <a:rPr lang="de-CH" sz="1600" b="1" dirty="0">
-                <a:solidFill>
-                  <a:srgbClr val="FF000A"/>
-                </a:solidFill>
-                <a:latin typeface="Arial" panose="020B0604020202020204" pitchFamily="34" charset="0"/>
-                <a:cs typeface="Arial" panose="020B0604020202020204" pitchFamily="34" charset="0"/>
-              </a:rPr>
-              <a:t>          </a:t>
-            </a:r>
-          </a:p>
-          <a:p>
-            <a:pPr algn="ctr"/>
-            <a:r>
-              <a:rPr lang="de-CH" sz="1400" b="1" dirty="0">
-                <a:solidFill>
-                  <a:srgbClr val="FF000A"/>
-                </a:solidFill>
-                <a:latin typeface="Arial" panose="020B0604020202020204" pitchFamily="34" charset="0"/>
-                <a:cs typeface="Arial" panose="020B0604020202020204" pitchFamily="34" charset="0"/>
-              </a:rPr>
-              <a:t>Gästebuch-Bild hochladen </a:t>
-            </a:r>
-          </a:p>
-        </p:txBody>
-      </p:sp>
-      <p:pic>
-        <p:nvPicPr>
-          <p:cNvPr id="49" name="Grafik 48">
-            <a:extLst>
-              <a:ext uri="{FF2B5EF4-FFF2-40B4-BE49-F238E27FC236}">
-                <a16:creationId xmlns:a16="http://schemas.microsoft.com/office/drawing/2014/main" id="{50843E47-6898-FD76-62BA-AF3124DDAC94}"/>
-              </a:ext>
-            </a:extLst>
-          </p:cNvPr>
-          <p:cNvPicPr>
-            <a:picLocks noChangeAspect="1"/>
-          </p:cNvPicPr>
-          <p:nvPr/>
-        </p:nvPicPr>
-        <p:blipFill>
-          <a:blip r:embed="rId6"/>
-          <a:stretch>
-            <a:fillRect/>
-          </a:stretch>
-        </p:blipFill>
-        <p:spPr>
-          <a:xfrm>
-            <a:off x="8763205" y="3557090"/>
-            <a:ext cx="2457143" cy="313184"/>
-          </a:xfrm>
-          <a:prstGeom prst="rect">
-            <a:avLst/>
-          </a:prstGeom>
-        </p:spPr>
-      </p:pic>
-      <p:pic>
-        <p:nvPicPr>
-          <p:cNvPr id="52" name="Grafik 51">
-            <a:extLst>
-              <a:ext uri="{FF2B5EF4-FFF2-40B4-BE49-F238E27FC236}">
-                <a16:creationId xmlns:a16="http://schemas.microsoft.com/office/drawing/2014/main" id="{C89CBF16-F9F8-E0C3-0F5F-C86FE0FCE19F}"/>
-              </a:ext>
-            </a:extLst>
-          </p:cNvPr>
-          <p:cNvPicPr>
-            <a:picLocks noChangeAspect="1"/>
-          </p:cNvPicPr>
-          <p:nvPr/>
-        </p:nvPicPr>
-        <p:blipFill>
-          <a:blip r:embed="rId7"/>
-          <a:stretch>
-            <a:fillRect/>
-          </a:stretch>
-        </p:blipFill>
-        <p:spPr>
-          <a:xfrm>
-            <a:off x="11196734" y="3690170"/>
-            <a:ext cx="378514" cy="336888"/>
-          </a:xfrm>
-          <a:prstGeom prst="rect">
-            <a:avLst/>
-          </a:prstGeom>
-        </p:spPr>
-      </p:pic>
-      <p:sp>
-        <p:nvSpPr>
-          <p:cNvPr id="53" name="Textfeld 52">
-            <a:extLst>
-              <a:ext uri="{FF2B5EF4-FFF2-40B4-BE49-F238E27FC236}">
-                <a16:creationId xmlns:a16="http://schemas.microsoft.com/office/drawing/2014/main" id="{A602B7C1-B67A-0A86-D765-834CDA8A8317}"/>
-              </a:ext>
-            </a:extLst>
-          </p:cNvPr>
-          <p:cNvSpPr txBox="1"/>
-          <p:nvPr/>
-        </p:nvSpPr>
-        <p:spPr>
-          <a:xfrm>
-            <a:off x="8375355" y="5591775"/>
-            <a:ext cx="596564" cy="307777"/>
-          </a:xfrm>
-          <a:prstGeom prst="rect">
-            <a:avLst/>
-          </a:prstGeom>
-          <a:noFill/>
-        </p:spPr>
-        <p:txBody>
-          <a:bodyPr wrap="square" rtlCol="0">
-            <a:spAutoFit/>
-          </a:bodyPr>
-          <a:lstStyle/>
-          <a:p>
-            <a:r>
-              <a:rPr lang="de-CH" sz="1400" b="1" dirty="0">
-                <a:latin typeface="Arial" panose="020B0604020202020204" pitchFamily="34" charset="0"/>
-                <a:cs typeface="Arial" panose="020B0604020202020204" pitchFamily="34" charset="0"/>
-              </a:rPr>
-              <a:t>IMG</a:t>
-            </a:r>
-          </a:p>
-        </p:txBody>
-      </p:sp>
-      <p:sp>
-        <p:nvSpPr>
-          <p:cNvPr id="54" name="Rechteck 53">
-            <a:extLst>
-              <a:ext uri="{FF2B5EF4-FFF2-40B4-BE49-F238E27FC236}">
-                <a16:creationId xmlns:a16="http://schemas.microsoft.com/office/drawing/2014/main" id="{C16576DF-8F0E-2DF7-AE60-3798B5185793}"/>
-              </a:ext>
-            </a:extLst>
-          </p:cNvPr>
-          <p:cNvSpPr/>
-          <p:nvPr/>
-        </p:nvSpPr>
-        <p:spPr>
-          <a:xfrm>
-            <a:off x="8933834" y="5588288"/>
-            <a:ext cx="1889187" cy="396755"/>
-          </a:xfrm>
-          <a:prstGeom prst="rect">
-            <a:avLst/>
-          </a:prstGeom>
-          <a:solidFill>
-            <a:schemeClr val="bg1"/>
-          </a:solidFill>
-          <a:ln>
-            <a:solidFill>
-              <a:schemeClr val="tx1"/>
-            </a:solidFill>
-          </a:ln>
-        </p:spPr>
-        <p:style>
-          <a:lnRef idx="2">
-            <a:schemeClr val="accent1">
-              <a:shade val="50000"/>
-            </a:schemeClr>
-          </a:lnRef>
-          <a:fillRef idx="1">
-            <a:schemeClr val="accent1"/>
-          </a:fillRef>
-          <a:effectRef idx="0">
-            <a:schemeClr val="accent1"/>
-          </a:effectRef>
-          <a:fontRef idx="minor">
-            <a:schemeClr val="lt1"/>
-          </a:fontRef>
-        </p:style>
-        <p:txBody>
-          <a:bodyPr rtlCol="0" anchor="ctr"/>
-          <a:lstStyle/>
-          <a:p>
-            <a:r>
-              <a:rPr lang="de-CH" sz="1200" i="1" dirty="0">
-                <a:solidFill>
-                  <a:schemeClr val="tx1"/>
-                </a:solidFill>
-                <a:latin typeface="Arial" panose="020B0604020202020204" pitchFamily="34" charset="0"/>
-                <a:cs typeface="Arial" panose="020B0604020202020204" pitchFamily="34" charset="0"/>
-              </a:rPr>
-              <a:t>Pfad zeigen nach Upload</a:t>
-            </a:r>
-          </a:p>
-        </p:txBody>
-      </p:sp>
-      <p:sp>
-        <p:nvSpPr>
-          <p:cNvPr id="55" name="Rechteck 54">
-            <a:extLst>
-              <a:ext uri="{FF2B5EF4-FFF2-40B4-BE49-F238E27FC236}">
-                <a16:creationId xmlns:a16="http://schemas.microsoft.com/office/drawing/2014/main" id="{3A1EE1E6-38F0-A099-BBF2-F7646671CD29}"/>
-              </a:ext>
-            </a:extLst>
-          </p:cNvPr>
-          <p:cNvSpPr/>
-          <p:nvPr/>
-        </p:nvSpPr>
-        <p:spPr>
-          <a:xfrm>
-            <a:off x="10897363" y="5592980"/>
-            <a:ext cx="735983" cy="384414"/>
-          </a:xfrm>
-          <a:prstGeom prst="rect">
-            <a:avLst/>
-          </a:prstGeom>
-          <a:noFill/>
-          <a:ln>
-            <a:solidFill>
-              <a:schemeClr val="tx1"/>
-            </a:solidFill>
-          </a:ln>
-        </p:spPr>
-        <p:style>
-          <a:lnRef idx="2">
-            <a:schemeClr val="accent1">
-              <a:shade val="50000"/>
-            </a:schemeClr>
-          </a:lnRef>
-          <a:fillRef idx="1">
-            <a:schemeClr val="accent1"/>
-          </a:fillRef>
-          <a:effectRef idx="0">
-            <a:schemeClr val="accent1"/>
-          </a:effectRef>
-          <a:fontRef idx="minor">
-            <a:schemeClr val="lt1"/>
-          </a:fontRef>
-        </p:style>
-        <p:txBody>
-          <a:bodyPr rtlCol="0" anchor="ctr"/>
-          <a:lstStyle/>
-          <a:p>
-            <a:pPr algn="ctr"/>
-            <a:r>
-              <a:rPr lang="de-CH" sz="1200" dirty="0">
-                <a:solidFill>
-                  <a:schemeClr val="tx1"/>
-                </a:solidFill>
-                <a:latin typeface="Arial" panose="020B0604020202020204" pitchFamily="34" charset="0"/>
-                <a:cs typeface="Arial" panose="020B0604020202020204" pitchFamily="34" charset="0"/>
-              </a:rPr>
-              <a:t>Upload</a:t>
-            </a:r>
-          </a:p>
-        </p:txBody>
-      </p:sp>
-      <p:sp>
-        <p:nvSpPr>
-          <p:cNvPr id="58" name="Rechteck 57">
-            <a:extLst>
-              <a:ext uri="{FF2B5EF4-FFF2-40B4-BE49-F238E27FC236}">
-                <a16:creationId xmlns:a16="http://schemas.microsoft.com/office/drawing/2014/main" id="{E2050D06-B769-25D4-4372-7EAF443FA835}"/>
-              </a:ext>
-            </a:extLst>
-          </p:cNvPr>
-          <p:cNvSpPr/>
-          <p:nvPr/>
-        </p:nvSpPr>
-        <p:spPr>
-          <a:xfrm>
-            <a:off x="8408299" y="5224953"/>
-            <a:ext cx="3166949" cy="335748"/>
-          </a:xfrm>
-          <a:prstGeom prst="rect">
-            <a:avLst/>
-          </a:prstGeom>
-          <a:noFill/>
-          <a:ln>
-            <a:solidFill>
-              <a:schemeClr val="tx1"/>
-            </a:solidFill>
-          </a:ln>
-        </p:spPr>
-        <p:style>
-          <a:lnRef idx="2">
-            <a:schemeClr val="accent1">
-              <a:shade val="50000"/>
-            </a:schemeClr>
-          </a:lnRef>
-          <a:fillRef idx="1">
-            <a:schemeClr val="accent1"/>
-          </a:fillRef>
-          <a:effectRef idx="0">
-            <a:schemeClr val="accent1"/>
-          </a:effectRef>
-          <a:fontRef idx="minor">
-            <a:schemeClr val="lt1"/>
-          </a:fontRef>
-        </p:style>
-        <p:txBody>
-          <a:bodyPr rtlCol="0" anchor="ctr"/>
-          <a:lstStyle/>
-          <a:p>
-            <a:pPr algn="ctr"/>
-            <a:r>
-              <a:rPr lang="de-CH" sz="1200" dirty="0">
-                <a:solidFill>
-                  <a:schemeClr val="tx1"/>
-                </a:solidFill>
-                <a:latin typeface="Arial" panose="020B0604020202020204" pitchFamily="34" charset="0"/>
-                <a:cs typeface="Arial" panose="020B0604020202020204" pitchFamily="34" charset="0"/>
-              </a:rPr>
-              <a:t>Code verlangen</a:t>
-            </a:r>
-          </a:p>
-        </p:txBody>
-      </p:sp>
-      <p:sp>
-        <p:nvSpPr>
-          <p:cNvPr id="1041" name="Textfeld 1040">
-            <a:extLst>
-              <a:ext uri="{FF2B5EF4-FFF2-40B4-BE49-F238E27FC236}">
-                <a16:creationId xmlns:a16="http://schemas.microsoft.com/office/drawing/2014/main" id="{342B4F2D-112F-6145-DE5D-6E84C06AF9C1}"/>
-              </a:ext>
-            </a:extLst>
-          </p:cNvPr>
-          <p:cNvSpPr txBox="1"/>
-          <p:nvPr/>
-        </p:nvSpPr>
-        <p:spPr>
-          <a:xfrm>
-            <a:off x="281023" y="105770"/>
-            <a:ext cx="1085233" cy="307777"/>
-          </a:xfrm>
-          <a:prstGeom prst="rect">
-            <a:avLst/>
-          </a:prstGeom>
-          <a:noFill/>
-        </p:spPr>
-        <p:txBody>
-          <a:bodyPr wrap="square" rtlCol="0">
-            <a:spAutoFit/>
-          </a:bodyPr>
-          <a:lstStyle/>
-          <a:p>
-            <a:r>
-              <a:rPr lang="de-CH" sz="1400" b="1" dirty="0">
-                <a:latin typeface="Arial" panose="020B0604020202020204" pitchFamily="34" charset="0"/>
-                <a:cs typeface="Arial" panose="020B0604020202020204" pitchFamily="34" charset="0"/>
-              </a:rPr>
-              <a:t>Zeichnen</a:t>
-            </a:r>
-          </a:p>
-        </p:txBody>
-      </p:sp>
-      <p:sp>
-        <p:nvSpPr>
-          <p:cNvPr id="1042" name="Textfeld 1041">
-            <a:extLst>
-              <a:ext uri="{FF2B5EF4-FFF2-40B4-BE49-F238E27FC236}">
-                <a16:creationId xmlns:a16="http://schemas.microsoft.com/office/drawing/2014/main" id="{136A48F8-DA25-759F-5881-4AB6213342E0}"/>
-              </a:ext>
-            </a:extLst>
-          </p:cNvPr>
-          <p:cNvSpPr txBox="1"/>
-          <p:nvPr/>
-        </p:nvSpPr>
-        <p:spPr>
-          <a:xfrm>
-            <a:off x="1589116" y="59520"/>
-            <a:ext cx="1372560" cy="307777"/>
-          </a:xfrm>
-          <a:prstGeom prst="rect">
-            <a:avLst/>
-          </a:prstGeom>
-          <a:noFill/>
-        </p:spPr>
-        <p:txBody>
-          <a:bodyPr wrap="square" rtlCol="0">
-            <a:spAutoFit/>
-          </a:bodyPr>
-          <a:lstStyle/>
-          <a:p>
-            <a:r>
-              <a:rPr lang="de-CH" sz="1400" b="1" dirty="0">
-                <a:latin typeface="Arial" panose="020B0604020202020204" pitchFamily="34" charset="0"/>
-                <a:cs typeface="Arial" panose="020B0604020202020204" pitchFamily="34" charset="0"/>
-              </a:rPr>
-              <a:t>Kamerabild</a:t>
-            </a:r>
-          </a:p>
-        </p:txBody>
-      </p:sp>
-      <p:sp>
-        <p:nvSpPr>
-          <p:cNvPr id="1043" name="Textfeld 1042">
-            <a:extLst>
-              <a:ext uri="{FF2B5EF4-FFF2-40B4-BE49-F238E27FC236}">
-                <a16:creationId xmlns:a16="http://schemas.microsoft.com/office/drawing/2014/main" id="{E479BF37-F472-A36D-0F8C-F1A5E9591682}"/>
-              </a:ext>
-            </a:extLst>
-          </p:cNvPr>
-          <p:cNvSpPr txBox="1"/>
-          <p:nvPr/>
-        </p:nvSpPr>
-        <p:spPr>
-          <a:xfrm>
-            <a:off x="1155737" y="1364238"/>
-            <a:ext cx="1372560" cy="307777"/>
-          </a:xfrm>
-          <a:prstGeom prst="rect">
-            <a:avLst/>
-          </a:prstGeom>
-          <a:noFill/>
-        </p:spPr>
-        <p:txBody>
-          <a:bodyPr wrap="square" rtlCol="0">
-            <a:spAutoFit/>
-          </a:bodyPr>
-          <a:lstStyle/>
-          <a:p>
-            <a:r>
-              <a:rPr lang="de-CH" sz="1400" b="1" dirty="0">
-                <a:latin typeface="Arial" panose="020B0604020202020204" pitchFamily="34" charset="0"/>
-                <a:cs typeface="Arial" panose="020B0604020202020204" pitchFamily="34" charset="0"/>
-              </a:rPr>
-              <a:t>Selfie</a:t>
-            </a:r>
-          </a:p>
-        </p:txBody>
-      </p:sp>
-      <p:sp>
-        <p:nvSpPr>
-          <p:cNvPr id="1044" name="Textfeld 1043">
-            <a:extLst>
-              <a:ext uri="{FF2B5EF4-FFF2-40B4-BE49-F238E27FC236}">
-                <a16:creationId xmlns:a16="http://schemas.microsoft.com/office/drawing/2014/main" id="{7777148A-7963-2881-0BFF-A8F9D79E0AAD}"/>
-              </a:ext>
-            </a:extLst>
-          </p:cNvPr>
-          <p:cNvSpPr txBox="1"/>
-          <p:nvPr/>
-        </p:nvSpPr>
-        <p:spPr>
-          <a:xfrm>
-            <a:off x="3328948" y="879655"/>
-            <a:ext cx="1372560" cy="307777"/>
-          </a:xfrm>
-          <a:prstGeom prst="rect">
-            <a:avLst/>
-          </a:prstGeom>
-          <a:noFill/>
-        </p:spPr>
-        <p:txBody>
-          <a:bodyPr wrap="square" rtlCol="0">
-            <a:spAutoFit/>
-          </a:bodyPr>
-          <a:lstStyle/>
-          <a:p>
-            <a:r>
-              <a:rPr lang="de-CH" sz="1400" b="1" dirty="0">
-                <a:latin typeface="Arial" panose="020B0604020202020204" pitchFamily="34" charset="0"/>
-                <a:cs typeface="Arial" panose="020B0604020202020204" pitchFamily="34" charset="0"/>
-              </a:rPr>
-              <a:t>Bild aufladen</a:t>
-            </a:r>
-          </a:p>
-        </p:txBody>
-      </p:sp>
-      <p:sp>
-        <p:nvSpPr>
-          <p:cNvPr id="1045" name="Textfeld 1044">
-            <a:extLst>
-              <a:ext uri="{FF2B5EF4-FFF2-40B4-BE49-F238E27FC236}">
-                <a16:creationId xmlns:a16="http://schemas.microsoft.com/office/drawing/2014/main" id="{D55DCDEC-C324-8998-7991-CC762E3E9B59}"/>
-              </a:ext>
-            </a:extLst>
-          </p:cNvPr>
-          <p:cNvSpPr txBox="1"/>
-          <p:nvPr/>
-        </p:nvSpPr>
-        <p:spPr>
-          <a:xfrm>
-            <a:off x="7243773" y="81833"/>
-            <a:ext cx="2008291" cy="307777"/>
-          </a:xfrm>
-          <a:prstGeom prst="rect">
-            <a:avLst/>
-          </a:prstGeom>
-          <a:noFill/>
-        </p:spPr>
-        <p:txBody>
-          <a:bodyPr wrap="square" rtlCol="0">
-            <a:spAutoFit/>
-          </a:bodyPr>
-          <a:lstStyle/>
-          <a:p>
-            <a:r>
-              <a:rPr lang="de-CH" sz="1400" b="1" dirty="0">
-                <a:latin typeface="Arial" panose="020B0604020202020204" pitchFamily="34" charset="0"/>
-                <a:cs typeface="Arial" panose="020B0604020202020204" pitchFamily="34" charset="0"/>
-              </a:rPr>
-              <a:t>Name(n) und E-Mail</a:t>
-            </a:r>
-          </a:p>
-        </p:txBody>
-      </p:sp>
-      <p:sp>
-        <p:nvSpPr>
-          <p:cNvPr id="1046" name="Rechteck 1045">
-            <a:extLst>
-              <a:ext uri="{FF2B5EF4-FFF2-40B4-BE49-F238E27FC236}">
-                <a16:creationId xmlns:a16="http://schemas.microsoft.com/office/drawing/2014/main" id="{B4F41A37-C1D4-9CBF-D68E-A790BC2BF8D9}"/>
-              </a:ext>
-            </a:extLst>
-          </p:cNvPr>
-          <p:cNvSpPr/>
-          <p:nvPr/>
-        </p:nvSpPr>
-        <p:spPr>
-          <a:xfrm>
-            <a:off x="8998804" y="4542655"/>
-            <a:ext cx="2579516" cy="301629"/>
-          </a:xfrm>
-          <a:prstGeom prst="rect">
-            <a:avLst/>
-          </a:prstGeom>
-          <a:solidFill>
-            <a:schemeClr val="bg1"/>
-          </a:solidFill>
-          <a:ln>
-            <a:solidFill>
-              <a:schemeClr val="tx1"/>
-            </a:solidFill>
-          </a:ln>
-        </p:spPr>
-        <p:style>
-          <a:lnRef idx="2">
-            <a:schemeClr val="accent1">
-              <a:shade val="50000"/>
-            </a:schemeClr>
-          </a:lnRef>
-          <a:fillRef idx="1">
-            <a:schemeClr val="accent1"/>
-          </a:fillRef>
-          <a:effectRef idx="0">
-            <a:schemeClr val="accent1"/>
-          </a:effectRef>
-          <a:fontRef idx="minor">
-            <a:schemeClr val="lt1"/>
-          </a:fontRef>
-        </p:style>
-        <p:txBody>
-          <a:bodyPr rtlCol="0" anchor="ctr"/>
-          <a:lstStyle/>
-          <a:p>
-            <a:r>
-              <a:rPr lang="de-CH" sz="1200" i="1" dirty="0">
-                <a:solidFill>
-                  <a:schemeClr val="tx1"/>
-                </a:solidFill>
-                <a:latin typeface="Arial" panose="020B0604020202020204" pitchFamily="34" charset="0"/>
-                <a:cs typeface="Arial" panose="020B0604020202020204" pitchFamily="34" charset="0"/>
-              </a:rPr>
-              <a:t>Name(n) eingeben …</a:t>
-            </a:r>
-          </a:p>
-        </p:txBody>
-      </p:sp>
-      <p:sp>
-        <p:nvSpPr>
-          <p:cNvPr id="1047" name="Textfeld 1046">
-            <a:extLst>
-              <a:ext uri="{FF2B5EF4-FFF2-40B4-BE49-F238E27FC236}">
-                <a16:creationId xmlns:a16="http://schemas.microsoft.com/office/drawing/2014/main" id="{D036505F-B1DE-C618-F4EF-0EAF4A35CFA2}"/>
-              </a:ext>
-            </a:extLst>
-          </p:cNvPr>
-          <p:cNvSpPr txBox="1"/>
-          <p:nvPr/>
-        </p:nvSpPr>
-        <p:spPr>
-          <a:xfrm>
-            <a:off x="8320329" y="4539581"/>
-            <a:ext cx="678475" cy="307777"/>
-          </a:xfrm>
-          <a:prstGeom prst="rect">
-            <a:avLst/>
-          </a:prstGeom>
-          <a:noFill/>
-        </p:spPr>
-        <p:txBody>
-          <a:bodyPr wrap="square" rtlCol="0">
-            <a:spAutoFit/>
-          </a:bodyPr>
-          <a:lstStyle/>
-          <a:p>
-            <a:r>
-              <a:rPr lang="de-CH" sz="1400" b="1" dirty="0">
-                <a:latin typeface="Arial" panose="020B0604020202020204" pitchFamily="34" charset="0"/>
-                <a:cs typeface="Arial" panose="020B0604020202020204" pitchFamily="34" charset="0"/>
-              </a:rPr>
-              <a:t>Name</a:t>
-            </a:r>
-          </a:p>
-        </p:txBody>
-      </p:sp>
-      <p:sp>
-        <p:nvSpPr>
-          <p:cNvPr id="1048" name="Rechteck 1047">
-            <a:extLst>
-              <a:ext uri="{FF2B5EF4-FFF2-40B4-BE49-F238E27FC236}">
-                <a16:creationId xmlns:a16="http://schemas.microsoft.com/office/drawing/2014/main" id="{DC9CF81C-2DB1-DC60-B999-AF5428AA443B}"/>
-              </a:ext>
-            </a:extLst>
-          </p:cNvPr>
-          <p:cNvSpPr/>
-          <p:nvPr/>
-        </p:nvSpPr>
-        <p:spPr>
-          <a:xfrm>
-            <a:off x="8999398" y="4899494"/>
-            <a:ext cx="2579516" cy="301629"/>
-          </a:xfrm>
-          <a:prstGeom prst="rect">
-            <a:avLst/>
-          </a:prstGeom>
-          <a:solidFill>
-            <a:schemeClr val="bg1"/>
-          </a:solidFill>
-          <a:ln>
-            <a:solidFill>
-              <a:schemeClr val="tx1"/>
-            </a:solidFill>
-          </a:ln>
-        </p:spPr>
-        <p:style>
-          <a:lnRef idx="2">
-            <a:schemeClr val="accent1">
-              <a:shade val="50000"/>
-            </a:schemeClr>
-          </a:lnRef>
-          <a:fillRef idx="1">
-            <a:schemeClr val="accent1"/>
-          </a:fillRef>
-          <a:effectRef idx="0">
-            <a:schemeClr val="accent1"/>
-          </a:effectRef>
-          <a:fontRef idx="minor">
-            <a:schemeClr val="lt1"/>
-          </a:fontRef>
-        </p:style>
-        <p:txBody>
-          <a:bodyPr rtlCol="0" anchor="ctr"/>
-          <a:lstStyle/>
-          <a:p>
-            <a:r>
-              <a:rPr lang="de-CH" sz="1200" i="1" dirty="0">
-                <a:solidFill>
-                  <a:schemeClr val="tx1"/>
-                </a:solidFill>
-                <a:latin typeface="Arial" panose="020B0604020202020204" pitchFamily="34" charset="0"/>
-                <a:cs typeface="Arial" panose="020B0604020202020204" pitchFamily="34" charset="0"/>
-              </a:rPr>
-              <a:t>E-Mail Adresse eingeben …</a:t>
-            </a:r>
-          </a:p>
-        </p:txBody>
-      </p:sp>
-      <p:sp>
-        <p:nvSpPr>
-          <p:cNvPr id="1049" name="Textfeld 1048">
-            <a:extLst>
-              <a:ext uri="{FF2B5EF4-FFF2-40B4-BE49-F238E27FC236}">
-                <a16:creationId xmlns:a16="http://schemas.microsoft.com/office/drawing/2014/main" id="{97EFF8C7-D268-B914-7A54-E76C647A627A}"/>
-              </a:ext>
-            </a:extLst>
-          </p:cNvPr>
-          <p:cNvSpPr txBox="1"/>
-          <p:nvPr/>
-        </p:nvSpPr>
-        <p:spPr>
-          <a:xfrm>
-            <a:off x="8320923" y="4896420"/>
-            <a:ext cx="789260" cy="307777"/>
-          </a:xfrm>
-          <a:prstGeom prst="rect">
-            <a:avLst/>
-          </a:prstGeom>
-          <a:noFill/>
-        </p:spPr>
-        <p:txBody>
-          <a:bodyPr wrap="square" rtlCol="0">
-            <a:spAutoFit/>
-          </a:bodyPr>
-          <a:lstStyle/>
-          <a:p>
-            <a:r>
-              <a:rPr lang="de-CH" sz="1400" b="1" dirty="0">
-                <a:latin typeface="Arial" panose="020B0604020202020204" pitchFamily="34" charset="0"/>
-                <a:cs typeface="Arial" panose="020B0604020202020204" pitchFamily="34" charset="0"/>
-              </a:rPr>
-              <a:t>E-Mail</a:t>
-            </a:r>
-          </a:p>
-        </p:txBody>
-      </p:sp>
-      <p:sp>
-        <p:nvSpPr>
-          <p:cNvPr id="1050" name="Textfeld 1049">
-            <a:extLst>
-              <a:ext uri="{FF2B5EF4-FFF2-40B4-BE49-F238E27FC236}">
-                <a16:creationId xmlns:a16="http://schemas.microsoft.com/office/drawing/2014/main" id="{A8CB4338-DD3E-4983-B3E5-B8F18005E55F}"/>
-              </a:ext>
-            </a:extLst>
-          </p:cNvPr>
-          <p:cNvSpPr txBox="1"/>
-          <p:nvPr/>
-        </p:nvSpPr>
-        <p:spPr>
-          <a:xfrm>
-            <a:off x="10289700" y="1094638"/>
-            <a:ext cx="2008291" cy="307777"/>
-          </a:xfrm>
-          <a:prstGeom prst="rect">
-            <a:avLst/>
-          </a:prstGeom>
-          <a:noFill/>
-        </p:spPr>
-        <p:txBody>
-          <a:bodyPr wrap="square" rtlCol="0">
-            <a:spAutoFit/>
-          </a:bodyPr>
-          <a:lstStyle/>
-          <a:p>
-            <a:r>
-              <a:rPr lang="de-CH" sz="1400" b="1" dirty="0">
-                <a:latin typeface="Arial" panose="020B0604020202020204" pitchFamily="34" charset="0"/>
-                <a:cs typeface="Arial" panose="020B0604020202020204" pitchFamily="34" charset="0"/>
-              </a:rPr>
-              <a:t>E-Mail öffnen</a:t>
-            </a:r>
-          </a:p>
-        </p:txBody>
-      </p:sp>
-      <p:sp>
-        <p:nvSpPr>
-          <p:cNvPr id="1051" name="Textfeld 1050">
-            <a:extLst>
-              <a:ext uri="{FF2B5EF4-FFF2-40B4-BE49-F238E27FC236}">
-                <a16:creationId xmlns:a16="http://schemas.microsoft.com/office/drawing/2014/main" id="{8C183003-EB90-73E1-6B66-5FFC04FCC86C}"/>
-              </a:ext>
-            </a:extLst>
-          </p:cNvPr>
-          <p:cNvSpPr txBox="1"/>
-          <p:nvPr/>
-        </p:nvSpPr>
-        <p:spPr>
-          <a:xfrm>
-            <a:off x="495489" y="3408274"/>
-            <a:ext cx="3007203" cy="307777"/>
-          </a:xfrm>
-          <a:prstGeom prst="rect">
-            <a:avLst/>
-          </a:prstGeom>
-          <a:noFill/>
-        </p:spPr>
-        <p:txBody>
-          <a:bodyPr wrap="square" rtlCol="0">
-            <a:spAutoFit/>
-          </a:bodyPr>
-          <a:lstStyle/>
-          <a:p>
-            <a:r>
-              <a:rPr lang="de-CH" sz="1400" b="1" dirty="0">
-                <a:latin typeface="Arial" panose="020B0604020202020204" pitchFamily="34" charset="0"/>
-                <a:cs typeface="Arial" panose="020B0604020202020204" pitchFamily="34" charset="0"/>
-              </a:rPr>
-              <a:t>Code verlangen und eingeben</a:t>
-            </a:r>
-          </a:p>
-        </p:txBody>
-      </p:sp>
-      <p:sp>
-        <p:nvSpPr>
-          <p:cNvPr id="1052" name="Textfeld 1051">
-            <a:extLst>
-              <a:ext uri="{FF2B5EF4-FFF2-40B4-BE49-F238E27FC236}">
-                <a16:creationId xmlns:a16="http://schemas.microsoft.com/office/drawing/2014/main" id="{67AADC91-BC37-B0D5-CBC4-A9AE20679774}"/>
-              </a:ext>
-            </a:extLst>
-          </p:cNvPr>
-          <p:cNvSpPr txBox="1"/>
-          <p:nvPr/>
-        </p:nvSpPr>
-        <p:spPr>
-          <a:xfrm>
-            <a:off x="4856728" y="3406302"/>
-            <a:ext cx="1890912" cy="307777"/>
-          </a:xfrm>
-          <a:prstGeom prst="rect">
-            <a:avLst/>
-          </a:prstGeom>
-          <a:noFill/>
-        </p:spPr>
-        <p:txBody>
-          <a:bodyPr wrap="square" rtlCol="0">
-            <a:spAutoFit/>
-          </a:bodyPr>
-          <a:lstStyle/>
-          <a:p>
-            <a:r>
-              <a:rPr lang="de-CH" sz="1400" b="1" dirty="0">
-                <a:latin typeface="Arial" panose="020B0604020202020204" pitchFamily="34" charset="0"/>
-                <a:cs typeface="Arial" panose="020B0604020202020204" pitchFamily="34" charset="0"/>
-              </a:rPr>
-              <a:t>Code eingeben</a:t>
-            </a:r>
-          </a:p>
-        </p:txBody>
-      </p:sp>
-      <p:sp>
-        <p:nvSpPr>
-          <p:cNvPr id="1053" name="Textfeld 1052">
-            <a:extLst>
-              <a:ext uri="{FF2B5EF4-FFF2-40B4-BE49-F238E27FC236}">
-                <a16:creationId xmlns:a16="http://schemas.microsoft.com/office/drawing/2014/main" id="{80F29475-5C4C-4339-98C2-5688E53E1DF0}"/>
-              </a:ext>
-            </a:extLst>
-          </p:cNvPr>
-          <p:cNvSpPr txBox="1"/>
-          <p:nvPr/>
-        </p:nvSpPr>
-        <p:spPr>
-          <a:xfrm>
-            <a:off x="8409600" y="3078878"/>
-            <a:ext cx="3118577" cy="307777"/>
-          </a:xfrm>
-          <a:prstGeom prst="rect">
-            <a:avLst/>
-          </a:prstGeom>
-          <a:noFill/>
-        </p:spPr>
-        <p:txBody>
-          <a:bodyPr wrap="square" rtlCol="0">
-            <a:spAutoFit/>
-          </a:bodyPr>
-          <a:lstStyle/>
-          <a:p>
-            <a:r>
-              <a:rPr lang="de-CH" sz="1400" b="1" dirty="0">
-                <a:latin typeface="Arial" panose="020B0604020202020204" pitchFamily="34" charset="0"/>
-                <a:cs typeface="Arial" panose="020B0604020202020204" pitchFamily="34" charset="0"/>
-              </a:rPr>
-              <a:t>Bild aufladen</a:t>
-            </a:r>
-          </a:p>
-        </p:txBody>
-      </p:sp>
-      <p:sp>
-        <p:nvSpPr>
-          <p:cNvPr id="1054" name="Textfeld 1053">
-            <a:extLst>
-              <a:ext uri="{FF2B5EF4-FFF2-40B4-BE49-F238E27FC236}">
-                <a16:creationId xmlns:a16="http://schemas.microsoft.com/office/drawing/2014/main" id="{0586D12B-F391-32A7-07CA-D2CC7BBAA08A}"/>
-              </a:ext>
-            </a:extLst>
-          </p:cNvPr>
-          <p:cNvSpPr txBox="1"/>
-          <p:nvPr/>
-        </p:nvSpPr>
-        <p:spPr>
-          <a:xfrm>
-            <a:off x="1285943" y="2284898"/>
-            <a:ext cx="556074" cy="646331"/>
-          </a:xfrm>
-          <a:prstGeom prst="rect">
-            <a:avLst/>
-          </a:prstGeom>
-          <a:noFill/>
-        </p:spPr>
-        <p:txBody>
-          <a:bodyPr wrap="square" rtlCol="0">
-            <a:spAutoFit/>
-          </a:bodyPr>
-          <a:lstStyle/>
-          <a:p>
-            <a:r>
-              <a:rPr lang="de-CH" sz="3600" b="1" dirty="0">
-                <a:latin typeface="Arial" panose="020B0604020202020204" pitchFamily="34" charset="0"/>
-                <a:cs typeface="Arial" panose="020B0604020202020204" pitchFamily="34" charset="0"/>
-              </a:rPr>
-              <a:t>1</a:t>
-            </a:r>
-          </a:p>
-        </p:txBody>
-      </p:sp>
-      <p:sp>
-        <p:nvSpPr>
-          <p:cNvPr id="1055" name="Textfeld 1054">
-            <a:extLst>
-              <a:ext uri="{FF2B5EF4-FFF2-40B4-BE49-F238E27FC236}">
-                <a16:creationId xmlns:a16="http://schemas.microsoft.com/office/drawing/2014/main" id="{3AAF4792-6D56-4D3E-64B2-B385E3827B88}"/>
-              </a:ext>
-            </a:extLst>
-          </p:cNvPr>
-          <p:cNvSpPr txBox="1"/>
-          <p:nvPr/>
-        </p:nvSpPr>
-        <p:spPr>
-          <a:xfrm>
-            <a:off x="4422306" y="2291712"/>
-            <a:ext cx="711294" cy="646331"/>
-          </a:xfrm>
-          <a:prstGeom prst="rect">
-            <a:avLst/>
-          </a:prstGeom>
-          <a:noFill/>
-        </p:spPr>
-        <p:txBody>
-          <a:bodyPr wrap="square" rtlCol="0">
-            <a:spAutoFit/>
-          </a:bodyPr>
-          <a:lstStyle/>
-          <a:p>
-            <a:r>
-              <a:rPr lang="de-CH" sz="3600" b="1" dirty="0">
-                <a:latin typeface="Arial" panose="020B0604020202020204" pitchFamily="34" charset="0"/>
-                <a:cs typeface="Arial" panose="020B0604020202020204" pitchFamily="34" charset="0"/>
-              </a:rPr>
-              <a:t>2</a:t>
-            </a:r>
-          </a:p>
-        </p:txBody>
-      </p:sp>
-      <p:sp>
-        <p:nvSpPr>
-          <p:cNvPr id="1056" name="Textfeld 1055">
-            <a:extLst>
-              <a:ext uri="{FF2B5EF4-FFF2-40B4-BE49-F238E27FC236}">
-                <a16:creationId xmlns:a16="http://schemas.microsoft.com/office/drawing/2014/main" id="{13C50AF9-1114-FA7B-B9E2-551BF6A08388}"/>
-              </a:ext>
-            </a:extLst>
-          </p:cNvPr>
-          <p:cNvSpPr txBox="1"/>
-          <p:nvPr/>
-        </p:nvSpPr>
-        <p:spPr>
-          <a:xfrm>
-            <a:off x="7916693" y="2291712"/>
-            <a:ext cx="556074" cy="646331"/>
-          </a:xfrm>
-          <a:prstGeom prst="rect">
-            <a:avLst/>
-          </a:prstGeom>
-          <a:noFill/>
-        </p:spPr>
-        <p:txBody>
-          <a:bodyPr wrap="square" rtlCol="0">
-            <a:spAutoFit/>
-          </a:bodyPr>
-          <a:lstStyle/>
-          <a:p>
-            <a:r>
-              <a:rPr lang="de-CH" sz="3600" b="1" dirty="0">
-                <a:latin typeface="Arial" panose="020B0604020202020204" pitchFamily="34" charset="0"/>
-                <a:cs typeface="Arial" panose="020B0604020202020204" pitchFamily="34" charset="0"/>
-              </a:rPr>
-              <a:t>3</a:t>
-            </a:r>
-          </a:p>
-        </p:txBody>
-      </p:sp>
-      <p:sp>
-        <p:nvSpPr>
-          <p:cNvPr id="1057" name="Textfeld 1056">
-            <a:extLst>
-              <a:ext uri="{FF2B5EF4-FFF2-40B4-BE49-F238E27FC236}">
-                <a16:creationId xmlns:a16="http://schemas.microsoft.com/office/drawing/2014/main" id="{04949F1F-7261-D132-683D-AA08F2653D31}"/>
-              </a:ext>
-            </a:extLst>
-          </p:cNvPr>
-          <p:cNvSpPr txBox="1"/>
-          <p:nvPr/>
-        </p:nvSpPr>
-        <p:spPr>
-          <a:xfrm>
-            <a:off x="10664274" y="2247997"/>
-            <a:ext cx="556074" cy="646331"/>
-          </a:xfrm>
-          <a:prstGeom prst="rect">
-            <a:avLst/>
-          </a:prstGeom>
-          <a:noFill/>
-        </p:spPr>
-        <p:txBody>
-          <a:bodyPr wrap="square" rtlCol="0">
-            <a:spAutoFit/>
-          </a:bodyPr>
-          <a:lstStyle/>
-          <a:p>
-            <a:r>
-              <a:rPr lang="de-CH" sz="3600" b="1" dirty="0">
-                <a:latin typeface="Arial" panose="020B0604020202020204" pitchFamily="34" charset="0"/>
-                <a:cs typeface="Arial" panose="020B0604020202020204" pitchFamily="34" charset="0"/>
-              </a:rPr>
-              <a:t>4</a:t>
-            </a:r>
-          </a:p>
-        </p:txBody>
-      </p:sp>
-      <p:sp>
-        <p:nvSpPr>
-          <p:cNvPr id="1058" name="Textfeld 1057">
-            <a:extLst>
-              <a:ext uri="{FF2B5EF4-FFF2-40B4-BE49-F238E27FC236}">
-                <a16:creationId xmlns:a16="http://schemas.microsoft.com/office/drawing/2014/main" id="{86B8B3DE-360C-A0EC-0200-7C2C9398A04F}"/>
-              </a:ext>
-            </a:extLst>
-          </p:cNvPr>
-          <p:cNvSpPr txBox="1"/>
-          <p:nvPr/>
-        </p:nvSpPr>
-        <p:spPr>
-          <a:xfrm>
-            <a:off x="1388434" y="6111572"/>
-            <a:ext cx="556074" cy="646331"/>
-          </a:xfrm>
-          <a:prstGeom prst="rect">
-            <a:avLst/>
-          </a:prstGeom>
-          <a:noFill/>
-        </p:spPr>
-        <p:txBody>
-          <a:bodyPr wrap="square" rtlCol="0">
-            <a:spAutoFit/>
-          </a:bodyPr>
-          <a:lstStyle/>
-          <a:p>
-            <a:r>
-              <a:rPr lang="de-CH" sz="3600" b="1" dirty="0">
-                <a:latin typeface="Arial" panose="020B0604020202020204" pitchFamily="34" charset="0"/>
-                <a:cs typeface="Arial" panose="020B0604020202020204" pitchFamily="34" charset="0"/>
-              </a:rPr>
-              <a:t>5</a:t>
-            </a:r>
-          </a:p>
-        </p:txBody>
-      </p:sp>
-      <p:sp>
-        <p:nvSpPr>
-          <p:cNvPr id="1059" name="Textfeld 1058">
-            <a:extLst>
-              <a:ext uri="{FF2B5EF4-FFF2-40B4-BE49-F238E27FC236}">
-                <a16:creationId xmlns:a16="http://schemas.microsoft.com/office/drawing/2014/main" id="{377AABCD-C62C-A086-C376-59EF42127685}"/>
-              </a:ext>
-            </a:extLst>
-          </p:cNvPr>
-          <p:cNvSpPr txBox="1"/>
-          <p:nvPr/>
-        </p:nvSpPr>
-        <p:spPr>
-          <a:xfrm>
-            <a:off x="5261048" y="6215797"/>
-            <a:ext cx="556074" cy="646331"/>
-          </a:xfrm>
-          <a:prstGeom prst="rect">
-            <a:avLst/>
-          </a:prstGeom>
-          <a:noFill/>
-        </p:spPr>
-        <p:txBody>
-          <a:bodyPr wrap="square" rtlCol="0">
-            <a:spAutoFit/>
-          </a:bodyPr>
-          <a:lstStyle/>
-          <a:p>
-            <a:r>
-              <a:rPr lang="de-CH" sz="3600" b="1" dirty="0">
-                <a:latin typeface="Arial" panose="020B0604020202020204" pitchFamily="34" charset="0"/>
-                <a:cs typeface="Arial" panose="020B0604020202020204" pitchFamily="34" charset="0"/>
-              </a:rPr>
-              <a:t>6</a:t>
-            </a:r>
-          </a:p>
-        </p:txBody>
-      </p:sp>
-      <p:sp>
-        <p:nvSpPr>
-          <p:cNvPr id="1060" name="Textfeld 1059">
-            <a:extLst>
-              <a:ext uri="{FF2B5EF4-FFF2-40B4-BE49-F238E27FC236}">
-                <a16:creationId xmlns:a16="http://schemas.microsoft.com/office/drawing/2014/main" id="{CB782207-C6EE-9E47-EDE2-B4B3E59A1316}"/>
-              </a:ext>
-            </a:extLst>
-          </p:cNvPr>
-          <p:cNvSpPr txBox="1"/>
-          <p:nvPr/>
-        </p:nvSpPr>
-        <p:spPr>
-          <a:xfrm>
-            <a:off x="9749014" y="6211669"/>
-            <a:ext cx="556074" cy="646331"/>
-          </a:xfrm>
-          <a:prstGeom prst="rect">
-            <a:avLst/>
-          </a:prstGeom>
-          <a:noFill/>
-        </p:spPr>
-        <p:txBody>
-          <a:bodyPr wrap="square" rtlCol="0">
-            <a:spAutoFit/>
-          </a:bodyPr>
-          <a:lstStyle/>
-          <a:p>
-            <a:r>
-              <a:rPr lang="de-CH" sz="3600" b="1" dirty="0">
-                <a:latin typeface="Arial" panose="020B0604020202020204" pitchFamily="34" charset="0"/>
-                <a:cs typeface="Arial" panose="020B0604020202020204" pitchFamily="34" charset="0"/>
-              </a:rPr>
-              <a:t>7</a:t>
-            </a:r>
-          </a:p>
-        </p:txBody>
-      </p:sp>
     </p:spTree>
     <p:extLst>
       <p:ext uri="{BB962C8B-B14F-4D97-AF65-F5344CB8AC3E}">
-        <p14:creationId xmlns:p14="http://schemas.microsoft.com/office/powerpoint/2010/main" val="477222488"/>
+        <p14:creationId xmlns:p14="http://schemas.microsoft.com/office/powerpoint/2010/main" val="2669447151"/>
       </p:ext>
     </p:extLst>
   </p:cSld>
@@ -7357,12 +4221,183 @@
           <a:chExt cx="0" cy="0"/>
         </a:xfrm>
       </p:grpSpPr>
-      <p:sp>
-        <p:nvSpPr>
-          <p:cNvPr id="37" name="Rechteck 36">
-            <a:extLst>
-              <a:ext uri="{FF2B5EF4-FFF2-40B4-BE49-F238E27FC236}">
-                <a16:creationId xmlns:a16="http://schemas.microsoft.com/office/drawing/2014/main" id="{66159739-0224-8070-249D-799960436EA0}"/>
+      <p:pic>
+        <p:nvPicPr>
+          <p:cNvPr id="1026" name="Picture 2" descr="Drawing - Free art icons">
+            <a:extLst>
+              <a:ext uri="{FF2B5EF4-FFF2-40B4-BE49-F238E27FC236}">
+                <a16:creationId xmlns:a16="http://schemas.microsoft.com/office/drawing/2014/main" id="{A0C9D1DB-3B58-B2EA-6328-96AC5357D2F0}"/>
+              </a:ext>
+            </a:extLst>
+          </p:cNvPr>
+          <p:cNvPicPr>
+            <a:picLocks noChangeAspect="1" noChangeArrowheads="1"/>
+          </p:cNvPicPr>
+          <p:nvPr/>
+        </p:nvPicPr>
+        <p:blipFill>
+          <a:blip r:embed="rId2">
+            <a:extLst>
+              <a:ext uri="{28A0092B-C50C-407E-A947-70E740481C1C}">
+                <a14:useLocalDpi xmlns:a14="http://schemas.microsoft.com/office/drawing/2010/main" val="0"/>
+              </a:ext>
+            </a:extLst>
+          </a:blip>
+          <a:srcRect/>
+          <a:stretch>
+            <a:fillRect/>
+          </a:stretch>
+        </p:blipFill>
+        <p:spPr bwMode="auto">
+          <a:xfrm>
+            <a:off x="440576" y="425666"/>
+            <a:ext cx="766129" cy="766129"/>
+          </a:xfrm>
+          <a:prstGeom prst="rect">
+            <a:avLst/>
+          </a:prstGeom>
+          <a:noFill/>
+          <a:extLst>
+            <a:ext uri="{909E8E84-426E-40DD-AFC4-6F175D3DCCD1}">
+              <a14:hiddenFill xmlns:a14="http://schemas.microsoft.com/office/drawing/2010/main">
+                <a:solidFill>
+                  <a:srgbClr val="FFFFFF"/>
+                </a:solidFill>
+              </a14:hiddenFill>
+            </a:ext>
+          </a:extLst>
+        </p:spPr>
+      </p:pic>
+      <p:pic>
+        <p:nvPicPr>
+          <p:cNvPr id="1028" name="Picture 4" descr="Couple, friend, happy, mobile, selfie, take, taking icon - Download on  Iconfinder">
+            <a:extLst>
+              <a:ext uri="{FF2B5EF4-FFF2-40B4-BE49-F238E27FC236}">
+                <a16:creationId xmlns:a16="http://schemas.microsoft.com/office/drawing/2014/main" id="{DAC1540E-A133-0888-79A5-D2C20FAE2713}"/>
+              </a:ext>
+            </a:extLst>
+          </p:cNvPr>
+          <p:cNvPicPr>
+            <a:picLocks noChangeAspect="1" noChangeArrowheads="1"/>
+          </p:cNvPicPr>
+          <p:nvPr/>
+        </p:nvPicPr>
+        <p:blipFill>
+          <a:blip r:embed="rId3">
+            <a:extLst>
+              <a:ext uri="{28A0092B-C50C-407E-A947-70E740481C1C}">
+                <a14:useLocalDpi xmlns:a14="http://schemas.microsoft.com/office/drawing/2010/main" val="0"/>
+              </a:ext>
+            </a:extLst>
+          </a:blip>
+          <a:srcRect/>
+          <a:stretch>
+            <a:fillRect/>
+          </a:stretch>
+        </p:blipFill>
+        <p:spPr bwMode="auto">
+          <a:xfrm>
+            <a:off x="683029" y="1145665"/>
+            <a:ext cx="1812174" cy="1812174"/>
+          </a:xfrm>
+          <a:prstGeom prst="rect">
+            <a:avLst/>
+          </a:prstGeom>
+          <a:noFill/>
+          <a:extLst>
+            <a:ext uri="{909E8E84-426E-40DD-AFC4-6F175D3DCCD1}">
+              <a14:hiddenFill xmlns:a14="http://schemas.microsoft.com/office/drawing/2010/main">
+                <a:solidFill>
+                  <a:srgbClr val="FFFFFF"/>
+                </a:solidFill>
+              </a14:hiddenFill>
+            </a:ext>
+          </a:extLst>
+        </p:spPr>
+      </p:pic>
+      <p:pic>
+        <p:nvPicPr>
+          <p:cNvPr id="1030" name="Picture 6" descr="Mobile Device Tips: How to Scan Documents with a Smartphone">
+            <a:extLst>
+              <a:ext uri="{FF2B5EF4-FFF2-40B4-BE49-F238E27FC236}">
+                <a16:creationId xmlns:a16="http://schemas.microsoft.com/office/drawing/2014/main" id="{BFDC550D-18AC-8BA9-7F98-B51B2F429BF4}"/>
+              </a:ext>
+            </a:extLst>
+          </p:cNvPr>
+          <p:cNvPicPr>
+            <a:picLocks noChangeAspect="1" noChangeArrowheads="1"/>
+          </p:cNvPicPr>
+          <p:nvPr/>
+        </p:nvPicPr>
+        <p:blipFill>
+          <a:blip r:embed="rId4">
+            <a:extLst>
+              <a:ext uri="{28A0092B-C50C-407E-A947-70E740481C1C}">
+                <a14:useLocalDpi xmlns:a14="http://schemas.microsoft.com/office/drawing/2010/main" val="0"/>
+              </a:ext>
+            </a:extLst>
+          </a:blip>
+          <a:srcRect/>
+          <a:stretch>
+            <a:fillRect/>
+          </a:stretch>
+        </p:blipFill>
+        <p:spPr bwMode="auto">
+          <a:xfrm>
+            <a:off x="1388434" y="308207"/>
+            <a:ext cx="1582177" cy="883588"/>
+          </a:xfrm>
+          <a:prstGeom prst="rect">
+            <a:avLst/>
+          </a:prstGeom>
+          <a:noFill/>
+          <a:extLst>
+            <a:ext uri="{909E8E84-426E-40DD-AFC4-6F175D3DCCD1}">
+              <a14:hiddenFill xmlns:a14="http://schemas.microsoft.com/office/drawing/2010/main">
+                <a:solidFill>
+                  <a:srgbClr val="FFFFFF"/>
+                </a:solidFill>
+              </a14:hiddenFill>
+            </a:ext>
+          </a:extLst>
+        </p:spPr>
+      </p:pic>
+      <p:pic>
+        <p:nvPicPr>
+          <p:cNvPr id="7" name="Grafik 6">
+            <a:extLst>
+              <a:ext uri="{FF2B5EF4-FFF2-40B4-BE49-F238E27FC236}">
+                <a16:creationId xmlns:a16="http://schemas.microsoft.com/office/drawing/2014/main" id="{D9E1CB20-5FB7-364A-DEF0-AA250D7C6A0E}"/>
+              </a:ext>
+            </a:extLst>
+          </p:cNvPr>
+          <p:cNvPicPr>
+            <a:picLocks noChangeAspect="1"/>
+          </p:cNvPicPr>
+          <p:nvPr/>
+        </p:nvPicPr>
+        <p:blipFill>
+          <a:blip r:embed="rId5"/>
+          <a:stretch>
+            <a:fillRect/>
+          </a:stretch>
+        </p:blipFill>
+        <p:spPr>
+          <a:xfrm>
+            <a:off x="3267604" y="1289919"/>
+            <a:ext cx="2724471" cy="1040144"/>
+          </a:xfrm>
+          <a:prstGeom prst="rect">
+            <a:avLst/>
+          </a:prstGeom>
+        </p:spPr>
+      </p:pic>
+      <p:sp>
+        <p:nvSpPr>
+          <p:cNvPr id="8" name="Rechteck 7">
+            <a:extLst>
+              <a:ext uri="{FF2B5EF4-FFF2-40B4-BE49-F238E27FC236}">
+                <a16:creationId xmlns:a16="http://schemas.microsoft.com/office/drawing/2014/main" id="{852B453D-008C-86E8-276F-28E356D57FE6}"/>
               </a:ext>
             </a:extLst>
           </p:cNvPr>
@@ -7371,8 +4406,8 @@
         </p:nvSpPr>
         <p:spPr>
           <a:xfrm>
-            <a:off x="4068690" y="397349"/>
-            <a:ext cx="3339167" cy="6227893"/>
+            <a:off x="6505131" y="626838"/>
+            <a:ext cx="3339167" cy="1995885"/>
           </a:xfrm>
           <a:prstGeom prst="rect">
             <a:avLst/>
@@ -7419,10 +4454,10 @@
       </p:sp>
       <p:sp>
         <p:nvSpPr>
-          <p:cNvPr id="38" name="Rechteck 37">
-            <a:extLst>
-              <a:ext uri="{FF2B5EF4-FFF2-40B4-BE49-F238E27FC236}">
-                <a16:creationId xmlns:a16="http://schemas.microsoft.com/office/drawing/2014/main" id="{540AE164-332A-09D3-4E06-29A94954EC84}"/>
+          <p:cNvPr id="9" name="Rechteck 8">
+            <a:extLst>
+              <a:ext uri="{FF2B5EF4-FFF2-40B4-BE49-F238E27FC236}">
+                <a16:creationId xmlns:a16="http://schemas.microsoft.com/office/drawing/2014/main" id="{A2B50460-DB7E-B2AE-E2C2-7F3614F2A96E}"/>
               </a:ext>
             </a:extLst>
           </p:cNvPr>
@@ -7431,7 +4466,7 @@
         </p:nvSpPr>
         <p:spPr>
           <a:xfrm>
-            <a:off x="4068687" y="302550"/>
+            <a:off x="6505128" y="532039"/>
             <a:ext cx="3339167" cy="769028"/>
           </a:xfrm>
           <a:prstGeom prst="rect">
@@ -7495,10 +4530,10 @@
       </p:sp>
       <p:pic>
         <p:nvPicPr>
-          <p:cNvPr id="36" name="Grafik 35">
-            <a:extLst>
-              <a:ext uri="{FF2B5EF4-FFF2-40B4-BE49-F238E27FC236}">
-                <a16:creationId xmlns:a16="http://schemas.microsoft.com/office/drawing/2014/main" id="{21E292FE-3E49-C106-DE88-0409A3F4E81B}"/>
+          <p:cNvPr id="10" name="Grafik 9">
+            <a:extLst>
+              <a:ext uri="{FF2B5EF4-FFF2-40B4-BE49-F238E27FC236}">
+                <a16:creationId xmlns:a16="http://schemas.microsoft.com/office/drawing/2014/main" id="{7B97B44F-258D-0760-70D4-571DA45DBBC0}"/>
               </a:ext>
             </a:extLst>
           </p:cNvPr>
@@ -7508,14 +4543,14 @@
           <p:nvPr/>
         </p:nvPicPr>
         <p:blipFill>
-          <a:blip r:embed="rId2"/>
+          <a:blip r:embed="rId6"/>
           <a:stretch>
             <a:fillRect/>
           </a:stretch>
         </p:blipFill>
         <p:spPr>
           <a:xfrm>
-            <a:off x="4509701" y="399209"/>
+            <a:off x="6946142" y="628698"/>
             <a:ext cx="2457143" cy="238095"/>
           </a:xfrm>
           <a:prstGeom prst="rect">
@@ -7525,10 +4560,10 @@
       </p:pic>
       <p:sp>
         <p:nvSpPr>
-          <p:cNvPr id="39" name="Rechteck 38">
-            <a:extLst>
-              <a:ext uri="{FF2B5EF4-FFF2-40B4-BE49-F238E27FC236}">
-                <a16:creationId xmlns:a16="http://schemas.microsoft.com/office/drawing/2014/main" id="{24EA8C2D-6863-2978-0C07-93F36FB5B62F}"/>
+          <p:cNvPr id="11" name="Rechteck 10">
+            <a:extLst>
+              <a:ext uri="{FF2B5EF4-FFF2-40B4-BE49-F238E27FC236}">
+                <a16:creationId xmlns:a16="http://schemas.microsoft.com/office/drawing/2014/main" id="{259031CB-A577-4868-F9F4-53FB13677387}"/>
               </a:ext>
             </a:extLst>
           </p:cNvPr>
@@ -7537,7 +4572,7 @@
         </p:nvSpPr>
         <p:spPr>
           <a:xfrm>
-            <a:off x="4746568" y="1137899"/>
+            <a:off x="7183009" y="1367388"/>
             <a:ext cx="2579516" cy="301629"/>
           </a:xfrm>
           <a:prstGeom prst="rect">
@@ -7587,10 +4622,10 @@
       </p:sp>
       <p:sp>
         <p:nvSpPr>
-          <p:cNvPr id="40" name="Textfeld 39">
-            <a:extLst>
-              <a:ext uri="{FF2B5EF4-FFF2-40B4-BE49-F238E27FC236}">
-                <a16:creationId xmlns:a16="http://schemas.microsoft.com/office/drawing/2014/main" id="{75EF25B3-2D78-8470-3EA7-1561C4A2751C}"/>
+          <p:cNvPr id="12" name="Textfeld 11">
+            <a:extLst>
+              <a:ext uri="{FF2B5EF4-FFF2-40B4-BE49-F238E27FC236}">
+                <a16:creationId xmlns:a16="http://schemas.microsoft.com/office/drawing/2014/main" id="{09A29106-2290-236C-D642-115C0A57C203}"/>
               </a:ext>
             </a:extLst>
           </p:cNvPr>
@@ -7599,7 +4634,7 @@
         </p:nvSpPr>
         <p:spPr>
           <a:xfrm>
-            <a:off x="4068093" y="1134825"/>
+            <a:off x="6504534" y="1364314"/>
             <a:ext cx="678475" cy="307777"/>
           </a:xfrm>
           <a:prstGeom prst="rect">
@@ -7625,10 +4660,10 @@
       </p:sp>
       <p:sp>
         <p:nvSpPr>
-          <p:cNvPr id="41" name="Rechteck 40">
-            <a:extLst>
-              <a:ext uri="{FF2B5EF4-FFF2-40B4-BE49-F238E27FC236}">
-                <a16:creationId xmlns:a16="http://schemas.microsoft.com/office/drawing/2014/main" id="{93DC624D-691E-C2CE-2509-44EB5AA4FEC2}"/>
+          <p:cNvPr id="13" name="Rechteck 12">
+            <a:extLst>
+              <a:ext uri="{FF2B5EF4-FFF2-40B4-BE49-F238E27FC236}">
+                <a16:creationId xmlns:a16="http://schemas.microsoft.com/office/drawing/2014/main" id="{EA909D5D-F5B0-DEFF-E525-84E8AB313E10}"/>
               </a:ext>
             </a:extLst>
           </p:cNvPr>
@@ -7637,7 +4672,7 @@
         </p:nvSpPr>
         <p:spPr>
           <a:xfrm>
-            <a:off x="4747162" y="1494738"/>
+            <a:off x="7183603" y="1724227"/>
             <a:ext cx="2579516" cy="301629"/>
           </a:xfrm>
           <a:prstGeom prst="rect">
@@ -7687,10 +4722,10 @@
       </p:sp>
       <p:sp>
         <p:nvSpPr>
-          <p:cNvPr id="42" name="Textfeld 41">
-            <a:extLst>
-              <a:ext uri="{FF2B5EF4-FFF2-40B4-BE49-F238E27FC236}">
-                <a16:creationId xmlns:a16="http://schemas.microsoft.com/office/drawing/2014/main" id="{998E33D5-6A69-0D61-6009-1663816340AA}"/>
+          <p:cNvPr id="14" name="Textfeld 13">
+            <a:extLst>
+              <a:ext uri="{FF2B5EF4-FFF2-40B4-BE49-F238E27FC236}">
+                <a16:creationId xmlns:a16="http://schemas.microsoft.com/office/drawing/2014/main" id="{D94CE715-2AF5-8624-E2BE-C506DF769226}"/>
               </a:ext>
             </a:extLst>
           </p:cNvPr>
@@ -7699,7 +4734,7 @@
         </p:nvSpPr>
         <p:spPr>
           <a:xfrm>
-            <a:off x="4068687" y="1491664"/>
+            <a:off x="6505128" y="1721153"/>
             <a:ext cx="789260" cy="307777"/>
           </a:xfrm>
           <a:prstGeom prst="rect">
@@ -7725,10 +4760,10 @@
       </p:sp>
       <p:sp>
         <p:nvSpPr>
-          <p:cNvPr id="43" name="Rechteck 42">
-            <a:extLst>
-              <a:ext uri="{FF2B5EF4-FFF2-40B4-BE49-F238E27FC236}">
-                <a16:creationId xmlns:a16="http://schemas.microsoft.com/office/drawing/2014/main" id="{93FB0C75-490B-A826-AF13-2664BAC76100}"/>
+          <p:cNvPr id="15" name="Rechteck 14">
+            <a:extLst>
+              <a:ext uri="{FF2B5EF4-FFF2-40B4-BE49-F238E27FC236}">
+                <a16:creationId xmlns:a16="http://schemas.microsoft.com/office/drawing/2014/main" id="{AA650850-BA67-7DC0-184B-E5443A7A02B2}"/>
               </a:ext>
             </a:extLst>
           </p:cNvPr>
@@ -7737,7 +4772,7 @@
         </p:nvSpPr>
         <p:spPr>
           <a:xfrm>
-            <a:off x="4159135" y="1862689"/>
+            <a:off x="6595576" y="2092178"/>
             <a:ext cx="3166949" cy="255249"/>
           </a:xfrm>
           <a:prstGeom prst="rect">
@@ -7784,12 +4819,89 @@
           </a:p>
         </p:txBody>
       </p:sp>
-      <p:sp>
-        <p:nvSpPr>
-          <p:cNvPr id="44" name="Rechteck 43">
-            <a:extLst>
-              <a:ext uri="{FF2B5EF4-FFF2-40B4-BE49-F238E27FC236}">
-                <a16:creationId xmlns:a16="http://schemas.microsoft.com/office/drawing/2014/main" id="{C8441DBC-F492-30F3-7DDE-F36160AED254}"/>
+      <p:pic>
+        <p:nvPicPr>
+          <p:cNvPr id="16" name="Grafik 15">
+            <a:extLst>
+              <a:ext uri="{FF2B5EF4-FFF2-40B4-BE49-F238E27FC236}">
+                <a16:creationId xmlns:a16="http://schemas.microsoft.com/office/drawing/2014/main" id="{7CAEF55A-88BB-2030-45C9-E017CA58C7D3}"/>
+              </a:ext>
+            </a:extLst>
+          </p:cNvPr>
+          <p:cNvPicPr>
+            <a:picLocks noChangeAspect="1"/>
+          </p:cNvPicPr>
+          <p:nvPr/>
+        </p:nvPicPr>
+        <p:blipFill>
+          <a:blip r:embed="rId7"/>
+          <a:stretch>
+            <a:fillRect/>
+          </a:stretch>
+        </p:blipFill>
+        <p:spPr>
+          <a:xfrm>
+            <a:off x="9379671" y="761778"/>
+            <a:ext cx="331444" cy="256116"/>
+          </a:xfrm>
+          <a:prstGeom prst="rect">
+            <a:avLst/>
+          </a:prstGeom>
+        </p:spPr>
+      </p:pic>
+      <p:pic>
+        <p:nvPicPr>
+          <p:cNvPr id="1032" name="Picture 8" descr="eMail Widget 2: E-Mails im iPhone-Widget lesen">
+            <a:extLst>
+              <a:ext uri="{FF2B5EF4-FFF2-40B4-BE49-F238E27FC236}">
+                <a16:creationId xmlns:a16="http://schemas.microsoft.com/office/drawing/2014/main" id="{6ADE284A-8168-5C4F-D530-F4336DAFDCBE}"/>
+              </a:ext>
+            </a:extLst>
+          </p:cNvPr>
+          <p:cNvPicPr>
+            <a:picLocks noChangeAspect="1" noChangeArrowheads="1"/>
+          </p:cNvPicPr>
+          <p:nvPr/>
+        </p:nvPicPr>
+        <p:blipFill>
+          <a:blip r:embed="rId8">
+            <a:extLst>
+              <a:ext uri="{28A0092B-C50C-407E-A947-70E740481C1C}">
+                <a14:useLocalDpi xmlns:a14="http://schemas.microsoft.com/office/drawing/2010/main" val="0"/>
+              </a:ext>
+            </a:extLst>
+          </a:blip>
+          <a:srcRect/>
+          <a:stretch>
+            <a:fillRect/>
+          </a:stretch>
+        </p:blipFill>
+        <p:spPr bwMode="auto">
+          <a:xfrm>
+            <a:off x="10574855" y="1481761"/>
+            <a:ext cx="718991" cy="718991"/>
+          </a:xfrm>
+          <a:prstGeom prst="rect">
+            <a:avLst/>
+          </a:prstGeom>
+          <a:noFill/>
+          <a:extLst>
+            <a:ext uri="{909E8E84-426E-40DD-AFC4-6F175D3DCCD1}">
+              <a14:hiddenFill xmlns:a14="http://schemas.microsoft.com/office/drawing/2010/main">
+                <a:solidFill>
+                  <a:srgbClr val="FFFFFF"/>
+                </a:solidFill>
+              </a14:hiddenFill>
+            </a:ext>
+          </a:extLst>
+        </p:spPr>
+      </p:pic>
+      <p:sp>
+        <p:nvSpPr>
+          <p:cNvPr id="17" name="Rechteck 16">
+            <a:extLst>
+              <a:ext uri="{FF2B5EF4-FFF2-40B4-BE49-F238E27FC236}">
+                <a16:creationId xmlns:a16="http://schemas.microsoft.com/office/drawing/2014/main" id="{97C98CE6-9B54-00BB-BA79-EA05E7626104}"/>
               </a:ext>
             </a:extLst>
           </p:cNvPr>
@@ -7798,8 +4910,174 @@
         </p:nvSpPr>
         <p:spPr>
           <a:xfrm>
-            <a:off x="4746568" y="2180076"/>
-            <a:ext cx="1769191" cy="301629"/>
+            <a:off x="112912" y="3844092"/>
+            <a:ext cx="3339167" cy="2300627"/>
+          </a:xfrm>
+          <a:prstGeom prst="rect">
+            <a:avLst/>
+          </a:prstGeom>
+          <a:solidFill>
+            <a:srgbClr val="DFE0E1"/>
+          </a:solidFill>
+          <a:ln>
+            <a:solidFill>
+              <a:srgbClr val="C8C8C8"/>
+            </a:solidFill>
+          </a:ln>
+        </p:spPr>
+        <p:style>
+          <a:lnRef idx="2">
+            <a:schemeClr val="accent1">
+              <a:shade val="50000"/>
+            </a:schemeClr>
+          </a:lnRef>
+          <a:fillRef idx="1">
+            <a:schemeClr val="accent1"/>
+          </a:fillRef>
+          <a:effectRef idx="0">
+            <a:schemeClr val="accent1"/>
+          </a:effectRef>
+          <a:fontRef idx="minor">
+            <a:schemeClr val="lt1"/>
+          </a:fontRef>
+        </p:style>
+        <p:txBody>
+          <a:bodyPr rtlCol="0" anchor="ctr"/>
+          <a:lstStyle/>
+          <a:p>
+            <a:pPr algn="ctr"/>
+            <a:endParaRPr lang="de-CH" sz="1600" dirty="0">
+              <a:solidFill>
+                <a:schemeClr val="tx1"/>
+              </a:solidFill>
+              <a:latin typeface="Arial" panose="020B0604020202020204" pitchFamily="34" charset="0"/>
+              <a:cs typeface="Arial" panose="020B0604020202020204" pitchFamily="34" charset="0"/>
+            </a:endParaRPr>
+          </a:p>
+        </p:txBody>
+      </p:sp>
+      <p:sp>
+        <p:nvSpPr>
+          <p:cNvPr id="18" name="Rechteck 17">
+            <a:extLst>
+              <a:ext uri="{FF2B5EF4-FFF2-40B4-BE49-F238E27FC236}">
+                <a16:creationId xmlns:a16="http://schemas.microsoft.com/office/drawing/2014/main" id="{0322122E-CCC7-F8A9-CF9D-A9D70809BE17}"/>
+              </a:ext>
+            </a:extLst>
+          </p:cNvPr>
+          <p:cNvSpPr/>
+          <p:nvPr/>
+        </p:nvSpPr>
+        <p:spPr>
+          <a:xfrm>
+            <a:off x="112909" y="3749294"/>
+            <a:ext cx="3339167" cy="769028"/>
+          </a:xfrm>
+          <a:prstGeom prst="rect">
+            <a:avLst/>
+          </a:prstGeom>
+          <a:solidFill>
+            <a:schemeClr val="tx1"/>
+          </a:solidFill>
+          <a:ln>
+            <a:solidFill>
+              <a:schemeClr val="tx1"/>
+            </a:solidFill>
+          </a:ln>
+        </p:spPr>
+        <p:style>
+          <a:lnRef idx="2">
+            <a:schemeClr val="accent1">
+              <a:shade val="50000"/>
+            </a:schemeClr>
+          </a:lnRef>
+          <a:fillRef idx="1">
+            <a:schemeClr val="accent1"/>
+          </a:fillRef>
+          <a:effectRef idx="0">
+            <a:schemeClr val="accent1"/>
+          </a:effectRef>
+          <a:fontRef idx="minor">
+            <a:schemeClr val="lt1"/>
+          </a:fontRef>
+        </p:style>
+        <p:txBody>
+          <a:bodyPr rtlCol="0" anchor="ctr"/>
+          <a:lstStyle/>
+          <a:p>
+            <a:pPr algn="ctr"/>
+            <a:r>
+              <a:rPr lang="de-CH" sz="1600" b="1" dirty="0">
+                <a:solidFill>
+                  <a:srgbClr val="FF000A"/>
+                </a:solidFill>
+                <a:latin typeface="Arial" panose="020B0604020202020204" pitchFamily="34" charset="0"/>
+                <a:cs typeface="Arial" panose="020B0604020202020204" pitchFamily="34" charset="0"/>
+              </a:rPr>
+              <a:t>          </a:t>
+            </a:r>
+          </a:p>
+          <a:p>
+            <a:pPr algn="ctr"/>
+            <a:r>
+              <a:rPr lang="de-CH" sz="1400" b="1" dirty="0">
+                <a:solidFill>
+                  <a:srgbClr val="FF000A"/>
+                </a:solidFill>
+                <a:latin typeface="Arial" panose="020B0604020202020204" pitchFamily="34" charset="0"/>
+                <a:cs typeface="Arial" panose="020B0604020202020204" pitchFamily="34" charset="0"/>
+              </a:rPr>
+              <a:t>Gästebuch-Bild hochladen </a:t>
+            </a:r>
+          </a:p>
+        </p:txBody>
+      </p:sp>
+      <p:pic>
+        <p:nvPicPr>
+          <p:cNvPr id="19" name="Grafik 18">
+            <a:extLst>
+              <a:ext uri="{FF2B5EF4-FFF2-40B4-BE49-F238E27FC236}">
+                <a16:creationId xmlns:a16="http://schemas.microsoft.com/office/drawing/2014/main" id="{CD519E71-873F-4AC4-5DE2-4BC55C36F396}"/>
+              </a:ext>
+            </a:extLst>
+          </p:cNvPr>
+          <p:cNvPicPr>
+            <a:picLocks noChangeAspect="1"/>
+          </p:cNvPicPr>
+          <p:nvPr/>
+        </p:nvPicPr>
+        <p:blipFill>
+          <a:blip r:embed="rId6"/>
+          <a:stretch>
+            <a:fillRect/>
+          </a:stretch>
+        </p:blipFill>
+        <p:spPr>
+          <a:xfrm>
+            <a:off x="553923" y="3845953"/>
+            <a:ext cx="2457143" cy="238095"/>
+          </a:xfrm>
+          <a:prstGeom prst="rect">
+            <a:avLst/>
+          </a:prstGeom>
+        </p:spPr>
+      </p:pic>
+      <p:sp>
+        <p:nvSpPr>
+          <p:cNvPr id="20" name="Rechteck 19">
+            <a:extLst>
+              <a:ext uri="{FF2B5EF4-FFF2-40B4-BE49-F238E27FC236}">
+                <a16:creationId xmlns:a16="http://schemas.microsoft.com/office/drawing/2014/main" id="{0F6302A2-C48F-96C5-0B07-5D7209181786}"/>
+              </a:ext>
+            </a:extLst>
+          </p:cNvPr>
+          <p:cNvSpPr/>
+          <p:nvPr/>
+        </p:nvSpPr>
+        <p:spPr>
+          <a:xfrm>
+            <a:off x="790790" y="4584643"/>
+            <a:ext cx="2579516" cy="301629"/>
           </a:xfrm>
           <a:prstGeom prst="rect">
             <a:avLst/>
@@ -7841,17 +5119,17 @@
                 <a:latin typeface="Arial" panose="020B0604020202020204" pitchFamily="34" charset="0"/>
                 <a:cs typeface="Arial" panose="020B0604020202020204" pitchFamily="34" charset="0"/>
               </a:rPr>
-              <a:t>Code eingeben …</a:t>
-            </a:r>
-          </a:p>
-        </p:txBody>
-      </p:sp>
-      <p:sp>
-        <p:nvSpPr>
-          <p:cNvPr id="45" name="Textfeld 44">
-            <a:extLst>
-              <a:ext uri="{FF2B5EF4-FFF2-40B4-BE49-F238E27FC236}">
-                <a16:creationId xmlns:a16="http://schemas.microsoft.com/office/drawing/2014/main" id="{0DCE8159-FBC2-2E7D-5FB1-05913886AF27}"/>
+              <a:t>Name(n) eingeben …</a:t>
+            </a:r>
+          </a:p>
+        </p:txBody>
+      </p:sp>
+      <p:sp>
+        <p:nvSpPr>
+          <p:cNvPr id="21" name="Textfeld 20">
+            <a:extLst>
+              <a:ext uri="{FF2B5EF4-FFF2-40B4-BE49-F238E27FC236}">
+                <a16:creationId xmlns:a16="http://schemas.microsoft.com/office/drawing/2014/main" id="{09204F3D-ECE8-D3D7-69D5-FE21EB972122}"/>
               </a:ext>
             </a:extLst>
           </p:cNvPr>
@@ -7860,7 +5138,7 @@
         </p:nvSpPr>
         <p:spPr>
           <a:xfrm>
-            <a:off x="4068093" y="2177002"/>
+            <a:off x="112315" y="4581569"/>
             <a:ext cx="678475" cy="307777"/>
           </a:xfrm>
           <a:prstGeom prst="rect">
@@ -7879,55 +5157,17 @@
                 <a:latin typeface="Arial" panose="020B0604020202020204" pitchFamily="34" charset="0"/>
                 <a:cs typeface="Arial" panose="020B0604020202020204" pitchFamily="34" charset="0"/>
               </a:rPr>
-              <a:t>Code</a:t>
-            </a:r>
-          </a:p>
-        </p:txBody>
-      </p:sp>
-      <p:sp>
-        <p:nvSpPr>
-          <p:cNvPr id="46" name="Textfeld 45">
-            <a:extLst>
-              <a:ext uri="{FF2B5EF4-FFF2-40B4-BE49-F238E27FC236}">
-                <a16:creationId xmlns:a16="http://schemas.microsoft.com/office/drawing/2014/main" id="{1B202BDF-133D-92D1-2CE0-BCFCF0172A02}"/>
-              </a:ext>
-            </a:extLst>
-          </p:cNvPr>
-          <p:cNvSpPr txBox="1"/>
-          <p:nvPr/>
-        </p:nvSpPr>
-        <p:spPr>
-          <a:xfrm>
-            <a:off x="4068093" y="2601444"/>
-            <a:ext cx="596564" cy="307777"/>
-          </a:xfrm>
-          <a:prstGeom prst="rect">
-            <a:avLst/>
-          </a:prstGeom>
-          <a:noFill/>
-        </p:spPr>
-        <p:txBody>
-          <a:bodyPr wrap="square" rtlCol="0">
-            <a:spAutoFit/>
-          </a:bodyPr>
-          <a:lstStyle/>
-          <a:p>
-            <a:r>
-              <a:rPr lang="de-CH" sz="1400" b="1" dirty="0">
-                <a:latin typeface="Arial" panose="020B0604020202020204" pitchFamily="34" charset="0"/>
-                <a:cs typeface="Arial" panose="020B0604020202020204" pitchFamily="34" charset="0"/>
-              </a:rPr>
-              <a:t>IMG</a:t>
-            </a:r>
-          </a:p>
-        </p:txBody>
-      </p:sp>
-      <p:sp>
-        <p:nvSpPr>
-          <p:cNvPr id="47" name="Rechteck 46">
-            <a:extLst>
-              <a:ext uri="{FF2B5EF4-FFF2-40B4-BE49-F238E27FC236}">
-                <a16:creationId xmlns:a16="http://schemas.microsoft.com/office/drawing/2014/main" id="{B202347B-92E2-DE4D-0B60-C5EF3B02FD93}"/>
+              <a:t>Name</a:t>
+            </a:r>
+          </a:p>
+        </p:txBody>
+      </p:sp>
+      <p:sp>
+        <p:nvSpPr>
+          <p:cNvPr id="22" name="Rechteck 21">
+            <a:extLst>
+              <a:ext uri="{FF2B5EF4-FFF2-40B4-BE49-F238E27FC236}">
+                <a16:creationId xmlns:a16="http://schemas.microsoft.com/office/drawing/2014/main" id="{286D9678-2698-FA91-A3F7-38844B98F1AF}"/>
               </a:ext>
             </a:extLst>
           </p:cNvPr>
@@ -7936,8 +5176,8 @@
         </p:nvSpPr>
         <p:spPr>
           <a:xfrm>
-            <a:off x="4626572" y="2597957"/>
-            <a:ext cx="1889187" cy="301629"/>
+            <a:off x="791384" y="4941482"/>
+            <a:ext cx="2579516" cy="301629"/>
           </a:xfrm>
           <a:prstGeom prst="rect">
             <a:avLst/>
@@ -7979,17 +5219,55 @@
                 <a:latin typeface="Arial" panose="020B0604020202020204" pitchFamily="34" charset="0"/>
                 <a:cs typeface="Arial" panose="020B0604020202020204" pitchFamily="34" charset="0"/>
               </a:rPr>
-              <a:t>Pfad zeigen nach Upload</a:t>
-            </a:r>
-          </a:p>
-        </p:txBody>
-      </p:sp>
-      <p:sp>
-        <p:nvSpPr>
-          <p:cNvPr id="48" name="Rechteck 47">
-            <a:extLst>
-              <a:ext uri="{FF2B5EF4-FFF2-40B4-BE49-F238E27FC236}">
-                <a16:creationId xmlns:a16="http://schemas.microsoft.com/office/drawing/2014/main" id="{889E301C-EC31-1561-5F03-2B26DD44D794}"/>
+              <a:t>E-Mail Adresse eingeben …</a:t>
+            </a:r>
+          </a:p>
+        </p:txBody>
+      </p:sp>
+      <p:sp>
+        <p:nvSpPr>
+          <p:cNvPr id="23" name="Textfeld 22">
+            <a:extLst>
+              <a:ext uri="{FF2B5EF4-FFF2-40B4-BE49-F238E27FC236}">
+                <a16:creationId xmlns:a16="http://schemas.microsoft.com/office/drawing/2014/main" id="{B0DE4E18-B664-00E6-E1D4-88C99B4C7E21}"/>
+              </a:ext>
+            </a:extLst>
+          </p:cNvPr>
+          <p:cNvSpPr txBox="1"/>
+          <p:nvPr/>
+        </p:nvSpPr>
+        <p:spPr>
+          <a:xfrm>
+            <a:off x="112909" y="4938408"/>
+            <a:ext cx="789260" cy="307777"/>
+          </a:xfrm>
+          <a:prstGeom prst="rect">
+            <a:avLst/>
+          </a:prstGeom>
+          <a:noFill/>
+        </p:spPr>
+        <p:txBody>
+          <a:bodyPr wrap="square" rtlCol="0">
+            <a:spAutoFit/>
+          </a:bodyPr>
+          <a:lstStyle/>
+          <a:p>
+            <a:r>
+              <a:rPr lang="de-CH" sz="1400" b="1" dirty="0">
+                <a:latin typeface="Arial" panose="020B0604020202020204" pitchFamily="34" charset="0"/>
+                <a:cs typeface="Arial" panose="020B0604020202020204" pitchFamily="34" charset="0"/>
+              </a:rPr>
+              <a:t>E-Mail</a:t>
+            </a:r>
+          </a:p>
+        </p:txBody>
+      </p:sp>
+      <p:sp>
+        <p:nvSpPr>
+          <p:cNvPr id="24" name="Rechteck 23">
+            <a:extLst>
+              <a:ext uri="{FF2B5EF4-FFF2-40B4-BE49-F238E27FC236}">
+                <a16:creationId xmlns:a16="http://schemas.microsoft.com/office/drawing/2014/main" id="{3AEAF418-1F9B-E2AE-887B-F1F0B851CF5C}"/>
               </a:ext>
             </a:extLst>
           </p:cNvPr>
@@ -7998,8 +5276,8 @@
         </p:nvSpPr>
         <p:spPr>
           <a:xfrm>
-            <a:off x="6590101" y="2602649"/>
-            <a:ext cx="735983" cy="292247"/>
+            <a:off x="203357" y="5309433"/>
+            <a:ext cx="3166949" cy="255249"/>
           </a:xfrm>
           <a:prstGeom prst="rect">
             <a:avLst/>
@@ -8040,17 +5318,17 @@
                 <a:latin typeface="Arial" panose="020B0604020202020204" pitchFamily="34" charset="0"/>
                 <a:cs typeface="Arial" panose="020B0604020202020204" pitchFamily="34" charset="0"/>
               </a:rPr>
-              <a:t>Upload</a:t>
+              <a:t>Code verlangen</a:t>
             </a:r>
           </a:p>
         </p:txBody>
       </p:sp>
       <p:pic>
         <p:nvPicPr>
-          <p:cNvPr id="50" name="Grafik 49">
-            <a:extLst>
-              <a:ext uri="{FF2B5EF4-FFF2-40B4-BE49-F238E27FC236}">
-                <a16:creationId xmlns:a16="http://schemas.microsoft.com/office/drawing/2014/main" id="{4677A2E2-4F32-6B23-EA53-C5316753CD64}"/>
+          <p:cNvPr id="25" name="Grafik 24">
+            <a:extLst>
+              <a:ext uri="{FF2B5EF4-FFF2-40B4-BE49-F238E27FC236}">
+                <a16:creationId xmlns:a16="http://schemas.microsoft.com/office/drawing/2014/main" id="{E7EB6755-F68A-AA2C-A43C-73345BC2C8DC}"/>
               </a:ext>
             </a:extLst>
           </p:cNvPr>
@@ -8060,15 +5338,15 @@
           <p:nvPr/>
         </p:nvPicPr>
         <p:blipFill>
-          <a:blip r:embed="rId3"/>
+          <a:blip r:embed="rId7"/>
           <a:stretch>
             <a:fillRect/>
           </a:stretch>
         </p:blipFill>
         <p:spPr>
           <a:xfrm>
-            <a:off x="4626572" y="3094872"/>
-            <a:ext cx="2254775" cy="1951405"/>
+            <a:off x="2987452" y="3979033"/>
+            <a:ext cx="331444" cy="256116"/>
           </a:xfrm>
           <a:prstGeom prst="rect">
             <a:avLst/>
@@ -8077,10 +5355,10 @@
       </p:pic>
       <p:sp>
         <p:nvSpPr>
-          <p:cNvPr id="51" name="Rechteck 50">
-            <a:extLst>
-              <a:ext uri="{FF2B5EF4-FFF2-40B4-BE49-F238E27FC236}">
-                <a16:creationId xmlns:a16="http://schemas.microsoft.com/office/drawing/2014/main" id="{76F654AF-8D3E-5AB9-9627-123FE53C2E2C}"/>
+          <p:cNvPr id="26" name="Rechteck 25">
+            <a:extLst>
+              <a:ext uri="{FF2B5EF4-FFF2-40B4-BE49-F238E27FC236}">
+                <a16:creationId xmlns:a16="http://schemas.microsoft.com/office/drawing/2014/main" id="{7896611D-3FCA-2D9C-0D58-EE47203CD0B3}"/>
               </a:ext>
             </a:extLst>
           </p:cNvPr>
@@ -8089,67 +5367,8 @@
         </p:nvSpPr>
         <p:spPr>
           <a:xfrm>
-            <a:off x="4347557" y="3094871"/>
-            <a:ext cx="2851266" cy="1951405"/>
-          </a:xfrm>
-          <a:prstGeom prst="rect">
-            <a:avLst/>
-          </a:prstGeom>
-          <a:noFill/>
-          <a:ln>
-            <a:solidFill>
-              <a:schemeClr val="tx1"/>
-            </a:solidFill>
-            <a:prstDash val="dash"/>
-          </a:ln>
-        </p:spPr>
-        <p:style>
-          <a:lnRef idx="2">
-            <a:schemeClr val="accent1">
-              <a:shade val="50000"/>
-            </a:schemeClr>
-          </a:lnRef>
-          <a:fillRef idx="1">
-            <a:schemeClr val="accent1"/>
-          </a:fillRef>
-          <a:effectRef idx="0">
-            <a:schemeClr val="accent1"/>
-          </a:effectRef>
-          <a:fontRef idx="minor">
-            <a:schemeClr val="lt1"/>
-          </a:fontRef>
-        </p:style>
-        <p:txBody>
-          <a:bodyPr rtlCol="0" anchor="ctr"/>
-          <a:lstStyle/>
-          <a:p>
-            <a:pPr algn="ctr"/>
-            <a:endParaRPr lang="de-CH" sz="1200" dirty="0">
-              <a:solidFill>
-                <a:schemeClr val="tx1"/>
-              </a:solidFill>
-              <a:latin typeface="Arial" panose="020B0604020202020204" pitchFamily="34" charset="0"/>
-              <a:cs typeface="Arial" panose="020B0604020202020204" pitchFamily="34" charset="0"/>
-            </a:endParaRPr>
-          </a:p>
-        </p:txBody>
-      </p:sp>
-      <p:sp>
-        <p:nvSpPr>
-          <p:cNvPr id="52" name="Rechteck 51">
-            <a:extLst>
-              <a:ext uri="{FF2B5EF4-FFF2-40B4-BE49-F238E27FC236}">
-                <a16:creationId xmlns:a16="http://schemas.microsoft.com/office/drawing/2014/main" id="{A789776A-0466-F259-6C51-07561FA96CDD}"/>
-              </a:ext>
-            </a:extLst>
-          </p:cNvPr>
-          <p:cNvSpPr/>
-          <p:nvPr/>
-        </p:nvSpPr>
-        <p:spPr>
-          <a:xfrm>
-            <a:off x="4746568" y="5095436"/>
-            <a:ext cx="2579516" cy="301629"/>
+            <a:off x="834727" y="5659480"/>
+            <a:ext cx="1769191" cy="301629"/>
           </a:xfrm>
           <a:prstGeom prst="rect">
             <a:avLst/>
@@ -8191,17 +5410,17 @@
                 <a:latin typeface="Arial" panose="020B0604020202020204" pitchFamily="34" charset="0"/>
                 <a:cs typeface="Arial" panose="020B0604020202020204" pitchFamily="34" charset="0"/>
               </a:rPr>
-              <a:t>Kurzer Bild-Text (Header) eingeben </a:t>
-            </a:r>
-          </a:p>
-        </p:txBody>
-      </p:sp>
-      <p:sp>
-        <p:nvSpPr>
-          <p:cNvPr id="53" name="Textfeld 52">
-            <a:extLst>
-              <a:ext uri="{FF2B5EF4-FFF2-40B4-BE49-F238E27FC236}">
-                <a16:creationId xmlns:a16="http://schemas.microsoft.com/office/drawing/2014/main" id="{868990A3-7704-7727-9F3F-8160B861378F}"/>
+              <a:t>Code eingeben …</a:t>
+            </a:r>
+          </a:p>
+        </p:txBody>
+      </p:sp>
+      <p:sp>
+        <p:nvSpPr>
+          <p:cNvPr id="27" name="Textfeld 26">
+            <a:extLst>
+              <a:ext uri="{FF2B5EF4-FFF2-40B4-BE49-F238E27FC236}">
+                <a16:creationId xmlns:a16="http://schemas.microsoft.com/office/drawing/2014/main" id="{285BFC11-536B-A9D7-E131-76A6D2B04A59}"/>
               </a:ext>
             </a:extLst>
           </p:cNvPr>
@@ -8210,8 +5429,8 @@
         </p:nvSpPr>
         <p:spPr>
           <a:xfrm>
-            <a:off x="4068093" y="5092362"/>
-            <a:ext cx="789854" cy="307777"/>
+            <a:off x="156252" y="5656406"/>
+            <a:ext cx="678475" cy="307777"/>
           </a:xfrm>
           <a:prstGeom prst="rect">
             <a:avLst/>
@@ -8229,17 +5448,17 @@
                 <a:latin typeface="Arial" panose="020B0604020202020204" pitchFamily="34" charset="0"/>
                 <a:cs typeface="Arial" panose="020B0604020202020204" pitchFamily="34" charset="0"/>
               </a:rPr>
-              <a:t>Text</a:t>
-            </a:r>
-          </a:p>
-        </p:txBody>
-      </p:sp>
-      <p:sp>
-        <p:nvSpPr>
-          <p:cNvPr id="54" name="Rechteck 53">
-            <a:extLst>
-              <a:ext uri="{FF2B5EF4-FFF2-40B4-BE49-F238E27FC236}">
-                <a16:creationId xmlns:a16="http://schemas.microsoft.com/office/drawing/2014/main" id="{E6EE40C9-65CE-B8ED-6093-89C20ECC5DF2}"/>
+              <a:t>Code</a:t>
+            </a:r>
+          </a:p>
+        </p:txBody>
+      </p:sp>
+      <p:sp>
+        <p:nvSpPr>
+          <p:cNvPr id="28" name="Rechteck 27">
+            <a:extLst>
+              <a:ext uri="{FF2B5EF4-FFF2-40B4-BE49-F238E27FC236}">
+                <a16:creationId xmlns:a16="http://schemas.microsoft.com/office/drawing/2014/main" id="{508CC12E-361B-2A71-1F27-42D54EA63471}"/>
               </a:ext>
             </a:extLst>
           </p:cNvPr>
@@ -8248,8 +5467,8 @@
         </p:nvSpPr>
         <p:spPr>
           <a:xfrm>
-            <a:off x="4159136" y="5491865"/>
-            <a:ext cx="3166948" cy="215495"/>
+            <a:off x="2651789" y="5667306"/>
+            <a:ext cx="735983" cy="292247"/>
           </a:xfrm>
           <a:prstGeom prst="rect">
             <a:avLst/>
@@ -8281,6 +5500,7 @@
           <a:bodyPr rtlCol="0" anchor="ctr"/>
           <a:lstStyle/>
           <a:p>
+            <a:pPr algn="ctr"/>
             <a:r>
               <a:rPr lang="de-CH" sz="1200" dirty="0">
                 <a:solidFill>
@@ -8289,17 +5509,153 @@
                 <a:latin typeface="Arial" panose="020B0604020202020204" pitchFamily="34" charset="0"/>
                 <a:cs typeface="Arial" panose="020B0604020202020204" pitchFamily="34" charset="0"/>
               </a:rPr>
-              <a:t>Konzert wählen (optional)</a:t>
+              <a:t>Senden</a:t>
+            </a:r>
+          </a:p>
+        </p:txBody>
+      </p:sp>
+      <p:sp>
+        <p:nvSpPr>
+          <p:cNvPr id="29" name="Rechteck 28">
+            <a:extLst>
+              <a:ext uri="{FF2B5EF4-FFF2-40B4-BE49-F238E27FC236}">
+                <a16:creationId xmlns:a16="http://schemas.microsoft.com/office/drawing/2014/main" id="{97C13174-57E2-CC0A-834C-DAF05C46F045}"/>
+              </a:ext>
+            </a:extLst>
+          </p:cNvPr>
+          <p:cNvSpPr/>
+          <p:nvPr/>
+        </p:nvSpPr>
+        <p:spPr>
+          <a:xfrm>
+            <a:off x="3849486" y="3844092"/>
+            <a:ext cx="3339167" cy="2447655"/>
+          </a:xfrm>
+          <a:prstGeom prst="rect">
+            <a:avLst/>
+          </a:prstGeom>
+          <a:solidFill>
+            <a:srgbClr val="DFE0E1"/>
+          </a:solidFill>
+          <a:ln>
+            <a:solidFill>
+              <a:srgbClr val="C8C8C8"/>
+            </a:solidFill>
+          </a:ln>
+        </p:spPr>
+        <p:style>
+          <a:lnRef idx="2">
+            <a:schemeClr val="accent1">
+              <a:shade val="50000"/>
+            </a:schemeClr>
+          </a:lnRef>
+          <a:fillRef idx="1">
+            <a:schemeClr val="accent1"/>
+          </a:fillRef>
+          <a:effectRef idx="0">
+            <a:schemeClr val="accent1"/>
+          </a:effectRef>
+          <a:fontRef idx="minor">
+            <a:schemeClr val="lt1"/>
+          </a:fontRef>
+        </p:style>
+        <p:txBody>
+          <a:bodyPr rtlCol="0" anchor="ctr"/>
+          <a:lstStyle/>
+          <a:p>
+            <a:pPr algn="ctr"/>
+            <a:endParaRPr lang="de-CH" sz="1600" dirty="0">
+              <a:solidFill>
+                <a:schemeClr val="tx1"/>
+              </a:solidFill>
+              <a:latin typeface="Arial" panose="020B0604020202020204" pitchFamily="34" charset="0"/>
+              <a:cs typeface="Arial" panose="020B0604020202020204" pitchFamily="34" charset="0"/>
+            </a:endParaRPr>
+          </a:p>
+        </p:txBody>
+      </p:sp>
+      <p:sp>
+        <p:nvSpPr>
+          <p:cNvPr id="30" name="Rechteck 29">
+            <a:extLst>
+              <a:ext uri="{FF2B5EF4-FFF2-40B4-BE49-F238E27FC236}">
+                <a16:creationId xmlns:a16="http://schemas.microsoft.com/office/drawing/2014/main" id="{551F3DD4-5C20-9CFE-0104-D97B5126131D}"/>
+              </a:ext>
+            </a:extLst>
+          </p:cNvPr>
+          <p:cNvSpPr/>
+          <p:nvPr/>
+        </p:nvSpPr>
+        <p:spPr>
+          <a:xfrm>
+            <a:off x="3849483" y="3749294"/>
+            <a:ext cx="3339167" cy="769028"/>
+          </a:xfrm>
+          <a:prstGeom prst="rect">
+            <a:avLst/>
+          </a:prstGeom>
+          <a:solidFill>
+            <a:schemeClr val="tx1"/>
+          </a:solidFill>
+          <a:ln>
+            <a:solidFill>
+              <a:schemeClr val="tx1"/>
+            </a:solidFill>
+          </a:ln>
+        </p:spPr>
+        <p:style>
+          <a:lnRef idx="2">
+            <a:schemeClr val="accent1">
+              <a:shade val="50000"/>
+            </a:schemeClr>
+          </a:lnRef>
+          <a:fillRef idx="1">
+            <a:schemeClr val="accent1"/>
+          </a:fillRef>
+          <a:effectRef idx="0">
+            <a:schemeClr val="accent1"/>
+          </a:effectRef>
+          <a:fontRef idx="minor">
+            <a:schemeClr val="lt1"/>
+          </a:fontRef>
+        </p:style>
+        <p:txBody>
+          <a:bodyPr rtlCol="0" anchor="ctr"/>
+          <a:lstStyle/>
+          <a:p>
+            <a:pPr algn="ctr"/>
+            <a:r>
+              <a:rPr lang="de-CH" sz="1600" b="1" dirty="0">
+                <a:solidFill>
+                  <a:srgbClr val="FF000A"/>
+                </a:solidFill>
+                <a:latin typeface="Arial" panose="020B0604020202020204" pitchFamily="34" charset="0"/>
+                <a:cs typeface="Arial" panose="020B0604020202020204" pitchFamily="34" charset="0"/>
+              </a:rPr>
+              <a:t>          </a:t>
+            </a:r>
+          </a:p>
+          <a:p>
+            <a:pPr algn="ctr"/>
+            <a:r>
+              <a:rPr lang="de-CH" sz="1400" b="1" dirty="0">
+                <a:solidFill>
+                  <a:srgbClr val="FF000A"/>
+                </a:solidFill>
+                <a:latin typeface="Arial" panose="020B0604020202020204" pitchFamily="34" charset="0"/>
+                <a:cs typeface="Arial" panose="020B0604020202020204" pitchFamily="34" charset="0"/>
+              </a:rPr>
+              <a:t>Gästebuch-Bild hochladen </a:t>
             </a:r>
           </a:p>
         </p:txBody>
       </p:sp>
       <p:pic>
         <p:nvPicPr>
-          <p:cNvPr id="55" name="Grafik 54">
-            <a:extLst>
-              <a:ext uri="{FF2B5EF4-FFF2-40B4-BE49-F238E27FC236}">
-                <a16:creationId xmlns:a16="http://schemas.microsoft.com/office/drawing/2014/main" id="{AC2217DF-1918-013A-A9C5-4051DA715EA7}"/>
+          <p:cNvPr id="31" name="Grafik 30">
+            <a:extLst>
+              <a:ext uri="{FF2B5EF4-FFF2-40B4-BE49-F238E27FC236}">
+                <a16:creationId xmlns:a16="http://schemas.microsoft.com/office/drawing/2014/main" id="{1D61FAAF-8B7B-0DCF-B56E-9C0F65E2F35A}"/>
               </a:ext>
             </a:extLst>
           </p:cNvPr>
@@ -8309,15 +5665,15 @@
           <p:nvPr/>
         </p:nvPicPr>
         <p:blipFill>
-          <a:blip r:embed="rId4"/>
+          <a:blip r:embed="rId6"/>
           <a:stretch>
             <a:fillRect/>
           </a:stretch>
         </p:blipFill>
         <p:spPr>
           <a:xfrm>
-            <a:off x="6943230" y="5549932"/>
-            <a:ext cx="321154" cy="157428"/>
+            <a:off x="4290497" y="3845953"/>
+            <a:ext cx="2457143" cy="238095"/>
           </a:xfrm>
           <a:prstGeom prst="rect">
             <a:avLst/>
@@ -8326,48 +5682,10 @@
       </p:pic>
       <p:sp>
         <p:nvSpPr>
-          <p:cNvPr id="56" name="Textfeld 55">
-            <a:extLst>
-              <a:ext uri="{FF2B5EF4-FFF2-40B4-BE49-F238E27FC236}">
-                <a16:creationId xmlns:a16="http://schemas.microsoft.com/office/drawing/2014/main" id="{F98E6FF7-4C2B-61B8-A3DA-503AB4581CF6}"/>
-              </a:ext>
-            </a:extLst>
-          </p:cNvPr>
-          <p:cNvSpPr txBox="1"/>
-          <p:nvPr/>
-        </p:nvSpPr>
-        <p:spPr>
-          <a:xfrm>
-            <a:off x="4077364" y="5707360"/>
-            <a:ext cx="1342536" cy="246221"/>
-          </a:xfrm>
-          <a:prstGeom prst="rect">
-            <a:avLst/>
-          </a:prstGeom>
-          <a:noFill/>
-        </p:spPr>
-        <p:txBody>
-          <a:bodyPr wrap="square" rtlCol="0">
-            <a:spAutoFit/>
-          </a:bodyPr>
-          <a:lstStyle/>
-          <a:p>
-            <a:r>
-              <a:rPr lang="de-CH" sz="1000" b="1" dirty="0">
-                <a:latin typeface="Arial" panose="020B0604020202020204" pitchFamily="34" charset="0"/>
-                <a:cs typeface="Arial" panose="020B0604020202020204" pitchFamily="34" charset="0"/>
-              </a:rPr>
-              <a:t>Bemerkung</a:t>
-            </a:r>
-          </a:p>
-        </p:txBody>
-      </p:sp>
-      <p:sp>
-        <p:nvSpPr>
-          <p:cNvPr id="57" name="Rechteck 56">
-            <a:extLst>
-              <a:ext uri="{FF2B5EF4-FFF2-40B4-BE49-F238E27FC236}">
-                <a16:creationId xmlns:a16="http://schemas.microsoft.com/office/drawing/2014/main" id="{173E94BB-B836-480F-CDBE-3967FB045AC2}"/>
+          <p:cNvPr id="32" name="Rechteck 31">
+            <a:extLst>
+              <a:ext uri="{FF2B5EF4-FFF2-40B4-BE49-F238E27FC236}">
+                <a16:creationId xmlns:a16="http://schemas.microsoft.com/office/drawing/2014/main" id="{5A90F1B4-DFCE-1F13-05C6-2768B19C5235}"/>
               </a:ext>
             </a:extLst>
           </p:cNvPr>
@@ -8376,8 +5694,8 @@
         </p:nvSpPr>
         <p:spPr>
           <a:xfrm>
-            <a:off x="4130142" y="5922855"/>
-            <a:ext cx="3166948" cy="301629"/>
+            <a:off x="4527364" y="4584643"/>
+            <a:ext cx="2579516" cy="301629"/>
           </a:xfrm>
           <a:prstGeom prst="rect">
             <a:avLst/>
@@ -8419,17 +5737,123 @@
                 <a:latin typeface="Arial" panose="020B0604020202020204" pitchFamily="34" charset="0"/>
                 <a:cs typeface="Arial" panose="020B0604020202020204" pitchFamily="34" charset="0"/>
               </a:rPr>
-              <a:t>Bemerkung eingeben ….</a:t>
-            </a:r>
-          </a:p>
-        </p:txBody>
-      </p:sp>
-      <p:sp>
-        <p:nvSpPr>
-          <p:cNvPr id="58" name="Rechteck 57">
-            <a:extLst>
-              <a:ext uri="{FF2B5EF4-FFF2-40B4-BE49-F238E27FC236}">
-                <a16:creationId xmlns:a16="http://schemas.microsoft.com/office/drawing/2014/main" id="{C785EC60-4998-70C0-A815-2730FA149737}"/>
+              <a:t>Name(n) eingeben …</a:t>
+            </a:r>
+          </a:p>
+        </p:txBody>
+      </p:sp>
+      <p:sp>
+        <p:nvSpPr>
+          <p:cNvPr id="33" name="Textfeld 32">
+            <a:extLst>
+              <a:ext uri="{FF2B5EF4-FFF2-40B4-BE49-F238E27FC236}">
+                <a16:creationId xmlns:a16="http://schemas.microsoft.com/office/drawing/2014/main" id="{9D943956-5523-65F8-EBD5-BEFB153BA415}"/>
+              </a:ext>
+            </a:extLst>
+          </p:cNvPr>
+          <p:cNvSpPr txBox="1"/>
+          <p:nvPr/>
+        </p:nvSpPr>
+        <p:spPr>
+          <a:xfrm>
+            <a:off x="3848889" y="4581569"/>
+            <a:ext cx="678475" cy="307777"/>
+          </a:xfrm>
+          <a:prstGeom prst="rect">
+            <a:avLst/>
+          </a:prstGeom>
+          <a:noFill/>
+        </p:spPr>
+        <p:txBody>
+          <a:bodyPr wrap="square" rtlCol="0">
+            <a:spAutoFit/>
+          </a:bodyPr>
+          <a:lstStyle/>
+          <a:p>
+            <a:r>
+              <a:rPr lang="de-CH" sz="1400" b="1" dirty="0">
+                <a:latin typeface="Arial" panose="020B0604020202020204" pitchFamily="34" charset="0"/>
+                <a:cs typeface="Arial" panose="020B0604020202020204" pitchFamily="34" charset="0"/>
+              </a:rPr>
+              <a:t>Name</a:t>
+            </a:r>
+          </a:p>
+        </p:txBody>
+      </p:sp>
+      <p:pic>
+        <p:nvPicPr>
+          <p:cNvPr id="37" name="Grafik 36">
+            <a:extLst>
+              <a:ext uri="{FF2B5EF4-FFF2-40B4-BE49-F238E27FC236}">
+                <a16:creationId xmlns:a16="http://schemas.microsoft.com/office/drawing/2014/main" id="{995540C7-A6CF-4078-42AD-EA31F1C91E42}"/>
+              </a:ext>
+            </a:extLst>
+          </p:cNvPr>
+          <p:cNvPicPr>
+            <a:picLocks noChangeAspect="1"/>
+          </p:cNvPicPr>
+          <p:nvPr/>
+        </p:nvPicPr>
+        <p:blipFill>
+          <a:blip r:embed="rId7"/>
+          <a:stretch>
+            <a:fillRect/>
+          </a:stretch>
+        </p:blipFill>
+        <p:spPr>
+          <a:xfrm>
+            <a:off x="6724026" y="3979033"/>
+            <a:ext cx="331444" cy="256116"/>
+          </a:xfrm>
+          <a:prstGeom prst="rect">
+            <a:avLst/>
+          </a:prstGeom>
+        </p:spPr>
+      </p:pic>
+      <p:sp>
+        <p:nvSpPr>
+          <p:cNvPr id="41" name="Textfeld 40">
+            <a:extLst>
+              <a:ext uri="{FF2B5EF4-FFF2-40B4-BE49-F238E27FC236}">
+                <a16:creationId xmlns:a16="http://schemas.microsoft.com/office/drawing/2014/main" id="{70C702E8-D0C1-321B-4DCC-16E2EC24D5AA}"/>
+              </a:ext>
+            </a:extLst>
+          </p:cNvPr>
+          <p:cNvSpPr txBox="1"/>
+          <p:nvPr/>
+        </p:nvSpPr>
+        <p:spPr>
+          <a:xfrm>
+            <a:off x="3902647" y="5772571"/>
+            <a:ext cx="596564" cy="307777"/>
+          </a:xfrm>
+          <a:prstGeom prst="rect">
+            <a:avLst/>
+          </a:prstGeom>
+          <a:noFill/>
+        </p:spPr>
+        <p:txBody>
+          <a:bodyPr wrap="square" rtlCol="0">
+            <a:spAutoFit/>
+          </a:bodyPr>
+          <a:lstStyle/>
+          <a:p>
+            <a:r>
+              <a:rPr lang="de-CH" sz="1400" b="1" dirty="0">
+                <a:latin typeface="Arial" panose="020B0604020202020204" pitchFamily="34" charset="0"/>
+                <a:cs typeface="Arial" panose="020B0604020202020204" pitchFamily="34" charset="0"/>
+              </a:rPr>
+              <a:t>IMG</a:t>
+            </a:r>
+          </a:p>
+        </p:txBody>
+      </p:sp>
+      <p:sp>
+        <p:nvSpPr>
+          <p:cNvPr id="42" name="Rechteck 41">
+            <a:extLst>
+              <a:ext uri="{FF2B5EF4-FFF2-40B4-BE49-F238E27FC236}">
+                <a16:creationId xmlns:a16="http://schemas.microsoft.com/office/drawing/2014/main" id="{04DD2826-8AA8-7C2E-EADB-AD9C9526CC43}"/>
               </a:ext>
             </a:extLst>
           </p:cNvPr>
@@ -8438,13 +5862,15 @@
         </p:nvSpPr>
         <p:spPr>
           <a:xfrm>
-            <a:off x="5160683" y="6284514"/>
-            <a:ext cx="1225014" cy="292247"/>
-          </a:xfrm>
-          <a:prstGeom prst="rect">
-            <a:avLst/>
-          </a:prstGeom>
-          <a:noFill/>
+            <a:off x="4461126" y="5769084"/>
+            <a:ext cx="1889187" cy="301629"/>
+          </a:xfrm>
+          <a:prstGeom prst="rect">
+            <a:avLst/>
+          </a:prstGeom>
+          <a:solidFill>
+            <a:schemeClr val="bg1"/>
+          </a:solidFill>
           <a:ln>
             <a:solidFill>
               <a:schemeClr val="tx1"/>
@@ -8471,56 +5897,25 @@
           <a:bodyPr rtlCol="0" anchor="ctr"/>
           <a:lstStyle/>
           <a:p>
-            <a:pPr algn="ctr"/>
-            <a:r>
-              <a:rPr lang="de-CH" sz="1200" b="1" dirty="0">
+            <a:r>
+              <a:rPr lang="de-CH" sz="1200" i="1" dirty="0">
                 <a:solidFill>
                   <a:schemeClr val="tx1"/>
                 </a:solidFill>
                 <a:latin typeface="Arial" panose="020B0604020202020204" pitchFamily="34" charset="0"/>
                 <a:cs typeface="Arial" panose="020B0604020202020204" pitchFamily="34" charset="0"/>
               </a:rPr>
-              <a:t>Senden</a:t>
-            </a:r>
-          </a:p>
-        </p:txBody>
-      </p:sp>
-      <p:pic>
-        <p:nvPicPr>
-          <p:cNvPr id="60" name="Grafik 59">
-            <a:extLst>
-              <a:ext uri="{FF2B5EF4-FFF2-40B4-BE49-F238E27FC236}">
-                <a16:creationId xmlns:a16="http://schemas.microsoft.com/office/drawing/2014/main" id="{61002AC6-078B-0A7A-6ADD-DFDAC83315CD}"/>
-              </a:ext>
-            </a:extLst>
-          </p:cNvPr>
-          <p:cNvPicPr>
-            <a:picLocks noChangeAspect="1"/>
-          </p:cNvPicPr>
-          <p:nvPr/>
-        </p:nvPicPr>
-        <p:blipFill>
-          <a:blip r:embed="rId5"/>
-          <a:stretch>
-            <a:fillRect/>
-          </a:stretch>
-        </p:blipFill>
-        <p:spPr>
-          <a:xfrm>
-            <a:off x="6943230" y="532289"/>
-            <a:ext cx="331444" cy="256116"/>
-          </a:xfrm>
-          <a:prstGeom prst="rect">
-            <a:avLst/>
-          </a:prstGeom>
-        </p:spPr>
-      </p:pic>
-      <p:sp>
-        <p:nvSpPr>
-          <p:cNvPr id="61" name="Rechteck 60">
-            <a:extLst>
-              <a:ext uri="{FF2B5EF4-FFF2-40B4-BE49-F238E27FC236}">
-                <a16:creationId xmlns:a16="http://schemas.microsoft.com/office/drawing/2014/main" id="{BF396F8D-2C31-2485-0E53-6E1A0E712A21}"/>
+              <a:t>Pfad zeigen nach Upload</a:t>
+            </a:r>
+          </a:p>
+        </p:txBody>
+      </p:sp>
+      <p:sp>
+        <p:nvSpPr>
+          <p:cNvPr id="43" name="Rechteck 42">
+            <a:extLst>
+              <a:ext uri="{FF2B5EF4-FFF2-40B4-BE49-F238E27FC236}">
+                <a16:creationId xmlns:a16="http://schemas.microsoft.com/office/drawing/2014/main" id="{53DFE4AE-3BB2-580A-F0AD-A8A05042FE78}"/>
               </a:ext>
             </a:extLst>
           </p:cNvPr>
@@ -8529,7 +5924,7 @@
         </p:nvSpPr>
         <p:spPr>
           <a:xfrm>
-            <a:off x="6563630" y="2187902"/>
+            <a:off x="6424655" y="5773776"/>
             <a:ext cx="735983" cy="292247"/>
           </a:xfrm>
           <a:prstGeom prst="rect">
@@ -8571,7 +5966,1394 @@
                 <a:latin typeface="Arial" panose="020B0604020202020204" pitchFamily="34" charset="0"/>
                 <a:cs typeface="Arial" panose="020B0604020202020204" pitchFamily="34" charset="0"/>
               </a:rPr>
-              <a:t>Senden</a:t>
+              <a:t>Upload</a:t>
+            </a:r>
+          </a:p>
+        </p:txBody>
+      </p:sp>
+      <p:sp>
+        <p:nvSpPr>
+          <p:cNvPr id="44" name="Rechteck 43">
+            <a:extLst>
+              <a:ext uri="{FF2B5EF4-FFF2-40B4-BE49-F238E27FC236}">
+                <a16:creationId xmlns:a16="http://schemas.microsoft.com/office/drawing/2014/main" id="{D2D3D0E4-F31B-7519-83B9-A87E609736CA}"/>
+              </a:ext>
+            </a:extLst>
+          </p:cNvPr>
+          <p:cNvSpPr/>
+          <p:nvPr/>
+        </p:nvSpPr>
+        <p:spPr>
+          <a:xfrm>
+            <a:off x="4519055" y="4989797"/>
+            <a:ext cx="2579516" cy="301629"/>
+          </a:xfrm>
+          <a:prstGeom prst="rect">
+            <a:avLst/>
+          </a:prstGeom>
+          <a:solidFill>
+            <a:schemeClr val="bg1"/>
+          </a:solidFill>
+          <a:ln>
+            <a:solidFill>
+              <a:schemeClr val="tx1"/>
+            </a:solidFill>
+          </a:ln>
+        </p:spPr>
+        <p:style>
+          <a:lnRef idx="2">
+            <a:schemeClr val="accent1">
+              <a:shade val="50000"/>
+            </a:schemeClr>
+          </a:lnRef>
+          <a:fillRef idx="1">
+            <a:schemeClr val="accent1"/>
+          </a:fillRef>
+          <a:effectRef idx="0">
+            <a:schemeClr val="accent1"/>
+          </a:effectRef>
+          <a:fontRef idx="minor">
+            <a:schemeClr val="lt1"/>
+          </a:fontRef>
+        </p:style>
+        <p:txBody>
+          <a:bodyPr rtlCol="0" anchor="ctr"/>
+          <a:lstStyle/>
+          <a:p>
+            <a:r>
+              <a:rPr lang="de-CH" sz="1200" i="1" dirty="0">
+                <a:solidFill>
+                  <a:schemeClr val="tx1"/>
+                </a:solidFill>
+                <a:latin typeface="Arial" panose="020B0604020202020204" pitchFamily="34" charset="0"/>
+                <a:cs typeface="Arial" panose="020B0604020202020204" pitchFamily="34" charset="0"/>
+              </a:rPr>
+              <a:t>E-Mail Adresse eingeben …</a:t>
+            </a:r>
+          </a:p>
+        </p:txBody>
+      </p:sp>
+      <p:sp>
+        <p:nvSpPr>
+          <p:cNvPr id="45" name="Textfeld 44">
+            <a:extLst>
+              <a:ext uri="{FF2B5EF4-FFF2-40B4-BE49-F238E27FC236}">
+                <a16:creationId xmlns:a16="http://schemas.microsoft.com/office/drawing/2014/main" id="{BC90BF46-8CF7-2C02-CDD3-28757B9658F3}"/>
+              </a:ext>
+            </a:extLst>
+          </p:cNvPr>
+          <p:cNvSpPr txBox="1"/>
+          <p:nvPr/>
+        </p:nvSpPr>
+        <p:spPr>
+          <a:xfrm>
+            <a:off x="3840580" y="4986723"/>
+            <a:ext cx="789260" cy="307777"/>
+          </a:xfrm>
+          <a:prstGeom prst="rect">
+            <a:avLst/>
+          </a:prstGeom>
+          <a:noFill/>
+        </p:spPr>
+        <p:txBody>
+          <a:bodyPr wrap="square" rtlCol="0">
+            <a:spAutoFit/>
+          </a:bodyPr>
+          <a:lstStyle/>
+          <a:p>
+            <a:r>
+              <a:rPr lang="de-CH" sz="1400" b="1" dirty="0">
+                <a:latin typeface="Arial" panose="020B0604020202020204" pitchFamily="34" charset="0"/>
+                <a:cs typeface="Arial" panose="020B0604020202020204" pitchFamily="34" charset="0"/>
+              </a:rPr>
+              <a:t>E-Mail</a:t>
+            </a:r>
+          </a:p>
+        </p:txBody>
+      </p:sp>
+      <p:sp>
+        <p:nvSpPr>
+          <p:cNvPr id="46" name="Rechteck 45">
+            <a:extLst>
+              <a:ext uri="{FF2B5EF4-FFF2-40B4-BE49-F238E27FC236}">
+                <a16:creationId xmlns:a16="http://schemas.microsoft.com/office/drawing/2014/main" id="{54DAEE80-9159-C86D-BA87-FB7132B51E13}"/>
+              </a:ext>
+            </a:extLst>
+          </p:cNvPr>
+          <p:cNvSpPr/>
+          <p:nvPr/>
+        </p:nvSpPr>
+        <p:spPr>
+          <a:xfrm>
+            <a:off x="3939960" y="5380703"/>
+            <a:ext cx="3166949" cy="255249"/>
+          </a:xfrm>
+          <a:prstGeom prst="rect">
+            <a:avLst/>
+          </a:prstGeom>
+          <a:noFill/>
+          <a:ln>
+            <a:solidFill>
+              <a:schemeClr val="tx1"/>
+            </a:solidFill>
+          </a:ln>
+        </p:spPr>
+        <p:style>
+          <a:lnRef idx="2">
+            <a:schemeClr val="accent1">
+              <a:shade val="50000"/>
+            </a:schemeClr>
+          </a:lnRef>
+          <a:fillRef idx="1">
+            <a:schemeClr val="accent1"/>
+          </a:fillRef>
+          <a:effectRef idx="0">
+            <a:schemeClr val="accent1"/>
+          </a:effectRef>
+          <a:fontRef idx="minor">
+            <a:schemeClr val="lt1"/>
+          </a:fontRef>
+        </p:style>
+        <p:txBody>
+          <a:bodyPr rtlCol="0" anchor="ctr"/>
+          <a:lstStyle/>
+          <a:p>
+            <a:pPr algn="ctr"/>
+            <a:r>
+              <a:rPr lang="de-CH" sz="1200" dirty="0">
+                <a:solidFill>
+                  <a:schemeClr val="tx1"/>
+                </a:solidFill>
+                <a:latin typeface="Arial" panose="020B0604020202020204" pitchFamily="34" charset="0"/>
+                <a:cs typeface="Arial" panose="020B0604020202020204" pitchFamily="34" charset="0"/>
+              </a:rPr>
+              <a:t>Code verlangen</a:t>
+            </a:r>
+          </a:p>
+        </p:txBody>
+      </p:sp>
+      <p:sp>
+        <p:nvSpPr>
+          <p:cNvPr id="47" name="Rechteck 46">
+            <a:extLst>
+              <a:ext uri="{FF2B5EF4-FFF2-40B4-BE49-F238E27FC236}">
+                <a16:creationId xmlns:a16="http://schemas.microsoft.com/office/drawing/2014/main" id="{0FD8E2B6-5852-0C27-E170-BEE59DB08D7E}"/>
+              </a:ext>
+            </a:extLst>
+          </p:cNvPr>
+          <p:cNvSpPr/>
+          <p:nvPr/>
+        </p:nvSpPr>
+        <p:spPr>
+          <a:xfrm>
+            <a:off x="8311836" y="3575875"/>
+            <a:ext cx="3339167" cy="2700860"/>
+          </a:xfrm>
+          <a:prstGeom prst="rect">
+            <a:avLst/>
+          </a:prstGeom>
+          <a:solidFill>
+            <a:srgbClr val="DFE0E1"/>
+          </a:solidFill>
+          <a:ln>
+            <a:solidFill>
+              <a:srgbClr val="C8C8C8"/>
+            </a:solidFill>
+          </a:ln>
+        </p:spPr>
+        <p:style>
+          <a:lnRef idx="2">
+            <a:schemeClr val="accent1">
+              <a:shade val="50000"/>
+            </a:schemeClr>
+          </a:lnRef>
+          <a:fillRef idx="1">
+            <a:schemeClr val="accent1"/>
+          </a:fillRef>
+          <a:effectRef idx="0">
+            <a:schemeClr val="accent1"/>
+          </a:effectRef>
+          <a:fontRef idx="minor">
+            <a:schemeClr val="lt1"/>
+          </a:fontRef>
+        </p:style>
+        <p:txBody>
+          <a:bodyPr rtlCol="0" anchor="ctr"/>
+          <a:lstStyle/>
+          <a:p>
+            <a:pPr algn="ctr"/>
+            <a:endParaRPr lang="de-CH" sz="1600" dirty="0">
+              <a:solidFill>
+                <a:schemeClr val="tx1"/>
+              </a:solidFill>
+              <a:latin typeface="Arial" panose="020B0604020202020204" pitchFamily="34" charset="0"/>
+              <a:cs typeface="Arial" panose="020B0604020202020204" pitchFamily="34" charset="0"/>
+            </a:endParaRPr>
+          </a:p>
+        </p:txBody>
+      </p:sp>
+      <p:sp>
+        <p:nvSpPr>
+          <p:cNvPr id="48" name="Rechteck 47">
+            <a:extLst>
+              <a:ext uri="{FF2B5EF4-FFF2-40B4-BE49-F238E27FC236}">
+                <a16:creationId xmlns:a16="http://schemas.microsoft.com/office/drawing/2014/main" id="{D15B7C6D-01F9-2037-A443-C43FD54DAED0}"/>
+              </a:ext>
+            </a:extLst>
+          </p:cNvPr>
+          <p:cNvSpPr/>
+          <p:nvPr/>
+        </p:nvSpPr>
+        <p:spPr>
+          <a:xfrm>
+            <a:off x="8322191" y="3460431"/>
+            <a:ext cx="3339167" cy="889930"/>
+          </a:xfrm>
+          <a:prstGeom prst="rect">
+            <a:avLst/>
+          </a:prstGeom>
+          <a:solidFill>
+            <a:schemeClr val="tx1"/>
+          </a:solidFill>
+          <a:ln>
+            <a:solidFill>
+              <a:schemeClr val="tx1"/>
+            </a:solidFill>
+          </a:ln>
+        </p:spPr>
+        <p:style>
+          <a:lnRef idx="2">
+            <a:schemeClr val="accent1">
+              <a:shade val="50000"/>
+            </a:schemeClr>
+          </a:lnRef>
+          <a:fillRef idx="1">
+            <a:schemeClr val="accent1"/>
+          </a:fillRef>
+          <a:effectRef idx="0">
+            <a:schemeClr val="accent1"/>
+          </a:effectRef>
+          <a:fontRef idx="minor">
+            <a:schemeClr val="lt1"/>
+          </a:fontRef>
+        </p:style>
+        <p:txBody>
+          <a:bodyPr rtlCol="0" anchor="ctr"/>
+          <a:lstStyle/>
+          <a:p>
+            <a:pPr algn="ctr"/>
+            <a:r>
+              <a:rPr lang="de-CH" sz="1600" b="1" dirty="0">
+                <a:solidFill>
+                  <a:srgbClr val="FF000A"/>
+                </a:solidFill>
+                <a:latin typeface="Arial" panose="020B0604020202020204" pitchFamily="34" charset="0"/>
+                <a:cs typeface="Arial" panose="020B0604020202020204" pitchFamily="34" charset="0"/>
+              </a:rPr>
+              <a:t>          </a:t>
+            </a:r>
+          </a:p>
+          <a:p>
+            <a:pPr algn="ctr"/>
+            <a:r>
+              <a:rPr lang="de-CH" sz="1400" b="1" dirty="0">
+                <a:solidFill>
+                  <a:srgbClr val="FF000A"/>
+                </a:solidFill>
+                <a:latin typeface="Arial" panose="020B0604020202020204" pitchFamily="34" charset="0"/>
+                <a:cs typeface="Arial" panose="020B0604020202020204" pitchFamily="34" charset="0"/>
+              </a:rPr>
+              <a:t>Gästebuch-Bild hochladen </a:t>
+            </a:r>
+          </a:p>
+        </p:txBody>
+      </p:sp>
+      <p:pic>
+        <p:nvPicPr>
+          <p:cNvPr id="49" name="Grafik 48">
+            <a:extLst>
+              <a:ext uri="{FF2B5EF4-FFF2-40B4-BE49-F238E27FC236}">
+                <a16:creationId xmlns:a16="http://schemas.microsoft.com/office/drawing/2014/main" id="{50843E47-6898-FD76-62BA-AF3124DDAC94}"/>
+              </a:ext>
+            </a:extLst>
+          </p:cNvPr>
+          <p:cNvPicPr>
+            <a:picLocks noChangeAspect="1"/>
+          </p:cNvPicPr>
+          <p:nvPr/>
+        </p:nvPicPr>
+        <p:blipFill>
+          <a:blip r:embed="rId6"/>
+          <a:stretch>
+            <a:fillRect/>
+          </a:stretch>
+        </p:blipFill>
+        <p:spPr>
+          <a:xfrm>
+            <a:off x="8763205" y="3557090"/>
+            <a:ext cx="2457143" cy="313184"/>
+          </a:xfrm>
+          <a:prstGeom prst="rect">
+            <a:avLst/>
+          </a:prstGeom>
+        </p:spPr>
+      </p:pic>
+      <p:pic>
+        <p:nvPicPr>
+          <p:cNvPr id="52" name="Grafik 51">
+            <a:extLst>
+              <a:ext uri="{FF2B5EF4-FFF2-40B4-BE49-F238E27FC236}">
+                <a16:creationId xmlns:a16="http://schemas.microsoft.com/office/drawing/2014/main" id="{C89CBF16-F9F8-E0C3-0F5F-C86FE0FCE19F}"/>
+              </a:ext>
+            </a:extLst>
+          </p:cNvPr>
+          <p:cNvPicPr>
+            <a:picLocks noChangeAspect="1"/>
+          </p:cNvPicPr>
+          <p:nvPr/>
+        </p:nvPicPr>
+        <p:blipFill>
+          <a:blip r:embed="rId7"/>
+          <a:stretch>
+            <a:fillRect/>
+          </a:stretch>
+        </p:blipFill>
+        <p:spPr>
+          <a:xfrm>
+            <a:off x="11196734" y="3690170"/>
+            <a:ext cx="378514" cy="336888"/>
+          </a:xfrm>
+          <a:prstGeom prst="rect">
+            <a:avLst/>
+          </a:prstGeom>
+        </p:spPr>
+      </p:pic>
+      <p:sp>
+        <p:nvSpPr>
+          <p:cNvPr id="53" name="Textfeld 52">
+            <a:extLst>
+              <a:ext uri="{FF2B5EF4-FFF2-40B4-BE49-F238E27FC236}">
+                <a16:creationId xmlns:a16="http://schemas.microsoft.com/office/drawing/2014/main" id="{A602B7C1-B67A-0A86-D765-834CDA8A8317}"/>
+              </a:ext>
+            </a:extLst>
+          </p:cNvPr>
+          <p:cNvSpPr txBox="1"/>
+          <p:nvPr/>
+        </p:nvSpPr>
+        <p:spPr>
+          <a:xfrm>
+            <a:off x="8375355" y="5591775"/>
+            <a:ext cx="596564" cy="307777"/>
+          </a:xfrm>
+          <a:prstGeom prst="rect">
+            <a:avLst/>
+          </a:prstGeom>
+          <a:noFill/>
+        </p:spPr>
+        <p:txBody>
+          <a:bodyPr wrap="square" rtlCol="0">
+            <a:spAutoFit/>
+          </a:bodyPr>
+          <a:lstStyle/>
+          <a:p>
+            <a:r>
+              <a:rPr lang="de-CH" sz="1400" b="1" dirty="0">
+                <a:latin typeface="Arial" panose="020B0604020202020204" pitchFamily="34" charset="0"/>
+                <a:cs typeface="Arial" panose="020B0604020202020204" pitchFamily="34" charset="0"/>
+              </a:rPr>
+              <a:t>IMG</a:t>
+            </a:r>
+          </a:p>
+        </p:txBody>
+      </p:sp>
+      <p:sp>
+        <p:nvSpPr>
+          <p:cNvPr id="54" name="Rechteck 53">
+            <a:extLst>
+              <a:ext uri="{FF2B5EF4-FFF2-40B4-BE49-F238E27FC236}">
+                <a16:creationId xmlns:a16="http://schemas.microsoft.com/office/drawing/2014/main" id="{C16576DF-8F0E-2DF7-AE60-3798B5185793}"/>
+              </a:ext>
+            </a:extLst>
+          </p:cNvPr>
+          <p:cNvSpPr/>
+          <p:nvPr/>
+        </p:nvSpPr>
+        <p:spPr>
+          <a:xfrm>
+            <a:off x="8933834" y="5588288"/>
+            <a:ext cx="1889187" cy="396755"/>
+          </a:xfrm>
+          <a:prstGeom prst="rect">
+            <a:avLst/>
+          </a:prstGeom>
+          <a:solidFill>
+            <a:schemeClr val="bg1"/>
+          </a:solidFill>
+          <a:ln>
+            <a:solidFill>
+              <a:schemeClr val="tx1"/>
+            </a:solidFill>
+          </a:ln>
+        </p:spPr>
+        <p:style>
+          <a:lnRef idx="2">
+            <a:schemeClr val="accent1">
+              <a:shade val="50000"/>
+            </a:schemeClr>
+          </a:lnRef>
+          <a:fillRef idx="1">
+            <a:schemeClr val="accent1"/>
+          </a:fillRef>
+          <a:effectRef idx="0">
+            <a:schemeClr val="accent1"/>
+          </a:effectRef>
+          <a:fontRef idx="minor">
+            <a:schemeClr val="lt1"/>
+          </a:fontRef>
+        </p:style>
+        <p:txBody>
+          <a:bodyPr rtlCol="0" anchor="ctr"/>
+          <a:lstStyle/>
+          <a:p>
+            <a:r>
+              <a:rPr lang="de-CH" sz="1200" i="1" dirty="0">
+                <a:solidFill>
+                  <a:schemeClr val="tx1"/>
+                </a:solidFill>
+                <a:latin typeface="Arial" panose="020B0604020202020204" pitchFamily="34" charset="0"/>
+                <a:cs typeface="Arial" panose="020B0604020202020204" pitchFamily="34" charset="0"/>
+              </a:rPr>
+              <a:t>Pfad zeigen nach Upload</a:t>
+            </a:r>
+          </a:p>
+        </p:txBody>
+      </p:sp>
+      <p:sp>
+        <p:nvSpPr>
+          <p:cNvPr id="55" name="Rechteck 54">
+            <a:extLst>
+              <a:ext uri="{FF2B5EF4-FFF2-40B4-BE49-F238E27FC236}">
+                <a16:creationId xmlns:a16="http://schemas.microsoft.com/office/drawing/2014/main" id="{3A1EE1E6-38F0-A099-BBF2-F7646671CD29}"/>
+              </a:ext>
+            </a:extLst>
+          </p:cNvPr>
+          <p:cNvSpPr/>
+          <p:nvPr/>
+        </p:nvSpPr>
+        <p:spPr>
+          <a:xfrm>
+            <a:off x="10897363" y="5592980"/>
+            <a:ext cx="735983" cy="384414"/>
+          </a:xfrm>
+          <a:prstGeom prst="rect">
+            <a:avLst/>
+          </a:prstGeom>
+          <a:noFill/>
+          <a:ln>
+            <a:solidFill>
+              <a:schemeClr val="tx1"/>
+            </a:solidFill>
+          </a:ln>
+        </p:spPr>
+        <p:style>
+          <a:lnRef idx="2">
+            <a:schemeClr val="accent1">
+              <a:shade val="50000"/>
+            </a:schemeClr>
+          </a:lnRef>
+          <a:fillRef idx="1">
+            <a:schemeClr val="accent1"/>
+          </a:fillRef>
+          <a:effectRef idx="0">
+            <a:schemeClr val="accent1"/>
+          </a:effectRef>
+          <a:fontRef idx="minor">
+            <a:schemeClr val="lt1"/>
+          </a:fontRef>
+        </p:style>
+        <p:txBody>
+          <a:bodyPr rtlCol="0" anchor="ctr"/>
+          <a:lstStyle/>
+          <a:p>
+            <a:pPr algn="ctr"/>
+            <a:r>
+              <a:rPr lang="de-CH" sz="1200" dirty="0">
+                <a:solidFill>
+                  <a:schemeClr val="tx1"/>
+                </a:solidFill>
+                <a:latin typeface="Arial" panose="020B0604020202020204" pitchFamily="34" charset="0"/>
+                <a:cs typeface="Arial" panose="020B0604020202020204" pitchFamily="34" charset="0"/>
+              </a:rPr>
+              <a:t>Upload</a:t>
+            </a:r>
+          </a:p>
+        </p:txBody>
+      </p:sp>
+      <p:sp>
+        <p:nvSpPr>
+          <p:cNvPr id="58" name="Rechteck 57">
+            <a:extLst>
+              <a:ext uri="{FF2B5EF4-FFF2-40B4-BE49-F238E27FC236}">
+                <a16:creationId xmlns:a16="http://schemas.microsoft.com/office/drawing/2014/main" id="{E2050D06-B769-25D4-4372-7EAF443FA835}"/>
+              </a:ext>
+            </a:extLst>
+          </p:cNvPr>
+          <p:cNvSpPr/>
+          <p:nvPr/>
+        </p:nvSpPr>
+        <p:spPr>
+          <a:xfrm>
+            <a:off x="8408299" y="5224953"/>
+            <a:ext cx="3166949" cy="335748"/>
+          </a:xfrm>
+          <a:prstGeom prst="rect">
+            <a:avLst/>
+          </a:prstGeom>
+          <a:noFill/>
+          <a:ln>
+            <a:solidFill>
+              <a:schemeClr val="tx1"/>
+            </a:solidFill>
+          </a:ln>
+        </p:spPr>
+        <p:style>
+          <a:lnRef idx="2">
+            <a:schemeClr val="accent1">
+              <a:shade val="50000"/>
+            </a:schemeClr>
+          </a:lnRef>
+          <a:fillRef idx="1">
+            <a:schemeClr val="accent1"/>
+          </a:fillRef>
+          <a:effectRef idx="0">
+            <a:schemeClr val="accent1"/>
+          </a:effectRef>
+          <a:fontRef idx="minor">
+            <a:schemeClr val="lt1"/>
+          </a:fontRef>
+        </p:style>
+        <p:txBody>
+          <a:bodyPr rtlCol="0" anchor="ctr"/>
+          <a:lstStyle/>
+          <a:p>
+            <a:pPr algn="ctr"/>
+            <a:r>
+              <a:rPr lang="de-CH" sz="1200" dirty="0">
+                <a:solidFill>
+                  <a:schemeClr val="tx1"/>
+                </a:solidFill>
+                <a:latin typeface="Arial" panose="020B0604020202020204" pitchFamily="34" charset="0"/>
+                <a:cs typeface="Arial" panose="020B0604020202020204" pitchFamily="34" charset="0"/>
+              </a:rPr>
+              <a:t>Code verlangen</a:t>
+            </a:r>
+          </a:p>
+        </p:txBody>
+      </p:sp>
+      <p:sp>
+        <p:nvSpPr>
+          <p:cNvPr id="1041" name="Textfeld 1040">
+            <a:extLst>
+              <a:ext uri="{FF2B5EF4-FFF2-40B4-BE49-F238E27FC236}">
+                <a16:creationId xmlns:a16="http://schemas.microsoft.com/office/drawing/2014/main" id="{342B4F2D-112F-6145-DE5D-6E84C06AF9C1}"/>
+              </a:ext>
+            </a:extLst>
+          </p:cNvPr>
+          <p:cNvSpPr txBox="1"/>
+          <p:nvPr/>
+        </p:nvSpPr>
+        <p:spPr>
+          <a:xfrm>
+            <a:off x="281023" y="105770"/>
+            <a:ext cx="1085233" cy="307777"/>
+          </a:xfrm>
+          <a:prstGeom prst="rect">
+            <a:avLst/>
+          </a:prstGeom>
+          <a:noFill/>
+        </p:spPr>
+        <p:txBody>
+          <a:bodyPr wrap="square" rtlCol="0">
+            <a:spAutoFit/>
+          </a:bodyPr>
+          <a:lstStyle/>
+          <a:p>
+            <a:r>
+              <a:rPr lang="de-CH" sz="1400" b="1" dirty="0">
+                <a:latin typeface="Arial" panose="020B0604020202020204" pitchFamily="34" charset="0"/>
+                <a:cs typeface="Arial" panose="020B0604020202020204" pitchFamily="34" charset="0"/>
+              </a:rPr>
+              <a:t>Zeichnen</a:t>
+            </a:r>
+          </a:p>
+        </p:txBody>
+      </p:sp>
+      <p:sp>
+        <p:nvSpPr>
+          <p:cNvPr id="1042" name="Textfeld 1041">
+            <a:extLst>
+              <a:ext uri="{FF2B5EF4-FFF2-40B4-BE49-F238E27FC236}">
+                <a16:creationId xmlns:a16="http://schemas.microsoft.com/office/drawing/2014/main" id="{136A48F8-DA25-759F-5881-4AB6213342E0}"/>
+              </a:ext>
+            </a:extLst>
+          </p:cNvPr>
+          <p:cNvSpPr txBox="1"/>
+          <p:nvPr/>
+        </p:nvSpPr>
+        <p:spPr>
+          <a:xfrm>
+            <a:off x="1589116" y="59520"/>
+            <a:ext cx="1372560" cy="307777"/>
+          </a:xfrm>
+          <a:prstGeom prst="rect">
+            <a:avLst/>
+          </a:prstGeom>
+          <a:noFill/>
+        </p:spPr>
+        <p:txBody>
+          <a:bodyPr wrap="square" rtlCol="0">
+            <a:spAutoFit/>
+          </a:bodyPr>
+          <a:lstStyle/>
+          <a:p>
+            <a:r>
+              <a:rPr lang="de-CH" sz="1400" b="1" dirty="0">
+                <a:latin typeface="Arial" panose="020B0604020202020204" pitchFamily="34" charset="0"/>
+                <a:cs typeface="Arial" panose="020B0604020202020204" pitchFamily="34" charset="0"/>
+              </a:rPr>
+              <a:t>Kamerabild</a:t>
+            </a:r>
+          </a:p>
+        </p:txBody>
+      </p:sp>
+      <p:sp>
+        <p:nvSpPr>
+          <p:cNvPr id="1043" name="Textfeld 1042">
+            <a:extLst>
+              <a:ext uri="{FF2B5EF4-FFF2-40B4-BE49-F238E27FC236}">
+                <a16:creationId xmlns:a16="http://schemas.microsoft.com/office/drawing/2014/main" id="{E479BF37-F472-A36D-0F8C-F1A5E9591682}"/>
+              </a:ext>
+            </a:extLst>
+          </p:cNvPr>
+          <p:cNvSpPr txBox="1"/>
+          <p:nvPr/>
+        </p:nvSpPr>
+        <p:spPr>
+          <a:xfrm>
+            <a:off x="1155737" y="1364238"/>
+            <a:ext cx="1372560" cy="307777"/>
+          </a:xfrm>
+          <a:prstGeom prst="rect">
+            <a:avLst/>
+          </a:prstGeom>
+          <a:noFill/>
+        </p:spPr>
+        <p:txBody>
+          <a:bodyPr wrap="square" rtlCol="0">
+            <a:spAutoFit/>
+          </a:bodyPr>
+          <a:lstStyle/>
+          <a:p>
+            <a:r>
+              <a:rPr lang="de-CH" sz="1400" b="1" dirty="0">
+                <a:latin typeface="Arial" panose="020B0604020202020204" pitchFamily="34" charset="0"/>
+                <a:cs typeface="Arial" panose="020B0604020202020204" pitchFamily="34" charset="0"/>
+              </a:rPr>
+              <a:t>Selfie</a:t>
+            </a:r>
+          </a:p>
+        </p:txBody>
+      </p:sp>
+      <p:sp>
+        <p:nvSpPr>
+          <p:cNvPr id="1044" name="Textfeld 1043">
+            <a:extLst>
+              <a:ext uri="{FF2B5EF4-FFF2-40B4-BE49-F238E27FC236}">
+                <a16:creationId xmlns:a16="http://schemas.microsoft.com/office/drawing/2014/main" id="{7777148A-7963-2881-0BFF-A8F9D79E0AAD}"/>
+              </a:ext>
+            </a:extLst>
+          </p:cNvPr>
+          <p:cNvSpPr txBox="1"/>
+          <p:nvPr/>
+        </p:nvSpPr>
+        <p:spPr>
+          <a:xfrm>
+            <a:off x="3328948" y="879655"/>
+            <a:ext cx="1372560" cy="307777"/>
+          </a:xfrm>
+          <a:prstGeom prst="rect">
+            <a:avLst/>
+          </a:prstGeom>
+          <a:noFill/>
+        </p:spPr>
+        <p:txBody>
+          <a:bodyPr wrap="square" rtlCol="0">
+            <a:spAutoFit/>
+          </a:bodyPr>
+          <a:lstStyle/>
+          <a:p>
+            <a:r>
+              <a:rPr lang="de-CH" sz="1400" b="1" dirty="0">
+                <a:latin typeface="Arial" panose="020B0604020202020204" pitchFamily="34" charset="0"/>
+                <a:cs typeface="Arial" panose="020B0604020202020204" pitchFamily="34" charset="0"/>
+              </a:rPr>
+              <a:t>Bild aufladen</a:t>
+            </a:r>
+          </a:p>
+        </p:txBody>
+      </p:sp>
+      <p:sp>
+        <p:nvSpPr>
+          <p:cNvPr id="1045" name="Textfeld 1044">
+            <a:extLst>
+              <a:ext uri="{FF2B5EF4-FFF2-40B4-BE49-F238E27FC236}">
+                <a16:creationId xmlns:a16="http://schemas.microsoft.com/office/drawing/2014/main" id="{D55DCDEC-C324-8998-7991-CC762E3E9B59}"/>
+              </a:ext>
+            </a:extLst>
+          </p:cNvPr>
+          <p:cNvSpPr txBox="1"/>
+          <p:nvPr/>
+        </p:nvSpPr>
+        <p:spPr>
+          <a:xfrm>
+            <a:off x="7243773" y="81833"/>
+            <a:ext cx="2008291" cy="307777"/>
+          </a:xfrm>
+          <a:prstGeom prst="rect">
+            <a:avLst/>
+          </a:prstGeom>
+          <a:noFill/>
+        </p:spPr>
+        <p:txBody>
+          <a:bodyPr wrap="square" rtlCol="0">
+            <a:spAutoFit/>
+          </a:bodyPr>
+          <a:lstStyle/>
+          <a:p>
+            <a:r>
+              <a:rPr lang="de-CH" sz="1400" b="1" dirty="0">
+                <a:latin typeface="Arial" panose="020B0604020202020204" pitchFamily="34" charset="0"/>
+                <a:cs typeface="Arial" panose="020B0604020202020204" pitchFamily="34" charset="0"/>
+              </a:rPr>
+              <a:t>Name(n) und E-Mail</a:t>
+            </a:r>
+          </a:p>
+        </p:txBody>
+      </p:sp>
+      <p:sp>
+        <p:nvSpPr>
+          <p:cNvPr id="1046" name="Rechteck 1045">
+            <a:extLst>
+              <a:ext uri="{FF2B5EF4-FFF2-40B4-BE49-F238E27FC236}">
+                <a16:creationId xmlns:a16="http://schemas.microsoft.com/office/drawing/2014/main" id="{B4F41A37-C1D4-9CBF-D68E-A790BC2BF8D9}"/>
+              </a:ext>
+            </a:extLst>
+          </p:cNvPr>
+          <p:cNvSpPr/>
+          <p:nvPr/>
+        </p:nvSpPr>
+        <p:spPr>
+          <a:xfrm>
+            <a:off x="8998804" y="4542655"/>
+            <a:ext cx="2579516" cy="301629"/>
+          </a:xfrm>
+          <a:prstGeom prst="rect">
+            <a:avLst/>
+          </a:prstGeom>
+          <a:solidFill>
+            <a:schemeClr val="bg1"/>
+          </a:solidFill>
+          <a:ln>
+            <a:solidFill>
+              <a:schemeClr val="tx1"/>
+            </a:solidFill>
+          </a:ln>
+        </p:spPr>
+        <p:style>
+          <a:lnRef idx="2">
+            <a:schemeClr val="accent1">
+              <a:shade val="50000"/>
+            </a:schemeClr>
+          </a:lnRef>
+          <a:fillRef idx="1">
+            <a:schemeClr val="accent1"/>
+          </a:fillRef>
+          <a:effectRef idx="0">
+            <a:schemeClr val="accent1"/>
+          </a:effectRef>
+          <a:fontRef idx="minor">
+            <a:schemeClr val="lt1"/>
+          </a:fontRef>
+        </p:style>
+        <p:txBody>
+          <a:bodyPr rtlCol="0" anchor="ctr"/>
+          <a:lstStyle/>
+          <a:p>
+            <a:r>
+              <a:rPr lang="de-CH" sz="1200" i="1" dirty="0">
+                <a:solidFill>
+                  <a:schemeClr val="tx1"/>
+                </a:solidFill>
+                <a:latin typeface="Arial" panose="020B0604020202020204" pitchFamily="34" charset="0"/>
+                <a:cs typeface="Arial" panose="020B0604020202020204" pitchFamily="34" charset="0"/>
+              </a:rPr>
+              <a:t>Name(n) eingeben …</a:t>
+            </a:r>
+          </a:p>
+        </p:txBody>
+      </p:sp>
+      <p:sp>
+        <p:nvSpPr>
+          <p:cNvPr id="1047" name="Textfeld 1046">
+            <a:extLst>
+              <a:ext uri="{FF2B5EF4-FFF2-40B4-BE49-F238E27FC236}">
+                <a16:creationId xmlns:a16="http://schemas.microsoft.com/office/drawing/2014/main" id="{D036505F-B1DE-C618-F4EF-0EAF4A35CFA2}"/>
+              </a:ext>
+            </a:extLst>
+          </p:cNvPr>
+          <p:cNvSpPr txBox="1"/>
+          <p:nvPr/>
+        </p:nvSpPr>
+        <p:spPr>
+          <a:xfrm>
+            <a:off x="8320329" y="4539581"/>
+            <a:ext cx="678475" cy="307777"/>
+          </a:xfrm>
+          <a:prstGeom prst="rect">
+            <a:avLst/>
+          </a:prstGeom>
+          <a:noFill/>
+        </p:spPr>
+        <p:txBody>
+          <a:bodyPr wrap="square" rtlCol="0">
+            <a:spAutoFit/>
+          </a:bodyPr>
+          <a:lstStyle/>
+          <a:p>
+            <a:r>
+              <a:rPr lang="de-CH" sz="1400" b="1" dirty="0">
+                <a:latin typeface="Arial" panose="020B0604020202020204" pitchFamily="34" charset="0"/>
+                <a:cs typeface="Arial" panose="020B0604020202020204" pitchFamily="34" charset="0"/>
+              </a:rPr>
+              <a:t>Name</a:t>
+            </a:r>
+          </a:p>
+        </p:txBody>
+      </p:sp>
+      <p:sp>
+        <p:nvSpPr>
+          <p:cNvPr id="1048" name="Rechteck 1047">
+            <a:extLst>
+              <a:ext uri="{FF2B5EF4-FFF2-40B4-BE49-F238E27FC236}">
+                <a16:creationId xmlns:a16="http://schemas.microsoft.com/office/drawing/2014/main" id="{DC9CF81C-2DB1-DC60-B999-AF5428AA443B}"/>
+              </a:ext>
+            </a:extLst>
+          </p:cNvPr>
+          <p:cNvSpPr/>
+          <p:nvPr/>
+        </p:nvSpPr>
+        <p:spPr>
+          <a:xfrm>
+            <a:off x="8999398" y="4899494"/>
+            <a:ext cx="2579516" cy="301629"/>
+          </a:xfrm>
+          <a:prstGeom prst="rect">
+            <a:avLst/>
+          </a:prstGeom>
+          <a:solidFill>
+            <a:schemeClr val="bg1"/>
+          </a:solidFill>
+          <a:ln>
+            <a:solidFill>
+              <a:schemeClr val="tx1"/>
+            </a:solidFill>
+          </a:ln>
+        </p:spPr>
+        <p:style>
+          <a:lnRef idx="2">
+            <a:schemeClr val="accent1">
+              <a:shade val="50000"/>
+            </a:schemeClr>
+          </a:lnRef>
+          <a:fillRef idx="1">
+            <a:schemeClr val="accent1"/>
+          </a:fillRef>
+          <a:effectRef idx="0">
+            <a:schemeClr val="accent1"/>
+          </a:effectRef>
+          <a:fontRef idx="minor">
+            <a:schemeClr val="lt1"/>
+          </a:fontRef>
+        </p:style>
+        <p:txBody>
+          <a:bodyPr rtlCol="0" anchor="ctr"/>
+          <a:lstStyle/>
+          <a:p>
+            <a:r>
+              <a:rPr lang="de-CH" sz="1200" i="1" dirty="0">
+                <a:solidFill>
+                  <a:schemeClr val="tx1"/>
+                </a:solidFill>
+                <a:latin typeface="Arial" panose="020B0604020202020204" pitchFamily="34" charset="0"/>
+                <a:cs typeface="Arial" panose="020B0604020202020204" pitchFamily="34" charset="0"/>
+              </a:rPr>
+              <a:t>E-Mail Adresse eingeben …</a:t>
+            </a:r>
+          </a:p>
+        </p:txBody>
+      </p:sp>
+      <p:sp>
+        <p:nvSpPr>
+          <p:cNvPr id="1049" name="Textfeld 1048">
+            <a:extLst>
+              <a:ext uri="{FF2B5EF4-FFF2-40B4-BE49-F238E27FC236}">
+                <a16:creationId xmlns:a16="http://schemas.microsoft.com/office/drawing/2014/main" id="{97EFF8C7-D268-B914-7A54-E76C647A627A}"/>
+              </a:ext>
+            </a:extLst>
+          </p:cNvPr>
+          <p:cNvSpPr txBox="1"/>
+          <p:nvPr/>
+        </p:nvSpPr>
+        <p:spPr>
+          <a:xfrm>
+            <a:off x="8320923" y="4896420"/>
+            <a:ext cx="789260" cy="307777"/>
+          </a:xfrm>
+          <a:prstGeom prst="rect">
+            <a:avLst/>
+          </a:prstGeom>
+          <a:noFill/>
+        </p:spPr>
+        <p:txBody>
+          <a:bodyPr wrap="square" rtlCol="0">
+            <a:spAutoFit/>
+          </a:bodyPr>
+          <a:lstStyle/>
+          <a:p>
+            <a:r>
+              <a:rPr lang="de-CH" sz="1400" b="1" dirty="0">
+                <a:latin typeface="Arial" panose="020B0604020202020204" pitchFamily="34" charset="0"/>
+                <a:cs typeface="Arial" panose="020B0604020202020204" pitchFamily="34" charset="0"/>
+              </a:rPr>
+              <a:t>E-Mail</a:t>
+            </a:r>
+          </a:p>
+        </p:txBody>
+      </p:sp>
+      <p:sp>
+        <p:nvSpPr>
+          <p:cNvPr id="1050" name="Textfeld 1049">
+            <a:extLst>
+              <a:ext uri="{FF2B5EF4-FFF2-40B4-BE49-F238E27FC236}">
+                <a16:creationId xmlns:a16="http://schemas.microsoft.com/office/drawing/2014/main" id="{A8CB4338-DD3E-4983-B3E5-B8F18005E55F}"/>
+              </a:ext>
+            </a:extLst>
+          </p:cNvPr>
+          <p:cNvSpPr txBox="1"/>
+          <p:nvPr/>
+        </p:nvSpPr>
+        <p:spPr>
+          <a:xfrm>
+            <a:off x="10289700" y="1094638"/>
+            <a:ext cx="2008291" cy="307777"/>
+          </a:xfrm>
+          <a:prstGeom prst="rect">
+            <a:avLst/>
+          </a:prstGeom>
+          <a:noFill/>
+        </p:spPr>
+        <p:txBody>
+          <a:bodyPr wrap="square" rtlCol="0">
+            <a:spAutoFit/>
+          </a:bodyPr>
+          <a:lstStyle/>
+          <a:p>
+            <a:r>
+              <a:rPr lang="de-CH" sz="1400" b="1" dirty="0">
+                <a:latin typeface="Arial" panose="020B0604020202020204" pitchFamily="34" charset="0"/>
+                <a:cs typeface="Arial" panose="020B0604020202020204" pitchFamily="34" charset="0"/>
+              </a:rPr>
+              <a:t>E-Mail öffnen</a:t>
+            </a:r>
+          </a:p>
+        </p:txBody>
+      </p:sp>
+      <p:sp>
+        <p:nvSpPr>
+          <p:cNvPr id="1051" name="Textfeld 1050">
+            <a:extLst>
+              <a:ext uri="{FF2B5EF4-FFF2-40B4-BE49-F238E27FC236}">
+                <a16:creationId xmlns:a16="http://schemas.microsoft.com/office/drawing/2014/main" id="{8C183003-EB90-73E1-6B66-5FFC04FCC86C}"/>
+              </a:ext>
+            </a:extLst>
+          </p:cNvPr>
+          <p:cNvSpPr txBox="1"/>
+          <p:nvPr/>
+        </p:nvSpPr>
+        <p:spPr>
+          <a:xfrm>
+            <a:off x="495489" y="3408274"/>
+            <a:ext cx="3007203" cy="307777"/>
+          </a:xfrm>
+          <a:prstGeom prst="rect">
+            <a:avLst/>
+          </a:prstGeom>
+          <a:noFill/>
+        </p:spPr>
+        <p:txBody>
+          <a:bodyPr wrap="square" rtlCol="0">
+            <a:spAutoFit/>
+          </a:bodyPr>
+          <a:lstStyle/>
+          <a:p>
+            <a:r>
+              <a:rPr lang="de-CH" sz="1400" b="1" dirty="0">
+                <a:latin typeface="Arial" panose="020B0604020202020204" pitchFamily="34" charset="0"/>
+                <a:cs typeface="Arial" panose="020B0604020202020204" pitchFamily="34" charset="0"/>
+              </a:rPr>
+              <a:t>Code verlangen und eingeben</a:t>
+            </a:r>
+          </a:p>
+        </p:txBody>
+      </p:sp>
+      <p:sp>
+        <p:nvSpPr>
+          <p:cNvPr id="1052" name="Textfeld 1051">
+            <a:extLst>
+              <a:ext uri="{FF2B5EF4-FFF2-40B4-BE49-F238E27FC236}">
+                <a16:creationId xmlns:a16="http://schemas.microsoft.com/office/drawing/2014/main" id="{67AADC91-BC37-B0D5-CBC4-A9AE20679774}"/>
+              </a:ext>
+            </a:extLst>
+          </p:cNvPr>
+          <p:cNvSpPr txBox="1"/>
+          <p:nvPr/>
+        </p:nvSpPr>
+        <p:spPr>
+          <a:xfrm>
+            <a:off x="4856728" y="3406302"/>
+            <a:ext cx="1890912" cy="307777"/>
+          </a:xfrm>
+          <a:prstGeom prst="rect">
+            <a:avLst/>
+          </a:prstGeom>
+          <a:noFill/>
+        </p:spPr>
+        <p:txBody>
+          <a:bodyPr wrap="square" rtlCol="0">
+            <a:spAutoFit/>
+          </a:bodyPr>
+          <a:lstStyle/>
+          <a:p>
+            <a:r>
+              <a:rPr lang="de-CH" sz="1400" b="1" dirty="0">
+                <a:latin typeface="Arial" panose="020B0604020202020204" pitchFamily="34" charset="0"/>
+                <a:cs typeface="Arial" panose="020B0604020202020204" pitchFamily="34" charset="0"/>
+              </a:rPr>
+              <a:t>Code eingeben</a:t>
+            </a:r>
+          </a:p>
+        </p:txBody>
+      </p:sp>
+      <p:sp>
+        <p:nvSpPr>
+          <p:cNvPr id="1053" name="Textfeld 1052">
+            <a:extLst>
+              <a:ext uri="{FF2B5EF4-FFF2-40B4-BE49-F238E27FC236}">
+                <a16:creationId xmlns:a16="http://schemas.microsoft.com/office/drawing/2014/main" id="{80F29475-5C4C-4339-98C2-5688E53E1DF0}"/>
+              </a:ext>
+            </a:extLst>
+          </p:cNvPr>
+          <p:cNvSpPr txBox="1"/>
+          <p:nvPr/>
+        </p:nvSpPr>
+        <p:spPr>
+          <a:xfrm>
+            <a:off x="8409600" y="3078878"/>
+            <a:ext cx="3118577" cy="307777"/>
+          </a:xfrm>
+          <a:prstGeom prst="rect">
+            <a:avLst/>
+          </a:prstGeom>
+          <a:noFill/>
+        </p:spPr>
+        <p:txBody>
+          <a:bodyPr wrap="square" rtlCol="0">
+            <a:spAutoFit/>
+          </a:bodyPr>
+          <a:lstStyle/>
+          <a:p>
+            <a:r>
+              <a:rPr lang="de-CH" sz="1400" b="1" dirty="0">
+                <a:latin typeface="Arial" panose="020B0604020202020204" pitchFamily="34" charset="0"/>
+                <a:cs typeface="Arial" panose="020B0604020202020204" pitchFamily="34" charset="0"/>
+              </a:rPr>
+              <a:t>Bild aufladen</a:t>
+            </a:r>
+          </a:p>
+        </p:txBody>
+      </p:sp>
+      <p:sp>
+        <p:nvSpPr>
+          <p:cNvPr id="1054" name="Textfeld 1053">
+            <a:extLst>
+              <a:ext uri="{FF2B5EF4-FFF2-40B4-BE49-F238E27FC236}">
+                <a16:creationId xmlns:a16="http://schemas.microsoft.com/office/drawing/2014/main" id="{0586D12B-F391-32A7-07CA-D2CC7BBAA08A}"/>
+              </a:ext>
+            </a:extLst>
+          </p:cNvPr>
+          <p:cNvSpPr txBox="1"/>
+          <p:nvPr/>
+        </p:nvSpPr>
+        <p:spPr>
+          <a:xfrm>
+            <a:off x="1285943" y="2284898"/>
+            <a:ext cx="556074" cy="646331"/>
+          </a:xfrm>
+          <a:prstGeom prst="rect">
+            <a:avLst/>
+          </a:prstGeom>
+          <a:noFill/>
+        </p:spPr>
+        <p:txBody>
+          <a:bodyPr wrap="square" rtlCol="0">
+            <a:spAutoFit/>
+          </a:bodyPr>
+          <a:lstStyle/>
+          <a:p>
+            <a:r>
+              <a:rPr lang="de-CH" sz="3600" b="1" dirty="0">
+                <a:latin typeface="Arial" panose="020B0604020202020204" pitchFamily="34" charset="0"/>
+                <a:cs typeface="Arial" panose="020B0604020202020204" pitchFamily="34" charset="0"/>
+              </a:rPr>
+              <a:t>1</a:t>
+            </a:r>
+          </a:p>
+        </p:txBody>
+      </p:sp>
+      <p:sp>
+        <p:nvSpPr>
+          <p:cNvPr id="1055" name="Textfeld 1054">
+            <a:extLst>
+              <a:ext uri="{FF2B5EF4-FFF2-40B4-BE49-F238E27FC236}">
+                <a16:creationId xmlns:a16="http://schemas.microsoft.com/office/drawing/2014/main" id="{3AAF4792-6D56-4D3E-64B2-B385E3827B88}"/>
+              </a:ext>
+            </a:extLst>
+          </p:cNvPr>
+          <p:cNvSpPr txBox="1"/>
+          <p:nvPr/>
+        </p:nvSpPr>
+        <p:spPr>
+          <a:xfrm>
+            <a:off x="4422306" y="2291712"/>
+            <a:ext cx="711294" cy="646331"/>
+          </a:xfrm>
+          <a:prstGeom prst="rect">
+            <a:avLst/>
+          </a:prstGeom>
+          <a:noFill/>
+        </p:spPr>
+        <p:txBody>
+          <a:bodyPr wrap="square" rtlCol="0">
+            <a:spAutoFit/>
+          </a:bodyPr>
+          <a:lstStyle/>
+          <a:p>
+            <a:r>
+              <a:rPr lang="de-CH" sz="3600" b="1" dirty="0">
+                <a:latin typeface="Arial" panose="020B0604020202020204" pitchFamily="34" charset="0"/>
+                <a:cs typeface="Arial" panose="020B0604020202020204" pitchFamily="34" charset="0"/>
+              </a:rPr>
+              <a:t>2</a:t>
+            </a:r>
+          </a:p>
+        </p:txBody>
+      </p:sp>
+      <p:sp>
+        <p:nvSpPr>
+          <p:cNvPr id="1056" name="Textfeld 1055">
+            <a:extLst>
+              <a:ext uri="{FF2B5EF4-FFF2-40B4-BE49-F238E27FC236}">
+                <a16:creationId xmlns:a16="http://schemas.microsoft.com/office/drawing/2014/main" id="{13C50AF9-1114-FA7B-B9E2-551BF6A08388}"/>
+              </a:ext>
+            </a:extLst>
+          </p:cNvPr>
+          <p:cNvSpPr txBox="1"/>
+          <p:nvPr/>
+        </p:nvSpPr>
+        <p:spPr>
+          <a:xfrm>
+            <a:off x="7916693" y="2291712"/>
+            <a:ext cx="556074" cy="646331"/>
+          </a:xfrm>
+          <a:prstGeom prst="rect">
+            <a:avLst/>
+          </a:prstGeom>
+          <a:noFill/>
+        </p:spPr>
+        <p:txBody>
+          <a:bodyPr wrap="square" rtlCol="0">
+            <a:spAutoFit/>
+          </a:bodyPr>
+          <a:lstStyle/>
+          <a:p>
+            <a:r>
+              <a:rPr lang="de-CH" sz="3600" b="1" dirty="0">
+                <a:latin typeface="Arial" panose="020B0604020202020204" pitchFamily="34" charset="0"/>
+                <a:cs typeface="Arial" panose="020B0604020202020204" pitchFamily="34" charset="0"/>
+              </a:rPr>
+              <a:t>3</a:t>
+            </a:r>
+          </a:p>
+        </p:txBody>
+      </p:sp>
+      <p:sp>
+        <p:nvSpPr>
+          <p:cNvPr id="1057" name="Textfeld 1056">
+            <a:extLst>
+              <a:ext uri="{FF2B5EF4-FFF2-40B4-BE49-F238E27FC236}">
+                <a16:creationId xmlns:a16="http://schemas.microsoft.com/office/drawing/2014/main" id="{04949F1F-7261-D132-683D-AA08F2653D31}"/>
+              </a:ext>
+            </a:extLst>
+          </p:cNvPr>
+          <p:cNvSpPr txBox="1"/>
+          <p:nvPr/>
+        </p:nvSpPr>
+        <p:spPr>
+          <a:xfrm>
+            <a:off x="10664274" y="2247997"/>
+            <a:ext cx="556074" cy="646331"/>
+          </a:xfrm>
+          <a:prstGeom prst="rect">
+            <a:avLst/>
+          </a:prstGeom>
+          <a:noFill/>
+        </p:spPr>
+        <p:txBody>
+          <a:bodyPr wrap="square" rtlCol="0">
+            <a:spAutoFit/>
+          </a:bodyPr>
+          <a:lstStyle/>
+          <a:p>
+            <a:r>
+              <a:rPr lang="de-CH" sz="3600" b="1" dirty="0">
+                <a:latin typeface="Arial" panose="020B0604020202020204" pitchFamily="34" charset="0"/>
+                <a:cs typeface="Arial" panose="020B0604020202020204" pitchFamily="34" charset="0"/>
+              </a:rPr>
+              <a:t>4</a:t>
+            </a:r>
+          </a:p>
+        </p:txBody>
+      </p:sp>
+      <p:sp>
+        <p:nvSpPr>
+          <p:cNvPr id="1058" name="Textfeld 1057">
+            <a:extLst>
+              <a:ext uri="{FF2B5EF4-FFF2-40B4-BE49-F238E27FC236}">
+                <a16:creationId xmlns:a16="http://schemas.microsoft.com/office/drawing/2014/main" id="{86B8B3DE-360C-A0EC-0200-7C2C9398A04F}"/>
+              </a:ext>
+            </a:extLst>
+          </p:cNvPr>
+          <p:cNvSpPr txBox="1"/>
+          <p:nvPr/>
+        </p:nvSpPr>
+        <p:spPr>
+          <a:xfrm>
+            <a:off x="1388434" y="6111572"/>
+            <a:ext cx="556074" cy="646331"/>
+          </a:xfrm>
+          <a:prstGeom prst="rect">
+            <a:avLst/>
+          </a:prstGeom>
+          <a:noFill/>
+        </p:spPr>
+        <p:txBody>
+          <a:bodyPr wrap="square" rtlCol="0">
+            <a:spAutoFit/>
+          </a:bodyPr>
+          <a:lstStyle/>
+          <a:p>
+            <a:r>
+              <a:rPr lang="de-CH" sz="3600" b="1" dirty="0">
+                <a:latin typeface="Arial" panose="020B0604020202020204" pitchFamily="34" charset="0"/>
+                <a:cs typeface="Arial" panose="020B0604020202020204" pitchFamily="34" charset="0"/>
+              </a:rPr>
+              <a:t>5</a:t>
+            </a:r>
+          </a:p>
+        </p:txBody>
+      </p:sp>
+      <p:sp>
+        <p:nvSpPr>
+          <p:cNvPr id="1059" name="Textfeld 1058">
+            <a:extLst>
+              <a:ext uri="{FF2B5EF4-FFF2-40B4-BE49-F238E27FC236}">
+                <a16:creationId xmlns:a16="http://schemas.microsoft.com/office/drawing/2014/main" id="{377AABCD-C62C-A086-C376-59EF42127685}"/>
+              </a:ext>
+            </a:extLst>
+          </p:cNvPr>
+          <p:cNvSpPr txBox="1"/>
+          <p:nvPr/>
+        </p:nvSpPr>
+        <p:spPr>
+          <a:xfrm>
+            <a:off x="5261048" y="6215797"/>
+            <a:ext cx="556074" cy="646331"/>
+          </a:xfrm>
+          <a:prstGeom prst="rect">
+            <a:avLst/>
+          </a:prstGeom>
+          <a:noFill/>
+        </p:spPr>
+        <p:txBody>
+          <a:bodyPr wrap="square" rtlCol="0">
+            <a:spAutoFit/>
+          </a:bodyPr>
+          <a:lstStyle/>
+          <a:p>
+            <a:r>
+              <a:rPr lang="de-CH" sz="3600" b="1" dirty="0">
+                <a:latin typeface="Arial" panose="020B0604020202020204" pitchFamily="34" charset="0"/>
+                <a:cs typeface="Arial" panose="020B0604020202020204" pitchFamily="34" charset="0"/>
+              </a:rPr>
+              <a:t>6</a:t>
+            </a:r>
+          </a:p>
+        </p:txBody>
+      </p:sp>
+      <p:sp>
+        <p:nvSpPr>
+          <p:cNvPr id="1060" name="Textfeld 1059">
+            <a:extLst>
+              <a:ext uri="{FF2B5EF4-FFF2-40B4-BE49-F238E27FC236}">
+                <a16:creationId xmlns:a16="http://schemas.microsoft.com/office/drawing/2014/main" id="{CB782207-C6EE-9E47-EDE2-B4B3E59A1316}"/>
+              </a:ext>
+            </a:extLst>
+          </p:cNvPr>
+          <p:cNvSpPr txBox="1"/>
+          <p:nvPr/>
+        </p:nvSpPr>
+        <p:spPr>
+          <a:xfrm>
+            <a:off x="9749014" y="6211669"/>
+            <a:ext cx="556074" cy="646331"/>
+          </a:xfrm>
+          <a:prstGeom prst="rect">
+            <a:avLst/>
+          </a:prstGeom>
+          <a:noFill/>
+        </p:spPr>
+        <p:txBody>
+          <a:bodyPr wrap="square" rtlCol="0">
+            <a:spAutoFit/>
+          </a:bodyPr>
+          <a:lstStyle/>
+          <a:p>
+            <a:r>
+              <a:rPr lang="de-CH" sz="3600" b="1" dirty="0">
+                <a:latin typeface="Arial" panose="020B0604020202020204" pitchFamily="34" charset="0"/>
+                <a:cs typeface="Arial" panose="020B0604020202020204" pitchFamily="34" charset="0"/>
+              </a:rPr>
+              <a:t>7</a:t>
             </a:r>
           </a:p>
         </p:txBody>
@@ -8579,7 +7361,7 @@
     </p:spTree>
     <p:extLst>
       <p:ext uri="{BB962C8B-B14F-4D97-AF65-F5344CB8AC3E}">
-        <p14:creationId xmlns:p14="http://schemas.microsoft.com/office/powerpoint/2010/main" val="3356822967"/>
+        <p14:creationId xmlns:p14="http://schemas.microsoft.com/office/powerpoint/2010/main" val="477222488"/>
       </p:ext>
     </p:extLst>
   </p:cSld>
@@ -8608,6 +7390,1255 @@
       </p:grpSpPr>
       <p:sp>
         <p:nvSpPr>
+          <p:cNvPr id="37" name="Rechteck 36">
+            <a:extLst>
+              <a:ext uri="{FF2B5EF4-FFF2-40B4-BE49-F238E27FC236}">
+                <a16:creationId xmlns:a16="http://schemas.microsoft.com/office/drawing/2014/main" id="{66159739-0224-8070-249D-799960436EA0}"/>
+              </a:ext>
+            </a:extLst>
+          </p:cNvPr>
+          <p:cNvSpPr/>
+          <p:nvPr/>
+        </p:nvSpPr>
+        <p:spPr>
+          <a:xfrm>
+            <a:off x="4068690" y="397349"/>
+            <a:ext cx="3339167" cy="6227893"/>
+          </a:xfrm>
+          <a:prstGeom prst="rect">
+            <a:avLst/>
+          </a:prstGeom>
+          <a:solidFill>
+            <a:srgbClr val="DFE0E1"/>
+          </a:solidFill>
+          <a:ln>
+            <a:solidFill>
+              <a:srgbClr val="C8C8C8"/>
+            </a:solidFill>
+          </a:ln>
+        </p:spPr>
+        <p:style>
+          <a:lnRef idx="2">
+            <a:schemeClr val="accent1">
+              <a:shade val="50000"/>
+            </a:schemeClr>
+          </a:lnRef>
+          <a:fillRef idx="1">
+            <a:schemeClr val="accent1"/>
+          </a:fillRef>
+          <a:effectRef idx="0">
+            <a:schemeClr val="accent1"/>
+          </a:effectRef>
+          <a:fontRef idx="minor">
+            <a:schemeClr val="lt1"/>
+          </a:fontRef>
+        </p:style>
+        <p:txBody>
+          <a:bodyPr rtlCol="0" anchor="ctr"/>
+          <a:lstStyle/>
+          <a:p>
+            <a:pPr algn="ctr"/>
+            <a:endParaRPr lang="de-CH" sz="1600" dirty="0">
+              <a:solidFill>
+                <a:schemeClr val="tx1"/>
+              </a:solidFill>
+              <a:latin typeface="Arial" panose="020B0604020202020204" pitchFamily="34" charset="0"/>
+              <a:cs typeface="Arial" panose="020B0604020202020204" pitchFamily="34" charset="0"/>
+            </a:endParaRPr>
+          </a:p>
+        </p:txBody>
+      </p:sp>
+      <p:sp>
+        <p:nvSpPr>
+          <p:cNvPr id="38" name="Rechteck 37">
+            <a:extLst>
+              <a:ext uri="{FF2B5EF4-FFF2-40B4-BE49-F238E27FC236}">
+                <a16:creationId xmlns:a16="http://schemas.microsoft.com/office/drawing/2014/main" id="{540AE164-332A-09D3-4E06-29A94954EC84}"/>
+              </a:ext>
+            </a:extLst>
+          </p:cNvPr>
+          <p:cNvSpPr/>
+          <p:nvPr/>
+        </p:nvSpPr>
+        <p:spPr>
+          <a:xfrm>
+            <a:off x="4068687" y="302550"/>
+            <a:ext cx="3339167" cy="769028"/>
+          </a:xfrm>
+          <a:prstGeom prst="rect">
+            <a:avLst/>
+          </a:prstGeom>
+          <a:solidFill>
+            <a:schemeClr val="tx1"/>
+          </a:solidFill>
+          <a:ln>
+            <a:solidFill>
+              <a:schemeClr val="tx1"/>
+            </a:solidFill>
+          </a:ln>
+        </p:spPr>
+        <p:style>
+          <a:lnRef idx="2">
+            <a:schemeClr val="accent1">
+              <a:shade val="50000"/>
+            </a:schemeClr>
+          </a:lnRef>
+          <a:fillRef idx="1">
+            <a:schemeClr val="accent1"/>
+          </a:fillRef>
+          <a:effectRef idx="0">
+            <a:schemeClr val="accent1"/>
+          </a:effectRef>
+          <a:fontRef idx="minor">
+            <a:schemeClr val="lt1"/>
+          </a:fontRef>
+        </p:style>
+        <p:txBody>
+          <a:bodyPr rtlCol="0" anchor="ctr"/>
+          <a:lstStyle/>
+          <a:p>
+            <a:pPr algn="ctr"/>
+            <a:r>
+              <a:rPr lang="de-CH" sz="1600" b="1" dirty="0">
+                <a:solidFill>
+                  <a:srgbClr val="FF000A"/>
+                </a:solidFill>
+                <a:latin typeface="Arial" panose="020B0604020202020204" pitchFamily="34" charset="0"/>
+                <a:cs typeface="Arial" panose="020B0604020202020204" pitchFamily="34" charset="0"/>
+              </a:rPr>
+              <a:t>          </a:t>
+            </a:r>
+          </a:p>
+          <a:p>
+            <a:pPr algn="ctr"/>
+            <a:r>
+              <a:rPr lang="de-CH" sz="1400" b="1" dirty="0">
+                <a:solidFill>
+                  <a:srgbClr val="FF000A"/>
+                </a:solidFill>
+                <a:latin typeface="Arial" panose="020B0604020202020204" pitchFamily="34" charset="0"/>
+                <a:cs typeface="Arial" panose="020B0604020202020204" pitchFamily="34" charset="0"/>
+              </a:rPr>
+              <a:t>Gästebuch-Bild hochladen </a:t>
+            </a:r>
+          </a:p>
+        </p:txBody>
+      </p:sp>
+      <p:pic>
+        <p:nvPicPr>
+          <p:cNvPr id="36" name="Grafik 35">
+            <a:extLst>
+              <a:ext uri="{FF2B5EF4-FFF2-40B4-BE49-F238E27FC236}">
+                <a16:creationId xmlns:a16="http://schemas.microsoft.com/office/drawing/2014/main" id="{21E292FE-3E49-C106-DE88-0409A3F4E81B}"/>
+              </a:ext>
+            </a:extLst>
+          </p:cNvPr>
+          <p:cNvPicPr>
+            <a:picLocks noChangeAspect="1"/>
+          </p:cNvPicPr>
+          <p:nvPr/>
+        </p:nvPicPr>
+        <p:blipFill>
+          <a:blip r:embed="rId2"/>
+          <a:stretch>
+            <a:fillRect/>
+          </a:stretch>
+        </p:blipFill>
+        <p:spPr>
+          <a:xfrm>
+            <a:off x="4509701" y="399209"/>
+            <a:ext cx="2457143" cy="238095"/>
+          </a:xfrm>
+          <a:prstGeom prst="rect">
+            <a:avLst/>
+          </a:prstGeom>
+        </p:spPr>
+      </p:pic>
+      <p:sp>
+        <p:nvSpPr>
+          <p:cNvPr id="39" name="Rechteck 38">
+            <a:extLst>
+              <a:ext uri="{FF2B5EF4-FFF2-40B4-BE49-F238E27FC236}">
+                <a16:creationId xmlns:a16="http://schemas.microsoft.com/office/drawing/2014/main" id="{24EA8C2D-6863-2978-0C07-93F36FB5B62F}"/>
+              </a:ext>
+            </a:extLst>
+          </p:cNvPr>
+          <p:cNvSpPr/>
+          <p:nvPr/>
+        </p:nvSpPr>
+        <p:spPr>
+          <a:xfrm>
+            <a:off x="4746568" y="1137899"/>
+            <a:ext cx="2579516" cy="301629"/>
+          </a:xfrm>
+          <a:prstGeom prst="rect">
+            <a:avLst/>
+          </a:prstGeom>
+          <a:solidFill>
+            <a:schemeClr val="bg1"/>
+          </a:solidFill>
+          <a:ln>
+            <a:solidFill>
+              <a:schemeClr val="tx1"/>
+            </a:solidFill>
+          </a:ln>
+        </p:spPr>
+        <p:style>
+          <a:lnRef idx="2">
+            <a:schemeClr val="accent1">
+              <a:shade val="50000"/>
+            </a:schemeClr>
+          </a:lnRef>
+          <a:fillRef idx="1">
+            <a:schemeClr val="accent1"/>
+          </a:fillRef>
+          <a:effectRef idx="0">
+            <a:schemeClr val="accent1"/>
+          </a:effectRef>
+          <a:fontRef idx="minor">
+            <a:schemeClr val="lt1"/>
+          </a:fontRef>
+        </p:style>
+        <p:txBody>
+          <a:bodyPr rtlCol="0" anchor="ctr"/>
+          <a:lstStyle/>
+          <a:p>
+            <a:r>
+              <a:rPr lang="de-CH" sz="1200" i="1" dirty="0">
+                <a:solidFill>
+                  <a:schemeClr val="tx1"/>
+                </a:solidFill>
+                <a:latin typeface="Arial" panose="020B0604020202020204" pitchFamily="34" charset="0"/>
+                <a:cs typeface="Arial" panose="020B0604020202020204" pitchFamily="34" charset="0"/>
+              </a:rPr>
+              <a:t>Name(n) eingeben …</a:t>
+            </a:r>
+          </a:p>
+        </p:txBody>
+      </p:sp>
+      <p:sp>
+        <p:nvSpPr>
+          <p:cNvPr id="40" name="Textfeld 39">
+            <a:extLst>
+              <a:ext uri="{FF2B5EF4-FFF2-40B4-BE49-F238E27FC236}">
+                <a16:creationId xmlns:a16="http://schemas.microsoft.com/office/drawing/2014/main" id="{75EF25B3-2D78-8470-3EA7-1561C4A2751C}"/>
+              </a:ext>
+            </a:extLst>
+          </p:cNvPr>
+          <p:cNvSpPr txBox="1"/>
+          <p:nvPr/>
+        </p:nvSpPr>
+        <p:spPr>
+          <a:xfrm>
+            <a:off x="4068093" y="1134825"/>
+            <a:ext cx="678475" cy="307777"/>
+          </a:xfrm>
+          <a:prstGeom prst="rect">
+            <a:avLst/>
+          </a:prstGeom>
+          <a:noFill/>
+        </p:spPr>
+        <p:txBody>
+          <a:bodyPr wrap="square" rtlCol="0">
+            <a:spAutoFit/>
+          </a:bodyPr>
+          <a:lstStyle/>
+          <a:p>
+            <a:r>
+              <a:rPr lang="de-CH" sz="1400" b="1" dirty="0">
+                <a:latin typeface="Arial" panose="020B0604020202020204" pitchFamily="34" charset="0"/>
+                <a:cs typeface="Arial" panose="020B0604020202020204" pitchFamily="34" charset="0"/>
+              </a:rPr>
+              <a:t>Name</a:t>
+            </a:r>
+          </a:p>
+        </p:txBody>
+      </p:sp>
+      <p:sp>
+        <p:nvSpPr>
+          <p:cNvPr id="41" name="Rechteck 40">
+            <a:extLst>
+              <a:ext uri="{FF2B5EF4-FFF2-40B4-BE49-F238E27FC236}">
+                <a16:creationId xmlns:a16="http://schemas.microsoft.com/office/drawing/2014/main" id="{93DC624D-691E-C2CE-2509-44EB5AA4FEC2}"/>
+              </a:ext>
+            </a:extLst>
+          </p:cNvPr>
+          <p:cNvSpPr/>
+          <p:nvPr/>
+        </p:nvSpPr>
+        <p:spPr>
+          <a:xfrm>
+            <a:off x="4747162" y="1494738"/>
+            <a:ext cx="2579516" cy="301629"/>
+          </a:xfrm>
+          <a:prstGeom prst="rect">
+            <a:avLst/>
+          </a:prstGeom>
+          <a:solidFill>
+            <a:schemeClr val="bg1"/>
+          </a:solidFill>
+          <a:ln>
+            <a:solidFill>
+              <a:schemeClr val="tx1"/>
+            </a:solidFill>
+          </a:ln>
+        </p:spPr>
+        <p:style>
+          <a:lnRef idx="2">
+            <a:schemeClr val="accent1">
+              <a:shade val="50000"/>
+            </a:schemeClr>
+          </a:lnRef>
+          <a:fillRef idx="1">
+            <a:schemeClr val="accent1"/>
+          </a:fillRef>
+          <a:effectRef idx="0">
+            <a:schemeClr val="accent1"/>
+          </a:effectRef>
+          <a:fontRef idx="minor">
+            <a:schemeClr val="lt1"/>
+          </a:fontRef>
+        </p:style>
+        <p:txBody>
+          <a:bodyPr rtlCol="0" anchor="ctr"/>
+          <a:lstStyle/>
+          <a:p>
+            <a:r>
+              <a:rPr lang="de-CH" sz="1200" i="1" dirty="0">
+                <a:solidFill>
+                  <a:schemeClr val="tx1"/>
+                </a:solidFill>
+                <a:latin typeface="Arial" panose="020B0604020202020204" pitchFamily="34" charset="0"/>
+                <a:cs typeface="Arial" panose="020B0604020202020204" pitchFamily="34" charset="0"/>
+              </a:rPr>
+              <a:t>E-Mail Adresse eingeben …</a:t>
+            </a:r>
+          </a:p>
+        </p:txBody>
+      </p:sp>
+      <p:sp>
+        <p:nvSpPr>
+          <p:cNvPr id="42" name="Textfeld 41">
+            <a:extLst>
+              <a:ext uri="{FF2B5EF4-FFF2-40B4-BE49-F238E27FC236}">
+                <a16:creationId xmlns:a16="http://schemas.microsoft.com/office/drawing/2014/main" id="{998E33D5-6A69-0D61-6009-1663816340AA}"/>
+              </a:ext>
+            </a:extLst>
+          </p:cNvPr>
+          <p:cNvSpPr txBox="1"/>
+          <p:nvPr/>
+        </p:nvSpPr>
+        <p:spPr>
+          <a:xfrm>
+            <a:off x="4068687" y="1491664"/>
+            <a:ext cx="789260" cy="307777"/>
+          </a:xfrm>
+          <a:prstGeom prst="rect">
+            <a:avLst/>
+          </a:prstGeom>
+          <a:noFill/>
+        </p:spPr>
+        <p:txBody>
+          <a:bodyPr wrap="square" rtlCol="0">
+            <a:spAutoFit/>
+          </a:bodyPr>
+          <a:lstStyle/>
+          <a:p>
+            <a:r>
+              <a:rPr lang="de-CH" sz="1400" b="1" dirty="0">
+                <a:latin typeface="Arial" panose="020B0604020202020204" pitchFamily="34" charset="0"/>
+                <a:cs typeface="Arial" panose="020B0604020202020204" pitchFamily="34" charset="0"/>
+              </a:rPr>
+              <a:t>E-Mail</a:t>
+            </a:r>
+          </a:p>
+        </p:txBody>
+      </p:sp>
+      <p:sp>
+        <p:nvSpPr>
+          <p:cNvPr id="43" name="Rechteck 42">
+            <a:extLst>
+              <a:ext uri="{FF2B5EF4-FFF2-40B4-BE49-F238E27FC236}">
+                <a16:creationId xmlns:a16="http://schemas.microsoft.com/office/drawing/2014/main" id="{93FB0C75-490B-A826-AF13-2664BAC76100}"/>
+              </a:ext>
+            </a:extLst>
+          </p:cNvPr>
+          <p:cNvSpPr/>
+          <p:nvPr/>
+        </p:nvSpPr>
+        <p:spPr>
+          <a:xfrm>
+            <a:off x="4159135" y="1862689"/>
+            <a:ext cx="3166949" cy="255249"/>
+          </a:xfrm>
+          <a:prstGeom prst="rect">
+            <a:avLst/>
+          </a:prstGeom>
+          <a:noFill/>
+          <a:ln>
+            <a:solidFill>
+              <a:schemeClr val="tx1"/>
+            </a:solidFill>
+          </a:ln>
+        </p:spPr>
+        <p:style>
+          <a:lnRef idx="2">
+            <a:schemeClr val="accent1">
+              <a:shade val="50000"/>
+            </a:schemeClr>
+          </a:lnRef>
+          <a:fillRef idx="1">
+            <a:schemeClr val="accent1"/>
+          </a:fillRef>
+          <a:effectRef idx="0">
+            <a:schemeClr val="accent1"/>
+          </a:effectRef>
+          <a:fontRef idx="minor">
+            <a:schemeClr val="lt1"/>
+          </a:fontRef>
+        </p:style>
+        <p:txBody>
+          <a:bodyPr rtlCol="0" anchor="ctr"/>
+          <a:lstStyle/>
+          <a:p>
+            <a:pPr algn="ctr"/>
+            <a:r>
+              <a:rPr lang="de-CH" sz="1200" dirty="0">
+                <a:solidFill>
+                  <a:schemeClr val="tx1"/>
+                </a:solidFill>
+                <a:latin typeface="Arial" panose="020B0604020202020204" pitchFamily="34" charset="0"/>
+                <a:cs typeface="Arial" panose="020B0604020202020204" pitchFamily="34" charset="0"/>
+              </a:rPr>
+              <a:t>Code verlangen</a:t>
+            </a:r>
+          </a:p>
+        </p:txBody>
+      </p:sp>
+      <p:sp>
+        <p:nvSpPr>
+          <p:cNvPr id="44" name="Rechteck 43">
+            <a:extLst>
+              <a:ext uri="{FF2B5EF4-FFF2-40B4-BE49-F238E27FC236}">
+                <a16:creationId xmlns:a16="http://schemas.microsoft.com/office/drawing/2014/main" id="{C8441DBC-F492-30F3-7DDE-F36160AED254}"/>
+              </a:ext>
+            </a:extLst>
+          </p:cNvPr>
+          <p:cNvSpPr/>
+          <p:nvPr/>
+        </p:nvSpPr>
+        <p:spPr>
+          <a:xfrm>
+            <a:off x="4746568" y="2180076"/>
+            <a:ext cx="1769191" cy="301629"/>
+          </a:xfrm>
+          <a:prstGeom prst="rect">
+            <a:avLst/>
+          </a:prstGeom>
+          <a:solidFill>
+            <a:schemeClr val="bg1"/>
+          </a:solidFill>
+          <a:ln>
+            <a:solidFill>
+              <a:schemeClr val="tx1"/>
+            </a:solidFill>
+          </a:ln>
+        </p:spPr>
+        <p:style>
+          <a:lnRef idx="2">
+            <a:schemeClr val="accent1">
+              <a:shade val="50000"/>
+            </a:schemeClr>
+          </a:lnRef>
+          <a:fillRef idx="1">
+            <a:schemeClr val="accent1"/>
+          </a:fillRef>
+          <a:effectRef idx="0">
+            <a:schemeClr val="accent1"/>
+          </a:effectRef>
+          <a:fontRef idx="minor">
+            <a:schemeClr val="lt1"/>
+          </a:fontRef>
+        </p:style>
+        <p:txBody>
+          <a:bodyPr rtlCol="0" anchor="ctr"/>
+          <a:lstStyle/>
+          <a:p>
+            <a:r>
+              <a:rPr lang="de-CH" sz="1200" i="1" dirty="0">
+                <a:solidFill>
+                  <a:schemeClr val="tx1"/>
+                </a:solidFill>
+                <a:latin typeface="Arial" panose="020B0604020202020204" pitchFamily="34" charset="0"/>
+                <a:cs typeface="Arial" panose="020B0604020202020204" pitchFamily="34" charset="0"/>
+              </a:rPr>
+              <a:t>Code eingeben …</a:t>
+            </a:r>
+          </a:p>
+        </p:txBody>
+      </p:sp>
+      <p:sp>
+        <p:nvSpPr>
+          <p:cNvPr id="45" name="Textfeld 44">
+            <a:extLst>
+              <a:ext uri="{FF2B5EF4-FFF2-40B4-BE49-F238E27FC236}">
+                <a16:creationId xmlns:a16="http://schemas.microsoft.com/office/drawing/2014/main" id="{0DCE8159-FBC2-2E7D-5FB1-05913886AF27}"/>
+              </a:ext>
+            </a:extLst>
+          </p:cNvPr>
+          <p:cNvSpPr txBox="1"/>
+          <p:nvPr/>
+        </p:nvSpPr>
+        <p:spPr>
+          <a:xfrm>
+            <a:off x="4068093" y="2177002"/>
+            <a:ext cx="678475" cy="307777"/>
+          </a:xfrm>
+          <a:prstGeom prst="rect">
+            <a:avLst/>
+          </a:prstGeom>
+          <a:noFill/>
+        </p:spPr>
+        <p:txBody>
+          <a:bodyPr wrap="square" rtlCol="0">
+            <a:spAutoFit/>
+          </a:bodyPr>
+          <a:lstStyle/>
+          <a:p>
+            <a:r>
+              <a:rPr lang="de-CH" sz="1400" b="1" dirty="0">
+                <a:latin typeface="Arial" panose="020B0604020202020204" pitchFamily="34" charset="0"/>
+                <a:cs typeface="Arial" panose="020B0604020202020204" pitchFamily="34" charset="0"/>
+              </a:rPr>
+              <a:t>Code</a:t>
+            </a:r>
+          </a:p>
+        </p:txBody>
+      </p:sp>
+      <p:sp>
+        <p:nvSpPr>
+          <p:cNvPr id="46" name="Textfeld 45">
+            <a:extLst>
+              <a:ext uri="{FF2B5EF4-FFF2-40B4-BE49-F238E27FC236}">
+                <a16:creationId xmlns:a16="http://schemas.microsoft.com/office/drawing/2014/main" id="{1B202BDF-133D-92D1-2CE0-BCFCF0172A02}"/>
+              </a:ext>
+            </a:extLst>
+          </p:cNvPr>
+          <p:cNvSpPr txBox="1"/>
+          <p:nvPr/>
+        </p:nvSpPr>
+        <p:spPr>
+          <a:xfrm>
+            <a:off x="4068093" y="2601444"/>
+            <a:ext cx="596564" cy="307777"/>
+          </a:xfrm>
+          <a:prstGeom prst="rect">
+            <a:avLst/>
+          </a:prstGeom>
+          <a:noFill/>
+        </p:spPr>
+        <p:txBody>
+          <a:bodyPr wrap="square" rtlCol="0">
+            <a:spAutoFit/>
+          </a:bodyPr>
+          <a:lstStyle/>
+          <a:p>
+            <a:r>
+              <a:rPr lang="de-CH" sz="1400" b="1" dirty="0">
+                <a:latin typeface="Arial" panose="020B0604020202020204" pitchFamily="34" charset="0"/>
+                <a:cs typeface="Arial" panose="020B0604020202020204" pitchFamily="34" charset="0"/>
+              </a:rPr>
+              <a:t>IMG</a:t>
+            </a:r>
+          </a:p>
+        </p:txBody>
+      </p:sp>
+      <p:sp>
+        <p:nvSpPr>
+          <p:cNvPr id="47" name="Rechteck 46">
+            <a:extLst>
+              <a:ext uri="{FF2B5EF4-FFF2-40B4-BE49-F238E27FC236}">
+                <a16:creationId xmlns:a16="http://schemas.microsoft.com/office/drawing/2014/main" id="{B202347B-92E2-DE4D-0B60-C5EF3B02FD93}"/>
+              </a:ext>
+            </a:extLst>
+          </p:cNvPr>
+          <p:cNvSpPr/>
+          <p:nvPr/>
+        </p:nvSpPr>
+        <p:spPr>
+          <a:xfrm>
+            <a:off x="4626572" y="2597957"/>
+            <a:ext cx="1889187" cy="301629"/>
+          </a:xfrm>
+          <a:prstGeom prst="rect">
+            <a:avLst/>
+          </a:prstGeom>
+          <a:solidFill>
+            <a:schemeClr val="bg1"/>
+          </a:solidFill>
+          <a:ln>
+            <a:solidFill>
+              <a:schemeClr val="tx1"/>
+            </a:solidFill>
+          </a:ln>
+        </p:spPr>
+        <p:style>
+          <a:lnRef idx="2">
+            <a:schemeClr val="accent1">
+              <a:shade val="50000"/>
+            </a:schemeClr>
+          </a:lnRef>
+          <a:fillRef idx="1">
+            <a:schemeClr val="accent1"/>
+          </a:fillRef>
+          <a:effectRef idx="0">
+            <a:schemeClr val="accent1"/>
+          </a:effectRef>
+          <a:fontRef idx="minor">
+            <a:schemeClr val="lt1"/>
+          </a:fontRef>
+        </p:style>
+        <p:txBody>
+          <a:bodyPr rtlCol="0" anchor="ctr"/>
+          <a:lstStyle/>
+          <a:p>
+            <a:r>
+              <a:rPr lang="de-CH" sz="1200" i="1" dirty="0">
+                <a:solidFill>
+                  <a:schemeClr val="tx1"/>
+                </a:solidFill>
+                <a:latin typeface="Arial" panose="020B0604020202020204" pitchFamily="34" charset="0"/>
+                <a:cs typeface="Arial" panose="020B0604020202020204" pitchFamily="34" charset="0"/>
+              </a:rPr>
+              <a:t>Pfad zeigen nach Upload</a:t>
+            </a:r>
+          </a:p>
+        </p:txBody>
+      </p:sp>
+      <p:sp>
+        <p:nvSpPr>
+          <p:cNvPr id="48" name="Rechteck 47">
+            <a:extLst>
+              <a:ext uri="{FF2B5EF4-FFF2-40B4-BE49-F238E27FC236}">
+                <a16:creationId xmlns:a16="http://schemas.microsoft.com/office/drawing/2014/main" id="{889E301C-EC31-1561-5F03-2B26DD44D794}"/>
+              </a:ext>
+            </a:extLst>
+          </p:cNvPr>
+          <p:cNvSpPr/>
+          <p:nvPr/>
+        </p:nvSpPr>
+        <p:spPr>
+          <a:xfrm>
+            <a:off x="6590101" y="2602649"/>
+            <a:ext cx="735983" cy="292247"/>
+          </a:xfrm>
+          <a:prstGeom prst="rect">
+            <a:avLst/>
+          </a:prstGeom>
+          <a:noFill/>
+          <a:ln>
+            <a:solidFill>
+              <a:schemeClr val="tx1"/>
+            </a:solidFill>
+          </a:ln>
+        </p:spPr>
+        <p:style>
+          <a:lnRef idx="2">
+            <a:schemeClr val="accent1">
+              <a:shade val="50000"/>
+            </a:schemeClr>
+          </a:lnRef>
+          <a:fillRef idx="1">
+            <a:schemeClr val="accent1"/>
+          </a:fillRef>
+          <a:effectRef idx="0">
+            <a:schemeClr val="accent1"/>
+          </a:effectRef>
+          <a:fontRef idx="minor">
+            <a:schemeClr val="lt1"/>
+          </a:fontRef>
+        </p:style>
+        <p:txBody>
+          <a:bodyPr rtlCol="0" anchor="ctr"/>
+          <a:lstStyle/>
+          <a:p>
+            <a:pPr algn="ctr"/>
+            <a:r>
+              <a:rPr lang="de-CH" sz="1200" dirty="0">
+                <a:solidFill>
+                  <a:schemeClr val="tx1"/>
+                </a:solidFill>
+                <a:latin typeface="Arial" panose="020B0604020202020204" pitchFamily="34" charset="0"/>
+                <a:cs typeface="Arial" panose="020B0604020202020204" pitchFamily="34" charset="0"/>
+              </a:rPr>
+              <a:t>Upload</a:t>
+            </a:r>
+          </a:p>
+        </p:txBody>
+      </p:sp>
+      <p:pic>
+        <p:nvPicPr>
+          <p:cNvPr id="50" name="Grafik 49">
+            <a:extLst>
+              <a:ext uri="{FF2B5EF4-FFF2-40B4-BE49-F238E27FC236}">
+                <a16:creationId xmlns:a16="http://schemas.microsoft.com/office/drawing/2014/main" id="{4677A2E2-4F32-6B23-EA53-C5316753CD64}"/>
+              </a:ext>
+            </a:extLst>
+          </p:cNvPr>
+          <p:cNvPicPr>
+            <a:picLocks noChangeAspect="1"/>
+          </p:cNvPicPr>
+          <p:nvPr/>
+        </p:nvPicPr>
+        <p:blipFill>
+          <a:blip r:embed="rId3"/>
+          <a:stretch>
+            <a:fillRect/>
+          </a:stretch>
+        </p:blipFill>
+        <p:spPr>
+          <a:xfrm>
+            <a:off x="4626572" y="3094872"/>
+            <a:ext cx="2254775" cy="1951405"/>
+          </a:xfrm>
+          <a:prstGeom prst="rect">
+            <a:avLst/>
+          </a:prstGeom>
+        </p:spPr>
+      </p:pic>
+      <p:sp>
+        <p:nvSpPr>
+          <p:cNvPr id="51" name="Rechteck 50">
+            <a:extLst>
+              <a:ext uri="{FF2B5EF4-FFF2-40B4-BE49-F238E27FC236}">
+                <a16:creationId xmlns:a16="http://schemas.microsoft.com/office/drawing/2014/main" id="{76F654AF-8D3E-5AB9-9627-123FE53C2E2C}"/>
+              </a:ext>
+            </a:extLst>
+          </p:cNvPr>
+          <p:cNvSpPr/>
+          <p:nvPr/>
+        </p:nvSpPr>
+        <p:spPr>
+          <a:xfrm>
+            <a:off x="4347557" y="3094871"/>
+            <a:ext cx="2851266" cy="1951405"/>
+          </a:xfrm>
+          <a:prstGeom prst="rect">
+            <a:avLst/>
+          </a:prstGeom>
+          <a:noFill/>
+          <a:ln>
+            <a:solidFill>
+              <a:schemeClr val="tx1"/>
+            </a:solidFill>
+            <a:prstDash val="dash"/>
+          </a:ln>
+        </p:spPr>
+        <p:style>
+          <a:lnRef idx="2">
+            <a:schemeClr val="accent1">
+              <a:shade val="50000"/>
+            </a:schemeClr>
+          </a:lnRef>
+          <a:fillRef idx="1">
+            <a:schemeClr val="accent1"/>
+          </a:fillRef>
+          <a:effectRef idx="0">
+            <a:schemeClr val="accent1"/>
+          </a:effectRef>
+          <a:fontRef idx="minor">
+            <a:schemeClr val="lt1"/>
+          </a:fontRef>
+        </p:style>
+        <p:txBody>
+          <a:bodyPr rtlCol="0" anchor="ctr"/>
+          <a:lstStyle/>
+          <a:p>
+            <a:pPr algn="ctr"/>
+            <a:endParaRPr lang="de-CH" sz="1200" dirty="0">
+              <a:solidFill>
+                <a:schemeClr val="tx1"/>
+              </a:solidFill>
+              <a:latin typeface="Arial" panose="020B0604020202020204" pitchFamily="34" charset="0"/>
+              <a:cs typeface="Arial" panose="020B0604020202020204" pitchFamily="34" charset="0"/>
+            </a:endParaRPr>
+          </a:p>
+        </p:txBody>
+      </p:sp>
+      <p:sp>
+        <p:nvSpPr>
+          <p:cNvPr id="52" name="Rechteck 51">
+            <a:extLst>
+              <a:ext uri="{FF2B5EF4-FFF2-40B4-BE49-F238E27FC236}">
+                <a16:creationId xmlns:a16="http://schemas.microsoft.com/office/drawing/2014/main" id="{A789776A-0466-F259-6C51-07561FA96CDD}"/>
+              </a:ext>
+            </a:extLst>
+          </p:cNvPr>
+          <p:cNvSpPr/>
+          <p:nvPr/>
+        </p:nvSpPr>
+        <p:spPr>
+          <a:xfrm>
+            <a:off x="4746568" y="5095436"/>
+            <a:ext cx="2579516" cy="301629"/>
+          </a:xfrm>
+          <a:prstGeom prst="rect">
+            <a:avLst/>
+          </a:prstGeom>
+          <a:solidFill>
+            <a:schemeClr val="bg1"/>
+          </a:solidFill>
+          <a:ln>
+            <a:solidFill>
+              <a:schemeClr val="tx1"/>
+            </a:solidFill>
+          </a:ln>
+        </p:spPr>
+        <p:style>
+          <a:lnRef idx="2">
+            <a:schemeClr val="accent1">
+              <a:shade val="50000"/>
+            </a:schemeClr>
+          </a:lnRef>
+          <a:fillRef idx="1">
+            <a:schemeClr val="accent1"/>
+          </a:fillRef>
+          <a:effectRef idx="0">
+            <a:schemeClr val="accent1"/>
+          </a:effectRef>
+          <a:fontRef idx="minor">
+            <a:schemeClr val="lt1"/>
+          </a:fontRef>
+        </p:style>
+        <p:txBody>
+          <a:bodyPr rtlCol="0" anchor="ctr"/>
+          <a:lstStyle/>
+          <a:p>
+            <a:r>
+              <a:rPr lang="de-CH" sz="1200" i="1" dirty="0">
+                <a:solidFill>
+                  <a:schemeClr val="tx1"/>
+                </a:solidFill>
+                <a:latin typeface="Arial" panose="020B0604020202020204" pitchFamily="34" charset="0"/>
+                <a:cs typeface="Arial" panose="020B0604020202020204" pitchFamily="34" charset="0"/>
+              </a:rPr>
+              <a:t>Kurzer Bild-Text (Header) eingeben </a:t>
+            </a:r>
+          </a:p>
+        </p:txBody>
+      </p:sp>
+      <p:sp>
+        <p:nvSpPr>
+          <p:cNvPr id="53" name="Textfeld 52">
+            <a:extLst>
+              <a:ext uri="{FF2B5EF4-FFF2-40B4-BE49-F238E27FC236}">
+                <a16:creationId xmlns:a16="http://schemas.microsoft.com/office/drawing/2014/main" id="{868990A3-7704-7727-9F3F-8160B861378F}"/>
+              </a:ext>
+            </a:extLst>
+          </p:cNvPr>
+          <p:cNvSpPr txBox="1"/>
+          <p:nvPr/>
+        </p:nvSpPr>
+        <p:spPr>
+          <a:xfrm>
+            <a:off x="4068093" y="5092362"/>
+            <a:ext cx="789854" cy="307777"/>
+          </a:xfrm>
+          <a:prstGeom prst="rect">
+            <a:avLst/>
+          </a:prstGeom>
+          <a:noFill/>
+        </p:spPr>
+        <p:txBody>
+          <a:bodyPr wrap="square" rtlCol="0">
+            <a:spAutoFit/>
+          </a:bodyPr>
+          <a:lstStyle/>
+          <a:p>
+            <a:r>
+              <a:rPr lang="de-CH" sz="1400" b="1" dirty="0">
+                <a:latin typeface="Arial" panose="020B0604020202020204" pitchFamily="34" charset="0"/>
+                <a:cs typeface="Arial" panose="020B0604020202020204" pitchFamily="34" charset="0"/>
+              </a:rPr>
+              <a:t>Text</a:t>
+            </a:r>
+          </a:p>
+        </p:txBody>
+      </p:sp>
+      <p:sp>
+        <p:nvSpPr>
+          <p:cNvPr id="54" name="Rechteck 53">
+            <a:extLst>
+              <a:ext uri="{FF2B5EF4-FFF2-40B4-BE49-F238E27FC236}">
+                <a16:creationId xmlns:a16="http://schemas.microsoft.com/office/drawing/2014/main" id="{E6EE40C9-65CE-B8ED-6093-89C20ECC5DF2}"/>
+              </a:ext>
+            </a:extLst>
+          </p:cNvPr>
+          <p:cNvSpPr/>
+          <p:nvPr/>
+        </p:nvSpPr>
+        <p:spPr>
+          <a:xfrm>
+            <a:off x="4159136" y="5491865"/>
+            <a:ext cx="3166948" cy="215495"/>
+          </a:xfrm>
+          <a:prstGeom prst="rect">
+            <a:avLst/>
+          </a:prstGeom>
+          <a:noFill/>
+          <a:ln>
+            <a:solidFill>
+              <a:schemeClr val="tx1"/>
+            </a:solidFill>
+          </a:ln>
+        </p:spPr>
+        <p:style>
+          <a:lnRef idx="2">
+            <a:schemeClr val="accent1">
+              <a:shade val="50000"/>
+            </a:schemeClr>
+          </a:lnRef>
+          <a:fillRef idx="1">
+            <a:schemeClr val="accent1"/>
+          </a:fillRef>
+          <a:effectRef idx="0">
+            <a:schemeClr val="accent1"/>
+          </a:effectRef>
+          <a:fontRef idx="minor">
+            <a:schemeClr val="lt1"/>
+          </a:fontRef>
+        </p:style>
+        <p:txBody>
+          <a:bodyPr rtlCol="0" anchor="ctr"/>
+          <a:lstStyle/>
+          <a:p>
+            <a:r>
+              <a:rPr lang="de-CH" sz="1200" dirty="0">
+                <a:solidFill>
+                  <a:schemeClr val="tx1"/>
+                </a:solidFill>
+                <a:latin typeface="Arial" panose="020B0604020202020204" pitchFamily="34" charset="0"/>
+                <a:cs typeface="Arial" panose="020B0604020202020204" pitchFamily="34" charset="0"/>
+              </a:rPr>
+              <a:t>Konzert wählen (optional)</a:t>
+            </a:r>
+          </a:p>
+        </p:txBody>
+      </p:sp>
+      <p:pic>
+        <p:nvPicPr>
+          <p:cNvPr id="55" name="Grafik 54">
+            <a:extLst>
+              <a:ext uri="{FF2B5EF4-FFF2-40B4-BE49-F238E27FC236}">
+                <a16:creationId xmlns:a16="http://schemas.microsoft.com/office/drawing/2014/main" id="{AC2217DF-1918-013A-A9C5-4051DA715EA7}"/>
+              </a:ext>
+            </a:extLst>
+          </p:cNvPr>
+          <p:cNvPicPr>
+            <a:picLocks noChangeAspect="1"/>
+          </p:cNvPicPr>
+          <p:nvPr/>
+        </p:nvPicPr>
+        <p:blipFill>
+          <a:blip r:embed="rId4"/>
+          <a:stretch>
+            <a:fillRect/>
+          </a:stretch>
+        </p:blipFill>
+        <p:spPr>
+          <a:xfrm>
+            <a:off x="6943230" y="5549932"/>
+            <a:ext cx="321154" cy="157428"/>
+          </a:xfrm>
+          <a:prstGeom prst="rect">
+            <a:avLst/>
+          </a:prstGeom>
+        </p:spPr>
+      </p:pic>
+      <p:sp>
+        <p:nvSpPr>
+          <p:cNvPr id="56" name="Textfeld 55">
+            <a:extLst>
+              <a:ext uri="{FF2B5EF4-FFF2-40B4-BE49-F238E27FC236}">
+                <a16:creationId xmlns:a16="http://schemas.microsoft.com/office/drawing/2014/main" id="{F98E6FF7-4C2B-61B8-A3DA-503AB4581CF6}"/>
+              </a:ext>
+            </a:extLst>
+          </p:cNvPr>
+          <p:cNvSpPr txBox="1"/>
+          <p:nvPr/>
+        </p:nvSpPr>
+        <p:spPr>
+          <a:xfrm>
+            <a:off x="4077364" y="5707360"/>
+            <a:ext cx="1342536" cy="246221"/>
+          </a:xfrm>
+          <a:prstGeom prst="rect">
+            <a:avLst/>
+          </a:prstGeom>
+          <a:noFill/>
+        </p:spPr>
+        <p:txBody>
+          <a:bodyPr wrap="square" rtlCol="0">
+            <a:spAutoFit/>
+          </a:bodyPr>
+          <a:lstStyle/>
+          <a:p>
+            <a:r>
+              <a:rPr lang="de-CH" sz="1000" b="1" dirty="0">
+                <a:latin typeface="Arial" panose="020B0604020202020204" pitchFamily="34" charset="0"/>
+                <a:cs typeface="Arial" panose="020B0604020202020204" pitchFamily="34" charset="0"/>
+              </a:rPr>
+              <a:t>Bemerkung</a:t>
+            </a:r>
+          </a:p>
+        </p:txBody>
+      </p:sp>
+      <p:sp>
+        <p:nvSpPr>
+          <p:cNvPr id="57" name="Rechteck 56">
+            <a:extLst>
+              <a:ext uri="{FF2B5EF4-FFF2-40B4-BE49-F238E27FC236}">
+                <a16:creationId xmlns:a16="http://schemas.microsoft.com/office/drawing/2014/main" id="{173E94BB-B836-480F-CDBE-3967FB045AC2}"/>
+              </a:ext>
+            </a:extLst>
+          </p:cNvPr>
+          <p:cNvSpPr/>
+          <p:nvPr/>
+        </p:nvSpPr>
+        <p:spPr>
+          <a:xfrm>
+            <a:off x="4130142" y="5922855"/>
+            <a:ext cx="3166948" cy="301629"/>
+          </a:xfrm>
+          <a:prstGeom prst="rect">
+            <a:avLst/>
+          </a:prstGeom>
+          <a:solidFill>
+            <a:schemeClr val="bg1"/>
+          </a:solidFill>
+          <a:ln>
+            <a:solidFill>
+              <a:schemeClr val="tx1"/>
+            </a:solidFill>
+          </a:ln>
+        </p:spPr>
+        <p:style>
+          <a:lnRef idx="2">
+            <a:schemeClr val="accent1">
+              <a:shade val="50000"/>
+            </a:schemeClr>
+          </a:lnRef>
+          <a:fillRef idx="1">
+            <a:schemeClr val="accent1"/>
+          </a:fillRef>
+          <a:effectRef idx="0">
+            <a:schemeClr val="accent1"/>
+          </a:effectRef>
+          <a:fontRef idx="minor">
+            <a:schemeClr val="lt1"/>
+          </a:fontRef>
+        </p:style>
+        <p:txBody>
+          <a:bodyPr rtlCol="0" anchor="ctr"/>
+          <a:lstStyle/>
+          <a:p>
+            <a:r>
+              <a:rPr lang="de-CH" sz="1200" i="1" dirty="0">
+                <a:solidFill>
+                  <a:schemeClr val="tx1"/>
+                </a:solidFill>
+                <a:latin typeface="Arial" panose="020B0604020202020204" pitchFamily="34" charset="0"/>
+                <a:cs typeface="Arial" panose="020B0604020202020204" pitchFamily="34" charset="0"/>
+              </a:rPr>
+              <a:t>Bemerkung eingeben ….</a:t>
+            </a:r>
+          </a:p>
+        </p:txBody>
+      </p:sp>
+      <p:sp>
+        <p:nvSpPr>
+          <p:cNvPr id="58" name="Rechteck 57">
+            <a:extLst>
+              <a:ext uri="{FF2B5EF4-FFF2-40B4-BE49-F238E27FC236}">
+                <a16:creationId xmlns:a16="http://schemas.microsoft.com/office/drawing/2014/main" id="{C785EC60-4998-70C0-A815-2730FA149737}"/>
+              </a:ext>
+            </a:extLst>
+          </p:cNvPr>
+          <p:cNvSpPr/>
+          <p:nvPr/>
+        </p:nvSpPr>
+        <p:spPr>
+          <a:xfrm>
+            <a:off x="5160683" y="6284514"/>
+            <a:ext cx="1225014" cy="292247"/>
+          </a:xfrm>
+          <a:prstGeom prst="rect">
+            <a:avLst/>
+          </a:prstGeom>
+          <a:noFill/>
+          <a:ln>
+            <a:solidFill>
+              <a:schemeClr val="tx1"/>
+            </a:solidFill>
+          </a:ln>
+        </p:spPr>
+        <p:style>
+          <a:lnRef idx="2">
+            <a:schemeClr val="accent1">
+              <a:shade val="50000"/>
+            </a:schemeClr>
+          </a:lnRef>
+          <a:fillRef idx="1">
+            <a:schemeClr val="accent1"/>
+          </a:fillRef>
+          <a:effectRef idx="0">
+            <a:schemeClr val="accent1"/>
+          </a:effectRef>
+          <a:fontRef idx="minor">
+            <a:schemeClr val="lt1"/>
+          </a:fontRef>
+        </p:style>
+        <p:txBody>
+          <a:bodyPr rtlCol="0" anchor="ctr"/>
+          <a:lstStyle/>
+          <a:p>
+            <a:pPr algn="ctr"/>
+            <a:r>
+              <a:rPr lang="de-CH" sz="1200" b="1" dirty="0">
+                <a:solidFill>
+                  <a:schemeClr val="tx1"/>
+                </a:solidFill>
+                <a:latin typeface="Arial" panose="020B0604020202020204" pitchFamily="34" charset="0"/>
+                <a:cs typeface="Arial" panose="020B0604020202020204" pitchFamily="34" charset="0"/>
+              </a:rPr>
+              <a:t>Senden</a:t>
+            </a:r>
+          </a:p>
+        </p:txBody>
+      </p:sp>
+      <p:pic>
+        <p:nvPicPr>
+          <p:cNvPr id="60" name="Grafik 59">
+            <a:extLst>
+              <a:ext uri="{FF2B5EF4-FFF2-40B4-BE49-F238E27FC236}">
+                <a16:creationId xmlns:a16="http://schemas.microsoft.com/office/drawing/2014/main" id="{61002AC6-078B-0A7A-6ADD-DFDAC83315CD}"/>
+              </a:ext>
+            </a:extLst>
+          </p:cNvPr>
+          <p:cNvPicPr>
+            <a:picLocks noChangeAspect="1"/>
+          </p:cNvPicPr>
+          <p:nvPr/>
+        </p:nvPicPr>
+        <p:blipFill>
+          <a:blip r:embed="rId5"/>
+          <a:stretch>
+            <a:fillRect/>
+          </a:stretch>
+        </p:blipFill>
+        <p:spPr>
+          <a:xfrm>
+            <a:off x="6943230" y="532289"/>
+            <a:ext cx="331444" cy="256116"/>
+          </a:xfrm>
+          <a:prstGeom prst="rect">
+            <a:avLst/>
+          </a:prstGeom>
+        </p:spPr>
+      </p:pic>
+      <p:sp>
+        <p:nvSpPr>
+          <p:cNvPr id="61" name="Rechteck 60">
+            <a:extLst>
+              <a:ext uri="{FF2B5EF4-FFF2-40B4-BE49-F238E27FC236}">
+                <a16:creationId xmlns:a16="http://schemas.microsoft.com/office/drawing/2014/main" id="{BF396F8D-2C31-2485-0E53-6E1A0E712A21}"/>
+              </a:ext>
+            </a:extLst>
+          </p:cNvPr>
+          <p:cNvSpPr/>
+          <p:nvPr/>
+        </p:nvSpPr>
+        <p:spPr>
+          <a:xfrm>
+            <a:off x="6563630" y="2187902"/>
+            <a:ext cx="735983" cy="292247"/>
+          </a:xfrm>
+          <a:prstGeom prst="rect">
+            <a:avLst/>
+          </a:prstGeom>
+          <a:noFill/>
+          <a:ln>
+            <a:solidFill>
+              <a:schemeClr val="tx1"/>
+            </a:solidFill>
+          </a:ln>
+        </p:spPr>
+        <p:style>
+          <a:lnRef idx="2">
+            <a:schemeClr val="accent1">
+              <a:shade val="50000"/>
+            </a:schemeClr>
+          </a:lnRef>
+          <a:fillRef idx="1">
+            <a:schemeClr val="accent1"/>
+          </a:fillRef>
+          <a:effectRef idx="0">
+            <a:schemeClr val="accent1"/>
+          </a:effectRef>
+          <a:fontRef idx="minor">
+            <a:schemeClr val="lt1"/>
+          </a:fontRef>
+        </p:style>
+        <p:txBody>
+          <a:bodyPr rtlCol="0" anchor="ctr"/>
+          <a:lstStyle/>
+          <a:p>
+            <a:pPr algn="ctr"/>
+            <a:r>
+              <a:rPr lang="de-CH" sz="1200" dirty="0">
+                <a:solidFill>
+                  <a:schemeClr val="tx1"/>
+                </a:solidFill>
+                <a:latin typeface="Arial" panose="020B0604020202020204" pitchFamily="34" charset="0"/>
+                <a:cs typeface="Arial" panose="020B0604020202020204" pitchFamily="34" charset="0"/>
+              </a:rPr>
+              <a:t>Senden</a:t>
+            </a:r>
+          </a:p>
+        </p:txBody>
+      </p:sp>
+    </p:spTree>
+    <p:extLst>
+      <p:ext uri="{BB962C8B-B14F-4D97-AF65-F5344CB8AC3E}">
+        <p14:creationId xmlns:p14="http://schemas.microsoft.com/office/powerpoint/2010/main" val="3356822967"/>
+      </p:ext>
+    </p:extLst>
+  </p:cSld>
+  <p:clrMapOvr>
+    <a:masterClrMapping/>
+  </p:clrMapOvr>
+</p:sld>
+</file>
+
+<file path=ppt/slides/slide14.xml><?xml version="1.0" encoding="utf-8"?>
+<p:sld xmlns:a="http://schemas.openxmlformats.org/drawingml/2006/main" xmlns:r="http://schemas.openxmlformats.org/officeDocument/2006/relationships" xmlns:p="http://schemas.openxmlformats.org/presentationml/2006/main">
+  <p:cSld>
+    <p:spTree>
+      <p:nvGrpSpPr>
+        <p:cNvPr id="1" name=""/>
+        <p:cNvGrpSpPr/>
+        <p:nvPr/>
+      </p:nvGrpSpPr>
+      <p:grpSpPr>
+        <a:xfrm>
+          <a:off x="0" y="0"/>
+          <a:ext cx="0" cy="0"/>
+          <a:chOff x="0" y="0"/>
+          <a:chExt cx="0" cy="0"/>
+        </a:xfrm>
+      </p:grpSpPr>
+      <p:sp>
+        <p:nvSpPr>
           <p:cNvPr id="2" name="Rechteck 1">
             <a:extLst>
               <a:ext uri="{FF2B5EF4-FFF2-40B4-BE49-F238E27FC236}">
@@ -9757,7 +9788,7 @@
 </p:sld>
 </file>
 
-<file path=ppt/slides/slide14.xml><?xml version="1.0" encoding="utf-8"?>
+<file path=ppt/slides/slide15.xml><?xml version="1.0" encoding="utf-8"?>
 <p:sld xmlns:a="http://schemas.openxmlformats.org/drawingml/2006/main" xmlns:r="http://schemas.openxmlformats.org/officeDocument/2006/relationships" xmlns:p="http://schemas.openxmlformats.org/presentationml/2006/main">
   <p:cSld>
     <p:spTree>

--- a/Description/JazzGuestsUpload.pptx
+++ b/Description/JazzGuestsUpload.pptx
@@ -135,6 +135,32 @@
 </p:presentation>
 </file>
 
+<file path=ppt/commentAuthors.xml><?xml version="1.0" encoding="utf-8"?>
+<p:cmAuthorLst xmlns:a="http://schemas.openxmlformats.org/drawingml/2006/main" xmlns:r="http://schemas.openxmlformats.org/officeDocument/2006/relationships" xmlns:p="http://schemas.openxmlformats.org/presentationml/2006/main">
+  <p:cmAuthor id="1" name="Gunnar Liden" initials="GL" lastIdx="1" clrIdx="0">
+    <p:extLst>
+      <p:ext uri="{19B8F6BF-5375-455C-9EA6-DF929625EA0E}">
+        <p15:presenceInfo xmlns:p15="http://schemas.microsoft.com/office/powerpoint/2012/main" userId="6f9d43f83691c4e7" providerId="Windows Live"/>
+      </p:ext>
+    </p:extLst>
+  </p:cmAuthor>
+</p:cmAuthorLst>
+</file>
+
+<file path=ppt/comments/comment1.xml><?xml version="1.0" encoding="utf-8"?>
+<p:cmLst xmlns:a="http://schemas.openxmlformats.org/drawingml/2006/main" xmlns:r="http://schemas.openxmlformats.org/officeDocument/2006/relationships" xmlns:p="http://schemas.openxmlformats.org/presentationml/2006/main">
+  <p:cm authorId="1" dt="2024-02-04T10:25:58.866" idx="1">
+    <p:pos x="7437" y="1417"/>
+    <p:text/>
+    <p:extLst>
+      <p:ext uri="{C676402C-5697-4E1C-873F-D02D1690AC5C}">
+        <p15:threadingInfo xmlns:p15="http://schemas.microsoft.com/office/powerpoint/2012/main" timeZoneBias="-60"/>
+      </p:ext>
+    </p:extLst>
+  </p:cm>
+</p:cmLst>
+</file>
+
 <file path=ppt/slideLayouts/slideLayout1.xml><?xml version="1.0" encoding="utf-8"?>
 <p:sldLayout xmlns:a="http://schemas.openxmlformats.org/drawingml/2006/main" xmlns:r="http://schemas.openxmlformats.org/officeDocument/2006/relationships" xmlns:p="http://schemas.openxmlformats.org/presentationml/2006/main" type="title" preserve="1">
   <p:cSld name="Titelfolie">
@@ -266,7 +292,7 @@
           <a:p>
             <a:fld id="{DDCE6D58-9B57-4731-A47B-3CD41B48F0A9}" type="datetimeFigureOut">
               <a:rPr lang="de-CH" smtClean="0"/>
-              <a:t>01.02.2024</a:t>
+              <a:t>04.02.2024</a:t>
             </a:fld>
             <a:endParaRPr lang="de-CH"/>
           </a:p>
@@ -436,7 +462,7 @@
           <a:p>
             <a:fld id="{DDCE6D58-9B57-4731-A47B-3CD41B48F0A9}" type="datetimeFigureOut">
               <a:rPr lang="de-CH" smtClean="0"/>
-              <a:t>01.02.2024</a:t>
+              <a:t>04.02.2024</a:t>
             </a:fld>
             <a:endParaRPr lang="de-CH"/>
           </a:p>
@@ -616,7 +642,7 @@
           <a:p>
             <a:fld id="{DDCE6D58-9B57-4731-A47B-3CD41B48F0A9}" type="datetimeFigureOut">
               <a:rPr lang="de-CH" smtClean="0"/>
-              <a:t>01.02.2024</a:t>
+              <a:t>04.02.2024</a:t>
             </a:fld>
             <a:endParaRPr lang="de-CH"/>
           </a:p>
@@ -786,7 +812,7 @@
           <a:p>
             <a:fld id="{DDCE6D58-9B57-4731-A47B-3CD41B48F0A9}" type="datetimeFigureOut">
               <a:rPr lang="de-CH" smtClean="0"/>
-              <a:t>01.02.2024</a:t>
+              <a:t>04.02.2024</a:t>
             </a:fld>
             <a:endParaRPr lang="de-CH"/>
           </a:p>
@@ -1032,7 +1058,7 @@
           <a:p>
             <a:fld id="{DDCE6D58-9B57-4731-A47B-3CD41B48F0A9}" type="datetimeFigureOut">
               <a:rPr lang="de-CH" smtClean="0"/>
-              <a:t>01.02.2024</a:t>
+              <a:t>04.02.2024</a:t>
             </a:fld>
             <a:endParaRPr lang="de-CH"/>
           </a:p>
@@ -1264,7 +1290,7 @@
           <a:p>
             <a:fld id="{DDCE6D58-9B57-4731-A47B-3CD41B48F0A9}" type="datetimeFigureOut">
               <a:rPr lang="de-CH" smtClean="0"/>
-              <a:t>01.02.2024</a:t>
+              <a:t>04.02.2024</a:t>
             </a:fld>
             <a:endParaRPr lang="de-CH"/>
           </a:p>
@@ -1631,7 +1657,7 @@
           <a:p>
             <a:fld id="{DDCE6D58-9B57-4731-A47B-3CD41B48F0A9}" type="datetimeFigureOut">
               <a:rPr lang="de-CH" smtClean="0"/>
-              <a:t>01.02.2024</a:t>
+              <a:t>04.02.2024</a:t>
             </a:fld>
             <a:endParaRPr lang="de-CH"/>
           </a:p>
@@ -1749,7 +1775,7 @@
           <a:p>
             <a:fld id="{DDCE6D58-9B57-4731-A47B-3CD41B48F0A9}" type="datetimeFigureOut">
               <a:rPr lang="de-CH" smtClean="0"/>
-              <a:t>01.02.2024</a:t>
+              <a:t>04.02.2024</a:t>
             </a:fld>
             <a:endParaRPr lang="de-CH"/>
           </a:p>
@@ -1844,7 +1870,7 @@
           <a:p>
             <a:fld id="{DDCE6D58-9B57-4731-A47B-3CD41B48F0A9}" type="datetimeFigureOut">
               <a:rPr lang="de-CH" smtClean="0"/>
-              <a:t>01.02.2024</a:t>
+              <a:t>04.02.2024</a:t>
             </a:fld>
             <a:endParaRPr lang="de-CH"/>
           </a:p>
@@ -2121,7 +2147,7 @@
           <a:p>
             <a:fld id="{DDCE6D58-9B57-4731-A47B-3CD41B48F0A9}" type="datetimeFigureOut">
               <a:rPr lang="de-CH" smtClean="0"/>
-              <a:t>01.02.2024</a:t>
+              <a:t>04.02.2024</a:t>
             </a:fld>
             <a:endParaRPr lang="de-CH"/>
           </a:p>
@@ -2374,7 +2400,7 @@
           <a:p>
             <a:fld id="{DDCE6D58-9B57-4731-A47B-3CD41B48F0A9}" type="datetimeFigureOut">
               <a:rPr lang="de-CH" smtClean="0"/>
-              <a:t>01.02.2024</a:t>
+              <a:t>04.02.2024</a:t>
             </a:fld>
             <a:endParaRPr lang="de-CH"/>
           </a:p>
@@ -2587,7 +2613,7 @@
           <a:p>
             <a:fld id="{DDCE6D58-9B57-4731-A47B-3CD41B48F0A9}" type="datetimeFigureOut">
               <a:rPr lang="de-CH" smtClean="0"/>
-              <a:t>01.02.2024</a:t>
+              <a:t>04.02.2024</a:t>
             </a:fld>
             <a:endParaRPr lang="de-CH"/>
           </a:p>
@@ -2994,10 +3020,497 @@
       </p:grpSpPr>
       <p:pic>
         <p:nvPicPr>
-          <p:cNvPr id="1026" name="Picture 2" descr="Drawing - Free art icons">
-            <a:extLst>
-              <a:ext uri="{FF2B5EF4-FFF2-40B4-BE49-F238E27FC236}">
-                <a16:creationId xmlns:a16="http://schemas.microsoft.com/office/drawing/2014/main" id="{A0C9D1DB-3B58-B2EA-6328-96AC5357D2F0}"/>
+          <p:cNvPr id="7" name="Grafik 6">
+            <a:extLst>
+              <a:ext uri="{FF2B5EF4-FFF2-40B4-BE49-F238E27FC236}">
+                <a16:creationId xmlns:a16="http://schemas.microsoft.com/office/drawing/2014/main" id="{D9E1CB20-5FB7-364A-DEF0-AA250D7C6A0E}"/>
+              </a:ext>
+            </a:extLst>
+          </p:cNvPr>
+          <p:cNvPicPr>
+            <a:picLocks noChangeAspect="1"/>
+          </p:cNvPicPr>
+          <p:nvPr/>
+        </p:nvPicPr>
+        <p:blipFill>
+          <a:blip r:embed="rId2"/>
+          <a:stretch>
+            <a:fillRect/>
+          </a:stretch>
+        </p:blipFill>
+        <p:spPr>
+          <a:xfrm>
+            <a:off x="5713488" y="1477368"/>
+            <a:ext cx="2724471" cy="1040144"/>
+          </a:xfrm>
+          <a:prstGeom prst="rect">
+            <a:avLst/>
+          </a:prstGeom>
+        </p:spPr>
+      </p:pic>
+      <p:sp>
+        <p:nvSpPr>
+          <p:cNvPr id="8" name="Rechteck 7">
+            <a:extLst>
+              <a:ext uri="{FF2B5EF4-FFF2-40B4-BE49-F238E27FC236}">
+                <a16:creationId xmlns:a16="http://schemas.microsoft.com/office/drawing/2014/main" id="{852B453D-008C-86E8-276F-28E356D57FE6}"/>
+              </a:ext>
+            </a:extLst>
+          </p:cNvPr>
+          <p:cNvSpPr/>
+          <p:nvPr/>
+        </p:nvSpPr>
+        <p:spPr>
+          <a:xfrm>
+            <a:off x="3031924" y="4293864"/>
+            <a:ext cx="3339167" cy="1995885"/>
+          </a:xfrm>
+          <a:prstGeom prst="rect">
+            <a:avLst/>
+          </a:prstGeom>
+          <a:solidFill>
+            <a:srgbClr val="DFE0E1"/>
+          </a:solidFill>
+          <a:ln>
+            <a:solidFill>
+              <a:srgbClr val="C8C8C8"/>
+            </a:solidFill>
+          </a:ln>
+        </p:spPr>
+        <p:style>
+          <a:lnRef idx="2">
+            <a:schemeClr val="accent1">
+              <a:shade val="50000"/>
+            </a:schemeClr>
+          </a:lnRef>
+          <a:fillRef idx="1">
+            <a:schemeClr val="accent1"/>
+          </a:fillRef>
+          <a:effectRef idx="0">
+            <a:schemeClr val="accent1"/>
+          </a:effectRef>
+          <a:fontRef idx="minor">
+            <a:schemeClr val="lt1"/>
+          </a:fontRef>
+        </p:style>
+        <p:txBody>
+          <a:bodyPr rtlCol="0" anchor="ctr"/>
+          <a:lstStyle/>
+          <a:p>
+            <a:pPr algn="ctr"/>
+            <a:endParaRPr lang="de-CH" sz="1600" dirty="0">
+              <a:solidFill>
+                <a:schemeClr val="tx1"/>
+              </a:solidFill>
+              <a:latin typeface="Arial" panose="020B0604020202020204" pitchFamily="34" charset="0"/>
+              <a:cs typeface="Arial" panose="020B0604020202020204" pitchFamily="34" charset="0"/>
+            </a:endParaRPr>
+          </a:p>
+        </p:txBody>
+      </p:sp>
+      <p:sp>
+        <p:nvSpPr>
+          <p:cNvPr id="9" name="Rechteck 8">
+            <a:extLst>
+              <a:ext uri="{FF2B5EF4-FFF2-40B4-BE49-F238E27FC236}">
+                <a16:creationId xmlns:a16="http://schemas.microsoft.com/office/drawing/2014/main" id="{A2B50460-DB7E-B2AE-E2C2-7F3614F2A96E}"/>
+              </a:ext>
+            </a:extLst>
+          </p:cNvPr>
+          <p:cNvSpPr/>
+          <p:nvPr/>
+        </p:nvSpPr>
+        <p:spPr>
+          <a:xfrm>
+            <a:off x="3031921" y="4199065"/>
+            <a:ext cx="3339167" cy="769028"/>
+          </a:xfrm>
+          <a:prstGeom prst="rect">
+            <a:avLst/>
+          </a:prstGeom>
+          <a:solidFill>
+            <a:schemeClr val="tx1"/>
+          </a:solidFill>
+          <a:ln>
+            <a:solidFill>
+              <a:schemeClr val="tx1"/>
+            </a:solidFill>
+          </a:ln>
+        </p:spPr>
+        <p:style>
+          <a:lnRef idx="2">
+            <a:schemeClr val="accent1">
+              <a:shade val="50000"/>
+            </a:schemeClr>
+          </a:lnRef>
+          <a:fillRef idx="1">
+            <a:schemeClr val="accent1"/>
+          </a:fillRef>
+          <a:effectRef idx="0">
+            <a:schemeClr val="accent1"/>
+          </a:effectRef>
+          <a:fontRef idx="minor">
+            <a:schemeClr val="lt1"/>
+          </a:fontRef>
+        </p:style>
+        <p:txBody>
+          <a:bodyPr rtlCol="0" anchor="ctr"/>
+          <a:lstStyle/>
+          <a:p>
+            <a:pPr algn="ctr"/>
+            <a:r>
+              <a:rPr lang="de-CH" sz="1600" b="1" dirty="0">
+                <a:solidFill>
+                  <a:srgbClr val="FF000A"/>
+                </a:solidFill>
+                <a:latin typeface="Arial" panose="020B0604020202020204" pitchFamily="34" charset="0"/>
+                <a:cs typeface="Arial" panose="020B0604020202020204" pitchFamily="34" charset="0"/>
+              </a:rPr>
+              <a:t>          </a:t>
+            </a:r>
+          </a:p>
+          <a:p>
+            <a:pPr algn="ctr"/>
+            <a:r>
+              <a:rPr lang="de-CH" sz="1400" b="1" dirty="0">
+                <a:solidFill>
+                  <a:srgbClr val="FF000A"/>
+                </a:solidFill>
+                <a:latin typeface="Arial" panose="020B0604020202020204" pitchFamily="34" charset="0"/>
+                <a:cs typeface="Arial" panose="020B0604020202020204" pitchFamily="34" charset="0"/>
+              </a:rPr>
+              <a:t>Gästebuch-Bild hochladen </a:t>
+            </a:r>
+          </a:p>
+        </p:txBody>
+      </p:sp>
+      <p:pic>
+        <p:nvPicPr>
+          <p:cNvPr id="10" name="Grafik 9">
+            <a:extLst>
+              <a:ext uri="{FF2B5EF4-FFF2-40B4-BE49-F238E27FC236}">
+                <a16:creationId xmlns:a16="http://schemas.microsoft.com/office/drawing/2014/main" id="{7B97B44F-258D-0760-70D4-571DA45DBBC0}"/>
+              </a:ext>
+            </a:extLst>
+          </p:cNvPr>
+          <p:cNvPicPr>
+            <a:picLocks noChangeAspect="1"/>
+          </p:cNvPicPr>
+          <p:nvPr/>
+        </p:nvPicPr>
+        <p:blipFill>
+          <a:blip r:embed="rId3"/>
+          <a:stretch>
+            <a:fillRect/>
+          </a:stretch>
+        </p:blipFill>
+        <p:spPr>
+          <a:xfrm>
+            <a:off x="3472935" y="4295724"/>
+            <a:ext cx="2457143" cy="238095"/>
+          </a:xfrm>
+          <a:prstGeom prst="rect">
+            <a:avLst/>
+          </a:prstGeom>
+        </p:spPr>
+      </p:pic>
+      <p:sp>
+        <p:nvSpPr>
+          <p:cNvPr id="11" name="Rechteck 10">
+            <a:extLst>
+              <a:ext uri="{FF2B5EF4-FFF2-40B4-BE49-F238E27FC236}">
+                <a16:creationId xmlns:a16="http://schemas.microsoft.com/office/drawing/2014/main" id="{259031CB-A577-4868-F9F4-53FB13677387}"/>
+              </a:ext>
+            </a:extLst>
+          </p:cNvPr>
+          <p:cNvSpPr/>
+          <p:nvPr/>
+        </p:nvSpPr>
+        <p:spPr>
+          <a:xfrm>
+            <a:off x="3709802" y="5034414"/>
+            <a:ext cx="2579516" cy="301629"/>
+          </a:xfrm>
+          <a:prstGeom prst="rect">
+            <a:avLst/>
+          </a:prstGeom>
+          <a:solidFill>
+            <a:schemeClr val="bg1"/>
+          </a:solidFill>
+          <a:ln>
+            <a:solidFill>
+              <a:schemeClr val="tx1"/>
+            </a:solidFill>
+          </a:ln>
+        </p:spPr>
+        <p:style>
+          <a:lnRef idx="2">
+            <a:schemeClr val="accent1">
+              <a:shade val="50000"/>
+            </a:schemeClr>
+          </a:lnRef>
+          <a:fillRef idx="1">
+            <a:schemeClr val="accent1"/>
+          </a:fillRef>
+          <a:effectRef idx="0">
+            <a:schemeClr val="accent1"/>
+          </a:effectRef>
+          <a:fontRef idx="minor">
+            <a:schemeClr val="lt1"/>
+          </a:fontRef>
+        </p:style>
+        <p:txBody>
+          <a:bodyPr rtlCol="0" anchor="ctr"/>
+          <a:lstStyle/>
+          <a:p>
+            <a:r>
+              <a:rPr lang="de-CH" sz="1200" i="1" dirty="0">
+                <a:solidFill>
+                  <a:schemeClr val="tx1"/>
+                </a:solidFill>
+                <a:latin typeface="Arial" panose="020B0604020202020204" pitchFamily="34" charset="0"/>
+                <a:cs typeface="Arial" panose="020B0604020202020204" pitchFamily="34" charset="0"/>
+              </a:rPr>
+              <a:t>Name(n) eingeben …</a:t>
+            </a:r>
+          </a:p>
+        </p:txBody>
+      </p:sp>
+      <p:sp>
+        <p:nvSpPr>
+          <p:cNvPr id="12" name="Textfeld 11">
+            <a:extLst>
+              <a:ext uri="{FF2B5EF4-FFF2-40B4-BE49-F238E27FC236}">
+                <a16:creationId xmlns:a16="http://schemas.microsoft.com/office/drawing/2014/main" id="{09A29106-2290-236C-D642-115C0A57C203}"/>
+              </a:ext>
+            </a:extLst>
+          </p:cNvPr>
+          <p:cNvSpPr txBox="1"/>
+          <p:nvPr/>
+        </p:nvSpPr>
+        <p:spPr>
+          <a:xfrm>
+            <a:off x="3031327" y="5031340"/>
+            <a:ext cx="678475" cy="307777"/>
+          </a:xfrm>
+          <a:prstGeom prst="rect">
+            <a:avLst/>
+          </a:prstGeom>
+          <a:noFill/>
+        </p:spPr>
+        <p:txBody>
+          <a:bodyPr wrap="square" rtlCol="0">
+            <a:spAutoFit/>
+          </a:bodyPr>
+          <a:lstStyle/>
+          <a:p>
+            <a:r>
+              <a:rPr lang="de-CH" sz="1400" b="1" dirty="0">
+                <a:latin typeface="Arial" panose="020B0604020202020204" pitchFamily="34" charset="0"/>
+                <a:cs typeface="Arial" panose="020B0604020202020204" pitchFamily="34" charset="0"/>
+              </a:rPr>
+              <a:t>Name</a:t>
+            </a:r>
+          </a:p>
+        </p:txBody>
+      </p:sp>
+      <p:sp>
+        <p:nvSpPr>
+          <p:cNvPr id="13" name="Rechteck 12">
+            <a:extLst>
+              <a:ext uri="{FF2B5EF4-FFF2-40B4-BE49-F238E27FC236}">
+                <a16:creationId xmlns:a16="http://schemas.microsoft.com/office/drawing/2014/main" id="{EA909D5D-F5B0-DEFF-E525-84E8AB313E10}"/>
+              </a:ext>
+            </a:extLst>
+          </p:cNvPr>
+          <p:cNvSpPr/>
+          <p:nvPr/>
+        </p:nvSpPr>
+        <p:spPr>
+          <a:xfrm>
+            <a:off x="3710396" y="5391253"/>
+            <a:ext cx="2579516" cy="301629"/>
+          </a:xfrm>
+          <a:prstGeom prst="rect">
+            <a:avLst/>
+          </a:prstGeom>
+          <a:solidFill>
+            <a:schemeClr val="bg1"/>
+          </a:solidFill>
+          <a:ln>
+            <a:solidFill>
+              <a:schemeClr val="tx1"/>
+            </a:solidFill>
+          </a:ln>
+        </p:spPr>
+        <p:style>
+          <a:lnRef idx="2">
+            <a:schemeClr val="accent1">
+              <a:shade val="50000"/>
+            </a:schemeClr>
+          </a:lnRef>
+          <a:fillRef idx="1">
+            <a:schemeClr val="accent1"/>
+          </a:fillRef>
+          <a:effectRef idx="0">
+            <a:schemeClr val="accent1"/>
+          </a:effectRef>
+          <a:fontRef idx="minor">
+            <a:schemeClr val="lt1"/>
+          </a:fontRef>
+        </p:style>
+        <p:txBody>
+          <a:bodyPr rtlCol="0" anchor="ctr"/>
+          <a:lstStyle/>
+          <a:p>
+            <a:r>
+              <a:rPr lang="de-CH" sz="1200" i="1" dirty="0">
+                <a:solidFill>
+                  <a:schemeClr val="tx1"/>
+                </a:solidFill>
+                <a:latin typeface="Arial" panose="020B0604020202020204" pitchFamily="34" charset="0"/>
+                <a:cs typeface="Arial" panose="020B0604020202020204" pitchFamily="34" charset="0"/>
+              </a:rPr>
+              <a:t>E-Mail Adresse eingeben …</a:t>
+            </a:r>
+          </a:p>
+        </p:txBody>
+      </p:sp>
+      <p:sp>
+        <p:nvSpPr>
+          <p:cNvPr id="14" name="Textfeld 13">
+            <a:extLst>
+              <a:ext uri="{FF2B5EF4-FFF2-40B4-BE49-F238E27FC236}">
+                <a16:creationId xmlns:a16="http://schemas.microsoft.com/office/drawing/2014/main" id="{D94CE715-2AF5-8624-E2BE-C506DF769226}"/>
+              </a:ext>
+            </a:extLst>
+          </p:cNvPr>
+          <p:cNvSpPr txBox="1"/>
+          <p:nvPr/>
+        </p:nvSpPr>
+        <p:spPr>
+          <a:xfrm>
+            <a:off x="3031921" y="5388179"/>
+            <a:ext cx="789260" cy="307777"/>
+          </a:xfrm>
+          <a:prstGeom prst="rect">
+            <a:avLst/>
+          </a:prstGeom>
+          <a:noFill/>
+        </p:spPr>
+        <p:txBody>
+          <a:bodyPr wrap="square" rtlCol="0">
+            <a:spAutoFit/>
+          </a:bodyPr>
+          <a:lstStyle/>
+          <a:p>
+            <a:r>
+              <a:rPr lang="de-CH" sz="1400" b="1" dirty="0">
+                <a:latin typeface="Arial" panose="020B0604020202020204" pitchFamily="34" charset="0"/>
+                <a:cs typeface="Arial" panose="020B0604020202020204" pitchFamily="34" charset="0"/>
+              </a:rPr>
+              <a:t>E-Mail</a:t>
+            </a:r>
+          </a:p>
+        </p:txBody>
+      </p:sp>
+      <p:sp>
+        <p:nvSpPr>
+          <p:cNvPr id="15" name="Rechteck 14">
+            <a:extLst>
+              <a:ext uri="{FF2B5EF4-FFF2-40B4-BE49-F238E27FC236}">
+                <a16:creationId xmlns:a16="http://schemas.microsoft.com/office/drawing/2014/main" id="{AA650850-BA67-7DC0-184B-E5443A7A02B2}"/>
+              </a:ext>
+            </a:extLst>
+          </p:cNvPr>
+          <p:cNvSpPr/>
+          <p:nvPr/>
+        </p:nvSpPr>
+        <p:spPr>
+          <a:xfrm>
+            <a:off x="3122369" y="5759204"/>
+            <a:ext cx="3166949" cy="255249"/>
+          </a:xfrm>
+          <a:prstGeom prst="rect">
+            <a:avLst/>
+          </a:prstGeom>
+          <a:noFill/>
+          <a:ln>
+            <a:solidFill>
+              <a:schemeClr val="tx1"/>
+            </a:solidFill>
+          </a:ln>
+        </p:spPr>
+        <p:style>
+          <a:lnRef idx="2">
+            <a:schemeClr val="accent1">
+              <a:shade val="50000"/>
+            </a:schemeClr>
+          </a:lnRef>
+          <a:fillRef idx="1">
+            <a:schemeClr val="accent1"/>
+          </a:fillRef>
+          <a:effectRef idx="0">
+            <a:schemeClr val="accent1"/>
+          </a:effectRef>
+          <a:fontRef idx="minor">
+            <a:schemeClr val="lt1"/>
+          </a:fontRef>
+        </p:style>
+        <p:txBody>
+          <a:bodyPr rtlCol="0" anchor="ctr"/>
+          <a:lstStyle/>
+          <a:p>
+            <a:pPr algn="ctr"/>
+            <a:r>
+              <a:rPr lang="de-CH" sz="1200" dirty="0">
+                <a:solidFill>
+                  <a:schemeClr val="tx1"/>
+                </a:solidFill>
+                <a:latin typeface="Arial" panose="020B0604020202020204" pitchFamily="34" charset="0"/>
+                <a:cs typeface="Arial" panose="020B0604020202020204" pitchFamily="34" charset="0"/>
+              </a:rPr>
+              <a:t>Code verlangen</a:t>
+            </a:r>
+          </a:p>
+        </p:txBody>
+      </p:sp>
+      <p:pic>
+        <p:nvPicPr>
+          <p:cNvPr id="16" name="Grafik 15">
+            <a:extLst>
+              <a:ext uri="{FF2B5EF4-FFF2-40B4-BE49-F238E27FC236}">
+                <a16:creationId xmlns:a16="http://schemas.microsoft.com/office/drawing/2014/main" id="{7CAEF55A-88BB-2030-45C9-E017CA58C7D3}"/>
+              </a:ext>
+            </a:extLst>
+          </p:cNvPr>
+          <p:cNvPicPr>
+            <a:picLocks noChangeAspect="1"/>
+          </p:cNvPicPr>
+          <p:nvPr/>
+        </p:nvPicPr>
+        <p:blipFill>
+          <a:blip r:embed="rId4"/>
+          <a:stretch>
+            <a:fillRect/>
+          </a:stretch>
+        </p:blipFill>
+        <p:spPr>
+          <a:xfrm>
+            <a:off x="5906464" y="4428804"/>
+            <a:ext cx="331444" cy="256116"/>
+          </a:xfrm>
+          <a:prstGeom prst="rect">
+            <a:avLst/>
+          </a:prstGeom>
+        </p:spPr>
+      </p:pic>
+      <p:pic>
+        <p:nvPicPr>
+          <p:cNvPr id="1032" name="Picture 8" descr="eMail Widget 2: E-Mails im iPhone-Widget lesen">
+            <a:extLst>
+              <a:ext uri="{FF2B5EF4-FFF2-40B4-BE49-F238E27FC236}">
+                <a16:creationId xmlns:a16="http://schemas.microsoft.com/office/drawing/2014/main" id="{6ADE284A-8168-5C4F-D530-F4336DAFDCBE}"/>
               </a:ext>
             </a:extLst>
           </p:cNvPr>
@@ -3007,7 +3520,7 @@
           <p:nvPr/>
         </p:nvPicPr>
         <p:blipFill>
-          <a:blip r:embed="rId2">
+          <a:blip r:embed="rId5">
             <a:extLst>
               <a:ext uri="{28A0092B-C50C-407E-A947-70E740481C1C}">
                 <a14:useLocalDpi xmlns:a14="http://schemas.microsoft.com/office/drawing/2010/main" val="0"/>
@@ -3021,8 +3534,8 @@
         </p:blipFill>
         <p:spPr bwMode="auto">
           <a:xfrm>
-            <a:off x="2604435" y="552938"/>
-            <a:ext cx="766129" cy="766129"/>
+            <a:off x="7101648" y="5148787"/>
+            <a:ext cx="718991" cy="718991"/>
           </a:xfrm>
           <a:prstGeom prst="rect">
             <a:avLst/>
@@ -3039,136 +3552,278 @@
           </a:extLst>
         </p:spPr>
       </p:pic>
-      <p:pic>
-        <p:nvPicPr>
-          <p:cNvPr id="1028" name="Picture 4" descr="Couple, friend, happy, mobile, selfie, take, taking icon - Download on  Iconfinder">
-            <a:extLst>
-              <a:ext uri="{FF2B5EF4-FFF2-40B4-BE49-F238E27FC236}">
-                <a16:creationId xmlns:a16="http://schemas.microsoft.com/office/drawing/2014/main" id="{DAC1540E-A133-0888-79A5-D2C20FAE2713}"/>
-              </a:ext>
-            </a:extLst>
-          </p:cNvPr>
-          <p:cNvPicPr>
-            <a:picLocks noChangeAspect="1" noChangeArrowheads="1"/>
-          </p:cNvPicPr>
-          <p:nvPr/>
-        </p:nvPicPr>
-        <p:blipFill>
-          <a:blip r:embed="rId3">
-            <a:extLst>
-              <a:ext uri="{28A0092B-C50C-407E-A947-70E740481C1C}">
-                <a14:useLocalDpi xmlns:a14="http://schemas.microsoft.com/office/drawing/2010/main" val="0"/>
-              </a:ext>
-            </a:extLst>
-          </a:blip>
-          <a:srcRect/>
-          <a:stretch>
-            <a:fillRect/>
-          </a:stretch>
-        </p:blipFill>
-        <p:spPr bwMode="auto">
-          <a:xfrm>
-            <a:off x="2783974" y="1611531"/>
-            <a:ext cx="1812174" cy="1812174"/>
+      <p:sp>
+        <p:nvSpPr>
+          <p:cNvPr id="1044" name="Textfeld 1043">
+            <a:extLst>
+              <a:ext uri="{FF2B5EF4-FFF2-40B4-BE49-F238E27FC236}">
+                <a16:creationId xmlns:a16="http://schemas.microsoft.com/office/drawing/2014/main" id="{7777148A-7963-2881-0BFF-A8F9D79E0AAD}"/>
+              </a:ext>
+            </a:extLst>
+          </p:cNvPr>
+          <p:cNvSpPr txBox="1"/>
+          <p:nvPr/>
+        </p:nvSpPr>
+        <p:spPr>
+          <a:xfrm>
+            <a:off x="5818507" y="1067519"/>
+            <a:ext cx="1372560" cy="307777"/>
           </a:xfrm>
           <a:prstGeom prst="rect">
             <a:avLst/>
           </a:prstGeom>
           <a:noFill/>
-          <a:extLst>
-            <a:ext uri="{909E8E84-426E-40DD-AFC4-6F175D3DCCD1}">
-              <a14:hiddenFill xmlns:a14="http://schemas.microsoft.com/office/drawing/2010/main">
-                <a:solidFill>
-                  <a:srgbClr val="FFFFFF"/>
-                </a:solidFill>
-              </a14:hiddenFill>
-            </a:ext>
-          </a:extLst>
-        </p:spPr>
-      </p:pic>
-      <p:pic>
-        <p:nvPicPr>
-          <p:cNvPr id="1030" name="Picture 6" descr="Mobile Device Tips: How to Scan Documents with a Smartphone">
-            <a:extLst>
-              <a:ext uri="{FF2B5EF4-FFF2-40B4-BE49-F238E27FC236}">
-                <a16:creationId xmlns:a16="http://schemas.microsoft.com/office/drawing/2014/main" id="{BFDC550D-18AC-8BA9-7F98-B51B2F429BF4}"/>
-              </a:ext>
-            </a:extLst>
-          </p:cNvPr>
-          <p:cNvPicPr>
-            <a:picLocks noChangeAspect="1" noChangeArrowheads="1"/>
-          </p:cNvPicPr>
-          <p:nvPr/>
-        </p:nvPicPr>
-        <p:blipFill>
-          <a:blip r:embed="rId4">
-            <a:extLst>
-              <a:ext uri="{28A0092B-C50C-407E-A947-70E740481C1C}">
-                <a14:useLocalDpi xmlns:a14="http://schemas.microsoft.com/office/drawing/2010/main" val="0"/>
-              </a:ext>
-            </a:extLst>
-          </a:blip>
-          <a:srcRect/>
-          <a:stretch>
-            <a:fillRect/>
-          </a:stretch>
-        </p:blipFill>
-        <p:spPr bwMode="auto">
-          <a:xfrm>
-            <a:off x="3770566" y="491708"/>
-            <a:ext cx="1582177" cy="883588"/>
+        </p:spPr>
+        <p:txBody>
+          <a:bodyPr wrap="square" rtlCol="0">
+            <a:spAutoFit/>
+          </a:bodyPr>
+          <a:lstStyle/>
+          <a:p>
+            <a:r>
+              <a:rPr lang="de-CH" sz="1400" b="1" dirty="0">
+                <a:latin typeface="Arial" panose="020B0604020202020204" pitchFamily="34" charset="0"/>
+                <a:cs typeface="Arial" panose="020B0604020202020204" pitchFamily="34" charset="0"/>
+              </a:rPr>
+              <a:t>Bild aufladen</a:t>
+            </a:r>
+          </a:p>
+        </p:txBody>
+      </p:sp>
+      <p:sp>
+        <p:nvSpPr>
+          <p:cNvPr id="1045" name="Textfeld 1044">
+            <a:extLst>
+              <a:ext uri="{FF2B5EF4-FFF2-40B4-BE49-F238E27FC236}">
+                <a16:creationId xmlns:a16="http://schemas.microsoft.com/office/drawing/2014/main" id="{D55DCDEC-C324-8998-7991-CC762E3E9B59}"/>
+              </a:ext>
+            </a:extLst>
+          </p:cNvPr>
+          <p:cNvSpPr txBox="1"/>
+          <p:nvPr/>
+        </p:nvSpPr>
+        <p:spPr>
+          <a:xfrm>
+            <a:off x="3770566" y="3748859"/>
+            <a:ext cx="2008291" cy="307777"/>
           </a:xfrm>
           <a:prstGeom prst="rect">
             <a:avLst/>
           </a:prstGeom>
           <a:noFill/>
-          <a:extLst>
-            <a:ext uri="{909E8E84-426E-40DD-AFC4-6F175D3DCCD1}">
-              <a14:hiddenFill xmlns:a14="http://schemas.microsoft.com/office/drawing/2010/main">
-                <a:solidFill>
-                  <a:srgbClr val="FFFFFF"/>
-                </a:solidFill>
-              </a14:hiddenFill>
-            </a:ext>
-          </a:extLst>
-        </p:spPr>
-      </p:pic>
-      <p:pic>
-        <p:nvPicPr>
-          <p:cNvPr id="7" name="Grafik 6">
-            <a:extLst>
-              <a:ext uri="{FF2B5EF4-FFF2-40B4-BE49-F238E27FC236}">
-                <a16:creationId xmlns:a16="http://schemas.microsoft.com/office/drawing/2014/main" id="{D9E1CB20-5FB7-364A-DEF0-AA250D7C6A0E}"/>
-              </a:ext>
-            </a:extLst>
-          </p:cNvPr>
-          <p:cNvPicPr>
-            <a:picLocks noChangeAspect="1"/>
-          </p:cNvPicPr>
-          <p:nvPr/>
-        </p:nvPicPr>
-        <p:blipFill>
-          <a:blip r:embed="rId5"/>
-          <a:stretch>
-            <a:fillRect/>
-          </a:stretch>
-        </p:blipFill>
-        <p:spPr>
-          <a:xfrm>
-            <a:off x="5713488" y="1477368"/>
-            <a:ext cx="2724471" cy="1040144"/>
-          </a:xfrm>
-          <a:prstGeom prst="rect">
-            <a:avLst/>
-          </a:prstGeom>
-        </p:spPr>
-      </p:pic>
-      <p:sp>
-        <p:nvSpPr>
-          <p:cNvPr id="8" name="Rechteck 7">
-            <a:extLst>
-              <a:ext uri="{FF2B5EF4-FFF2-40B4-BE49-F238E27FC236}">
-                <a16:creationId xmlns:a16="http://schemas.microsoft.com/office/drawing/2014/main" id="{852B453D-008C-86E8-276F-28E356D57FE6}"/>
+        </p:spPr>
+        <p:txBody>
+          <a:bodyPr wrap="square" rtlCol="0">
+            <a:spAutoFit/>
+          </a:bodyPr>
+          <a:lstStyle/>
+          <a:p>
+            <a:r>
+              <a:rPr lang="de-CH" sz="1400" b="1" dirty="0">
+                <a:latin typeface="Arial" panose="020B0604020202020204" pitchFamily="34" charset="0"/>
+                <a:cs typeface="Arial" panose="020B0604020202020204" pitchFamily="34" charset="0"/>
+              </a:rPr>
+              <a:t>Name(n) und E-Mail</a:t>
+            </a:r>
+          </a:p>
+        </p:txBody>
+      </p:sp>
+      <p:sp>
+        <p:nvSpPr>
+          <p:cNvPr id="1050" name="Textfeld 1049">
+            <a:extLst>
+              <a:ext uri="{FF2B5EF4-FFF2-40B4-BE49-F238E27FC236}">
+                <a16:creationId xmlns:a16="http://schemas.microsoft.com/office/drawing/2014/main" id="{A8CB4338-DD3E-4983-B3E5-B8F18005E55F}"/>
+              </a:ext>
+            </a:extLst>
+          </p:cNvPr>
+          <p:cNvSpPr txBox="1"/>
+          <p:nvPr/>
+        </p:nvSpPr>
+        <p:spPr>
+          <a:xfrm>
+            <a:off x="6742995" y="4626308"/>
+            <a:ext cx="2008291" cy="307777"/>
+          </a:xfrm>
+          <a:prstGeom prst="rect">
+            <a:avLst/>
+          </a:prstGeom>
+          <a:noFill/>
+        </p:spPr>
+        <p:txBody>
+          <a:bodyPr wrap="square" rtlCol="0">
+            <a:spAutoFit/>
+          </a:bodyPr>
+          <a:lstStyle/>
+          <a:p>
+            <a:r>
+              <a:rPr lang="de-CH" sz="1400" b="1" dirty="0">
+                <a:latin typeface="Arial" panose="020B0604020202020204" pitchFamily="34" charset="0"/>
+                <a:cs typeface="Arial" panose="020B0604020202020204" pitchFamily="34" charset="0"/>
+              </a:rPr>
+              <a:t>E-Mail öffnen</a:t>
+            </a:r>
+          </a:p>
+        </p:txBody>
+      </p:sp>
+      <p:sp>
+        <p:nvSpPr>
+          <p:cNvPr id="1054" name="Textfeld 1053">
+            <a:extLst>
+              <a:ext uri="{FF2B5EF4-FFF2-40B4-BE49-F238E27FC236}">
+                <a16:creationId xmlns:a16="http://schemas.microsoft.com/office/drawing/2014/main" id="{0586D12B-F391-32A7-07CA-D2CC7BBAA08A}"/>
+              </a:ext>
+            </a:extLst>
+          </p:cNvPr>
+          <p:cNvSpPr txBox="1"/>
+          <p:nvPr/>
+        </p:nvSpPr>
+        <p:spPr>
+          <a:xfrm>
+            <a:off x="806113" y="3455071"/>
+            <a:ext cx="556074" cy="646331"/>
+          </a:xfrm>
+          <a:prstGeom prst="rect">
+            <a:avLst/>
+          </a:prstGeom>
+          <a:noFill/>
+        </p:spPr>
+        <p:txBody>
+          <a:bodyPr wrap="square" rtlCol="0">
+            <a:spAutoFit/>
+          </a:bodyPr>
+          <a:lstStyle/>
+          <a:p>
+            <a:r>
+              <a:rPr lang="de-CH" sz="3600" b="1" dirty="0">
+                <a:latin typeface="Arial" panose="020B0604020202020204" pitchFamily="34" charset="0"/>
+                <a:cs typeface="Arial" panose="020B0604020202020204" pitchFamily="34" charset="0"/>
+              </a:rPr>
+              <a:t>1</a:t>
+            </a:r>
+          </a:p>
+        </p:txBody>
+      </p:sp>
+      <p:sp>
+        <p:nvSpPr>
+          <p:cNvPr id="1055" name="Textfeld 1054">
+            <a:extLst>
+              <a:ext uri="{FF2B5EF4-FFF2-40B4-BE49-F238E27FC236}">
+                <a16:creationId xmlns:a16="http://schemas.microsoft.com/office/drawing/2014/main" id="{3AAF4792-6D56-4D3E-64B2-B385E3827B88}"/>
+              </a:ext>
+            </a:extLst>
+          </p:cNvPr>
+          <p:cNvSpPr txBox="1"/>
+          <p:nvPr/>
+        </p:nvSpPr>
+        <p:spPr>
+          <a:xfrm>
+            <a:off x="6609325" y="2482679"/>
+            <a:ext cx="711294" cy="646331"/>
+          </a:xfrm>
+          <a:prstGeom prst="rect">
+            <a:avLst/>
+          </a:prstGeom>
+          <a:noFill/>
+        </p:spPr>
+        <p:txBody>
+          <a:bodyPr wrap="square" rtlCol="0">
+            <a:spAutoFit/>
+          </a:bodyPr>
+          <a:lstStyle/>
+          <a:p>
+            <a:r>
+              <a:rPr lang="de-CH" sz="3600" b="1" dirty="0">
+                <a:latin typeface="Arial" panose="020B0604020202020204" pitchFamily="34" charset="0"/>
+                <a:cs typeface="Arial" panose="020B0604020202020204" pitchFamily="34" charset="0"/>
+              </a:rPr>
+              <a:t>2</a:t>
+            </a:r>
+          </a:p>
+        </p:txBody>
+      </p:sp>
+      <p:sp>
+        <p:nvSpPr>
+          <p:cNvPr id="1056" name="Textfeld 1055">
+            <a:extLst>
+              <a:ext uri="{FF2B5EF4-FFF2-40B4-BE49-F238E27FC236}">
+                <a16:creationId xmlns:a16="http://schemas.microsoft.com/office/drawing/2014/main" id="{13C50AF9-1114-FA7B-B9E2-551BF6A08388}"/>
+              </a:ext>
+            </a:extLst>
+          </p:cNvPr>
+          <p:cNvSpPr txBox="1"/>
+          <p:nvPr/>
+        </p:nvSpPr>
+        <p:spPr>
+          <a:xfrm>
+            <a:off x="4443486" y="5958738"/>
+            <a:ext cx="556074" cy="646331"/>
+          </a:xfrm>
+          <a:prstGeom prst="rect">
+            <a:avLst/>
+          </a:prstGeom>
+          <a:noFill/>
+        </p:spPr>
+        <p:txBody>
+          <a:bodyPr wrap="square" rtlCol="0">
+            <a:spAutoFit/>
+          </a:bodyPr>
+          <a:lstStyle/>
+          <a:p>
+            <a:r>
+              <a:rPr lang="de-CH" sz="3600" b="1" dirty="0">
+                <a:latin typeface="Arial" panose="020B0604020202020204" pitchFamily="34" charset="0"/>
+                <a:cs typeface="Arial" panose="020B0604020202020204" pitchFamily="34" charset="0"/>
+              </a:rPr>
+              <a:t>3</a:t>
+            </a:r>
+          </a:p>
+        </p:txBody>
+      </p:sp>
+      <p:sp>
+        <p:nvSpPr>
+          <p:cNvPr id="1057" name="Textfeld 1056">
+            <a:extLst>
+              <a:ext uri="{FF2B5EF4-FFF2-40B4-BE49-F238E27FC236}">
+                <a16:creationId xmlns:a16="http://schemas.microsoft.com/office/drawing/2014/main" id="{04949F1F-7261-D132-683D-AA08F2653D31}"/>
+              </a:ext>
+            </a:extLst>
+          </p:cNvPr>
+          <p:cNvSpPr txBox="1"/>
+          <p:nvPr/>
+        </p:nvSpPr>
+        <p:spPr>
+          <a:xfrm>
+            <a:off x="7191067" y="5915023"/>
+            <a:ext cx="556074" cy="646331"/>
+          </a:xfrm>
+          <a:prstGeom prst="rect">
+            <a:avLst/>
+          </a:prstGeom>
+          <a:noFill/>
+        </p:spPr>
+        <p:txBody>
+          <a:bodyPr wrap="square" rtlCol="0">
+            <a:spAutoFit/>
+          </a:bodyPr>
+          <a:lstStyle/>
+          <a:p>
+            <a:r>
+              <a:rPr lang="de-CH" sz="3600" b="1" dirty="0">
+                <a:latin typeface="Arial" panose="020B0604020202020204" pitchFamily="34" charset="0"/>
+                <a:cs typeface="Arial" panose="020B0604020202020204" pitchFamily="34" charset="0"/>
+              </a:rPr>
+              <a:t>4</a:t>
+            </a:r>
+          </a:p>
+        </p:txBody>
+      </p:sp>
+      <p:sp>
+        <p:nvSpPr>
+          <p:cNvPr id="18" name="Rechteck 17">
+            <a:extLst>
+              <a:ext uri="{FF2B5EF4-FFF2-40B4-BE49-F238E27FC236}">
+                <a16:creationId xmlns:a16="http://schemas.microsoft.com/office/drawing/2014/main" id="{2C07717F-A008-67CD-B0A0-ABE4B40543BC}"/>
               </a:ext>
             </a:extLst>
           </p:cNvPr>
@@ -3177,18 +3832,16 @@
         </p:nvSpPr>
         <p:spPr>
           <a:xfrm>
-            <a:off x="3031924" y="4293864"/>
-            <a:ext cx="3339167" cy="1995885"/>
-          </a:xfrm>
-          <a:prstGeom prst="rect">
-            <a:avLst/>
-          </a:prstGeom>
-          <a:solidFill>
-            <a:srgbClr val="DFE0E1"/>
-          </a:solidFill>
-          <a:ln>
+            <a:off x="1001732" y="294972"/>
+            <a:ext cx="4143375" cy="2771480"/>
+          </a:xfrm>
+          <a:prstGeom prst="rect">
+            <a:avLst/>
+          </a:prstGeom>
+          <a:noFill/>
+          <a:ln w="19050">
             <a:solidFill>
-              <a:srgbClr val="C8C8C8"/>
+              <a:schemeClr val="tx1"/>
             </a:solidFill>
           </a:ln>
         </p:spPr>
@@ -3213,918 +3866,62 @@
           <a:lstStyle/>
           <a:p>
             <a:pPr algn="ctr"/>
-            <a:endParaRPr lang="de-CH" sz="1600" dirty="0">
-              <a:solidFill>
-                <a:schemeClr val="tx1"/>
-              </a:solidFill>
+            <a:endParaRPr lang="de-CH" dirty="0"/>
+          </a:p>
+        </p:txBody>
+      </p:sp>
+      <p:sp>
+        <p:nvSpPr>
+          <p:cNvPr id="19" name="Textfeld 18">
+            <a:extLst>
+              <a:ext uri="{FF2B5EF4-FFF2-40B4-BE49-F238E27FC236}">
+                <a16:creationId xmlns:a16="http://schemas.microsoft.com/office/drawing/2014/main" id="{66CAEE86-71F2-3544-D682-D3328ED15E0D}"/>
+              </a:ext>
+            </a:extLst>
+          </p:cNvPr>
+          <p:cNvSpPr txBox="1"/>
+          <p:nvPr/>
+        </p:nvSpPr>
+        <p:spPr>
+          <a:xfrm>
+            <a:off x="1163867" y="489903"/>
+            <a:ext cx="3817512" cy="2308324"/>
+          </a:xfrm>
+          <a:prstGeom prst="rect">
+            <a:avLst/>
+          </a:prstGeom>
+          <a:noFill/>
+        </p:spPr>
+        <p:txBody>
+          <a:bodyPr wrap="square" rtlCol="0">
+            <a:spAutoFit/>
+          </a:bodyPr>
+          <a:lstStyle/>
+          <a:p>
+            <a:pPr algn="ctr"/>
+            <a:r>
+              <a:rPr lang="de-CH" b="1" dirty="0">
+                <a:latin typeface="Arial" panose="020B0604020202020204" pitchFamily="34" charset="0"/>
+                <a:cs typeface="Arial" panose="020B0604020202020204" pitchFamily="34" charset="0"/>
+              </a:rPr>
+              <a:t>Mach gerne eine Zeichnung für unser Gästebuch,  scanne sie mit der Kamera und lade das Foto mit dieser Funktion hoch.</a:t>
+            </a:r>
+          </a:p>
+          <a:p>
+            <a:pPr algn="ctr"/>
+            <a:endParaRPr lang="de-CH" b="1" dirty="0">
               <a:latin typeface="Arial" panose="020B0604020202020204" pitchFamily="34" charset="0"/>
               <a:cs typeface="Arial" panose="020B0604020202020204" pitchFamily="34" charset="0"/>
             </a:endParaRPr>
           </a:p>
-        </p:txBody>
-      </p:sp>
-      <p:sp>
-        <p:nvSpPr>
-          <p:cNvPr id="9" name="Rechteck 8">
-            <a:extLst>
-              <a:ext uri="{FF2B5EF4-FFF2-40B4-BE49-F238E27FC236}">
-                <a16:creationId xmlns:a16="http://schemas.microsoft.com/office/drawing/2014/main" id="{A2B50460-DB7E-B2AE-E2C2-7F3614F2A96E}"/>
-              </a:ext>
-            </a:extLst>
-          </p:cNvPr>
-          <p:cNvSpPr/>
-          <p:nvPr/>
-        </p:nvSpPr>
-        <p:spPr>
-          <a:xfrm>
-            <a:off x="3031921" y="4199065"/>
-            <a:ext cx="3339167" cy="769028"/>
-          </a:xfrm>
-          <a:prstGeom prst="rect">
-            <a:avLst/>
-          </a:prstGeom>
-          <a:solidFill>
-            <a:schemeClr val="tx1"/>
-          </a:solidFill>
-          <a:ln>
-            <a:solidFill>
-              <a:schemeClr val="tx1"/>
-            </a:solidFill>
-          </a:ln>
-        </p:spPr>
-        <p:style>
-          <a:lnRef idx="2">
-            <a:schemeClr val="accent1">
-              <a:shade val="50000"/>
-            </a:schemeClr>
-          </a:lnRef>
-          <a:fillRef idx="1">
-            <a:schemeClr val="accent1"/>
-          </a:fillRef>
-          <a:effectRef idx="0">
-            <a:schemeClr val="accent1"/>
-          </a:effectRef>
-          <a:fontRef idx="minor">
-            <a:schemeClr val="lt1"/>
-          </a:fontRef>
-        </p:style>
-        <p:txBody>
-          <a:bodyPr rtlCol="0" anchor="ctr"/>
-          <a:lstStyle/>
           <a:p>
             <a:pPr algn="ctr"/>
             <a:r>
-              <a:rPr lang="de-CH" sz="1600" b="1" dirty="0">
-                <a:solidFill>
-                  <a:srgbClr val="FF000A"/>
-                </a:solidFill>
-                <a:latin typeface="Arial" panose="020B0604020202020204" pitchFamily="34" charset="0"/>
-                <a:cs typeface="Arial" panose="020B0604020202020204" pitchFamily="34" charset="0"/>
-              </a:rPr>
-              <a:t>          </a:t>
-            </a:r>
-          </a:p>
-          <a:p>
-            <a:pPr algn="ctr"/>
-            <a:r>
-              <a:rPr lang="de-CH" sz="1400" b="1" dirty="0">
-                <a:solidFill>
-                  <a:srgbClr val="FF000A"/>
-                </a:solidFill>
-                <a:latin typeface="Arial" panose="020B0604020202020204" pitchFamily="34" charset="0"/>
-                <a:cs typeface="Arial" panose="020B0604020202020204" pitchFamily="34" charset="0"/>
-              </a:rPr>
-              <a:t>Gästebuch-Bild hochladen </a:t>
-            </a:r>
-          </a:p>
-        </p:txBody>
-      </p:sp>
-      <p:pic>
-        <p:nvPicPr>
-          <p:cNvPr id="10" name="Grafik 9">
-            <a:extLst>
-              <a:ext uri="{FF2B5EF4-FFF2-40B4-BE49-F238E27FC236}">
-                <a16:creationId xmlns:a16="http://schemas.microsoft.com/office/drawing/2014/main" id="{7B97B44F-258D-0760-70D4-571DA45DBBC0}"/>
-              </a:ext>
-            </a:extLst>
-          </p:cNvPr>
-          <p:cNvPicPr>
-            <a:picLocks noChangeAspect="1"/>
-          </p:cNvPicPr>
-          <p:nvPr/>
-        </p:nvPicPr>
-        <p:blipFill>
-          <a:blip r:embed="rId6"/>
-          <a:stretch>
-            <a:fillRect/>
-          </a:stretch>
-        </p:blipFill>
-        <p:spPr>
-          <a:xfrm>
-            <a:off x="3472935" y="4295724"/>
-            <a:ext cx="2457143" cy="238095"/>
-          </a:xfrm>
-          <a:prstGeom prst="rect">
-            <a:avLst/>
-          </a:prstGeom>
-        </p:spPr>
-      </p:pic>
-      <p:sp>
-        <p:nvSpPr>
-          <p:cNvPr id="11" name="Rechteck 10">
-            <a:extLst>
-              <a:ext uri="{FF2B5EF4-FFF2-40B4-BE49-F238E27FC236}">
-                <a16:creationId xmlns:a16="http://schemas.microsoft.com/office/drawing/2014/main" id="{259031CB-A577-4868-F9F4-53FB13677387}"/>
-              </a:ext>
-            </a:extLst>
-          </p:cNvPr>
-          <p:cNvSpPr/>
-          <p:nvPr/>
-        </p:nvSpPr>
-        <p:spPr>
-          <a:xfrm>
-            <a:off x="3709802" y="5034414"/>
-            <a:ext cx="2579516" cy="301629"/>
-          </a:xfrm>
-          <a:prstGeom prst="rect">
-            <a:avLst/>
-          </a:prstGeom>
-          <a:solidFill>
-            <a:schemeClr val="bg1"/>
-          </a:solidFill>
-          <a:ln>
-            <a:solidFill>
-              <a:schemeClr val="tx1"/>
-            </a:solidFill>
-          </a:ln>
-        </p:spPr>
-        <p:style>
-          <a:lnRef idx="2">
-            <a:schemeClr val="accent1">
-              <a:shade val="50000"/>
-            </a:schemeClr>
-          </a:lnRef>
-          <a:fillRef idx="1">
-            <a:schemeClr val="accent1"/>
-          </a:fillRef>
-          <a:effectRef idx="0">
-            <a:schemeClr val="accent1"/>
-          </a:effectRef>
-          <a:fontRef idx="minor">
-            <a:schemeClr val="lt1"/>
-          </a:fontRef>
-        </p:style>
-        <p:txBody>
-          <a:bodyPr rtlCol="0" anchor="ctr"/>
-          <a:lstStyle/>
-          <a:p>
-            <a:r>
-              <a:rPr lang="de-CH" sz="1200" i="1" dirty="0">
-                <a:solidFill>
-                  <a:schemeClr val="tx1"/>
-                </a:solidFill>
-                <a:latin typeface="Arial" panose="020B0604020202020204" pitchFamily="34" charset="0"/>
-                <a:cs typeface="Arial" panose="020B0604020202020204" pitchFamily="34" charset="0"/>
-              </a:rPr>
-              <a:t>Name(n) eingeben …</a:t>
-            </a:r>
-          </a:p>
-        </p:txBody>
-      </p:sp>
-      <p:sp>
-        <p:nvSpPr>
-          <p:cNvPr id="12" name="Textfeld 11">
-            <a:extLst>
-              <a:ext uri="{FF2B5EF4-FFF2-40B4-BE49-F238E27FC236}">
-                <a16:creationId xmlns:a16="http://schemas.microsoft.com/office/drawing/2014/main" id="{09A29106-2290-236C-D642-115C0A57C203}"/>
-              </a:ext>
-            </a:extLst>
-          </p:cNvPr>
-          <p:cNvSpPr txBox="1"/>
-          <p:nvPr/>
-        </p:nvSpPr>
-        <p:spPr>
-          <a:xfrm>
-            <a:off x="3031327" y="5031340"/>
-            <a:ext cx="678475" cy="307777"/>
-          </a:xfrm>
-          <a:prstGeom prst="rect">
-            <a:avLst/>
-          </a:prstGeom>
-          <a:noFill/>
-        </p:spPr>
-        <p:txBody>
-          <a:bodyPr wrap="square" rtlCol="0">
-            <a:spAutoFit/>
-          </a:bodyPr>
-          <a:lstStyle/>
-          <a:p>
-            <a:r>
-              <a:rPr lang="de-CH" sz="1400" b="1" dirty="0">
-                <a:latin typeface="Arial" panose="020B0604020202020204" pitchFamily="34" charset="0"/>
-                <a:cs typeface="Arial" panose="020B0604020202020204" pitchFamily="34" charset="0"/>
-              </a:rPr>
-              <a:t>Name</a:t>
-            </a:r>
-          </a:p>
-        </p:txBody>
-      </p:sp>
-      <p:sp>
-        <p:nvSpPr>
-          <p:cNvPr id="13" name="Rechteck 12">
-            <a:extLst>
-              <a:ext uri="{FF2B5EF4-FFF2-40B4-BE49-F238E27FC236}">
-                <a16:creationId xmlns:a16="http://schemas.microsoft.com/office/drawing/2014/main" id="{EA909D5D-F5B0-DEFF-E525-84E8AB313E10}"/>
-              </a:ext>
-            </a:extLst>
-          </p:cNvPr>
-          <p:cNvSpPr/>
-          <p:nvPr/>
-        </p:nvSpPr>
-        <p:spPr>
-          <a:xfrm>
-            <a:off x="3710396" y="5391253"/>
-            <a:ext cx="2579516" cy="301629"/>
-          </a:xfrm>
-          <a:prstGeom prst="rect">
-            <a:avLst/>
-          </a:prstGeom>
-          <a:solidFill>
-            <a:schemeClr val="bg1"/>
-          </a:solidFill>
-          <a:ln>
-            <a:solidFill>
-              <a:schemeClr val="tx1"/>
-            </a:solidFill>
-          </a:ln>
-        </p:spPr>
-        <p:style>
-          <a:lnRef idx="2">
-            <a:schemeClr val="accent1">
-              <a:shade val="50000"/>
-            </a:schemeClr>
-          </a:lnRef>
-          <a:fillRef idx="1">
-            <a:schemeClr val="accent1"/>
-          </a:fillRef>
-          <a:effectRef idx="0">
-            <a:schemeClr val="accent1"/>
-          </a:effectRef>
-          <a:fontRef idx="minor">
-            <a:schemeClr val="lt1"/>
-          </a:fontRef>
-        </p:style>
-        <p:txBody>
-          <a:bodyPr rtlCol="0" anchor="ctr"/>
-          <a:lstStyle/>
-          <a:p>
-            <a:r>
-              <a:rPr lang="de-CH" sz="1200" i="1" dirty="0">
-                <a:solidFill>
-                  <a:schemeClr val="tx1"/>
-                </a:solidFill>
-                <a:latin typeface="Arial" panose="020B0604020202020204" pitchFamily="34" charset="0"/>
-                <a:cs typeface="Arial" panose="020B0604020202020204" pitchFamily="34" charset="0"/>
-              </a:rPr>
-              <a:t>E-Mail Adresse eingeben …</a:t>
-            </a:r>
-          </a:p>
-        </p:txBody>
-      </p:sp>
-      <p:sp>
-        <p:nvSpPr>
-          <p:cNvPr id="14" name="Textfeld 13">
-            <a:extLst>
-              <a:ext uri="{FF2B5EF4-FFF2-40B4-BE49-F238E27FC236}">
-                <a16:creationId xmlns:a16="http://schemas.microsoft.com/office/drawing/2014/main" id="{D94CE715-2AF5-8624-E2BE-C506DF769226}"/>
-              </a:ext>
-            </a:extLst>
-          </p:cNvPr>
-          <p:cNvSpPr txBox="1"/>
-          <p:nvPr/>
-        </p:nvSpPr>
-        <p:spPr>
-          <a:xfrm>
-            <a:off x="3031921" y="5388179"/>
-            <a:ext cx="789260" cy="307777"/>
-          </a:xfrm>
-          <a:prstGeom prst="rect">
-            <a:avLst/>
-          </a:prstGeom>
-          <a:noFill/>
-        </p:spPr>
-        <p:txBody>
-          <a:bodyPr wrap="square" rtlCol="0">
-            <a:spAutoFit/>
-          </a:bodyPr>
-          <a:lstStyle/>
-          <a:p>
-            <a:r>
-              <a:rPr lang="de-CH" sz="1400" b="1" dirty="0">
-                <a:latin typeface="Arial" panose="020B0604020202020204" pitchFamily="34" charset="0"/>
-                <a:cs typeface="Arial" panose="020B0604020202020204" pitchFamily="34" charset="0"/>
-              </a:rPr>
-              <a:t>E-Mail</a:t>
-            </a:r>
-          </a:p>
-        </p:txBody>
-      </p:sp>
-      <p:sp>
-        <p:nvSpPr>
-          <p:cNvPr id="15" name="Rechteck 14">
-            <a:extLst>
-              <a:ext uri="{FF2B5EF4-FFF2-40B4-BE49-F238E27FC236}">
-                <a16:creationId xmlns:a16="http://schemas.microsoft.com/office/drawing/2014/main" id="{AA650850-BA67-7DC0-184B-E5443A7A02B2}"/>
-              </a:ext>
-            </a:extLst>
-          </p:cNvPr>
-          <p:cNvSpPr/>
-          <p:nvPr/>
-        </p:nvSpPr>
-        <p:spPr>
-          <a:xfrm>
-            <a:off x="3122369" y="5759204"/>
-            <a:ext cx="3166949" cy="255249"/>
-          </a:xfrm>
-          <a:prstGeom prst="rect">
-            <a:avLst/>
-          </a:prstGeom>
-          <a:noFill/>
-          <a:ln>
-            <a:solidFill>
-              <a:schemeClr val="tx1"/>
-            </a:solidFill>
-          </a:ln>
-        </p:spPr>
-        <p:style>
-          <a:lnRef idx="2">
-            <a:schemeClr val="accent1">
-              <a:shade val="50000"/>
-            </a:schemeClr>
-          </a:lnRef>
-          <a:fillRef idx="1">
-            <a:schemeClr val="accent1"/>
-          </a:fillRef>
-          <a:effectRef idx="0">
-            <a:schemeClr val="accent1"/>
-          </a:effectRef>
-          <a:fontRef idx="minor">
-            <a:schemeClr val="lt1"/>
-          </a:fontRef>
-        </p:style>
-        <p:txBody>
-          <a:bodyPr rtlCol="0" anchor="ctr"/>
-          <a:lstStyle/>
-          <a:p>
-            <a:pPr algn="ctr"/>
-            <a:r>
-              <a:rPr lang="de-CH" sz="1200" dirty="0">
-                <a:solidFill>
-                  <a:schemeClr val="tx1"/>
-                </a:solidFill>
-                <a:latin typeface="Arial" panose="020B0604020202020204" pitchFamily="34" charset="0"/>
-                <a:cs typeface="Arial" panose="020B0604020202020204" pitchFamily="34" charset="0"/>
-              </a:rPr>
-              <a:t>Code verlangen</a:t>
-            </a:r>
-          </a:p>
-        </p:txBody>
-      </p:sp>
-      <p:pic>
-        <p:nvPicPr>
-          <p:cNvPr id="16" name="Grafik 15">
-            <a:extLst>
-              <a:ext uri="{FF2B5EF4-FFF2-40B4-BE49-F238E27FC236}">
-                <a16:creationId xmlns:a16="http://schemas.microsoft.com/office/drawing/2014/main" id="{7CAEF55A-88BB-2030-45C9-E017CA58C7D3}"/>
-              </a:ext>
-            </a:extLst>
-          </p:cNvPr>
-          <p:cNvPicPr>
-            <a:picLocks noChangeAspect="1"/>
-          </p:cNvPicPr>
-          <p:nvPr/>
-        </p:nvPicPr>
-        <p:blipFill>
-          <a:blip r:embed="rId7"/>
-          <a:stretch>
-            <a:fillRect/>
-          </a:stretch>
-        </p:blipFill>
-        <p:spPr>
-          <a:xfrm>
-            <a:off x="5906464" y="4428804"/>
-            <a:ext cx="331444" cy="256116"/>
-          </a:xfrm>
-          <a:prstGeom prst="rect">
-            <a:avLst/>
-          </a:prstGeom>
-        </p:spPr>
-      </p:pic>
-      <p:pic>
-        <p:nvPicPr>
-          <p:cNvPr id="1032" name="Picture 8" descr="eMail Widget 2: E-Mails im iPhone-Widget lesen">
-            <a:extLst>
-              <a:ext uri="{FF2B5EF4-FFF2-40B4-BE49-F238E27FC236}">
-                <a16:creationId xmlns:a16="http://schemas.microsoft.com/office/drawing/2014/main" id="{6ADE284A-8168-5C4F-D530-F4336DAFDCBE}"/>
-              </a:ext>
-            </a:extLst>
-          </p:cNvPr>
-          <p:cNvPicPr>
-            <a:picLocks noChangeAspect="1" noChangeArrowheads="1"/>
-          </p:cNvPicPr>
-          <p:nvPr/>
-        </p:nvPicPr>
-        <p:blipFill>
-          <a:blip r:embed="rId8">
-            <a:extLst>
-              <a:ext uri="{28A0092B-C50C-407E-A947-70E740481C1C}">
-                <a14:useLocalDpi xmlns:a14="http://schemas.microsoft.com/office/drawing/2010/main" val="0"/>
-              </a:ext>
-            </a:extLst>
-          </a:blip>
-          <a:srcRect/>
-          <a:stretch>
-            <a:fillRect/>
-          </a:stretch>
-        </p:blipFill>
-        <p:spPr bwMode="auto">
-          <a:xfrm>
-            <a:off x="7101648" y="5148787"/>
-            <a:ext cx="718991" cy="718991"/>
-          </a:xfrm>
-          <a:prstGeom prst="rect">
-            <a:avLst/>
-          </a:prstGeom>
-          <a:noFill/>
-          <a:extLst>
-            <a:ext uri="{909E8E84-426E-40DD-AFC4-6F175D3DCCD1}">
-              <a14:hiddenFill xmlns:a14="http://schemas.microsoft.com/office/drawing/2010/main">
-                <a:solidFill>
-                  <a:srgbClr val="FFFFFF"/>
-                </a:solidFill>
-              </a14:hiddenFill>
-            </a:ext>
-          </a:extLst>
-        </p:spPr>
-      </p:pic>
-      <p:sp>
-        <p:nvSpPr>
-          <p:cNvPr id="1041" name="Textfeld 1040">
-            <a:extLst>
-              <a:ext uri="{FF2B5EF4-FFF2-40B4-BE49-F238E27FC236}">
-                <a16:creationId xmlns:a16="http://schemas.microsoft.com/office/drawing/2014/main" id="{342B4F2D-112F-6145-DE5D-6E84C06AF9C1}"/>
-              </a:ext>
-            </a:extLst>
-          </p:cNvPr>
-          <p:cNvSpPr txBox="1"/>
-          <p:nvPr/>
-        </p:nvSpPr>
-        <p:spPr>
-          <a:xfrm>
-            <a:off x="2420229" y="213339"/>
-            <a:ext cx="1085233" cy="307777"/>
-          </a:xfrm>
-          <a:prstGeom prst="rect">
-            <a:avLst/>
-          </a:prstGeom>
-          <a:noFill/>
-        </p:spPr>
-        <p:txBody>
-          <a:bodyPr wrap="square" rtlCol="0">
-            <a:spAutoFit/>
-          </a:bodyPr>
-          <a:lstStyle/>
-          <a:p>
-            <a:r>
-              <a:rPr lang="de-CH" sz="1400" b="1" dirty="0">
-                <a:latin typeface="Arial" panose="020B0604020202020204" pitchFamily="34" charset="0"/>
-                <a:cs typeface="Arial" panose="020B0604020202020204" pitchFamily="34" charset="0"/>
-              </a:rPr>
-              <a:t>Zeichnen</a:t>
-            </a:r>
-          </a:p>
-        </p:txBody>
-      </p:sp>
-      <p:sp>
-        <p:nvSpPr>
-          <p:cNvPr id="1042" name="Textfeld 1041">
-            <a:extLst>
-              <a:ext uri="{FF2B5EF4-FFF2-40B4-BE49-F238E27FC236}">
-                <a16:creationId xmlns:a16="http://schemas.microsoft.com/office/drawing/2014/main" id="{136A48F8-DA25-759F-5881-4AB6213342E0}"/>
-              </a:ext>
-            </a:extLst>
-          </p:cNvPr>
-          <p:cNvSpPr txBox="1"/>
-          <p:nvPr/>
-        </p:nvSpPr>
-        <p:spPr>
-          <a:xfrm>
-            <a:off x="3975772" y="222246"/>
-            <a:ext cx="1372560" cy="307777"/>
-          </a:xfrm>
-          <a:prstGeom prst="rect">
-            <a:avLst/>
-          </a:prstGeom>
-          <a:noFill/>
-        </p:spPr>
-        <p:txBody>
-          <a:bodyPr wrap="square" rtlCol="0">
-            <a:spAutoFit/>
-          </a:bodyPr>
-          <a:lstStyle/>
-          <a:p>
-            <a:r>
-              <a:rPr lang="de-CH" sz="1400" b="1" dirty="0">
-                <a:latin typeface="Arial" panose="020B0604020202020204" pitchFamily="34" charset="0"/>
-                <a:cs typeface="Arial" panose="020B0604020202020204" pitchFamily="34" charset="0"/>
-              </a:rPr>
-              <a:t>Kamerakopie</a:t>
-            </a:r>
-          </a:p>
-        </p:txBody>
-      </p:sp>
-      <p:sp>
-        <p:nvSpPr>
-          <p:cNvPr id="1043" name="Textfeld 1042">
-            <a:extLst>
-              <a:ext uri="{FF2B5EF4-FFF2-40B4-BE49-F238E27FC236}">
-                <a16:creationId xmlns:a16="http://schemas.microsoft.com/office/drawing/2014/main" id="{E479BF37-F472-A36D-0F8C-F1A5E9591682}"/>
-              </a:ext>
-            </a:extLst>
-          </p:cNvPr>
-          <p:cNvSpPr txBox="1"/>
-          <p:nvPr/>
-        </p:nvSpPr>
-        <p:spPr>
-          <a:xfrm>
-            <a:off x="3376241" y="1773671"/>
-            <a:ext cx="889879" cy="307777"/>
-          </a:xfrm>
-          <a:prstGeom prst="rect">
-            <a:avLst/>
-          </a:prstGeom>
-          <a:noFill/>
-        </p:spPr>
-        <p:txBody>
-          <a:bodyPr wrap="square" rtlCol="0">
-            <a:spAutoFit/>
-          </a:bodyPr>
-          <a:lstStyle/>
-          <a:p>
-            <a:r>
-              <a:rPr lang="de-CH" sz="1400" b="1" dirty="0">
-                <a:latin typeface="Arial" panose="020B0604020202020204" pitchFamily="34" charset="0"/>
-                <a:cs typeface="Arial" panose="020B0604020202020204" pitchFamily="34" charset="0"/>
-              </a:rPr>
-              <a:t>Selfie</a:t>
-            </a:r>
-          </a:p>
-        </p:txBody>
-      </p:sp>
-      <p:sp>
-        <p:nvSpPr>
-          <p:cNvPr id="1044" name="Textfeld 1043">
-            <a:extLst>
-              <a:ext uri="{FF2B5EF4-FFF2-40B4-BE49-F238E27FC236}">
-                <a16:creationId xmlns:a16="http://schemas.microsoft.com/office/drawing/2014/main" id="{7777148A-7963-2881-0BFF-A8F9D79E0AAD}"/>
-              </a:ext>
-            </a:extLst>
-          </p:cNvPr>
-          <p:cNvSpPr txBox="1"/>
-          <p:nvPr/>
-        </p:nvSpPr>
-        <p:spPr>
-          <a:xfrm>
-            <a:off x="5818507" y="1067519"/>
-            <a:ext cx="1372560" cy="307777"/>
-          </a:xfrm>
-          <a:prstGeom prst="rect">
-            <a:avLst/>
-          </a:prstGeom>
-          <a:noFill/>
-        </p:spPr>
-        <p:txBody>
-          <a:bodyPr wrap="square" rtlCol="0">
-            <a:spAutoFit/>
-          </a:bodyPr>
-          <a:lstStyle/>
-          <a:p>
-            <a:r>
-              <a:rPr lang="de-CH" sz="1400" b="1" dirty="0">
-                <a:latin typeface="Arial" panose="020B0604020202020204" pitchFamily="34" charset="0"/>
-                <a:cs typeface="Arial" panose="020B0604020202020204" pitchFamily="34" charset="0"/>
-              </a:rPr>
-              <a:t>Bild aufladen</a:t>
-            </a:r>
-          </a:p>
-        </p:txBody>
-      </p:sp>
-      <p:sp>
-        <p:nvSpPr>
-          <p:cNvPr id="1045" name="Textfeld 1044">
-            <a:extLst>
-              <a:ext uri="{FF2B5EF4-FFF2-40B4-BE49-F238E27FC236}">
-                <a16:creationId xmlns:a16="http://schemas.microsoft.com/office/drawing/2014/main" id="{D55DCDEC-C324-8998-7991-CC762E3E9B59}"/>
-              </a:ext>
-            </a:extLst>
-          </p:cNvPr>
-          <p:cNvSpPr txBox="1"/>
-          <p:nvPr/>
-        </p:nvSpPr>
-        <p:spPr>
-          <a:xfrm>
-            <a:off x="3770566" y="3748859"/>
-            <a:ext cx="2008291" cy="307777"/>
-          </a:xfrm>
-          <a:prstGeom prst="rect">
-            <a:avLst/>
-          </a:prstGeom>
-          <a:noFill/>
-        </p:spPr>
-        <p:txBody>
-          <a:bodyPr wrap="square" rtlCol="0">
-            <a:spAutoFit/>
-          </a:bodyPr>
-          <a:lstStyle/>
-          <a:p>
-            <a:r>
-              <a:rPr lang="de-CH" sz="1400" b="1" dirty="0">
-                <a:latin typeface="Arial" panose="020B0604020202020204" pitchFamily="34" charset="0"/>
-                <a:cs typeface="Arial" panose="020B0604020202020204" pitchFamily="34" charset="0"/>
-              </a:rPr>
-              <a:t>Name(n) und E-Mail</a:t>
-            </a:r>
-          </a:p>
-        </p:txBody>
-      </p:sp>
-      <p:sp>
-        <p:nvSpPr>
-          <p:cNvPr id="1050" name="Textfeld 1049">
-            <a:extLst>
-              <a:ext uri="{FF2B5EF4-FFF2-40B4-BE49-F238E27FC236}">
-                <a16:creationId xmlns:a16="http://schemas.microsoft.com/office/drawing/2014/main" id="{A8CB4338-DD3E-4983-B3E5-B8F18005E55F}"/>
-              </a:ext>
-            </a:extLst>
-          </p:cNvPr>
-          <p:cNvSpPr txBox="1"/>
-          <p:nvPr/>
-        </p:nvSpPr>
-        <p:spPr>
-          <a:xfrm>
-            <a:off x="6742995" y="4626308"/>
-            <a:ext cx="2008291" cy="307777"/>
-          </a:xfrm>
-          <a:prstGeom prst="rect">
-            <a:avLst/>
-          </a:prstGeom>
-          <a:noFill/>
-        </p:spPr>
-        <p:txBody>
-          <a:bodyPr wrap="square" rtlCol="0">
-            <a:spAutoFit/>
-          </a:bodyPr>
-          <a:lstStyle/>
-          <a:p>
-            <a:r>
-              <a:rPr lang="de-CH" sz="1400" b="1" dirty="0">
-                <a:latin typeface="Arial" panose="020B0604020202020204" pitchFamily="34" charset="0"/>
-                <a:cs typeface="Arial" panose="020B0604020202020204" pitchFamily="34" charset="0"/>
-              </a:rPr>
-              <a:t>E-Mail öffnen</a:t>
-            </a:r>
-          </a:p>
-        </p:txBody>
-      </p:sp>
-      <p:sp>
-        <p:nvSpPr>
-          <p:cNvPr id="1054" name="Textfeld 1053">
-            <a:extLst>
-              <a:ext uri="{FF2B5EF4-FFF2-40B4-BE49-F238E27FC236}">
-                <a16:creationId xmlns:a16="http://schemas.microsoft.com/office/drawing/2014/main" id="{0586D12B-F391-32A7-07CA-D2CC7BBAA08A}"/>
-              </a:ext>
-            </a:extLst>
-          </p:cNvPr>
-          <p:cNvSpPr txBox="1"/>
-          <p:nvPr/>
-        </p:nvSpPr>
-        <p:spPr>
-          <a:xfrm>
-            <a:off x="3279060" y="3244800"/>
-            <a:ext cx="556074" cy="646331"/>
-          </a:xfrm>
-          <a:prstGeom prst="rect">
-            <a:avLst/>
-          </a:prstGeom>
-          <a:noFill/>
-        </p:spPr>
-        <p:txBody>
-          <a:bodyPr wrap="square" rtlCol="0">
-            <a:spAutoFit/>
-          </a:bodyPr>
-          <a:lstStyle/>
-          <a:p>
-            <a:r>
-              <a:rPr lang="de-CH" sz="3600" b="1" dirty="0">
-                <a:latin typeface="Arial" panose="020B0604020202020204" pitchFamily="34" charset="0"/>
-                <a:cs typeface="Arial" panose="020B0604020202020204" pitchFamily="34" charset="0"/>
-              </a:rPr>
-              <a:t>1</a:t>
-            </a:r>
-          </a:p>
-        </p:txBody>
-      </p:sp>
-      <p:sp>
-        <p:nvSpPr>
-          <p:cNvPr id="1055" name="Textfeld 1054">
-            <a:extLst>
-              <a:ext uri="{FF2B5EF4-FFF2-40B4-BE49-F238E27FC236}">
-                <a16:creationId xmlns:a16="http://schemas.microsoft.com/office/drawing/2014/main" id="{3AAF4792-6D56-4D3E-64B2-B385E3827B88}"/>
-              </a:ext>
-            </a:extLst>
-          </p:cNvPr>
-          <p:cNvSpPr txBox="1"/>
-          <p:nvPr/>
-        </p:nvSpPr>
-        <p:spPr>
-          <a:xfrm>
-            <a:off x="6609325" y="2482679"/>
-            <a:ext cx="711294" cy="646331"/>
-          </a:xfrm>
-          <a:prstGeom prst="rect">
-            <a:avLst/>
-          </a:prstGeom>
-          <a:noFill/>
-        </p:spPr>
-        <p:txBody>
-          <a:bodyPr wrap="square" rtlCol="0">
-            <a:spAutoFit/>
-          </a:bodyPr>
-          <a:lstStyle/>
-          <a:p>
-            <a:r>
-              <a:rPr lang="de-CH" sz="3600" b="1" dirty="0">
-                <a:latin typeface="Arial" panose="020B0604020202020204" pitchFamily="34" charset="0"/>
-                <a:cs typeface="Arial" panose="020B0604020202020204" pitchFamily="34" charset="0"/>
-              </a:rPr>
-              <a:t>2</a:t>
-            </a:r>
-          </a:p>
-        </p:txBody>
-      </p:sp>
-      <p:sp>
-        <p:nvSpPr>
-          <p:cNvPr id="1056" name="Textfeld 1055">
-            <a:extLst>
-              <a:ext uri="{FF2B5EF4-FFF2-40B4-BE49-F238E27FC236}">
-                <a16:creationId xmlns:a16="http://schemas.microsoft.com/office/drawing/2014/main" id="{13C50AF9-1114-FA7B-B9E2-551BF6A08388}"/>
-              </a:ext>
-            </a:extLst>
-          </p:cNvPr>
-          <p:cNvSpPr txBox="1"/>
-          <p:nvPr/>
-        </p:nvSpPr>
-        <p:spPr>
-          <a:xfrm>
-            <a:off x="4443486" y="5958738"/>
-            <a:ext cx="556074" cy="646331"/>
-          </a:xfrm>
-          <a:prstGeom prst="rect">
-            <a:avLst/>
-          </a:prstGeom>
-          <a:noFill/>
-        </p:spPr>
-        <p:txBody>
-          <a:bodyPr wrap="square" rtlCol="0">
-            <a:spAutoFit/>
-          </a:bodyPr>
-          <a:lstStyle/>
-          <a:p>
-            <a:r>
-              <a:rPr lang="de-CH" sz="3600" b="1" dirty="0">
-                <a:latin typeface="Arial" panose="020B0604020202020204" pitchFamily="34" charset="0"/>
-                <a:cs typeface="Arial" panose="020B0604020202020204" pitchFamily="34" charset="0"/>
-              </a:rPr>
-              <a:t>3</a:t>
-            </a:r>
-          </a:p>
-        </p:txBody>
-      </p:sp>
-      <p:sp>
-        <p:nvSpPr>
-          <p:cNvPr id="1057" name="Textfeld 1056">
-            <a:extLst>
-              <a:ext uri="{FF2B5EF4-FFF2-40B4-BE49-F238E27FC236}">
-                <a16:creationId xmlns:a16="http://schemas.microsoft.com/office/drawing/2014/main" id="{04949F1F-7261-D132-683D-AA08F2653D31}"/>
-              </a:ext>
-            </a:extLst>
-          </p:cNvPr>
-          <p:cNvSpPr txBox="1"/>
-          <p:nvPr/>
-        </p:nvSpPr>
-        <p:spPr>
-          <a:xfrm>
-            <a:off x="7191067" y="5915023"/>
-            <a:ext cx="556074" cy="646331"/>
-          </a:xfrm>
-          <a:prstGeom prst="rect">
-            <a:avLst/>
-          </a:prstGeom>
-          <a:noFill/>
-        </p:spPr>
-        <p:txBody>
-          <a:bodyPr wrap="square" rtlCol="0">
-            <a:spAutoFit/>
-          </a:bodyPr>
-          <a:lstStyle/>
-          <a:p>
-            <a:r>
-              <a:rPr lang="de-CH" sz="3600" b="1" dirty="0">
-                <a:latin typeface="Arial" panose="020B0604020202020204" pitchFamily="34" charset="0"/>
-                <a:cs typeface="Arial" panose="020B0604020202020204" pitchFamily="34" charset="0"/>
-              </a:rPr>
-              <a:t>4</a:t>
-            </a:r>
-          </a:p>
-        </p:txBody>
-      </p:sp>
-      <p:sp>
-        <p:nvSpPr>
-          <p:cNvPr id="2" name="Textfeld 1">
-            <a:extLst>
-              <a:ext uri="{FF2B5EF4-FFF2-40B4-BE49-F238E27FC236}">
-                <a16:creationId xmlns:a16="http://schemas.microsoft.com/office/drawing/2014/main" id="{F9DC1F21-6F5A-C914-23A9-53DD0B48E602}"/>
-              </a:ext>
-            </a:extLst>
-          </p:cNvPr>
-          <p:cNvSpPr txBox="1"/>
-          <p:nvPr/>
-        </p:nvSpPr>
-        <p:spPr>
-          <a:xfrm>
-            <a:off x="3441622" y="607266"/>
-            <a:ext cx="441010" cy="646331"/>
-          </a:xfrm>
-          <a:prstGeom prst="rect">
-            <a:avLst/>
-          </a:prstGeom>
-          <a:noFill/>
-        </p:spPr>
-        <p:txBody>
-          <a:bodyPr wrap="square" rtlCol="0">
-            <a:spAutoFit/>
-          </a:bodyPr>
-          <a:lstStyle/>
-          <a:p>
-            <a:r>
-              <a:rPr lang="de-CH" sz="3600" b="1" dirty="0">
-                <a:solidFill>
-                  <a:srgbClr val="FF0000"/>
-                </a:solidFill>
-                <a:latin typeface="Arial" panose="020B0604020202020204" pitchFamily="34" charset="0"/>
-                <a:cs typeface="Arial" panose="020B0604020202020204" pitchFamily="34" charset="0"/>
-              </a:rPr>
-              <a:t>+</a:t>
-            </a:r>
-          </a:p>
-        </p:txBody>
-      </p:sp>
-      <p:sp>
-        <p:nvSpPr>
-          <p:cNvPr id="3" name="Textfeld 2">
-            <a:extLst>
-              <a:ext uri="{FF2B5EF4-FFF2-40B4-BE49-F238E27FC236}">
-                <a16:creationId xmlns:a16="http://schemas.microsoft.com/office/drawing/2014/main" id="{11C6EAF5-8A1A-3F21-82FC-0BDDE0401B06}"/>
-              </a:ext>
-            </a:extLst>
-          </p:cNvPr>
-          <p:cNvSpPr txBox="1"/>
-          <p:nvPr/>
-        </p:nvSpPr>
-        <p:spPr>
-          <a:xfrm>
-            <a:off x="3255705" y="1274594"/>
-            <a:ext cx="1372560" cy="523220"/>
-          </a:xfrm>
-          <a:prstGeom prst="rect">
-            <a:avLst/>
-          </a:prstGeom>
-          <a:noFill/>
-        </p:spPr>
-        <p:txBody>
-          <a:bodyPr wrap="square" rtlCol="0">
-            <a:spAutoFit/>
-          </a:bodyPr>
-          <a:lstStyle/>
-          <a:p>
-            <a:r>
-              <a:rPr lang="de-CH" sz="2800" b="1" i="1" dirty="0">
-                <a:solidFill>
-                  <a:srgbClr val="FF0000"/>
-                </a:solidFill>
-                <a:latin typeface="Arial" panose="020B0604020202020204" pitchFamily="34" charset="0"/>
-                <a:cs typeface="Arial" panose="020B0604020202020204" pitchFamily="34" charset="0"/>
-              </a:rPr>
-              <a:t>oder</a:t>
+              <a:rPr lang="de-CH" b="1" dirty="0">
+                <a:latin typeface="Arial" panose="020B0604020202020204" pitchFamily="34" charset="0"/>
+                <a:cs typeface="Arial" panose="020B0604020202020204" pitchFamily="34" charset="0"/>
+              </a:rPr>
+              <a:t>Ein Selfie oder ein anderes Konzert Foto sind auch willkommen.</a:t>
             </a:r>
           </a:p>
         </p:txBody>
@@ -4239,7 +4036,7 @@
         </p:blipFill>
         <p:spPr>
           <a:xfrm>
-            <a:off x="1314744" y="961975"/>
+            <a:off x="7079171" y="646877"/>
             <a:ext cx="4019550" cy="2657475"/>
           </a:xfrm>
           <a:prstGeom prst="rect">
@@ -4261,8 +4058,8 @@
         </p:nvSpPr>
         <p:spPr>
           <a:xfrm>
-            <a:off x="1571937" y="1673975"/>
-            <a:ext cx="1372560" cy="738664"/>
+            <a:off x="1411688" y="1249342"/>
+            <a:ext cx="3817512" cy="1938992"/>
           </a:xfrm>
           <a:prstGeom prst="rect">
             <a:avLst/>
@@ -4277,31 +4074,16 @@
           <a:p>
             <a:pPr algn="ctr"/>
             <a:r>
-              <a:rPr lang="de-CH" sz="1400" b="1" dirty="0">
-                <a:latin typeface="Arial" panose="020B0604020202020204" pitchFamily="34" charset="0"/>
-                <a:cs typeface="Arial" panose="020B0604020202020204" pitchFamily="34" charset="0"/>
-              </a:rPr>
-              <a:t>Foto wählen</a:t>
-            </a:r>
-          </a:p>
-          <a:p>
-            <a:pPr algn="ctr"/>
-            <a:r>
-              <a:rPr lang="de-CH" sz="1400" b="1" dirty="0">
-                <a:latin typeface="Arial" panose="020B0604020202020204" pitchFamily="34" charset="0"/>
-                <a:cs typeface="Arial" panose="020B0604020202020204" pitchFamily="34" charset="0"/>
-              </a:rPr>
-              <a:t>oder</a:t>
-            </a:r>
-          </a:p>
-          <a:p>
-            <a:pPr algn="ctr"/>
-            <a:r>
-              <a:rPr lang="de-CH" sz="1400" b="1" dirty="0">
-                <a:latin typeface="Arial" panose="020B0604020202020204" pitchFamily="34" charset="0"/>
-                <a:cs typeface="Arial" panose="020B0604020202020204" pitchFamily="34" charset="0"/>
-              </a:rPr>
-              <a:t>Foto machen</a:t>
+              <a:rPr lang="de-CH" sz="2400" b="1" i="1" dirty="0">
+                <a:solidFill>
+                  <a:schemeClr val="bg1">
+                    <a:lumMod val="75000"/>
+                  </a:schemeClr>
+                </a:solidFill>
+                <a:latin typeface="Arial" panose="020B0604020202020204" pitchFamily="34" charset="0"/>
+                <a:cs typeface="Arial" panose="020B0604020202020204" pitchFamily="34" charset="0"/>
+              </a:rPr>
+              <a:t>Foto bitte von der gescannten Gästebuch- Zeichnung, Selfie oder ein anderes Konzert-Foto wählen </a:t>
             </a:r>
           </a:p>
         </p:txBody>
@@ -5536,6 +5318,343 @@
           <a:chExt cx="0" cy="0"/>
         </a:xfrm>
       </p:grpSpPr>
+      <p:pic>
+        <p:nvPicPr>
+          <p:cNvPr id="1026" name="Picture 2" descr="Drawing - Free art icons">
+            <a:extLst>
+              <a:ext uri="{FF2B5EF4-FFF2-40B4-BE49-F238E27FC236}">
+                <a16:creationId xmlns:a16="http://schemas.microsoft.com/office/drawing/2014/main" id="{A0C9D1DB-3B58-B2EA-6328-96AC5357D2F0}"/>
+              </a:ext>
+            </a:extLst>
+          </p:cNvPr>
+          <p:cNvPicPr>
+            <a:picLocks noChangeAspect="1" noChangeArrowheads="1"/>
+          </p:cNvPicPr>
+          <p:nvPr/>
+        </p:nvPicPr>
+        <p:blipFill>
+          <a:blip r:embed="rId2">
+            <a:extLst>
+              <a:ext uri="{28A0092B-C50C-407E-A947-70E740481C1C}">
+                <a14:useLocalDpi xmlns:a14="http://schemas.microsoft.com/office/drawing/2010/main" val="0"/>
+              </a:ext>
+            </a:extLst>
+          </a:blip>
+          <a:srcRect/>
+          <a:stretch>
+            <a:fillRect/>
+          </a:stretch>
+        </p:blipFill>
+        <p:spPr bwMode="auto">
+          <a:xfrm>
+            <a:off x="2604435" y="552938"/>
+            <a:ext cx="766129" cy="766129"/>
+          </a:xfrm>
+          <a:prstGeom prst="rect">
+            <a:avLst/>
+          </a:prstGeom>
+          <a:noFill/>
+          <a:extLst>
+            <a:ext uri="{909E8E84-426E-40DD-AFC4-6F175D3DCCD1}">
+              <a14:hiddenFill xmlns:a14="http://schemas.microsoft.com/office/drawing/2010/main">
+                <a:solidFill>
+                  <a:srgbClr val="FFFFFF"/>
+                </a:solidFill>
+              </a14:hiddenFill>
+            </a:ext>
+          </a:extLst>
+        </p:spPr>
+      </p:pic>
+      <p:pic>
+        <p:nvPicPr>
+          <p:cNvPr id="1028" name="Picture 4" descr="Couple, friend, happy, mobile, selfie, take, taking icon - Download on  Iconfinder">
+            <a:extLst>
+              <a:ext uri="{FF2B5EF4-FFF2-40B4-BE49-F238E27FC236}">
+                <a16:creationId xmlns:a16="http://schemas.microsoft.com/office/drawing/2014/main" id="{DAC1540E-A133-0888-79A5-D2C20FAE2713}"/>
+              </a:ext>
+            </a:extLst>
+          </p:cNvPr>
+          <p:cNvPicPr>
+            <a:picLocks noChangeAspect="1" noChangeArrowheads="1"/>
+          </p:cNvPicPr>
+          <p:nvPr/>
+        </p:nvPicPr>
+        <p:blipFill>
+          <a:blip r:embed="rId3">
+            <a:extLst>
+              <a:ext uri="{28A0092B-C50C-407E-A947-70E740481C1C}">
+                <a14:useLocalDpi xmlns:a14="http://schemas.microsoft.com/office/drawing/2010/main" val="0"/>
+              </a:ext>
+            </a:extLst>
+          </a:blip>
+          <a:srcRect/>
+          <a:stretch>
+            <a:fillRect/>
+          </a:stretch>
+        </p:blipFill>
+        <p:spPr bwMode="auto">
+          <a:xfrm>
+            <a:off x="2783974" y="1611531"/>
+            <a:ext cx="1812174" cy="1812174"/>
+          </a:xfrm>
+          <a:prstGeom prst="rect">
+            <a:avLst/>
+          </a:prstGeom>
+          <a:noFill/>
+          <a:extLst>
+            <a:ext uri="{909E8E84-426E-40DD-AFC4-6F175D3DCCD1}">
+              <a14:hiddenFill xmlns:a14="http://schemas.microsoft.com/office/drawing/2010/main">
+                <a:solidFill>
+                  <a:srgbClr val="FFFFFF"/>
+                </a:solidFill>
+              </a14:hiddenFill>
+            </a:ext>
+          </a:extLst>
+        </p:spPr>
+      </p:pic>
+      <p:pic>
+        <p:nvPicPr>
+          <p:cNvPr id="1030" name="Picture 6" descr="Mobile Device Tips: How to Scan Documents with a Smartphone">
+            <a:extLst>
+              <a:ext uri="{FF2B5EF4-FFF2-40B4-BE49-F238E27FC236}">
+                <a16:creationId xmlns:a16="http://schemas.microsoft.com/office/drawing/2014/main" id="{BFDC550D-18AC-8BA9-7F98-B51B2F429BF4}"/>
+              </a:ext>
+            </a:extLst>
+          </p:cNvPr>
+          <p:cNvPicPr>
+            <a:picLocks noChangeAspect="1" noChangeArrowheads="1"/>
+          </p:cNvPicPr>
+          <p:nvPr/>
+        </p:nvPicPr>
+        <p:blipFill>
+          <a:blip r:embed="rId4">
+            <a:extLst>
+              <a:ext uri="{28A0092B-C50C-407E-A947-70E740481C1C}">
+                <a14:useLocalDpi xmlns:a14="http://schemas.microsoft.com/office/drawing/2010/main" val="0"/>
+              </a:ext>
+            </a:extLst>
+          </a:blip>
+          <a:srcRect/>
+          <a:stretch>
+            <a:fillRect/>
+          </a:stretch>
+        </p:blipFill>
+        <p:spPr bwMode="auto">
+          <a:xfrm>
+            <a:off x="3770566" y="491708"/>
+            <a:ext cx="1582177" cy="883588"/>
+          </a:xfrm>
+          <a:prstGeom prst="rect">
+            <a:avLst/>
+          </a:prstGeom>
+          <a:noFill/>
+          <a:extLst>
+            <a:ext uri="{909E8E84-426E-40DD-AFC4-6F175D3DCCD1}">
+              <a14:hiddenFill xmlns:a14="http://schemas.microsoft.com/office/drawing/2010/main">
+                <a:solidFill>
+                  <a:srgbClr val="FFFFFF"/>
+                </a:solidFill>
+              </a14:hiddenFill>
+            </a:ext>
+          </a:extLst>
+        </p:spPr>
+      </p:pic>
+      <p:sp>
+        <p:nvSpPr>
+          <p:cNvPr id="1041" name="Textfeld 1040">
+            <a:extLst>
+              <a:ext uri="{FF2B5EF4-FFF2-40B4-BE49-F238E27FC236}">
+                <a16:creationId xmlns:a16="http://schemas.microsoft.com/office/drawing/2014/main" id="{342B4F2D-112F-6145-DE5D-6E84C06AF9C1}"/>
+              </a:ext>
+            </a:extLst>
+          </p:cNvPr>
+          <p:cNvSpPr txBox="1"/>
+          <p:nvPr/>
+        </p:nvSpPr>
+        <p:spPr>
+          <a:xfrm>
+            <a:off x="2420229" y="213339"/>
+            <a:ext cx="1085233" cy="307777"/>
+          </a:xfrm>
+          <a:prstGeom prst="rect">
+            <a:avLst/>
+          </a:prstGeom>
+          <a:noFill/>
+        </p:spPr>
+        <p:txBody>
+          <a:bodyPr wrap="square" rtlCol="0">
+            <a:spAutoFit/>
+          </a:bodyPr>
+          <a:lstStyle/>
+          <a:p>
+            <a:r>
+              <a:rPr lang="de-CH" sz="1400" b="1" dirty="0">
+                <a:latin typeface="Arial" panose="020B0604020202020204" pitchFamily="34" charset="0"/>
+                <a:cs typeface="Arial" panose="020B0604020202020204" pitchFamily="34" charset="0"/>
+              </a:rPr>
+              <a:t>Zeichnen</a:t>
+            </a:r>
+          </a:p>
+        </p:txBody>
+      </p:sp>
+      <p:sp>
+        <p:nvSpPr>
+          <p:cNvPr id="1042" name="Textfeld 1041">
+            <a:extLst>
+              <a:ext uri="{FF2B5EF4-FFF2-40B4-BE49-F238E27FC236}">
+                <a16:creationId xmlns:a16="http://schemas.microsoft.com/office/drawing/2014/main" id="{136A48F8-DA25-759F-5881-4AB6213342E0}"/>
+              </a:ext>
+            </a:extLst>
+          </p:cNvPr>
+          <p:cNvSpPr txBox="1"/>
+          <p:nvPr/>
+        </p:nvSpPr>
+        <p:spPr>
+          <a:xfrm>
+            <a:off x="3975772" y="222246"/>
+            <a:ext cx="1372560" cy="307777"/>
+          </a:xfrm>
+          <a:prstGeom prst="rect">
+            <a:avLst/>
+          </a:prstGeom>
+          <a:noFill/>
+        </p:spPr>
+        <p:txBody>
+          <a:bodyPr wrap="square" rtlCol="0">
+            <a:spAutoFit/>
+          </a:bodyPr>
+          <a:lstStyle/>
+          <a:p>
+            <a:r>
+              <a:rPr lang="de-CH" sz="1400" b="1" dirty="0">
+                <a:latin typeface="Arial" panose="020B0604020202020204" pitchFamily="34" charset="0"/>
+                <a:cs typeface="Arial" panose="020B0604020202020204" pitchFamily="34" charset="0"/>
+              </a:rPr>
+              <a:t>Kamerakopie</a:t>
+            </a:r>
+          </a:p>
+        </p:txBody>
+      </p:sp>
+      <p:sp>
+        <p:nvSpPr>
+          <p:cNvPr id="1043" name="Textfeld 1042">
+            <a:extLst>
+              <a:ext uri="{FF2B5EF4-FFF2-40B4-BE49-F238E27FC236}">
+                <a16:creationId xmlns:a16="http://schemas.microsoft.com/office/drawing/2014/main" id="{E479BF37-F472-A36D-0F8C-F1A5E9591682}"/>
+              </a:ext>
+            </a:extLst>
+          </p:cNvPr>
+          <p:cNvSpPr txBox="1"/>
+          <p:nvPr/>
+        </p:nvSpPr>
+        <p:spPr>
+          <a:xfrm>
+            <a:off x="3376241" y="1773671"/>
+            <a:ext cx="889879" cy="307777"/>
+          </a:xfrm>
+          <a:prstGeom prst="rect">
+            <a:avLst/>
+          </a:prstGeom>
+          <a:noFill/>
+        </p:spPr>
+        <p:txBody>
+          <a:bodyPr wrap="square" rtlCol="0">
+            <a:spAutoFit/>
+          </a:bodyPr>
+          <a:lstStyle/>
+          <a:p>
+            <a:r>
+              <a:rPr lang="de-CH" sz="1400" b="1" dirty="0">
+                <a:latin typeface="Arial" panose="020B0604020202020204" pitchFamily="34" charset="0"/>
+                <a:cs typeface="Arial" panose="020B0604020202020204" pitchFamily="34" charset="0"/>
+              </a:rPr>
+              <a:t>Selfie</a:t>
+            </a:r>
+          </a:p>
+        </p:txBody>
+      </p:sp>
+      <p:sp>
+        <p:nvSpPr>
+          <p:cNvPr id="2" name="Textfeld 1">
+            <a:extLst>
+              <a:ext uri="{FF2B5EF4-FFF2-40B4-BE49-F238E27FC236}">
+                <a16:creationId xmlns:a16="http://schemas.microsoft.com/office/drawing/2014/main" id="{F9DC1F21-6F5A-C914-23A9-53DD0B48E602}"/>
+              </a:ext>
+            </a:extLst>
+          </p:cNvPr>
+          <p:cNvSpPr txBox="1"/>
+          <p:nvPr/>
+        </p:nvSpPr>
+        <p:spPr>
+          <a:xfrm>
+            <a:off x="3441622" y="607266"/>
+            <a:ext cx="441010" cy="646331"/>
+          </a:xfrm>
+          <a:prstGeom prst="rect">
+            <a:avLst/>
+          </a:prstGeom>
+          <a:noFill/>
+        </p:spPr>
+        <p:txBody>
+          <a:bodyPr wrap="square" rtlCol="0">
+            <a:spAutoFit/>
+          </a:bodyPr>
+          <a:lstStyle/>
+          <a:p>
+            <a:r>
+              <a:rPr lang="de-CH" sz="3600" b="1" dirty="0">
+                <a:solidFill>
+                  <a:srgbClr val="FF0000"/>
+                </a:solidFill>
+                <a:latin typeface="Arial" panose="020B0604020202020204" pitchFamily="34" charset="0"/>
+                <a:cs typeface="Arial" panose="020B0604020202020204" pitchFamily="34" charset="0"/>
+              </a:rPr>
+              <a:t>+</a:t>
+            </a:r>
+          </a:p>
+        </p:txBody>
+      </p:sp>
+      <p:sp>
+        <p:nvSpPr>
+          <p:cNvPr id="3" name="Textfeld 2">
+            <a:extLst>
+              <a:ext uri="{FF2B5EF4-FFF2-40B4-BE49-F238E27FC236}">
+                <a16:creationId xmlns:a16="http://schemas.microsoft.com/office/drawing/2014/main" id="{11C6EAF5-8A1A-3F21-82FC-0BDDE0401B06}"/>
+              </a:ext>
+            </a:extLst>
+          </p:cNvPr>
+          <p:cNvSpPr txBox="1"/>
+          <p:nvPr/>
+        </p:nvSpPr>
+        <p:spPr>
+          <a:xfrm>
+            <a:off x="3255705" y="1274594"/>
+            <a:ext cx="1372560" cy="523220"/>
+          </a:xfrm>
+          <a:prstGeom prst="rect">
+            <a:avLst/>
+          </a:prstGeom>
+          <a:noFill/>
+        </p:spPr>
+        <p:txBody>
+          <a:bodyPr wrap="square" rtlCol="0">
+            <a:spAutoFit/>
+          </a:bodyPr>
+          <a:lstStyle/>
+          <a:p>
+            <a:r>
+              <a:rPr lang="de-CH" sz="2800" b="1" i="1" dirty="0">
+                <a:solidFill>
+                  <a:srgbClr val="FF0000"/>
+                </a:solidFill>
+                <a:latin typeface="Arial" panose="020B0604020202020204" pitchFamily="34" charset="0"/>
+                <a:cs typeface="Arial" panose="020B0604020202020204" pitchFamily="34" charset="0"/>
+              </a:rPr>
+              <a:t>oder</a:t>
+            </a:r>
+          </a:p>
+        </p:txBody>
+      </p:sp>
     </p:spTree>
     <p:extLst>
       <p:ext uri="{BB962C8B-B14F-4D97-AF65-F5344CB8AC3E}">

--- a/Description/JazzGuestsUpload.pptx
+++ b/Description/JazzGuestsUpload.pptx
@@ -4058,8 +4058,8 @@
         </p:nvSpPr>
         <p:spPr>
           <a:xfrm>
-            <a:off x="1411688" y="1249342"/>
-            <a:ext cx="3817512" cy="1938992"/>
+            <a:off x="1510179" y="1224628"/>
+            <a:ext cx="3620529" cy="1938992"/>
           </a:xfrm>
           <a:prstGeom prst="rect">
             <a:avLst/>
@@ -4083,7 +4083,7 @@
                 <a:latin typeface="Arial" panose="020B0604020202020204" pitchFamily="34" charset="0"/>
                 <a:cs typeface="Arial" panose="020B0604020202020204" pitchFamily="34" charset="0"/>
               </a:rPr>
-              <a:t>Foto bitte von der gescannten Gästebuch- Zeichnung, Selfie oder ein anderes Konzert-Foto wählen </a:t>
+              <a:t>Foto von der gescannten Gästebuch-Zeichnung, Selfie oder ein anderes Konzert-Foto</a:t>
             </a:r>
           </a:p>
         </p:txBody>

--- a/Description/JazzGuestsUpload.pptx
+++ b/Description/JazzGuestsUpload.pptx
@@ -9,15 +9,16 @@
     <p:sldId id="268" r:id="rId3"/>
     <p:sldId id="277" r:id="rId4"/>
     <p:sldId id="276" r:id="rId5"/>
-    <p:sldId id="273" r:id="rId6"/>
-    <p:sldId id="265" r:id="rId7"/>
-    <p:sldId id="267" r:id="rId8"/>
-    <p:sldId id="269" r:id="rId9"/>
-    <p:sldId id="271" r:id="rId10"/>
-    <p:sldId id="274" r:id="rId11"/>
-    <p:sldId id="275" r:id="rId12"/>
-    <p:sldId id="272" r:id="rId13"/>
-    <p:sldId id="266" r:id="rId14"/>
+    <p:sldId id="278" r:id="rId6"/>
+    <p:sldId id="273" r:id="rId7"/>
+    <p:sldId id="265" r:id="rId8"/>
+    <p:sldId id="267" r:id="rId9"/>
+    <p:sldId id="269" r:id="rId10"/>
+    <p:sldId id="271" r:id="rId11"/>
+    <p:sldId id="274" r:id="rId12"/>
+    <p:sldId id="275" r:id="rId13"/>
+    <p:sldId id="272" r:id="rId14"/>
+    <p:sldId id="266" r:id="rId15"/>
   </p:sldIdLst>
   <p:sldSz cx="12192000" cy="6858000"/>
   <p:notesSz cx="6661150" cy="9866313"/>
@@ -292,7 +293,7 @@
           <a:p>
             <a:fld id="{DDCE6D58-9B57-4731-A47B-3CD41B48F0A9}" type="datetimeFigureOut">
               <a:rPr lang="de-CH" smtClean="0"/>
-              <a:t>04.02.2024</a:t>
+              <a:t>18.02.2024</a:t>
             </a:fld>
             <a:endParaRPr lang="de-CH"/>
           </a:p>
@@ -462,7 +463,7 @@
           <a:p>
             <a:fld id="{DDCE6D58-9B57-4731-A47B-3CD41B48F0A9}" type="datetimeFigureOut">
               <a:rPr lang="de-CH" smtClean="0"/>
-              <a:t>04.02.2024</a:t>
+              <a:t>18.02.2024</a:t>
             </a:fld>
             <a:endParaRPr lang="de-CH"/>
           </a:p>
@@ -642,7 +643,7 @@
           <a:p>
             <a:fld id="{DDCE6D58-9B57-4731-A47B-3CD41B48F0A9}" type="datetimeFigureOut">
               <a:rPr lang="de-CH" smtClean="0"/>
-              <a:t>04.02.2024</a:t>
+              <a:t>18.02.2024</a:t>
             </a:fld>
             <a:endParaRPr lang="de-CH"/>
           </a:p>
@@ -812,7 +813,7 @@
           <a:p>
             <a:fld id="{DDCE6D58-9B57-4731-A47B-3CD41B48F0A9}" type="datetimeFigureOut">
               <a:rPr lang="de-CH" smtClean="0"/>
-              <a:t>04.02.2024</a:t>
+              <a:t>18.02.2024</a:t>
             </a:fld>
             <a:endParaRPr lang="de-CH"/>
           </a:p>
@@ -1058,7 +1059,7 @@
           <a:p>
             <a:fld id="{DDCE6D58-9B57-4731-A47B-3CD41B48F0A9}" type="datetimeFigureOut">
               <a:rPr lang="de-CH" smtClean="0"/>
-              <a:t>04.02.2024</a:t>
+              <a:t>18.02.2024</a:t>
             </a:fld>
             <a:endParaRPr lang="de-CH"/>
           </a:p>
@@ -1290,7 +1291,7 @@
           <a:p>
             <a:fld id="{DDCE6D58-9B57-4731-A47B-3CD41B48F0A9}" type="datetimeFigureOut">
               <a:rPr lang="de-CH" smtClean="0"/>
-              <a:t>04.02.2024</a:t>
+              <a:t>18.02.2024</a:t>
             </a:fld>
             <a:endParaRPr lang="de-CH"/>
           </a:p>
@@ -1657,7 +1658,7 @@
           <a:p>
             <a:fld id="{DDCE6D58-9B57-4731-A47B-3CD41B48F0A9}" type="datetimeFigureOut">
               <a:rPr lang="de-CH" smtClean="0"/>
-              <a:t>04.02.2024</a:t>
+              <a:t>18.02.2024</a:t>
             </a:fld>
             <a:endParaRPr lang="de-CH"/>
           </a:p>
@@ -1775,7 +1776,7 @@
           <a:p>
             <a:fld id="{DDCE6D58-9B57-4731-A47B-3CD41B48F0A9}" type="datetimeFigureOut">
               <a:rPr lang="de-CH" smtClean="0"/>
-              <a:t>04.02.2024</a:t>
+              <a:t>18.02.2024</a:t>
             </a:fld>
             <a:endParaRPr lang="de-CH"/>
           </a:p>
@@ -1870,7 +1871,7 @@
           <a:p>
             <a:fld id="{DDCE6D58-9B57-4731-A47B-3CD41B48F0A9}" type="datetimeFigureOut">
               <a:rPr lang="de-CH" smtClean="0"/>
-              <a:t>04.02.2024</a:t>
+              <a:t>18.02.2024</a:t>
             </a:fld>
             <a:endParaRPr lang="de-CH"/>
           </a:p>
@@ -2147,7 +2148,7 @@
           <a:p>
             <a:fld id="{DDCE6D58-9B57-4731-A47B-3CD41B48F0A9}" type="datetimeFigureOut">
               <a:rPr lang="de-CH" smtClean="0"/>
-              <a:t>04.02.2024</a:t>
+              <a:t>18.02.2024</a:t>
             </a:fld>
             <a:endParaRPr lang="de-CH"/>
           </a:p>
@@ -2400,7 +2401,7 @@
           <a:p>
             <a:fld id="{DDCE6D58-9B57-4731-A47B-3CD41B48F0A9}" type="datetimeFigureOut">
               <a:rPr lang="de-CH" smtClean="0"/>
-              <a:t>04.02.2024</a:t>
+              <a:t>18.02.2024</a:t>
             </a:fld>
             <a:endParaRPr lang="de-CH"/>
           </a:p>
@@ -2613,7 +2614,7 @@
           <a:p>
             <a:fld id="{DDCE6D58-9B57-4731-A47B-3CD41B48F0A9}" type="datetimeFigureOut">
               <a:rPr lang="de-CH" smtClean="0"/>
-              <a:t>04.02.2024</a:t>
+              <a:t>18.02.2024</a:t>
             </a:fld>
             <a:endParaRPr lang="de-CH"/>
           </a:p>
@@ -3958,10 +3959,10 @@
       </p:grpSpPr>
       <p:sp>
         <p:nvSpPr>
-          <p:cNvPr id="5" name="Rechteck 4">
-            <a:extLst>
-              <a:ext uri="{FF2B5EF4-FFF2-40B4-BE49-F238E27FC236}">
-                <a16:creationId xmlns:a16="http://schemas.microsoft.com/office/drawing/2014/main" id="{68F68AB7-2578-38B2-5F59-3F568BE3CBB5}"/>
+          <p:cNvPr id="2" name="Rechteck 1">
+            <a:extLst>
+              <a:ext uri="{FF2B5EF4-FFF2-40B4-BE49-F238E27FC236}">
+                <a16:creationId xmlns:a16="http://schemas.microsoft.com/office/drawing/2014/main" id="{2E4C3752-A813-EE6E-F3EA-FFB11D438E8F}"/>
               </a:ext>
             </a:extLst>
           </p:cNvPr>
@@ -3970,8 +3971,8 @@
         </p:nvSpPr>
         <p:spPr>
           <a:xfrm>
-            <a:off x="1248757" y="886120"/>
-            <a:ext cx="4143375" cy="2771480"/>
+            <a:off x="5177660" y="365780"/>
+            <a:ext cx="6270441" cy="5714509"/>
           </a:xfrm>
           <a:prstGeom prst="rect">
             <a:avLst/>
@@ -4008,12 +4009,200 @@
           </a:p>
         </p:txBody>
       </p:sp>
+      <p:sp>
+        <p:nvSpPr>
+          <p:cNvPr id="3" name="Textfeld 2">
+            <a:extLst>
+              <a:ext uri="{FF2B5EF4-FFF2-40B4-BE49-F238E27FC236}">
+                <a16:creationId xmlns:a16="http://schemas.microsoft.com/office/drawing/2014/main" id="{B02172D9-6552-9F49-149E-AE9D156587F0}"/>
+              </a:ext>
+            </a:extLst>
+          </p:cNvPr>
+          <p:cNvSpPr txBox="1"/>
+          <p:nvPr/>
+        </p:nvSpPr>
+        <p:spPr>
+          <a:xfrm>
+            <a:off x="5173562" y="322670"/>
+            <a:ext cx="4333461" cy="261610"/>
+          </a:xfrm>
+          <a:prstGeom prst="rect">
+            <a:avLst/>
+          </a:prstGeom>
+          <a:noFill/>
+        </p:spPr>
+        <p:txBody>
+          <a:bodyPr wrap="square" rtlCol="0">
+            <a:spAutoFit/>
+          </a:bodyPr>
+          <a:lstStyle/>
+          <a:p>
+            <a:r>
+              <a:rPr lang="de-CH" sz="1100" b="1" dirty="0" err="1"/>
+              <a:t>id_div_upload_texts</a:t>
+            </a:r>
+            <a:r>
+              <a:rPr lang="de-CH" sz="1100" b="1" dirty="0"/>
+              <a:t>  </a:t>
+            </a:r>
+            <a:r>
+              <a:rPr lang="de-CH" sz="1100" b="1" dirty="0" err="1"/>
+              <a:t>clear</a:t>
+            </a:r>
+            <a:r>
+              <a:rPr lang="de-CH" sz="1100" b="1" dirty="0"/>
+              <a:t> </a:t>
+            </a:r>
+            <a:r>
+              <a:rPr lang="de-CH" sz="1100" b="1" dirty="0" err="1"/>
+              <a:t>both</a:t>
+            </a:r>
+            <a:endParaRPr lang="de-CH" b="1" dirty="0"/>
+          </a:p>
+        </p:txBody>
+      </p:sp>
+      <p:sp>
+        <p:nvSpPr>
+          <p:cNvPr id="4" name="Rechteck 3">
+            <a:extLst>
+              <a:ext uri="{FF2B5EF4-FFF2-40B4-BE49-F238E27FC236}">
+                <a16:creationId xmlns:a16="http://schemas.microsoft.com/office/drawing/2014/main" id="{B65B393F-0C5E-C739-7A63-FF0973A253A2}"/>
+              </a:ext>
+            </a:extLst>
+          </p:cNvPr>
+          <p:cNvSpPr/>
+          <p:nvPr/>
+        </p:nvSpPr>
+        <p:spPr>
+          <a:xfrm>
+            <a:off x="559131" y="1059816"/>
+            <a:ext cx="3339167" cy="3631364"/>
+          </a:xfrm>
+          <a:prstGeom prst="rect">
+            <a:avLst/>
+          </a:prstGeom>
+          <a:solidFill>
+            <a:srgbClr val="DFE0E1"/>
+          </a:solidFill>
+          <a:ln>
+            <a:solidFill>
+              <a:srgbClr val="C8C8C8"/>
+            </a:solidFill>
+          </a:ln>
+        </p:spPr>
+        <p:style>
+          <a:lnRef idx="2">
+            <a:schemeClr val="accent1">
+              <a:shade val="50000"/>
+            </a:schemeClr>
+          </a:lnRef>
+          <a:fillRef idx="1">
+            <a:schemeClr val="accent1"/>
+          </a:fillRef>
+          <a:effectRef idx="0">
+            <a:schemeClr val="accent1"/>
+          </a:effectRef>
+          <a:fontRef idx="minor">
+            <a:schemeClr val="lt1"/>
+          </a:fontRef>
+        </p:style>
+        <p:txBody>
+          <a:bodyPr rtlCol="0" anchor="ctr"/>
+          <a:lstStyle/>
+          <a:p>
+            <a:pPr algn="ctr"/>
+            <a:endParaRPr lang="de-CH" sz="1600" dirty="0">
+              <a:solidFill>
+                <a:schemeClr val="tx1"/>
+              </a:solidFill>
+              <a:latin typeface="Arial" panose="020B0604020202020204" pitchFamily="34" charset="0"/>
+              <a:cs typeface="Arial" panose="020B0604020202020204" pitchFamily="34" charset="0"/>
+            </a:endParaRPr>
+          </a:p>
+        </p:txBody>
+      </p:sp>
+      <p:sp>
+        <p:nvSpPr>
+          <p:cNvPr id="5" name="Rechteck 4">
+            <a:extLst>
+              <a:ext uri="{FF2B5EF4-FFF2-40B4-BE49-F238E27FC236}">
+                <a16:creationId xmlns:a16="http://schemas.microsoft.com/office/drawing/2014/main" id="{77951B7C-80A8-F662-8CF8-BD8802E73606}"/>
+              </a:ext>
+            </a:extLst>
+          </p:cNvPr>
+          <p:cNvSpPr/>
+          <p:nvPr/>
+        </p:nvSpPr>
+        <p:spPr>
+          <a:xfrm>
+            <a:off x="559128" y="965018"/>
+            <a:ext cx="3339167" cy="769028"/>
+          </a:xfrm>
+          <a:prstGeom prst="rect">
+            <a:avLst/>
+          </a:prstGeom>
+          <a:solidFill>
+            <a:schemeClr val="tx1"/>
+          </a:solidFill>
+          <a:ln>
+            <a:solidFill>
+              <a:schemeClr val="tx1"/>
+            </a:solidFill>
+          </a:ln>
+        </p:spPr>
+        <p:style>
+          <a:lnRef idx="2">
+            <a:schemeClr val="accent1">
+              <a:shade val="50000"/>
+            </a:schemeClr>
+          </a:lnRef>
+          <a:fillRef idx="1">
+            <a:schemeClr val="accent1"/>
+          </a:fillRef>
+          <a:effectRef idx="0">
+            <a:schemeClr val="accent1"/>
+          </a:effectRef>
+          <a:fontRef idx="minor">
+            <a:schemeClr val="lt1"/>
+          </a:fontRef>
+        </p:style>
+        <p:txBody>
+          <a:bodyPr rtlCol="0" anchor="ctr"/>
+          <a:lstStyle/>
+          <a:p>
+            <a:pPr algn="ctr"/>
+            <a:r>
+              <a:rPr lang="de-CH" sz="1600" b="1" dirty="0">
+                <a:solidFill>
+                  <a:srgbClr val="FF000A"/>
+                </a:solidFill>
+                <a:latin typeface="Arial" panose="020B0604020202020204" pitchFamily="34" charset="0"/>
+                <a:cs typeface="Arial" panose="020B0604020202020204" pitchFamily="34" charset="0"/>
+              </a:rPr>
+              <a:t>          </a:t>
+            </a:r>
+          </a:p>
+          <a:p>
+            <a:pPr algn="ctr"/>
+            <a:r>
+              <a:rPr lang="de-CH" sz="1400" b="1" dirty="0">
+                <a:solidFill>
+                  <a:srgbClr val="FF000A"/>
+                </a:solidFill>
+                <a:latin typeface="Arial" panose="020B0604020202020204" pitchFamily="34" charset="0"/>
+                <a:cs typeface="Arial" panose="020B0604020202020204" pitchFamily="34" charset="0"/>
+              </a:rPr>
+              <a:t>Gästebuch-Bild hochladen </a:t>
+            </a:r>
+          </a:p>
+        </p:txBody>
+      </p:sp>
       <p:pic>
         <p:nvPicPr>
-          <p:cNvPr id="3" name="Grafik 2">
-            <a:extLst>
-              <a:ext uri="{FF2B5EF4-FFF2-40B4-BE49-F238E27FC236}">
-                <a16:creationId xmlns:a16="http://schemas.microsoft.com/office/drawing/2014/main" id="{7C2CDF5B-13CF-8065-0AB1-30F1D5F1A4B2}"/>
+          <p:cNvPr id="6" name="Grafik 5">
+            <a:extLst>
+              <a:ext uri="{FF2B5EF4-FFF2-40B4-BE49-F238E27FC236}">
+                <a16:creationId xmlns:a16="http://schemas.microsoft.com/office/drawing/2014/main" id="{E9DAAE8E-9DFC-4287-D7AF-68FD44701BCC}"/>
               </a:ext>
             </a:extLst>
           </p:cNvPr>
@@ -4023,33 +4212,147 @@
           <p:nvPr/>
         </p:nvPicPr>
         <p:blipFill>
-          <a:blip r:embed="rId2">
-            <a:extLst>
-              <a:ext uri="{28A0092B-C50C-407E-A947-70E740481C1C}">
-                <a14:useLocalDpi xmlns:a14="http://schemas.microsoft.com/office/drawing/2010/main" val="0"/>
-              </a:ext>
-            </a:extLst>
-          </a:blip>
+          <a:blip r:embed="rId2"/>
           <a:stretch>
             <a:fillRect/>
           </a:stretch>
         </p:blipFill>
         <p:spPr>
           <a:xfrm>
-            <a:off x="7079171" y="646877"/>
-            <a:ext cx="4019550" cy="2657475"/>
+            <a:off x="1000142" y="1061677"/>
+            <a:ext cx="2457143" cy="238095"/>
           </a:xfrm>
           <a:prstGeom prst="rect">
             <a:avLst/>
           </a:prstGeom>
         </p:spPr>
       </p:pic>
-      <p:sp>
-        <p:nvSpPr>
-          <p:cNvPr id="4" name="Textfeld 3">
-            <a:extLst>
-              <a:ext uri="{FF2B5EF4-FFF2-40B4-BE49-F238E27FC236}">
-                <a16:creationId xmlns:a16="http://schemas.microsoft.com/office/drawing/2014/main" id="{43EFDD6A-69A1-3F5E-D2DB-170741D2CC12}"/>
+      <p:pic>
+        <p:nvPicPr>
+          <p:cNvPr id="7" name="Grafik 6">
+            <a:extLst>
+              <a:ext uri="{FF2B5EF4-FFF2-40B4-BE49-F238E27FC236}">
+                <a16:creationId xmlns:a16="http://schemas.microsoft.com/office/drawing/2014/main" id="{5EF492F4-DED9-A486-D785-C2A789247332}"/>
+              </a:ext>
+            </a:extLst>
+          </p:cNvPr>
+          <p:cNvPicPr>
+            <a:picLocks noChangeAspect="1"/>
+          </p:cNvPicPr>
+          <p:nvPr/>
+        </p:nvPicPr>
+        <p:blipFill>
+          <a:blip r:embed="rId3"/>
+          <a:stretch>
+            <a:fillRect/>
+          </a:stretch>
+        </p:blipFill>
+        <p:spPr>
+          <a:xfrm>
+            <a:off x="3433671" y="1194757"/>
+            <a:ext cx="331444" cy="256116"/>
+          </a:xfrm>
+          <a:prstGeom prst="rect">
+            <a:avLst/>
+          </a:prstGeom>
+        </p:spPr>
+      </p:pic>
+      <p:sp>
+        <p:nvSpPr>
+          <p:cNvPr id="8" name="Rechteck 7">
+            <a:extLst>
+              <a:ext uri="{FF2B5EF4-FFF2-40B4-BE49-F238E27FC236}">
+                <a16:creationId xmlns:a16="http://schemas.microsoft.com/office/drawing/2014/main" id="{69592781-58CB-D26A-97E3-B2B20BCD2747}"/>
+              </a:ext>
+            </a:extLst>
+          </p:cNvPr>
+          <p:cNvSpPr/>
+          <p:nvPr/>
+        </p:nvSpPr>
+        <p:spPr>
+          <a:xfrm>
+            <a:off x="1095532" y="1856527"/>
+            <a:ext cx="2234253" cy="186462"/>
+          </a:xfrm>
+          <a:prstGeom prst="rect">
+            <a:avLst/>
+          </a:prstGeom>
+          <a:noFill/>
+          <a:ln>
+            <a:solidFill>
+              <a:schemeClr val="tx1"/>
+            </a:solidFill>
+          </a:ln>
+        </p:spPr>
+        <p:style>
+          <a:lnRef idx="2">
+            <a:schemeClr val="accent1">
+              <a:shade val="50000"/>
+            </a:schemeClr>
+          </a:lnRef>
+          <a:fillRef idx="1">
+            <a:schemeClr val="accent1"/>
+          </a:fillRef>
+          <a:effectRef idx="0">
+            <a:schemeClr val="accent1"/>
+          </a:effectRef>
+          <a:fontRef idx="minor">
+            <a:schemeClr val="lt1"/>
+          </a:fontRef>
+        </p:style>
+        <p:txBody>
+          <a:bodyPr rtlCol="0" anchor="ctr"/>
+          <a:lstStyle/>
+          <a:p>
+            <a:r>
+              <a:rPr lang="de-CH" sz="1200" dirty="0">
+                <a:solidFill>
+                  <a:schemeClr val="tx1"/>
+                </a:solidFill>
+                <a:latin typeface="Arial" panose="020B0604020202020204" pitchFamily="34" charset="0"/>
+                <a:cs typeface="Arial" panose="020B0604020202020204" pitchFamily="34" charset="0"/>
+              </a:rPr>
+              <a:t>Konzert wählen (optional)</a:t>
+            </a:r>
+          </a:p>
+        </p:txBody>
+      </p:sp>
+      <p:pic>
+        <p:nvPicPr>
+          <p:cNvPr id="9" name="Grafik 8">
+            <a:extLst>
+              <a:ext uri="{FF2B5EF4-FFF2-40B4-BE49-F238E27FC236}">
+                <a16:creationId xmlns:a16="http://schemas.microsoft.com/office/drawing/2014/main" id="{A1FD60B4-3AAB-3B86-6C08-F2B53C18BDFD}"/>
+              </a:ext>
+            </a:extLst>
+          </p:cNvPr>
+          <p:cNvPicPr>
+            <a:picLocks noChangeAspect="1"/>
+          </p:cNvPicPr>
+          <p:nvPr/>
+        </p:nvPicPr>
+        <p:blipFill>
+          <a:blip r:embed="rId4"/>
+          <a:stretch>
+            <a:fillRect/>
+          </a:stretch>
+        </p:blipFill>
+        <p:spPr>
+          <a:xfrm>
+            <a:off x="2943168" y="1887332"/>
+            <a:ext cx="321154" cy="157428"/>
+          </a:xfrm>
+          <a:prstGeom prst="rect">
+            <a:avLst/>
+          </a:prstGeom>
+        </p:spPr>
+      </p:pic>
+      <p:sp>
+        <p:nvSpPr>
+          <p:cNvPr id="10" name="Textfeld 9">
+            <a:extLst>
+              <a:ext uri="{FF2B5EF4-FFF2-40B4-BE49-F238E27FC236}">
+                <a16:creationId xmlns:a16="http://schemas.microsoft.com/office/drawing/2014/main" id="{A2D6EE09-DCDA-2FD4-62F3-F95C2129FDFC}"/>
               </a:ext>
             </a:extLst>
           </p:cNvPr>
@@ -4058,8 +4361,8 @@
         </p:nvSpPr>
         <p:spPr>
           <a:xfrm>
-            <a:off x="1510179" y="1224628"/>
-            <a:ext cx="3620529" cy="1938992"/>
+            <a:off x="614763" y="2033077"/>
+            <a:ext cx="1619029" cy="276999"/>
           </a:xfrm>
           <a:prstGeom prst="rect">
             <a:avLst/>
@@ -4072,26 +4375,1376 @@
           </a:bodyPr>
           <a:lstStyle/>
           <a:p>
+            <a:r>
+              <a:rPr lang="de-CH" sz="1200" dirty="0">
+                <a:latin typeface="Arial" panose="020B0604020202020204" pitchFamily="34" charset="0"/>
+                <a:cs typeface="Arial" panose="020B0604020202020204" pitchFamily="34" charset="0"/>
+              </a:rPr>
+              <a:t>Titel</a:t>
+            </a:r>
+          </a:p>
+        </p:txBody>
+      </p:sp>
+      <p:sp>
+        <p:nvSpPr>
+          <p:cNvPr id="11" name="Rechteck 10">
+            <a:extLst>
+              <a:ext uri="{FF2B5EF4-FFF2-40B4-BE49-F238E27FC236}">
+                <a16:creationId xmlns:a16="http://schemas.microsoft.com/office/drawing/2014/main" id="{D2ACEC97-978D-BA7B-68C9-1D7DF9AB85D3}"/>
+              </a:ext>
+            </a:extLst>
+          </p:cNvPr>
+          <p:cNvSpPr/>
+          <p:nvPr/>
+        </p:nvSpPr>
+        <p:spPr>
+          <a:xfrm>
+            <a:off x="680121" y="2299655"/>
+            <a:ext cx="3084994" cy="228869"/>
+          </a:xfrm>
+          <a:prstGeom prst="rect">
+            <a:avLst/>
+          </a:prstGeom>
+          <a:solidFill>
+            <a:schemeClr val="bg1"/>
+          </a:solidFill>
+          <a:ln>
+            <a:solidFill>
+              <a:schemeClr val="tx1"/>
+            </a:solidFill>
+          </a:ln>
+        </p:spPr>
+        <p:style>
+          <a:lnRef idx="2">
+            <a:schemeClr val="accent1">
+              <a:shade val="50000"/>
+            </a:schemeClr>
+          </a:lnRef>
+          <a:fillRef idx="1">
+            <a:schemeClr val="accent1"/>
+          </a:fillRef>
+          <a:effectRef idx="0">
+            <a:schemeClr val="accent1"/>
+          </a:effectRef>
+          <a:fontRef idx="minor">
+            <a:schemeClr val="lt1"/>
+          </a:fontRef>
+        </p:style>
+        <p:txBody>
+          <a:bodyPr rtlCol="0" anchor="ctr"/>
+          <a:lstStyle/>
+          <a:p>
+            <a:r>
+              <a:rPr lang="de-CH" sz="800" i="1" dirty="0">
+                <a:solidFill>
+                  <a:schemeClr val="tx1"/>
+                </a:solidFill>
+                <a:latin typeface="Arial" panose="020B0604020202020204" pitchFamily="34" charset="0"/>
+                <a:cs typeface="Arial" panose="020B0604020202020204" pitchFamily="34" charset="0"/>
+              </a:rPr>
+              <a:t>Kurzer Bildtext</a:t>
+            </a:r>
+          </a:p>
+        </p:txBody>
+      </p:sp>
+      <p:sp>
+        <p:nvSpPr>
+          <p:cNvPr id="12" name="Textfeld 11">
+            <a:extLst>
+              <a:ext uri="{FF2B5EF4-FFF2-40B4-BE49-F238E27FC236}">
+                <a16:creationId xmlns:a16="http://schemas.microsoft.com/office/drawing/2014/main" id="{5811EF84-24D0-0316-8262-A73847379E37}"/>
+              </a:ext>
+            </a:extLst>
+          </p:cNvPr>
+          <p:cNvSpPr txBox="1"/>
+          <p:nvPr/>
+        </p:nvSpPr>
+        <p:spPr>
+          <a:xfrm>
+            <a:off x="592527" y="2526752"/>
+            <a:ext cx="1619029" cy="276999"/>
+          </a:xfrm>
+          <a:prstGeom prst="rect">
+            <a:avLst/>
+          </a:prstGeom>
+          <a:noFill/>
+        </p:spPr>
+        <p:txBody>
+          <a:bodyPr wrap="square" rtlCol="0">
+            <a:spAutoFit/>
+          </a:bodyPr>
+          <a:lstStyle/>
+          <a:p>
+            <a:r>
+              <a:rPr lang="de-CH" sz="1200" dirty="0">
+                <a:latin typeface="Arial" panose="020B0604020202020204" pitchFamily="34" charset="0"/>
+                <a:cs typeface="Arial" panose="020B0604020202020204" pitchFamily="34" charset="0"/>
+              </a:rPr>
+              <a:t>Text (optional)</a:t>
+            </a:r>
+          </a:p>
+        </p:txBody>
+      </p:sp>
+      <p:sp>
+        <p:nvSpPr>
+          <p:cNvPr id="13" name="Rechteck 12">
+            <a:extLst>
+              <a:ext uri="{FF2B5EF4-FFF2-40B4-BE49-F238E27FC236}">
+                <a16:creationId xmlns:a16="http://schemas.microsoft.com/office/drawing/2014/main" id="{AE2A1CEE-72A1-1BDC-0228-D7623381F22D}"/>
+              </a:ext>
+            </a:extLst>
+          </p:cNvPr>
+          <p:cNvSpPr/>
+          <p:nvPr/>
+        </p:nvSpPr>
+        <p:spPr>
+          <a:xfrm>
+            <a:off x="680121" y="2783419"/>
+            <a:ext cx="3084994" cy="455491"/>
+          </a:xfrm>
+          <a:prstGeom prst="rect">
+            <a:avLst/>
+          </a:prstGeom>
+          <a:solidFill>
+            <a:schemeClr val="bg1"/>
+          </a:solidFill>
+          <a:ln>
+            <a:solidFill>
+              <a:schemeClr val="tx1"/>
+            </a:solidFill>
+          </a:ln>
+        </p:spPr>
+        <p:style>
+          <a:lnRef idx="2">
+            <a:schemeClr val="accent1">
+              <a:shade val="50000"/>
+            </a:schemeClr>
+          </a:lnRef>
+          <a:fillRef idx="1">
+            <a:schemeClr val="accent1"/>
+          </a:fillRef>
+          <a:effectRef idx="0">
+            <a:schemeClr val="accent1"/>
+          </a:effectRef>
+          <a:fontRef idx="minor">
+            <a:schemeClr val="lt1"/>
+          </a:fontRef>
+        </p:style>
+        <p:txBody>
+          <a:bodyPr rtlCol="0" anchor="ctr"/>
+          <a:lstStyle/>
+          <a:p>
+            <a:r>
+              <a:rPr lang="de-CH" sz="800" i="1" dirty="0">
+                <a:solidFill>
+                  <a:schemeClr val="tx1"/>
+                </a:solidFill>
+                <a:latin typeface="Arial" panose="020B0604020202020204" pitchFamily="34" charset="0"/>
+                <a:cs typeface="Arial" panose="020B0604020202020204" pitchFamily="34" charset="0"/>
+              </a:rPr>
+              <a:t>Freier Text</a:t>
+            </a:r>
+          </a:p>
+          <a:p>
+            <a:endParaRPr lang="de-CH" sz="1200" i="1" dirty="0">
+              <a:solidFill>
+                <a:schemeClr val="tx1"/>
+              </a:solidFill>
+              <a:latin typeface="Arial" panose="020B0604020202020204" pitchFamily="34" charset="0"/>
+              <a:cs typeface="Arial" panose="020B0604020202020204" pitchFamily="34" charset="0"/>
+            </a:endParaRPr>
+          </a:p>
+        </p:txBody>
+      </p:sp>
+      <p:sp>
+        <p:nvSpPr>
+          <p:cNvPr id="14" name="Textfeld 13">
+            <a:extLst>
+              <a:ext uri="{FF2B5EF4-FFF2-40B4-BE49-F238E27FC236}">
+                <a16:creationId xmlns:a16="http://schemas.microsoft.com/office/drawing/2014/main" id="{8F01A745-C776-C204-233A-479DFFD04E6B}"/>
+              </a:ext>
+            </a:extLst>
+          </p:cNvPr>
+          <p:cNvSpPr txBox="1"/>
+          <p:nvPr/>
+        </p:nvSpPr>
+        <p:spPr>
+          <a:xfrm>
+            <a:off x="603701" y="3306732"/>
+            <a:ext cx="2660621" cy="276999"/>
+          </a:xfrm>
+          <a:prstGeom prst="rect">
+            <a:avLst/>
+          </a:prstGeom>
+          <a:noFill/>
+        </p:spPr>
+        <p:txBody>
+          <a:bodyPr wrap="square" rtlCol="0">
+            <a:spAutoFit/>
+          </a:bodyPr>
+          <a:lstStyle/>
+          <a:p>
+            <a:r>
+              <a:rPr lang="de-CH" sz="1200" dirty="0">
+                <a:latin typeface="Arial" panose="020B0604020202020204" pitchFamily="34" charset="0"/>
+                <a:cs typeface="Arial" panose="020B0604020202020204" pitchFamily="34" charset="0"/>
+              </a:rPr>
+              <a:t>Bemerkung (optional)</a:t>
+            </a:r>
+          </a:p>
+        </p:txBody>
+      </p:sp>
+      <p:sp>
+        <p:nvSpPr>
+          <p:cNvPr id="15" name="Rechteck 14">
+            <a:extLst>
+              <a:ext uri="{FF2B5EF4-FFF2-40B4-BE49-F238E27FC236}">
+                <a16:creationId xmlns:a16="http://schemas.microsoft.com/office/drawing/2014/main" id="{88A234D2-64C9-BBEE-73C2-7BA7246E893F}"/>
+              </a:ext>
+            </a:extLst>
+          </p:cNvPr>
+          <p:cNvSpPr/>
+          <p:nvPr/>
+        </p:nvSpPr>
+        <p:spPr>
+          <a:xfrm>
+            <a:off x="691295" y="3563399"/>
+            <a:ext cx="3084994" cy="455491"/>
+          </a:xfrm>
+          <a:prstGeom prst="rect">
+            <a:avLst/>
+          </a:prstGeom>
+          <a:solidFill>
+            <a:schemeClr val="bg1"/>
+          </a:solidFill>
+          <a:ln>
+            <a:solidFill>
+              <a:schemeClr val="tx1"/>
+            </a:solidFill>
+          </a:ln>
+        </p:spPr>
+        <p:style>
+          <a:lnRef idx="2">
+            <a:schemeClr val="accent1">
+              <a:shade val="50000"/>
+            </a:schemeClr>
+          </a:lnRef>
+          <a:fillRef idx="1">
+            <a:schemeClr val="accent1"/>
+          </a:fillRef>
+          <a:effectRef idx="0">
+            <a:schemeClr val="accent1"/>
+          </a:effectRef>
+          <a:fontRef idx="minor">
+            <a:schemeClr val="lt1"/>
+          </a:fontRef>
+        </p:style>
+        <p:txBody>
+          <a:bodyPr rtlCol="0" anchor="ctr"/>
+          <a:lstStyle/>
+          <a:p>
+            <a:r>
+              <a:rPr lang="de-CH" sz="800" i="1" dirty="0">
+                <a:solidFill>
+                  <a:schemeClr val="tx1"/>
+                </a:solidFill>
+                <a:latin typeface="Arial" panose="020B0604020202020204" pitchFamily="34" charset="0"/>
+                <a:cs typeface="Arial" panose="020B0604020202020204" pitchFamily="34" charset="0"/>
+              </a:rPr>
+              <a:t>Freier Text</a:t>
+            </a:r>
+          </a:p>
+          <a:p>
+            <a:endParaRPr lang="de-CH" sz="1200" i="1" dirty="0">
+              <a:solidFill>
+                <a:schemeClr val="tx1"/>
+              </a:solidFill>
+              <a:latin typeface="Arial" panose="020B0604020202020204" pitchFamily="34" charset="0"/>
+              <a:cs typeface="Arial" panose="020B0604020202020204" pitchFamily="34" charset="0"/>
+            </a:endParaRPr>
+          </a:p>
+        </p:txBody>
+      </p:sp>
+      <p:sp>
+        <p:nvSpPr>
+          <p:cNvPr id="16" name="Rechteck 15">
+            <a:extLst>
+              <a:ext uri="{FF2B5EF4-FFF2-40B4-BE49-F238E27FC236}">
+                <a16:creationId xmlns:a16="http://schemas.microsoft.com/office/drawing/2014/main" id="{B1B7A835-CFF5-2ED8-1743-704F3779AB81}"/>
+              </a:ext>
+            </a:extLst>
+          </p:cNvPr>
+          <p:cNvSpPr/>
+          <p:nvPr/>
+        </p:nvSpPr>
+        <p:spPr>
+          <a:xfrm>
+            <a:off x="2654753" y="4286721"/>
+            <a:ext cx="1017778" cy="292247"/>
+          </a:xfrm>
+          <a:prstGeom prst="rect">
+            <a:avLst/>
+          </a:prstGeom>
+          <a:noFill/>
+          <a:ln>
+            <a:solidFill>
+              <a:schemeClr val="tx1"/>
+            </a:solidFill>
+          </a:ln>
+        </p:spPr>
+        <p:style>
+          <a:lnRef idx="2">
+            <a:schemeClr val="accent1">
+              <a:shade val="50000"/>
+            </a:schemeClr>
+          </a:lnRef>
+          <a:fillRef idx="1">
+            <a:schemeClr val="accent1"/>
+          </a:fillRef>
+          <a:effectRef idx="0">
+            <a:schemeClr val="accent1"/>
+          </a:effectRef>
+          <a:fontRef idx="minor">
+            <a:schemeClr val="lt1"/>
+          </a:fontRef>
+        </p:style>
+        <p:txBody>
+          <a:bodyPr rtlCol="0" anchor="ctr"/>
+          <a:lstStyle/>
+          <a:p>
             <a:pPr algn="ctr"/>
             <a:r>
-              <a:rPr lang="de-CH" sz="2400" b="1" i="1" dirty="0">
+              <a:rPr lang="de-CH" sz="1200" dirty="0">
                 <a:solidFill>
-                  <a:schemeClr val="bg1">
-                    <a:lumMod val="75000"/>
-                  </a:schemeClr>
+                  <a:schemeClr val="tx1"/>
                 </a:solidFill>
                 <a:latin typeface="Arial" panose="020B0604020202020204" pitchFamily="34" charset="0"/>
                 <a:cs typeface="Arial" panose="020B0604020202020204" pitchFamily="34" charset="0"/>
               </a:rPr>
-              <a:t>Foto von der gescannten Gästebuch-Zeichnung, Selfie oder ein anderes Konzert-Foto</a:t>
-            </a:r>
+              <a:t>Senden</a:t>
+            </a:r>
+          </a:p>
+        </p:txBody>
+      </p:sp>
+      <p:sp>
+        <p:nvSpPr>
+          <p:cNvPr id="17" name="Rechteck 16">
+            <a:extLst>
+              <a:ext uri="{FF2B5EF4-FFF2-40B4-BE49-F238E27FC236}">
+                <a16:creationId xmlns:a16="http://schemas.microsoft.com/office/drawing/2014/main" id="{5F707348-1F3B-4216-94A3-86CC5C5D512F}"/>
+              </a:ext>
+            </a:extLst>
+          </p:cNvPr>
+          <p:cNvSpPr/>
+          <p:nvPr/>
+        </p:nvSpPr>
+        <p:spPr>
+          <a:xfrm>
+            <a:off x="696315" y="4260647"/>
+            <a:ext cx="1017778" cy="292247"/>
+          </a:xfrm>
+          <a:prstGeom prst="rect">
+            <a:avLst/>
+          </a:prstGeom>
+          <a:noFill/>
+          <a:ln>
+            <a:solidFill>
+              <a:schemeClr val="tx1"/>
+            </a:solidFill>
+          </a:ln>
+        </p:spPr>
+        <p:style>
+          <a:lnRef idx="2">
+            <a:schemeClr val="accent1">
+              <a:shade val="50000"/>
+            </a:schemeClr>
+          </a:lnRef>
+          <a:fillRef idx="1">
+            <a:schemeClr val="accent1"/>
+          </a:fillRef>
+          <a:effectRef idx="0">
+            <a:schemeClr val="accent1"/>
+          </a:effectRef>
+          <a:fontRef idx="minor">
+            <a:schemeClr val="lt1"/>
+          </a:fontRef>
+        </p:style>
+        <p:txBody>
+          <a:bodyPr rtlCol="0" anchor="ctr"/>
+          <a:lstStyle/>
+          <a:p>
+            <a:pPr algn="ctr"/>
+            <a:r>
+              <a:rPr lang="de-CH" sz="1200" dirty="0">
+                <a:solidFill>
+                  <a:schemeClr val="tx1"/>
+                </a:solidFill>
+                <a:latin typeface="Arial" panose="020B0604020202020204" pitchFamily="34" charset="0"/>
+                <a:cs typeface="Arial" panose="020B0604020202020204" pitchFamily="34" charset="0"/>
+              </a:rPr>
+              <a:t>Zurück</a:t>
+            </a:r>
+          </a:p>
+        </p:txBody>
+      </p:sp>
+      <p:sp>
+        <p:nvSpPr>
+          <p:cNvPr id="18" name="Rechteck 17">
+            <a:extLst>
+              <a:ext uri="{FF2B5EF4-FFF2-40B4-BE49-F238E27FC236}">
+                <a16:creationId xmlns:a16="http://schemas.microsoft.com/office/drawing/2014/main" id="{6D71D7E3-CD9C-BEAB-2E8D-75B80B4FA43B}"/>
+              </a:ext>
+            </a:extLst>
+          </p:cNvPr>
+          <p:cNvSpPr/>
+          <p:nvPr/>
+        </p:nvSpPr>
+        <p:spPr>
+          <a:xfrm>
+            <a:off x="5306797" y="593526"/>
+            <a:ext cx="6061930" cy="371492"/>
+          </a:xfrm>
+          <a:prstGeom prst="rect">
+            <a:avLst/>
+          </a:prstGeom>
+          <a:noFill/>
+          <a:ln w="19050">
+            <a:solidFill>
+              <a:schemeClr val="tx1"/>
+            </a:solidFill>
+          </a:ln>
+        </p:spPr>
+        <p:style>
+          <a:lnRef idx="2">
+            <a:schemeClr val="accent1">
+              <a:shade val="50000"/>
+            </a:schemeClr>
+          </a:lnRef>
+          <a:fillRef idx="1">
+            <a:schemeClr val="accent1"/>
+          </a:fillRef>
+          <a:effectRef idx="0">
+            <a:schemeClr val="accent1"/>
+          </a:effectRef>
+          <a:fontRef idx="minor">
+            <a:schemeClr val="lt1"/>
+          </a:fontRef>
+        </p:style>
+        <p:txBody>
+          <a:bodyPr rtlCol="0" anchor="ctr"/>
+          <a:lstStyle/>
+          <a:p>
+            <a:pPr algn="ctr"/>
+            <a:endParaRPr lang="de-CH" dirty="0"/>
+          </a:p>
+        </p:txBody>
+      </p:sp>
+      <p:sp>
+        <p:nvSpPr>
+          <p:cNvPr id="19" name="Textfeld 18">
+            <a:extLst>
+              <a:ext uri="{FF2B5EF4-FFF2-40B4-BE49-F238E27FC236}">
+                <a16:creationId xmlns:a16="http://schemas.microsoft.com/office/drawing/2014/main" id="{210A3859-6957-8621-ED98-E43BFE138262}"/>
+              </a:ext>
+            </a:extLst>
+          </p:cNvPr>
+          <p:cNvSpPr txBox="1"/>
+          <p:nvPr/>
+        </p:nvSpPr>
+        <p:spPr>
+          <a:xfrm>
+            <a:off x="5306797" y="564433"/>
+            <a:ext cx="4333461" cy="261610"/>
+          </a:xfrm>
+          <a:prstGeom prst="rect">
+            <a:avLst/>
+          </a:prstGeom>
+          <a:noFill/>
+        </p:spPr>
+        <p:txBody>
+          <a:bodyPr wrap="square" rtlCol="0">
+            <a:spAutoFit/>
+          </a:bodyPr>
+          <a:lstStyle/>
+          <a:p>
+            <a:r>
+              <a:rPr lang="de-CH" sz="1100" b="1" dirty="0" err="1"/>
+              <a:t>id_div_upload_texts_concert</a:t>
+            </a:r>
+            <a:r>
+              <a:rPr lang="de-CH" sz="1100" b="1" dirty="0"/>
+              <a:t>  </a:t>
+            </a:r>
+            <a:r>
+              <a:rPr lang="de-CH" sz="1100" b="1" dirty="0" err="1"/>
+              <a:t>clear</a:t>
+            </a:r>
+            <a:r>
+              <a:rPr lang="de-CH" sz="1100" b="1" dirty="0"/>
+              <a:t> </a:t>
+            </a:r>
+            <a:r>
+              <a:rPr lang="de-CH" sz="1100" b="1" dirty="0" err="1"/>
+              <a:t>both</a:t>
+            </a:r>
+            <a:endParaRPr lang="de-CH" b="1" dirty="0"/>
+          </a:p>
+        </p:txBody>
+      </p:sp>
+      <p:sp>
+        <p:nvSpPr>
+          <p:cNvPr id="20" name="Rechteck 19">
+            <a:extLst>
+              <a:ext uri="{FF2B5EF4-FFF2-40B4-BE49-F238E27FC236}">
+                <a16:creationId xmlns:a16="http://schemas.microsoft.com/office/drawing/2014/main" id="{5041AF2E-0255-71C7-39DF-C818CFC9C8EB}"/>
+              </a:ext>
+            </a:extLst>
+          </p:cNvPr>
+          <p:cNvSpPr/>
+          <p:nvPr/>
+        </p:nvSpPr>
+        <p:spPr>
+          <a:xfrm>
+            <a:off x="5297370" y="1059816"/>
+            <a:ext cx="6061930" cy="371492"/>
+          </a:xfrm>
+          <a:prstGeom prst="rect">
+            <a:avLst/>
+          </a:prstGeom>
+          <a:noFill/>
+          <a:ln w="19050">
+            <a:solidFill>
+              <a:schemeClr val="tx1"/>
+            </a:solidFill>
+          </a:ln>
+        </p:spPr>
+        <p:style>
+          <a:lnRef idx="2">
+            <a:schemeClr val="accent1">
+              <a:shade val="50000"/>
+            </a:schemeClr>
+          </a:lnRef>
+          <a:fillRef idx="1">
+            <a:schemeClr val="accent1"/>
+          </a:fillRef>
+          <a:effectRef idx="0">
+            <a:schemeClr val="accent1"/>
+          </a:effectRef>
+          <a:fontRef idx="minor">
+            <a:schemeClr val="lt1"/>
+          </a:fontRef>
+        </p:style>
+        <p:txBody>
+          <a:bodyPr rtlCol="0" anchor="ctr"/>
+          <a:lstStyle/>
+          <a:p>
+            <a:pPr algn="ctr"/>
+            <a:endParaRPr lang="de-CH" dirty="0"/>
+          </a:p>
+        </p:txBody>
+      </p:sp>
+      <p:sp>
+        <p:nvSpPr>
+          <p:cNvPr id="21" name="Textfeld 20">
+            <a:extLst>
+              <a:ext uri="{FF2B5EF4-FFF2-40B4-BE49-F238E27FC236}">
+                <a16:creationId xmlns:a16="http://schemas.microsoft.com/office/drawing/2014/main" id="{DF321D47-89A3-66D9-A5DB-AF913F191183}"/>
+              </a:ext>
+            </a:extLst>
+          </p:cNvPr>
+          <p:cNvSpPr txBox="1"/>
+          <p:nvPr/>
+        </p:nvSpPr>
+        <p:spPr>
+          <a:xfrm>
+            <a:off x="5297370" y="1030723"/>
+            <a:ext cx="4333461" cy="261610"/>
+          </a:xfrm>
+          <a:prstGeom prst="rect">
+            <a:avLst/>
+          </a:prstGeom>
+          <a:noFill/>
+        </p:spPr>
+        <p:txBody>
+          <a:bodyPr wrap="square" rtlCol="0">
+            <a:spAutoFit/>
+          </a:bodyPr>
+          <a:lstStyle/>
+          <a:p>
+            <a:r>
+              <a:rPr lang="de-CH" sz="1100" b="1" dirty="0" err="1"/>
+              <a:t>id_div_upload_texts_title</a:t>
+            </a:r>
+            <a:r>
+              <a:rPr lang="de-CH" sz="1100" b="1" dirty="0"/>
+              <a:t>  </a:t>
+            </a:r>
+            <a:r>
+              <a:rPr lang="de-CH" sz="1100" b="1" dirty="0" err="1"/>
+              <a:t>clear</a:t>
+            </a:r>
+            <a:r>
+              <a:rPr lang="de-CH" sz="1100" b="1" dirty="0"/>
+              <a:t> </a:t>
+            </a:r>
+            <a:r>
+              <a:rPr lang="de-CH" sz="1100" b="1" dirty="0" err="1"/>
+              <a:t>both</a:t>
+            </a:r>
+            <a:endParaRPr lang="de-CH" b="1" dirty="0"/>
+          </a:p>
+        </p:txBody>
+      </p:sp>
+      <p:sp>
+        <p:nvSpPr>
+          <p:cNvPr id="22" name="Rechteck 21">
+            <a:extLst>
+              <a:ext uri="{FF2B5EF4-FFF2-40B4-BE49-F238E27FC236}">
+                <a16:creationId xmlns:a16="http://schemas.microsoft.com/office/drawing/2014/main" id="{586B35F0-9482-CE05-BC71-AC22BA0AEA94}"/>
+              </a:ext>
+            </a:extLst>
+          </p:cNvPr>
+          <p:cNvSpPr/>
+          <p:nvPr/>
+        </p:nvSpPr>
+        <p:spPr>
+          <a:xfrm>
+            <a:off x="5306797" y="1548300"/>
+            <a:ext cx="6061930" cy="371492"/>
+          </a:xfrm>
+          <a:prstGeom prst="rect">
+            <a:avLst/>
+          </a:prstGeom>
+          <a:noFill/>
+          <a:ln w="19050">
+            <a:solidFill>
+              <a:schemeClr val="tx1"/>
+            </a:solidFill>
+          </a:ln>
+        </p:spPr>
+        <p:style>
+          <a:lnRef idx="2">
+            <a:schemeClr val="accent1">
+              <a:shade val="50000"/>
+            </a:schemeClr>
+          </a:lnRef>
+          <a:fillRef idx="1">
+            <a:schemeClr val="accent1"/>
+          </a:fillRef>
+          <a:effectRef idx="0">
+            <a:schemeClr val="accent1"/>
+          </a:effectRef>
+          <a:fontRef idx="minor">
+            <a:schemeClr val="lt1"/>
+          </a:fontRef>
+        </p:style>
+        <p:txBody>
+          <a:bodyPr rtlCol="0" anchor="ctr"/>
+          <a:lstStyle/>
+          <a:p>
+            <a:pPr algn="ctr"/>
+            <a:endParaRPr lang="de-CH" dirty="0"/>
+          </a:p>
+        </p:txBody>
+      </p:sp>
+      <p:sp>
+        <p:nvSpPr>
+          <p:cNvPr id="23" name="Textfeld 22">
+            <a:extLst>
+              <a:ext uri="{FF2B5EF4-FFF2-40B4-BE49-F238E27FC236}">
+                <a16:creationId xmlns:a16="http://schemas.microsoft.com/office/drawing/2014/main" id="{96897E7C-EAB6-62CF-3690-67A18F362BB1}"/>
+              </a:ext>
+            </a:extLst>
+          </p:cNvPr>
+          <p:cNvSpPr txBox="1"/>
+          <p:nvPr/>
+        </p:nvSpPr>
+        <p:spPr>
+          <a:xfrm>
+            <a:off x="5306797" y="1519207"/>
+            <a:ext cx="4333461" cy="261610"/>
+          </a:xfrm>
+          <a:prstGeom prst="rect">
+            <a:avLst/>
+          </a:prstGeom>
+          <a:noFill/>
+        </p:spPr>
+        <p:txBody>
+          <a:bodyPr wrap="square" rtlCol="0">
+            <a:spAutoFit/>
+          </a:bodyPr>
+          <a:lstStyle/>
+          <a:p>
+            <a:r>
+              <a:rPr lang="de-CH" sz="1100" b="1" dirty="0" err="1"/>
+              <a:t>id_div_upload_texts_title</a:t>
+            </a:r>
+            <a:r>
+              <a:rPr lang="de-CH" sz="1100" b="1" dirty="0"/>
+              <a:t>  </a:t>
+            </a:r>
+            <a:r>
+              <a:rPr lang="de-CH" sz="1100" b="1" dirty="0" err="1"/>
+              <a:t>clear</a:t>
+            </a:r>
+            <a:r>
+              <a:rPr lang="de-CH" sz="1100" b="1" dirty="0"/>
+              <a:t> </a:t>
+            </a:r>
+            <a:r>
+              <a:rPr lang="de-CH" sz="1100" b="1" dirty="0" err="1"/>
+              <a:t>both</a:t>
+            </a:r>
+            <a:endParaRPr lang="de-CH" b="1" dirty="0"/>
+          </a:p>
+        </p:txBody>
+      </p:sp>
+      <p:sp>
+        <p:nvSpPr>
+          <p:cNvPr id="24" name="Rechteck 23">
+            <a:extLst>
+              <a:ext uri="{FF2B5EF4-FFF2-40B4-BE49-F238E27FC236}">
+                <a16:creationId xmlns:a16="http://schemas.microsoft.com/office/drawing/2014/main" id="{454138E2-763C-6B8E-C2CF-500F9FD89633}"/>
+              </a:ext>
+            </a:extLst>
+          </p:cNvPr>
+          <p:cNvSpPr/>
+          <p:nvPr/>
+        </p:nvSpPr>
+        <p:spPr>
+          <a:xfrm>
+            <a:off x="5306797" y="2033077"/>
+            <a:ext cx="6061930" cy="371492"/>
+          </a:xfrm>
+          <a:prstGeom prst="rect">
+            <a:avLst/>
+          </a:prstGeom>
+          <a:noFill/>
+          <a:ln w="19050">
+            <a:solidFill>
+              <a:schemeClr val="tx1"/>
+            </a:solidFill>
+          </a:ln>
+        </p:spPr>
+        <p:style>
+          <a:lnRef idx="2">
+            <a:schemeClr val="accent1">
+              <a:shade val="50000"/>
+            </a:schemeClr>
+          </a:lnRef>
+          <a:fillRef idx="1">
+            <a:schemeClr val="accent1"/>
+          </a:fillRef>
+          <a:effectRef idx="0">
+            <a:schemeClr val="accent1"/>
+          </a:effectRef>
+          <a:fontRef idx="minor">
+            <a:schemeClr val="lt1"/>
+          </a:fontRef>
+        </p:style>
+        <p:txBody>
+          <a:bodyPr rtlCol="0" anchor="ctr"/>
+          <a:lstStyle/>
+          <a:p>
+            <a:pPr algn="ctr"/>
+            <a:endParaRPr lang="de-CH" dirty="0"/>
+          </a:p>
+        </p:txBody>
+      </p:sp>
+      <p:sp>
+        <p:nvSpPr>
+          <p:cNvPr id="25" name="Textfeld 24">
+            <a:extLst>
+              <a:ext uri="{FF2B5EF4-FFF2-40B4-BE49-F238E27FC236}">
+                <a16:creationId xmlns:a16="http://schemas.microsoft.com/office/drawing/2014/main" id="{F3FEF7F8-0BC0-B51A-B91C-60F814F833C0}"/>
+              </a:ext>
+            </a:extLst>
+          </p:cNvPr>
+          <p:cNvSpPr txBox="1"/>
+          <p:nvPr/>
+        </p:nvSpPr>
+        <p:spPr>
+          <a:xfrm>
+            <a:off x="5306797" y="2003984"/>
+            <a:ext cx="4333461" cy="261610"/>
+          </a:xfrm>
+          <a:prstGeom prst="rect">
+            <a:avLst/>
+          </a:prstGeom>
+          <a:noFill/>
+        </p:spPr>
+        <p:txBody>
+          <a:bodyPr wrap="square" rtlCol="0">
+            <a:spAutoFit/>
+          </a:bodyPr>
+          <a:lstStyle/>
+          <a:p>
+            <a:r>
+              <a:rPr lang="de-CH" sz="1100" b="1" dirty="0" err="1"/>
+              <a:t>id_div_upload_texts_text</a:t>
+            </a:r>
+            <a:r>
+              <a:rPr lang="de-CH" sz="1100" b="1" dirty="0"/>
+              <a:t>  </a:t>
+            </a:r>
+            <a:r>
+              <a:rPr lang="de-CH" sz="1100" b="1" dirty="0" err="1"/>
+              <a:t>clear</a:t>
+            </a:r>
+            <a:r>
+              <a:rPr lang="de-CH" sz="1100" b="1" dirty="0"/>
+              <a:t> </a:t>
+            </a:r>
+            <a:r>
+              <a:rPr lang="de-CH" sz="1100" b="1" dirty="0" err="1"/>
+              <a:t>both</a:t>
+            </a:r>
+            <a:endParaRPr lang="de-CH" b="1" dirty="0"/>
+          </a:p>
+        </p:txBody>
+      </p:sp>
+      <p:sp>
+        <p:nvSpPr>
+          <p:cNvPr id="26" name="Rechteck 25">
+            <a:extLst>
+              <a:ext uri="{FF2B5EF4-FFF2-40B4-BE49-F238E27FC236}">
+                <a16:creationId xmlns:a16="http://schemas.microsoft.com/office/drawing/2014/main" id="{B0C7EE5C-C307-3EF1-CE09-ED9BB5F755A4}"/>
+              </a:ext>
+            </a:extLst>
+          </p:cNvPr>
+          <p:cNvSpPr/>
+          <p:nvPr/>
+        </p:nvSpPr>
+        <p:spPr>
+          <a:xfrm>
+            <a:off x="5297370" y="2503074"/>
+            <a:ext cx="6061930" cy="371492"/>
+          </a:xfrm>
+          <a:prstGeom prst="rect">
+            <a:avLst/>
+          </a:prstGeom>
+          <a:noFill/>
+          <a:ln w="19050">
+            <a:solidFill>
+              <a:schemeClr val="tx1"/>
+            </a:solidFill>
+          </a:ln>
+        </p:spPr>
+        <p:style>
+          <a:lnRef idx="2">
+            <a:schemeClr val="accent1">
+              <a:shade val="50000"/>
+            </a:schemeClr>
+          </a:lnRef>
+          <a:fillRef idx="1">
+            <a:schemeClr val="accent1"/>
+          </a:fillRef>
+          <a:effectRef idx="0">
+            <a:schemeClr val="accent1"/>
+          </a:effectRef>
+          <a:fontRef idx="minor">
+            <a:schemeClr val="lt1"/>
+          </a:fontRef>
+        </p:style>
+        <p:txBody>
+          <a:bodyPr rtlCol="0" anchor="ctr"/>
+          <a:lstStyle/>
+          <a:p>
+            <a:pPr algn="ctr"/>
+            <a:endParaRPr lang="de-CH" dirty="0"/>
+          </a:p>
+        </p:txBody>
+      </p:sp>
+      <p:sp>
+        <p:nvSpPr>
+          <p:cNvPr id="27" name="Textfeld 26">
+            <a:extLst>
+              <a:ext uri="{FF2B5EF4-FFF2-40B4-BE49-F238E27FC236}">
+                <a16:creationId xmlns:a16="http://schemas.microsoft.com/office/drawing/2014/main" id="{28EC7B1A-DCC5-CFC1-81A3-0EEFE7BE1D6E}"/>
+              </a:ext>
+            </a:extLst>
+          </p:cNvPr>
+          <p:cNvSpPr txBox="1"/>
+          <p:nvPr/>
+        </p:nvSpPr>
+        <p:spPr>
+          <a:xfrm>
+            <a:off x="5297370" y="2473981"/>
+            <a:ext cx="4333461" cy="261610"/>
+          </a:xfrm>
+          <a:prstGeom prst="rect">
+            <a:avLst/>
+          </a:prstGeom>
+          <a:noFill/>
+        </p:spPr>
+        <p:txBody>
+          <a:bodyPr wrap="square" rtlCol="0">
+            <a:spAutoFit/>
+          </a:bodyPr>
+          <a:lstStyle/>
+          <a:p>
+            <a:r>
+              <a:rPr lang="de-CH" sz="1100" b="1" dirty="0" err="1"/>
+              <a:t>id_div_upload_texts_remark</a:t>
+            </a:r>
+            <a:r>
+              <a:rPr lang="de-CH" sz="1100" b="1" dirty="0"/>
+              <a:t>  </a:t>
+            </a:r>
+            <a:r>
+              <a:rPr lang="de-CH" sz="1100" b="1" dirty="0" err="1"/>
+              <a:t>clear</a:t>
+            </a:r>
+            <a:r>
+              <a:rPr lang="de-CH" sz="1100" b="1" dirty="0"/>
+              <a:t> </a:t>
+            </a:r>
+            <a:r>
+              <a:rPr lang="de-CH" sz="1100" b="1" dirty="0" err="1"/>
+              <a:t>both</a:t>
+            </a:r>
+            <a:endParaRPr lang="de-CH" b="1" dirty="0"/>
+          </a:p>
+        </p:txBody>
+      </p:sp>
+      <p:sp>
+        <p:nvSpPr>
+          <p:cNvPr id="28" name="Rechteck 27">
+            <a:extLst>
+              <a:ext uri="{FF2B5EF4-FFF2-40B4-BE49-F238E27FC236}">
+                <a16:creationId xmlns:a16="http://schemas.microsoft.com/office/drawing/2014/main" id="{43F6024A-78B0-AF18-65A9-B81AD95AF3E4}"/>
+              </a:ext>
+            </a:extLst>
+          </p:cNvPr>
+          <p:cNvSpPr/>
+          <p:nvPr/>
+        </p:nvSpPr>
+        <p:spPr>
+          <a:xfrm>
+            <a:off x="9243139" y="3893019"/>
+            <a:ext cx="1017778" cy="292247"/>
+          </a:xfrm>
+          <a:prstGeom prst="rect">
+            <a:avLst/>
+          </a:prstGeom>
+          <a:noFill/>
+          <a:ln>
+            <a:solidFill>
+              <a:schemeClr val="tx1"/>
+            </a:solidFill>
+          </a:ln>
+        </p:spPr>
+        <p:style>
+          <a:lnRef idx="2">
+            <a:schemeClr val="accent1">
+              <a:shade val="50000"/>
+            </a:schemeClr>
+          </a:lnRef>
+          <a:fillRef idx="1">
+            <a:schemeClr val="accent1"/>
+          </a:fillRef>
+          <a:effectRef idx="0">
+            <a:schemeClr val="accent1"/>
+          </a:effectRef>
+          <a:fontRef idx="minor">
+            <a:schemeClr val="lt1"/>
+          </a:fontRef>
+        </p:style>
+        <p:txBody>
+          <a:bodyPr rtlCol="0" anchor="ctr"/>
+          <a:lstStyle/>
+          <a:p>
+            <a:pPr algn="ctr"/>
+            <a:r>
+              <a:rPr lang="de-CH" sz="1200" dirty="0">
+                <a:solidFill>
+                  <a:schemeClr val="tx1"/>
+                </a:solidFill>
+                <a:latin typeface="Arial" panose="020B0604020202020204" pitchFamily="34" charset="0"/>
+                <a:cs typeface="Arial" panose="020B0604020202020204" pitchFamily="34" charset="0"/>
+              </a:rPr>
+              <a:t>Speichern</a:t>
+            </a:r>
+          </a:p>
+        </p:txBody>
+      </p:sp>
+      <p:sp>
+        <p:nvSpPr>
+          <p:cNvPr id="29" name="Rechteck 28">
+            <a:extLst>
+              <a:ext uri="{FF2B5EF4-FFF2-40B4-BE49-F238E27FC236}">
+                <a16:creationId xmlns:a16="http://schemas.microsoft.com/office/drawing/2014/main" id="{0AECAB47-1F35-3484-E89E-3D14ABB33336}"/>
+              </a:ext>
+            </a:extLst>
+          </p:cNvPr>
+          <p:cNvSpPr/>
+          <p:nvPr/>
+        </p:nvSpPr>
+        <p:spPr>
+          <a:xfrm>
+            <a:off x="5863631" y="3901653"/>
+            <a:ext cx="970802" cy="235704"/>
+          </a:xfrm>
+          <a:prstGeom prst="rect">
+            <a:avLst/>
+          </a:prstGeom>
+          <a:noFill/>
+          <a:ln>
+            <a:solidFill>
+              <a:schemeClr val="tx1"/>
+            </a:solidFill>
+          </a:ln>
+        </p:spPr>
+        <p:style>
+          <a:lnRef idx="2">
+            <a:schemeClr val="accent1">
+              <a:shade val="50000"/>
+            </a:schemeClr>
+          </a:lnRef>
+          <a:fillRef idx="1">
+            <a:schemeClr val="accent1"/>
+          </a:fillRef>
+          <a:effectRef idx="0">
+            <a:schemeClr val="accent1"/>
+          </a:effectRef>
+          <a:fontRef idx="minor">
+            <a:schemeClr val="lt1"/>
+          </a:fontRef>
+        </p:style>
+        <p:txBody>
+          <a:bodyPr rtlCol="0" anchor="ctr"/>
+          <a:lstStyle/>
+          <a:p>
+            <a:pPr algn="ctr"/>
+            <a:r>
+              <a:rPr lang="de-CH" sz="1200" dirty="0">
+                <a:solidFill>
+                  <a:schemeClr val="tx1"/>
+                </a:solidFill>
+                <a:latin typeface="Arial" panose="020B0604020202020204" pitchFamily="34" charset="0"/>
+                <a:cs typeface="Arial" panose="020B0604020202020204" pitchFamily="34" charset="0"/>
+              </a:rPr>
+              <a:t>Zurück</a:t>
+            </a:r>
+          </a:p>
+        </p:txBody>
+      </p:sp>
+      <p:sp>
+        <p:nvSpPr>
+          <p:cNvPr id="30" name="Rechteck 29">
+            <a:extLst>
+              <a:ext uri="{FF2B5EF4-FFF2-40B4-BE49-F238E27FC236}">
+                <a16:creationId xmlns:a16="http://schemas.microsoft.com/office/drawing/2014/main" id="{2A395DD9-83BF-6F2B-D2D3-F12B3C586FF7}"/>
+              </a:ext>
+            </a:extLst>
+          </p:cNvPr>
+          <p:cNvSpPr/>
+          <p:nvPr/>
+        </p:nvSpPr>
+        <p:spPr>
+          <a:xfrm>
+            <a:off x="5296246" y="3379793"/>
+            <a:ext cx="6053625" cy="1107533"/>
+          </a:xfrm>
+          <a:prstGeom prst="rect">
+            <a:avLst/>
+          </a:prstGeom>
+          <a:noFill/>
+          <a:ln w="19050">
+            <a:solidFill>
+              <a:schemeClr val="tx1"/>
+            </a:solidFill>
+          </a:ln>
+        </p:spPr>
+        <p:style>
+          <a:lnRef idx="2">
+            <a:schemeClr val="accent1">
+              <a:shade val="50000"/>
+            </a:schemeClr>
+          </a:lnRef>
+          <a:fillRef idx="1">
+            <a:schemeClr val="accent1"/>
+          </a:fillRef>
+          <a:effectRef idx="0">
+            <a:schemeClr val="accent1"/>
+          </a:effectRef>
+          <a:fontRef idx="minor">
+            <a:schemeClr val="lt1"/>
+          </a:fontRef>
+        </p:style>
+        <p:txBody>
+          <a:bodyPr rtlCol="0" anchor="ctr"/>
+          <a:lstStyle/>
+          <a:p>
+            <a:pPr algn="ctr"/>
+            <a:endParaRPr lang="de-CH" dirty="0"/>
+          </a:p>
+        </p:txBody>
+      </p:sp>
+      <p:sp>
+        <p:nvSpPr>
+          <p:cNvPr id="31" name="Textfeld 30">
+            <a:extLst>
+              <a:ext uri="{FF2B5EF4-FFF2-40B4-BE49-F238E27FC236}">
+                <a16:creationId xmlns:a16="http://schemas.microsoft.com/office/drawing/2014/main" id="{CBA28A34-8066-14ED-AE54-92F905C9651E}"/>
+              </a:ext>
+            </a:extLst>
+          </p:cNvPr>
+          <p:cNvSpPr txBox="1"/>
+          <p:nvPr/>
+        </p:nvSpPr>
+        <p:spPr>
+          <a:xfrm>
+            <a:off x="5296246" y="3381795"/>
+            <a:ext cx="4333461" cy="261610"/>
+          </a:xfrm>
+          <a:prstGeom prst="rect">
+            <a:avLst/>
+          </a:prstGeom>
+          <a:noFill/>
+        </p:spPr>
+        <p:txBody>
+          <a:bodyPr wrap="square" rtlCol="0">
+            <a:spAutoFit/>
+          </a:bodyPr>
+          <a:lstStyle/>
+          <a:p>
+            <a:r>
+              <a:rPr lang="de-CH" sz="1100" b="1" dirty="0" err="1"/>
+              <a:t>id_div_upload_button_back_forward_part_three</a:t>
+            </a:r>
+            <a:r>
+              <a:rPr lang="de-CH" sz="1100" b="1" dirty="0"/>
+              <a:t>  </a:t>
+            </a:r>
+            <a:r>
+              <a:rPr lang="de-CH" sz="1100" b="1" dirty="0" err="1"/>
+              <a:t>clear</a:t>
+            </a:r>
+            <a:r>
+              <a:rPr lang="de-CH" sz="1100" b="1" dirty="0"/>
+              <a:t> </a:t>
+            </a:r>
+            <a:r>
+              <a:rPr lang="de-CH" sz="1100" b="1" dirty="0" err="1"/>
+              <a:t>both</a:t>
+            </a:r>
+            <a:endParaRPr lang="de-CH" b="1" dirty="0"/>
+          </a:p>
+        </p:txBody>
+      </p:sp>
+      <p:sp>
+        <p:nvSpPr>
+          <p:cNvPr id="32" name="Rechteck 31">
+            <a:extLst>
+              <a:ext uri="{FF2B5EF4-FFF2-40B4-BE49-F238E27FC236}">
+                <a16:creationId xmlns:a16="http://schemas.microsoft.com/office/drawing/2014/main" id="{2F70890F-E793-7314-47F4-A4622D8255FC}"/>
+              </a:ext>
+            </a:extLst>
+          </p:cNvPr>
+          <p:cNvSpPr/>
+          <p:nvPr/>
+        </p:nvSpPr>
+        <p:spPr>
+          <a:xfrm>
+            <a:off x="5357482" y="3621596"/>
+            <a:ext cx="2796704" cy="595754"/>
+          </a:xfrm>
+          <a:prstGeom prst="rect">
+            <a:avLst/>
+          </a:prstGeom>
+          <a:noFill/>
+          <a:ln w="19050">
+            <a:solidFill>
+              <a:schemeClr val="tx1"/>
+            </a:solidFill>
+          </a:ln>
+        </p:spPr>
+        <p:style>
+          <a:lnRef idx="2">
+            <a:schemeClr val="accent1">
+              <a:shade val="50000"/>
+            </a:schemeClr>
+          </a:lnRef>
+          <a:fillRef idx="1">
+            <a:schemeClr val="accent1"/>
+          </a:fillRef>
+          <a:effectRef idx="0">
+            <a:schemeClr val="accent1"/>
+          </a:effectRef>
+          <a:fontRef idx="minor">
+            <a:schemeClr val="lt1"/>
+          </a:fontRef>
+        </p:style>
+        <p:txBody>
+          <a:bodyPr rtlCol="0" anchor="ctr"/>
+          <a:lstStyle/>
+          <a:p>
+            <a:pPr algn="ctr"/>
+            <a:endParaRPr lang="de-CH" dirty="0"/>
+          </a:p>
+        </p:txBody>
+      </p:sp>
+      <p:sp>
+        <p:nvSpPr>
+          <p:cNvPr id="33" name="Textfeld 32">
+            <a:extLst>
+              <a:ext uri="{FF2B5EF4-FFF2-40B4-BE49-F238E27FC236}">
+                <a16:creationId xmlns:a16="http://schemas.microsoft.com/office/drawing/2014/main" id="{F30CB162-9376-A5D4-D947-E871E9E59412}"/>
+              </a:ext>
+            </a:extLst>
+          </p:cNvPr>
+          <p:cNvSpPr txBox="1"/>
+          <p:nvPr/>
+        </p:nvSpPr>
+        <p:spPr>
+          <a:xfrm>
+            <a:off x="5357481" y="3635945"/>
+            <a:ext cx="2796703" cy="261610"/>
+          </a:xfrm>
+          <a:prstGeom prst="rect">
+            <a:avLst/>
+          </a:prstGeom>
+          <a:noFill/>
+        </p:spPr>
+        <p:txBody>
+          <a:bodyPr wrap="square" rtlCol="0">
+            <a:spAutoFit/>
+          </a:bodyPr>
+          <a:lstStyle/>
+          <a:p>
+            <a:r>
+              <a:rPr lang="de-CH" sz="1100" b="1" dirty="0" err="1"/>
+              <a:t>id_upload_button_back_three</a:t>
+            </a:r>
+            <a:r>
+              <a:rPr lang="de-CH" sz="1100" b="1" dirty="0"/>
+              <a:t> </a:t>
+            </a:r>
+            <a:r>
+              <a:rPr lang="de-CH" sz="1100" b="1" dirty="0" err="1"/>
+              <a:t>float</a:t>
+            </a:r>
+            <a:r>
+              <a:rPr lang="de-CH" sz="1100" b="1" dirty="0"/>
+              <a:t> </a:t>
+            </a:r>
+            <a:r>
+              <a:rPr lang="de-CH" sz="1100" b="1" dirty="0" err="1"/>
+              <a:t>left</a:t>
+            </a:r>
+            <a:endParaRPr lang="de-CH" b="1" dirty="0"/>
+          </a:p>
+        </p:txBody>
+      </p:sp>
+      <p:sp>
+        <p:nvSpPr>
+          <p:cNvPr id="34" name="Rechteck 33">
+            <a:extLst>
+              <a:ext uri="{FF2B5EF4-FFF2-40B4-BE49-F238E27FC236}">
+                <a16:creationId xmlns:a16="http://schemas.microsoft.com/office/drawing/2014/main" id="{D786F036-FE8B-F7EC-CE67-872CC3740E0D}"/>
+              </a:ext>
+            </a:extLst>
+          </p:cNvPr>
+          <p:cNvSpPr/>
+          <p:nvPr/>
+        </p:nvSpPr>
+        <p:spPr>
+          <a:xfrm>
+            <a:off x="8231355" y="3618259"/>
+            <a:ext cx="2857622" cy="595754"/>
+          </a:xfrm>
+          <a:prstGeom prst="rect">
+            <a:avLst/>
+          </a:prstGeom>
+          <a:noFill/>
+          <a:ln w="19050">
+            <a:solidFill>
+              <a:schemeClr val="tx1"/>
+            </a:solidFill>
+          </a:ln>
+        </p:spPr>
+        <p:style>
+          <a:lnRef idx="2">
+            <a:schemeClr val="accent1">
+              <a:shade val="50000"/>
+            </a:schemeClr>
+          </a:lnRef>
+          <a:fillRef idx="1">
+            <a:schemeClr val="accent1"/>
+          </a:fillRef>
+          <a:effectRef idx="0">
+            <a:schemeClr val="accent1"/>
+          </a:effectRef>
+          <a:fontRef idx="minor">
+            <a:schemeClr val="lt1"/>
+          </a:fontRef>
+        </p:style>
+        <p:txBody>
+          <a:bodyPr rtlCol="0" anchor="ctr"/>
+          <a:lstStyle/>
+          <a:p>
+            <a:pPr algn="ctr"/>
+            <a:endParaRPr lang="de-CH" dirty="0"/>
+          </a:p>
+        </p:txBody>
+      </p:sp>
+      <p:sp>
+        <p:nvSpPr>
+          <p:cNvPr id="35" name="Textfeld 34">
+            <a:extLst>
+              <a:ext uri="{FF2B5EF4-FFF2-40B4-BE49-F238E27FC236}">
+                <a16:creationId xmlns:a16="http://schemas.microsoft.com/office/drawing/2014/main" id="{EC5640ED-4F24-6DC1-1F64-A3B0AA9F0BA1}"/>
+              </a:ext>
+            </a:extLst>
+          </p:cNvPr>
+          <p:cNvSpPr txBox="1"/>
+          <p:nvPr/>
+        </p:nvSpPr>
+        <p:spPr>
+          <a:xfrm>
+            <a:off x="8154184" y="3632501"/>
+            <a:ext cx="3250492" cy="261610"/>
+          </a:xfrm>
+          <a:prstGeom prst="rect">
+            <a:avLst/>
+          </a:prstGeom>
+          <a:noFill/>
+        </p:spPr>
+        <p:txBody>
+          <a:bodyPr wrap="square" rtlCol="0">
+            <a:spAutoFit/>
+          </a:bodyPr>
+          <a:lstStyle/>
+          <a:p>
+            <a:r>
+              <a:rPr lang="de-CH" sz="1100" b="1" dirty="0" err="1"/>
+              <a:t>id_upload_button_forward_three</a:t>
+            </a:r>
+            <a:r>
+              <a:rPr lang="de-CH" sz="1100" b="1" dirty="0"/>
+              <a:t>  </a:t>
+            </a:r>
+            <a:r>
+              <a:rPr lang="de-CH" sz="1100" b="1" dirty="0" err="1"/>
+              <a:t>float</a:t>
+            </a:r>
+            <a:r>
+              <a:rPr lang="de-CH" sz="1100" b="1" dirty="0"/>
+              <a:t> </a:t>
+            </a:r>
+            <a:r>
+              <a:rPr lang="de-CH" sz="1100" b="1" dirty="0" err="1"/>
+              <a:t>right</a:t>
+            </a:r>
+            <a:endParaRPr lang="de-CH" b="1" dirty="0"/>
           </a:p>
         </p:txBody>
       </p:sp>
     </p:spTree>
     <p:extLst>
       <p:ext uri="{BB962C8B-B14F-4D97-AF65-F5344CB8AC3E}">
-        <p14:creationId xmlns:p14="http://schemas.microsoft.com/office/powerpoint/2010/main" val="282572639"/>
+        <p14:creationId xmlns:p14="http://schemas.microsoft.com/office/powerpoint/2010/main" val="2567405357"/>
       </p:ext>
     </p:extLst>
   </p:cSld>
@@ -4120,6 +5773,168 @@
       </p:grpSpPr>
       <p:sp>
         <p:nvSpPr>
+          <p:cNvPr id="5" name="Rechteck 4">
+            <a:extLst>
+              <a:ext uri="{FF2B5EF4-FFF2-40B4-BE49-F238E27FC236}">
+                <a16:creationId xmlns:a16="http://schemas.microsoft.com/office/drawing/2014/main" id="{68F68AB7-2578-38B2-5F59-3F568BE3CBB5}"/>
+              </a:ext>
+            </a:extLst>
+          </p:cNvPr>
+          <p:cNvSpPr/>
+          <p:nvPr/>
+        </p:nvSpPr>
+        <p:spPr>
+          <a:xfrm>
+            <a:off x="1248757" y="886120"/>
+            <a:ext cx="4143375" cy="2771480"/>
+          </a:xfrm>
+          <a:prstGeom prst="rect">
+            <a:avLst/>
+          </a:prstGeom>
+          <a:noFill/>
+          <a:ln w="19050">
+            <a:solidFill>
+              <a:schemeClr val="tx1"/>
+            </a:solidFill>
+          </a:ln>
+        </p:spPr>
+        <p:style>
+          <a:lnRef idx="2">
+            <a:schemeClr val="accent1">
+              <a:shade val="50000"/>
+            </a:schemeClr>
+          </a:lnRef>
+          <a:fillRef idx="1">
+            <a:schemeClr val="accent1"/>
+          </a:fillRef>
+          <a:effectRef idx="0">
+            <a:schemeClr val="accent1"/>
+          </a:effectRef>
+          <a:fontRef idx="minor">
+            <a:schemeClr val="lt1"/>
+          </a:fontRef>
+        </p:style>
+        <p:txBody>
+          <a:bodyPr rtlCol="0" anchor="ctr"/>
+          <a:lstStyle/>
+          <a:p>
+            <a:pPr algn="ctr"/>
+            <a:endParaRPr lang="de-CH" dirty="0"/>
+          </a:p>
+        </p:txBody>
+      </p:sp>
+      <p:pic>
+        <p:nvPicPr>
+          <p:cNvPr id="3" name="Grafik 2">
+            <a:extLst>
+              <a:ext uri="{FF2B5EF4-FFF2-40B4-BE49-F238E27FC236}">
+                <a16:creationId xmlns:a16="http://schemas.microsoft.com/office/drawing/2014/main" id="{7C2CDF5B-13CF-8065-0AB1-30F1D5F1A4B2}"/>
+              </a:ext>
+            </a:extLst>
+          </p:cNvPr>
+          <p:cNvPicPr>
+            <a:picLocks noChangeAspect="1"/>
+          </p:cNvPicPr>
+          <p:nvPr/>
+        </p:nvPicPr>
+        <p:blipFill>
+          <a:blip r:embed="rId2">
+            <a:extLst>
+              <a:ext uri="{28A0092B-C50C-407E-A947-70E740481C1C}">
+                <a14:useLocalDpi xmlns:a14="http://schemas.microsoft.com/office/drawing/2010/main" val="0"/>
+              </a:ext>
+            </a:extLst>
+          </a:blip>
+          <a:stretch>
+            <a:fillRect/>
+          </a:stretch>
+        </p:blipFill>
+        <p:spPr>
+          <a:xfrm>
+            <a:off x="7079171" y="646877"/>
+            <a:ext cx="4019550" cy="2657475"/>
+          </a:xfrm>
+          <a:prstGeom prst="rect">
+            <a:avLst/>
+          </a:prstGeom>
+        </p:spPr>
+      </p:pic>
+      <p:sp>
+        <p:nvSpPr>
+          <p:cNvPr id="4" name="Textfeld 3">
+            <a:extLst>
+              <a:ext uri="{FF2B5EF4-FFF2-40B4-BE49-F238E27FC236}">
+                <a16:creationId xmlns:a16="http://schemas.microsoft.com/office/drawing/2014/main" id="{43EFDD6A-69A1-3F5E-D2DB-170741D2CC12}"/>
+              </a:ext>
+            </a:extLst>
+          </p:cNvPr>
+          <p:cNvSpPr txBox="1"/>
+          <p:nvPr/>
+        </p:nvSpPr>
+        <p:spPr>
+          <a:xfrm>
+            <a:off x="1510179" y="1224628"/>
+            <a:ext cx="3620529" cy="1938992"/>
+          </a:xfrm>
+          <a:prstGeom prst="rect">
+            <a:avLst/>
+          </a:prstGeom>
+          <a:noFill/>
+        </p:spPr>
+        <p:txBody>
+          <a:bodyPr wrap="square" rtlCol="0">
+            <a:spAutoFit/>
+          </a:bodyPr>
+          <a:lstStyle/>
+          <a:p>
+            <a:pPr algn="ctr"/>
+            <a:r>
+              <a:rPr lang="de-CH" sz="2400" b="1" i="1" dirty="0">
+                <a:solidFill>
+                  <a:schemeClr val="bg1">
+                    <a:lumMod val="75000"/>
+                  </a:schemeClr>
+                </a:solidFill>
+                <a:latin typeface="Arial" panose="020B0604020202020204" pitchFamily="34" charset="0"/>
+                <a:cs typeface="Arial" panose="020B0604020202020204" pitchFamily="34" charset="0"/>
+              </a:rPr>
+              <a:t>Foto von der gescannten Gästebuch-Zeichnung, Selfie oder ein anderes Konzert-Foto</a:t>
+            </a:r>
+          </a:p>
+        </p:txBody>
+      </p:sp>
+    </p:spTree>
+    <p:extLst>
+      <p:ext uri="{BB962C8B-B14F-4D97-AF65-F5344CB8AC3E}">
+        <p14:creationId xmlns:p14="http://schemas.microsoft.com/office/powerpoint/2010/main" val="282572639"/>
+      </p:ext>
+    </p:extLst>
+  </p:cSld>
+  <p:clrMapOvr>
+    <a:masterClrMapping/>
+  </p:clrMapOvr>
+</p:sld>
+</file>
+
+<file path=ppt/slides/slide12.xml><?xml version="1.0" encoding="utf-8"?>
+<p:sld xmlns:a="http://schemas.openxmlformats.org/drawingml/2006/main" xmlns:r="http://schemas.openxmlformats.org/officeDocument/2006/relationships" xmlns:p="http://schemas.openxmlformats.org/presentationml/2006/main">
+  <p:cSld>
+    <p:spTree>
+      <p:nvGrpSpPr>
+        <p:cNvPr id="1" name=""/>
+        <p:cNvGrpSpPr/>
+        <p:nvPr/>
+      </p:nvGrpSpPr>
+      <p:grpSpPr>
+        <a:xfrm>
+          <a:off x="0" y="0"/>
+          <a:ext cx="0" cy="0"/>
+          <a:chOff x="0" y="0"/>
+          <a:chExt cx="0" cy="0"/>
+        </a:xfrm>
+      </p:grpSpPr>
+      <p:sp>
+        <p:nvSpPr>
           <p:cNvPr id="20" name="Rechteck 19">
             <a:extLst>
               <a:ext uri="{FF2B5EF4-FFF2-40B4-BE49-F238E27FC236}">
@@ -5271,7 +7086,7 @@
 </p:sld>
 </file>
 
-<file path=ppt/slides/slide12.xml><?xml version="1.0" encoding="utf-8"?>
+<file path=ppt/slides/slide13.xml><?xml version="1.0" encoding="utf-8"?>
 <p:sld xmlns:a="http://schemas.openxmlformats.org/drawingml/2006/main" xmlns:r="http://schemas.openxmlformats.org/officeDocument/2006/relationships" xmlns:p="http://schemas.openxmlformats.org/presentationml/2006/main">
   <p:cSld>
     <p:spTree>
@@ -5301,7 +7116,7 @@
 </p:sld>
 </file>
 
-<file path=ppt/slides/slide13.xml><?xml version="1.0" encoding="utf-8"?>
+<file path=ppt/slides/slide14.xml><?xml version="1.0" encoding="utf-8"?>
 <p:sld xmlns:a="http://schemas.openxmlformats.org/drawingml/2006/main" xmlns:r="http://schemas.openxmlformats.org/officeDocument/2006/relationships" xmlns:p="http://schemas.openxmlformats.org/presentationml/2006/main">
   <p:cSld>
     <p:spTree>
@@ -10781,7 +12596,13 @@
   <p:cSld>
     <p:spTree>
       <p:nvGrpSpPr>
-        <p:cNvPr id="1" name=""/>
+        <p:cNvPr id="1" name="">
+          <a:extLst>
+            <a:ext uri="{FF2B5EF4-FFF2-40B4-BE49-F238E27FC236}">
+              <a16:creationId xmlns:a16="http://schemas.microsoft.com/office/drawing/2014/main" id="{5204FCA4-3332-A1A1-AD24-5A3208E5845F}"/>
+            </a:ext>
+          </a:extLst>
+        </p:cNvPr>
         <p:cNvGrpSpPr/>
         <p:nvPr/>
       </p:nvGrpSpPr>
@@ -10798,7 +12619,7 @@
           <p:cNvPr id="2" name="Rechteck 1">
             <a:extLst>
               <a:ext uri="{FF2B5EF4-FFF2-40B4-BE49-F238E27FC236}">
-                <a16:creationId xmlns:a16="http://schemas.microsoft.com/office/drawing/2014/main" id="{2F5DA06B-16D8-C461-0116-5C0C27936C10}"/>
+                <a16:creationId xmlns:a16="http://schemas.microsoft.com/office/drawing/2014/main" id="{85324D0C-A046-E83E-FFBD-A30E4373D983}"/>
               </a:ext>
             </a:extLst>
           </p:cNvPr>
@@ -10807,8 +12628,8 @@
         </p:nvSpPr>
         <p:spPr>
           <a:xfrm>
-            <a:off x="4548387" y="641513"/>
-            <a:ext cx="3153311" cy="395436"/>
+            <a:off x="528363" y="2008147"/>
+            <a:ext cx="2793791" cy="395434"/>
           </a:xfrm>
           <a:prstGeom prst="rect">
             <a:avLst/>
@@ -10842,6 +12663,16 @@
           <a:p>
             <a:pPr algn="ctr"/>
             <a:r>
+              <a:rPr lang="de-CH" sz="1000" b="1" dirty="0" err="1">
+                <a:solidFill>
+                  <a:schemeClr val="tx1"/>
+                </a:solidFill>
+                <a:latin typeface="Arial" panose="020B0604020202020204" pitchFamily="34" charset="0"/>
+                <a:cs typeface="Arial" panose="020B0604020202020204" pitchFamily="34" charset="0"/>
+              </a:rPr>
+              <a:t>saveNewGuestbookUploadedRecord</a:t>
+            </a:r>
+            <a:r>
               <a:rPr lang="de-CH" sz="1000" b="1" dirty="0">
                 <a:solidFill>
                   <a:schemeClr val="tx1"/>
@@ -10849,57 +12680,47 @@
                 <a:latin typeface="Arial" panose="020B0604020202020204" pitchFamily="34" charset="0"/>
                 <a:cs typeface="Arial" panose="020B0604020202020204" pitchFamily="34" charset="0"/>
               </a:rPr>
-              <a:t>Create </a:t>
-            </a:r>
-            <a:r>
-              <a:rPr lang="de-CH" sz="1000" b="1" dirty="0" err="1">
-                <a:solidFill>
-                  <a:schemeClr val="tx1"/>
-                </a:solidFill>
-                <a:latin typeface="Arial" panose="020B0604020202020204" pitchFamily="34" charset="0"/>
-                <a:cs typeface="Arial" panose="020B0604020202020204" pitchFamily="34" charset="0"/>
-              </a:rPr>
-              <a:t>JazzUploadImage</a:t>
-            </a:r>
-            <a:r>
-              <a:rPr lang="de-CH" sz="1000" b="1" dirty="0">
-                <a:solidFill>
-                  <a:schemeClr val="tx1"/>
-                </a:solidFill>
-                <a:latin typeface="Arial" panose="020B0604020202020204" pitchFamily="34" charset="0"/>
-                <a:cs typeface="Arial" panose="020B0604020202020204" pitchFamily="34" charset="0"/>
-              </a:rPr>
-              <a:t>(</a:t>
-            </a:r>
-            <a:r>
-              <a:rPr lang="de-CH" sz="1000" b="1" dirty="0" err="1">
-                <a:solidFill>
-                  <a:schemeClr val="tx1"/>
-                </a:solidFill>
-                <a:latin typeface="Arial" panose="020B0604020202020204" pitchFamily="34" charset="0"/>
-                <a:cs typeface="Arial" panose="020B0604020202020204" pitchFamily="34" charset="0"/>
-              </a:rPr>
-              <a:t>input_data</a:t>
-            </a:r>
-            <a:r>
-              <a:rPr lang="de-CH" sz="1000" b="1" dirty="0">
-                <a:solidFill>
-                  <a:schemeClr val="tx1"/>
-                </a:solidFill>
-                <a:latin typeface="Arial" panose="020B0604020202020204" pitchFamily="34" charset="0"/>
-                <a:cs typeface="Arial" panose="020B0604020202020204" pitchFamily="34" charset="0"/>
-              </a:rPr>
-              <a:t>)</a:t>
-            </a:r>
-          </a:p>
-        </p:txBody>
-      </p:sp>
-      <p:sp>
-        <p:nvSpPr>
-          <p:cNvPr id="3" name="Rechteck 2">
-            <a:extLst>
-              <a:ext uri="{FF2B5EF4-FFF2-40B4-BE49-F238E27FC236}">
-                <a16:creationId xmlns:a16="http://schemas.microsoft.com/office/drawing/2014/main" id="{32222D44-1D56-0565-5909-BA0C9654F06E}"/>
+              <a:t> </a:t>
+            </a:r>
+          </a:p>
+        </p:txBody>
+      </p:sp>
+      <p:pic>
+        <p:nvPicPr>
+          <p:cNvPr id="6" name="Grafik 5">
+            <a:extLst>
+              <a:ext uri="{FF2B5EF4-FFF2-40B4-BE49-F238E27FC236}">
+                <a16:creationId xmlns:a16="http://schemas.microsoft.com/office/drawing/2014/main" id="{2D231F8A-2070-9C1B-5A79-F541900F1B1F}"/>
+              </a:ext>
+            </a:extLst>
+          </p:cNvPr>
+          <p:cNvPicPr>
+            <a:picLocks noChangeAspect="1"/>
+          </p:cNvPicPr>
+          <p:nvPr/>
+        </p:nvPicPr>
+        <p:blipFill>
+          <a:blip r:embed="rId2"/>
+          <a:stretch>
+            <a:fillRect/>
+          </a:stretch>
+        </p:blipFill>
+        <p:spPr>
+          <a:xfrm>
+            <a:off x="528364" y="75759"/>
+            <a:ext cx="1031844" cy="1234567"/>
+          </a:xfrm>
+          <a:prstGeom prst="rect">
+            <a:avLst/>
+          </a:prstGeom>
+        </p:spPr>
+      </p:pic>
+      <p:sp>
+        <p:nvSpPr>
+          <p:cNvPr id="7" name="Rechteck 6">
+            <a:extLst>
+              <a:ext uri="{FF2B5EF4-FFF2-40B4-BE49-F238E27FC236}">
+                <a16:creationId xmlns:a16="http://schemas.microsoft.com/office/drawing/2014/main" id="{7F1FB0AE-6F56-BA37-8703-9B407F07F449}"/>
               </a:ext>
             </a:extLst>
           </p:cNvPr>
@@ -10908,8 +12729,8 @@
         </p:nvSpPr>
         <p:spPr>
           <a:xfrm>
-            <a:off x="2577422" y="1339096"/>
-            <a:ext cx="3153311" cy="725374"/>
+            <a:off x="553836" y="1467865"/>
+            <a:ext cx="2768317" cy="395436"/>
           </a:xfrm>
           <a:prstGeom prst="rect">
             <a:avLst/>
@@ -10950,153 +12771,7 @@
                 <a:latin typeface="Arial" panose="020B0604020202020204" pitchFamily="34" charset="0"/>
                 <a:cs typeface="Arial" panose="020B0604020202020204" pitchFamily="34" charset="0"/>
               </a:rPr>
-              <a:t>Init</a:t>
-            </a:r>
-            <a:r>
-              <a:rPr lang="de-CH" sz="1000" b="1" dirty="0">
-                <a:solidFill>
-                  <a:schemeClr val="tx1"/>
-                </a:solidFill>
-                <a:latin typeface="Arial" panose="020B0604020202020204" pitchFamily="34" charset="0"/>
-                <a:cs typeface="Arial" panose="020B0604020202020204" pitchFamily="34" charset="0"/>
-              </a:rPr>
-              <a:t>()</a:t>
-            </a:r>
-          </a:p>
-          <a:p>
-            <a:pPr algn="ctr"/>
-            <a:r>
-              <a:rPr lang="de-CH" sz="1000" b="1" dirty="0">
-                <a:solidFill>
-                  <a:schemeClr val="tx1"/>
-                </a:solidFill>
-                <a:latin typeface="Arial" panose="020B0604020202020204" pitchFamily="34" charset="0"/>
-                <a:cs typeface="Arial" panose="020B0604020202020204" pitchFamily="34" charset="0"/>
-              </a:rPr>
-              <a:t>Fill </a:t>
-            </a:r>
-            <a:r>
-              <a:rPr lang="de-CH" sz="1000" b="1" dirty="0" err="1">
-                <a:solidFill>
-                  <a:schemeClr val="tx1"/>
-                </a:solidFill>
-                <a:latin typeface="Arial" panose="020B0604020202020204" pitchFamily="34" charset="0"/>
-                <a:cs typeface="Arial" panose="020B0604020202020204" pitchFamily="34" charset="0"/>
-              </a:rPr>
-              <a:t>container</a:t>
-            </a:r>
-            <a:r>
-              <a:rPr lang="de-CH" sz="1000" b="1" dirty="0">
-                <a:solidFill>
-                  <a:schemeClr val="tx1"/>
-                </a:solidFill>
-                <a:latin typeface="Arial" panose="020B0604020202020204" pitchFamily="34" charset="0"/>
-                <a:cs typeface="Arial" panose="020B0604020202020204" pitchFamily="34" charset="0"/>
-              </a:rPr>
-              <a:t> </a:t>
-            </a:r>
-          </a:p>
-          <a:p>
-            <a:pPr algn="ctr"/>
-            <a:r>
-              <a:rPr lang="de-CH" sz="1000" b="1" dirty="0">
-                <a:solidFill>
-                  <a:schemeClr val="tx1"/>
-                </a:solidFill>
-                <a:latin typeface="Arial" panose="020B0604020202020204" pitchFamily="34" charset="0"/>
-                <a:cs typeface="Arial" panose="020B0604020202020204" pitchFamily="34" charset="0"/>
-              </a:rPr>
-              <a:t>Add </a:t>
-            </a:r>
-            <a:r>
-              <a:rPr lang="de-CH" sz="1000" b="1" dirty="0" err="1">
-                <a:solidFill>
-                  <a:schemeClr val="tx1"/>
-                </a:solidFill>
-                <a:latin typeface="Arial" panose="020B0604020202020204" pitchFamily="34" charset="0"/>
-                <a:cs typeface="Arial" panose="020B0604020202020204" pitchFamily="34" charset="0"/>
-              </a:rPr>
-              <a:t>event</a:t>
-            </a:r>
-            <a:r>
-              <a:rPr lang="de-CH" sz="1000" b="1" dirty="0">
-                <a:solidFill>
-                  <a:schemeClr val="tx1"/>
-                </a:solidFill>
-                <a:latin typeface="Arial" panose="020B0604020202020204" pitchFamily="34" charset="0"/>
-                <a:cs typeface="Arial" panose="020B0604020202020204" pitchFamily="34" charset="0"/>
-              </a:rPr>
-              <a:t> </a:t>
-            </a:r>
-            <a:r>
-              <a:rPr lang="de-CH" sz="1000" b="1" dirty="0" err="1">
-                <a:solidFill>
-                  <a:schemeClr val="tx1"/>
-                </a:solidFill>
-                <a:latin typeface="Arial" panose="020B0604020202020204" pitchFamily="34" charset="0"/>
-                <a:cs typeface="Arial" panose="020B0604020202020204" pitchFamily="34" charset="0"/>
-              </a:rPr>
-              <a:t>listener</a:t>
-            </a:r>
-            <a:r>
-              <a:rPr lang="de-CH" sz="1000" b="1" dirty="0">
-                <a:solidFill>
-                  <a:schemeClr val="tx1"/>
-                </a:solidFill>
-                <a:latin typeface="Arial" panose="020B0604020202020204" pitchFamily="34" charset="0"/>
-                <a:cs typeface="Arial" panose="020B0604020202020204" pitchFamily="34" charset="0"/>
-              </a:rPr>
-              <a:t> </a:t>
-            </a:r>
-            <a:r>
-              <a:rPr lang="de-CH" sz="1000" b="1" dirty="0" err="1">
-                <a:solidFill>
-                  <a:schemeClr val="tx1"/>
-                </a:solidFill>
-                <a:latin typeface="Arial" panose="020B0604020202020204" pitchFamily="34" charset="0"/>
-                <a:cs typeface="Arial" panose="020B0604020202020204" pitchFamily="34" charset="0"/>
-              </a:rPr>
-              <a:t>for</a:t>
-            </a:r>
-            <a:r>
-              <a:rPr lang="de-CH" sz="1000" b="1" dirty="0">
-                <a:solidFill>
-                  <a:schemeClr val="tx1"/>
-                </a:solidFill>
-                <a:latin typeface="Arial" panose="020B0604020202020204" pitchFamily="34" charset="0"/>
-                <a:cs typeface="Arial" panose="020B0604020202020204" pitchFamily="34" charset="0"/>
-              </a:rPr>
-              <a:t> </a:t>
-            </a:r>
-            <a:r>
-              <a:rPr lang="de-CH" sz="1000" b="1" dirty="0" err="1">
-                <a:solidFill>
-                  <a:schemeClr val="tx1"/>
-                </a:solidFill>
-                <a:latin typeface="Arial" panose="020B0604020202020204" pitchFamily="34" charset="0"/>
-                <a:cs typeface="Arial" panose="020B0604020202020204" pitchFamily="34" charset="0"/>
-              </a:rPr>
-              <a:t>image</a:t>
-            </a:r>
-            <a:r>
-              <a:rPr lang="de-CH" sz="1000" b="1" dirty="0">
-                <a:solidFill>
-                  <a:schemeClr val="tx1"/>
-                </a:solidFill>
-                <a:latin typeface="Arial" panose="020B0604020202020204" pitchFamily="34" charset="0"/>
-                <a:cs typeface="Arial" panose="020B0604020202020204" pitchFamily="34" charset="0"/>
-              </a:rPr>
-              <a:t> </a:t>
-            </a:r>
-            <a:r>
-              <a:rPr lang="de-CH" sz="1000" b="1" dirty="0" err="1">
-                <a:solidFill>
-                  <a:schemeClr val="tx1"/>
-                </a:solidFill>
-                <a:latin typeface="Arial" panose="020B0604020202020204" pitchFamily="34" charset="0"/>
-                <a:cs typeface="Arial" panose="020B0604020202020204" pitchFamily="34" charset="0"/>
-              </a:rPr>
-              <a:t>selection</a:t>
+              <a:t>onClickForwardThreeButton</a:t>
             </a:r>
             <a:endParaRPr lang="de-CH" sz="1000" b="1" dirty="0">
               <a:solidFill>
@@ -11110,10 +12785,10 @@
       </p:sp>
       <p:sp>
         <p:nvSpPr>
-          <p:cNvPr id="4" name="Rechteck 3">
-            <a:extLst>
-              <a:ext uri="{FF2B5EF4-FFF2-40B4-BE49-F238E27FC236}">
-                <a16:creationId xmlns:a16="http://schemas.microsoft.com/office/drawing/2014/main" id="{26834050-61F6-B3F0-B288-8AC7FC2E8960}"/>
+          <p:cNvPr id="19" name="Rechteck 18">
+            <a:extLst>
+              <a:ext uri="{FF2B5EF4-FFF2-40B4-BE49-F238E27FC236}">
+                <a16:creationId xmlns:a16="http://schemas.microsoft.com/office/drawing/2014/main" id="{627A431B-99E3-9F6F-30D7-A48B4FEBFF1D}"/>
               </a:ext>
             </a:extLst>
           </p:cNvPr>
@@ -11122,8 +12797,8 @@
         </p:nvSpPr>
         <p:spPr>
           <a:xfrm>
-            <a:off x="5933364" y="1329670"/>
-            <a:ext cx="3153311" cy="734800"/>
+            <a:off x="528363" y="2532206"/>
+            <a:ext cx="2793790" cy="395436"/>
           </a:xfrm>
           <a:prstGeom prst="rect">
             <a:avLst/>
@@ -11164,21 +12839,8 @@
                 <a:latin typeface="Arial" panose="020B0604020202020204" pitchFamily="34" charset="0"/>
                 <a:cs typeface="Arial" panose="020B0604020202020204" pitchFamily="34" charset="0"/>
               </a:rPr>
-              <a:t>userSelectedFiles</a:t>
-            </a:r>
-            <a:r>
-              <a:rPr lang="de-CH" sz="1000" b="1" dirty="0">
-                <a:solidFill>
-                  <a:schemeClr val="tx1"/>
-                </a:solidFill>
-                <a:latin typeface="Arial" panose="020B0604020202020204" pitchFamily="34" charset="0"/>
-                <a:cs typeface="Arial" panose="020B0604020202020204" pitchFamily="34" charset="0"/>
-              </a:rPr>
-              <a:t>()</a:t>
-            </a:r>
-          </a:p>
-          <a:p>
-            <a:pPr algn="ctr"/>
+              <a:t>appendSetSaveGuestbookUploadData</a:t>
+            </a:r>
             <a:endParaRPr lang="de-CH" sz="1000" b="1" dirty="0">
               <a:solidFill>
                 <a:schemeClr val="tx1"/>
@@ -11187,12 +12849,1545 @@
               <a:cs typeface="Arial" panose="020B0604020202020204" pitchFamily="34" charset="0"/>
             </a:endParaRPr>
           </a:p>
-        </p:txBody>
-      </p:sp>
+          <a:p>
+            <a:pPr algn="ctr"/>
+            <a:r>
+              <a:rPr lang="de-CH" sz="1000" b="1" dirty="0" err="1">
+                <a:solidFill>
+                  <a:schemeClr val="tx1"/>
+                </a:solidFill>
+                <a:latin typeface="Arial" panose="020B0604020202020204" pitchFamily="34" charset="0"/>
+                <a:cs typeface="Arial" panose="020B0604020202020204" pitchFamily="34" charset="0"/>
+              </a:rPr>
+              <a:t>g_guests_uploaded_xml</a:t>
+            </a:r>
+            <a:endParaRPr lang="de-CH" sz="1000" b="1" dirty="0">
+              <a:solidFill>
+                <a:schemeClr val="tx1"/>
+              </a:solidFill>
+              <a:latin typeface="Arial" panose="020B0604020202020204" pitchFamily="34" charset="0"/>
+              <a:cs typeface="Arial" panose="020B0604020202020204" pitchFamily="34" charset="0"/>
+            </a:endParaRPr>
+          </a:p>
+        </p:txBody>
+      </p:sp>
+      <p:sp>
+        <p:nvSpPr>
+          <p:cNvPr id="22" name="Rechteck 21">
+            <a:extLst>
+              <a:ext uri="{FF2B5EF4-FFF2-40B4-BE49-F238E27FC236}">
+                <a16:creationId xmlns:a16="http://schemas.microsoft.com/office/drawing/2014/main" id="{99FD6CE8-03FA-B7A4-2F9E-25AE81C4D8B9}"/>
+              </a:ext>
+            </a:extLst>
+          </p:cNvPr>
+          <p:cNvSpPr/>
+          <p:nvPr/>
+        </p:nvSpPr>
+        <p:spPr>
+          <a:xfrm>
+            <a:off x="1703549" y="757650"/>
+            <a:ext cx="1593131" cy="512134"/>
+          </a:xfrm>
+          <a:prstGeom prst="rect">
+            <a:avLst/>
+          </a:prstGeom>
+          <a:noFill/>
+          <a:ln w="19050">
+            <a:solidFill>
+              <a:schemeClr val="tx1"/>
+            </a:solidFill>
+          </a:ln>
+        </p:spPr>
+        <p:style>
+          <a:lnRef idx="2">
+            <a:schemeClr val="accent1">
+              <a:shade val="50000"/>
+            </a:schemeClr>
+          </a:lnRef>
+          <a:fillRef idx="1">
+            <a:schemeClr val="accent1"/>
+          </a:fillRef>
+          <a:effectRef idx="0">
+            <a:schemeClr val="accent1"/>
+          </a:effectRef>
+          <a:fontRef idx="minor">
+            <a:schemeClr val="lt1"/>
+          </a:fontRef>
+        </p:style>
+        <p:txBody>
+          <a:bodyPr rtlCol="0" anchor="ctr"/>
+          <a:lstStyle/>
+          <a:p>
+            <a:pPr algn="ctr"/>
+            <a:r>
+              <a:rPr lang="de-CH" sz="1000" b="1" dirty="0" err="1">
+                <a:solidFill>
+                  <a:schemeClr val="tx1"/>
+                </a:solidFill>
+                <a:latin typeface="Arial" panose="020B0604020202020204" pitchFamily="34" charset="0"/>
+                <a:cs typeface="Arial" panose="020B0604020202020204" pitchFamily="34" charset="0"/>
+              </a:rPr>
+              <a:t>GuestbookData</a:t>
+            </a:r>
+            <a:endParaRPr lang="de-CH" sz="1000" b="1" dirty="0">
+              <a:solidFill>
+                <a:schemeClr val="tx1"/>
+              </a:solidFill>
+              <a:latin typeface="Arial" panose="020B0604020202020204" pitchFamily="34" charset="0"/>
+              <a:cs typeface="Arial" panose="020B0604020202020204" pitchFamily="34" charset="0"/>
+            </a:endParaRPr>
+          </a:p>
+          <a:p>
+            <a:pPr algn="ctr"/>
+            <a:r>
+              <a:rPr lang="de-CH" sz="1000" b="1" i="1" dirty="0">
+                <a:solidFill>
+                  <a:schemeClr val="tx1"/>
+                </a:solidFill>
+                <a:latin typeface="Arial" panose="020B0604020202020204" pitchFamily="34" charset="0"/>
+                <a:cs typeface="Arial" panose="020B0604020202020204" pitchFamily="34" charset="0"/>
+              </a:rPr>
+              <a:t>All </a:t>
+            </a:r>
+            <a:r>
+              <a:rPr lang="de-CH" sz="1000" b="1" i="1" dirty="0" err="1">
+                <a:solidFill>
+                  <a:schemeClr val="tx1"/>
+                </a:solidFill>
+                <a:latin typeface="Arial" panose="020B0604020202020204" pitchFamily="34" charset="0"/>
+                <a:cs typeface="Arial" panose="020B0604020202020204" pitchFamily="34" charset="0"/>
+              </a:rPr>
+              <a:t>data</a:t>
+            </a:r>
+            <a:r>
+              <a:rPr lang="de-CH" sz="1000" b="1" i="1" dirty="0">
+                <a:solidFill>
+                  <a:schemeClr val="tx1"/>
+                </a:solidFill>
+                <a:latin typeface="Arial" panose="020B0604020202020204" pitchFamily="34" charset="0"/>
+                <a:cs typeface="Arial" panose="020B0604020202020204" pitchFamily="34" charset="0"/>
+              </a:rPr>
+              <a:t> </a:t>
+            </a:r>
+            <a:r>
+              <a:rPr lang="de-CH" sz="1000" b="1" i="1" dirty="0" err="1">
+                <a:solidFill>
+                  <a:schemeClr val="tx1"/>
+                </a:solidFill>
+                <a:latin typeface="Arial" panose="020B0604020202020204" pitchFamily="34" charset="0"/>
+                <a:cs typeface="Arial" panose="020B0604020202020204" pitchFamily="34" charset="0"/>
+              </a:rPr>
+              <a:t>set</a:t>
+            </a:r>
+            <a:r>
+              <a:rPr lang="de-CH" sz="1000" b="1" i="1" dirty="0">
+                <a:solidFill>
+                  <a:schemeClr val="tx1"/>
+                </a:solidFill>
+                <a:latin typeface="Arial" panose="020B0604020202020204" pitchFamily="34" charset="0"/>
+                <a:cs typeface="Arial" panose="020B0604020202020204" pitchFamily="34" charset="0"/>
+              </a:rPr>
+              <a:t> </a:t>
+            </a:r>
+            <a:r>
+              <a:rPr lang="de-CH" sz="1000" b="1" i="1" dirty="0" err="1">
+                <a:solidFill>
+                  <a:schemeClr val="tx1"/>
+                </a:solidFill>
+                <a:latin typeface="Arial" panose="020B0604020202020204" pitchFamily="34" charset="0"/>
+                <a:cs typeface="Arial" panose="020B0604020202020204" pitchFamily="34" charset="0"/>
+              </a:rPr>
+              <a:t>by</a:t>
+            </a:r>
+            <a:r>
+              <a:rPr lang="de-CH" sz="1000" b="1" i="1" dirty="0">
+                <a:solidFill>
+                  <a:schemeClr val="tx1"/>
+                </a:solidFill>
+                <a:latin typeface="Arial" panose="020B0604020202020204" pitchFamily="34" charset="0"/>
+                <a:cs typeface="Arial" panose="020B0604020202020204" pitchFamily="34" charset="0"/>
+              </a:rPr>
+              <a:t> </a:t>
+            </a:r>
+            <a:r>
+              <a:rPr lang="de-CH" sz="1000" b="1" i="1" dirty="0" err="1">
+                <a:solidFill>
+                  <a:schemeClr val="tx1"/>
+                </a:solidFill>
+                <a:latin typeface="Arial" panose="020B0604020202020204" pitchFamily="34" charset="0"/>
+                <a:cs typeface="Arial" panose="020B0604020202020204" pitchFamily="34" charset="0"/>
+              </a:rPr>
+              <a:t>the</a:t>
+            </a:r>
+            <a:r>
+              <a:rPr lang="de-CH" sz="1000" b="1" i="1" dirty="0">
+                <a:solidFill>
+                  <a:schemeClr val="tx1"/>
+                </a:solidFill>
+                <a:latin typeface="Arial" panose="020B0604020202020204" pitchFamily="34" charset="0"/>
+                <a:cs typeface="Arial" panose="020B0604020202020204" pitchFamily="34" charset="0"/>
+              </a:rPr>
+              <a:t> </a:t>
+            </a:r>
+            <a:r>
+              <a:rPr lang="de-CH" sz="1000" b="1" i="1" dirty="0" err="1">
+                <a:solidFill>
+                  <a:schemeClr val="tx1"/>
+                </a:solidFill>
+                <a:latin typeface="Arial" panose="020B0604020202020204" pitchFamily="34" charset="0"/>
+                <a:cs typeface="Arial" panose="020B0604020202020204" pitchFamily="34" charset="0"/>
+              </a:rPr>
+              <a:t>user</a:t>
+            </a:r>
+            <a:r>
+              <a:rPr lang="de-CH" sz="1000" b="1" i="1" dirty="0">
+                <a:solidFill>
+                  <a:schemeClr val="tx1"/>
+                </a:solidFill>
+                <a:latin typeface="Arial" panose="020B0604020202020204" pitchFamily="34" charset="0"/>
+                <a:cs typeface="Arial" panose="020B0604020202020204" pitchFamily="34" charset="0"/>
+              </a:rPr>
+              <a:t> </a:t>
+            </a:r>
+            <a:r>
+              <a:rPr lang="de-CH" sz="1000" b="1" i="1" dirty="0" err="1">
+                <a:solidFill>
+                  <a:schemeClr val="tx1"/>
+                </a:solidFill>
+                <a:latin typeface="Arial" panose="020B0604020202020204" pitchFamily="34" charset="0"/>
+                <a:cs typeface="Arial" panose="020B0604020202020204" pitchFamily="34" charset="0"/>
+              </a:rPr>
+              <a:t>g_guestbook_data</a:t>
+            </a:r>
+            <a:r>
+              <a:rPr lang="de-CH" sz="1000" b="1" i="1" dirty="0">
+                <a:solidFill>
+                  <a:schemeClr val="tx1"/>
+                </a:solidFill>
+                <a:latin typeface="Arial" panose="020B0604020202020204" pitchFamily="34" charset="0"/>
+                <a:cs typeface="Arial" panose="020B0604020202020204" pitchFamily="34" charset="0"/>
+              </a:rPr>
+              <a:t>  </a:t>
+            </a:r>
+          </a:p>
+        </p:txBody>
+      </p:sp>
+      <p:sp>
+        <p:nvSpPr>
+          <p:cNvPr id="3" name="Rechteck 2">
+            <a:extLst>
+              <a:ext uri="{FF2B5EF4-FFF2-40B4-BE49-F238E27FC236}">
+                <a16:creationId xmlns:a16="http://schemas.microsoft.com/office/drawing/2014/main" id="{855C2499-4A01-AB05-BB05-B92E0055F956}"/>
+              </a:ext>
+            </a:extLst>
+          </p:cNvPr>
+          <p:cNvSpPr/>
+          <p:nvPr/>
+        </p:nvSpPr>
+        <p:spPr>
+          <a:xfrm>
+            <a:off x="528364" y="3060110"/>
+            <a:ext cx="2793790" cy="395436"/>
+          </a:xfrm>
+          <a:prstGeom prst="rect">
+            <a:avLst/>
+          </a:prstGeom>
+          <a:noFill/>
+          <a:ln w="19050">
+            <a:solidFill>
+              <a:schemeClr val="tx1"/>
+            </a:solidFill>
+          </a:ln>
+        </p:spPr>
+        <p:style>
+          <a:lnRef idx="2">
+            <a:schemeClr val="accent1">
+              <a:shade val="50000"/>
+            </a:schemeClr>
+          </a:lnRef>
+          <a:fillRef idx="1">
+            <a:schemeClr val="accent1"/>
+          </a:fillRef>
+          <a:effectRef idx="0">
+            <a:schemeClr val="accent1"/>
+          </a:effectRef>
+          <a:fontRef idx="minor">
+            <a:schemeClr val="lt1"/>
+          </a:fontRef>
+        </p:style>
+        <p:txBody>
+          <a:bodyPr rtlCol="0" anchor="ctr"/>
+          <a:lstStyle/>
+          <a:p>
+            <a:pPr algn="ctr"/>
+            <a:r>
+              <a:rPr lang="de-CH" sz="1000" b="1" dirty="0" err="1">
+                <a:solidFill>
+                  <a:schemeClr val="tx1"/>
+                </a:solidFill>
+                <a:latin typeface="Arial" panose="020B0604020202020204" pitchFamily="34" charset="0"/>
+                <a:cs typeface="Arial" panose="020B0604020202020204" pitchFamily="34" charset="0"/>
+              </a:rPr>
+              <a:t>saveJazzGuestsUploadedXmlOnServer</a:t>
+            </a:r>
+            <a:endParaRPr lang="de-CH" sz="1000" b="1" dirty="0">
+              <a:solidFill>
+                <a:schemeClr val="tx1"/>
+              </a:solidFill>
+              <a:latin typeface="Arial" panose="020B0604020202020204" pitchFamily="34" charset="0"/>
+              <a:cs typeface="Arial" panose="020B0604020202020204" pitchFamily="34" charset="0"/>
+            </a:endParaRPr>
+          </a:p>
+          <a:p>
+            <a:pPr algn="ctr"/>
+            <a:r>
+              <a:rPr lang="de-CH" sz="1000" b="1" dirty="0">
+                <a:solidFill>
+                  <a:schemeClr val="tx1"/>
+                </a:solidFill>
+                <a:latin typeface="Arial" panose="020B0604020202020204" pitchFamily="34" charset="0"/>
+                <a:cs typeface="Arial" panose="020B0604020202020204" pitchFamily="34" charset="0"/>
+              </a:rPr>
+              <a:t>JazzGuestsUploaded.xml</a:t>
+            </a:r>
+          </a:p>
+        </p:txBody>
+      </p:sp>
+      <p:sp>
+        <p:nvSpPr>
+          <p:cNvPr id="4" name="Rechteck 3">
+            <a:extLst>
+              <a:ext uri="{FF2B5EF4-FFF2-40B4-BE49-F238E27FC236}">
+                <a16:creationId xmlns:a16="http://schemas.microsoft.com/office/drawing/2014/main" id="{E0DB316D-5667-031A-F742-E1B40CD75FE9}"/>
+              </a:ext>
+            </a:extLst>
+          </p:cNvPr>
+          <p:cNvSpPr/>
+          <p:nvPr/>
+        </p:nvSpPr>
+        <p:spPr>
+          <a:xfrm>
+            <a:off x="521744" y="3588011"/>
+            <a:ext cx="2793790" cy="395436"/>
+          </a:xfrm>
+          <a:prstGeom prst="rect">
+            <a:avLst/>
+          </a:prstGeom>
+          <a:noFill/>
+          <a:ln w="19050">
+            <a:solidFill>
+              <a:schemeClr val="tx1"/>
+            </a:solidFill>
+          </a:ln>
+        </p:spPr>
+        <p:style>
+          <a:lnRef idx="2">
+            <a:schemeClr val="accent1">
+              <a:shade val="50000"/>
+            </a:schemeClr>
+          </a:lnRef>
+          <a:fillRef idx="1">
+            <a:schemeClr val="accent1"/>
+          </a:fillRef>
+          <a:effectRef idx="0">
+            <a:schemeClr val="accent1"/>
+          </a:effectRef>
+          <a:fontRef idx="minor">
+            <a:schemeClr val="lt1"/>
+          </a:fontRef>
+        </p:style>
+        <p:txBody>
+          <a:bodyPr rtlCol="0" anchor="ctr"/>
+          <a:lstStyle/>
+          <a:p>
+            <a:pPr algn="ctr"/>
+            <a:r>
+              <a:rPr lang="de-CH" sz="1000" b="1" dirty="0" err="1">
+                <a:solidFill>
+                  <a:schemeClr val="tx1"/>
+                </a:solidFill>
+                <a:latin typeface="Arial" panose="020B0604020202020204" pitchFamily="34" charset="0"/>
+                <a:cs typeface="Arial" panose="020B0604020202020204" pitchFamily="34" charset="0"/>
+              </a:rPr>
+              <a:t>sendNewRecordNotificationEmailToAdmin</a:t>
+            </a:r>
+            <a:endParaRPr lang="de-CH" sz="1000" b="1" dirty="0">
+              <a:solidFill>
+                <a:schemeClr val="tx1"/>
+              </a:solidFill>
+              <a:latin typeface="Arial" panose="020B0604020202020204" pitchFamily="34" charset="0"/>
+              <a:cs typeface="Arial" panose="020B0604020202020204" pitchFamily="34" charset="0"/>
+            </a:endParaRPr>
+          </a:p>
+        </p:txBody>
+      </p:sp>
+      <p:sp>
+        <p:nvSpPr>
+          <p:cNvPr id="5" name="Rechteck 4">
+            <a:extLst>
+              <a:ext uri="{FF2B5EF4-FFF2-40B4-BE49-F238E27FC236}">
+                <a16:creationId xmlns:a16="http://schemas.microsoft.com/office/drawing/2014/main" id="{6C108510-8AF4-4889-B1EA-57C43CE52429}"/>
+              </a:ext>
+            </a:extLst>
+          </p:cNvPr>
+          <p:cNvSpPr/>
+          <p:nvPr/>
+        </p:nvSpPr>
+        <p:spPr>
+          <a:xfrm>
+            <a:off x="3628670" y="1467865"/>
+            <a:ext cx="2793790" cy="395436"/>
+          </a:xfrm>
+          <a:prstGeom prst="rect">
+            <a:avLst/>
+          </a:prstGeom>
+          <a:noFill/>
+          <a:ln w="19050">
+            <a:solidFill>
+              <a:schemeClr val="tx1"/>
+            </a:solidFill>
+          </a:ln>
+        </p:spPr>
+        <p:style>
+          <a:lnRef idx="2">
+            <a:schemeClr val="accent1">
+              <a:shade val="50000"/>
+            </a:schemeClr>
+          </a:lnRef>
+          <a:fillRef idx="1">
+            <a:schemeClr val="accent1"/>
+          </a:fillRef>
+          <a:effectRef idx="0">
+            <a:schemeClr val="accent1"/>
+          </a:effectRef>
+          <a:fontRef idx="minor">
+            <a:schemeClr val="lt1"/>
+          </a:fontRef>
+        </p:style>
+        <p:txBody>
+          <a:bodyPr rtlCol="0" anchor="ctr"/>
+          <a:lstStyle/>
+          <a:p>
+            <a:pPr algn="ctr"/>
+            <a:r>
+              <a:rPr lang="de-CH" sz="1000" b="1" dirty="0" err="1">
+                <a:solidFill>
+                  <a:schemeClr val="tx1"/>
+                </a:solidFill>
+                <a:latin typeface="Arial" panose="020B0604020202020204" pitchFamily="34" charset="0"/>
+                <a:cs typeface="Arial" panose="020B0604020202020204" pitchFamily="34" charset="0"/>
+              </a:rPr>
+              <a:t>saveNewRecordAlsoToJazzGuestsXml</a:t>
+            </a:r>
+            <a:r>
+              <a:rPr lang="de-CH" sz="1000" b="1" dirty="0">
+                <a:solidFill>
+                  <a:schemeClr val="tx1"/>
+                </a:solidFill>
+                <a:latin typeface="Arial" panose="020B0604020202020204" pitchFamily="34" charset="0"/>
+                <a:cs typeface="Arial" panose="020B0604020202020204" pitchFamily="34" charset="0"/>
+              </a:rPr>
+              <a:t> </a:t>
+            </a:r>
+          </a:p>
+        </p:txBody>
+      </p:sp>
+      <p:sp>
+        <p:nvSpPr>
+          <p:cNvPr id="8" name="Rechteck 7">
+            <a:extLst>
+              <a:ext uri="{FF2B5EF4-FFF2-40B4-BE49-F238E27FC236}">
+                <a16:creationId xmlns:a16="http://schemas.microsoft.com/office/drawing/2014/main" id="{09A3BD9B-1049-5558-C1AC-40F0E5A4230E}"/>
+              </a:ext>
+            </a:extLst>
+          </p:cNvPr>
+          <p:cNvSpPr/>
+          <p:nvPr/>
+        </p:nvSpPr>
+        <p:spPr>
+          <a:xfrm>
+            <a:off x="502890" y="4113593"/>
+            <a:ext cx="2793790" cy="395436"/>
+          </a:xfrm>
+          <a:prstGeom prst="rect">
+            <a:avLst/>
+          </a:prstGeom>
+          <a:noFill/>
+          <a:ln w="19050">
+            <a:solidFill>
+              <a:schemeClr val="tx1"/>
+            </a:solidFill>
+          </a:ln>
+        </p:spPr>
+        <p:style>
+          <a:lnRef idx="2">
+            <a:schemeClr val="accent1">
+              <a:shade val="50000"/>
+            </a:schemeClr>
+          </a:lnRef>
+          <a:fillRef idx="1">
+            <a:schemeClr val="accent1"/>
+          </a:fillRef>
+          <a:effectRef idx="0">
+            <a:schemeClr val="accent1"/>
+          </a:effectRef>
+          <a:fontRef idx="minor">
+            <a:schemeClr val="lt1"/>
+          </a:fontRef>
+        </p:style>
+        <p:txBody>
+          <a:bodyPr rtlCol="0" anchor="ctr"/>
+          <a:lstStyle/>
+          <a:p>
+            <a:pPr algn="ctr"/>
+            <a:r>
+              <a:rPr lang="de-CH" sz="1000" b="1" dirty="0" err="1">
+                <a:solidFill>
+                  <a:schemeClr val="tx1"/>
+                </a:solidFill>
+                <a:latin typeface="Arial" panose="020B0604020202020204" pitchFamily="34" charset="0"/>
+                <a:cs typeface="Arial" panose="020B0604020202020204" pitchFamily="34" charset="0"/>
+              </a:rPr>
+              <a:t>GuestStorage.setGuestbookData</a:t>
+            </a:r>
+            <a:endParaRPr lang="de-CH" sz="1000" b="1" dirty="0">
+              <a:solidFill>
+                <a:schemeClr val="tx1"/>
+              </a:solidFill>
+              <a:latin typeface="Arial" panose="020B0604020202020204" pitchFamily="34" charset="0"/>
+              <a:cs typeface="Arial" panose="020B0604020202020204" pitchFamily="34" charset="0"/>
+            </a:endParaRPr>
+          </a:p>
+        </p:txBody>
+      </p:sp>
+      <p:cxnSp>
+        <p:nvCxnSpPr>
+          <p:cNvPr id="10" name="Gerader Verbinder 9">
+            <a:extLst>
+              <a:ext uri="{FF2B5EF4-FFF2-40B4-BE49-F238E27FC236}">
+                <a16:creationId xmlns:a16="http://schemas.microsoft.com/office/drawing/2014/main" id="{AEAB36ED-E4D6-375A-3C7C-81B0F930ED2E}"/>
+              </a:ext>
+            </a:extLst>
+          </p:cNvPr>
+          <p:cNvCxnSpPr>
+            <a:cxnSpLocks/>
+          </p:cNvCxnSpPr>
+          <p:nvPr/>
+        </p:nvCxnSpPr>
+        <p:spPr>
+          <a:xfrm flipV="1">
+            <a:off x="1919309" y="2413533"/>
+            <a:ext cx="0" cy="131169"/>
+          </a:xfrm>
+          <a:prstGeom prst="line">
+            <a:avLst/>
+          </a:prstGeom>
+          <a:ln w="15875">
+            <a:solidFill>
+              <a:schemeClr val="tx1"/>
+            </a:solidFill>
+          </a:ln>
+        </p:spPr>
+        <p:style>
+          <a:lnRef idx="1">
+            <a:schemeClr val="accent1"/>
+          </a:lnRef>
+          <a:fillRef idx="0">
+            <a:schemeClr val="accent1"/>
+          </a:fillRef>
+          <a:effectRef idx="0">
+            <a:schemeClr val="accent1"/>
+          </a:effectRef>
+          <a:fontRef idx="minor">
+            <a:schemeClr val="tx1"/>
+          </a:fontRef>
+        </p:style>
+      </p:cxnSp>
+      <p:cxnSp>
+        <p:nvCxnSpPr>
+          <p:cNvPr id="14" name="Gerader Verbinder 13">
+            <a:extLst>
+              <a:ext uri="{FF2B5EF4-FFF2-40B4-BE49-F238E27FC236}">
+                <a16:creationId xmlns:a16="http://schemas.microsoft.com/office/drawing/2014/main" id="{6B2DAC58-C287-1ED9-D138-A8D0A31F5EE9}"/>
+              </a:ext>
+            </a:extLst>
+          </p:cNvPr>
+          <p:cNvCxnSpPr>
+            <a:cxnSpLocks/>
+          </p:cNvCxnSpPr>
+          <p:nvPr/>
+        </p:nvCxnSpPr>
+        <p:spPr>
+          <a:xfrm flipV="1">
+            <a:off x="1920878" y="2924153"/>
+            <a:ext cx="0" cy="131169"/>
+          </a:xfrm>
+          <a:prstGeom prst="line">
+            <a:avLst/>
+          </a:prstGeom>
+          <a:ln w="15875">
+            <a:solidFill>
+              <a:schemeClr val="tx1"/>
+            </a:solidFill>
+          </a:ln>
+        </p:spPr>
+        <p:style>
+          <a:lnRef idx="1">
+            <a:schemeClr val="accent1"/>
+          </a:lnRef>
+          <a:fillRef idx="0">
+            <a:schemeClr val="accent1"/>
+          </a:fillRef>
+          <a:effectRef idx="0">
+            <a:schemeClr val="accent1"/>
+          </a:effectRef>
+          <a:fontRef idx="minor">
+            <a:schemeClr val="tx1"/>
+          </a:fontRef>
+        </p:style>
+      </p:cxnSp>
+      <p:cxnSp>
+        <p:nvCxnSpPr>
+          <p:cNvPr id="16" name="Gerader Verbinder 15">
+            <a:extLst>
+              <a:ext uri="{FF2B5EF4-FFF2-40B4-BE49-F238E27FC236}">
+                <a16:creationId xmlns:a16="http://schemas.microsoft.com/office/drawing/2014/main" id="{E6ECBECB-7458-2272-A22A-448508C56F01}"/>
+              </a:ext>
+            </a:extLst>
+          </p:cNvPr>
+          <p:cNvCxnSpPr>
+            <a:cxnSpLocks/>
+          </p:cNvCxnSpPr>
+          <p:nvPr/>
+        </p:nvCxnSpPr>
+        <p:spPr>
+          <a:xfrm flipV="1">
+            <a:off x="1920880" y="3452056"/>
+            <a:ext cx="0" cy="131169"/>
+          </a:xfrm>
+          <a:prstGeom prst="line">
+            <a:avLst/>
+          </a:prstGeom>
+          <a:ln w="15875">
+            <a:solidFill>
+              <a:schemeClr val="tx1"/>
+            </a:solidFill>
+          </a:ln>
+        </p:spPr>
+        <p:style>
+          <a:lnRef idx="1">
+            <a:schemeClr val="accent1"/>
+          </a:lnRef>
+          <a:fillRef idx="0">
+            <a:schemeClr val="accent1"/>
+          </a:fillRef>
+          <a:effectRef idx="0">
+            <a:schemeClr val="accent1"/>
+          </a:effectRef>
+          <a:fontRef idx="minor">
+            <a:schemeClr val="tx1"/>
+          </a:fontRef>
+        </p:style>
+      </p:cxnSp>
+      <p:cxnSp>
+        <p:nvCxnSpPr>
+          <p:cNvPr id="17" name="Gerader Verbinder 16">
+            <a:extLst>
+              <a:ext uri="{FF2B5EF4-FFF2-40B4-BE49-F238E27FC236}">
+                <a16:creationId xmlns:a16="http://schemas.microsoft.com/office/drawing/2014/main" id="{FC38BAB7-C60E-0416-C234-217DE31423B7}"/>
+              </a:ext>
+            </a:extLst>
+          </p:cNvPr>
+          <p:cNvCxnSpPr>
+            <a:cxnSpLocks/>
+          </p:cNvCxnSpPr>
+          <p:nvPr/>
+        </p:nvCxnSpPr>
+        <p:spPr>
+          <a:xfrm flipV="1">
+            <a:off x="1911455" y="3979959"/>
+            <a:ext cx="0" cy="131169"/>
+          </a:xfrm>
+          <a:prstGeom prst="line">
+            <a:avLst/>
+          </a:prstGeom>
+          <a:ln w="15875">
+            <a:solidFill>
+              <a:schemeClr val="tx1"/>
+            </a:solidFill>
+          </a:ln>
+        </p:spPr>
+        <p:style>
+          <a:lnRef idx="1">
+            <a:schemeClr val="accent1"/>
+          </a:lnRef>
+          <a:fillRef idx="0">
+            <a:schemeClr val="accent1"/>
+          </a:fillRef>
+          <a:effectRef idx="0">
+            <a:schemeClr val="accent1"/>
+          </a:effectRef>
+          <a:fontRef idx="minor">
+            <a:schemeClr val="tx1"/>
+          </a:fontRef>
+        </p:style>
+      </p:cxnSp>
+      <p:cxnSp>
+        <p:nvCxnSpPr>
+          <p:cNvPr id="18" name="Gerader Verbinder 17">
+            <a:extLst>
+              <a:ext uri="{FF2B5EF4-FFF2-40B4-BE49-F238E27FC236}">
+                <a16:creationId xmlns:a16="http://schemas.microsoft.com/office/drawing/2014/main" id="{142B8550-9B98-228C-2AD1-EBF91FD949A5}"/>
+              </a:ext>
+            </a:extLst>
+          </p:cNvPr>
+          <p:cNvCxnSpPr>
+            <a:cxnSpLocks/>
+          </p:cNvCxnSpPr>
+          <p:nvPr/>
+        </p:nvCxnSpPr>
+        <p:spPr>
+          <a:xfrm flipV="1">
+            <a:off x="1920877" y="1860127"/>
+            <a:ext cx="0" cy="131169"/>
+          </a:xfrm>
+          <a:prstGeom prst="line">
+            <a:avLst/>
+          </a:prstGeom>
+          <a:ln w="15875">
+            <a:solidFill>
+              <a:schemeClr val="tx1"/>
+            </a:solidFill>
+          </a:ln>
+        </p:spPr>
+        <p:style>
+          <a:lnRef idx="1">
+            <a:schemeClr val="accent1"/>
+          </a:lnRef>
+          <a:fillRef idx="0">
+            <a:schemeClr val="accent1"/>
+          </a:fillRef>
+          <a:effectRef idx="0">
+            <a:schemeClr val="accent1"/>
+          </a:effectRef>
+          <a:fontRef idx="minor">
+            <a:schemeClr val="tx1"/>
+          </a:fontRef>
+        </p:style>
+      </p:cxnSp>
+      <p:sp>
+        <p:nvSpPr>
+          <p:cNvPr id="20" name="Rechteck 19">
+            <a:extLst>
+              <a:ext uri="{FF2B5EF4-FFF2-40B4-BE49-F238E27FC236}">
+                <a16:creationId xmlns:a16="http://schemas.microsoft.com/office/drawing/2014/main" id="{0B5B7474-0C69-604F-7D72-88387706D545}"/>
+              </a:ext>
+            </a:extLst>
+          </p:cNvPr>
+          <p:cNvSpPr/>
+          <p:nvPr/>
+        </p:nvSpPr>
+        <p:spPr>
+          <a:xfrm>
+            <a:off x="3590963" y="2018097"/>
+            <a:ext cx="2793790" cy="395436"/>
+          </a:xfrm>
+          <a:prstGeom prst="rect">
+            <a:avLst/>
+          </a:prstGeom>
+          <a:noFill/>
+          <a:ln w="19050">
+            <a:solidFill>
+              <a:schemeClr val="tx1"/>
+            </a:solidFill>
+          </a:ln>
+        </p:spPr>
+        <p:style>
+          <a:lnRef idx="2">
+            <a:schemeClr val="accent1">
+              <a:shade val="50000"/>
+            </a:schemeClr>
+          </a:lnRef>
+          <a:fillRef idx="1">
+            <a:schemeClr val="accent1"/>
+          </a:fillRef>
+          <a:effectRef idx="0">
+            <a:schemeClr val="accent1"/>
+          </a:effectRef>
+          <a:fontRef idx="minor">
+            <a:schemeClr val="lt1"/>
+          </a:fontRef>
+        </p:style>
+        <p:txBody>
+          <a:bodyPr rtlCol="0" anchor="ctr"/>
+          <a:lstStyle/>
+          <a:p>
+            <a:pPr algn="ctr"/>
+            <a:r>
+              <a:rPr lang="de-CH" sz="1000" b="1" dirty="0" err="1">
+                <a:solidFill>
+                  <a:schemeClr val="tx1"/>
+                </a:solidFill>
+                <a:latin typeface="Arial" panose="020B0604020202020204" pitchFamily="34" charset="0"/>
+                <a:cs typeface="Arial" panose="020B0604020202020204" pitchFamily="34" charset="0"/>
+              </a:rPr>
+              <a:t>backupJazzGuestsXml</a:t>
+            </a:r>
+            <a:r>
+              <a:rPr lang="de-CH" sz="1000" b="1" dirty="0">
+                <a:solidFill>
+                  <a:schemeClr val="tx1"/>
+                </a:solidFill>
+                <a:latin typeface="Arial" panose="020B0604020202020204" pitchFamily="34" charset="0"/>
+                <a:cs typeface="Arial" panose="020B0604020202020204" pitchFamily="34" charset="0"/>
+              </a:rPr>
+              <a:t> </a:t>
+            </a:r>
+          </a:p>
+        </p:txBody>
+      </p:sp>
+      <p:sp>
+        <p:nvSpPr>
+          <p:cNvPr id="23" name="Rechteck 22">
+            <a:extLst>
+              <a:ext uri="{FF2B5EF4-FFF2-40B4-BE49-F238E27FC236}">
+                <a16:creationId xmlns:a16="http://schemas.microsoft.com/office/drawing/2014/main" id="{D96CECF4-CFB8-D203-A8A5-1C93AE8E9FB1}"/>
+              </a:ext>
+            </a:extLst>
+          </p:cNvPr>
+          <p:cNvSpPr/>
+          <p:nvPr/>
+        </p:nvSpPr>
+        <p:spPr>
+          <a:xfrm>
+            <a:off x="3582614" y="2544702"/>
+            <a:ext cx="2793790" cy="395436"/>
+          </a:xfrm>
+          <a:prstGeom prst="rect">
+            <a:avLst/>
+          </a:prstGeom>
+          <a:noFill/>
+          <a:ln w="19050">
+            <a:solidFill>
+              <a:schemeClr val="tx1"/>
+            </a:solidFill>
+          </a:ln>
+        </p:spPr>
+        <p:style>
+          <a:lnRef idx="2">
+            <a:schemeClr val="accent1">
+              <a:shade val="50000"/>
+            </a:schemeClr>
+          </a:lnRef>
+          <a:fillRef idx="1">
+            <a:schemeClr val="accent1"/>
+          </a:fillRef>
+          <a:effectRef idx="0">
+            <a:schemeClr val="accent1"/>
+          </a:effectRef>
+          <a:fontRef idx="minor">
+            <a:schemeClr val="lt1"/>
+          </a:fontRef>
+        </p:style>
+        <p:txBody>
+          <a:bodyPr rtlCol="0" anchor="ctr"/>
+          <a:lstStyle/>
+          <a:p>
+            <a:pPr algn="ctr"/>
+            <a:r>
+              <a:rPr lang="de-CH" sz="1000" b="1" dirty="0" err="1">
+                <a:solidFill>
+                  <a:schemeClr val="tx1"/>
+                </a:solidFill>
+                <a:latin typeface="Arial" panose="020B0604020202020204" pitchFamily="34" charset="0"/>
+                <a:cs typeface="Arial" panose="020B0604020202020204" pitchFamily="34" charset="0"/>
+              </a:rPr>
+              <a:t>backupJazzGuestsUploadedXml</a:t>
+            </a:r>
+            <a:r>
+              <a:rPr lang="de-CH" sz="1000" b="1" dirty="0">
+                <a:solidFill>
+                  <a:schemeClr val="tx1"/>
+                </a:solidFill>
+                <a:latin typeface="Arial" panose="020B0604020202020204" pitchFamily="34" charset="0"/>
+                <a:cs typeface="Arial" panose="020B0604020202020204" pitchFamily="34" charset="0"/>
+              </a:rPr>
+              <a:t> </a:t>
+            </a:r>
+          </a:p>
+        </p:txBody>
+      </p:sp>
+      <p:sp>
+        <p:nvSpPr>
+          <p:cNvPr id="24" name="Rechteck 23">
+            <a:extLst>
+              <a:ext uri="{FF2B5EF4-FFF2-40B4-BE49-F238E27FC236}">
+                <a16:creationId xmlns:a16="http://schemas.microsoft.com/office/drawing/2014/main" id="{772612A1-1858-371D-CD23-12E31D4E9C4D}"/>
+              </a:ext>
+            </a:extLst>
+          </p:cNvPr>
+          <p:cNvSpPr/>
+          <p:nvPr/>
+        </p:nvSpPr>
+        <p:spPr>
+          <a:xfrm>
+            <a:off x="3590963" y="3060110"/>
+            <a:ext cx="2793790" cy="395436"/>
+          </a:xfrm>
+          <a:prstGeom prst="rect">
+            <a:avLst/>
+          </a:prstGeom>
+          <a:noFill/>
+          <a:ln w="19050">
+            <a:solidFill>
+              <a:schemeClr val="tx1"/>
+            </a:solidFill>
+          </a:ln>
+        </p:spPr>
+        <p:style>
+          <a:lnRef idx="2">
+            <a:schemeClr val="accent1">
+              <a:shade val="50000"/>
+            </a:schemeClr>
+          </a:lnRef>
+          <a:fillRef idx="1">
+            <a:schemeClr val="accent1"/>
+          </a:fillRef>
+          <a:effectRef idx="0">
+            <a:schemeClr val="accent1"/>
+          </a:effectRef>
+          <a:fontRef idx="minor">
+            <a:schemeClr val="lt1"/>
+          </a:fontRef>
+        </p:style>
+        <p:txBody>
+          <a:bodyPr rtlCol="0" anchor="ctr"/>
+          <a:lstStyle/>
+          <a:p>
+            <a:pPr algn="ctr"/>
+            <a:r>
+              <a:rPr lang="de-CH" sz="1000" b="1" dirty="0" err="1">
+                <a:solidFill>
+                  <a:schemeClr val="tx1"/>
+                </a:solidFill>
+                <a:latin typeface="Arial" panose="020B0604020202020204" pitchFamily="34" charset="0"/>
+                <a:cs typeface="Arial" panose="020B0604020202020204" pitchFamily="34" charset="0"/>
+              </a:rPr>
+              <a:t>copyImageFromUploadToGuestbookDir</a:t>
+            </a:r>
+            <a:endParaRPr lang="de-CH" sz="1000" b="1" dirty="0">
+              <a:solidFill>
+                <a:schemeClr val="tx1"/>
+              </a:solidFill>
+              <a:latin typeface="Arial" panose="020B0604020202020204" pitchFamily="34" charset="0"/>
+              <a:cs typeface="Arial" panose="020B0604020202020204" pitchFamily="34" charset="0"/>
+            </a:endParaRPr>
+          </a:p>
+        </p:txBody>
+      </p:sp>
+      <p:sp>
+        <p:nvSpPr>
+          <p:cNvPr id="25" name="Rechteck 24">
+            <a:extLst>
+              <a:ext uri="{FF2B5EF4-FFF2-40B4-BE49-F238E27FC236}">
+                <a16:creationId xmlns:a16="http://schemas.microsoft.com/office/drawing/2014/main" id="{94AEC77C-FA90-3576-501B-20A0954975B9}"/>
+              </a:ext>
+            </a:extLst>
+          </p:cNvPr>
+          <p:cNvSpPr/>
+          <p:nvPr/>
+        </p:nvSpPr>
+        <p:spPr>
+          <a:xfrm>
+            <a:off x="3581728" y="3596667"/>
+            <a:ext cx="2793790" cy="395436"/>
+          </a:xfrm>
+          <a:prstGeom prst="rect">
+            <a:avLst/>
+          </a:prstGeom>
+          <a:noFill/>
+          <a:ln w="19050">
+            <a:solidFill>
+              <a:schemeClr val="tx1"/>
+            </a:solidFill>
+          </a:ln>
+        </p:spPr>
+        <p:style>
+          <a:lnRef idx="2">
+            <a:schemeClr val="accent1">
+              <a:shade val="50000"/>
+            </a:schemeClr>
+          </a:lnRef>
+          <a:fillRef idx="1">
+            <a:schemeClr val="accent1"/>
+          </a:fillRef>
+          <a:effectRef idx="0">
+            <a:schemeClr val="accent1"/>
+          </a:effectRef>
+          <a:fontRef idx="minor">
+            <a:schemeClr val="lt1"/>
+          </a:fontRef>
+        </p:style>
+        <p:txBody>
+          <a:bodyPr rtlCol="0" anchor="ctr"/>
+          <a:lstStyle/>
+          <a:p>
+            <a:pPr algn="ctr"/>
+            <a:r>
+              <a:rPr lang="de-CH" sz="1000" b="1" dirty="0" err="1">
+                <a:solidFill>
+                  <a:schemeClr val="tx1"/>
+                </a:solidFill>
+                <a:latin typeface="Arial" panose="020B0604020202020204" pitchFamily="34" charset="0"/>
+                <a:cs typeface="Arial" panose="020B0604020202020204" pitchFamily="34" charset="0"/>
+              </a:rPr>
+              <a:t>appendSetSaveGuestbookData</a:t>
+            </a:r>
+            <a:endParaRPr lang="de-CH" sz="1000" b="1" dirty="0">
+              <a:solidFill>
+                <a:schemeClr val="tx1"/>
+              </a:solidFill>
+              <a:latin typeface="Arial" panose="020B0604020202020204" pitchFamily="34" charset="0"/>
+              <a:cs typeface="Arial" panose="020B0604020202020204" pitchFamily="34" charset="0"/>
+            </a:endParaRPr>
+          </a:p>
+          <a:p>
+            <a:pPr algn="ctr"/>
+            <a:r>
+              <a:rPr lang="de-CH" sz="1000" b="1" dirty="0" err="1">
+                <a:solidFill>
+                  <a:schemeClr val="tx1"/>
+                </a:solidFill>
+                <a:latin typeface="Arial" panose="020B0604020202020204" pitchFamily="34" charset="0"/>
+                <a:cs typeface="Arial" panose="020B0604020202020204" pitchFamily="34" charset="0"/>
+              </a:rPr>
+              <a:t>g_guests_xml</a:t>
+            </a:r>
+            <a:endParaRPr lang="de-CH" sz="1000" b="1" dirty="0">
+              <a:solidFill>
+                <a:schemeClr val="tx1"/>
+              </a:solidFill>
+              <a:latin typeface="Arial" panose="020B0604020202020204" pitchFamily="34" charset="0"/>
+              <a:cs typeface="Arial" panose="020B0604020202020204" pitchFamily="34" charset="0"/>
+            </a:endParaRPr>
+          </a:p>
+        </p:txBody>
+      </p:sp>
+      <p:sp>
+        <p:nvSpPr>
+          <p:cNvPr id="26" name="Rechteck 25">
+            <a:extLst>
+              <a:ext uri="{FF2B5EF4-FFF2-40B4-BE49-F238E27FC236}">
+                <a16:creationId xmlns:a16="http://schemas.microsoft.com/office/drawing/2014/main" id="{E67B7238-CBAA-4E6C-F63D-D80068DD16DE}"/>
+              </a:ext>
+            </a:extLst>
+          </p:cNvPr>
+          <p:cNvSpPr/>
+          <p:nvPr/>
+        </p:nvSpPr>
+        <p:spPr>
+          <a:xfrm>
+            <a:off x="3581728" y="4102123"/>
+            <a:ext cx="2793790" cy="395436"/>
+          </a:xfrm>
+          <a:prstGeom prst="rect">
+            <a:avLst/>
+          </a:prstGeom>
+          <a:noFill/>
+          <a:ln w="19050">
+            <a:solidFill>
+              <a:schemeClr val="tx1"/>
+            </a:solidFill>
+          </a:ln>
+        </p:spPr>
+        <p:style>
+          <a:lnRef idx="2">
+            <a:schemeClr val="accent1">
+              <a:shade val="50000"/>
+            </a:schemeClr>
+          </a:lnRef>
+          <a:fillRef idx="1">
+            <a:schemeClr val="accent1"/>
+          </a:fillRef>
+          <a:effectRef idx="0">
+            <a:schemeClr val="accent1"/>
+          </a:effectRef>
+          <a:fontRef idx="minor">
+            <a:schemeClr val="lt1"/>
+          </a:fontRef>
+        </p:style>
+        <p:txBody>
+          <a:bodyPr rtlCol="0" anchor="ctr"/>
+          <a:lstStyle/>
+          <a:p>
+            <a:pPr algn="ctr"/>
+            <a:r>
+              <a:rPr lang="de-CH" sz="1000" b="1" dirty="0" err="1">
+                <a:solidFill>
+                  <a:schemeClr val="tx1"/>
+                </a:solidFill>
+                <a:latin typeface="Arial" panose="020B0604020202020204" pitchFamily="34" charset="0"/>
+                <a:cs typeface="Arial" panose="020B0604020202020204" pitchFamily="34" charset="0"/>
+              </a:rPr>
+              <a:t>saveJazzGuestsXmlOnServer</a:t>
+            </a:r>
+            <a:endParaRPr lang="de-CH" sz="1000" b="1" dirty="0">
+              <a:solidFill>
+                <a:schemeClr val="tx1"/>
+              </a:solidFill>
+              <a:latin typeface="Arial" panose="020B0604020202020204" pitchFamily="34" charset="0"/>
+              <a:cs typeface="Arial" panose="020B0604020202020204" pitchFamily="34" charset="0"/>
+            </a:endParaRPr>
+          </a:p>
+          <a:p>
+            <a:pPr algn="ctr"/>
+            <a:r>
+              <a:rPr lang="de-CH" sz="1000" b="1" dirty="0">
+                <a:solidFill>
+                  <a:schemeClr val="tx1"/>
+                </a:solidFill>
+                <a:latin typeface="Arial" panose="020B0604020202020204" pitchFamily="34" charset="0"/>
+                <a:cs typeface="Arial" panose="020B0604020202020204" pitchFamily="34" charset="0"/>
+              </a:rPr>
+              <a:t>JazzGuests.xml</a:t>
+            </a:r>
+          </a:p>
+        </p:txBody>
+      </p:sp>
+      <p:cxnSp>
+        <p:nvCxnSpPr>
+          <p:cNvPr id="27" name="Gerader Verbinder 26">
+            <a:extLst>
+              <a:ext uri="{FF2B5EF4-FFF2-40B4-BE49-F238E27FC236}">
+                <a16:creationId xmlns:a16="http://schemas.microsoft.com/office/drawing/2014/main" id="{67C102D5-AF1B-4176-1AF9-C4A694B78B2E}"/>
+              </a:ext>
+            </a:extLst>
+          </p:cNvPr>
+          <p:cNvCxnSpPr>
+            <a:cxnSpLocks/>
+          </p:cNvCxnSpPr>
+          <p:nvPr/>
+        </p:nvCxnSpPr>
+        <p:spPr>
+          <a:xfrm flipV="1">
+            <a:off x="4986290" y="2416707"/>
+            <a:ext cx="0" cy="131169"/>
+          </a:xfrm>
+          <a:prstGeom prst="line">
+            <a:avLst/>
+          </a:prstGeom>
+          <a:ln w="15875">
+            <a:solidFill>
+              <a:schemeClr val="tx1"/>
+            </a:solidFill>
+          </a:ln>
+        </p:spPr>
+        <p:style>
+          <a:lnRef idx="1">
+            <a:schemeClr val="accent1"/>
+          </a:lnRef>
+          <a:fillRef idx="0">
+            <a:schemeClr val="accent1"/>
+          </a:fillRef>
+          <a:effectRef idx="0">
+            <a:schemeClr val="accent1"/>
+          </a:effectRef>
+          <a:fontRef idx="minor">
+            <a:schemeClr val="tx1"/>
+          </a:fontRef>
+        </p:style>
+      </p:cxnSp>
+      <p:cxnSp>
+        <p:nvCxnSpPr>
+          <p:cNvPr id="28" name="Gerader Verbinder 27">
+            <a:extLst>
+              <a:ext uri="{FF2B5EF4-FFF2-40B4-BE49-F238E27FC236}">
+                <a16:creationId xmlns:a16="http://schemas.microsoft.com/office/drawing/2014/main" id="{12DBB3B0-2FB4-FE2B-FF87-AB2DFB4FFA88}"/>
+              </a:ext>
+            </a:extLst>
+          </p:cNvPr>
+          <p:cNvCxnSpPr>
+            <a:cxnSpLocks/>
+          </p:cNvCxnSpPr>
+          <p:nvPr/>
+        </p:nvCxnSpPr>
+        <p:spPr>
+          <a:xfrm flipV="1">
+            <a:off x="4987859" y="2927327"/>
+            <a:ext cx="0" cy="131169"/>
+          </a:xfrm>
+          <a:prstGeom prst="line">
+            <a:avLst/>
+          </a:prstGeom>
+          <a:ln w="15875">
+            <a:solidFill>
+              <a:schemeClr val="tx1"/>
+            </a:solidFill>
+          </a:ln>
+        </p:spPr>
+        <p:style>
+          <a:lnRef idx="1">
+            <a:schemeClr val="accent1"/>
+          </a:lnRef>
+          <a:fillRef idx="0">
+            <a:schemeClr val="accent1"/>
+          </a:fillRef>
+          <a:effectRef idx="0">
+            <a:schemeClr val="accent1"/>
+          </a:effectRef>
+          <a:fontRef idx="minor">
+            <a:schemeClr val="tx1"/>
+          </a:fontRef>
+        </p:style>
+      </p:cxnSp>
+      <p:cxnSp>
+        <p:nvCxnSpPr>
+          <p:cNvPr id="29" name="Gerader Verbinder 28">
+            <a:extLst>
+              <a:ext uri="{FF2B5EF4-FFF2-40B4-BE49-F238E27FC236}">
+                <a16:creationId xmlns:a16="http://schemas.microsoft.com/office/drawing/2014/main" id="{888A78B5-E04E-6C9A-DDF8-F48D969D4724}"/>
+              </a:ext>
+            </a:extLst>
+          </p:cNvPr>
+          <p:cNvCxnSpPr>
+            <a:cxnSpLocks/>
+          </p:cNvCxnSpPr>
+          <p:nvPr/>
+        </p:nvCxnSpPr>
+        <p:spPr>
+          <a:xfrm flipV="1">
+            <a:off x="4987861" y="3455230"/>
+            <a:ext cx="0" cy="131169"/>
+          </a:xfrm>
+          <a:prstGeom prst="line">
+            <a:avLst/>
+          </a:prstGeom>
+          <a:ln w="15875">
+            <a:solidFill>
+              <a:schemeClr val="tx1"/>
+            </a:solidFill>
+          </a:ln>
+        </p:spPr>
+        <p:style>
+          <a:lnRef idx="1">
+            <a:schemeClr val="accent1"/>
+          </a:lnRef>
+          <a:fillRef idx="0">
+            <a:schemeClr val="accent1"/>
+          </a:fillRef>
+          <a:effectRef idx="0">
+            <a:schemeClr val="accent1"/>
+          </a:effectRef>
+          <a:fontRef idx="minor">
+            <a:schemeClr val="tx1"/>
+          </a:fontRef>
+        </p:style>
+      </p:cxnSp>
+      <p:cxnSp>
+        <p:nvCxnSpPr>
+          <p:cNvPr id="30" name="Gerader Verbinder 29">
+            <a:extLst>
+              <a:ext uri="{FF2B5EF4-FFF2-40B4-BE49-F238E27FC236}">
+                <a16:creationId xmlns:a16="http://schemas.microsoft.com/office/drawing/2014/main" id="{649C1AA7-C93E-3A91-D536-A610F30BF585}"/>
+              </a:ext>
+            </a:extLst>
+          </p:cNvPr>
+          <p:cNvCxnSpPr>
+            <a:cxnSpLocks/>
+          </p:cNvCxnSpPr>
+          <p:nvPr/>
+        </p:nvCxnSpPr>
+        <p:spPr>
+          <a:xfrm flipV="1">
+            <a:off x="4978436" y="3983133"/>
+            <a:ext cx="0" cy="131169"/>
+          </a:xfrm>
+          <a:prstGeom prst="line">
+            <a:avLst/>
+          </a:prstGeom>
+          <a:ln w="15875">
+            <a:solidFill>
+              <a:schemeClr val="tx1"/>
+            </a:solidFill>
+          </a:ln>
+        </p:spPr>
+        <p:style>
+          <a:lnRef idx="1">
+            <a:schemeClr val="accent1"/>
+          </a:lnRef>
+          <a:fillRef idx="0">
+            <a:schemeClr val="accent1"/>
+          </a:fillRef>
+          <a:effectRef idx="0">
+            <a:schemeClr val="accent1"/>
+          </a:effectRef>
+          <a:fontRef idx="minor">
+            <a:schemeClr val="tx1"/>
+          </a:fontRef>
+        </p:style>
+      </p:cxnSp>
+      <p:cxnSp>
+        <p:nvCxnSpPr>
+          <p:cNvPr id="31" name="Gerader Verbinder 30">
+            <a:extLst>
+              <a:ext uri="{FF2B5EF4-FFF2-40B4-BE49-F238E27FC236}">
+                <a16:creationId xmlns:a16="http://schemas.microsoft.com/office/drawing/2014/main" id="{7DDC0345-7205-06CE-C842-CE6C6D7DE2F1}"/>
+              </a:ext>
+            </a:extLst>
+          </p:cNvPr>
+          <p:cNvCxnSpPr>
+            <a:cxnSpLocks/>
+          </p:cNvCxnSpPr>
+          <p:nvPr/>
+        </p:nvCxnSpPr>
+        <p:spPr>
+          <a:xfrm flipV="1">
+            <a:off x="4987858" y="1863301"/>
+            <a:ext cx="0" cy="131169"/>
+          </a:xfrm>
+          <a:prstGeom prst="line">
+            <a:avLst/>
+          </a:prstGeom>
+          <a:ln w="15875">
+            <a:solidFill>
+              <a:schemeClr val="tx1"/>
+            </a:solidFill>
+          </a:ln>
+        </p:spPr>
+        <p:style>
+          <a:lnRef idx="1">
+            <a:schemeClr val="accent1"/>
+          </a:lnRef>
+          <a:fillRef idx="0">
+            <a:schemeClr val="accent1"/>
+          </a:fillRef>
+          <a:effectRef idx="0">
+            <a:schemeClr val="accent1"/>
+          </a:effectRef>
+          <a:fontRef idx="minor">
+            <a:schemeClr val="tx1"/>
+          </a:fontRef>
+        </p:style>
+      </p:cxnSp>
+      <p:cxnSp>
+        <p:nvCxnSpPr>
+          <p:cNvPr id="32" name="Gerader Verbinder 31">
+            <a:extLst>
+              <a:ext uri="{FF2B5EF4-FFF2-40B4-BE49-F238E27FC236}">
+                <a16:creationId xmlns:a16="http://schemas.microsoft.com/office/drawing/2014/main" id="{3C08E99E-990D-7B9A-7019-103F8EAC0114}"/>
+              </a:ext>
+            </a:extLst>
+          </p:cNvPr>
+          <p:cNvCxnSpPr>
+            <a:cxnSpLocks/>
+          </p:cNvCxnSpPr>
+          <p:nvPr/>
+        </p:nvCxnSpPr>
+        <p:spPr>
+          <a:xfrm flipV="1">
+            <a:off x="1913023" y="4509430"/>
+            <a:ext cx="0" cy="131169"/>
+          </a:xfrm>
+          <a:prstGeom prst="line">
+            <a:avLst/>
+          </a:prstGeom>
+          <a:ln w="15875">
+            <a:solidFill>
+              <a:schemeClr val="tx1"/>
+            </a:solidFill>
+          </a:ln>
+        </p:spPr>
+        <p:style>
+          <a:lnRef idx="1">
+            <a:schemeClr val="accent1"/>
+          </a:lnRef>
+          <a:fillRef idx="0">
+            <a:schemeClr val="accent1"/>
+          </a:fillRef>
+          <a:effectRef idx="0">
+            <a:schemeClr val="accent1"/>
+          </a:effectRef>
+          <a:fontRef idx="minor">
+            <a:schemeClr val="tx1"/>
+          </a:fontRef>
+        </p:style>
+      </p:cxnSp>
+      <p:cxnSp>
+        <p:nvCxnSpPr>
+          <p:cNvPr id="33" name="Gerader Verbinder 32">
+            <a:extLst>
+              <a:ext uri="{FF2B5EF4-FFF2-40B4-BE49-F238E27FC236}">
+                <a16:creationId xmlns:a16="http://schemas.microsoft.com/office/drawing/2014/main" id="{BE0C8F14-154D-28BC-8AB7-965C4F668859}"/>
+              </a:ext>
+            </a:extLst>
+          </p:cNvPr>
+          <p:cNvCxnSpPr>
+            <a:cxnSpLocks/>
+          </p:cNvCxnSpPr>
+          <p:nvPr/>
+        </p:nvCxnSpPr>
+        <p:spPr>
+          <a:xfrm flipV="1">
+            <a:off x="4976739" y="1332595"/>
+            <a:ext cx="0" cy="131169"/>
+          </a:xfrm>
+          <a:prstGeom prst="line">
+            <a:avLst/>
+          </a:prstGeom>
+          <a:ln w="15875">
+            <a:solidFill>
+              <a:schemeClr val="tx1"/>
+            </a:solidFill>
+          </a:ln>
+        </p:spPr>
+        <p:style>
+          <a:lnRef idx="1">
+            <a:schemeClr val="accent1"/>
+          </a:lnRef>
+          <a:fillRef idx="0">
+            <a:schemeClr val="accent1"/>
+          </a:fillRef>
+          <a:effectRef idx="0">
+            <a:schemeClr val="accent1"/>
+          </a:effectRef>
+          <a:fontRef idx="minor">
+            <a:schemeClr val="tx1"/>
+          </a:fontRef>
+        </p:style>
+      </p:cxnSp>
+      <p:cxnSp>
+        <p:nvCxnSpPr>
+          <p:cNvPr id="34" name="Gerader Verbinder 33">
+            <a:extLst>
+              <a:ext uri="{FF2B5EF4-FFF2-40B4-BE49-F238E27FC236}">
+                <a16:creationId xmlns:a16="http://schemas.microsoft.com/office/drawing/2014/main" id="{5E508A88-A4B7-0B65-89A7-7EF3274F9E2C}"/>
+              </a:ext>
+            </a:extLst>
+          </p:cNvPr>
+          <p:cNvCxnSpPr>
+            <a:cxnSpLocks/>
+          </p:cNvCxnSpPr>
+          <p:nvPr/>
+        </p:nvCxnSpPr>
+        <p:spPr>
+          <a:xfrm flipV="1">
+            <a:off x="3449598" y="1332046"/>
+            <a:ext cx="0" cy="3317981"/>
+          </a:xfrm>
+          <a:prstGeom prst="line">
+            <a:avLst/>
+          </a:prstGeom>
+          <a:ln w="15875">
+            <a:solidFill>
+              <a:schemeClr val="tx1"/>
+            </a:solidFill>
+          </a:ln>
+        </p:spPr>
+        <p:style>
+          <a:lnRef idx="1">
+            <a:schemeClr val="accent1"/>
+          </a:lnRef>
+          <a:fillRef idx="0">
+            <a:schemeClr val="accent1"/>
+          </a:fillRef>
+          <a:effectRef idx="0">
+            <a:schemeClr val="accent1"/>
+          </a:effectRef>
+          <a:fontRef idx="minor">
+            <a:schemeClr val="tx1"/>
+          </a:fontRef>
+        </p:style>
+      </p:cxnSp>
+      <p:cxnSp>
+        <p:nvCxnSpPr>
+          <p:cNvPr id="36" name="Gerader Verbinder 35">
+            <a:extLst>
+              <a:ext uri="{FF2B5EF4-FFF2-40B4-BE49-F238E27FC236}">
+                <a16:creationId xmlns:a16="http://schemas.microsoft.com/office/drawing/2014/main" id="{61A538B2-BEE2-09FC-92B0-2E34E01C0B11}"/>
+              </a:ext>
+            </a:extLst>
+          </p:cNvPr>
+          <p:cNvCxnSpPr>
+            <a:cxnSpLocks/>
+          </p:cNvCxnSpPr>
+          <p:nvPr/>
+        </p:nvCxnSpPr>
+        <p:spPr>
+          <a:xfrm flipH="1">
+            <a:off x="1925258" y="4639175"/>
+            <a:ext cx="1524340" cy="1424"/>
+          </a:xfrm>
+          <a:prstGeom prst="line">
+            <a:avLst/>
+          </a:prstGeom>
+          <a:ln w="15875">
+            <a:solidFill>
+              <a:schemeClr val="tx1"/>
+            </a:solidFill>
+          </a:ln>
+        </p:spPr>
+        <p:style>
+          <a:lnRef idx="1">
+            <a:schemeClr val="accent1"/>
+          </a:lnRef>
+          <a:fillRef idx="0">
+            <a:schemeClr val="accent1"/>
+          </a:fillRef>
+          <a:effectRef idx="0">
+            <a:schemeClr val="accent1"/>
+          </a:effectRef>
+          <a:fontRef idx="minor">
+            <a:schemeClr val="tx1"/>
+          </a:fontRef>
+        </p:style>
+      </p:cxnSp>
+      <p:cxnSp>
+        <p:nvCxnSpPr>
+          <p:cNvPr id="39" name="Gerader Verbinder 38">
+            <a:extLst>
+              <a:ext uri="{FF2B5EF4-FFF2-40B4-BE49-F238E27FC236}">
+                <a16:creationId xmlns:a16="http://schemas.microsoft.com/office/drawing/2014/main" id="{408E9CDF-5F65-D2CA-E264-E9B5AB21A21A}"/>
+              </a:ext>
+            </a:extLst>
+          </p:cNvPr>
+          <p:cNvCxnSpPr>
+            <a:cxnSpLocks/>
+          </p:cNvCxnSpPr>
+          <p:nvPr/>
+        </p:nvCxnSpPr>
+        <p:spPr>
+          <a:xfrm flipH="1">
+            <a:off x="3452399" y="1332046"/>
+            <a:ext cx="1524340" cy="1424"/>
+          </a:xfrm>
+          <a:prstGeom prst="line">
+            <a:avLst/>
+          </a:prstGeom>
+          <a:ln w="15875">
+            <a:solidFill>
+              <a:schemeClr val="tx1"/>
+            </a:solidFill>
+          </a:ln>
+        </p:spPr>
+        <p:style>
+          <a:lnRef idx="1">
+            <a:schemeClr val="accent1"/>
+          </a:lnRef>
+          <a:fillRef idx="0">
+            <a:schemeClr val="accent1"/>
+          </a:fillRef>
+          <a:effectRef idx="0">
+            <a:schemeClr val="accent1"/>
+          </a:effectRef>
+          <a:fontRef idx="minor">
+            <a:schemeClr val="tx1"/>
+          </a:fontRef>
+        </p:style>
+      </p:cxnSp>
     </p:spTree>
     <p:extLst>
       <p:ext uri="{BB962C8B-B14F-4D97-AF65-F5344CB8AC3E}">
-        <p14:creationId xmlns:p14="http://schemas.microsoft.com/office/powerpoint/2010/main" val="1772821583"/>
+        <p14:creationId xmlns:p14="http://schemas.microsoft.com/office/powerpoint/2010/main" val="1413993193"/>
       </p:ext>
     </p:extLst>
   </p:cSld>
@@ -11224,7 +14419,7 @@
           <p:cNvPr id="2" name="Rechteck 1">
             <a:extLst>
               <a:ext uri="{FF2B5EF4-FFF2-40B4-BE49-F238E27FC236}">
-                <a16:creationId xmlns:a16="http://schemas.microsoft.com/office/drawing/2014/main" id="{CFC70F4C-8A54-54D4-6FB3-C1D490799592}"/>
+                <a16:creationId xmlns:a16="http://schemas.microsoft.com/office/drawing/2014/main" id="{2F5DA06B-16D8-C461-0116-5C0C27936C10}"/>
               </a:ext>
             </a:extLst>
           </p:cNvPr>
@@ -11233,14 +14428,14 @@
         </p:nvSpPr>
         <p:spPr>
           <a:xfrm>
-            <a:off x="3044858" y="126380"/>
-            <a:ext cx="6542202" cy="6594088"/>
+            <a:off x="4519344" y="672405"/>
+            <a:ext cx="3153311" cy="395436"/>
           </a:xfrm>
           <a:prstGeom prst="rect">
             <a:avLst/>
           </a:prstGeom>
           <a:noFill/>
-          <a:ln w="38100">
+          <a:ln w="19050">
             <a:solidFill>
               <a:schemeClr val="tx1"/>
             </a:solidFill>
@@ -11267,76 +14462,65 @@
           <a:lstStyle/>
           <a:p>
             <a:pPr algn="ctr"/>
-            <a:endParaRPr lang="de-CH"/>
-          </a:p>
-        </p:txBody>
-      </p:sp>
-      <p:sp>
-        <p:nvSpPr>
-          <p:cNvPr id="3" name="Textfeld 2">
-            <a:extLst>
-              <a:ext uri="{FF2B5EF4-FFF2-40B4-BE49-F238E27FC236}">
-                <a16:creationId xmlns:a16="http://schemas.microsoft.com/office/drawing/2014/main" id="{DDE7CD2C-2DEA-FF6E-3D04-75EC15D4B3FB}"/>
-              </a:ext>
-            </a:extLst>
-          </p:cNvPr>
-          <p:cNvSpPr txBox="1"/>
-          <p:nvPr/>
-        </p:nvSpPr>
-        <p:spPr>
-          <a:xfrm>
-            <a:off x="3044858" y="151900"/>
-            <a:ext cx="4333461" cy="261610"/>
-          </a:xfrm>
-          <a:prstGeom prst="rect">
-            <a:avLst/>
-          </a:prstGeom>
-          <a:noFill/>
-        </p:spPr>
-        <p:txBody>
-          <a:bodyPr wrap="square" rtlCol="0">
-            <a:spAutoFit/>
-          </a:bodyPr>
-          <a:lstStyle/>
-          <a:p>
-            <a:r>
-              <a:rPr lang="de-CH" sz="1100" b="1" dirty="0" err="1"/>
-              <a:t>id_upload_page</a:t>
-            </a:r>
-            <a:r>
-              <a:rPr lang="de-CH" sz="1100" b="1" dirty="0"/>
-              <a:t> </a:t>
-            </a:r>
-            <a:r>
-              <a:rPr lang="de-CH" sz="1100" b="1" dirty="0" err="1"/>
-              <a:t>cl_upload_page</a:t>
-            </a:r>
-            <a:r>
-              <a:rPr lang="de-CH" sz="1100" b="1" dirty="0"/>
-              <a:t>  </a:t>
-            </a:r>
-            <a:r>
-              <a:rPr lang="de-CH" sz="1100" b="1" dirty="0" err="1"/>
-              <a:t>clear</a:t>
-            </a:r>
-            <a:r>
-              <a:rPr lang="de-CH" sz="1100" b="1" dirty="0"/>
-              <a:t> </a:t>
-            </a:r>
-            <a:r>
-              <a:rPr lang="de-CH" sz="1100" b="1" dirty="0" err="1"/>
-              <a:t>both</a:t>
-            </a:r>
-            <a:endParaRPr lang="de-CH" b="1" dirty="0"/>
-          </a:p>
-        </p:txBody>
-      </p:sp>
-      <p:sp>
-        <p:nvSpPr>
-          <p:cNvPr id="6" name="Rechteck 5">
-            <a:extLst>
-              <a:ext uri="{FF2B5EF4-FFF2-40B4-BE49-F238E27FC236}">
-                <a16:creationId xmlns:a16="http://schemas.microsoft.com/office/drawing/2014/main" id="{B30FFEFB-1DF9-B7E7-5E3A-8EE047456944}"/>
+            <a:r>
+              <a:rPr lang="de-CH" sz="1000" b="1" dirty="0">
+                <a:solidFill>
+                  <a:schemeClr val="tx1"/>
+                </a:solidFill>
+                <a:latin typeface="Arial" panose="020B0604020202020204" pitchFamily="34" charset="0"/>
+                <a:cs typeface="Arial" panose="020B0604020202020204" pitchFamily="34" charset="0"/>
+              </a:rPr>
+              <a:t>Create </a:t>
+            </a:r>
+            <a:r>
+              <a:rPr lang="de-CH" sz="1000" b="1" dirty="0" err="1">
+                <a:solidFill>
+                  <a:schemeClr val="tx1"/>
+                </a:solidFill>
+                <a:latin typeface="Arial" panose="020B0604020202020204" pitchFamily="34" charset="0"/>
+                <a:cs typeface="Arial" panose="020B0604020202020204" pitchFamily="34" charset="0"/>
+              </a:rPr>
+              <a:t>JazzUploadImage</a:t>
+            </a:r>
+            <a:r>
+              <a:rPr lang="de-CH" sz="1000" b="1" dirty="0">
+                <a:solidFill>
+                  <a:schemeClr val="tx1"/>
+                </a:solidFill>
+                <a:latin typeface="Arial" panose="020B0604020202020204" pitchFamily="34" charset="0"/>
+                <a:cs typeface="Arial" panose="020B0604020202020204" pitchFamily="34" charset="0"/>
+              </a:rPr>
+              <a:t>(</a:t>
+            </a:r>
+            <a:r>
+              <a:rPr lang="de-CH" sz="1000" b="1" dirty="0" err="1">
+                <a:solidFill>
+                  <a:schemeClr val="tx1"/>
+                </a:solidFill>
+                <a:latin typeface="Arial" panose="020B0604020202020204" pitchFamily="34" charset="0"/>
+                <a:cs typeface="Arial" panose="020B0604020202020204" pitchFamily="34" charset="0"/>
+              </a:rPr>
+              <a:t>input_data</a:t>
+            </a:r>
+            <a:r>
+              <a:rPr lang="de-CH" sz="1000" b="1" dirty="0">
+                <a:solidFill>
+                  <a:schemeClr val="tx1"/>
+                </a:solidFill>
+                <a:latin typeface="Arial" panose="020B0604020202020204" pitchFamily="34" charset="0"/>
+                <a:cs typeface="Arial" panose="020B0604020202020204" pitchFamily="34" charset="0"/>
+              </a:rPr>
+              <a:t>)</a:t>
+            </a:r>
+          </a:p>
+        </p:txBody>
+      </p:sp>
+      <p:sp>
+        <p:nvSpPr>
+          <p:cNvPr id="3" name="Rechteck 2">
+            <a:extLst>
+              <a:ext uri="{FF2B5EF4-FFF2-40B4-BE49-F238E27FC236}">
+                <a16:creationId xmlns:a16="http://schemas.microsoft.com/office/drawing/2014/main" id="{32222D44-1D56-0565-5909-BA0C9654F06E}"/>
               </a:ext>
             </a:extLst>
           </p:cNvPr>
@@ -11345,8 +14529,8 @@
         </p:nvSpPr>
         <p:spPr>
           <a:xfrm>
-            <a:off x="3161692" y="410294"/>
-            <a:ext cx="6274539" cy="261611"/>
+            <a:off x="2577422" y="1339096"/>
+            <a:ext cx="3153311" cy="725374"/>
           </a:xfrm>
           <a:prstGeom prst="rect">
             <a:avLst/>
@@ -11379,76 +14563,178 @@
           <a:lstStyle/>
           <a:p>
             <a:pPr algn="ctr"/>
-            <a:endParaRPr lang="de-CH" dirty="0"/>
-          </a:p>
-        </p:txBody>
-      </p:sp>
-      <p:sp>
-        <p:nvSpPr>
-          <p:cNvPr id="7" name="Textfeld 6">
-            <a:extLst>
-              <a:ext uri="{FF2B5EF4-FFF2-40B4-BE49-F238E27FC236}">
-                <a16:creationId xmlns:a16="http://schemas.microsoft.com/office/drawing/2014/main" id="{EBC18D37-5AE2-8187-21FF-6E2DBD80BFF6}"/>
-              </a:ext>
-            </a:extLst>
-          </p:cNvPr>
-          <p:cNvSpPr txBox="1"/>
-          <p:nvPr/>
-        </p:nvSpPr>
-        <p:spPr>
-          <a:xfrm>
-            <a:off x="3150898" y="387106"/>
-            <a:ext cx="4333461" cy="261610"/>
-          </a:xfrm>
-          <a:prstGeom prst="rect">
-            <a:avLst/>
-          </a:prstGeom>
-          <a:noFill/>
-        </p:spPr>
-        <p:txBody>
-          <a:bodyPr wrap="square" rtlCol="0">
-            <a:spAutoFit/>
-          </a:bodyPr>
-          <a:lstStyle/>
-          <a:p>
-            <a:r>
-              <a:rPr lang="de-CH" sz="1100" b="1" dirty="0" err="1"/>
-              <a:t>id_upload_logo</a:t>
-            </a:r>
-            <a:r>
-              <a:rPr lang="de-CH" sz="1100" b="1" dirty="0"/>
+            <a:r>
+              <a:rPr lang="de-CH" sz="1000" b="1" dirty="0" err="1">
+                <a:solidFill>
+                  <a:schemeClr val="tx1"/>
+                </a:solidFill>
+                <a:latin typeface="Arial" panose="020B0604020202020204" pitchFamily="34" charset="0"/>
+                <a:cs typeface="Arial" panose="020B0604020202020204" pitchFamily="34" charset="0"/>
+              </a:rPr>
+              <a:t>Init</a:t>
+            </a:r>
+            <a:r>
+              <a:rPr lang="de-CH" sz="1000" b="1" dirty="0">
+                <a:solidFill>
+                  <a:schemeClr val="tx1"/>
+                </a:solidFill>
+                <a:latin typeface="Arial" panose="020B0604020202020204" pitchFamily="34" charset="0"/>
+                <a:cs typeface="Arial" panose="020B0604020202020204" pitchFamily="34" charset="0"/>
+              </a:rPr>
+              <a:t>()</a:t>
+            </a:r>
+          </a:p>
+          <a:p>
+            <a:pPr algn="ctr"/>
+            <a:r>
+              <a:rPr lang="de-CH" sz="1000" b="1" dirty="0">
+                <a:solidFill>
+                  <a:schemeClr val="tx1"/>
+                </a:solidFill>
+                <a:latin typeface="Arial" panose="020B0604020202020204" pitchFamily="34" charset="0"/>
+                <a:cs typeface="Arial" panose="020B0604020202020204" pitchFamily="34" charset="0"/>
+              </a:rPr>
+              <a:t>Fill </a:t>
+            </a:r>
+            <a:r>
+              <a:rPr lang="de-CH" sz="1000" b="1" dirty="0" err="1">
+                <a:solidFill>
+                  <a:schemeClr val="tx1"/>
+                </a:solidFill>
+                <a:latin typeface="Arial" panose="020B0604020202020204" pitchFamily="34" charset="0"/>
+                <a:cs typeface="Arial" panose="020B0604020202020204" pitchFamily="34" charset="0"/>
+              </a:rPr>
+              <a:t>container</a:t>
+            </a:r>
+            <a:r>
+              <a:rPr lang="de-CH" sz="1000" b="1" dirty="0">
+                <a:solidFill>
+                  <a:schemeClr val="tx1"/>
+                </a:solidFill>
+                <a:latin typeface="Arial" panose="020B0604020202020204" pitchFamily="34" charset="0"/>
+                <a:cs typeface="Arial" panose="020B0604020202020204" pitchFamily="34" charset="0"/>
+              </a:rPr>
               <a:t> </a:t>
             </a:r>
-            <a:r>
-              <a:rPr lang="de-CH" sz="1100" b="1" dirty="0" err="1"/>
-              <a:t>cl_upload_logo</a:t>
-            </a:r>
-            <a:r>
-              <a:rPr lang="de-CH" sz="1100" b="1" dirty="0"/>
-              <a:t>  </a:t>
-            </a:r>
-            <a:r>
-              <a:rPr lang="de-CH" sz="1100" b="1" dirty="0" err="1"/>
-              <a:t>clear</a:t>
-            </a:r>
-            <a:r>
-              <a:rPr lang="de-CH" sz="1100" b="1" dirty="0"/>
+          </a:p>
+          <a:p>
+            <a:pPr algn="ctr"/>
+            <a:r>
+              <a:rPr lang="de-CH" sz="1000" b="1" dirty="0">
+                <a:solidFill>
+                  <a:schemeClr val="tx1"/>
+                </a:solidFill>
+                <a:latin typeface="Arial" panose="020B0604020202020204" pitchFamily="34" charset="0"/>
+                <a:cs typeface="Arial" panose="020B0604020202020204" pitchFamily="34" charset="0"/>
+              </a:rPr>
+              <a:t>Add </a:t>
+            </a:r>
+            <a:r>
+              <a:rPr lang="de-CH" sz="1000" b="1" dirty="0" err="1">
+                <a:solidFill>
+                  <a:schemeClr val="tx1"/>
+                </a:solidFill>
+                <a:latin typeface="Arial" panose="020B0604020202020204" pitchFamily="34" charset="0"/>
+                <a:cs typeface="Arial" panose="020B0604020202020204" pitchFamily="34" charset="0"/>
+              </a:rPr>
+              <a:t>event</a:t>
+            </a:r>
+            <a:r>
+              <a:rPr lang="de-CH" sz="1000" b="1" dirty="0">
+                <a:solidFill>
+                  <a:schemeClr val="tx1"/>
+                </a:solidFill>
+                <a:latin typeface="Arial" panose="020B0604020202020204" pitchFamily="34" charset="0"/>
+                <a:cs typeface="Arial" panose="020B0604020202020204" pitchFamily="34" charset="0"/>
+              </a:rPr>
               <a:t> </a:t>
             </a:r>
             <a:r>
-              <a:rPr lang="de-CH" sz="1100" b="1" dirty="0" err="1"/>
-              <a:t>both</a:t>
-            </a:r>
-            <a:endParaRPr lang="de-CH" b="1" dirty="0"/>
-          </a:p>
-        </p:txBody>
-      </p:sp>
-      <p:sp>
-        <p:nvSpPr>
-          <p:cNvPr id="8" name="Rechteck 7">
-            <a:extLst>
-              <a:ext uri="{FF2B5EF4-FFF2-40B4-BE49-F238E27FC236}">
-                <a16:creationId xmlns:a16="http://schemas.microsoft.com/office/drawing/2014/main" id="{FA32747F-1AFB-3C61-FA24-EA355F19EFFD}"/>
+              <a:rPr lang="de-CH" sz="1000" b="1" dirty="0" err="1">
+                <a:solidFill>
+                  <a:schemeClr val="tx1"/>
+                </a:solidFill>
+                <a:latin typeface="Arial" panose="020B0604020202020204" pitchFamily="34" charset="0"/>
+                <a:cs typeface="Arial" panose="020B0604020202020204" pitchFamily="34" charset="0"/>
+              </a:rPr>
+              <a:t>listener</a:t>
+            </a:r>
+            <a:r>
+              <a:rPr lang="de-CH" sz="1000" b="1" dirty="0">
+                <a:solidFill>
+                  <a:schemeClr val="tx1"/>
+                </a:solidFill>
+                <a:latin typeface="Arial" panose="020B0604020202020204" pitchFamily="34" charset="0"/>
+                <a:cs typeface="Arial" panose="020B0604020202020204" pitchFamily="34" charset="0"/>
+              </a:rPr>
+              <a:t> </a:t>
+            </a:r>
+            <a:r>
+              <a:rPr lang="de-CH" sz="1000" b="1" dirty="0" err="1">
+                <a:solidFill>
+                  <a:schemeClr val="tx1"/>
+                </a:solidFill>
+                <a:latin typeface="Arial" panose="020B0604020202020204" pitchFamily="34" charset="0"/>
+                <a:cs typeface="Arial" panose="020B0604020202020204" pitchFamily="34" charset="0"/>
+              </a:rPr>
+              <a:t>for</a:t>
+            </a:r>
+            <a:r>
+              <a:rPr lang="de-CH" sz="1000" b="1" dirty="0">
+                <a:solidFill>
+                  <a:schemeClr val="tx1"/>
+                </a:solidFill>
+                <a:latin typeface="Arial" panose="020B0604020202020204" pitchFamily="34" charset="0"/>
+                <a:cs typeface="Arial" panose="020B0604020202020204" pitchFamily="34" charset="0"/>
+              </a:rPr>
+              <a:t> </a:t>
+            </a:r>
+            <a:r>
+              <a:rPr lang="de-CH" sz="1000" b="1" dirty="0" err="1">
+                <a:solidFill>
+                  <a:schemeClr val="tx1"/>
+                </a:solidFill>
+                <a:latin typeface="Arial" panose="020B0604020202020204" pitchFamily="34" charset="0"/>
+                <a:cs typeface="Arial" panose="020B0604020202020204" pitchFamily="34" charset="0"/>
+              </a:rPr>
+              <a:t>image</a:t>
+            </a:r>
+            <a:r>
+              <a:rPr lang="de-CH" sz="1000" b="1" dirty="0">
+                <a:solidFill>
+                  <a:schemeClr val="tx1"/>
+                </a:solidFill>
+                <a:latin typeface="Arial" panose="020B0604020202020204" pitchFamily="34" charset="0"/>
+                <a:cs typeface="Arial" panose="020B0604020202020204" pitchFamily="34" charset="0"/>
+              </a:rPr>
+              <a:t> </a:t>
+            </a:r>
+            <a:r>
+              <a:rPr lang="de-CH" sz="1000" b="1" dirty="0" err="1">
+                <a:solidFill>
+                  <a:schemeClr val="tx1"/>
+                </a:solidFill>
+                <a:latin typeface="Arial" panose="020B0604020202020204" pitchFamily="34" charset="0"/>
+                <a:cs typeface="Arial" panose="020B0604020202020204" pitchFamily="34" charset="0"/>
+              </a:rPr>
+              <a:t>selection</a:t>
+            </a:r>
+            <a:endParaRPr lang="de-CH" sz="1000" b="1" dirty="0">
+              <a:solidFill>
+                <a:schemeClr val="tx1"/>
+              </a:solidFill>
+              <a:latin typeface="Arial" panose="020B0604020202020204" pitchFamily="34" charset="0"/>
+              <a:cs typeface="Arial" panose="020B0604020202020204" pitchFamily="34" charset="0"/>
+            </a:endParaRPr>
+          </a:p>
+        </p:txBody>
+      </p:sp>
+      <p:sp>
+        <p:nvSpPr>
+          <p:cNvPr id="4" name="Rechteck 3">
+            <a:extLst>
+              <a:ext uri="{FF2B5EF4-FFF2-40B4-BE49-F238E27FC236}">
+                <a16:creationId xmlns:a16="http://schemas.microsoft.com/office/drawing/2014/main" id="{26834050-61F6-B3F0-B288-8AC7FC2E8960}"/>
               </a:ext>
             </a:extLst>
           </p:cNvPr>
@@ -11457,8 +14743,8 @@
         </p:nvSpPr>
         <p:spPr>
           <a:xfrm>
-            <a:off x="3165790" y="820623"/>
-            <a:ext cx="6270441" cy="1093018"/>
+            <a:off x="5933364" y="1329670"/>
+            <a:ext cx="3153311" cy="734800"/>
           </a:xfrm>
           <a:prstGeom prst="rect">
             <a:avLst/>
@@ -11491,282 +14777,43 @@
           <a:lstStyle/>
           <a:p>
             <a:pPr algn="ctr"/>
-            <a:endParaRPr lang="de-CH" dirty="0"/>
-          </a:p>
-        </p:txBody>
-      </p:sp>
-      <p:sp>
-        <p:nvSpPr>
-          <p:cNvPr id="9" name="Textfeld 8">
-            <a:extLst>
-              <a:ext uri="{FF2B5EF4-FFF2-40B4-BE49-F238E27FC236}">
-                <a16:creationId xmlns:a16="http://schemas.microsoft.com/office/drawing/2014/main" id="{848FD5D0-631D-0036-76B3-7B8495254FAD}"/>
-              </a:ext>
-            </a:extLst>
-          </p:cNvPr>
-          <p:cNvSpPr txBox="1"/>
-          <p:nvPr/>
-        </p:nvSpPr>
-        <p:spPr>
-          <a:xfrm>
-            <a:off x="3161692" y="777511"/>
-            <a:ext cx="4333461" cy="261610"/>
-          </a:xfrm>
-          <a:prstGeom prst="rect">
-            <a:avLst/>
-          </a:prstGeom>
-          <a:noFill/>
-        </p:spPr>
-        <p:txBody>
-          <a:bodyPr wrap="square" rtlCol="0">
-            <a:spAutoFit/>
-          </a:bodyPr>
-          <a:lstStyle/>
-          <a:p>
-            <a:r>
-              <a:rPr lang="de-CH" sz="1100" b="1" dirty="0" err="1"/>
-              <a:t>id_div_upload_names_email_code</a:t>
-            </a:r>
-            <a:r>
-              <a:rPr lang="de-CH" sz="1100" b="1" dirty="0"/>
-              <a:t>  </a:t>
-            </a:r>
-            <a:r>
-              <a:rPr lang="de-CH" sz="1100" b="1" dirty="0" err="1"/>
-              <a:t>clear</a:t>
-            </a:r>
-            <a:r>
-              <a:rPr lang="de-CH" sz="1100" b="1" dirty="0"/>
-              <a:t> </a:t>
-            </a:r>
-            <a:r>
-              <a:rPr lang="de-CH" sz="1100" b="1" dirty="0" err="1"/>
-              <a:t>both</a:t>
-            </a:r>
-            <a:endParaRPr lang="de-CH" b="1" dirty="0"/>
-          </a:p>
-        </p:txBody>
-      </p:sp>
-      <p:sp>
-        <p:nvSpPr>
-          <p:cNvPr id="10" name="Rechteck 9">
-            <a:extLst>
-              <a:ext uri="{FF2B5EF4-FFF2-40B4-BE49-F238E27FC236}">
-                <a16:creationId xmlns:a16="http://schemas.microsoft.com/office/drawing/2014/main" id="{C43FB2A5-DF78-2583-BCFF-2553725879A1}"/>
-              </a:ext>
-            </a:extLst>
-          </p:cNvPr>
-          <p:cNvSpPr/>
-          <p:nvPr/>
-        </p:nvSpPr>
-        <p:spPr>
-          <a:xfrm>
-            <a:off x="3165790" y="2112094"/>
-            <a:ext cx="6270441" cy="1316905"/>
-          </a:xfrm>
-          <a:prstGeom prst="rect">
-            <a:avLst/>
-          </a:prstGeom>
-          <a:noFill/>
-          <a:ln w="19050">
-            <a:solidFill>
-              <a:schemeClr val="tx1"/>
-            </a:solidFill>
-          </a:ln>
-        </p:spPr>
-        <p:style>
-          <a:lnRef idx="2">
-            <a:schemeClr val="accent1">
-              <a:shade val="50000"/>
-            </a:schemeClr>
-          </a:lnRef>
-          <a:fillRef idx="1">
-            <a:schemeClr val="accent1"/>
-          </a:fillRef>
-          <a:effectRef idx="0">
-            <a:schemeClr val="accent1"/>
-          </a:effectRef>
-          <a:fontRef idx="minor">
-            <a:schemeClr val="lt1"/>
-          </a:fontRef>
-        </p:style>
-        <p:txBody>
-          <a:bodyPr rtlCol="0" anchor="ctr"/>
-          <a:lstStyle/>
+            <a:r>
+              <a:rPr lang="de-CH" sz="1000" b="1" dirty="0" err="1">
+                <a:solidFill>
+                  <a:schemeClr val="tx1"/>
+                </a:solidFill>
+                <a:latin typeface="Arial" panose="020B0604020202020204" pitchFamily="34" charset="0"/>
+                <a:cs typeface="Arial" panose="020B0604020202020204" pitchFamily="34" charset="0"/>
+              </a:rPr>
+              <a:t>userSelectedFiles</a:t>
+            </a:r>
+            <a:r>
+              <a:rPr lang="de-CH" sz="1000" b="1" dirty="0">
+                <a:solidFill>
+                  <a:schemeClr val="tx1"/>
+                </a:solidFill>
+                <a:latin typeface="Arial" panose="020B0604020202020204" pitchFamily="34" charset="0"/>
+                <a:cs typeface="Arial" panose="020B0604020202020204" pitchFamily="34" charset="0"/>
+              </a:rPr>
+              <a:t>()</a:t>
+            </a:r>
+          </a:p>
           <a:p>
             <a:pPr algn="ctr"/>
-            <a:endParaRPr lang="de-CH" dirty="0"/>
-          </a:p>
-        </p:txBody>
-      </p:sp>
-      <p:sp>
-        <p:nvSpPr>
-          <p:cNvPr id="11" name="Textfeld 10">
-            <a:extLst>
-              <a:ext uri="{FF2B5EF4-FFF2-40B4-BE49-F238E27FC236}">
-                <a16:creationId xmlns:a16="http://schemas.microsoft.com/office/drawing/2014/main" id="{854B5052-5A1F-D353-3012-B9FA0BFC705D}"/>
-              </a:ext>
-            </a:extLst>
-          </p:cNvPr>
-          <p:cNvSpPr txBox="1"/>
-          <p:nvPr/>
-        </p:nvSpPr>
-        <p:spPr>
-          <a:xfrm>
-            <a:off x="3161692" y="2068983"/>
-            <a:ext cx="4333461" cy="261610"/>
-          </a:xfrm>
-          <a:prstGeom prst="rect">
-            <a:avLst/>
-          </a:prstGeom>
-          <a:noFill/>
-        </p:spPr>
-        <p:txBody>
-          <a:bodyPr wrap="square" rtlCol="0">
-            <a:spAutoFit/>
-          </a:bodyPr>
-          <a:lstStyle/>
-          <a:p>
-            <a:r>
-              <a:rPr lang="de-CH" sz="1100" b="1" dirty="0" err="1"/>
-              <a:t>id_div</a:t>
-            </a:r>
-            <a:r>
-              <a:rPr lang="de-CH" sz="1100" b="1" dirty="0"/>
-              <a:t>_ </a:t>
-            </a:r>
-            <a:r>
-              <a:rPr lang="de-CH" sz="1100" b="1" dirty="0" err="1"/>
-              <a:t>upload_container_part_two</a:t>
-            </a:r>
-            <a:r>
-              <a:rPr lang="de-CH" sz="1100" b="1" dirty="0"/>
-              <a:t> </a:t>
-            </a:r>
-            <a:r>
-              <a:rPr lang="de-CH" sz="1100" b="1" dirty="0" err="1"/>
-              <a:t>clear</a:t>
-            </a:r>
-            <a:r>
-              <a:rPr lang="de-CH" sz="1100" b="1" dirty="0"/>
-              <a:t> </a:t>
-            </a:r>
-            <a:r>
-              <a:rPr lang="de-CH" sz="1100" b="1" dirty="0" err="1"/>
-              <a:t>both</a:t>
-            </a:r>
-            <a:endParaRPr lang="de-CH" b="1" dirty="0"/>
-          </a:p>
-        </p:txBody>
-      </p:sp>
-      <p:sp>
-        <p:nvSpPr>
-          <p:cNvPr id="12" name="Rechteck 11">
-            <a:extLst>
-              <a:ext uri="{FF2B5EF4-FFF2-40B4-BE49-F238E27FC236}">
-                <a16:creationId xmlns:a16="http://schemas.microsoft.com/office/drawing/2014/main" id="{F812E337-6338-858D-C216-325FB1C47EBD}"/>
-              </a:ext>
-            </a:extLst>
-          </p:cNvPr>
-          <p:cNvSpPr/>
-          <p:nvPr/>
-        </p:nvSpPr>
-        <p:spPr>
-          <a:xfrm>
-            <a:off x="3150898" y="3627455"/>
-            <a:ext cx="6270441" cy="1472247"/>
-          </a:xfrm>
-          <a:prstGeom prst="rect">
-            <a:avLst/>
-          </a:prstGeom>
-          <a:noFill/>
-          <a:ln w="19050">
-            <a:solidFill>
-              <a:schemeClr val="tx1"/>
-            </a:solidFill>
-          </a:ln>
-        </p:spPr>
-        <p:style>
-          <a:lnRef idx="2">
-            <a:schemeClr val="accent1">
-              <a:shade val="50000"/>
-            </a:schemeClr>
-          </a:lnRef>
-          <a:fillRef idx="1">
-            <a:schemeClr val="accent1"/>
-          </a:fillRef>
-          <a:effectRef idx="0">
-            <a:schemeClr val="accent1"/>
-          </a:effectRef>
-          <a:fontRef idx="minor">
-            <a:schemeClr val="lt1"/>
-          </a:fontRef>
-        </p:style>
-        <p:txBody>
-          <a:bodyPr rtlCol="0" anchor="ctr"/>
-          <a:lstStyle/>
-          <a:p>
-            <a:pPr algn="ctr"/>
-            <a:endParaRPr lang="de-CH" dirty="0"/>
-          </a:p>
-        </p:txBody>
-      </p:sp>
-      <p:sp>
-        <p:nvSpPr>
-          <p:cNvPr id="13" name="Textfeld 12">
-            <a:extLst>
-              <a:ext uri="{FF2B5EF4-FFF2-40B4-BE49-F238E27FC236}">
-                <a16:creationId xmlns:a16="http://schemas.microsoft.com/office/drawing/2014/main" id="{41B0D15B-B854-06BF-68F4-617F6D434025}"/>
-              </a:ext>
-            </a:extLst>
-          </p:cNvPr>
-          <p:cNvSpPr txBox="1"/>
-          <p:nvPr/>
-        </p:nvSpPr>
-        <p:spPr>
-          <a:xfrm>
-            <a:off x="3146800" y="3584344"/>
-            <a:ext cx="4333461" cy="261610"/>
-          </a:xfrm>
-          <a:prstGeom prst="rect">
-            <a:avLst/>
-          </a:prstGeom>
-          <a:noFill/>
-        </p:spPr>
-        <p:txBody>
-          <a:bodyPr wrap="square" rtlCol="0">
-            <a:spAutoFit/>
-          </a:bodyPr>
-          <a:lstStyle/>
-          <a:p>
-            <a:r>
-              <a:rPr lang="de-CH" sz="1100" b="1" dirty="0" err="1"/>
-              <a:t>id_div_upload_texts</a:t>
-            </a:r>
-            <a:r>
-              <a:rPr lang="de-CH" sz="1100" b="1" dirty="0"/>
-              <a:t>  </a:t>
-            </a:r>
-            <a:r>
-              <a:rPr lang="de-CH" sz="1100" b="1" dirty="0" err="1"/>
-              <a:t>clear</a:t>
-            </a:r>
-            <a:r>
-              <a:rPr lang="de-CH" sz="1100" b="1" dirty="0"/>
-              <a:t> </a:t>
-            </a:r>
-            <a:r>
-              <a:rPr lang="de-CH" sz="1100" b="1" dirty="0" err="1"/>
-              <a:t>both</a:t>
-            </a:r>
-            <a:endParaRPr lang="de-CH" b="1" dirty="0"/>
+            <a:endParaRPr lang="de-CH" sz="1000" b="1" dirty="0">
+              <a:solidFill>
+                <a:schemeClr val="tx1"/>
+              </a:solidFill>
+              <a:latin typeface="Arial" panose="020B0604020202020204" pitchFamily="34" charset="0"/>
+              <a:cs typeface="Arial" panose="020B0604020202020204" pitchFamily="34" charset="0"/>
+            </a:endParaRPr>
           </a:p>
         </p:txBody>
       </p:sp>
     </p:spTree>
     <p:extLst>
       <p:ext uri="{BB962C8B-B14F-4D97-AF65-F5344CB8AC3E}">
-        <p14:creationId xmlns:p14="http://schemas.microsoft.com/office/powerpoint/2010/main" val="2402299156"/>
+        <p14:creationId xmlns:p14="http://schemas.microsoft.com/office/powerpoint/2010/main" val="1772821583"/>
       </p:ext>
     </p:extLst>
   </p:cSld>
@@ -11798,7 +14845,7 @@
           <p:cNvPr id="2" name="Rechteck 1">
             <a:extLst>
               <a:ext uri="{FF2B5EF4-FFF2-40B4-BE49-F238E27FC236}">
-                <a16:creationId xmlns:a16="http://schemas.microsoft.com/office/drawing/2014/main" id="{3001897E-7992-3E4A-E7FA-60E3952A648C}"/>
+                <a16:creationId xmlns:a16="http://schemas.microsoft.com/office/drawing/2014/main" id="{CFC70F4C-8A54-54D4-6FB3-C1D490799592}"/>
               </a:ext>
             </a:extLst>
           </p:cNvPr>
@@ -11807,14 +14854,14 @@
         </p:nvSpPr>
         <p:spPr>
           <a:xfrm>
-            <a:off x="2960779" y="471831"/>
-            <a:ext cx="6270441" cy="3921060"/>
+            <a:off x="3044858" y="126380"/>
+            <a:ext cx="6542202" cy="6594088"/>
           </a:xfrm>
           <a:prstGeom prst="rect">
             <a:avLst/>
           </a:prstGeom>
           <a:noFill/>
-          <a:ln w="19050">
+          <a:ln w="38100">
             <a:solidFill>
               <a:schemeClr val="tx1"/>
             </a:solidFill>
@@ -11841,7 +14888,7 @@
           <a:lstStyle/>
           <a:p>
             <a:pPr algn="ctr"/>
-            <a:endParaRPr lang="de-CH" dirty="0"/>
+            <a:endParaRPr lang="de-CH"/>
           </a:p>
         </p:txBody>
       </p:sp>
@@ -11850,7 +14897,7 @@
           <p:cNvPr id="3" name="Textfeld 2">
             <a:extLst>
               <a:ext uri="{FF2B5EF4-FFF2-40B4-BE49-F238E27FC236}">
-                <a16:creationId xmlns:a16="http://schemas.microsoft.com/office/drawing/2014/main" id="{590984F8-CDBD-6C1D-7214-CFF139EBFFF8}"/>
+                <a16:creationId xmlns:a16="http://schemas.microsoft.com/office/drawing/2014/main" id="{DDE7CD2C-2DEA-FF6E-3D04-75EC15D4B3FB}"/>
               </a:ext>
             </a:extLst>
           </p:cNvPr>
@@ -11859,7 +14906,7 @@
         </p:nvSpPr>
         <p:spPr>
           <a:xfrm>
-            <a:off x="2956681" y="428719"/>
+            <a:off x="3044858" y="151900"/>
             <a:ext cx="4333461" cy="261610"/>
           </a:xfrm>
           <a:prstGeom prst="rect">
@@ -11875,7 +14922,15 @@
           <a:p>
             <a:r>
               <a:rPr lang="de-CH" sz="1100" b="1" dirty="0" err="1"/>
-              <a:t>id_div_upload_names_email_code</a:t>
+              <a:t>id_upload_page</a:t>
+            </a:r>
+            <a:r>
+              <a:rPr lang="de-CH" sz="1100" b="1" dirty="0"/>
+              <a:t> </a:t>
+            </a:r>
+            <a:r>
+              <a:rPr lang="de-CH" sz="1100" b="1" dirty="0" err="1"/>
+              <a:t>cl_upload_page</a:t>
             </a:r>
             <a:r>
               <a:rPr lang="de-CH" sz="1100" b="1" dirty="0"/>
@@ -11899,10 +14954,10 @@
       </p:sp>
       <p:sp>
         <p:nvSpPr>
-          <p:cNvPr id="4" name="Rechteck 3">
-            <a:extLst>
-              <a:ext uri="{FF2B5EF4-FFF2-40B4-BE49-F238E27FC236}">
-                <a16:creationId xmlns:a16="http://schemas.microsoft.com/office/drawing/2014/main" id="{01832BB6-764A-E5E7-A539-299606073FB4}"/>
+          <p:cNvPr id="6" name="Rechteck 5">
+            <a:extLst>
+              <a:ext uri="{FF2B5EF4-FFF2-40B4-BE49-F238E27FC236}">
+                <a16:creationId xmlns:a16="http://schemas.microsoft.com/office/drawing/2014/main" id="{B30FFEFB-1DF9-B7E7-5E3A-8EE047456944}"/>
               </a:ext>
             </a:extLst>
           </p:cNvPr>
@@ -11911,14 +14966,14 @@
         </p:nvSpPr>
         <p:spPr>
           <a:xfrm>
-            <a:off x="3147827" y="847130"/>
-            <a:ext cx="5731496" cy="289123"/>
+            <a:off x="3161692" y="410294"/>
+            <a:ext cx="6274539" cy="261611"/>
           </a:xfrm>
           <a:prstGeom prst="rect">
             <a:avLst/>
           </a:prstGeom>
           <a:noFill/>
-          <a:ln w="12700">
+          <a:ln w="19050">
             <a:solidFill>
               <a:schemeClr val="tx1"/>
             </a:solidFill>
@@ -11951,10 +15006,10 @@
       </p:sp>
       <p:sp>
         <p:nvSpPr>
-          <p:cNvPr id="5" name="Textfeld 4">
-            <a:extLst>
-              <a:ext uri="{FF2B5EF4-FFF2-40B4-BE49-F238E27FC236}">
-                <a16:creationId xmlns:a16="http://schemas.microsoft.com/office/drawing/2014/main" id="{5E54B971-BCB9-5327-694E-F28795E2FBF0}"/>
+          <p:cNvPr id="7" name="Textfeld 6">
+            <a:extLst>
+              <a:ext uri="{FF2B5EF4-FFF2-40B4-BE49-F238E27FC236}">
+                <a16:creationId xmlns:a16="http://schemas.microsoft.com/office/drawing/2014/main" id="{EBC18D37-5AE2-8187-21FF-6E2DBD80BFF6}"/>
               </a:ext>
             </a:extLst>
           </p:cNvPr>
@@ -11963,8 +15018,8 @@
         </p:nvSpPr>
         <p:spPr>
           <a:xfrm>
-            <a:off x="3147827" y="847130"/>
-            <a:ext cx="5131324" cy="261610"/>
+            <a:off x="3150898" y="387106"/>
+            <a:ext cx="4333461" cy="261610"/>
           </a:xfrm>
           <a:prstGeom prst="rect">
             <a:avLst/>
@@ -11979,15 +15034,7 @@
           <a:p>
             <a:r>
               <a:rPr lang="de-CH" sz="1100" b="1" dirty="0" err="1"/>
-              <a:t>id</a:t>
-            </a:r>
-            <a:r>
-              <a:rPr lang="de-CH" sz="1100" b="1" dirty="0"/>
-              <a:t>_... </a:t>
-            </a:r>
-            <a:r>
-              <a:rPr lang="de-CH" sz="1100" b="1" dirty="0" err="1"/>
-              <a:t>cl_div_upload_names</a:t>
+              <a:t>id_upload_logo</a:t>
             </a:r>
             <a:r>
               <a:rPr lang="de-CH" sz="1100" b="1" dirty="0"/>
@@ -11995,6 +15042,14 @@
             </a:r>
             <a:r>
               <a:rPr lang="de-CH" sz="1100" b="1" dirty="0" err="1"/>
+              <a:t>cl_upload_logo</a:t>
+            </a:r>
+            <a:r>
+              <a:rPr lang="de-CH" sz="1100" b="1" dirty="0"/>
+              <a:t>  </a:t>
+            </a:r>
+            <a:r>
+              <a:rPr lang="de-CH" sz="1100" b="1" dirty="0" err="1"/>
               <a:t>clear</a:t>
             </a:r>
             <a:r>
@@ -12011,10 +15066,10 @@
       </p:sp>
       <p:sp>
         <p:nvSpPr>
-          <p:cNvPr id="6" name="Rechteck 5">
-            <a:extLst>
-              <a:ext uri="{FF2B5EF4-FFF2-40B4-BE49-F238E27FC236}">
-                <a16:creationId xmlns:a16="http://schemas.microsoft.com/office/drawing/2014/main" id="{1E8138A0-ECEF-7745-D921-908EC521CC43}"/>
+          <p:cNvPr id="8" name="Rechteck 7">
+            <a:extLst>
+              <a:ext uri="{FF2B5EF4-FFF2-40B4-BE49-F238E27FC236}">
+                <a16:creationId xmlns:a16="http://schemas.microsoft.com/office/drawing/2014/main" id="{FA32747F-1AFB-3C61-FA24-EA355F19EFFD}"/>
               </a:ext>
             </a:extLst>
           </p:cNvPr>
@@ -12023,14 +15078,14 @@
         </p:nvSpPr>
         <p:spPr>
           <a:xfrm>
-            <a:off x="3119547" y="1252482"/>
-            <a:ext cx="5731496" cy="289123"/>
+            <a:off x="3165790" y="820623"/>
+            <a:ext cx="6270441" cy="1093018"/>
           </a:xfrm>
           <a:prstGeom prst="rect">
             <a:avLst/>
           </a:prstGeom>
           <a:noFill/>
-          <a:ln w="12700">
+          <a:ln w="19050">
             <a:solidFill>
               <a:schemeClr val="tx1"/>
             </a:solidFill>
@@ -12063,10 +15118,10 @@
       </p:sp>
       <p:sp>
         <p:nvSpPr>
-          <p:cNvPr id="7" name="Textfeld 6">
-            <a:extLst>
-              <a:ext uri="{FF2B5EF4-FFF2-40B4-BE49-F238E27FC236}">
-                <a16:creationId xmlns:a16="http://schemas.microsoft.com/office/drawing/2014/main" id="{A1701110-66AD-A5A4-EEE2-266E5D63F5F5}"/>
+          <p:cNvPr id="9" name="Textfeld 8">
+            <a:extLst>
+              <a:ext uri="{FF2B5EF4-FFF2-40B4-BE49-F238E27FC236}">
+                <a16:creationId xmlns:a16="http://schemas.microsoft.com/office/drawing/2014/main" id="{848FD5D0-631D-0036-76B3-7B8495254FAD}"/>
               </a:ext>
             </a:extLst>
           </p:cNvPr>
@@ -12075,8 +15130,8 @@
         </p:nvSpPr>
         <p:spPr>
           <a:xfrm>
-            <a:off x="3119547" y="1252482"/>
-            <a:ext cx="5131324" cy="261610"/>
+            <a:off x="3161692" y="777511"/>
+            <a:ext cx="4333461" cy="261610"/>
           </a:xfrm>
           <a:prstGeom prst="rect">
             <a:avLst/>
@@ -12091,15 +15146,15 @@
           <a:p>
             <a:r>
               <a:rPr lang="de-CH" sz="1100" b="1" dirty="0" err="1"/>
-              <a:t>id</a:t>
+              <a:t>id_div_upload_names_email_code</a:t>
             </a:r>
             <a:r>
               <a:rPr lang="de-CH" sz="1100" b="1" dirty="0"/>
-              <a:t>_... </a:t>
+              <a:t>  </a:t>
             </a:r>
             <a:r>
               <a:rPr lang="de-CH" sz="1100" b="1" dirty="0" err="1"/>
-              <a:t>cl_div_upload_email</a:t>
+              <a:t>clear</a:t>
             </a:r>
             <a:r>
               <a:rPr lang="de-CH" sz="1100" b="1" dirty="0"/>
@@ -12107,14 +15162,6 @@
             </a:r>
             <a:r>
               <a:rPr lang="de-CH" sz="1100" b="1" dirty="0" err="1"/>
-              <a:t>clear</a:t>
-            </a:r>
-            <a:r>
-              <a:rPr lang="de-CH" sz="1100" b="1" dirty="0"/>
-              <a:t> </a:t>
-            </a:r>
-            <a:r>
-              <a:rPr lang="de-CH" sz="1100" b="1" dirty="0" err="1"/>
               <a:t>both</a:t>
             </a:r>
             <a:endParaRPr lang="de-CH" b="1" dirty="0"/>
@@ -12123,10 +15170,10 @@
       </p:sp>
       <p:sp>
         <p:nvSpPr>
-          <p:cNvPr id="8" name="Rechteck 7">
-            <a:extLst>
-              <a:ext uri="{FF2B5EF4-FFF2-40B4-BE49-F238E27FC236}">
-                <a16:creationId xmlns:a16="http://schemas.microsoft.com/office/drawing/2014/main" id="{58946E20-27E2-E3D9-51AC-DE199E15928D}"/>
+          <p:cNvPr id="10" name="Rechteck 9">
+            <a:extLst>
+              <a:ext uri="{FF2B5EF4-FFF2-40B4-BE49-F238E27FC236}">
+                <a16:creationId xmlns:a16="http://schemas.microsoft.com/office/drawing/2014/main" id="{C43FB2A5-DF78-2583-BCFF-2553725879A1}"/>
               </a:ext>
             </a:extLst>
           </p:cNvPr>
@@ -12135,14 +15182,14 @@
         </p:nvSpPr>
         <p:spPr>
           <a:xfrm>
-            <a:off x="3147827" y="1638981"/>
-            <a:ext cx="5731496" cy="289123"/>
+            <a:off x="3165790" y="2112094"/>
+            <a:ext cx="6270441" cy="1316905"/>
           </a:xfrm>
           <a:prstGeom prst="rect">
             <a:avLst/>
           </a:prstGeom>
           <a:noFill/>
-          <a:ln w="12700">
+          <a:ln w="19050">
             <a:solidFill>
               <a:schemeClr val="tx1"/>
             </a:solidFill>
@@ -12175,10 +15222,10 @@
       </p:sp>
       <p:sp>
         <p:nvSpPr>
-          <p:cNvPr id="9" name="Textfeld 8">
-            <a:extLst>
-              <a:ext uri="{FF2B5EF4-FFF2-40B4-BE49-F238E27FC236}">
-                <a16:creationId xmlns:a16="http://schemas.microsoft.com/office/drawing/2014/main" id="{0673B199-0F78-3CE9-A6C4-2E4B72BF0008}"/>
+          <p:cNvPr id="11" name="Textfeld 10">
+            <a:extLst>
+              <a:ext uri="{FF2B5EF4-FFF2-40B4-BE49-F238E27FC236}">
+                <a16:creationId xmlns:a16="http://schemas.microsoft.com/office/drawing/2014/main" id="{854B5052-5A1F-D353-3012-B9FA0BFC705D}"/>
               </a:ext>
             </a:extLst>
           </p:cNvPr>
@@ -12187,8 +15234,8 @@
         </p:nvSpPr>
         <p:spPr>
           <a:xfrm>
-            <a:off x="3147827" y="1638981"/>
-            <a:ext cx="5131324" cy="261610"/>
+            <a:off x="3161692" y="2068983"/>
+            <a:ext cx="4333461" cy="261610"/>
           </a:xfrm>
           <a:prstGeom prst="rect">
             <a:avLst/>
@@ -12203,15 +15250,15 @@
           <a:p>
             <a:r>
               <a:rPr lang="de-CH" sz="1100" b="1" dirty="0" err="1"/>
-              <a:t>id</a:t>
+              <a:t>id_div</a:t>
             </a:r>
             <a:r>
               <a:rPr lang="de-CH" sz="1100" b="1" dirty="0"/>
-              <a:t>_... </a:t>
+              <a:t>_ </a:t>
             </a:r>
             <a:r>
               <a:rPr lang="de-CH" sz="1100" b="1" dirty="0" err="1"/>
-              <a:t>cl_div_upload_button_code</a:t>
+              <a:t>upload_container_part_two</a:t>
             </a:r>
             <a:r>
               <a:rPr lang="de-CH" sz="1100" b="1" dirty="0"/>
@@ -12235,10 +15282,10 @@
       </p:sp>
       <p:sp>
         <p:nvSpPr>
-          <p:cNvPr id="10" name="Rechteck 9">
-            <a:extLst>
-              <a:ext uri="{FF2B5EF4-FFF2-40B4-BE49-F238E27FC236}">
-                <a16:creationId xmlns:a16="http://schemas.microsoft.com/office/drawing/2014/main" id="{9D153A2D-4998-4FF0-17E2-12D0267EA14B}"/>
+          <p:cNvPr id="12" name="Rechteck 11">
+            <a:extLst>
+              <a:ext uri="{FF2B5EF4-FFF2-40B4-BE49-F238E27FC236}">
+                <a16:creationId xmlns:a16="http://schemas.microsoft.com/office/drawing/2014/main" id="{F812E337-6338-858D-C216-325FB1C47EBD}"/>
               </a:ext>
             </a:extLst>
           </p:cNvPr>
@@ -12247,14 +15294,14 @@
         </p:nvSpPr>
         <p:spPr>
           <a:xfrm>
-            <a:off x="3147827" y="2044333"/>
-            <a:ext cx="5731496" cy="289123"/>
+            <a:off x="3150898" y="3627455"/>
+            <a:ext cx="6270441" cy="1472247"/>
           </a:xfrm>
           <a:prstGeom prst="rect">
             <a:avLst/>
           </a:prstGeom>
           <a:noFill/>
-          <a:ln w="12700">
+          <a:ln w="19050">
             <a:solidFill>
               <a:schemeClr val="tx1"/>
             </a:solidFill>
@@ -12287,10 +15334,10 @@
       </p:sp>
       <p:sp>
         <p:nvSpPr>
-          <p:cNvPr id="11" name="Textfeld 10">
-            <a:extLst>
-              <a:ext uri="{FF2B5EF4-FFF2-40B4-BE49-F238E27FC236}">
-                <a16:creationId xmlns:a16="http://schemas.microsoft.com/office/drawing/2014/main" id="{9CEEAB47-C5A5-81D4-9E85-FA4F767AE67C}"/>
+          <p:cNvPr id="13" name="Textfeld 12">
+            <a:extLst>
+              <a:ext uri="{FF2B5EF4-FFF2-40B4-BE49-F238E27FC236}">
+                <a16:creationId xmlns:a16="http://schemas.microsoft.com/office/drawing/2014/main" id="{41B0D15B-B854-06BF-68F4-617F6D434025}"/>
               </a:ext>
             </a:extLst>
           </p:cNvPr>
@@ -12299,8 +15346,8 @@
         </p:nvSpPr>
         <p:spPr>
           <a:xfrm>
-            <a:off x="3147827" y="2044333"/>
-            <a:ext cx="5131324" cy="261610"/>
+            <a:off x="3146800" y="3584344"/>
+            <a:ext cx="4333461" cy="261610"/>
           </a:xfrm>
           <a:prstGeom prst="rect">
             <a:avLst/>
@@ -12315,131 +15362,11 @@
           <a:p>
             <a:r>
               <a:rPr lang="de-CH" sz="1100" b="1" dirty="0" err="1"/>
-              <a:t>id</a:t>
+              <a:t>id_div_upload_texts</a:t>
             </a:r>
             <a:r>
               <a:rPr lang="de-CH" sz="1100" b="1" dirty="0"/>
-              <a:t>_... </a:t>
-            </a:r>
-            <a:r>
-              <a:rPr lang="de-CH" sz="1100" b="1" dirty="0" err="1"/>
-              <a:t>cl_div_upload_input_code</a:t>
-            </a:r>
-            <a:r>
-              <a:rPr lang="de-CH" sz="1100" b="1" dirty="0"/>
-              <a:t> </a:t>
-            </a:r>
-            <a:r>
-              <a:rPr lang="de-CH" sz="1100" b="1" dirty="0" err="1"/>
-              <a:t>clear</a:t>
-            </a:r>
-            <a:r>
-              <a:rPr lang="de-CH" sz="1100" b="1" dirty="0"/>
-              <a:t> </a:t>
-            </a:r>
-            <a:r>
-              <a:rPr lang="de-CH" sz="1100" b="1" dirty="0" err="1"/>
-              <a:t>both</a:t>
-            </a:r>
-            <a:endParaRPr lang="de-CH" b="1" dirty="0"/>
-          </a:p>
-        </p:txBody>
-      </p:sp>
-      <p:sp>
-        <p:nvSpPr>
-          <p:cNvPr id="12" name="Rechteck 11">
-            <a:extLst>
-              <a:ext uri="{FF2B5EF4-FFF2-40B4-BE49-F238E27FC236}">
-                <a16:creationId xmlns:a16="http://schemas.microsoft.com/office/drawing/2014/main" id="{ED26A0E7-DC9D-1D35-4715-28492EEE8003}"/>
-              </a:ext>
-            </a:extLst>
-          </p:cNvPr>
-          <p:cNvSpPr/>
-          <p:nvPr/>
-        </p:nvSpPr>
-        <p:spPr>
-          <a:xfrm>
-            <a:off x="3157255" y="2430832"/>
-            <a:ext cx="5731496" cy="289123"/>
-          </a:xfrm>
-          <a:prstGeom prst="rect">
-            <a:avLst/>
-          </a:prstGeom>
-          <a:noFill/>
-          <a:ln w="12700">
-            <a:solidFill>
-              <a:schemeClr val="tx1"/>
-            </a:solidFill>
-          </a:ln>
-        </p:spPr>
-        <p:style>
-          <a:lnRef idx="2">
-            <a:schemeClr val="accent1">
-              <a:shade val="50000"/>
-            </a:schemeClr>
-          </a:lnRef>
-          <a:fillRef idx="1">
-            <a:schemeClr val="accent1"/>
-          </a:fillRef>
-          <a:effectRef idx="0">
-            <a:schemeClr val="accent1"/>
-          </a:effectRef>
-          <a:fontRef idx="minor">
-            <a:schemeClr val="lt1"/>
-          </a:fontRef>
-        </p:style>
-        <p:txBody>
-          <a:bodyPr rtlCol="0" anchor="ctr"/>
-          <a:lstStyle/>
-          <a:p>
-            <a:pPr algn="ctr"/>
-            <a:endParaRPr lang="de-CH" dirty="0"/>
-          </a:p>
-        </p:txBody>
-      </p:sp>
-      <p:sp>
-        <p:nvSpPr>
-          <p:cNvPr id="13" name="Textfeld 12">
-            <a:extLst>
-              <a:ext uri="{FF2B5EF4-FFF2-40B4-BE49-F238E27FC236}">
-                <a16:creationId xmlns:a16="http://schemas.microsoft.com/office/drawing/2014/main" id="{84CDFD25-3336-9C9F-63E1-C167955077DD}"/>
-              </a:ext>
-            </a:extLst>
-          </p:cNvPr>
-          <p:cNvSpPr txBox="1"/>
-          <p:nvPr/>
-        </p:nvSpPr>
-        <p:spPr>
-          <a:xfrm>
-            <a:off x="3157255" y="2430832"/>
-            <a:ext cx="5131324" cy="261610"/>
-          </a:xfrm>
-          <a:prstGeom prst="rect">
-            <a:avLst/>
-          </a:prstGeom>
-          <a:noFill/>
-        </p:spPr>
-        <p:txBody>
-          <a:bodyPr wrap="square" rtlCol="0">
-            <a:spAutoFit/>
-          </a:bodyPr>
-          <a:lstStyle/>
-          <a:p>
-            <a:r>
-              <a:rPr lang="de-CH" sz="1100" b="1" dirty="0" err="1"/>
-              <a:t>id</a:t>
-            </a:r>
-            <a:r>
-              <a:rPr lang="de-CH" sz="1100" b="1" dirty="0"/>
-              <a:t>_... </a:t>
-            </a:r>
-            <a:r>
-              <a:rPr lang="de-CH" sz="1100" b="1" dirty="0" err="1"/>
-              <a:t>cl_div_upload_button_send</a:t>
-            </a:r>
-            <a:r>
-              <a:rPr lang="de-CH" sz="1100" b="1" dirty="0"/>
-              <a:t> </a:t>
+              <a:t>  </a:t>
             </a:r>
             <a:r>
               <a:rPr lang="de-CH" sz="1100" b="1" dirty="0" err="1"/>
@@ -12460,7 +15387,7 @@
     </p:spTree>
     <p:extLst>
       <p:ext uri="{BB962C8B-B14F-4D97-AF65-F5344CB8AC3E}">
-        <p14:creationId xmlns:p14="http://schemas.microsoft.com/office/powerpoint/2010/main" val="929584414"/>
+        <p14:creationId xmlns:p14="http://schemas.microsoft.com/office/powerpoint/2010/main" val="2402299156"/>
       </p:ext>
     </p:extLst>
   </p:cSld>
@@ -12492,7 +15419,7 @@
           <p:cNvPr id="2" name="Rechteck 1">
             <a:extLst>
               <a:ext uri="{FF2B5EF4-FFF2-40B4-BE49-F238E27FC236}">
-                <a16:creationId xmlns:a16="http://schemas.microsoft.com/office/drawing/2014/main" id="{ED053598-7337-6B25-2388-2333A65EE6CA}"/>
+                <a16:creationId xmlns:a16="http://schemas.microsoft.com/office/drawing/2014/main" id="{3001897E-7992-3E4A-E7FA-60E3952A648C}"/>
               </a:ext>
             </a:extLst>
           </p:cNvPr>
@@ -12501,8 +15428,8 @@
         </p:nvSpPr>
         <p:spPr>
           <a:xfrm>
-            <a:off x="2816998" y="594378"/>
-            <a:ext cx="6270441" cy="5259667"/>
+            <a:off x="2960779" y="471831"/>
+            <a:ext cx="6270441" cy="3921060"/>
           </a:xfrm>
           <a:prstGeom prst="rect">
             <a:avLst/>
@@ -12544,7 +15471,7 @@
           <p:cNvPr id="3" name="Textfeld 2">
             <a:extLst>
               <a:ext uri="{FF2B5EF4-FFF2-40B4-BE49-F238E27FC236}">
-                <a16:creationId xmlns:a16="http://schemas.microsoft.com/office/drawing/2014/main" id="{4AEBB782-2694-CAD1-89A3-0F71AA988255}"/>
+                <a16:creationId xmlns:a16="http://schemas.microsoft.com/office/drawing/2014/main" id="{590984F8-CDBD-6C1D-7214-CFF139EBFFF8}"/>
               </a:ext>
             </a:extLst>
           </p:cNvPr>
@@ -12553,7 +15480,7 @@
         </p:nvSpPr>
         <p:spPr>
           <a:xfrm>
-            <a:off x="2812900" y="551268"/>
+            <a:off x="2956681" y="428719"/>
             <a:ext cx="4333461" cy="261610"/>
           </a:xfrm>
           <a:prstGeom prst="rect">
@@ -12569,7 +15496,7 @@
           <a:p>
             <a:r>
               <a:rPr lang="de-CH" sz="1100" b="1" dirty="0" err="1"/>
-              <a:t>id_div_upload_container_part_two</a:t>
+              <a:t>id_div_upload_names_email_code</a:t>
             </a:r>
             <a:r>
               <a:rPr lang="de-CH" sz="1100" b="1" dirty="0"/>
@@ -12596,7 +15523,7 @@
           <p:cNvPr id="4" name="Rechteck 3">
             <a:extLst>
               <a:ext uri="{FF2B5EF4-FFF2-40B4-BE49-F238E27FC236}">
-                <a16:creationId xmlns:a16="http://schemas.microsoft.com/office/drawing/2014/main" id="{EA390380-79EC-61A2-A911-26C338F61D97}"/>
+                <a16:creationId xmlns:a16="http://schemas.microsoft.com/office/drawing/2014/main" id="{01832BB6-764A-E5E7-A539-299606073FB4}"/>
               </a:ext>
             </a:extLst>
           </p:cNvPr>
@@ -12605,14 +15532,14 @@
         </p:nvSpPr>
         <p:spPr>
           <a:xfrm>
-            <a:off x="2901839" y="812877"/>
-            <a:ext cx="6053625" cy="3358837"/>
+            <a:off x="3147827" y="847130"/>
+            <a:ext cx="5731496" cy="289123"/>
           </a:xfrm>
           <a:prstGeom prst="rect">
             <a:avLst/>
           </a:prstGeom>
           <a:noFill/>
-          <a:ln w="19050">
+          <a:ln w="12700">
             <a:solidFill>
               <a:schemeClr val="tx1"/>
             </a:solidFill>
@@ -12648,7 +15575,7 @@
           <p:cNvPr id="5" name="Textfeld 4">
             <a:extLst>
               <a:ext uri="{FF2B5EF4-FFF2-40B4-BE49-F238E27FC236}">
-                <a16:creationId xmlns:a16="http://schemas.microsoft.com/office/drawing/2014/main" id="{7E883965-7BB7-0CF8-E8A3-88A1678985B5}"/>
+                <a16:creationId xmlns:a16="http://schemas.microsoft.com/office/drawing/2014/main" id="{5E54B971-BCB9-5327-694E-F28795E2FBF0}"/>
               </a:ext>
             </a:extLst>
           </p:cNvPr>
@@ -12657,7 +15584,7 @@
         </p:nvSpPr>
         <p:spPr>
           <a:xfrm>
-            <a:off x="2901839" y="843329"/>
+            <a:off x="3147827" y="847130"/>
             <a:ext cx="5131324" cy="261610"/>
           </a:xfrm>
           <a:prstGeom prst="rect">
@@ -12673,11 +15600,19 @@
           <a:p>
             <a:r>
               <a:rPr lang="de-CH" sz="1100" b="1" dirty="0" err="1"/>
-              <a:t>id_div_upload_input_file_image</a:t>
+              <a:t>id</a:t>
             </a:r>
             <a:r>
               <a:rPr lang="de-CH" sz="1100" b="1" dirty="0"/>
-              <a:t>  </a:t>
+              <a:t>_... </a:t>
+            </a:r>
+            <a:r>
+              <a:rPr lang="de-CH" sz="1100" b="1" dirty="0" err="1"/>
+              <a:t>cl_div_upload_names</a:t>
+            </a:r>
+            <a:r>
+              <a:rPr lang="de-CH" sz="1100" b="1" dirty="0"/>
+              <a:t> </a:t>
             </a:r>
             <a:r>
               <a:rPr lang="de-CH" sz="1100" b="1" dirty="0" err="1"/>
@@ -12691,32 +15626,16 @@
               <a:rPr lang="de-CH" sz="1100" b="1" dirty="0" err="1"/>
               <a:t>both</a:t>
             </a:r>
-            <a:r>
-              <a:rPr lang="de-CH" sz="1100" b="1" dirty="0"/>
-              <a:t>  Container </a:t>
-            </a:r>
-            <a:r>
-              <a:rPr lang="de-CH" sz="1100" b="1" dirty="0" err="1"/>
-              <a:t>for</a:t>
-            </a:r>
-            <a:r>
-              <a:rPr lang="de-CH" sz="1100" b="1" dirty="0"/>
-              <a:t> </a:t>
-            </a:r>
-            <a:r>
-              <a:rPr lang="de-CH" sz="1100" b="1" dirty="0" err="1"/>
-              <a:t>JazzUploadImage</a:t>
-            </a:r>
             <a:endParaRPr lang="de-CH" b="1" dirty="0"/>
           </a:p>
         </p:txBody>
       </p:sp>
       <p:sp>
         <p:nvSpPr>
-          <p:cNvPr id="10" name="Rechteck 9">
-            <a:extLst>
-              <a:ext uri="{FF2B5EF4-FFF2-40B4-BE49-F238E27FC236}">
-                <a16:creationId xmlns:a16="http://schemas.microsoft.com/office/drawing/2014/main" id="{7ABFDC11-97B6-7F0F-F539-5CDA3359270D}"/>
+          <p:cNvPr id="6" name="Rechteck 5">
+            <a:extLst>
+              <a:ext uri="{FF2B5EF4-FFF2-40B4-BE49-F238E27FC236}">
+                <a16:creationId xmlns:a16="http://schemas.microsoft.com/office/drawing/2014/main" id="{1E8138A0-ECEF-7745-D921-908EC521CC43}"/>
               </a:ext>
             </a:extLst>
           </p:cNvPr>
@@ -12725,16 +15644,14 @@
         </p:nvSpPr>
         <p:spPr>
           <a:xfrm>
-            <a:off x="6162960" y="2148646"/>
-            <a:ext cx="1667596" cy="160628"/>
-          </a:xfrm>
-          <a:prstGeom prst="rect">
-            <a:avLst/>
-          </a:prstGeom>
-          <a:solidFill>
-            <a:schemeClr val="bg1"/>
-          </a:solidFill>
-          <a:ln>
+            <a:off x="3119547" y="1252482"/>
+            <a:ext cx="5731496" cy="289123"/>
+          </a:xfrm>
+          <a:prstGeom prst="rect">
+            <a:avLst/>
+          </a:prstGeom>
+          <a:noFill/>
+          <a:ln w="12700">
             <a:solidFill>
               <a:schemeClr val="tx1"/>
             </a:solidFill>
@@ -12760,25 +15677,77 @@
           <a:bodyPr rtlCol="0" anchor="ctr"/>
           <a:lstStyle/>
           <a:p>
-            <a:r>
-              <a:rPr lang="de-CH" sz="800" i="1" dirty="0">
-                <a:solidFill>
-                  <a:schemeClr val="tx1"/>
-                </a:solidFill>
-                <a:latin typeface="Arial" panose="020B0604020202020204" pitchFamily="34" charset="0"/>
-                <a:cs typeface="Arial" panose="020B0604020202020204" pitchFamily="34" charset="0"/>
-              </a:rPr>
-              <a:t>Name des ausgewählte Bildes </a:t>
-            </a:r>
-          </a:p>
-        </p:txBody>
-      </p:sp>
-      <p:sp>
-        <p:nvSpPr>
-          <p:cNvPr id="11" name="Rechteck 10">
-            <a:extLst>
-              <a:ext uri="{FF2B5EF4-FFF2-40B4-BE49-F238E27FC236}">
-                <a16:creationId xmlns:a16="http://schemas.microsoft.com/office/drawing/2014/main" id="{5AAFC9D4-407C-AF52-4731-99593116D2BD}"/>
+            <a:pPr algn="ctr"/>
+            <a:endParaRPr lang="de-CH" dirty="0"/>
+          </a:p>
+        </p:txBody>
+      </p:sp>
+      <p:sp>
+        <p:nvSpPr>
+          <p:cNvPr id="7" name="Textfeld 6">
+            <a:extLst>
+              <a:ext uri="{FF2B5EF4-FFF2-40B4-BE49-F238E27FC236}">
+                <a16:creationId xmlns:a16="http://schemas.microsoft.com/office/drawing/2014/main" id="{A1701110-66AD-A5A4-EEE2-266E5D63F5F5}"/>
+              </a:ext>
+            </a:extLst>
+          </p:cNvPr>
+          <p:cNvSpPr txBox="1"/>
+          <p:nvPr/>
+        </p:nvSpPr>
+        <p:spPr>
+          <a:xfrm>
+            <a:off x="3119547" y="1252482"/>
+            <a:ext cx="5131324" cy="261610"/>
+          </a:xfrm>
+          <a:prstGeom prst="rect">
+            <a:avLst/>
+          </a:prstGeom>
+          <a:noFill/>
+        </p:spPr>
+        <p:txBody>
+          <a:bodyPr wrap="square" rtlCol="0">
+            <a:spAutoFit/>
+          </a:bodyPr>
+          <a:lstStyle/>
+          <a:p>
+            <a:r>
+              <a:rPr lang="de-CH" sz="1100" b="1" dirty="0" err="1"/>
+              <a:t>id</a:t>
+            </a:r>
+            <a:r>
+              <a:rPr lang="de-CH" sz="1100" b="1" dirty="0"/>
+              <a:t>_... </a:t>
+            </a:r>
+            <a:r>
+              <a:rPr lang="de-CH" sz="1100" b="1" dirty="0" err="1"/>
+              <a:t>cl_div_upload_email</a:t>
+            </a:r>
+            <a:r>
+              <a:rPr lang="de-CH" sz="1100" b="1" dirty="0"/>
+              <a:t> </a:t>
+            </a:r>
+            <a:r>
+              <a:rPr lang="de-CH" sz="1100" b="1" dirty="0" err="1"/>
+              <a:t>clear</a:t>
+            </a:r>
+            <a:r>
+              <a:rPr lang="de-CH" sz="1100" b="1" dirty="0"/>
+              <a:t> </a:t>
+            </a:r>
+            <a:r>
+              <a:rPr lang="de-CH" sz="1100" b="1" dirty="0" err="1"/>
+              <a:t>both</a:t>
+            </a:r>
+            <a:endParaRPr lang="de-CH" b="1" dirty="0"/>
+          </a:p>
+        </p:txBody>
+      </p:sp>
+      <p:sp>
+        <p:nvSpPr>
+          <p:cNvPr id="8" name="Rechteck 7">
+            <a:extLst>
+              <a:ext uri="{FF2B5EF4-FFF2-40B4-BE49-F238E27FC236}">
+                <a16:creationId xmlns:a16="http://schemas.microsoft.com/office/drawing/2014/main" id="{58946E20-27E2-E3D9-51AC-DE199E15928D}"/>
               </a:ext>
             </a:extLst>
           </p:cNvPr>
@@ -12787,14 +15756,14 @@
         </p:nvSpPr>
         <p:spPr>
           <a:xfrm>
-            <a:off x="9333537" y="1193430"/>
-            <a:ext cx="1017778" cy="237002"/>
+            <a:off x="3147827" y="1638981"/>
+            <a:ext cx="5731496" cy="289123"/>
           </a:xfrm>
           <a:prstGeom prst="rect">
             <a:avLst/>
           </a:prstGeom>
           <a:noFill/>
-          <a:ln>
+          <a:ln w="12700">
             <a:solidFill>
               <a:schemeClr val="tx1"/>
             </a:solidFill>
@@ -12821,55 +15790,76 @@
           <a:lstStyle/>
           <a:p>
             <a:pPr algn="ctr"/>
-            <a:r>
-              <a:rPr lang="de-CH" sz="1200" dirty="0">
-                <a:solidFill>
-                  <a:schemeClr val="tx1"/>
-                </a:solidFill>
-                <a:latin typeface="Arial" panose="020B0604020202020204" pitchFamily="34" charset="0"/>
-                <a:cs typeface="Arial" panose="020B0604020202020204" pitchFamily="34" charset="0"/>
-              </a:rPr>
-              <a:t>Bild wählen</a:t>
-            </a:r>
-          </a:p>
-        </p:txBody>
-      </p:sp>
-      <p:pic>
-        <p:nvPicPr>
-          <p:cNvPr id="13" name="Grafik 12">
-            <a:extLst>
-              <a:ext uri="{FF2B5EF4-FFF2-40B4-BE49-F238E27FC236}">
-                <a16:creationId xmlns:a16="http://schemas.microsoft.com/office/drawing/2014/main" id="{BDCB5C60-2F7E-C5A1-F4B8-5C6F182FDE01}"/>
-              </a:ext>
-            </a:extLst>
-          </p:cNvPr>
-          <p:cNvPicPr>
-            <a:picLocks noChangeAspect="1"/>
-          </p:cNvPicPr>
-          <p:nvPr/>
-        </p:nvPicPr>
-        <p:blipFill>
-          <a:blip r:embed="rId2"/>
-          <a:stretch>
-            <a:fillRect/>
-          </a:stretch>
-        </p:blipFill>
-        <p:spPr>
-          <a:xfrm>
-            <a:off x="4931828" y="2822619"/>
-            <a:ext cx="1193813" cy="1033191"/>
-          </a:xfrm>
-          <a:prstGeom prst="rect">
-            <a:avLst/>
-          </a:prstGeom>
-        </p:spPr>
-      </p:pic>
-      <p:sp>
-        <p:nvSpPr>
-          <p:cNvPr id="14" name="Rechteck 13">
-            <a:extLst>
-              <a:ext uri="{FF2B5EF4-FFF2-40B4-BE49-F238E27FC236}">
-                <a16:creationId xmlns:a16="http://schemas.microsoft.com/office/drawing/2014/main" id="{3CD631C4-8007-8A7F-0B29-6AF35EBF7396}"/>
+            <a:endParaRPr lang="de-CH" dirty="0"/>
+          </a:p>
+        </p:txBody>
+      </p:sp>
+      <p:sp>
+        <p:nvSpPr>
+          <p:cNvPr id="9" name="Textfeld 8">
+            <a:extLst>
+              <a:ext uri="{FF2B5EF4-FFF2-40B4-BE49-F238E27FC236}">
+                <a16:creationId xmlns:a16="http://schemas.microsoft.com/office/drawing/2014/main" id="{0673B199-0F78-3CE9-A6C4-2E4B72BF0008}"/>
+              </a:ext>
+            </a:extLst>
+          </p:cNvPr>
+          <p:cNvSpPr txBox="1"/>
+          <p:nvPr/>
+        </p:nvSpPr>
+        <p:spPr>
+          <a:xfrm>
+            <a:off x="3147827" y="1638981"/>
+            <a:ext cx="5131324" cy="261610"/>
+          </a:xfrm>
+          <a:prstGeom prst="rect">
+            <a:avLst/>
+          </a:prstGeom>
+          <a:noFill/>
+        </p:spPr>
+        <p:txBody>
+          <a:bodyPr wrap="square" rtlCol="0">
+            <a:spAutoFit/>
+          </a:bodyPr>
+          <a:lstStyle/>
+          <a:p>
+            <a:r>
+              <a:rPr lang="de-CH" sz="1100" b="1" dirty="0" err="1"/>
+              <a:t>id</a:t>
+            </a:r>
+            <a:r>
+              <a:rPr lang="de-CH" sz="1100" b="1" dirty="0"/>
+              <a:t>_... </a:t>
+            </a:r>
+            <a:r>
+              <a:rPr lang="de-CH" sz="1100" b="1" dirty="0" err="1"/>
+              <a:t>cl_div_upload_button_code</a:t>
+            </a:r>
+            <a:r>
+              <a:rPr lang="de-CH" sz="1100" b="1" dirty="0"/>
+              <a:t> </a:t>
+            </a:r>
+            <a:r>
+              <a:rPr lang="de-CH" sz="1100" b="1" dirty="0" err="1"/>
+              <a:t>clear</a:t>
+            </a:r>
+            <a:r>
+              <a:rPr lang="de-CH" sz="1100" b="1" dirty="0"/>
+              <a:t> </a:t>
+            </a:r>
+            <a:r>
+              <a:rPr lang="de-CH" sz="1100" b="1" dirty="0" err="1"/>
+              <a:t>both</a:t>
+            </a:r>
+            <a:endParaRPr lang="de-CH" b="1" dirty="0"/>
+          </a:p>
+        </p:txBody>
+      </p:sp>
+      <p:sp>
+        <p:nvSpPr>
+          <p:cNvPr id="10" name="Rechteck 9">
+            <a:extLst>
+              <a:ext uri="{FF2B5EF4-FFF2-40B4-BE49-F238E27FC236}">
+                <a16:creationId xmlns:a16="http://schemas.microsoft.com/office/drawing/2014/main" id="{9D153A2D-4998-4FF0-17E2-12D0267EA14B}"/>
               </a:ext>
             </a:extLst>
           </p:cNvPr>
@@ -12878,14 +15868,14 @@
         </p:nvSpPr>
         <p:spPr>
           <a:xfrm>
-            <a:off x="6848731" y="4769713"/>
-            <a:ext cx="1017778" cy="292247"/>
+            <a:off x="3147827" y="2044333"/>
+            <a:ext cx="5731496" cy="289123"/>
           </a:xfrm>
           <a:prstGeom prst="rect">
             <a:avLst/>
           </a:prstGeom>
           <a:noFill/>
-          <a:ln>
+          <a:ln w="12700">
             <a:solidFill>
               <a:schemeClr val="tx1"/>
             </a:solidFill>
@@ -12912,25 +15902,76 @@
           <a:lstStyle/>
           <a:p>
             <a:pPr algn="ctr"/>
-            <a:r>
-              <a:rPr lang="de-CH" sz="1200" dirty="0">
-                <a:solidFill>
-                  <a:schemeClr val="tx1"/>
-                </a:solidFill>
-                <a:latin typeface="Arial" panose="020B0604020202020204" pitchFamily="34" charset="0"/>
-                <a:cs typeface="Arial" panose="020B0604020202020204" pitchFamily="34" charset="0"/>
-              </a:rPr>
-              <a:t>Weiter</a:t>
-            </a:r>
-          </a:p>
-        </p:txBody>
-      </p:sp>
-      <p:sp>
-        <p:nvSpPr>
-          <p:cNvPr id="15" name="Rechteck 14">
-            <a:extLst>
-              <a:ext uri="{FF2B5EF4-FFF2-40B4-BE49-F238E27FC236}">
-                <a16:creationId xmlns:a16="http://schemas.microsoft.com/office/drawing/2014/main" id="{365D8E90-275B-E6A9-14F1-4C233EF7F4A2}"/>
+            <a:endParaRPr lang="de-CH" dirty="0"/>
+          </a:p>
+        </p:txBody>
+      </p:sp>
+      <p:sp>
+        <p:nvSpPr>
+          <p:cNvPr id="11" name="Textfeld 10">
+            <a:extLst>
+              <a:ext uri="{FF2B5EF4-FFF2-40B4-BE49-F238E27FC236}">
+                <a16:creationId xmlns:a16="http://schemas.microsoft.com/office/drawing/2014/main" id="{9CEEAB47-C5A5-81D4-9E85-FA4F767AE67C}"/>
+              </a:ext>
+            </a:extLst>
+          </p:cNvPr>
+          <p:cNvSpPr txBox="1"/>
+          <p:nvPr/>
+        </p:nvSpPr>
+        <p:spPr>
+          <a:xfrm>
+            <a:off x="3147827" y="2044333"/>
+            <a:ext cx="5131324" cy="261610"/>
+          </a:xfrm>
+          <a:prstGeom prst="rect">
+            <a:avLst/>
+          </a:prstGeom>
+          <a:noFill/>
+        </p:spPr>
+        <p:txBody>
+          <a:bodyPr wrap="square" rtlCol="0">
+            <a:spAutoFit/>
+          </a:bodyPr>
+          <a:lstStyle/>
+          <a:p>
+            <a:r>
+              <a:rPr lang="de-CH" sz="1100" b="1" dirty="0" err="1"/>
+              <a:t>id</a:t>
+            </a:r>
+            <a:r>
+              <a:rPr lang="de-CH" sz="1100" b="1" dirty="0"/>
+              <a:t>_... </a:t>
+            </a:r>
+            <a:r>
+              <a:rPr lang="de-CH" sz="1100" b="1" dirty="0" err="1"/>
+              <a:t>cl_div_upload_input_code</a:t>
+            </a:r>
+            <a:r>
+              <a:rPr lang="de-CH" sz="1100" b="1" dirty="0"/>
+              <a:t> </a:t>
+            </a:r>
+            <a:r>
+              <a:rPr lang="de-CH" sz="1100" b="1" dirty="0" err="1"/>
+              <a:t>clear</a:t>
+            </a:r>
+            <a:r>
+              <a:rPr lang="de-CH" sz="1100" b="1" dirty="0"/>
+              <a:t> </a:t>
+            </a:r>
+            <a:r>
+              <a:rPr lang="de-CH" sz="1100" b="1" dirty="0" err="1"/>
+              <a:t>both</a:t>
+            </a:r>
+            <a:endParaRPr lang="de-CH" b="1" dirty="0"/>
+          </a:p>
+        </p:txBody>
+      </p:sp>
+      <p:sp>
+        <p:nvSpPr>
+          <p:cNvPr id="12" name="Rechteck 11">
+            <a:extLst>
+              <a:ext uri="{FF2B5EF4-FFF2-40B4-BE49-F238E27FC236}">
+                <a16:creationId xmlns:a16="http://schemas.microsoft.com/office/drawing/2014/main" id="{ED26A0E7-DC9D-1D35-4715-28492EEE8003}"/>
               </a:ext>
             </a:extLst>
           </p:cNvPr>
@@ -12939,14 +15980,14 @@
         </p:nvSpPr>
         <p:spPr>
           <a:xfrm>
-            <a:off x="3469223" y="4778347"/>
-            <a:ext cx="970802" cy="235704"/>
+            <a:off x="3157255" y="2430832"/>
+            <a:ext cx="5731496" cy="289123"/>
           </a:xfrm>
           <a:prstGeom prst="rect">
             <a:avLst/>
           </a:prstGeom>
           <a:noFill/>
-          <a:ln>
+          <a:ln w="12700">
             <a:solidFill>
               <a:schemeClr val="tx1"/>
             </a:solidFill>
@@ -12973,77 +16014,16 @@
           <a:lstStyle/>
           <a:p>
             <a:pPr algn="ctr"/>
-            <a:r>
-              <a:rPr lang="de-CH" sz="1200" dirty="0">
-                <a:solidFill>
-                  <a:schemeClr val="tx1"/>
-                </a:solidFill>
-                <a:latin typeface="Arial" panose="020B0604020202020204" pitchFamily="34" charset="0"/>
-                <a:cs typeface="Arial" panose="020B0604020202020204" pitchFamily="34" charset="0"/>
-              </a:rPr>
-              <a:t>Zurück</a:t>
-            </a:r>
-          </a:p>
-        </p:txBody>
-      </p:sp>
-      <p:sp>
-        <p:nvSpPr>
-          <p:cNvPr id="16" name="Rechteck 15">
-            <a:extLst>
-              <a:ext uri="{FF2B5EF4-FFF2-40B4-BE49-F238E27FC236}">
-                <a16:creationId xmlns:a16="http://schemas.microsoft.com/office/drawing/2014/main" id="{1693A018-574C-E3DC-115E-AC63C201C051}"/>
-              </a:ext>
-            </a:extLst>
-          </p:cNvPr>
-          <p:cNvSpPr/>
-          <p:nvPr/>
-        </p:nvSpPr>
-        <p:spPr>
-          <a:xfrm>
-            <a:off x="2963073" y="1148049"/>
-            <a:ext cx="5731496" cy="858665"/>
-          </a:xfrm>
-          <a:prstGeom prst="rect">
-            <a:avLst/>
-          </a:prstGeom>
-          <a:noFill/>
-          <a:ln w="12700">
-            <a:solidFill>
-              <a:schemeClr val="tx1"/>
-            </a:solidFill>
-          </a:ln>
-        </p:spPr>
-        <p:style>
-          <a:lnRef idx="2">
-            <a:schemeClr val="accent1">
-              <a:shade val="50000"/>
-            </a:schemeClr>
-          </a:lnRef>
-          <a:fillRef idx="1">
-            <a:schemeClr val="accent1"/>
-          </a:fillRef>
-          <a:effectRef idx="0">
-            <a:schemeClr val="accent1"/>
-          </a:effectRef>
-          <a:fontRef idx="minor">
-            <a:schemeClr val="lt1"/>
-          </a:fontRef>
-        </p:style>
-        <p:txBody>
-          <a:bodyPr rtlCol="0" anchor="ctr"/>
-          <a:lstStyle/>
-          <a:p>
-            <a:pPr algn="ctr"/>
             <a:endParaRPr lang="de-CH" dirty="0"/>
           </a:p>
         </p:txBody>
       </p:sp>
       <p:sp>
         <p:nvSpPr>
-          <p:cNvPr id="17" name="Textfeld 16">
-            <a:extLst>
-              <a:ext uri="{FF2B5EF4-FFF2-40B4-BE49-F238E27FC236}">
-                <a16:creationId xmlns:a16="http://schemas.microsoft.com/office/drawing/2014/main" id="{D9E40867-B285-FD4F-1910-15A5F9DD4714}"/>
+          <p:cNvPr id="13" name="Textfeld 12">
+            <a:extLst>
+              <a:ext uri="{FF2B5EF4-FFF2-40B4-BE49-F238E27FC236}">
+                <a16:creationId xmlns:a16="http://schemas.microsoft.com/office/drawing/2014/main" id="{84CDFD25-3336-9C9F-63E1-C167955077DD}"/>
               </a:ext>
             </a:extLst>
           </p:cNvPr>
@@ -13052,8 +16032,8 @@
         </p:nvSpPr>
         <p:spPr>
           <a:xfrm>
-            <a:off x="2901838" y="1124779"/>
-            <a:ext cx="2183962" cy="261610"/>
+            <a:off x="3157255" y="2430832"/>
+            <a:ext cx="5131324" cy="261610"/>
           </a:xfrm>
           <a:prstGeom prst="rect">
             <a:avLst/>
@@ -13068,99 +16048,19 @@
           <a:p>
             <a:r>
               <a:rPr lang="de-CH" sz="1100" b="1" dirty="0" err="1"/>
-              <a:t>id_div_guestbook_fileupload</a:t>
-            </a:r>
-            <a:endParaRPr lang="de-CH" b="1" dirty="0"/>
-          </a:p>
-        </p:txBody>
-      </p:sp>
-      <p:sp>
-        <p:nvSpPr>
-          <p:cNvPr id="18" name="Rechteck 17">
-            <a:extLst>
-              <a:ext uri="{FF2B5EF4-FFF2-40B4-BE49-F238E27FC236}">
-                <a16:creationId xmlns:a16="http://schemas.microsoft.com/office/drawing/2014/main" id="{4178727E-5D46-D413-5F8F-0030E58D28EE}"/>
-              </a:ext>
-            </a:extLst>
-          </p:cNvPr>
-          <p:cNvSpPr/>
-          <p:nvPr/>
-        </p:nvSpPr>
-        <p:spPr>
-          <a:xfrm>
-            <a:off x="2963073" y="2086708"/>
-            <a:ext cx="5731496" cy="289123"/>
-          </a:xfrm>
-          <a:prstGeom prst="rect">
-            <a:avLst/>
-          </a:prstGeom>
-          <a:noFill/>
-          <a:ln w="12700">
-            <a:solidFill>
-              <a:schemeClr val="tx1"/>
-            </a:solidFill>
-          </a:ln>
-        </p:spPr>
-        <p:style>
-          <a:lnRef idx="2">
-            <a:schemeClr val="accent1">
-              <a:shade val="50000"/>
-            </a:schemeClr>
-          </a:lnRef>
-          <a:fillRef idx="1">
-            <a:schemeClr val="accent1"/>
-          </a:fillRef>
-          <a:effectRef idx="0">
-            <a:schemeClr val="accent1"/>
-          </a:effectRef>
-          <a:fontRef idx="minor">
-            <a:schemeClr val="lt1"/>
-          </a:fontRef>
-        </p:style>
-        <p:txBody>
-          <a:bodyPr rtlCol="0" anchor="ctr"/>
-          <a:lstStyle/>
-          <a:p>
-            <a:pPr algn="ctr"/>
-            <a:endParaRPr lang="de-CH" dirty="0"/>
-          </a:p>
-        </p:txBody>
-      </p:sp>
-      <p:sp>
-        <p:nvSpPr>
-          <p:cNvPr id="19" name="Textfeld 18">
-            <a:extLst>
-              <a:ext uri="{FF2B5EF4-FFF2-40B4-BE49-F238E27FC236}">
-                <a16:creationId xmlns:a16="http://schemas.microsoft.com/office/drawing/2014/main" id="{2F72101C-B6E1-6A6A-6935-B22A2A584CB4}"/>
-              </a:ext>
-            </a:extLst>
-          </p:cNvPr>
-          <p:cNvSpPr txBox="1"/>
-          <p:nvPr/>
-        </p:nvSpPr>
-        <p:spPr>
-          <a:xfrm>
-            <a:off x="2963073" y="2086708"/>
-            <a:ext cx="5131324" cy="261610"/>
-          </a:xfrm>
-          <a:prstGeom prst="rect">
-            <a:avLst/>
-          </a:prstGeom>
-          <a:noFill/>
-        </p:spPr>
-        <p:txBody>
-          <a:bodyPr wrap="square" rtlCol="0">
-            <a:spAutoFit/>
-          </a:bodyPr>
-          <a:lstStyle/>
-          <a:p>
+              <a:t>id</a:t>
+            </a:r>
+            <a:r>
+              <a:rPr lang="de-CH" sz="1100" b="1" dirty="0"/>
+              <a:t>_... </a:t>
+            </a:r>
             <a:r>
               <a:rPr lang="de-CH" sz="1100" b="1" dirty="0" err="1"/>
-              <a:t>id_div_guestbook_file_name</a:t>
+              <a:t>cl_div_upload_button_send</a:t>
             </a:r>
             <a:r>
               <a:rPr lang="de-CH" sz="1100" b="1" dirty="0"/>
-              <a:t>  </a:t>
+              <a:t> </a:t>
             </a:r>
             <a:r>
               <a:rPr lang="de-CH" sz="1100" b="1" dirty="0" err="1"/>
@@ -13173,522 +16073,6 @@
             <a:r>
               <a:rPr lang="de-CH" sz="1100" b="1" dirty="0" err="1"/>
               <a:t>both</a:t>
-            </a:r>
-            <a:endParaRPr lang="de-CH" b="1" dirty="0"/>
-          </a:p>
-        </p:txBody>
-      </p:sp>
-      <p:sp>
-        <p:nvSpPr>
-          <p:cNvPr id="20" name="Rechteck 19">
-            <a:extLst>
-              <a:ext uri="{FF2B5EF4-FFF2-40B4-BE49-F238E27FC236}">
-                <a16:creationId xmlns:a16="http://schemas.microsoft.com/office/drawing/2014/main" id="{41C105D4-5C3D-4BD9-FBF8-6E34CF38BE8C}"/>
-              </a:ext>
-            </a:extLst>
-          </p:cNvPr>
-          <p:cNvSpPr/>
-          <p:nvPr/>
-        </p:nvSpPr>
-        <p:spPr>
-          <a:xfrm>
-            <a:off x="2963073" y="2488907"/>
-            <a:ext cx="5731496" cy="1569731"/>
-          </a:xfrm>
-          <a:prstGeom prst="rect">
-            <a:avLst/>
-          </a:prstGeom>
-          <a:noFill/>
-          <a:ln w="12700">
-            <a:solidFill>
-              <a:schemeClr val="tx1"/>
-            </a:solidFill>
-          </a:ln>
-        </p:spPr>
-        <p:style>
-          <a:lnRef idx="2">
-            <a:schemeClr val="accent1">
-              <a:shade val="50000"/>
-            </a:schemeClr>
-          </a:lnRef>
-          <a:fillRef idx="1">
-            <a:schemeClr val="accent1"/>
-          </a:fillRef>
-          <a:effectRef idx="0">
-            <a:schemeClr val="accent1"/>
-          </a:effectRef>
-          <a:fontRef idx="minor">
-            <a:schemeClr val="lt1"/>
-          </a:fontRef>
-        </p:style>
-        <p:txBody>
-          <a:bodyPr rtlCol="0" anchor="ctr"/>
-          <a:lstStyle/>
-          <a:p>
-            <a:pPr algn="ctr"/>
-            <a:endParaRPr lang="de-CH" dirty="0"/>
-          </a:p>
-        </p:txBody>
-      </p:sp>
-      <p:sp>
-        <p:nvSpPr>
-          <p:cNvPr id="21" name="Textfeld 20">
-            <a:extLst>
-              <a:ext uri="{FF2B5EF4-FFF2-40B4-BE49-F238E27FC236}">
-                <a16:creationId xmlns:a16="http://schemas.microsoft.com/office/drawing/2014/main" id="{444FAB40-CB53-B536-616A-157F8229F94A}"/>
-              </a:ext>
-            </a:extLst>
-          </p:cNvPr>
-          <p:cNvSpPr txBox="1"/>
-          <p:nvPr/>
-        </p:nvSpPr>
-        <p:spPr>
-          <a:xfrm>
-            <a:off x="2963073" y="2464945"/>
-            <a:ext cx="5131324" cy="261610"/>
-          </a:xfrm>
-          <a:prstGeom prst="rect">
-            <a:avLst/>
-          </a:prstGeom>
-          <a:noFill/>
-        </p:spPr>
-        <p:txBody>
-          <a:bodyPr wrap="square" rtlCol="0">
-            <a:spAutoFit/>
-          </a:bodyPr>
-          <a:lstStyle/>
-          <a:p>
-            <a:r>
-              <a:rPr lang="de-CH" sz="1100" b="1" dirty="0" err="1"/>
-              <a:t>id_div_image_container</a:t>
-            </a:r>
-            <a:r>
-              <a:rPr lang="de-CH" sz="1100" b="1" dirty="0"/>
-              <a:t> </a:t>
-            </a:r>
-            <a:r>
-              <a:rPr lang="de-CH" sz="1100" b="1" dirty="0" err="1"/>
-              <a:t>clear</a:t>
-            </a:r>
-            <a:r>
-              <a:rPr lang="de-CH" sz="1100" b="1" dirty="0"/>
-              <a:t> </a:t>
-            </a:r>
-            <a:r>
-              <a:rPr lang="de-CH" sz="1100" b="1" dirty="0" err="1"/>
-              <a:t>both</a:t>
-            </a:r>
-            <a:endParaRPr lang="de-CH" b="1" dirty="0"/>
-          </a:p>
-        </p:txBody>
-      </p:sp>
-      <p:sp>
-        <p:nvSpPr>
-          <p:cNvPr id="22" name="Rechteck 21">
-            <a:extLst>
-              <a:ext uri="{FF2B5EF4-FFF2-40B4-BE49-F238E27FC236}">
-                <a16:creationId xmlns:a16="http://schemas.microsoft.com/office/drawing/2014/main" id="{FA07AF40-E0B0-1928-3F89-05B882454A53}"/>
-              </a:ext>
-            </a:extLst>
-          </p:cNvPr>
-          <p:cNvSpPr/>
-          <p:nvPr/>
-        </p:nvSpPr>
-        <p:spPr>
-          <a:xfrm>
-            <a:off x="2901838" y="4256487"/>
-            <a:ext cx="6053625" cy="1107533"/>
-          </a:xfrm>
-          <a:prstGeom prst="rect">
-            <a:avLst/>
-          </a:prstGeom>
-          <a:noFill/>
-          <a:ln w="19050">
-            <a:solidFill>
-              <a:schemeClr val="tx1"/>
-            </a:solidFill>
-          </a:ln>
-        </p:spPr>
-        <p:style>
-          <a:lnRef idx="2">
-            <a:schemeClr val="accent1">
-              <a:shade val="50000"/>
-            </a:schemeClr>
-          </a:lnRef>
-          <a:fillRef idx="1">
-            <a:schemeClr val="accent1"/>
-          </a:fillRef>
-          <a:effectRef idx="0">
-            <a:schemeClr val="accent1"/>
-          </a:effectRef>
-          <a:fontRef idx="minor">
-            <a:schemeClr val="lt1"/>
-          </a:fontRef>
-        </p:style>
-        <p:txBody>
-          <a:bodyPr rtlCol="0" anchor="ctr"/>
-          <a:lstStyle/>
-          <a:p>
-            <a:pPr algn="ctr"/>
-            <a:endParaRPr lang="de-CH" dirty="0"/>
-          </a:p>
-        </p:txBody>
-      </p:sp>
-      <p:sp>
-        <p:nvSpPr>
-          <p:cNvPr id="23" name="Textfeld 22">
-            <a:extLst>
-              <a:ext uri="{FF2B5EF4-FFF2-40B4-BE49-F238E27FC236}">
-                <a16:creationId xmlns:a16="http://schemas.microsoft.com/office/drawing/2014/main" id="{0BE30790-841D-B658-02B1-DDEDCBBCE0CE}"/>
-              </a:ext>
-            </a:extLst>
-          </p:cNvPr>
-          <p:cNvSpPr txBox="1"/>
-          <p:nvPr/>
-        </p:nvSpPr>
-        <p:spPr>
-          <a:xfrm>
-            <a:off x="2901838" y="4258489"/>
-            <a:ext cx="4333461" cy="261610"/>
-          </a:xfrm>
-          <a:prstGeom prst="rect">
-            <a:avLst/>
-          </a:prstGeom>
-          <a:noFill/>
-        </p:spPr>
-        <p:txBody>
-          <a:bodyPr wrap="square" rtlCol="0">
-            <a:spAutoFit/>
-          </a:bodyPr>
-          <a:lstStyle/>
-          <a:p>
-            <a:r>
-              <a:rPr lang="de-CH" sz="1100" b="1" dirty="0" err="1"/>
-              <a:t>id_div_upload_button_back_forward_part_two</a:t>
-            </a:r>
-            <a:r>
-              <a:rPr lang="de-CH" sz="1100" b="1" dirty="0"/>
-              <a:t>  </a:t>
-            </a:r>
-            <a:r>
-              <a:rPr lang="de-CH" sz="1100" b="1" dirty="0" err="1"/>
-              <a:t>clear</a:t>
-            </a:r>
-            <a:r>
-              <a:rPr lang="de-CH" sz="1100" b="1" dirty="0"/>
-              <a:t> </a:t>
-            </a:r>
-            <a:r>
-              <a:rPr lang="de-CH" sz="1100" b="1" dirty="0" err="1"/>
-              <a:t>both</a:t>
-            </a:r>
-            <a:endParaRPr lang="de-CH" b="1" dirty="0"/>
-          </a:p>
-        </p:txBody>
-      </p:sp>
-      <p:sp>
-        <p:nvSpPr>
-          <p:cNvPr id="24" name="Rechteck 23">
-            <a:extLst>
-              <a:ext uri="{FF2B5EF4-FFF2-40B4-BE49-F238E27FC236}">
-                <a16:creationId xmlns:a16="http://schemas.microsoft.com/office/drawing/2014/main" id="{1D5D3503-73A8-A1E9-2DE6-6CE8C2873751}"/>
-              </a:ext>
-            </a:extLst>
-          </p:cNvPr>
-          <p:cNvSpPr/>
-          <p:nvPr/>
-        </p:nvSpPr>
-        <p:spPr>
-          <a:xfrm>
-            <a:off x="2963074" y="4498290"/>
-            <a:ext cx="2796704" cy="595754"/>
-          </a:xfrm>
-          <a:prstGeom prst="rect">
-            <a:avLst/>
-          </a:prstGeom>
-          <a:noFill/>
-          <a:ln w="19050">
-            <a:solidFill>
-              <a:schemeClr val="tx1"/>
-            </a:solidFill>
-          </a:ln>
-        </p:spPr>
-        <p:style>
-          <a:lnRef idx="2">
-            <a:schemeClr val="accent1">
-              <a:shade val="50000"/>
-            </a:schemeClr>
-          </a:lnRef>
-          <a:fillRef idx="1">
-            <a:schemeClr val="accent1"/>
-          </a:fillRef>
-          <a:effectRef idx="0">
-            <a:schemeClr val="accent1"/>
-          </a:effectRef>
-          <a:fontRef idx="minor">
-            <a:schemeClr val="lt1"/>
-          </a:fontRef>
-        </p:style>
-        <p:txBody>
-          <a:bodyPr rtlCol="0" anchor="ctr"/>
-          <a:lstStyle/>
-          <a:p>
-            <a:pPr algn="ctr"/>
-            <a:endParaRPr lang="de-CH" dirty="0"/>
-          </a:p>
-        </p:txBody>
-      </p:sp>
-      <p:sp>
-        <p:nvSpPr>
-          <p:cNvPr id="25" name="Textfeld 24">
-            <a:extLst>
-              <a:ext uri="{FF2B5EF4-FFF2-40B4-BE49-F238E27FC236}">
-                <a16:creationId xmlns:a16="http://schemas.microsoft.com/office/drawing/2014/main" id="{781F1392-A57C-EF21-43B3-B5A797C205C3}"/>
-              </a:ext>
-            </a:extLst>
-          </p:cNvPr>
-          <p:cNvSpPr txBox="1"/>
-          <p:nvPr/>
-        </p:nvSpPr>
-        <p:spPr>
-          <a:xfrm>
-            <a:off x="2963073" y="4512639"/>
-            <a:ext cx="2796703" cy="261610"/>
-          </a:xfrm>
-          <a:prstGeom prst="rect">
-            <a:avLst/>
-          </a:prstGeom>
-          <a:noFill/>
-        </p:spPr>
-        <p:txBody>
-          <a:bodyPr wrap="square" rtlCol="0">
-            <a:spAutoFit/>
-          </a:bodyPr>
-          <a:lstStyle/>
-          <a:p>
-            <a:r>
-              <a:rPr lang="de-CH" sz="1100" b="1" dirty="0" err="1"/>
-              <a:t>id_upload_button_back_two</a:t>
-            </a:r>
-            <a:r>
-              <a:rPr lang="de-CH" sz="1100" b="1" dirty="0"/>
-              <a:t> </a:t>
-            </a:r>
-            <a:r>
-              <a:rPr lang="de-CH" sz="1100" b="1" dirty="0" err="1"/>
-              <a:t>float</a:t>
-            </a:r>
-            <a:r>
-              <a:rPr lang="de-CH" sz="1100" b="1" dirty="0"/>
-              <a:t> </a:t>
-            </a:r>
-            <a:r>
-              <a:rPr lang="de-CH" sz="1100" b="1" dirty="0" err="1"/>
-              <a:t>left</a:t>
-            </a:r>
-            <a:endParaRPr lang="de-CH" b="1" dirty="0"/>
-          </a:p>
-        </p:txBody>
-      </p:sp>
-      <p:sp>
-        <p:nvSpPr>
-          <p:cNvPr id="26" name="Rechteck 25">
-            <a:extLst>
-              <a:ext uri="{FF2B5EF4-FFF2-40B4-BE49-F238E27FC236}">
-                <a16:creationId xmlns:a16="http://schemas.microsoft.com/office/drawing/2014/main" id="{A70998FB-6CA3-4326-C34F-BB0EEA264EC5}"/>
-              </a:ext>
-            </a:extLst>
-          </p:cNvPr>
-          <p:cNvSpPr/>
-          <p:nvPr/>
-        </p:nvSpPr>
-        <p:spPr>
-          <a:xfrm>
-            <a:off x="5836947" y="4494953"/>
-            <a:ext cx="2857622" cy="595754"/>
-          </a:xfrm>
-          <a:prstGeom prst="rect">
-            <a:avLst/>
-          </a:prstGeom>
-          <a:noFill/>
-          <a:ln w="19050">
-            <a:solidFill>
-              <a:schemeClr val="tx1"/>
-            </a:solidFill>
-          </a:ln>
-        </p:spPr>
-        <p:style>
-          <a:lnRef idx="2">
-            <a:schemeClr val="accent1">
-              <a:shade val="50000"/>
-            </a:schemeClr>
-          </a:lnRef>
-          <a:fillRef idx="1">
-            <a:schemeClr val="accent1"/>
-          </a:fillRef>
-          <a:effectRef idx="0">
-            <a:schemeClr val="accent1"/>
-          </a:effectRef>
-          <a:fontRef idx="minor">
-            <a:schemeClr val="lt1"/>
-          </a:fontRef>
-        </p:style>
-        <p:txBody>
-          <a:bodyPr rtlCol="0" anchor="ctr"/>
-          <a:lstStyle/>
-          <a:p>
-            <a:pPr algn="ctr"/>
-            <a:endParaRPr lang="de-CH" dirty="0"/>
-          </a:p>
-        </p:txBody>
-      </p:sp>
-      <p:sp>
-        <p:nvSpPr>
-          <p:cNvPr id="27" name="Textfeld 26">
-            <a:extLst>
-              <a:ext uri="{FF2B5EF4-FFF2-40B4-BE49-F238E27FC236}">
-                <a16:creationId xmlns:a16="http://schemas.microsoft.com/office/drawing/2014/main" id="{EC46F527-DD0F-06A3-9051-988C6D640B99}"/>
-              </a:ext>
-            </a:extLst>
-          </p:cNvPr>
-          <p:cNvSpPr txBox="1"/>
-          <p:nvPr/>
-        </p:nvSpPr>
-        <p:spPr>
-          <a:xfrm>
-            <a:off x="5759776" y="4509195"/>
-            <a:ext cx="3250492" cy="261610"/>
-          </a:xfrm>
-          <a:prstGeom prst="rect">
-            <a:avLst/>
-          </a:prstGeom>
-          <a:noFill/>
-        </p:spPr>
-        <p:txBody>
-          <a:bodyPr wrap="square" rtlCol="0">
-            <a:spAutoFit/>
-          </a:bodyPr>
-          <a:lstStyle/>
-          <a:p>
-            <a:r>
-              <a:rPr lang="de-CH" sz="1100" b="1"/>
-              <a:t>id_</a:t>
-            </a:r>
-            <a:r>
-              <a:rPr lang="de-CH" sz="1100" b="1" dirty="0" err="1"/>
-              <a:t>upload_button_forward_two</a:t>
-            </a:r>
-            <a:r>
-              <a:rPr lang="de-CH" sz="1100" b="1" dirty="0"/>
-              <a:t>  </a:t>
-            </a:r>
-            <a:r>
-              <a:rPr lang="de-CH" sz="1100" b="1" dirty="0" err="1"/>
-              <a:t>float</a:t>
-            </a:r>
-            <a:r>
-              <a:rPr lang="de-CH" sz="1100" b="1" dirty="0"/>
-              <a:t> </a:t>
-            </a:r>
-            <a:r>
-              <a:rPr lang="de-CH" sz="1100" b="1" dirty="0" err="1"/>
-              <a:t>right</a:t>
-            </a:r>
-            <a:endParaRPr lang="de-CH" b="1" dirty="0"/>
-          </a:p>
-        </p:txBody>
-      </p:sp>
-      <p:sp>
-        <p:nvSpPr>
-          <p:cNvPr id="6" name="Rechteck 5">
-            <a:extLst>
-              <a:ext uri="{FF2B5EF4-FFF2-40B4-BE49-F238E27FC236}">
-                <a16:creationId xmlns:a16="http://schemas.microsoft.com/office/drawing/2014/main" id="{03721909-769B-393D-4D73-648E7CEF1FEB}"/>
-              </a:ext>
-            </a:extLst>
-          </p:cNvPr>
-          <p:cNvSpPr/>
-          <p:nvPr/>
-        </p:nvSpPr>
-        <p:spPr>
-          <a:xfrm>
-            <a:off x="3086122" y="1383966"/>
-            <a:ext cx="5731496" cy="337596"/>
-          </a:xfrm>
-          <a:prstGeom prst="rect">
-            <a:avLst/>
-          </a:prstGeom>
-          <a:noFill/>
-          <a:ln w="12700">
-            <a:solidFill>
-              <a:schemeClr val="tx1"/>
-            </a:solidFill>
-          </a:ln>
-        </p:spPr>
-        <p:style>
-          <a:lnRef idx="2">
-            <a:schemeClr val="accent1">
-              <a:shade val="50000"/>
-            </a:schemeClr>
-          </a:lnRef>
-          <a:fillRef idx="1">
-            <a:schemeClr val="accent1"/>
-          </a:fillRef>
-          <a:effectRef idx="0">
-            <a:schemeClr val="accent1"/>
-          </a:effectRef>
-          <a:fontRef idx="minor">
-            <a:schemeClr val="lt1"/>
-          </a:fontRef>
-        </p:style>
-        <p:txBody>
-          <a:bodyPr rtlCol="0" anchor="ctr"/>
-          <a:lstStyle/>
-          <a:p>
-            <a:pPr algn="ctr"/>
-            <a:endParaRPr lang="de-CH" dirty="0"/>
-          </a:p>
-        </p:txBody>
-      </p:sp>
-      <p:sp>
-        <p:nvSpPr>
-          <p:cNvPr id="7" name="Textfeld 6">
-            <a:extLst>
-              <a:ext uri="{FF2B5EF4-FFF2-40B4-BE49-F238E27FC236}">
-                <a16:creationId xmlns:a16="http://schemas.microsoft.com/office/drawing/2014/main" id="{F2B64833-79AD-2F30-6A1E-D03FEEABB726}"/>
-              </a:ext>
-            </a:extLst>
-          </p:cNvPr>
-          <p:cNvSpPr txBox="1"/>
-          <p:nvPr/>
-        </p:nvSpPr>
-        <p:spPr>
-          <a:xfrm>
-            <a:off x="3086122" y="1429425"/>
-            <a:ext cx="2183962" cy="261610"/>
-          </a:xfrm>
-          <a:prstGeom prst="rect">
-            <a:avLst/>
-          </a:prstGeom>
-          <a:noFill/>
-        </p:spPr>
-        <p:txBody>
-          <a:bodyPr wrap="square" rtlCol="0">
-            <a:spAutoFit/>
-          </a:bodyPr>
-          <a:lstStyle/>
-          <a:p>
-            <a:r>
-              <a:rPr lang="de-CH" sz="1100" b="1"/>
-              <a:t>id_</a:t>
-            </a:r>
-            <a:r>
-              <a:rPr lang="de-CH" sz="1100" b="1" dirty="0" err="1"/>
-              <a:t>guestbook_fileupload</a:t>
-            </a:r>
-            <a:r>
-              <a:rPr lang="de-CH" sz="1100" b="1" dirty="0"/>
-              <a:t> </a:t>
             </a:r>
             <a:endParaRPr lang="de-CH" b="1" dirty="0"/>
           </a:p>
@@ -13697,7 +16081,7 @@
     </p:spTree>
     <p:extLst>
       <p:ext uri="{BB962C8B-B14F-4D97-AF65-F5344CB8AC3E}">
-        <p14:creationId xmlns:p14="http://schemas.microsoft.com/office/powerpoint/2010/main" val="79913948"/>
+        <p14:creationId xmlns:p14="http://schemas.microsoft.com/office/powerpoint/2010/main" val="929584414"/>
       </p:ext>
     </p:extLst>
   </p:cSld>
@@ -13729,7 +16113,7 @@
           <p:cNvPr id="2" name="Rechteck 1">
             <a:extLst>
               <a:ext uri="{FF2B5EF4-FFF2-40B4-BE49-F238E27FC236}">
-                <a16:creationId xmlns:a16="http://schemas.microsoft.com/office/drawing/2014/main" id="{2E4C3752-A813-EE6E-F3EA-FFB11D438E8F}"/>
+                <a16:creationId xmlns:a16="http://schemas.microsoft.com/office/drawing/2014/main" id="{ED053598-7337-6B25-2388-2333A65EE6CA}"/>
               </a:ext>
             </a:extLst>
           </p:cNvPr>
@@ -13738,8 +16122,8 @@
         </p:nvSpPr>
         <p:spPr>
           <a:xfrm>
-            <a:off x="5177660" y="365780"/>
-            <a:ext cx="6270441" cy="5714509"/>
+            <a:off x="2816998" y="594378"/>
+            <a:ext cx="6270441" cy="5259667"/>
           </a:xfrm>
           <a:prstGeom prst="rect">
             <a:avLst/>
@@ -13781,7 +16165,7 @@
           <p:cNvPr id="3" name="Textfeld 2">
             <a:extLst>
               <a:ext uri="{FF2B5EF4-FFF2-40B4-BE49-F238E27FC236}">
-                <a16:creationId xmlns:a16="http://schemas.microsoft.com/office/drawing/2014/main" id="{B02172D9-6552-9F49-149E-AE9D156587F0}"/>
+                <a16:creationId xmlns:a16="http://schemas.microsoft.com/office/drawing/2014/main" id="{4AEBB782-2694-CAD1-89A3-0F71AA988255}"/>
               </a:ext>
             </a:extLst>
           </p:cNvPr>
@@ -13790,7 +16174,7 @@
         </p:nvSpPr>
         <p:spPr>
           <a:xfrm>
-            <a:off x="5173562" y="322670"/>
+            <a:off x="2812900" y="551268"/>
             <a:ext cx="4333461" cy="261610"/>
           </a:xfrm>
           <a:prstGeom prst="rect">
@@ -13806,7 +16190,7 @@
           <a:p>
             <a:r>
               <a:rPr lang="de-CH" sz="1100" b="1" dirty="0" err="1"/>
-              <a:t>id_div_upload_texts</a:t>
+              <a:t>id_div_upload_container_part_two</a:t>
             </a:r>
             <a:r>
               <a:rPr lang="de-CH" sz="1100" b="1" dirty="0"/>
@@ -13833,7 +16217,7 @@
           <p:cNvPr id="4" name="Rechteck 3">
             <a:extLst>
               <a:ext uri="{FF2B5EF4-FFF2-40B4-BE49-F238E27FC236}">
-                <a16:creationId xmlns:a16="http://schemas.microsoft.com/office/drawing/2014/main" id="{B65B393F-0C5E-C739-7A63-FF0973A253A2}"/>
+                <a16:creationId xmlns:a16="http://schemas.microsoft.com/office/drawing/2014/main" id="{EA390380-79EC-61A2-A911-26C338F61D97}"/>
               </a:ext>
             </a:extLst>
           </p:cNvPr>
@@ -13842,18 +16226,16 @@
         </p:nvSpPr>
         <p:spPr>
           <a:xfrm>
-            <a:off x="559131" y="1059816"/>
-            <a:ext cx="3339167" cy="3631364"/>
-          </a:xfrm>
-          <a:prstGeom prst="rect">
-            <a:avLst/>
-          </a:prstGeom>
-          <a:solidFill>
-            <a:srgbClr val="DFE0E1"/>
-          </a:solidFill>
-          <a:ln>
+            <a:off x="2901839" y="812877"/>
+            <a:ext cx="6053625" cy="3358837"/>
+          </a:xfrm>
+          <a:prstGeom prst="rect">
+            <a:avLst/>
+          </a:prstGeom>
+          <a:noFill/>
+          <a:ln w="19050">
             <a:solidFill>
-              <a:srgbClr val="C8C8C8"/>
+              <a:schemeClr val="tx1"/>
             </a:solidFill>
           </a:ln>
         </p:spPr>
@@ -13878,248 +16260,16 @@
           <a:lstStyle/>
           <a:p>
             <a:pPr algn="ctr"/>
-            <a:endParaRPr lang="de-CH" sz="1600" dirty="0">
-              <a:solidFill>
-                <a:schemeClr val="tx1"/>
-              </a:solidFill>
-              <a:latin typeface="Arial" panose="020B0604020202020204" pitchFamily="34" charset="0"/>
-              <a:cs typeface="Arial" panose="020B0604020202020204" pitchFamily="34" charset="0"/>
-            </a:endParaRPr>
-          </a:p>
-        </p:txBody>
-      </p:sp>
-      <p:sp>
-        <p:nvSpPr>
-          <p:cNvPr id="5" name="Rechteck 4">
-            <a:extLst>
-              <a:ext uri="{FF2B5EF4-FFF2-40B4-BE49-F238E27FC236}">
-                <a16:creationId xmlns:a16="http://schemas.microsoft.com/office/drawing/2014/main" id="{77951B7C-80A8-F662-8CF8-BD8802E73606}"/>
-              </a:ext>
-            </a:extLst>
-          </p:cNvPr>
-          <p:cNvSpPr/>
-          <p:nvPr/>
-        </p:nvSpPr>
-        <p:spPr>
-          <a:xfrm>
-            <a:off x="559128" y="965018"/>
-            <a:ext cx="3339167" cy="769028"/>
-          </a:xfrm>
-          <a:prstGeom prst="rect">
-            <a:avLst/>
-          </a:prstGeom>
-          <a:solidFill>
-            <a:schemeClr val="tx1"/>
-          </a:solidFill>
-          <a:ln>
-            <a:solidFill>
-              <a:schemeClr val="tx1"/>
-            </a:solidFill>
-          </a:ln>
-        </p:spPr>
-        <p:style>
-          <a:lnRef idx="2">
-            <a:schemeClr val="accent1">
-              <a:shade val="50000"/>
-            </a:schemeClr>
-          </a:lnRef>
-          <a:fillRef idx="1">
-            <a:schemeClr val="accent1"/>
-          </a:fillRef>
-          <a:effectRef idx="0">
-            <a:schemeClr val="accent1"/>
-          </a:effectRef>
-          <a:fontRef idx="minor">
-            <a:schemeClr val="lt1"/>
-          </a:fontRef>
-        </p:style>
-        <p:txBody>
-          <a:bodyPr rtlCol="0" anchor="ctr"/>
-          <a:lstStyle/>
-          <a:p>
-            <a:pPr algn="ctr"/>
-            <a:r>
-              <a:rPr lang="de-CH" sz="1600" b="1" dirty="0">
-                <a:solidFill>
-                  <a:srgbClr val="FF000A"/>
-                </a:solidFill>
-                <a:latin typeface="Arial" panose="020B0604020202020204" pitchFamily="34" charset="0"/>
-                <a:cs typeface="Arial" panose="020B0604020202020204" pitchFamily="34" charset="0"/>
-              </a:rPr>
-              <a:t>          </a:t>
-            </a:r>
-          </a:p>
-          <a:p>
-            <a:pPr algn="ctr"/>
-            <a:r>
-              <a:rPr lang="de-CH" sz="1400" b="1" dirty="0">
-                <a:solidFill>
-                  <a:srgbClr val="FF000A"/>
-                </a:solidFill>
-                <a:latin typeface="Arial" panose="020B0604020202020204" pitchFamily="34" charset="0"/>
-                <a:cs typeface="Arial" panose="020B0604020202020204" pitchFamily="34" charset="0"/>
-              </a:rPr>
-              <a:t>Gästebuch-Bild hochladen </a:t>
-            </a:r>
-          </a:p>
-        </p:txBody>
-      </p:sp>
-      <p:pic>
-        <p:nvPicPr>
-          <p:cNvPr id="6" name="Grafik 5">
-            <a:extLst>
-              <a:ext uri="{FF2B5EF4-FFF2-40B4-BE49-F238E27FC236}">
-                <a16:creationId xmlns:a16="http://schemas.microsoft.com/office/drawing/2014/main" id="{E9DAAE8E-9DFC-4287-D7AF-68FD44701BCC}"/>
-              </a:ext>
-            </a:extLst>
-          </p:cNvPr>
-          <p:cNvPicPr>
-            <a:picLocks noChangeAspect="1"/>
-          </p:cNvPicPr>
-          <p:nvPr/>
-        </p:nvPicPr>
-        <p:blipFill>
-          <a:blip r:embed="rId2"/>
-          <a:stretch>
-            <a:fillRect/>
-          </a:stretch>
-        </p:blipFill>
-        <p:spPr>
-          <a:xfrm>
-            <a:off x="1000142" y="1061677"/>
-            <a:ext cx="2457143" cy="238095"/>
-          </a:xfrm>
-          <a:prstGeom prst="rect">
-            <a:avLst/>
-          </a:prstGeom>
-        </p:spPr>
-      </p:pic>
-      <p:pic>
-        <p:nvPicPr>
-          <p:cNvPr id="7" name="Grafik 6">
-            <a:extLst>
-              <a:ext uri="{FF2B5EF4-FFF2-40B4-BE49-F238E27FC236}">
-                <a16:creationId xmlns:a16="http://schemas.microsoft.com/office/drawing/2014/main" id="{5EF492F4-DED9-A486-D785-C2A789247332}"/>
-              </a:ext>
-            </a:extLst>
-          </p:cNvPr>
-          <p:cNvPicPr>
-            <a:picLocks noChangeAspect="1"/>
-          </p:cNvPicPr>
-          <p:nvPr/>
-        </p:nvPicPr>
-        <p:blipFill>
-          <a:blip r:embed="rId3"/>
-          <a:stretch>
-            <a:fillRect/>
-          </a:stretch>
-        </p:blipFill>
-        <p:spPr>
-          <a:xfrm>
-            <a:off x="3433671" y="1194757"/>
-            <a:ext cx="331444" cy="256116"/>
-          </a:xfrm>
-          <a:prstGeom prst="rect">
-            <a:avLst/>
-          </a:prstGeom>
-        </p:spPr>
-      </p:pic>
-      <p:sp>
-        <p:nvSpPr>
-          <p:cNvPr id="8" name="Rechteck 7">
-            <a:extLst>
-              <a:ext uri="{FF2B5EF4-FFF2-40B4-BE49-F238E27FC236}">
-                <a16:creationId xmlns:a16="http://schemas.microsoft.com/office/drawing/2014/main" id="{69592781-58CB-D26A-97E3-B2B20BCD2747}"/>
-              </a:ext>
-            </a:extLst>
-          </p:cNvPr>
-          <p:cNvSpPr/>
-          <p:nvPr/>
-        </p:nvSpPr>
-        <p:spPr>
-          <a:xfrm>
-            <a:off x="1095532" y="1856527"/>
-            <a:ext cx="2234253" cy="186462"/>
-          </a:xfrm>
-          <a:prstGeom prst="rect">
-            <a:avLst/>
-          </a:prstGeom>
-          <a:noFill/>
-          <a:ln>
-            <a:solidFill>
-              <a:schemeClr val="tx1"/>
-            </a:solidFill>
-          </a:ln>
-        </p:spPr>
-        <p:style>
-          <a:lnRef idx="2">
-            <a:schemeClr val="accent1">
-              <a:shade val="50000"/>
-            </a:schemeClr>
-          </a:lnRef>
-          <a:fillRef idx="1">
-            <a:schemeClr val="accent1"/>
-          </a:fillRef>
-          <a:effectRef idx="0">
-            <a:schemeClr val="accent1"/>
-          </a:effectRef>
-          <a:fontRef idx="minor">
-            <a:schemeClr val="lt1"/>
-          </a:fontRef>
-        </p:style>
-        <p:txBody>
-          <a:bodyPr rtlCol="0" anchor="ctr"/>
-          <a:lstStyle/>
-          <a:p>
-            <a:r>
-              <a:rPr lang="de-CH" sz="1200" dirty="0">
-                <a:solidFill>
-                  <a:schemeClr val="tx1"/>
-                </a:solidFill>
-                <a:latin typeface="Arial" panose="020B0604020202020204" pitchFamily="34" charset="0"/>
-                <a:cs typeface="Arial" panose="020B0604020202020204" pitchFamily="34" charset="0"/>
-              </a:rPr>
-              <a:t>Konzert wählen (optional)</a:t>
-            </a:r>
-          </a:p>
-        </p:txBody>
-      </p:sp>
-      <p:pic>
-        <p:nvPicPr>
-          <p:cNvPr id="9" name="Grafik 8">
-            <a:extLst>
-              <a:ext uri="{FF2B5EF4-FFF2-40B4-BE49-F238E27FC236}">
-                <a16:creationId xmlns:a16="http://schemas.microsoft.com/office/drawing/2014/main" id="{A1FD60B4-3AAB-3B86-6C08-F2B53C18BDFD}"/>
-              </a:ext>
-            </a:extLst>
-          </p:cNvPr>
-          <p:cNvPicPr>
-            <a:picLocks noChangeAspect="1"/>
-          </p:cNvPicPr>
-          <p:nvPr/>
-        </p:nvPicPr>
-        <p:blipFill>
-          <a:blip r:embed="rId4"/>
-          <a:stretch>
-            <a:fillRect/>
-          </a:stretch>
-        </p:blipFill>
-        <p:spPr>
-          <a:xfrm>
-            <a:off x="2943168" y="1887332"/>
-            <a:ext cx="321154" cy="157428"/>
-          </a:xfrm>
-          <a:prstGeom prst="rect">
-            <a:avLst/>
-          </a:prstGeom>
-        </p:spPr>
-      </p:pic>
-      <p:sp>
-        <p:nvSpPr>
-          <p:cNvPr id="10" name="Textfeld 9">
-            <a:extLst>
-              <a:ext uri="{FF2B5EF4-FFF2-40B4-BE49-F238E27FC236}">
-                <a16:creationId xmlns:a16="http://schemas.microsoft.com/office/drawing/2014/main" id="{A2D6EE09-DCDA-2FD4-62F3-F95C2129FDFC}"/>
+            <a:endParaRPr lang="de-CH" dirty="0"/>
+          </a:p>
+        </p:txBody>
+      </p:sp>
+      <p:sp>
+        <p:nvSpPr>
+          <p:cNvPr id="5" name="Textfeld 4">
+            <a:extLst>
+              <a:ext uri="{FF2B5EF4-FFF2-40B4-BE49-F238E27FC236}">
+                <a16:creationId xmlns:a16="http://schemas.microsoft.com/office/drawing/2014/main" id="{7E883965-7BB7-0CF8-E8A3-88A1678985B5}"/>
               </a:ext>
             </a:extLst>
           </p:cNvPr>
@@ -14128,8 +16278,8 @@
         </p:nvSpPr>
         <p:spPr>
           <a:xfrm>
-            <a:off x="614763" y="2033077"/>
-            <a:ext cx="1619029" cy="276999"/>
+            <a:off x="2901839" y="843329"/>
+            <a:ext cx="5131324" cy="261610"/>
           </a:xfrm>
           <a:prstGeom prst="rect">
             <a:avLst/>
@@ -14143,21 +16293,51 @@
           <a:lstStyle/>
           <a:p>
             <a:r>
-              <a:rPr lang="de-CH" sz="1200" dirty="0">
-                <a:latin typeface="Arial" panose="020B0604020202020204" pitchFamily="34" charset="0"/>
-                <a:cs typeface="Arial" panose="020B0604020202020204" pitchFamily="34" charset="0"/>
-              </a:rPr>
-              <a:t>Titel</a:t>
-            </a:r>
-          </a:p>
-        </p:txBody>
-      </p:sp>
-      <p:sp>
-        <p:nvSpPr>
-          <p:cNvPr id="11" name="Rechteck 10">
-            <a:extLst>
-              <a:ext uri="{FF2B5EF4-FFF2-40B4-BE49-F238E27FC236}">
-                <a16:creationId xmlns:a16="http://schemas.microsoft.com/office/drawing/2014/main" id="{D2ACEC97-978D-BA7B-68C9-1D7DF9AB85D3}"/>
+              <a:rPr lang="de-CH" sz="1100" b="1" dirty="0" err="1"/>
+              <a:t>id_div_upload_input_file_image</a:t>
+            </a:r>
+            <a:r>
+              <a:rPr lang="de-CH" sz="1100" b="1" dirty="0"/>
+              <a:t>  </a:t>
+            </a:r>
+            <a:r>
+              <a:rPr lang="de-CH" sz="1100" b="1" dirty="0" err="1"/>
+              <a:t>clear</a:t>
+            </a:r>
+            <a:r>
+              <a:rPr lang="de-CH" sz="1100" b="1" dirty="0"/>
+              <a:t> </a:t>
+            </a:r>
+            <a:r>
+              <a:rPr lang="de-CH" sz="1100" b="1" dirty="0" err="1"/>
+              <a:t>both</a:t>
+            </a:r>
+            <a:r>
+              <a:rPr lang="de-CH" sz="1100" b="1" dirty="0"/>
+              <a:t>  Container </a:t>
+            </a:r>
+            <a:r>
+              <a:rPr lang="de-CH" sz="1100" b="1" dirty="0" err="1"/>
+              <a:t>for</a:t>
+            </a:r>
+            <a:r>
+              <a:rPr lang="de-CH" sz="1100" b="1" dirty="0"/>
+              <a:t> </a:t>
+            </a:r>
+            <a:r>
+              <a:rPr lang="de-CH" sz="1100" b="1" dirty="0" err="1"/>
+              <a:t>JazzUploadImage</a:t>
+            </a:r>
+            <a:endParaRPr lang="de-CH" b="1" dirty="0"/>
+          </a:p>
+        </p:txBody>
+      </p:sp>
+      <p:sp>
+        <p:nvSpPr>
+          <p:cNvPr id="10" name="Rechteck 9">
+            <a:extLst>
+              <a:ext uri="{FF2B5EF4-FFF2-40B4-BE49-F238E27FC236}">
+                <a16:creationId xmlns:a16="http://schemas.microsoft.com/office/drawing/2014/main" id="{7ABFDC11-97B6-7F0F-F539-5CDA3359270D}"/>
               </a:ext>
             </a:extLst>
           </p:cNvPr>
@@ -14166,8 +16346,8 @@
         </p:nvSpPr>
         <p:spPr>
           <a:xfrm>
-            <a:off x="680121" y="2299655"/>
-            <a:ext cx="3084994" cy="228869"/>
+            <a:off x="6162960" y="2148646"/>
+            <a:ext cx="1667596" cy="160628"/>
           </a:xfrm>
           <a:prstGeom prst="rect">
             <a:avLst/>
@@ -14209,72 +16389,32 @@
                 <a:latin typeface="Arial" panose="020B0604020202020204" pitchFamily="34" charset="0"/>
                 <a:cs typeface="Arial" panose="020B0604020202020204" pitchFamily="34" charset="0"/>
               </a:rPr>
-              <a:t>Kurzer Bildtext</a:t>
-            </a:r>
-          </a:p>
-        </p:txBody>
-      </p:sp>
-      <p:sp>
-        <p:nvSpPr>
-          <p:cNvPr id="12" name="Textfeld 11">
-            <a:extLst>
-              <a:ext uri="{FF2B5EF4-FFF2-40B4-BE49-F238E27FC236}">
-                <a16:creationId xmlns:a16="http://schemas.microsoft.com/office/drawing/2014/main" id="{5811EF84-24D0-0316-8262-A73847379E37}"/>
-              </a:ext>
-            </a:extLst>
-          </p:cNvPr>
-          <p:cNvSpPr txBox="1"/>
-          <p:nvPr/>
-        </p:nvSpPr>
-        <p:spPr>
-          <a:xfrm>
-            <a:off x="592527" y="2526752"/>
-            <a:ext cx="1619029" cy="276999"/>
+              <a:t>Name des ausgewählte Bildes </a:t>
+            </a:r>
+          </a:p>
+        </p:txBody>
+      </p:sp>
+      <p:sp>
+        <p:nvSpPr>
+          <p:cNvPr id="11" name="Rechteck 10">
+            <a:extLst>
+              <a:ext uri="{FF2B5EF4-FFF2-40B4-BE49-F238E27FC236}">
+                <a16:creationId xmlns:a16="http://schemas.microsoft.com/office/drawing/2014/main" id="{5AAFC9D4-407C-AF52-4731-99593116D2BD}"/>
+              </a:ext>
+            </a:extLst>
+          </p:cNvPr>
+          <p:cNvSpPr/>
+          <p:nvPr/>
+        </p:nvSpPr>
+        <p:spPr>
+          <a:xfrm>
+            <a:off x="9333537" y="1193430"/>
+            <a:ext cx="1017778" cy="237002"/>
           </a:xfrm>
           <a:prstGeom prst="rect">
             <a:avLst/>
           </a:prstGeom>
           <a:noFill/>
-        </p:spPr>
-        <p:txBody>
-          <a:bodyPr wrap="square" rtlCol="0">
-            <a:spAutoFit/>
-          </a:bodyPr>
-          <a:lstStyle/>
-          <a:p>
-            <a:r>
-              <a:rPr lang="de-CH" sz="1200" dirty="0">
-                <a:latin typeface="Arial" panose="020B0604020202020204" pitchFamily="34" charset="0"/>
-                <a:cs typeface="Arial" panose="020B0604020202020204" pitchFamily="34" charset="0"/>
-              </a:rPr>
-              <a:t>Text (optional)</a:t>
-            </a:r>
-          </a:p>
-        </p:txBody>
-      </p:sp>
-      <p:sp>
-        <p:nvSpPr>
-          <p:cNvPr id="13" name="Rechteck 12">
-            <a:extLst>
-              <a:ext uri="{FF2B5EF4-FFF2-40B4-BE49-F238E27FC236}">
-                <a16:creationId xmlns:a16="http://schemas.microsoft.com/office/drawing/2014/main" id="{AE2A1CEE-72A1-1BDC-0228-D7623381F22D}"/>
-              </a:ext>
-            </a:extLst>
-          </p:cNvPr>
-          <p:cNvSpPr/>
-          <p:nvPr/>
-        </p:nvSpPr>
-        <p:spPr>
-          <a:xfrm>
-            <a:off x="680121" y="2783419"/>
-            <a:ext cx="3084994" cy="455491"/>
-          </a:xfrm>
-          <a:prstGeom prst="rect">
-            <a:avLst/>
-          </a:prstGeom>
-          <a:solidFill>
-            <a:schemeClr val="bg1"/>
-          </a:solidFill>
           <a:ln>
             <a:solidFill>
               <a:schemeClr val="tx1"/>
@@ -14301,89 +16441,71 @@
           <a:bodyPr rtlCol="0" anchor="ctr"/>
           <a:lstStyle/>
           <a:p>
-            <a:r>
-              <a:rPr lang="de-CH" sz="800" i="1" dirty="0">
+            <a:pPr algn="ctr"/>
+            <a:r>
+              <a:rPr lang="de-CH" sz="1200" dirty="0">
                 <a:solidFill>
                   <a:schemeClr val="tx1"/>
                 </a:solidFill>
                 <a:latin typeface="Arial" panose="020B0604020202020204" pitchFamily="34" charset="0"/>
                 <a:cs typeface="Arial" panose="020B0604020202020204" pitchFamily="34" charset="0"/>
               </a:rPr>
-              <a:t>Freier Text</a:t>
-            </a:r>
-          </a:p>
-          <a:p>
-            <a:endParaRPr lang="de-CH" sz="1200" i="1" dirty="0">
-              <a:solidFill>
-                <a:schemeClr val="tx1"/>
-              </a:solidFill>
-              <a:latin typeface="Arial" panose="020B0604020202020204" pitchFamily="34" charset="0"/>
-              <a:cs typeface="Arial" panose="020B0604020202020204" pitchFamily="34" charset="0"/>
-            </a:endParaRPr>
-          </a:p>
-        </p:txBody>
-      </p:sp>
-      <p:sp>
-        <p:nvSpPr>
-          <p:cNvPr id="14" name="Textfeld 13">
-            <a:extLst>
-              <a:ext uri="{FF2B5EF4-FFF2-40B4-BE49-F238E27FC236}">
-                <a16:creationId xmlns:a16="http://schemas.microsoft.com/office/drawing/2014/main" id="{8F01A745-C776-C204-233A-479DFFD04E6B}"/>
-              </a:ext>
-            </a:extLst>
-          </p:cNvPr>
-          <p:cNvSpPr txBox="1"/>
-          <p:nvPr/>
-        </p:nvSpPr>
-        <p:spPr>
-          <a:xfrm>
-            <a:off x="603701" y="3306732"/>
-            <a:ext cx="2660621" cy="276999"/>
+              <a:t>Bild wählen</a:t>
+            </a:r>
+          </a:p>
+        </p:txBody>
+      </p:sp>
+      <p:pic>
+        <p:nvPicPr>
+          <p:cNvPr id="13" name="Grafik 12">
+            <a:extLst>
+              <a:ext uri="{FF2B5EF4-FFF2-40B4-BE49-F238E27FC236}">
+                <a16:creationId xmlns:a16="http://schemas.microsoft.com/office/drawing/2014/main" id="{BDCB5C60-2F7E-C5A1-F4B8-5C6F182FDE01}"/>
+              </a:ext>
+            </a:extLst>
+          </p:cNvPr>
+          <p:cNvPicPr>
+            <a:picLocks noChangeAspect="1"/>
+          </p:cNvPicPr>
+          <p:nvPr/>
+        </p:nvPicPr>
+        <p:blipFill>
+          <a:blip r:embed="rId2"/>
+          <a:stretch>
+            <a:fillRect/>
+          </a:stretch>
+        </p:blipFill>
+        <p:spPr>
+          <a:xfrm>
+            <a:off x="4931828" y="2822619"/>
+            <a:ext cx="1193813" cy="1033191"/>
+          </a:xfrm>
+          <a:prstGeom prst="rect">
+            <a:avLst/>
+          </a:prstGeom>
+        </p:spPr>
+      </p:pic>
+      <p:sp>
+        <p:nvSpPr>
+          <p:cNvPr id="14" name="Rechteck 13">
+            <a:extLst>
+              <a:ext uri="{FF2B5EF4-FFF2-40B4-BE49-F238E27FC236}">
+                <a16:creationId xmlns:a16="http://schemas.microsoft.com/office/drawing/2014/main" id="{3CD631C4-8007-8A7F-0B29-6AF35EBF7396}"/>
+              </a:ext>
+            </a:extLst>
+          </p:cNvPr>
+          <p:cNvSpPr/>
+          <p:nvPr/>
+        </p:nvSpPr>
+        <p:spPr>
+          <a:xfrm>
+            <a:off x="6848731" y="4769713"/>
+            <a:ext cx="1017778" cy="292247"/>
           </a:xfrm>
           <a:prstGeom prst="rect">
             <a:avLst/>
           </a:prstGeom>
           <a:noFill/>
-        </p:spPr>
-        <p:txBody>
-          <a:bodyPr wrap="square" rtlCol="0">
-            <a:spAutoFit/>
-          </a:bodyPr>
-          <a:lstStyle/>
-          <a:p>
-            <a:r>
-              <a:rPr lang="de-CH" sz="1200" dirty="0">
-                <a:latin typeface="Arial" panose="020B0604020202020204" pitchFamily="34" charset="0"/>
-                <a:cs typeface="Arial" panose="020B0604020202020204" pitchFamily="34" charset="0"/>
-              </a:rPr>
-              <a:t>Bemerkung (optional)</a:t>
-            </a:r>
-          </a:p>
-        </p:txBody>
-      </p:sp>
-      <p:sp>
-        <p:nvSpPr>
-          <p:cNvPr id="15" name="Rechteck 14">
-            <a:extLst>
-              <a:ext uri="{FF2B5EF4-FFF2-40B4-BE49-F238E27FC236}">
-                <a16:creationId xmlns:a16="http://schemas.microsoft.com/office/drawing/2014/main" id="{88A234D2-64C9-BBEE-73C2-7BA7246E893F}"/>
-              </a:ext>
-            </a:extLst>
-          </p:cNvPr>
-          <p:cNvSpPr/>
-          <p:nvPr/>
-        </p:nvSpPr>
-        <p:spPr>
-          <a:xfrm>
-            <a:off x="691295" y="3563399"/>
-            <a:ext cx="3084994" cy="455491"/>
-          </a:xfrm>
-          <a:prstGeom prst="rect">
-            <a:avLst/>
-          </a:prstGeom>
-          <a:solidFill>
-            <a:schemeClr val="bg1"/>
-          </a:solidFill>
           <a:ln>
             <a:solidFill>
               <a:schemeClr val="tx1"/>
@@ -14410,34 +16532,26 @@
           <a:bodyPr rtlCol="0" anchor="ctr"/>
           <a:lstStyle/>
           <a:p>
-            <a:r>
-              <a:rPr lang="de-CH" sz="800" i="1" dirty="0">
+            <a:pPr algn="ctr"/>
+            <a:r>
+              <a:rPr lang="de-CH" sz="1200" dirty="0">
                 <a:solidFill>
                   <a:schemeClr val="tx1"/>
                 </a:solidFill>
                 <a:latin typeface="Arial" panose="020B0604020202020204" pitchFamily="34" charset="0"/>
                 <a:cs typeface="Arial" panose="020B0604020202020204" pitchFamily="34" charset="0"/>
               </a:rPr>
-              <a:t>Freier Text</a:t>
-            </a:r>
-          </a:p>
-          <a:p>
-            <a:endParaRPr lang="de-CH" sz="1200" i="1" dirty="0">
-              <a:solidFill>
-                <a:schemeClr val="tx1"/>
-              </a:solidFill>
-              <a:latin typeface="Arial" panose="020B0604020202020204" pitchFamily="34" charset="0"/>
-              <a:cs typeface="Arial" panose="020B0604020202020204" pitchFamily="34" charset="0"/>
-            </a:endParaRPr>
-          </a:p>
-        </p:txBody>
-      </p:sp>
-      <p:sp>
-        <p:nvSpPr>
-          <p:cNvPr id="16" name="Rechteck 15">
-            <a:extLst>
-              <a:ext uri="{FF2B5EF4-FFF2-40B4-BE49-F238E27FC236}">
-                <a16:creationId xmlns:a16="http://schemas.microsoft.com/office/drawing/2014/main" id="{B1B7A835-CFF5-2ED8-1743-704F3779AB81}"/>
+              <a:t>Weiter</a:t>
+            </a:r>
+          </a:p>
+        </p:txBody>
+      </p:sp>
+      <p:sp>
+        <p:nvSpPr>
+          <p:cNvPr id="15" name="Rechteck 14">
+            <a:extLst>
+              <a:ext uri="{FF2B5EF4-FFF2-40B4-BE49-F238E27FC236}">
+                <a16:creationId xmlns:a16="http://schemas.microsoft.com/office/drawing/2014/main" id="{365D8E90-275B-E6A9-14F1-4C233EF7F4A2}"/>
               </a:ext>
             </a:extLst>
           </p:cNvPr>
@@ -14446,8 +16560,8 @@
         </p:nvSpPr>
         <p:spPr>
           <a:xfrm>
-            <a:off x="2654753" y="4286721"/>
-            <a:ext cx="1017778" cy="292247"/>
+            <a:off x="3469223" y="4778347"/>
+            <a:ext cx="970802" cy="235704"/>
           </a:xfrm>
           <a:prstGeom prst="rect">
             <a:avLst/>
@@ -14488,17 +16602,17 @@
                 <a:latin typeface="Arial" panose="020B0604020202020204" pitchFamily="34" charset="0"/>
                 <a:cs typeface="Arial" panose="020B0604020202020204" pitchFamily="34" charset="0"/>
               </a:rPr>
-              <a:t>Senden</a:t>
-            </a:r>
-          </a:p>
-        </p:txBody>
-      </p:sp>
-      <p:sp>
-        <p:nvSpPr>
-          <p:cNvPr id="17" name="Rechteck 16">
-            <a:extLst>
-              <a:ext uri="{FF2B5EF4-FFF2-40B4-BE49-F238E27FC236}">
-                <a16:creationId xmlns:a16="http://schemas.microsoft.com/office/drawing/2014/main" id="{5F707348-1F3B-4216-94A3-86CC5C5D512F}"/>
+              <a:t>Zurück</a:t>
+            </a:r>
+          </a:p>
+        </p:txBody>
+      </p:sp>
+      <p:sp>
+        <p:nvSpPr>
+          <p:cNvPr id="16" name="Rechteck 15">
+            <a:extLst>
+              <a:ext uri="{FF2B5EF4-FFF2-40B4-BE49-F238E27FC236}">
+                <a16:creationId xmlns:a16="http://schemas.microsoft.com/office/drawing/2014/main" id="{1693A018-574C-E3DC-115E-AC63C201C051}"/>
               </a:ext>
             </a:extLst>
           </p:cNvPr>
@@ -14507,14 +16621,14 @@
         </p:nvSpPr>
         <p:spPr>
           <a:xfrm>
-            <a:off x="696315" y="4260647"/>
-            <a:ext cx="1017778" cy="292247"/>
+            <a:off x="2963073" y="1148049"/>
+            <a:ext cx="5731496" cy="858665"/>
           </a:xfrm>
           <a:prstGeom prst="rect">
             <a:avLst/>
           </a:prstGeom>
           <a:noFill/>
-          <a:ln>
+          <a:ln w="12700">
             <a:solidFill>
               <a:schemeClr val="tx1"/>
             </a:solidFill>
@@ -14541,16 +16655,43 @@
           <a:lstStyle/>
           <a:p>
             <a:pPr algn="ctr"/>
-            <a:r>
-              <a:rPr lang="de-CH" sz="1200" dirty="0">
-                <a:solidFill>
-                  <a:schemeClr val="tx1"/>
-                </a:solidFill>
-                <a:latin typeface="Arial" panose="020B0604020202020204" pitchFamily="34" charset="0"/>
-                <a:cs typeface="Arial" panose="020B0604020202020204" pitchFamily="34" charset="0"/>
-              </a:rPr>
-              <a:t>Zurück</a:t>
-            </a:r>
+            <a:endParaRPr lang="de-CH" dirty="0"/>
+          </a:p>
+        </p:txBody>
+      </p:sp>
+      <p:sp>
+        <p:nvSpPr>
+          <p:cNvPr id="17" name="Textfeld 16">
+            <a:extLst>
+              <a:ext uri="{FF2B5EF4-FFF2-40B4-BE49-F238E27FC236}">
+                <a16:creationId xmlns:a16="http://schemas.microsoft.com/office/drawing/2014/main" id="{D9E40867-B285-FD4F-1910-15A5F9DD4714}"/>
+              </a:ext>
+            </a:extLst>
+          </p:cNvPr>
+          <p:cNvSpPr txBox="1"/>
+          <p:nvPr/>
+        </p:nvSpPr>
+        <p:spPr>
+          <a:xfrm>
+            <a:off x="2901838" y="1124779"/>
+            <a:ext cx="2183962" cy="261610"/>
+          </a:xfrm>
+          <a:prstGeom prst="rect">
+            <a:avLst/>
+          </a:prstGeom>
+          <a:noFill/>
+        </p:spPr>
+        <p:txBody>
+          <a:bodyPr wrap="square" rtlCol="0">
+            <a:spAutoFit/>
+          </a:bodyPr>
+          <a:lstStyle/>
+          <a:p>
+            <a:r>
+              <a:rPr lang="de-CH" sz="1100" b="1" dirty="0" err="1"/>
+              <a:t>id_div_guestbook_fileupload</a:t>
+            </a:r>
+            <a:endParaRPr lang="de-CH" b="1" dirty="0"/>
           </a:p>
         </p:txBody>
       </p:sp>
@@ -14559,7 +16700,7 @@
           <p:cNvPr id="18" name="Rechteck 17">
             <a:extLst>
               <a:ext uri="{FF2B5EF4-FFF2-40B4-BE49-F238E27FC236}">
-                <a16:creationId xmlns:a16="http://schemas.microsoft.com/office/drawing/2014/main" id="{6D71D7E3-CD9C-BEAB-2E8D-75B80B4FA43B}"/>
+                <a16:creationId xmlns:a16="http://schemas.microsoft.com/office/drawing/2014/main" id="{4178727E-5D46-D413-5F8F-0030E58D28EE}"/>
               </a:ext>
             </a:extLst>
           </p:cNvPr>
@@ -14568,14 +16709,14 @@
         </p:nvSpPr>
         <p:spPr>
           <a:xfrm>
-            <a:off x="5306797" y="593526"/>
-            <a:ext cx="6061930" cy="371492"/>
+            <a:off x="2963073" y="2086708"/>
+            <a:ext cx="5731496" cy="289123"/>
           </a:xfrm>
           <a:prstGeom prst="rect">
             <a:avLst/>
           </a:prstGeom>
           <a:noFill/>
-          <a:ln w="19050">
+          <a:ln w="12700">
             <a:solidFill>
               <a:schemeClr val="tx1"/>
             </a:solidFill>
@@ -14611,7 +16752,7 @@
           <p:cNvPr id="19" name="Textfeld 18">
             <a:extLst>
               <a:ext uri="{FF2B5EF4-FFF2-40B4-BE49-F238E27FC236}">
-                <a16:creationId xmlns:a16="http://schemas.microsoft.com/office/drawing/2014/main" id="{210A3859-6957-8621-ED98-E43BFE138262}"/>
+                <a16:creationId xmlns:a16="http://schemas.microsoft.com/office/drawing/2014/main" id="{2F72101C-B6E1-6A6A-6935-B22A2A584CB4}"/>
               </a:ext>
             </a:extLst>
           </p:cNvPr>
@@ -14620,8 +16761,8 @@
         </p:nvSpPr>
         <p:spPr>
           <a:xfrm>
-            <a:off x="5306797" y="564433"/>
-            <a:ext cx="4333461" cy="261610"/>
+            <a:off x="2963073" y="2086708"/>
+            <a:ext cx="5131324" cy="261610"/>
           </a:xfrm>
           <a:prstGeom prst="rect">
             <a:avLst/>
@@ -14636,7 +16777,7 @@
           <a:p>
             <a:r>
               <a:rPr lang="de-CH" sz="1100" b="1" dirty="0" err="1"/>
-              <a:t>id_div_upload_texts_concert</a:t>
+              <a:t>id_div_guestbook_file_name</a:t>
             </a:r>
             <a:r>
               <a:rPr lang="de-CH" sz="1100" b="1" dirty="0"/>
@@ -14663,7 +16804,7 @@
           <p:cNvPr id="20" name="Rechteck 19">
             <a:extLst>
               <a:ext uri="{FF2B5EF4-FFF2-40B4-BE49-F238E27FC236}">
-                <a16:creationId xmlns:a16="http://schemas.microsoft.com/office/drawing/2014/main" id="{5041AF2E-0255-71C7-39DF-C818CFC9C8EB}"/>
+                <a16:creationId xmlns:a16="http://schemas.microsoft.com/office/drawing/2014/main" id="{41C105D4-5C3D-4BD9-FBF8-6E34CF38BE8C}"/>
               </a:ext>
             </a:extLst>
           </p:cNvPr>
@@ -14672,14 +16813,14 @@
         </p:nvSpPr>
         <p:spPr>
           <a:xfrm>
-            <a:off x="5297370" y="1059816"/>
-            <a:ext cx="6061930" cy="371492"/>
+            <a:off x="2963073" y="2488907"/>
+            <a:ext cx="5731496" cy="1569731"/>
           </a:xfrm>
           <a:prstGeom prst="rect">
             <a:avLst/>
           </a:prstGeom>
           <a:noFill/>
-          <a:ln w="19050">
+          <a:ln w="12700">
             <a:solidFill>
               <a:schemeClr val="tx1"/>
             </a:solidFill>
@@ -14715,7 +16856,7 @@
           <p:cNvPr id="21" name="Textfeld 20">
             <a:extLst>
               <a:ext uri="{FF2B5EF4-FFF2-40B4-BE49-F238E27FC236}">
-                <a16:creationId xmlns:a16="http://schemas.microsoft.com/office/drawing/2014/main" id="{DF321D47-89A3-66D9-A5DB-AF913F191183}"/>
+                <a16:creationId xmlns:a16="http://schemas.microsoft.com/office/drawing/2014/main" id="{444FAB40-CB53-B536-616A-157F8229F94A}"/>
               </a:ext>
             </a:extLst>
           </p:cNvPr>
@@ -14724,8 +16865,8 @@
         </p:nvSpPr>
         <p:spPr>
           <a:xfrm>
-            <a:off x="5297370" y="1030723"/>
-            <a:ext cx="4333461" cy="261610"/>
+            <a:off x="2963073" y="2464945"/>
+            <a:ext cx="5131324" cy="261610"/>
           </a:xfrm>
           <a:prstGeom prst="rect">
             <a:avLst/>
@@ -14740,11 +16881,11 @@
           <a:p>
             <a:r>
               <a:rPr lang="de-CH" sz="1100" b="1" dirty="0" err="1"/>
-              <a:t>id_div_upload_texts_title</a:t>
+              <a:t>id_div_image_container</a:t>
             </a:r>
             <a:r>
               <a:rPr lang="de-CH" sz="1100" b="1" dirty="0"/>
-              <a:t>  </a:t>
+              <a:t> </a:t>
             </a:r>
             <a:r>
               <a:rPr lang="de-CH" sz="1100" b="1" dirty="0" err="1"/>
@@ -14767,7 +16908,7 @@
           <p:cNvPr id="22" name="Rechteck 21">
             <a:extLst>
               <a:ext uri="{FF2B5EF4-FFF2-40B4-BE49-F238E27FC236}">
-                <a16:creationId xmlns:a16="http://schemas.microsoft.com/office/drawing/2014/main" id="{586B35F0-9482-CE05-BC71-AC22BA0AEA94}"/>
+                <a16:creationId xmlns:a16="http://schemas.microsoft.com/office/drawing/2014/main" id="{FA07AF40-E0B0-1928-3F89-05B882454A53}"/>
               </a:ext>
             </a:extLst>
           </p:cNvPr>
@@ -14776,8 +16917,8 @@
         </p:nvSpPr>
         <p:spPr>
           <a:xfrm>
-            <a:off x="5306797" y="1548300"/>
-            <a:ext cx="6061930" cy="371492"/>
+            <a:off x="2901838" y="4256487"/>
+            <a:ext cx="6053625" cy="1107533"/>
           </a:xfrm>
           <a:prstGeom prst="rect">
             <a:avLst/>
@@ -14819,7 +16960,7 @@
           <p:cNvPr id="23" name="Textfeld 22">
             <a:extLst>
               <a:ext uri="{FF2B5EF4-FFF2-40B4-BE49-F238E27FC236}">
-                <a16:creationId xmlns:a16="http://schemas.microsoft.com/office/drawing/2014/main" id="{96897E7C-EAB6-62CF-3690-67A18F362BB1}"/>
+                <a16:creationId xmlns:a16="http://schemas.microsoft.com/office/drawing/2014/main" id="{0BE30790-841D-B658-02B1-DDEDCBBCE0CE}"/>
               </a:ext>
             </a:extLst>
           </p:cNvPr>
@@ -14828,7 +16969,7 @@
         </p:nvSpPr>
         <p:spPr>
           <a:xfrm>
-            <a:off x="5306797" y="1519207"/>
+            <a:off x="2901838" y="4258489"/>
             <a:ext cx="4333461" cy="261610"/>
           </a:xfrm>
           <a:prstGeom prst="rect">
@@ -14844,7 +16985,7 @@
           <a:p>
             <a:r>
               <a:rPr lang="de-CH" sz="1100" b="1" dirty="0" err="1"/>
-              <a:t>id_div_upload_texts_title</a:t>
+              <a:t>id_div_upload_button_back_forward_part_two</a:t>
             </a:r>
             <a:r>
               <a:rPr lang="de-CH" sz="1100" b="1" dirty="0"/>
@@ -14871,7 +17012,7 @@
           <p:cNvPr id="24" name="Rechteck 23">
             <a:extLst>
               <a:ext uri="{FF2B5EF4-FFF2-40B4-BE49-F238E27FC236}">
-                <a16:creationId xmlns:a16="http://schemas.microsoft.com/office/drawing/2014/main" id="{454138E2-763C-6B8E-C2CF-500F9FD89633}"/>
+                <a16:creationId xmlns:a16="http://schemas.microsoft.com/office/drawing/2014/main" id="{1D5D3503-73A8-A1E9-2DE6-6CE8C2873751}"/>
               </a:ext>
             </a:extLst>
           </p:cNvPr>
@@ -14880,8 +17021,8 @@
         </p:nvSpPr>
         <p:spPr>
           <a:xfrm>
-            <a:off x="5306797" y="2033077"/>
-            <a:ext cx="6061930" cy="371492"/>
+            <a:off x="2963074" y="4498290"/>
+            <a:ext cx="2796704" cy="595754"/>
           </a:xfrm>
           <a:prstGeom prst="rect">
             <a:avLst/>
@@ -14923,7 +17064,7 @@
           <p:cNvPr id="25" name="Textfeld 24">
             <a:extLst>
               <a:ext uri="{FF2B5EF4-FFF2-40B4-BE49-F238E27FC236}">
-                <a16:creationId xmlns:a16="http://schemas.microsoft.com/office/drawing/2014/main" id="{F3FEF7F8-0BC0-B51A-B91C-60F814F833C0}"/>
+                <a16:creationId xmlns:a16="http://schemas.microsoft.com/office/drawing/2014/main" id="{781F1392-A57C-EF21-43B3-B5A797C205C3}"/>
               </a:ext>
             </a:extLst>
           </p:cNvPr>
@@ -14932,8 +17073,8 @@
         </p:nvSpPr>
         <p:spPr>
           <a:xfrm>
-            <a:off x="5306797" y="2003984"/>
-            <a:ext cx="4333461" cy="261610"/>
+            <a:off x="2963073" y="4512639"/>
+            <a:ext cx="2796703" cy="261610"/>
           </a:xfrm>
           <a:prstGeom prst="rect">
             <a:avLst/>
@@ -14948,15 +17089,7 @@
           <a:p>
             <a:r>
               <a:rPr lang="de-CH" sz="1100" b="1" dirty="0" err="1"/>
-              <a:t>id_div_upload_texts_text</a:t>
-            </a:r>
-            <a:r>
-              <a:rPr lang="de-CH" sz="1100" b="1" dirty="0"/>
-              <a:t>  </a:t>
-            </a:r>
-            <a:r>
-              <a:rPr lang="de-CH" sz="1100" b="1" dirty="0" err="1"/>
-              <a:t>clear</a:t>
+              <a:t>id_upload_button_back_two</a:t>
             </a:r>
             <a:r>
               <a:rPr lang="de-CH" sz="1100" b="1" dirty="0"/>
@@ -14964,7 +17097,15 @@
             </a:r>
             <a:r>
               <a:rPr lang="de-CH" sz="1100" b="1" dirty="0" err="1"/>
-              <a:t>both</a:t>
+              <a:t>float</a:t>
+            </a:r>
+            <a:r>
+              <a:rPr lang="de-CH" sz="1100" b="1" dirty="0"/>
+              <a:t> </a:t>
+            </a:r>
+            <a:r>
+              <a:rPr lang="de-CH" sz="1100" b="1" dirty="0" err="1"/>
+              <a:t>left</a:t>
             </a:r>
             <a:endParaRPr lang="de-CH" b="1" dirty="0"/>
           </a:p>
@@ -14975,7 +17116,7 @@
           <p:cNvPr id="26" name="Rechteck 25">
             <a:extLst>
               <a:ext uri="{FF2B5EF4-FFF2-40B4-BE49-F238E27FC236}">
-                <a16:creationId xmlns:a16="http://schemas.microsoft.com/office/drawing/2014/main" id="{B0C7EE5C-C307-3EF1-CE09-ED9BB5F755A4}"/>
+                <a16:creationId xmlns:a16="http://schemas.microsoft.com/office/drawing/2014/main" id="{A70998FB-6CA3-4326-C34F-BB0EEA264EC5}"/>
               </a:ext>
             </a:extLst>
           </p:cNvPr>
@@ -14984,8 +17125,8 @@
         </p:nvSpPr>
         <p:spPr>
           <a:xfrm>
-            <a:off x="5297370" y="2503074"/>
-            <a:ext cx="6061930" cy="371492"/>
+            <a:off x="5836947" y="4494953"/>
+            <a:ext cx="2857622" cy="595754"/>
           </a:xfrm>
           <a:prstGeom prst="rect">
             <a:avLst/>
@@ -15027,7 +17168,7 @@
           <p:cNvPr id="27" name="Textfeld 26">
             <a:extLst>
               <a:ext uri="{FF2B5EF4-FFF2-40B4-BE49-F238E27FC236}">
-                <a16:creationId xmlns:a16="http://schemas.microsoft.com/office/drawing/2014/main" id="{28EC7B1A-DCC5-CFC1-81A3-0EEFE7BE1D6E}"/>
+                <a16:creationId xmlns:a16="http://schemas.microsoft.com/office/drawing/2014/main" id="{EC46F527-DD0F-06A3-9051-988C6D640B99}"/>
               </a:ext>
             </a:extLst>
           </p:cNvPr>
@@ -15036,8 +17177,8 @@
         </p:nvSpPr>
         <p:spPr>
           <a:xfrm>
-            <a:off x="5297370" y="2473981"/>
-            <a:ext cx="4333461" cy="261610"/>
+            <a:off x="5759776" y="4509195"/>
+            <a:ext cx="3250492" cy="261610"/>
           </a:xfrm>
           <a:prstGeom prst="rect">
             <a:avLst/>
@@ -15051,8 +17192,12 @@
           <a:lstStyle/>
           <a:p>
             <a:r>
+              <a:rPr lang="de-CH" sz="1100" b="1"/>
+              <a:t>id_</a:t>
+            </a:r>
+            <a:r>
               <a:rPr lang="de-CH" sz="1100" b="1" dirty="0" err="1"/>
-              <a:t>id_div_upload_texts_remark</a:t>
+              <a:t>upload_button_forward_two</a:t>
             </a:r>
             <a:r>
               <a:rPr lang="de-CH" sz="1100" b="1" dirty="0"/>
@@ -15060,7 +17205,7 @@
             </a:r>
             <a:r>
               <a:rPr lang="de-CH" sz="1100" b="1" dirty="0" err="1"/>
-              <a:t>clear</a:t>
+              <a:t>float</a:t>
             </a:r>
             <a:r>
               <a:rPr lang="de-CH" sz="1100" b="1" dirty="0"/>
@@ -15068,7 +17213,7 @@
             </a:r>
             <a:r>
               <a:rPr lang="de-CH" sz="1100" b="1" dirty="0" err="1"/>
-              <a:t>both</a:t>
+              <a:t>right</a:t>
             </a:r>
             <a:endParaRPr lang="de-CH" b="1" dirty="0"/>
           </a:p>
@@ -15076,10 +17221,10 @@
       </p:sp>
       <p:sp>
         <p:nvSpPr>
-          <p:cNvPr id="28" name="Rechteck 27">
-            <a:extLst>
-              <a:ext uri="{FF2B5EF4-FFF2-40B4-BE49-F238E27FC236}">
-                <a16:creationId xmlns:a16="http://schemas.microsoft.com/office/drawing/2014/main" id="{43F6024A-78B0-AF18-65A9-B81AD95AF3E4}"/>
+          <p:cNvPr id="6" name="Rechteck 5">
+            <a:extLst>
+              <a:ext uri="{FF2B5EF4-FFF2-40B4-BE49-F238E27FC236}">
+                <a16:creationId xmlns:a16="http://schemas.microsoft.com/office/drawing/2014/main" id="{03721909-769B-393D-4D73-648E7CEF1FEB}"/>
               </a:ext>
             </a:extLst>
           </p:cNvPr>
@@ -15088,14 +17233,14 @@
         </p:nvSpPr>
         <p:spPr>
           <a:xfrm>
-            <a:off x="9243139" y="3893019"/>
-            <a:ext cx="1017778" cy="292247"/>
+            <a:off x="3086122" y="1383966"/>
+            <a:ext cx="5731496" cy="337596"/>
           </a:xfrm>
           <a:prstGeom prst="rect">
             <a:avLst/>
           </a:prstGeom>
           <a:noFill/>
-          <a:ln>
+          <a:ln w="12700">
             <a:solidFill>
               <a:schemeClr val="tx1"/>
             </a:solidFill>
@@ -15122,138 +17267,16 @@
           <a:lstStyle/>
           <a:p>
             <a:pPr algn="ctr"/>
-            <a:r>
-              <a:rPr lang="de-CH" sz="1200" dirty="0">
-                <a:solidFill>
-                  <a:schemeClr val="tx1"/>
-                </a:solidFill>
-                <a:latin typeface="Arial" panose="020B0604020202020204" pitchFamily="34" charset="0"/>
-                <a:cs typeface="Arial" panose="020B0604020202020204" pitchFamily="34" charset="0"/>
-              </a:rPr>
-              <a:t>Speichern</a:t>
-            </a:r>
-          </a:p>
-        </p:txBody>
-      </p:sp>
-      <p:sp>
-        <p:nvSpPr>
-          <p:cNvPr id="29" name="Rechteck 28">
-            <a:extLst>
-              <a:ext uri="{FF2B5EF4-FFF2-40B4-BE49-F238E27FC236}">
-                <a16:creationId xmlns:a16="http://schemas.microsoft.com/office/drawing/2014/main" id="{0AECAB47-1F35-3484-E89E-3D14ABB33336}"/>
-              </a:ext>
-            </a:extLst>
-          </p:cNvPr>
-          <p:cNvSpPr/>
-          <p:nvPr/>
-        </p:nvSpPr>
-        <p:spPr>
-          <a:xfrm>
-            <a:off x="5863631" y="3901653"/>
-            <a:ext cx="970802" cy="235704"/>
-          </a:xfrm>
-          <a:prstGeom prst="rect">
-            <a:avLst/>
-          </a:prstGeom>
-          <a:noFill/>
-          <a:ln>
-            <a:solidFill>
-              <a:schemeClr val="tx1"/>
-            </a:solidFill>
-          </a:ln>
-        </p:spPr>
-        <p:style>
-          <a:lnRef idx="2">
-            <a:schemeClr val="accent1">
-              <a:shade val="50000"/>
-            </a:schemeClr>
-          </a:lnRef>
-          <a:fillRef idx="1">
-            <a:schemeClr val="accent1"/>
-          </a:fillRef>
-          <a:effectRef idx="0">
-            <a:schemeClr val="accent1"/>
-          </a:effectRef>
-          <a:fontRef idx="minor">
-            <a:schemeClr val="lt1"/>
-          </a:fontRef>
-        </p:style>
-        <p:txBody>
-          <a:bodyPr rtlCol="0" anchor="ctr"/>
-          <a:lstStyle/>
-          <a:p>
-            <a:pPr algn="ctr"/>
-            <a:r>
-              <a:rPr lang="de-CH" sz="1200" dirty="0">
-                <a:solidFill>
-                  <a:schemeClr val="tx1"/>
-                </a:solidFill>
-                <a:latin typeface="Arial" panose="020B0604020202020204" pitchFamily="34" charset="0"/>
-                <a:cs typeface="Arial" panose="020B0604020202020204" pitchFamily="34" charset="0"/>
-              </a:rPr>
-              <a:t>Zurück</a:t>
-            </a:r>
-          </a:p>
-        </p:txBody>
-      </p:sp>
-      <p:sp>
-        <p:nvSpPr>
-          <p:cNvPr id="30" name="Rechteck 29">
-            <a:extLst>
-              <a:ext uri="{FF2B5EF4-FFF2-40B4-BE49-F238E27FC236}">
-                <a16:creationId xmlns:a16="http://schemas.microsoft.com/office/drawing/2014/main" id="{2A395DD9-83BF-6F2B-D2D3-F12B3C586FF7}"/>
-              </a:ext>
-            </a:extLst>
-          </p:cNvPr>
-          <p:cNvSpPr/>
-          <p:nvPr/>
-        </p:nvSpPr>
-        <p:spPr>
-          <a:xfrm>
-            <a:off x="5296246" y="3379793"/>
-            <a:ext cx="6053625" cy="1107533"/>
-          </a:xfrm>
-          <a:prstGeom prst="rect">
-            <a:avLst/>
-          </a:prstGeom>
-          <a:noFill/>
-          <a:ln w="19050">
-            <a:solidFill>
-              <a:schemeClr val="tx1"/>
-            </a:solidFill>
-          </a:ln>
-        </p:spPr>
-        <p:style>
-          <a:lnRef idx="2">
-            <a:schemeClr val="accent1">
-              <a:shade val="50000"/>
-            </a:schemeClr>
-          </a:lnRef>
-          <a:fillRef idx="1">
-            <a:schemeClr val="accent1"/>
-          </a:fillRef>
-          <a:effectRef idx="0">
-            <a:schemeClr val="accent1"/>
-          </a:effectRef>
-          <a:fontRef idx="minor">
-            <a:schemeClr val="lt1"/>
-          </a:fontRef>
-        </p:style>
-        <p:txBody>
-          <a:bodyPr rtlCol="0" anchor="ctr"/>
-          <a:lstStyle/>
-          <a:p>
-            <a:pPr algn="ctr"/>
             <a:endParaRPr lang="de-CH" dirty="0"/>
           </a:p>
         </p:txBody>
       </p:sp>
       <p:sp>
         <p:nvSpPr>
-          <p:cNvPr id="31" name="Textfeld 30">
-            <a:extLst>
-              <a:ext uri="{FF2B5EF4-FFF2-40B4-BE49-F238E27FC236}">
-                <a16:creationId xmlns:a16="http://schemas.microsoft.com/office/drawing/2014/main" id="{CBA28A34-8066-14ED-AE54-92F905C9651E}"/>
+          <p:cNvPr id="7" name="Textfeld 6">
+            <a:extLst>
+              <a:ext uri="{FF2B5EF4-FFF2-40B4-BE49-F238E27FC236}">
+                <a16:creationId xmlns:a16="http://schemas.microsoft.com/office/drawing/2014/main" id="{F2B64833-79AD-2F30-6A1E-D03FEEABB726}"/>
               </a:ext>
             </a:extLst>
           </p:cNvPr>
@@ -15262,8 +17285,8 @@
         </p:nvSpPr>
         <p:spPr>
           <a:xfrm>
-            <a:off x="5296246" y="3381795"/>
-            <a:ext cx="4333461" cy="261610"/>
+            <a:off x="3086122" y="1429425"/>
+            <a:ext cx="2183962" cy="261610"/>
           </a:xfrm>
           <a:prstGeom prst="rect">
             <a:avLst/>
@@ -15277,232 +17300,16 @@
           <a:lstStyle/>
           <a:p>
             <a:r>
+              <a:rPr lang="de-CH" sz="1100" b="1"/>
+              <a:t>id_</a:t>
+            </a:r>
+            <a:r>
               <a:rPr lang="de-CH" sz="1100" b="1" dirty="0" err="1"/>
-              <a:t>id_div_upload_button_back_forward_part_three</a:t>
-            </a:r>
-            <a:r>
-              <a:rPr lang="de-CH" sz="1100" b="1" dirty="0"/>
-              <a:t>  </a:t>
-            </a:r>
-            <a:r>
-              <a:rPr lang="de-CH" sz="1100" b="1" dirty="0" err="1"/>
-              <a:t>clear</a:t>
+              <a:t>guestbook_fileupload</a:t>
             </a:r>
             <a:r>
               <a:rPr lang="de-CH" sz="1100" b="1" dirty="0"/>
               <a:t> </a:t>
-            </a:r>
-            <a:r>
-              <a:rPr lang="de-CH" sz="1100" b="1" dirty="0" err="1"/>
-              <a:t>both</a:t>
-            </a:r>
-            <a:endParaRPr lang="de-CH" b="1" dirty="0"/>
-          </a:p>
-        </p:txBody>
-      </p:sp>
-      <p:sp>
-        <p:nvSpPr>
-          <p:cNvPr id="32" name="Rechteck 31">
-            <a:extLst>
-              <a:ext uri="{FF2B5EF4-FFF2-40B4-BE49-F238E27FC236}">
-                <a16:creationId xmlns:a16="http://schemas.microsoft.com/office/drawing/2014/main" id="{2F70890F-E793-7314-47F4-A4622D8255FC}"/>
-              </a:ext>
-            </a:extLst>
-          </p:cNvPr>
-          <p:cNvSpPr/>
-          <p:nvPr/>
-        </p:nvSpPr>
-        <p:spPr>
-          <a:xfrm>
-            <a:off x="5357482" y="3621596"/>
-            <a:ext cx="2796704" cy="595754"/>
-          </a:xfrm>
-          <a:prstGeom prst="rect">
-            <a:avLst/>
-          </a:prstGeom>
-          <a:noFill/>
-          <a:ln w="19050">
-            <a:solidFill>
-              <a:schemeClr val="tx1"/>
-            </a:solidFill>
-          </a:ln>
-        </p:spPr>
-        <p:style>
-          <a:lnRef idx="2">
-            <a:schemeClr val="accent1">
-              <a:shade val="50000"/>
-            </a:schemeClr>
-          </a:lnRef>
-          <a:fillRef idx="1">
-            <a:schemeClr val="accent1"/>
-          </a:fillRef>
-          <a:effectRef idx="0">
-            <a:schemeClr val="accent1"/>
-          </a:effectRef>
-          <a:fontRef idx="minor">
-            <a:schemeClr val="lt1"/>
-          </a:fontRef>
-        </p:style>
-        <p:txBody>
-          <a:bodyPr rtlCol="0" anchor="ctr"/>
-          <a:lstStyle/>
-          <a:p>
-            <a:pPr algn="ctr"/>
-            <a:endParaRPr lang="de-CH" dirty="0"/>
-          </a:p>
-        </p:txBody>
-      </p:sp>
-      <p:sp>
-        <p:nvSpPr>
-          <p:cNvPr id="33" name="Textfeld 32">
-            <a:extLst>
-              <a:ext uri="{FF2B5EF4-FFF2-40B4-BE49-F238E27FC236}">
-                <a16:creationId xmlns:a16="http://schemas.microsoft.com/office/drawing/2014/main" id="{F30CB162-9376-A5D4-D947-E871E9E59412}"/>
-              </a:ext>
-            </a:extLst>
-          </p:cNvPr>
-          <p:cNvSpPr txBox="1"/>
-          <p:nvPr/>
-        </p:nvSpPr>
-        <p:spPr>
-          <a:xfrm>
-            <a:off x="5357481" y="3635945"/>
-            <a:ext cx="2796703" cy="261610"/>
-          </a:xfrm>
-          <a:prstGeom prst="rect">
-            <a:avLst/>
-          </a:prstGeom>
-          <a:noFill/>
-        </p:spPr>
-        <p:txBody>
-          <a:bodyPr wrap="square" rtlCol="0">
-            <a:spAutoFit/>
-          </a:bodyPr>
-          <a:lstStyle/>
-          <a:p>
-            <a:r>
-              <a:rPr lang="de-CH" sz="1100" b="1" dirty="0" err="1"/>
-              <a:t>id_upload_button_back_three</a:t>
-            </a:r>
-            <a:r>
-              <a:rPr lang="de-CH" sz="1100" b="1" dirty="0"/>
-              <a:t> </a:t>
-            </a:r>
-            <a:r>
-              <a:rPr lang="de-CH" sz="1100" b="1" dirty="0" err="1"/>
-              <a:t>float</a:t>
-            </a:r>
-            <a:r>
-              <a:rPr lang="de-CH" sz="1100" b="1" dirty="0"/>
-              <a:t> </a:t>
-            </a:r>
-            <a:r>
-              <a:rPr lang="de-CH" sz="1100" b="1" dirty="0" err="1"/>
-              <a:t>left</a:t>
-            </a:r>
-            <a:endParaRPr lang="de-CH" b="1" dirty="0"/>
-          </a:p>
-        </p:txBody>
-      </p:sp>
-      <p:sp>
-        <p:nvSpPr>
-          <p:cNvPr id="34" name="Rechteck 33">
-            <a:extLst>
-              <a:ext uri="{FF2B5EF4-FFF2-40B4-BE49-F238E27FC236}">
-                <a16:creationId xmlns:a16="http://schemas.microsoft.com/office/drawing/2014/main" id="{D786F036-FE8B-F7EC-CE67-872CC3740E0D}"/>
-              </a:ext>
-            </a:extLst>
-          </p:cNvPr>
-          <p:cNvSpPr/>
-          <p:nvPr/>
-        </p:nvSpPr>
-        <p:spPr>
-          <a:xfrm>
-            <a:off x="8231355" y="3618259"/>
-            <a:ext cx="2857622" cy="595754"/>
-          </a:xfrm>
-          <a:prstGeom prst="rect">
-            <a:avLst/>
-          </a:prstGeom>
-          <a:noFill/>
-          <a:ln w="19050">
-            <a:solidFill>
-              <a:schemeClr val="tx1"/>
-            </a:solidFill>
-          </a:ln>
-        </p:spPr>
-        <p:style>
-          <a:lnRef idx="2">
-            <a:schemeClr val="accent1">
-              <a:shade val="50000"/>
-            </a:schemeClr>
-          </a:lnRef>
-          <a:fillRef idx="1">
-            <a:schemeClr val="accent1"/>
-          </a:fillRef>
-          <a:effectRef idx="0">
-            <a:schemeClr val="accent1"/>
-          </a:effectRef>
-          <a:fontRef idx="minor">
-            <a:schemeClr val="lt1"/>
-          </a:fontRef>
-        </p:style>
-        <p:txBody>
-          <a:bodyPr rtlCol="0" anchor="ctr"/>
-          <a:lstStyle/>
-          <a:p>
-            <a:pPr algn="ctr"/>
-            <a:endParaRPr lang="de-CH" dirty="0"/>
-          </a:p>
-        </p:txBody>
-      </p:sp>
-      <p:sp>
-        <p:nvSpPr>
-          <p:cNvPr id="35" name="Textfeld 34">
-            <a:extLst>
-              <a:ext uri="{FF2B5EF4-FFF2-40B4-BE49-F238E27FC236}">
-                <a16:creationId xmlns:a16="http://schemas.microsoft.com/office/drawing/2014/main" id="{EC5640ED-4F24-6DC1-1F64-A3B0AA9F0BA1}"/>
-              </a:ext>
-            </a:extLst>
-          </p:cNvPr>
-          <p:cNvSpPr txBox="1"/>
-          <p:nvPr/>
-        </p:nvSpPr>
-        <p:spPr>
-          <a:xfrm>
-            <a:off x="8154184" y="3632501"/>
-            <a:ext cx="3250492" cy="261610"/>
-          </a:xfrm>
-          <a:prstGeom prst="rect">
-            <a:avLst/>
-          </a:prstGeom>
-          <a:noFill/>
-        </p:spPr>
-        <p:txBody>
-          <a:bodyPr wrap="square" rtlCol="0">
-            <a:spAutoFit/>
-          </a:bodyPr>
-          <a:lstStyle/>
-          <a:p>
-            <a:r>
-              <a:rPr lang="de-CH" sz="1100" b="1" dirty="0" err="1"/>
-              <a:t>id_upload_button_forward_three</a:t>
-            </a:r>
-            <a:r>
-              <a:rPr lang="de-CH" sz="1100" b="1" dirty="0"/>
-              <a:t>  </a:t>
-            </a:r>
-            <a:r>
-              <a:rPr lang="de-CH" sz="1100" b="1" dirty="0" err="1"/>
-              <a:t>float</a:t>
-            </a:r>
-            <a:r>
-              <a:rPr lang="de-CH" sz="1100" b="1" dirty="0"/>
-              <a:t> </a:t>
-            </a:r>
-            <a:r>
-              <a:rPr lang="de-CH" sz="1100" b="1" dirty="0" err="1"/>
-              <a:t>right</a:t>
             </a:r>
             <a:endParaRPr lang="de-CH" b="1" dirty="0"/>
           </a:p>
@@ -15511,7 +17318,7 @@
     </p:spTree>
     <p:extLst>
       <p:ext uri="{BB962C8B-B14F-4D97-AF65-F5344CB8AC3E}">
-        <p14:creationId xmlns:p14="http://schemas.microsoft.com/office/powerpoint/2010/main" val="2567405357"/>
+        <p14:creationId xmlns:p14="http://schemas.microsoft.com/office/powerpoint/2010/main" val="79913948"/>
       </p:ext>
     </p:extLst>
   </p:cSld>

--- a/Description/JazzGuestsUpload.pptx
+++ b/Description/JazzGuestsUpload.pptx
@@ -296,7 +296,7 @@
           <a:p>
             <a:fld id="{DDCE6D58-9B57-4731-A47B-3CD41B48F0A9}" type="datetimeFigureOut">
               <a:rPr lang="de-CH" smtClean="0"/>
-              <a:t>15.04.2024</a:t>
+              <a:t>15.10.2024</a:t>
             </a:fld>
             <a:endParaRPr lang="de-CH"/>
           </a:p>
@@ -466,7 +466,7 @@
           <a:p>
             <a:fld id="{DDCE6D58-9B57-4731-A47B-3CD41B48F0A9}" type="datetimeFigureOut">
               <a:rPr lang="de-CH" smtClean="0"/>
-              <a:t>15.04.2024</a:t>
+              <a:t>15.10.2024</a:t>
             </a:fld>
             <a:endParaRPr lang="de-CH"/>
           </a:p>
@@ -646,7 +646,7 @@
           <a:p>
             <a:fld id="{DDCE6D58-9B57-4731-A47B-3CD41B48F0A9}" type="datetimeFigureOut">
               <a:rPr lang="de-CH" smtClean="0"/>
-              <a:t>15.04.2024</a:t>
+              <a:t>15.10.2024</a:t>
             </a:fld>
             <a:endParaRPr lang="de-CH"/>
           </a:p>
@@ -816,7 +816,7 @@
           <a:p>
             <a:fld id="{DDCE6D58-9B57-4731-A47B-3CD41B48F0A9}" type="datetimeFigureOut">
               <a:rPr lang="de-CH" smtClean="0"/>
-              <a:t>15.04.2024</a:t>
+              <a:t>15.10.2024</a:t>
             </a:fld>
             <a:endParaRPr lang="de-CH"/>
           </a:p>
@@ -1062,7 +1062,7 @@
           <a:p>
             <a:fld id="{DDCE6D58-9B57-4731-A47B-3CD41B48F0A9}" type="datetimeFigureOut">
               <a:rPr lang="de-CH" smtClean="0"/>
-              <a:t>15.04.2024</a:t>
+              <a:t>15.10.2024</a:t>
             </a:fld>
             <a:endParaRPr lang="de-CH"/>
           </a:p>
@@ -1294,7 +1294,7 @@
           <a:p>
             <a:fld id="{DDCE6D58-9B57-4731-A47B-3CD41B48F0A9}" type="datetimeFigureOut">
               <a:rPr lang="de-CH" smtClean="0"/>
-              <a:t>15.04.2024</a:t>
+              <a:t>15.10.2024</a:t>
             </a:fld>
             <a:endParaRPr lang="de-CH"/>
           </a:p>
@@ -1661,7 +1661,7 @@
           <a:p>
             <a:fld id="{DDCE6D58-9B57-4731-A47B-3CD41B48F0A9}" type="datetimeFigureOut">
               <a:rPr lang="de-CH" smtClean="0"/>
-              <a:t>15.04.2024</a:t>
+              <a:t>15.10.2024</a:t>
             </a:fld>
             <a:endParaRPr lang="de-CH"/>
           </a:p>
@@ -1779,7 +1779,7 @@
           <a:p>
             <a:fld id="{DDCE6D58-9B57-4731-A47B-3CD41B48F0A9}" type="datetimeFigureOut">
               <a:rPr lang="de-CH" smtClean="0"/>
-              <a:t>15.04.2024</a:t>
+              <a:t>15.10.2024</a:t>
             </a:fld>
             <a:endParaRPr lang="de-CH"/>
           </a:p>
@@ -1874,7 +1874,7 @@
           <a:p>
             <a:fld id="{DDCE6D58-9B57-4731-A47B-3CD41B48F0A9}" type="datetimeFigureOut">
               <a:rPr lang="de-CH" smtClean="0"/>
-              <a:t>15.04.2024</a:t>
+              <a:t>15.10.2024</a:t>
             </a:fld>
             <a:endParaRPr lang="de-CH"/>
           </a:p>
@@ -2151,7 +2151,7 @@
           <a:p>
             <a:fld id="{DDCE6D58-9B57-4731-A47B-3CD41B48F0A9}" type="datetimeFigureOut">
               <a:rPr lang="de-CH" smtClean="0"/>
-              <a:t>15.04.2024</a:t>
+              <a:t>15.10.2024</a:t>
             </a:fld>
             <a:endParaRPr lang="de-CH"/>
           </a:p>
@@ -2404,7 +2404,7 @@
           <a:p>
             <a:fld id="{DDCE6D58-9B57-4731-A47B-3CD41B48F0A9}" type="datetimeFigureOut">
               <a:rPr lang="de-CH" smtClean="0"/>
-              <a:t>15.04.2024</a:t>
+              <a:t>15.10.2024</a:t>
             </a:fld>
             <a:endParaRPr lang="de-CH"/>
           </a:p>
@@ -2617,7 +2617,7 @@
           <a:p>
             <a:fld id="{DDCE6D58-9B57-4731-A47B-3CD41B48F0A9}" type="datetimeFigureOut">
               <a:rPr lang="de-CH" smtClean="0"/>
-              <a:t>15.04.2024</a:t>
+              <a:t>15.10.2024</a:t>
             </a:fld>
             <a:endParaRPr lang="de-CH"/>
           </a:p>
@@ -18063,8 +18063,8 @@
         </p:nvSpPr>
         <p:spPr>
           <a:xfrm>
-            <a:off x="3224072" y="1376858"/>
-            <a:ext cx="5110629" cy="4141075"/>
+            <a:off x="2837122" y="219384"/>
+            <a:ext cx="6374274" cy="6492497"/>
           </a:xfrm>
           <a:prstGeom prst="rect">
             <a:avLst/>
@@ -18115,8 +18115,8 @@
         </p:nvSpPr>
         <p:spPr>
           <a:xfrm>
-            <a:off x="3266113" y="1376859"/>
-            <a:ext cx="5026546" cy="4004440"/>
+            <a:off x="2908863" y="732720"/>
+            <a:ext cx="6374274" cy="5905895"/>
           </a:xfrm>
           <a:prstGeom prst="rect">
             <a:avLst/>
@@ -18205,7 +18205,7 @@
                 <a:latin typeface="Arial" panose="020B0604020202020204" pitchFamily="34" charset="0"/>
                 <a:cs typeface="Arial" panose="020B0604020202020204" pitchFamily="34" charset="0"/>
               </a:rPr>
-              <a:t>  Call </a:t>
+              <a:t>	Do </a:t>
             </a:r>
             <a:r>
               <a:rPr lang="de-CH" sz="1400" b="1" i="1" dirty="0" err="1">
@@ -18215,7 +18215,958 @@
                 <a:latin typeface="Arial" panose="020B0604020202020204" pitchFamily="34" charset="0"/>
                 <a:cs typeface="Arial" panose="020B0604020202020204" pitchFamily="34" charset="0"/>
               </a:rPr>
+              <a:t>nothing</a:t>
+            </a:r>
+            <a:r>
+              <a:rPr lang="de-CH" sz="1400" b="1" i="1" dirty="0">
+                <a:solidFill>
+                  <a:schemeClr val="tx1"/>
+                </a:solidFill>
+                <a:latin typeface="Arial" panose="020B0604020202020204" pitchFamily="34" charset="0"/>
+                <a:cs typeface="Arial" panose="020B0604020202020204" pitchFamily="34" charset="0"/>
+              </a:rPr>
+              <a:t> </a:t>
+            </a:r>
+            <a:r>
+              <a:rPr lang="de-CH" sz="1400" b="1" i="1" dirty="0" err="1">
+                <a:solidFill>
+                  <a:schemeClr val="tx1"/>
+                </a:solidFill>
+                <a:latin typeface="Arial" panose="020B0604020202020204" pitchFamily="34" charset="0"/>
+                <a:cs typeface="Arial" panose="020B0604020202020204" pitchFamily="34" charset="0"/>
+              </a:rPr>
+              <a:t>if</a:t>
+            </a:r>
+            <a:r>
+              <a:rPr lang="de-CH" sz="1400" b="1" i="1" dirty="0">
+                <a:solidFill>
+                  <a:schemeClr val="tx1"/>
+                </a:solidFill>
+                <a:latin typeface="Arial" panose="020B0604020202020204" pitchFamily="34" charset="0"/>
+                <a:cs typeface="Arial" panose="020B0604020202020204" pitchFamily="34" charset="0"/>
+              </a:rPr>
+              <a:t> </a:t>
+            </a:r>
+            <a:r>
+              <a:rPr lang="de-CH" sz="1400" b="1" i="1" dirty="0" err="1">
+                <a:solidFill>
+                  <a:schemeClr val="tx1"/>
+                </a:solidFill>
+                <a:latin typeface="Arial" panose="020B0604020202020204" pitchFamily="34" charset="0"/>
+                <a:cs typeface="Arial" panose="020B0604020202020204" pitchFamily="34" charset="0"/>
+              </a:rPr>
+              <a:t>no</a:t>
+            </a:r>
+            <a:r>
+              <a:rPr lang="de-CH" sz="1400" b="1" i="1" dirty="0">
+                <a:solidFill>
+                  <a:schemeClr val="tx1"/>
+                </a:solidFill>
+                <a:latin typeface="Arial" panose="020B0604020202020204" pitchFamily="34" charset="0"/>
+                <a:cs typeface="Arial" panose="020B0604020202020204" pitchFamily="34" charset="0"/>
+              </a:rPr>
+              <a:t> </a:t>
+            </a:r>
+            <a:r>
+              <a:rPr lang="de-CH" sz="1400" b="1" i="1" dirty="0" err="1">
+                <a:solidFill>
+                  <a:schemeClr val="tx1"/>
+                </a:solidFill>
+                <a:latin typeface="Arial" panose="020B0604020202020204" pitchFamily="34" charset="0"/>
+                <a:cs typeface="Arial" panose="020B0604020202020204" pitchFamily="34" charset="0"/>
+              </a:rPr>
+              <a:t>local</a:t>
+            </a:r>
+            <a:r>
+              <a:rPr lang="de-CH" sz="1400" b="1" i="1" dirty="0">
+                <a:solidFill>
+                  <a:schemeClr val="tx1"/>
+                </a:solidFill>
+                <a:latin typeface="Arial" panose="020B0604020202020204" pitchFamily="34" charset="0"/>
+                <a:cs typeface="Arial" panose="020B0604020202020204" pitchFamily="34" charset="0"/>
+              </a:rPr>
+              <a:t> </a:t>
+            </a:r>
+            <a:r>
+              <a:rPr lang="de-CH" sz="1400" b="1" i="1" dirty="0" err="1">
+                <a:solidFill>
+                  <a:schemeClr val="tx1"/>
+                </a:solidFill>
+                <a:latin typeface="Arial" panose="020B0604020202020204" pitchFamily="34" charset="0"/>
+                <a:cs typeface="Arial" panose="020B0604020202020204" pitchFamily="34" charset="0"/>
+              </a:rPr>
+              <a:t>storage</a:t>
+            </a:r>
+            <a:r>
+              <a:rPr lang="de-CH" sz="1400" b="1" i="1" dirty="0">
+                <a:solidFill>
+                  <a:schemeClr val="tx1"/>
+                </a:solidFill>
+                <a:latin typeface="Arial" panose="020B0604020202020204" pitchFamily="34" charset="0"/>
+                <a:cs typeface="Arial" panose="020B0604020202020204" pitchFamily="34" charset="0"/>
+              </a:rPr>
+              <a:t> </a:t>
+            </a:r>
+            <a:r>
+              <a:rPr lang="de-CH" sz="1400" b="1" i="1" dirty="0" err="1">
+                <a:solidFill>
+                  <a:schemeClr val="tx1"/>
+                </a:solidFill>
+                <a:latin typeface="Arial" panose="020B0604020202020204" pitchFamily="34" charset="0"/>
+                <a:cs typeface="Arial" panose="020B0604020202020204" pitchFamily="34" charset="0"/>
+              </a:rPr>
+              <a:t>or</a:t>
+            </a:r>
+            <a:r>
+              <a:rPr lang="de-CH" sz="1400" b="1" i="1" dirty="0">
+                <a:solidFill>
+                  <a:schemeClr val="tx1"/>
+                </a:solidFill>
+                <a:latin typeface="Arial" panose="020B0604020202020204" pitchFamily="34" charset="0"/>
+                <a:cs typeface="Arial" panose="020B0604020202020204" pitchFamily="34" charset="0"/>
+              </a:rPr>
+              <a:t> </a:t>
+            </a:r>
+            <a:r>
+              <a:rPr lang="de-CH" sz="1400" b="1" i="1" dirty="0" err="1">
+                <a:solidFill>
+                  <a:schemeClr val="tx1"/>
+                </a:solidFill>
+                <a:latin typeface="Arial" panose="020B0604020202020204" pitchFamily="34" charset="0"/>
+                <a:cs typeface="Arial" panose="020B0604020202020204" pitchFamily="34" charset="0"/>
+              </a:rPr>
+              <a:t>record</a:t>
+            </a:r>
+            <a:r>
+              <a:rPr lang="de-CH" sz="1400" b="1" i="1" dirty="0">
+                <a:solidFill>
+                  <a:schemeClr val="tx1"/>
+                </a:solidFill>
+                <a:latin typeface="Arial" panose="020B0604020202020204" pitchFamily="34" charset="0"/>
+                <a:cs typeface="Arial" panose="020B0604020202020204" pitchFamily="34" charset="0"/>
+              </a:rPr>
+              <a:t> </a:t>
+            </a:r>
+            <a:r>
+              <a:rPr lang="de-CH" sz="1400" b="1" i="1" dirty="0" err="1">
+                <a:solidFill>
+                  <a:schemeClr val="tx1"/>
+                </a:solidFill>
+                <a:latin typeface="Arial" panose="020B0604020202020204" pitchFamily="34" charset="0"/>
+                <a:cs typeface="Arial" panose="020B0604020202020204" pitchFamily="34" charset="0"/>
+              </a:rPr>
+              <a:t>is</a:t>
+            </a:r>
+            <a:r>
+              <a:rPr lang="de-CH" sz="1400" b="1" i="1" dirty="0">
+                <a:solidFill>
+                  <a:schemeClr val="tx1"/>
+                </a:solidFill>
+                <a:latin typeface="Arial" panose="020B0604020202020204" pitchFamily="34" charset="0"/>
+                <a:cs typeface="Arial" panose="020B0604020202020204" pitchFamily="34" charset="0"/>
+              </a:rPr>
+              <a:t> </a:t>
+            </a:r>
+            <a:r>
+              <a:rPr lang="de-CH" sz="1400" b="1" i="1" dirty="0" err="1">
+                <a:solidFill>
+                  <a:schemeClr val="tx1"/>
+                </a:solidFill>
+                <a:latin typeface="Arial" panose="020B0604020202020204" pitchFamily="34" charset="0"/>
+                <a:cs typeface="Arial" panose="020B0604020202020204" pitchFamily="34" charset="0"/>
+              </a:rPr>
+              <a:t>missing</a:t>
+            </a:r>
+            <a:r>
+              <a:rPr lang="de-CH" sz="1400" b="1" i="1" dirty="0">
+                <a:solidFill>
+                  <a:schemeClr val="tx1"/>
+                </a:solidFill>
+                <a:latin typeface="Arial" panose="020B0604020202020204" pitchFamily="34" charset="0"/>
+                <a:cs typeface="Arial" panose="020B0604020202020204" pitchFamily="34" charset="0"/>
+              </a:rPr>
+              <a:t> in XML</a:t>
+            </a:r>
+            <a:endParaRPr lang="en-US" sz="1400" b="1" dirty="0">
+              <a:solidFill>
+                <a:schemeClr val="tx1"/>
+              </a:solidFill>
+              <a:latin typeface="Arial" panose="020B0604020202020204" pitchFamily="34" charset="0"/>
+              <a:cs typeface="Arial" panose="020B0604020202020204" pitchFamily="34" charset="0"/>
+            </a:endParaRPr>
+          </a:p>
+          <a:p>
+            <a:r>
+              <a:rPr lang="de-CH" sz="1400" b="1" dirty="0">
+                <a:solidFill>
+                  <a:schemeClr val="tx1"/>
+                </a:solidFill>
+                <a:latin typeface="Arial" panose="020B0604020202020204" pitchFamily="34" charset="0"/>
+                <a:cs typeface="Arial" panose="020B0604020202020204" pitchFamily="34" charset="0"/>
+              </a:rPr>
+              <a:t>	</a:t>
+            </a:r>
+            <a:r>
+              <a:rPr lang="de-CH" sz="1400" b="1" dirty="0" err="1">
+                <a:solidFill>
+                  <a:schemeClr val="tx1"/>
+                </a:solidFill>
+                <a:latin typeface="Arial" panose="020B0604020202020204" pitchFamily="34" charset="0"/>
+                <a:cs typeface="Arial" panose="020B0604020202020204" pitchFamily="34" charset="0"/>
+              </a:rPr>
               <a:t>UtilLock.lock</a:t>
+            </a:r>
+            <a:endParaRPr lang="en-US" sz="1400" b="1" dirty="0">
+              <a:solidFill>
+                <a:schemeClr val="tx1"/>
+              </a:solidFill>
+              <a:latin typeface="Arial" panose="020B0604020202020204" pitchFamily="34" charset="0"/>
+              <a:cs typeface="Arial" panose="020B0604020202020204" pitchFamily="34" charset="0"/>
+            </a:endParaRPr>
+          </a:p>
+          <a:p>
+            <a:r>
+              <a:rPr lang="de-CH" sz="1400" b="1" dirty="0" err="1">
+                <a:solidFill>
+                  <a:schemeClr val="tx1"/>
+                </a:solidFill>
+                <a:latin typeface="Arial" panose="020B0604020202020204" pitchFamily="34" charset="0"/>
+                <a:cs typeface="Arial" panose="020B0604020202020204" pitchFamily="34" charset="0"/>
+              </a:rPr>
+              <a:t>reloadJazzGuestsObject</a:t>
+            </a:r>
+            <a:r>
+              <a:rPr lang="de-CH" sz="1400" b="1" dirty="0">
+                <a:solidFill>
+                  <a:schemeClr val="tx1"/>
+                </a:solidFill>
+                <a:latin typeface="Arial" panose="020B0604020202020204" pitchFamily="34" charset="0"/>
+                <a:cs typeface="Arial" panose="020B0604020202020204" pitchFamily="34" charset="0"/>
+              </a:rPr>
+              <a:t>  </a:t>
+            </a:r>
+          </a:p>
+          <a:p>
+            <a:r>
+              <a:rPr lang="de-CH" sz="1400" b="1" dirty="0">
+                <a:solidFill>
+                  <a:schemeClr val="tx1"/>
+                </a:solidFill>
+                <a:latin typeface="Arial" panose="020B0604020202020204" pitchFamily="34" charset="0"/>
+                <a:cs typeface="Arial" panose="020B0604020202020204" pitchFamily="34" charset="0"/>
+              </a:rPr>
+              <a:t>	</a:t>
+            </a:r>
+            <a:r>
+              <a:rPr lang="de-CH" sz="1400" b="1" dirty="0" err="1">
+                <a:solidFill>
+                  <a:schemeClr val="tx1"/>
+                </a:solidFill>
+                <a:latin typeface="Arial" panose="020B0604020202020204" pitchFamily="34" charset="0"/>
+                <a:cs typeface="Arial" panose="020B0604020202020204" pitchFamily="34" charset="0"/>
+              </a:rPr>
+              <a:t>reloadJazzGuestXmlObject</a:t>
+            </a:r>
+            <a:endParaRPr lang="de-CH" sz="1400" b="1" dirty="0">
+              <a:solidFill>
+                <a:schemeClr val="tx1"/>
+              </a:solidFill>
+              <a:latin typeface="Arial" panose="020B0604020202020204" pitchFamily="34" charset="0"/>
+              <a:cs typeface="Arial" panose="020B0604020202020204" pitchFamily="34" charset="0"/>
+            </a:endParaRPr>
+          </a:p>
+          <a:p>
+            <a:r>
+              <a:rPr lang="de-CH" sz="1400" b="1" dirty="0" err="1">
+                <a:solidFill>
+                  <a:schemeClr val="tx1"/>
+                </a:solidFill>
+                <a:latin typeface="Arial" panose="020B0604020202020204" pitchFamily="34" charset="0"/>
+                <a:cs typeface="Arial" panose="020B0604020202020204" pitchFamily="34" charset="0"/>
+              </a:rPr>
+              <a:t>reloadJazzGuestsUploadedObject</a:t>
+            </a:r>
+            <a:r>
+              <a:rPr lang="de-CH" sz="1400" b="1" dirty="0">
+                <a:solidFill>
+                  <a:schemeClr val="tx1"/>
+                </a:solidFill>
+                <a:latin typeface="Arial" panose="020B0604020202020204" pitchFamily="34" charset="0"/>
+                <a:cs typeface="Arial" panose="020B0604020202020204" pitchFamily="34" charset="0"/>
+              </a:rPr>
+              <a:t> </a:t>
+            </a:r>
+          </a:p>
+          <a:p>
+            <a:r>
+              <a:rPr lang="en-US" sz="1400" b="1" dirty="0">
+                <a:solidFill>
+                  <a:schemeClr val="tx1"/>
+                </a:solidFill>
+                <a:latin typeface="Arial" panose="020B0604020202020204" pitchFamily="34" charset="0"/>
+                <a:cs typeface="Arial" panose="020B0604020202020204" pitchFamily="34" charset="0"/>
+              </a:rPr>
+              <a:t>	</a:t>
+            </a:r>
+            <a:r>
+              <a:rPr lang="en-US" sz="1400" b="1" dirty="0" err="1">
+                <a:solidFill>
+                  <a:schemeClr val="tx1"/>
+                </a:solidFill>
+                <a:latin typeface="Arial" panose="020B0604020202020204" pitchFamily="34" charset="0"/>
+                <a:cs typeface="Arial" panose="020B0604020202020204" pitchFamily="34" charset="0"/>
+              </a:rPr>
+              <a:t>reloadJazzGuestUploadedXmlObject</a:t>
+            </a:r>
+            <a:endParaRPr lang="en-US" sz="1400" b="1" dirty="0">
+              <a:solidFill>
+                <a:schemeClr val="tx1"/>
+              </a:solidFill>
+              <a:latin typeface="Arial" panose="020B0604020202020204" pitchFamily="34" charset="0"/>
+              <a:cs typeface="Arial" panose="020B0604020202020204" pitchFamily="34" charset="0"/>
+            </a:endParaRPr>
+          </a:p>
+          <a:p>
+            <a:r>
+              <a:rPr lang="en-US" sz="1400" b="1" dirty="0" err="1">
+                <a:solidFill>
+                  <a:schemeClr val="tx1"/>
+                </a:solidFill>
+                <a:latin typeface="Arial" panose="020B0604020202020204" pitchFamily="34" charset="0"/>
+                <a:cs typeface="Arial" panose="020B0604020202020204" pitchFamily="34" charset="0"/>
+              </a:rPr>
+              <a:t>backupJazzGuestsUploaded</a:t>
+            </a:r>
+            <a:r>
+              <a:rPr lang="en-US" sz="1400" b="1" dirty="0">
+                <a:solidFill>
+                  <a:schemeClr val="tx1"/>
+                </a:solidFill>
+                <a:latin typeface="Arial" panose="020B0604020202020204" pitchFamily="34" charset="0"/>
+                <a:cs typeface="Arial" panose="020B0604020202020204" pitchFamily="34" charset="0"/>
+              </a:rPr>
+              <a:t> </a:t>
+            </a:r>
+          </a:p>
+          <a:p>
+            <a:r>
+              <a:rPr lang="en-US" sz="1400" b="1" dirty="0">
+                <a:solidFill>
+                  <a:schemeClr val="tx1"/>
+                </a:solidFill>
+                <a:latin typeface="Arial" panose="020B0604020202020204" pitchFamily="34" charset="0"/>
+                <a:cs typeface="Arial" panose="020B0604020202020204" pitchFamily="34" charset="0"/>
+              </a:rPr>
+              <a:t>	</a:t>
+            </a:r>
+            <a:r>
+              <a:rPr lang="en-US" sz="1400" b="1" dirty="0" err="1">
+                <a:solidFill>
+                  <a:schemeClr val="tx1"/>
+                </a:solidFill>
+                <a:latin typeface="Arial" panose="020B0604020202020204" pitchFamily="34" charset="0"/>
+                <a:cs typeface="Arial" panose="020B0604020202020204" pitchFamily="34" charset="0"/>
+              </a:rPr>
+              <a:t>UtilServer.copyFileCallback</a:t>
+            </a:r>
+            <a:endParaRPr lang="en-US" sz="1400" b="1" dirty="0">
+              <a:solidFill>
+                <a:schemeClr val="tx1"/>
+              </a:solidFill>
+              <a:latin typeface="Arial" panose="020B0604020202020204" pitchFamily="34" charset="0"/>
+              <a:cs typeface="Arial" panose="020B0604020202020204" pitchFamily="34" charset="0"/>
+            </a:endParaRPr>
+          </a:p>
+          <a:p>
+            <a:r>
+              <a:rPr lang="de-CH" sz="1400" b="1" dirty="0" err="1">
+                <a:solidFill>
+                  <a:schemeClr val="tx1"/>
+                </a:solidFill>
+                <a:latin typeface="Arial" panose="020B0604020202020204" pitchFamily="34" charset="0"/>
+                <a:cs typeface="Arial" panose="020B0604020202020204" pitchFamily="34" charset="0"/>
+              </a:rPr>
+              <a:t>backupJazzGuestsXml</a:t>
+            </a:r>
+            <a:r>
+              <a:rPr lang="de-CH" sz="1400" b="1" dirty="0">
+                <a:solidFill>
+                  <a:schemeClr val="tx1"/>
+                </a:solidFill>
+                <a:latin typeface="Arial" panose="020B0604020202020204" pitchFamily="34" charset="0"/>
+                <a:cs typeface="Arial" panose="020B0604020202020204" pitchFamily="34" charset="0"/>
+              </a:rPr>
+              <a:t> </a:t>
+            </a:r>
+          </a:p>
+          <a:p>
+            <a:r>
+              <a:rPr lang="de-CH" sz="1400" b="1" dirty="0">
+                <a:solidFill>
+                  <a:schemeClr val="tx1"/>
+                </a:solidFill>
+                <a:latin typeface="Arial" panose="020B0604020202020204" pitchFamily="34" charset="0"/>
+                <a:cs typeface="Arial" panose="020B0604020202020204" pitchFamily="34" charset="0"/>
+              </a:rPr>
+              <a:t>	</a:t>
+            </a:r>
+            <a:r>
+              <a:rPr lang="en-US" sz="1400" b="1" dirty="0" err="1">
+                <a:solidFill>
+                  <a:schemeClr val="tx1"/>
+                </a:solidFill>
+                <a:latin typeface="Arial" panose="020B0604020202020204" pitchFamily="34" charset="0"/>
+                <a:cs typeface="Arial" panose="020B0604020202020204" pitchFamily="34" charset="0"/>
+              </a:rPr>
+              <a:t>UtilServer.copyFileCallback</a:t>
+            </a:r>
+            <a:endParaRPr lang="en-US" sz="1400" b="1" dirty="0">
+              <a:solidFill>
+                <a:schemeClr val="tx1"/>
+              </a:solidFill>
+              <a:latin typeface="Arial" panose="020B0604020202020204" pitchFamily="34" charset="0"/>
+              <a:cs typeface="Arial" panose="020B0604020202020204" pitchFamily="34" charset="0"/>
+            </a:endParaRPr>
+          </a:p>
+          <a:p>
+            <a:r>
+              <a:rPr lang="de-CH" sz="1400" b="1" dirty="0" err="1">
+                <a:solidFill>
+                  <a:schemeClr val="tx1"/>
+                </a:solidFill>
+                <a:latin typeface="Arial" panose="020B0604020202020204" pitchFamily="34" charset="0"/>
+                <a:cs typeface="Arial" panose="020B0604020202020204" pitchFamily="34" charset="0"/>
+              </a:rPr>
+              <a:t>moveImageFromUploadedToBackupDir</a:t>
+            </a:r>
+            <a:endParaRPr lang="de-CH" sz="1400" b="1" dirty="0">
+              <a:solidFill>
+                <a:schemeClr val="tx1"/>
+              </a:solidFill>
+              <a:latin typeface="Arial" panose="020B0604020202020204" pitchFamily="34" charset="0"/>
+              <a:cs typeface="Arial" panose="020B0604020202020204" pitchFamily="34" charset="0"/>
+            </a:endParaRPr>
+          </a:p>
+          <a:p>
+            <a:r>
+              <a:rPr lang="en-US" sz="1400" b="1" dirty="0">
+                <a:solidFill>
+                  <a:schemeClr val="tx1"/>
+                </a:solidFill>
+                <a:latin typeface="Arial" panose="020B0604020202020204" pitchFamily="34" charset="0"/>
+                <a:cs typeface="Arial" panose="020B0604020202020204" pitchFamily="34" charset="0"/>
+              </a:rPr>
+              <a:t>	</a:t>
+            </a:r>
+            <a:r>
+              <a:rPr lang="en-US" sz="1400" b="1" dirty="0" err="1">
+                <a:solidFill>
+                  <a:schemeClr val="tx1"/>
+                </a:solidFill>
+                <a:latin typeface="Arial" panose="020B0604020202020204" pitchFamily="34" charset="0"/>
+                <a:cs typeface="Arial" panose="020B0604020202020204" pitchFamily="34" charset="0"/>
+              </a:rPr>
+              <a:t>getDeleteRecordNumber</a:t>
+            </a:r>
+            <a:r>
+              <a:rPr lang="en-US" sz="1400" b="1" dirty="0">
+                <a:solidFill>
+                  <a:schemeClr val="tx1"/>
+                </a:solidFill>
+                <a:latin typeface="Arial" panose="020B0604020202020204" pitchFamily="34" charset="0"/>
+                <a:cs typeface="Arial" panose="020B0604020202020204" pitchFamily="34" charset="0"/>
+              </a:rPr>
+              <a:t> for object JazzGuestsUploaded.xml</a:t>
+            </a:r>
+          </a:p>
+          <a:p>
+            <a:r>
+              <a:rPr lang="de-CH" sz="1400" b="1" dirty="0">
+                <a:solidFill>
+                  <a:schemeClr val="tx1"/>
+                </a:solidFill>
+                <a:latin typeface="Arial" panose="020B0604020202020204" pitchFamily="34" charset="0"/>
+                <a:cs typeface="Arial" panose="020B0604020202020204" pitchFamily="34" charset="0"/>
+              </a:rPr>
+              <a:t>	</a:t>
+            </a:r>
+            <a:r>
+              <a:rPr lang="de-CH" sz="1400" b="1" dirty="0" err="1">
+                <a:solidFill>
+                  <a:schemeClr val="tx1"/>
+                </a:solidFill>
+                <a:latin typeface="Arial" panose="020B0604020202020204" pitchFamily="34" charset="0"/>
+                <a:cs typeface="Arial" panose="020B0604020202020204" pitchFamily="34" charset="0"/>
+              </a:rPr>
+              <a:t>JazzGuestsXml.getGuestFileName</a:t>
+            </a:r>
+            <a:endParaRPr lang="de-CH" sz="1400" b="1" dirty="0">
+              <a:solidFill>
+                <a:schemeClr val="tx1"/>
+              </a:solidFill>
+              <a:latin typeface="Arial" panose="020B0604020202020204" pitchFamily="34" charset="0"/>
+              <a:cs typeface="Arial" panose="020B0604020202020204" pitchFamily="34" charset="0"/>
+            </a:endParaRPr>
+          </a:p>
+          <a:p>
+            <a:r>
+              <a:rPr lang="de-CH" sz="1400" b="1" dirty="0">
+                <a:solidFill>
+                  <a:schemeClr val="tx1"/>
+                </a:solidFill>
+                <a:latin typeface="Arial" panose="020B0604020202020204" pitchFamily="34" charset="0"/>
+                <a:cs typeface="Arial" panose="020B0604020202020204" pitchFamily="34" charset="0"/>
+              </a:rPr>
+              <a:t>	</a:t>
+            </a:r>
+            <a:r>
+              <a:rPr lang="de-CH" sz="1400" b="1" dirty="0" err="1">
+                <a:solidFill>
+                  <a:schemeClr val="tx1"/>
+                </a:solidFill>
+                <a:latin typeface="Arial" panose="020B0604020202020204" pitchFamily="34" charset="0"/>
+                <a:cs typeface="Arial" panose="020B0604020202020204" pitchFamily="34" charset="0"/>
+              </a:rPr>
+              <a:t>GuestbookServer.getUploadedXmlDirUrl</a:t>
+            </a:r>
+            <a:r>
+              <a:rPr lang="de-CH" sz="1400" b="1" dirty="0">
+                <a:solidFill>
+                  <a:schemeClr val="tx1"/>
+                </a:solidFill>
+                <a:latin typeface="Arial" panose="020B0604020202020204" pitchFamily="34" charset="0"/>
+                <a:cs typeface="Arial" panose="020B0604020202020204" pitchFamily="34" charset="0"/>
+              </a:rPr>
+              <a:t>, </a:t>
+            </a:r>
+            <a:r>
+              <a:rPr lang="de-CH" sz="1400" b="1" dirty="0" err="1">
+                <a:solidFill>
+                  <a:schemeClr val="tx1"/>
+                </a:solidFill>
+                <a:latin typeface="Arial" panose="020B0604020202020204" pitchFamily="34" charset="0"/>
+                <a:cs typeface="Arial" panose="020B0604020202020204" pitchFamily="34" charset="0"/>
+              </a:rPr>
+              <a:t>getBackupDirUrl</a:t>
+            </a:r>
+            <a:endParaRPr lang="de-CH" sz="1400" b="1" dirty="0">
+              <a:solidFill>
+                <a:schemeClr val="tx1"/>
+              </a:solidFill>
+              <a:latin typeface="Arial" panose="020B0604020202020204" pitchFamily="34" charset="0"/>
+              <a:cs typeface="Arial" panose="020B0604020202020204" pitchFamily="34" charset="0"/>
+            </a:endParaRPr>
+          </a:p>
+          <a:p>
+            <a:r>
+              <a:rPr lang="de-CH" sz="1400" b="1" dirty="0">
+                <a:solidFill>
+                  <a:schemeClr val="tx1"/>
+                </a:solidFill>
+                <a:latin typeface="Arial" panose="020B0604020202020204" pitchFamily="34" charset="0"/>
+                <a:cs typeface="Arial" panose="020B0604020202020204" pitchFamily="34" charset="0"/>
+              </a:rPr>
+              <a:t>	</a:t>
+            </a:r>
+            <a:r>
+              <a:rPr lang="de-CH" sz="1400" b="1" dirty="0" err="1">
+                <a:solidFill>
+                  <a:schemeClr val="tx1"/>
+                </a:solidFill>
+                <a:latin typeface="Arial" panose="020B0604020202020204" pitchFamily="34" charset="0"/>
+                <a:cs typeface="Arial" panose="020B0604020202020204" pitchFamily="34" charset="0"/>
+              </a:rPr>
+              <a:t>UtilServer.moveFileCallback</a:t>
+            </a:r>
+            <a:endParaRPr lang="de-CH" sz="1400" b="1" dirty="0">
+              <a:solidFill>
+                <a:schemeClr val="tx1"/>
+              </a:solidFill>
+              <a:latin typeface="Arial" panose="020B0604020202020204" pitchFamily="34" charset="0"/>
+              <a:cs typeface="Arial" panose="020B0604020202020204" pitchFamily="34" charset="0"/>
+            </a:endParaRPr>
+          </a:p>
+          <a:p>
+            <a:r>
+              <a:rPr lang="de-CH" sz="1400" b="1" dirty="0" err="1">
+                <a:solidFill>
+                  <a:schemeClr val="tx1"/>
+                </a:solidFill>
+                <a:latin typeface="Arial" panose="020B0604020202020204" pitchFamily="34" charset="0"/>
+                <a:cs typeface="Arial" panose="020B0604020202020204" pitchFamily="34" charset="0"/>
+              </a:rPr>
+              <a:t>moveImageFromJazzGuestDirToBackupDir</a:t>
+            </a:r>
+            <a:endParaRPr lang="de-CH" sz="1400" b="1" dirty="0">
+              <a:solidFill>
+                <a:schemeClr val="tx1"/>
+              </a:solidFill>
+              <a:latin typeface="Arial" panose="020B0604020202020204" pitchFamily="34" charset="0"/>
+              <a:cs typeface="Arial" panose="020B0604020202020204" pitchFamily="34" charset="0"/>
+            </a:endParaRPr>
+          </a:p>
+          <a:p>
+            <a:r>
+              <a:rPr lang="en-US" sz="1400" b="1" dirty="0">
+                <a:solidFill>
+                  <a:schemeClr val="tx1"/>
+                </a:solidFill>
+                <a:latin typeface="Arial" panose="020B0604020202020204" pitchFamily="34" charset="0"/>
+                <a:cs typeface="Arial" panose="020B0604020202020204" pitchFamily="34" charset="0"/>
+              </a:rPr>
+              <a:t>	</a:t>
+            </a:r>
+            <a:r>
+              <a:rPr lang="en-US" sz="1400" b="1" dirty="0" err="1">
+                <a:solidFill>
+                  <a:schemeClr val="tx1"/>
+                </a:solidFill>
+                <a:latin typeface="Arial" panose="020B0604020202020204" pitchFamily="34" charset="0"/>
+                <a:cs typeface="Arial" panose="020B0604020202020204" pitchFamily="34" charset="0"/>
+              </a:rPr>
+              <a:t>getDeleteRecordNumber</a:t>
+            </a:r>
+            <a:r>
+              <a:rPr lang="en-US" sz="1400" b="1" dirty="0">
+                <a:solidFill>
+                  <a:schemeClr val="tx1"/>
+                </a:solidFill>
+                <a:latin typeface="Arial" panose="020B0604020202020204" pitchFamily="34" charset="0"/>
+                <a:cs typeface="Arial" panose="020B0604020202020204" pitchFamily="34" charset="0"/>
+              </a:rPr>
+              <a:t> for object JazzGuests.xml</a:t>
+            </a:r>
+          </a:p>
+          <a:p>
+            <a:r>
+              <a:rPr lang="de-CH" sz="1400" b="1" dirty="0">
+                <a:solidFill>
+                  <a:schemeClr val="tx1"/>
+                </a:solidFill>
+                <a:latin typeface="Arial" panose="020B0604020202020204" pitchFamily="34" charset="0"/>
+                <a:cs typeface="Arial" panose="020B0604020202020204" pitchFamily="34" charset="0"/>
+              </a:rPr>
+              <a:t>	</a:t>
+            </a:r>
+            <a:r>
+              <a:rPr lang="de-CH" sz="1400" b="1" dirty="0" err="1">
+                <a:solidFill>
+                  <a:schemeClr val="tx1"/>
+                </a:solidFill>
+                <a:latin typeface="Arial" panose="020B0604020202020204" pitchFamily="34" charset="0"/>
+                <a:cs typeface="Arial" panose="020B0604020202020204" pitchFamily="34" charset="0"/>
+              </a:rPr>
+              <a:t>JazzGuestsXml.getGuestFileName</a:t>
+            </a:r>
+            <a:endParaRPr lang="de-CH" sz="1400" b="1" dirty="0">
+              <a:solidFill>
+                <a:schemeClr val="tx1"/>
+              </a:solidFill>
+              <a:latin typeface="Arial" panose="020B0604020202020204" pitchFamily="34" charset="0"/>
+              <a:cs typeface="Arial" panose="020B0604020202020204" pitchFamily="34" charset="0"/>
+            </a:endParaRPr>
+          </a:p>
+          <a:p>
+            <a:r>
+              <a:rPr lang="de-CH" sz="1400" b="1" dirty="0">
+                <a:solidFill>
+                  <a:schemeClr val="tx1"/>
+                </a:solidFill>
+                <a:latin typeface="Arial" panose="020B0604020202020204" pitchFamily="34" charset="0"/>
+                <a:cs typeface="Arial" panose="020B0604020202020204" pitchFamily="34" charset="0"/>
+              </a:rPr>
+              <a:t>	</a:t>
+            </a:r>
+            <a:r>
+              <a:rPr lang="de-CH" sz="1400" b="1" dirty="0" err="1">
+                <a:solidFill>
+                  <a:schemeClr val="tx1"/>
+                </a:solidFill>
+                <a:latin typeface="Arial" panose="020B0604020202020204" pitchFamily="34" charset="0"/>
+                <a:cs typeface="Arial" panose="020B0604020202020204" pitchFamily="34" charset="0"/>
+              </a:rPr>
+              <a:t>GuestbookServer.getUploadedXmlDirUrl</a:t>
+            </a:r>
+            <a:r>
+              <a:rPr lang="de-CH" sz="1400" b="1" dirty="0">
+                <a:solidFill>
+                  <a:schemeClr val="tx1"/>
+                </a:solidFill>
+                <a:latin typeface="Arial" panose="020B0604020202020204" pitchFamily="34" charset="0"/>
+                <a:cs typeface="Arial" panose="020B0604020202020204" pitchFamily="34" charset="0"/>
+              </a:rPr>
+              <a:t>, </a:t>
+            </a:r>
+            <a:r>
+              <a:rPr lang="de-CH" sz="1400" b="1" dirty="0" err="1">
+                <a:solidFill>
+                  <a:schemeClr val="tx1"/>
+                </a:solidFill>
+                <a:latin typeface="Arial" panose="020B0604020202020204" pitchFamily="34" charset="0"/>
+                <a:cs typeface="Arial" panose="020B0604020202020204" pitchFamily="34" charset="0"/>
+              </a:rPr>
+              <a:t>getBackupDirUrl</a:t>
+            </a:r>
+            <a:endParaRPr lang="de-CH" sz="1400" b="1" dirty="0">
+              <a:solidFill>
+                <a:schemeClr val="tx1"/>
+              </a:solidFill>
+              <a:latin typeface="Arial" panose="020B0604020202020204" pitchFamily="34" charset="0"/>
+              <a:cs typeface="Arial" panose="020B0604020202020204" pitchFamily="34" charset="0"/>
+            </a:endParaRPr>
+          </a:p>
+          <a:p>
+            <a:r>
+              <a:rPr lang="de-CH" sz="1400" b="1" dirty="0">
+                <a:solidFill>
+                  <a:schemeClr val="tx1"/>
+                </a:solidFill>
+                <a:latin typeface="Arial" panose="020B0604020202020204" pitchFamily="34" charset="0"/>
+                <a:cs typeface="Arial" panose="020B0604020202020204" pitchFamily="34" charset="0"/>
+              </a:rPr>
+              <a:t>	</a:t>
+            </a:r>
+            <a:r>
+              <a:rPr lang="de-CH" sz="1400" b="1" dirty="0" err="1">
+                <a:solidFill>
+                  <a:schemeClr val="tx1"/>
+                </a:solidFill>
+                <a:latin typeface="Arial" panose="020B0604020202020204" pitchFamily="34" charset="0"/>
+                <a:cs typeface="Arial" panose="020B0604020202020204" pitchFamily="34" charset="0"/>
+              </a:rPr>
+              <a:t>UtilServer.moveFileCallback</a:t>
+            </a:r>
+            <a:endParaRPr lang="de-CH" sz="1400" b="1" dirty="0">
+              <a:solidFill>
+                <a:schemeClr val="tx1"/>
+              </a:solidFill>
+              <a:latin typeface="Arial" panose="020B0604020202020204" pitchFamily="34" charset="0"/>
+              <a:cs typeface="Arial" panose="020B0604020202020204" pitchFamily="34" charset="0"/>
+            </a:endParaRPr>
+          </a:p>
+          <a:p>
+            <a:r>
+              <a:rPr lang="de-CH" sz="1400" b="1" dirty="0" err="1">
+                <a:solidFill>
+                  <a:schemeClr val="tx1"/>
+                </a:solidFill>
+                <a:latin typeface="Arial" panose="020B0604020202020204" pitchFamily="34" charset="0"/>
+                <a:cs typeface="Arial" panose="020B0604020202020204" pitchFamily="34" charset="0"/>
+              </a:rPr>
+              <a:t>deleteRecordSaveJazzGuestsUploadedXml</a:t>
+            </a:r>
+            <a:endParaRPr lang="de-CH" sz="1400" b="1" dirty="0">
+              <a:solidFill>
+                <a:schemeClr val="tx1"/>
+              </a:solidFill>
+              <a:latin typeface="Arial" panose="020B0604020202020204" pitchFamily="34" charset="0"/>
+              <a:cs typeface="Arial" panose="020B0604020202020204" pitchFamily="34" charset="0"/>
+            </a:endParaRPr>
+          </a:p>
+          <a:p>
+            <a:r>
+              <a:rPr lang="de-CH" sz="1400" b="1" dirty="0">
+                <a:solidFill>
+                  <a:schemeClr val="tx1"/>
+                </a:solidFill>
+                <a:latin typeface="Arial" panose="020B0604020202020204" pitchFamily="34" charset="0"/>
+                <a:cs typeface="Arial" panose="020B0604020202020204" pitchFamily="34" charset="0"/>
+              </a:rPr>
+              <a:t>	</a:t>
+            </a:r>
+            <a:r>
+              <a:rPr lang="de-CH" sz="1400" b="1" dirty="0" err="1">
+                <a:solidFill>
+                  <a:schemeClr val="tx1"/>
+                </a:solidFill>
+                <a:latin typeface="Arial" panose="020B0604020202020204" pitchFamily="34" charset="0"/>
+                <a:cs typeface="Arial" panose="020B0604020202020204" pitchFamily="34" charset="0"/>
+              </a:rPr>
+              <a:t>UtilServer.saveFileCallback</a:t>
+            </a:r>
+            <a:endParaRPr lang="de-CH" sz="1400" b="1" dirty="0">
+              <a:solidFill>
+                <a:schemeClr val="tx1"/>
+              </a:solidFill>
+              <a:latin typeface="Arial" panose="020B0604020202020204" pitchFamily="34" charset="0"/>
+              <a:cs typeface="Arial" panose="020B0604020202020204" pitchFamily="34" charset="0"/>
+            </a:endParaRPr>
+          </a:p>
+          <a:p>
+            <a:r>
+              <a:rPr lang="de-CH" sz="1400" b="1" dirty="0" err="1">
+                <a:solidFill>
+                  <a:schemeClr val="tx1"/>
+                </a:solidFill>
+                <a:latin typeface="Arial" panose="020B0604020202020204" pitchFamily="34" charset="0"/>
+                <a:cs typeface="Arial" panose="020B0604020202020204" pitchFamily="34" charset="0"/>
+              </a:rPr>
+              <a:t>deleteRecordSaveJazzGuestsXml</a:t>
+            </a:r>
+            <a:endParaRPr lang="de-CH" sz="1400" b="1" dirty="0">
+              <a:solidFill>
+                <a:schemeClr val="tx1"/>
+              </a:solidFill>
+              <a:latin typeface="Arial" panose="020B0604020202020204" pitchFamily="34" charset="0"/>
+              <a:cs typeface="Arial" panose="020B0604020202020204" pitchFamily="34" charset="0"/>
+            </a:endParaRPr>
+          </a:p>
+          <a:p>
+            <a:r>
+              <a:rPr lang="de-CH" sz="1400" b="1" dirty="0">
+                <a:solidFill>
+                  <a:schemeClr val="tx1"/>
+                </a:solidFill>
+                <a:latin typeface="Arial" panose="020B0604020202020204" pitchFamily="34" charset="0"/>
+                <a:cs typeface="Arial" panose="020B0604020202020204" pitchFamily="34" charset="0"/>
+              </a:rPr>
+              <a:t>	</a:t>
+            </a:r>
+            <a:r>
+              <a:rPr lang="de-CH" sz="1400" b="1" dirty="0" err="1">
+                <a:solidFill>
+                  <a:schemeClr val="tx1"/>
+                </a:solidFill>
+                <a:latin typeface="Arial" panose="020B0604020202020204" pitchFamily="34" charset="0"/>
+                <a:cs typeface="Arial" panose="020B0604020202020204" pitchFamily="34" charset="0"/>
+              </a:rPr>
+              <a:t>UtilServer.saveFileCallback</a:t>
+            </a:r>
+            <a:endParaRPr lang="de-CH" sz="1400" b="1" dirty="0">
+              <a:solidFill>
+                <a:schemeClr val="tx1"/>
+              </a:solidFill>
+              <a:latin typeface="Arial" panose="020B0604020202020204" pitchFamily="34" charset="0"/>
+              <a:cs typeface="Arial" panose="020B0604020202020204" pitchFamily="34" charset="0"/>
+            </a:endParaRPr>
+          </a:p>
+          <a:p>
+            <a:r>
+              <a:rPr lang="de-CH" sz="1400" b="1" dirty="0" err="1">
+                <a:solidFill>
+                  <a:schemeClr val="tx1"/>
+                </a:solidFill>
+                <a:latin typeface="Arial" panose="020B0604020202020204" pitchFamily="34" charset="0"/>
+                <a:cs typeface="Arial" panose="020B0604020202020204" pitchFamily="34" charset="0"/>
+              </a:rPr>
+              <a:t>unlockFiles</a:t>
+            </a:r>
+            <a:endParaRPr lang="de-CH" sz="1400" b="1" dirty="0">
+              <a:solidFill>
+                <a:schemeClr val="tx1"/>
+              </a:solidFill>
+              <a:latin typeface="Arial" panose="020B0604020202020204" pitchFamily="34" charset="0"/>
+              <a:cs typeface="Arial" panose="020B0604020202020204" pitchFamily="34" charset="0"/>
+            </a:endParaRPr>
+          </a:p>
+          <a:p>
+            <a:r>
+              <a:rPr lang="de-CH" sz="1400" b="1" dirty="0" err="1">
+                <a:solidFill>
+                  <a:schemeClr val="tx1"/>
+                </a:solidFill>
+                <a:latin typeface="Arial" panose="020B0604020202020204" pitchFamily="34" charset="0"/>
+                <a:cs typeface="Arial" panose="020B0604020202020204" pitchFamily="34" charset="0"/>
+              </a:rPr>
+              <a:t>sendNoticationEmail</a:t>
+            </a:r>
+            <a:endParaRPr lang="de-CH" sz="1400" b="1" dirty="0">
+              <a:solidFill>
+                <a:schemeClr val="tx1"/>
+              </a:solidFill>
+              <a:latin typeface="Arial" panose="020B0604020202020204" pitchFamily="34" charset="0"/>
+              <a:cs typeface="Arial" panose="020B0604020202020204" pitchFamily="34" charset="0"/>
+            </a:endParaRPr>
+          </a:p>
+          <a:p>
+            <a:r>
+              <a:rPr lang="de-CH" sz="1400" b="1" dirty="0">
+                <a:solidFill>
+                  <a:schemeClr val="tx1"/>
+                </a:solidFill>
+                <a:latin typeface="Arial" panose="020B0604020202020204" pitchFamily="34" charset="0"/>
+                <a:cs typeface="Arial" panose="020B0604020202020204" pitchFamily="34" charset="0"/>
+              </a:rPr>
+              <a:t>finish</a:t>
+            </a:r>
+          </a:p>
+          <a:p>
+            <a:endParaRPr lang="de-CH" sz="1400" b="1" dirty="0">
+              <a:solidFill>
+                <a:schemeClr val="tx1"/>
+              </a:solidFill>
+              <a:latin typeface="Arial" panose="020B0604020202020204" pitchFamily="34" charset="0"/>
+              <a:cs typeface="Arial" panose="020B0604020202020204" pitchFamily="34" charset="0"/>
+            </a:endParaRPr>
+          </a:p>
+          <a:p>
+            <a:endParaRPr lang="de-CH" sz="1400" b="1" dirty="0">
+              <a:solidFill>
+                <a:schemeClr val="tx1"/>
+              </a:solidFill>
+              <a:latin typeface="Arial" panose="020B0604020202020204" pitchFamily="34" charset="0"/>
+              <a:cs typeface="Arial" panose="020B0604020202020204" pitchFamily="34" charset="0"/>
+            </a:endParaRPr>
+          </a:p>
+        </p:txBody>
+      </p:sp>
+      <p:sp>
+        <p:nvSpPr>
+          <p:cNvPr id="6" name="Rechteck 5">
+            <a:extLst>
+              <a:ext uri="{FF2B5EF4-FFF2-40B4-BE49-F238E27FC236}">
+                <a16:creationId xmlns:a16="http://schemas.microsoft.com/office/drawing/2014/main" id="{02CFEA98-5CD9-7521-C538-AD3C8B4E6264}"/>
+              </a:ext>
+            </a:extLst>
+          </p:cNvPr>
+          <p:cNvSpPr/>
+          <p:nvPr/>
+        </p:nvSpPr>
+        <p:spPr>
+          <a:xfrm>
+            <a:off x="315310" y="3140804"/>
+            <a:ext cx="2220500" cy="544864"/>
+          </a:xfrm>
+          <a:prstGeom prst="rect">
+            <a:avLst/>
+          </a:prstGeom>
+          <a:noFill/>
+          <a:ln w="19050">
+            <a:solidFill>
+              <a:schemeClr val="tx1"/>
+            </a:solidFill>
+          </a:ln>
+        </p:spPr>
+        <p:style>
+          <a:lnRef idx="2">
+            <a:schemeClr val="accent1">
+              <a:shade val="50000"/>
+            </a:schemeClr>
+          </a:lnRef>
+          <a:fillRef idx="1">
+            <a:schemeClr val="accent1"/>
+          </a:fillRef>
+          <a:effectRef idx="0">
+            <a:schemeClr val="accent1"/>
+          </a:effectRef>
+          <a:fontRef idx="minor">
+            <a:schemeClr val="lt1"/>
+          </a:fontRef>
+        </p:style>
+        <p:txBody>
+          <a:bodyPr rtlCol="0" anchor="ctr"/>
+          <a:lstStyle/>
+          <a:p>
+            <a:pPr algn="ctr"/>
+            <a:r>
+              <a:rPr lang="de-CH" sz="1400" b="1" dirty="0" err="1">
+                <a:solidFill>
+                  <a:schemeClr val="tx1"/>
+                </a:solidFill>
+                <a:latin typeface="Arial" panose="020B0604020202020204" pitchFamily="34" charset="0"/>
+                <a:cs typeface="Arial" panose="020B0604020202020204" pitchFamily="34" charset="0"/>
+              </a:rPr>
+              <a:t>executeContactRequest</a:t>
             </a:r>
             <a:endParaRPr lang="de-CH" sz="1400" b="1" i="1" dirty="0">
               <a:solidFill>
@@ -18225,806 +19176,6 @@
               <a:cs typeface="Arial" panose="020B0604020202020204" pitchFamily="34" charset="0"/>
             </a:endParaRPr>
           </a:p>
-          <a:p>
-            <a:r>
-              <a:rPr lang="de-CH" sz="1400" b="1" dirty="0" err="1">
-                <a:solidFill>
-                  <a:schemeClr val="tx1"/>
-                </a:solidFill>
-                <a:latin typeface="Arial" panose="020B0604020202020204" pitchFamily="34" charset="0"/>
-                <a:cs typeface="Arial" panose="020B0604020202020204" pitchFamily="34" charset="0"/>
-              </a:rPr>
-              <a:t>reloadJazzGuestsObject</a:t>
-            </a:r>
-            <a:r>
-              <a:rPr lang="de-CH" sz="1400" b="1" dirty="0">
-                <a:solidFill>
-                  <a:schemeClr val="tx1"/>
-                </a:solidFill>
-                <a:latin typeface="Arial" panose="020B0604020202020204" pitchFamily="34" charset="0"/>
-                <a:cs typeface="Arial" panose="020B0604020202020204" pitchFamily="34" charset="0"/>
-              </a:rPr>
-              <a:t>  </a:t>
-            </a:r>
-          </a:p>
-          <a:p>
-            <a:r>
-              <a:rPr lang="de-CH" sz="1400" b="1" i="1" dirty="0">
-                <a:solidFill>
-                  <a:schemeClr val="tx1"/>
-                </a:solidFill>
-                <a:latin typeface="Arial" panose="020B0604020202020204" pitchFamily="34" charset="0"/>
-                <a:cs typeface="Arial" panose="020B0604020202020204" pitchFamily="34" charset="0"/>
-              </a:rPr>
-              <a:t>  </a:t>
-            </a:r>
-            <a:r>
-              <a:rPr lang="de-CH" sz="1400" b="1" i="1" dirty="0" err="1">
-                <a:solidFill>
-                  <a:schemeClr val="tx1"/>
-                </a:solidFill>
-                <a:latin typeface="Arial" panose="020B0604020202020204" pitchFamily="34" charset="0"/>
-                <a:cs typeface="Arial" panose="020B0604020202020204" pitchFamily="34" charset="0"/>
-              </a:rPr>
-              <a:t>Reload</a:t>
-            </a:r>
-            <a:r>
-              <a:rPr lang="de-CH" sz="1400" b="1" i="1" dirty="0">
-                <a:solidFill>
-                  <a:schemeClr val="tx1"/>
-                </a:solidFill>
-                <a:latin typeface="Arial" panose="020B0604020202020204" pitchFamily="34" charset="0"/>
-                <a:cs typeface="Arial" panose="020B0604020202020204" pitchFamily="34" charset="0"/>
-              </a:rPr>
-              <a:t> JazzGuests.xml</a:t>
-            </a:r>
-          </a:p>
-          <a:p>
-            <a:r>
-              <a:rPr lang="de-CH" sz="1400" b="1" dirty="0" err="1">
-                <a:solidFill>
-                  <a:schemeClr val="tx1"/>
-                </a:solidFill>
-                <a:latin typeface="Arial" panose="020B0604020202020204" pitchFamily="34" charset="0"/>
-                <a:cs typeface="Arial" panose="020B0604020202020204" pitchFamily="34" charset="0"/>
-              </a:rPr>
-              <a:t>reloadJazzGuestsUploadedObject</a:t>
-            </a:r>
-            <a:r>
-              <a:rPr lang="de-CH" sz="1400" b="1" dirty="0">
-                <a:solidFill>
-                  <a:schemeClr val="tx1"/>
-                </a:solidFill>
-                <a:latin typeface="Arial" panose="020B0604020202020204" pitchFamily="34" charset="0"/>
-                <a:cs typeface="Arial" panose="020B0604020202020204" pitchFamily="34" charset="0"/>
-              </a:rPr>
-              <a:t> </a:t>
-            </a:r>
-          </a:p>
-          <a:p>
-            <a:r>
-              <a:rPr lang="de-CH" sz="1400" b="1" i="1" dirty="0">
-                <a:solidFill>
-                  <a:schemeClr val="tx1"/>
-                </a:solidFill>
-                <a:latin typeface="Arial" panose="020B0604020202020204" pitchFamily="34" charset="0"/>
-                <a:cs typeface="Arial" panose="020B0604020202020204" pitchFamily="34" charset="0"/>
-              </a:rPr>
-              <a:t>  </a:t>
-            </a:r>
-            <a:r>
-              <a:rPr lang="de-CH" sz="1400" b="1" i="1" dirty="0" err="1">
-                <a:solidFill>
-                  <a:schemeClr val="tx1"/>
-                </a:solidFill>
-                <a:latin typeface="Arial" panose="020B0604020202020204" pitchFamily="34" charset="0"/>
-                <a:cs typeface="Arial" panose="020B0604020202020204" pitchFamily="34" charset="0"/>
-              </a:rPr>
-              <a:t>Reload</a:t>
-            </a:r>
-            <a:r>
-              <a:rPr lang="de-CH" sz="1400" b="1" i="1" dirty="0">
-                <a:solidFill>
-                  <a:schemeClr val="tx1"/>
-                </a:solidFill>
-                <a:latin typeface="Arial" panose="020B0604020202020204" pitchFamily="34" charset="0"/>
-                <a:cs typeface="Arial" panose="020B0604020202020204" pitchFamily="34" charset="0"/>
-              </a:rPr>
-              <a:t> JazzGuestsUploaded.xml </a:t>
-            </a:r>
-          </a:p>
-          <a:p>
-            <a:r>
-              <a:rPr lang="de-CH" sz="1400" b="1" dirty="0" err="1">
-                <a:solidFill>
-                  <a:schemeClr val="tx1"/>
-                </a:solidFill>
-                <a:latin typeface="Arial" panose="020B0604020202020204" pitchFamily="34" charset="0"/>
-                <a:cs typeface="Arial" panose="020B0604020202020204" pitchFamily="34" charset="0"/>
-              </a:rPr>
-              <a:t>appendXmlUserInputData</a:t>
-            </a:r>
-            <a:endParaRPr lang="de-CH" sz="1400" b="1" dirty="0">
-              <a:solidFill>
-                <a:schemeClr val="tx1"/>
-              </a:solidFill>
-              <a:latin typeface="Arial" panose="020B0604020202020204" pitchFamily="34" charset="0"/>
-              <a:cs typeface="Arial" panose="020B0604020202020204" pitchFamily="34" charset="0"/>
-            </a:endParaRPr>
-          </a:p>
-          <a:p>
-            <a:r>
-              <a:rPr lang="de-CH" sz="1400" b="1" i="1" dirty="0">
-                <a:solidFill>
-                  <a:schemeClr val="tx1"/>
-                </a:solidFill>
-                <a:latin typeface="Arial" panose="020B0604020202020204" pitchFamily="34" charset="0"/>
-                <a:cs typeface="Arial" panose="020B0604020202020204" pitchFamily="34" charset="0"/>
-              </a:rPr>
-              <a:t>  </a:t>
-            </a:r>
-            <a:r>
-              <a:rPr lang="de-CH" sz="1400" b="1" i="1" dirty="0" err="1">
-                <a:solidFill>
-                  <a:schemeClr val="tx1"/>
-                </a:solidFill>
-                <a:latin typeface="Arial" panose="020B0604020202020204" pitchFamily="34" charset="0"/>
-                <a:cs typeface="Arial" panose="020B0604020202020204" pitchFamily="34" charset="0"/>
-              </a:rPr>
-              <a:t>Append</a:t>
-            </a:r>
-            <a:r>
-              <a:rPr lang="de-CH" sz="1400" b="1" i="1" dirty="0">
-                <a:solidFill>
-                  <a:schemeClr val="tx1"/>
-                </a:solidFill>
-                <a:latin typeface="Arial" panose="020B0604020202020204" pitchFamily="34" charset="0"/>
-                <a:cs typeface="Arial" panose="020B0604020202020204" pitchFamily="34" charset="0"/>
-              </a:rPr>
-              <a:t> </a:t>
-            </a:r>
-            <a:r>
-              <a:rPr lang="de-CH" sz="1400" b="1" i="1" dirty="0" err="1">
-                <a:solidFill>
-                  <a:schemeClr val="tx1"/>
-                </a:solidFill>
-                <a:latin typeface="Arial" panose="020B0604020202020204" pitchFamily="34" charset="0"/>
-                <a:cs typeface="Arial" panose="020B0604020202020204" pitchFamily="34" charset="0"/>
-              </a:rPr>
-              <a:t>record</a:t>
-            </a:r>
-            <a:r>
-              <a:rPr lang="de-CH" sz="1400" b="1" i="1" dirty="0">
-                <a:solidFill>
-                  <a:schemeClr val="tx1"/>
-                </a:solidFill>
-                <a:latin typeface="Arial" panose="020B0604020202020204" pitchFamily="34" charset="0"/>
-                <a:cs typeface="Arial" panose="020B0604020202020204" pitchFamily="34" charset="0"/>
-              </a:rPr>
-              <a:t> </a:t>
-            </a:r>
-            <a:r>
-              <a:rPr lang="de-CH" sz="1400" b="1" i="1" dirty="0" err="1">
-                <a:solidFill>
-                  <a:schemeClr val="tx1"/>
-                </a:solidFill>
-                <a:latin typeface="Arial" panose="020B0604020202020204" pitchFamily="34" charset="0"/>
-                <a:cs typeface="Arial" panose="020B0604020202020204" pitchFamily="34" charset="0"/>
-              </a:rPr>
-              <a:t>to</a:t>
-            </a:r>
-            <a:r>
-              <a:rPr lang="de-CH" sz="1400" b="1" i="1" dirty="0">
-                <a:solidFill>
-                  <a:schemeClr val="tx1"/>
-                </a:solidFill>
-                <a:latin typeface="Arial" panose="020B0604020202020204" pitchFamily="34" charset="0"/>
-                <a:cs typeface="Arial" panose="020B0604020202020204" pitchFamily="34" charset="0"/>
-              </a:rPr>
-              <a:t> and save JazzGuestsUploaded.xml </a:t>
-            </a:r>
-          </a:p>
-          <a:p>
-            <a:r>
-              <a:rPr lang="de-CH" sz="1400" b="1" dirty="0" err="1">
-                <a:solidFill>
-                  <a:schemeClr val="tx1"/>
-                </a:solidFill>
-                <a:latin typeface="Arial" panose="020B0604020202020204" pitchFamily="34" charset="0"/>
-                <a:cs typeface="Arial" panose="020B0604020202020204" pitchFamily="34" charset="0"/>
-              </a:rPr>
-              <a:t>constructImageFileNameAndCopy</a:t>
-            </a:r>
-            <a:endParaRPr lang="de-CH" sz="1400" b="1" dirty="0">
-              <a:solidFill>
-                <a:schemeClr val="tx1"/>
-              </a:solidFill>
-              <a:latin typeface="Arial" panose="020B0604020202020204" pitchFamily="34" charset="0"/>
-              <a:cs typeface="Arial" panose="020B0604020202020204" pitchFamily="34" charset="0"/>
-            </a:endParaRPr>
-          </a:p>
-          <a:p>
-            <a:r>
-              <a:rPr lang="de-CH" sz="1400" b="1" dirty="0">
-                <a:solidFill>
-                  <a:schemeClr val="tx1"/>
-                </a:solidFill>
-                <a:latin typeface="Arial" panose="020B0604020202020204" pitchFamily="34" charset="0"/>
-                <a:cs typeface="Arial" panose="020B0604020202020204" pitchFamily="34" charset="0"/>
-              </a:rPr>
-              <a:t>  </a:t>
-            </a:r>
-            <a:r>
-              <a:rPr lang="de-CH" sz="1400" b="1" i="1" dirty="0" err="1">
-                <a:solidFill>
-                  <a:schemeClr val="tx1"/>
-                </a:solidFill>
-                <a:latin typeface="Arial" panose="020B0604020202020204" pitchFamily="34" charset="0"/>
-                <a:cs typeface="Arial" panose="020B0604020202020204" pitchFamily="34" charset="0"/>
-              </a:rPr>
-              <a:t>Construct</a:t>
-            </a:r>
-            <a:r>
-              <a:rPr lang="de-CH" sz="1400" b="1" i="1" dirty="0">
-                <a:solidFill>
-                  <a:schemeClr val="tx1"/>
-                </a:solidFill>
-                <a:latin typeface="Arial" panose="020B0604020202020204" pitchFamily="34" charset="0"/>
-                <a:cs typeface="Arial" panose="020B0604020202020204" pitchFamily="34" charset="0"/>
-              </a:rPr>
-              <a:t> </a:t>
-            </a:r>
-            <a:r>
-              <a:rPr lang="de-CH" sz="1400" b="1" i="1" dirty="0" err="1">
-                <a:solidFill>
-                  <a:schemeClr val="tx1"/>
-                </a:solidFill>
-                <a:latin typeface="Arial" panose="020B0604020202020204" pitchFamily="34" charset="0"/>
-                <a:cs typeface="Arial" panose="020B0604020202020204" pitchFamily="34" charset="0"/>
-              </a:rPr>
-              <a:t>image</a:t>
-            </a:r>
-            <a:r>
-              <a:rPr lang="de-CH" sz="1400" b="1" i="1" dirty="0">
-                <a:solidFill>
-                  <a:schemeClr val="tx1"/>
-                </a:solidFill>
-                <a:latin typeface="Arial" panose="020B0604020202020204" pitchFamily="34" charset="0"/>
-                <a:cs typeface="Arial" panose="020B0604020202020204" pitchFamily="34" charset="0"/>
-              </a:rPr>
-              <a:t> </a:t>
-            </a:r>
-            <a:r>
-              <a:rPr lang="de-CH" sz="1400" b="1" i="1" dirty="0" err="1">
-                <a:solidFill>
-                  <a:schemeClr val="tx1"/>
-                </a:solidFill>
-                <a:latin typeface="Arial" panose="020B0604020202020204" pitchFamily="34" charset="0"/>
-                <a:cs typeface="Arial" panose="020B0604020202020204" pitchFamily="34" charset="0"/>
-              </a:rPr>
-              <a:t>file</a:t>
-            </a:r>
-            <a:r>
-              <a:rPr lang="de-CH" sz="1400" b="1" i="1" dirty="0">
-                <a:solidFill>
-                  <a:schemeClr val="tx1"/>
-                </a:solidFill>
-                <a:latin typeface="Arial" panose="020B0604020202020204" pitchFamily="34" charset="0"/>
-                <a:cs typeface="Arial" panose="020B0604020202020204" pitchFamily="34" charset="0"/>
-              </a:rPr>
-              <a:t> </a:t>
-            </a:r>
-            <a:r>
-              <a:rPr lang="de-CH" sz="1400" b="1" i="1" dirty="0" err="1">
-                <a:solidFill>
-                  <a:schemeClr val="tx1"/>
-                </a:solidFill>
-                <a:latin typeface="Arial" panose="020B0604020202020204" pitchFamily="34" charset="0"/>
-                <a:cs typeface="Arial" panose="020B0604020202020204" pitchFamily="34" charset="0"/>
-              </a:rPr>
-              <a:t>name</a:t>
-            </a:r>
-            <a:r>
-              <a:rPr lang="de-CH" sz="1400" b="1" i="1" dirty="0">
-                <a:solidFill>
-                  <a:schemeClr val="tx1"/>
-                </a:solidFill>
-                <a:latin typeface="Arial" panose="020B0604020202020204" pitchFamily="34" charset="0"/>
-                <a:cs typeface="Arial" panose="020B0604020202020204" pitchFamily="34" charset="0"/>
-              </a:rPr>
-              <a:t> and </a:t>
-            </a:r>
-            <a:r>
-              <a:rPr lang="de-CH" sz="1400" b="1" i="1" dirty="0" err="1">
-                <a:solidFill>
-                  <a:schemeClr val="tx1"/>
-                </a:solidFill>
-                <a:latin typeface="Arial" panose="020B0604020202020204" pitchFamily="34" charset="0"/>
-                <a:cs typeface="Arial" panose="020B0604020202020204" pitchFamily="34" charset="0"/>
-              </a:rPr>
-              <a:t>copy</a:t>
-            </a:r>
-            <a:r>
-              <a:rPr lang="de-CH" sz="1400" b="1" i="1" dirty="0">
-                <a:solidFill>
-                  <a:schemeClr val="tx1"/>
-                </a:solidFill>
-                <a:latin typeface="Arial" panose="020B0604020202020204" pitchFamily="34" charset="0"/>
-                <a:cs typeface="Arial" panose="020B0604020202020204" pitchFamily="34" charset="0"/>
-              </a:rPr>
-              <a:t> </a:t>
-            </a:r>
-            <a:r>
-              <a:rPr lang="de-CH" sz="1400" b="1" i="1" dirty="0" err="1">
-                <a:solidFill>
-                  <a:schemeClr val="tx1"/>
-                </a:solidFill>
-                <a:latin typeface="Arial" panose="020B0604020202020204" pitchFamily="34" charset="0"/>
-                <a:cs typeface="Arial" panose="020B0604020202020204" pitchFamily="34" charset="0"/>
-              </a:rPr>
-              <a:t>uploaded</a:t>
-            </a:r>
-            <a:r>
-              <a:rPr lang="de-CH" sz="1400" b="1" i="1" dirty="0">
-                <a:solidFill>
-                  <a:schemeClr val="tx1"/>
-                </a:solidFill>
-                <a:latin typeface="Arial" panose="020B0604020202020204" pitchFamily="34" charset="0"/>
-                <a:cs typeface="Arial" panose="020B0604020202020204" pitchFamily="34" charset="0"/>
-              </a:rPr>
-              <a:t> </a:t>
-            </a:r>
-            <a:r>
-              <a:rPr lang="de-CH" sz="1400" b="1" i="1" dirty="0" err="1">
-                <a:solidFill>
-                  <a:schemeClr val="tx1"/>
-                </a:solidFill>
-                <a:latin typeface="Arial" panose="020B0604020202020204" pitchFamily="34" charset="0"/>
-                <a:cs typeface="Arial" panose="020B0604020202020204" pitchFamily="34" charset="0"/>
-              </a:rPr>
-              <a:t>image</a:t>
-            </a:r>
-            <a:endParaRPr lang="de-CH" sz="1400" b="1" i="1" dirty="0">
-              <a:solidFill>
-                <a:schemeClr val="tx1"/>
-              </a:solidFill>
-              <a:latin typeface="Arial" panose="020B0604020202020204" pitchFamily="34" charset="0"/>
-              <a:cs typeface="Arial" panose="020B0604020202020204" pitchFamily="34" charset="0"/>
-            </a:endParaRPr>
-          </a:p>
-          <a:p>
-            <a:r>
-              <a:rPr lang="de-CH" sz="1400" b="1" dirty="0" err="1">
-                <a:solidFill>
-                  <a:schemeClr val="tx1"/>
-                </a:solidFill>
-                <a:latin typeface="Arial" panose="020B0604020202020204" pitchFamily="34" charset="0"/>
-                <a:cs typeface="Arial" panose="020B0604020202020204" pitchFamily="34" charset="0"/>
-              </a:rPr>
-              <a:t>appendXmlUploadedData</a:t>
-            </a:r>
-            <a:endParaRPr lang="de-CH" sz="1400" b="1" dirty="0">
-              <a:solidFill>
-                <a:schemeClr val="tx1"/>
-              </a:solidFill>
-              <a:latin typeface="Arial" panose="020B0604020202020204" pitchFamily="34" charset="0"/>
-              <a:cs typeface="Arial" panose="020B0604020202020204" pitchFamily="34" charset="0"/>
-            </a:endParaRPr>
-          </a:p>
-          <a:p>
-            <a:r>
-              <a:rPr lang="de-CH" sz="1400" b="1" i="1" dirty="0">
-                <a:solidFill>
-                  <a:schemeClr val="tx1"/>
-                </a:solidFill>
-                <a:latin typeface="Arial" panose="020B0604020202020204" pitchFamily="34" charset="0"/>
-                <a:cs typeface="Arial" panose="020B0604020202020204" pitchFamily="34" charset="0"/>
-              </a:rPr>
-              <a:t>  </a:t>
-            </a:r>
-            <a:r>
-              <a:rPr lang="de-CH" sz="1400" b="1" i="1" dirty="0" err="1">
-                <a:solidFill>
-                  <a:schemeClr val="tx1"/>
-                </a:solidFill>
-                <a:latin typeface="Arial" panose="020B0604020202020204" pitchFamily="34" charset="0"/>
-                <a:cs typeface="Arial" panose="020B0604020202020204" pitchFamily="34" charset="0"/>
-              </a:rPr>
-              <a:t>Append</a:t>
-            </a:r>
-            <a:r>
-              <a:rPr lang="de-CH" sz="1400" b="1" i="1" dirty="0">
-                <a:solidFill>
-                  <a:schemeClr val="tx1"/>
-                </a:solidFill>
-                <a:latin typeface="Arial" panose="020B0604020202020204" pitchFamily="34" charset="0"/>
-                <a:cs typeface="Arial" panose="020B0604020202020204" pitchFamily="34" charset="0"/>
-              </a:rPr>
-              <a:t> </a:t>
-            </a:r>
-            <a:r>
-              <a:rPr lang="de-CH" sz="1400" b="1" i="1" dirty="0" err="1">
-                <a:solidFill>
-                  <a:schemeClr val="tx1"/>
-                </a:solidFill>
-                <a:latin typeface="Arial" panose="020B0604020202020204" pitchFamily="34" charset="0"/>
-                <a:cs typeface="Arial" panose="020B0604020202020204" pitchFamily="34" charset="0"/>
-              </a:rPr>
-              <a:t>record</a:t>
-            </a:r>
-            <a:r>
-              <a:rPr lang="de-CH" sz="1400" b="1" i="1" dirty="0">
-                <a:solidFill>
-                  <a:schemeClr val="tx1"/>
-                </a:solidFill>
-                <a:latin typeface="Arial" panose="020B0604020202020204" pitchFamily="34" charset="0"/>
-                <a:cs typeface="Arial" panose="020B0604020202020204" pitchFamily="34" charset="0"/>
-              </a:rPr>
-              <a:t> </a:t>
-            </a:r>
-            <a:r>
-              <a:rPr lang="de-CH" sz="1400" b="1" i="1" dirty="0" err="1">
-                <a:solidFill>
-                  <a:schemeClr val="tx1"/>
-                </a:solidFill>
-                <a:latin typeface="Arial" panose="020B0604020202020204" pitchFamily="34" charset="0"/>
-                <a:cs typeface="Arial" panose="020B0604020202020204" pitchFamily="34" charset="0"/>
-              </a:rPr>
-              <a:t>to</a:t>
-            </a:r>
-            <a:r>
-              <a:rPr lang="de-CH" sz="1400" b="1" i="1" dirty="0">
-                <a:solidFill>
-                  <a:schemeClr val="tx1"/>
-                </a:solidFill>
-                <a:latin typeface="Arial" panose="020B0604020202020204" pitchFamily="34" charset="0"/>
-                <a:cs typeface="Arial" panose="020B0604020202020204" pitchFamily="34" charset="0"/>
-              </a:rPr>
-              <a:t> and save JazzGuests.xml</a:t>
-            </a:r>
-          </a:p>
-          <a:p>
-            <a:r>
-              <a:rPr lang="de-CH" sz="1400" b="1" dirty="0" err="1">
-                <a:solidFill>
-                  <a:schemeClr val="tx1"/>
-                </a:solidFill>
-                <a:latin typeface="Arial" panose="020B0604020202020204" pitchFamily="34" charset="0"/>
-                <a:cs typeface="Arial" panose="020B0604020202020204" pitchFamily="34" charset="0"/>
-              </a:rPr>
-              <a:t>unlockFiles</a:t>
-            </a:r>
-            <a:endParaRPr lang="de-CH" sz="1400" b="1" dirty="0">
-              <a:solidFill>
-                <a:schemeClr val="tx1"/>
-              </a:solidFill>
-              <a:latin typeface="Arial" panose="020B0604020202020204" pitchFamily="34" charset="0"/>
-              <a:cs typeface="Arial" panose="020B0604020202020204" pitchFamily="34" charset="0"/>
-            </a:endParaRPr>
-          </a:p>
-          <a:p>
-            <a:r>
-              <a:rPr lang="de-CH" sz="1400" b="1" dirty="0">
-                <a:solidFill>
-                  <a:schemeClr val="tx1"/>
-                </a:solidFill>
-                <a:latin typeface="Arial" panose="020B0604020202020204" pitchFamily="34" charset="0"/>
-                <a:cs typeface="Arial" panose="020B0604020202020204" pitchFamily="34" charset="0"/>
-              </a:rPr>
-              <a:t>  </a:t>
-            </a:r>
-            <a:r>
-              <a:rPr lang="de-CH" sz="1400" b="1" i="1" dirty="0">
-                <a:solidFill>
-                  <a:schemeClr val="tx1"/>
-                </a:solidFill>
-                <a:latin typeface="Arial" panose="020B0604020202020204" pitchFamily="34" charset="0"/>
-                <a:cs typeface="Arial" panose="020B0604020202020204" pitchFamily="34" charset="0"/>
-              </a:rPr>
-              <a:t>Call </a:t>
-            </a:r>
-            <a:r>
-              <a:rPr lang="de-CH" sz="1400" b="1" i="1" dirty="0" err="1">
-                <a:solidFill>
-                  <a:schemeClr val="tx1"/>
-                </a:solidFill>
-                <a:latin typeface="Arial" panose="020B0604020202020204" pitchFamily="34" charset="0"/>
-                <a:cs typeface="Arial" panose="020B0604020202020204" pitchFamily="34" charset="0"/>
-              </a:rPr>
-              <a:t>UtilLock.unlock</a:t>
-            </a:r>
-            <a:endParaRPr lang="de-CH" sz="1400" b="1" i="1" dirty="0">
-              <a:solidFill>
-                <a:schemeClr val="tx1"/>
-              </a:solidFill>
-              <a:latin typeface="Arial" panose="020B0604020202020204" pitchFamily="34" charset="0"/>
-              <a:cs typeface="Arial" panose="020B0604020202020204" pitchFamily="34" charset="0"/>
-            </a:endParaRPr>
-          </a:p>
-          <a:p>
-            <a:r>
-              <a:rPr lang="de-CH" sz="1400" b="1" dirty="0" err="1">
-                <a:solidFill>
-                  <a:schemeClr val="tx1"/>
-                </a:solidFill>
-                <a:latin typeface="Arial" panose="020B0604020202020204" pitchFamily="34" charset="0"/>
-                <a:cs typeface="Arial" panose="020B0604020202020204" pitchFamily="34" charset="0"/>
-              </a:rPr>
-              <a:t>sendNotificationEmail</a:t>
-            </a:r>
-            <a:endParaRPr lang="de-CH" sz="1400" b="1" dirty="0">
-              <a:solidFill>
-                <a:schemeClr val="tx1"/>
-              </a:solidFill>
-              <a:latin typeface="Arial" panose="020B0604020202020204" pitchFamily="34" charset="0"/>
-              <a:cs typeface="Arial" panose="020B0604020202020204" pitchFamily="34" charset="0"/>
-            </a:endParaRPr>
-          </a:p>
-          <a:p>
-            <a:r>
-              <a:rPr lang="de-CH" sz="1400" b="1" i="1" dirty="0">
-                <a:solidFill>
-                  <a:schemeClr val="tx1"/>
-                </a:solidFill>
-                <a:latin typeface="Arial" panose="020B0604020202020204" pitchFamily="34" charset="0"/>
-                <a:cs typeface="Arial" panose="020B0604020202020204" pitchFamily="34" charset="0"/>
-              </a:rPr>
-              <a:t>  Send </a:t>
-            </a:r>
-            <a:r>
-              <a:rPr lang="de-CH" sz="1400" b="1" i="1" dirty="0" err="1">
-                <a:solidFill>
-                  <a:schemeClr val="tx1"/>
-                </a:solidFill>
-                <a:latin typeface="Arial" panose="020B0604020202020204" pitchFamily="34" charset="0"/>
-                <a:cs typeface="Arial" panose="020B0604020202020204" pitchFamily="34" charset="0"/>
-              </a:rPr>
-              <a:t>notification</a:t>
-            </a:r>
-            <a:r>
-              <a:rPr lang="de-CH" sz="1400" b="1" i="1" dirty="0">
-                <a:solidFill>
-                  <a:schemeClr val="tx1"/>
-                </a:solidFill>
-                <a:latin typeface="Arial" panose="020B0604020202020204" pitchFamily="34" charset="0"/>
-                <a:cs typeface="Arial" panose="020B0604020202020204" pitchFamily="34" charset="0"/>
-              </a:rPr>
-              <a:t> email </a:t>
-            </a:r>
-            <a:r>
-              <a:rPr lang="de-CH" sz="1400" b="1" i="1" dirty="0" err="1">
-                <a:solidFill>
-                  <a:schemeClr val="tx1"/>
-                </a:solidFill>
-                <a:latin typeface="Arial" panose="020B0604020202020204" pitchFamily="34" charset="0"/>
-                <a:cs typeface="Arial" panose="020B0604020202020204" pitchFamily="34" charset="0"/>
-              </a:rPr>
-              <a:t>to</a:t>
-            </a:r>
-            <a:r>
-              <a:rPr lang="de-CH" sz="1400" b="1" i="1" dirty="0">
-                <a:solidFill>
-                  <a:schemeClr val="tx1"/>
-                </a:solidFill>
-                <a:latin typeface="Arial" panose="020B0604020202020204" pitchFamily="34" charset="0"/>
-                <a:cs typeface="Arial" panose="020B0604020202020204" pitchFamily="34" charset="0"/>
-              </a:rPr>
-              <a:t> </a:t>
-            </a:r>
-            <a:r>
-              <a:rPr lang="de-CH" sz="1400" b="1" i="1" dirty="0" err="1">
-                <a:solidFill>
-                  <a:schemeClr val="tx1"/>
-                </a:solidFill>
-                <a:latin typeface="Arial" panose="020B0604020202020204" pitchFamily="34" charset="0"/>
-                <a:cs typeface="Arial" panose="020B0604020202020204" pitchFamily="34" charset="0"/>
-              </a:rPr>
-              <a:t>the</a:t>
-            </a:r>
-            <a:r>
-              <a:rPr lang="de-CH" sz="1400" b="1" i="1" dirty="0">
-                <a:solidFill>
-                  <a:schemeClr val="tx1"/>
-                </a:solidFill>
-                <a:latin typeface="Arial" panose="020B0604020202020204" pitchFamily="34" charset="0"/>
-                <a:cs typeface="Arial" panose="020B0604020202020204" pitchFamily="34" charset="0"/>
-              </a:rPr>
-              <a:t> </a:t>
-            </a:r>
-            <a:r>
-              <a:rPr lang="de-CH" sz="1400" b="1" i="1" dirty="0" err="1">
-                <a:solidFill>
-                  <a:schemeClr val="tx1"/>
-                </a:solidFill>
-                <a:latin typeface="Arial" panose="020B0604020202020204" pitchFamily="34" charset="0"/>
-                <a:cs typeface="Arial" panose="020B0604020202020204" pitchFamily="34" charset="0"/>
-              </a:rPr>
-              <a:t>administrator</a:t>
-            </a:r>
-            <a:endParaRPr lang="de-CH" sz="1400" b="1" i="1" dirty="0">
-              <a:solidFill>
-                <a:schemeClr val="tx1"/>
-              </a:solidFill>
-              <a:latin typeface="Arial" panose="020B0604020202020204" pitchFamily="34" charset="0"/>
-              <a:cs typeface="Arial" panose="020B0604020202020204" pitchFamily="34" charset="0"/>
-            </a:endParaRPr>
-          </a:p>
-        </p:txBody>
-      </p:sp>
-      <p:sp>
-        <p:nvSpPr>
-          <p:cNvPr id="6" name="Rechteck 5">
-            <a:extLst>
-              <a:ext uri="{FF2B5EF4-FFF2-40B4-BE49-F238E27FC236}">
-                <a16:creationId xmlns:a16="http://schemas.microsoft.com/office/drawing/2014/main" id="{02CFEA98-5CD9-7521-C538-AD3C8B4E6264}"/>
-              </a:ext>
-            </a:extLst>
-          </p:cNvPr>
-          <p:cNvSpPr/>
-          <p:nvPr/>
-        </p:nvSpPr>
-        <p:spPr>
-          <a:xfrm>
-            <a:off x="315310" y="3140804"/>
-            <a:ext cx="2607450" cy="544864"/>
-          </a:xfrm>
-          <a:prstGeom prst="rect">
-            <a:avLst/>
-          </a:prstGeom>
-          <a:noFill/>
-          <a:ln w="19050">
-            <a:solidFill>
-              <a:schemeClr val="tx1"/>
-            </a:solidFill>
-          </a:ln>
-        </p:spPr>
-        <p:style>
-          <a:lnRef idx="2">
-            <a:schemeClr val="accent1">
-              <a:shade val="50000"/>
-            </a:schemeClr>
-          </a:lnRef>
-          <a:fillRef idx="1">
-            <a:schemeClr val="accent1"/>
-          </a:fillRef>
-          <a:effectRef idx="0">
-            <a:schemeClr val="accent1"/>
-          </a:effectRef>
-          <a:fontRef idx="minor">
-            <a:schemeClr val="lt1"/>
-          </a:fontRef>
-        </p:style>
-        <p:txBody>
-          <a:bodyPr rtlCol="0" anchor="ctr"/>
-          <a:lstStyle/>
-          <a:p>
-            <a:pPr algn="ctr"/>
-            <a:r>
-              <a:rPr lang="de-CH" sz="1400" b="1" dirty="0" err="1">
-                <a:solidFill>
-                  <a:schemeClr val="tx1"/>
-                </a:solidFill>
-                <a:latin typeface="Arial" panose="020B0604020202020204" pitchFamily="34" charset="0"/>
-                <a:cs typeface="Arial" panose="020B0604020202020204" pitchFamily="34" charset="0"/>
-              </a:rPr>
-              <a:t>executeContactRequest</a:t>
-            </a:r>
-            <a:endParaRPr lang="de-CH" sz="1400" b="1" i="1" dirty="0">
-              <a:solidFill>
-                <a:schemeClr val="tx1"/>
-              </a:solidFill>
-              <a:latin typeface="Arial" panose="020B0604020202020204" pitchFamily="34" charset="0"/>
-              <a:cs typeface="Arial" panose="020B0604020202020204" pitchFamily="34" charset="0"/>
-            </a:endParaRPr>
-          </a:p>
-        </p:txBody>
-      </p:sp>
-      <p:sp>
-        <p:nvSpPr>
-          <p:cNvPr id="7" name="Rechteck 6">
-            <a:extLst>
-              <a:ext uri="{FF2B5EF4-FFF2-40B4-BE49-F238E27FC236}">
-                <a16:creationId xmlns:a16="http://schemas.microsoft.com/office/drawing/2014/main" id="{F9FF979F-0A4A-B128-B044-0FD004E4F8D1}"/>
-              </a:ext>
-            </a:extLst>
-          </p:cNvPr>
-          <p:cNvSpPr/>
-          <p:nvPr/>
-        </p:nvSpPr>
-        <p:spPr>
-          <a:xfrm>
-            <a:off x="8636012" y="3209120"/>
-            <a:ext cx="2347298" cy="476549"/>
-          </a:xfrm>
-          <a:prstGeom prst="rect">
-            <a:avLst/>
-          </a:prstGeom>
-          <a:noFill/>
-          <a:ln w="19050">
-            <a:solidFill>
-              <a:schemeClr val="tx1"/>
-            </a:solidFill>
-          </a:ln>
-        </p:spPr>
-        <p:style>
-          <a:lnRef idx="2">
-            <a:schemeClr val="accent1">
-              <a:shade val="50000"/>
-            </a:schemeClr>
-          </a:lnRef>
-          <a:fillRef idx="1">
-            <a:schemeClr val="accent1"/>
-          </a:fillRef>
-          <a:effectRef idx="0">
-            <a:schemeClr val="accent1"/>
-          </a:effectRef>
-          <a:fontRef idx="minor">
-            <a:schemeClr val="lt1"/>
-          </a:fontRef>
-        </p:style>
-        <p:txBody>
-          <a:bodyPr rtlCol="0" anchor="ctr"/>
-          <a:lstStyle/>
-          <a:p>
-            <a:pPr algn="ctr"/>
-            <a:r>
-              <a:rPr lang="de-CH" sz="1400" b="1" dirty="0" err="1">
-                <a:solidFill>
-                  <a:schemeClr val="tx1"/>
-                </a:solidFill>
-                <a:latin typeface="Arial" panose="020B0604020202020204" pitchFamily="34" charset="0"/>
-                <a:cs typeface="Arial" panose="020B0604020202020204" pitchFamily="34" charset="0"/>
-              </a:rPr>
-              <a:t>callbackAppendBothXml</a:t>
-            </a:r>
-            <a:endParaRPr lang="de-CH" sz="1400" b="1" dirty="0">
-              <a:solidFill>
-                <a:schemeClr val="tx1"/>
-              </a:solidFill>
-              <a:latin typeface="Arial" panose="020B0604020202020204" pitchFamily="34" charset="0"/>
-              <a:cs typeface="Arial" panose="020B0604020202020204" pitchFamily="34" charset="0"/>
-            </a:endParaRPr>
-          </a:p>
-          <a:p>
-            <a:pPr algn="ctr"/>
-            <a:r>
-              <a:rPr lang="de-CH" sz="1400" b="1" i="1" dirty="0" err="1">
-                <a:solidFill>
-                  <a:schemeClr val="tx1"/>
-                </a:solidFill>
-                <a:latin typeface="Arial" panose="020B0604020202020204" pitchFamily="34" charset="0"/>
-                <a:cs typeface="Arial" panose="020B0604020202020204" pitchFamily="34" charset="0"/>
-              </a:rPr>
-              <a:t>Reload</a:t>
-            </a:r>
-            <a:r>
-              <a:rPr lang="de-CH" sz="1400" b="1" i="1" dirty="0">
-                <a:solidFill>
-                  <a:schemeClr val="tx1"/>
-                </a:solidFill>
-                <a:latin typeface="Arial" panose="020B0604020202020204" pitchFamily="34" charset="0"/>
-                <a:cs typeface="Arial" panose="020B0604020202020204" pitchFamily="34" charset="0"/>
-              </a:rPr>
-              <a:t> </a:t>
-            </a:r>
-            <a:r>
-              <a:rPr lang="de-CH" sz="1400" b="1" i="1" dirty="0" err="1">
-                <a:solidFill>
-                  <a:schemeClr val="tx1"/>
-                </a:solidFill>
-                <a:latin typeface="Arial" panose="020B0604020202020204" pitchFamily="34" charset="0"/>
-                <a:cs typeface="Arial" panose="020B0604020202020204" pitchFamily="34" charset="0"/>
-              </a:rPr>
-              <a:t>page</a:t>
-            </a:r>
-            <a:endParaRPr lang="de-CH" sz="1400" b="1" i="1" dirty="0">
-              <a:solidFill>
-                <a:schemeClr val="tx1"/>
-              </a:solidFill>
-              <a:latin typeface="Arial" panose="020B0604020202020204" pitchFamily="34" charset="0"/>
-              <a:cs typeface="Arial" panose="020B0604020202020204" pitchFamily="34" charset="0"/>
-            </a:endParaRPr>
-          </a:p>
         </p:txBody>
       </p:sp>
       <p:cxnSp>
@@ -19043,50 +19194,7 @@
         </p:nvCxnSpPr>
         <p:spPr>
           <a:xfrm flipH="1">
-            <a:off x="2922760" y="3428999"/>
-            <a:ext cx="301311" cy="0"/>
-          </a:xfrm>
-          <a:prstGeom prst="line">
-            <a:avLst/>
-          </a:prstGeom>
-          <a:ln w="15875">
-            <a:solidFill>
-              <a:schemeClr val="tx1"/>
-            </a:solidFill>
-          </a:ln>
-        </p:spPr>
-        <p:style>
-          <a:lnRef idx="1">
-            <a:schemeClr val="accent1"/>
-          </a:lnRef>
-          <a:fillRef idx="0">
-            <a:schemeClr val="accent1"/>
-          </a:fillRef>
-          <a:effectRef idx="0">
-            <a:schemeClr val="accent1"/>
-          </a:effectRef>
-          <a:fontRef idx="minor">
-            <a:schemeClr val="tx1"/>
-          </a:fontRef>
-        </p:style>
-      </p:cxnSp>
-      <p:cxnSp>
-        <p:nvCxnSpPr>
-          <p:cNvPr id="10" name="Gerader Verbinder 9">
-            <a:extLst>
-              <a:ext uri="{FF2B5EF4-FFF2-40B4-BE49-F238E27FC236}">
-                <a16:creationId xmlns:a16="http://schemas.microsoft.com/office/drawing/2014/main" id="{F0D43395-4837-CBD6-AA13-EF0EDF3775D2}"/>
-              </a:ext>
-            </a:extLst>
-          </p:cNvPr>
-          <p:cNvCxnSpPr>
-            <a:cxnSpLocks/>
-          </p:cNvCxnSpPr>
-          <p:nvPr/>
-        </p:nvCxnSpPr>
-        <p:spPr>
-          <a:xfrm flipH="1">
-            <a:off x="8334701" y="3439510"/>
+            <a:off x="2536259" y="3428999"/>
             <a:ext cx="301311" cy="0"/>
           </a:xfrm>
           <a:prstGeom prst="line">

--- a/Description/JazzGuestsUpload.pptx
+++ b/Description/JazzGuestsUpload.pptx
@@ -302,7 +302,7 @@
           <a:p>
             <a:fld id="{DDCE6D58-9B57-4731-A47B-3CD41B48F0A9}" type="datetimeFigureOut">
               <a:rPr lang="de-CH" smtClean="0"/>
-              <a:t>03.04.2025</a:t>
+              <a:t>04.04.2025</a:t>
             </a:fld>
             <a:endParaRPr lang="de-CH"/>
           </a:p>
@@ -472,7 +472,7 @@
           <a:p>
             <a:fld id="{DDCE6D58-9B57-4731-A47B-3CD41B48F0A9}" type="datetimeFigureOut">
               <a:rPr lang="de-CH" smtClean="0"/>
-              <a:t>03.04.2025</a:t>
+              <a:t>04.04.2025</a:t>
             </a:fld>
             <a:endParaRPr lang="de-CH"/>
           </a:p>
@@ -652,7 +652,7 @@
           <a:p>
             <a:fld id="{DDCE6D58-9B57-4731-A47B-3CD41B48F0A9}" type="datetimeFigureOut">
               <a:rPr lang="de-CH" smtClean="0"/>
-              <a:t>03.04.2025</a:t>
+              <a:t>04.04.2025</a:t>
             </a:fld>
             <a:endParaRPr lang="de-CH"/>
           </a:p>
@@ -822,7 +822,7 @@
           <a:p>
             <a:fld id="{DDCE6D58-9B57-4731-A47B-3CD41B48F0A9}" type="datetimeFigureOut">
               <a:rPr lang="de-CH" smtClean="0"/>
-              <a:t>03.04.2025</a:t>
+              <a:t>04.04.2025</a:t>
             </a:fld>
             <a:endParaRPr lang="de-CH"/>
           </a:p>
@@ -1068,7 +1068,7 @@
           <a:p>
             <a:fld id="{DDCE6D58-9B57-4731-A47B-3CD41B48F0A9}" type="datetimeFigureOut">
               <a:rPr lang="de-CH" smtClean="0"/>
-              <a:t>03.04.2025</a:t>
+              <a:t>04.04.2025</a:t>
             </a:fld>
             <a:endParaRPr lang="de-CH"/>
           </a:p>
@@ -1300,7 +1300,7 @@
           <a:p>
             <a:fld id="{DDCE6D58-9B57-4731-A47B-3CD41B48F0A9}" type="datetimeFigureOut">
               <a:rPr lang="de-CH" smtClean="0"/>
-              <a:t>03.04.2025</a:t>
+              <a:t>04.04.2025</a:t>
             </a:fld>
             <a:endParaRPr lang="de-CH"/>
           </a:p>
@@ -1667,7 +1667,7 @@
           <a:p>
             <a:fld id="{DDCE6D58-9B57-4731-A47B-3CD41B48F0A9}" type="datetimeFigureOut">
               <a:rPr lang="de-CH" smtClean="0"/>
-              <a:t>03.04.2025</a:t>
+              <a:t>04.04.2025</a:t>
             </a:fld>
             <a:endParaRPr lang="de-CH"/>
           </a:p>
@@ -1785,7 +1785,7 @@
           <a:p>
             <a:fld id="{DDCE6D58-9B57-4731-A47B-3CD41B48F0A9}" type="datetimeFigureOut">
               <a:rPr lang="de-CH" smtClean="0"/>
-              <a:t>03.04.2025</a:t>
+              <a:t>04.04.2025</a:t>
             </a:fld>
             <a:endParaRPr lang="de-CH"/>
           </a:p>
@@ -1880,7 +1880,7 @@
           <a:p>
             <a:fld id="{DDCE6D58-9B57-4731-A47B-3CD41B48F0A9}" type="datetimeFigureOut">
               <a:rPr lang="de-CH" smtClean="0"/>
-              <a:t>03.04.2025</a:t>
+              <a:t>04.04.2025</a:t>
             </a:fld>
             <a:endParaRPr lang="de-CH"/>
           </a:p>
@@ -2157,7 +2157,7 @@
           <a:p>
             <a:fld id="{DDCE6D58-9B57-4731-A47B-3CD41B48F0A9}" type="datetimeFigureOut">
               <a:rPr lang="de-CH" smtClean="0"/>
-              <a:t>03.04.2025</a:t>
+              <a:t>04.04.2025</a:t>
             </a:fld>
             <a:endParaRPr lang="de-CH"/>
           </a:p>
@@ -2410,7 +2410,7 @@
           <a:p>
             <a:fld id="{DDCE6D58-9B57-4731-A47B-3CD41B48F0A9}" type="datetimeFigureOut">
               <a:rPr lang="de-CH" smtClean="0"/>
-              <a:t>03.04.2025</a:t>
+              <a:t>04.04.2025</a:t>
             </a:fld>
             <a:endParaRPr lang="de-CH"/>
           </a:p>
@@ -2623,7 +2623,7 @@
           <a:p>
             <a:fld id="{DDCE6D58-9B57-4731-A47B-3CD41B48F0A9}" type="datetimeFigureOut">
               <a:rPr lang="de-CH" smtClean="0"/>
-              <a:t>03.04.2025</a:t>
+              <a:t>04.04.2025</a:t>
             </a:fld>
             <a:endParaRPr lang="de-CH"/>
           </a:p>
@@ -4138,8 +4138,8 @@
         </p:nvSpPr>
         <p:spPr>
           <a:xfrm>
-            <a:off x="1143110" y="1555426"/>
-            <a:ext cx="3467703" cy="3567292"/>
+            <a:off x="1143110" y="1555425"/>
+            <a:ext cx="3467703" cy="4076447"/>
           </a:xfrm>
           <a:prstGeom prst="rect">
             <a:avLst/>
@@ -4381,7 +4381,7 @@
                 <a:latin typeface="Arial" panose="020B0604020202020204" pitchFamily="34" charset="0"/>
                 <a:cs typeface="Arial" panose="020B0604020202020204" pitchFamily="34" charset="0"/>
               </a:rPr>
-              <a:t>m_append_both_callback</a:t>
+              <a:t>m_file_name</a:t>
             </a:r>
             <a:endParaRPr lang="en-US" sz="1000" b="1" dirty="0">
               <a:solidFill>
@@ -4400,7 +4400,7 @@
                 <a:latin typeface="Arial" panose="020B0604020202020204" pitchFamily="34" charset="0"/>
                 <a:cs typeface="Arial" panose="020B0604020202020204" pitchFamily="34" charset="0"/>
               </a:rPr>
-              <a:t>m_uploaded_xml_new_record_number</a:t>
+              <a:t>m_reg_number</a:t>
             </a:r>
             <a:endParaRPr lang="en-US" sz="1000" b="1" dirty="0">
               <a:solidFill>
@@ -4419,7 +4419,7 @@
                 <a:latin typeface="Arial" panose="020B0604020202020204" pitchFamily="34" charset="0"/>
                 <a:cs typeface="Arial" panose="020B0604020202020204" pitchFamily="34" charset="0"/>
               </a:rPr>
-              <a:t>m_xml_new_register_number</a:t>
+              <a:t>m_append_both_callback</a:t>
             </a:r>
             <a:endParaRPr lang="en-US" sz="1000" b="1" dirty="0">
               <a:solidFill>
@@ -4438,7 +4438,64 @@
                 <a:latin typeface="Arial" panose="020B0604020202020204" pitchFamily="34" charset="0"/>
                 <a:cs typeface="Arial" panose="020B0604020202020204" pitchFamily="34" charset="0"/>
               </a:rPr>
+              <a:t>m_uploaded_xml_new_record_number</a:t>
+            </a:r>
+            <a:endParaRPr lang="en-US" sz="1000" b="1" dirty="0">
+              <a:solidFill>
+                <a:schemeClr val="tx1"/>
+              </a:solidFill>
+              <a:latin typeface="Arial" panose="020B0604020202020204" pitchFamily="34" charset="0"/>
+              <a:cs typeface="Arial" panose="020B0604020202020204" pitchFamily="34" charset="0"/>
+            </a:endParaRPr>
+          </a:p>
+          <a:p>
+            <a:r>
+              <a:rPr lang="en-US" sz="1000" b="1" dirty="0" err="1">
+                <a:solidFill>
+                  <a:schemeClr val="tx1"/>
+                </a:solidFill>
+                <a:latin typeface="Arial" panose="020B0604020202020204" pitchFamily="34" charset="0"/>
+                <a:cs typeface="Arial" panose="020B0604020202020204" pitchFamily="34" charset="0"/>
+              </a:rPr>
+              <a:t>m_xml_new_register_number</a:t>
+            </a:r>
+            <a:endParaRPr lang="en-US" sz="1000" b="1" dirty="0">
+              <a:solidFill>
+                <a:schemeClr val="tx1"/>
+              </a:solidFill>
+              <a:latin typeface="Arial" panose="020B0604020202020204" pitchFamily="34" charset="0"/>
+              <a:cs typeface="Arial" panose="020B0604020202020204" pitchFamily="34" charset="0"/>
+            </a:endParaRPr>
+          </a:p>
+          <a:p>
+            <a:r>
+              <a:rPr lang="en-US" sz="1000" b="1" dirty="0" err="1">
+                <a:solidFill>
+                  <a:schemeClr val="tx1"/>
+                </a:solidFill>
+                <a:latin typeface="Arial" panose="020B0604020202020204" pitchFamily="34" charset="0"/>
+                <a:cs typeface="Arial" panose="020B0604020202020204" pitchFamily="34" charset="0"/>
+              </a:rPr>
               <a:t>m_xml_new_register_image_file_name</a:t>
+            </a:r>
+            <a:endParaRPr lang="en-US" sz="1000" b="1" dirty="0">
+              <a:solidFill>
+                <a:schemeClr val="tx1"/>
+              </a:solidFill>
+              <a:latin typeface="Arial" panose="020B0604020202020204" pitchFamily="34" charset="0"/>
+              <a:cs typeface="Arial" panose="020B0604020202020204" pitchFamily="34" charset="0"/>
+            </a:endParaRPr>
+          </a:p>
+          <a:p>
+            <a:r>
+              <a:rPr lang="en-US" sz="1000" b="1" dirty="0" err="1">
+                <a:solidFill>
+                  <a:schemeClr val="tx1"/>
+                </a:solidFill>
+                <a:latin typeface="Arial" panose="020B0604020202020204" pitchFamily="34" charset="0"/>
+                <a:cs typeface="Arial" panose="020B0604020202020204" pitchFamily="34" charset="0"/>
+              </a:rPr>
+              <a:t>m_user_opened_record_for_edit</a:t>
             </a:r>
             <a:endParaRPr lang="en-US" sz="1000" b="1" dirty="0">
               <a:solidFill>
@@ -27268,8 +27325,8 @@
         </p:nvSpPr>
         <p:spPr>
           <a:xfrm>
-            <a:off x="135081" y="93518"/>
-            <a:ext cx="6338455" cy="2970044"/>
+            <a:off x="135081" y="93517"/>
+            <a:ext cx="9071264" cy="2970044"/>
           </a:xfrm>
           <a:prstGeom prst="rect">
             <a:avLst/>

--- a/Description/JazzGuestsUpload.pptx
+++ b/Description/JazzGuestsUpload.pptx
@@ -305,7 +305,7 @@
           <a:p>
             <a:fld id="{DDCE6D58-9B57-4731-A47B-3CD41B48F0A9}" type="datetimeFigureOut">
               <a:rPr lang="de-CH" smtClean="0"/>
-              <a:t>08.04.2025</a:t>
+              <a:t>09.04.2025</a:t>
             </a:fld>
             <a:endParaRPr lang="de-CH"/>
           </a:p>
@@ -475,7 +475,7 @@
           <a:p>
             <a:fld id="{DDCE6D58-9B57-4731-A47B-3CD41B48F0A9}" type="datetimeFigureOut">
               <a:rPr lang="de-CH" smtClean="0"/>
-              <a:t>08.04.2025</a:t>
+              <a:t>09.04.2025</a:t>
             </a:fld>
             <a:endParaRPr lang="de-CH"/>
           </a:p>
@@ -655,7 +655,7 @@
           <a:p>
             <a:fld id="{DDCE6D58-9B57-4731-A47B-3CD41B48F0A9}" type="datetimeFigureOut">
               <a:rPr lang="de-CH" smtClean="0"/>
-              <a:t>08.04.2025</a:t>
+              <a:t>09.04.2025</a:t>
             </a:fld>
             <a:endParaRPr lang="de-CH"/>
           </a:p>
@@ -825,7 +825,7 @@
           <a:p>
             <a:fld id="{DDCE6D58-9B57-4731-A47B-3CD41B48F0A9}" type="datetimeFigureOut">
               <a:rPr lang="de-CH" smtClean="0"/>
-              <a:t>08.04.2025</a:t>
+              <a:t>09.04.2025</a:t>
             </a:fld>
             <a:endParaRPr lang="de-CH"/>
           </a:p>
@@ -1071,7 +1071,7 @@
           <a:p>
             <a:fld id="{DDCE6D58-9B57-4731-A47B-3CD41B48F0A9}" type="datetimeFigureOut">
               <a:rPr lang="de-CH" smtClean="0"/>
-              <a:t>08.04.2025</a:t>
+              <a:t>09.04.2025</a:t>
             </a:fld>
             <a:endParaRPr lang="de-CH"/>
           </a:p>
@@ -1303,7 +1303,7 @@
           <a:p>
             <a:fld id="{DDCE6D58-9B57-4731-A47B-3CD41B48F0A9}" type="datetimeFigureOut">
               <a:rPr lang="de-CH" smtClean="0"/>
-              <a:t>08.04.2025</a:t>
+              <a:t>09.04.2025</a:t>
             </a:fld>
             <a:endParaRPr lang="de-CH"/>
           </a:p>
@@ -1670,7 +1670,7 @@
           <a:p>
             <a:fld id="{DDCE6D58-9B57-4731-A47B-3CD41B48F0A9}" type="datetimeFigureOut">
               <a:rPr lang="de-CH" smtClean="0"/>
-              <a:t>08.04.2025</a:t>
+              <a:t>09.04.2025</a:t>
             </a:fld>
             <a:endParaRPr lang="de-CH"/>
           </a:p>
@@ -1788,7 +1788,7 @@
           <a:p>
             <a:fld id="{DDCE6D58-9B57-4731-A47B-3CD41B48F0A9}" type="datetimeFigureOut">
               <a:rPr lang="de-CH" smtClean="0"/>
-              <a:t>08.04.2025</a:t>
+              <a:t>09.04.2025</a:t>
             </a:fld>
             <a:endParaRPr lang="de-CH"/>
           </a:p>
@@ -1883,7 +1883,7 @@
           <a:p>
             <a:fld id="{DDCE6D58-9B57-4731-A47B-3CD41B48F0A9}" type="datetimeFigureOut">
               <a:rPr lang="de-CH" smtClean="0"/>
-              <a:t>08.04.2025</a:t>
+              <a:t>09.04.2025</a:t>
             </a:fld>
             <a:endParaRPr lang="de-CH"/>
           </a:p>
@@ -2160,7 +2160,7 @@
           <a:p>
             <a:fld id="{DDCE6D58-9B57-4731-A47B-3CD41B48F0A9}" type="datetimeFigureOut">
               <a:rPr lang="de-CH" smtClean="0"/>
-              <a:t>08.04.2025</a:t>
+              <a:t>09.04.2025</a:t>
             </a:fld>
             <a:endParaRPr lang="de-CH"/>
           </a:p>
@@ -2413,7 +2413,7 @@
           <a:p>
             <a:fld id="{DDCE6D58-9B57-4731-A47B-3CD41B48F0A9}" type="datetimeFigureOut">
               <a:rPr lang="de-CH" smtClean="0"/>
-              <a:t>08.04.2025</a:t>
+              <a:t>09.04.2025</a:t>
             </a:fld>
             <a:endParaRPr lang="de-CH"/>
           </a:p>
@@ -2626,7 +2626,7 @@
           <a:p>
             <a:fld id="{DDCE6D58-9B57-4731-A47B-3CD41B48F0A9}" type="datetimeFigureOut">
               <a:rPr lang="de-CH" smtClean="0"/>
-              <a:t>08.04.2025</a:t>
+              <a:t>09.04.2025</a:t>
             </a:fld>
             <a:endParaRPr lang="de-CH"/>
           </a:p>
@@ -5999,7 +5999,7 @@
         <p:spPr>
           <a:xfrm>
             <a:off x="135081" y="93517"/>
-            <a:ext cx="9071264" cy="2970044"/>
+            <a:ext cx="9071264" cy="477054"/>
           </a:xfrm>
           <a:prstGeom prst="rect">
             <a:avLst/>
@@ -6026,789 +6026,71 @@
                 <a:latin typeface="Arial" panose="020B0604020202020204" pitchFamily="34" charset="0"/>
                 <a:cs typeface="Arial" panose="020B0604020202020204" pitchFamily="34" charset="0"/>
               </a:rPr>
-              <a:t> &lt;</a:t>
-            </a:r>
-            <a:r>
-              <a:rPr lang="de-CH" sz="900" b="1" dirty="0" err="1">
-                <a:latin typeface="Arial" panose="020B0604020202020204" pitchFamily="34" charset="0"/>
-                <a:cs typeface="Arial" panose="020B0604020202020204" pitchFamily="34" charset="0"/>
-              </a:rPr>
-              <a:t>JazzGuest</a:t>
-            </a:r>
-            <a:r>
-              <a:rPr lang="de-CH" sz="900" b="1" dirty="0">
-                <a:latin typeface="Arial" panose="020B0604020202020204" pitchFamily="34" charset="0"/>
-                <a:cs typeface="Arial" panose="020B0604020202020204" pitchFamily="34" charset="0"/>
-              </a:rPr>
-              <a:t>&gt;</a:t>
-            </a:r>
-          </a:p>
-          <a:p>
-            <a:r>
-              <a:rPr lang="de-CH" sz="900" b="1" dirty="0">
-                <a:latin typeface="Arial" panose="020B0604020202020204" pitchFamily="34" charset="0"/>
-                <a:cs typeface="Arial" panose="020B0604020202020204" pitchFamily="34" charset="0"/>
-              </a:rPr>
-              <a:t>        &lt;</a:t>
-            </a:r>
-            <a:r>
-              <a:rPr lang="de-CH" sz="900" b="1" dirty="0" err="1">
-                <a:latin typeface="Arial" panose="020B0604020202020204" pitchFamily="34" charset="0"/>
-                <a:cs typeface="Arial" panose="020B0604020202020204" pitchFamily="34" charset="0"/>
-              </a:rPr>
-              <a:t>JazzGuestYear</a:t>
-            </a:r>
-            <a:r>
-              <a:rPr lang="de-CH" sz="900" b="1" dirty="0">
-                <a:latin typeface="Arial" panose="020B0604020202020204" pitchFamily="34" charset="0"/>
-                <a:cs typeface="Arial" panose="020B0604020202020204" pitchFamily="34" charset="0"/>
-              </a:rPr>
-              <a:t>&gt;2025&lt;/</a:t>
-            </a:r>
-            <a:r>
-              <a:rPr lang="de-CH" sz="900" b="1" dirty="0" err="1">
-                <a:latin typeface="Arial" panose="020B0604020202020204" pitchFamily="34" charset="0"/>
-                <a:cs typeface="Arial" panose="020B0604020202020204" pitchFamily="34" charset="0"/>
-              </a:rPr>
-              <a:t>JazzGuestYear</a:t>
-            </a:r>
-            <a:r>
-              <a:rPr lang="de-CH" sz="900" b="1" dirty="0">
-                <a:latin typeface="Arial" panose="020B0604020202020204" pitchFamily="34" charset="0"/>
-                <a:cs typeface="Arial" panose="020B0604020202020204" pitchFamily="34" charset="0"/>
-              </a:rPr>
-              <a:t>&gt;</a:t>
-            </a:r>
-          </a:p>
-          <a:p>
-            <a:r>
-              <a:rPr lang="de-CH" sz="900" b="1" dirty="0">
-                <a:latin typeface="Arial" panose="020B0604020202020204" pitchFamily="34" charset="0"/>
-                <a:cs typeface="Arial" panose="020B0604020202020204" pitchFamily="34" charset="0"/>
-              </a:rPr>
-              <a:t>        &lt;</a:t>
-            </a:r>
-            <a:r>
-              <a:rPr lang="de-CH" sz="900" b="1" dirty="0" err="1">
-                <a:latin typeface="Arial" panose="020B0604020202020204" pitchFamily="34" charset="0"/>
-                <a:cs typeface="Arial" panose="020B0604020202020204" pitchFamily="34" charset="0"/>
-              </a:rPr>
-              <a:t>JazzGuestMonth</a:t>
-            </a:r>
-            <a:r>
-              <a:rPr lang="de-CH" sz="900" b="1" dirty="0">
-                <a:latin typeface="Arial" panose="020B0604020202020204" pitchFamily="34" charset="0"/>
-                <a:cs typeface="Arial" panose="020B0604020202020204" pitchFamily="34" charset="0"/>
-              </a:rPr>
-              <a:t>&gt;3&lt;/</a:t>
-            </a:r>
-            <a:r>
-              <a:rPr lang="de-CH" sz="900" b="1" dirty="0" err="1">
-                <a:latin typeface="Arial" panose="020B0604020202020204" pitchFamily="34" charset="0"/>
-                <a:cs typeface="Arial" panose="020B0604020202020204" pitchFamily="34" charset="0"/>
-              </a:rPr>
-              <a:t>JazzGuestMonth</a:t>
-            </a:r>
-            <a:r>
-              <a:rPr lang="de-CH" sz="900" b="1" dirty="0">
-                <a:latin typeface="Arial" panose="020B0604020202020204" pitchFamily="34" charset="0"/>
-                <a:cs typeface="Arial" panose="020B0604020202020204" pitchFamily="34" charset="0"/>
-              </a:rPr>
-              <a:t>&gt;</a:t>
-            </a:r>
-          </a:p>
-          <a:p>
-            <a:r>
-              <a:rPr lang="de-CH" sz="900" b="1" dirty="0">
-                <a:latin typeface="Arial" panose="020B0604020202020204" pitchFamily="34" charset="0"/>
-                <a:cs typeface="Arial" panose="020B0604020202020204" pitchFamily="34" charset="0"/>
-              </a:rPr>
-              <a:t>        &lt;</a:t>
-            </a:r>
-            <a:r>
-              <a:rPr lang="de-CH" sz="900" b="1" dirty="0" err="1">
-                <a:latin typeface="Arial" panose="020B0604020202020204" pitchFamily="34" charset="0"/>
-                <a:cs typeface="Arial" panose="020B0604020202020204" pitchFamily="34" charset="0"/>
-              </a:rPr>
-              <a:t>JazzGuestDay</a:t>
-            </a:r>
-            <a:r>
-              <a:rPr lang="de-CH" sz="900" b="1" dirty="0">
-                <a:latin typeface="Arial" panose="020B0604020202020204" pitchFamily="34" charset="0"/>
-                <a:cs typeface="Arial" panose="020B0604020202020204" pitchFamily="34" charset="0"/>
-              </a:rPr>
-              <a:t>&gt;8&lt;/</a:t>
-            </a:r>
-            <a:r>
-              <a:rPr lang="de-CH" sz="900" b="1" dirty="0" err="1">
-                <a:latin typeface="Arial" panose="020B0604020202020204" pitchFamily="34" charset="0"/>
-                <a:cs typeface="Arial" panose="020B0604020202020204" pitchFamily="34" charset="0"/>
-              </a:rPr>
-              <a:t>JazzGuestDay</a:t>
-            </a:r>
-            <a:r>
-              <a:rPr lang="de-CH" sz="900" b="1" dirty="0">
-                <a:latin typeface="Arial" panose="020B0604020202020204" pitchFamily="34" charset="0"/>
-                <a:cs typeface="Arial" panose="020B0604020202020204" pitchFamily="34" charset="0"/>
-              </a:rPr>
-              <a:t>&gt;</a:t>
-            </a:r>
-          </a:p>
-          <a:p>
-            <a:r>
-              <a:rPr lang="de-CH" sz="900" b="1" dirty="0">
-                <a:latin typeface="Arial" panose="020B0604020202020204" pitchFamily="34" charset="0"/>
-                <a:cs typeface="Arial" panose="020B0604020202020204" pitchFamily="34" charset="0"/>
-              </a:rPr>
-              <a:t>        &lt;</a:t>
-            </a:r>
-            <a:r>
-              <a:rPr lang="de-CH" sz="900" b="1" dirty="0" err="1">
-                <a:latin typeface="Arial" panose="020B0604020202020204" pitchFamily="34" charset="0"/>
-                <a:cs typeface="Arial" panose="020B0604020202020204" pitchFamily="34" charset="0"/>
-              </a:rPr>
-              <a:t>JazzGuestBand</a:t>
-            </a:r>
-            <a:r>
-              <a:rPr lang="de-CH" sz="900" b="1" dirty="0">
-                <a:latin typeface="Arial" panose="020B0604020202020204" pitchFamily="34" charset="0"/>
-                <a:cs typeface="Arial" panose="020B0604020202020204" pitchFamily="34" charset="0"/>
-              </a:rPr>
-              <a:t>&gt;</a:t>
-            </a:r>
-            <a:r>
-              <a:rPr lang="de-CH" sz="900" b="1" dirty="0" err="1">
-                <a:latin typeface="Arial" panose="020B0604020202020204" pitchFamily="34" charset="0"/>
-                <a:cs typeface="Arial" panose="020B0604020202020204" pitchFamily="34" charset="0"/>
-              </a:rPr>
-              <a:t>PrismE</a:t>
-            </a:r>
-            <a:r>
-              <a:rPr lang="de-CH" sz="900" b="1" dirty="0">
-                <a:latin typeface="Arial" panose="020B0604020202020204" pitchFamily="34" charset="0"/>
-                <a:cs typeface="Arial" panose="020B0604020202020204" pitchFamily="34" charset="0"/>
-              </a:rPr>
-              <a:t>&lt;/</a:t>
-            </a:r>
-            <a:r>
-              <a:rPr lang="de-CH" sz="900" b="1" dirty="0" err="1">
-                <a:latin typeface="Arial" panose="020B0604020202020204" pitchFamily="34" charset="0"/>
-                <a:cs typeface="Arial" panose="020B0604020202020204" pitchFamily="34" charset="0"/>
-              </a:rPr>
-              <a:t>JazzGuestBand</a:t>
-            </a:r>
-            <a:r>
-              <a:rPr lang="de-CH" sz="900" b="1" dirty="0">
-                <a:latin typeface="Arial" panose="020B0604020202020204" pitchFamily="34" charset="0"/>
-                <a:cs typeface="Arial" panose="020B0604020202020204" pitchFamily="34" charset="0"/>
-              </a:rPr>
-              <a:t>&gt;</a:t>
-            </a:r>
-          </a:p>
-          <a:p>
-            <a:r>
-              <a:rPr lang="de-CH" sz="900" b="1" dirty="0">
-                <a:latin typeface="Arial" panose="020B0604020202020204" pitchFamily="34" charset="0"/>
-                <a:cs typeface="Arial" panose="020B0604020202020204" pitchFamily="34" charset="0"/>
-              </a:rPr>
-              <a:t>        &lt;</a:t>
-            </a:r>
-            <a:r>
-              <a:rPr lang="de-CH" sz="900" b="1" dirty="0" err="1">
-                <a:latin typeface="Arial" panose="020B0604020202020204" pitchFamily="34" charset="0"/>
-                <a:cs typeface="Arial" panose="020B0604020202020204" pitchFamily="34" charset="0"/>
-              </a:rPr>
-              <a:t>JazzGuestMusicians</a:t>
-            </a:r>
-            <a:r>
-              <a:rPr lang="de-CH" sz="900" b="1" dirty="0">
-                <a:latin typeface="Arial" panose="020B0604020202020204" pitchFamily="34" charset="0"/>
-                <a:cs typeface="Arial" panose="020B0604020202020204" pitchFamily="34" charset="0"/>
-              </a:rPr>
-              <a:t>&gt;Leïla </a:t>
-            </a:r>
-            <a:r>
-              <a:rPr lang="de-CH" sz="900" b="1" dirty="0" err="1">
-                <a:latin typeface="Arial" panose="020B0604020202020204" pitchFamily="34" charset="0"/>
-                <a:cs typeface="Arial" panose="020B0604020202020204" pitchFamily="34" charset="0"/>
-              </a:rPr>
-              <a:t>Kramis</a:t>
-            </a:r>
-            <a:r>
-              <a:rPr lang="de-CH" sz="900" b="1" dirty="0">
-                <a:latin typeface="Arial" panose="020B0604020202020204" pitchFamily="34" charset="0"/>
-                <a:cs typeface="Arial" panose="020B0604020202020204" pitchFamily="34" charset="0"/>
-              </a:rPr>
-              <a:t>, Stéphane Fisch, Sylvain Fournier&lt;/</a:t>
-            </a:r>
-            <a:r>
-              <a:rPr lang="de-CH" sz="900" b="1" dirty="0" err="1">
-                <a:latin typeface="Arial" panose="020B0604020202020204" pitchFamily="34" charset="0"/>
-                <a:cs typeface="Arial" panose="020B0604020202020204" pitchFamily="34" charset="0"/>
-              </a:rPr>
-              <a:t>JazzGuestMusicians</a:t>
-            </a:r>
-            <a:r>
-              <a:rPr lang="de-CH" sz="900" b="1" dirty="0">
-                <a:latin typeface="Arial" panose="020B0604020202020204" pitchFamily="34" charset="0"/>
-                <a:cs typeface="Arial" panose="020B0604020202020204" pitchFamily="34" charset="0"/>
-              </a:rPr>
-              <a:t>&gt;</a:t>
-            </a:r>
-          </a:p>
-          <a:p>
-            <a:r>
-              <a:rPr lang="de-CH" sz="900" b="1" dirty="0">
-                <a:latin typeface="Arial" panose="020B0604020202020204" pitchFamily="34" charset="0"/>
-                <a:cs typeface="Arial" panose="020B0604020202020204" pitchFamily="34" charset="0"/>
-              </a:rPr>
-              <a:t>        &lt;</a:t>
-            </a:r>
-            <a:r>
-              <a:rPr lang="de-CH" sz="900" b="1" dirty="0" err="1">
-                <a:latin typeface="Arial" panose="020B0604020202020204" pitchFamily="34" charset="0"/>
-                <a:cs typeface="Arial" panose="020B0604020202020204" pitchFamily="34" charset="0"/>
-              </a:rPr>
-              <a:t>JazzGuestHeader</a:t>
-            </a:r>
-            <a:r>
-              <a:rPr lang="de-CH" sz="900" b="1" dirty="0">
-                <a:latin typeface="Arial" panose="020B0604020202020204" pitchFamily="34" charset="0"/>
-                <a:cs typeface="Arial" panose="020B0604020202020204" pitchFamily="34" charset="0"/>
-              </a:rPr>
-              <a:t>&gt;Freude am Zeichnen&lt;/</a:t>
-            </a:r>
-            <a:r>
-              <a:rPr lang="de-CH" sz="900" b="1" dirty="0" err="1">
-                <a:latin typeface="Arial" panose="020B0604020202020204" pitchFamily="34" charset="0"/>
-                <a:cs typeface="Arial" panose="020B0604020202020204" pitchFamily="34" charset="0"/>
-              </a:rPr>
-              <a:t>JazzGuestHeader</a:t>
-            </a:r>
-            <a:r>
-              <a:rPr lang="de-CH" sz="900" b="1" dirty="0">
-                <a:latin typeface="Arial" panose="020B0604020202020204" pitchFamily="34" charset="0"/>
-                <a:cs typeface="Arial" panose="020B0604020202020204" pitchFamily="34" charset="0"/>
-              </a:rPr>
-              <a:t>&gt;</a:t>
-            </a:r>
-          </a:p>
-          <a:p>
-            <a:r>
-              <a:rPr lang="de-CH" sz="900" b="1" dirty="0">
-                <a:latin typeface="Arial" panose="020B0604020202020204" pitchFamily="34" charset="0"/>
-                <a:cs typeface="Arial" panose="020B0604020202020204" pitchFamily="34" charset="0"/>
-              </a:rPr>
-              <a:t>        &lt;</a:t>
-            </a:r>
-            <a:r>
-              <a:rPr lang="de-CH" sz="900" b="1" dirty="0" err="1">
-                <a:latin typeface="Arial" panose="020B0604020202020204" pitchFamily="34" charset="0"/>
-                <a:cs typeface="Arial" panose="020B0604020202020204" pitchFamily="34" charset="0"/>
-              </a:rPr>
-              <a:t>JazzGuestText</a:t>
-            </a:r>
-            <a:r>
-              <a:rPr lang="de-CH" sz="900" b="1" dirty="0">
-                <a:latin typeface="Arial" panose="020B0604020202020204" pitchFamily="34" charset="0"/>
-                <a:cs typeface="Arial" panose="020B0604020202020204" pitchFamily="34" charset="0"/>
-              </a:rPr>
-              <a:t>&gt;Sylvain Fournier nach dem </a:t>
-            </a:r>
-            <a:r>
-              <a:rPr lang="de-CH" sz="900" b="1" dirty="0" err="1">
-                <a:latin typeface="Arial" panose="020B0604020202020204" pitchFamily="34" charset="0"/>
-                <a:cs typeface="Arial" panose="020B0604020202020204" pitchFamily="34" charset="0"/>
-              </a:rPr>
-              <a:t>PrismE</a:t>
-            </a:r>
-            <a:r>
-              <a:rPr lang="de-CH" sz="900" b="1" dirty="0">
-                <a:latin typeface="Arial" panose="020B0604020202020204" pitchFamily="34" charset="0"/>
-                <a:cs typeface="Arial" panose="020B0604020202020204" pitchFamily="34" charset="0"/>
-              </a:rPr>
-              <a:t> Konzert. Bildkünstle …&lt;/</a:t>
-            </a:r>
-            <a:r>
-              <a:rPr lang="de-CH" sz="900" b="1" dirty="0" err="1">
-                <a:latin typeface="Arial" panose="020B0604020202020204" pitchFamily="34" charset="0"/>
-                <a:cs typeface="Arial" panose="020B0604020202020204" pitchFamily="34" charset="0"/>
-              </a:rPr>
-              <a:t>JazzGuestText</a:t>
-            </a:r>
-            <a:r>
-              <a:rPr lang="de-CH" sz="900" b="1" dirty="0">
-                <a:latin typeface="Arial" panose="020B0604020202020204" pitchFamily="34" charset="0"/>
-                <a:cs typeface="Arial" panose="020B0604020202020204" pitchFamily="34" charset="0"/>
-              </a:rPr>
-              <a:t>&gt;</a:t>
-            </a:r>
-          </a:p>
-          <a:p>
-            <a:r>
-              <a:rPr lang="de-CH" sz="900" b="1" dirty="0">
-                <a:latin typeface="Arial" panose="020B0604020202020204" pitchFamily="34" charset="0"/>
-                <a:cs typeface="Arial" panose="020B0604020202020204" pitchFamily="34" charset="0"/>
-              </a:rPr>
-              <a:t>        &lt;</a:t>
-            </a:r>
-            <a:r>
-              <a:rPr lang="de-CH" sz="900" b="1" dirty="0" err="1">
-                <a:latin typeface="Arial" panose="020B0604020202020204" pitchFamily="34" charset="0"/>
-                <a:cs typeface="Arial" panose="020B0604020202020204" pitchFamily="34" charset="0"/>
-              </a:rPr>
-              <a:t>JazzGuestNames</a:t>
-            </a:r>
-            <a:r>
-              <a:rPr lang="de-CH" sz="900" b="1" dirty="0">
-                <a:latin typeface="Arial" panose="020B0604020202020204" pitchFamily="34" charset="0"/>
-                <a:cs typeface="Arial" panose="020B0604020202020204" pitchFamily="34" charset="0"/>
-              </a:rPr>
-              <a:t>&gt;Gunnar Liden&lt;/</a:t>
-            </a:r>
-            <a:r>
-              <a:rPr lang="de-CH" sz="900" b="1" dirty="0" err="1">
-                <a:latin typeface="Arial" panose="020B0604020202020204" pitchFamily="34" charset="0"/>
-                <a:cs typeface="Arial" panose="020B0604020202020204" pitchFamily="34" charset="0"/>
-              </a:rPr>
-              <a:t>JazzGuestNames</a:t>
-            </a:r>
-            <a:r>
-              <a:rPr lang="de-CH" sz="900" b="1" dirty="0">
-                <a:latin typeface="Arial" panose="020B0604020202020204" pitchFamily="34" charset="0"/>
-                <a:cs typeface="Arial" panose="020B0604020202020204" pitchFamily="34" charset="0"/>
-              </a:rPr>
-              <a:t>&gt;</a:t>
-            </a:r>
-          </a:p>
-          <a:p>
-            <a:r>
-              <a:rPr lang="de-CH" sz="900" b="1" dirty="0">
-                <a:latin typeface="Arial" panose="020B0604020202020204" pitchFamily="34" charset="0"/>
-                <a:cs typeface="Arial" panose="020B0604020202020204" pitchFamily="34" charset="0"/>
-              </a:rPr>
-              <a:t>        &lt;</a:t>
-            </a:r>
-            <a:r>
-              <a:rPr lang="de-CH" sz="900" b="1" dirty="0" err="1">
-                <a:latin typeface="Arial" panose="020B0604020202020204" pitchFamily="34" charset="0"/>
-                <a:cs typeface="Arial" panose="020B0604020202020204" pitchFamily="34" charset="0"/>
-              </a:rPr>
-              <a:t>JazzGuestRemark</a:t>
-            </a:r>
-            <a:r>
-              <a:rPr lang="de-CH" sz="900" b="1" dirty="0">
-                <a:latin typeface="Arial" panose="020B0604020202020204" pitchFamily="34" charset="0"/>
-                <a:cs typeface="Arial" panose="020B0604020202020204" pitchFamily="34" charset="0"/>
-              </a:rPr>
-              <a:t>&gt;</a:t>
-            </a:r>
-            <a:r>
-              <a:rPr lang="de-CH" sz="900" b="1" dirty="0" err="1">
-                <a:latin typeface="Arial" panose="020B0604020202020204" pitchFamily="34" charset="0"/>
-                <a:cs typeface="Arial" panose="020B0604020202020204" pitchFamily="34" charset="0"/>
-              </a:rPr>
-              <a:t>NotYetSetNodeValue</a:t>
-            </a:r>
-            <a:r>
-              <a:rPr lang="de-CH" sz="900" b="1" dirty="0">
-                <a:latin typeface="Arial" panose="020B0604020202020204" pitchFamily="34" charset="0"/>
-                <a:cs typeface="Arial" panose="020B0604020202020204" pitchFamily="34" charset="0"/>
-              </a:rPr>
-              <a:t>&lt;/</a:t>
-            </a:r>
-            <a:r>
-              <a:rPr lang="de-CH" sz="900" b="1" dirty="0" err="1">
-                <a:latin typeface="Arial" panose="020B0604020202020204" pitchFamily="34" charset="0"/>
-                <a:cs typeface="Arial" panose="020B0604020202020204" pitchFamily="34" charset="0"/>
-              </a:rPr>
-              <a:t>JazzGuestRemark</a:t>
-            </a:r>
-            <a:r>
-              <a:rPr lang="de-CH" sz="900" b="1" dirty="0">
-                <a:latin typeface="Arial" panose="020B0604020202020204" pitchFamily="34" charset="0"/>
-                <a:cs typeface="Arial" panose="020B0604020202020204" pitchFamily="34" charset="0"/>
-              </a:rPr>
-              <a:t>&gt;</a:t>
-            </a:r>
-          </a:p>
-          <a:p>
-            <a:r>
-              <a:rPr lang="de-CH" sz="900" b="1" dirty="0">
-                <a:latin typeface="Arial" panose="020B0604020202020204" pitchFamily="34" charset="0"/>
-                <a:cs typeface="Arial" panose="020B0604020202020204" pitchFamily="34" charset="0"/>
-              </a:rPr>
-              <a:t>        &lt;</a:t>
-            </a:r>
-            <a:r>
-              <a:rPr lang="de-CH" sz="900" b="1" dirty="0" err="1">
-                <a:latin typeface="Arial" panose="020B0604020202020204" pitchFamily="34" charset="0"/>
-                <a:cs typeface="Arial" panose="020B0604020202020204" pitchFamily="34" charset="0"/>
-              </a:rPr>
-              <a:t>JazzGuestFileName</a:t>
-            </a:r>
-            <a:r>
-              <a:rPr lang="de-CH" sz="900" b="1" dirty="0">
-                <a:latin typeface="Arial" panose="020B0604020202020204" pitchFamily="34" charset="0"/>
-                <a:cs typeface="Arial" panose="020B0604020202020204" pitchFamily="34" charset="0"/>
-              </a:rPr>
-              <a:t>&gt;</a:t>
-            </a:r>
-            <a:r>
-              <a:rPr lang="de-CH" sz="900" b="1" dirty="0" err="1">
-                <a:latin typeface="Arial" panose="020B0604020202020204" pitchFamily="34" charset="0"/>
-                <a:cs typeface="Arial" panose="020B0604020202020204" pitchFamily="34" charset="0"/>
-              </a:rPr>
-              <a:t>JazzGuests</a:t>
-            </a:r>
-            <a:r>
-              <a:rPr lang="de-CH" sz="900" b="1" dirty="0">
-                <a:latin typeface="Arial" panose="020B0604020202020204" pitchFamily="34" charset="0"/>
-                <a:cs typeface="Arial" panose="020B0604020202020204" pitchFamily="34" charset="0"/>
-              </a:rPr>
-              <a:t>/d20250308_REG0104.jpg&lt;/</a:t>
-            </a:r>
-            <a:r>
-              <a:rPr lang="de-CH" sz="900" b="1" dirty="0" err="1">
-                <a:latin typeface="Arial" panose="020B0604020202020204" pitchFamily="34" charset="0"/>
-                <a:cs typeface="Arial" panose="020B0604020202020204" pitchFamily="34" charset="0"/>
-              </a:rPr>
-              <a:t>JazzGuestFileName</a:t>
-            </a:r>
-            <a:r>
-              <a:rPr lang="de-CH" sz="900" b="1" dirty="0">
-                <a:latin typeface="Arial" panose="020B0604020202020204" pitchFamily="34" charset="0"/>
-                <a:cs typeface="Arial" panose="020B0604020202020204" pitchFamily="34" charset="0"/>
-              </a:rPr>
-              <a:t>&gt;</a:t>
-            </a:r>
-          </a:p>
-          <a:p>
-            <a:r>
-              <a:rPr lang="de-CH" sz="900" b="1" dirty="0">
-                <a:latin typeface="Arial" panose="020B0604020202020204" pitchFamily="34" charset="0"/>
-                <a:cs typeface="Arial" panose="020B0604020202020204" pitchFamily="34" charset="0"/>
-              </a:rPr>
-              <a:t>        &lt;</a:t>
-            </a:r>
-            <a:r>
-              <a:rPr lang="de-CH" sz="900" b="1" dirty="0" err="1">
-                <a:latin typeface="Arial" panose="020B0604020202020204" pitchFamily="34" charset="0"/>
-                <a:cs typeface="Arial" panose="020B0604020202020204" pitchFamily="34" charset="0"/>
-              </a:rPr>
-              <a:t>JazzGuestFileType</a:t>
-            </a:r>
-            <a:r>
-              <a:rPr lang="de-CH" sz="900" b="1" dirty="0">
-                <a:latin typeface="Arial" panose="020B0604020202020204" pitchFamily="34" charset="0"/>
-                <a:cs typeface="Arial" panose="020B0604020202020204" pitchFamily="34" charset="0"/>
-              </a:rPr>
-              <a:t>&gt;IMG&lt;/</a:t>
-            </a:r>
-            <a:r>
-              <a:rPr lang="de-CH" sz="900" b="1" dirty="0" err="1">
-                <a:latin typeface="Arial" panose="020B0604020202020204" pitchFamily="34" charset="0"/>
-                <a:cs typeface="Arial" panose="020B0604020202020204" pitchFamily="34" charset="0"/>
-              </a:rPr>
-              <a:t>JazzGuestFileType</a:t>
-            </a:r>
-            <a:r>
-              <a:rPr lang="de-CH" sz="900" b="1" dirty="0">
-                <a:latin typeface="Arial" panose="020B0604020202020204" pitchFamily="34" charset="0"/>
-                <a:cs typeface="Arial" panose="020B0604020202020204" pitchFamily="34" charset="0"/>
-              </a:rPr>
-              <a:t>&gt;</a:t>
-            </a:r>
-          </a:p>
-          <a:p>
-            <a:r>
-              <a:rPr lang="de-CH" sz="900" b="1" dirty="0">
-                <a:latin typeface="Arial" panose="020B0604020202020204" pitchFamily="34" charset="0"/>
-                <a:cs typeface="Arial" panose="020B0604020202020204" pitchFamily="34" charset="0"/>
-              </a:rPr>
-              <a:t>        &lt;</a:t>
-            </a:r>
-            <a:r>
-              <a:rPr lang="de-CH" sz="900" b="1" dirty="0" err="1">
-                <a:latin typeface="Arial" panose="020B0604020202020204" pitchFamily="34" charset="0"/>
-                <a:cs typeface="Arial" panose="020B0604020202020204" pitchFamily="34" charset="0"/>
-              </a:rPr>
-              <a:t>JazzGuestAvatar</a:t>
-            </a:r>
-            <a:r>
-              <a:rPr lang="de-CH" sz="900" b="1" dirty="0">
-                <a:latin typeface="Arial" panose="020B0604020202020204" pitchFamily="34" charset="0"/>
-                <a:cs typeface="Arial" panose="020B0604020202020204" pitchFamily="34" charset="0"/>
-              </a:rPr>
-              <a:t>&gt;</a:t>
-            </a:r>
-            <a:r>
-              <a:rPr lang="de-CH" sz="900" b="1" dirty="0" err="1">
-                <a:latin typeface="Arial" panose="020B0604020202020204" pitchFamily="34" charset="0"/>
-                <a:cs typeface="Arial" panose="020B0604020202020204" pitchFamily="34" charset="0"/>
-              </a:rPr>
-              <a:t>NotYetSetNodeValue</a:t>
-            </a:r>
-            <a:r>
-              <a:rPr lang="de-CH" sz="900" b="1" dirty="0">
-                <a:latin typeface="Arial" panose="020B0604020202020204" pitchFamily="34" charset="0"/>
-                <a:cs typeface="Arial" panose="020B0604020202020204" pitchFamily="34" charset="0"/>
-              </a:rPr>
-              <a:t>&lt;/</a:t>
-            </a:r>
-            <a:r>
-              <a:rPr lang="de-CH" sz="900" b="1" dirty="0" err="1">
-                <a:latin typeface="Arial" panose="020B0604020202020204" pitchFamily="34" charset="0"/>
-                <a:cs typeface="Arial" panose="020B0604020202020204" pitchFamily="34" charset="0"/>
-              </a:rPr>
-              <a:t>JazzGuestAvatar</a:t>
-            </a:r>
-            <a:r>
-              <a:rPr lang="de-CH" sz="900" b="1" dirty="0">
-                <a:latin typeface="Arial" panose="020B0604020202020204" pitchFamily="34" charset="0"/>
-                <a:cs typeface="Arial" panose="020B0604020202020204" pitchFamily="34" charset="0"/>
-              </a:rPr>
-              <a:t>&gt;</a:t>
-            </a:r>
-          </a:p>
-          <a:p>
-            <a:r>
-              <a:rPr lang="de-CH" sz="900" b="1" dirty="0">
-                <a:latin typeface="Arial" panose="020B0604020202020204" pitchFamily="34" charset="0"/>
-                <a:cs typeface="Arial" panose="020B0604020202020204" pitchFamily="34" charset="0"/>
-              </a:rPr>
-              <a:t>        &lt;</a:t>
-            </a:r>
-            <a:r>
-              <a:rPr lang="de-CH" sz="900" b="1" dirty="0" err="1">
-                <a:latin typeface="Arial" panose="020B0604020202020204" pitchFamily="34" charset="0"/>
-                <a:cs typeface="Arial" panose="020B0604020202020204" pitchFamily="34" charset="0"/>
-              </a:rPr>
-              <a:t>JazzGuestEmail</a:t>
-            </a:r>
-            <a:r>
-              <a:rPr lang="de-CH" sz="900" b="1" dirty="0">
-                <a:latin typeface="Arial" panose="020B0604020202020204" pitchFamily="34" charset="0"/>
-                <a:cs typeface="Arial" panose="020B0604020202020204" pitchFamily="34" charset="0"/>
-              </a:rPr>
-              <a:t>&gt;gunnar.liden@jazzliveaarau.ch&lt;/</a:t>
-            </a:r>
-            <a:r>
-              <a:rPr lang="de-CH" sz="900" b="1" dirty="0" err="1">
-                <a:latin typeface="Arial" panose="020B0604020202020204" pitchFamily="34" charset="0"/>
-                <a:cs typeface="Arial" panose="020B0604020202020204" pitchFamily="34" charset="0"/>
-              </a:rPr>
-              <a:t>JazzGuestEmail</a:t>
-            </a:r>
-            <a:r>
-              <a:rPr lang="de-CH" sz="900" b="1" dirty="0">
-                <a:latin typeface="Arial" panose="020B0604020202020204" pitchFamily="34" charset="0"/>
-                <a:cs typeface="Arial" panose="020B0604020202020204" pitchFamily="34" charset="0"/>
-              </a:rPr>
-              <a:t>&gt;</a:t>
-            </a:r>
-          </a:p>
-          <a:p>
-            <a:r>
-              <a:rPr lang="de-CH" sz="900" b="1" dirty="0">
-                <a:latin typeface="Arial" panose="020B0604020202020204" pitchFamily="34" charset="0"/>
-                <a:cs typeface="Arial" panose="020B0604020202020204" pitchFamily="34" charset="0"/>
-              </a:rPr>
-              <a:t>        &lt;</a:t>
-            </a:r>
-            <a:r>
-              <a:rPr lang="de-CH" sz="900" b="1" dirty="0" err="1">
-                <a:latin typeface="Arial" panose="020B0604020202020204" pitchFamily="34" charset="0"/>
-                <a:cs typeface="Arial" panose="020B0604020202020204" pitchFamily="34" charset="0"/>
-              </a:rPr>
-              <a:t>JazzGuestTelephone</a:t>
-            </a:r>
-            <a:r>
-              <a:rPr lang="de-CH" sz="900" b="1" dirty="0">
-                <a:latin typeface="Arial" panose="020B0604020202020204" pitchFamily="34" charset="0"/>
-                <a:cs typeface="Arial" panose="020B0604020202020204" pitchFamily="34" charset="0"/>
-              </a:rPr>
-              <a:t>&gt;</a:t>
-            </a:r>
-            <a:r>
-              <a:rPr lang="de-CH" sz="900" b="1" dirty="0" err="1">
-                <a:latin typeface="Arial" panose="020B0604020202020204" pitchFamily="34" charset="0"/>
-                <a:cs typeface="Arial" panose="020B0604020202020204" pitchFamily="34" charset="0"/>
-              </a:rPr>
-              <a:t>NotYetSetNodeValue</a:t>
-            </a:r>
-            <a:r>
-              <a:rPr lang="de-CH" sz="900" b="1" dirty="0">
-                <a:latin typeface="Arial" panose="020B0604020202020204" pitchFamily="34" charset="0"/>
-                <a:cs typeface="Arial" panose="020B0604020202020204" pitchFamily="34" charset="0"/>
-              </a:rPr>
-              <a:t>&lt;/</a:t>
-            </a:r>
-            <a:r>
-              <a:rPr lang="de-CH" sz="900" b="1" dirty="0" err="1">
-                <a:latin typeface="Arial" panose="020B0604020202020204" pitchFamily="34" charset="0"/>
-                <a:cs typeface="Arial" panose="020B0604020202020204" pitchFamily="34" charset="0"/>
-              </a:rPr>
-              <a:t>JazzGuestTelephone</a:t>
-            </a:r>
-            <a:r>
-              <a:rPr lang="de-CH" sz="900" b="1" dirty="0">
-                <a:latin typeface="Arial" panose="020B0604020202020204" pitchFamily="34" charset="0"/>
-                <a:cs typeface="Arial" panose="020B0604020202020204" pitchFamily="34" charset="0"/>
-              </a:rPr>
-              <a:t>&gt;</a:t>
-            </a:r>
-          </a:p>
-          <a:p>
-            <a:r>
-              <a:rPr lang="de-CH" sz="900" b="1" dirty="0">
-                <a:latin typeface="Arial" panose="020B0604020202020204" pitchFamily="34" charset="0"/>
-                <a:cs typeface="Arial" panose="020B0604020202020204" pitchFamily="34" charset="0"/>
-              </a:rPr>
-              <a:t>        &lt;</a:t>
-            </a:r>
-            <a:r>
-              <a:rPr lang="de-CH" sz="900" b="1" dirty="0" err="1">
-                <a:latin typeface="Arial" panose="020B0604020202020204" pitchFamily="34" charset="0"/>
-                <a:cs typeface="Arial" panose="020B0604020202020204" pitchFamily="34" charset="0"/>
-              </a:rPr>
-              <a:t>JazzGuestStatus</a:t>
-            </a:r>
-            <a:r>
-              <a:rPr lang="de-CH" sz="900" b="1" dirty="0">
-                <a:latin typeface="Arial" panose="020B0604020202020204" pitchFamily="34" charset="0"/>
-                <a:cs typeface="Arial" panose="020B0604020202020204" pitchFamily="34" charset="0"/>
-              </a:rPr>
-              <a:t>&gt;</a:t>
-            </a:r>
-            <a:r>
-              <a:rPr lang="de-CH" sz="900" b="1" dirty="0" err="1">
-                <a:latin typeface="Arial" panose="020B0604020202020204" pitchFamily="34" charset="0"/>
-                <a:cs typeface="Arial" panose="020B0604020202020204" pitchFamily="34" charset="0"/>
-              </a:rPr>
-              <a:t>AddedOrCheckedRecordByAdmin</a:t>
-            </a:r>
-            <a:r>
-              <a:rPr lang="de-CH" sz="900" b="1" dirty="0">
-                <a:latin typeface="Arial" panose="020B0604020202020204" pitchFamily="34" charset="0"/>
-                <a:cs typeface="Arial" panose="020B0604020202020204" pitchFamily="34" charset="0"/>
-              </a:rPr>
-              <a:t>&lt;/</a:t>
-            </a:r>
-            <a:r>
-              <a:rPr lang="de-CH" sz="900" b="1" dirty="0" err="1">
-                <a:latin typeface="Arial" panose="020B0604020202020204" pitchFamily="34" charset="0"/>
-                <a:cs typeface="Arial" panose="020B0604020202020204" pitchFamily="34" charset="0"/>
-              </a:rPr>
-              <a:t>JazzGuestStatus</a:t>
-            </a:r>
-            <a:r>
-              <a:rPr lang="de-CH" sz="900" b="1" dirty="0">
-                <a:latin typeface="Arial" panose="020B0604020202020204" pitchFamily="34" charset="0"/>
-                <a:cs typeface="Arial" panose="020B0604020202020204" pitchFamily="34" charset="0"/>
-              </a:rPr>
-              <a:t>&gt;</a:t>
-            </a:r>
-          </a:p>
-          <a:p>
-            <a:r>
-              <a:rPr lang="de-CH" sz="900" b="1" dirty="0">
-                <a:latin typeface="Arial" panose="020B0604020202020204" pitchFamily="34" charset="0"/>
-                <a:cs typeface="Arial" panose="020B0604020202020204" pitchFamily="34" charset="0"/>
-              </a:rPr>
-              <a:t>        &lt;</a:t>
-            </a:r>
-            <a:r>
-              <a:rPr lang="de-CH" sz="900" b="1" dirty="0" err="1">
-                <a:latin typeface="Arial" panose="020B0604020202020204" pitchFamily="34" charset="0"/>
-                <a:cs typeface="Arial" panose="020B0604020202020204" pitchFamily="34" charset="0"/>
-              </a:rPr>
-              <a:t>JazzGuestPublish</a:t>
-            </a:r>
-            <a:r>
-              <a:rPr lang="de-CH" sz="900" b="1" dirty="0">
-                <a:latin typeface="Arial" panose="020B0604020202020204" pitchFamily="34" charset="0"/>
-                <a:cs typeface="Arial" panose="020B0604020202020204" pitchFamily="34" charset="0"/>
-              </a:rPr>
-              <a:t>&gt;TRUE&lt;/</a:t>
-            </a:r>
-            <a:r>
-              <a:rPr lang="de-CH" sz="900" b="1" dirty="0" err="1">
-                <a:latin typeface="Arial" panose="020B0604020202020204" pitchFamily="34" charset="0"/>
-                <a:cs typeface="Arial" panose="020B0604020202020204" pitchFamily="34" charset="0"/>
-              </a:rPr>
-              <a:t>JazzGuestPublish</a:t>
-            </a:r>
-            <a:r>
-              <a:rPr lang="de-CH" sz="900" b="1" dirty="0">
-                <a:latin typeface="Arial" panose="020B0604020202020204" pitchFamily="34" charset="0"/>
-                <a:cs typeface="Arial" panose="020B0604020202020204" pitchFamily="34" charset="0"/>
-              </a:rPr>
-              <a:t>&gt;</a:t>
-            </a:r>
-          </a:p>
-          <a:p>
-            <a:r>
-              <a:rPr lang="de-CH" sz="900" b="1" dirty="0">
-                <a:latin typeface="Arial" panose="020B0604020202020204" pitchFamily="34" charset="0"/>
-                <a:cs typeface="Arial" panose="020B0604020202020204" pitchFamily="34" charset="0"/>
-              </a:rPr>
-              <a:t>        &lt;</a:t>
-            </a:r>
-            <a:r>
-              <a:rPr lang="de-CH" sz="900" b="1" dirty="0" err="1">
-                <a:latin typeface="Arial" panose="020B0604020202020204" pitchFamily="34" charset="0"/>
-                <a:cs typeface="Arial" panose="020B0604020202020204" pitchFamily="34" charset="0"/>
-              </a:rPr>
-              <a:t>JazzGuestRegNumber</a:t>
-            </a:r>
-            <a:r>
-              <a:rPr lang="de-CH" sz="900" b="1" dirty="0">
-                <a:latin typeface="Arial" panose="020B0604020202020204" pitchFamily="34" charset="0"/>
-                <a:cs typeface="Arial" panose="020B0604020202020204" pitchFamily="34" charset="0"/>
-              </a:rPr>
-              <a:t>&gt;104&lt;/</a:t>
-            </a:r>
-            <a:r>
-              <a:rPr lang="de-CH" sz="900" b="1" dirty="0" err="1">
-                <a:latin typeface="Arial" panose="020B0604020202020204" pitchFamily="34" charset="0"/>
-                <a:cs typeface="Arial" panose="020B0604020202020204" pitchFamily="34" charset="0"/>
-              </a:rPr>
-              <a:t>JazzGuestRegNumber</a:t>
-            </a:r>
-            <a:r>
-              <a:rPr lang="de-CH" sz="900" b="1" dirty="0">
-                <a:latin typeface="Arial" panose="020B0604020202020204" pitchFamily="34" charset="0"/>
-                <a:cs typeface="Arial" panose="020B0604020202020204" pitchFamily="34" charset="0"/>
-              </a:rPr>
-              <a:t>&gt;</a:t>
-            </a:r>
-          </a:p>
-          <a:p>
-            <a:r>
-              <a:rPr lang="de-CH" sz="900" b="1" dirty="0">
-                <a:latin typeface="Arial" panose="020B0604020202020204" pitchFamily="34" charset="0"/>
-                <a:cs typeface="Arial" panose="020B0604020202020204" pitchFamily="34" charset="0"/>
-              </a:rPr>
-              <a:t>  &lt;/</a:t>
-            </a:r>
-            <a:r>
-              <a:rPr lang="de-CH" sz="900" b="1" dirty="0" err="1">
-                <a:latin typeface="Arial" panose="020B0604020202020204" pitchFamily="34" charset="0"/>
-                <a:cs typeface="Arial" panose="020B0604020202020204" pitchFamily="34" charset="0"/>
-              </a:rPr>
-              <a:t>JazzGuest</a:t>
-            </a:r>
-            <a:r>
-              <a:rPr lang="de-CH" sz="900" b="1" dirty="0">
-                <a:latin typeface="Arial" panose="020B0604020202020204" pitchFamily="34" charset="0"/>
-                <a:cs typeface="Arial" panose="020B0604020202020204" pitchFamily="34" charset="0"/>
-              </a:rPr>
-              <a:t>&gt;</a:t>
-            </a:r>
-          </a:p>
-        </p:txBody>
-      </p:sp>
+              <a:t> </a:t>
+            </a:r>
+          </a:p>
+        </p:txBody>
+      </p:sp>
+      <p:pic>
+        <p:nvPicPr>
+          <p:cNvPr id="3" name="Grafik 2">
+            <a:extLst>
+              <a:ext uri="{FF2B5EF4-FFF2-40B4-BE49-F238E27FC236}">
+                <a16:creationId xmlns:a16="http://schemas.microsoft.com/office/drawing/2014/main" id="{38871745-CDAC-82B9-0443-657BFEE74A00}"/>
+              </a:ext>
+            </a:extLst>
+          </p:cNvPr>
+          <p:cNvPicPr>
+            <a:picLocks noChangeAspect="1"/>
+          </p:cNvPicPr>
+          <p:nvPr/>
+        </p:nvPicPr>
+        <p:blipFill>
+          <a:blip r:embed="rId2"/>
+          <a:stretch>
+            <a:fillRect/>
+          </a:stretch>
+        </p:blipFill>
+        <p:spPr>
+          <a:xfrm>
+            <a:off x="564741" y="684750"/>
+            <a:ext cx="3986477" cy="1644274"/>
+          </a:xfrm>
+          <a:prstGeom prst="rect">
+            <a:avLst/>
+          </a:prstGeom>
+        </p:spPr>
+      </p:pic>
+      <p:pic>
+        <p:nvPicPr>
+          <p:cNvPr id="6" name="Grafik 5">
+            <a:extLst>
+              <a:ext uri="{FF2B5EF4-FFF2-40B4-BE49-F238E27FC236}">
+                <a16:creationId xmlns:a16="http://schemas.microsoft.com/office/drawing/2014/main" id="{BAC51935-C1F4-3FE2-2809-09600569EB0F}"/>
+              </a:ext>
+            </a:extLst>
+          </p:cNvPr>
+          <p:cNvPicPr>
+            <a:picLocks noChangeAspect="1"/>
+          </p:cNvPicPr>
+          <p:nvPr/>
+        </p:nvPicPr>
+        <p:blipFill>
+          <a:blip r:embed="rId3"/>
+          <a:stretch>
+            <a:fillRect/>
+          </a:stretch>
+        </p:blipFill>
+        <p:spPr>
+          <a:xfrm>
+            <a:off x="415047" y="2443203"/>
+            <a:ext cx="11361905" cy="3990476"/>
+          </a:xfrm>
+          <a:prstGeom prst="rect">
+            <a:avLst/>
+          </a:prstGeom>
+        </p:spPr>
+      </p:pic>
     </p:spTree>
     <p:extLst>
       <p:ext uri="{BB962C8B-B14F-4D97-AF65-F5344CB8AC3E}">

--- a/Description/JazzGuestsUpload.pptx
+++ b/Description/JazzGuestsUpload.pptx
@@ -305,7 +305,7 @@
           <a:p>
             <a:fld id="{DDCE6D58-9B57-4731-A47B-3CD41B48F0A9}" type="datetimeFigureOut">
               <a:rPr lang="de-CH" smtClean="0"/>
-              <a:t>09.04.2025</a:t>
+              <a:t>10.04.2025</a:t>
             </a:fld>
             <a:endParaRPr lang="de-CH"/>
           </a:p>
@@ -475,7 +475,7 @@
           <a:p>
             <a:fld id="{DDCE6D58-9B57-4731-A47B-3CD41B48F0A9}" type="datetimeFigureOut">
               <a:rPr lang="de-CH" smtClean="0"/>
-              <a:t>09.04.2025</a:t>
+              <a:t>10.04.2025</a:t>
             </a:fld>
             <a:endParaRPr lang="de-CH"/>
           </a:p>
@@ -655,7 +655,7 @@
           <a:p>
             <a:fld id="{DDCE6D58-9B57-4731-A47B-3CD41B48F0A9}" type="datetimeFigureOut">
               <a:rPr lang="de-CH" smtClean="0"/>
-              <a:t>09.04.2025</a:t>
+              <a:t>10.04.2025</a:t>
             </a:fld>
             <a:endParaRPr lang="de-CH"/>
           </a:p>
@@ -825,7 +825,7 @@
           <a:p>
             <a:fld id="{DDCE6D58-9B57-4731-A47B-3CD41B48F0A9}" type="datetimeFigureOut">
               <a:rPr lang="de-CH" smtClean="0"/>
-              <a:t>09.04.2025</a:t>
+              <a:t>10.04.2025</a:t>
             </a:fld>
             <a:endParaRPr lang="de-CH"/>
           </a:p>
@@ -1071,7 +1071,7 @@
           <a:p>
             <a:fld id="{DDCE6D58-9B57-4731-A47B-3CD41B48F0A9}" type="datetimeFigureOut">
               <a:rPr lang="de-CH" smtClean="0"/>
-              <a:t>09.04.2025</a:t>
+              <a:t>10.04.2025</a:t>
             </a:fld>
             <a:endParaRPr lang="de-CH"/>
           </a:p>
@@ -1303,7 +1303,7 @@
           <a:p>
             <a:fld id="{DDCE6D58-9B57-4731-A47B-3CD41B48F0A9}" type="datetimeFigureOut">
               <a:rPr lang="de-CH" smtClean="0"/>
-              <a:t>09.04.2025</a:t>
+              <a:t>10.04.2025</a:t>
             </a:fld>
             <a:endParaRPr lang="de-CH"/>
           </a:p>
@@ -1670,7 +1670,7 @@
           <a:p>
             <a:fld id="{DDCE6D58-9B57-4731-A47B-3CD41B48F0A9}" type="datetimeFigureOut">
               <a:rPr lang="de-CH" smtClean="0"/>
-              <a:t>09.04.2025</a:t>
+              <a:t>10.04.2025</a:t>
             </a:fld>
             <a:endParaRPr lang="de-CH"/>
           </a:p>
@@ -1788,7 +1788,7 @@
           <a:p>
             <a:fld id="{DDCE6D58-9B57-4731-A47B-3CD41B48F0A9}" type="datetimeFigureOut">
               <a:rPr lang="de-CH" smtClean="0"/>
-              <a:t>09.04.2025</a:t>
+              <a:t>10.04.2025</a:t>
             </a:fld>
             <a:endParaRPr lang="de-CH"/>
           </a:p>
@@ -1883,7 +1883,7 @@
           <a:p>
             <a:fld id="{DDCE6D58-9B57-4731-A47B-3CD41B48F0A9}" type="datetimeFigureOut">
               <a:rPr lang="de-CH" smtClean="0"/>
-              <a:t>09.04.2025</a:t>
+              <a:t>10.04.2025</a:t>
             </a:fld>
             <a:endParaRPr lang="de-CH"/>
           </a:p>
@@ -2160,7 +2160,7 @@
           <a:p>
             <a:fld id="{DDCE6D58-9B57-4731-A47B-3CD41B48F0A9}" type="datetimeFigureOut">
               <a:rPr lang="de-CH" smtClean="0"/>
-              <a:t>09.04.2025</a:t>
+              <a:t>10.04.2025</a:t>
             </a:fld>
             <a:endParaRPr lang="de-CH"/>
           </a:p>
@@ -2413,7 +2413,7 @@
           <a:p>
             <a:fld id="{DDCE6D58-9B57-4731-A47B-3CD41B48F0A9}" type="datetimeFigureOut">
               <a:rPr lang="de-CH" smtClean="0"/>
-              <a:t>09.04.2025</a:t>
+              <a:t>10.04.2025</a:t>
             </a:fld>
             <a:endParaRPr lang="de-CH"/>
           </a:p>
@@ -2626,7 +2626,7 @@
           <a:p>
             <a:fld id="{DDCE6D58-9B57-4731-A47B-3CD41B48F0A9}" type="datetimeFigureOut">
               <a:rPr lang="de-CH" smtClean="0"/>
-              <a:t>09.04.2025</a:t>
+              <a:t>10.04.2025</a:t>
             </a:fld>
             <a:endParaRPr lang="de-CH"/>
           </a:p>

--- a/Description/JazzGuestsUpload.pptx
+++ b/Description/JazzGuestsUpload.pptx
@@ -305,7 +305,7 @@
           <a:p>
             <a:fld id="{DDCE6D58-9B57-4731-A47B-3CD41B48F0A9}" type="datetimeFigureOut">
               <a:rPr lang="de-CH" smtClean="0"/>
-              <a:t>10.04.2025</a:t>
+              <a:t>13.04.2025</a:t>
             </a:fld>
             <a:endParaRPr lang="de-CH"/>
           </a:p>
@@ -475,7 +475,7 @@
           <a:p>
             <a:fld id="{DDCE6D58-9B57-4731-A47B-3CD41B48F0A9}" type="datetimeFigureOut">
               <a:rPr lang="de-CH" smtClean="0"/>
-              <a:t>10.04.2025</a:t>
+              <a:t>13.04.2025</a:t>
             </a:fld>
             <a:endParaRPr lang="de-CH"/>
           </a:p>
@@ -655,7 +655,7 @@
           <a:p>
             <a:fld id="{DDCE6D58-9B57-4731-A47B-3CD41B48F0A9}" type="datetimeFigureOut">
               <a:rPr lang="de-CH" smtClean="0"/>
-              <a:t>10.04.2025</a:t>
+              <a:t>13.04.2025</a:t>
             </a:fld>
             <a:endParaRPr lang="de-CH"/>
           </a:p>
@@ -825,7 +825,7 @@
           <a:p>
             <a:fld id="{DDCE6D58-9B57-4731-A47B-3CD41B48F0A9}" type="datetimeFigureOut">
               <a:rPr lang="de-CH" smtClean="0"/>
-              <a:t>10.04.2025</a:t>
+              <a:t>13.04.2025</a:t>
             </a:fld>
             <a:endParaRPr lang="de-CH"/>
           </a:p>
@@ -1071,7 +1071,7 @@
           <a:p>
             <a:fld id="{DDCE6D58-9B57-4731-A47B-3CD41B48F0A9}" type="datetimeFigureOut">
               <a:rPr lang="de-CH" smtClean="0"/>
-              <a:t>10.04.2025</a:t>
+              <a:t>13.04.2025</a:t>
             </a:fld>
             <a:endParaRPr lang="de-CH"/>
           </a:p>
@@ -1303,7 +1303,7 @@
           <a:p>
             <a:fld id="{DDCE6D58-9B57-4731-A47B-3CD41B48F0A9}" type="datetimeFigureOut">
               <a:rPr lang="de-CH" smtClean="0"/>
-              <a:t>10.04.2025</a:t>
+              <a:t>13.04.2025</a:t>
             </a:fld>
             <a:endParaRPr lang="de-CH"/>
           </a:p>
@@ -1670,7 +1670,7 @@
           <a:p>
             <a:fld id="{DDCE6D58-9B57-4731-A47B-3CD41B48F0A9}" type="datetimeFigureOut">
               <a:rPr lang="de-CH" smtClean="0"/>
-              <a:t>10.04.2025</a:t>
+              <a:t>13.04.2025</a:t>
             </a:fld>
             <a:endParaRPr lang="de-CH"/>
           </a:p>
@@ -1788,7 +1788,7 @@
           <a:p>
             <a:fld id="{DDCE6D58-9B57-4731-A47B-3CD41B48F0A9}" type="datetimeFigureOut">
               <a:rPr lang="de-CH" smtClean="0"/>
-              <a:t>10.04.2025</a:t>
+              <a:t>13.04.2025</a:t>
             </a:fld>
             <a:endParaRPr lang="de-CH"/>
           </a:p>
@@ -1883,7 +1883,7 @@
           <a:p>
             <a:fld id="{DDCE6D58-9B57-4731-A47B-3CD41B48F0A9}" type="datetimeFigureOut">
               <a:rPr lang="de-CH" smtClean="0"/>
-              <a:t>10.04.2025</a:t>
+              <a:t>13.04.2025</a:t>
             </a:fld>
             <a:endParaRPr lang="de-CH"/>
           </a:p>
@@ -2160,7 +2160,7 @@
           <a:p>
             <a:fld id="{DDCE6D58-9B57-4731-A47B-3CD41B48F0A9}" type="datetimeFigureOut">
               <a:rPr lang="de-CH" smtClean="0"/>
-              <a:t>10.04.2025</a:t>
+              <a:t>13.04.2025</a:t>
             </a:fld>
             <a:endParaRPr lang="de-CH"/>
           </a:p>
@@ -2413,7 +2413,7 @@
           <a:p>
             <a:fld id="{DDCE6D58-9B57-4731-A47B-3CD41B48F0A9}" type="datetimeFigureOut">
               <a:rPr lang="de-CH" smtClean="0"/>
-              <a:t>10.04.2025</a:t>
+              <a:t>13.04.2025</a:t>
             </a:fld>
             <a:endParaRPr lang="de-CH"/>
           </a:p>
@@ -2626,7 +2626,7 @@
           <a:p>
             <a:fld id="{DDCE6D58-9B57-4731-A47B-3CD41B48F0A9}" type="datetimeFigureOut">
               <a:rPr lang="de-CH" smtClean="0"/>
-              <a:t>10.04.2025</a:t>
+              <a:t>13.04.2025</a:t>
             </a:fld>
             <a:endParaRPr lang="de-CH"/>
           </a:p>
@@ -29296,8 +29296,8 @@
         </p:nvSpPr>
         <p:spPr>
           <a:xfrm>
-            <a:off x="2837649" y="120642"/>
-            <a:ext cx="6374274" cy="4381022"/>
+            <a:off x="2837649" y="120641"/>
+            <a:ext cx="6374274" cy="4555267"/>
           </a:xfrm>
           <a:prstGeom prst="rect">
             <a:avLst/>
@@ -29348,7 +29348,7 @@
         </p:nvSpPr>
         <p:spPr>
           <a:xfrm>
-            <a:off x="2908863" y="613011"/>
+            <a:off x="2908863" y="571178"/>
             <a:ext cx="6374274" cy="3654191"/>
           </a:xfrm>
           <a:prstGeom prst="rect">
@@ -29457,6 +29457,25 @@
               </a:rPr>
               <a:t>UtilLock.lock</a:t>
             </a:r>
+            <a:endParaRPr lang="de-CH" sz="1400" b="1" dirty="0">
+              <a:solidFill>
+                <a:schemeClr val="tx1"/>
+              </a:solidFill>
+              <a:latin typeface="Arial" panose="020B0604020202020204" pitchFamily="34" charset="0"/>
+              <a:cs typeface="Arial" panose="020B0604020202020204" pitchFamily="34" charset="0"/>
+            </a:endParaRPr>
+          </a:p>
+          <a:p>
+            <a:r>
+              <a:rPr lang="en-US" sz="1400" b="1" dirty="0" err="1">
+                <a:solidFill>
+                  <a:schemeClr val="tx1"/>
+                </a:solidFill>
+                <a:latin typeface="Arial" panose="020B0604020202020204" pitchFamily="34" charset="0"/>
+                <a:cs typeface="Arial" panose="020B0604020202020204" pitchFamily="34" charset="0"/>
+              </a:rPr>
+              <a:t>copyNewImageFile</a:t>
+            </a:r>
             <a:endParaRPr lang="en-US" sz="1400" b="1" dirty="0">
               <a:solidFill>
                 <a:schemeClr val="tx1"/>
@@ -29467,6 +29486,35 @@
           </a:p>
           <a:p>
             <a:r>
+              <a:rPr lang="en-US" sz="1400" b="1" dirty="0">
+                <a:solidFill>
+                  <a:schemeClr val="tx1"/>
+                </a:solidFill>
+                <a:latin typeface="Arial" panose="020B0604020202020204" pitchFamily="34" charset="0"/>
+                <a:cs typeface="Arial" panose="020B0604020202020204" pitchFamily="34" charset="0"/>
+              </a:rPr>
+              <a:t>	</a:t>
+            </a:r>
+            <a:r>
+              <a:rPr lang="en-US" sz="1400" b="1" dirty="0" err="1">
+                <a:solidFill>
+                  <a:schemeClr val="tx1"/>
+                </a:solidFill>
+                <a:latin typeface="Arial" panose="020B0604020202020204" pitchFamily="34" charset="0"/>
+                <a:cs typeface="Arial" panose="020B0604020202020204" pitchFamily="34" charset="0"/>
+              </a:rPr>
+              <a:t>UtilServer.copyFileCallback</a:t>
+            </a:r>
+            <a:endParaRPr lang="en-US" sz="1400" b="1" dirty="0">
+              <a:solidFill>
+                <a:schemeClr val="tx1"/>
+              </a:solidFill>
+              <a:latin typeface="Arial" panose="020B0604020202020204" pitchFamily="34" charset="0"/>
+              <a:cs typeface="Arial" panose="020B0604020202020204" pitchFamily="34" charset="0"/>
+            </a:endParaRPr>
+          </a:p>
+          <a:p>
+            <a:r>
               <a:rPr lang="de-CH" sz="1400" b="1" dirty="0" err="1">
                 <a:solidFill>
                   <a:schemeClr val="tx1"/>
@@ -29559,25 +29607,6 @@
               </a:rPr>
               <a:t>UtilServer.copyFileCallback</a:t>
             </a:r>
-            <a:endParaRPr lang="en-US" sz="1400" b="1" dirty="0">
-              <a:solidFill>
-                <a:schemeClr val="tx1"/>
-              </a:solidFill>
-              <a:latin typeface="Arial" panose="020B0604020202020204" pitchFamily="34" charset="0"/>
-              <a:cs typeface="Arial" panose="020B0604020202020204" pitchFamily="34" charset="0"/>
-            </a:endParaRPr>
-          </a:p>
-          <a:p>
-            <a:r>
-              <a:rPr lang="de-CH" sz="1400" b="1" dirty="0" err="1">
-                <a:solidFill>
-                  <a:schemeClr val="tx1"/>
-                </a:solidFill>
-                <a:latin typeface="Arial" panose="020B0604020202020204" pitchFamily="34" charset="0"/>
-                <a:cs typeface="Arial" panose="020B0604020202020204" pitchFamily="34" charset="0"/>
-              </a:rPr>
-              <a:t>setGuestbookDataForEdit</a:t>
-            </a:r>
             <a:endParaRPr lang="de-CH" sz="1400" b="1" dirty="0">
               <a:solidFill>
                 <a:schemeClr val="tx1"/>
@@ -29588,35 +29617,6 @@
           </a:p>
           <a:p>
             <a:r>
-              <a:rPr lang="en-US" sz="1400" b="1" dirty="0">
-                <a:solidFill>
-                  <a:schemeClr val="tx1"/>
-                </a:solidFill>
-                <a:latin typeface="Arial" panose="020B0604020202020204" pitchFamily="34" charset="0"/>
-                <a:cs typeface="Arial" panose="020B0604020202020204" pitchFamily="34" charset="0"/>
-              </a:rPr>
-              <a:t>	</a:t>
-            </a:r>
-            <a:r>
-              <a:rPr lang="en-US" sz="1400" b="1" dirty="0" err="1">
-                <a:solidFill>
-                  <a:schemeClr val="tx1"/>
-                </a:solidFill>
-                <a:latin typeface="Arial" panose="020B0604020202020204" pitchFamily="34" charset="0"/>
-                <a:cs typeface="Arial" panose="020B0604020202020204" pitchFamily="34" charset="0"/>
-              </a:rPr>
-              <a:t>GuestStorage.addGuestbookDataForEdit</a:t>
-            </a:r>
-            <a:endParaRPr lang="en-US" sz="1400" b="1" dirty="0">
-              <a:solidFill>
-                <a:schemeClr val="tx1"/>
-              </a:solidFill>
-              <a:latin typeface="Arial" panose="020B0604020202020204" pitchFamily="34" charset="0"/>
-              <a:cs typeface="Arial" panose="020B0604020202020204" pitchFamily="34" charset="0"/>
-            </a:endParaRPr>
-          </a:p>
-          <a:p>
-            <a:r>
               <a:rPr lang="de-CH" sz="1400" b="1" dirty="0" err="1">
                 <a:solidFill>
                   <a:schemeClr val="tx1"/>
@@ -29713,28 +29713,6 @@
           </a:p>
           <a:p>
             <a:r>
-              <a:rPr lang="en-US" sz="1400" b="1" dirty="0">
-                <a:solidFill>
-                  <a:schemeClr val="tx1"/>
-                </a:solidFill>
-                <a:latin typeface="Arial" panose="020B0604020202020204" pitchFamily="34" charset="0"/>
-                <a:cs typeface="Arial" panose="020B0604020202020204" pitchFamily="34" charset="0"/>
-              </a:rPr>
-              <a:t>finish</a:t>
-            </a:r>
-          </a:p>
-          <a:p>
-            <a:r>
-              <a:rPr lang="de-CH" sz="1400" b="1" dirty="0">
-                <a:solidFill>
-                  <a:schemeClr val="tx1"/>
-                </a:solidFill>
-                <a:latin typeface="Arial" panose="020B0604020202020204" pitchFamily="34" charset="0"/>
-                <a:cs typeface="Arial" panose="020B0604020202020204" pitchFamily="34" charset="0"/>
-              </a:rPr>
-              <a:t>                  </a:t>
-            </a:r>
-            <a:r>
               <a:rPr lang="de-CH" sz="1400" b="1" dirty="0" err="1">
                 <a:solidFill>
                   <a:schemeClr val="tx1"/>
@@ -29742,7 +29720,7 @@
                 <a:latin typeface="Arial" panose="020B0604020202020204" pitchFamily="34" charset="0"/>
                 <a:cs typeface="Arial" panose="020B0604020202020204" pitchFamily="34" charset="0"/>
               </a:rPr>
-              <a:t>setControlsEditLastUploadedRecord</a:t>
+              <a:t>sendNotificationEmail</a:t>
             </a:r>
             <a:endParaRPr lang="de-CH" sz="1400" b="1" dirty="0">
               <a:solidFill>
@@ -29754,6 +29732,16 @@
           </a:p>
           <a:p>
             <a:r>
+              <a:rPr lang="de-CH" sz="1400" b="1" dirty="0">
+                <a:solidFill>
+                  <a:schemeClr val="tx1"/>
+                </a:solidFill>
+                <a:latin typeface="Arial" panose="020B0604020202020204" pitchFamily="34" charset="0"/>
+                <a:cs typeface="Arial" panose="020B0604020202020204" pitchFamily="34" charset="0"/>
+              </a:rPr>
+              <a:t>	</a:t>
+            </a:r>
+            <a:r>
               <a:rPr lang="de-CH" sz="1400" b="1" dirty="0" err="1">
                 <a:solidFill>
                   <a:schemeClr val="tx1"/>
@@ -29761,7 +29749,7 @@
                 <a:latin typeface="Arial" panose="020B0604020202020204" pitchFamily="34" charset="0"/>
                 <a:cs typeface="Arial" panose="020B0604020202020204" pitchFamily="34" charset="0"/>
               </a:rPr>
-              <a:t>sendNotificationEmail</a:t>
+              <a:t>UtilEmail.sendSecureCallback</a:t>
             </a:r>
             <a:endParaRPr lang="de-CH" sz="1400" b="1" dirty="0">
               <a:solidFill>
@@ -29772,6 +29760,38 @@
             </a:endParaRPr>
           </a:p>
           <a:p>
+            <a:r>
+              <a:rPr lang="en-US" sz="1400" b="1" dirty="0">
+                <a:solidFill>
+                  <a:schemeClr val="tx1"/>
+                </a:solidFill>
+                <a:latin typeface="Arial" panose="020B0604020202020204" pitchFamily="34" charset="0"/>
+                <a:cs typeface="Arial" panose="020B0604020202020204" pitchFamily="34" charset="0"/>
+              </a:rPr>
+              <a:t>finish</a:t>
+            </a:r>
+          </a:p>
+          <a:p>
+            <a:r>
+              <a:rPr lang="de-CH" sz="1400" b="1" dirty="0">
+                <a:solidFill>
+                  <a:schemeClr val="tx1"/>
+                </a:solidFill>
+                <a:latin typeface="Arial" panose="020B0604020202020204" pitchFamily="34" charset="0"/>
+                <a:cs typeface="Arial" panose="020B0604020202020204" pitchFamily="34" charset="0"/>
+              </a:rPr>
+              <a:t>                  </a:t>
+            </a:r>
+            <a:r>
+              <a:rPr lang="de-CH" sz="1400" b="1" dirty="0" err="1">
+                <a:solidFill>
+                  <a:schemeClr val="tx1"/>
+                </a:solidFill>
+                <a:latin typeface="Arial" panose="020B0604020202020204" pitchFamily="34" charset="0"/>
+                <a:cs typeface="Arial" panose="020B0604020202020204" pitchFamily="34" charset="0"/>
+              </a:rPr>
+              <a:t>GuestStorage.setGuestbookData</a:t>
+            </a:r>
             <a:endParaRPr lang="de-CH" sz="1400" b="1" dirty="0">
               <a:solidFill>
                 <a:schemeClr val="tx1"/>
@@ -29779,18 +29799,6 @@
               <a:latin typeface="Arial" panose="020B0604020202020204" pitchFamily="34" charset="0"/>
               <a:cs typeface="Arial" panose="020B0604020202020204" pitchFamily="34" charset="0"/>
             </a:endParaRPr>
-          </a:p>
-          <a:p>
-            <a:r>
-              <a:rPr lang="de-CH" sz="1400" b="1" dirty="0">
-                <a:solidFill>
-                  <a:schemeClr val="tx1"/>
-                </a:solidFill>
-                <a:latin typeface="Arial" panose="020B0604020202020204" pitchFamily="34" charset="0"/>
-                <a:cs typeface="Arial" panose="020B0604020202020204" pitchFamily="34" charset="0"/>
-              </a:rPr>
-              <a:t>Finish</a:t>
-            </a:r>
           </a:p>
           <a:p>
             <a:endParaRPr lang="de-CH" sz="1400" b="1" dirty="0">

--- a/Description/JazzGuestsUpload.pptx
+++ b/Description/JazzGuestsUpload.pptx
@@ -29742,14 +29742,14 @@
               <a:t>	</a:t>
             </a:r>
             <a:r>
-              <a:rPr lang="de-CH" sz="1400" b="1" dirty="0" err="1">
-                <a:solidFill>
-                  <a:schemeClr val="tx1"/>
-                </a:solidFill>
-                <a:latin typeface="Arial" panose="020B0604020202020204" pitchFamily="34" charset="0"/>
-                <a:cs typeface="Arial" panose="020B0604020202020204" pitchFamily="34" charset="0"/>
-              </a:rPr>
-              <a:t>UtilEmail.sendSecureCallback</a:t>
+              <a:rPr lang="de-CH" sz="1400" b="1">
+                <a:solidFill>
+                  <a:schemeClr val="tx1"/>
+                </a:solidFill>
+                <a:latin typeface="Arial" panose="020B0604020202020204" pitchFamily="34" charset="0"/>
+                <a:cs typeface="Arial" panose="020B0604020202020204" pitchFamily="34" charset="0"/>
+              </a:rPr>
+              <a:t>sendNoticationEmailToAdministrator</a:t>
             </a:r>
             <a:endParaRPr lang="de-CH" sz="1400" b="1" dirty="0">
               <a:solidFill>

--- a/Description/JazzGuestsUpload.pptx
+++ b/Description/JazzGuestsUpload.pptx
@@ -29742,7 +29742,7 @@
               <a:t>	</a:t>
             </a:r>
             <a:r>
-              <a:rPr lang="de-CH" sz="1400" b="1">
+              <a:rPr lang="de-CH" sz="1400" b="1" dirty="0" err="1">
                 <a:solidFill>
                   <a:schemeClr val="tx1"/>
                 </a:solidFill>

--- a/Description/JazzGuestsUpload.pptx
+++ b/Description/JazzGuestsUpload.pptx
@@ -305,7 +305,7 @@
           <a:p>
             <a:fld id="{DDCE6D58-9B57-4731-A47B-3CD41B48F0A9}" type="datetimeFigureOut">
               <a:rPr lang="de-CH" smtClean="0"/>
-              <a:t>13.04.2025</a:t>
+              <a:t>16.04.2025</a:t>
             </a:fld>
             <a:endParaRPr lang="de-CH"/>
           </a:p>
@@ -475,7 +475,7 @@
           <a:p>
             <a:fld id="{DDCE6D58-9B57-4731-A47B-3CD41B48F0A9}" type="datetimeFigureOut">
               <a:rPr lang="de-CH" smtClean="0"/>
-              <a:t>13.04.2025</a:t>
+              <a:t>16.04.2025</a:t>
             </a:fld>
             <a:endParaRPr lang="de-CH"/>
           </a:p>
@@ -655,7 +655,7 @@
           <a:p>
             <a:fld id="{DDCE6D58-9B57-4731-A47B-3CD41B48F0A9}" type="datetimeFigureOut">
               <a:rPr lang="de-CH" smtClean="0"/>
-              <a:t>13.04.2025</a:t>
+              <a:t>16.04.2025</a:t>
             </a:fld>
             <a:endParaRPr lang="de-CH"/>
           </a:p>
@@ -825,7 +825,7 @@
           <a:p>
             <a:fld id="{DDCE6D58-9B57-4731-A47B-3CD41B48F0A9}" type="datetimeFigureOut">
               <a:rPr lang="de-CH" smtClean="0"/>
-              <a:t>13.04.2025</a:t>
+              <a:t>16.04.2025</a:t>
             </a:fld>
             <a:endParaRPr lang="de-CH"/>
           </a:p>
@@ -1071,7 +1071,7 @@
           <a:p>
             <a:fld id="{DDCE6D58-9B57-4731-A47B-3CD41B48F0A9}" type="datetimeFigureOut">
               <a:rPr lang="de-CH" smtClean="0"/>
-              <a:t>13.04.2025</a:t>
+              <a:t>16.04.2025</a:t>
             </a:fld>
             <a:endParaRPr lang="de-CH"/>
           </a:p>
@@ -1303,7 +1303,7 @@
           <a:p>
             <a:fld id="{DDCE6D58-9B57-4731-A47B-3CD41B48F0A9}" type="datetimeFigureOut">
               <a:rPr lang="de-CH" smtClean="0"/>
-              <a:t>13.04.2025</a:t>
+              <a:t>16.04.2025</a:t>
             </a:fld>
             <a:endParaRPr lang="de-CH"/>
           </a:p>
@@ -1670,7 +1670,7 @@
           <a:p>
             <a:fld id="{DDCE6D58-9B57-4731-A47B-3CD41B48F0A9}" type="datetimeFigureOut">
               <a:rPr lang="de-CH" smtClean="0"/>
-              <a:t>13.04.2025</a:t>
+              <a:t>16.04.2025</a:t>
             </a:fld>
             <a:endParaRPr lang="de-CH"/>
           </a:p>
@@ -1788,7 +1788,7 @@
           <a:p>
             <a:fld id="{DDCE6D58-9B57-4731-A47B-3CD41B48F0A9}" type="datetimeFigureOut">
               <a:rPr lang="de-CH" smtClean="0"/>
-              <a:t>13.04.2025</a:t>
+              <a:t>16.04.2025</a:t>
             </a:fld>
             <a:endParaRPr lang="de-CH"/>
           </a:p>
@@ -1883,7 +1883,7 @@
           <a:p>
             <a:fld id="{DDCE6D58-9B57-4731-A47B-3CD41B48F0A9}" type="datetimeFigureOut">
               <a:rPr lang="de-CH" smtClean="0"/>
-              <a:t>13.04.2025</a:t>
+              <a:t>16.04.2025</a:t>
             </a:fld>
             <a:endParaRPr lang="de-CH"/>
           </a:p>
@@ -2160,7 +2160,7 @@
           <a:p>
             <a:fld id="{DDCE6D58-9B57-4731-A47B-3CD41B48F0A9}" type="datetimeFigureOut">
               <a:rPr lang="de-CH" smtClean="0"/>
-              <a:t>13.04.2025</a:t>
+              <a:t>16.04.2025</a:t>
             </a:fld>
             <a:endParaRPr lang="de-CH"/>
           </a:p>
@@ -2413,7 +2413,7 @@
           <a:p>
             <a:fld id="{DDCE6D58-9B57-4731-A47B-3CD41B48F0A9}" type="datetimeFigureOut">
               <a:rPr lang="de-CH" smtClean="0"/>
-              <a:t>13.04.2025</a:t>
+              <a:t>16.04.2025</a:t>
             </a:fld>
             <a:endParaRPr lang="de-CH"/>
           </a:p>
@@ -2626,7 +2626,7 @@
           <a:p>
             <a:fld id="{DDCE6D58-9B57-4731-A47B-3CD41B48F0A9}" type="datetimeFigureOut">
               <a:rPr lang="de-CH" smtClean="0"/>
-              <a:t>13.04.2025</a:t>
+              <a:t>16.04.2025</a:t>
             </a:fld>
             <a:endParaRPr lang="de-CH"/>
           </a:p>
@@ -5188,10 +5188,10 @@
       </p:cxnSp>
       <p:pic>
         <p:nvPicPr>
-          <p:cNvPr id="9" name="Grafik 8">
-            <a:extLst>
-              <a:ext uri="{FF2B5EF4-FFF2-40B4-BE49-F238E27FC236}">
-                <a16:creationId xmlns:a16="http://schemas.microsoft.com/office/drawing/2014/main" id="{BB383DDE-AD02-320D-4326-4570CBE32FB7}"/>
+          <p:cNvPr id="10" name="Grafik 9">
+            <a:extLst>
+              <a:ext uri="{FF2B5EF4-FFF2-40B4-BE49-F238E27FC236}">
+                <a16:creationId xmlns:a16="http://schemas.microsoft.com/office/drawing/2014/main" id="{B939E9F6-5025-9053-46B7-2386E80B8098}"/>
               </a:ext>
             </a:extLst>
           </p:cNvPr>
@@ -5208,8 +5208,8 @@
         </p:blipFill>
         <p:spPr>
           <a:xfrm>
-            <a:off x="122091" y="603782"/>
-            <a:ext cx="2606937" cy="2280354"/>
+            <a:off x="191728" y="598422"/>
+            <a:ext cx="2609524" cy="2285714"/>
           </a:xfrm>
           <a:prstGeom prst="rect">
             <a:avLst/>
@@ -11247,6 +11247,44 @@
       </p:grpSpPr>
       <p:cxnSp>
         <p:nvCxnSpPr>
+          <p:cNvPr id="23" name="Gerader Verbinder 22">
+            <a:extLst>
+              <a:ext uri="{FF2B5EF4-FFF2-40B4-BE49-F238E27FC236}">
+                <a16:creationId xmlns:a16="http://schemas.microsoft.com/office/drawing/2014/main" id="{646B78D8-243F-5F66-B1C5-83074967312D}"/>
+              </a:ext>
+            </a:extLst>
+          </p:cNvPr>
+          <p:cNvCxnSpPr>
+            <a:cxnSpLocks/>
+          </p:cNvCxnSpPr>
+          <p:nvPr/>
+        </p:nvCxnSpPr>
+        <p:spPr>
+          <a:xfrm flipV="1">
+            <a:off x="8847128" y="1962557"/>
+            <a:ext cx="18977" cy="1179144"/>
+          </a:xfrm>
+          <a:prstGeom prst="line">
+            <a:avLst/>
+          </a:prstGeom>
+        </p:spPr>
+        <p:style>
+          <a:lnRef idx="1">
+            <a:schemeClr val="accent1"/>
+          </a:lnRef>
+          <a:fillRef idx="0">
+            <a:schemeClr val="accent1"/>
+          </a:fillRef>
+          <a:effectRef idx="0">
+            <a:schemeClr val="accent1"/>
+          </a:effectRef>
+          <a:fontRef idx="minor">
+            <a:schemeClr val="tx1"/>
+          </a:fontRef>
+        </p:style>
+      </p:cxnSp>
+      <p:cxnSp>
+        <p:nvCxnSpPr>
           <p:cNvPr id="75" name="Gerader Verbinder 74">
             <a:extLst>
               <a:ext uri="{FF2B5EF4-FFF2-40B4-BE49-F238E27FC236}">
@@ -11654,44 +11692,6 @@
       </p:cxnSp>
       <p:cxnSp>
         <p:nvCxnSpPr>
-          <p:cNvPr id="44" name="Gerader Verbinder 43">
-            <a:extLst>
-              <a:ext uri="{FF2B5EF4-FFF2-40B4-BE49-F238E27FC236}">
-                <a16:creationId xmlns:a16="http://schemas.microsoft.com/office/drawing/2014/main" id="{0BE8365D-A9E6-819C-263B-4DC1D3AF1CC7}"/>
-              </a:ext>
-            </a:extLst>
-          </p:cNvPr>
-          <p:cNvCxnSpPr>
-            <a:cxnSpLocks/>
-          </p:cNvCxnSpPr>
-          <p:nvPr/>
-        </p:nvCxnSpPr>
-        <p:spPr>
-          <a:xfrm flipV="1">
-            <a:off x="11159836" y="3754018"/>
-            <a:ext cx="0" cy="181465"/>
-          </a:xfrm>
-          <a:prstGeom prst="line">
-            <a:avLst/>
-          </a:prstGeom>
-        </p:spPr>
-        <p:style>
-          <a:lnRef idx="1">
-            <a:schemeClr val="accent1"/>
-          </a:lnRef>
-          <a:fillRef idx="0">
-            <a:schemeClr val="accent1"/>
-          </a:fillRef>
-          <a:effectRef idx="0">
-            <a:schemeClr val="accent1"/>
-          </a:effectRef>
-          <a:fontRef idx="minor">
-            <a:schemeClr val="tx1"/>
-          </a:fontRef>
-        </p:style>
-      </p:cxnSp>
-      <p:cxnSp>
-        <p:nvCxnSpPr>
           <p:cNvPr id="50" name="Gerader Verbinder 49">
             <a:extLst>
               <a:ext uri="{FF2B5EF4-FFF2-40B4-BE49-F238E27FC236}">
@@ -12629,6 +12629,1011 @@
                 <a:cs typeface="Arial" panose="020B0604020202020204" pitchFamily="34" charset="0"/>
               </a:rPr>
               <a:t>Image_20250402_09_20_40.jpg</a:t>
+            </a:r>
+          </a:p>
+        </p:txBody>
+      </p:sp>
+      <p:cxnSp>
+        <p:nvCxnSpPr>
+          <p:cNvPr id="2" name="Gerader Verbinder 1">
+            <a:extLst>
+              <a:ext uri="{FF2B5EF4-FFF2-40B4-BE49-F238E27FC236}">
+                <a16:creationId xmlns:a16="http://schemas.microsoft.com/office/drawing/2014/main" id="{EC5EE927-716E-E52C-C0CD-E2EC84D1EBC4}"/>
+              </a:ext>
+            </a:extLst>
+          </p:cNvPr>
+          <p:cNvCxnSpPr>
+            <a:cxnSpLocks/>
+          </p:cNvCxnSpPr>
+          <p:nvPr/>
+        </p:nvCxnSpPr>
+        <p:spPr>
+          <a:xfrm flipV="1">
+            <a:off x="10573855" y="1907716"/>
+            <a:ext cx="0" cy="149301"/>
+          </a:xfrm>
+          <a:prstGeom prst="line">
+            <a:avLst/>
+          </a:prstGeom>
+        </p:spPr>
+        <p:style>
+          <a:lnRef idx="1">
+            <a:schemeClr val="accent1"/>
+          </a:lnRef>
+          <a:fillRef idx="0">
+            <a:schemeClr val="accent1"/>
+          </a:fillRef>
+          <a:effectRef idx="0">
+            <a:schemeClr val="accent1"/>
+          </a:effectRef>
+          <a:fontRef idx="minor">
+            <a:schemeClr val="tx1"/>
+          </a:fontRef>
+        </p:style>
+      </p:cxnSp>
+      <p:sp>
+        <p:nvSpPr>
+          <p:cNvPr id="5" name="Rechteck 4">
+            <a:extLst>
+              <a:ext uri="{FF2B5EF4-FFF2-40B4-BE49-F238E27FC236}">
+                <a16:creationId xmlns:a16="http://schemas.microsoft.com/office/drawing/2014/main" id="{C7BB8918-FF5D-E058-DA3C-4F23F879A933}"/>
+              </a:ext>
+            </a:extLst>
+          </p:cNvPr>
+          <p:cNvSpPr/>
+          <p:nvPr/>
+        </p:nvSpPr>
+        <p:spPr>
+          <a:xfrm>
+            <a:off x="8283724" y="984753"/>
+            <a:ext cx="930728" cy="273141"/>
+          </a:xfrm>
+          <a:prstGeom prst="rect">
+            <a:avLst/>
+          </a:prstGeom>
+          <a:solidFill>
+            <a:srgbClr val="FFFF00"/>
+          </a:solidFill>
+          <a:ln>
+            <a:solidFill>
+              <a:schemeClr val="tx1"/>
+            </a:solidFill>
+          </a:ln>
+        </p:spPr>
+        <p:style>
+          <a:lnRef idx="2">
+            <a:schemeClr val="accent1">
+              <a:shade val="50000"/>
+            </a:schemeClr>
+          </a:lnRef>
+          <a:fillRef idx="1">
+            <a:schemeClr val="accent1"/>
+          </a:fillRef>
+          <a:effectRef idx="0">
+            <a:schemeClr val="accent1"/>
+          </a:effectRef>
+          <a:fontRef idx="minor">
+            <a:schemeClr val="lt1"/>
+          </a:fontRef>
+        </p:style>
+        <p:txBody>
+          <a:bodyPr rtlCol="0" anchor="ctr"/>
+          <a:lstStyle/>
+          <a:p>
+            <a:pPr algn="ctr"/>
+            <a:r>
+              <a:rPr lang="de-CH" sz="1000" b="1" dirty="0" err="1">
+                <a:solidFill>
+                  <a:schemeClr val="tx1"/>
+                </a:solidFill>
+                <a:latin typeface="Arial" panose="020B0604020202020204" pitchFamily="34" charset="0"/>
+                <a:cs typeface="Arial" panose="020B0604020202020204" pitchFamily="34" charset="0"/>
+              </a:rPr>
+              <a:t>www</a:t>
+            </a:r>
+            <a:endParaRPr lang="de-CH" sz="1000" b="1" dirty="0">
+              <a:solidFill>
+                <a:schemeClr val="tx1"/>
+              </a:solidFill>
+              <a:latin typeface="Arial" panose="020B0604020202020204" pitchFamily="34" charset="0"/>
+              <a:cs typeface="Arial" panose="020B0604020202020204" pitchFamily="34" charset="0"/>
+            </a:endParaRPr>
+          </a:p>
+        </p:txBody>
+      </p:sp>
+      <p:cxnSp>
+        <p:nvCxnSpPr>
+          <p:cNvPr id="6" name="Gerader Verbinder 5">
+            <a:extLst>
+              <a:ext uri="{FF2B5EF4-FFF2-40B4-BE49-F238E27FC236}">
+                <a16:creationId xmlns:a16="http://schemas.microsoft.com/office/drawing/2014/main" id="{319DB2E0-7077-ADEE-3AD6-1AD5B214F304}"/>
+              </a:ext>
+            </a:extLst>
+          </p:cNvPr>
+          <p:cNvCxnSpPr>
+            <a:cxnSpLocks/>
+          </p:cNvCxnSpPr>
+          <p:nvPr/>
+        </p:nvCxnSpPr>
+        <p:spPr>
+          <a:xfrm flipH="1" flipV="1">
+            <a:off x="8704204" y="1272323"/>
+            <a:ext cx="2344" cy="194650"/>
+          </a:xfrm>
+          <a:prstGeom prst="line">
+            <a:avLst/>
+          </a:prstGeom>
+        </p:spPr>
+        <p:style>
+          <a:lnRef idx="1">
+            <a:schemeClr val="accent1"/>
+          </a:lnRef>
+          <a:fillRef idx="0">
+            <a:schemeClr val="accent1"/>
+          </a:fillRef>
+          <a:effectRef idx="0">
+            <a:schemeClr val="accent1"/>
+          </a:effectRef>
+          <a:fontRef idx="minor">
+            <a:schemeClr val="tx1"/>
+          </a:fontRef>
+        </p:style>
+      </p:cxnSp>
+      <p:cxnSp>
+        <p:nvCxnSpPr>
+          <p:cNvPr id="7" name="Gerader Verbinder 6">
+            <a:extLst>
+              <a:ext uri="{FF2B5EF4-FFF2-40B4-BE49-F238E27FC236}">
+                <a16:creationId xmlns:a16="http://schemas.microsoft.com/office/drawing/2014/main" id="{2DFAC08C-16DB-92C0-5E18-8E3826B536CA}"/>
+              </a:ext>
+            </a:extLst>
+          </p:cNvPr>
+          <p:cNvCxnSpPr>
+            <a:cxnSpLocks/>
+          </p:cNvCxnSpPr>
+          <p:nvPr/>
+        </p:nvCxnSpPr>
+        <p:spPr>
+          <a:xfrm flipV="1">
+            <a:off x="10573855" y="1460500"/>
+            <a:ext cx="0" cy="166815"/>
+          </a:xfrm>
+          <a:prstGeom prst="line">
+            <a:avLst/>
+          </a:prstGeom>
+        </p:spPr>
+        <p:style>
+          <a:lnRef idx="1">
+            <a:schemeClr val="accent1"/>
+          </a:lnRef>
+          <a:fillRef idx="0">
+            <a:schemeClr val="accent1"/>
+          </a:fillRef>
+          <a:effectRef idx="0">
+            <a:schemeClr val="accent1"/>
+          </a:effectRef>
+          <a:fontRef idx="minor">
+            <a:schemeClr val="tx1"/>
+          </a:fontRef>
+        </p:style>
+      </p:cxnSp>
+      <p:cxnSp>
+        <p:nvCxnSpPr>
+          <p:cNvPr id="8" name="Gerader Verbinder 7">
+            <a:extLst>
+              <a:ext uri="{FF2B5EF4-FFF2-40B4-BE49-F238E27FC236}">
+                <a16:creationId xmlns:a16="http://schemas.microsoft.com/office/drawing/2014/main" id="{C4209E48-FBA2-EFB6-5066-116E62EBB7FD}"/>
+              </a:ext>
+            </a:extLst>
+          </p:cNvPr>
+          <p:cNvCxnSpPr>
+            <a:cxnSpLocks/>
+          </p:cNvCxnSpPr>
+          <p:nvPr/>
+        </p:nvCxnSpPr>
+        <p:spPr>
+          <a:xfrm flipV="1">
+            <a:off x="7381652" y="1459147"/>
+            <a:ext cx="3190258" cy="7543"/>
+          </a:xfrm>
+          <a:prstGeom prst="line">
+            <a:avLst/>
+          </a:prstGeom>
+        </p:spPr>
+        <p:style>
+          <a:lnRef idx="1">
+            <a:schemeClr val="accent1"/>
+          </a:lnRef>
+          <a:fillRef idx="0">
+            <a:schemeClr val="accent1"/>
+          </a:fillRef>
+          <a:effectRef idx="0">
+            <a:schemeClr val="accent1"/>
+          </a:effectRef>
+          <a:fontRef idx="minor">
+            <a:schemeClr val="tx1"/>
+          </a:fontRef>
+        </p:style>
+      </p:cxnSp>
+      <p:cxnSp>
+        <p:nvCxnSpPr>
+          <p:cNvPr id="9" name="Gerader Verbinder 8">
+            <a:extLst>
+              <a:ext uri="{FF2B5EF4-FFF2-40B4-BE49-F238E27FC236}">
+                <a16:creationId xmlns:a16="http://schemas.microsoft.com/office/drawing/2014/main" id="{36BB6306-7F73-2F7B-C447-B01052286EFE}"/>
+              </a:ext>
+            </a:extLst>
+          </p:cNvPr>
+          <p:cNvCxnSpPr>
+            <a:cxnSpLocks/>
+          </p:cNvCxnSpPr>
+          <p:nvPr/>
+        </p:nvCxnSpPr>
+        <p:spPr>
+          <a:xfrm flipV="1">
+            <a:off x="7371869" y="1455097"/>
+            <a:ext cx="9789" cy="824769"/>
+          </a:xfrm>
+          <a:prstGeom prst="line">
+            <a:avLst/>
+          </a:prstGeom>
+        </p:spPr>
+        <p:style>
+          <a:lnRef idx="1">
+            <a:schemeClr val="accent1"/>
+          </a:lnRef>
+          <a:fillRef idx="0">
+            <a:schemeClr val="accent1"/>
+          </a:fillRef>
+          <a:effectRef idx="0">
+            <a:schemeClr val="accent1"/>
+          </a:effectRef>
+          <a:fontRef idx="minor">
+            <a:schemeClr val="tx1"/>
+          </a:fontRef>
+        </p:style>
+      </p:cxnSp>
+      <p:sp>
+        <p:nvSpPr>
+          <p:cNvPr id="11" name="Rechteck 10">
+            <a:extLst>
+              <a:ext uri="{FF2B5EF4-FFF2-40B4-BE49-F238E27FC236}">
+                <a16:creationId xmlns:a16="http://schemas.microsoft.com/office/drawing/2014/main" id="{71CE46D7-2040-7D06-8E72-EBC11F38844F}"/>
+              </a:ext>
+            </a:extLst>
+          </p:cNvPr>
+          <p:cNvSpPr/>
+          <p:nvPr/>
+        </p:nvSpPr>
+        <p:spPr>
+          <a:xfrm>
+            <a:off x="6916294" y="1617144"/>
+            <a:ext cx="930728" cy="273141"/>
+          </a:xfrm>
+          <a:prstGeom prst="rect">
+            <a:avLst/>
+          </a:prstGeom>
+          <a:solidFill>
+            <a:srgbClr val="FFFF00"/>
+          </a:solidFill>
+          <a:ln>
+            <a:solidFill>
+              <a:schemeClr val="tx1"/>
+            </a:solidFill>
+          </a:ln>
+        </p:spPr>
+        <p:style>
+          <a:lnRef idx="2">
+            <a:schemeClr val="accent1">
+              <a:shade val="50000"/>
+            </a:schemeClr>
+          </a:lnRef>
+          <a:fillRef idx="1">
+            <a:schemeClr val="accent1"/>
+          </a:fillRef>
+          <a:effectRef idx="0">
+            <a:schemeClr val="accent1"/>
+          </a:effectRef>
+          <a:fontRef idx="minor">
+            <a:schemeClr val="lt1"/>
+          </a:fontRef>
+        </p:style>
+        <p:txBody>
+          <a:bodyPr rtlCol="0" anchor="ctr"/>
+          <a:lstStyle/>
+          <a:p>
+            <a:pPr algn="ctr"/>
+            <a:r>
+              <a:rPr lang="de-CH" sz="1000" b="1" dirty="0" err="1">
+                <a:solidFill>
+                  <a:schemeClr val="tx1"/>
+                </a:solidFill>
+                <a:latin typeface="Arial" panose="020B0604020202020204" pitchFamily="34" charset="0"/>
+                <a:cs typeface="Arial" panose="020B0604020202020204" pitchFamily="34" charset="0"/>
+              </a:rPr>
+              <a:t>JazzGuests</a:t>
+            </a:r>
+            <a:endParaRPr lang="de-CH" sz="1000" b="1" dirty="0">
+              <a:solidFill>
+                <a:schemeClr val="tx1"/>
+              </a:solidFill>
+              <a:latin typeface="Arial" panose="020B0604020202020204" pitchFamily="34" charset="0"/>
+              <a:cs typeface="Arial" panose="020B0604020202020204" pitchFamily="34" charset="0"/>
+            </a:endParaRPr>
+          </a:p>
+        </p:txBody>
+      </p:sp>
+      <p:sp>
+        <p:nvSpPr>
+          <p:cNvPr id="12" name="Rechteck 11">
+            <a:extLst>
+              <a:ext uri="{FF2B5EF4-FFF2-40B4-BE49-F238E27FC236}">
+                <a16:creationId xmlns:a16="http://schemas.microsoft.com/office/drawing/2014/main" id="{70DF8C9A-7199-F224-B47F-FF96903ABAD2}"/>
+              </a:ext>
+            </a:extLst>
+          </p:cNvPr>
+          <p:cNvSpPr/>
+          <p:nvPr/>
+        </p:nvSpPr>
+        <p:spPr>
+          <a:xfrm>
+            <a:off x="10299365" y="1627315"/>
+            <a:ext cx="529938" cy="273141"/>
+          </a:xfrm>
+          <a:prstGeom prst="rect">
+            <a:avLst/>
+          </a:prstGeom>
+          <a:solidFill>
+            <a:srgbClr val="FFFF00"/>
+          </a:solidFill>
+          <a:ln>
+            <a:solidFill>
+              <a:schemeClr val="tx1"/>
+            </a:solidFill>
+          </a:ln>
+        </p:spPr>
+        <p:style>
+          <a:lnRef idx="2">
+            <a:schemeClr val="accent1">
+              <a:shade val="50000"/>
+            </a:schemeClr>
+          </a:lnRef>
+          <a:fillRef idx="1">
+            <a:schemeClr val="accent1"/>
+          </a:fillRef>
+          <a:effectRef idx="0">
+            <a:schemeClr val="accent1"/>
+          </a:effectRef>
+          <a:fontRef idx="minor">
+            <a:schemeClr val="lt1"/>
+          </a:fontRef>
+        </p:style>
+        <p:txBody>
+          <a:bodyPr rtlCol="0" anchor="ctr"/>
+          <a:lstStyle/>
+          <a:p>
+            <a:pPr algn="ctr"/>
+            <a:r>
+              <a:rPr lang="de-CH" sz="1000" b="1" dirty="0">
+                <a:solidFill>
+                  <a:schemeClr val="tx1"/>
+                </a:solidFill>
+                <a:latin typeface="Arial" panose="020B0604020202020204" pitchFamily="34" charset="0"/>
+                <a:cs typeface="Arial" panose="020B0604020202020204" pitchFamily="34" charset="0"/>
+              </a:rPr>
+              <a:t>XML</a:t>
+            </a:r>
+          </a:p>
+        </p:txBody>
+      </p:sp>
+      <p:sp>
+        <p:nvSpPr>
+          <p:cNvPr id="13" name="Flussdiagramm: Karte 12">
+            <a:extLst>
+              <a:ext uri="{FF2B5EF4-FFF2-40B4-BE49-F238E27FC236}">
+                <a16:creationId xmlns:a16="http://schemas.microsoft.com/office/drawing/2014/main" id="{F7BFC0B4-B4EC-43A9-6208-27E361B8EBEA}"/>
+              </a:ext>
+            </a:extLst>
+          </p:cNvPr>
+          <p:cNvSpPr/>
+          <p:nvPr/>
+        </p:nvSpPr>
+        <p:spPr>
+          <a:xfrm>
+            <a:off x="9965346" y="2001539"/>
+            <a:ext cx="1213128" cy="271263"/>
+          </a:xfrm>
+          <a:prstGeom prst="flowChartPunchedCard">
+            <a:avLst/>
+          </a:prstGeom>
+          <a:solidFill>
+            <a:srgbClr val="FFFF00"/>
+          </a:solidFill>
+          <a:ln>
+            <a:solidFill>
+              <a:schemeClr val="tx1"/>
+            </a:solidFill>
+          </a:ln>
+        </p:spPr>
+        <p:style>
+          <a:lnRef idx="2">
+            <a:schemeClr val="accent1">
+              <a:shade val="50000"/>
+            </a:schemeClr>
+          </a:lnRef>
+          <a:fillRef idx="1">
+            <a:schemeClr val="accent1"/>
+          </a:fillRef>
+          <a:effectRef idx="0">
+            <a:schemeClr val="accent1"/>
+          </a:effectRef>
+          <a:fontRef idx="minor">
+            <a:schemeClr val="lt1"/>
+          </a:fontRef>
+        </p:style>
+        <p:txBody>
+          <a:bodyPr rtlCol="0" anchor="ctr"/>
+          <a:lstStyle/>
+          <a:p>
+            <a:pPr algn="ctr"/>
+            <a:r>
+              <a:rPr lang="de-CH" sz="1000" b="1" dirty="0">
+                <a:solidFill>
+                  <a:schemeClr val="tx1"/>
+                </a:solidFill>
+                <a:latin typeface="Arial" panose="020B0604020202020204" pitchFamily="34" charset="0"/>
+                <a:cs typeface="Arial" panose="020B0604020202020204" pitchFamily="34" charset="0"/>
+              </a:rPr>
+              <a:t>JazzGuests.xml</a:t>
+            </a:r>
+          </a:p>
+        </p:txBody>
+      </p:sp>
+      <p:sp>
+        <p:nvSpPr>
+          <p:cNvPr id="16" name="Rechteck 15">
+            <a:extLst>
+              <a:ext uri="{FF2B5EF4-FFF2-40B4-BE49-F238E27FC236}">
+                <a16:creationId xmlns:a16="http://schemas.microsoft.com/office/drawing/2014/main" id="{457CCA11-6E4B-0588-9F3B-1AA9E1649807}"/>
+              </a:ext>
+            </a:extLst>
+          </p:cNvPr>
+          <p:cNvSpPr/>
+          <p:nvPr/>
+        </p:nvSpPr>
+        <p:spPr>
+          <a:xfrm>
+            <a:off x="8468406" y="2042585"/>
+            <a:ext cx="814650" cy="273141"/>
+          </a:xfrm>
+          <a:prstGeom prst="rect">
+            <a:avLst/>
+          </a:prstGeom>
+          <a:solidFill>
+            <a:srgbClr val="FFFF00"/>
+          </a:solidFill>
+          <a:ln>
+            <a:solidFill>
+              <a:schemeClr val="tx1"/>
+            </a:solidFill>
+          </a:ln>
+        </p:spPr>
+        <p:style>
+          <a:lnRef idx="2">
+            <a:schemeClr val="accent1">
+              <a:shade val="50000"/>
+            </a:schemeClr>
+          </a:lnRef>
+          <a:fillRef idx="1">
+            <a:schemeClr val="accent1"/>
+          </a:fillRef>
+          <a:effectRef idx="0">
+            <a:schemeClr val="accent1"/>
+          </a:effectRef>
+          <a:fontRef idx="minor">
+            <a:schemeClr val="lt1"/>
+          </a:fontRef>
+        </p:style>
+        <p:txBody>
+          <a:bodyPr rtlCol="0" anchor="ctr"/>
+          <a:lstStyle/>
+          <a:p>
+            <a:pPr algn="ctr"/>
+            <a:r>
+              <a:rPr lang="de-CH" sz="1000" b="1" dirty="0" err="1">
+                <a:solidFill>
+                  <a:schemeClr val="tx1"/>
+                </a:solidFill>
+                <a:latin typeface="Arial" panose="020B0604020202020204" pitchFamily="34" charset="0"/>
+                <a:cs typeface="Arial" panose="020B0604020202020204" pitchFamily="34" charset="0"/>
+              </a:rPr>
+              <a:t>Uploaded</a:t>
+            </a:r>
+            <a:endParaRPr lang="de-CH" sz="1000" b="1" dirty="0">
+              <a:solidFill>
+                <a:schemeClr val="tx1"/>
+              </a:solidFill>
+              <a:latin typeface="Arial" panose="020B0604020202020204" pitchFamily="34" charset="0"/>
+              <a:cs typeface="Arial" panose="020B0604020202020204" pitchFamily="34" charset="0"/>
+            </a:endParaRPr>
+          </a:p>
+        </p:txBody>
+      </p:sp>
+      <p:sp>
+        <p:nvSpPr>
+          <p:cNvPr id="17" name="Flussdiagramm: Karte 16">
+            <a:extLst>
+              <a:ext uri="{FF2B5EF4-FFF2-40B4-BE49-F238E27FC236}">
+                <a16:creationId xmlns:a16="http://schemas.microsoft.com/office/drawing/2014/main" id="{A5E03B51-DF91-DA3C-0AE1-B4760FE1D65A}"/>
+              </a:ext>
+            </a:extLst>
+          </p:cNvPr>
+          <p:cNvSpPr/>
+          <p:nvPr/>
+        </p:nvSpPr>
+        <p:spPr>
+          <a:xfrm>
+            <a:off x="8034851" y="2407479"/>
+            <a:ext cx="1725780" cy="226766"/>
+          </a:xfrm>
+          <a:prstGeom prst="flowChartPunchedCard">
+            <a:avLst/>
+          </a:prstGeom>
+          <a:solidFill>
+            <a:srgbClr val="FFFF00"/>
+          </a:solidFill>
+          <a:ln>
+            <a:solidFill>
+              <a:schemeClr val="tx1"/>
+            </a:solidFill>
+          </a:ln>
+        </p:spPr>
+        <p:style>
+          <a:lnRef idx="2">
+            <a:schemeClr val="accent1">
+              <a:shade val="50000"/>
+            </a:schemeClr>
+          </a:lnRef>
+          <a:fillRef idx="1">
+            <a:schemeClr val="accent1"/>
+          </a:fillRef>
+          <a:effectRef idx="0">
+            <a:schemeClr val="accent1"/>
+          </a:effectRef>
+          <a:fontRef idx="minor">
+            <a:schemeClr val="lt1"/>
+          </a:fontRef>
+        </p:style>
+        <p:txBody>
+          <a:bodyPr rtlCol="0" anchor="ctr"/>
+          <a:lstStyle/>
+          <a:p>
+            <a:pPr algn="ctr"/>
+            <a:r>
+              <a:rPr lang="de-CH" sz="1000" b="1" dirty="0">
+                <a:solidFill>
+                  <a:schemeClr val="tx1"/>
+                </a:solidFill>
+                <a:latin typeface="Arial" panose="020B0604020202020204" pitchFamily="34" charset="0"/>
+                <a:cs typeface="Arial" panose="020B0604020202020204" pitchFamily="34" charset="0"/>
+              </a:rPr>
+              <a:t>JazzGuestsUploaded.xml</a:t>
+            </a:r>
+          </a:p>
+        </p:txBody>
+      </p:sp>
+      <p:cxnSp>
+        <p:nvCxnSpPr>
+          <p:cNvPr id="22" name="Gerader Verbinder 21">
+            <a:extLst>
+              <a:ext uri="{FF2B5EF4-FFF2-40B4-BE49-F238E27FC236}">
+                <a16:creationId xmlns:a16="http://schemas.microsoft.com/office/drawing/2014/main" id="{D6141B0C-D273-00B6-ADCA-7C31FDE3DD9A}"/>
+              </a:ext>
+            </a:extLst>
+          </p:cNvPr>
+          <p:cNvCxnSpPr>
+            <a:cxnSpLocks/>
+          </p:cNvCxnSpPr>
+          <p:nvPr/>
+        </p:nvCxnSpPr>
+        <p:spPr>
+          <a:xfrm>
+            <a:off x="7381652" y="1948102"/>
+            <a:ext cx="1465476" cy="11948"/>
+          </a:xfrm>
+          <a:prstGeom prst="line">
+            <a:avLst/>
+          </a:prstGeom>
+        </p:spPr>
+        <p:style>
+          <a:lnRef idx="1">
+            <a:schemeClr val="accent1"/>
+          </a:lnRef>
+          <a:fillRef idx="0">
+            <a:schemeClr val="accent1"/>
+          </a:fillRef>
+          <a:effectRef idx="0">
+            <a:schemeClr val="accent1"/>
+          </a:effectRef>
+          <a:fontRef idx="minor">
+            <a:schemeClr val="tx1"/>
+          </a:fontRef>
+        </p:style>
+      </p:cxnSp>
+      <p:sp>
+        <p:nvSpPr>
+          <p:cNvPr id="39" name="Flussdiagramm: Karte 38">
+            <a:extLst>
+              <a:ext uri="{FF2B5EF4-FFF2-40B4-BE49-F238E27FC236}">
+                <a16:creationId xmlns:a16="http://schemas.microsoft.com/office/drawing/2014/main" id="{29C3612C-87D4-7FD7-4959-E908ED69238C}"/>
+              </a:ext>
+            </a:extLst>
+          </p:cNvPr>
+          <p:cNvSpPr/>
+          <p:nvPr/>
+        </p:nvSpPr>
+        <p:spPr>
+          <a:xfrm>
+            <a:off x="6906505" y="2009767"/>
+            <a:ext cx="930728" cy="215685"/>
+          </a:xfrm>
+          <a:prstGeom prst="flowChartPunchedCard">
+            <a:avLst/>
+          </a:prstGeom>
+          <a:solidFill>
+            <a:srgbClr val="FFFF00"/>
+          </a:solidFill>
+          <a:ln>
+            <a:solidFill>
+              <a:schemeClr val="tx1"/>
+            </a:solidFill>
+          </a:ln>
+        </p:spPr>
+        <p:style>
+          <a:lnRef idx="2">
+            <a:schemeClr val="accent1">
+              <a:shade val="50000"/>
+            </a:schemeClr>
+          </a:lnRef>
+          <a:fillRef idx="1">
+            <a:schemeClr val="accent1"/>
+          </a:fillRef>
+          <a:effectRef idx="0">
+            <a:schemeClr val="accent1"/>
+          </a:effectRef>
+          <a:fontRef idx="minor">
+            <a:schemeClr val="lt1"/>
+          </a:fontRef>
+        </p:style>
+        <p:txBody>
+          <a:bodyPr rtlCol="0" anchor="ctr"/>
+          <a:lstStyle/>
+          <a:p>
+            <a:pPr algn="ctr"/>
+            <a:r>
+              <a:rPr lang="de-CH" sz="1000" b="1" dirty="0">
+                <a:solidFill>
+                  <a:schemeClr val="tx1"/>
+                </a:solidFill>
+                <a:latin typeface="Arial" panose="020B0604020202020204" pitchFamily="34" charset="0"/>
+                <a:cs typeface="Arial" panose="020B0604020202020204" pitchFamily="34" charset="0"/>
+              </a:rPr>
+              <a:t>xxx.jpg</a:t>
+            </a:r>
+          </a:p>
+        </p:txBody>
+      </p:sp>
+      <p:sp>
+        <p:nvSpPr>
+          <p:cNvPr id="46" name="Flussdiagramm: Karte 45">
+            <a:extLst>
+              <a:ext uri="{FF2B5EF4-FFF2-40B4-BE49-F238E27FC236}">
+                <a16:creationId xmlns:a16="http://schemas.microsoft.com/office/drawing/2014/main" id="{331E75A8-3240-31DF-236F-72A41D57D536}"/>
+              </a:ext>
+            </a:extLst>
+          </p:cNvPr>
+          <p:cNvSpPr/>
+          <p:nvPr/>
+        </p:nvSpPr>
+        <p:spPr>
+          <a:xfrm>
+            <a:off x="6697985" y="2200333"/>
+            <a:ext cx="930728" cy="215685"/>
+          </a:xfrm>
+          <a:prstGeom prst="flowChartPunchedCard">
+            <a:avLst/>
+          </a:prstGeom>
+          <a:solidFill>
+            <a:srgbClr val="FFFF00"/>
+          </a:solidFill>
+          <a:ln>
+            <a:solidFill>
+              <a:schemeClr val="tx1"/>
+            </a:solidFill>
+          </a:ln>
+        </p:spPr>
+        <p:style>
+          <a:lnRef idx="2">
+            <a:schemeClr val="accent1">
+              <a:shade val="50000"/>
+            </a:schemeClr>
+          </a:lnRef>
+          <a:fillRef idx="1">
+            <a:schemeClr val="accent1"/>
+          </a:fillRef>
+          <a:effectRef idx="0">
+            <a:schemeClr val="accent1"/>
+          </a:effectRef>
+          <a:fontRef idx="minor">
+            <a:schemeClr val="lt1"/>
+          </a:fontRef>
+        </p:style>
+        <p:txBody>
+          <a:bodyPr rtlCol="0" anchor="ctr"/>
+          <a:lstStyle/>
+          <a:p>
+            <a:pPr algn="ctr"/>
+            <a:r>
+              <a:rPr lang="de-CH" sz="1000" b="1" dirty="0">
+                <a:solidFill>
+                  <a:schemeClr val="tx1"/>
+                </a:solidFill>
+                <a:latin typeface="Arial" panose="020B0604020202020204" pitchFamily="34" charset="0"/>
+                <a:cs typeface="Arial" panose="020B0604020202020204" pitchFamily="34" charset="0"/>
+              </a:rPr>
+              <a:t>xxx.jpg</a:t>
+            </a:r>
+          </a:p>
+        </p:txBody>
+      </p:sp>
+      <p:sp>
+        <p:nvSpPr>
+          <p:cNvPr id="47" name="Flussdiagramm: Karte 46">
+            <a:extLst>
+              <a:ext uri="{FF2B5EF4-FFF2-40B4-BE49-F238E27FC236}">
+                <a16:creationId xmlns:a16="http://schemas.microsoft.com/office/drawing/2014/main" id="{392A78C9-E534-B0AA-6EDF-A88BFBB32DE8}"/>
+              </a:ext>
+            </a:extLst>
+          </p:cNvPr>
+          <p:cNvSpPr/>
+          <p:nvPr/>
+        </p:nvSpPr>
+        <p:spPr>
+          <a:xfrm>
+            <a:off x="6531737" y="2380062"/>
+            <a:ext cx="930728" cy="215685"/>
+          </a:xfrm>
+          <a:prstGeom prst="flowChartPunchedCard">
+            <a:avLst/>
+          </a:prstGeom>
+          <a:solidFill>
+            <a:srgbClr val="FFFF00"/>
+          </a:solidFill>
+          <a:ln>
+            <a:solidFill>
+              <a:schemeClr val="tx1"/>
+            </a:solidFill>
+          </a:ln>
+        </p:spPr>
+        <p:style>
+          <a:lnRef idx="2">
+            <a:schemeClr val="accent1">
+              <a:shade val="50000"/>
+            </a:schemeClr>
+          </a:lnRef>
+          <a:fillRef idx="1">
+            <a:schemeClr val="accent1"/>
+          </a:fillRef>
+          <a:effectRef idx="0">
+            <a:schemeClr val="accent1"/>
+          </a:effectRef>
+          <a:fontRef idx="minor">
+            <a:schemeClr val="lt1"/>
+          </a:fontRef>
+        </p:style>
+        <p:txBody>
+          <a:bodyPr rtlCol="0" anchor="ctr"/>
+          <a:lstStyle/>
+          <a:p>
+            <a:pPr algn="ctr"/>
+            <a:r>
+              <a:rPr lang="de-CH" sz="1000" b="1" dirty="0">
+                <a:solidFill>
+                  <a:schemeClr val="tx1"/>
+                </a:solidFill>
+                <a:latin typeface="Arial" panose="020B0604020202020204" pitchFamily="34" charset="0"/>
+                <a:cs typeface="Arial" panose="020B0604020202020204" pitchFamily="34" charset="0"/>
+              </a:rPr>
+              <a:t>xxx.jpg</a:t>
+            </a:r>
+          </a:p>
+        </p:txBody>
+      </p:sp>
+      <p:sp>
+        <p:nvSpPr>
+          <p:cNvPr id="49" name="Flussdiagramm: Karte 48">
+            <a:extLst>
+              <a:ext uri="{FF2B5EF4-FFF2-40B4-BE49-F238E27FC236}">
+                <a16:creationId xmlns:a16="http://schemas.microsoft.com/office/drawing/2014/main" id="{756826D4-8B99-8FD4-5F71-A9ECF0A39BAA}"/>
+              </a:ext>
+            </a:extLst>
+          </p:cNvPr>
+          <p:cNvSpPr/>
+          <p:nvPr/>
+        </p:nvSpPr>
+        <p:spPr>
+          <a:xfrm>
+            <a:off x="8400741" y="2727077"/>
+            <a:ext cx="930728" cy="215685"/>
+          </a:xfrm>
+          <a:prstGeom prst="flowChartPunchedCard">
+            <a:avLst/>
+          </a:prstGeom>
+          <a:solidFill>
+            <a:srgbClr val="FFFF00"/>
+          </a:solidFill>
+          <a:ln>
+            <a:solidFill>
+              <a:schemeClr val="tx1"/>
+            </a:solidFill>
+          </a:ln>
+        </p:spPr>
+        <p:style>
+          <a:lnRef idx="2">
+            <a:schemeClr val="accent1">
+              <a:shade val="50000"/>
+            </a:schemeClr>
+          </a:lnRef>
+          <a:fillRef idx="1">
+            <a:schemeClr val="accent1"/>
+          </a:fillRef>
+          <a:effectRef idx="0">
+            <a:schemeClr val="accent1"/>
+          </a:effectRef>
+          <a:fontRef idx="minor">
+            <a:schemeClr val="lt1"/>
+          </a:fontRef>
+        </p:style>
+        <p:txBody>
+          <a:bodyPr rtlCol="0" anchor="ctr"/>
+          <a:lstStyle/>
+          <a:p>
+            <a:pPr algn="ctr"/>
+            <a:r>
+              <a:rPr lang="de-CH" sz="1000" b="1" dirty="0">
+                <a:solidFill>
+                  <a:schemeClr val="tx1"/>
+                </a:solidFill>
+                <a:latin typeface="Arial" panose="020B0604020202020204" pitchFamily="34" charset="0"/>
+                <a:cs typeface="Arial" panose="020B0604020202020204" pitchFamily="34" charset="0"/>
+              </a:rPr>
+              <a:t>yyy.jpg</a:t>
+            </a:r>
+          </a:p>
+        </p:txBody>
+      </p:sp>
+      <p:sp>
+        <p:nvSpPr>
+          <p:cNvPr id="51" name="Flussdiagramm: Karte 50">
+            <a:extLst>
+              <a:ext uri="{FF2B5EF4-FFF2-40B4-BE49-F238E27FC236}">
+                <a16:creationId xmlns:a16="http://schemas.microsoft.com/office/drawing/2014/main" id="{304F2F06-43CB-3C13-F8FA-8B8AF3EFE468}"/>
+              </a:ext>
+            </a:extLst>
+          </p:cNvPr>
+          <p:cNvSpPr/>
+          <p:nvPr/>
+        </p:nvSpPr>
+        <p:spPr>
+          <a:xfrm>
+            <a:off x="8192221" y="2917643"/>
+            <a:ext cx="930728" cy="215685"/>
+          </a:xfrm>
+          <a:prstGeom prst="flowChartPunchedCard">
+            <a:avLst/>
+          </a:prstGeom>
+          <a:solidFill>
+            <a:srgbClr val="FFFF00"/>
+          </a:solidFill>
+          <a:ln>
+            <a:solidFill>
+              <a:schemeClr val="tx1"/>
+            </a:solidFill>
+          </a:ln>
+        </p:spPr>
+        <p:style>
+          <a:lnRef idx="2">
+            <a:schemeClr val="accent1">
+              <a:shade val="50000"/>
+            </a:schemeClr>
+          </a:lnRef>
+          <a:fillRef idx="1">
+            <a:schemeClr val="accent1"/>
+          </a:fillRef>
+          <a:effectRef idx="0">
+            <a:schemeClr val="accent1"/>
+          </a:effectRef>
+          <a:fontRef idx="minor">
+            <a:schemeClr val="lt1"/>
+          </a:fontRef>
+        </p:style>
+        <p:txBody>
+          <a:bodyPr rtlCol="0" anchor="ctr"/>
+          <a:lstStyle/>
+          <a:p>
+            <a:pPr algn="ctr"/>
+            <a:r>
+              <a:rPr lang="de-CH" sz="1000" b="1" dirty="0">
+                <a:solidFill>
+                  <a:schemeClr val="tx1"/>
+                </a:solidFill>
+                <a:latin typeface="Arial" panose="020B0604020202020204" pitchFamily="34" charset="0"/>
+                <a:cs typeface="Arial" panose="020B0604020202020204" pitchFamily="34" charset="0"/>
+              </a:rPr>
+              <a:t>yyy.jpg</a:t>
+            </a:r>
+          </a:p>
+        </p:txBody>
+      </p:sp>
+      <p:sp>
+        <p:nvSpPr>
+          <p:cNvPr id="53" name="Flussdiagramm: Karte 52">
+            <a:extLst>
+              <a:ext uri="{FF2B5EF4-FFF2-40B4-BE49-F238E27FC236}">
+                <a16:creationId xmlns:a16="http://schemas.microsoft.com/office/drawing/2014/main" id="{E748635E-B01E-5101-B5B5-F2A76537D44D}"/>
+              </a:ext>
+            </a:extLst>
+          </p:cNvPr>
+          <p:cNvSpPr/>
+          <p:nvPr/>
+        </p:nvSpPr>
+        <p:spPr>
+          <a:xfrm>
+            <a:off x="8025973" y="3097372"/>
+            <a:ext cx="930728" cy="215685"/>
+          </a:xfrm>
+          <a:prstGeom prst="flowChartPunchedCard">
+            <a:avLst/>
+          </a:prstGeom>
+          <a:solidFill>
+            <a:srgbClr val="FFFF00"/>
+          </a:solidFill>
+          <a:ln>
+            <a:solidFill>
+              <a:schemeClr val="tx1"/>
+            </a:solidFill>
+          </a:ln>
+        </p:spPr>
+        <p:style>
+          <a:lnRef idx="2">
+            <a:schemeClr val="accent1">
+              <a:shade val="50000"/>
+            </a:schemeClr>
+          </a:lnRef>
+          <a:fillRef idx="1">
+            <a:schemeClr val="accent1"/>
+          </a:fillRef>
+          <a:effectRef idx="0">
+            <a:schemeClr val="accent1"/>
+          </a:effectRef>
+          <a:fontRef idx="minor">
+            <a:schemeClr val="lt1"/>
+          </a:fontRef>
+        </p:style>
+        <p:txBody>
+          <a:bodyPr rtlCol="0" anchor="ctr"/>
+          <a:lstStyle/>
+          <a:p>
+            <a:pPr algn="ctr"/>
+            <a:r>
+              <a:rPr lang="de-CH" sz="1000" b="1" dirty="0">
+                <a:solidFill>
+                  <a:schemeClr val="tx1"/>
+                </a:solidFill>
+                <a:latin typeface="Arial" panose="020B0604020202020204" pitchFamily="34" charset="0"/>
+                <a:cs typeface="Arial" panose="020B0604020202020204" pitchFamily="34" charset="0"/>
+              </a:rPr>
+              <a:t>yyy.jpg</a:t>
             </a:r>
           </a:p>
         </p:txBody>
@@ -28278,7 +29283,7 @@
         </p:nvSpPr>
         <p:spPr>
           <a:xfrm>
-            <a:off x="2837122" y="219385"/>
+            <a:off x="2837649" y="136276"/>
             <a:ext cx="6374274" cy="3449938"/>
           </a:xfrm>
           <a:prstGeom prst="rect">
@@ -28948,36 +29953,6 @@
           </a:p>
         </p:txBody>
       </p:sp>
-      <p:pic>
-        <p:nvPicPr>
-          <p:cNvPr id="3" name="Grafik 2">
-            <a:extLst>
-              <a:ext uri="{FF2B5EF4-FFF2-40B4-BE49-F238E27FC236}">
-                <a16:creationId xmlns:a16="http://schemas.microsoft.com/office/drawing/2014/main" id="{5CE62B8C-261A-FBCD-6286-FD9F6EE1ED20}"/>
-              </a:ext>
-            </a:extLst>
-          </p:cNvPr>
-          <p:cNvPicPr>
-            <a:picLocks noChangeAspect="1"/>
-          </p:cNvPicPr>
-          <p:nvPr/>
-        </p:nvPicPr>
-        <p:blipFill>
-          <a:blip r:embed="rId2"/>
-          <a:stretch>
-            <a:fillRect/>
-          </a:stretch>
-        </p:blipFill>
-        <p:spPr>
-          <a:xfrm>
-            <a:off x="134500" y="219385"/>
-            <a:ext cx="2517549" cy="2184099"/>
-          </a:xfrm>
-          <a:prstGeom prst="rect">
-            <a:avLst/>
-          </a:prstGeom>
-        </p:spPr>
-      </p:pic>
       <p:cxnSp>
         <p:nvCxnSpPr>
           <p:cNvPr id="2" name="Gerader Verbinder 1">
@@ -29066,6 +30041,36 @@
           </a:fontRef>
         </p:style>
       </p:cxnSp>
+      <p:pic>
+        <p:nvPicPr>
+          <p:cNvPr id="9" name="Grafik 8">
+            <a:extLst>
+              <a:ext uri="{FF2B5EF4-FFF2-40B4-BE49-F238E27FC236}">
+                <a16:creationId xmlns:a16="http://schemas.microsoft.com/office/drawing/2014/main" id="{447C3BA0-2A1A-196B-0C54-6EF042647F4A}"/>
+              </a:ext>
+            </a:extLst>
+          </p:cNvPr>
+          <p:cNvPicPr>
+            <a:picLocks noChangeAspect="1"/>
+          </p:cNvPicPr>
+          <p:nvPr/>
+        </p:nvPicPr>
+        <p:blipFill>
+          <a:blip r:embed="rId2"/>
+          <a:stretch>
+            <a:fillRect/>
+          </a:stretch>
+        </p:blipFill>
+        <p:spPr>
+          <a:xfrm>
+            <a:off x="133248" y="145818"/>
+            <a:ext cx="2514286" cy="2180952"/>
+          </a:xfrm>
+          <a:prstGeom prst="rect">
+            <a:avLst/>
+          </a:prstGeom>
+        </p:spPr>
+      </p:pic>
     </p:spTree>
     <p:extLst>
       <p:ext uri="{BB962C8B-B14F-4D97-AF65-F5344CB8AC3E}">
@@ -29400,6 +30405,15 @@
               <a:t>SaveEditedRecord</a:t>
             </a:r>
             <a:endParaRPr lang="de-CH" sz="2000" b="1" dirty="0">
+              <a:solidFill>
+                <a:schemeClr val="tx1"/>
+              </a:solidFill>
+              <a:latin typeface="Arial" panose="020B0604020202020204" pitchFamily="34" charset="0"/>
+              <a:cs typeface="Arial" panose="020B0604020202020204" pitchFamily="34" charset="0"/>
+            </a:endParaRPr>
+          </a:p>
+          <a:p>
+            <a:endParaRPr lang="de-CH" sz="1400" b="1" dirty="0">
               <a:solidFill>
                 <a:schemeClr val="tx1"/>
               </a:solidFill>
